--- a/Courses/Software-Sciences/Module-3-Databases-New/11-MS-Access/11-MS-Access.pptx
+++ b/Courses/Software-Sciences/Module-3-Databases-New/11-MS-Access/11-MS-Access.pptx
@@ -5,10 +5,10 @@
     <p:sldMasterId id="2147483675" r:id="rId4"/>
   </p:sldMasterIdLst>
   <p:notesMasterIdLst>
-    <p:notesMasterId r:id="rId21"/>
+    <p:notesMasterId r:id="rId24"/>
   </p:notesMasterIdLst>
   <p:handoutMasterIdLst>
-    <p:handoutMasterId r:id="rId22"/>
+    <p:handoutMasterId r:id="rId25"/>
   </p:handoutMasterIdLst>
   <p:sldIdLst>
     <p:sldId id="503" r:id="rId5"/>
@@ -23,10 +23,13 @@
     <p:sldId id="531" r:id="rId14"/>
     <p:sldId id="532" r:id="rId15"/>
     <p:sldId id="529" r:id="rId16"/>
-    <p:sldId id="530" r:id="rId17"/>
-    <p:sldId id="349" r:id="rId18"/>
-    <p:sldId id="256" r:id="rId19"/>
-    <p:sldId id="493" r:id="rId20"/>
+    <p:sldId id="533" r:id="rId17"/>
+    <p:sldId id="535" r:id="rId18"/>
+    <p:sldId id="536" r:id="rId19"/>
+    <p:sldId id="534" r:id="rId20"/>
+    <p:sldId id="349" r:id="rId21"/>
+    <p:sldId id="256" r:id="rId22"/>
+    <p:sldId id="493" r:id="rId23"/>
   </p:sldIdLst>
   <p:sldSz cx="12192000" cy="6858000"/>
   <p:notesSz cx="6858000" cy="9144000"/>
@@ -127,7 +130,7 @@
   </p:defaultTextStyle>
   <p:extLst>
     <p:ext uri="{521415D9-36F7-43E2-AB2F-B90AF26B5E84}">
-      <p14:sectionLst xmlns:p14="http://schemas.microsoft.com/office/powerpoint/2010/main" xmlns="">
+      <p14:sectionLst xmlns="" xmlns:p14="http://schemas.microsoft.com/office/powerpoint/2010/main">
         <p14:section name="Въведение" id="{A0C7653D-1924-4F56-9E27-AA2B21F1DA92}">
           <p14:sldIdLst>
             <p14:sldId id="503"/>
@@ -186,7 +189,7 @@
       </p14:sectionLst>
     </p:ext>
     <p:ext uri="{EFAFB233-063F-42B5-8137-9DF3F51BA10A}">
-      <p15:sldGuideLst xmlns:p15="http://schemas.microsoft.com/office/powerpoint/2012/main" xmlns="">
+      <p15:sldGuideLst xmlns="" xmlns:p15="http://schemas.microsoft.com/office/powerpoint/2012/main">
         <p15:guide id="1" orient="horz" pos="2184" userDrawn="1">
           <p15:clr>
             <a:srgbClr val="A4A3A4"/>
@@ -200,7 +203,7 @@
       </p15:sldGuideLst>
     </p:ext>
     <p:ext uri="{2D200454-40CA-4A62-9FC3-DE9A4176ACB9}">
-      <p15:notesGuideLst xmlns:p15="http://schemas.microsoft.com/office/powerpoint/2012/main" xmlns=""/>
+      <p15:notesGuideLst xmlns="" xmlns:p15="http://schemas.microsoft.com/office/powerpoint/2012/main"/>
     </p:ext>
   </p:extLst>
 </p:presentation>
@@ -233,7 +236,7 @@
           <p:cNvPr id="2" name="Header Placeholder 1">
             <a:extLst>
               <a:ext uri="{FF2B5EF4-FFF2-40B4-BE49-F238E27FC236}">
-                <a16:creationId xmlns:a16="http://schemas.microsoft.com/office/drawing/2014/main" xmlns="" id="{56F20103-83CC-4A54-8FDE-9D37FC2629C0}"/>
+                <a16:creationId xmlns="" xmlns:a16="http://schemas.microsoft.com/office/drawing/2014/main" id="{56F20103-83CC-4A54-8FDE-9D37FC2629C0}"/>
               </a:ext>
             </a:extLst>
           </p:cNvPr>
@@ -270,7 +273,7 @@
           <p:cNvPr id="3" name="Date Placeholder 2">
             <a:extLst>
               <a:ext uri="{FF2B5EF4-FFF2-40B4-BE49-F238E27FC236}">
-                <a16:creationId xmlns:a16="http://schemas.microsoft.com/office/drawing/2014/main" xmlns="" id="{27A53962-26EF-44E4-9E69-61B1727AB1C2}"/>
+                <a16:creationId xmlns="" xmlns:a16="http://schemas.microsoft.com/office/drawing/2014/main" id="{27A53962-26EF-44E4-9E69-61B1727AB1C2}"/>
               </a:ext>
             </a:extLst>
           </p:cNvPr>
@@ -312,7 +315,7 @@
           <p:cNvPr id="4" name="Footer Placeholder 3">
             <a:extLst>
               <a:ext uri="{FF2B5EF4-FFF2-40B4-BE49-F238E27FC236}">
-                <a16:creationId xmlns:a16="http://schemas.microsoft.com/office/drawing/2014/main" xmlns="" id="{28A6967E-448F-4887-8FCB-34482EFBCC74}"/>
+                <a16:creationId xmlns="" xmlns:a16="http://schemas.microsoft.com/office/drawing/2014/main" id="{28A6967E-448F-4887-8FCB-34482EFBCC74}"/>
               </a:ext>
             </a:extLst>
           </p:cNvPr>
@@ -362,7 +365,7 @@
           <p:cNvPr id="5" name="Slide Number Placeholder 4">
             <a:extLst>
               <a:ext uri="{FF2B5EF4-FFF2-40B4-BE49-F238E27FC236}">
-                <a16:creationId xmlns:a16="http://schemas.microsoft.com/office/drawing/2014/main" xmlns="" id="{8B6554C2-DDBA-40E2-9536-53A07EC50274}"/>
+                <a16:creationId xmlns="" xmlns:a16="http://schemas.microsoft.com/office/drawing/2014/main" id="{8B6554C2-DDBA-40E2-9536-53A07EC50274}"/>
               </a:ext>
             </a:extLst>
           </p:cNvPr>
@@ -402,7 +405,7 @@
     </p:spTree>
     <p:extLst>
       <p:ext uri="{BB962C8B-B14F-4D97-AF65-F5344CB8AC3E}">
-        <p14:creationId xmlns:p14="http://schemas.microsoft.com/office/powerpoint/2010/main" xmlns="" val="4150602968"/>
+        <p14:creationId xmlns="" xmlns:p14="http://schemas.microsoft.com/office/powerpoint/2010/main" val="4150602968"/>
       </p:ext>
     </p:extLst>
   </p:cSld>
@@ -633,7 +636,7 @@
           <p:cNvPr id="8" name="Footer Placeholder 7">
             <a:extLst>
               <a:ext uri="{FF2B5EF4-FFF2-40B4-BE49-F238E27FC236}">
-                <a16:creationId xmlns:a16="http://schemas.microsoft.com/office/drawing/2014/main" xmlns="" id="{CAC3A49B-3196-44DF-AC28-085C72EFBFF0}"/>
+                <a16:creationId xmlns="" xmlns:a16="http://schemas.microsoft.com/office/drawing/2014/main" id="{CAC3A49B-3196-44DF-AC28-085C72EFBFF0}"/>
               </a:ext>
             </a:extLst>
           </p:cNvPr>
@@ -681,7 +684,7 @@
     </p:spTree>
     <p:extLst>
       <p:ext uri="{BB962C8B-B14F-4D97-AF65-F5344CB8AC3E}">
-        <p14:creationId xmlns:p14="http://schemas.microsoft.com/office/powerpoint/2010/main" xmlns="" val="1530847692"/>
+        <p14:creationId xmlns="" xmlns:p14="http://schemas.microsoft.com/office/powerpoint/2010/main" val="1530847692"/>
       </p:ext>
     </p:extLst>
   </p:cSld>
@@ -828,7 +831,7 @@
           <p:cNvPr id="8" name="Slide Image Placeholder 7">
             <a:extLst>
               <a:ext uri="{FF2B5EF4-FFF2-40B4-BE49-F238E27FC236}">
-                <a16:creationId xmlns:a16="http://schemas.microsoft.com/office/drawing/2014/main" xmlns="" id="{78811095-27E9-49AB-972B-D4E20B3963A6}"/>
+                <a16:creationId xmlns="" xmlns:a16="http://schemas.microsoft.com/office/drawing/2014/main" id="{78811095-27E9-49AB-972B-D4E20B3963A6}"/>
               </a:ext>
             </a:extLst>
           </p:cNvPr>
@@ -846,7 +849,7 @@
           <p:cNvPr id="9" name="Notes Placeholder 8">
             <a:extLst>
               <a:ext uri="{FF2B5EF4-FFF2-40B4-BE49-F238E27FC236}">
-                <a16:creationId xmlns:a16="http://schemas.microsoft.com/office/drawing/2014/main" xmlns="" id="{E923224B-0CC3-475A-8628-8A90751AE61A}"/>
+                <a16:creationId xmlns="" xmlns:a16="http://schemas.microsoft.com/office/drawing/2014/main" id="{E923224B-0CC3-475A-8628-8A90751AE61A}"/>
               </a:ext>
             </a:extLst>
           </p:cNvPr>
@@ -871,7 +874,7 @@
           <p:cNvPr id="2" name="Footer Placeholder 1">
             <a:extLst>
               <a:ext uri="{FF2B5EF4-FFF2-40B4-BE49-F238E27FC236}">
-                <a16:creationId xmlns:a16="http://schemas.microsoft.com/office/drawing/2014/main" xmlns="" id="{3288A3F3-90B1-4930-8D00-5603BDABEF10}"/>
+                <a16:creationId xmlns="" xmlns:a16="http://schemas.microsoft.com/office/drawing/2014/main" id="{3288A3F3-90B1-4930-8D00-5603BDABEF10}"/>
               </a:ext>
             </a:extLst>
           </p:cNvPr>
@@ -907,7 +910,7 @@
     </p:spTree>
     <p:extLst>
       <p:ext uri="{BB962C8B-B14F-4D97-AF65-F5344CB8AC3E}">
-        <p14:creationId xmlns:p14="http://schemas.microsoft.com/office/powerpoint/2010/main" xmlns="" val="2594489433"/>
+        <p14:creationId xmlns="" xmlns:p14="http://schemas.microsoft.com/office/powerpoint/2010/main" val="2594489433"/>
       </p:ext>
     </p:extLst>
   </p:cSld>
@@ -939,7 +942,7 @@
           <p:cNvPr id="14" name="Slide Image Placeholder 13">
             <a:extLst>
               <a:ext uri="{FF2B5EF4-FFF2-40B4-BE49-F238E27FC236}">
-                <a16:creationId xmlns:a16="http://schemas.microsoft.com/office/drawing/2014/main" xmlns="" id="{A1F0B3C6-2E53-4CA3-86D1-53D46EC35267}"/>
+                <a16:creationId xmlns="" xmlns:a16="http://schemas.microsoft.com/office/drawing/2014/main" id="{A1F0B3C6-2E53-4CA3-86D1-53D46EC35267}"/>
               </a:ext>
             </a:extLst>
           </p:cNvPr>
@@ -957,7 +960,7 @@
           <p:cNvPr id="15" name="Notes Placeholder 14">
             <a:extLst>
               <a:ext uri="{FF2B5EF4-FFF2-40B4-BE49-F238E27FC236}">
-                <a16:creationId xmlns:a16="http://schemas.microsoft.com/office/drawing/2014/main" xmlns="" id="{149CC699-A079-49A5-A4D6-73B7F849A7DC}"/>
+                <a16:creationId xmlns="" xmlns:a16="http://schemas.microsoft.com/office/drawing/2014/main" id="{149CC699-A079-49A5-A4D6-73B7F849A7DC}"/>
               </a:ext>
             </a:extLst>
           </p:cNvPr>
@@ -982,7 +985,7 @@
           <p:cNvPr id="19" name="Slide Number Placeholder 5">
             <a:extLst>
               <a:ext uri="{FF2B5EF4-FFF2-40B4-BE49-F238E27FC236}">
-                <a16:creationId xmlns:a16="http://schemas.microsoft.com/office/drawing/2014/main" xmlns="" id="{121F4233-7E9A-40D2-9066-2DB14E2FA5AD}"/>
+                <a16:creationId xmlns="" xmlns:a16="http://schemas.microsoft.com/office/drawing/2014/main" id="{121F4233-7E9A-40D2-9066-2DB14E2FA5AD}"/>
               </a:ext>
             </a:extLst>
           </p:cNvPr>
@@ -1112,7 +1115,7 @@
           <p:cNvPr id="2" name="Footer Placeholder 1">
             <a:extLst>
               <a:ext uri="{FF2B5EF4-FFF2-40B4-BE49-F238E27FC236}">
-                <a16:creationId xmlns:a16="http://schemas.microsoft.com/office/drawing/2014/main" xmlns="" id="{D18F1DFF-B3E7-4ABF-97EE-0BBF3A961EC5}"/>
+                <a16:creationId xmlns="" xmlns:a16="http://schemas.microsoft.com/office/drawing/2014/main" id="{D18F1DFF-B3E7-4ABF-97EE-0BBF3A961EC5}"/>
               </a:ext>
             </a:extLst>
           </p:cNvPr>
@@ -1148,7 +1151,7 @@
     </p:spTree>
     <p:extLst>
       <p:ext uri="{BB962C8B-B14F-4D97-AF65-F5344CB8AC3E}">
-        <p14:creationId xmlns:p14="http://schemas.microsoft.com/office/powerpoint/2010/main" xmlns="" val="4028530743"/>
+        <p14:creationId xmlns="" xmlns:p14="http://schemas.microsoft.com/office/powerpoint/2010/main" val="4028530743"/>
       </p:ext>
     </p:extLst>
   </p:cSld>
@@ -1429,7 +1432,9 @@
         </p:nvSpPr>
         <p:spPr/>
         <p:txBody>
-          <a:bodyPr/>
+          <a:bodyPr>
+            <a:normAutofit/>
+          </a:bodyPr>
           <a:lstStyle/>
           <a:p>
             <a:endParaRPr lang="en-US" dirty="0"/>
@@ -1438,148 +1443,12 @@
       </p:sp>
       <p:sp>
         <p:nvSpPr>
-          <p:cNvPr id="7" name="Slide Number Placeholder 5">
-            <a:extLst>
-              <a:ext uri="{FF2B5EF4-FFF2-40B4-BE49-F238E27FC236}">
-                <a16:creationId xmlns:a16="http://schemas.microsoft.com/office/drawing/2014/main" xmlns="" id="{E65F1CA9-65DC-416B-8882-B3A5E415CE67}"/>
-              </a:ext>
-            </a:extLst>
-          </p:cNvPr>
-          <p:cNvSpPr txBox="1">
-            <a:spLocks/>
-          </p:cNvSpPr>
-          <p:nvPr/>
-        </p:nvSpPr>
-        <p:spPr>
-          <a:xfrm>
-            <a:off x="6488999" y="8847000"/>
-            <a:ext cx="367414" cy="297000"/>
-          </a:xfrm>
-          <a:prstGeom prst="rect">
-            <a:avLst/>
-          </a:prstGeom>
-        </p:spPr>
-        <p:txBody>
-          <a:bodyPr vert="horz" lIns="91440" tIns="45720" rIns="91440" bIns="45720" rtlCol="0" anchor="b"/>
-          <a:lstStyle>
-            <a:defPPr>
-              <a:defRPr lang="en-US"/>
-            </a:defPPr>
-            <a:lvl1pPr marL="0" algn="r" defTabSz="914400" rtl="0" eaLnBrk="1" latinLnBrk="0" hangingPunct="1">
-              <a:defRPr sz="1200" kern="1200">
-                <a:solidFill>
-                  <a:schemeClr val="tx1"/>
-                </a:solidFill>
-                <a:latin typeface="+mn-lt"/>
-                <a:ea typeface="+mn-ea"/>
-                <a:cs typeface="+mn-cs"/>
-              </a:defRPr>
-            </a:lvl1pPr>
-            <a:lvl2pPr marL="457200" algn="l" defTabSz="914400" rtl="0" eaLnBrk="1" latinLnBrk="0" hangingPunct="1">
-              <a:defRPr sz="1800" kern="1200">
-                <a:solidFill>
-                  <a:schemeClr val="tx1"/>
-                </a:solidFill>
-                <a:latin typeface="+mn-lt"/>
-                <a:ea typeface="+mn-ea"/>
-                <a:cs typeface="+mn-cs"/>
-              </a:defRPr>
-            </a:lvl2pPr>
-            <a:lvl3pPr marL="914400" algn="l" defTabSz="914400" rtl="0" eaLnBrk="1" latinLnBrk="0" hangingPunct="1">
-              <a:defRPr sz="1800" kern="1200">
-                <a:solidFill>
-                  <a:schemeClr val="tx1"/>
-                </a:solidFill>
-                <a:latin typeface="+mn-lt"/>
-                <a:ea typeface="+mn-ea"/>
-                <a:cs typeface="+mn-cs"/>
-              </a:defRPr>
-            </a:lvl3pPr>
-            <a:lvl4pPr marL="1371600" algn="l" defTabSz="914400" rtl="0" eaLnBrk="1" latinLnBrk="0" hangingPunct="1">
-              <a:defRPr sz="1800" kern="1200">
-                <a:solidFill>
-                  <a:schemeClr val="tx1"/>
-                </a:solidFill>
-                <a:latin typeface="+mn-lt"/>
-                <a:ea typeface="+mn-ea"/>
-                <a:cs typeface="+mn-cs"/>
-              </a:defRPr>
-            </a:lvl4pPr>
-            <a:lvl5pPr marL="1828800" algn="l" defTabSz="914400" rtl="0" eaLnBrk="1" latinLnBrk="0" hangingPunct="1">
-              <a:defRPr sz="1800" kern="1200">
-                <a:solidFill>
-                  <a:schemeClr val="tx1"/>
-                </a:solidFill>
-                <a:latin typeface="+mn-lt"/>
-                <a:ea typeface="+mn-ea"/>
-                <a:cs typeface="+mn-cs"/>
-              </a:defRPr>
-            </a:lvl5pPr>
-            <a:lvl6pPr marL="2286000" algn="l" defTabSz="914400" rtl="0" eaLnBrk="1" latinLnBrk="0" hangingPunct="1">
-              <a:defRPr sz="1800" kern="1200">
-                <a:solidFill>
-                  <a:schemeClr val="tx1"/>
-                </a:solidFill>
-                <a:latin typeface="+mn-lt"/>
-                <a:ea typeface="+mn-ea"/>
-                <a:cs typeface="+mn-cs"/>
-              </a:defRPr>
-            </a:lvl6pPr>
-            <a:lvl7pPr marL="2743200" algn="l" defTabSz="914400" rtl="0" eaLnBrk="1" latinLnBrk="0" hangingPunct="1">
-              <a:defRPr sz="1800" kern="1200">
-                <a:solidFill>
-                  <a:schemeClr val="tx1"/>
-                </a:solidFill>
-                <a:latin typeface="+mn-lt"/>
-                <a:ea typeface="+mn-ea"/>
-                <a:cs typeface="+mn-cs"/>
-              </a:defRPr>
-            </a:lvl7pPr>
-            <a:lvl8pPr marL="3200400" algn="l" defTabSz="914400" rtl="0" eaLnBrk="1" latinLnBrk="0" hangingPunct="1">
-              <a:defRPr sz="1800" kern="1200">
-                <a:solidFill>
-                  <a:schemeClr val="tx1"/>
-                </a:solidFill>
-                <a:latin typeface="+mn-lt"/>
-                <a:ea typeface="+mn-ea"/>
-                <a:cs typeface="+mn-cs"/>
-              </a:defRPr>
-            </a:lvl8pPr>
-            <a:lvl9pPr marL="3657600" algn="l" defTabSz="914400" rtl="0" eaLnBrk="1" latinLnBrk="0" hangingPunct="1">
-              <a:defRPr sz="1800" kern="1200">
-                <a:solidFill>
-                  <a:schemeClr val="tx1"/>
-                </a:solidFill>
-                <a:latin typeface="+mn-lt"/>
-                <a:ea typeface="+mn-ea"/>
-                <a:cs typeface="+mn-cs"/>
-              </a:defRPr>
-            </a:lvl9pPr>
-          </a:lstStyle>
-          <a:p>
-            <a:fld id="{3EBA5BD7-F043-4D1B-AA17-CD412FC534DE}" type="slidenum">
-              <a:rPr lang="en-US" smtClean="0"/>
-              <a:pPr/>
-              <a:t>14</a:t>
-            </a:fld>
-            <a:endParaRPr lang="en-US" dirty="0"/>
-          </a:p>
-        </p:txBody>
-      </p:sp>
-      <p:sp>
-        <p:nvSpPr>
-          <p:cNvPr id="4" name="Footer Placeholder 3">
-            <a:extLst>
-              <a:ext uri="{FF2B5EF4-FFF2-40B4-BE49-F238E27FC236}">
-                <a16:creationId xmlns:a16="http://schemas.microsoft.com/office/drawing/2014/main" xmlns="" id="{C5BD11C3-9FCD-4EAE-876D-E766924FAFF2}"/>
-              </a:ext>
-            </a:extLst>
-          </p:cNvPr>
+          <p:cNvPr id="4" name="Slide Number Placeholder 3"/>
           <p:cNvSpPr>
             <a:spLocks noGrp="1"/>
           </p:cNvSpPr>
           <p:nvPr>
-            <p:ph type="ftr" sz="quarter" idx="4"/>
+            <p:ph type="sldNum" sz="quarter" idx="10"/>
           </p:nvPr>
         </p:nvSpPr>
         <p:spPr/>
@@ -1587,29 +1456,49 @@
           <a:bodyPr/>
           <a:lstStyle/>
           <a:p>
-            <a:r>
-              <a:rPr lang="en-US" dirty="0"/>
+            <a:fld id="{2BF067CD-8E6B-4360-9AA8-C5DF2A48A6D1}" type="slidenum">
+              <a:rPr lang="en-US" smtClean="0"/>
+              <a:pPr/>
+              <a:t>15</a:t>
+            </a:fld>
+            <a:endParaRPr lang="en-US" dirty="0"/>
+          </a:p>
+        </p:txBody>
+      </p:sp>
+      <p:sp>
+        <p:nvSpPr>
+          <p:cNvPr id="5" name="Footer Placeholder 4"/>
+          <p:cNvSpPr>
+            <a:spLocks noGrp="1"/>
+          </p:cNvSpPr>
+          <p:nvPr>
+            <p:ph type="ftr" sz="quarter" idx="11"/>
+          </p:nvPr>
+        </p:nvSpPr>
+        <p:spPr/>
+        <p:txBody>
+          <a:bodyPr/>
+          <a:lstStyle/>
+          <a:p>
+            <a:r>
+              <a:rPr lang="en-US" smtClean="0"/>
               <a:t>© SoftUni – </a:t>
             </a:r>
             <a:r>
-              <a:rPr lang="en-US" u="sng" dirty="0">
+              <a:rPr lang="en-US" u="sng" smtClean="0">
                 <a:hlinkClick r:id="rId3"/>
               </a:rPr>
               <a:t>https://softuni.org</a:t>
             </a:r>
             <a:r>
-              <a:rPr lang="en-US" dirty="0"/>
+              <a:rPr lang="en-US" smtClean="0"/>
               <a:t>. Copyrighted document. Unauthorized copy or reproduction is not permitted.</a:t>
             </a:r>
+            <a:endParaRPr lang="en-US" dirty="0"/>
           </a:p>
         </p:txBody>
       </p:sp>
     </p:spTree>
-    <p:extLst>
-      <p:ext uri="{BB962C8B-B14F-4D97-AF65-F5344CB8AC3E}">
-        <p14:creationId xmlns:p14="http://schemas.microsoft.com/office/powerpoint/2010/main" xmlns="" val="1860974293"/>
-      </p:ext>
-    </p:extLst>
   </p:cSld>
   <p:clrMapOvr>
     <a:masterClrMapping/>
@@ -1661,18 +1550,154 @@
           <a:bodyPr/>
           <a:lstStyle/>
           <a:p>
-            <a:endParaRPr lang="x-none"/>
+            <a:endParaRPr lang="en-US" dirty="0"/>
           </a:p>
         </p:txBody>
       </p:sp>
       <p:sp>
         <p:nvSpPr>
-          <p:cNvPr id="4" name="Slide Number Placeholder 3"/>
+          <p:cNvPr id="7" name="Slide Number Placeholder 5">
+            <a:extLst>
+              <a:ext uri="{FF2B5EF4-FFF2-40B4-BE49-F238E27FC236}">
+                <a16:creationId xmlns="" xmlns:a16="http://schemas.microsoft.com/office/drawing/2014/main" id="{E65F1CA9-65DC-416B-8882-B3A5E415CE67}"/>
+              </a:ext>
+            </a:extLst>
+          </p:cNvPr>
+          <p:cNvSpPr txBox="1">
+            <a:spLocks/>
+          </p:cNvSpPr>
+          <p:nvPr/>
+        </p:nvSpPr>
+        <p:spPr>
+          <a:xfrm>
+            <a:off x="6488999" y="8847000"/>
+            <a:ext cx="367414" cy="297000"/>
+          </a:xfrm>
+          <a:prstGeom prst="rect">
+            <a:avLst/>
+          </a:prstGeom>
+        </p:spPr>
+        <p:txBody>
+          <a:bodyPr vert="horz" lIns="91440" tIns="45720" rIns="91440" bIns="45720" rtlCol="0" anchor="b"/>
+          <a:lstStyle>
+            <a:defPPr>
+              <a:defRPr lang="en-US"/>
+            </a:defPPr>
+            <a:lvl1pPr marL="0" algn="r" defTabSz="914400" rtl="0" eaLnBrk="1" latinLnBrk="0" hangingPunct="1">
+              <a:defRPr sz="1200" kern="1200">
+                <a:solidFill>
+                  <a:schemeClr val="tx1"/>
+                </a:solidFill>
+                <a:latin typeface="+mn-lt"/>
+                <a:ea typeface="+mn-ea"/>
+                <a:cs typeface="+mn-cs"/>
+              </a:defRPr>
+            </a:lvl1pPr>
+            <a:lvl2pPr marL="457200" algn="l" defTabSz="914400" rtl="0" eaLnBrk="1" latinLnBrk="0" hangingPunct="1">
+              <a:defRPr sz="1800" kern="1200">
+                <a:solidFill>
+                  <a:schemeClr val="tx1"/>
+                </a:solidFill>
+                <a:latin typeface="+mn-lt"/>
+                <a:ea typeface="+mn-ea"/>
+                <a:cs typeface="+mn-cs"/>
+              </a:defRPr>
+            </a:lvl2pPr>
+            <a:lvl3pPr marL="914400" algn="l" defTabSz="914400" rtl="0" eaLnBrk="1" latinLnBrk="0" hangingPunct="1">
+              <a:defRPr sz="1800" kern="1200">
+                <a:solidFill>
+                  <a:schemeClr val="tx1"/>
+                </a:solidFill>
+                <a:latin typeface="+mn-lt"/>
+                <a:ea typeface="+mn-ea"/>
+                <a:cs typeface="+mn-cs"/>
+              </a:defRPr>
+            </a:lvl3pPr>
+            <a:lvl4pPr marL="1371600" algn="l" defTabSz="914400" rtl="0" eaLnBrk="1" latinLnBrk="0" hangingPunct="1">
+              <a:defRPr sz="1800" kern="1200">
+                <a:solidFill>
+                  <a:schemeClr val="tx1"/>
+                </a:solidFill>
+                <a:latin typeface="+mn-lt"/>
+                <a:ea typeface="+mn-ea"/>
+                <a:cs typeface="+mn-cs"/>
+              </a:defRPr>
+            </a:lvl4pPr>
+            <a:lvl5pPr marL="1828800" algn="l" defTabSz="914400" rtl="0" eaLnBrk="1" latinLnBrk="0" hangingPunct="1">
+              <a:defRPr sz="1800" kern="1200">
+                <a:solidFill>
+                  <a:schemeClr val="tx1"/>
+                </a:solidFill>
+                <a:latin typeface="+mn-lt"/>
+                <a:ea typeface="+mn-ea"/>
+                <a:cs typeface="+mn-cs"/>
+              </a:defRPr>
+            </a:lvl5pPr>
+            <a:lvl6pPr marL="2286000" algn="l" defTabSz="914400" rtl="0" eaLnBrk="1" latinLnBrk="0" hangingPunct="1">
+              <a:defRPr sz="1800" kern="1200">
+                <a:solidFill>
+                  <a:schemeClr val="tx1"/>
+                </a:solidFill>
+                <a:latin typeface="+mn-lt"/>
+                <a:ea typeface="+mn-ea"/>
+                <a:cs typeface="+mn-cs"/>
+              </a:defRPr>
+            </a:lvl6pPr>
+            <a:lvl7pPr marL="2743200" algn="l" defTabSz="914400" rtl="0" eaLnBrk="1" latinLnBrk="0" hangingPunct="1">
+              <a:defRPr sz="1800" kern="1200">
+                <a:solidFill>
+                  <a:schemeClr val="tx1"/>
+                </a:solidFill>
+                <a:latin typeface="+mn-lt"/>
+                <a:ea typeface="+mn-ea"/>
+                <a:cs typeface="+mn-cs"/>
+              </a:defRPr>
+            </a:lvl7pPr>
+            <a:lvl8pPr marL="3200400" algn="l" defTabSz="914400" rtl="0" eaLnBrk="1" latinLnBrk="0" hangingPunct="1">
+              <a:defRPr sz="1800" kern="1200">
+                <a:solidFill>
+                  <a:schemeClr val="tx1"/>
+                </a:solidFill>
+                <a:latin typeface="+mn-lt"/>
+                <a:ea typeface="+mn-ea"/>
+                <a:cs typeface="+mn-cs"/>
+              </a:defRPr>
+            </a:lvl8pPr>
+            <a:lvl9pPr marL="3657600" algn="l" defTabSz="914400" rtl="0" eaLnBrk="1" latinLnBrk="0" hangingPunct="1">
+              <a:defRPr sz="1800" kern="1200">
+                <a:solidFill>
+                  <a:schemeClr val="tx1"/>
+                </a:solidFill>
+                <a:latin typeface="+mn-lt"/>
+                <a:ea typeface="+mn-ea"/>
+                <a:cs typeface="+mn-cs"/>
+              </a:defRPr>
+            </a:lvl9pPr>
+          </a:lstStyle>
+          <a:p>
+            <a:fld id="{3EBA5BD7-F043-4D1B-AA17-CD412FC534DE}" type="slidenum">
+              <a:rPr lang="en-US" smtClean="0"/>
+              <a:pPr/>
+              <a:t>17</a:t>
+            </a:fld>
+            <a:endParaRPr lang="en-US" dirty="0"/>
+          </a:p>
+        </p:txBody>
+      </p:sp>
+      <p:sp>
+        <p:nvSpPr>
+          <p:cNvPr id="4" name="Footer Placeholder 3">
+            <a:extLst>
+              <a:ext uri="{FF2B5EF4-FFF2-40B4-BE49-F238E27FC236}">
+                <a16:creationId xmlns="" xmlns:a16="http://schemas.microsoft.com/office/drawing/2014/main" id="{C5BD11C3-9FCD-4EAE-876D-E766924FAFF2}"/>
+              </a:ext>
+            </a:extLst>
+          </p:cNvPr>
           <p:cNvSpPr>
             <a:spLocks noGrp="1"/>
           </p:cNvSpPr>
           <p:nvPr>
-            <p:ph type="sldNum" sz="quarter" idx="5"/>
+            <p:ph type="ftr" sz="quarter" idx="4"/>
           </p:nvPr>
         </p:nvSpPr>
         <p:spPr/>
@@ -1680,19 +1705,27 @@
           <a:bodyPr/>
           <a:lstStyle/>
           <a:p>
-            <a:fld id="{85C0F205-FB23-4B4A-AA1E-CC80DEDB9B7E}" type="slidenum">
-              <a:rPr lang="x-none" smtClean="0"/>
-              <a:pPr/>
-              <a:t>15</a:t>
-            </a:fld>
-            <a:endParaRPr lang="x-none"/>
+            <a:r>
+              <a:rPr lang="en-US" dirty="0"/>
+              <a:t>© SoftUni – </a:t>
+            </a:r>
+            <a:r>
+              <a:rPr lang="en-US" u="sng" dirty="0">
+                <a:hlinkClick r:id="rId3"/>
+              </a:rPr>
+              <a:t>https://softuni.org</a:t>
+            </a:r>
+            <a:r>
+              <a:rPr lang="en-US" dirty="0"/>
+              <a:t>. Copyrighted document. Unauthorized copy or reproduction is not permitted.</a:t>
+            </a:r>
           </a:p>
         </p:txBody>
       </p:sp>
     </p:spTree>
     <p:extLst>
       <p:ext uri="{BB962C8B-B14F-4D97-AF65-F5344CB8AC3E}">
-        <p14:creationId xmlns:p14="http://schemas.microsoft.com/office/powerpoint/2010/main" xmlns="" val="1201445929"/>
+        <p14:creationId xmlns="" xmlns:p14="http://schemas.microsoft.com/office/powerpoint/2010/main" val="1860974293"/>
       </p:ext>
     </p:extLst>
   </p:cSld>
@@ -1746,6 +1779,91 @@
           <a:bodyPr/>
           <a:lstStyle/>
           <a:p>
+            <a:endParaRPr lang="x-none"/>
+          </a:p>
+        </p:txBody>
+      </p:sp>
+      <p:sp>
+        <p:nvSpPr>
+          <p:cNvPr id="4" name="Slide Number Placeholder 3"/>
+          <p:cNvSpPr>
+            <a:spLocks noGrp="1"/>
+          </p:cNvSpPr>
+          <p:nvPr>
+            <p:ph type="sldNum" sz="quarter" idx="5"/>
+          </p:nvPr>
+        </p:nvSpPr>
+        <p:spPr/>
+        <p:txBody>
+          <a:bodyPr/>
+          <a:lstStyle/>
+          <a:p>
+            <a:fld id="{85C0F205-FB23-4B4A-AA1E-CC80DEDB9B7E}" type="slidenum">
+              <a:rPr lang="x-none" smtClean="0"/>
+              <a:pPr/>
+              <a:t>18</a:t>
+            </a:fld>
+            <a:endParaRPr lang="x-none"/>
+          </a:p>
+        </p:txBody>
+      </p:sp>
+    </p:spTree>
+    <p:extLst>
+      <p:ext uri="{BB962C8B-B14F-4D97-AF65-F5344CB8AC3E}">
+        <p14:creationId xmlns="" xmlns:p14="http://schemas.microsoft.com/office/powerpoint/2010/main" val="1201445929"/>
+      </p:ext>
+    </p:extLst>
+  </p:cSld>
+  <p:clrMapOvr>
+    <a:masterClrMapping/>
+  </p:clrMapOvr>
+</p:notes>
+</file>
+
+<file path=ppt/notesSlides/notesSlide8.xml><?xml version="1.0" encoding="utf-8"?>
+<p:notes xmlns:a="http://schemas.openxmlformats.org/drawingml/2006/main" xmlns:r="http://schemas.openxmlformats.org/officeDocument/2006/relationships" xmlns:p="http://schemas.openxmlformats.org/presentationml/2006/main">
+  <p:cSld>
+    <p:spTree>
+      <p:nvGrpSpPr>
+        <p:cNvPr id="1" name=""/>
+        <p:cNvGrpSpPr/>
+        <p:nvPr/>
+      </p:nvGrpSpPr>
+      <p:grpSpPr>
+        <a:xfrm>
+          <a:off x="0" y="0"/>
+          <a:ext cx="0" cy="0"/>
+          <a:chOff x="0" y="0"/>
+          <a:chExt cx="0" cy="0"/>
+        </a:xfrm>
+      </p:grpSpPr>
+      <p:sp>
+        <p:nvSpPr>
+          <p:cNvPr id="2" name="Slide Image Placeholder 1"/>
+          <p:cNvSpPr>
+            <a:spLocks noGrp="1" noRot="1" noChangeAspect="1"/>
+          </p:cNvSpPr>
+          <p:nvPr>
+            <p:ph type="sldImg"/>
+          </p:nvPr>
+        </p:nvSpPr>
+        <p:spPr/>
+      </p:sp>
+      <p:sp>
+        <p:nvSpPr>
+          <p:cNvPr id="3" name="Notes Placeholder 2"/>
+          <p:cNvSpPr>
+            <a:spLocks noGrp="1"/>
+          </p:cNvSpPr>
+          <p:nvPr>
+            <p:ph type="body" idx="1"/>
+          </p:nvPr>
+        </p:nvSpPr>
+        <p:spPr/>
+        <p:txBody>
+          <a:bodyPr/>
+          <a:lstStyle/>
+          <a:p>
             <a:endParaRPr lang="en-US" dirty="0"/>
           </a:p>
         </p:txBody>
@@ -1755,7 +1873,7 @@
           <p:cNvPr id="6" name="Slide Number Placeholder 5">
             <a:extLst>
               <a:ext uri="{FF2B5EF4-FFF2-40B4-BE49-F238E27FC236}">
-                <a16:creationId xmlns:a16="http://schemas.microsoft.com/office/drawing/2014/main" xmlns="" id="{6627548A-4D3C-449B-81A5-FA4BE4628490}"/>
+                <a16:creationId xmlns="" xmlns:a16="http://schemas.microsoft.com/office/drawing/2014/main" id="{6627548A-4D3C-449B-81A5-FA4BE4628490}"/>
               </a:ext>
             </a:extLst>
           </p:cNvPr>
@@ -1874,7 +1992,7 @@
             <a:fld id="{3EBA5BD7-F043-4D1B-AA17-CD412FC534DE}" type="slidenum">
               <a:rPr lang="en-US" smtClean="0"/>
               <a:pPr/>
-              <a:t>16</a:t>
+              <a:t>19</a:t>
             </a:fld>
             <a:endParaRPr lang="en-US" dirty="0"/>
           </a:p>
@@ -1885,7 +2003,7 @@
           <p:cNvPr id="4" name="Footer Placeholder 3">
             <a:extLst>
               <a:ext uri="{FF2B5EF4-FFF2-40B4-BE49-F238E27FC236}">
-                <a16:creationId xmlns:a16="http://schemas.microsoft.com/office/drawing/2014/main" xmlns="" id="{D2472CE7-61C1-4B7B-B0C8-5A45F0178717}"/>
+                <a16:creationId xmlns="" xmlns:a16="http://schemas.microsoft.com/office/drawing/2014/main" id="{D2472CE7-61C1-4B7B-B0C8-5A45F0178717}"/>
               </a:ext>
             </a:extLst>
           </p:cNvPr>
@@ -1921,7 +2039,7 @@
     </p:spTree>
     <p:extLst>
       <p:ext uri="{BB962C8B-B14F-4D97-AF65-F5344CB8AC3E}">
-        <p14:creationId xmlns:p14="http://schemas.microsoft.com/office/powerpoint/2010/main" xmlns="" val="729041308"/>
+        <p14:creationId xmlns="" xmlns:p14="http://schemas.microsoft.com/office/powerpoint/2010/main" val="729041308"/>
       </p:ext>
     </p:extLst>
   </p:cSld>
@@ -1953,7 +2071,7 @@
           <p:cNvPr id="16" name="Rectangle Bottom">
             <a:extLst>
               <a:ext uri="{FF2B5EF4-FFF2-40B4-BE49-F238E27FC236}">
-                <a16:creationId xmlns:a16="http://schemas.microsoft.com/office/drawing/2014/main" xmlns="" id="{6854D183-0374-4B3E-B2CE-32F308A81591}"/>
+                <a16:creationId xmlns="" xmlns:a16="http://schemas.microsoft.com/office/drawing/2014/main" id="{6854D183-0374-4B3E-B2CE-32F308A81591}"/>
               </a:ext>
             </a:extLst>
           </p:cNvPr>
@@ -2034,7 +2152,7 @@
           <p:cNvPr id="14" name="Picture Logo SoftUni" descr="SoftUni logo">
             <a:extLst>
               <a:ext uri="{FF2B5EF4-FFF2-40B4-BE49-F238E27FC236}">
-                <a16:creationId xmlns:a16="http://schemas.microsoft.com/office/drawing/2014/main" xmlns="" id="{C4D6B2A2-DFF0-4712-BFEC-6676BEC99FEC}"/>
+                <a16:creationId xmlns="" xmlns:a16="http://schemas.microsoft.com/office/drawing/2014/main" id="{C4D6B2A2-DFF0-4712-BFEC-6676BEC99FEC}"/>
               </a:ext>
             </a:extLst>
           </p:cNvPr>
@@ -2057,7 +2175,7 @@
             </a:clrChange>
             <a:extLst>
               <a:ext uri="{28A0092B-C50C-407E-A947-70E740481C1C}">
-                <a14:useLocalDpi xmlns:a14="http://schemas.microsoft.com/office/drawing/2010/main" xmlns="" val="0"/>
+                <a14:useLocalDpi xmlns="" xmlns:a14="http://schemas.microsoft.com/office/drawing/2010/main" val="0"/>
               </a:ext>
             </a:extLst>
           </a:blip>
@@ -2080,7 +2198,7 @@
           <p:cNvPr id="31" name="Text Placeholder Company Site">
             <a:extLst>
               <a:ext uri="{FF2B5EF4-FFF2-40B4-BE49-F238E27FC236}">
-                <a16:creationId xmlns:a16="http://schemas.microsoft.com/office/drawing/2014/main" xmlns="" id="{3E6B87B7-9D33-4EBB-BD4F-C0436BA3FD72}"/>
+                <a16:creationId xmlns="" xmlns:a16="http://schemas.microsoft.com/office/drawing/2014/main" id="{3E6B87B7-9D33-4EBB-BD4F-C0436BA3FD72}"/>
               </a:ext>
             </a:extLst>
           </p:cNvPr>
@@ -2142,7 +2260,7 @@
           <p:cNvPr id="30" name="Text Placeholder Company Name">
             <a:extLst>
               <a:ext uri="{FF2B5EF4-FFF2-40B4-BE49-F238E27FC236}">
-                <a16:creationId xmlns:a16="http://schemas.microsoft.com/office/drawing/2014/main" xmlns="" id="{2EA92DCA-4DB5-4D03-ACD3-A6A296592D0C}"/>
+                <a16:creationId xmlns="" xmlns:a16="http://schemas.microsoft.com/office/drawing/2014/main" id="{2EA92DCA-4DB5-4D03-ACD3-A6A296592D0C}"/>
               </a:ext>
             </a:extLst>
           </p:cNvPr>
@@ -2204,7 +2322,7 @@
           <p:cNvPr id="35" name="Picture SoftUni Mascot" descr="SoftUni mascot">
             <a:extLst>
               <a:ext uri="{FF2B5EF4-FFF2-40B4-BE49-F238E27FC236}">
-                <a16:creationId xmlns:a16="http://schemas.microsoft.com/office/drawing/2014/main" xmlns="" id="{951E7DA9-C5F0-43D9-B013-3BDF9EEF029D}"/>
+                <a16:creationId xmlns="" xmlns:a16="http://schemas.microsoft.com/office/drawing/2014/main" id="{951E7DA9-C5F0-43D9-B013-3BDF9EEF029D}"/>
               </a:ext>
             </a:extLst>
           </p:cNvPr>
@@ -2217,7 +2335,7 @@
           <a:blip r:embed="rId3" cstate="print">
             <a:extLst>
               <a:ext uri="{28A0092B-C50C-407E-A947-70E740481C1C}">
-                <a14:useLocalDpi xmlns:a14="http://schemas.microsoft.com/office/drawing/2010/main" xmlns="" val="0"/>
+                <a14:useLocalDpi xmlns="" xmlns:a14="http://schemas.microsoft.com/office/drawing/2010/main" val="0"/>
               </a:ext>
             </a:extLst>
           </a:blip>
@@ -2240,7 +2358,7 @@
             <a:hlinkClick r:id="rId4"/>
             <a:extLst>
               <a:ext uri="{FF2B5EF4-FFF2-40B4-BE49-F238E27FC236}">
-                <a16:creationId xmlns:a16="http://schemas.microsoft.com/office/drawing/2014/main" xmlns="" id="{F2315EB3-3FE4-4D3B-921E-5F209CEC13CB}"/>
+                <a16:creationId xmlns="" xmlns:a16="http://schemas.microsoft.com/office/drawing/2014/main" id="{F2315EB3-3FE4-4D3B-921E-5F209CEC13CB}"/>
               </a:ext>
             </a:extLst>
           </p:cNvPr>
@@ -2263,7 +2381,7 @@
             </a:clrChange>
             <a:extLst>
               <a:ext uri="{28A0092B-C50C-407E-A947-70E740481C1C}">
-                <a14:useLocalDpi xmlns:a14="http://schemas.microsoft.com/office/drawing/2010/main" xmlns="" val="0"/>
+                <a14:useLocalDpi xmlns="" xmlns:a14="http://schemas.microsoft.com/office/drawing/2010/main" val="0"/>
               </a:ext>
             </a:extLst>
           </a:blip>
@@ -2286,7 +2404,7 @@
           <p:cNvPr id="40" name="Text Placeholder Author Position">
             <a:extLst>
               <a:ext uri="{FF2B5EF4-FFF2-40B4-BE49-F238E27FC236}">
-                <a16:creationId xmlns:a16="http://schemas.microsoft.com/office/drawing/2014/main" xmlns="" id="{CD940256-851E-46C8-8BFB-A5ECA6C7DA07}"/>
+                <a16:creationId xmlns="" xmlns:a16="http://schemas.microsoft.com/office/drawing/2014/main" id="{CD940256-851E-46C8-8BFB-A5ECA6C7DA07}"/>
               </a:ext>
             </a:extLst>
           </p:cNvPr>
@@ -2346,7 +2464,7 @@
           <p:cNvPr id="36" name="Text Placeholder Author Name">
             <a:extLst>
               <a:ext uri="{FF2B5EF4-FFF2-40B4-BE49-F238E27FC236}">
-                <a16:creationId xmlns:a16="http://schemas.microsoft.com/office/drawing/2014/main" xmlns="" id="{3B21F47B-DE1F-442D-A2B7-6866F8786704}"/>
+                <a16:creationId xmlns="" xmlns:a16="http://schemas.microsoft.com/office/drawing/2014/main" id="{3B21F47B-DE1F-442D-A2B7-6866F8786704}"/>
               </a:ext>
             </a:extLst>
           </p:cNvPr>
@@ -2406,7 +2524,7 @@
           <p:cNvPr id="33" name="Picture Placeholder Title Image">
             <a:extLst>
               <a:ext uri="{FF2B5EF4-FFF2-40B4-BE49-F238E27FC236}">
-                <a16:creationId xmlns:a16="http://schemas.microsoft.com/office/drawing/2014/main" xmlns="" id="{A04D819A-89E2-4714-8C56-1838BF467EF7}"/>
+                <a16:creationId xmlns="" xmlns:a16="http://schemas.microsoft.com/office/drawing/2014/main" id="{A04D819A-89E2-4714-8C56-1838BF467EF7}"/>
               </a:ext>
             </a:extLst>
           </p:cNvPr>
@@ -2448,7 +2566,7 @@
           <p:cNvPr id="43" name="Presentation Subtitle">
             <a:extLst>
               <a:ext uri="{FF2B5EF4-FFF2-40B4-BE49-F238E27FC236}">
-                <a16:creationId xmlns:a16="http://schemas.microsoft.com/office/drawing/2014/main" xmlns="" id="{37BDB812-1395-4B02-ABCF-6A331EEE23E5}"/>
+                <a16:creationId xmlns="" xmlns:a16="http://schemas.microsoft.com/office/drawing/2014/main" id="{37BDB812-1395-4B02-ABCF-6A331EEE23E5}"/>
               </a:ext>
             </a:extLst>
           </p:cNvPr>
@@ -2492,7 +2610,7 @@
           <p:cNvPr id="2" name="Presentation Title">
             <a:extLst>
               <a:ext uri="{FF2B5EF4-FFF2-40B4-BE49-F238E27FC236}">
-                <a16:creationId xmlns:a16="http://schemas.microsoft.com/office/drawing/2014/main" xmlns="" id="{A4DF3AB8-E6E3-4FCE-8A4A-ECD147720A5D}"/>
+                <a16:creationId xmlns="" xmlns:a16="http://schemas.microsoft.com/office/drawing/2014/main" id="{A4DF3AB8-E6E3-4FCE-8A4A-ECD147720A5D}"/>
               </a:ext>
             </a:extLst>
           </p:cNvPr>
@@ -2527,7 +2645,7 @@
     </p:spTree>
     <p:extLst>
       <p:ext uri="{BB962C8B-B14F-4D97-AF65-F5344CB8AC3E}">
-        <p14:creationId xmlns:p14="http://schemas.microsoft.com/office/powerpoint/2010/main" xmlns="" val="970179299"/>
+        <p14:creationId xmlns="" xmlns:p14="http://schemas.microsoft.com/office/powerpoint/2010/main" val="970179299"/>
       </p:ext>
     </p:extLst>
   </p:cSld>
@@ -2535,7 +2653,7 @@
     <a:masterClrMapping/>
   </p:clrMapOvr>
   <mc:AlternateContent xmlns:mc="http://schemas.openxmlformats.org/markup-compatibility/2006">
-    <mc:Choice xmlns:p14="http://schemas.microsoft.com/office/powerpoint/2010/main" xmlns="" Requires="p14">
+    <mc:Choice xmlns="" xmlns:p14="http://schemas.microsoft.com/office/powerpoint/2010/main" Requires="p14">
       <p:transition spd="slow" p14:dur="2000" advClick="0" advTm="5000"/>
     </mc:Choice>
     <mc:Fallback>
@@ -2544,7 +2662,7 @@
   </mc:AlternateContent>
   <p:extLst>
     <p:ext uri="{DCECCB84-F9BA-43D5-87BE-67443E8EF086}">
-      <p15:sldGuideLst xmlns:p15="http://schemas.microsoft.com/office/powerpoint/2012/main" xmlns="">
+      <p15:sldGuideLst xmlns="" xmlns:p15="http://schemas.microsoft.com/office/powerpoint/2012/main">
         <p15:guide id="1" orient="horz" pos="2160">
           <p15:clr>
             <a:srgbClr val="FBAE40"/>
@@ -2583,7 +2701,7 @@
           <p:cNvPr id="15" name="Slide Number">
             <a:extLst>
               <a:ext uri="{FF2B5EF4-FFF2-40B4-BE49-F238E27FC236}">
-                <a16:creationId xmlns:a16="http://schemas.microsoft.com/office/drawing/2014/main" xmlns="" id="{F888EE71-82B3-40F1-A63F-7417422FB4A4}"/>
+                <a16:creationId xmlns="" xmlns:a16="http://schemas.microsoft.com/office/drawing/2014/main" id="{F888EE71-82B3-40F1-A63F-7417422FB4A4}"/>
               </a:ext>
             </a:extLst>
           </p:cNvPr>
@@ -2625,7 +2743,7 @@
           <p:cNvPr id="14" name="Text Placeholder Body">
             <a:extLst>
               <a:ext uri="{FF2B5EF4-FFF2-40B4-BE49-F238E27FC236}">
-                <a16:creationId xmlns:a16="http://schemas.microsoft.com/office/drawing/2014/main" xmlns="" id="{A2ABE920-240F-4CF6-AD45-23ED489FAD6E}"/>
+                <a16:creationId xmlns="" xmlns:a16="http://schemas.microsoft.com/office/drawing/2014/main" id="{A2ABE920-240F-4CF6-AD45-23ED489FAD6E}"/>
               </a:ext>
             </a:extLst>
           </p:cNvPr>
@@ -2931,7 +3049,7 @@
           <p:cNvPr id="10" name="Rectangle Down">
             <a:extLst>
               <a:ext uri="{FF2B5EF4-FFF2-40B4-BE49-F238E27FC236}">
-                <a16:creationId xmlns:a16="http://schemas.microsoft.com/office/drawing/2014/main" xmlns="" id="{E9B994EC-35A8-4A11-98CB-25DC28852F94}"/>
+                <a16:creationId xmlns="" xmlns:a16="http://schemas.microsoft.com/office/drawing/2014/main" id="{E9B994EC-35A8-4A11-98CB-25DC28852F94}"/>
               </a:ext>
             </a:extLst>
           </p:cNvPr>
@@ -3012,7 +3130,7 @@
           <p:cNvPr id="11" name="Rectangle Top">
             <a:extLst>
               <a:ext uri="{FF2B5EF4-FFF2-40B4-BE49-F238E27FC236}">
-                <a16:creationId xmlns:a16="http://schemas.microsoft.com/office/drawing/2014/main" xmlns="" id="{274B8F05-DFCE-47BD-BAFD-DF93E1A63BDD}"/>
+                <a16:creationId xmlns="" xmlns:a16="http://schemas.microsoft.com/office/drawing/2014/main" id="{274B8F05-DFCE-47BD-BAFD-DF93E1A63BDD}"/>
               </a:ext>
             </a:extLst>
           </p:cNvPr>
@@ -3093,7 +3211,7 @@
           <p:cNvPr id="12" name="Logo Software University" descr="Software University logo">
             <a:extLst>
               <a:ext uri="{FF2B5EF4-FFF2-40B4-BE49-F238E27FC236}">
-                <a16:creationId xmlns:a16="http://schemas.microsoft.com/office/drawing/2014/main" xmlns="" id="{233CBB95-791E-4630-B3D9-FADFCE7BCF52}"/>
+                <a16:creationId xmlns="" xmlns:a16="http://schemas.microsoft.com/office/drawing/2014/main" id="{233CBB95-791E-4630-B3D9-FADFCE7BCF52}"/>
               </a:ext>
             </a:extLst>
           </p:cNvPr>
@@ -3106,7 +3224,7 @@
           <a:blip r:embed="rId2" cstate="print">
             <a:extLst>
               <a:ext uri="{28A0092B-C50C-407E-A947-70E740481C1C}">
-                <a14:useLocalDpi xmlns:a14="http://schemas.microsoft.com/office/drawing/2010/main" xmlns="" val="0"/>
+                <a14:useLocalDpi xmlns="" xmlns:a14="http://schemas.microsoft.com/office/drawing/2010/main" val="0"/>
               </a:ext>
             </a:extLst>
           </a:blip>
@@ -3129,7 +3247,7 @@
           <p:cNvPr id="13" name="Slide Title">
             <a:extLst>
               <a:ext uri="{FF2B5EF4-FFF2-40B4-BE49-F238E27FC236}">
-                <a16:creationId xmlns:a16="http://schemas.microsoft.com/office/drawing/2014/main" xmlns="" id="{3F218E34-55D7-4290-BFE4-80F31F941551}"/>
+                <a16:creationId xmlns="" xmlns:a16="http://schemas.microsoft.com/office/drawing/2014/main" id="{3F218E34-55D7-4290-BFE4-80F31F941551}"/>
               </a:ext>
             </a:extLst>
           </p:cNvPr>
@@ -3168,7 +3286,7 @@
     </p:spTree>
     <p:extLst>
       <p:ext uri="{BB962C8B-B14F-4D97-AF65-F5344CB8AC3E}">
-        <p14:creationId xmlns:p14="http://schemas.microsoft.com/office/powerpoint/2010/main" xmlns="" val="3774019400"/>
+        <p14:creationId xmlns="" xmlns:p14="http://schemas.microsoft.com/office/powerpoint/2010/main" val="3774019400"/>
       </p:ext>
     </p:extLst>
   </p:cSld>
@@ -3176,7 +3294,7 @@
     <a:masterClrMapping/>
   </p:clrMapOvr>
   <mc:AlternateContent xmlns:mc="http://schemas.openxmlformats.org/markup-compatibility/2006">
-    <mc:Choice xmlns:p14="http://schemas.microsoft.com/office/powerpoint/2010/main" xmlns="" Requires="p14">
+    <mc:Choice xmlns="" xmlns:p14="http://schemas.microsoft.com/office/powerpoint/2010/main" Requires="p14">
       <p:transition spd="slow" p14:dur="2000" advClick="0" advTm="5000"/>
     </mc:Choice>
     <mc:Fallback>
@@ -3216,7 +3334,7 @@
           <p:cNvPr id="35" name="Rectangle Bottom">
             <a:extLst>
               <a:ext uri="{FF2B5EF4-FFF2-40B4-BE49-F238E27FC236}">
-                <a16:creationId xmlns:a16="http://schemas.microsoft.com/office/drawing/2014/main" xmlns="" id="{550A59F9-9A9D-4956-95B4-F78CC0DB1D59}"/>
+                <a16:creationId xmlns="" xmlns:a16="http://schemas.microsoft.com/office/drawing/2014/main" id="{550A59F9-9A9D-4956-95B4-F78CC0DB1D59}"/>
               </a:ext>
             </a:extLst>
           </p:cNvPr>
@@ -3297,7 +3415,7 @@
           <p:cNvPr id="53" name="Rectangle Bottom Copyright">
             <a:extLst>
               <a:ext uri="{FF2B5EF4-FFF2-40B4-BE49-F238E27FC236}">
-                <a16:creationId xmlns:a16="http://schemas.microsoft.com/office/drawing/2014/main" xmlns="" id="{B07FB7FB-DA6C-4F5D-B068-357F0FCE27D8}"/>
+                <a16:creationId xmlns="" xmlns:a16="http://schemas.microsoft.com/office/drawing/2014/main" id="{B07FB7FB-DA6C-4F5D-B068-357F0FCE27D8}"/>
               </a:ext>
             </a:extLst>
           </p:cNvPr>
@@ -3354,7 +3472,7 @@
                 <a:hlinkClick r:id="rId2">
                   <a:extLst>
                     <a:ext uri="{A12FA001-AC4F-418D-AE19-62706E023703}">
-                      <ahyp:hlinkClr xmlns:ahyp="http://schemas.microsoft.com/office/drawing/2018/hyperlinkcolor" xmlns="" val="tx"/>
+                      <ahyp:hlinkClr xmlns="" xmlns:ahyp="http://schemas.microsoft.com/office/drawing/2018/hyperlinkcolor" val="tx"/>
                     </a:ext>
                   </a:extLst>
                 </a:hlinkClick>
@@ -3390,7 +3508,7 @@
           <p:cNvPr id="26" name="Picture SoftUni Mascot" descr="SoftUni mascot with open hand">
             <a:extLst>
               <a:ext uri="{FF2B5EF4-FFF2-40B4-BE49-F238E27FC236}">
-                <a16:creationId xmlns:a16="http://schemas.microsoft.com/office/drawing/2014/main" xmlns="" id="{247CFF3C-C4FA-493D-8505-DF469F4D36A4}"/>
+                <a16:creationId xmlns="" xmlns:a16="http://schemas.microsoft.com/office/drawing/2014/main" id="{247CFF3C-C4FA-493D-8505-DF469F4D36A4}"/>
               </a:ext>
             </a:extLst>
           </p:cNvPr>
@@ -3403,7 +3521,7 @@
           <a:blip r:embed="rId3" cstate="print">
             <a:extLst>
               <a:ext uri="{28A0092B-C50C-407E-A947-70E740481C1C}">
-                <a14:useLocalDpi xmlns:a14="http://schemas.microsoft.com/office/drawing/2010/main" xmlns="" val="0"/>
+                <a14:useLocalDpi xmlns="" xmlns:a14="http://schemas.microsoft.com/office/drawing/2010/main" val="0"/>
               </a:ext>
             </a:extLst>
           </a:blip>
@@ -3426,7 +3544,7 @@
           <p:cNvPr id="2" name="Group SoftUni Brands">
             <a:extLst>
               <a:ext uri="{FF2B5EF4-FFF2-40B4-BE49-F238E27FC236}">
-                <a16:creationId xmlns:a16="http://schemas.microsoft.com/office/drawing/2014/main" xmlns="" id="{418FAE34-C1F8-46C7-A4AE-F270D1E70F25}"/>
+                <a16:creationId xmlns="" xmlns:a16="http://schemas.microsoft.com/office/drawing/2014/main" id="{418FAE34-C1F8-46C7-A4AE-F270D1E70F25}"/>
               </a:ext>
             </a:extLst>
           </p:cNvPr>
@@ -3446,7 +3564,7 @@
             <p:cNvPr id="24" name="Picture SoftUni Kids Logo" descr="SoftUni Kids logo">
               <a:extLst>
                 <a:ext uri="{FF2B5EF4-FFF2-40B4-BE49-F238E27FC236}">
-                  <a16:creationId xmlns:a16="http://schemas.microsoft.com/office/drawing/2014/main" xmlns="" id="{B0812936-74B6-4265-8C08-AEDC8C798702}"/>
+                  <a16:creationId xmlns="" xmlns:a16="http://schemas.microsoft.com/office/drawing/2014/main" id="{B0812936-74B6-4265-8C08-AEDC8C798702}"/>
                 </a:ext>
               </a:extLst>
             </p:cNvPr>
@@ -3459,7 +3577,7 @@
             <a:blip r:embed="rId4" cstate="print">
               <a:extLst>
                 <a:ext uri="{28A0092B-C50C-407E-A947-70E740481C1C}">
-                  <a14:useLocalDpi xmlns:a14="http://schemas.microsoft.com/office/drawing/2010/main" xmlns="" val="0"/>
+                  <a14:useLocalDpi xmlns="" xmlns:a14="http://schemas.microsoft.com/office/drawing/2010/main" val="0"/>
                 </a:ext>
               </a:extLst>
             </a:blip>
@@ -3482,7 +3600,7 @@
             <p:cNvPr id="23" name="Picture SoftUni Foundation Logo" descr="SoftUni Foundation logo">
               <a:extLst>
                 <a:ext uri="{FF2B5EF4-FFF2-40B4-BE49-F238E27FC236}">
-                  <a16:creationId xmlns:a16="http://schemas.microsoft.com/office/drawing/2014/main" xmlns="" id="{6643F71A-2013-433A-8322-FBAAED3162D8}"/>
+                  <a16:creationId xmlns="" xmlns:a16="http://schemas.microsoft.com/office/drawing/2014/main" id="{6643F71A-2013-433A-8322-FBAAED3162D8}"/>
                 </a:ext>
               </a:extLst>
             </p:cNvPr>
@@ -3495,7 +3613,7 @@
             <a:blip r:embed="rId5" cstate="print">
               <a:extLst>
                 <a:ext uri="{28A0092B-C50C-407E-A947-70E740481C1C}">
-                  <a14:useLocalDpi xmlns:a14="http://schemas.microsoft.com/office/drawing/2010/main" xmlns="" val="0"/>
+                  <a14:useLocalDpi xmlns="" xmlns:a14="http://schemas.microsoft.com/office/drawing/2010/main" val="0"/>
                 </a:ext>
               </a:extLst>
             </a:blip>
@@ -3518,7 +3636,7 @@
             <p:cNvPr id="22" name="Picture SoftUni Digital Logo" descr="SoftUni Digital logo">
               <a:extLst>
                 <a:ext uri="{FF2B5EF4-FFF2-40B4-BE49-F238E27FC236}">
-                  <a16:creationId xmlns:a16="http://schemas.microsoft.com/office/drawing/2014/main" xmlns="" id="{0A83D66F-855B-463B-920B-BF239B01A206}"/>
+                  <a16:creationId xmlns="" xmlns:a16="http://schemas.microsoft.com/office/drawing/2014/main" id="{0A83D66F-855B-463B-920B-BF239B01A206}"/>
                 </a:ext>
               </a:extLst>
             </p:cNvPr>
@@ -3531,7 +3649,7 @@
             <a:blip r:embed="rId6" cstate="print">
               <a:extLst>
                 <a:ext uri="{28A0092B-C50C-407E-A947-70E740481C1C}">
-                  <a14:useLocalDpi xmlns:a14="http://schemas.microsoft.com/office/drawing/2010/main" xmlns="" val="0"/>
+                  <a14:useLocalDpi xmlns="" xmlns:a14="http://schemas.microsoft.com/office/drawing/2010/main" val="0"/>
                 </a:ext>
               </a:extLst>
             </a:blip>
@@ -3554,7 +3672,7 @@
             <p:cNvPr id="21" name="Picture SoftUni Creative Logo" descr="SoftUni Creative logo">
               <a:extLst>
                 <a:ext uri="{FF2B5EF4-FFF2-40B4-BE49-F238E27FC236}">
-                  <a16:creationId xmlns:a16="http://schemas.microsoft.com/office/drawing/2014/main" xmlns="" id="{EA755AAE-BA08-481C-9224-0061170EE4B8}"/>
+                  <a16:creationId xmlns="" xmlns:a16="http://schemas.microsoft.com/office/drawing/2014/main" id="{EA755AAE-BA08-481C-9224-0061170EE4B8}"/>
                 </a:ext>
               </a:extLst>
             </p:cNvPr>
@@ -3567,7 +3685,7 @@
             <a:blip r:embed="rId7" cstate="print">
               <a:extLst>
                 <a:ext uri="{28A0092B-C50C-407E-A947-70E740481C1C}">
-                  <a14:useLocalDpi xmlns:a14="http://schemas.microsoft.com/office/drawing/2010/main" xmlns="" val="0"/>
+                  <a14:useLocalDpi xmlns="" xmlns:a14="http://schemas.microsoft.com/office/drawing/2010/main" val="0"/>
                 </a:ext>
               </a:extLst>
             </a:blip>
@@ -3590,7 +3708,7 @@
             <p:cNvPr id="20" name="Picture SoftUni Svetlina Logo" descr="SoftUni Svetlina logo">
               <a:extLst>
                 <a:ext uri="{FF2B5EF4-FFF2-40B4-BE49-F238E27FC236}">
-                  <a16:creationId xmlns:a16="http://schemas.microsoft.com/office/drawing/2014/main" xmlns="" id="{827D15FD-4C66-4B85-98E6-7826AA8F61C6}"/>
+                  <a16:creationId xmlns="" xmlns:a16="http://schemas.microsoft.com/office/drawing/2014/main" id="{827D15FD-4C66-4B85-98E6-7826AA8F61C6}"/>
                 </a:ext>
               </a:extLst>
             </p:cNvPr>
@@ -3603,7 +3721,7 @@
             <a:blip r:embed="rId8" cstate="print">
               <a:extLst>
                 <a:ext uri="{28A0092B-C50C-407E-A947-70E740481C1C}">
-                  <a14:useLocalDpi xmlns:a14="http://schemas.microsoft.com/office/drawing/2010/main" xmlns="" val="0"/>
+                  <a14:useLocalDpi xmlns="" xmlns:a14="http://schemas.microsoft.com/office/drawing/2010/main" val="0"/>
                 </a:ext>
               </a:extLst>
             </a:blip>
@@ -3626,7 +3744,7 @@
             <p:cNvPr id="25" name="Picture Software University Logo" descr="Software University logo">
               <a:extLst>
                 <a:ext uri="{FF2B5EF4-FFF2-40B4-BE49-F238E27FC236}">
-                  <a16:creationId xmlns:a16="http://schemas.microsoft.com/office/drawing/2014/main" xmlns="" id="{C74C190C-5856-41B9-8819-AE8DE0E10980}"/>
+                  <a16:creationId xmlns="" xmlns:a16="http://schemas.microsoft.com/office/drawing/2014/main" id="{C74C190C-5856-41B9-8819-AE8DE0E10980}"/>
                 </a:ext>
               </a:extLst>
             </p:cNvPr>
@@ -3639,7 +3757,7 @@
             <a:blip r:embed="rId9" cstate="print">
               <a:extLst>
                 <a:ext uri="{28A0092B-C50C-407E-A947-70E740481C1C}">
-                  <a14:useLocalDpi xmlns:a14="http://schemas.microsoft.com/office/drawing/2010/main" xmlns="" val="0"/>
+                  <a14:useLocalDpi xmlns="" xmlns:a14="http://schemas.microsoft.com/office/drawing/2010/main" val="0"/>
                 </a:ext>
               </a:extLst>
             </a:blip>
@@ -3662,7 +3780,7 @@
             <p:cNvPr id="33" name="Straight Connector 6">
               <a:extLst>
                 <a:ext uri="{FF2B5EF4-FFF2-40B4-BE49-F238E27FC236}">
-                  <a16:creationId xmlns:a16="http://schemas.microsoft.com/office/drawing/2014/main" xmlns="" id="{5C63D1E8-4A92-4691-8A24-A2FC7E8008E5}"/>
+                  <a16:creationId xmlns="" xmlns:a16="http://schemas.microsoft.com/office/drawing/2014/main" id="{5C63D1E8-4A92-4691-8A24-A2FC7E8008E5}"/>
                 </a:ext>
               </a:extLst>
             </p:cNvPr>
@@ -3701,7 +3819,7 @@
             <p:cNvPr id="32" name="Straight Connector 5">
               <a:extLst>
                 <a:ext uri="{FF2B5EF4-FFF2-40B4-BE49-F238E27FC236}">
-                  <a16:creationId xmlns:a16="http://schemas.microsoft.com/office/drawing/2014/main" xmlns="" id="{6E91D320-3732-40B8-864D-142D0A277ED1}"/>
+                  <a16:creationId xmlns="" xmlns:a16="http://schemas.microsoft.com/office/drawing/2014/main" id="{6E91D320-3732-40B8-864D-142D0A277ED1}"/>
                 </a:ext>
               </a:extLst>
             </p:cNvPr>
@@ -3740,7 +3858,7 @@
             <p:cNvPr id="31" name="Straight Connector 4">
               <a:extLst>
                 <a:ext uri="{FF2B5EF4-FFF2-40B4-BE49-F238E27FC236}">
-                  <a16:creationId xmlns:a16="http://schemas.microsoft.com/office/drawing/2014/main" xmlns="" id="{299ABE09-E33C-46B7-A80D-7BF4A6956211}"/>
+                  <a16:creationId xmlns="" xmlns:a16="http://schemas.microsoft.com/office/drawing/2014/main" id="{299ABE09-E33C-46B7-A80D-7BF4A6956211}"/>
                 </a:ext>
               </a:extLst>
             </p:cNvPr>
@@ -3777,7 +3895,7 @@
             <p:cNvPr id="30" name="Straight Connector 3">
               <a:extLst>
                 <a:ext uri="{FF2B5EF4-FFF2-40B4-BE49-F238E27FC236}">
-                  <a16:creationId xmlns:a16="http://schemas.microsoft.com/office/drawing/2014/main" xmlns="" id="{93DDBF37-0764-47AA-94E3-9A44F3ED8FB5}"/>
+                  <a16:creationId xmlns="" xmlns:a16="http://schemas.microsoft.com/office/drawing/2014/main" id="{93DDBF37-0764-47AA-94E3-9A44F3ED8FB5}"/>
                 </a:ext>
               </a:extLst>
             </p:cNvPr>
@@ -3814,7 +3932,7 @@
             <p:cNvPr id="29" name="Straight Connector 2">
               <a:extLst>
                 <a:ext uri="{FF2B5EF4-FFF2-40B4-BE49-F238E27FC236}">
-                  <a16:creationId xmlns:a16="http://schemas.microsoft.com/office/drawing/2014/main" xmlns="" id="{72BFE2F3-0845-4E5B-9375-E9D4027DD675}"/>
+                  <a16:creationId xmlns="" xmlns:a16="http://schemas.microsoft.com/office/drawing/2014/main" id="{72BFE2F3-0845-4E5B-9375-E9D4027DD675}"/>
                 </a:ext>
               </a:extLst>
             </p:cNvPr>
@@ -3851,7 +3969,7 @@
             <p:cNvPr id="28" name="Straight Connector 1">
               <a:extLst>
                 <a:ext uri="{FF2B5EF4-FFF2-40B4-BE49-F238E27FC236}">
-                  <a16:creationId xmlns:a16="http://schemas.microsoft.com/office/drawing/2014/main" xmlns="" id="{D4E5982E-3110-47E1-A5BB-91B7BECC3093}"/>
+                  <a16:creationId xmlns="" xmlns:a16="http://schemas.microsoft.com/office/drawing/2014/main" id="{D4E5982E-3110-47E1-A5BB-91B7BECC3093}"/>
                 </a:ext>
               </a:extLst>
             </p:cNvPr>
@@ -3888,7 +4006,7 @@
             <p:cNvPr id="27" name="Straight Connector Horizontal">
               <a:extLst>
                 <a:ext uri="{FF2B5EF4-FFF2-40B4-BE49-F238E27FC236}">
-                  <a16:creationId xmlns:a16="http://schemas.microsoft.com/office/drawing/2014/main" xmlns="" id="{5F62FB7C-BD6E-4383-98C1-2CF30F34CAFD}"/>
+                  <a16:creationId xmlns="" xmlns:a16="http://schemas.microsoft.com/office/drawing/2014/main" id="{5F62FB7C-BD6E-4383-98C1-2CF30F34CAFD}"/>
                 </a:ext>
               </a:extLst>
             </p:cNvPr>
@@ -3927,7 +4045,7 @@
             <p:cNvPr id="34" name="Straight Connector 0">
               <a:extLst>
                 <a:ext uri="{FF2B5EF4-FFF2-40B4-BE49-F238E27FC236}">
-                  <a16:creationId xmlns:a16="http://schemas.microsoft.com/office/drawing/2014/main" xmlns="" id="{C84A0FE1-723D-4682-8682-77BAD950EE15}"/>
+                  <a16:creationId xmlns="" xmlns:a16="http://schemas.microsoft.com/office/drawing/2014/main" id="{C84A0FE1-723D-4682-8682-77BAD950EE15}"/>
                 </a:ext>
               </a:extLst>
             </p:cNvPr>
@@ -3964,7 +4082,7 @@
             <p:cNvPr id="18" name="Picture SoftUni Logo" descr="SoftUni logo">
               <a:extLst>
                 <a:ext uri="{FF2B5EF4-FFF2-40B4-BE49-F238E27FC236}">
-                  <a16:creationId xmlns:a16="http://schemas.microsoft.com/office/drawing/2014/main" xmlns="" id="{A0675455-B7FA-4569-A5FD-A3B0F20B2A26}"/>
+                  <a16:creationId xmlns="" xmlns:a16="http://schemas.microsoft.com/office/drawing/2014/main" id="{A0675455-B7FA-4569-A5FD-A3B0F20B2A26}"/>
                 </a:ext>
               </a:extLst>
             </p:cNvPr>
@@ -3977,7 +4095,7 @@
             <a:blip r:embed="rId10" cstate="print">
               <a:extLst>
                 <a:ext uri="{28A0092B-C50C-407E-A947-70E740481C1C}">
-                  <a14:useLocalDpi xmlns:a14="http://schemas.microsoft.com/office/drawing/2010/main" xmlns="" val="0"/>
+                  <a14:useLocalDpi xmlns="" xmlns:a14="http://schemas.microsoft.com/office/drawing/2010/main" val="0"/>
                 </a:ext>
               </a:extLst>
             </a:blip>
@@ -4001,7 +4119,7 @@
           <p:cNvPr id="19" name="Slide Title">
             <a:extLst>
               <a:ext uri="{FF2B5EF4-FFF2-40B4-BE49-F238E27FC236}">
-                <a16:creationId xmlns:a16="http://schemas.microsoft.com/office/drawing/2014/main" xmlns="" id="{7CFDBB16-985C-4CC7-B6DB-B81B36037922}"/>
+                <a16:creationId xmlns="" xmlns:a16="http://schemas.microsoft.com/office/drawing/2014/main" id="{7CFDBB16-985C-4CC7-B6DB-B81B36037922}"/>
               </a:ext>
             </a:extLst>
           </p:cNvPr>
@@ -4104,7 +4222,7 @@
           <p:cNvPr id="36" name="Logo Software University" descr="Software University logo">
             <a:extLst>
               <a:ext uri="{FF2B5EF4-FFF2-40B4-BE49-F238E27FC236}">
-                <a16:creationId xmlns:a16="http://schemas.microsoft.com/office/drawing/2014/main" xmlns="" id="{67FC4D2E-913D-432A-B658-F0D82839FA5E}"/>
+                <a16:creationId xmlns="" xmlns:a16="http://schemas.microsoft.com/office/drawing/2014/main" id="{67FC4D2E-913D-432A-B658-F0D82839FA5E}"/>
               </a:ext>
             </a:extLst>
           </p:cNvPr>
@@ -4127,7 +4245,7 @@
             </a:clrChange>
             <a:extLst>
               <a:ext uri="{28A0092B-C50C-407E-A947-70E740481C1C}">
-                <a14:useLocalDpi xmlns:a14="http://schemas.microsoft.com/office/drawing/2010/main" xmlns="" val="0"/>
+                <a14:useLocalDpi xmlns="" xmlns:a14="http://schemas.microsoft.com/office/drawing/2010/main" val="0"/>
               </a:ext>
             </a:extLst>
           </a:blip>
@@ -4148,7 +4266,7 @@
     </p:spTree>
     <p:extLst>
       <p:ext uri="{BB962C8B-B14F-4D97-AF65-F5344CB8AC3E}">
-        <p14:creationId xmlns:p14="http://schemas.microsoft.com/office/powerpoint/2010/main" xmlns="" val="4192061223"/>
+        <p14:creationId xmlns="" xmlns:p14="http://schemas.microsoft.com/office/powerpoint/2010/main" val="4192061223"/>
       </p:ext>
     </p:extLst>
   </p:cSld>
@@ -4156,7 +4274,7 @@
     <a:masterClrMapping/>
   </p:clrMapOvr>
   <mc:AlternateContent xmlns:mc="http://schemas.openxmlformats.org/markup-compatibility/2006">
-    <mc:Choice xmlns:p14="http://schemas.microsoft.com/office/powerpoint/2010/main" xmlns="" Requires="p14">
+    <mc:Choice xmlns="" xmlns:p14="http://schemas.microsoft.com/office/powerpoint/2010/main" Requires="p14">
       <p:transition spd="slow" p14:dur="2000" advClick="0" advTm="5000"/>
     </mc:Choice>
     <mc:Fallback>
@@ -4165,7 +4283,7 @@
   </mc:AlternateContent>
   <p:extLst>
     <p:ext uri="{DCECCB84-F9BA-43D5-87BE-67443E8EF086}">
-      <p15:sldGuideLst xmlns:p15="http://schemas.microsoft.com/office/powerpoint/2012/main" xmlns="">
+      <p15:sldGuideLst xmlns="" xmlns:p15="http://schemas.microsoft.com/office/powerpoint/2012/main">
         <p15:guide id="1" orient="horz" pos="2160">
           <p15:clr>
             <a:srgbClr val="FBAE40"/>
@@ -4204,7 +4322,7 @@
           <p:cNvPr id="13" name="Slide Number">
             <a:extLst>
               <a:ext uri="{FF2B5EF4-FFF2-40B4-BE49-F238E27FC236}">
-                <a16:creationId xmlns:a16="http://schemas.microsoft.com/office/drawing/2014/main" xmlns="" id="{5B8761D8-B42F-4A70-A0CE-682CEB2AE31B}"/>
+                <a16:creationId xmlns="" xmlns:a16="http://schemas.microsoft.com/office/drawing/2014/main" id="{5B8761D8-B42F-4A70-A0CE-682CEB2AE31B}"/>
               </a:ext>
             </a:extLst>
           </p:cNvPr>
@@ -4247,7 +4365,7 @@
             <a:hlinkClick r:id="rId2" tooltip="Software University Discussion Forum"/>
             <a:extLst>
               <a:ext uri="{FF2B5EF4-FFF2-40B4-BE49-F238E27FC236}">
-                <a16:creationId xmlns:a16="http://schemas.microsoft.com/office/drawing/2014/main" xmlns="" id="{98C579AD-FAF5-4B28-9B52-5457F1E90061}"/>
+                <a16:creationId xmlns="" xmlns:a16="http://schemas.microsoft.com/office/drawing/2014/main" id="{98C579AD-FAF5-4B28-9B52-5457F1E90061}"/>
               </a:ext>
             </a:extLst>
           </p:cNvPr>
@@ -4260,7 +4378,7 @@
           <a:blip r:embed="rId3" cstate="print">
             <a:extLst>
               <a:ext uri="{28A0092B-C50C-407E-A947-70E740481C1C}">
-                <a14:useLocalDpi xmlns:a14="http://schemas.microsoft.com/office/drawing/2010/main" xmlns=""/>
+                <a14:useLocalDpi xmlns="" xmlns:a14="http://schemas.microsoft.com/office/drawing/2010/main"/>
               </a:ext>
             </a:extLst>
           </a:blip>
@@ -4284,7 +4402,7 @@
             <a:hlinkClick r:id="rId4" tooltip="Software University @ Facebook"/>
             <a:extLst>
               <a:ext uri="{FF2B5EF4-FFF2-40B4-BE49-F238E27FC236}">
-                <a16:creationId xmlns:a16="http://schemas.microsoft.com/office/drawing/2014/main" xmlns="" id="{6B2C510E-5EF2-49F6-B926-2BD74CD3C7F8}"/>
+                <a16:creationId xmlns="" xmlns:a16="http://schemas.microsoft.com/office/drawing/2014/main" id="{6B2C510E-5EF2-49F6-B926-2BD74CD3C7F8}"/>
               </a:ext>
             </a:extLst>
           </p:cNvPr>
@@ -4297,7 +4415,7 @@
           <a:blip r:embed="rId5" cstate="print">
             <a:extLst>
               <a:ext uri="{28A0092B-C50C-407E-A947-70E740481C1C}">
-                <a14:useLocalDpi xmlns:a14="http://schemas.microsoft.com/office/drawing/2010/main" xmlns=""/>
+                <a14:useLocalDpi xmlns="" xmlns:a14="http://schemas.microsoft.com/office/drawing/2010/main"/>
               </a:ext>
             </a:extLst>
           </a:blip>
@@ -4315,7 +4433,7 @@
           <a:noFill/>
           <a:extLst>
             <a:ext uri="{909E8E84-426E-40DD-AFC4-6F175D3DCCD1}">
-              <a14:hiddenFill xmlns:a14="http://schemas.microsoft.com/office/drawing/2010/main" xmlns="">
+              <a14:hiddenFill xmlns="" xmlns:a14="http://schemas.microsoft.com/office/drawing/2010/main">
                 <a:solidFill>
                   <a:srgbClr val="FFFFFF"/>
                 </a:solidFill>
@@ -4330,7 +4448,7 @@
             <a:hlinkClick r:id="rId6"/>
             <a:extLst>
               <a:ext uri="{FF2B5EF4-FFF2-40B4-BE49-F238E27FC236}">
-                <a16:creationId xmlns:a16="http://schemas.microsoft.com/office/drawing/2014/main" xmlns="" id="{F4604840-E810-44B7-9FF1-3B28CD68B758}"/>
+                <a16:creationId xmlns="" xmlns:a16="http://schemas.microsoft.com/office/drawing/2014/main" id="{F4604840-E810-44B7-9FF1-3B28CD68B758}"/>
               </a:ext>
             </a:extLst>
           </p:cNvPr>
@@ -4343,7 +4461,7 @@
           <a:blip r:embed="rId7" cstate="print">
             <a:extLst>
               <a:ext uri="{28A0092B-C50C-407E-A947-70E740481C1C}">
-                <a14:useLocalDpi xmlns:a14="http://schemas.microsoft.com/office/drawing/2010/main" xmlns="" val="0"/>
+                <a14:useLocalDpi xmlns="" xmlns:a14="http://schemas.microsoft.com/office/drawing/2010/main" val="0"/>
               </a:ext>
             </a:extLst>
           </a:blip>
@@ -4367,7 +4485,7 @@
             <a:hlinkClick r:id="rId8"/>
             <a:extLst>
               <a:ext uri="{FF2B5EF4-FFF2-40B4-BE49-F238E27FC236}">
-                <a16:creationId xmlns:a16="http://schemas.microsoft.com/office/drawing/2014/main" xmlns="" id="{07C965FA-A87E-4824-AFA8-C67AF548A76A}"/>
+                <a16:creationId xmlns="" xmlns:a16="http://schemas.microsoft.com/office/drawing/2014/main" id="{07C965FA-A87E-4824-AFA8-C67AF548A76A}"/>
               </a:ext>
             </a:extLst>
           </p:cNvPr>
@@ -4380,7 +4498,7 @@
           <a:blip r:embed="rId9" cstate="print">
             <a:extLst>
               <a:ext uri="{28A0092B-C50C-407E-A947-70E740481C1C}">
-                <a14:useLocalDpi xmlns:a14="http://schemas.microsoft.com/office/drawing/2010/main" xmlns="" val="0"/>
+                <a14:useLocalDpi xmlns="" xmlns:a14="http://schemas.microsoft.com/office/drawing/2010/main" val="0"/>
               </a:ext>
             </a:extLst>
           </a:blip>
@@ -4402,7 +4520,7 @@
           <p:cNvPr id="12" name="Slide Body Text">
             <a:extLst>
               <a:ext uri="{FF2B5EF4-FFF2-40B4-BE49-F238E27FC236}">
-                <a16:creationId xmlns:a16="http://schemas.microsoft.com/office/drawing/2014/main" xmlns="" id="{0C1F9416-8B6E-46DE-973C-777785E27A26}"/>
+                <a16:creationId xmlns="" xmlns:a16="http://schemas.microsoft.com/office/drawing/2014/main" id="{0C1F9416-8B6E-46DE-973C-777785E27A26}"/>
               </a:ext>
             </a:extLst>
           </p:cNvPr>
@@ -4527,7 +4645,7 @@
           <p:cNvPr id="10" name="Rectangle Top">
             <a:extLst>
               <a:ext uri="{FF2B5EF4-FFF2-40B4-BE49-F238E27FC236}">
-                <a16:creationId xmlns:a16="http://schemas.microsoft.com/office/drawing/2014/main" xmlns="" id="{86646B95-5E3B-4DE8-9118-031C2C296D8C}"/>
+                <a16:creationId xmlns="" xmlns:a16="http://schemas.microsoft.com/office/drawing/2014/main" id="{86646B95-5E3B-4DE8-9118-031C2C296D8C}"/>
               </a:ext>
             </a:extLst>
           </p:cNvPr>
@@ -4608,7 +4726,7 @@
           <p:cNvPr id="11" name="Logo Software University" descr="Software University logo">
             <a:extLst>
               <a:ext uri="{FF2B5EF4-FFF2-40B4-BE49-F238E27FC236}">
-                <a16:creationId xmlns:a16="http://schemas.microsoft.com/office/drawing/2014/main" xmlns="" id="{58AB1944-B146-4E89-B2D9-426EB610F319}"/>
+                <a16:creationId xmlns="" xmlns:a16="http://schemas.microsoft.com/office/drawing/2014/main" id="{58AB1944-B146-4E89-B2D9-426EB610F319}"/>
               </a:ext>
             </a:extLst>
           </p:cNvPr>
@@ -4621,7 +4739,7 @@
           <a:blip r:embed="rId11" cstate="print">
             <a:extLst>
               <a:ext uri="{28A0092B-C50C-407E-A947-70E740481C1C}">
-                <a14:useLocalDpi xmlns:a14="http://schemas.microsoft.com/office/drawing/2010/main" xmlns="" val="0"/>
+                <a14:useLocalDpi xmlns="" xmlns:a14="http://schemas.microsoft.com/office/drawing/2010/main" val="0"/>
               </a:ext>
             </a:extLst>
           </a:blip>
@@ -4644,7 +4762,7 @@
           <p:cNvPr id="18" name="Slide Title">
             <a:extLst>
               <a:ext uri="{FF2B5EF4-FFF2-40B4-BE49-F238E27FC236}">
-                <a16:creationId xmlns:a16="http://schemas.microsoft.com/office/drawing/2014/main" xmlns="" id="{AE87ED9C-76E1-4D85-9B06-3AF44AABB668}"/>
+                <a16:creationId xmlns="" xmlns:a16="http://schemas.microsoft.com/office/drawing/2014/main" id="{AE87ED9C-76E1-4D85-9B06-3AF44AABB668}"/>
               </a:ext>
             </a:extLst>
           </p:cNvPr>
@@ -4683,7 +4801,7 @@
     </p:spTree>
     <p:extLst>
       <p:ext uri="{BB962C8B-B14F-4D97-AF65-F5344CB8AC3E}">
-        <p14:creationId xmlns:p14="http://schemas.microsoft.com/office/powerpoint/2010/main" xmlns="" val="2196466322"/>
+        <p14:creationId xmlns="" xmlns:p14="http://schemas.microsoft.com/office/powerpoint/2010/main" val="2196466322"/>
       </p:ext>
     </p:extLst>
   </p:cSld>
@@ -4691,7 +4809,7 @@
     <a:masterClrMapping/>
   </p:clrMapOvr>
   <mc:AlternateContent xmlns:mc="http://schemas.openxmlformats.org/markup-compatibility/2006">
-    <mc:Choice xmlns:p14="http://schemas.microsoft.com/office/powerpoint/2010/main" xmlns="" Requires="p14">
+    <mc:Choice xmlns="" xmlns:p14="http://schemas.microsoft.com/office/powerpoint/2010/main" Requires="p14">
       <p:transition spd="slow" p14:dur="2000" advClick="0" advTm="5000"/>
     </mc:Choice>
     <mc:Fallback>
@@ -4723,7 +4841,7 @@
           <p:cNvPr id="9" name="Oval Center Icon">
             <a:extLst>
               <a:ext uri="{FF2B5EF4-FFF2-40B4-BE49-F238E27FC236}">
-                <a16:creationId xmlns:a16="http://schemas.microsoft.com/office/drawing/2014/main" xmlns="" id="{13B9A8FE-2718-4F2C-98D4-CBF86AD69D58}"/>
+                <a16:creationId xmlns="" xmlns:a16="http://schemas.microsoft.com/office/drawing/2014/main" id="{13B9A8FE-2718-4F2C-98D4-CBF86AD69D58}"/>
               </a:ext>
             </a:extLst>
           </p:cNvPr>
@@ -4804,7 +4922,7 @@
           <p:cNvPr id="8" name="Slide Subtitle">
             <a:extLst>
               <a:ext uri="{FF2B5EF4-FFF2-40B4-BE49-F238E27FC236}">
-                <a16:creationId xmlns:a16="http://schemas.microsoft.com/office/drawing/2014/main" xmlns="" id="{588387B4-E99E-4145-9D1D-F17CA5190DFD}"/>
+                <a16:creationId xmlns="" xmlns:a16="http://schemas.microsoft.com/office/drawing/2014/main" id="{588387B4-E99E-4145-9D1D-F17CA5190DFD}"/>
               </a:ext>
             </a:extLst>
           </p:cNvPr>
@@ -4854,7 +4972,7 @@
           <p:cNvPr id="13" name="Slide Title">
             <a:extLst>
               <a:ext uri="{FF2B5EF4-FFF2-40B4-BE49-F238E27FC236}">
-                <a16:creationId xmlns:a16="http://schemas.microsoft.com/office/drawing/2014/main" xmlns="" id="{8A28C56F-AE84-49D0-9AD1-1F0CEEABF710}"/>
+                <a16:creationId xmlns="" xmlns:a16="http://schemas.microsoft.com/office/drawing/2014/main" id="{8A28C56F-AE84-49D0-9AD1-1F0CEEABF710}"/>
               </a:ext>
             </a:extLst>
           </p:cNvPr>
@@ -4899,7 +5017,7 @@
     </p:spTree>
     <p:extLst>
       <p:ext uri="{BB962C8B-B14F-4D97-AF65-F5344CB8AC3E}">
-        <p14:creationId xmlns:p14="http://schemas.microsoft.com/office/powerpoint/2010/main" xmlns="" val="475389923"/>
+        <p14:creationId xmlns="" xmlns:p14="http://schemas.microsoft.com/office/powerpoint/2010/main" val="475389923"/>
       </p:ext>
     </p:extLst>
   </p:cSld>
@@ -4907,7 +5025,7 @@
     <a:masterClrMapping/>
   </p:clrMapOvr>
   <mc:AlternateContent xmlns:mc="http://schemas.openxmlformats.org/markup-compatibility/2006">
-    <mc:Choice xmlns:p14="http://schemas.microsoft.com/office/powerpoint/2010/main" xmlns="" Requires="p14">
+    <mc:Choice xmlns="" xmlns:p14="http://schemas.microsoft.com/office/powerpoint/2010/main" Requires="p14">
       <p:transition spd="slow" p14:dur="2000" advClick="0" advTm="5000"/>
     </mc:Choice>
     <mc:Fallback>
@@ -4940,7 +5058,7 @@
           <p:cNvPr id="2" name="Title 1">
             <a:extLst>
               <a:ext uri="{FF2B5EF4-FFF2-40B4-BE49-F238E27FC236}">
-                <a16:creationId xmlns:a16="http://schemas.microsoft.com/office/drawing/2014/main" xmlns="" id="{5213C145-EA12-94EF-AA17-5F628EA0AD2D}"/>
+                <a16:creationId xmlns="" xmlns:a16="http://schemas.microsoft.com/office/drawing/2014/main" id="{5213C145-EA12-94EF-AA17-5F628EA0AD2D}"/>
               </a:ext>
             </a:extLst>
           </p:cNvPr>
@@ -4978,7 +5096,7 @@
           <p:cNvPr id="3" name="Subtitle 2">
             <a:extLst>
               <a:ext uri="{FF2B5EF4-FFF2-40B4-BE49-F238E27FC236}">
-                <a16:creationId xmlns:a16="http://schemas.microsoft.com/office/drawing/2014/main" xmlns="" id="{5F55E72E-5B45-B6EE-75AE-03B188AD9A08}"/>
+                <a16:creationId xmlns="" xmlns:a16="http://schemas.microsoft.com/office/drawing/2014/main" id="{5F55E72E-5B45-B6EE-75AE-03B188AD9A08}"/>
               </a:ext>
             </a:extLst>
           </p:cNvPr>
@@ -5049,7 +5167,7 @@
           <p:cNvPr id="4" name="Date Placeholder 3">
             <a:extLst>
               <a:ext uri="{FF2B5EF4-FFF2-40B4-BE49-F238E27FC236}">
-                <a16:creationId xmlns:a16="http://schemas.microsoft.com/office/drawing/2014/main" xmlns="" id="{30C6A8EA-0240-01AB-A7C2-BD1CD885E1C1}"/>
+                <a16:creationId xmlns="" xmlns:a16="http://schemas.microsoft.com/office/drawing/2014/main" id="{30C6A8EA-0240-01AB-A7C2-BD1CD885E1C1}"/>
               </a:ext>
             </a:extLst>
           </p:cNvPr>
@@ -5079,7 +5197,7 @@
           <p:cNvPr id="5" name="Footer Placeholder 4">
             <a:extLst>
               <a:ext uri="{FF2B5EF4-FFF2-40B4-BE49-F238E27FC236}">
-                <a16:creationId xmlns:a16="http://schemas.microsoft.com/office/drawing/2014/main" xmlns="" id="{F95CBF96-4249-1541-E44E-FBCECA233B3C}"/>
+                <a16:creationId xmlns="" xmlns:a16="http://schemas.microsoft.com/office/drawing/2014/main" id="{F95CBF96-4249-1541-E44E-FBCECA233B3C}"/>
               </a:ext>
             </a:extLst>
           </p:cNvPr>
@@ -5104,7 +5222,7 @@
           <p:cNvPr id="6" name="Slide Number Placeholder 5">
             <a:extLst>
               <a:ext uri="{FF2B5EF4-FFF2-40B4-BE49-F238E27FC236}">
-                <a16:creationId xmlns:a16="http://schemas.microsoft.com/office/drawing/2014/main" xmlns="" id="{7ACB54F2-814F-F79B-8CD7-FA3133365CBC}"/>
+                <a16:creationId xmlns="" xmlns:a16="http://schemas.microsoft.com/office/drawing/2014/main" id="{7ACB54F2-814F-F79B-8CD7-FA3133365CBC}"/>
               </a:ext>
             </a:extLst>
           </p:cNvPr>
@@ -5132,7 +5250,7 @@
     </p:spTree>
     <p:extLst>
       <p:ext uri="{BB962C8B-B14F-4D97-AF65-F5344CB8AC3E}">
-        <p14:creationId xmlns:p14="http://schemas.microsoft.com/office/powerpoint/2010/main" xmlns="" val="2773863354"/>
+        <p14:creationId xmlns="" xmlns:p14="http://schemas.microsoft.com/office/powerpoint/2010/main" val="2773863354"/>
       </p:ext>
     </p:extLst>
   </p:cSld>
@@ -5164,7 +5282,7 @@
           <p:cNvPr id="8" name="Rectangle Top">
             <a:extLst>
               <a:ext uri="{FF2B5EF4-FFF2-40B4-BE49-F238E27FC236}">
-                <a16:creationId xmlns:a16="http://schemas.microsoft.com/office/drawing/2014/main" xmlns="" id="{454BD9C2-93A6-4860-A758-846ED0E1C8FA}"/>
+                <a16:creationId xmlns="" xmlns:a16="http://schemas.microsoft.com/office/drawing/2014/main" id="{454BD9C2-93A6-4860-A758-846ED0E1C8FA}"/>
               </a:ext>
             </a:extLst>
           </p:cNvPr>
@@ -5245,7 +5363,7 @@
           <p:cNvPr id="7" name="Slide Number">
             <a:extLst>
               <a:ext uri="{FF2B5EF4-FFF2-40B4-BE49-F238E27FC236}">
-                <a16:creationId xmlns:a16="http://schemas.microsoft.com/office/drawing/2014/main" xmlns="" id="{C1780DB1-0AF0-4108-AFE1-9DA99F0DBCB8}"/>
+                <a16:creationId xmlns="" xmlns:a16="http://schemas.microsoft.com/office/drawing/2014/main" id="{C1780DB1-0AF0-4108-AFE1-9DA99F0DBCB8}"/>
               </a:ext>
             </a:extLst>
           </p:cNvPr>
@@ -5287,7 +5405,7 @@
           <p:cNvPr id="3" name="Slide Body Text">
             <a:extLst>
               <a:ext uri="{FF2B5EF4-FFF2-40B4-BE49-F238E27FC236}">
-                <a16:creationId xmlns:a16="http://schemas.microsoft.com/office/drawing/2014/main" xmlns="" id="{5A9D2960-6D42-439F-82E8-812822013A10}"/>
+                <a16:creationId xmlns="" xmlns:a16="http://schemas.microsoft.com/office/drawing/2014/main" id="{5A9D2960-6D42-439F-82E8-812822013A10}"/>
               </a:ext>
             </a:extLst>
           </p:cNvPr>
@@ -5365,7 +5483,7 @@
           <p:cNvPr id="13" name="Rectangle Top">
             <a:extLst>
               <a:ext uri="{FF2B5EF4-FFF2-40B4-BE49-F238E27FC236}">
-                <a16:creationId xmlns:a16="http://schemas.microsoft.com/office/drawing/2014/main" xmlns="" id="{391AFA4E-7870-4561-A1B8-AC956B0C8931}"/>
+                <a16:creationId xmlns="" xmlns:a16="http://schemas.microsoft.com/office/drawing/2014/main" id="{391AFA4E-7870-4561-A1B8-AC956B0C8931}"/>
               </a:ext>
             </a:extLst>
           </p:cNvPr>
@@ -5446,7 +5564,7 @@
           <p:cNvPr id="12" name="Logo Software University" descr="Software University logo">
             <a:extLst>
               <a:ext uri="{FF2B5EF4-FFF2-40B4-BE49-F238E27FC236}">
-                <a16:creationId xmlns:a16="http://schemas.microsoft.com/office/drawing/2014/main" xmlns="" id="{B1D3B425-B9BF-43ED-9DEC-C05002FBA22F}"/>
+                <a16:creationId xmlns="" xmlns:a16="http://schemas.microsoft.com/office/drawing/2014/main" id="{B1D3B425-B9BF-43ED-9DEC-C05002FBA22F}"/>
               </a:ext>
             </a:extLst>
           </p:cNvPr>
@@ -5459,7 +5577,7 @@
           <a:blip r:embed="rId2" cstate="print">
             <a:extLst>
               <a:ext uri="{28A0092B-C50C-407E-A947-70E740481C1C}">
-                <a14:useLocalDpi xmlns:a14="http://schemas.microsoft.com/office/drawing/2010/main" xmlns="" val="0"/>
+                <a14:useLocalDpi xmlns="" xmlns:a14="http://schemas.microsoft.com/office/drawing/2010/main" val="0"/>
               </a:ext>
             </a:extLst>
           </a:blip>
@@ -5482,7 +5600,7 @@
           <p:cNvPr id="6" name="Slide Title">
             <a:extLst>
               <a:ext uri="{FF2B5EF4-FFF2-40B4-BE49-F238E27FC236}">
-                <a16:creationId xmlns:a16="http://schemas.microsoft.com/office/drawing/2014/main" xmlns="" id="{19B5B676-7892-440F-8191-7109B2C59885}"/>
+                <a16:creationId xmlns="" xmlns:a16="http://schemas.microsoft.com/office/drawing/2014/main" id="{19B5B676-7892-440F-8191-7109B2C59885}"/>
               </a:ext>
             </a:extLst>
           </p:cNvPr>
@@ -5521,7 +5639,7 @@
     </p:spTree>
     <p:extLst>
       <p:ext uri="{BB962C8B-B14F-4D97-AF65-F5344CB8AC3E}">
-        <p14:creationId xmlns:p14="http://schemas.microsoft.com/office/powerpoint/2010/main" xmlns="" val="2685365194"/>
+        <p14:creationId xmlns="" xmlns:p14="http://schemas.microsoft.com/office/powerpoint/2010/main" val="2685365194"/>
       </p:ext>
     </p:extLst>
   </p:cSld>
@@ -5529,7 +5647,7 @@
     <a:masterClrMapping/>
   </p:clrMapOvr>
   <mc:AlternateContent xmlns:mc="http://schemas.openxmlformats.org/markup-compatibility/2006">
-    <mc:Choice xmlns:p14="http://schemas.microsoft.com/office/powerpoint/2010/main" xmlns="" Requires="p14">
+    <mc:Choice xmlns="" xmlns:p14="http://schemas.microsoft.com/office/powerpoint/2010/main" Requires="p14">
       <p:transition spd="slow" p14:dur="2000" advClick="0" advTm="5000"/>
     </mc:Choice>
     <mc:Fallback>
@@ -6639,7 +6757,7 @@
     </p:spTree>
     <p:extLst>
       <p:ext uri="{BB962C8B-B14F-4D97-AF65-F5344CB8AC3E}">
-        <p14:creationId xmlns:p14="http://schemas.microsoft.com/office/powerpoint/2010/main" xmlns="" val="2531485629"/>
+        <p14:creationId xmlns="" xmlns:p14="http://schemas.microsoft.com/office/powerpoint/2010/main" val="2531485629"/>
       </p:ext>
     </p:extLst>
   </p:cSld>
@@ -6835,7 +6953,7 @@
     </p:spTree>
     <p:extLst>
       <p:ext uri="{BB962C8B-B14F-4D97-AF65-F5344CB8AC3E}">
-        <p14:creationId xmlns:p14="http://schemas.microsoft.com/office/powerpoint/2010/main" xmlns="" val="3529216409"/>
+        <p14:creationId xmlns="" xmlns:p14="http://schemas.microsoft.com/office/powerpoint/2010/main" val="3529216409"/>
       </p:ext>
     </p:extLst>
   </p:cSld>
@@ -6843,7 +6961,7 @@
     <a:masterClrMapping/>
   </p:clrMapOvr>
   <mc:AlternateContent xmlns:mc="http://schemas.openxmlformats.org/markup-compatibility/2006">
-    <mc:Choice xmlns:p14="http://schemas.microsoft.com/office/powerpoint/2010/main" xmlns="" Requires="p14">
+    <mc:Choice xmlns="" xmlns:p14="http://schemas.microsoft.com/office/powerpoint/2010/main" Requires="p14">
       <p:transition spd="slow" p14:dur="2000" advClick="0" advTm="5000"/>
     </mc:Choice>
     <mc:Fallback>
@@ -6875,7 +6993,7 @@
           <p:cNvPr id="7" name="Slide Number">
             <a:extLst>
               <a:ext uri="{FF2B5EF4-FFF2-40B4-BE49-F238E27FC236}">
-                <a16:creationId xmlns:a16="http://schemas.microsoft.com/office/drawing/2014/main" xmlns="" id="{C1780DB1-0AF0-4108-AFE1-9DA99F0DBCB8}"/>
+                <a16:creationId xmlns="" xmlns:a16="http://schemas.microsoft.com/office/drawing/2014/main" id="{C1780DB1-0AF0-4108-AFE1-9DA99F0DBCB8}"/>
               </a:ext>
             </a:extLst>
           </p:cNvPr>
@@ -6917,7 +7035,7 @@
           <p:cNvPr id="3" name="Slide Body Text">
             <a:extLst>
               <a:ext uri="{FF2B5EF4-FFF2-40B4-BE49-F238E27FC236}">
-                <a16:creationId xmlns:a16="http://schemas.microsoft.com/office/drawing/2014/main" xmlns="" id="{5A9D2960-6D42-439F-82E8-812822013A10}"/>
+                <a16:creationId xmlns="" xmlns:a16="http://schemas.microsoft.com/office/drawing/2014/main" id="{5A9D2960-6D42-439F-82E8-812822013A10}"/>
               </a:ext>
             </a:extLst>
           </p:cNvPr>
@@ -6995,7 +7113,7 @@
           <p:cNvPr id="13" name="Rectangle Top">
             <a:extLst>
               <a:ext uri="{FF2B5EF4-FFF2-40B4-BE49-F238E27FC236}">
-                <a16:creationId xmlns:a16="http://schemas.microsoft.com/office/drawing/2014/main" xmlns="" id="{391AFA4E-7870-4561-A1B8-AC956B0C8931}"/>
+                <a16:creationId xmlns="" xmlns:a16="http://schemas.microsoft.com/office/drawing/2014/main" id="{391AFA4E-7870-4561-A1B8-AC956B0C8931}"/>
               </a:ext>
             </a:extLst>
           </p:cNvPr>
@@ -7076,7 +7194,7 @@
           <p:cNvPr id="12" name="Logo Software University" descr="Software University logo">
             <a:extLst>
               <a:ext uri="{FF2B5EF4-FFF2-40B4-BE49-F238E27FC236}">
-                <a16:creationId xmlns:a16="http://schemas.microsoft.com/office/drawing/2014/main" xmlns="" id="{B1D3B425-B9BF-43ED-9DEC-C05002FBA22F}"/>
+                <a16:creationId xmlns="" xmlns:a16="http://schemas.microsoft.com/office/drawing/2014/main" id="{B1D3B425-B9BF-43ED-9DEC-C05002FBA22F}"/>
               </a:ext>
             </a:extLst>
           </p:cNvPr>
@@ -7089,7 +7207,7 @@
           <a:blip r:embed="rId2" cstate="print">
             <a:extLst>
               <a:ext uri="{28A0092B-C50C-407E-A947-70E740481C1C}">
-                <a14:useLocalDpi xmlns:a14="http://schemas.microsoft.com/office/drawing/2010/main" xmlns="" val="0"/>
+                <a14:useLocalDpi xmlns="" xmlns:a14="http://schemas.microsoft.com/office/drawing/2010/main" val="0"/>
               </a:ext>
             </a:extLst>
           </a:blip>
@@ -7112,7 +7230,7 @@
           <p:cNvPr id="6" name="Slide Title">
             <a:extLst>
               <a:ext uri="{FF2B5EF4-FFF2-40B4-BE49-F238E27FC236}">
-                <a16:creationId xmlns:a16="http://schemas.microsoft.com/office/drawing/2014/main" xmlns="" id="{19B5B676-7892-440F-8191-7109B2C59885}"/>
+                <a16:creationId xmlns="" xmlns:a16="http://schemas.microsoft.com/office/drawing/2014/main" id="{19B5B676-7892-440F-8191-7109B2C59885}"/>
               </a:ext>
             </a:extLst>
           </p:cNvPr>
@@ -7151,7 +7269,7 @@
     </p:spTree>
     <p:extLst>
       <p:ext uri="{BB962C8B-B14F-4D97-AF65-F5344CB8AC3E}">
-        <p14:creationId xmlns:p14="http://schemas.microsoft.com/office/powerpoint/2010/main" xmlns="" val="1102970716"/>
+        <p14:creationId xmlns="" xmlns:p14="http://schemas.microsoft.com/office/powerpoint/2010/main" val="1102970716"/>
       </p:ext>
     </p:extLst>
   </p:cSld>
@@ -7159,7 +7277,7 @@
     <a:masterClrMapping/>
   </p:clrMapOvr>
   <mc:AlternateContent xmlns:mc="http://schemas.openxmlformats.org/markup-compatibility/2006">
-    <mc:Choice xmlns:p14="http://schemas.microsoft.com/office/powerpoint/2010/main" xmlns="" Requires="p14">
+    <mc:Choice xmlns="" xmlns:p14="http://schemas.microsoft.com/office/powerpoint/2010/main" Requires="p14">
       <p:transition spd="slow" p14:dur="2000" advClick="0" advTm="5000"/>
     </mc:Choice>
     <mc:Fallback>
@@ -7191,7 +7309,7 @@
           <p:cNvPr id="9" name="Slide Number">
             <a:extLst>
               <a:ext uri="{FF2B5EF4-FFF2-40B4-BE49-F238E27FC236}">
-                <a16:creationId xmlns:a16="http://schemas.microsoft.com/office/drawing/2014/main" xmlns="" id="{0020EB61-2079-41A3-B356-B1D8D48D786E}"/>
+                <a16:creationId xmlns="" xmlns:a16="http://schemas.microsoft.com/office/drawing/2014/main" id="{0020EB61-2079-41A3-B356-B1D8D48D786E}"/>
               </a:ext>
             </a:extLst>
           </p:cNvPr>
@@ -7308,7 +7426,7 @@
           <p:cNvPr id="7" name="Slide Body Text">
             <a:extLst>
               <a:ext uri="{FF2B5EF4-FFF2-40B4-BE49-F238E27FC236}">
-                <a16:creationId xmlns:a16="http://schemas.microsoft.com/office/drawing/2014/main" xmlns="" id="{CB4CB13C-66A1-466B-A6C1-B0BABF5CFEC1}"/>
+                <a16:creationId xmlns="" xmlns:a16="http://schemas.microsoft.com/office/drawing/2014/main" id="{CB4CB13C-66A1-466B-A6C1-B0BABF5CFEC1}"/>
               </a:ext>
             </a:extLst>
           </p:cNvPr>
@@ -7406,7 +7524,7 @@
           <p:cNvPr id="3" name="Logo Software University" descr="Software University logo">
             <a:extLst>
               <a:ext uri="{FF2B5EF4-FFF2-40B4-BE49-F238E27FC236}">
-                <a16:creationId xmlns:a16="http://schemas.microsoft.com/office/drawing/2014/main" xmlns="" id="{5573C101-930B-47AC-967A-A64513DFFDEE}"/>
+                <a16:creationId xmlns="" xmlns:a16="http://schemas.microsoft.com/office/drawing/2014/main" id="{5573C101-930B-47AC-967A-A64513DFFDEE}"/>
               </a:ext>
             </a:extLst>
           </p:cNvPr>
@@ -7429,7 +7547,7 @@
             </a:clrChange>
             <a:extLst>
               <a:ext uri="{28A0092B-C50C-407E-A947-70E740481C1C}">
-                <a14:useLocalDpi xmlns:a14="http://schemas.microsoft.com/office/drawing/2010/main" xmlns="" val="0"/>
+                <a14:useLocalDpi xmlns="" xmlns:a14="http://schemas.microsoft.com/office/drawing/2010/main" val="0"/>
               </a:ext>
             </a:extLst>
           </a:blip>
@@ -7452,7 +7570,7 @@
           <p:cNvPr id="8" name="Slide Title">
             <a:extLst>
               <a:ext uri="{FF2B5EF4-FFF2-40B4-BE49-F238E27FC236}">
-                <a16:creationId xmlns:a16="http://schemas.microsoft.com/office/drawing/2014/main" xmlns="" id="{E2DA9691-CDF5-499C-94BB-AAA61DAC1BFB}"/>
+                <a16:creationId xmlns="" xmlns:a16="http://schemas.microsoft.com/office/drawing/2014/main" id="{E2DA9691-CDF5-499C-94BB-AAA61DAC1BFB}"/>
               </a:ext>
             </a:extLst>
           </p:cNvPr>
@@ -7489,7 +7607,7 @@
           <p:cNvPr id="10" name="Group 9">
             <a:extLst>
               <a:ext uri="{FF2B5EF4-FFF2-40B4-BE49-F238E27FC236}">
-                <a16:creationId xmlns:a16="http://schemas.microsoft.com/office/drawing/2014/main" xmlns="" id="{43CDBCC2-1C96-44BC-B992-7B0C49C34904}"/>
+                <a16:creationId xmlns="" xmlns:a16="http://schemas.microsoft.com/office/drawing/2014/main" id="{43CDBCC2-1C96-44BC-B992-7B0C49C34904}"/>
               </a:ext>
             </a:extLst>
           </p:cNvPr>
@@ -7509,7 +7627,7 @@
             <p:cNvPr id="11" name="Group 10">
               <a:extLst>
                 <a:ext uri="{FF2B5EF4-FFF2-40B4-BE49-F238E27FC236}">
-                  <a16:creationId xmlns:a16="http://schemas.microsoft.com/office/drawing/2014/main" xmlns="" id="{7D71B3A8-4D39-42CF-9255-81EA3A622DD6}"/>
+                  <a16:creationId xmlns="" xmlns:a16="http://schemas.microsoft.com/office/drawing/2014/main" id="{7D71B3A8-4D39-42CF-9255-81EA3A622DD6}"/>
                 </a:ext>
               </a:extLst>
             </p:cNvPr>
@@ -7529,7 +7647,7 @@
               <p:cNvPr id="25" name="Oval 24">
                 <a:extLst>
                   <a:ext uri="{FF2B5EF4-FFF2-40B4-BE49-F238E27FC236}">
-                    <a16:creationId xmlns:a16="http://schemas.microsoft.com/office/drawing/2014/main" xmlns="" id="{B98059F9-1874-426D-8AF7-A12C21F37DD9}"/>
+                    <a16:creationId xmlns="" xmlns:a16="http://schemas.microsoft.com/office/drawing/2014/main" id="{B98059F9-1874-426D-8AF7-A12C21F37DD9}"/>
                   </a:ext>
                 </a:extLst>
               </p:cNvPr>
@@ -7581,7 +7699,7 @@
               <p:cNvPr id="26" name="Rectangle 5">
                 <a:extLst>
                   <a:ext uri="{FF2B5EF4-FFF2-40B4-BE49-F238E27FC236}">
-                    <a16:creationId xmlns:a16="http://schemas.microsoft.com/office/drawing/2014/main" xmlns="" id="{A3A1E077-DBDF-48F0-A924-604984B940A2}"/>
+                    <a16:creationId xmlns="" xmlns:a16="http://schemas.microsoft.com/office/drawing/2014/main" id="{A3A1E077-DBDF-48F0-A924-604984B940A2}"/>
                   </a:ext>
                 </a:extLst>
               </p:cNvPr>
@@ -7726,7 +7844,7 @@
               <p:cNvPr id="27" name="Rectangle 5">
                 <a:extLst>
                   <a:ext uri="{FF2B5EF4-FFF2-40B4-BE49-F238E27FC236}">
-                    <a16:creationId xmlns:a16="http://schemas.microsoft.com/office/drawing/2014/main" xmlns="" id="{798B1F51-1FA4-4199-81C7-62356C936CC9}"/>
+                    <a16:creationId xmlns="" xmlns:a16="http://schemas.microsoft.com/office/drawing/2014/main" id="{798B1F51-1FA4-4199-81C7-62356C936CC9}"/>
                   </a:ext>
                 </a:extLst>
               </p:cNvPr>
@@ -7871,7 +7989,7 @@
               <p:cNvPr id="28" name="Arc 27">
                 <a:extLst>
                   <a:ext uri="{FF2B5EF4-FFF2-40B4-BE49-F238E27FC236}">
-                    <a16:creationId xmlns:a16="http://schemas.microsoft.com/office/drawing/2014/main" xmlns="" id="{40A224C8-1233-40F7-96AB-BFF79AF6CDCB}"/>
+                    <a16:creationId xmlns="" xmlns:a16="http://schemas.microsoft.com/office/drawing/2014/main" id="{40A224C8-1233-40F7-96AB-BFF79AF6CDCB}"/>
                   </a:ext>
                 </a:extLst>
               </p:cNvPr>
@@ -7930,7 +8048,7 @@
               <p:cNvPr id="29" name="Arc 28">
                 <a:extLst>
                   <a:ext uri="{FF2B5EF4-FFF2-40B4-BE49-F238E27FC236}">
-                    <a16:creationId xmlns:a16="http://schemas.microsoft.com/office/drawing/2014/main" xmlns="" id="{B57C7CCC-E218-4321-8C7B-3F0C5753C7A1}"/>
+                    <a16:creationId xmlns="" xmlns:a16="http://schemas.microsoft.com/office/drawing/2014/main" id="{B57C7CCC-E218-4321-8C7B-3F0C5753C7A1}"/>
                   </a:ext>
                 </a:extLst>
               </p:cNvPr>
@@ -7990,7 +8108,7 @@
             <p:cNvPr id="13" name="Rectangle: Rounded Corners 12">
               <a:extLst>
                 <a:ext uri="{FF2B5EF4-FFF2-40B4-BE49-F238E27FC236}">
-                  <a16:creationId xmlns:a16="http://schemas.microsoft.com/office/drawing/2014/main" xmlns="" id="{6AF309CA-A56C-4ABC-B293-420F4EB1A9B4}"/>
+                  <a16:creationId xmlns="" xmlns:a16="http://schemas.microsoft.com/office/drawing/2014/main" id="{6AF309CA-A56C-4ABC-B293-420F4EB1A9B4}"/>
                 </a:ext>
               </a:extLst>
             </p:cNvPr>
@@ -8044,7 +8162,7 @@
             <p:cNvPr id="14" name="Rectangle: Rounded Corners 13">
               <a:extLst>
                 <a:ext uri="{FF2B5EF4-FFF2-40B4-BE49-F238E27FC236}">
-                  <a16:creationId xmlns:a16="http://schemas.microsoft.com/office/drawing/2014/main" xmlns="" id="{07955808-2AC7-44EB-8B6D-82B974E53A3C}"/>
+                  <a16:creationId xmlns="" xmlns:a16="http://schemas.microsoft.com/office/drawing/2014/main" id="{07955808-2AC7-44EB-8B6D-82B974E53A3C}"/>
                 </a:ext>
               </a:extLst>
             </p:cNvPr>
@@ -8105,7 +8223,7 @@
             <p:cNvPr id="15" name="Straight Connector 14">
               <a:extLst>
                 <a:ext uri="{FF2B5EF4-FFF2-40B4-BE49-F238E27FC236}">
-                  <a16:creationId xmlns:a16="http://schemas.microsoft.com/office/drawing/2014/main" xmlns="" id="{AC6420D7-AEAB-45EF-8D46-11EB06E4AFEA}"/>
+                  <a16:creationId xmlns="" xmlns:a16="http://schemas.microsoft.com/office/drawing/2014/main" id="{AC6420D7-AEAB-45EF-8D46-11EB06E4AFEA}"/>
                 </a:ext>
               </a:extLst>
             </p:cNvPr>
@@ -8151,7 +8269,7 @@
             <p:cNvPr id="16" name="Straight Connector 15">
               <a:extLst>
                 <a:ext uri="{FF2B5EF4-FFF2-40B4-BE49-F238E27FC236}">
-                  <a16:creationId xmlns:a16="http://schemas.microsoft.com/office/drawing/2014/main" xmlns="" id="{76C7FABC-6773-44F6-990B-3EB082BE9B35}"/>
+                  <a16:creationId xmlns="" xmlns:a16="http://schemas.microsoft.com/office/drawing/2014/main" id="{76C7FABC-6773-44F6-990B-3EB082BE9B35}"/>
                 </a:ext>
               </a:extLst>
             </p:cNvPr>
@@ -8197,7 +8315,7 @@
             <p:cNvPr id="17" name="Group 16">
               <a:extLst>
                 <a:ext uri="{FF2B5EF4-FFF2-40B4-BE49-F238E27FC236}">
-                  <a16:creationId xmlns:a16="http://schemas.microsoft.com/office/drawing/2014/main" xmlns="" id="{1FAD48E1-DC45-4B3D-9CE5-613250708496}"/>
+                  <a16:creationId xmlns="" xmlns:a16="http://schemas.microsoft.com/office/drawing/2014/main" id="{1FAD48E1-DC45-4B3D-9CE5-613250708496}"/>
                 </a:ext>
               </a:extLst>
             </p:cNvPr>
@@ -8220,7 +8338,7 @@
               <p:cNvPr id="23" name="Straight Connector 22">
                 <a:extLst>
                   <a:ext uri="{FF2B5EF4-FFF2-40B4-BE49-F238E27FC236}">
-                    <a16:creationId xmlns:a16="http://schemas.microsoft.com/office/drawing/2014/main" xmlns="" id="{B01FD1D1-046F-457B-AB63-2702CE3E906E}"/>
+                    <a16:creationId xmlns="" xmlns:a16="http://schemas.microsoft.com/office/drawing/2014/main" id="{B01FD1D1-046F-457B-AB63-2702CE3E906E}"/>
                   </a:ext>
                 </a:extLst>
               </p:cNvPr>
@@ -8264,7 +8382,7 @@
               <p:cNvPr id="24" name="Straight Connector 23">
                 <a:extLst>
                   <a:ext uri="{FF2B5EF4-FFF2-40B4-BE49-F238E27FC236}">
-                    <a16:creationId xmlns:a16="http://schemas.microsoft.com/office/drawing/2014/main" xmlns="" id="{895660C3-C72C-43EE-9C4A-170F85E5BE08}"/>
+                    <a16:creationId xmlns="" xmlns:a16="http://schemas.microsoft.com/office/drawing/2014/main" id="{895660C3-C72C-43EE-9C4A-170F85E5BE08}"/>
                   </a:ext>
                 </a:extLst>
               </p:cNvPr>
@@ -8309,7 +8427,7 @@
             <p:cNvPr id="19" name="Straight Connector 18">
               <a:extLst>
                 <a:ext uri="{FF2B5EF4-FFF2-40B4-BE49-F238E27FC236}">
-                  <a16:creationId xmlns:a16="http://schemas.microsoft.com/office/drawing/2014/main" xmlns="" id="{A74EE503-8FC0-42A6-8860-CA4EE42272E4}"/>
+                  <a16:creationId xmlns="" xmlns:a16="http://schemas.microsoft.com/office/drawing/2014/main" id="{A74EE503-8FC0-42A6-8860-CA4EE42272E4}"/>
                 </a:ext>
               </a:extLst>
             </p:cNvPr>
@@ -8355,7 +8473,7 @@
             <p:cNvPr id="12" name="Rectangle: Rounded Corners 11">
               <a:extLst>
                 <a:ext uri="{FF2B5EF4-FFF2-40B4-BE49-F238E27FC236}">
-                  <a16:creationId xmlns:a16="http://schemas.microsoft.com/office/drawing/2014/main" xmlns="" id="{F4189FDA-9FE8-490B-8A70-2E941811021F}"/>
+                  <a16:creationId xmlns="" xmlns:a16="http://schemas.microsoft.com/office/drawing/2014/main" id="{F4189FDA-9FE8-490B-8A70-2E941811021F}"/>
                 </a:ext>
               </a:extLst>
             </p:cNvPr>
@@ -8409,7 +8527,7 @@
             <p:cNvPr id="18" name="Group 17">
               <a:extLst>
                 <a:ext uri="{FF2B5EF4-FFF2-40B4-BE49-F238E27FC236}">
-                  <a16:creationId xmlns:a16="http://schemas.microsoft.com/office/drawing/2014/main" xmlns="" id="{FDA3EFCD-0DF8-419D-8533-D781521E597E}"/>
+                  <a16:creationId xmlns="" xmlns:a16="http://schemas.microsoft.com/office/drawing/2014/main" id="{FDA3EFCD-0DF8-419D-8533-D781521E597E}"/>
                 </a:ext>
               </a:extLst>
             </p:cNvPr>
@@ -8432,7 +8550,7 @@
               <p:cNvPr id="21" name="Straight Connector 20">
                 <a:extLst>
                   <a:ext uri="{FF2B5EF4-FFF2-40B4-BE49-F238E27FC236}">
-                    <a16:creationId xmlns:a16="http://schemas.microsoft.com/office/drawing/2014/main" xmlns="" id="{C3CC6A5A-182E-4A09-9C04-EB191881D789}"/>
+                    <a16:creationId xmlns="" xmlns:a16="http://schemas.microsoft.com/office/drawing/2014/main" id="{C3CC6A5A-182E-4A09-9C04-EB191881D789}"/>
                   </a:ext>
                 </a:extLst>
               </p:cNvPr>
@@ -8476,7 +8594,7 @@
               <p:cNvPr id="22" name="Straight Connector 21">
                 <a:extLst>
                   <a:ext uri="{FF2B5EF4-FFF2-40B4-BE49-F238E27FC236}">
-                    <a16:creationId xmlns:a16="http://schemas.microsoft.com/office/drawing/2014/main" xmlns="" id="{440C8953-0555-48CC-8255-78F17E053EE7}"/>
+                    <a16:creationId xmlns="" xmlns:a16="http://schemas.microsoft.com/office/drawing/2014/main" id="{440C8953-0555-48CC-8255-78F17E053EE7}"/>
                   </a:ext>
                 </a:extLst>
               </p:cNvPr>
@@ -8522,7 +8640,7 @@
           <p:cNvPr id="34" name="Straight Connector 33">
             <a:extLst>
               <a:ext uri="{FF2B5EF4-FFF2-40B4-BE49-F238E27FC236}">
-                <a16:creationId xmlns:a16="http://schemas.microsoft.com/office/drawing/2014/main" xmlns="" id="{29B538CA-8CCB-43FB-B5E5-5FC04EBC1F54}"/>
+                <a16:creationId xmlns="" xmlns:a16="http://schemas.microsoft.com/office/drawing/2014/main" id="{29B538CA-8CCB-43FB-B5E5-5FC04EBC1F54}"/>
               </a:ext>
             </a:extLst>
           </p:cNvPr>
@@ -8567,7 +8685,7 @@
     </p:spTree>
     <p:extLst>
       <p:ext uri="{BB962C8B-B14F-4D97-AF65-F5344CB8AC3E}">
-        <p14:creationId xmlns:p14="http://schemas.microsoft.com/office/powerpoint/2010/main" xmlns="" val="743545348"/>
+        <p14:creationId xmlns="" xmlns:p14="http://schemas.microsoft.com/office/powerpoint/2010/main" val="743545348"/>
       </p:ext>
     </p:extLst>
   </p:cSld>
@@ -8575,7 +8693,7 @@
     <a:masterClrMapping/>
   </p:clrMapOvr>
   <mc:AlternateContent xmlns:mc="http://schemas.openxmlformats.org/markup-compatibility/2006">
-    <mc:Choice xmlns:p14="http://schemas.microsoft.com/office/powerpoint/2010/main" xmlns="" Requires="p14">
+    <mc:Choice xmlns="" xmlns:p14="http://schemas.microsoft.com/office/powerpoint/2010/main" Requires="p14">
       <p:transition spd="slow" p14:dur="2000" advClick="0" advTm="5000"/>
     </mc:Choice>
     <mc:Fallback>
@@ -8607,7 +8725,7 @@
           <p:cNvPr id="9" name="Slide Number">
             <a:extLst>
               <a:ext uri="{FF2B5EF4-FFF2-40B4-BE49-F238E27FC236}">
-                <a16:creationId xmlns:a16="http://schemas.microsoft.com/office/drawing/2014/main" xmlns="" id="{1865BF6B-7F07-4E9C-879F-80E36EEB3405}"/>
+                <a16:creationId xmlns="" xmlns:a16="http://schemas.microsoft.com/office/drawing/2014/main" id="{1865BF6B-7F07-4E9C-879F-80E36EEB3405}"/>
               </a:ext>
             </a:extLst>
           </p:cNvPr>
@@ -8649,7 +8767,7 @@
           <p:cNvPr id="12" name="Rectangle Left">
             <a:extLst>
               <a:ext uri="{FF2B5EF4-FFF2-40B4-BE49-F238E27FC236}">
-                <a16:creationId xmlns:a16="http://schemas.microsoft.com/office/drawing/2014/main" xmlns="" id="{345FB1C8-7F66-4D5C-ACCE-AE919936BCFD}"/>
+                <a16:creationId xmlns="" xmlns:a16="http://schemas.microsoft.com/office/drawing/2014/main" id="{345FB1C8-7F66-4D5C-ACCE-AE919936BCFD}"/>
               </a:ext>
             </a:extLst>
           </p:cNvPr>
@@ -8730,7 +8848,7 @@
           <p:cNvPr id="15" name="Slide Body Text">
             <a:extLst>
               <a:ext uri="{FF2B5EF4-FFF2-40B4-BE49-F238E27FC236}">
-                <a16:creationId xmlns:a16="http://schemas.microsoft.com/office/drawing/2014/main" xmlns="" id="{6157C8DE-E0AF-422B-BBB1-F0AF1264B5E9}"/>
+                <a16:creationId xmlns="" xmlns:a16="http://schemas.microsoft.com/office/drawing/2014/main" id="{6157C8DE-E0AF-422B-BBB1-F0AF1264B5E9}"/>
               </a:ext>
             </a:extLst>
           </p:cNvPr>
@@ -8828,7 +8946,7 @@
           <p:cNvPr id="16" name="Logo Software University" descr="Software University logo">
             <a:extLst>
               <a:ext uri="{FF2B5EF4-FFF2-40B4-BE49-F238E27FC236}">
-                <a16:creationId xmlns:a16="http://schemas.microsoft.com/office/drawing/2014/main" xmlns="" id="{EFEBB553-EACE-4B4F-8B4F-7629FDD910A4}"/>
+                <a16:creationId xmlns="" xmlns:a16="http://schemas.microsoft.com/office/drawing/2014/main" id="{EFEBB553-EACE-4B4F-8B4F-7629FDD910A4}"/>
               </a:ext>
             </a:extLst>
           </p:cNvPr>
@@ -8851,7 +8969,7 @@
             </a:clrChange>
             <a:extLst>
               <a:ext uri="{28A0092B-C50C-407E-A947-70E740481C1C}">
-                <a14:useLocalDpi xmlns:a14="http://schemas.microsoft.com/office/drawing/2010/main" xmlns="" val="0"/>
+                <a14:useLocalDpi xmlns="" xmlns:a14="http://schemas.microsoft.com/office/drawing/2010/main" val="0"/>
               </a:ext>
             </a:extLst>
           </a:blip>
@@ -8874,7 +8992,7 @@
           <p:cNvPr id="13" name="Slide Title">
             <a:extLst>
               <a:ext uri="{FF2B5EF4-FFF2-40B4-BE49-F238E27FC236}">
-                <a16:creationId xmlns:a16="http://schemas.microsoft.com/office/drawing/2014/main" xmlns="" id="{0D5CC956-5C4A-44BE-8F8B-327FAFA51E97}"/>
+                <a16:creationId xmlns="" xmlns:a16="http://schemas.microsoft.com/office/drawing/2014/main" id="{0D5CC956-5C4A-44BE-8F8B-327FAFA51E97}"/>
               </a:ext>
             </a:extLst>
           </p:cNvPr>
@@ -8911,7 +9029,7 @@
           <p:cNvPr id="33" name="Group 32">
             <a:extLst>
               <a:ext uri="{FF2B5EF4-FFF2-40B4-BE49-F238E27FC236}">
-                <a16:creationId xmlns:a16="http://schemas.microsoft.com/office/drawing/2014/main" xmlns="" id="{7CF60135-47AA-48F0-96BA-0E795668ABDB}"/>
+                <a16:creationId xmlns="" xmlns:a16="http://schemas.microsoft.com/office/drawing/2014/main" id="{7CF60135-47AA-48F0-96BA-0E795668ABDB}"/>
               </a:ext>
             </a:extLst>
           </p:cNvPr>
@@ -8931,7 +9049,7 @@
             <p:cNvPr id="34" name="Group 33">
               <a:extLst>
                 <a:ext uri="{FF2B5EF4-FFF2-40B4-BE49-F238E27FC236}">
-                  <a16:creationId xmlns:a16="http://schemas.microsoft.com/office/drawing/2014/main" xmlns="" id="{2823380E-3936-41AF-BDF7-DA54D75BBF6B}"/>
+                  <a16:creationId xmlns="" xmlns:a16="http://schemas.microsoft.com/office/drawing/2014/main" id="{2823380E-3936-41AF-BDF7-DA54D75BBF6B}"/>
                 </a:ext>
               </a:extLst>
             </p:cNvPr>
@@ -8951,7 +9069,7 @@
               <p:cNvPr id="47" name="Oval 46">
                 <a:extLst>
                   <a:ext uri="{FF2B5EF4-FFF2-40B4-BE49-F238E27FC236}">
-                    <a16:creationId xmlns:a16="http://schemas.microsoft.com/office/drawing/2014/main" xmlns="" id="{52B047D9-D8DD-45C7-9BC8-6D4F682F5182}"/>
+                    <a16:creationId xmlns="" xmlns:a16="http://schemas.microsoft.com/office/drawing/2014/main" id="{52B047D9-D8DD-45C7-9BC8-6D4F682F5182}"/>
                   </a:ext>
                 </a:extLst>
               </p:cNvPr>
@@ -9003,7 +9121,7 @@
               <p:cNvPr id="48" name="Rectangle 5">
                 <a:extLst>
                   <a:ext uri="{FF2B5EF4-FFF2-40B4-BE49-F238E27FC236}">
-                    <a16:creationId xmlns:a16="http://schemas.microsoft.com/office/drawing/2014/main" xmlns="" id="{4D84FE51-BD8E-47EA-9463-CE02FEA31766}"/>
+                    <a16:creationId xmlns="" xmlns:a16="http://schemas.microsoft.com/office/drawing/2014/main" id="{4D84FE51-BD8E-47EA-9463-CE02FEA31766}"/>
                   </a:ext>
                 </a:extLst>
               </p:cNvPr>
@@ -9148,7 +9266,7 @@
               <p:cNvPr id="49" name="Rectangle 5">
                 <a:extLst>
                   <a:ext uri="{FF2B5EF4-FFF2-40B4-BE49-F238E27FC236}">
-                    <a16:creationId xmlns:a16="http://schemas.microsoft.com/office/drawing/2014/main" xmlns="" id="{F5C8F037-C197-4219-AC87-3A81763512BC}"/>
+                    <a16:creationId xmlns="" xmlns:a16="http://schemas.microsoft.com/office/drawing/2014/main" id="{F5C8F037-C197-4219-AC87-3A81763512BC}"/>
                   </a:ext>
                 </a:extLst>
               </p:cNvPr>
@@ -9293,7 +9411,7 @@
               <p:cNvPr id="50" name="Arc 49">
                 <a:extLst>
                   <a:ext uri="{FF2B5EF4-FFF2-40B4-BE49-F238E27FC236}">
-                    <a16:creationId xmlns:a16="http://schemas.microsoft.com/office/drawing/2014/main" xmlns="" id="{786EE401-CF8E-439B-94A0-EE6F3A7D5798}"/>
+                    <a16:creationId xmlns="" xmlns:a16="http://schemas.microsoft.com/office/drawing/2014/main" id="{786EE401-CF8E-439B-94A0-EE6F3A7D5798}"/>
                   </a:ext>
                 </a:extLst>
               </p:cNvPr>
@@ -9352,7 +9470,7 @@
               <p:cNvPr id="51" name="Arc 50">
                 <a:extLst>
                   <a:ext uri="{FF2B5EF4-FFF2-40B4-BE49-F238E27FC236}">
-                    <a16:creationId xmlns:a16="http://schemas.microsoft.com/office/drawing/2014/main" xmlns="" id="{8D9ACD38-B3EB-4A63-9730-CBF0501BF235}"/>
+                    <a16:creationId xmlns="" xmlns:a16="http://schemas.microsoft.com/office/drawing/2014/main" id="{8D9ACD38-B3EB-4A63-9730-CBF0501BF235}"/>
                   </a:ext>
                 </a:extLst>
               </p:cNvPr>
@@ -9412,7 +9530,7 @@
             <p:cNvPr id="35" name="Rectangle: Rounded Corners 34">
               <a:extLst>
                 <a:ext uri="{FF2B5EF4-FFF2-40B4-BE49-F238E27FC236}">
-                  <a16:creationId xmlns:a16="http://schemas.microsoft.com/office/drawing/2014/main" xmlns="" id="{64EE493E-A353-4C75-A3B9-D48ABA2C57CC}"/>
+                  <a16:creationId xmlns="" xmlns:a16="http://schemas.microsoft.com/office/drawing/2014/main" id="{64EE493E-A353-4C75-A3B9-D48ABA2C57CC}"/>
                 </a:ext>
               </a:extLst>
             </p:cNvPr>
@@ -9466,7 +9584,7 @@
             <p:cNvPr id="36" name="Rectangle: Rounded Corners 35">
               <a:extLst>
                 <a:ext uri="{FF2B5EF4-FFF2-40B4-BE49-F238E27FC236}">
-                  <a16:creationId xmlns:a16="http://schemas.microsoft.com/office/drawing/2014/main" xmlns="" id="{718408B9-204E-42E3-9E79-33E047E869BC}"/>
+                  <a16:creationId xmlns="" xmlns:a16="http://schemas.microsoft.com/office/drawing/2014/main" id="{718408B9-204E-42E3-9E79-33E047E869BC}"/>
                 </a:ext>
               </a:extLst>
             </p:cNvPr>
@@ -9527,7 +9645,7 @@
             <p:cNvPr id="37" name="Straight Connector 36">
               <a:extLst>
                 <a:ext uri="{FF2B5EF4-FFF2-40B4-BE49-F238E27FC236}">
-                  <a16:creationId xmlns:a16="http://schemas.microsoft.com/office/drawing/2014/main" xmlns="" id="{0AB66D97-DF6F-4CD2-AF13-42B5C852F673}"/>
+                  <a16:creationId xmlns="" xmlns:a16="http://schemas.microsoft.com/office/drawing/2014/main" id="{0AB66D97-DF6F-4CD2-AF13-42B5C852F673}"/>
                 </a:ext>
               </a:extLst>
             </p:cNvPr>
@@ -9573,7 +9691,7 @@
             <p:cNvPr id="38" name="Straight Connector 37">
               <a:extLst>
                 <a:ext uri="{FF2B5EF4-FFF2-40B4-BE49-F238E27FC236}">
-                  <a16:creationId xmlns:a16="http://schemas.microsoft.com/office/drawing/2014/main" xmlns="" id="{F2AFBA69-C196-4703-8AAB-5F72A8EDCEB5}"/>
+                  <a16:creationId xmlns="" xmlns:a16="http://schemas.microsoft.com/office/drawing/2014/main" id="{F2AFBA69-C196-4703-8AAB-5F72A8EDCEB5}"/>
                 </a:ext>
               </a:extLst>
             </p:cNvPr>
@@ -9619,7 +9737,7 @@
             <p:cNvPr id="39" name="Group 38">
               <a:extLst>
                 <a:ext uri="{FF2B5EF4-FFF2-40B4-BE49-F238E27FC236}">
-                  <a16:creationId xmlns:a16="http://schemas.microsoft.com/office/drawing/2014/main" xmlns="" id="{9AFC66C1-0C1C-4332-9C4E-782574C896B8}"/>
+                  <a16:creationId xmlns="" xmlns:a16="http://schemas.microsoft.com/office/drawing/2014/main" id="{9AFC66C1-0C1C-4332-9C4E-782574C896B8}"/>
                 </a:ext>
               </a:extLst>
             </p:cNvPr>
@@ -9642,7 +9760,7 @@
               <p:cNvPr id="45" name="Straight Connector 44">
                 <a:extLst>
                   <a:ext uri="{FF2B5EF4-FFF2-40B4-BE49-F238E27FC236}">
-                    <a16:creationId xmlns:a16="http://schemas.microsoft.com/office/drawing/2014/main" xmlns="" id="{872CA8AD-EAF6-40BE-9DDE-ECDB4A980CA5}"/>
+                    <a16:creationId xmlns="" xmlns:a16="http://schemas.microsoft.com/office/drawing/2014/main" id="{872CA8AD-EAF6-40BE-9DDE-ECDB4A980CA5}"/>
                   </a:ext>
                 </a:extLst>
               </p:cNvPr>
@@ -9686,7 +9804,7 @@
               <p:cNvPr id="46" name="Straight Connector 45">
                 <a:extLst>
                   <a:ext uri="{FF2B5EF4-FFF2-40B4-BE49-F238E27FC236}">
-                    <a16:creationId xmlns:a16="http://schemas.microsoft.com/office/drawing/2014/main" xmlns="" id="{57DD3EC7-1A13-4AFE-BD6F-DA12C281FAFB}"/>
+                    <a16:creationId xmlns="" xmlns:a16="http://schemas.microsoft.com/office/drawing/2014/main" id="{57DD3EC7-1A13-4AFE-BD6F-DA12C281FAFB}"/>
                   </a:ext>
                 </a:extLst>
               </p:cNvPr>
@@ -9731,7 +9849,7 @@
             <p:cNvPr id="40" name="Straight Connector 39">
               <a:extLst>
                 <a:ext uri="{FF2B5EF4-FFF2-40B4-BE49-F238E27FC236}">
-                  <a16:creationId xmlns:a16="http://schemas.microsoft.com/office/drawing/2014/main" xmlns="" id="{E46151FA-19E9-4E84-A082-EDAC6F76EA9D}"/>
+                  <a16:creationId xmlns="" xmlns:a16="http://schemas.microsoft.com/office/drawing/2014/main" id="{E46151FA-19E9-4E84-A082-EDAC6F76EA9D}"/>
                 </a:ext>
               </a:extLst>
             </p:cNvPr>
@@ -9777,7 +9895,7 @@
             <p:cNvPr id="41" name="Rectangle: Rounded Corners 40">
               <a:extLst>
                 <a:ext uri="{FF2B5EF4-FFF2-40B4-BE49-F238E27FC236}">
-                  <a16:creationId xmlns:a16="http://schemas.microsoft.com/office/drawing/2014/main" xmlns="" id="{3423EEF0-5B70-4091-B2DA-0740D2609643}"/>
+                  <a16:creationId xmlns="" xmlns:a16="http://schemas.microsoft.com/office/drawing/2014/main" id="{3423EEF0-5B70-4091-B2DA-0740D2609643}"/>
                 </a:ext>
               </a:extLst>
             </p:cNvPr>
@@ -9831,7 +9949,7 @@
             <p:cNvPr id="42" name="Group 41">
               <a:extLst>
                 <a:ext uri="{FF2B5EF4-FFF2-40B4-BE49-F238E27FC236}">
-                  <a16:creationId xmlns:a16="http://schemas.microsoft.com/office/drawing/2014/main" xmlns="" id="{49A8AAA7-98E7-4224-B027-830FFCC285A3}"/>
+                  <a16:creationId xmlns="" xmlns:a16="http://schemas.microsoft.com/office/drawing/2014/main" id="{49A8AAA7-98E7-4224-B027-830FFCC285A3}"/>
                 </a:ext>
               </a:extLst>
             </p:cNvPr>
@@ -9854,7 +9972,7 @@
               <p:cNvPr id="43" name="Straight Connector 42">
                 <a:extLst>
                   <a:ext uri="{FF2B5EF4-FFF2-40B4-BE49-F238E27FC236}">
-                    <a16:creationId xmlns:a16="http://schemas.microsoft.com/office/drawing/2014/main" xmlns="" id="{2129EC38-471E-4685-973E-BA7A7F567C42}"/>
+                    <a16:creationId xmlns="" xmlns:a16="http://schemas.microsoft.com/office/drawing/2014/main" id="{2129EC38-471E-4685-973E-BA7A7F567C42}"/>
                   </a:ext>
                 </a:extLst>
               </p:cNvPr>
@@ -9898,7 +10016,7 @@
               <p:cNvPr id="44" name="Straight Connector 43">
                 <a:extLst>
                   <a:ext uri="{FF2B5EF4-FFF2-40B4-BE49-F238E27FC236}">
-                    <a16:creationId xmlns:a16="http://schemas.microsoft.com/office/drawing/2014/main" xmlns="" id="{678142BE-84C9-4834-B6CC-6623E401661C}"/>
+                    <a16:creationId xmlns="" xmlns:a16="http://schemas.microsoft.com/office/drawing/2014/main" id="{678142BE-84C9-4834-B6CC-6623E401661C}"/>
                   </a:ext>
                 </a:extLst>
               </p:cNvPr>
@@ -9942,7 +10060,7 @@
     </p:spTree>
     <p:extLst>
       <p:ext uri="{BB962C8B-B14F-4D97-AF65-F5344CB8AC3E}">
-        <p14:creationId xmlns:p14="http://schemas.microsoft.com/office/powerpoint/2010/main" xmlns="" val="1679651758"/>
+        <p14:creationId xmlns="" xmlns:p14="http://schemas.microsoft.com/office/powerpoint/2010/main" val="1679651758"/>
       </p:ext>
     </p:extLst>
   </p:cSld>
@@ -9950,7 +10068,7 @@
     <a:masterClrMapping/>
   </p:clrMapOvr>
   <mc:AlternateContent xmlns:mc="http://schemas.openxmlformats.org/markup-compatibility/2006">
-    <mc:Choice xmlns:p14="http://schemas.microsoft.com/office/powerpoint/2010/main" xmlns="" Requires="p14">
+    <mc:Choice xmlns="" xmlns:p14="http://schemas.microsoft.com/office/powerpoint/2010/main" Requires="p14">
       <p:transition spd="slow" p14:dur="2000" advClick="0" advTm="5000"/>
     </mc:Choice>
     <mc:Fallback>
@@ -9982,7 +10100,7 @@
           <p:cNvPr id="5" name="Slide Number">
             <a:extLst>
               <a:ext uri="{FF2B5EF4-FFF2-40B4-BE49-F238E27FC236}">
-                <a16:creationId xmlns:a16="http://schemas.microsoft.com/office/drawing/2014/main" xmlns="" id="{F0B8C963-1813-4B69-AD27-6D02EBBBB569}"/>
+                <a16:creationId xmlns="" xmlns:a16="http://schemas.microsoft.com/office/drawing/2014/main" id="{F0B8C963-1813-4B69-AD27-6D02EBBBB569}"/>
               </a:ext>
             </a:extLst>
           </p:cNvPr>
@@ -10024,7 +10142,7 @@
           <p:cNvPr id="3" name="Rectangle Left">
             <a:extLst>
               <a:ext uri="{FF2B5EF4-FFF2-40B4-BE49-F238E27FC236}">
-                <a16:creationId xmlns:a16="http://schemas.microsoft.com/office/drawing/2014/main" xmlns="" id="{345FB1C8-7F66-4D5C-ACCE-AE919936BCFD}"/>
+                <a16:creationId xmlns="" xmlns:a16="http://schemas.microsoft.com/office/drawing/2014/main" id="{345FB1C8-7F66-4D5C-ACCE-AE919936BCFD}"/>
               </a:ext>
             </a:extLst>
           </p:cNvPr>
@@ -10105,7 +10223,7 @@
           <p:cNvPr id="7" name="Slide Body Text">
             <a:extLst>
               <a:ext uri="{FF2B5EF4-FFF2-40B4-BE49-F238E27FC236}">
-                <a16:creationId xmlns:a16="http://schemas.microsoft.com/office/drawing/2014/main" xmlns="" id="{7296EDA7-D37D-4B31-A888-371F0804124F}"/>
+                <a16:creationId xmlns="" xmlns:a16="http://schemas.microsoft.com/office/drawing/2014/main" id="{7296EDA7-D37D-4B31-A888-371F0804124F}"/>
               </a:ext>
             </a:extLst>
           </p:cNvPr>
@@ -10203,7 +10321,7 @@
           <p:cNvPr id="6" name="Slide Title">
             <a:extLst>
               <a:ext uri="{FF2B5EF4-FFF2-40B4-BE49-F238E27FC236}">
-                <a16:creationId xmlns:a16="http://schemas.microsoft.com/office/drawing/2014/main" xmlns="" id="{55A88B09-3557-48A3-BF27-42699C269215}"/>
+                <a16:creationId xmlns="" xmlns:a16="http://schemas.microsoft.com/office/drawing/2014/main" id="{55A88B09-3557-48A3-BF27-42699C269215}"/>
               </a:ext>
             </a:extLst>
           </p:cNvPr>
@@ -10240,7 +10358,7 @@
           <p:cNvPr id="28" name="Group 27">
             <a:extLst>
               <a:ext uri="{FF2B5EF4-FFF2-40B4-BE49-F238E27FC236}">
-                <a16:creationId xmlns:a16="http://schemas.microsoft.com/office/drawing/2014/main" xmlns="" id="{C4248838-4E67-439E-AE0A-0043D2CB04D6}"/>
+                <a16:creationId xmlns="" xmlns:a16="http://schemas.microsoft.com/office/drawing/2014/main" id="{C4248838-4E67-439E-AE0A-0043D2CB04D6}"/>
               </a:ext>
             </a:extLst>
           </p:cNvPr>
@@ -10260,7 +10378,7 @@
             <p:cNvPr id="29" name="Group 28">
               <a:extLst>
                 <a:ext uri="{FF2B5EF4-FFF2-40B4-BE49-F238E27FC236}">
-                  <a16:creationId xmlns:a16="http://schemas.microsoft.com/office/drawing/2014/main" xmlns="" id="{810CFD6A-2427-49D5-846A-5F93601D4184}"/>
+                  <a16:creationId xmlns="" xmlns:a16="http://schemas.microsoft.com/office/drawing/2014/main" id="{810CFD6A-2427-49D5-846A-5F93601D4184}"/>
                 </a:ext>
               </a:extLst>
             </p:cNvPr>
@@ -10280,7 +10398,7 @@
               <p:cNvPr id="42" name="Oval 41">
                 <a:extLst>
                   <a:ext uri="{FF2B5EF4-FFF2-40B4-BE49-F238E27FC236}">
-                    <a16:creationId xmlns:a16="http://schemas.microsoft.com/office/drawing/2014/main" xmlns="" id="{017B1AE5-5C36-4839-BA1F-B404EA44E701}"/>
+                    <a16:creationId xmlns="" xmlns:a16="http://schemas.microsoft.com/office/drawing/2014/main" id="{017B1AE5-5C36-4839-BA1F-B404EA44E701}"/>
                   </a:ext>
                 </a:extLst>
               </p:cNvPr>
@@ -10332,7 +10450,7 @@
               <p:cNvPr id="43" name="Rectangle 5">
                 <a:extLst>
                   <a:ext uri="{FF2B5EF4-FFF2-40B4-BE49-F238E27FC236}">
-                    <a16:creationId xmlns:a16="http://schemas.microsoft.com/office/drawing/2014/main" xmlns="" id="{FB963D79-BB49-4A1D-BA66-EA0670C79BAE}"/>
+                    <a16:creationId xmlns="" xmlns:a16="http://schemas.microsoft.com/office/drawing/2014/main" id="{FB963D79-BB49-4A1D-BA66-EA0670C79BAE}"/>
                   </a:ext>
                 </a:extLst>
               </p:cNvPr>
@@ -10477,7 +10595,7 @@
               <p:cNvPr id="44" name="Rectangle 5">
                 <a:extLst>
                   <a:ext uri="{FF2B5EF4-FFF2-40B4-BE49-F238E27FC236}">
-                    <a16:creationId xmlns:a16="http://schemas.microsoft.com/office/drawing/2014/main" xmlns="" id="{6D7746D8-B913-493B-AAE9-25BC6893D40E}"/>
+                    <a16:creationId xmlns="" xmlns:a16="http://schemas.microsoft.com/office/drawing/2014/main" id="{6D7746D8-B913-493B-AAE9-25BC6893D40E}"/>
                   </a:ext>
                 </a:extLst>
               </p:cNvPr>
@@ -10622,7 +10740,7 @@
               <p:cNvPr id="45" name="Arc 44">
                 <a:extLst>
                   <a:ext uri="{FF2B5EF4-FFF2-40B4-BE49-F238E27FC236}">
-                    <a16:creationId xmlns:a16="http://schemas.microsoft.com/office/drawing/2014/main" xmlns="" id="{29031C02-E965-417B-8799-96061B14F30D}"/>
+                    <a16:creationId xmlns="" xmlns:a16="http://schemas.microsoft.com/office/drawing/2014/main" id="{29031C02-E965-417B-8799-96061B14F30D}"/>
                   </a:ext>
                 </a:extLst>
               </p:cNvPr>
@@ -10681,7 +10799,7 @@
               <p:cNvPr id="46" name="Arc 45">
                 <a:extLst>
                   <a:ext uri="{FF2B5EF4-FFF2-40B4-BE49-F238E27FC236}">
-                    <a16:creationId xmlns:a16="http://schemas.microsoft.com/office/drawing/2014/main" xmlns="" id="{26BFD8A6-BC99-4B16-BA10-08A9E5C681C0}"/>
+                    <a16:creationId xmlns="" xmlns:a16="http://schemas.microsoft.com/office/drawing/2014/main" id="{26BFD8A6-BC99-4B16-BA10-08A9E5C681C0}"/>
                   </a:ext>
                 </a:extLst>
               </p:cNvPr>
@@ -10741,7 +10859,7 @@
             <p:cNvPr id="30" name="Rectangle: Rounded Corners 29">
               <a:extLst>
                 <a:ext uri="{FF2B5EF4-FFF2-40B4-BE49-F238E27FC236}">
-                  <a16:creationId xmlns:a16="http://schemas.microsoft.com/office/drawing/2014/main" xmlns="" id="{B310277F-A78E-4FB9-9EA9-88BE4F1D585B}"/>
+                  <a16:creationId xmlns="" xmlns:a16="http://schemas.microsoft.com/office/drawing/2014/main" id="{B310277F-A78E-4FB9-9EA9-88BE4F1D585B}"/>
                 </a:ext>
               </a:extLst>
             </p:cNvPr>
@@ -10795,7 +10913,7 @@
             <p:cNvPr id="31" name="Rectangle: Rounded Corners 30">
               <a:extLst>
                 <a:ext uri="{FF2B5EF4-FFF2-40B4-BE49-F238E27FC236}">
-                  <a16:creationId xmlns:a16="http://schemas.microsoft.com/office/drawing/2014/main" xmlns="" id="{A92CF92B-C212-4542-83AE-A0058B5BB5EA}"/>
+                  <a16:creationId xmlns="" xmlns:a16="http://schemas.microsoft.com/office/drawing/2014/main" id="{A92CF92B-C212-4542-83AE-A0058B5BB5EA}"/>
                 </a:ext>
               </a:extLst>
             </p:cNvPr>
@@ -10856,7 +10974,7 @@
             <p:cNvPr id="32" name="Straight Connector 31">
               <a:extLst>
                 <a:ext uri="{FF2B5EF4-FFF2-40B4-BE49-F238E27FC236}">
-                  <a16:creationId xmlns:a16="http://schemas.microsoft.com/office/drawing/2014/main" xmlns="" id="{563B4374-5C0D-461F-B3BD-78D99614D365}"/>
+                  <a16:creationId xmlns="" xmlns:a16="http://schemas.microsoft.com/office/drawing/2014/main" id="{563B4374-5C0D-461F-B3BD-78D99614D365}"/>
                 </a:ext>
               </a:extLst>
             </p:cNvPr>
@@ -10902,7 +11020,7 @@
             <p:cNvPr id="33" name="Straight Connector 32">
               <a:extLst>
                 <a:ext uri="{FF2B5EF4-FFF2-40B4-BE49-F238E27FC236}">
-                  <a16:creationId xmlns:a16="http://schemas.microsoft.com/office/drawing/2014/main" xmlns="" id="{FBC6FDE7-AEA1-4230-8433-4C088A0FF5F9}"/>
+                  <a16:creationId xmlns="" xmlns:a16="http://schemas.microsoft.com/office/drawing/2014/main" id="{FBC6FDE7-AEA1-4230-8433-4C088A0FF5F9}"/>
                 </a:ext>
               </a:extLst>
             </p:cNvPr>
@@ -10948,7 +11066,7 @@
             <p:cNvPr id="34" name="Group 33">
               <a:extLst>
                 <a:ext uri="{FF2B5EF4-FFF2-40B4-BE49-F238E27FC236}">
-                  <a16:creationId xmlns:a16="http://schemas.microsoft.com/office/drawing/2014/main" xmlns="" id="{C4D1021D-07C7-4331-8FF6-36980A30978B}"/>
+                  <a16:creationId xmlns="" xmlns:a16="http://schemas.microsoft.com/office/drawing/2014/main" id="{C4D1021D-07C7-4331-8FF6-36980A30978B}"/>
                 </a:ext>
               </a:extLst>
             </p:cNvPr>
@@ -10971,7 +11089,7 @@
               <p:cNvPr id="40" name="Straight Connector 39">
                 <a:extLst>
                   <a:ext uri="{FF2B5EF4-FFF2-40B4-BE49-F238E27FC236}">
-                    <a16:creationId xmlns:a16="http://schemas.microsoft.com/office/drawing/2014/main" xmlns="" id="{13B7FE99-95CF-45D5-966B-87A979B93431}"/>
+                    <a16:creationId xmlns="" xmlns:a16="http://schemas.microsoft.com/office/drawing/2014/main" id="{13B7FE99-95CF-45D5-966B-87A979B93431}"/>
                   </a:ext>
                 </a:extLst>
               </p:cNvPr>
@@ -11015,7 +11133,7 @@
               <p:cNvPr id="41" name="Straight Connector 40">
                 <a:extLst>
                   <a:ext uri="{FF2B5EF4-FFF2-40B4-BE49-F238E27FC236}">
-                    <a16:creationId xmlns:a16="http://schemas.microsoft.com/office/drawing/2014/main" xmlns="" id="{71BBA69B-19FF-4ADB-A739-AD8136A5F0A6}"/>
+                    <a16:creationId xmlns="" xmlns:a16="http://schemas.microsoft.com/office/drawing/2014/main" id="{71BBA69B-19FF-4ADB-A739-AD8136A5F0A6}"/>
                   </a:ext>
                 </a:extLst>
               </p:cNvPr>
@@ -11060,7 +11178,7 @@
             <p:cNvPr id="35" name="Straight Connector 34">
               <a:extLst>
                 <a:ext uri="{FF2B5EF4-FFF2-40B4-BE49-F238E27FC236}">
-                  <a16:creationId xmlns:a16="http://schemas.microsoft.com/office/drawing/2014/main" xmlns="" id="{BFD1D86B-562B-40B2-8E46-34233EFEE7FC}"/>
+                  <a16:creationId xmlns="" xmlns:a16="http://schemas.microsoft.com/office/drawing/2014/main" id="{BFD1D86B-562B-40B2-8E46-34233EFEE7FC}"/>
                 </a:ext>
               </a:extLst>
             </p:cNvPr>
@@ -11106,7 +11224,7 @@
             <p:cNvPr id="36" name="Rectangle: Rounded Corners 35">
               <a:extLst>
                 <a:ext uri="{FF2B5EF4-FFF2-40B4-BE49-F238E27FC236}">
-                  <a16:creationId xmlns:a16="http://schemas.microsoft.com/office/drawing/2014/main" xmlns="" id="{388C17BD-16A1-43C5-BFFA-2FF9174719E1}"/>
+                  <a16:creationId xmlns="" xmlns:a16="http://schemas.microsoft.com/office/drawing/2014/main" id="{388C17BD-16A1-43C5-BFFA-2FF9174719E1}"/>
                 </a:ext>
               </a:extLst>
             </p:cNvPr>
@@ -11160,7 +11278,7 @@
             <p:cNvPr id="37" name="Group 36">
               <a:extLst>
                 <a:ext uri="{FF2B5EF4-FFF2-40B4-BE49-F238E27FC236}">
-                  <a16:creationId xmlns:a16="http://schemas.microsoft.com/office/drawing/2014/main" xmlns="" id="{1B3B910E-ACFC-4F28-8E28-F02E1588B87E}"/>
+                  <a16:creationId xmlns="" xmlns:a16="http://schemas.microsoft.com/office/drawing/2014/main" id="{1B3B910E-ACFC-4F28-8E28-F02E1588B87E}"/>
                 </a:ext>
               </a:extLst>
             </p:cNvPr>
@@ -11183,7 +11301,7 @@
               <p:cNvPr id="38" name="Straight Connector 37">
                 <a:extLst>
                   <a:ext uri="{FF2B5EF4-FFF2-40B4-BE49-F238E27FC236}">
-                    <a16:creationId xmlns:a16="http://schemas.microsoft.com/office/drawing/2014/main" xmlns="" id="{F57772B6-06C0-4F54-AA94-D3F92DA4716A}"/>
+                    <a16:creationId xmlns="" xmlns:a16="http://schemas.microsoft.com/office/drawing/2014/main" id="{F57772B6-06C0-4F54-AA94-D3F92DA4716A}"/>
                   </a:ext>
                 </a:extLst>
               </p:cNvPr>
@@ -11227,7 +11345,7 @@
               <p:cNvPr id="39" name="Straight Connector 38">
                 <a:extLst>
                   <a:ext uri="{FF2B5EF4-FFF2-40B4-BE49-F238E27FC236}">
-                    <a16:creationId xmlns:a16="http://schemas.microsoft.com/office/drawing/2014/main" xmlns="" id="{23370C1F-7876-4278-AB20-78F6CAA385E2}"/>
+                    <a16:creationId xmlns="" xmlns:a16="http://schemas.microsoft.com/office/drawing/2014/main" id="{23370C1F-7876-4278-AB20-78F6CAA385E2}"/>
                   </a:ext>
                 </a:extLst>
               </p:cNvPr>
@@ -11271,7 +11389,7 @@
     </p:spTree>
     <p:extLst>
       <p:ext uri="{BB962C8B-B14F-4D97-AF65-F5344CB8AC3E}">
-        <p14:creationId xmlns:p14="http://schemas.microsoft.com/office/powerpoint/2010/main" xmlns="" val="3284562556"/>
+        <p14:creationId xmlns="" xmlns:p14="http://schemas.microsoft.com/office/powerpoint/2010/main" val="3284562556"/>
       </p:ext>
     </p:extLst>
   </p:cSld>
@@ -11279,7 +11397,7 @@
     <a:masterClrMapping/>
   </p:clrMapOvr>
   <mc:AlternateContent xmlns:mc="http://schemas.openxmlformats.org/markup-compatibility/2006">
-    <mc:Choice xmlns:p14="http://schemas.microsoft.com/office/powerpoint/2010/main" xmlns="" Requires="p14">
+    <mc:Choice xmlns="" xmlns:p14="http://schemas.microsoft.com/office/powerpoint/2010/main" Requires="p14">
       <p:transition spd="slow" p14:dur="2000" advClick="0" advTm="5000"/>
     </mc:Choice>
     <mc:Fallback>
@@ -11311,7 +11429,7 @@
           <p:cNvPr id="8" name="Slide Number">
             <a:extLst>
               <a:ext uri="{FF2B5EF4-FFF2-40B4-BE49-F238E27FC236}">
-                <a16:creationId xmlns:a16="http://schemas.microsoft.com/office/drawing/2014/main" xmlns="" id="{509D954E-A844-4072-A556-DE584BEB9321}"/>
+                <a16:creationId xmlns="" xmlns:a16="http://schemas.microsoft.com/office/drawing/2014/main" id="{509D954E-A844-4072-A556-DE584BEB9321}"/>
               </a:ext>
             </a:extLst>
           </p:cNvPr>
@@ -11353,7 +11471,7 @@
           <p:cNvPr id="6" name="Code Box">
             <a:extLst>
               <a:ext uri="{FF2B5EF4-FFF2-40B4-BE49-F238E27FC236}">
-                <a16:creationId xmlns:a16="http://schemas.microsoft.com/office/drawing/2014/main" xmlns="" id="{3278A82F-5546-4977-9F75-2A933B415945}"/>
+                <a16:creationId xmlns="" xmlns:a16="http://schemas.microsoft.com/office/drawing/2014/main" id="{3278A82F-5546-4977-9F75-2A933B415945}"/>
               </a:ext>
             </a:extLst>
           </p:cNvPr>
@@ -11440,7 +11558,7 @@
           <p:cNvPr id="21" name="Slide Body Text">
             <a:extLst>
               <a:ext uri="{FF2B5EF4-FFF2-40B4-BE49-F238E27FC236}">
-                <a16:creationId xmlns:a16="http://schemas.microsoft.com/office/drawing/2014/main" xmlns="" id="{04F318BE-2BAD-4677-871C-D78A4BF0CBA6}"/>
+                <a16:creationId xmlns="" xmlns:a16="http://schemas.microsoft.com/office/drawing/2014/main" id="{04F318BE-2BAD-4677-871C-D78A4BF0CBA6}"/>
               </a:ext>
             </a:extLst>
           </p:cNvPr>
@@ -11487,7 +11605,7 @@
           <p:cNvPr id="9" name="Rectangle Top">
             <a:extLst>
               <a:ext uri="{FF2B5EF4-FFF2-40B4-BE49-F238E27FC236}">
-                <a16:creationId xmlns:a16="http://schemas.microsoft.com/office/drawing/2014/main" xmlns="" id="{A15CE03A-0933-4E5D-9EA1-718D4F802FFC}"/>
+                <a16:creationId xmlns="" xmlns:a16="http://schemas.microsoft.com/office/drawing/2014/main" id="{A15CE03A-0933-4E5D-9EA1-718D4F802FFC}"/>
               </a:ext>
             </a:extLst>
           </p:cNvPr>
@@ -11568,7 +11686,7 @@
           <p:cNvPr id="10" name="Logo Software University" descr="Software University logo">
             <a:extLst>
               <a:ext uri="{FF2B5EF4-FFF2-40B4-BE49-F238E27FC236}">
-                <a16:creationId xmlns:a16="http://schemas.microsoft.com/office/drawing/2014/main" xmlns="" id="{8C01D7AF-7CBD-46E1-99F3-8EB60E838D91}"/>
+                <a16:creationId xmlns="" xmlns:a16="http://schemas.microsoft.com/office/drawing/2014/main" id="{8C01D7AF-7CBD-46E1-99F3-8EB60E838D91}"/>
               </a:ext>
             </a:extLst>
           </p:cNvPr>
@@ -11581,7 +11699,7 @@
           <a:blip r:embed="rId2" cstate="print">
             <a:extLst>
               <a:ext uri="{28A0092B-C50C-407E-A947-70E740481C1C}">
-                <a14:useLocalDpi xmlns:a14="http://schemas.microsoft.com/office/drawing/2010/main" xmlns="" val="0"/>
+                <a14:useLocalDpi xmlns="" xmlns:a14="http://schemas.microsoft.com/office/drawing/2010/main" val="0"/>
               </a:ext>
             </a:extLst>
           </a:blip>
@@ -11604,7 +11722,7 @@
           <p:cNvPr id="11" name="Slide Title">
             <a:extLst>
               <a:ext uri="{FF2B5EF4-FFF2-40B4-BE49-F238E27FC236}">
-                <a16:creationId xmlns:a16="http://schemas.microsoft.com/office/drawing/2014/main" xmlns="" id="{47D60833-F0A9-4F29-8C06-A963A7C8BE93}"/>
+                <a16:creationId xmlns="" xmlns:a16="http://schemas.microsoft.com/office/drawing/2014/main" id="{47D60833-F0A9-4F29-8C06-A963A7C8BE93}"/>
               </a:ext>
             </a:extLst>
           </p:cNvPr>
@@ -11643,7 +11761,7 @@
     </p:spTree>
     <p:extLst>
       <p:ext uri="{BB962C8B-B14F-4D97-AF65-F5344CB8AC3E}">
-        <p14:creationId xmlns:p14="http://schemas.microsoft.com/office/powerpoint/2010/main" xmlns="" val="1000829826"/>
+        <p14:creationId xmlns="" xmlns:p14="http://schemas.microsoft.com/office/powerpoint/2010/main" val="1000829826"/>
       </p:ext>
     </p:extLst>
   </p:cSld>
@@ -11651,7 +11769,7 @@
     <a:masterClrMapping/>
   </p:clrMapOvr>
   <mc:AlternateContent xmlns:mc="http://schemas.openxmlformats.org/markup-compatibility/2006">
-    <mc:Choice xmlns:p14="http://schemas.microsoft.com/office/powerpoint/2010/main" xmlns="" Requires="p14">
+    <mc:Choice xmlns="" xmlns:p14="http://schemas.microsoft.com/office/powerpoint/2010/main" Requires="p14">
       <p:transition spd="slow" p14:dur="2000" advClick="0" advTm="5000"/>
     </mc:Choice>
     <mc:Fallback>
@@ -11683,7 +11801,7 @@
           <p:cNvPr id="10" name="Slide Number">
             <a:extLst>
               <a:ext uri="{FF2B5EF4-FFF2-40B4-BE49-F238E27FC236}">
-                <a16:creationId xmlns:a16="http://schemas.microsoft.com/office/drawing/2014/main" xmlns="" id="{39DDE17E-5472-41F3-AF5F-54DFF10DC63C}"/>
+                <a16:creationId xmlns="" xmlns:a16="http://schemas.microsoft.com/office/drawing/2014/main" id="{39DDE17E-5472-41F3-AF5F-54DFF10DC63C}"/>
               </a:ext>
             </a:extLst>
           </p:cNvPr>
@@ -11725,7 +11843,7 @@
           <p:cNvPr id="9" name="Picture SoftUni Mascot" descr="SoftUni mascot with laptop">
             <a:extLst>
               <a:ext uri="{FF2B5EF4-FFF2-40B4-BE49-F238E27FC236}">
-                <a16:creationId xmlns:a16="http://schemas.microsoft.com/office/drawing/2014/main" xmlns="" id="{DC4365F6-D2C1-47B4-8477-38FD2C7711AA}"/>
+                <a16:creationId xmlns="" xmlns:a16="http://schemas.microsoft.com/office/drawing/2014/main" id="{DC4365F6-D2C1-47B4-8477-38FD2C7711AA}"/>
               </a:ext>
             </a:extLst>
           </p:cNvPr>
@@ -11738,7 +11856,7 @@
           <a:blip r:embed="rId2" cstate="print">
             <a:extLst>
               <a:ext uri="{28A0092B-C50C-407E-A947-70E740481C1C}">
-                <a14:useLocalDpi xmlns:a14="http://schemas.microsoft.com/office/drawing/2010/main" xmlns="" val="0"/>
+                <a14:useLocalDpi xmlns="" xmlns:a14="http://schemas.microsoft.com/office/drawing/2010/main" val="0"/>
               </a:ext>
             </a:extLst>
           </a:blip>
@@ -11761,7 +11879,7 @@
           <p:cNvPr id="23" name="Slide Body Text">
             <a:extLst>
               <a:ext uri="{FF2B5EF4-FFF2-40B4-BE49-F238E27FC236}">
-                <a16:creationId xmlns:a16="http://schemas.microsoft.com/office/drawing/2014/main" xmlns="" id="{889D93F4-ABFA-46BF-8E5D-FE6562ACB20F}"/>
+                <a16:creationId xmlns="" xmlns:a16="http://schemas.microsoft.com/office/drawing/2014/main" id="{889D93F4-ABFA-46BF-8E5D-FE6562ACB20F}"/>
               </a:ext>
             </a:extLst>
           </p:cNvPr>
@@ -11852,7 +11970,7 @@
           <p:cNvPr id="8" name="Rectangle Top">
             <a:extLst>
               <a:ext uri="{FF2B5EF4-FFF2-40B4-BE49-F238E27FC236}">
-                <a16:creationId xmlns:a16="http://schemas.microsoft.com/office/drawing/2014/main" xmlns="" id="{930E0800-9260-4369-8330-8264DD33C5CE}"/>
+                <a16:creationId xmlns="" xmlns:a16="http://schemas.microsoft.com/office/drawing/2014/main" id="{930E0800-9260-4369-8330-8264DD33C5CE}"/>
               </a:ext>
             </a:extLst>
           </p:cNvPr>
@@ -11933,7 +12051,7 @@
           <p:cNvPr id="11" name="Logo Software University" descr="Software University logo">
             <a:extLst>
               <a:ext uri="{FF2B5EF4-FFF2-40B4-BE49-F238E27FC236}">
-                <a16:creationId xmlns:a16="http://schemas.microsoft.com/office/drawing/2014/main" xmlns="" id="{14F779A7-4A91-448B-BEFA-956C70A1C22F}"/>
+                <a16:creationId xmlns="" xmlns:a16="http://schemas.microsoft.com/office/drawing/2014/main" id="{14F779A7-4A91-448B-BEFA-956C70A1C22F}"/>
               </a:ext>
             </a:extLst>
           </p:cNvPr>
@@ -11946,7 +12064,7 @@
           <a:blip r:embed="rId3" cstate="print">
             <a:extLst>
               <a:ext uri="{28A0092B-C50C-407E-A947-70E740481C1C}">
-                <a14:useLocalDpi xmlns:a14="http://schemas.microsoft.com/office/drawing/2010/main" xmlns="" val="0"/>
+                <a14:useLocalDpi xmlns="" xmlns:a14="http://schemas.microsoft.com/office/drawing/2010/main" val="0"/>
               </a:ext>
             </a:extLst>
           </a:blip>
@@ -11969,7 +12087,7 @@
           <p:cNvPr id="13" name="Slide Title">
             <a:extLst>
               <a:ext uri="{FF2B5EF4-FFF2-40B4-BE49-F238E27FC236}">
-                <a16:creationId xmlns:a16="http://schemas.microsoft.com/office/drawing/2014/main" xmlns="" id="{357D7BE1-6358-42CC-94F3-7BCDD91DCB6D}"/>
+                <a16:creationId xmlns="" xmlns:a16="http://schemas.microsoft.com/office/drawing/2014/main" id="{357D7BE1-6358-42CC-94F3-7BCDD91DCB6D}"/>
               </a:ext>
             </a:extLst>
           </p:cNvPr>
@@ -12008,7 +12126,7 @@
     </p:spTree>
     <p:extLst>
       <p:ext uri="{BB962C8B-B14F-4D97-AF65-F5344CB8AC3E}">
-        <p14:creationId xmlns:p14="http://schemas.microsoft.com/office/powerpoint/2010/main" xmlns="" val="1028724482"/>
+        <p14:creationId xmlns="" xmlns:p14="http://schemas.microsoft.com/office/powerpoint/2010/main" val="1028724482"/>
       </p:ext>
     </p:extLst>
   </p:cSld>
@@ -12016,7 +12134,7 @@
     <a:masterClrMapping/>
   </p:clrMapOvr>
   <mc:AlternateContent xmlns:mc="http://schemas.openxmlformats.org/markup-compatibility/2006">
-    <mc:Choice xmlns:p14="http://schemas.microsoft.com/office/powerpoint/2010/main" xmlns="" Requires="p14">
+    <mc:Choice xmlns="" xmlns:p14="http://schemas.microsoft.com/office/powerpoint/2010/main" Requires="p14">
       <p:transition spd="slow" p14:dur="2000" advClick="0" advTm="5000"/>
     </mc:Choice>
     <mc:Fallback>
@@ -12128,7 +12246,7 @@
           <p:cNvPr id="11" name="Slide Number">
             <a:extLst>
               <a:ext uri="{FF2B5EF4-FFF2-40B4-BE49-F238E27FC236}">
-                <a16:creationId xmlns:a16="http://schemas.microsoft.com/office/drawing/2014/main" xmlns="" id="{6750ECE4-94E0-469B-B8E4-562792823B0F}"/>
+                <a16:creationId xmlns="" xmlns:a16="http://schemas.microsoft.com/office/drawing/2014/main" id="{6750ECE4-94E0-469B-B8E4-562792823B0F}"/>
               </a:ext>
             </a:extLst>
           </p:cNvPr>
@@ -12251,7 +12369,7 @@
           <p:cNvPr id="12" name="Logo Software University Down" descr="Software University logo">
             <a:extLst>
               <a:ext uri="{FF2B5EF4-FFF2-40B4-BE49-F238E27FC236}">
-                <a16:creationId xmlns:a16="http://schemas.microsoft.com/office/drawing/2014/main" xmlns="" id="{7028D2F0-1E67-414B-A93D-D3F8F131A132}"/>
+                <a16:creationId xmlns="" xmlns:a16="http://schemas.microsoft.com/office/drawing/2014/main" id="{7028D2F0-1E67-414B-A93D-D3F8F131A132}"/>
               </a:ext>
             </a:extLst>
           </p:cNvPr>
@@ -12264,7 +12382,7 @@
           <a:blip r:embed="rId2" cstate="print">
             <a:extLst>
               <a:ext uri="{28A0092B-C50C-407E-A947-70E740481C1C}">
-                <a14:useLocalDpi xmlns:a14="http://schemas.microsoft.com/office/drawing/2010/main" xmlns="" val="0"/>
+                <a14:useLocalDpi xmlns="" xmlns:a14="http://schemas.microsoft.com/office/drawing/2010/main" val="0"/>
               </a:ext>
             </a:extLst>
           </a:blip>
@@ -12287,7 +12405,7 @@
           <p:cNvPr id="10" name="Text Placeholder Right">
             <a:extLst>
               <a:ext uri="{FF2B5EF4-FFF2-40B4-BE49-F238E27FC236}">
-                <a16:creationId xmlns:a16="http://schemas.microsoft.com/office/drawing/2014/main" xmlns="" id="{AF69A59F-C564-4A04-B1CC-31C261499991}"/>
+                <a16:creationId xmlns="" xmlns:a16="http://schemas.microsoft.com/office/drawing/2014/main" id="{AF69A59F-C564-4A04-B1CC-31C261499991}"/>
               </a:ext>
             </a:extLst>
           </p:cNvPr>
@@ -12365,7 +12483,7 @@
           <p:cNvPr id="9" name="Text Placeholder Left">
             <a:extLst>
               <a:ext uri="{FF2B5EF4-FFF2-40B4-BE49-F238E27FC236}">
-                <a16:creationId xmlns:a16="http://schemas.microsoft.com/office/drawing/2014/main" xmlns="" id="{C8A626D2-456B-41EF-9818-EA8DD7E314DA}"/>
+                <a16:creationId xmlns="" xmlns:a16="http://schemas.microsoft.com/office/drawing/2014/main" id="{C8A626D2-456B-41EF-9818-EA8DD7E314DA}"/>
               </a:ext>
             </a:extLst>
           </p:cNvPr>
@@ -12443,7 +12561,7 @@
           <p:cNvPr id="13" name="Rectangle Top">
             <a:extLst>
               <a:ext uri="{FF2B5EF4-FFF2-40B4-BE49-F238E27FC236}">
-                <a16:creationId xmlns:a16="http://schemas.microsoft.com/office/drawing/2014/main" xmlns="" id="{E03301DA-D0AF-46FD-8740-2F761250203A}"/>
+                <a16:creationId xmlns="" xmlns:a16="http://schemas.microsoft.com/office/drawing/2014/main" id="{E03301DA-D0AF-46FD-8740-2F761250203A}"/>
               </a:ext>
             </a:extLst>
           </p:cNvPr>
@@ -12524,7 +12642,7 @@
           <p:cNvPr id="14" name="Logo Software University" descr="Software University logo">
             <a:extLst>
               <a:ext uri="{FF2B5EF4-FFF2-40B4-BE49-F238E27FC236}">
-                <a16:creationId xmlns:a16="http://schemas.microsoft.com/office/drawing/2014/main" xmlns="" id="{19A67BB9-D880-4EAD-B90E-89C4219BFC0B}"/>
+                <a16:creationId xmlns="" xmlns:a16="http://schemas.microsoft.com/office/drawing/2014/main" id="{19A67BB9-D880-4EAD-B90E-89C4219BFC0B}"/>
               </a:ext>
             </a:extLst>
           </p:cNvPr>
@@ -12537,7 +12655,7 @@
           <a:blip r:embed="rId3" cstate="print">
             <a:extLst>
               <a:ext uri="{28A0092B-C50C-407E-A947-70E740481C1C}">
-                <a14:useLocalDpi xmlns:a14="http://schemas.microsoft.com/office/drawing/2010/main" xmlns="" val="0"/>
+                <a14:useLocalDpi xmlns="" xmlns:a14="http://schemas.microsoft.com/office/drawing/2010/main" val="0"/>
               </a:ext>
             </a:extLst>
           </a:blip>
@@ -12560,7 +12678,7 @@
           <p:cNvPr id="15" name="Slide Title">
             <a:extLst>
               <a:ext uri="{FF2B5EF4-FFF2-40B4-BE49-F238E27FC236}">
-                <a16:creationId xmlns:a16="http://schemas.microsoft.com/office/drawing/2014/main" xmlns="" id="{EA9A94D1-F9F6-4D7B-85E3-896A987B6A4D}"/>
+                <a16:creationId xmlns="" xmlns:a16="http://schemas.microsoft.com/office/drawing/2014/main" id="{EA9A94D1-F9F6-4D7B-85E3-896A987B6A4D}"/>
               </a:ext>
             </a:extLst>
           </p:cNvPr>
@@ -12599,7 +12717,7 @@
     </p:spTree>
     <p:extLst>
       <p:ext uri="{BB962C8B-B14F-4D97-AF65-F5344CB8AC3E}">
-        <p14:creationId xmlns:p14="http://schemas.microsoft.com/office/powerpoint/2010/main" xmlns="" val="3044033461"/>
+        <p14:creationId xmlns="" xmlns:p14="http://schemas.microsoft.com/office/powerpoint/2010/main" val="3044033461"/>
       </p:ext>
     </p:extLst>
   </p:cSld>
@@ -12607,7 +12725,7 @@
     <a:masterClrMapping/>
   </p:clrMapOvr>
   <mc:AlternateContent xmlns:mc="http://schemas.openxmlformats.org/markup-compatibility/2006">
-    <mc:Choice xmlns:p14="http://schemas.microsoft.com/office/powerpoint/2010/main" xmlns="" Requires="p14">
+    <mc:Choice xmlns="" xmlns:p14="http://schemas.microsoft.com/office/powerpoint/2010/main" Requires="p14">
       <p:transition spd="slow" p14:dur="2000" advClick="0" advTm="5000"/>
     </mc:Choice>
     <mc:Fallback>
@@ -12616,7 +12734,7 @@
   </mc:AlternateContent>
   <p:extLst>
     <p:ext uri="{DCECCB84-F9BA-43D5-87BE-67443E8EF086}">
-      <p15:sldGuideLst xmlns:p15="http://schemas.microsoft.com/office/powerpoint/2012/main" xmlns="">
+      <p15:sldGuideLst xmlns="" xmlns:p15="http://schemas.microsoft.com/office/powerpoint/2012/main">
         <p15:guide id="1" orient="horz" pos="2160">
           <p15:clr>
             <a:srgbClr val="FBAE40"/>
@@ -12663,7 +12781,7 @@
           <p:cNvPr id="4" name="Picture Background" descr="SoftUni Background">
             <a:extLst>
               <a:ext uri="{FF2B5EF4-FFF2-40B4-BE49-F238E27FC236}">
-                <a16:creationId xmlns:a16="http://schemas.microsoft.com/office/drawing/2014/main" xmlns="" id="{5BE90A63-DDD9-4B3B-A234-DF69B9BC812F}"/>
+                <a16:creationId xmlns="" xmlns:a16="http://schemas.microsoft.com/office/drawing/2014/main" id="{5BE90A63-DDD9-4B3B-A234-DF69B9BC812F}"/>
               </a:ext>
             </a:extLst>
           </p:cNvPr>
@@ -12692,7 +12810,7 @@
           <p:cNvPr id="11" name="Slide Body Text">
             <a:extLst>
               <a:ext uri="{FF2B5EF4-FFF2-40B4-BE49-F238E27FC236}">
-                <a16:creationId xmlns:a16="http://schemas.microsoft.com/office/drawing/2014/main" xmlns="" id="{90CBFB32-9F46-4F2F-8A54-9EE8BED27855}"/>
+                <a16:creationId xmlns="" xmlns:a16="http://schemas.microsoft.com/office/drawing/2014/main" id="{90CBFB32-9F46-4F2F-8A54-9EE8BED27855}"/>
               </a:ext>
             </a:extLst>
           </p:cNvPr>
@@ -12760,7 +12878,7 @@
           <p:cNvPr id="10" name="Slide Title">
             <a:extLst>
               <a:ext uri="{FF2B5EF4-FFF2-40B4-BE49-F238E27FC236}">
-                <a16:creationId xmlns:a16="http://schemas.microsoft.com/office/drawing/2014/main" xmlns="" id="{B770C392-3003-4C35-9625-BB041F8257BA}"/>
+                <a16:creationId xmlns="" xmlns:a16="http://schemas.microsoft.com/office/drawing/2014/main" id="{B770C392-3003-4C35-9625-BB041F8257BA}"/>
               </a:ext>
             </a:extLst>
           </p:cNvPr>
@@ -12797,7 +12915,7 @@
     </p:spTree>
     <p:extLst>
       <p:ext uri="{BB962C8B-B14F-4D97-AF65-F5344CB8AC3E}">
-        <p14:creationId xmlns:p14="http://schemas.microsoft.com/office/powerpoint/2010/main" xmlns="" val="156789181"/>
+        <p14:creationId xmlns="" xmlns:p14="http://schemas.microsoft.com/office/powerpoint/2010/main" val="156789181"/>
       </p:ext>
     </p:extLst>
   </p:cSld>
@@ -12821,7 +12939,7 @@
     <p:sldLayoutId id="2147483696" r:id="rId16"/>
   </p:sldLayoutIdLst>
   <mc:AlternateContent xmlns:mc="http://schemas.openxmlformats.org/markup-compatibility/2006">
-    <mc:Choice xmlns:p14="http://schemas.microsoft.com/office/powerpoint/2010/main" xmlns="" Requires="p14">
+    <mc:Choice xmlns="" xmlns:p14="http://schemas.microsoft.com/office/powerpoint/2010/main" Requires="p14">
       <p:transition spd="slow" p14:dur="2000" advClick="0" advTm="5000"/>
     </mc:Choice>
     <mc:Fallback>
@@ -13111,7 +13229,7 @@
   </p:txStyles>
   <p:extLst>
     <p:ext uri="{27BBF7A9-308A-43DC-89C8-2F10F3537804}">
-      <p15:sldGuideLst xmlns:p15="http://schemas.microsoft.com/office/powerpoint/2012/main" xmlns="">
+      <p15:sldGuideLst xmlns="" xmlns:p15="http://schemas.microsoft.com/office/powerpoint/2012/main">
         <p15:guide id="1" orient="horz" pos="2160">
           <p15:clr>
             <a:srgbClr val="F26B43"/>
@@ -13207,7 +13325,7 @@
           <p:cNvPr id="10" name="Author Position">
             <a:extLst>
               <a:ext uri="{FF2B5EF4-FFF2-40B4-BE49-F238E27FC236}">
-                <a16:creationId xmlns:a16="http://schemas.microsoft.com/office/drawing/2014/main" xmlns="" id="{F585BC4C-0F13-4FD4-8F23-99FD46618370}"/>
+                <a16:creationId xmlns="" xmlns:a16="http://schemas.microsoft.com/office/drawing/2014/main" id="{F585BC4C-0F13-4FD4-8F23-99FD46618370}"/>
               </a:ext>
             </a:extLst>
           </p:cNvPr>
@@ -13240,7 +13358,7 @@
           <p:cNvPr id="9" name="Author Name">
             <a:extLst>
               <a:ext uri="{FF2B5EF4-FFF2-40B4-BE49-F238E27FC236}">
-                <a16:creationId xmlns:a16="http://schemas.microsoft.com/office/drawing/2014/main" xmlns="" id="{FA396BB6-2053-4690-9672-BC528007D370}"/>
+                <a16:creationId xmlns="" xmlns:a16="http://schemas.microsoft.com/office/drawing/2014/main" id="{FA396BB6-2053-4690-9672-BC528007D370}"/>
               </a:ext>
             </a:extLst>
           </p:cNvPr>
@@ -13273,7 +13391,7 @@
           <p:cNvPr id="3" name="Presentation Subtitle">
             <a:extLst>
               <a:ext uri="{FF2B5EF4-FFF2-40B4-BE49-F238E27FC236}">
-                <a16:creationId xmlns:a16="http://schemas.microsoft.com/office/drawing/2014/main" xmlns="" id="{A004DC04-DA2A-41C0-8578-4B8D2F08EA7D}"/>
+                <a16:creationId xmlns="" xmlns:a16="http://schemas.microsoft.com/office/drawing/2014/main" id="{A004DC04-DA2A-41C0-8578-4B8D2F08EA7D}"/>
               </a:ext>
             </a:extLst>
           </p:cNvPr>
@@ -13309,7 +13427,7 @@
           <p:cNvPr id="16" name="Title 15">
             <a:extLst>
               <a:ext uri="{FF2B5EF4-FFF2-40B4-BE49-F238E27FC236}">
-                <a16:creationId xmlns:a16="http://schemas.microsoft.com/office/drawing/2014/main" xmlns="" id="{09D526E5-16F9-CDC3-F025-1D308EB5C234}"/>
+                <a16:creationId xmlns="" xmlns:a16="http://schemas.microsoft.com/office/drawing/2014/main" id="{09D526E5-16F9-CDC3-F025-1D308EB5C234}"/>
               </a:ext>
             </a:extLst>
           </p:cNvPr>
@@ -13373,7 +13491,7 @@
     </p:spTree>
     <p:extLst>
       <p:ext uri="{BB962C8B-B14F-4D97-AF65-F5344CB8AC3E}">
-        <p14:creationId xmlns:p14="http://schemas.microsoft.com/office/powerpoint/2010/main" xmlns="" val="3666405375"/>
+        <p14:creationId xmlns="" xmlns:p14="http://schemas.microsoft.com/office/powerpoint/2010/main" val="3666405375"/>
       </p:ext>
     </p:extLst>
   </p:cSld>
@@ -13381,7 +13499,7 @@
     <a:masterClrMapping/>
   </p:clrMapOvr>
   <mc:AlternateContent xmlns:mc="http://schemas.openxmlformats.org/markup-compatibility/2006">
-    <mc:Choice xmlns:p14="http://schemas.microsoft.com/office/powerpoint/2010/main" xmlns="" Requires="p14">
+    <mc:Choice xmlns="" xmlns:p14="http://schemas.microsoft.com/office/powerpoint/2010/main" Requires="p14">
       <p:transition spd="slow" p14:dur="2000" advClick="0" advTm="5000"/>
     </mc:Choice>
     <mc:Fallback>
@@ -13507,11 +13625,7 @@
             </a:r>
             <a:r>
               <a:rPr lang="bg-BG" dirty="0" smtClean="0"/>
-              <a:t> на база </a:t>
-            </a:r>
-            <a:r>
-              <a:rPr lang="bg-BG" dirty="0" smtClean="0"/>
-              <a:t>данни</a:t>
+              <a:t> на база данни</a:t>
             </a:r>
             <a:endParaRPr lang="en-US" dirty="0" smtClean="0"/>
           </a:p>
@@ -13531,11 +13645,7 @@
             </a:r>
             <a:r>
               <a:rPr lang="bg-BG" dirty="0" smtClean="0"/>
-              <a:t> представлява </a:t>
-            </a:r>
-            <a:r>
-              <a:rPr lang="bg-BG" dirty="0" smtClean="0"/>
-              <a:t>същото нещо като </a:t>
+              <a:t> представлява същото нещо като </a:t>
             </a:r>
             <a:r>
               <a:rPr lang="bg-BG" b="1" dirty="0" smtClean="0">
@@ -13559,11 +13669,7 @@
             </a:r>
             <a:r>
               <a:rPr lang="bg-BG" dirty="0" smtClean="0"/>
-              <a:t> на база </a:t>
-            </a:r>
-            <a:r>
-              <a:rPr lang="bg-BG" dirty="0" smtClean="0"/>
-              <a:t>данни</a:t>
+              <a:t> на база данни</a:t>
             </a:r>
             <a:endParaRPr lang="en-US" dirty="0" smtClean="0"/>
           </a:p>
@@ -13614,15 +13720,7 @@
                   <a:schemeClr val="bg1"/>
                 </a:solidFill>
               </a:rPr>
-              <a:t>листа </a:t>
-            </a:r>
-            <a:r>
-              <a:rPr lang="bg-BG" b="1" dirty="0" smtClean="0">
-                <a:solidFill>
-                  <a:schemeClr val="bg1"/>
-                </a:solidFill>
-              </a:rPr>
-              <a:t>с данни</a:t>
+              <a:t>листа с данни</a:t>
             </a:r>
             <a:r>
               <a:rPr lang="bg-BG" dirty="0" smtClean="0"/>
@@ -13674,11 +13772,7 @@
             </a:r>
             <a:r>
               <a:rPr lang="bg-BG" dirty="0" smtClean="0"/>
-              <a:t>, което е в основата на листа с </a:t>
-            </a:r>
-            <a:r>
-              <a:rPr lang="bg-BG" dirty="0" smtClean="0"/>
-              <a:t>данни</a:t>
+              <a:t>, което е в основата на листа с данни</a:t>
             </a:r>
             <a:endParaRPr lang="en-US" dirty="0" smtClean="0"/>
           </a:p>
@@ -13769,7 +13863,7 @@
     <a:masterClrMapping/>
   </p:clrMapOvr>
   <mc:AlternateContent xmlns:mc="http://schemas.openxmlformats.org/markup-compatibility/2006">
-    <mc:Choice xmlns:p14="http://schemas.microsoft.com/office/powerpoint/2010/main" xmlns="" Requires="p14">
+    <mc:Choice xmlns="" xmlns:p14="http://schemas.microsoft.com/office/powerpoint/2010/main" Requires="p14">
       <p:transition spd="slow" p14:dur="2000" advClick="0" advTm="5000"/>
     </mc:Choice>
     <mc:Fallback>
@@ -14049,19 +14143,7 @@
             </a:r>
             <a:r>
               <a:rPr lang="ru-RU" sz="3500" dirty="0" smtClean="0"/>
-              <a:t> </a:t>
-            </a:r>
-            <a:r>
-              <a:rPr lang="ru-RU" sz="3500" dirty="0" smtClean="0"/>
-              <a:t>празен </a:t>
-            </a:r>
-            <a:r>
-              <a:rPr lang="ru-RU" sz="3500" dirty="0" smtClean="0"/>
-              <a:t>ред под </a:t>
-            </a:r>
-            <a:r>
-              <a:rPr lang="ru-RU" sz="3500" dirty="0" smtClean="0"/>
-              <a:t>заглавието, след което </a:t>
+              <a:t> празен ред под заглавието, след което </a:t>
             </a:r>
             <a:r>
               <a:rPr lang="ru-RU" sz="3500" b="1" dirty="0" smtClean="0">
@@ -14151,11 +14233,7 @@
             <a:pPr lvl="1"/>
             <a:r>
               <a:rPr lang="bg-BG" sz="3200" dirty="0" smtClean="0"/>
-              <a:t>Например</a:t>
-            </a:r>
-            <a:r>
-              <a:rPr lang="bg-BG" sz="3200" dirty="0" smtClean="0"/>
-              <a:t>, ако въведете </a:t>
+              <a:t>Например, ако въведете </a:t>
             </a:r>
             <a:r>
               <a:rPr lang="bg-BG" sz="3200" b="1" dirty="0" smtClean="0">
@@ -14230,11 +14308,7 @@
             </a:r>
             <a:r>
               <a:rPr lang="ru-RU" sz="3500" dirty="0" smtClean="0"/>
-              <a:t> и </a:t>
-            </a:r>
-            <a:r>
-              <a:rPr lang="ru-RU" sz="3500" dirty="0" smtClean="0"/>
-              <a:t>изберете </a:t>
+              <a:t> и изберете </a:t>
             </a:r>
             <a:r>
               <a:rPr lang="en-US" sz="3500" b="1" dirty="0" smtClean="0">
@@ -14327,7 +14401,7 @@
     <a:masterClrMapping/>
   </p:clrMapOvr>
   <mc:AlternateContent xmlns:mc="http://schemas.openxmlformats.org/markup-compatibility/2006">
-    <mc:Choice xmlns:p14="http://schemas.microsoft.com/office/powerpoint/2010/main" xmlns="" Requires="p14">
+    <mc:Choice xmlns="" xmlns:p14="http://schemas.microsoft.com/office/powerpoint/2010/main" Requires="p14">
       <p:transition spd="slow" p14:dur="2000" advClick="0" advTm="5000"/>
     </mc:Choice>
     <mc:Fallback>
@@ -14782,7 +14856,7 @@
     <a:masterClrMapping/>
   </p:clrMapOvr>
   <mc:AlternateContent xmlns:mc="http://schemas.openxmlformats.org/markup-compatibility/2006">
-    <mc:Choice xmlns:p14="http://schemas.microsoft.com/office/powerpoint/2010/main" xmlns="" Requires="p14">
+    <mc:Choice xmlns="" xmlns:p14="http://schemas.microsoft.com/office/powerpoint/2010/main" Requires="p14">
       <p:transition spd="slow" p14:dur="2000" advClick="0" advTm="5000"/>
     </mc:Choice>
     <mc:Fallback>
@@ -14889,12 +14963,12 @@
       </p:grpSpPr>
       <p:sp>
         <p:nvSpPr>
-          <p:cNvPr id="2" name="Slide Number Placeholder 1"/>
+          <p:cNvPr id="2" name="Subtitle 1"/>
           <p:cNvSpPr>
             <a:spLocks noGrp="1"/>
           </p:cNvSpPr>
           <p:nvPr>
-            <p:ph type="sldNum" sz="quarter" idx="5"/>
+            <p:ph type="subTitle" sz="quarter" idx="11"/>
           </p:nvPr>
         </p:nvSpPr>
         <p:spPr/>
@@ -14902,62 +14976,22 @@
           <a:bodyPr/>
           <a:lstStyle/>
           <a:p>
-            <a:fld id="{2BF067CD-8E6B-4360-9AA8-C5DF2A48A6D1}" type="slidenum">
-              <a:rPr lang="en-US" noProof="0" smtClean="0"/>
-              <a:pPr/>
-              <a:t>13</a:t>
-            </a:fld>
-            <a:endParaRPr lang="en-US" noProof="0" dirty="0"/>
+            <a:r>
+              <a:rPr lang="bg-BG" dirty="0" smtClean="0"/>
+              <a:t>Използване на външен източник на данни</a:t>
+            </a:r>
+            <a:endParaRPr lang="en-US" dirty="0"/>
           </a:p>
         </p:txBody>
       </p:sp>
       <p:sp>
         <p:nvSpPr>
-          <p:cNvPr id="3" name="Text Placeholder 2"/>
+          <p:cNvPr id="3" name="Title 2"/>
           <p:cNvSpPr>
             <a:spLocks noGrp="1"/>
           </p:cNvSpPr>
           <p:nvPr>
-            <p:ph type="body" sz="quarter" idx="10"/>
-          </p:nvPr>
-        </p:nvSpPr>
-        <p:spPr/>
-        <p:txBody>
-          <a:bodyPr>
-            <a:normAutofit fontScale="77500" lnSpcReduction="20000"/>
-          </a:bodyPr>
-          <a:lstStyle/>
-          <a:p>
-            <a:r>
-              <a:rPr lang="en-US" dirty="0" smtClean="0"/>
-              <a:t>You can create a table by importing or linking to data that is stored elsewhere. You can import or link to data in an Excel worksheet, a SharePoint list, an XML file, another Access database, a Microsoft Outlook folder, and more.</a:t>
-            </a:r>
-          </a:p>
-          <a:p>
-            <a:r>
-              <a:rPr lang="en-US" dirty="0" smtClean="0"/>
-              <a:t>When you import data, you create a copy of the data in a new table in the current database. Subsequent changes to the source data will have no effect on the imported data, and changes to the imported data do not affect the source data. After you connect to a data source and import its data, you can then use the imported data without connecting to the source. You can change the design of an imported table.</a:t>
-            </a:r>
-          </a:p>
-          <a:p>
-            <a:r>
-              <a:rPr lang="en-US" dirty="0" smtClean="0"/>
-              <a:t>When you link to data, you create a linked table in the current database that represents a live link to the existing information that is stored elsewhere. When you change data in a linked table, you are changing it in the source. Whenever data changes in the source, that change is shown in the linked table. You must be able to connect to the data source whenever you use a linked table. You cannot change the design of a linked table.</a:t>
-            </a:r>
-          </a:p>
-          <a:p>
-            <a:endParaRPr lang="en-US" dirty="0"/>
-          </a:p>
-        </p:txBody>
-      </p:sp>
-      <p:sp>
-        <p:nvSpPr>
-          <p:cNvPr id="4" name="Title 3"/>
-          <p:cNvSpPr>
-            <a:spLocks noGrp="1"/>
-          </p:cNvSpPr>
-          <p:nvPr>
-            <p:ph type="title"/>
+            <p:ph type="title" sz="quarter" idx="10"/>
           </p:nvPr>
         </p:nvSpPr>
         <p:spPr/>
@@ -14965,13 +14999,17 @@
           <a:bodyPr/>
           <a:lstStyle/>
           <a:p>
-            <a:endParaRPr lang="en-US"/>
+            <a:r>
+              <a:rPr lang="bg-BG" dirty="0" smtClean="0"/>
+              <a:t>Импортиране на външни данни</a:t>
+            </a:r>
+            <a:endParaRPr lang="en-US" dirty="0"/>
           </a:p>
         </p:txBody>
       </p:sp>
       <p:pic>
         <p:nvPicPr>
-          <p:cNvPr id="73730" name="Picture 2"/>
+          <p:cNvPr id="3076" name="Picture 4" descr="What Is Considered An External Data Source"/>
           <p:cNvPicPr>
             <a:picLocks noChangeAspect="1" noChangeArrowheads="1"/>
           </p:cNvPicPr>
@@ -14986,19 +15024,13 @@
         </p:blipFill>
         <p:spPr bwMode="auto">
           <a:xfrm>
-            <a:off x="4953000" y="2362200"/>
-            <a:ext cx="6953250" cy="3334343"/>
+            <a:off x="4724400" y="1371600"/>
+            <a:ext cx="2743200" cy="2743201"/>
           </a:xfrm>
           <a:prstGeom prst="rect">
             <a:avLst/>
           </a:prstGeom>
           <a:noFill/>
-          <a:ln w="9525">
-            <a:noFill/>
-            <a:miter lim="800000"/>
-            <a:headEnd/>
-            <a:tailEnd/>
-          </a:ln>
         </p:spPr>
       </p:pic>
     </p:spTree>
@@ -15007,7 +15039,7 @@
     <a:masterClrMapping/>
   </p:clrMapOvr>
   <mc:AlternateContent xmlns:mc="http://schemas.openxmlformats.org/markup-compatibility/2006">
-    <mc:Choice xmlns:p14="http://schemas.microsoft.com/office/powerpoint/2010/main" xmlns="" Requires="p14">
+    <mc:Choice xmlns="" xmlns:p14="http://schemas.microsoft.com/office/powerpoint/2010/main" Requires="p14">
       <p:transition spd="slow" p14:dur="2000" advClick="0" advTm="5000"/>
     </mc:Choice>
     <mc:Fallback>
@@ -15041,12 +15073,1376 @@
           <a:chExt cx="0" cy="0"/>
         </a:xfrm>
       </p:grpSpPr>
+      <p:sp>
+        <p:nvSpPr>
+          <p:cNvPr id="2" name="Slide Number Placeholder 1"/>
+          <p:cNvSpPr>
+            <a:spLocks noGrp="1"/>
+          </p:cNvSpPr>
+          <p:nvPr>
+            <p:ph type="sldNum" sz="quarter" idx="5"/>
+          </p:nvPr>
+        </p:nvSpPr>
+        <p:spPr/>
+        <p:txBody>
+          <a:bodyPr/>
+          <a:lstStyle/>
+          <a:p>
+            <a:fld id="{2BF067CD-8E6B-4360-9AA8-C5DF2A48A6D1}" type="slidenum">
+              <a:rPr lang="en-US" noProof="0" smtClean="0"/>
+              <a:pPr/>
+              <a:t>14</a:t>
+            </a:fld>
+            <a:endParaRPr lang="en-US" noProof="0" dirty="0"/>
+          </a:p>
+        </p:txBody>
+      </p:sp>
+      <p:sp>
+        <p:nvSpPr>
+          <p:cNvPr id="3" name="Text Placeholder 2"/>
+          <p:cNvSpPr>
+            <a:spLocks noGrp="1"/>
+          </p:cNvSpPr>
+          <p:nvPr>
+            <p:ph type="body" sz="quarter" idx="10"/>
+          </p:nvPr>
+        </p:nvSpPr>
+        <p:spPr/>
+        <p:txBody>
+          <a:bodyPr>
+            <a:normAutofit lnSpcReduction="10000"/>
+          </a:bodyPr>
+          <a:lstStyle/>
+          <a:p>
+            <a:r>
+              <a:rPr lang="ru-RU" dirty="0" smtClean="0"/>
+              <a:t>Можете да създадете </a:t>
+            </a:r>
+            <a:r>
+              <a:rPr lang="ru-RU" b="1" dirty="0" smtClean="0">
+                <a:solidFill>
+                  <a:schemeClr val="bg1"/>
+                </a:solidFill>
+              </a:rPr>
+              <a:t>таблица </a:t>
+            </a:r>
+            <a:r>
+              <a:rPr lang="ru-RU" dirty="0" smtClean="0"/>
+              <a:t>чрез </a:t>
+            </a:r>
+            <a:r>
+              <a:rPr lang="ru-RU" b="1" dirty="0" smtClean="0">
+                <a:solidFill>
+                  <a:schemeClr val="bg1"/>
+                </a:solidFill>
+              </a:rPr>
+              <a:t>импортиране </a:t>
+            </a:r>
+            <a:r>
+              <a:rPr lang="ru-RU" dirty="0" smtClean="0"/>
+              <a:t>или </a:t>
+            </a:r>
+            <a:r>
+              <a:rPr lang="ru-RU" b="1" dirty="0" smtClean="0">
+                <a:solidFill>
+                  <a:schemeClr val="bg1"/>
+                </a:solidFill>
+              </a:rPr>
+              <a:t>свързване </a:t>
+            </a:r>
+            <a:r>
+              <a:rPr lang="ru-RU" dirty="0" smtClean="0"/>
+              <a:t>към </a:t>
+            </a:r>
+            <a:r>
+              <a:rPr lang="ru-RU" b="1" dirty="0" smtClean="0">
+                <a:solidFill>
+                  <a:schemeClr val="bg1"/>
+                </a:solidFill>
+              </a:rPr>
+              <a:t>данни</a:t>
+            </a:r>
+            <a:r>
+              <a:rPr lang="ru-RU" dirty="0" smtClean="0"/>
+              <a:t>, които се </a:t>
+            </a:r>
+            <a:r>
+              <a:rPr lang="ru-RU" b="1" dirty="0" smtClean="0">
+                <a:solidFill>
+                  <a:schemeClr val="bg1"/>
+                </a:solidFill>
+              </a:rPr>
+              <a:t>съхраняват </a:t>
+            </a:r>
+            <a:r>
+              <a:rPr lang="ru-RU" dirty="0" smtClean="0"/>
+              <a:t>на </a:t>
+            </a:r>
+            <a:r>
+              <a:rPr lang="ru-RU" b="1" dirty="0" smtClean="0">
+                <a:solidFill>
+                  <a:schemeClr val="bg1"/>
+                </a:solidFill>
+              </a:rPr>
+              <a:t>друго място</a:t>
+            </a:r>
+            <a:r>
+              <a:rPr lang="ru-RU" dirty="0" smtClean="0"/>
+              <a:t> </a:t>
+            </a:r>
+            <a:endParaRPr lang="ru-RU" dirty="0" smtClean="0"/>
+          </a:p>
+          <a:p>
+            <a:r>
+              <a:rPr lang="ru-RU" dirty="0" smtClean="0"/>
+              <a:t>Примери:</a:t>
+            </a:r>
+          </a:p>
+          <a:p>
+            <a:pPr lvl="1"/>
+            <a:r>
+              <a:rPr lang="ru-RU" dirty="0" smtClean="0"/>
+              <a:t>Работен </a:t>
+            </a:r>
+            <a:r>
+              <a:rPr lang="ru-RU" dirty="0" smtClean="0"/>
+              <a:t>лист на </a:t>
+            </a:r>
+            <a:r>
+              <a:rPr lang="ru-RU" b="1" dirty="0" smtClean="0">
+                <a:solidFill>
+                  <a:schemeClr val="bg1"/>
+                </a:solidFill>
+              </a:rPr>
+              <a:t>Excel</a:t>
+            </a:r>
+          </a:p>
+          <a:p>
+            <a:pPr lvl="1"/>
+            <a:r>
+              <a:rPr lang="ru-RU" dirty="0" smtClean="0"/>
+              <a:t>Списък </a:t>
+            </a:r>
+            <a:r>
+              <a:rPr lang="ru-RU" dirty="0" smtClean="0"/>
+              <a:t>на </a:t>
+            </a:r>
+            <a:r>
+              <a:rPr lang="ru-RU" b="1" dirty="0" smtClean="0">
+                <a:solidFill>
+                  <a:schemeClr val="bg1"/>
+                </a:solidFill>
+              </a:rPr>
+              <a:t>SharePoint</a:t>
+            </a:r>
+            <a:endParaRPr lang="ru-RU" dirty="0" smtClean="0"/>
+          </a:p>
+          <a:p>
+            <a:pPr lvl="1">
+              <a:buClr>
+                <a:schemeClr val="tx1"/>
+              </a:buClr>
+            </a:pPr>
+            <a:r>
+              <a:rPr lang="ru-RU" b="1" dirty="0" smtClean="0">
+                <a:solidFill>
+                  <a:schemeClr val="bg1"/>
+                </a:solidFill>
+              </a:rPr>
+              <a:t>XML</a:t>
+            </a:r>
+            <a:r>
+              <a:rPr lang="ru-RU" dirty="0" smtClean="0"/>
+              <a:t> файл</a:t>
+            </a:r>
+          </a:p>
+          <a:p>
+            <a:pPr lvl="1"/>
+            <a:r>
+              <a:rPr lang="ru-RU" dirty="0" smtClean="0"/>
+              <a:t>Друга </a:t>
+            </a:r>
+            <a:r>
+              <a:rPr lang="ru-RU" dirty="0" smtClean="0"/>
+              <a:t>база данни на </a:t>
+            </a:r>
+            <a:r>
+              <a:rPr lang="ru-RU" b="1" dirty="0" smtClean="0">
+                <a:solidFill>
+                  <a:schemeClr val="bg1"/>
+                </a:solidFill>
+              </a:rPr>
+              <a:t>Access</a:t>
+            </a:r>
+            <a:endParaRPr lang="ru-RU" dirty="0" smtClean="0"/>
+          </a:p>
+          <a:p>
+            <a:pPr lvl="1"/>
+            <a:r>
+              <a:rPr lang="ru-RU" dirty="0" smtClean="0"/>
+              <a:t>П</a:t>
+            </a:r>
+            <a:r>
+              <a:rPr lang="ru-RU" dirty="0" smtClean="0"/>
+              <a:t>апка </a:t>
+            </a:r>
+            <a:r>
+              <a:rPr lang="ru-RU" dirty="0" smtClean="0"/>
+              <a:t>на </a:t>
+            </a:r>
+            <a:r>
+              <a:rPr lang="ru-RU" b="1" dirty="0" smtClean="0">
+                <a:solidFill>
+                  <a:schemeClr val="bg1"/>
+                </a:solidFill>
+              </a:rPr>
+              <a:t>Microsoft </a:t>
+            </a:r>
+            <a:r>
+              <a:rPr lang="ru-RU" b="1" dirty="0" smtClean="0">
+                <a:solidFill>
+                  <a:schemeClr val="bg1"/>
+                </a:solidFill>
+              </a:rPr>
+              <a:t>Outlook</a:t>
+            </a:r>
+          </a:p>
+          <a:p>
+            <a:pPr lvl="1"/>
+            <a:r>
+              <a:rPr lang="bg-BG" dirty="0" smtClean="0"/>
+              <a:t>И други...</a:t>
+            </a:r>
+            <a:endParaRPr lang="en-US" dirty="0"/>
+          </a:p>
+        </p:txBody>
+      </p:sp>
+      <p:sp>
+        <p:nvSpPr>
+          <p:cNvPr id="4" name="Title 3"/>
+          <p:cNvSpPr>
+            <a:spLocks noGrp="1"/>
+          </p:cNvSpPr>
+          <p:nvPr>
+            <p:ph type="title"/>
+          </p:nvPr>
+        </p:nvSpPr>
+        <p:spPr/>
+        <p:txBody>
+          <a:bodyPr/>
+          <a:lstStyle/>
+          <a:p>
+            <a:r>
+              <a:rPr lang="bg-BG" dirty="0" smtClean="0"/>
+              <a:t>Импортиране на данни (1)</a:t>
+            </a:r>
+            <a:endParaRPr lang="en-US" dirty="0"/>
+          </a:p>
+        </p:txBody>
+      </p:sp>
+      <p:pic>
+        <p:nvPicPr>
+          <p:cNvPr id="7" name="Picture 2" descr="Download Connect To Any Data Source PNG Image with No Background -  PNGkey.com"/>
+          <p:cNvPicPr>
+            <a:picLocks noChangeAspect="1" noChangeArrowheads="1"/>
+          </p:cNvPicPr>
+          <p:nvPr/>
+        </p:nvPicPr>
+        <p:blipFill>
+          <a:blip r:embed="rId2" cstate="print"/>
+          <a:stretch>
+            <a:fillRect/>
+          </a:stretch>
+        </p:blipFill>
+        <p:spPr bwMode="auto">
+          <a:xfrm>
+            <a:off x="6934200" y="2743200"/>
+            <a:ext cx="3505200" cy="3094383"/>
+          </a:xfrm>
+          <a:prstGeom prst="rect">
+            <a:avLst/>
+          </a:prstGeom>
+          <a:noFill/>
+          <a:ln>
+            <a:noFill/>
+          </a:ln>
+        </p:spPr>
+      </p:pic>
+    </p:spTree>
+  </p:cSld>
+  <p:clrMapOvr>
+    <a:masterClrMapping/>
+  </p:clrMapOvr>
+  <mc:AlternateContent xmlns:mc="http://schemas.openxmlformats.org/markup-compatibility/2006">
+    <mc:Choice xmlns="" xmlns:p14="http://schemas.microsoft.com/office/powerpoint/2010/main" Requires="p14">
+      <p:transition spd="slow" p14:dur="2000" advClick="0" advTm="5000"/>
+    </mc:Choice>
+    <mc:Fallback>
+      <p:transition spd="slow" advClick="0" advTm="5000"/>
+    </mc:Fallback>
+  </mc:AlternateContent>
+  <p:timing>
+    <p:tnLst>
+      <p:par>
+        <p:cTn id="1" dur="indefinite" restart="never" nodeType="tmRoot">
+          <p:childTnLst>
+            <p:seq concurrent="1" nextAc="seek">
+              <p:cTn id="2" dur="indefinite" nodeType="mainSeq">
+                <p:childTnLst>
+                  <p:par>
+                    <p:cTn id="3" fill="hold">
+                      <p:stCondLst>
+                        <p:cond delay="indefinite"/>
+                      </p:stCondLst>
+                      <p:childTnLst>
+                        <p:par>
+                          <p:cTn id="4" fill="hold">
+                            <p:stCondLst>
+                              <p:cond delay="0"/>
+                            </p:stCondLst>
+                            <p:childTnLst>
+                              <p:par>
+                                <p:cTn id="5" presetID="1" presetClass="entr" presetSubtype="0" fill="hold" nodeType="clickEffect">
+                                  <p:stCondLst>
+                                    <p:cond delay="0"/>
+                                  </p:stCondLst>
+                                  <p:childTnLst>
+                                    <p:set>
+                                      <p:cBhvr>
+                                        <p:cTn id="6" dur="1" fill="hold">
+                                          <p:stCondLst>
+                                            <p:cond delay="0"/>
+                                          </p:stCondLst>
+                                        </p:cTn>
+                                        <p:tgtEl>
+                                          <p:spTgt spid="3">
+                                            <p:txEl>
+                                              <p:pRg st="1" end="1"/>
+                                            </p:txEl>
+                                          </p:spTgt>
+                                        </p:tgtEl>
+                                        <p:attrNameLst>
+                                          <p:attrName>style.visibility</p:attrName>
+                                        </p:attrNameLst>
+                                      </p:cBhvr>
+                                      <p:to>
+                                        <p:strVal val="visible"/>
+                                      </p:to>
+                                    </p:set>
+                                  </p:childTnLst>
+                                </p:cTn>
+                              </p:par>
+                              <p:par>
+                                <p:cTn id="7" presetID="1" presetClass="entr" presetSubtype="0" fill="hold" nodeType="withEffect">
+                                  <p:stCondLst>
+                                    <p:cond delay="0"/>
+                                  </p:stCondLst>
+                                  <p:childTnLst>
+                                    <p:set>
+                                      <p:cBhvr>
+                                        <p:cTn id="8" dur="1" fill="hold">
+                                          <p:stCondLst>
+                                            <p:cond delay="0"/>
+                                          </p:stCondLst>
+                                        </p:cTn>
+                                        <p:tgtEl>
+                                          <p:spTgt spid="3">
+                                            <p:txEl>
+                                              <p:pRg st="2" end="2"/>
+                                            </p:txEl>
+                                          </p:spTgt>
+                                        </p:tgtEl>
+                                        <p:attrNameLst>
+                                          <p:attrName>style.visibility</p:attrName>
+                                        </p:attrNameLst>
+                                      </p:cBhvr>
+                                      <p:to>
+                                        <p:strVal val="visible"/>
+                                      </p:to>
+                                    </p:set>
+                                  </p:childTnLst>
+                                </p:cTn>
+                              </p:par>
+                            </p:childTnLst>
+                          </p:cTn>
+                        </p:par>
+                      </p:childTnLst>
+                    </p:cTn>
+                  </p:par>
+                  <p:par>
+                    <p:cTn id="9" fill="hold">
+                      <p:stCondLst>
+                        <p:cond delay="indefinite"/>
+                      </p:stCondLst>
+                      <p:childTnLst>
+                        <p:par>
+                          <p:cTn id="10" fill="hold">
+                            <p:stCondLst>
+                              <p:cond delay="0"/>
+                            </p:stCondLst>
+                            <p:childTnLst>
+                              <p:par>
+                                <p:cTn id="11" presetID="1" presetClass="entr" presetSubtype="0" fill="hold" nodeType="clickEffect">
+                                  <p:stCondLst>
+                                    <p:cond delay="0"/>
+                                  </p:stCondLst>
+                                  <p:childTnLst>
+                                    <p:set>
+                                      <p:cBhvr>
+                                        <p:cTn id="12" dur="1" fill="hold">
+                                          <p:stCondLst>
+                                            <p:cond delay="0"/>
+                                          </p:stCondLst>
+                                        </p:cTn>
+                                        <p:tgtEl>
+                                          <p:spTgt spid="3">
+                                            <p:txEl>
+                                              <p:pRg st="3" end="3"/>
+                                            </p:txEl>
+                                          </p:spTgt>
+                                        </p:tgtEl>
+                                        <p:attrNameLst>
+                                          <p:attrName>style.visibility</p:attrName>
+                                        </p:attrNameLst>
+                                      </p:cBhvr>
+                                      <p:to>
+                                        <p:strVal val="visible"/>
+                                      </p:to>
+                                    </p:set>
+                                  </p:childTnLst>
+                                </p:cTn>
+                              </p:par>
+                            </p:childTnLst>
+                          </p:cTn>
+                        </p:par>
+                      </p:childTnLst>
+                    </p:cTn>
+                  </p:par>
+                  <p:par>
+                    <p:cTn id="13" fill="hold">
+                      <p:stCondLst>
+                        <p:cond delay="indefinite"/>
+                      </p:stCondLst>
+                      <p:childTnLst>
+                        <p:par>
+                          <p:cTn id="14" fill="hold">
+                            <p:stCondLst>
+                              <p:cond delay="0"/>
+                            </p:stCondLst>
+                            <p:childTnLst>
+                              <p:par>
+                                <p:cTn id="15" presetID="1" presetClass="entr" presetSubtype="0" fill="hold" nodeType="clickEffect">
+                                  <p:stCondLst>
+                                    <p:cond delay="0"/>
+                                  </p:stCondLst>
+                                  <p:childTnLst>
+                                    <p:set>
+                                      <p:cBhvr>
+                                        <p:cTn id="16" dur="1" fill="hold">
+                                          <p:stCondLst>
+                                            <p:cond delay="0"/>
+                                          </p:stCondLst>
+                                        </p:cTn>
+                                        <p:tgtEl>
+                                          <p:spTgt spid="3">
+                                            <p:txEl>
+                                              <p:pRg st="4" end="4"/>
+                                            </p:txEl>
+                                          </p:spTgt>
+                                        </p:tgtEl>
+                                        <p:attrNameLst>
+                                          <p:attrName>style.visibility</p:attrName>
+                                        </p:attrNameLst>
+                                      </p:cBhvr>
+                                      <p:to>
+                                        <p:strVal val="visible"/>
+                                      </p:to>
+                                    </p:set>
+                                  </p:childTnLst>
+                                </p:cTn>
+                              </p:par>
+                            </p:childTnLst>
+                          </p:cTn>
+                        </p:par>
+                      </p:childTnLst>
+                    </p:cTn>
+                  </p:par>
+                  <p:par>
+                    <p:cTn id="17" fill="hold">
+                      <p:stCondLst>
+                        <p:cond delay="indefinite"/>
+                      </p:stCondLst>
+                      <p:childTnLst>
+                        <p:par>
+                          <p:cTn id="18" fill="hold">
+                            <p:stCondLst>
+                              <p:cond delay="0"/>
+                            </p:stCondLst>
+                            <p:childTnLst>
+                              <p:par>
+                                <p:cTn id="19" presetID="1" presetClass="entr" presetSubtype="0" fill="hold" nodeType="clickEffect">
+                                  <p:stCondLst>
+                                    <p:cond delay="0"/>
+                                  </p:stCondLst>
+                                  <p:childTnLst>
+                                    <p:set>
+                                      <p:cBhvr>
+                                        <p:cTn id="20" dur="1" fill="hold">
+                                          <p:stCondLst>
+                                            <p:cond delay="0"/>
+                                          </p:stCondLst>
+                                        </p:cTn>
+                                        <p:tgtEl>
+                                          <p:spTgt spid="3">
+                                            <p:txEl>
+                                              <p:pRg st="5" end="5"/>
+                                            </p:txEl>
+                                          </p:spTgt>
+                                        </p:tgtEl>
+                                        <p:attrNameLst>
+                                          <p:attrName>style.visibility</p:attrName>
+                                        </p:attrNameLst>
+                                      </p:cBhvr>
+                                      <p:to>
+                                        <p:strVal val="visible"/>
+                                      </p:to>
+                                    </p:set>
+                                  </p:childTnLst>
+                                </p:cTn>
+                              </p:par>
+                            </p:childTnLst>
+                          </p:cTn>
+                        </p:par>
+                      </p:childTnLst>
+                    </p:cTn>
+                  </p:par>
+                  <p:par>
+                    <p:cTn id="21" fill="hold">
+                      <p:stCondLst>
+                        <p:cond delay="indefinite"/>
+                      </p:stCondLst>
+                      <p:childTnLst>
+                        <p:par>
+                          <p:cTn id="22" fill="hold">
+                            <p:stCondLst>
+                              <p:cond delay="0"/>
+                            </p:stCondLst>
+                            <p:childTnLst>
+                              <p:par>
+                                <p:cTn id="23" presetID="1" presetClass="entr" presetSubtype="0" fill="hold" nodeType="clickEffect">
+                                  <p:stCondLst>
+                                    <p:cond delay="0"/>
+                                  </p:stCondLst>
+                                  <p:childTnLst>
+                                    <p:set>
+                                      <p:cBhvr>
+                                        <p:cTn id="24" dur="1" fill="hold">
+                                          <p:stCondLst>
+                                            <p:cond delay="0"/>
+                                          </p:stCondLst>
+                                        </p:cTn>
+                                        <p:tgtEl>
+                                          <p:spTgt spid="3">
+                                            <p:txEl>
+                                              <p:pRg st="6" end="6"/>
+                                            </p:txEl>
+                                          </p:spTgt>
+                                        </p:tgtEl>
+                                        <p:attrNameLst>
+                                          <p:attrName>style.visibility</p:attrName>
+                                        </p:attrNameLst>
+                                      </p:cBhvr>
+                                      <p:to>
+                                        <p:strVal val="visible"/>
+                                      </p:to>
+                                    </p:set>
+                                  </p:childTnLst>
+                                </p:cTn>
+                              </p:par>
+                            </p:childTnLst>
+                          </p:cTn>
+                        </p:par>
+                      </p:childTnLst>
+                    </p:cTn>
+                  </p:par>
+                  <p:par>
+                    <p:cTn id="25" fill="hold">
+                      <p:stCondLst>
+                        <p:cond delay="indefinite"/>
+                      </p:stCondLst>
+                      <p:childTnLst>
+                        <p:par>
+                          <p:cTn id="26" fill="hold">
+                            <p:stCondLst>
+                              <p:cond delay="0"/>
+                            </p:stCondLst>
+                            <p:childTnLst>
+                              <p:par>
+                                <p:cTn id="27" presetID="1" presetClass="entr" presetSubtype="0" fill="hold" nodeType="clickEffect">
+                                  <p:stCondLst>
+                                    <p:cond delay="0"/>
+                                  </p:stCondLst>
+                                  <p:childTnLst>
+                                    <p:set>
+                                      <p:cBhvr>
+                                        <p:cTn id="28" dur="1" fill="hold">
+                                          <p:stCondLst>
+                                            <p:cond delay="0"/>
+                                          </p:stCondLst>
+                                        </p:cTn>
+                                        <p:tgtEl>
+                                          <p:spTgt spid="3">
+                                            <p:txEl>
+                                              <p:pRg st="7" end="7"/>
+                                            </p:txEl>
+                                          </p:spTgt>
+                                        </p:tgtEl>
+                                        <p:attrNameLst>
+                                          <p:attrName>style.visibility</p:attrName>
+                                        </p:attrNameLst>
+                                      </p:cBhvr>
+                                      <p:to>
+                                        <p:strVal val="visible"/>
+                                      </p:to>
+                                    </p:set>
+                                  </p:childTnLst>
+                                </p:cTn>
+                              </p:par>
+                            </p:childTnLst>
+                          </p:cTn>
+                        </p:par>
+                      </p:childTnLst>
+                    </p:cTn>
+                  </p:par>
+                </p:childTnLst>
+              </p:cTn>
+              <p:prevCondLst>
+                <p:cond evt="onPrev" delay="0">
+                  <p:tgtEl>
+                    <p:sldTgt/>
+                  </p:tgtEl>
+                </p:cond>
+              </p:prevCondLst>
+              <p:nextCondLst>
+                <p:cond evt="onNext" delay="0">
+                  <p:tgtEl>
+                    <p:sldTgt/>
+                  </p:tgtEl>
+                </p:cond>
+              </p:nextCondLst>
+            </p:seq>
+          </p:childTnLst>
+        </p:cTn>
+      </p:par>
+    </p:tnLst>
+  </p:timing>
+</p:sld>
+</file>
+
+<file path=ppt/slides/slide15.xml><?xml version="1.0" encoding="utf-8"?>
+<p:sld xmlns:a="http://schemas.openxmlformats.org/drawingml/2006/main" xmlns:r="http://schemas.openxmlformats.org/officeDocument/2006/relationships" xmlns:p="http://schemas.openxmlformats.org/presentationml/2006/main">
+  <p:cSld>
+    <p:spTree>
+      <p:nvGrpSpPr>
+        <p:cNvPr id="1" name=""/>
+        <p:cNvGrpSpPr/>
+        <p:nvPr/>
+      </p:nvGrpSpPr>
+      <p:grpSpPr>
+        <a:xfrm>
+          <a:off x="0" y="0"/>
+          <a:ext cx="0" cy="0"/>
+          <a:chOff x="0" y="0"/>
+          <a:chExt cx="0" cy="0"/>
+        </a:xfrm>
+      </p:grpSpPr>
+      <p:sp>
+        <p:nvSpPr>
+          <p:cNvPr id="2" name="Slide Number Placeholder 1"/>
+          <p:cNvSpPr>
+            <a:spLocks noGrp="1"/>
+          </p:cNvSpPr>
+          <p:nvPr>
+            <p:ph type="sldNum" sz="quarter" idx="5"/>
+          </p:nvPr>
+        </p:nvSpPr>
+        <p:spPr/>
+        <p:txBody>
+          <a:bodyPr/>
+          <a:lstStyle/>
+          <a:p>
+            <a:fld id="{2BF067CD-8E6B-4360-9AA8-C5DF2A48A6D1}" type="slidenum">
+              <a:rPr lang="en-US" noProof="0" smtClean="0"/>
+              <a:pPr/>
+              <a:t>15</a:t>
+            </a:fld>
+            <a:endParaRPr lang="en-US" noProof="0" dirty="0"/>
+          </a:p>
+        </p:txBody>
+      </p:sp>
+      <p:sp>
+        <p:nvSpPr>
+          <p:cNvPr id="3" name="Text Placeholder 2"/>
+          <p:cNvSpPr>
+            <a:spLocks noGrp="1"/>
+          </p:cNvSpPr>
+          <p:nvPr>
+            <p:ph type="body" sz="quarter" idx="10"/>
+          </p:nvPr>
+        </p:nvSpPr>
+        <p:spPr/>
+        <p:txBody>
+          <a:bodyPr>
+            <a:normAutofit/>
+          </a:bodyPr>
+          <a:lstStyle/>
+          <a:p>
+            <a:r>
+              <a:rPr lang="ru-RU" sz="3600" dirty="0" smtClean="0"/>
+              <a:t>Когато </a:t>
+            </a:r>
+            <a:r>
+              <a:rPr lang="ru-RU" sz="3600" b="1" dirty="0" smtClean="0">
+                <a:solidFill>
+                  <a:schemeClr val="bg1"/>
+                </a:solidFill>
+              </a:rPr>
+              <a:t>импортираме данни</a:t>
+            </a:r>
+            <a:r>
+              <a:rPr lang="ru-RU" sz="3600" dirty="0" smtClean="0"/>
+              <a:t>, </a:t>
+            </a:r>
+            <a:r>
+              <a:rPr lang="ru-RU" sz="3600" dirty="0" smtClean="0"/>
+              <a:t>създаваме </a:t>
+            </a:r>
+            <a:r>
+              <a:rPr lang="ru-RU" sz="3600" b="1" dirty="0" smtClean="0">
+                <a:solidFill>
+                  <a:schemeClr val="bg1"/>
+                </a:solidFill>
+              </a:rPr>
+              <a:t>копие</a:t>
+            </a:r>
+            <a:r>
+              <a:rPr lang="ru-RU" sz="3600" dirty="0" smtClean="0"/>
+              <a:t> на </a:t>
+            </a:r>
+            <a:r>
+              <a:rPr lang="ru-RU" sz="3600" b="1" dirty="0" smtClean="0">
+                <a:solidFill>
+                  <a:schemeClr val="bg1"/>
+                </a:solidFill>
+              </a:rPr>
+              <a:t>данните</a:t>
+            </a:r>
+            <a:r>
+              <a:rPr lang="ru-RU" sz="3600" dirty="0" smtClean="0"/>
+              <a:t> в </a:t>
+            </a:r>
+            <a:r>
+              <a:rPr lang="ru-RU" sz="3600" b="1" dirty="0" smtClean="0">
+                <a:solidFill>
+                  <a:schemeClr val="bg1"/>
+                </a:solidFill>
+              </a:rPr>
+              <a:t>нова</a:t>
+            </a:r>
+            <a:r>
+              <a:rPr lang="ru-RU" sz="3600" dirty="0" smtClean="0"/>
+              <a:t> таблица в </a:t>
+            </a:r>
+            <a:r>
+              <a:rPr lang="ru-RU" sz="3600" b="1" dirty="0" smtClean="0">
+                <a:solidFill>
+                  <a:schemeClr val="bg1"/>
+                </a:solidFill>
+              </a:rPr>
+              <a:t>текущата база данни</a:t>
+            </a:r>
+            <a:endParaRPr lang="en-US" sz="3600" b="1" dirty="0" smtClean="0">
+              <a:solidFill>
+                <a:schemeClr val="bg1"/>
+              </a:solidFill>
+            </a:endParaRPr>
+          </a:p>
+          <a:p>
+            <a:r>
+              <a:rPr lang="ru-RU" sz="3600" dirty="0" smtClean="0"/>
+              <a:t>Последващите </a:t>
+            </a:r>
+            <a:r>
+              <a:rPr lang="ru-RU" sz="3600" b="1" dirty="0" smtClean="0">
+                <a:solidFill>
+                  <a:schemeClr val="bg1"/>
+                </a:solidFill>
+              </a:rPr>
+              <a:t>промени</a:t>
+            </a:r>
+            <a:r>
+              <a:rPr lang="ru-RU" sz="3600" dirty="0" smtClean="0"/>
+              <a:t> в </a:t>
+            </a:r>
+            <a:r>
+              <a:rPr lang="ru-RU" sz="3600" b="1" dirty="0" smtClean="0">
+                <a:solidFill>
+                  <a:schemeClr val="bg1"/>
+                </a:solidFill>
+              </a:rPr>
+              <a:t>данните</a:t>
+            </a:r>
+            <a:r>
+              <a:rPr lang="ru-RU" sz="3600" dirty="0" smtClean="0"/>
+              <a:t> на </a:t>
+            </a:r>
+            <a:r>
+              <a:rPr lang="ru-RU" sz="3600" b="1" dirty="0" smtClean="0">
+                <a:solidFill>
+                  <a:schemeClr val="bg1"/>
+                </a:solidFill>
+              </a:rPr>
+              <a:t>източника</a:t>
+            </a:r>
+            <a:r>
+              <a:rPr lang="ru-RU" sz="3600" dirty="0" smtClean="0"/>
+              <a:t> </a:t>
+            </a:r>
+            <a:r>
+              <a:rPr lang="ru-RU" sz="3600" dirty="0" smtClean="0"/>
+              <a:t>няма да имат ефект върху </a:t>
+            </a:r>
+            <a:r>
+              <a:rPr lang="ru-RU" sz="3600" b="1" dirty="0" smtClean="0">
+                <a:solidFill>
+                  <a:schemeClr val="bg1"/>
+                </a:solidFill>
+              </a:rPr>
+              <a:t>импортираните</a:t>
+            </a:r>
+            <a:r>
+              <a:rPr lang="ru-RU" sz="3600" dirty="0" smtClean="0"/>
+              <a:t> </a:t>
+            </a:r>
+            <a:r>
+              <a:rPr lang="ru-RU" sz="3600" b="1" dirty="0" smtClean="0">
+                <a:solidFill>
+                  <a:schemeClr val="bg1"/>
+                </a:solidFill>
+              </a:rPr>
+              <a:t>данни</a:t>
+            </a:r>
+          </a:p>
+          <a:p>
+            <a:pPr lvl="1"/>
+            <a:r>
+              <a:rPr lang="ru-RU" sz="3400" dirty="0" smtClean="0"/>
+              <a:t> </a:t>
+            </a:r>
+            <a:r>
+              <a:rPr lang="ru-RU" sz="3400" b="1" dirty="0" smtClean="0">
+                <a:solidFill>
+                  <a:schemeClr val="bg1"/>
+                </a:solidFill>
+              </a:rPr>
+              <a:t>Промените </a:t>
+            </a:r>
+            <a:r>
+              <a:rPr lang="ru-RU" sz="3400" dirty="0" smtClean="0"/>
+              <a:t>в импортираните </a:t>
+            </a:r>
+            <a:r>
+              <a:rPr lang="ru-RU" sz="3400" dirty="0" smtClean="0"/>
+              <a:t>данни</a:t>
+            </a:r>
+            <a:r>
+              <a:rPr lang="ru-RU" sz="3400" b="1" dirty="0" smtClean="0">
+                <a:solidFill>
+                  <a:schemeClr val="bg1"/>
+                </a:solidFill>
+              </a:rPr>
+              <a:t> </a:t>
+            </a:r>
+            <a:r>
+              <a:rPr lang="ru-RU" sz="3400" dirty="0" smtClean="0"/>
+              <a:t>също </a:t>
+            </a:r>
+            <a:r>
+              <a:rPr lang="ru-RU" sz="3400" b="1" dirty="0" smtClean="0">
+                <a:solidFill>
+                  <a:schemeClr val="bg1"/>
+                </a:solidFill>
+              </a:rPr>
+              <a:t>не засягат </a:t>
+            </a:r>
+            <a:r>
+              <a:rPr lang="ru-RU" sz="3400" dirty="0" smtClean="0"/>
+              <a:t>данните на </a:t>
+            </a:r>
+            <a:r>
+              <a:rPr lang="ru-RU" sz="3400" dirty="0" smtClean="0"/>
+              <a:t>източника</a:t>
+            </a:r>
+            <a:endParaRPr lang="en-US" sz="3400" dirty="0" smtClean="0"/>
+          </a:p>
+          <a:p>
+            <a:r>
+              <a:rPr lang="ru-RU" sz="3600" dirty="0" smtClean="0"/>
+              <a:t>Можете </a:t>
+            </a:r>
+            <a:r>
+              <a:rPr lang="ru-RU" sz="3600" dirty="0" smtClean="0"/>
+              <a:t>да </a:t>
+            </a:r>
+            <a:r>
+              <a:rPr lang="ru-RU" sz="3600" b="1" dirty="0" smtClean="0">
+                <a:solidFill>
+                  <a:schemeClr val="bg1"/>
+                </a:solidFill>
+              </a:rPr>
+              <a:t>промените</a:t>
+            </a:r>
+            <a:r>
+              <a:rPr lang="ru-RU" sz="3600" dirty="0" smtClean="0"/>
+              <a:t> </a:t>
+            </a:r>
+            <a:r>
+              <a:rPr lang="ru-RU" sz="3600" b="1" dirty="0" smtClean="0">
+                <a:solidFill>
+                  <a:schemeClr val="bg1"/>
+                </a:solidFill>
+              </a:rPr>
+              <a:t>дизайна</a:t>
+            </a:r>
+            <a:r>
+              <a:rPr lang="ru-RU" sz="3600" dirty="0" smtClean="0"/>
+              <a:t> на </a:t>
+            </a:r>
+            <a:r>
+              <a:rPr lang="ru-RU" sz="3600" b="1" dirty="0" smtClean="0">
+                <a:solidFill>
+                  <a:schemeClr val="bg1"/>
+                </a:solidFill>
+              </a:rPr>
+              <a:t>импортирана</a:t>
+            </a:r>
+            <a:r>
+              <a:rPr lang="bg-BG" sz="3600" b="1" dirty="0" smtClean="0">
+                <a:solidFill>
+                  <a:schemeClr val="bg1"/>
+                </a:solidFill>
+              </a:rPr>
+              <a:t>та</a:t>
+            </a:r>
+            <a:r>
+              <a:rPr lang="ru-RU" sz="3600" b="1" dirty="0" smtClean="0">
+                <a:solidFill>
+                  <a:schemeClr val="bg1"/>
+                </a:solidFill>
+              </a:rPr>
+              <a:t> таблица</a:t>
+            </a:r>
+            <a:endParaRPr lang="en-US" sz="3600" b="1" dirty="0">
+              <a:solidFill>
+                <a:schemeClr val="bg1"/>
+              </a:solidFill>
+            </a:endParaRPr>
+          </a:p>
+        </p:txBody>
+      </p:sp>
+      <p:sp>
+        <p:nvSpPr>
+          <p:cNvPr id="4" name="Title 3"/>
+          <p:cNvSpPr>
+            <a:spLocks noGrp="1"/>
+          </p:cNvSpPr>
+          <p:nvPr>
+            <p:ph type="title"/>
+          </p:nvPr>
+        </p:nvSpPr>
+        <p:spPr/>
+        <p:txBody>
+          <a:bodyPr/>
+          <a:lstStyle/>
+          <a:p>
+            <a:r>
+              <a:rPr lang="bg-BG" dirty="0" smtClean="0"/>
+              <a:t>Импортиране на данни </a:t>
+            </a:r>
+            <a:r>
+              <a:rPr lang="bg-BG" dirty="0" smtClean="0"/>
+              <a:t>(2)</a:t>
+            </a:r>
+            <a:endParaRPr lang="en-US" dirty="0"/>
+          </a:p>
+        </p:txBody>
+      </p:sp>
+    </p:spTree>
+  </p:cSld>
+  <p:clrMapOvr>
+    <a:masterClrMapping/>
+  </p:clrMapOvr>
+  <mc:AlternateContent xmlns:mc="http://schemas.openxmlformats.org/markup-compatibility/2006">
+    <mc:Choice xmlns="" xmlns:p14="http://schemas.microsoft.com/office/powerpoint/2010/main" Requires="p14">
+      <p:transition spd="slow" p14:dur="2000" advClick="0" advTm="5000"/>
+    </mc:Choice>
+    <mc:Fallback>
+      <p:transition spd="slow" advClick="0" advTm="5000"/>
+    </mc:Fallback>
+  </mc:AlternateContent>
+  <p:timing>
+    <p:tnLst>
+      <p:par>
+        <p:cTn id="1" dur="indefinite" restart="never" nodeType="tmRoot">
+          <p:childTnLst>
+            <p:seq concurrent="1" nextAc="seek">
+              <p:cTn id="2" dur="indefinite" nodeType="mainSeq">
+                <p:childTnLst>
+                  <p:par>
+                    <p:cTn id="3" fill="hold">
+                      <p:stCondLst>
+                        <p:cond delay="indefinite"/>
+                      </p:stCondLst>
+                      <p:childTnLst>
+                        <p:par>
+                          <p:cTn id="4" fill="hold">
+                            <p:stCondLst>
+                              <p:cond delay="0"/>
+                            </p:stCondLst>
+                            <p:childTnLst>
+                              <p:par>
+                                <p:cTn id="5" presetID="1" presetClass="entr" presetSubtype="0" fill="hold" nodeType="clickEffect">
+                                  <p:stCondLst>
+                                    <p:cond delay="0"/>
+                                  </p:stCondLst>
+                                  <p:childTnLst>
+                                    <p:set>
+                                      <p:cBhvr>
+                                        <p:cTn id="6" dur="1" fill="hold">
+                                          <p:stCondLst>
+                                            <p:cond delay="0"/>
+                                          </p:stCondLst>
+                                        </p:cTn>
+                                        <p:tgtEl>
+                                          <p:spTgt spid="3">
+                                            <p:txEl>
+                                              <p:pRg st="1" end="1"/>
+                                            </p:txEl>
+                                          </p:spTgt>
+                                        </p:tgtEl>
+                                        <p:attrNameLst>
+                                          <p:attrName>style.visibility</p:attrName>
+                                        </p:attrNameLst>
+                                      </p:cBhvr>
+                                      <p:to>
+                                        <p:strVal val="visible"/>
+                                      </p:to>
+                                    </p:set>
+                                  </p:childTnLst>
+                                </p:cTn>
+                              </p:par>
+                              <p:par>
+                                <p:cTn id="7" presetID="1" presetClass="entr" presetSubtype="0" fill="hold" nodeType="withEffect">
+                                  <p:stCondLst>
+                                    <p:cond delay="0"/>
+                                  </p:stCondLst>
+                                  <p:childTnLst>
+                                    <p:set>
+                                      <p:cBhvr>
+                                        <p:cTn id="8" dur="1" fill="hold">
+                                          <p:stCondLst>
+                                            <p:cond delay="0"/>
+                                          </p:stCondLst>
+                                        </p:cTn>
+                                        <p:tgtEl>
+                                          <p:spTgt spid="3">
+                                            <p:txEl>
+                                              <p:pRg st="2" end="2"/>
+                                            </p:txEl>
+                                          </p:spTgt>
+                                        </p:tgtEl>
+                                        <p:attrNameLst>
+                                          <p:attrName>style.visibility</p:attrName>
+                                        </p:attrNameLst>
+                                      </p:cBhvr>
+                                      <p:to>
+                                        <p:strVal val="visible"/>
+                                      </p:to>
+                                    </p:set>
+                                  </p:childTnLst>
+                                </p:cTn>
+                              </p:par>
+                            </p:childTnLst>
+                          </p:cTn>
+                        </p:par>
+                      </p:childTnLst>
+                    </p:cTn>
+                  </p:par>
+                  <p:par>
+                    <p:cTn id="9" fill="hold">
+                      <p:stCondLst>
+                        <p:cond delay="indefinite"/>
+                      </p:stCondLst>
+                      <p:childTnLst>
+                        <p:par>
+                          <p:cTn id="10" fill="hold">
+                            <p:stCondLst>
+                              <p:cond delay="0"/>
+                            </p:stCondLst>
+                            <p:childTnLst>
+                              <p:par>
+                                <p:cTn id="11" presetID="1" presetClass="entr" presetSubtype="0" fill="hold" nodeType="clickEffect">
+                                  <p:stCondLst>
+                                    <p:cond delay="0"/>
+                                  </p:stCondLst>
+                                  <p:childTnLst>
+                                    <p:set>
+                                      <p:cBhvr>
+                                        <p:cTn id="12" dur="1" fill="hold">
+                                          <p:stCondLst>
+                                            <p:cond delay="0"/>
+                                          </p:stCondLst>
+                                        </p:cTn>
+                                        <p:tgtEl>
+                                          <p:spTgt spid="3">
+                                            <p:txEl>
+                                              <p:pRg st="3" end="3"/>
+                                            </p:txEl>
+                                          </p:spTgt>
+                                        </p:tgtEl>
+                                        <p:attrNameLst>
+                                          <p:attrName>style.visibility</p:attrName>
+                                        </p:attrNameLst>
+                                      </p:cBhvr>
+                                      <p:to>
+                                        <p:strVal val="visible"/>
+                                      </p:to>
+                                    </p:set>
+                                  </p:childTnLst>
+                                </p:cTn>
+                              </p:par>
+                            </p:childTnLst>
+                          </p:cTn>
+                        </p:par>
+                      </p:childTnLst>
+                    </p:cTn>
+                  </p:par>
+                </p:childTnLst>
+              </p:cTn>
+              <p:prevCondLst>
+                <p:cond evt="onPrev" delay="0">
+                  <p:tgtEl>
+                    <p:sldTgt/>
+                  </p:tgtEl>
+                </p:cond>
+              </p:prevCondLst>
+              <p:nextCondLst>
+                <p:cond evt="onNext" delay="0">
+                  <p:tgtEl>
+                    <p:sldTgt/>
+                  </p:tgtEl>
+                </p:cond>
+              </p:nextCondLst>
+            </p:seq>
+          </p:childTnLst>
+        </p:cTn>
+      </p:par>
+    </p:tnLst>
+  </p:timing>
+</p:sld>
+</file>
+
+<file path=ppt/slides/slide16.xml><?xml version="1.0" encoding="utf-8"?>
+<p:sld xmlns:a="http://schemas.openxmlformats.org/drawingml/2006/main" xmlns:r="http://schemas.openxmlformats.org/officeDocument/2006/relationships" xmlns:p="http://schemas.openxmlformats.org/presentationml/2006/main">
+  <p:cSld>
+    <p:spTree>
+      <p:nvGrpSpPr>
+        <p:cNvPr id="1" name=""/>
+        <p:cNvGrpSpPr/>
+        <p:nvPr/>
+      </p:nvGrpSpPr>
+      <p:grpSpPr>
+        <a:xfrm>
+          <a:off x="0" y="0"/>
+          <a:ext cx="0" cy="0"/>
+          <a:chOff x="0" y="0"/>
+          <a:chExt cx="0" cy="0"/>
+        </a:xfrm>
+      </p:grpSpPr>
+      <p:sp>
+        <p:nvSpPr>
+          <p:cNvPr id="2" name="Slide Number Placeholder 1"/>
+          <p:cNvSpPr>
+            <a:spLocks noGrp="1"/>
+          </p:cNvSpPr>
+          <p:nvPr>
+            <p:ph type="sldNum" sz="quarter" idx="5"/>
+          </p:nvPr>
+        </p:nvSpPr>
+        <p:spPr/>
+        <p:txBody>
+          <a:bodyPr/>
+          <a:lstStyle/>
+          <a:p>
+            <a:fld id="{2BF067CD-8E6B-4360-9AA8-C5DF2A48A6D1}" type="slidenum">
+              <a:rPr lang="en-US" noProof="0" smtClean="0"/>
+              <a:pPr/>
+              <a:t>16</a:t>
+            </a:fld>
+            <a:endParaRPr lang="en-US" noProof="0" dirty="0"/>
+          </a:p>
+        </p:txBody>
+      </p:sp>
+      <p:sp>
+        <p:nvSpPr>
+          <p:cNvPr id="3" name="Text Placeholder 2"/>
+          <p:cNvSpPr>
+            <a:spLocks noGrp="1"/>
+          </p:cNvSpPr>
+          <p:nvPr>
+            <p:ph type="body" sz="quarter" idx="10"/>
+          </p:nvPr>
+        </p:nvSpPr>
+        <p:spPr/>
+        <p:txBody>
+          <a:bodyPr/>
+          <a:lstStyle/>
+          <a:p>
+            <a:r>
+              <a:rPr lang="en-US" dirty="0" err="1" smtClean="0"/>
+              <a:t>Src</a:t>
+            </a:r>
+            <a:r>
+              <a:rPr lang="en-US" dirty="0" smtClean="0"/>
+              <a:t>: https://support.microsoft.com/en-gb/office/create-a-table-and-add-fields-8fdc65f9-8d40-4ff5-9212-80e6545e8d87</a:t>
+            </a:r>
+            <a:endParaRPr lang="en-US" dirty="0"/>
+          </a:p>
+        </p:txBody>
+      </p:sp>
+      <p:sp>
+        <p:nvSpPr>
+          <p:cNvPr id="4" name="Title 3"/>
+          <p:cNvSpPr>
+            <a:spLocks noGrp="1"/>
+          </p:cNvSpPr>
+          <p:nvPr>
+            <p:ph type="title"/>
+          </p:nvPr>
+        </p:nvSpPr>
+        <p:spPr/>
+        <p:txBody>
+          <a:bodyPr/>
+          <a:lstStyle/>
+          <a:p>
+            <a:endParaRPr lang="en-US"/>
+          </a:p>
+        </p:txBody>
+      </p:sp>
+      <p:pic>
+        <p:nvPicPr>
+          <p:cNvPr id="5" name="Picture 2"/>
+          <p:cNvPicPr>
+            <a:picLocks noChangeAspect="1" noChangeArrowheads="1"/>
+          </p:cNvPicPr>
+          <p:nvPr/>
+        </p:nvPicPr>
+        <p:blipFill>
+          <a:blip r:embed="rId2" cstate="print"/>
+          <a:srcRect/>
+          <a:stretch>
+            <a:fillRect/>
+          </a:stretch>
+        </p:blipFill>
+        <p:spPr bwMode="auto">
+          <a:xfrm>
+            <a:off x="2438400" y="2971800"/>
+            <a:ext cx="6953250" cy="3334343"/>
+          </a:xfrm>
+          <a:prstGeom prst="rect">
+            <a:avLst/>
+          </a:prstGeom>
+          <a:noFill/>
+          <a:ln w="9525">
+            <a:noFill/>
+            <a:miter lim="800000"/>
+            <a:headEnd/>
+            <a:tailEnd/>
+          </a:ln>
+        </p:spPr>
+      </p:pic>
+      <p:pic>
+        <p:nvPicPr>
+          <p:cNvPr id="6" name="Picture 6" descr="N3C External Datasets | N3C"/>
+          <p:cNvPicPr>
+            <a:picLocks noChangeAspect="1" noChangeArrowheads="1"/>
+          </p:cNvPicPr>
+          <p:nvPr/>
+        </p:nvPicPr>
+        <p:blipFill>
+          <a:blip r:embed="rId3" cstate="print"/>
+          <a:srcRect/>
+          <a:stretch>
+            <a:fillRect/>
+          </a:stretch>
+        </p:blipFill>
+        <p:spPr bwMode="auto">
+          <a:xfrm>
+            <a:off x="8915400" y="3429000"/>
+            <a:ext cx="2645811" cy="2473834"/>
+          </a:xfrm>
+          <a:prstGeom prst="rect">
+            <a:avLst/>
+          </a:prstGeom>
+          <a:noFill/>
+        </p:spPr>
+      </p:pic>
+    </p:spTree>
+  </p:cSld>
+  <p:clrMapOvr>
+    <a:masterClrMapping/>
+  </p:clrMapOvr>
+  <mc:AlternateContent xmlns:mc="http://schemas.openxmlformats.org/markup-compatibility/2006">
+    <mc:Choice xmlns="" xmlns:p14="http://schemas.microsoft.com/office/powerpoint/2010/main" Requires="p14">
+      <p:transition spd="slow" p14:dur="2000" advClick="0" advTm="5000"/>
+    </mc:Choice>
+    <mc:Fallback>
+      <p:transition spd="slow" advClick="0" advTm="5000"/>
+    </mc:Fallback>
+  </mc:AlternateContent>
+  <p:timing>
+    <p:tnLst>
+      <p:par>
+        <p:cTn id="1" dur="indefinite" restart="never" nodeType="tmRoot"/>
+      </p:par>
+    </p:tnLst>
+  </p:timing>
+</p:sld>
+</file>
+
+<file path=ppt/slides/slide17.xml><?xml version="1.0" encoding="utf-8"?>
+<p:sld xmlns:a="http://schemas.openxmlformats.org/drawingml/2006/main" xmlns:r="http://schemas.openxmlformats.org/officeDocument/2006/relationships" xmlns:p="http://schemas.openxmlformats.org/presentationml/2006/main">
+  <p:cSld>
+    <p:spTree>
+      <p:nvGrpSpPr>
+        <p:cNvPr id="1" name=""/>
+        <p:cNvGrpSpPr/>
+        <p:nvPr/>
+      </p:nvGrpSpPr>
+      <p:grpSpPr>
+        <a:xfrm>
+          <a:off x="0" y="0"/>
+          <a:ext cx="0" cy="0"/>
+          <a:chOff x="0" y="0"/>
+          <a:chExt cx="0" cy="0"/>
+        </a:xfrm>
+      </p:grpSpPr>
       <p:grpSp>
         <p:nvGrpSpPr>
           <p:cNvPr id="9" name="Summary Box Group">
             <a:extLst>
               <a:ext uri="{FF2B5EF4-FFF2-40B4-BE49-F238E27FC236}">
-                <a16:creationId xmlns:a16="http://schemas.microsoft.com/office/drawing/2014/main" xmlns="" id="{EBAFE522-EB7D-4931-A015-9A7E8A98517D}"/>
+                <a16:creationId xmlns="" xmlns:a16="http://schemas.microsoft.com/office/drawing/2014/main" id="{EBAFE522-EB7D-4931-A015-9A7E8A98517D}"/>
               </a:ext>
             </a:extLst>
           </p:cNvPr>
@@ -15066,7 +16462,7 @@
             <p:cNvPr id="10" name="Rounded Rectangle Blue">
               <a:extLst>
                 <a:ext uri="{FF2B5EF4-FFF2-40B4-BE49-F238E27FC236}">
-                  <a16:creationId xmlns:a16="http://schemas.microsoft.com/office/drawing/2014/main" xmlns="" id="{18F78F23-3D09-4B63-8DF9-D49CFBB145EE}"/>
+                  <a16:creationId xmlns="" xmlns:a16="http://schemas.microsoft.com/office/drawing/2014/main" id="{18F78F23-3D09-4B63-8DF9-D49CFBB145EE}"/>
                 </a:ext>
               </a:extLst>
             </p:cNvPr>
@@ -15120,7 +16516,7 @@
             <p:cNvPr id="11" name="Rounded Rectangle Left">
               <a:extLst>
                 <a:ext uri="{FF2B5EF4-FFF2-40B4-BE49-F238E27FC236}">
-                  <a16:creationId xmlns:a16="http://schemas.microsoft.com/office/drawing/2014/main" xmlns="" id="{F12C06CE-2BBE-46C2-B718-813794C58DF9}"/>
+                  <a16:creationId xmlns="" xmlns:a16="http://schemas.microsoft.com/office/drawing/2014/main" id="{F12C06CE-2BBE-46C2-B718-813794C58DF9}"/>
                 </a:ext>
               </a:extLst>
             </p:cNvPr>
@@ -15180,7 +16576,7 @@
             <p:cNvPr id="12" name="Half Frame Top Right">
               <a:extLst>
                 <a:ext uri="{FF2B5EF4-FFF2-40B4-BE49-F238E27FC236}">
-                  <a16:creationId xmlns:a16="http://schemas.microsoft.com/office/drawing/2014/main" xmlns="" id="{66CDBB1E-AF3C-43FC-9F34-2DD691F81726}"/>
+                  <a16:creationId xmlns="" xmlns:a16="http://schemas.microsoft.com/office/drawing/2014/main" id="{66CDBB1E-AF3C-43FC-9F34-2DD691F81726}"/>
                 </a:ext>
               </a:extLst>
             </p:cNvPr>
@@ -15242,7 +16638,7 @@
           <p:cNvPr id="14" name="Text Placeholder Body">
             <a:extLst>
               <a:ext uri="{FF2B5EF4-FFF2-40B4-BE49-F238E27FC236}">
-                <a16:creationId xmlns:a16="http://schemas.microsoft.com/office/drawing/2014/main" xmlns="" id="{0E49D336-45B6-44D3-97C4-E28F8DEA2022}"/>
+                <a16:creationId xmlns="" xmlns:a16="http://schemas.microsoft.com/office/drawing/2014/main" id="{0E49D336-45B6-44D3-97C4-E28F8DEA2022}"/>
               </a:ext>
             </a:extLst>
           </p:cNvPr>
@@ -15338,7 +16734,7 @@
           <p:cNvPr id="17" name="Slide Number">
             <a:extLst>
               <a:ext uri="{FF2B5EF4-FFF2-40B4-BE49-F238E27FC236}">
-                <a16:creationId xmlns:a16="http://schemas.microsoft.com/office/drawing/2014/main" xmlns="" id="{9DE5559F-55C2-47F1-A321-B593B1EC63C1}"/>
+                <a16:creationId xmlns="" xmlns:a16="http://schemas.microsoft.com/office/drawing/2014/main" id="{9DE5559F-55C2-47F1-A321-B593B1EC63C1}"/>
               </a:ext>
             </a:extLst>
           </p:cNvPr>
@@ -15369,7 +16765,7 @@
             <a:fld id="{2BF067CD-8E6B-4360-9AA8-C5DF2A48A6D1}" type="slidenum">
               <a:rPr lang="en-US" smtClean="0"/>
               <a:pPr/>
-              <a:t>14</a:t>
+              <a:t>17</a:t>
             </a:fld>
             <a:endParaRPr lang="en-US" dirty="0"/>
           </a:p>
@@ -15380,7 +16776,7 @@
           <p:cNvPr id="13" name="Picture SoftUni Mascot">
             <a:extLst>
               <a:ext uri="{FF2B5EF4-FFF2-40B4-BE49-F238E27FC236}">
-                <a16:creationId xmlns:a16="http://schemas.microsoft.com/office/drawing/2014/main" xmlns="" id="{CCC3A316-993C-4741-8826-E104F27650A3}"/>
+                <a16:creationId xmlns="" xmlns:a16="http://schemas.microsoft.com/office/drawing/2014/main" id="{CCC3A316-993C-4741-8826-E104F27650A3}"/>
               </a:ext>
             </a:extLst>
           </p:cNvPr>
@@ -15393,7 +16789,7 @@
           <a:blip r:embed="rId3" cstate="print">
             <a:extLst>
               <a:ext uri="{28A0092B-C50C-407E-A947-70E740481C1C}">
-                <a14:useLocalDpi xmlns:a14="http://schemas.microsoft.com/office/drawing/2010/main" xmlns="" val="0"/>
+                <a14:useLocalDpi xmlns="" xmlns:a14="http://schemas.microsoft.com/office/drawing/2010/main" val="0"/>
               </a:ext>
             </a:extLst>
           </a:blip>
@@ -15438,7 +16834,7 @@
     </p:spTree>
     <p:extLst>
       <p:ext uri="{BB962C8B-B14F-4D97-AF65-F5344CB8AC3E}">
-        <p14:creationId xmlns:p14="http://schemas.microsoft.com/office/powerpoint/2010/main" xmlns="" val="2087190546"/>
+        <p14:creationId xmlns="" xmlns:p14="http://schemas.microsoft.com/office/powerpoint/2010/main" val="2087190546"/>
       </p:ext>
     </p:extLst>
   </p:cSld>
@@ -15446,7 +16842,7 @@
     <a:masterClrMapping/>
   </p:clrMapOvr>
   <mc:AlternateContent xmlns:mc="http://schemas.openxmlformats.org/markup-compatibility/2006">
-    <mc:Choice xmlns:p14="http://schemas.microsoft.com/office/powerpoint/2010/main" xmlns="" Requires="p14">
+    <mc:Choice xmlns="" xmlns:p14="http://schemas.microsoft.com/office/powerpoint/2010/main" Requires="p14">
       <p:transition spd="slow" p14:dur="2000" advClick="0" advTm="5000"/>
     </mc:Choice>
     <mc:Fallback>
@@ -15463,7 +16859,7 @@
 </p:sld>
 </file>
 
-<file path=ppt/slides/slide15.xml><?xml version="1.0" encoding="utf-8"?>
+<file path=ppt/slides/slide18.xml><?xml version="1.0" encoding="utf-8"?>
 <p:sld xmlns:a="http://schemas.openxmlformats.org/drawingml/2006/main" xmlns:r="http://schemas.openxmlformats.org/officeDocument/2006/relationships" xmlns:p="http://schemas.openxmlformats.org/presentationml/2006/main">
   <p:cSld>
     <p:spTree>
@@ -15485,7 +16881,7 @@
           <p:cNvPr id="5" name="Group 4">
             <a:extLst>
               <a:ext uri="{FF2B5EF4-FFF2-40B4-BE49-F238E27FC236}">
-                <a16:creationId xmlns:a16="http://schemas.microsoft.com/office/drawing/2014/main" xmlns="" id="{1A67F800-7980-E3CA-7188-3C478C8E98B8}"/>
+                <a16:creationId xmlns="" xmlns:a16="http://schemas.microsoft.com/office/drawing/2014/main" id="{1A67F800-7980-E3CA-7188-3C478C8E98B8}"/>
               </a:ext>
             </a:extLst>
           </p:cNvPr>
@@ -15505,7 +16901,7 @@
             <p:cNvPr id="7" name="Picture 6" descr="A picture containing text, sign, vector graphics&#10;&#10;Description automatically generated">
               <a:extLst>
                 <a:ext uri="{FF2B5EF4-FFF2-40B4-BE49-F238E27FC236}">
-                  <a16:creationId xmlns:a16="http://schemas.microsoft.com/office/drawing/2014/main" xmlns="" id="{15CE28B1-02BA-4014-E149-BF1EE09447ED}"/>
+                  <a16:creationId xmlns="" xmlns:a16="http://schemas.microsoft.com/office/drawing/2014/main" id="{15CE28B1-02BA-4014-E149-BF1EE09447ED}"/>
                 </a:ext>
               </a:extLst>
             </p:cNvPr>
@@ -15535,7 +16931,7 @@
             <p:cNvPr id="9" name="Picture 8" descr="Logo&#10;&#10;Description automatically generated">
               <a:extLst>
                 <a:ext uri="{FF2B5EF4-FFF2-40B4-BE49-F238E27FC236}">
-                  <a16:creationId xmlns:a16="http://schemas.microsoft.com/office/drawing/2014/main" xmlns="" id="{5F82FF4F-4AD2-4B3B-1445-F3C6BA268522}"/>
+                  <a16:creationId xmlns="" xmlns:a16="http://schemas.microsoft.com/office/drawing/2014/main" id="{5F82FF4F-4AD2-4B3B-1445-F3C6BA268522}"/>
                 </a:ext>
               </a:extLst>
             </p:cNvPr>
@@ -15565,7 +16961,7 @@
             <p:cNvPr id="11" name="Picture 10" descr="Logo&#10;&#10;Description automatically generated">
               <a:extLst>
                 <a:ext uri="{FF2B5EF4-FFF2-40B4-BE49-F238E27FC236}">
-                  <a16:creationId xmlns:a16="http://schemas.microsoft.com/office/drawing/2014/main" xmlns="" id="{68CCA8DB-9EFC-F9BC-57AE-81E4F843E863}"/>
+                  <a16:creationId xmlns="" xmlns:a16="http://schemas.microsoft.com/office/drawing/2014/main" id="{68CCA8DB-9EFC-F9BC-57AE-81E4F843E863}"/>
                 </a:ext>
               </a:extLst>
             </p:cNvPr>
@@ -15595,7 +16991,7 @@
             <p:cNvPr id="13" name="Picture 12" descr="Logo&#10;&#10;Description automatically generated">
               <a:extLst>
                 <a:ext uri="{FF2B5EF4-FFF2-40B4-BE49-F238E27FC236}">
-                  <a16:creationId xmlns:a16="http://schemas.microsoft.com/office/drawing/2014/main" xmlns="" id="{3FDF9297-50FA-E866-B6CE-9D64B1E892BF}"/>
+                  <a16:creationId xmlns="" xmlns:a16="http://schemas.microsoft.com/office/drawing/2014/main" id="{3FDF9297-50FA-E866-B6CE-9D64B1E892BF}"/>
                 </a:ext>
               </a:extLst>
             </p:cNvPr>
@@ -15625,7 +17021,7 @@
             <p:cNvPr id="18" name="Graphic 17">
               <a:extLst>
                 <a:ext uri="{FF2B5EF4-FFF2-40B4-BE49-F238E27FC236}">
-                  <a16:creationId xmlns:a16="http://schemas.microsoft.com/office/drawing/2014/main" xmlns="" id="{2A1BC0C9-7A7B-9C5B-B457-3E86E59EF29E}"/>
+                  <a16:creationId xmlns="" xmlns:a16="http://schemas.microsoft.com/office/drawing/2014/main" id="{2A1BC0C9-7A7B-9C5B-B457-3E86E59EF29E}"/>
                 </a:ext>
               </a:extLst>
             </p:cNvPr>
@@ -15638,7 +17034,7 @@
             <a:blip r:embed="rId7" cstate="print">
               <a:extLst>
                 <a:ext uri="{96DAC541-7B7A-43D3-8B79-37D633B846F1}">
-                  <asvg:svgBlip xmlns:asvg="http://schemas.microsoft.com/office/drawing/2016/SVG/main" xmlns="" r:embed="rId8"/>
+                  <asvg:svgBlip xmlns="" xmlns:asvg="http://schemas.microsoft.com/office/drawing/2016/SVG/main" r:embed="rId8"/>
                 </a:ext>
               </a:extLst>
             </a:blip>
@@ -15661,7 +17057,7 @@
             <p:cNvPr id="20" name="Graphic 19">
               <a:extLst>
                 <a:ext uri="{FF2B5EF4-FFF2-40B4-BE49-F238E27FC236}">
-                  <a16:creationId xmlns:a16="http://schemas.microsoft.com/office/drawing/2014/main" xmlns="" id="{DBE174DA-A182-7E57-06D4-86AFA26D484D}"/>
+                  <a16:creationId xmlns="" xmlns:a16="http://schemas.microsoft.com/office/drawing/2014/main" id="{DBE174DA-A182-7E57-06D4-86AFA26D484D}"/>
                 </a:ext>
               </a:extLst>
             </p:cNvPr>
@@ -15674,7 +17070,7 @@
             <a:blip r:embed="rId9" cstate="print">
               <a:extLst>
                 <a:ext uri="{96DAC541-7B7A-43D3-8B79-37D633B846F1}">
-                  <asvg:svgBlip xmlns:asvg="http://schemas.microsoft.com/office/drawing/2016/SVG/main" xmlns="" r:embed="rId10"/>
+                  <asvg:svgBlip xmlns="" xmlns:asvg="http://schemas.microsoft.com/office/drawing/2016/SVG/main" r:embed="rId10"/>
                 </a:ext>
               </a:extLst>
             </a:blip>
@@ -15697,7 +17093,7 @@
             <p:cNvPr id="22" name="Picture 21" descr="Logo&#10;&#10;Description automatically generated">
               <a:extLst>
                 <a:ext uri="{FF2B5EF4-FFF2-40B4-BE49-F238E27FC236}">
-                  <a16:creationId xmlns:a16="http://schemas.microsoft.com/office/drawing/2014/main" xmlns="" id="{9B7FFC36-A4BC-7A53-AB82-82C398A47538}"/>
+                  <a16:creationId xmlns="" xmlns:a16="http://schemas.microsoft.com/office/drawing/2014/main" id="{9B7FFC36-A4BC-7A53-AB82-82C398A47538}"/>
                 </a:ext>
               </a:extLst>
             </p:cNvPr>
@@ -15727,7 +17123,7 @@
             <p:cNvPr id="36" name="Group 35">
               <a:extLst>
                 <a:ext uri="{FF2B5EF4-FFF2-40B4-BE49-F238E27FC236}">
-                  <a16:creationId xmlns:a16="http://schemas.microsoft.com/office/drawing/2014/main" xmlns="" id="{3FB2AEAC-BDEE-9D5F-67A3-17CEDA699052}"/>
+                  <a16:creationId xmlns="" xmlns:a16="http://schemas.microsoft.com/office/drawing/2014/main" id="{3FB2AEAC-BDEE-9D5F-67A3-17CEDA699052}"/>
                 </a:ext>
               </a:extLst>
             </p:cNvPr>
@@ -15747,7 +17143,7 @@
               <p:cNvPr id="31" name="Straight Connector 30">
                 <a:extLst>
                   <a:ext uri="{FF2B5EF4-FFF2-40B4-BE49-F238E27FC236}">
-                    <a16:creationId xmlns:a16="http://schemas.microsoft.com/office/drawing/2014/main" xmlns="" id="{AA38ABD5-1637-DC80-A922-DF10E4F75CDE}"/>
+                    <a16:creationId xmlns="" xmlns:a16="http://schemas.microsoft.com/office/drawing/2014/main" id="{AA38ABD5-1637-DC80-A922-DF10E4F75CDE}"/>
                   </a:ext>
                 </a:extLst>
               </p:cNvPr>
@@ -15790,7 +17186,7 @@
               <p:cNvPr id="33" name="Picture 32">
                 <a:extLst>
                   <a:ext uri="{FF2B5EF4-FFF2-40B4-BE49-F238E27FC236}">
-                    <a16:creationId xmlns:a16="http://schemas.microsoft.com/office/drawing/2014/main" xmlns="" id="{617B586A-0BC5-5E32-7E67-FD277547ED69}"/>
+                    <a16:creationId xmlns="" xmlns:a16="http://schemas.microsoft.com/office/drawing/2014/main" id="{617B586A-0BC5-5E32-7E67-FD277547ED69}"/>
                   </a:ext>
                 </a:extLst>
               </p:cNvPr>
@@ -15822,7 +17218,7 @@
           <p:cNvPr id="40" name="Picture 39" descr="Logo&#10;&#10;Description automatically generated">
             <a:extLst>
               <a:ext uri="{FF2B5EF4-FFF2-40B4-BE49-F238E27FC236}">
-                <a16:creationId xmlns:a16="http://schemas.microsoft.com/office/drawing/2014/main" xmlns="" id="{9C30DD70-D438-6D27-35D3-8BB874966D84}"/>
+                <a16:creationId xmlns="" xmlns:a16="http://schemas.microsoft.com/office/drawing/2014/main" id="{9C30DD70-D438-6D27-35D3-8BB874966D84}"/>
               </a:ext>
             </a:extLst>
           </p:cNvPr>
@@ -15852,7 +17248,7 @@
           <p:cNvPr id="2" name="Google Shape;441;p37">
             <a:extLst>
               <a:ext uri="{FF2B5EF4-FFF2-40B4-BE49-F238E27FC236}">
-                <a16:creationId xmlns:a16="http://schemas.microsoft.com/office/drawing/2014/main" xmlns="" id="{2AFB472C-93C2-241B-75FA-457782840F92}"/>
+                <a16:creationId xmlns="" xmlns:a16="http://schemas.microsoft.com/office/drawing/2014/main" id="{2AFB472C-93C2-241B-75FA-457782840F92}"/>
               </a:ext>
             </a:extLst>
           </p:cNvPr>
@@ -16157,7 +17553,7 @@
           <p:cNvPr id="14" name="Картина 13">
             <a:extLst>
               <a:ext uri="{FF2B5EF4-FFF2-40B4-BE49-F238E27FC236}">
-                <a16:creationId xmlns:a16="http://schemas.microsoft.com/office/drawing/2014/main" xmlns="" id="{54B365E9-8FD0-6D5B-2DFC-723EE5DDD555}"/>
+                <a16:creationId xmlns="" xmlns:a16="http://schemas.microsoft.com/office/drawing/2014/main" id="{54B365E9-8FD0-6D5B-2DFC-723EE5DDD555}"/>
               </a:ext>
             </a:extLst>
           </p:cNvPr>
@@ -16187,7 +17583,7 @@
           <p:cNvPr id="16" name="Картина 15">
             <a:extLst>
               <a:ext uri="{FF2B5EF4-FFF2-40B4-BE49-F238E27FC236}">
-                <a16:creationId xmlns:a16="http://schemas.microsoft.com/office/drawing/2014/main" xmlns="" id="{3BD6ABFC-02BF-2D42-B42B-6929222F37B6}"/>
+                <a16:creationId xmlns="" xmlns:a16="http://schemas.microsoft.com/office/drawing/2014/main" id="{3BD6ABFC-02BF-2D42-B42B-6929222F37B6}"/>
               </a:ext>
             </a:extLst>
           </p:cNvPr>
@@ -16215,7 +17611,7 @@
     </p:spTree>
     <p:extLst>
       <p:ext uri="{BB962C8B-B14F-4D97-AF65-F5344CB8AC3E}">
-        <p14:creationId xmlns:p14="http://schemas.microsoft.com/office/powerpoint/2010/main" xmlns="" val="2144060659"/>
+        <p14:creationId xmlns="" xmlns:p14="http://schemas.microsoft.com/office/powerpoint/2010/main" val="2144060659"/>
       </p:ext>
     </p:extLst>
   </p:cSld>
@@ -16232,7 +17628,7 @@
 </p:sld>
 </file>
 
-<file path=ppt/slides/slide16.xml><?xml version="1.0" encoding="utf-8"?>
+<file path=ppt/slides/slide19.xml><?xml version="1.0" encoding="utf-8"?>
 <p:sld xmlns:a="http://schemas.openxmlformats.org/drawingml/2006/main" xmlns:r="http://schemas.openxmlformats.org/officeDocument/2006/relationships" xmlns:p="http://schemas.openxmlformats.org/presentationml/2006/main">
   <p:cSld>
     <p:spTree>
@@ -16254,7 +17650,7 @@
           <p:cNvPr id="5" name="Slide Number">
             <a:extLst>
               <a:ext uri="{FF2B5EF4-FFF2-40B4-BE49-F238E27FC236}">
-                <a16:creationId xmlns:a16="http://schemas.microsoft.com/office/drawing/2014/main" xmlns="" id="{F48C3C93-90A1-4D31-BEA6-B54D1106CE31}"/>
+                <a16:creationId xmlns="" xmlns:a16="http://schemas.microsoft.com/office/drawing/2014/main" id="{F48C3C93-90A1-4D31-BEA6-B54D1106CE31}"/>
               </a:ext>
             </a:extLst>
           </p:cNvPr>
@@ -16285,7 +17681,7 @@
             <a:fld id="{2BF067CD-8E6B-4360-9AA8-C5DF2A48A6D1}" type="slidenum">
               <a:rPr lang="en-US" smtClean="0"/>
               <a:pPr/>
-              <a:t>16</a:t>
+              <a:t>19</a:t>
             </a:fld>
             <a:endParaRPr lang="en-US" dirty="0"/>
           </a:p>
@@ -16296,7 +17692,7 @@
           <p:cNvPr id="2" name="Slide Body">
             <a:extLst>
               <a:ext uri="{FF2B5EF4-FFF2-40B4-BE49-F238E27FC236}">
-                <a16:creationId xmlns:a16="http://schemas.microsoft.com/office/drawing/2014/main" xmlns="" id="{980F49B1-E4BE-4389-A747-7AB9B71AD920}"/>
+                <a16:creationId xmlns="" xmlns:a16="http://schemas.microsoft.com/office/drawing/2014/main" id="{980F49B1-E4BE-4389-A747-7AB9B71AD920}"/>
               </a:ext>
             </a:extLst>
           </p:cNvPr>
@@ -16430,7 +17826,7 @@
           <p:cNvPr id="6" name="Picture License" descr="License">
             <a:extLst>
               <a:ext uri="{FF2B5EF4-FFF2-40B4-BE49-F238E27FC236}">
-                <a16:creationId xmlns:a16="http://schemas.microsoft.com/office/drawing/2014/main" xmlns="" id="{A10A2585-858C-4B1E-8846-27CF1C15729E}"/>
+                <a16:creationId xmlns="" xmlns:a16="http://schemas.microsoft.com/office/drawing/2014/main" id="{A10A2585-858C-4B1E-8846-27CF1C15729E}"/>
               </a:ext>
             </a:extLst>
           </p:cNvPr>
@@ -16471,7 +17867,7 @@
           <p:cNvPr id="3" name="Slide Title">
             <a:extLst>
               <a:ext uri="{FF2B5EF4-FFF2-40B4-BE49-F238E27FC236}">
-                <a16:creationId xmlns:a16="http://schemas.microsoft.com/office/drawing/2014/main" xmlns="" id="{E5F1FB41-80C3-4816-BC47-CCC50632E6E8}"/>
+                <a16:creationId xmlns="" xmlns:a16="http://schemas.microsoft.com/office/drawing/2014/main" id="{E5F1FB41-80C3-4816-BC47-CCC50632E6E8}"/>
               </a:ext>
             </a:extLst>
           </p:cNvPr>
@@ -16497,7 +17893,7 @@
     </p:spTree>
     <p:extLst>
       <p:ext uri="{BB962C8B-B14F-4D97-AF65-F5344CB8AC3E}">
-        <p14:creationId xmlns:p14="http://schemas.microsoft.com/office/powerpoint/2010/main" xmlns="" val="3506533871"/>
+        <p14:creationId xmlns="" xmlns:p14="http://schemas.microsoft.com/office/powerpoint/2010/main" val="3506533871"/>
       </p:ext>
     </p:extLst>
   </p:cSld>
@@ -16505,7 +17901,7 @@
     <a:masterClrMapping/>
   </p:clrMapOvr>
   <mc:AlternateContent xmlns:mc="http://schemas.openxmlformats.org/markup-compatibility/2006">
-    <mc:Choice xmlns:p14="http://schemas.microsoft.com/office/powerpoint/2010/main" xmlns="" Requires="p14">
+    <mc:Choice xmlns="" xmlns:p14="http://schemas.microsoft.com/office/powerpoint/2010/main" Requires="p14">
       <p:transition spd="slow" p14:dur="2000" advClick="0" advTm="5000"/>
     </mc:Choice>
     <mc:Fallback>
@@ -16544,7 +17940,7 @@
           <p:cNvPr id="5" name="Slide Number">
             <a:extLst>
               <a:ext uri="{FF2B5EF4-FFF2-40B4-BE49-F238E27FC236}">
-                <a16:creationId xmlns:a16="http://schemas.microsoft.com/office/drawing/2014/main" xmlns="" id="{6A760D59-0056-4F39-B077-DBDBE3D2927E}"/>
+                <a16:creationId xmlns="" xmlns:a16="http://schemas.microsoft.com/office/drawing/2014/main" id="{6A760D59-0056-4F39-B077-DBDBE3D2927E}"/>
               </a:ext>
             </a:extLst>
           </p:cNvPr>
@@ -17011,7 +18407,7 @@
     </p:spTree>
     <p:extLst>
       <p:ext uri="{BB962C8B-B14F-4D97-AF65-F5344CB8AC3E}">
-        <p14:creationId xmlns:p14="http://schemas.microsoft.com/office/powerpoint/2010/main" xmlns="" val="1646986932"/>
+        <p14:creationId xmlns="" xmlns:p14="http://schemas.microsoft.com/office/powerpoint/2010/main" val="1646986932"/>
       </p:ext>
     </p:extLst>
   </p:cSld>
@@ -17019,7 +18415,7 @@
     <a:masterClrMapping/>
   </p:clrMapOvr>
   <mc:AlternateContent xmlns:mc="http://schemas.openxmlformats.org/markup-compatibility/2006">
-    <mc:Choice xmlns:p14="http://schemas.microsoft.com/office/powerpoint/2010/main" xmlns="" Requires="p14">
+    <mc:Choice xmlns="" xmlns:p14="http://schemas.microsoft.com/office/powerpoint/2010/main" Requires="p14">
       <p:transition spd="slow" p14:dur="2000" advClick="0" advTm="5000"/>
     </mc:Choice>
     <mc:Fallback>
@@ -17608,7 +19004,7 @@
     <a:masterClrMapping/>
   </p:clrMapOvr>
   <mc:AlternateContent xmlns:mc="http://schemas.openxmlformats.org/markup-compatibility/2006">
-    <mc:Choice xmlns:p14="http://schemas.microsoft.com/office/powerpoint/2010/main" xmlns="" Requires="p14">
+    <mc:Choice xmlns="" xmlns:p14="http://schemas.microsoft.com/office/powerpoint/2010/main" Requires="p14">
       <p:transition spd="slow" p14:dur="2000" advClick="0" advTm="5000"/>
     </mc:Choice>
     <mc:Fallback>
@@ -17988,7 +19384,7 @@
     <a:masterClrMapping/>
   </p:clrMapOvr>
   <mc:AlternateContent xmlns:mc="http://schemas.openxmlformats.org/markup-compatibility/2006">
-    <mc:Choice xmlns:p14="http://schemas.microsoft.com/office/powerpoint/2010/main" xmlns="" Requires="p14">
+    <mc:Choice xmlns="" xmlns:p14="http://schemas.microsoft.com/office/powerpoint/2010/main" Requires="p14">
       <p:transition spd="slow" p14:dur="2000" advClick="0" advTm="5000"/>
     </mc:Choice>
     <mc:Fallback>
@@ -18289,11 +19685,7 @@
           <a:p>
             <a:r>
               <a:rPr lang="bg-BG" dirty="0" smtClean="0"/>
-              <a:t>Попълване </a:t>
-            </a:r>
-            <a:r>
-              <a:rPr lang="bg-BG" dirty="0" smtClean="0"/>
-              <a:t>на данни</a:t>
+              <a:t>Попълване на данни</a:t>
             </a:r>
             <a:endParaRPr lang="en-US" dirty="0"/>
           </a:p>
@@ -18354,7 +19746,7 @@
     <a:masterClrMapping/>
   </p:clrMapOvr>
   <mc:AlternateContent xmlns:mc="http://schemas.openxmlformats.org/markup-compatibility/2006">
-    <mc:Choice xmlns:p14="http://schemas.microsoft.com/office/powerpoint/2010/main" xmlns="" Requires="p14">
+    <mc:Choice xmlns="" xmlns:p14="http://schemas.microsoft.com/office/powerpoint/2010/main" Requires="p14">
       <p:transition spd="slow" p14:dur="2000" advClick="0" advTm="5000"/>
     </mc:Choice>
     <mc:Fallback>
@@ -18506,12 +19898,6 @@
               </a:rPr>
               <a:t>database</a:t>
             </a:r>
-            <a:endParaRPr lang="en-US" b="1" dirty="0" smtClean="0">
-              <a:solidFill>
-                <a:schemeClr val="bg1"/>
-              </a:solidFill>
-              <a:latin typeface="Consolas" pitchFamily="49" charset="0"/>
-            </a:endParaRPr>
           </a:p>
           <a:p>
             <a:pPr>
@@ -18575,15 +19961,7 @@
             </a:r>
             <a:r>
               <a:rPr lang="ru-RU" dirty="0" smtClean="0"/>
-              <a:t>въведете </a:t>
-            </a:r>
-            <a:r>
-              <a:rPr lang="ru-RU" dirty="0" smtClean="0"/>
-              <a:t>име на файл за новата база </a:t>
-            </a:r>
-            <a:r>
-              <a:rPr lang="ru-RU" dirty="0" smtClean="0"/>
-              <a:t>данни</a:t>
+              <a:t>въведете име на файл за новата база данни</a:t>
             </a:r>
             <a:endParaRPr lang="en-US" dirty="0" smtClean="0"/>
           </a:p>
@@ -18659,11 +20037,7 @@
           <a:p>
             <a:r>
               <a:rPr lang="bg-BG" dirty="0" smtClean="0"/>
-              <a:t>Създаване на </a:t>
-            </a:r>
-            <a:r>
-              <a:rPr lang="bg-BG" dirty="0" smtClean="0"/>
-              <a:t>база данни</a:t>
+              <a:t>Създаване на база данни</a:t>
             </a:r>
             <a:r>
               <a:rPr lang="en-US" dirty="0" smtClean="0"/>
@@ -18715,7 +20089,7 @@
     <a:masterClrMapping/>
   </p:clrMapOvr>
   <mc:AlternateContent xmlns:mc="http://schemas.openxmlformats.org/markup-compatibility/2006">
-    <mc:Choice xmlns:p14="http://schemas.microsoft.com/office/powerpoint/2010/main" xmlns="" Requires="p14">
+    <mc:Choice xmlns="" xmlns:p14="http://schemas.microsoft.com/office/powerpoint/2010/main" Requires="p14">
       <p:transition spd="slow" p14:dur="2000" advClick="0" advTm="5000"/>
     </mc:Choice>
     <mc:Fallback>
@@ -19039,11 +20413,7 @@
             </a:r>
             <a:r>
               <a:rPr lang="en-US" dirty="0" smtClean="0"/>
-              <a:t> </a:t>
-            </a:r>
-            <a:r>
-              <a:rPr lang="en-US" dirty="0" smtClean="0"/>
-              <a:t>(2)</a:t>
+              <a:t> (2)</a:t>
             </a:r>
             <a:endParaRPr lang="en-US" dirty="0"/>
           </a:p>
@@ -19088,7 +20458,7 @@
     <a:masterClrMapping/>
   </p:clrMapOvr>
   <mc:AlternateContent xmlns:mc="http://schemas.openxmlformats.org/markup-compatibility/2006">
-    <mc:Choice xmlns:p14="http://schemas.microsoft.com/office/powerpoint/2010/main" xmlns="" Requires="p14">
+    <mc:Choice xmlns="" xmlns:p14="http://schemas.microsoft.com/office/powerpoint/2010/main" Requires="p14">
       <p:transition spd="slow" p14:dur="2000" advClick="0" advTm="5000"/>
     </mc:Choice>
     <mc:Fallback>
@@ -19283,11 +20653,7 @@
             </a:r>
             <a:r>
               <a:rPr lang="ru-RU" dirty="0" smtClean="0"/>
-              <a:t>предоставя лесен и мощен начин за създаване на </a:t>
-            </a:r>
-            <a:r>
-              <a:rPr lang="ru-RU" dirty="0" smtClean="0"/>
-              <a:t>таблици</a:t>
+              <a:t>предоставя лесен и мощен начин за създаване на таблици</a:t>
             </a:r>
             <a:endParaRPr lang="en-US" dirty="0"/>
           </a:p>
@@ -19348,7 +20714,7 @@
     <a:masterClrMapping/>
   </p:clrMapOvr>
   <mc:AlternateContent xmlns:mc="http://schemas.openxmlformats.org/markup-compatibility/2006">
-    <mc:Choice xmlns:p14="http://schemas.microsoft.com/office/powerpoint/2010/main" xmlns="" Requires="p14">
+    <mc:Choice xmlns="" xmlns:p14="http://schemas.microsoft.com/office/powerpoint/2010/main" Requires="p14">
       <p:transition spd="slow" p14:dur="2000" advClick="0" advTm="5000"/>
     </mc:Choice>
     <mc:Fallback>
@@ -19504,11 +20870,7 @@
             </a:r>
             <a:r>
               <a:rPr lang="bg-BG" dirty="0" smtClean="0"/>
-              <a:t>, в</a:t>
-            </a:r>
-            <a:r>
-              <a:rPr lang="bg-BG" dirty="0" smtClean="0"/>
-              <a:t> групата </a:t>
+              <a:t>, в групата </a:t>
             </a:r>
             <a:r>
               <a:rPr lang="en-US" b="1" dirty="0" smtClean="0">
@@ -19601,11 +20963,7 @@
           <a:p>
             <a:r>
               <a:rPr lang="bg-BG" dirty="0" smtClean="0"/>
-              <a:t>Създаване на таблици </a:t>
-            </a:r>
-            <a:r>
-              <a:rPr lang="bg-BG" dirty="0" smtClean="0"/>
-              <a:t>(2)</a:t>
+              <a:t>Създаване на таблици (2)</a:t>
             </a:r>
             <a:endParaRPr lang="en-US" dirty="0"/>
           </a:p>
@@ -19836,7 +21194,7 @@
     <a:masterClrMapping/>
   </p:clrMapOvr>
   <mc:AlternateContent xmlns:mc="http://schemas.openxmlformats.org/markup-compatibility/2006">
-    <mc:Choice xmlns:p14="http://schemas.microsoft.com/office/powerpoint/2010/main" xmlns="" Requires="p14">
+    <mc:Choice xmlns="" xmlns:p14="http://schemas.microsoft.com/office/powerpoint/2010/main" Requires="p14">
       <p:transition spd="slow" p14:dur="2000" advClick="0" advTm="5000"/>
     </mc:Choice>
     <mc:Fallback>
@@ -20345,7 +21703,7 @@
   <a:extraClrSchemeLst/>
   <a:extLst>
     <a:ext uri="{05A4C25C-085E-4340-85A3-A5531E510DB2}">
-      <thm15:themeFamily xmlns:thm15="http://schemas.microsoft.com/office/thememl/2012/main" xmlns="" name="SoftUni" id="{D61FAD9B-6E74-4E03-BFE4-B363D484F1DA}" vid="{7089C1A3-635B-4B03-A017-DAF10A3A396B}"/>
+      <thm15:themeFamily xmlns="" xmlns:thm15="http://schemas.microsoft.com/office/thememl/2012/main" name="SoftUni" id="{D61FAD9B-6E74-4E03-BFE4-B363D484F1DA}" vid="{7089C1A3-635B-4B03-A017-DAF10A3A396B}"/>
     </a:ext>
   </a:extLst>
 </a:theme>
@@ -20640,7 +21998,7 @@
   <a:extraClrSchemeLst/>
   <a:extLst>
     <a:ext uri="{05A4C25C-085E-4340-85A3-A5531E510DB2}">
-      <thm15:themeFamily xmlns:thm15="http://schemas.microsoft.com/office/thememl/2012/main" xmlns="" name="Office Theme" id="{62F939B6-93AF-4DB8-9C6B-D6C7DFDC589F}" vid="{4A3C46E8-61CC-4603-A589-7422A47A8E4A}"/>
+      <thm15:themeFamily xmlns="" xmlns:thm15="http://schemas.microsoft.com/office/thememl/2012/main" name="Office Theme" id="{62F939B6-93AF-4DB8-9C6B-D6C7DFDC589F}" vid="{4A3C46E8-61CC-4603-A589-7422A47A8E4A}"/>
     </a:ext>
   </a:extLst>
 </a:theme>
@@ -20935,16 +22293,19 @@
   <a:extraClrSchemeLst/>
   <a:extLst>
     <a:ext uri="{05A4C25C-085E-4340-85A3-A5531E510DB2}">
-      <thm15:themeFamily xmlns:thm15="http://schemas.microsoft.com/office/thememl/2012/main" xmlns="" name="Office Theme" id="{62F939B6-93AF-4DB8-9C6B-D6C7DFDC589F}" vid="{4A3C46E8-61CC-4603-A589-7422A47A8E4A}"/>
+      <thm15:themeFamily xmlns="" xmlns:thm15="http://schemas.microsoft.com/office/thememl/2012/main" name="Office Theme" id="{62F939B6-93AF-4DB8-9C6B-D6C7DFDC589F}" vid="{4A3C46E8-61CC-4603-A589-7422A47A8E4A}"/>
     </a:ext>
   </a:extLst>
 </a:theme>
 </file>
 
 <file path=customXml/item1.xml><?xml version="1.0" encoding="utf-8"?>
-<p:properties xmlns:p="http://schemas.microsoft.com/office/2006/metadata/properties" xmlns:xsi="http://www.w3.org/2001/XMLSchema-instance" xmlns:pc="http://schemas.microsoft.com/office/infopath/2007/PartnerControls">
-  <documentManagement/>
-</p:properties>
+<?mso-contentType ?>
+<FormTemplates xmlns="http://schemas.microsoft.com/sharepoint/v3/contenttype/forms">
+  <Display>DocumentLibraryForm</Display>
+  <Edit>DocumentLibraryForm</Edit>
+  <New>DocumentLibraryForm</New>
+</FormTemplates>
 </file>
 
 <file path=customXml/item2.xml><?xml version="1.0" encoding="utf-8"?>
@@ -21120,26 +22481,15 @@
 </file>
 
 <file path=customXml/item3.xml><?xml version="1.0" encoding="utf-8"?>
-<?mso-contentType ?>
-<FormTemplates xmlns="http://schemas.microsoft.com/sharepoint/v3/contenttype/forms">
-  <Display>DocumentLibraryForm</Display>
-  <Edit>DocumentLibraryForm</Edit>
-  <New>DocumentLibraryForm</New>
-</FormTemplates>
+<p:properties xmlns:p="http://schemas.microsoft.com/office/2006/metadata/properties" xmlns:xsi="http://www.w3.org/2001/XMLSchema-instance" xmlns:pc="http://schemas.microsoft.com/office/infopath/2007/PartnerControls">
+  <documentManagement/>
+</p:properties>
 </file>
 
 <file path=customXml/itemProps1.xml><?xml version="1.0" encoding="utf-8"?>
-<ds:datastoreItem xmlns:ds="http://schemas.openxmlformats.org/officeDocument/2006/customXml" ds:itemID="{5E2F4A33-1866-4BB8-8A35-8D6BDFE8D9F5}">
+<ds:datastoreItem xmlns:ds="http://schemas.openxmlformats.org/officeDocument/2006/customXml" ds:itemID="{68A20BEC-F81B-49CD-951D-E62C4BAE7796}">
   <ds:schemaRefs>
-    <ds:schemaRef ds:uri="http://schemas.microsoft.com/office/infopath/2007/PartnerControls"/>
-    <ds:schemaRef ds:uri="http://purl.org/dc/dcmitype/"/>
-    <ds:schemaRef ds:uri="http://schemas.microsoft.com/office/2006/documentManagement/types"/>
-    <ds:schemaRef ds:uri="http://schemas.microsoft.com/office/2006/metadata/properties"/>
-    <ds:schemaRef ds:uri="http://www.w3.org/XML/1998/namespace"/>
-    <ds:schemaRef ds:uri="4f985cec-e092-4bcf-a1e1-b816bd0221d8"/>
-    <ds:schemaRef ds:uri="http://schemas.openxmlformats.org/package/2006/metadata/core-properties"/>
-    <ds:schemaRef ds:uri="http://purl.org/dc/terms/"/>
-    <ds:schemaRef ds:uri="http://purl.org/dc/elements/1.1/"/>
+    <ds:schemaRef ds:uri="http://schemas.microsoft.com/sharepoint/v3/contenttype/forms"/>
   </ds:schemaRefs>
 </ds:datastoreItem>
 </file>
@@ -21163,9 +22513,17 @@
 </file>
 
 <file path=customXml/itemProps3.xml><?xml version="1.0" encoding="utf-8"?>
-<ds:datastoreItem xmlns:ds="http://schemas.openxmlformats.org/officeDocument/2006/customXml" ds:itemID="{68A20BEC-F81B-49CD-951D-E62C4BAE7796}">
+<ds:datastoreItem xmlns:ds="http://schemas.openxmlformats.org/officeDocument/2006/customXml" ds:itemID="{5E2F4A33-1866-4BB8-8A35-8D6BDFE8D9F5}">
   <ds:schemaRefs>
-    <ds:schemaRef ds:uri="http://schemas.microsoft.com/sharepoint/v3/contenttype/forms"/>
+    <ds:schemaRef ds:uri="http://schemas.microsoft.com/office/infopath/2007/PartnerControls"/>
+    <ds:schemaRef ds:uri="http://purl.org/dc/dcmitype/"/>
+    <ds:schemaRef ds:uri="http://schemas.microsoft.com/office/2006/documentManagement/types"/>
+    <ds:schemaRef ds:uri="http://schemas.microsoft.com/office/2006/metadata/properties"/>
+    <ds:schemaRef ds:uri="http://www.w3.org/XML/1998/namespace"/>
+    <ds:schemaRef ds:uri="4f985cec-e092-4bcf-a1e1-b816bd0221d8"/>
+    <ds:schemaRef ds:uri="http://schemas.openxmlformats.org/package/2006/metadata/core-properties"/>
+    <ds:schemaRef ds:uri="http://purl.org/dc/terms/"/>
+    <ds:schemaRef ds:uri="http://purl.org/dc/elements/1.1/"/>
   </ds:schemaRefs>
 </ds:datastoreItem>
 </file>
--- a/Courses/Software-Sciences/Module-3-Databases-New/11-MS-Access/11-MS-Access.pptx
+++ b/Courses/Software-Sciences/Module-3-Databases-New/11-MS-Access/11-MS-Access.pptx
@@ -5,10 +5,10 @@
     <p:sldMasterId id="2147483675" r:id="rId4"/>
   </p:sldMasterIdLst>
   <p:notesMasterIdLst>
-    <p:notesMasterId r:id="rId24"/>
+    <p:notesMasterId r:id="rId31"/>
   </p:notesMasterIdLst>
   <p:handoutMasterIdLst>
-    <p:handoutMasterId r:id="rId25"/>
+    <p:handoutMasterId r:id="rId32"/>
   </p:handoutMasterIdLst>
   <p:sldIdLst>
     <p:sldId id="503" r:id="rId5"/>
@@ -22,14 +22,21 @@
     <p:sldId id="526" r:id="rId13"/>
     <p:sldId id="531" r:id="rId14"/>
     <p:sldId id="532" r:id="rId15"/>
-    <p:sldId id="529" r:id="rId16"/>
-    <p:sldId id="533" r:id="rId17"/>
-    <p:sldId id="535" r:id="rId18"/>
-    <p:sldId id="536" r:id="rId19"/>
-    <p:sldId id="534" r:id="rId20"/>
-    <p:sldId id="349" r:id="rId21"/>
-    <p:sldId id="256" r:id="rId22"/>
-    <p:sldId id="493" r:id="rId23"/>
+    <p:sldId id="541" r:id="rId16"/>
+    <p:sldId id="529" r:id="rId17"/>
+    <p:sldId id="533" r:id="rId18"/>
+    <p:sldId id="535" r:id="rId19"/>
+    <p:sldId id="536" r:id="rId20"/>
+    <p:sldId id="537" r:id="rId21"/>
+    <p:sldId id="538" r:id="rId22"/>
+    <p:sldId id="539" r:id="rId23"/>
+    <p:sldId id="540" r:id="rId24"/>
+    <p:sldId id="542" r:id="rId25"/>
+    <p:sldId id="543" r:id="rId26"/>
+    <p:sldId id="544" r:id="rId27"/>
+    <p:sldId id="349" r:id="rId28"/>
+    <p:sldId id="256" r:id="rId29"/>
+    <p:sldId id="493" r:id="rId30"/>
   </p:sldIdLst>
   <p:sldSz cx="12192000" cy="6858000"/>
   <p:notesSz cx="6858000" cy="9144000"/>
@@ -130,7 +137,7 @@
   </p:defaultTextStyle>
   <p:extLst>
     <p:ext uri="{521415D9-36F7-43E2-AB2F-B90AF26B5E84}">
-      <p14:sectionLst xmlns="" xmlns:p14="http://schemas.microsoft.com/office/powerpoint/2010/main">
+      <p14:sectionLst xmlns:p14="http://schemas.microsoft.com/office/powerpoint/2010/main" xmlns="">
         <p14:section name="Въведение" id="{A0C7653D-1924-4F56-9E27-AA2B21F1DA92}">
           <p14:sldIdLst>
             <p14:sldId id="503"/>
@@ -189,7 +196,7 @@
       </p14:sectionLst>
     </p:ext>
     <p:ext uri="{EFAFB233-063F-42B5-8137-9DF3F51BA10A}">
-      <p15:sldGuideLst xmlns="" xmlns:p15="http://schemas.microsoft.com/office/powerpoint/2012/main">
+      <p15:sldGuideLst xmlns:p15="http://schemas.microsoft.com/office/powerpoint/2012/main" xmlns="">
         <p15:guide id="1" orient="horz" pos="2184" userDrawn="1">
           <p15:clr>
             <a:srgbClr val="A4A3A4"/>
@@ -203,7 +210,7 @@
       </p15:sldGuideLst>
     </p:ext>
     <p:ext uri="{2D200454-40CA-4A62-9FC3-DE9A4176ACB9}">
-      <p15:notesGuideLst xmlns="" xmlns:p15="http://schemas.microsoft.com/office/powerpoint/2012/main"/>
+      <p15:notesGuideLst xmlns:p15="http://schemas.microsoft.com/office/powerpoint/2012/main" xmlns=""/>
     </p:ext>
   </p:extLst>
 </p:presentation>
@@ -236,7 +243,7 @@
           <p:cNvPr id="2" name="Header Placeholder 1">
             <a:extLst>
               <a:ext uri="{FF2B5EF4-FFF2-40B4-BE49-F238E27FC236}">
-                <a16:creationId xmlns="" xmlns:a16="http://schemas.microsoft.com/office/drawing/2014/main" id="{56F20103-83CC-4A54-8FDE-9D37FC2629C0}"/>
+                <a16:creationId xmlns:a16="http://schemas.microsoft.com/office/drawing/2014/main" xmlns="" id="{56F20103-83CC-4A54-8FDE-9D37FC2629C0}"/>
               </a:ext>
             </a:extLst>
           </p:cNvPr>
@@ -273,7 +280,7 @@
           <p:cNvPr id="3" name="Date Placeholder 2">
             <a:extLst>
               <a:ext uri="{FF2B5EF4-FFF2-40B4-BE49-F238E27FC236}">
-                <a16:creationId xmlns="" xmlns:a16="http://schemas.microsoft.com/office/drawing/2014/main" id="{27A53962-26EF-44E4-9E69-61B1727AB1C2}"/>
+                <a16:creationId xmlns:a16="http://schemas.microsoft.com/office/drawing/2014/main" xmlns="" id="{27A53962-26EF-44E4-9E69-61B1727AB1C2}"/>
               </a:ext>
             </a:extLst>
           </p:cNvPr>
@@ -304,7 +311,7 @@
             <a:fld id="{4E087215-0C8F-4762-A664-737A353EC9A4}" type="datetimeFigureOut">
               <a:rPr lang="bg-BG" smtClean="0"/>
               <a:pPr/>
-              <a:t>4.9.2023 г.</a:t>
+              <a:t>5.9.2023 г.</a:t>
             </a:fld>
             <a:endParaRPr lang="bg-BG" dirty="0"/>
           </a:p>
@@ -315,7 +322,7 @@
           <p:cNvPr id="4" name="Footer Placeholder 3">
             <a:extLst>
               <a:ext uri="{FF2B5EF4-FFF2-40B4-BE49-F238E27FC236}">
-                <a16:creationId xmlns="" xmlns:a16="http://schemas.microsoft.com/office/drawing/2014/main" id="{28A6967E-448F-4887-8FCB-34482EFBCC74}"/>
+                <a16:creationId xmlns:a16="http://schemas.microsoft.com/office/drawing/2014/main" xmlns="" id="{28A6967E-448F-4887-8FCB-34482EFBCC74}"/>
               </a:ext>
             </a:extLst>
           </p:cNvPr>
@@ -365,7 +372,7 @@
           <p:cNvPr id="5" name="Slide Number Placeholder 4">
             <a:extLst>
               <a:ext uri="{FF2B5EF4-FFF2-40B4-BE49-F238E27FC236}">
-                <a16:creationId xmlns="" xmlns:a16="http://schemas.microsoft.com/office/drawing/2014/main" id="{8B6554C2-DDBA-40E2-9536-53A07EC50274}"/>
+                <a16:creationId xmlns:a16="http://schemas.microsoft.com/office/drawing/2014/main" xmlns="" id="{8B6554C2-DDBA-40E2-9536-53A07EC50274}"/>
               </a:ext>
             </a:extLst>
           </p:cNvPr>
@@ -405,7 +412,7 @@
     </p:spTree>
     <p:extLst>
       <p:ext uri="{BB962C8B-B14F-4D97-AF65-F5344CB8AC3E}">
-        <p14:creationId xmlns="" xmlns:p14="http://schemas.microsoft.com/office/powerpoint/2010/main" val="4150602968"/>
+        <p14:creationId xmlns:p14="http://schemas.microsoft.com/office/powerpoint/2010/main" xmlns="" val="4150602968"/>
       </p:ext>
     </p:extLst>
   </p:cSld>
@@ -497,7 +504,7 @@
             <a:fld id="{72D84649-876A-46C9-8472-14CB09C070D8}" type="datetimeFigureOut">
               <a:rPr lang="en-US" smtClean="0"/>
               <a:pPr/>
-              <a:t>9/4/2023</a:t>
+              <a:t>9/5/2023</a:t>
             </a:fld>
             <a:endParaRPr lang="en-US" dirty="0"/>
           </a:p>
@@ -636,7 +643,7 @@
           <p:cNvPr id="8" name="Footer Placeholder 7">
             <a:extLst>
               <a:ext uri="{FF2B5EF4-FFF2-40B4-BE49-F238E27FC236}">
-                <a16:creationId xmlns="" xmlns:a16="http://schemas.microsoft.com/office/drawing/2014/main" id="{CAC3A49B-3196-44DF-AC28-085C72EFBFF0}"/>
+                <a16:creationId xmlns:a16="http://schemas.microsoft.com/office/drawing/2014/main" xmlns="" id="{CAC3A49B-3196-44DF-AC28-085C72EFBFF0}"/>
               </a:ext>
             </a:extLst>
           </p:cNvPr>
@@ -684,7 +691,7 @@
     </p:spTree>
     <p:extLst>
       <p:ext uri="{BB962C8B-B14F-4D97-AF65-F5344CB8AC3E}">
-        <p14:creationId xmlns="" xmlns:p14="http://schemas.microsoft.com/office/powerpoint/2010/main" val="1530847692"/>
+        <p14:creationId xmlns:p14="http://schemas.microsoft.com/office/powerpoint/2010/main" xmlns="" val="1530847692"/>
       </p:ext>
     </p:extLst>
   </p:cSld>
@@ -831,7 +838,7 @@
           <p:cNvPr id="8" name="Slide Image Placeholder 7">
             <a:extLst>
               <a:ext uri="{FF2B5EF4-FFF2-40B4-BE49-F238E27FC236}">
-                <a16:creationId xmlns="" xmlns:a16="http://schemas.microsoft.com/office/drawing/2014/main" id="{78811095-27E9-49AB-972B-D4E20B3963A6}"/>
+                <a16:creationId xmlns:a16="http://schemas.microsoft.com/office/drawing/2014/main" xmlns="" id="{78811095-27E9-49AB-972B-D4E20B3963A6}"/>
               </a:ext>
             </a:extLst>
           </p:cNvPr>
@@ -849,7 +856,7 @@
           <p:cNvPr id="9" name="Notes Placeholder 8">
             <a:extLst>
               <a:ext uri="{FF2B5EF4-FFF2-40B4-BE49-F238E27FC236}">
-                <a16:creationId xmlns="" xmlns:a16="http://schemas.microsoft.com/office/drawing/2014/main" id="{E923224B-0CC3-475A-8628-8A90751AE61A}"/>
+                <a16:creationId xmlns:a16="http://schemas.microsoft.com/office/drawing/2014/main" xmlns="" id="{E923224B-0CC3-475A-8628-8A90751AE61A}"/>
               </a:ext>
             </a:extLst>
           </p:cNvPr>
@@ -874,7 +881,7 @@
           <p:cNvPr id="2" name="Footer Placeholder 1">
             <a:extLst>
               <a:ext uri="{FF2B5EF4-FFF2-40B4-BE49-F238E27FC236}">
-                <a16:creationId xmlns="" xmlns:a16="http://schemas.microsoft.com/office/drawing/2014/main" id="{3288A3F3-90B1-4930-8D00-5603BDABEF10}"/>
+                <a16:creationId xmlns:a16="http://schemas.microsoft.com/office/drawing/2014/main" xmlns="" id="{3288A3F3-90B1-4930-8D00-5603BDABEF10}"/>
               </a:ext>
             </a:extLst>
           </p:cNvPr>
@@ -910,7 +917,321 @@
     </p:spTree>
     <p:extLst>
       <p:ext uri="{BB962C8B-B14F-4D97-AF65-F5344CB8AC3E}">
-        <p14:creationId xmlns="" xmlns:p14="http://schemas.microsoft.com/office/powerpoint/2010/main" val="2594489433"/>
+        <p14:creationId xmlns:p14="http://schemas.microsoft.com/office/powerpoint/2010/main" xmlns="" val="2594489433"/>
+      </p:ext>
+    </p:extLst>
+  </p:cSld>
+  <p:clrMapOvr>
+    <a:masterClrMapping/>
+  </p:clrMapOvr>
+</p:notes>
+</file>
+
+<file path=ppt/notesSlides/notesSlide10.xml><?xml version="1.0" encoding="utf-8"?>
+<p:notes xmlns:a="http://schemas.openxmlformats.org/drawingml/2006/main" xmlns:r="http://schemas.openxmlformats.org/officeDocument/2006/relationships" xmlns:p="http://schemas.openxmlformats.org/presentationml/2006/main">
+  <p:cSld>
+    <p:spTree>
+      <p:nvGrpSpPr>
+        <p:cNvPr id="1" name=""/>
+        <p:cNvGrpSpPr/>
+        <p:nvPr/>
+      </p:nvGrpSpPr>
+      <p:grpSpPr>
+        <a:xfrm>
+          <a:off x="0" y="0"/>
+          <a:ext cx="0" cy="0"/>
+          <a:chOff x="0" y="0"/>
+          <a:chExt cx="0" cy="0"/>
+        </a:xfrm>
+      </p:grpSpPr>
+      <p:sp>
+        <p:nvSpPr>
+          <p:cNvPr id="2" name="Slide Image Placeholder 1"/>
+          <p:cNvSpPr>
+            <a:spLocks noGrp="1" noRot="1" noChangeAspect="1"/>
+          </p:cNvSpPr>
+          <p:nvPr>
+            <p:ph type="sldImg"/>
+          </p:nvPr>
+        </p:nvSpPr>
+        <p:spPr/>
+      </p:sp>
+      <p:sp>
+        <p:nvSpPr>
+          <p:cNvPr id="3" name="Notes Placeholder 2"/>
+          <p:cNvSpPr>
+            <a:spLocks noGrp="1"/>
+          </p:cNvSpPr>
+          <p:nvPr>
+            <p:ph type="body" idx="1"/>
+          </p:nvPr>
+        </p:nvSpPr>
+        <p:spPr/>
+        <p:txBody>
+          <a:bodyPr/>
+          <a:lstStyle/>
+          <a:p>
+            <a:endParaRPr lang="x-none"/>
+          </a:p>
+        </p:txBody>
+      </p:sp>
+      <p:sp>
+        <p:nvSpPr>
+          <p:cNvPr id="4" name="Slide Number Placeholder 3"/>
+          <p:cNvSpPr>
+            <a:spLocks noGrp="1"/>
+          </p:cNvSpPr>
+          <p:nvPr>
+            <p:ph type="sldNum" sz="quarter" idx="5"/>
+          </p:nvPr>
+        </p:nvSpPr>
+        <p:spPr/>
+        <p:txBody>
+          <a:bodyPr/>
+          <a:lstStyle/>
+          <a:p>
+            <a:fld id="{85C0F205-FB23-4B4A-AA1E-CC80DEDB9B7E}" type="slidenum">
+              <a:rPr lang="x-none" smtClean="0"/>
+              <a:pPr/>
+              <a:t>25</a:t>
+            </a:fld>
+            <a:endParaRPr lang="x-none"/>
+          </a:p>
+        </p:txBody>
+      </p:sp>
+    </p:spTree>
+    <p:extLst>
+      <p:ext uri="{BB962C8B-B14F-4D97-AF65-F5344CB8AC3E}">
+        <p14:creationId xmlns:p14="http://schemas.microsoft.com/office/powerpoint/2010/main" xmlns="" val="1201445929"/>
+      </p:ext>
+    </p:extLst>
+  </p:cSld>
+  <p:clrMapOvr>
+    <a:masterClrMapping/>
+  </p:clrMapOvr>
+</p:notes>
+</file>
+
+<file path=ppt/notesSlides/notesSlide11.xml><?xml version="1.0" encoding="utf-8"?>
+<p:notes xmlns:a="http://schemas.openxmlformats.org/drawingml/2006/main" xmlns:r="http://schemas.openxmlformats.org/officeDocument/2006/relationships" xmlns:p="http://schemas.openxmlformats.org/presentationml/2006/main">
+  <p:cSld>
+    <p:spTree>
+      <p:nvGrpSpPr>
+        <p:cNvPr id="1" name=""/>
+        <p:cNvGrpSpPr/>
+        <p:nvPr/>
+      </p:nvGrpSpPr>
+      <p:grpSpPr>
+        <a:xfrm>
+          <a:off x="0" y="0"/>
+          <a:ext cx="0" cy="0"/>
+          <a:chOff x="0" y="0"/>
+          <a:chExt cx="0" cy="0"/>
+        </a:xfrm>
+      </p:grpSpPr>
+      <p:sp>
+        <p:nvSpPr>
+          <p:cNvPr id="2" name="Slide Image Placeholder 1"/>
+          <p:cNvSpPr>
+            <a:spLocks noGrp="1" noRot="1" noChangeAspect="1"/>
+          </p:cNvSpPr>
+          <p:nvPr>
+            <p:ph type="sldImg"/>
+          </p:nvPr>
+        </p:nvSpPr>
+        <p:spPr/>
+      </p:sp>
+      <p:sp>
+        <p:nvSpPr>
+          <p:cNvPr id="3" name="Notes Placeholder 2"/>
+          <p:cNvSpPr>
+            <a:spLocks noGrp="1"/>
+          </p:cNvSpPr>
+          <p:nvPr>
+            <p:ph type="body" idx="1"/>
+          </p:nvPr>
+        </p:nvSpPr>
+        <p:spPr/>
+        <p:txBody>
+          <a:bodyPr/>
+          <a:lstStyle/>
+          <a:p>
+            <a:endParaRPr lang="en-US" dirty="0"/>
+          </a:p>
+        </p:txBody>
+      </p:sp>
+      <p:sp>
+        <p:nvSpPr>
+          <p:cNvPr id="6" name="Slide Number Placeholder 5">
+            <a:extLst>
+              <a:ext uri="{FF2B5EF4-FFF2-40B4-BE49-F238E27FC236}">
+                <a16:creationId xmlns:a16="http://schemas.microsoft.com/office/drawing/2014/main" xmlns="" id="{6627548A-4D3C-449B-81A5-FA4BE4628490}"/>
+              </a:ext>
+            </a:extLst>
+          </p:cNvPr>
+          <p:cNvSpPr txBox="1">
+            <a:spLocks/>
+          </p:cNvSpPr>
+          <p:nvPr/>
+        </p:nvSpPr>
+        <p:spPr>
+          <a:xfrm>
+            <a:off x="6488999" y="8847000"/>
+            <a:ext cx="367414" cy="297000"/>
+          </a:xfrm>
+          <a:prstGeom prst="rect">
+            <a:avLst/>
+          </a:prstGeom>
+        </p:spPr>
+        <p:txBody>
+          <a:bodyPr vert="horz" lIns="91440" tIns="45720" rIns="91440" bIns="45720" rtlCol="0" anchor="b"/>
+          <a:lstStyle>
+            <a:defPPr>
+              <a:defRPr lang="en-US"/>
+            </a:defPPr>
+            <a:lvl1pPr marL="0" algn="r" defTabSz="914400" rtl="0" eaLnBrk="1" latinLnBrk="0" hangingPunct="1">
+              <a:defRPr sz="1200" kern="1200">
+                <a:solidFill>
+                  <a:schemeClr val="tx1"/>
+                </a:solidFill>
+                <a:latin typeface="+mn-lt"/>
+                <a:ea typeface="+mn-ea"/>
+                <a:cs typeface="+mn-cs"/>
+              </a:defRPr>
+            </a:lvl1pPr>
+            <a:lvl2pPr marL="457200" algn="l" defTabSz="914400" rtl="0" eaLnBrk="1" latinLnBrk="0" hangingPunct="1">
+              <a:defRPr sz="1800" kern="1200">
+                <a:solidFill>
+                  <a:schemeClr val="tx1"/>
+                </a:solidFill>
+                <a:latin typeface="+mn-lt"/>
+                <a:ea typeface="+mn-ea"/>
+                <a:cs typeface="+mn-cs"/>
+              </a:defRPr>
+            </a:lvl2pPr>
+            <a:lvl3pPr marL="914400" algn="l" defTabSz="914400" rtl="0" eaLnBrk="1" latinLnBrk="0" hangingPunct="1">
+              <a:defRPr sz="1800" kern="1200">
+                <a:solidFill>
+                  <a:schemeClr val="tx1"/>
+                </a:solidFill>
+                <a:latin typeface="+mn-lt"/>
+                <a:ea typeface="+mn-ea"/>
+                <a:cs typeface="+mn-cs"/>
+              </a:defRPr>
+            </a:lvl3pPr>
+            <a:lvl4pPr marL="1371600" algn="l" defTabSz="914400" rtl="0" eaLnBrk="1" latinLnBrk="0" hangingPunct="1">
+              <a:defRPr sz="1800" kern="1200">
+                <a:solidFill>
+                  <a:schemeClr val="tx1"/>
+                </a:solidFill>
+                <a:latin typeface="+mn-lt"/>
+                <a:ea typeface="+mn-ea"/>
+                <a:cs typeface="+mn-cs"/>
+              </a:defRPr>
+            </a:lvl4pPr>
+            <a:lvl5pPr marL="1828800" algn="l" defTabSz="914400" rtl="0" eaLnBrk="1" latinLnBrk="0" hangingPunct="1">
+              <a:defRPr sz="1800" kern="1200">
+                <a:solidFill>
+                  <a:schemeClr val="tx1"/>
+                </a:solidFill>
+                <a:latin typeface="+mn-lt"/>
+                <a:ea typeface="+mn-ea"/>
+                <a:cs typeface="+mn-cs"/>
+              </a:defRPr>
+            </a:lvl5pPr>
+            <a:lvl6pPr marL="2286000" algn="l" defTabSz="914400" rtl="0" eaLnBrk="1" latinLnBrk="0" hangingPunct="1">
+              <a:defRPr sz="1800" kern="1200">
+                <a:solidFill>
+                  <a:schemeClr val="tx1"/>
+                </a:solidFill>
+                <a:latin typeface="+mn-lt"/>
+                <a:ea typeface="+mn-ea"/>
+                <a:cs typeface="+mn-cs"/>
+              </a:defRPr>
+            </a:lvl6pPr>
+            <a:lvl7pPr marL="2743200" algn="l" defTabSz="914400" rtl="0" eaLnBrk="1" latinLnBrk="0" hangingPunct="1">
+              <a:defRPr sz="1800" kern="1200">
+                <a:solidFill>
+                  <a:schemeClr val="tx1"/>
+                </a:solidFill>
+                <a:latin typeface="+mn-lt"/>
+                <a:ea typeface="+mn-ea"/>
+                <a:cs typeface="+mn-cs"/>
+              </a:defRPr>
+            </a:lvl7pPr>
+            <a:lvl8pPr marL="3200400" algn="l" defTabSz="914400" rtl="0" eaLnBrk="1" latinLnBrk="0" hangingPunct="1">
+              <a:defRPr sz="1800" kern="1200">
+                <a:solidFill>
+                  <a:schemeClr val="tx1"/>
+                </a:solidFill>
+                <a:latin typeface="+mn-lt"/>
+                <a:ea typeface="+mn-ea"/>
+                <a:cs typeface="+mn-cs"/>
+              </a:defRPr>
+            </a:lvl8pPr>
+            <a:lvl9pPr marL="3657600" algn="l" defTabSz="914400" rtl="0" eaLnBrk="1" latinLnBrk="0" hangingPunct="1">
+              <a:defRPr sz="1800" kern="1200">
+                <a:solidFill>
+                  <a:schemeClr val="tx1"/>
+                </a:solidFill>
+                <a:latin typeface="+mn-lt"/>
+                <a:ea typeface="+mn-ea"/>
+                <a:cs typeface="+mn-cs"/>
+              </a:defRPr>
+            </a:lvl9pPr>
+          </a:lstStyle>
+          <a:p>
+            <a:fld id="{3EBA5BD7-F043-4D1B-AA17-CD412FC534DE}" type="slidenum">
+              <a:rPr lang="en-US" smtClean="0"/>
+              <a:pPr/>
+              <a:t>26</a:t>
+            </a:fld>
+            <a:endParaRPr lang="en-US" dirty="0"/>
+          </a:p>
+        </p:txBody>
+      </p:sp>
+      <p:sp>
+        <p:nvSpPr>
+          <p:cNvPr id="4" name="Footer Placeholder 3">
+            <a:extLst>
+              <a:ext uri="{FF2B5EF4-FFF2-40B4-BE49-F238E27FC236}">
+                <a16:creationId xmlns:a16="http://schemas.microsoft.com/office/drawing/2014/main" xmlns="" id="{D2472CE7-61C1-4B7B-B0C8-5A45F0178717}"/>
+              </a:ext>
+            </a:extLst>
+          </p:cNvPr>
+          <p:cNvSpPr>
+            <a:spLocks noGrp="1"/>
+          </p:cNvSpPr>
+          <p:nvPr>
+            <p:ph type="ftr" sz="quarter" idx="4"/>
+          </p:nvPr>
+        </p:nvSpPr>
+        <p:spPr/>
+        <p:txBody>
+          <a:bodyPr/>
+          <a:lstStyle/>
+          <a:p>
+            <a:r>
+              <a:rPr lang="en-US" dirty="0"/>
+              <a:t>© SoftUni – </a:t>
+            </a:r>
+            <a:r>
+              <a:rPr lang="en-US" u="sng" dirty="0">
+                <a:hlinkClick r:id="rId3"/>
+              </a:rPr>
+              <a:t>https://softuni.org</a:t>
+            </a:r>
+            <a:r>
+              <a:rPr lang="en-US" dirty="0"/>
+              <a:t>. Copyrighted document. Unauthorized copy or reproduction is not permitted.</a:t>
+            </a:r>
+          </a:p>
+        </p:txBody>
+      </p:sp>
+    </p:spTree>
+    <p:extLst>
+      <p:ext uri="{BB962C8B-B14F-4D97-AF65-F5344CB8AC3E}">
+        <p14:creationId xmlns:p14="http://schemas.microsoft.com/office/powerpoint/2010/main" xmlns="" val="729041308"/>
       </p:ext>
     </p:extLst>
   </p:cSld>
@@ -942,7 +1263,7 @@
           <p:cNvPr id="14" name="Slide Image Placeholder 13">
             <a:extLst>
               <a:ext uri="{FF2B5EF4-FFF2-40B4-BE49-F238E27FC236}">
-                <a16:creationId xmlns="" xmlns:a16="http://schemas.microsoft.com/office/drawing/2014/main" id="{A1F0B3C6-2E53-4CA3-86D1-53D46EC35267}"/>
+                <a16:creationId xmlns:a16="http://schemas.microsoft.com/office/drawing/2014/main" xmlns="" id="{A1F0B3C6-2E53-4CA3-86D1-53D46EC35267}"/>
               </a:ext>
             </a:extLst>
           </p:cNvPr>
@@ -960,7 +1281,7 @@
           <p:cNvPr id="15" name="Notes Placeholder 14">
             <a:extLst>
               <a:ext uri="{FF2B5EF4-FFF2-40B4-BE49-F238E27FC236}">
-                <a16:creationId xmlns="" xmlns:a16="http://schemas.microsoft.com/office/drawing/2014/main" id="{149CC699-A079-49A5-A4D6-73B7F849A7DC}"/>
+                <a16:creationId xmlns:a16="http://schemas.microsoft.com/office/drawing/2014/main" xmlns="" id="{149CC699-A079-49A5-A4D6-73B7F849A7DC}"/>
               </a:ext>
             </a:extLst>
           </p:cNvPr>
@@ -985,7 +1306,7 @@
           <p:cNvPr id="19" name="Slide Number Placeholder 5">
             <a:extLst>
               <a:ext uri="{FF2B5EF4-FFF2-40B4-BE49-F238E27FC236}">
-                <a16:creationId xmlns="" xmlns:a16="http://schemas.microsoft.com/office/drawing/2014/main" id="{121F4233-7E9A-40D2-9066-2DB14E2FA5AD}"/>
+                <a16:creationId xmlns:a16="http://schemas.microsoft.com/office/drawing/2014/main" xmlns="" id="{121F4233-7E9A-40D2-9066-2DB14E2FA5AD}"/>
               </a:ext>
             </a:extLst>
           </p:cNvPr>
@@ -1115,7 +1436,7 @@
           <p:cNvPr id="2" name="Footer Placeholder 1">
             <a:extLst>
               <a:ext uri="{FF2B5EF4-FFF2-40B4-BE49-F238E27FC236}">
-                <a16:creationId xmlns="" xmlns:a16="http://schemas.microsoft.com/office/drawing/2014/main" id="{D18F1DFF-B3E7-4ABF-97EE-0BBF3A961EC5}"/>
+                <a16:creationId xmlns:a16="http://schemas.microsoft.com/office/drawing/2014/main" xmlns="" id="{D18F1DFF-B3E7-4ABF-97EE-0BBF3A961EC5}"/>
               </a:ext>
             </a:extLst>
           </p:cNvPr>
@@ -1151,7 +1472,7 @@
     </p:spTree>
     <p:extLst>
       <p:ext uri="{BB962C8B-B14F-4D97-AF65-F5344CB8AC3E}">
-        <p14:creationId xmlns="" xmlns:p14="http://schemas.microsoft.com/office/powerpoint/2010/main" val="4028530743"/>
+        <p14:creationId xmlns:p14="http://schemas.microsoft.com/office/powerpoint/2010/main" xmlns="" val="4028530743"/>
       </p:ext>
     </p:extLst>
   </p:cSld>
@@ -1459,7 +1780,7 @@
             <a:fld id="{2BF067CD-8E6B-4360-9AA8-C5DF2A48A6D1}" type="slidenum">
               <a:rPr lang="en-US" smtClean="0"/>
               <a:pPr/>
-              <a:t>15</a:t>
+              <a:t>16</a:t>
             </a:fld>
             <a:endParaRPr lang="en-US" dirty="0"/>
           </a:p>
@@ -1547,7 +1868,9 @@
         </p:nvSpPr>
         <p:spPr/>
         <p:txBody>
-          <a:bodyPr/>
+          <a:bodyPr>
+            <a:normAutofit/>
+          </a:bodyPr>
           <a:lstStyle/>
           <a:p>
             <a:endParaRPr lang="en-US" dirty="0"/>
@@ -1556,148 +1879,12 @@
       </p:sp>
       <p:sp>
         <p:nvSpPr>
-          <p:cNvPr id="7" name="Slide Number Placeholder 5">
-            <a:extLst>
-              <a:ext uri="{FF2B5EF4-FFF2-40B4-BE49-F238E27FC236}">
-                <a16:creationId xmlns="" xmlns:a16="http://schemas.microsoft.com/office/drawing/2014/main" id="{E65F1CA9-65DC-416B-8882-B3A5E415CE67}"/>
-              </a:ext>
-            </a:extLst>
-          </p:cNvPr>
-          <p:cNvSpPr txBox="1">
-            <a:spLocks/>
-          </p:cNvSpPr>
-          <p:nvPr/>
-        </p:nvSpPr>
-        <p:spPr>
-          <a:xfrm>
-            <a:off x="6488999" y="8847000"/>
-            <a:ext cx="367414" cy="297000"/>
-          </a:xfrm>
-          <a:prstGeom prst="rect">
-            <a:avLst/>
-          </a:prstGeom>
-        </p:spPr>
-        <p:txBody>
-          <a:bodyPr vert="horz" lIns="91440" tIns="45720" rIns="91440" bIns="45720" rtlCol="0" anchor="b"/>
-          <a:lstStyle>
-            <a:defPPr>
-              <a:defRPr lang="en-US"/>
-            </a:defPPr>
-            <a:lvl1pPr marL="0" algn="r" defTabSz="914400" rtl="0" eaLnBrk="1" latinLnBrk="0" hangingPunct="1">
-              <a:defRPr sz="1200" kern="1200">
-                <a:solidFill>
-                  <a:schemeClr val="tx1"/>
-                </a:solidFill>
-                <a:latin typeface="+mn-lt"/>
-                <a:ea typeface="+mn-ea"/>
-                <a:cs typeface="+mn-cs"/>
-              </a:defRPr>
-            </a:lvl1pPr>
-            <a:lvl2pPr marL="457200" algn="l" defTabSz="914400" rtl="0" eaLnBrk="1" latinLnBrk="0" hangingPunct="1">
-              <a:defRPr sz="1800" kern="1200">
-                <a:solidFill>
-                  <a:schemeClr val="tx1"/>
-                </a:solidFill>
-                <a:latin typeface="+mn-lt"/>
-                <a:ea typeface="+mn-ea"/>
-                <a:cs typeface="+mn-cs"/>
-              </a:defRPr>
-            </a:lvl2pPr>
-            <a:lvl3pPr marL="914400" algn="l" defTabSz="914400" rtl="0" eaLnBrk="1" latinLnBrk="0" hangingPunct="1">
-              <a:defRPr sz="1800" kern="1200">
-                <a:solidFill>
-                  <a:schemeClr val="tx1"/>
-                </a:solidFill>
-                <a:latin typeface="+mn-lt"/>
-                <a:ea typeface="+mn-ea"/>
-                <a:cs typeface="+mn-cs"/>
-              </a:defRPr>
-            </a:lvl3pPr>
-            <a:lvl4pPr marL="1371600" algn="l" defTabSz="914400" rtl="0" eaLnBrk="1" latinLnBrk="0" hangingPunct="1">
-              <a:defRPr sz="1800" kern="1200">
-                <a:solidFill>
-                  <a:schemeClr val="tx1"/>
-                </a:solidFill>
-                <a:latin typeface="+mn-lt"/>
-                <a:ea typeface="+mn-ea"/>
-                <a:cs typeface="+mn-cs"/>
-              </a:defRPr>
-            </a:lvl4pPr>
-            <a:lvl5pPr marL="1828800" algn="l" defTabSz="914400" rtl="0" eaLnBrk="1" latinLnBrk="0" hangingPunct="1">
-              <a:defRPr sz="1800" kern="1200">
-                <a:solidFill>
-                  <a:schemeClr val="tx1"/>
-                </a:solidFill>
-                <a:latin typeface="+mn-lt"/>
-                <a:ea typeface="+mn-ea"/>
-                <a:cs typeface="+mn-cs"/>
-              </a:defRPr>
-            </a:lvl5pPr>
-            <a:lvl6pPr marL="2286000" algn="l" defTabSz="914400" rtl="0" eaLnBrk="1" latinLnBrk="0" hangingPunct="1">
-              <a:defRPr sz="1800" kern="1200">
-                <a:solidFill>
-                  <a:schemeClr val="tx1"/>
-                </a:solidFill>
-                <a:latin typeface="+mn-lt"/>
-                <a:ea typeface="+mn-ea"/>
-                <a:cs typeface="+mn-cs"/>
-              </a:defRPr>
-            </a:lvl6pPr>
-            <a:lvl7pPr marL="2743200" algn="l" defTabSz="914400" rtl="0" eaLnBrk="1" latinLnBrk="0" hangingPunct="1">
-              <a:defRPr sz="1800" kern="1200">
-                <a:solidFill>
-                  <a:schemeClr val="tx1"/>
-                </a:solidFill>
-                <a:latin typeface="+mn-lt"/>
-                <a:ea typeface="+mn-ea"/>
-                <a:cs typeface="+mn-cs"/>
-              </a:defRPr>
-            </a:lvl7pPr>
-            <a:lvl8pPr marL="3200400" algn="l" defTabSz="914400" rtl="0" eaLnBrk="1" latinLnBrk="0" hangingPunct="1">
-              <a:defRPr sz="1800" kern="1200">
-                <a:solidFill>
-                  <a:schemeClr val="tx1"/>
-                </a:solidFill>
-                <a:latin typeface="+mn-lt"/>
-                <a:ea typeface="+mn-ea"/>
-                <a:cs typeface="+mn-cs"/>
-              </a:defRPr>
-            </a:lvl8pPr>
-            <a:lvl9pPr marL="3657600" algn="l" defTabSz="914400" rtl="0" eaLnBrk="1" latinLnBrk="0" hangingPunct="1">
-              <a:defRPr sz="1800" kern="1200">
-                <a:solidFill>
-                  <a:schemeClr val="tx1"/>
-                </a:solidFill>
-                <a:latin typeface="+mn-lt"/>
-                <a:ea typeface="+mn-ea"/>
-                <a:cs typeface="+mn-cs"/>
-              </a:defRPr>
-            </a:lvl9pPr>
-          </a:lstStyle>
-          <a:p>
-            <a:fld id="{3EBA5BD7-F043-4D1B-AA17-CD412FC534DE}" type="slidenum">
-              <a:rPr lang="en-US" smtClean="0"/>
-              <a:pPr/>
-              <a:t>17</a:t>
-            </a:fld>
-            <a:endParaRPr lang="en-US" dirty="0"/>
-          </a:p>
-        </p:txBody>
-      </p:sp>
-      <p:sp>
-        <p:nvSpPr>
-          <p:cNvPr id="4" name="Footer Placeholder 3">
-            <a:extLst>
-              <a:ext uri="{FF2B5EF4-FFF2-40B4-BE49-F238E27FC236}">
-                <a16:creationId xmlns="" xmlns:a16="http://schemas.microsoft.com/office/drawing/2014/main" id="{C5BD11C3-9FCD-4EAE-876D-E766924FAFF2}"/>
-              </a:ext>
-            </a:extLst>
-          </p:cNvPr>
+          <p:cNvPr id="4" name="Slide Number Placeholder 3"/>
           <p:cNvSpPr>
             <a:spLocks noGrp="1"/>
           </p:cNvSpPr>
           <p:nvPr>
-            <p:ph type="ftr" sz="quarter" idx="4"/>
+            <p:ph type="sldNum" sz="quarter" idx="10"/>
           </p:nvPr>
         </p:nvSpPr>
         <p:spPr/>
@@ -1705,29 +1892,49 @@
           <a:bodyPr/>
           <a:lstStyle/>
           <a:p>
-            <a:r>
-              <a:rPr lang="en-US" dirty="0"/>
+            <a:fld id="{2BF067CD-8E6B-4360-9AA8-C5DF2A48A6D1}" type="slidenum">
+              <a:rPr lang="en-US" smtClean="0"/>
+              <a:pPr/>
+              <a:t>17</a:t>
+            </a:fld>
+            <a:endParaRPr lang="en-US" dirty="0"/>
+          </a:p>
+        </p:txBody>
+      </p:sp>
+      <p:sp>
+        <p:nvSpPr>
+          <p:cNvPr id="5" name="Footer Placeholder 4"/>
+          <p:cNvSpPr>
+            <a:spLocks noGrp="1"/>
+          </p:cNvSpPr>
+          <p:nvPr>
+            <p:ph type="ftr" sz="quarter" idx="11"/>
+          </p:nvPr>
+        </p:nvSpPr>
+        <p:spPr/>
+        <p:txBody>
+          <a:bodyPr/>
+          <a:lstStyle/>
+          <a:p>
+            <a:r>
+              <a:rPr lang="en-US" smtClean="0"/>
               <a:t>© SoftUni – </a:t>
             </a:r>
             <a:r>
-              <a:rPr lang="en-US" u="sng" dirty="0">
+              <a:rPr lang="en-US" u="sng" smtClean="0">
                 <a:hlinkClick r:id="rId3"/>
               </a:rPr>
               <a:t>https://softuni.org</a:t>
             </a:r>
             <a:r>
-              <a:rPr lang="en-US" dirty="0"/>
+              <a:rPr lang="en-US" smtClean="0"/>
               <a:t>. Copyrighted document. Unauthorized copy or reproduction is not permitted.</a:t>
             </a:r>
+            <a:endParaRPr lang="en-US" dirty="0"/>
           </a:p>
         </p:txBody>
       </p:sp>
     </p:spTree>
-    <p:extLst>
-      <p:ext uri="{BB962C8B-B14F-4D97-AF65-F5344CB8AC3E}">
-        <p14:creationId xmlns="" xmlns:p14="http://schemas.microsoft.com/office/powerpoint/2010/main" val="1860974293"/>
-      </p:ext>
-    </p:extLst>
   </p:cSld>
   <p:clrMapOvr>
     <a:masterClrMapping/>
@@ -1776,10 +1983,12 @@
         </p:nvSpPr>
         <p:spPr/>
         <p:txBody>
-          <a:bodyPr/>
+          <a:bodyPr>
+            <a:normAutofit/>
+          </a:bodyPr>
           <a:lstStyle/>
           <a:p>
-            <a:endParaRPr lang="x-none"/>
+            <a:endParaRPr lang="en-US" dirty="0"/>
           </a:p>
         </p:txBody>
       </p:sp>
@@ -1790,7 +1999,7 @@
             <a:spLocks noGrp="1"/>
           </p:cNvSpPr>
           <p:nvPr>
-            <p:ph type="sldNum" sz="quarter" idx="5"/>
+            <p:ph type="sldNum" sz="quarter" idx="10"/>
           </p:nvPr>
         </p:nvSpPr>
         <p:spPr/>
@@ -1798,21 +2007,49 @@
           <a:bodyPr/>
           <a:lstStyle/>
           <a:p>
-            <a:fld id="{85C0F205-FB23-4B4A-AA1E-CC80DEDB9B7E}" type="slidenum">
-              <a:rPr lang="x-none" smtClean="0"/>
+            <a:fld id="{2BF067CD-8E6B-4360-9AA8-C5DF2A48A6D1}" type="slidenum">
+              <a:rPr lang="en-US" smtClean="0"/>
               <a:pPr/>
               <a:t>18</a:t>
             </a:fld>
-            <a:endParaRPr lang="x-none"/>
+            <a:endParaRPr lang="en-US" dirty="0"/>
+          </a:p>
+        </p:txBody>
+      </p:sp>
+      <p:sp>
+        <p:nvSpPr>
+          <p:cNvPr id="5" name="Footer Placeholder 4"/>
+          <p:cNvSpPr>
+            <a:spLocks noGrp="1"/>
+          </p:cNvSpPr>
+          <p:nvPr>
+            <p:ph type="ftr" sz="quarter" idx="11"/>
+          </p:nvPr>
+        </p:nvSpPr>
+        <p:spPr/>
+        <p:txBody>
+          <a:bodyPr/>
+          <a:lstStyle/>
+          <a:p>
+            <a:r>
+              <a:rPr lang="en-US" smtClean="0"/>
+              <a:t>© SoftUni – </a:t>
+            </a:r>
+            <a:r>
+              <a:rPr lang="en-US" u="sng" smtClean="0">
+                <a:hlinkClick r:id="rId3"/>
+              </a:rPr>
+              <a:t>https://softuni.org</a:t>
+            </a:r>
+            <a:r>
+              <a:rPr lang="en-US" smtClean="0"/>
+              <a:t>. Copyrighted document. Unauthorized copy or reproduction is not permitted.</a:t>
+            </a:r>
+            <a:endParaRPr lang="en-US" dirty="0"/>
           </a:p>
         </p:txBody>
       </p:sp>
     </p:spTree>
-    <p:extLst>
-      <p:ext uri="{BB962C8B-B14F-4D97-AF65-F5344CB8AC3E}">
-        <p14:creationId xmlns="" xmlns:p14="http://schemas.microsoft.com/office/powerpoint/2010/main" val="1201445929"/>
-      </p:ext>
-    </p:extLst>
   </p:cSld>
   <p:clrMapOvr>
     <a:masterClrMapping/>
@@ -1861,7 +2098,9 @@
         </p:nvSpPr>
         <p:spPr/>
         <p:txBody>
-          <a:bodyPr/>
+          <a:bodyPr>
+            <a:normAutofit/>
+          </a:bodyPr>
           <a:lstStyle/>
           <a:p>
             <a:endParaRPr lang="en-US" dirty="0"/>
@@ -1870,10 +2109,123 @@
       </p:sp>
       <p:sp>
         <p:nvSpPr>
-          <p:cNvPr id="6" name="Slide Number Placeholder 5">
+          <p:cNvPr id="4" name="Slide Number Placeholder 3"/>
+          <p:cNvSpPr>
+            <a:spLocks noGrp="1"/>
+          </p:cNvSpPr>
+          <p:nvPr>
+            <p:ph type="sldNum" sz="quarter" idx="10"/>
+          </p:nvPr>
+        </p:nvSpPr>
+        <p:spPr/>
+        <p:txBody>
+          <a:bodyPr/>
+          <a:lstStyle/>
+          <a:p>
+            <a:fld id="{2BF067CD-8E6B-4360-9AA8-C5DF2A48A6D1}" type="slidenum">
+              <a:rPr lang="en-US" smtClean="0"/>
+              <a:pPr/>
+              <a:t>19</a:t>
+            </a:fld>
+            <a:endParaRPr lang="en-US" dirty="0"/>
+          </a:p>
+        </p:txBody>
+      </p:sp>
+      <p:sp>
+        <p:nvSpPr>
+          <p:cNvPr id="5" name="Footer Placeholder 4"/>
+          <p:cNvSpPr>
+            <a:spLocks noGrp="1"/>
+          </p:cNvSpPr>
+          <p:nvPr>
+            <p:ph type="ftr" sz="quarter" idx="11"/>
+          </p:nvPr>
+        </p:nvSpPr>
+        <p:spPr/>
+        <p:txBody>
+          <a:bodyPr/>
+          <a:lstStyle/>
+          <a:p>
+            <a:r>
+              <a:rPr lang="en-US" smtClean="0"/>
+              <a:t>© SoftUni – </a:t>
+            </a:r>
+            <a:r>
+              <a:rPr lang="en-US" u="sng" smtClean="0">
+                <a:hlinkClick r:id="rId3"/>
+              </a:rPr>
+              <a:t>https://softuni.org</a:t>
+            </a:r>
+            <a:r>
+              <a:rPr lang="en-US" smtClean="0"/>
+              <a:t>. Copyrighted document. Unauthorized copy or reproduction is not permitted.</a:t>
+            </a:r>
+            <a:endParaRPr lang="en-US" dirty="0"/>
+          </a:p>
+        </p:txBody>
+      </p:sp>
+    </p:spTree>
+  </p:cSld>
+  <p:clrMapOvr>
+    <a:masterClrMapping/>
+  </p:clrMapOvr>
+</p:notes>
+</file>
+
+<file path=ppt/notesSlides/notesSlide9.xml><?xml version="1.0" encoding="utf-8"?>
+<p:notes xmlns:a="http://schemas.openxmlformats.org/drawingml/2006/main" xmlns:r="http://schemas.openxmlformats.org/officeDocument/2006/relationships" xmlns:p="http://schemas.openxmlformats.org/presentationml/2006/main">
+  <p:cSld>
+    <p:spTree>
+      <p:nvGrpSpPr>
+        <p:cNvPr id="1" name=""/>
+        <p:cNvGrpSpPr/>
+        <p:nvPr/>
+      </p:nvGrpSpPr>
+      <p:grpSpPr>
+        <a:xfrm>
+          <a:off x="0" y="0"/>
+          <a:ext cx="0" cy="0"/>
+          <a:chOff x="0" y="0"/>
+          <a:chExt cx="0" cy="0"/>
+        </a:xfrm>
+      </p:grpSpPr>
+      <p:sp>
+        <p:nvSpPr>
+          <p:cNvPr id="2" name="Slide Image Placeholder 1"/>
+          <p:cNvSpPr>
+            <a:spLocks noGrp="1" noRot="1" noChangeAspect="1"/>
+          </p:cNvSpPr>
+          <p:nvPr>
+            <p:ph type="sldImg"/>
+          </p:nvPr>
+        </p:nvSpPr>
+        <p:spPr/>
+      </p:sp>
+      <p:sp>
+        <p:nvSpPr>
+          <p:cNvPr id="3" name="Notes Placeholder 2"/>
+          <p:cNvSpPr>
+            <a:spLocks noGrp="1"/>
+          </p:cNvSpPr>
+          <p:nvPr>
+            <p:ph type="body" idx="1"/>
+          </p:nvPr>
+        </p:nvSpPr>
+        <p:spPr/>
+        <p:txBody>
+          <a:bodyPr/>
+          <a:lstStyle/>
+          <a:p>
+            <a:endParaRPr lang="en-US" dirty="0"/>
+          </a:p>
+        </p:txBody>
+      </p:sp>
+      <p:sp>
+        <p:nvSpPr>
+          <p:cNvPr id="7" name="Slide Number Placeholder 5">
             <a:extLst>
               <a:ext uri="{FF2B5EF4-FFF2-40B4-BE49-F238E27FC236}">
-                <a16:creationId xmlns="" xmlns:a16="http://schemas.microsoft.com/office/drawing/2014/main" id="{6627548A-4D3C-449B-81A5-FA4BE4628490}"/>
+                <a16:creationId xmlns:a16="http://schemas.microsoft.com/office/drawing/2014/main" xmlns="" id="{E65F1CA9-65DC-416B-8882-B3A5E415CE67}"/>
               </a:ext>
             </a:extLst>
           </p:cNvPr>
@@ -1992,7 +2344,7 @@
             <a:fld id="{3EBA5BD7-F043-4D1B-AA17-CD412FC534DE}" type="slidenum">
               <a:rPr lang="en-US" smtClean="0"/>
               <a:pPr/>
-              <a:t>19</a:t>
+              <a:t>24</a:t>
             </a:fld>
             <a:endParaRPr lang="en-US" dirty="0"/>
           </a:p>
@@ -2003,7 +2355,7 @@
           <p:cNvPr id="4" name="Footer Placeholder 3">
             <a:extLst>
               <a:ext uri="{FF2B5EF4-FFF2-40B4-BE49-F238E27FC236}">
-                <a16:creationId xmlns="" xmlns:a16="http://schemas.microsoft.com/office/drawing/2014/main" id="{D2472CE7-61C1-4B7B-B0C8-5A45F0178717}"/>
+                <a16:creationId xmlns:a16="http://schemas.microsoft.com/office/drawing/2014/main" xmlns="" id="{C5BD11C3-9FCD-4EAE-876D-E766924FAFF2}"/>
               </a:ext>
             </a:extLst>
           </p:cNvPr>
@@ -2039,7 +2391,7 @@
     </p:spTree>
     <p:extLst>
       <p:ext uri="{BB962C8B-B14F-4D97-AF65-F5344CB8AC3E}">
-        <p14:creationId xmlns="" xmlns:p14="http://schemas.microsoft.com/office/powerpoint/2010/main" val="729041308"/>
+        <p14:creationId xmlns:p14="http://schemas.microsoft.com/office/powerpoint/2010/main" xmlns="" val="1860974293"/>
       </p:ext>
     </p:extLst>
   </p:cSld>
@@ -2071,7 +2423,7 @@
           <p:cNvPr id="16" name="Rectangle Bottom">
             <a:extLst>
               <a:ext uri="{FF2B5EF4-FFF2-40B4-BE49-F238E27FC236}">
-                <a16:creationId xmlns="" xmlns:a16="http://schemas.microsoft.com/office/drawing/2014/main" id="{6854D183-0374-4B3E-B2CE-32F308A81591}"/>
+                <a16:creationId xmlns:a16="http://schemas.microsoft.com/office/drawing/2014/main" xmlns="" id="{6854D183-0374-4B3E-B2CE-32F308A81591}"/>
               </a:ext>
             </a:extLst>
           </p:cNvPr>
@@ -2152,7 +2504,7 @@
           <p:cNvPr id="14" name="Picture Logo SoftUni" descr="SoftUni logo">
             <a:extLst>
               <a:ext uri="{FF2B5EF4-FFF2-40B4-BE49-F238E27FC236}">
-                <a16:creationId xmlns="" xmlns:a16="http://schemas.microsoft.com/office/drawing/2014/main" id="{C4D6B2A2-DFF0-4712-BFEC-6676BEC99FEC}"/>
+                <a16:creationId xmlns:a16="http://schemas.microsoft.com/office/drawing/2014/main" xmlns="" id="{C4D6B2A2-DFF0-4712-BFEC-6676BEC99FEC}"/>
               </a:ext>
             </a:extLst>
           </p:cNvPr>
@@ -2175,7 +2527,7 @@
             </a:clrChange>
             <a:extLst>
               <a:ext uri="{28A0092B-C50C-407E-A947-70E740481C1C}">
-                <a14:useLocalDpi xmlns="" xmlns:a14="http://schemas.microsoft.com/office/drawing/2010/main" val="0"/>
+                <a14:useLocalDpi xmlns:a14="http://schemas.microsoft.com/office/drawing/2010/main" xmlns="" val="0"/>
               </a:ext>
             </a:extLst>
           </a:blip>
@@ -2198,7 +2550,7 @@
           <p:cNvPr id="31" name="Text Placeholder Company Site">
             <a:extLst>
               <a:ext uri="{FF2B5EF4-FFF2-40B4-BE49-F238E27FC236}">
-                <a16:creationId xmlns="" xmlns:a16="http://schemas.microsoft.com/office/drawing/2014/main" id="{3E6B87B7-9D33-4EBB-BD4F-C0436BA3FD72}"/>
+                <a16:creationId xmlns:a16="http://schemas.microsoft.com/office/drawing/2014/main" xmlns="" id="{3E6B87B7-9D33-4EBB-BD4F-C0436BA3FD72}"/>
               </a:ext>
             </a:extLst>
           </p:cNvPr>
@@ -2260,7 +2612,7 @@
           <p:cNvPr id="30" name="Text Placeholder Company Name">
             <a:extLst>
               <a:ext uri="{FF2B5EF4-FFF2-40B4-BE49-F238E27FC236}">
-                <a16:creationId xmlns="" xmlns:a16="http://schemas.microsoft.com/office/drawing/2014/main" id="{2EA92DCA-4DB5-4D03-ACD3-A6A296592D0C}"/>
+                <a16:creationId xmlns:a16="http://schemas.microsoft.com/office/drawing/2014/main" xmlns="" id="{2EA92DCA-4DB5-4D03-ACD3-A6A296592D0C}"/>
               </a:ext>
             </a:extLst>
           </p:cNvPr>
@@ -2322,7 +2674,7 @@
           <p:cNvPr id="35" name="Picture SoftUni Mascot" descr="SoftUni mascot">
             <a:extLst>
               <a:ext uri="{FF2B5EF4-FFF2-40B4-BE49-F238E27FC236}">
-                <a16:creationId xmlns="" xmlns:a16="http://schemas.microsoft.com/office/drawing/2014/main" id="{951E7DA9-C5F0-43D9-B013-3BDF9EEF029D}"/>
+                <a16:creationId xmlns:a16="http://schemas.microsoft.com/office/drawing/2014/main" xmlns="" id="{951E7DA9-C5F0-43D9-B013-3BDF9EEF029D}"/>
               </a:ext>
             </a:extLst>
           </p:cNvPr>
@@ -2335,7 +2687,7 @@
           <a:blip r:embed="rId3" cstate="print">
             <a:extLst>
               <a:ext uri="{28A0092B-C50C-407E-A947-70E740481C1C}">
-                <a14:useLocalDpi xmlns="" xmlns:a14="http://schemas.microsoft.com/office/drawing/2010/main" val="0"/>
+                <a14:useLocalDpi xmlns:a14="http://schemas.microsoft.com/office/drawing/2010/main" xmlns="" val="0"/>
               </a:ext>
             </a:extLst>
           </a:blip>
@@ -2358,7 +2710,7 @@
             <a:hlinkClick r:id="rId4"/>
             <a:extLst>
               <a:ext uri="{FF2B5EF4-FFF2-40B4-BE49-F238E27FC236}">
-                <a16:creationId xmlns="" xmlns:a16="http://schemas.microsoft.com/office/drawing/2014/main" id="{F2315EB3-3FE4-4D3B-921E-5F209CEC13CB}"/>
+                <a16:creationId xmlns:a16="http://schemas.microsoft.com/office/drawing/2014/main" xmlns="" id="{F2315EB3-3FE4-4D3B-921E-5F209CEC13CB}"/>
               </a:ext>
             </a:extLst>
           </p:cNvPr>
@@ -2381,7 +2733,7 @@
             </a:clrChange>
             <a:extLst>
               <a:ext uri="{28A0092B-C50C-407E-A947-70E740481C1C}">
-                <a14:useLocalDpi xmlns="" xmlns:a14="http://schemas.microsoft.com/office/drawing/2010/main" val="0"/>
+                <a14:useLocalDpi xmlns:a14="http://schemas.microsoft.com/office/drawing/2010/main" xmlns="" val="0"/>
               </a:ext>
             </a:extLst>
           </a:blip>
@@ -2404,7 +2756,7 @@
           <p:cNvPr id="40" name="Text Placeholder Author Position">
             <a:extLst>
               <a:ext uri="{FF2B5EF4-FFF2-40B4-BE49-F238E27FC236}">
-                <a16:creationId xmlns="" xmlns:a16="http://schemas.microsoft.com/office/drawing/2014/main" id="{CD940256-851E-46C8-8BFB-A5ECA6C7DA07}"/>
+                <a16:creationId xmlns:a16="http://schemas.microsoft.com/office/drawing/2014/main" xmlns="" id="{CD940256-851E-46C8-8BFB-A5ECA6C7DA07}"/>
               </a:ext>
             </a:extLst>
           </p:cNvPr>
@@ -2464,7 +2816,7 @@
           <p:cNvPr id="36" name="Text Placeholder Author Name">
             <a:extLst>
               <a:ext uri="{FF2B5EF4-FFF2-40B4-BE49-F238E27FC236}">
-                <a16:creationId xmlns="" xmlns:a16="http://schemas.microsoft.com/office/drawing/2014/main" id="{3B21F47B-DE1F-442D-A2B7-6866F8786704}"/>
+                <a16:creationId xmlns:a16="http://schemas.microsoft.com/office/drawing/2014/main" xmlns="" id="{3B21F47B-DE1F-442D-A2B7-6866F8786704}"/>
               </a:ext>
             </a:extLst>
           </p:cNvPr>
@@ -2524,7 +2876,7 @@
           <p:cNvPr id="33" name="Picture Placeholder Title Image">
             <a:extLst>
               <a:ext uri="{FF2B5EF4-FFF2-40B4-BE49-F238E27FC236}">
-                <a16:creationId xmlns="" xmlns:a16="http://schemas.microsoft.com/office/drawing/2014/main" id="{A04D819A-89E2-4714-8C56-1838BF467EF7}"/>
+                <a16:creationId xmlns:a16="http://schemas.microsoft.com/office/drawing/2014/main" xmlns="" id="{A04D819A-89E2-4714-8C56-1838BF467EF7}"/>
               </a:ext>
             </a:extLst>
           </p:cNvPr>
@@ -2566,7 +2918,7 @@
           <p:cNvPr id="43" name="Presentation Subtitle">
             <a:extLst>
               <a:ext uri="{FF2B5EF4-FFF2-40B4-BE49-F238E27FC236}">
-                <a16:creationId xmlns="" xmlns:a16="http://schemas.microsoft.com/office/drawing/2014/main" id="{37BDB812-1395-4B02-ABCF-6A331EEE23E5}"/>
+                <a16:creationId xmlns:a16="http://schemas.microsoft.com/office/drawing/2014/main" xmlns="" id="{37BDB812-1395-4B02-ABCF-6A331EEE23E5}"/>
               </a:ext>
             </a:extLst>
           </p:cNvPr>
@@ -2610,7 +2962,7 @@
           <p:cNvPr id="2" name="Presentation Title">
             <a:extLst>
               <a:ext uri="{FF2B5EF4-FFF2-40B4-BE49-F238E27FC236}">
-                <a16:creationId xmlns="" xmlns:a16="http://schemas.microsoft.com/office/drawing/2014/main" id="{A4DF3AB8-E6E3-4FCE-8A4A-ECD147720A5D}"/>
+                <a16:creationId xmlns:a16="http://schemas.microsoft.com/office/drawing/2014/main" xmlns="" id="{A4DF3AB8-E6E3-4FCE-8A4A-ECD147720A5D}"/>
               </a:ext>
             </a:extLst>
           </p:cNvPr>
@@ -2645,7 +2997,7 @@
     </p:spTree>
     <p:extLst>
       <p:ext uri="{BB962C8B-B14F-4D97-AF65-F5344CB8AC3E}">
-        <p14:creationId xmlns="" xmlns:p14="http://schemas.microsoft.com/office/powerpoint/2010/main" val="970179299"/>
+        <p14:creationId xmlns:p14="http://schemas.microsoft.com/office/powerpoint/2010/main" xmlns="" val="970179299"/>
       </p:ext>
     </p:extLst>
   </p:cSld>
@@ -2653,7 +3005,7 @@
     <a:masterClrMapping/>
   </p:clrMapOvr>
   <mc:AlternateContent xmlns:mc="http://schemas.openxmlformats.org/markup-compatibility/2006">
-    <mc:Choice xmlns="" xmlns:p14="http://schemas.microsoft.com/office/powerpoint/2010/main" Requires="p14">
+    <mc:Choice xmlns:p14="http://schemas.microsoft.com/office/powerpoint/2010/main" xmlns="" Requires="p14">
       <p:transition spd="slow" p14:dur="2000" advClick="0" advTm="5000"/>
     </mc:Choice>
     <mc:Fallback>
@@ -2662,7 +3014,7 @@
   </mc:AlternateContent>
   <p:extLst>
     <p:ext uri="{DCECCB84-F9BA-43D5-87BE-67443E8EF086}">
-      <p15:sldGuideLst xmlns="" xmlns:p15="http://schemas.microsoft.com/office/powerpoint/2012/main">
+      <p15:sldGuideLst xmlns:p15="http://schemas.microsoft.com/office/powerpoint/2012/main" xmlns="">
         <p15:guide id="1" orient="horz" pos="2160">
           <p15:clr>
             <a:srgbClr val="FBAE40"/>
@@ -2701,7 +3053,7 @@
           <p:cNvPr id="15" name="Slide Number">
             <a:extLst>
               <a:ext uri="{FF2B5EF4-FFF2-40B4-BE49-F238E27FC236}">
-                <a16:creationId xmlns="" xmlns:a16="http://schemas.microsoft.com/office/drawing/2014/main" id="{F888EE71-82B3-40F1-A63F-7417422FB4A4}"/>
+                <a16:creationId xmlns:a16="http://schemas.microsoft.com/office/drawing/2014/main" xmlns="" id="{F888EE71-82B3-40F1-A63F-7417422FB4A4}"/>
               </a:ext>
             </a:extLst>
           </p:cNvPr>
@@ -2743,7 +3095,7 @@
           <p:cNvPr id="14" name="Text Placeholder Body">
             <a:extLst>
               <a:ext uri="{FF2B5EF4-FFF2-40B4-BE49-F238E27FC236}">
-                <a16:creationId xmlns="" xmlns:a16="http://schemas.microsoft.com/office/drawing/2014/main" id="{A2ABE920-240F-4CF6-AD45-23ED489FAD6E}"/>
+                <a16:creationId xmlns:a16="http://schemas.microsoft.com/office/drawing/2014/main" xmlns="" id="{A2ABE920-240F-4CF6-AD45-23ED489FAD6E}"/>
               </a:ext>
             </a:extLst>
           </p:cNvPr>
@@ -3049,7 +3401,7 @@
           <p:cNvPr id="10" name="Rectangle Down">
             <a:extLst>
               <a:ext uri="{FF2B5EF4-FFF2-40B4-BE49-F238E27FC236}">
-                <a16:creationId xmlns="" xmlns:a16="http://schemas.microsoft.com/office/drawing/2014/main" id="{E9B994EC-35A8-4A11-98CB-25DC28852F94}"/>
+                <a16:creationId xmlns:a16="http://schemas.microsoft.com/office/drawing/2014/main" xmlns="" id="{E9B994EC-35A8-4A11-98CB-25DC28852F94}"/>
               </a:ext>
             </a:extLst>
           </p:cNvPr>
@@ -3130,7 +3482,7 @@
           <p:cNvPr id="11" name="Rectangle Top">
             <a:extLst>
               <a:ext uri="{FF2B5EF4-FFF2-40B4-BE49-F238E27FC236}">
-                <a16:creationId xmlns="" xmlns:a16="http://schemas.microsoft.com/office/drawing/2014/main" id="{274B8F05-DFCE-47BD-BAFD-DF93E1A63BDD}"/>
+                <a16:creationId xmlns:a16="http://schemas.microsoft.com/office/drawing/2014/main" xmlns="" id="{274B8F05-DFCE-47BD-BAFD-DF93E1A63BDD}"/>
               </a:ext>
             </a:extLst>
           </p:cNvPr>
@@ -3211,7 +3563,7 @@
           <p:cNvPr id="12" name="Logo Software University" descr="Software University logo">
             <a:extLst>
               <a:ext uri="{FF2B5EF4-FFF2-40B4-BE49-F238E27FC236}">
-                <a16:creationId xmlns="" xmlns:a16="http://schemas.microsoft.com/office/drawing/2014/main" id="{233CBB95-791E-4630-B3D9-FADFCE7BCF52}"/>
+                <a16:creationId xmlns:a16="http://schemas.microsoft.com/office/drawing/2014/main" xmlns="" id="{233CBB95-791E-4630-B3D9-FADFCE7BCF52}"/>
               </a:ext>
             </a:extLst>
           </p:cNvPr>
@@ -3224,7 +3576,7 @@
           <a:blip r:embed="rId2" cstate="print">
             <a:extLst>
               <a:ext uri="{28A0092B-C50C-407E-A947-70E740481C1C}">
-                <a14:useLocalDpi xmlns="" xmlns:a14="http://schemas.microsoft.com/office/drawing/2010/main" val="0"/>
+                <a14:useLocalDpi xmlns:a14="http://schemas.microsoft.com/office/drawing/2010/main" xmlns="" val="0"/>
               </a:ext>
             </a:extLst>
           </a:blip>
@@ -3247,7 +3599,7 @@
           <p:cNvPr id="13" name="Slide Title">
             <a:extLst>
               <a:ext uri="{FF2B5EF4-FFF2-40B4-BE49-F238E27FC236}">
-                <a16:creationId xmlns="" xmlns:a16="http://schemas.microsoft.com/office/drawing/2014/main" id="{3F218E34-55D7-4290-BFE4-80F31F941551}"/>
+                <a16:creationId xmlns:a16="http://schemas.microsoft.com/office/drawing/2014/main" xmlns="" id="{3F218E34-55D7-4290-BFE4-80F31F941551}"/>
               </a:ext>
             </a:extLst>
           </p:cNvPr>
@@ -3286,7 +3638,7 @@
     </p:spTree>
     <p:extLst>
       <p:ext uri="{BB962C8B-B14F-4D97-AF65-F5344CB8AC3E}">
-        <p14:creationId xmlns="" xmlns:p14="http://schemas.microsoft.com/office/powerpoint/2010/main" val="3774019400"/>
+        <p14:creationId xmlns:p14="http://schemas.microsoft.com/office/powerpoint/2010/main" xmlns="" val="3774019400"/>
       </p:ext>
     </p:extLst>
   </p:cSld>
@@ -3294,7 +3646,7 @@
     <a:masterClrMapping/>
   </p:clrMapOvr>
   <mc:AlternateContent xmlns:mc="http://schemas.openxmlformats.org/markup-compatibility/2006">
-    <mc:Choice xmlns="" xmlns:p14="http://schemas.microsoft.com/office/powerpoint/2010/main" Requires="p14">
+    <mc:Choice xmlns:p14="http://schemas.microsoft.com/office/powerpoint/2010/main" xmlns="" Requires="p14">
       <p:transition spd="slow" p14:dur="2000" advClick="0" advTm="5000"/>
     </mc:Choice>
     <mc:Fallback>
@@ -3334,7 +3686,7 @@
           <p:cNvPr id="35" name="Rectangle Bottom">
             <a:extLst>
               <a:ext uri="{FF2B5EF4-FFF2-40B4-BE49-F238E27FC236}">
-                <a16:creationId xmlns="" xmlns:a16="http://schemas.microsoft.com/office/drawing/2014/main" id="{550A59F9-9A9D-4956-95B4-F78CC0DB1D59}"/>
+                <a16:creationId xmlns:a16="http://schemas.microsoft.com/office/drawing/2014/main" xmlns="" id="{550A59F9-9A9D-4956-95B4-F78CC0DB1D59}"/>
               </a:ext>
             </a:extLst>
           </p:cNvPr>
@@ -3415,7 +3767,7 @@
           <p:cNvPr id="53" name="Rectangle Bottom Copyright">
             <a:extLst>
               <a:ext uri="{FF2B5EF4-FFF2-40B4-BE49-F238E27FC236}">
-                <a16:creationId xmlns="" xmlns:a16="http://schemas.microsoft.com/office/drawing/2014/main" id="{B07FB7FB-DA6C-4F5D-B068-357F0FCE27D8}"/>
+                <a16:creationId xmlns:a16="http://schemas.microsoft.com/office/drawing/2014/main" xmlns="" id="{B07FB7FB-DA6C-4F5D-B068-357F0FCE27D8}"/>
               </a:ext>
             </a:extLst>
           </p:cNvPr>
@@ -3472,7 +3824,7 @@
                 <a:hlinkClick r:id="rId2">
                   <a:extLst>
                     <a:ext uri="{A12FA001-AC4F-418D-AE19-62706E023703}">
-                      <ahyp:hlinkClr xmlns="" xmlns:ahyp="http://schemas.microsoft.com/office/drawing/2018/hyperlinkcolor" val="tx"/>
+                      <ahyp:hlinkClr xmlns:ahyp="http://schemas.microsoft.com/office/drawing/2018/hyperlinkcolor" xmlns="" val="tx"/>
                     </a:ext>
                   </a:extLst>
                 </a:hlinkClick>
@@ -3508,7 +3860,7 @@
           <p:cNvPr id="26" name="Picture SoftUni Mascot" descr="SoftUni mascot with open hand">
             <a:extLst>
               <a:ext uri="{FF2B5EF4-FFF2-40B4-BE49-F238E27FC236}">
-                <a16:creationId xmlns="" xmlns:a16="http://schemas.microsoft.com/office/drawing/2014/main" id="{247CFF3C-C4FA-493D-8505-DF469F4D36A4}"/>
+                <a16:creationId xmlns:a16="http://schemas.microsoft.com/office/drawing/2014/main" xmlns="" id="{247CFF3C-C4FA-493D-8505-DF469F4D36A4}"/>
               </a:ext>
             </a:extLst>
           </p:cNvPr>
@@ -3521,7 +3873,7 @@
           <a:blip r:embed="rId3" cstate="print">
             <a:extLst>
               <a:ext uri="{28A0092B-C50C-407E-A947-70E740481C1C}">
-                <a14:useLocalDpi xmlns="" xmlns:a14="http://schemas.microsoft.com/office/drawing/2010/main" val="0"/>
+                <a14:useLocalDpi xmlns:a14="http://schemas.microsoft.com/office/drawing/2010/main" xmlns="" val="0"/>
               </a:ext>
             </a:extLst>
           </a:blip>
@@ -3544,7 +3896,7 @@
           <p:cNvPr id="2" name="Group SoftUni Brands">
             <a:extLst>
               <a:ext uri="{FF2B5EF4-FFF2-40B4-BE49-F238E27FC236}">
-                <a16:creationId xmlns="" xmlns:a16="http://schemas.microsoft.com/office/drawing/2014/main" id="{418FAE34-C1F8-46C7-A4AE-F270D1E70F25}"/>
+                <a16:creationId xmlns:a16="http://schemas.microsoft.com/office/drawing/2014/main" xmlns="" id="{418FAE34-C1F8-46C7-A4AE-F270D1E70F25}"/>
               </a:ext>
             </a:extLst>
           </p:cNvPr>
@@ -3564,7 +3916,7 @@
             <p:cNvPr id="24" name="Picture SoftUni Kids Logo" descr="SoftUni Kids logo">
               <a:extLst>
                 <a:ext uri="{FF2B5EF4-FFF2-40B4-BE49-F238E27FC236}">
-                  <a16:creationId xmlns="" xmlns:a16="http://schemas.microsoft.com/office/drawing/2014/main" id="{B0812936-74B6-4265-8C08-AEDC8C798702}"/>
+                  <a16:creationId xmlns:a16="http://schemas.microsoft.com/office/drawing/2014/main" xmlns="" id="{B0812936-74B6-4265-8C08-AEDC8C798702}"/>
                 </a:ext>
               </a:extLst>
             </p:cNvPr>
@@ -3577,7 +3929,7 @@
             <a:blip r:embed="rId4" cstate="print">
               <a:extLst>
                 <a:ext uri="{28A0092B-C50C-407E-A947-70E740481C1C}">
-                  <a14:useLocalDpi xmlns="" xmlns:a14="http://schemas.microsoft.com/office/drawing/2010/main" val="0"/>
+                  <a14:useLocalDpi xmlns:a14="http://schemas.microsoft.com/office/drawing/2010/main" xmlns="" val="0"/>
                 </a:ext>
               </a:extLst>
             </a:blip>
@@ -3600,7 +3952,7 @@
             <p:cNvPr id="23" name="Picture SoftUni Foundation Logo" descr="SoftUni Foundation logo">
               <a:extLst>
                 <a:ext uri="{FF2B5EF4-FFF2-40B4-BE49-F238E27FC236}">
-                  <a16:creationId xmlns="" xmlns:a16="http://schemas.microsoft.com/office/drawing/2014/main" id="{6643F71A-2013-433A-8322-FBAAED3162D8}"/>
+                  <a16:creationId xmlns:a16="http://schemas.microsoft.com/office/drawing/2014/main" xmlns="" id="{6643F71A-2013-433A-8322-FBAAED3162D8}"/>
                 </a:ext>
               </a:extLst>
             </p:cNvPr>
@@ -3613,7 +3965,7 @@
             <a:blip r:embed="rId5" cstate="print">
               <a:extLst>
                 <a:ext uri="{28A0092B-C50C-407E-A947-70E740481C1C}">
-                  <a14:useLocalDpi xmlns="" xmlns:a14="http://schemas.microsoft.com/office/drawing/2010/main" val="0"/>
+                  <a14:useLocalDpi xmlns:a14="http://schemas.microsoft.com/office/drawing/2010/main" xmlns="" val="0"/>
                 </a:ext>
               </a:extLst>
             </a:blip>
@@ -3636,7 +3988,7 @@
             <p:cNvPr id="22" name="Picture SoftUni Digital Logo" descr="SoftUni Digital logo">
               <a:extLst>
                 <a:ext uri="{FF2B5EF4-FFF2-40B4-BE49-F238E27FC236}">
-                  <a16:creationId xmlns="" xmlns:a16="http://schemas.microsoft.com/office/drawing/2014/main" id="{0A83D66F-855B-463B-920B-BF239B01A206}"/>
+                  <a16:creationId xmlns:a16="http://schemas.microsoft.com/office/drawing/2014/main" xmlns="" id="{0A83D66F-855B-463B-920B-BF239B01A206}"/>
                 </a:ext>
               </a:extLst>
             </p:cNvPr>
@@ -3649,7 +4001,7 @@
             <a:blip r:embed="rId6" cstate="print">
               <a:extLst>
                 <a:ext uri="{28A0092B-C50C-407E-A947-70E740481C1C}">
-                  <a14:useLocalDpi xmlns="" xmlns:a14="http://schemas.microsoft.com/office/drawing/2010/main" val="0"/>
+                  <a14:useLocalDpi xmlns:a14="http://schemas.microsoft.com/office/drawing/2010/main" xmlns="" val="0"/>
                 </a:ext>
               </a:extLst>
             </a:blip>
@@ -3672,7 +4024,7 @@
             <p:cNvPr id="21" name="Picture SoftUni Creative Logo" descr="SoftUni Creative logo">
               <a:extLst>
                 <a:ext uri="{FF2B5EF4-FFF2-40B4-BE49-F238E27FC236}">
-                  <a16:creationId xmlns="" xmlns:a16="http://schemas.microsoft.com/office/drawing/2014/main" id="{EA755AAE-BA08-481C-9224-0061170EE4B8}"/>
+                  <a16:creationId xmlns:a16="http://schemas.microsoft.com/office/drawing/2014/main" xmlns="" id="{EA755AAE-BA08-481C-9224-0061170EE4B8}"/>
                 </a:ext>
               </a:extLst>
             </p:cNvPr>
@@ -3685,7 +4037,7 @@
             <a:blip r:embed="rId7" cstate="print">
               <a:extLst>
                 <a:ext uri="{28A0092B-C50C-407E-A947-70E740481C1C}">
-                  <a14:useLocalDpi xmlns="" xmlns:a14="http://schemas.microsoft.com/office/drawing/2010/main" val="0"/>
+                  <a14:useLocalDpi xmlns:a14="http://schemas.microsoft.com/office/drawing/2010/main" xmlns="" val="0"/>
                 </a:ext>
               </a:extLst>
             </a:blip>
@@ -3708,7 +4060,7 @@
             <p:cNvPr id="20" name="Picture SoftUni Svetlina Logo" descr="SoftUni Svetlina logo">
               <a:extLst>
                 <a:ext uri="{FF2B5EF4-FFF2-40B4-BE49-F238E27FC236}">
-                  <a16:creationId xmlns="" xmlns:a16="http://schemas.microsoft.com/office/drawing/2014/main" id="{827D15FD-4C66-4B85-98E6-7826AA8F61C6}"/>
+                  <a16:creationId xmlns:a16="http://schemas.microsoft.com/office/drawing/2014/main" xmlns="" id="{827D15FD-4C66-4B85-98E6-7826AA8F61C6}"/>
                 </a:ext>
               </a:extLst>
             </p:cNvPr>
@@ -3721,7 +4073,7 @@
             <a:blip r:embed="rId8" cstate="print">
               <a:extLst>
                 <a:ext uri="{28A0092B-C50C-407E-A947-70E740481C1C}">
-                  <a14:useLocalDpi xmlns="" xmlns:a14="http://schemas.microsoft.com/office/drawing/2010/main" val="0"/>
+                  <a14:useLocalDpi xmlns:a14="http://schemas.microsoft.com/office/drawing/2010/main" xmlns="" val="0"/>
                 </a:ext>
               </a:extLst>
             </a:blip>
@@ -3744,7 +4096,7 @@
             <p:cNvPr id="25" name="Picture Software University Logo" descr="Software University logo">
               <a:extLst>
                 <a:ext uri="{FF2B5EF4-FFF2-40B4-BE49-F238E27FC236}">
-                  <a16:creationId xmlns="" xmlns:a16="http://schemas.microsoft.com/office/drawing/2014/main" id="{C74C190C-5856-41B9-8819-AE8DE0E10980}"/>
+                  <a16:creationId xmlns:a16="http://schemas.microsoft.com/office/drawing/2014/main" xmlns="" id="{C74C190C-5856-41B9-8819-AE8DE0E10980}"/>
                 </a:ext>
               </a:extLst>
             </p:cNvPr>
@@ -3757,7 +4109,7 @@
             <a:blip r:embed="rId9" cstate="print">
               <a:extLst>
                 <a:ext uri="{28A0092B-C50C-407E-A947-70E740481C1C}">
-                  <a14:useLocalDpi xmlns="" xmlns:a14="http://schemas.microsoft.com/office/drawing/2010/main" val="0"/>
+                  <a14:useLocalDpi xmlns:a14="http://schemas.microsoft.com/office/drawing/2010/main" xmlns="" val="0"/>
                 </a:ext>
               </a:extLst>
             </a:blip>
@@ -3780,7 +4132,7 @@
             <p:cNvPr id="33" name="Straight Connector 6">
               <a:extLst>
                 <a:ext uri="{FF2B5EF4-FFF2-40B4-BE49-F238E27FC236}">
-                  <a16:creationId xmlns="" xmlns:a16="http://schemas.microsoft.com/office/drawing/2014/main" id="{5C63D1E8-4A92-4691-8A24-A2FC7E8008E5}"/>
+                  <a16:creationId xmlns:a16="http://schemas.microsoft.com/office/drawing/2014/main" xmlns="" id="{5C63D1E8-4A92-4691-8A24-A2FC7E8008E5}"/>
                 </a:ext>
               </a:extLst>
             </p:cNvPr>
@@ -3819,7 +4171,7 @@
             <p:cNvPr id="32" name="Straight Connector 5">
               <a:extLst>
                 <a:ext uri="{FF2B5EF4-FFF2-40B4-BE49-F238E27FC236}">
-                  <a16:creationId xmlns="" xmlns:a16="http://schemas.microsoft.com/office/drawing/2014/main" id="{6E91D320-3732-40B8-864D-142D0A277ED1}"/>
+                  <a16:creationId xmlns:a16="http://schemas.microsoft.com/office/drawing/2014/main" xmlns="" id="{6E91D320-3732-40B8-864D-142D0A277ED1}"/>
                 </a:ext>
               </a:extLst>
             </p:cNvPr>
@@ -3858,7 +4210,7 @@
             <p:cNvPr id="31" name="Straight Connector 4">
               <a:extLst>
                 <a:ext uri="{FF2B5EF4-FFF2-40B4-BE49-F238E27FC236}">
-                  <a16:creationId xmlns="" xmlns:a16="http://schemas.microsoft.com/office/drawing/2014/main" id="{299ABE09-E33C-46B7-A80D-7BF4A6956211}"/>
+                  <a16:creationId xmlns:a16="http://schemas.microsoft.com/office/drawing/2014/main" xmlns="" id="{299ABE09-E33C-46B7-A80D-7BF4A6956211}"/>
                 </a:ext>
               </a:extLst>
             </p:cNvPr>
@@ -3895,7 +4247,7 @@
             <p:cNvPr id="30" name="Straight Connector 3">
               <a:extLst>
                 <a:ext uri="{FF2B5EF4-FFF2-40B4-BE49-F238E27FC236}">
-                  <a16:creationId xmlns="" xmlns:a16="http://schemas.microsoft.com/office/drawing/2014/main" id="{93DDBF37-0764-47AA-94E3-9A44F3ED8FB5}"/>
+                  <a16:creationId xmlns:a16="http://schemas.microsoft.com/office/drawing/2014/main" xmlns="" id="{93DDBF37-0764-47AA-94E3-9A44F3ED8FB5}"/>
                 </a:ext>
               </a:extLst>
             </p:cNvPr>
@@ -3932,7 +4284,7 @@
             <p:cNvPr id="29" name="Straight Connector 2">
               <a:extLst>
                 <a:ext uri="{FF2B5EF4-FFF2-40B4-BE49-F238E27FC236}">
-                  <a16:creationId xmlns="" xmlns:a16="http://schemas.microsoft.com/office/drawing/2014/main" id="{72BFE2F3-0845-4E5B-9375-E9D4027DD675}"/>
+                  <a16:creationId xmlns:a16="http://schemas.microsoft.com/office/drawing/2014/main" xmlns="" id="{72BFE2F3-0845-4E5B-9375-E9D4027DD675}"/>
                 </a:ext>
               </a:extLst>
             </p:cNvPr>
@@ -3969,7 +4321,7 @@
             <p:cNvPr id="28" name="Straight Connector 1">
               <a:extLst>
                 <a:ext uri="{FF2B5EF4-FFF2-40B4-BE49-F238E27FC236}">
-                  <a16:creationId xmlns="" xmlns:a16="http://schemas.microsoft.com/office/drawing/2014/main" id="{D4E5982E-3110-47E1-A5BB-91B7BECC3093}"/>
+                  <a16:creationId xmlns:a16="http://schemas.microsoft.com/office/drawing/2014/main" xmlns="" id="{D4E5982E-3110-47E1-A5BB-91B7BECC3093}"/>
                 </a:ext>
               </a:extLst>
             </p:cNvPr>
@@ -4006,7 +4358,7 @@
             <p:cNvPr id="27" name="Straight Connector Horizontal">
               <a:extLst>
                 <a:ext uri="{FF2B5EF4-FFF2-40B4-BE49-F238E27FC236}">
-                  <a16:creationId xmlns="" xmlns:a16="http://schemas.microsoft.com/office/drawing/2014/main" id="{5F62FB7C-BD6E-4383-98C1-2CF30F34CAFD}"/>
+                  <a16:creationId xmlns:a16="http://schemas.microsoft.com/office/drawing/2014/main" xmlns="" id="{5F62FB7C-BD6E-4383-98C1-2CF30F34CAFD}"/>
                 </a:ext>
               </a:extLst>
             </p:cNvPr>
@@ -4045,7 +4397,7 @@
             <p:cNvPr id="34" name="Straight Connector 0">
               <a:extLst>
                 <a:ext uri="{FF2B5EF4-FFF2-40B4-BE49-F238E27FC236}">
-                  <a16:creationId xmlns="" xmlns:a16="http://schemas.microsoft.com/office/drawing/2014/main" id="{C84A0FE1-723D-4682-8682-77BAD950EE15}"/>
+                  <a16:creationId xmlns:a16="http://schemas.microsoft.com/office/drawing/2014/main" xmlns="" id="{C84A0FE1-723D-4682-8682-77BAD950EE15}"/>
                 </a:ext>
               </a:extLst>
             </p:cNvPr>
@@ -4082,7 +4434,7 @@
             <p:cNvPr id="18" name="Picture SoftUni Logo" descr="SoftUni logo">
               <a:extLst>
                 <a:ext uri="{FF2B5EF4-FFF2-40B4-BE49-F238E27FC236}">
-                  <a16:creationId xmlns="" xmlns:a16="http://schemas.microsoft.com/office/drawing/2014/main" id="{A0675455-B7FA-4569-A5FD-A3B0F20B2A26}"/>
+                  <a16:creationId xmlns:a16="http://schemas.microsoft.com/office/drawing/2014/main" xmlns="" id="{A0675455-B7FA-4569-A5FD-A3B0F20B2A26}"/>
                 </a:ext>
               </a:extLst>
             </p:cNvPr>
@@ -4095,7 +4447,7 @@
             <a:blip r:embed="rId10" cstate="print">
               <a:extLst>
                 <a:ext uri="{28A0092B-C50C-407E-A947-70E740481C1C}">
-                  <a14:useLocalDpi xmlns="" xmlns:a14="http://schemas.microsoft.com/office/drawing/2010/main" val="0"/>
+                  <a14:useLocalDpi xmlns:a14="http://schemas.microsoft.com/office/drawing/2010/main" xmlns="" val="0"/>
                 </a:ext>
               </a:extLst>
             </a:blip>
@@ -4119,7 +4471,7 @@
           <p:cNvPr id="19" name="Slide Title">
             <a:extLst>
               <a:ext uri="{FF2B5EF4-FFF2-40B4-BE49-F238E27FC236}">
-                <a16:creationId xmlns="" xmlns:a16="http://schemas.microsoft.com/office/drawing/2014/main" id="{7CFDBB16-985C-4CC7-B6DB-B81B36037922}"/>
+                <a16:creationId xmlns:a16="http://schemas.microsoft.com/office/drawing/2014/main" xmlns="" id="{7CFDBB16-985C-4CC7-B6DB-B81B36037922}"/>
               </a:ext>
             </a:extLst>
           </p:cNvPr>
@@ -4222,7 +4574,7 @@
           <p:cNvPr id="36" name="Logo Software University" descr="Software University logo">
             <a:extLst>
               <a:ext uri="{FF2B5EF4-FFF2-40B4-BE49-F238E27FC236}">
-                <a16:creationId xmlns="" xmlns:a16="http://schemas.microsoft.com/office/drawing/2014/main" id="{67FC4D2E-913D-432A-B658-F0D82839FA5E}"/>
+                <a16:creationId xmlns:a16="http://schemas.microsoft.com/office/drawing/2014/main" xmlns="" id="{67FC4D2E-913D-432A-B658-F0D82839FA5E}"/>
               </a:ext>
             </a:extLst>
           </p:cNvPr>
@@ -4245,7 +4597,7 @@
             </a:clrChange>
             <a:extLst>
               <a:ext uri="{28A0092B-C50C-407E-A947-70E740481C1C}">
-                <a14:useLocalDpi xmlns="" xmlns:a14="http://schemas.microsoft.com/office/drawing/2010/main" val="0"/>
+                <a14:useLocalDpi xmlns:a14="http://schemas.microsoft.com/office/drawing/2010/main" xmlns="" val="0"/>
               </a:ext>
             </a:extLst>
           </a:blip>
@@ -4266,7 +4618,7 @@
     </p:spTree>
     <p:extLst>
       <p:ext uri="{BB962C8B-B14F-4D97-AF65-F5344CB8AC3E}">
-        <p14:creationId xmlns="" xmlns:p14="http://schemas.microsoft.com/office/powerpoint/2010/main" val="4192061223"/>
+        <p14:creationId xmlns:p14="http://schemas.microsoft.com/office/powerpoint/2010/main" xmlns="" val="4192061223"/>
       </p:ext>
     </p:extLst>
   </p:cSld>
@@ -4274,7 +4626,7 @@
     <a:masterClrMapping/>
   </p:clrMapOvr>
   <mc:AlternateContent xmlns:mc="http://schemas.openxmlformats.org/markup-compatibility/2006">
-    <mc:Choice xmlns="" xmlns:p14="http://schemas.microsoft.com/office/powerpoint/2010/main" Requires="p14">
+    <mc:Choice xmlns:p14="http://schemas.microsoft.com/office/powerpoint/2010/main" xmlns="" Requires="p14">
       <p:transition spd="slow" p14:dur="2000" advClick="0" advTm="5000"/>
     </mc:Choice>
     <mc:Fallback>
@@ -4283,7 +4635,7 @@
   </mc:AlternateContent>
   <p:extLst>
     <p:ext uri="{DCECCB84-F9BA-43D5-87BE-67443E8EF086}">
-      <p15:sldGuideLst xmlns="" xmlns:p15="http://schemas.microsoft.com/office/powerpoint/2012/main">
+      <p15:sldGuideLst xmlns:p15="http://schemas.microsoft.com/office/powerpoint/2012/main" xmlns="">
         <p15:guide id="1" orient="horz" pos="2160">
           <p15:clr>
             <a:srgbClr val="FBAE40"/>
@@ -4322,7 +4674,7 @@
           <p:cNvPr id="13" name="Slide Number">
             <a:extLst>
               <a:ext uri="{FF2B5EF4-FFF2-40B4-BE49-F238E27FC236}">
-                <a16:creationId xmlns="" xmlns:a16="http://schemas.microsoft.com/office/drawing/2014/main" id="{5B8761D8-B42F-4A70-A0CE-682CEB2AE31B}"/>
+                <a16:creationId xmlns:a16="http://schemas.microsoft.com/office/drawing/2014/main" xmlns="" id="{5B8761D8-B42F-4A70-A0CE-682CEB2AE31B}"/>
               </a:ext>
             </a:extLst>
           </p:cNvPr>
@@ -4365,7 +4717,7 @@
             <a:hlinkClick r:id="rId2" tooltip="Software University Discussion Forum"/>
             <a:extLst>
               <a:ext uri="{FF2B5EF4-FFF2-40B4-BE49-F238E27FC236}">
-                <a16:creationId xmlns="" xmlns:a16="http://schemas.microsoft.com/office/drawing/2014/main" id="{98C579AD-FAF5-4B28-9B52-5457F1E90061}"/>
+                <a16:creationId xmlns:a16="http://schemas.microsoft.com/office/drawing/2014/main" xmlns="" id="{98C579AD-FAF5-4B28-9B52-5457F1E90061}"/>
               </a:ext>
             </a:extLst>
           </p:cNvPr>
@@ -4378,7 +4730,7 @@
           <a:blip r:embed="rId3" cstate="print">
             <a:extLst>
               <a:ext uri="{28A0092B-C50C-407E-A947-70E740481C1C}">
-                <a14:useLocalDpi xmlns="" xmlns:a14="http://schemas.microsoft.com/office/drawing/2010/main"/>
+                <a14:useLocalDpi xmlns:a14="http://schemas.microsoft.com/office/drawing/2010/main" xmlns=""/>
               </a:ext>
             </a:extLst>
           </a:blip>
@@ -4402,7 +4754,7 @@
             <a:hlinkClick r:id="rId4" tooltip="Software University @ Facebook"/>
             <a:extLst>
               <a:ext uri="{FF2B5EF4-FFF2-40B4-BE49-F238E27FC236}">
-                <a16:creationId xmlns="" xmlns:a16="http://schemas.microsoft.com/office/drawing/2014/main" id="{6B2C510E-5EF2-49F6-B926-2BD74CD3C7F8}"/>
+                <a16:creationId xmlns:a16="http://schemas.microsoft.com/office/drawing/2014/main" xmlns="" id="{6B2C510E-5EF2-49F6-B926-2BD74CD3C7F8}"/>
               </a:ext>
             </a:extLst>
           </p:cNvPr>
@@ -4415,7 +4767,7 @@
           <a:blip r:embed="rId5" cstate="print">
             <a:extLst>
               <a:ext uri="{28A0092B-C50C-407E-A947-70E740481C1C}">
-                <a14:useLocalDpi xmlns="" xmlns:a14="http://schemas.microsoft.com/office/drawing/2010/main"/>
+                <a14:useLocalDpi xmlns:a14="http://schemas.microsoft.com/office/drawing/2010/main" xmlns=""/>
               </a:ext>
             </a:extLst>
           </a:blip>
@@ -4433,7 +4785,7 @@
           <a:noFill/>
           <a:extLst>
             <a:ext uri="{909E8E84-426E-40DD-AFC4-6F175D3DCCD1}">
-              <a14:hiddenFill xmlns="" xmlns:a14="http://schemas.microsoft.com/office/drawing/2010/main">
+              <a14:hiddenFill xmlns:a14="http://schemas.microsoft.com/office/drawing/2010/main" xmlns="">
                 <a:solidFill>
                   <a:srgbClr val="FFFFFF"/>
                 </a:solidFill>
@@ -4448,7 +4800,7 @@
             <a:hlinkClick r:id="rId6"/>
             <a:extLst>
               <a:ext uri="{FF2B5EF4-FFF2-40B4-BE49-F238E27FC236}">
-                <a16:creationId xmlns="" xmlns:a16="http://schemas.microsoft.com/office/drawing/2014/main" id="{F4604840-E810-44B7-9FF1-3B28CD68B758}"/>
+                <a16:creationId xmlns:a16="http://schemas.microsoft.com/office/drawing/2014/main" xmlns="" id="{F4604840-E810-44B7-9FF1-3B28CD68B758}"/>
               </a:ext>
             </a:extLst>
           </p:cNvPr>
@@ -4461,7 +4813,7 @@
           <a:blip r:embed="rId7" cstate="print">
             <a:extLst>
               <a:ext uri="{28A0092B-C50C-407E-A947-70E740481C1C}">
-                <a14:useLocalDpi xmlns="" xmlns:a14="http://schemas.microsoft.com/office/drawing/2010/main" val="0"/>
+                <a14:useLocalDpi xmlns:a14="http://schemas.microsoft.com/office/drawing/2010/main" xmlns="" val="0"/>
               </a:ext>
             </a:extLst>
           </a:blip>
@@ -4485,7 +4837,7 @@
             <a:hlinkClick r:id="rId8"/>
             <a:extLst>
               <a:ext uri="{FF2B5EF4-FFF2-40B4-BE49-F238E27FC236}">
-                <a16:creationId xmlns="" xmlns:a16="http://schemas.microsoft.com/office/drawing/2014/main" id="{07C965FA-A87E-4824-AFA8-C67AF548A76A}"/>
+                <a16:creationId xmlns:a16="http://schemas.microsoft.com/office/drawing/2014/main" xmlns="" id="{07C965FA-A87E-4824-AFA8-C67AF548A76A}"/>
               </a:ext>
             </a:extLst>
           </p:cNvPr>
@@ -4498,7 +4850,7 @@
           <a:blip r:embed="rId9" cstate="print">
             <a:extLst>
               <a:ext uri="{28A0092B-C50C-407E-A947-70E740481C1C}">
-                <a14:useLocalDpi xmlns="" xmlns:a14="http://schemas.microsoft.com/office/drawing/2010/main" val="0"/>
+                <a14:useLocalDpi xmlns:a14="http://schemas.microsoft.com/office/drawing/2010/main" xmlns="" val="0"/>
               </a:ext>
             </a:extLst>
           </a:blip>
@@ -4520,7 +4872,7 @@
           <p:cNvPr id="12" name="Slide Body Text">
             <a:extLst>
               <a:ext uri="{FF2B5EF4-FFF2-40B4-BE49-F238E27FC236}">
-                <a16:creationId xmlns="" xmlns:a16="http://schemas.microsoft.com/office/drawing/2014/main" id="{0C1F9416-8B6E-46DE-973C-777785E27A26}"/>
+                <a16:creationId xmlns:a16="http://schemas.microsoft.com/office/drawing/2014/main" xmlns="" id="{0C1F9416-8B6E-46DE-973C-777785E27A26}"/>
               </a:ext>
             </a:extLst>
           </p:cNvPr>
@@ -4645,7 +4997,7 @@
           <p:cNvPr id="10" name="Rectangle Top">
             <a:extLst>
               <a:ext uri="{FF2B5EF4-FFF2-40B4-BE49-F238E27FC236}">
-                <a16:creationId xmlns="" xmlns:a16="http://schemas.microsoft.com/office/drawing/2014/main" id="{86646B95-5E3B-4DE8-9118-031C2C296D8C}"/>
+                <a16:creationId xmlns:a16="http://schemas.microsoft.com/office/drawing/2014/main" xmlns="" id="{86646B95-5E3B-4DE8-9118-031C2C296D8C}"/>
               </a:ext>
             </a:extLst>
           </p:cNvPr>
@@ -4726,7 +5078,7 @@
           <p:cNvPr id="11" name="Logo Software University" descr="Software University logo">
             <a:extLst>
               <a:ext uri="{FF2B5EF4-FFF2-40B4-BE49-F238E27FC236}">
-                <a16:creationId xmlns="" xmlns:a16="http://schemas.microsoft.com/office/drawing/2014/main" id="{58AB1944-B146-4E89-B2D9-426EB610F319}"/>
+                <a16:creationId xmlns:a16="http://schemas.microsoft.com/office/drawing/2014/main" xmlns="" id="{58AB1944-B146-4E89-B2D9-426EB610F319}"/>
               </a:ext>
             </a:extLst>
           </p:cNvPr>
@@ -4739,7 +5091,7 @@
           <a:blip r:embed="rId11" cstate="print">
             <a:extLst>
               <a:ext uri="{28A0092B-C50C-407E-A947-70E740481C1C}">
-                <a14:useLocalDpi xmlns="" xmlns:a14="http://schemas.microsoft.com/office/drawing/2010/main" val="0"/>
+                <a14:useLocalDpi xmlns:a14="http://schemas.microsoft.com/office/drawing/2010/main" xmlns="" val="0"/>
               </a:ext>
             </a:extLst>
           </a:blip>
@@ -4762,7 +5114,7 @@
           <p:cNvPr id="18" name="Slide Title">
             <a:extLst>
               <a:ext uri="{FF2B5EF4-FFF2-40B4-BE49-F238E27FC236}">
-                <a16:creationId xmlns="" xmlns:a16="http://schemas.microsoft.com/office/drawing/2014/main" id="{AE87ED9C-76E1-4D85-9B06-3AF44AABB668}"/>
+                <a16:creationId xmlns:a16="http://schemas.microsoft.com/office/drawing/2014/main" xmlns="" id="{AE87ED9C-76E1-4D85-9B06-3AF44AABB668}"/>
               </a:ext>
             </a:extLst>
           </p:cNvPr>
@@ -4801,7 +5153,7 @@
     </p:spTree>
     <p:extLst>
       <p:ext uri="{BB962C8B-B14F-4D97-AF65-F5344CB8AC3E}">
-        <p14:creationId xmlns="" xmlns:p14="http://schemas.microsoft.com/office/powerpoint/2010/main" val="2196466322"/>
+        <p14:creationId xmlns:p14="http://schemas.microsoft.com/office/powerpoint/2010/main" xmlns="" val="2196466322"/>
       </p:ext>
     </p:extLst>
   </p:cSld>
@@ -4809,7 +5161,7 @@
     <a:masterClrMapping/>
   </p:clrMapOvr>
   <mc:AlternateContent xmlns:mc="http://schemas.openxmlformats.org/markup-compatibility/2006">
-    <mc:Choice xmlns="" xmlns:p14="http://schemas.microsoft.com/office/powerpoint/2010/main" Requires="p14">
+    <mc:Choice xmlns:p14="http://schemas.microsoft.com/office/powerpoint/2010/main" xmlns="" Requires="p14">
       <p:transition spd="slow" p14:dur="2000" advClick="0" advTm="5000"/>
     </mc:Choice>
     <mc:Fallback>
@@ -4841,7 +5193,7 @@
           <p:cNvPr id="9" name="Oval Center Icon">
             <a:extLst>
               <a:ext uri="{FF2B5EF4-FFF2-40B4-BE49-F238E27FC236}">
-                <a16:creationId xmlns="" xmlns:a16="http://schemas.microsoft.com/office/drawing/2014/main" id="{13B9A8FE-2718-4F2C-98D4-CBF86AD69D58}"/>
+                <a16:creationId xmlns:a16="http://schemas.microsoft.com/office/drawing/2014/main" xmlns="" id="{13B9A8FE-2718-4F2C-98D4-CBF86AD69D58}"/>
               </a:ext>
             </a:extLst>
           </p:cNvPr>
@@ -4922,7 +5274,7 @@
           <p:cNvPr id="8" name="Slide Subtitle">
             <a:extLst>
               <a:ext uri="{FF2B5EF4-FFF2-40B4-BE49-F238E27FC236}">
-                <a16:creationId xmlns="" xmlns:a16="http://schemas.microsoft.com/office/drawing/2014/main" id="{588387B4-E99E-4145-9D1D-F17CA5190DFD}"/>
+                <a16:creationId xmlns:a16="http://schemas.microsoft.com/office/drawing/2014/main" xmlns="" id="{588387B4-E99E-4145-9D1D-F17CA5190DFD}"/>
               </a:ext>
             </a:extLst>
           </p:cNvPr>
@@ -4972,7 +5324,7 @@
           <p:cNvPr id="13" name="Slide Title">
             <a:extLst>
               <a:ext uri="{FF2B5EF4-FFF2-40B4-BE49-F238E27FC236}">
-                <a16:creationId xmlns="" xmlns:a16="http://schemas.microsoft.com/office/drawing/2014/main" id="{8A28C56F-AE84-49D0-9AD1-1F0CEEABF710}"/>
+                <a16:creationId xmlns:a16="http://schemas.microsoft.com/office/drawing/2014/main" xmlns="" id="{8A28C56F-AE84-49D0-9AD1-1F0CEEABF710}"/>
               </a:ext>
             </a:extLst>
           </p:cNvPr>
@@ -5017,7 +5369,7 @@
     </p:spTree>
     <p:extLst>
       <p:ext uri="{BB962C8B-B14F-4D97-AF65-F5344CB8AC3E}">
-        <p14:creationId xmlns="" xmlns:p14="http://schemas.microsoft.com/office/powerpoint/2010/main" val="475389923"/>
+        <p14:creationId xmlns:p14="http://schemas.microsoft.com/office/powerpoint/2010/main" xmlns="" val="475389923"/>
       </p:ext>
     </p:extLst>
   </p:cSld>
@@ -5025,7 +5377,7 @@
     <a:masterClrMapping/>
   </p:clrMapOvr>
   <mc:AlternateContent xmlns:mc="http://schemas.openxmlformats.org/markup-compatibility/2006">
-    <mc:Choice xmlns="" xmlns:p14="http://schemas.microsoft.com/office/powerpoint/2010/main" Requires="p14">
+    <mc:Choice xmlns:p14="http://schemas.microsoft.com/office/powerpoint/2010/main" xmlns="" Requires="p14">
       <p:transition spd="slow" p14:dur="2000" advClick="0" advTm="5000"/>
     </mc:Choice>
     <mc:Fallback>
@@ -5058,7 +5410,7 @@
           <p:cNvPr id="2" name="Title 1">
             <a:extLst>
               <a:ext uri="{FF2B5EF4-FFF2-40B4-BE49-F238E27FC236}">
-                <a16:creationId xmlns="" xmlns:a16="http://schemas.microsoft.com/office/drawing/2014/main" id="{5213C145-EA12-94EF-AA17-5F628EA0AD2D}"/>
+                <a16:creationId xmlns:a16="http://schemas.microsoft.com/office/drawing/2014/main" xmlns="" id="{5213C145-EA12-94EF-AA17-5F628EA0AD2D}"/>
               </a:ext>
             </a:extLst>
           </p:cNvPr>
@@ -5096,7 +5448,7 @@
           <p:cNvPr id="3" name="Subtitle 2">
             <a:extLst>
               <a:ext uri="{FF2B5EF4-FFF2-40B4-BE49-F238E27FC236}">
-                <a16:creationId xmlns="" xmlns:a16="http://schemas.microsoft.com/office/drawing/2014/main" id="{5F55E72E-5B45-B6EE-75AE-03B188AD9A08}"/>
+                <a16:creationId xmlns:a16="http://schemas.microsoft.com/office/drawing/2014/main" xmlns="" id="{5F55E72E-5B45-B6EE-75AE-03B188AD9A08}"/>
               </a:ext>
             </a:extLst>
           </p:cNvPr>
@@ -5167,7 +5519,7 @@
           <p:cNvPr id="4" name="Date Placeholder 3">
             <a:extLst>
               <a:ext uri="{FF2B5EF4-FFF2-40B4-BE49-F238E27FC236}">
-                <a16:creationId xmlns="" xmlns:a16="http://schemas.microsoft.com/office/drawing/2014/main" id="{30C6A8EA-0240-01AB-A7C2-BD1CD885E1C1}"/>
+                <a16:creationId xmlns:a16="http://schemas.microsoft.com/office/drawing/2014/main" xmlns="" id="{30C6A8EA-0240-01AB-A7C2-BD1CD885E1C1}"/>
               </a:ext>
             </a:extLst>
           </p:cNvPr>
@@ -5186,7 +5538,7 @@
             <a:fld id="{1CF2F75B-1C4E-1E47-AE31-5B79E79ADF4F}" type="datetimeFigureOut">
               <a:rPr lang="x-none" smtClean="0"/>
               <a:pPr/>
-              <a:t>4.9.2023 г.</a:t>
+              <a:t>5.9.2023 г.</a:t>
             </a:fld>
             <a:endParaRPr lang="x-none"/>
           </a:p>
@@ -5197,7 +5549,7 @@
           <p:cNvPr id="5" name="Footer Placeholder 4">
             <a:extLst>
               <a:ext uri="{FF2B5EF4-FFF2-40B4-BE49-F238E27FC236}">
-                <a16:creationId xmlns="" xmlns:a16="http://schemas.microsoft.com/office/drawing/2014/main" id="{F95CBF96-4249-1541-E44E-FBCECA233B3C}"/>
+                <a16:creationId xmlns:a16="http://schemas.microsoft.com/office/drawing/2014/main" xmlns="" id="{F95CBF96-4249-1541-E44E-FBCECA233B3C}"/>
               </a:ext>
             </a:extLst>
           </p:cNvPr>
@@ -5222,7 +5574,7 @@
           <p:cNvPr id="6" name="Slide Number Placeholder 5">
             <a:extLst>
               <a:ext uri="{FF2B5EF4-FFF2-40B4-BE49-F238E27FC236}">
-                <a16:creationId xmlns="" xmlns:a16="http://schemas.microsoft.com/office/drawing/2014/main" id="{7ACB54F2-814F-F79B-8CD7-FA3133365CBC}"/>
+                <a16:creationId xmlns:a16="http://schemas.microsoft.com/office/drawing/2014/main" xmlns="" id="{7ACB54F2-814F-F79B-8CD7-FA3133365CBC}"/>
               </a:ext>
             </a:extLst>
           </p:cNvPr>
@@ -5250,7 +5602,7 @@
     </p:spTree>
     <p:extLst>
       <p:ext uri="{BB962C8B-B14F-4D97-AF65-F5344CB8AC3E}">
-        <p14:creationId xmlns="" xmlns:p14="http://schemas.microsoft.com/office/powerpoint/2010/main" val="2773863354"/>
+        <p14:creationId xmlns:p14="http://schemas.microsoft.com/office/powerpoint/2010/main" xmlns="" val="2773863354"/>
       </p:ext>
     </p:extLst>
   </p:cSld>
@@ -5282,7 +5634,7 @@
           <p:cNvPr id="8" name="Rectangle Top">
             <a:extLst>
               <a:ext uri="{FF2B5EF4-FFF2-40B4-BE49-F238E27FC236}">
-                <a16:creationId xmlns="" xmlns:a16="http://schemas.microsoft.com/office/drawing/2014/main" id="{454BD9C2-93A6-4860-A758-846ED0E1C8FA}"/>
+                <a16:creationId xmlns:a16="http://schemas.microsoft.com/office/drawing/2014/main" xmlns="" id="{454BD9C2-93A6-4860-A758-846ED0E1C8FA}"/>
               </a:ext>
             </a:extLst>
           </p:cNvPr>
@@ -5363,7 +5715,7 @@
           <p:cNvPr id="7" name="Slide Number">
             <a:extLst>
               <a:ext uri="{FF2B5EF4-FFF2-40B4-BE49-F238E27FC236}">
-                <a16:creationId xmlns="" xmlns:a16="http://schemas.microsoft.com/office/drawing/2014/main" id="{C1780DB1-0AF0-4108-AFE1-9DA99F0DBCB8}"/>
+                <a16:creationId xmlns:a16="http://schemas.microsoft.com/office/drawing/2014/main" xmlns="" id="{C1780DB1-0AF0-4108-AFE1-9DA99F0DBCB8}"/>
               </a:ext>
             </a:extLst>
           </p:cNvPr>
@@ -5405,7 +5757,7 @@
           <p:cNvPr id="3" name="Slide Body Text">
             <a:extLst>
               <a:ext uri="{FF2B5EF4-FFF2-40B4-BE49-F238E27FC236}">
-                <a16:creationId xmlns="" xmlns:a16="http://schemas.microsoft.com/office/drawing/2014/main" id="{5A9D2960-6D42-439F-82E8-812822013A10}"/>
+                <a16:creationId xmlns:a16="http://schemas.microsoft.com/office/drawing/2014/main" xmlns="" id="{5A9D2960-6D42-439F-82E8-812822013A10}"/>
               </a:ext>
             </a:extLst>
           </p:cNvPr>
@@ -5483,7 +5835,7 @@
           <p:cNvPr id="13" name="Rectangle Top">
             <a:extLst>
               <a:ext uri="{FF2B5EF4-FFF2-40B4-BE49-F238E27FC236}">
-                <a16:creationId xmlns="" xmlns:a16="http://schemas.microsoft.com/office/drawing/2014/main" id="{391AFA4E-7870-4561-A1B8-AC956B0C8931}"/>
+                <a16:creationId xmlns:a16="http://schemas.microsoft.com/office/drawing/2014/main" xmlns="" id="{391AFA4E-7870-4561-A1B8-AC956B0C8931}"/>
               </a:ext>
             </a:extLst>
           </p:cNvPr>
@@ -5564,7 +5916,7 @@
           <p:cNvPr id="12" name="Logo Software University" descr="Software University logo">
             <a:extLst>
               <a:ext uri="{FF2B5EF4-FFF2-40B4-BE49-F238E27FC236}">
-                <a16:creationId xmlns="" xmlns:a16="http://schemas.microsoft.com/office/drawing/2014/main" id="{B1D3B425-B9BF-43ED-9DEC-C05002FBA22F}"/>
+                <a16:creationId xmlns:a16="http://schemas.microsoft.com/office/drawing/2014/main" xmlns="" id="{B1D3B425-B9BF-43ED-9DEC-C05002FBA22F}"/>
               </a:ext>
             </a:extLst>
           </p:cNvPr>
@@ -5577,7 +5929,7 @@
           <a:blip r:embed="rId2" cstate="print">
             <a:extLst>
               <a:ext uri="{28A0092B-C50C-407E-A947-70E740481C1C}">
-                <a14:useLocalDpi xmlns="" xmlns:a14="http://schemas.microsoft.com/office/drawing/2010/main" val="0"/>
+                <a14:useLocalDpi xmlns:a14="http://schemas.microsoft.com/office/drawing/2010/main" xmlns="" val="0"/>
               </a:ext>
             </a:extLst>
           </a:blip>
@@ -5600,7 +5952,7 @@
           <p:cNvPr id="6" name="Slide Title">
             <a:extLst>
               <a:ext uri="{FF2B5EF4-FFF2-40B4-BE49-F238E27FC236}">
-                <a16:creationId xmlns="" xmlns:a16="http://schemas.microsoft.com/office/drawing/2014/main" id="{19B5B676-7892-440F-8191-7109B2C59885}"/>
+                <a16:creationId xmlns:a16="http://schemas.microsoft.com/office/drawing/2014/main" xmlns="" id="{19B5B676-7892-440F-8191-7109B2C59885}"/>
               </a:ext>
             </a:extLst>
           </p:cNvPr>
@@ -5639,7 +5991,7 @@
     </p:spTree>
     <p:extLst>
       <p:ext uri="{BB962C8B-B14F-4D97-AF65-F5344CB8AC3E}">
-        <p14:creationId xmlns="" xmlns:p14="http://schemas.microsoft.com/office/powerpoint/2010/main" val="2685365194"/>
+        <p14:creationId xmlns:p14="http://schemas.microsoft.com/office/powerpoint/2010/main" xmlns="" val="2685365194"/>
       </p:ext>
     </p:extLst>
   </p:cSld>
@@ -5647,7 +5999,7 @@
     <a:masterClrMapping/>
   </p:clrMapOvr>
   <mc:AlternateContent xmlns:mc="http://schemas.openxmlformats.org/markup-compatibility/2006">
-    <mc:Choice xmlns="" xmlns:p14="http://schemas.microsoft.com/office/powerpoint/2010/main" Requires="p14">
+    <mc:Choice xmlns:p14="http://schemas.microsoft.com/office/powerpoint/2010/main" xmlns="" Requires="p14">
       <p:transition spd="slow" p14:dur="2000" advClick="0" advTm="5000"/>
     </mc:Choice>
     <mc:Fallback>
@@ -6697,7 +7049,7 @@
             <a:fld id="{1D8BD707-D9CF-40AE-B4C6-C98DA3205C09}" type="datetimeFigureOut">
               <a:rPr lang="en-US"/>
               <a:pPr/>
-              <a:t>9/4/2023</a:t>
+              <a:t>9/5/2023</a:t>
             </a:fld>
             <a:endParaRPr lang="en-US" dirty="0"/>
           </a:p>
@@ -6757,7 +7109,7 @@
     </p:spTree>
     <p:extLst>
       <p:ext uri="{BB962C8B-B14F-4D97-AF65-F5344CB8AC3E}">
-        <p14:creationId xmlns="" xmlns:p14="http://schemas.microsoft.com/office/powerpoint/2010/main" val="2531485629"/>
+        <p14:creationId xmlns:p14="http://schemas.microsoft.com/office/powerpoint/2010/main" xmlns="" val="2531485629"/>
       </p:ext>
     </p:extLst>
   </p:cSld>
@@ -6953,7 +7305,7 @@
     </p:spTree>
     <p:extLst>
       <p:ext uri="{BB962C8B-B14F-4D97-AF65-F5344CB8AC3E}">
-        <p14:creationId xmlns="" xmlns:p14="http://schemas.microsoft.com/office/powerpoint/2010/main" val="3529216409"/>
+        <p14:creationId xmlns:p14="http://schemas.microsoft.com/office/powerpoint/2010/main" xmlns="" val="3529216409"/>
       </p:ext>
     </p:extLst>
   </p:cSld>
@@ -6961,7 +7313,7 @@
     <a:masterClrMapping/>
   </p:clrMapOvr>
   <mc:AlternateContent xmlns:mc="http://schemas.openxmlformats.org/markup-compatibility/2006">
-    <mc:Choice xmlns="" xmlns:p14="http://schemas.microsoft.com/office/powerpoint/2010/main" Requires="p14">
+    <mc:Choice xmlns:p14="http://schemas.microsoft.com/office/powerpoint/2010/main" xmlns="" Requires="p14">
       <p:transition spd="slow" p14:dur="2000" advClick="0" advTm="5000"/>
     </mc:Choice>
     <mc:Fallback>
@@ -6993,7 +7345,7 @@
           <p:cNvPr id="7" name="Slide Number">
             <a:extLst>
               <a:ext uri="{FF2B5EF4-FFF2-40B4-BE49-F238E27FC236}">
-                <a16:creationId xmlns="" xmlns:a16="http://schemas.microsoft.com/office/drawing/2014/main" id="{C1780DB1-0AF0-4108-AFE1-9DA99F0DBCB8}"/>
+                <a16:creationId xmlns:a16="http://schemas.microsoft.com/office/drawing/2014/main" xmlns="" id="{C1780DB1-0AF0-4108-AFE1-9DA99F0DBCB8}"/>
               </a:ext>
             </a:extLst>
           </p:cNvPr>
@@ -7035,7 +7387,7 @@
           <p:cNvPr id="3" name="Slide Body Text">
             <a:extLst>
               <a:ext uri="{FF2B5EF4-FFF2-40B4-BE49-F238E27FC236}">
-                <a16:creationId xmlns="" xmlns:a16="http://schemas.microsoft.com/office/drawing/2014/main" id="{5A9D2960-6D42-439F-82E8-812822013A10}"/>
+                <a16:creationId xmlns:a16="http://schemas.microsoft.com/office/drawing/2014/main" xmlns="" id="{5A9D2960-6D42-439F-82E8-812822013A10}"/>
               </a:ext>
             </a:extLst>
           </p:cNvPr>
@@ -7113,7 +7465,7 @@
           <p:cNvPr id="13" name="Rectangle Top">
             <a:extLst>
               <a:ext uri="{FF2B5EF4-FFF2-40B4-BE49-F238E27FC236}">
-                <a16:creationId xmlns="" xmlns:a16="http://schemas.microsoft.com/office/drawing/2014/main" id="{391AFA4E-7870-4561-A1B8-AC956B0C8931}"/>
+                <a16:creationId xmlns:a16="http://schemas.microsoft.com/office/drawing/2014/main" xmlns="" id="{391AFA4E-7870-4561-A1B8-AC956B0C8931}"/>
               </a:ext>
             </a:extLst>
           </p:cNvPr>
@@ -7194,7 +7546,7 @@
           <p:cNvPr id="12" name="Logo Software University" descr="Software University logo">
             <a:extLst>
               <a:ext uri="{FF2B5EF4-FFF2-40B4-BE49-F238E27FC236}">
-                <a16:creationId xmlns="" xmlns:a16="http://schemas.microsoft.com/office/drawing/2014/main" id="{B1D3B425-B9BF-43ED-9DEC-C05002FBA22F}"/>
+                <a16:creationId xmlns:a16="http://schemas.microsoft.com/office/drawing/2014/main" xmlns="" id="{B1D3B425-B9BF-43ED-9DEC-C05002FBA22F}"/>
               </a:ext>
             </a:extLst>
           </p:cNvPr>
@@ -7207,7 +7559,7 @@
           <a:blip r:embed="rId2" cstate="print">
             <a:extLst>
               <a:ext uri="{28A0092B-C50C-407E-A947-70E740481C1C}">
-                <a14:useLocalDpi xmlns="" xmlns:a14="http://schemas.microsoft.com/office/drawing/2010/main" val="0"/>
+                <a14:useLocalDpi xmlns:a14="http://schemas.microsoft.com/office/drawing/2010/main" xmlns="" val="0"/>
               </a:ext>
             </a:extLst>
           </a:blip>
@@ -7230,7 +7582,7 @@
           <p:cNvPr id="6" name="Slide Title">
             <a:extLst>
               <a:ext uri="{FF2B5EF4-FFF2-40B4-BE49-F238E27FC236}">
-                <a16:creationId xmlns="" xmlns:a16="http://schemas.microsoft.com/office/drawing/2014/main" id="{19B5B676-7892-440F-8191-7109B2C59885}"/>
+                <a16:creationId xmlns:a16="http://schemas.microsoft.com/office/drawing/2014/main" xmlns="" id="{19B5B676-7892-440F-8191-7109B2C59885}"/>
               </a:ext>
             </a:extLst>
           </p:cNvPr>
@@ -7269,7 +7621,7 @@
     </p:spTree>
     <p:extLst>
       <p:ext uri="{BB962C8B-B14F-4D97-AF65-F5344CB8AC3E}">
-        <p14:creationId xmlns="" xmlns:p14="http://schemas.microsoft.com/office/powerpoint/2010/main" val="1102970716"/>
+        <p14:creationId xmlns:p14="http://schemas.microsoft.com/office/powerpoint/2010/main" xmlns="" val="1102970716"/>
       </p:ext>
     </p:extLst>
   </p:cSld>
@@ -7277,7 +7629,7 @@
     <a:masterClrMapping/>
   </p:clrMapOvr>
   <mc:AlternateContent xmlns:mc="http://schemas.openxmlformats.org/markup-compatibility/2006">
-    <mc:Choice xmlns="" xmlns:p14="http://schemas.microsoft.com/office/powerpoint/2010/main" Requires="p14">
+    <mc:Choice xmlns:p14="http://schemas.microsoft.com/office/powerpoint/2010/main" xmlns="" Requires="p14">
       <p:transition spd="slow" p14:dur="2000" advClick="0" advTm="5000"/>
     </mc:Choice>
     <mc:Fallback>
@@ -7309,7 +7661,7 @@
           <p:cNvPr id="9" name="Slide Number">
             <a:extLst>
               <a:ext uri="{FF2B5EF4-FFF2-40B4-BE49-F238E27FC236}">
-                <a16:creationId xmlns="" xmlns:a16="http://schemas.microsoft.com/office/drawing/2014/main" id="{0020EB61-2079-41A3-B356-B1D8D48D786E}"/>
+                <a16:creationId xmlns:a16="http://schemas.microsoft.com/office/drawing/2014/main" xmlns="" id="{0020EB61-2079-41A3-B356-B1D8D48D786E}"/>
               </a:ext>
             </a:extLst>
           </p:cNvPr>
@@ -7426,7 +7778,7 @@
           <p:cNvPr id="7" name="Slide Body Text">
             <a:extLst>
               <a:ext uri="{FF2B5EF4-FFF2-40B4-BE49-F238E27FC236}">
-                <a16:creationId xmlns="" xmlns:a16="http://schemas.microsoft.com/office/drawing/2014/main" id="{CB4CB13C-66A1-466B-A6C1-B0BABF5CFEC1}"/>
+                <a16:creationId xmlns:a16="http://schemas.microsoft.com/office/drawing/2014/main" xmlns="" id="{CB4CB13C-66A1-466B-A6C1-B0BABF5CFEC1}"/>
               </a:ext>
             </a:extLst>
           </p:cNvPr>
@@ -7524,7 +7876,7 @@
           <p:cNvPr id="3" name="Logo Software University" descr="Software University logo">
             <a:extLst>
               <a:ext uri="{FF2B5EF4-FFF2-40B4-BE49-F238E27FC236}">
-                <a16:creationId xmlns="" xmlns:a16="http://schemas.microsoft.com/office/drawing/2014/main" id="{5573C101-930B-47AC-967A-A64513DFFDEE}"/>
+                <a16:creationId xmlns:a16="http://schemas.microsoft.com/office/drawing/2014/main" xmlns="" id="{5573C101-930B-47AC-967A-A64513DFFDEE}"/>
               </a:ext>
             </a:extLst>
           </p:cNvPr>
@@ -7547,7 +7899,7 @@
             </a:clrChange>
             <a:extLst>
               <a:ext uri="{28A0092B-C50C-407E-A947-70E740481C1C}">
-                <a14:useLocalDpi xmlns="" xmlns:a14="http://schemas.microsoft.com/office/drawing/2010/main" val="0"/>
+                <a14:useLocalDpi xmlns:a14="http://schemas.microsoft.com/office/drawing/2010/main" xmlns="" val="0"/>
               </a:ext>
             </a:extLst>
           </a:blip>
@@ -7570,7 +7922,7 @@
           <p:cNvPr id="8" name="Slide Title">
             <a:extLst>
               <a:ext uri="{FF2B5EF4-FFF2-40B4-BE49-F238E27FC236}">
-                <a16:creationId xmlns="" xmlns:a16="http://schemas.microsoft.com/office/drawing/2014/main" id="{E2DA9691-CDF5-499C-94BB-AAA61DAC1BFB}"/>
+                <a16:creationId xmlns:a16="http://schemas.microsoft.com/office/drawing/2014/main" xmlns="" id="{E2DA9691-CDF5-499C-94BB-AAA61DAC1BFB}"/>
               </a:ext>
             </a:extLst>
           </p:cNvPr>
@@ -7607,7 +7959,7 @@
           <p:cNvPr id="10" name="Group 9">
             <a:extLst>
               <a:ext uri="{FF2B5EF4-FFF2-40B4-BE49-F238E27FC236}">
-                <a16:creationId xmlns="" xmlns:a16="http://schemas.microsoft.com/office/drawing/2014/main" id="{43CDBCC2-1C96-44BC-B992-7B0C49C34904}"/>
+                <a16:creationId xmlns:a16="http://schemas.microsoft.com/office/drawing/2014/main" xmlns="" id="{43CDBCC2-1C96-44BC-B992-7B0C49C34904}"/>
               </a:ext>
             </a:extLst>
           </p:cNvPr>
@@ -7627,7 +7979,7 @@
             <p:cNvPr id="11" name="Group 10">
               <a:extLst>
                 <a:ext uri="{FF2B5EF4-FFF2-40B4-BE49-F238E27FC236}">
-                  <a16:creationId xmlns="" xmlns:a16="http://schemas.microsoft.com/office/drawing/2014/main" id="{7D71B3A8-4D39-42CF-9255-81EA3A622DD6}"/>
+                  <a16:creationId xmlns:a16="http://schemas.microsoft.com/office/drawing/2014/main" xmlns="" id="{7D71B3A8-4D39-42CF-9255-81EA3A622DD6}"/>
                 </a:ext>
               </a:extLst>
             </p:cNvPr>
@@ -7647,7 +7999,7 @@
               <p:cNvPr id="25" name="Oval 24">
                 <a:extLst>
                   <a:ext uri="{FF2B5EF4-FFF2-40B4-BE49-F238E27FC236}">
-                    <a16:creationId xmlns="" xmlns:a16="http://schemas.microsoft.com/office/drawing/2014/main" id="{B98059F9-1874-426D-8AF7-A12C21F37DD9}"/>
+                    <a16:creationId xmlns:a16="http://schemas.microsoft.com/office/drawing/2014/main" xmlns="" id="{B98059F9-1874-426D-8AF7-A12C21F37DD9}"/>
                   </a:ext>
                 </a:extLst>
               </p:cNvPr>
@@ -7699,7 +8051,7 @@
               <p:cNvPr id="26" name="Rectangle 5">
                 <a:extLst>
                   <a:ext uri="{FF2B5EF4-FFF2-40B4-BE49-F238E27FC236}">
-                    <a16:creationId xmlns="" xmlns:a16="http://schemas.microsoft.com/office/drawing/2014/main" id="{A3A1E077-DBDF-48F0-A924-604984B940A2}"/>
+                    <a16:creationId xmlns:a16="http://schemas.microsoft.com/office/drawing/2014/main" xmlns="" id="{A3A1E077-DBDF-48F0-A924-604984B940A2}"/>
                   </a:ext>
                 </a:extLst>
               </p:cNvPr>
@@ -7844,7 +8196,7 @@
               <p:cNvPr id="27" name="Rectangle 5">
                 <a:extLst>
                   <a:ext uri="{FF2B5EF4-FFF2-40B4-BE49-F238E27FC236}">
-                    <a16:creationId xmlns="" xmlns:a16="http://schemas.microsoft.com/office/drawing/2014/main" id="{798B1F51-1FA4-4199-81C7-62356C936CC9}"/>
+                    <a16:creationId xmlns:a16="http://schemas.microsoft.com/office/drawing/2014/main" xmlns="" id="{798B1F51-1FA4-4199-81C7-62356C936CC9}"/>
                   </a:ext>
                 </a:extLst>
               </p:cNvPr>
@@ -7989,7 +8341,7 @@
               <p:cNvPr id="28" name="Arc 27">
                 <a:extLst>
                   <a:ext uri="{FF2B5EF4-FFF2-40B4-BE49-F238E27FC236}">
-                    <a16:creationId xmlns="" xmlns:a16="http://schemas.microsoft.com/office/drawing/2014/main" id="{40A224C8-1233-40F7-96AB-BFF79AF6CDCB}"/>
+                    <a16:creationId xmlns:a16="http://schemas.microsoft.com/office/drawing/2014/main" xmlns="" id="{40A224C8-1233-40F7-96AB-BFF79AF6CDCB}"/>
                   </a:ext>
                 </a:extLst>
               </p:cNvPr>
@@ -8048,7 +8400,7 @@
               <p:cNvPr id="29" name="Arc 28">
                 <a:extLst>
                   <a:ext uri="{FF2B5EF4-FFF2-40B4-BE49-F238E27FC236}">
-                    <a16:creationId xmlns="" xmlns:a16="http://schemas.microsoft.com/office/drawing/2014/main" id="{B57C7CCC-E218-4321-8C7B-3F0C5753C7A1}"/>
+                    <a16:creationId xmlns:a16="http://schemas.microsoft.com/office/drawing/2014/main" xmlns="" id="{B57C7CCC-E218-4321-8C7B-3F0C5753C7A1}"/>
                   </a:ext>
                 </a:extLst>
               </p:cNvPr>
@@ -8108,7 +8460,7 @@
             <p:cNvPr id="13" name="Rectangle: Rounded Corners 12">
               <a:extLst>
                 <a:ext uri="{FF2B5EF4-FFF2-40B4-BE49-F238E27FC236}">
-                  <a16:creationId xmlns="" xmlns:a16="http://schemas.microsoft.com/office/drawing/2014/main" id="{6AF309CA-A56C-4ABC-B293-420F4EB1A9B4}"/>
+                  <a16:creationId xmlns:a16="http://schemas.microsoft.com/office/drawing/2014/main" xmlns="" id="{6AF309CA-A56C-4ABC-B293-420F4EB1A9B4}"/>
                 </a:ext>
               </a:extLst>
             </p:cNvPr>
@@ -8162,7 +8514,7 @@
             <p:cNvPr id="14" name="Rectangle: Rounded Corners 13">
               <a:extLst>
                 <a:ext uri="{FF2B5EF4-FFF2-40B4-BE49-F238E27FC236}">
-                  <a16:creationId xmlns="" xmlns:a16="http://schemas.microsoft.com/office/drawing/2014/main" id="{07955808-2AC7-44EB-8B6D-82B974E53A3C}"/>
+                  <a16:creationId xmlns:a16="http://schemas.microsoft.com/office/drawing/2014/main" xmlns="" id="{07955808-2AC7-44EB-8B6D-82B974E53A3C}"/>
                 </a:ext>
               </a:extLst>
             </p:cNvPr>
@@ -8223,7 +8575,7 @@
             <p:cNvPr id="15" name="Straight Connector 14">
               <a:extLst>
                 <a:ext uri="{FF2B5EF4-FFF2-40B4-BE49-F238E27FC236}">
-                  <a16:creationId xmlns="" xmlns:a16="http://schemas.microsoft.com/office/drawing/2014/main" id="{AC6420D7-AEAB-45EF-8D46-11EB06E4AFEA}"/>
+                  <a16:creationId xmlns:a16="http://schemas.microsoft.com/office/drawing/2014/main" xmlns="" id="{AC6420D7-AEAB-45EF-8D46-11EB06E4AFEA}"/>
                 </a:ext>
               </a:extLst>
             </p:cNvPr>
@@ -8269,7 +8621,7 @@
             <p:cNvPr id="16" name="Straight Connector 15">
               <a:extLst>
                 <a:ext uri="{FF2B5EF4-FFF2-40B4-BE49-F238E27FC236}">
-                  <a16:creationId xmlns="" xmlns:a16="http://schemas.microsoft.com/office/drawing/2014/main" id="{76C7FABC-6773-44F6-990B-3EB082BE9B35}"/>
+                  <a16:creationId xmlns:a16="http://schemas.microsoft.com/office/drawing/2014/main" xmlns="" id="{76C7FABC-6773-44F6-990B-3EB082BE9B35}"/>
                 </a:ext>
               </a:extLst>
             </p:cNvPr>
@@ -8315,7 +8667,7 @@
             <p:cNvPr id="17" name="Group 16">
               <a:extLst>
                 <a:ext uri="{FF2B5EF4-FFF2-40B4-BE49-F238E27FC236}">
-                  <a16:creationId xmlns="" xmlns:a16="http://schemas.microsoft.com/office/drawing/2014/main" id="{1FAD48E1-DC45-4B3D-9CE5-613250708496}"/>
+                  <a16:creationId xmlns:a16="http://schemas.microsoft.com/office/drawing/2014/main" xmlns="" id="{1FAD48E1-DC45-4B3D-9CE5-613250708496}"/>
                 </a:ext>
               </a:extLst>
             </p:cNvPr>
@@ -8338,7 +8690,7 @@
               <p:cNvPr id="23" name="Straight Connector 22">
                 <a:extLst>
                   <a:ext uri="{FF2B5EF4-FFF2-40B4-BE49-F238E27FC236}">
-                    <a16:creationId xmlns="" xmlns:a16="http://schemas.microsoft.com/office/drawing/2014/main" id="{B01FD1D1-046F-457B-AB63-2702CE3E906E}"/>
+                    <a16:creationId xmlns:a16="http://schemas.microsoft.com/office/drawing/2014/main" xmlns="" id="{B01FD1D1-046F-457B-AB63-2702CE3E906E}"/>
                   </a:ext>
                 </a:extLst>
               </p:cNvPr>
@@ -8382,7 +8734,7 @@
               <p:cNvPr id="24" name="Straight Connector 23">
                 <a:extLst>
                   <a:ext uri="{FF2B5EF4-FFF2-40B4-BE49-F238E27FC236}">
-                    <a16:creationId xmlns="" xmlns:a16="http://schemas.microsoft.com/office/drawing/2014/main" id="{895660C3-C72C-43EE-9C4A-170F85E5BE08}"/>
+                    <a16:creationId xmlns:a16="http://schemas.microsoft.com/office/drawing/2014/main" xmlns="" id="{895660C3-C72C-43EE-9C4A-170F85E5BE08}"/>
                   </a:ext>
                 </a:extLst>
               </p:cNvPr>
@@ -8427,7 +8779,7 @@
             <p:cNvPr id="19" name="Straight Connector 18">
               <a:extLst>
                 <a:ext uri="{FF2B5EF4-FFF2-40B4-BE49-F238E27FC236}">
-                  <a16:creationId xmlns="" xmlns:a16="http://schemas.microsoft.com/office/drawing/2014/main" id="{A74EE503-8FC0-42A6-8860-CA4EE42272E4}"/>
+                  <a16:creationId xmlns:a16="http://schemas.microsoft.com/office/drawing/2014/main" xmlns="" id="{A74EE503-8FC0-42A6-8860-CA4EE42272E4}"/>
                 </a:ext>
               </a:extLst>
             </p:cNvPr>
@@ -8473,7 +8825,7 @@
             <p:cNvPr id="12" name="Rectangle: Rounded Corners 11">
               <a:extLst>
                 <a:ext uri="{FF2B5EF4-FFF2-40B4-BE49-F238E27FC236}">
-                  <a16:creationId xmlns="" xmlns:a16="http://schemas.microsoft.com/office/drawing/2014/main" id="{F4189FDA-9FE8-490B-8A70-2E941811021F}"/>
+                  <a16:creationId xmlns:a16="http://schemas.microsoft.com/office/drawing/2014/main" xmlns="" id="{F4189FDA-9FE8-490B-8A70-2E941811021F}"/>
                 </a:ext>
               </a:extLst>
             </p:cNvPr>
@@ -8527,7 +8879,7 @@
             <p:cNvPr id="18" name="Group 17">
               <a:extLst>
                 <a:ext uri="{FF2B5EF4-FFF2-40B4-BE49-F238E27FC236}">
-                  <a16:creationId xmlns="" xmlns:a16="http://schemas.microsoft.com/office/drawing/2014/main" id="{FDA3EFCD-0DF8-419D-8533-D781521E597E}"/>
+                  <a16:creationId xmlns:a16="http://schemas.microsoft.com/office/drawing/2014/main" xmlns="" id="{FDA3EFCD-0DF8-419D-8533-D781521E597E}"/>
                 </a:ext>
               </a:extLst>
             </p:cNvPr>
@@ -8550,7 +8902,7 @@
               <p:cNvPr id="21" name="Straight Connector 20">
                 <a:extLst>
                   <a:ext uri="{FF2B5EF4-FFF2-40B4-BE49-F238E27FC236}">
-                    <a16:creationId xmlns="" xmlns:a16="http://schemas.microsoft.com/office/drawing/2014/main" id="{C3CC6A5A-182E-4A09-9C04-EB191881D789}"/>
+                    <a16:creationId xmlns:a16="http://schemas.microsoft.com/office/drawing/2014/main" xmlns="" id="{C3CC6A5A-182E-4A09-9C04-EB191881D789}"/>
                   </a:ext>
                 </a:extLst>
               </p:cNvPr>
@@ -8594,7 +8946,7 @@
               <p:cNvPr id="22" name="Straight Connector 21">
                 <a:extLst>
                   <a:ext uri="{FF2B5EF4-FFF2-40B4-BE49-F238E27FC236}">
-                    <a16:creationId xmlns="" xmlns:a16="http://schemas.microsoft.com/office/drawing/2014/main" id="{440C8953-0555-48CC-8255-78F17E053EE7}"/>
+                    <a16:creationId xmlns:a16="http://schemas.microsoft.com/office/drawing/2014/main" xmlns="" id="{440C8953-0555-48CC-8255-78F17E053EE7}"/>
                   </a:ext>
                 </a:extLst>
               </p:cNvPr>
@@ -8640,7 +8992,7 @@
           <p:cNvPr id="34" name="Straight Connector 33">
             <a:extLst>
               <a:ext uri="{FF2B5EF4-FFF2-40B4-BE49-F238E27FC236}">
-                <a16:creationId xmlns="" xmlns:a16="http://schemas.microsoft.com/office/drawing/2014/main" id="{29B538CA-8CCB-43FB-B5E5-5FC04EBC1F54}"/>
+                <a16:creationId xmlns:a16="http://schemas.microsoft.com/office/drawing/2014/main" xmlns="" id="{29B538CA-8CCB-43FB-B5E5-5FC04EBC1F54}"/>
               </a:ext>
             </a:extLst>
           </p:cNvPr>
@@ -8685,7 +9037,7 @@
     </p:spTree>
     <p:extLst>
       <p:ext uri="{BB962C8B-B14F-4D97-AF65-F5344CB8AC3E}">
-        <p14:creationId xmlns="" xmlns:p14="http://schemas.microsoft.com/office/powerpoint/2010/main" val="743545348"/>
+        <p14:creationId xmlns:p14="http://schemas.microsoft.com/office/powerpoint/2010/main" xmlns="" val="743545348"/>
       </p:ext>
     </p:extLst>
   </p:cSld>
@@ -8693,7 +9045,7 @@
     <a:masterClrMapping/>
   </p:clrMapOvr>
   <mc:AlternateContent xmlns:mc="http://schemas.openxmlformats.org/markup-compatibility/2006">
-    <mc:Choice xmlns="" xmlns:p14="http://schemas.microsoft.com/office/powerpoint/2010/main" Requires="p14">
+    <mc:Choice xmlns:p14="http://schemas.microsoft.com/office/powerpoint/2010/main" xmlns="" Requires="p14">
       <p:transition spd="slow" p14:dur="2000" advClick="0" advTm="5000"/>
     </mc:Choice>
     <mc:Fallback>
@@ -8725,7 +9077,7 @@
           <p:cNvPr id="9" name="Slide Number">
             <a:extLst>
               <a:ext uri="{FF2B5EF4-FFF2-40B4-BE49-F238E27FC236}">
-                <a16:creationId xmlns="" xmlns:a16="http://schemas.microsoft.com/office/drawing/2014/main" id="{1865BF6B-7F07-4E9C-879F-80E36EEB3405}"/>
+                <a16:creationId xmlns:a16="http://schemas.microsoft.com/office/drawing/2014/main" xmlns="" id="{1865BF6B-7F07-4E9C-879F-80E36EEB3405}"/>
               </a:ext>
             </a:extLst>
           </p:cNvPr>
@@ -8767,7 +9119,7 @@
           <p:cNvPr id="12" name="Rectangle Left">
             <a:extLst>
               <a:ext uri="{FF2B5EF4-FFF2-40B4-BE49-F238E27FC236}">
-                <a16:creationId xmlns="" xmlns:a16="http://schemas.microsoft.com/office/drawing/2014/main" id="{345FB1C8-7F66-4D5C-ACCE-AE919936BCFD}"/>
+                <a16:creationId xmlns:a16="http://schemas.microsoft.com/office/drawing/2014/main" xmlns="" id="{345FB1C8-7F66-4D5C-ACCE-AE919936BCFD}"/>
               </a:ext>
             </a:extLst>
           </p:cNvPr>
@@ -8848,7 +9200,7 @@
           <p:cNvPr id="15" name="Slide Body Text">
             <a:extLst>
               <a:ext uri="{FF2B5EF4-FFF2-40B4-BE49-F238E27FC236}">
-                <a16:creationId xmlns="" xmlns:a16="http://schemas.microsoft.com/office/drawing/2014/main" id="{6157C8DE-E0AF-422B-BBB1-F0AF1264B5E9}"/>
+                <a16:creationId xmlns:a16="http://schemas.microsoft.com/office/drawing/2014/main" xmlns="" id="{6157C8DE-E0AF-422B-BBB1-F0AF1264B5E9}"/>
               </a:ext>
             </a:extLst>
           </p:cNvPr>
@@ -8946,7 +9298,7 @@
           <p:cNvPr id="16" name="Logo Software University" descr="Software University logo">
             <a:extLst>
               <a:ext uri="{FF2B5EF4-FFF2-40B4-BE49-F238E27FC236}">
-                <a16:creationId xmlns="" xmlns:a16="http://schemas.microsoft.com/office/drawing/2014/main" id="{EFEBB553-EACE-4B4F-8B4F-7629FDD910A4}"/>
+                <a16:creationId xmlns:a16="http://schemas.microsoft.com/office/drawing/2014/main" xmlns="" id="{EFEBB553-EACE-4B4F-8B4F-7629FDD910A4}"/>
               </a:ext>
             </a:extLst>
           </p:cNvPr>
@@ -8969,7 +9321,7 @@
             </a:clrChange>
             <a:extLst>
               <a:ext uri="{28A0092B-C50C-407E-A947-70E740481C1C}">
-                <a14:useLocalDpi xmlns="" xmlns:a14="http://schemas.microsoft.com/office/drawing/2010/main" val="0"/>
+                <a14:useLocalDpi xmlns:a14="http://schemas.microsoft.com/office/drawing/2010/main" xmlns="" val="0"/>
               </a:ext>
             </a:extLst>
           </a:blip>
@@ -8992,7 +9344,7 @@
           <p:cNvPr id="13" name="Slide Title">
             <a:extLst>
               <a:ext uri="{FF2B5EF4-FFF2-40B4-BE49-F238E27FC236}">
-                <a16:creationId xmlns="" xmlns:a16="http://schemas.microsoft.com/office/drawing/2014/main" id="{0D5CC956-5C4A-44BE-8F8B-327FAFA51E97}"/>
+                <a16:creationId xmlns:a16="http://schemas.microsoft.com/office/drawing/2014/main" xmlns="" id="{0D5CC956-5C4A-44BE-8F8B-327FAFA51E97}"/>
               </a:ext>
             </a:extLst>
           </p:cNvPr>
@@ -9029,7 +9381,7 @@
           <p:cNvPr id="33" name="Group 32">
             <a:extLst>
               <a:ext uri="{FF2B5EF4-FFF2-40B4-BE49-F238E27FC236}">
-                <a16:creationId xmlns="" xmlns:a16="http://schemas.microsoft.com/office/drawing/2014/main" id="{7CF60135-47AA-48F0-96BA-0E795668ABDB}"/>
+                <a16:creationId xmlns:a16="http://schemas.microsoft.com/office/drawing/2014/main" xmlns="" id="{7CF60135-47AA-48F0-96BA-0E795668ABDB}"/>
               </a:ext>
             </a:extLst>
           </p:cNvPr>
@@ -9049,7 +9401,7 @@
             <p:cNvPr id="34" name="Group 33">
               <a:extLst>
                 <a:ext uri="{FF2B5EF4-FFF2-40B4-BE49-F238E27FC236}">
-                  <a16:creationId xmlns="" xmlns:a16="http://schemas.microsoft.com/office/drawing/2014/main" id="{2823380E-3936-41AF-BDF7-DA54D75BBF6B}"/>
+                  <a16:creationId xmlns:a16="http://schemas.microsoft.com/office/drawing/2014/main" xmlns="" id="{2823380E-3936-41AF-BDF7-DA54D75BBF6B}"/>
                 </a:ext>
               </a:extLst>
             </p:cNvPr>
@@ -9069,7 +9421,7 @@
               <p:cNvPr id="47" name="Oval 46">
                 <a:extLst>
                   <a:ext uri="{FF2B5EF4-FFF2-40B4-BE49-F238E27FC236}">
-                    <a16:creationId xmlns="" xmlns:a16="http://schemas.microsoft.com/office/drawing/2014/main" id="{52B047D9-D8DD-45C7-9BC8-6D4F682F5182}"/>
+                    <a16:creationId xmlns:a16="http://schemas.microsoft.com/office/drawing/2014/main" xmlns="" id="{52B047D9-D8DD-45C7-9BC8-6D4F682F5182}"/>
                   </a:ext>
                 </a:extLst>
               </p:cNvPr>
@@ -9121,7 +9473,7 @@
               <p:cNvPr id="48" name="Rectangle 5">
                 <a:extLst>
                   <a:ext uri="{FF2B5EF4-FFF2-40B4-BE49-F238E27FC236}">
-                    <a16:creationId xmlns="" xmlns:a16="http://schemas.microsoft.com/office/drawing/2014/main" id="{4D84FE51-BD8E-47EA-9463-CE02FEA31766}"/>
+                    <a16:creationId xmlns:a16="http://schemas.microsoft.com/office/drawing/2014/main" xmlns="" id="{4D84FE51-BD8E-47EA-9463-CE02FEA31766}"/>
                   </a:ext>
                 </a:extLst>
               </p:cNvPr>
@@ -9266,7 +9618,7 @@
               <p:cNvPr id="49" name="Rectangle 5">
                 <a:extLst>
                   <a:ext uri="{FF2B5EF4-FFF2-40B4-BE49-F238E27FC236}">
-                    <a16:creationId xmlns="" xmlns:a16="http://schemas.microsoft.com/office/drawing/2014/main" id="{F5C8F037-C197-4219-AC87-3A81763512BC}"/>
+                    <a16:creationId xmlns:a16="http://schemas.microsoft.com/office/drawing/2014/main" xmlns="" id="{F5C8F037-C197-4219-AC87-3A81763512BC}"/>
                   </a:ext>
                 </a:extLst>
               </p:cNvPr>
@@ -9411,7 +9763,7 @@
               <p:cNvPr id="50" name="Arc 49">
                 <a:extLst>
                   <a:ext uri="{FF2B5EF4-FFF2-40B4-BE49-F238E27FC236}">
-                    <a16:creationId xmlns="" xmlns:a16="http://schemas.microsoft.com/office/drawing/2014/main" id="{786EE401-CF8E-439B-94A0-EE6F3A7D5798}"/>
+                    <a16:creationId xmlns:a16="http://schemas.microsoft.com/office/drawing/2014/main" xmlns="" id="{786EE401-CF8E-439B-94A0-EE6F3A7D5798}"/>
                   </a:ext>
                 </a:extLst>
               </p:cNvPr>
@@ -9470,7 +9822,7 @@
               <p:cNvPr id="51" name="Arc 50">
                 <a:extLst>
                   <a:ext uri="{FF2B5EF4-FFF2-40B4-BE49-F238E27FC236}">
-                    <a16:creationId xmlns="" xmlns:a16="http://schemas.microsoft.com/office/drawing/2014/main" id="{8D9ACD38-B3EB-4A63-9730-CBF0501BF235}"/>
+                    <a16:creationId xmlns:a16="http://schemas.microsoft.com/office/drawing/2014/main" xmlns="" id="{8D9ACD38-B3EB-4A63-9730-CBF0501BF235}"/>
                   </a:ext>
                 </a:extLst>
               </p:cNvPr>
@@ -9530,7 +9882,7 @@
             <p:cNvPr id="35" name="Rectangle: Rounded Corners 34">
               <a:extLst>
                 <a:ext uri="{FF2B5EF4-FFF2-40B4-BE49-F238E27FC236}">
-                  <a16:creationId xmlns="" xmlns:a16="http://schemas.microsoft.com/office/drawing/2014/main" id="{64EE493E-A353-4C75-A3B9-D48ABA2C57CC}"/>
+                  <a16:creationId xmlns:a16="http://schemas.microsoft.com/office/drawing/2014/main" xmlns="" id="{64EE493E-A353-4C75-A3B9-D48ABA2C57CC}"/>
                 </a:ext>
               </a:extLst>
             </p:cNvPr>
@@ -9584,7 +9936,7 @@
             <p:cNvPr id="36" name="Rectangle: Rounded Corners 35">
               <a:extLst>
                 <a:ext uri="{FF2B5EF4-FFF2-40B4-BE49-F238E27FC236}">
-                  <a16:creationId xmlns="" xmlns:a16="http://schemas.microsoft.com/office/drawing/2014/main" id="{718408B9-204E-42E3-9E79-33E047E869BC}"/>
+                  <a16:creationId xmlns:a16="http://schemas.microsoft.com/office/drawing/2014/main" xmlns="" id="{718408B9-204E-42E3-9E79-33E047E869BC}"/>
                 </a:ext>
               </a:extLst>
             </p:cNvPr>
@@ -9645,7 +9997,7 @@
             <p:cNvPr id="37" name="Straight Connector 36">
               <a:extLst>
                 <a:ext uri="{FF2B5EF4-FFF2-40B4-BE49-F238E27FC236}">
-                  <a16:creationId xmlns="" xmlns:a16="http://schemas.microsoft.com/office/drawing/2014/main" id="{0AB66D97-DF6F-4CD2-AF13-42B5C852F673}"/>
+                  <a16:creationId xmlns:a16="http://schemas.microsoft.com/office/drawing/2014/main" xmlns="" id="{0AB66D97-DF6F-4CD2-AF13-42B5C852F673}"/>
                 </a:ext>
               </a:extLst>
             </p:cNvPr>
@@ -9691,7 +10043,7 @@
             <p:cNvPr id="38" name="Straight Connector 37">
               <a:extLst>
                 <a:ext uri="{FF2B5EF4-FFF2-40B4-BE49-F238E27FC236}">
-                  <a16:creationId xmlns="" xmlns:a16="http://schemas.microsoft.com/office/drawing/2014/main" id="{F2AFBA69-C196-4703-8AAB-5F72A8EDCEB5}"/>
+                  <a16:creationId xmlns:a16="http://schemas.microsoft.com/office/drawing/2014/main" xmlns="" id="{F2AFBA69-C196-4703-8AAB-5F72A8EDCEB5}"/>
                 </a:ext>
               </a:extLst>
             </p:cNvPr>
@@ -9737,7 +10089,7 @@
             <p:cNvPr id="39" name="Group 38">
               <a:extLst>
                 <a:ext uri="{FF2B5EF4-FFF2-40B4-BE49-F238E27FC236}">
-                  <a16:creationId xmlns="" xmlns:a16="http://schemas.microsoft.com/office/drawing/2014/main" id="{9AFC66C1-0C1C-4332-9C4E-782574C896B8}"/>
+                  <a16:creationId xmlns:a16="http://schemas.microsoft.com/office/drawing/2014/main" xmlns="" id="{9AFC66C1-0C1C-4332-9C4E-782574C896B8}"/>
                 </a:ext>
               </a:extLst>
             </p:cNvPr>
@@ -9760,7 +10112,7 @@
               <p:cNvPr id="45" name="Straight Connector 44">
                 <a:extLst>
                   <a:ext uri="{FF2B5EF4-FFF2-40B4-BE49-F238E27FC236}">
-                    <a16:creationId xmlns="" xmlns:a16="http://schemas.microsoft.com/office/drawing/2014/main" id="{872CA8AD-EAF6-40BE-9DDE-ECDB4A980CA5}"/>
+                    <a16:creationId xmlns:a16="http://schemas.microsoft.com/office/drawing/2014/main" xmlns="" id="{872CA8AD-EAF6-40BE-9DDE-ECDB4A980CA5}"/>
                   </a:ext>
                 </a:extLst>
               </p:cNvPr>
@@ -9804,7 +10156,7 @@
               <p:cNvPr id="46" name="Straight Connector 45">
                 <a:extLst>
                   <a:ext uri="{FF2B5EF4-FFF2-40B4-BE49-F238E27FC236}">
-                    <a16:creationId xmlns="" xmlns:a16="http://schemas.microsoft.com/office/drawing/2014/main" id="{57DD3EC7-1A13-4AFE-BD6F-DA12C281FAFB}"/>
+                    <a16:creationId xmlns:a16="http://schemas.microsoft.com/office/drawing/2014/main" xmlns="" id="{57DD3EC7-1A13-4AFE-BD6F-DA12C281FAFB}"/>
                   </a:ext>
                 </a:extLst>
               </p:cNvPr>
@@ -9849,7 +10201,7 @@
             <p:cNvPr id="40" name="Straight Connector 39">
               <a:extLst>
                 <a:ext uri="{FF2B5EF4-FFF2-40B4-BE49-F238E27FC236}">
-                  <a16:creationId xmlns="" xmlns:a16="http://schemas.microsoft.com/office/drawing/2014/main" id="{E46151FA-19E9-4E84-A082-EDAC6F76EA9D}"/>
+                  <a16:creationId xmlns:a16="http://schemas.microsoft.com/office/drawing/2014/main" xmlns="" id="{E46151FA-19E9-4E84-A082-EDAC6F76EA9D}"/>
                 </a:ext>
               </a:extLst>
             </p:cNvPr>
@@ -9895,7 +10247,7 @@
             <p:cNvPr id="41" name="Rectangle: Rounded Corners 40">
               <a:extLst>
                 <a:ext uri="{FF2B5EF4-FFF2-40B4-BE49-F238E27FC236}">
-                  <a16:creationId xmlns="" xmlns:a16="http://schemas.microsoft.com/office/drawing/2014/main" id="{3423EEF0-5B70-4091-B2DA-0740D2609643}"/>
+                  <a16:creationId xmlns:a16="http://schemas.microsoft.com/office/drawing/2014/main" xmlns="" id="{3423EEF0-5B70-4091-B2DA-0740D2609643}"/>
                 </a:ext>
               </a:extLst>
             </p:cNvPr>
@@ -9949,7 +10301,7 @@
             <p:cNvPr id="42" name="Group 41">
               <a:extLst>
                 <a:ext uri="{FF2B5EF4-FFF2-40B4-BE49-F238E27FC236}">
-                  <a16:creationId xmlns="" xmlns:a16="http://schemas.microsoft.com/office/drawing/2014/main" id="{49A8AAA7-98E7-4224-B027-830FFCC285A3}"/>
+                  <a16:creationId xmlns:a16="http://schemas.microsoft.com/office/drawing/2014/main" xmlns="" id="{49A8AAA7-98E7-4224-B027-830FFCC285A3}"/>
                 </a:ext>
               </a:extLst>
             </p:cNvPr>
@@ -9972,7 +10324,7 @@
               <p:cNvPr id="43" name="Straight Connector 42">
                 <a:extLst>
                   <a:ext uri="{FF2B5EF4-FFF2-40B4-BE49-F238E27FC236}">
-                    <a16:creationId xmlns="" xmlns:a16="http://schemas.microsoft.com/office/drawing/2014/main" id="{2129EC38-471E-4685-973E-BA7A7F567C42}"/>
+                    <a16:creationId xmlns:a16="http://schemas.microsoft.com/office/drawing/2014/main" xmlns="" id="{2129EC38-471E-4685-973E-BA7A7F567C42}"/>
                   </a:ext>
                 </a:extLst>
               </p:cNvPr>
@@ -10016,7 +10368,7 @@
               <p:cNvPr id="44" name="Straight Connector 43">
                 <a:extLst>
                   <a:ext uri="{FF2B5EF4-FFF2-40B4-BE49-F238E27FC236}">
-                    <a16:creationId xmlns="" xmlns:a16="http://schemas.microsoft.com/office/drawing/2014/main" id="{678142BE-84C9-4834-B6CC-6623E401661C}"/>
+                    <a16:creationId xmlns:a16="http://schemas.microsoft.com/office/drawing/2014/main" xmlns="" id="{678142BE-84C9-4834-B6CC-6623E401661C}"/>
                   </a:ext>
                 </a:extLst>
               </p:cNvPr>
@@ -10060,7 +10412,7 @@
     </p:spTree>
     <p:extLst>
       <p:ext uri="{BB962C8B-B14F-4D97-AF65-F5344CB8AC3E}">
-        <p14:creationId xmlns="" xmlns:p14="http://schemas.microsoft.com/office/powerpoint/2010/main" val="1679651758"/>
+        <p14:creationId xmlns:p14="http://schemas.microsoft.com/office/powerpoint/2010/main" xmlns="" val="1679651758"/>
       </p:ext>
     </p:extLst>
   </p:cSld>
@@ -10068,7 +10420,7 @@
     <a:masterClrMapping/>
   </p:clrMapOvr>
   <mc:AlternateContent xmlns:mc="http://schemas.openxmlformats.org/markup-compatibility/2006">
-    <mc:Choice xmlns="" xmlns:p14="http://schemas.microsoft.com/office/powerpoint/2010/main" Requires="p14">
+    <mc:Choice xmlns:p14="http://schemas.microsoft.com/office/powerpoint/2010/main" xmlns="" Requires="p14">
       <p:transition spd="slow" p14:dur="2000" advClick="0" advTm="5000"/>
     </mc:Choice>
     <mc:Fallback>
@@ -10100,7 +10452,7 @@
           <p:cNvPr id="5" name="Slide Number">
             <a:extLst>
               <a:ext uri="{FF2B5EF4-FFF2-40B4-BE49-F238E27FC236}">
-                <a16:creationId xmlns="" xmlns:a16="http://schemas.microsoft.com/office/drawing/2014/main" id="{F0B8C963-1813-4B69-AD27-6D02EBBBB569}"/>
+                <a16:creationId xmlns:a16="http://schemas.microsoft.com/office/drawing/2014/main" xmlns="" id="{F0B8C963-1813-4B69-AD27-6D02EBBBB569}"/>
               </a:ext>
             </a:extLst>
           </p:cNvPr>
@@ -10142,7 +10494,7 @@
           <p:cNvPr id="3" name="Rectangle Left">
             <a:extLst>
               <a:ext uri="{FF2B5EF4-FFF2-40B4-BE49-F238E27FC236}">
-                <a16:creationId xmlns="" xmlns:a16="http://schemas.microsoft.com/office/drawing/2014/main" id="{345FB1C8-7F66-4D5C-ACCE-AE919936BCFD}"/>
+                <a16:creationId xmlns:a16="http://schemas.microsoft.com/office/drawing/2014/main" xmlns="" id="{345FB1C8-7F66-4D5C-ACCE-AE919936BCFD}"/>
               </a:ext>
             </a:extLst>
           </p:cNvPr>
@@ -10223,7 +10575,7 @@
           <p:cNvPr id="7" name="Slide Body Text">
             <a:extLst>
               <a:ext uri="{FF2B5EF4-FFF2-40B4-BE49-F238E27FC236}">
-                <a16:creationId xmlns="" xmlns:a16="http://schemas.microsoft.com/office/drawing/2014/main" id="{7296EDA7-D37D-4B31-A888-371F0804124F}"/>
+                <a16:creationId xmlns:a16="http://schemas.microsoft.com/office/drawing/2014/main" xmlns="" id="{7296EDA7-D37D-4B31-A888-371F0804124F}"/>
               </a:ext>
             </a:extLst>
           </p:cNvPr>
@@ -10321,7 +10673,7 @@
           <p:cNvPr id="6" name="Slide Title">
             <a:extLst>
               <a:ext uri="{FF2B5EF4-FFF2-40B4-BE49-F238E27FC236}">
-                <a16:creationId xmlns="" xmlns:a16="http://schemas.microsoft.com/office/drawing/2014/main" id="{55A88B09-3557-48A3-BF27-42699C269215}"/>
+                <a16:creationId xmlns:a16="http://schemas.microsoft.com/office/drawing/2014/main" xmlns="" id="{55A88B09-3557-48A3-BF27-42699C269215}"/>
               </a:ext>
             </a:extLst>
           </p:cNvPr>
@@ -10358,7 +10710,7 @@
           <p:cNvPr id="28" name="Group 27">
             <a:extLst>
               <a:ext uri="{FF2B5EF4-FFF2-40B4-BE49-F238E27FC236}">
-                <a16:creationId xmlns="" xmlns:a16="http://schemas.microsoft.com/office/drawing/2014/main" id="{C4248838-4E67-439E-AE0A-0043D2CB04D6}"/>
+                <a16:creationId xmlns:a16="http://schemas.microsoft.com/office/drawing/2014/main" xmlns="" id="{C4248838-4E67-439E-AE0A-0043D2CB04D6}"/>
               </a:ext>
             </a:extLst>
           </p:cNvPr>
@@ -10378,7 +10730,7 @@
             <p:cNvPr id="29" name="Group 28">
               <a:extLst>
                 <a:ext uri="{FF2B5EF4-FFF2-40B4-BE49-F238E27FC236}">
-                  <a16:creationId xmlns="" xmlns:a16="http://schemas.microsoft.com/office/drawing/2014/main" id="{810CFD6A-2427-49D5-846A-5F93601D4184}"/>
+                  <a16:creationId xmlns:a16="http://schemas.microsoft.com/office/drawing/2014/main" xmlns="" id="{810CFD6A-2427-49D5-846A-5F93601D4184}"/>
                 </a:ext>
               </a:extLst>
             </p:cNvPr>
@@ -10398,7 +10750,7 @@
               <p:cNvPr id="42" name="Oval 41">
                 <a:extLst>
                   <a:ext uri="{FF2B5EF4-FFF2-40B4-BE49-F238E27FC236}">
-                    <a16:creationId xmlns="" xmlns:a16="http://schemas.microsoft.com/office/drawing/2014/main" id="{017B1AE5-5C36-4839-BA1F-B404EA44E701}"/>
+                    <a16:creationId xmlns:a16="http://schemas.microsoft.com/office/drawing/2014/main" xmlns="" id="{017B1AE5-5C36-4839-BA1F-B404EA44E701}"/>
                   </a:ext>
                 </a:extLst>
               </p:cNvPr>
@@ -10450,7 +10802,7 @@
               <p:cNvPr id="43" name="Rectangle 5">
                 <a:extLst>
                   <a:ext uri="{FF2B5EF4-FFF2-40B4-BE49-F238E27FC236}">
-                    <a16:creationId xmlns="" xmlns:a16="http://schemas.microsoft.com/office/drawing/2014/main" id="{FB963D79-BB49-4A1D-BA66-EA0670C79BAE}"/>
+                    <a16:creationId xmlns:a16="http://schemas.microsoft.com/office/drawing/2014/main" xmlns="" id="{FB963D79-BB49-4A1D-BA66-EA0670C79BAE}"/>
                   </a:ext>
                 </a:extLst>
               </p:cNvPr>
@@ -10595,7 +10947,7 @@
               <p:cNvPr id="44" name="Rectangle 5">
                 <a:extLst>
                   <a:ext uri="{FF2B5EF4-FFF2-40B4-BE49-F238E27FC236}">
-                    <a16:creationId xmlns="" xmlns:a16="http://schemas.microsoft.com/office/drawing/2014/main" id="{6D7746D8-B913-493B-AAE9-25BC6893D40E}"/>
+                    <a16:creationId xmlns:a16="http://schemas.microsoft.com/office/drawing/2014/main" xmlns="" id="{6D7746D8-B913-493B-AAE9-25BC6893D40E}"/>
                   </a:ext>
                 </a:extLst>
               </p:cNvPr>
@@ -10740,7 +11092,7 @@
               <p:cNvPr id="45" name="Arc 44">
                 <a:extLst>
                   <a:ext uri="{FF2B5EF4-FFF2-40B4-BE49-F238E27FC236}">
-                    <a16:creationId xmlns="" xmlns:a16="http://schemas.microsoft.com/office/drawing/2014/main" id="{29031C02-E965-417B-8799-96061B14F30D}"/>
+                    <a16:creationId xmlns:a16="http://schemas.microsoft.com/office/drawing/2014/main" xmlns="" id="{29031C02-E965-417B-8799-96061B14F30D}"/>
                   </a:ext>
                 </a:extLst>
               </p:cNvPr>
@@ -10799,7 +11151,7 @@
               <p:cNvPr id="46" name="Arc 45">
                 <a:extLst>
                   <a:ext uri="{FF2B5EF4-FFF2-40B4-BE49-F238E27FC236}">
-                    <a16:creationId xmlns="" xmlns:a16="http://schemas.microsoft.com/office/drawing/2014/main" id="{26BFD8A6-BC99-4B16-BA10-08A9E5C681C0}"/>
+                    <a16:creationId xmlns:a16="http://schemas.microsoft.com/office/drawing/2014/main" xmlns="" id="{26BFD8A6-BC99-4B16-BA10-08A9E5C681C0}"/>
                   </a:ext>
                 </a:extLst>
               </p:cNvPr>
@@ -10859,7 +11211,7 @@
             <p:cNvPr id="30" name="Rectangle: Rounded Corners 29">
               <a:extLst>
                 <a:ext uri="{FF2B5EF4-FFF2-40B4-BE49-F238E27FC236}">
-                  <a16:creationId xmlns="" xmlns:a16="http://schemas.microsoft.com/office/drawing/2014/main" id="{B310277F-A78E-4FB9-9EA9-88BE4F1D585B}"/>
+                  <a16:creationId xmlns:a16="http://schemas.microsoft.com/office/drawing/2014/main" xmlns="" id="{B310277F-A78E-4FB9-9EA9-88BE4F1D585B}"/>
                 </a:ext>
               </a:extLst>
             </p:cNvPr>
@@ -10913,7 +11265,7 @@
             <p:cNvPr id="31" name="Rectangle: Rounded Corners 30">
               <a:extLst>
                 <a:ext uri="{FF2B5EF4-FFF2-40B4-BE49-F238E27FC236}">
-                  <a16:creationId xmlns="" xmlns:a16="http://schemas.microsoft.com/office/drawing/2014/main" id="{A92CF92B-C212-4542-83AE-A0058B5BB5EA}"/>
+                  <a16:creationId xmlns:a16="http://schemas.microsoft.com/office/drawing/2014/main" xmlns="" id="{A92CF92B-C212-4542-83AE-A0058B5BB5EA}"/>
                 </a:ext>
               </a:extLst>
             </p:cNvPr>
@@ -10974,7 +11326,7 @@
             <p:cNvPr id="32" name="Straight Connector 31">
               <a:extLst>
                 <a:ext uri="{FF2B5EF4-FFF2-40B4-BE49-F238E27FC236}">
-                  <a16:creationId xmlns="" xmlns:a16="http://schemas.microsoft.com/office/drawing/2014/main" id="{563B4374-5C0D-461F-B3BD-78D99614D365}"/>
+                  <a16:creationId xmlns:a16="http://schemas.microsoft.com/office/drawing/2014/main" xmlns="" id="{563B4374-5C0D-461F-B3BD-78D99614D365}"/>
                 </a:ext>
               </a:extLst>
             </p:cNvPr>
@@ -11020,7 +11372,7 @@
             <p:cNvPr id="33" name="Straight Connector 32">
               <a:extLst>
                 <a:ext uri="{FF2B5EF4-FFF2-40B4-BE49-F238E27FC236}">
-                  <a16:creationId xmlns="" xmlns:a16="http://schemas.microsoft.com/office/drawing/2014/main" id="{FBC6FDE7-AEA1-4230-8433-4C088A0FF5F9}"/>
+                  <a16:creationId xmlns:a16="http://schemas.microsoft.com/office/drawing/2014/main" xmlns="" id="{FBC6FDE7-AEA1-4230-8433-4C088A0FF5F9}"/>
                 </a:ext>
               </a:extLst>
             </p:cNvPr>
@@ -11066,7 +11418,7 @@
             <p:cNvPr id="34" name="Group 33">
               <a:extLst>
                 <a:ext uri="{FF2B5EF4-FFF2-40B4-BE49-F238E27FC236}">
-                  <a16:creationId xmlns="" xmlns:a16="http://schemas.microsoft.com/office/drawing/2014/main" id="{C4D1021D-07C7-4331-8FF6-36980A30978B}"/>
+                  <a16:creationId xmlns:a16="http://schemas.microsoft.com/office/drawing/2014/main" xmlns="" id="{C4D1021D-07C7-4331-8FF6-36980A30978B}"/>
                 </a:ext>
               </a:extLst>
             </p:cNvPr>
@@ -11089,7 +11441,7 @@
               <p:cNvPr id="40" name="Straight Connector 39">
                 <a:extLst>
                   <a:ext uri="{FF2B5EF4-FFF2-40B4-BE49-F238E27FC236}">
-                    <a16:creationId xmlns="" xmlns:a16="http://schemas.microsoft.com/office/drawing/2014/main" id="{13B7FE99-95CF-45D5-966B-87A979B93431}"/>
+                    <a16:creationId xmlns:a16="http://schemas.microsoft.com/office/drawing/2014/main" xmlns="" id="{13B7FE99-95CF-45D5-966B-87A979B93431}"/>
                   </a:ext>
                 </a:extLst>
               </p:cNvPr>
@@ -11133,7 +11485,7 @@
               <p:cNvPr id="41" name="Straight Connector 40">
                 <a:extLst>
                   <a:ext uri="{FF2B5EF4-FFF2-40B4-BE49-F238E27FC236}">
-                    <a16:creationId xmlns="" xmlns:a16="http://schemas.microsoft.com/office/drawing/2014/main" id="{71BBA69B-19FF-4ADB-A739-AD8136A5F0A6}"/>
+                    <a16:creationId xmlns:a16="http://schemas.microsoft.com/office/drawing/2014/main" xmlns="" id="{71BBA69B-19FF-4ADB-A739-AD8136A5F0A6}"/>
                   </a:ext>
                 </a:extLst>
               </p:cNvPr>
@@ -11178,7 +11530,7 @@
             <p:cNvPr id="35" name="Straight Connector 34">
               <a:extLst>
                 <a:ext uri="{FF2B5EF4-FFF2-40B4-BE49-F238E27FC236}">
-                  <a16:creationId xmlns="" xmlns:a16="http://schemas.microsoft.com/office/drawing/2014/main" id="{BFD1D86B-562B-40B2-8E46-34233EFEE7FC}"/>
+                  <a16:creationId xmlns:a16="http://schemas.microsoft.com/office/drawing/2014/main" xmlns="" id="{BFD1D86B-562B-40B2-8E46-34233EFEE7FC}"/>
                 </a:ext>
               </a:extLst>
             </p:cNvPr>
@@ -11224,7 +11576,7 @@
             <p:cNvPr id="36" name="Rectangle: Rounded Corners 35">
               <a:extLst>
                 <a:ext uri="{FF2B5EF4-FFF2-40B4-BE49-F238E27FC236}">
-                  <a16:creationId xmlns="" xmlns:a16="http://schemas.microsoft.com/office/drawing/2014/main" id="{388C17BD-16A1-43C5-BFFA-2FF9174719E1}"/>
+                  <a16:creationId xmlns:a16="http://schemas.microsoft.com/office/drawing/2014/main" xmlns="" id="{388C17BD-16A1-43C5-BFFA-2FF9174719E1}"/>
                 </a:ext>
               </a:extLst>
             </p:cNvPr>
@@ -11278,7 +11630,7 @@
             <p:cNvPr id="37" name="Group 36">
               <a:extLst>
                 <a:ext uri="{FF2B5EF4-FFF2-40B4-BE49-F238E27FC236}">
-                  <a16:creationId xmlns="" xmlns:a16="http://schemas.microsoft.com/office/drawing/2014/main" id="{1B3B910E-ACFC-4F28-8E28-F02E1588B87E}"/>
+                  <a16:creationId xmlns:a16="http://schemas.microsoft.com/office/drawing/2014/main" xmlns="" id="{1B3B910E-ACFC-4F28-8E28-F02E1588B87E}"/>
                 </a:ext>
               </a:extLst>
             </p:cNvPr>
@@ -11301,7 +11653,7 @@
               <p:cNvPr id="38" name="Straight Connector 37">
                 <a:extLst>
                   <a:ext uri="{FF2B5EF4-FFF2-40B4-BE49-F238E27FC236}">
-                    <a16:creationId xmlns="" xmlns:a16="http://schemas.microsoft.com/office/drawing/2014/main" id="{F57772B6-06C0-4F54-AA94-D3F92DA4716A}"/>
+                    <a16:creationId xmlns:a16="http://schemas.microsoft.com/office/drawing/2014/main" xmlns="" id="{F57772B6-06C0-4F54-AA94-D3F92DA4716A}"/>
                   </a:ext>
                 </a:extLst>
               </p:cNvPr>
@@ -11345,7 +11697,7 @@
               <p:cNvPr id="39" name="Straight Connector 38">
                 <a:extLst>
                   <a:ext uri="{FF2B5EF4-FFF2-40B4-BE49-F238E27FC236}">
-                    <a16:creationId xmlns="" xmlns:a16="http://schemas.microsoft.com/office/drawing/2014/main" id="{23370C1F-7876-4278-AB20-78F6CAA385E2}"/>
+                    <a16:creationId xmlns:a16="http://schemas.microsoft.com/office/drawing/2014/main" xmlns="" id="{23370C1F-7876-4278-AB20-78F6CAA385E2}"/>
                   </a:ext>
                 </a:extLst>
               </p:cNvPr>
@@ -11389,7 +11741,7 @@
     </p:spTree>
     <p:extLst>
       <p:ext uri="{BB962C8B-B14F-4D97-AF65-F5344CB8AC3E}">
-        <p14:creationId xmlns="" xmlns:p14="http://schemas.microsoft.com/office/powerpoint/2010/main" val="3284562556"/>
+        <p14:creationId xmlns:p14="http://schemas.microsoft.com/office/powerpoint/2010/main" xmlns="" val="3284562556"/>
       </p:ext>
     </p:extLst>
   </p:cSld>
@@ -11397,7 +11749,7 @@
     <a:masterClrMapping/>
   </p:clrMapOvr>
   <mc:AlternateContent xmlns:mc="http://schemas.openxmlformats.org/markup-compatibility/2006">
-    <mc:Choice xmlns="" xmlns:p14="http://schemas.microsoft.com/office/powerpoint/2010/main" Requires="p14">
+    <mc:Choice xmlns:p14="http://schemas.microsoft.com/office/powerpoint/2010/main" xmlns="" Requires="p14">
       <p:transition spd="slow" p14:dur="2000" advClick="0" advTm="5000"/>
     </mc:Choice>
     <mc:Fallback>
@@ -11429,7 +11781,7 @@
           <p:cNvPr id="8" name="Slide Number">
             <a:extLst>
               <a:ext uri="{FF2B5EF4-FFF2-40B4-BE49-F238E27FC236}">
-                <a16:creationId xmlns="" xmlns:a16="http://schemas.microsoft.com/office/drawing/2014/main" id="{509D954E-A844-4072-A556-DE584BEB9321}"/>
+                <a16:creationId xmlns:a16="http://schemas.microsoft.com/office/drawing/2014/main" xmlns="" id="{509D954E-A844-4072-A556-DE584BEB9321}"/>
               </a:ext>
             </a:extLst>
           </p:cNvPr>
@@ -11471,7 +11823,7 @@
           <p:cNvPr id="6" name="Code Box">
             <a:extLst>
               <a:ext uri="{FF2B5EF4-FFF2-40B4-BE49-F238E27FC236}">
-                <a16:creationId xmlns="" xmlns:a16="http://schemas.microsoft.com/office/drawing/2014/main" id="{3278A82F-5546-4977-9F75-2A933B415945}"/>
+                <a16:creationId xmlns:a16="http://schemas.microsoft.com/office/drawing/2014/main" xmlns="" id="{3278A82F-5546-4977-9F75-2A933B415945}"/>
               </a:ext>
             </a:extLst>
           </p:cNvPr>
@@ -11558,7 +11910,7 @@
           <p:cNvPr id="21" name="Slide Body Text">
             <a:extLst>
               <a:ext uri="{FF2B5EF4-FFF2-40B4-BE49-F238E27FC236}">
-                <a16:creationId xmlns="" xmlns:a16="http://schemas.microsoft.com/office/drawing/2014/main" id="{04F318BE-2BAD-4677-871C-D78A4BF0CBA6}"/>
+                <a16:creationId xmlns:a16="http://schemas.microsoft.com/office/drawing/2014/main" xmlns="" id="{04F318BE-2BAD-4677-871C-D78A4BF0CBA6}"/>
               </a:ext>
             </a:extLst>
           </p:cNvPr>
@@ -11605,7 +11957,7 @@
           <p:cNvPr id="9" name="Rectangle Top">
             <a:extLst>
               <a:ext uri="{FF2B5EF4-FFF2-40B4-BE49-F238E27FC236}">
-                <a16:creationId xmlns="" xmlns:a16="http://schemas.microsoft.com/office/drawing/2014/main" id="{A15CE03A-0933-4E5D-9EA1-718D4F802FFC}"/>
+                <a16:creationId xmlns:a16="http://schemas.microsoft.com/office/drawing/2014/main" xmlns="" id="{A15CE03A-0933-4E5D-9EA1-718D4F802FFC}"/>
               </a:ext>
             </a:extLst>
           </p:cNvPr>
@@ -11686,7 +12038,7 @@
           <p:cNvPr id="10" name="Logo Software University" descr="Software University logo">
             <a:extLst>
               <a:ext uri="{FF2B5EF4-FFF2-40B4-BE49-F238E27FC236}">
-                <a16:creationId xmlns="" xmlns:a16="http://schemas.microsoft.com/office/drawing/2014/main" id="{8C01D7AF-7CBD-46E1-99F3-8EB60E838D91}"/>
+                <a16:creationId xmlns:a16="http://schemas.microsoft.com/office/drawing/2014/main" xmlns="" id="{8C01D7AF-7CBD-46E1-99F3-8EB60E838D91}"/>
               </a:ext>
             </a:extLst>
           </p:cNvPr>
@@ -11699,7 +12051,7 @@
           <a:blip r:embed="rId2" cstate="print">
             <a:extLst>
               <a:ext uri="{28A0092B-C50C-407E-A947-70E740481C1C}">
-                <a14:useLocalDpi xmlns="" xmlns:a14="http://schemas.microsoft.com/office/drawing/2010/main" val="0"/>
+                <a14:useLocalDpi xmlns:a14="http://schemas.microsoft.com/office/drawing/2010/main" xmlns="" val="0"/>
               </a:ext>
             </a:extLst>
           </a:blip>
@@ -11722,7 +12074,7 @@
           <p:cNvPr id="11" name="Slide Title">
             <a:extLst>
               <a:ext uri="{FF2B5EF4-FFF2-40B4-BE49-F238E27FC236}">
-                <a16:creationId xmlns="" xmlns:a16="http://schemas.microsoft.com/office/drawing/2014/main" id="{47D60833-F0A9-4F29-8C06-A963A7C8BE93}"/>
+                <a16:creationId xmlns:a16="http://schemas.microsoft.com/office/drawing/2014/main" xmlns="" id="{47D60833-F0A9-4F29-8C06-A963A7C8BE93}"/>
               </a:ext>
             </a:extLst>
           </p:cNvPr>
@@ -11761,7 +12113,7 @@
     </p:spTree>
     <p:extLst>
       <p:ext uri="{BB962C8B-B14F-4D97-AF65-F5344CB8AC3E}">
-        <p14:creationId xmlns="" xmlns:p14="http://schemas.microsoft.com/office/powerpoint/2010/main" val="1000829826"/>
+        <p14:creationId xmlns:p14="http://schemas.microsoft.com/office/powerpoint/2010/main" xmlns="" val="1000829826"/>
       </p:ext>
     </p:extLst>
   </p:cSld>
@@ -11769,7 +12121,7 @@
     <a:masterClrMapping/>
   </p:clrMapOvr>
   <mc:AlternateContent xmlns:mc="http://schemas.openxmlformats.org/markup-compatibility/2006">
-    <mc:Choice xmlns="" xmlns:p14="http://schemas.microsoft.com/office/powerpoint/2010/main" Requires="p14">
+    <mc:Choice xmlns:p14="http://schemas.microsoft.com/office/powerpoint/2010/main" xmlns="" Requires="p14">
       <p:transition spd="slow" p14:dur="2000" advClick="0" advTm="5000"/>
     </mc:Choice>
     <mc:Fallback>
@@ -11801,7 +12153,7 @@
           <p:cNvPr id="10" name="Slide Number">
             <a:extLst>
               <a:ext uri="{FF2B5EF4-FFF2-40B4-BE49-F238E27FC236}">
-                <a16:creationId xmlns="" xmlns:a16="http://schemas.microsoft.com/office/drawing/2014/main" id="{39DDE17E-5472-41F3-AF5F-54DFF10DC63C}"/>
+                <a16:creationId xmlns:a16="http://schemas.microsoft.com/office/drawing/2014/main" xmlns="" id="{39DDE17E-5472-41F3-AF5F-54DFF10DC63C}"/>
               </a:ext>
             </a:extLst>
           </p:cNvPr>
@@ -11843,7 +12195,7 @@
           <p:cNvPr id="9" name="Picture SoftUni Mascot" descr="SoftUni mascot with laptop">
             <a:extLst>
               <a:ext uri="{FF2B5EF4-FFF2-40B4-BE49-F238E27FC236}">
-                <a16:creationId xmlns="" xmlns:a16="http://schemas.microsoft.com/office/drawing/2014/main" id="{DC4365F6-D2C1-47B4-8477-38FD2C7711AA}"/>
+                <a16:creationId xmlns:a16="http://schemas.microsoft.com/office/drawing/2014/main" xmlns="" id="{DC4365F6-D2C1-47B4-8477-38FD2C7711AA}"/>
               </a:ext>
             </a:extLst>
           </p:cNvPr>
@@ -11856,7 +12208,7 @@
           <a:blip r:embed="rId2" cstate="print">
             <a:extLst>
               <a:ext uri="{28A0092B-C50C-407E-A947-70E740481C1C}">
-                <a14:useLocalDpi xmlns="" xmlns:a14="http://schemas.microsoft.com/office/drawing/2010/main" val="0"/>
+                <a14:useLocalDpi xmlns:a14="http://schemas.microsoft.com/office/drawing/2010/main" xmlns="" val="0"/>
               </a:ext>
             </a:extLst>
           </a:blip>
@@ -11879,7 +12231,7 @@
           <p:cNvPr id="23" name="Slide Body Text">
             <a:extLst>
               <a:ext uri="{FF2B5EF4-FFF2-40B4-BE49-F238E27FC236}">
-                <a16:creationId xmlns="" xmlns:a16="http://schemas.microsoft.com/office/drawing/2014/main" id="{889D93F4-ABFA-46BF-8E5D-FE6562ACB20F}"/>
+                <a16:creationId xmlns:a16="http://schemas.microsoft.com/office/drawing/2014/main" xmlns="" id="{889D93F4-ABFA-46BF-8E5D-FE6562ACB20F}"/>
               </a:ext>
             </a:extLst>
           </p:cNvPr>
@@ -11970,7 +12322,7 @@
           <p:cNvPr id="8" name="Rectangle Top">
             <a:extLst>
               <a:ext uri="{FF2B5EF4-FFF2-40B4-BE49-F238E27FC236}">
-                <a16:creationId xmlns="" xmlns:a16="http://schemas.microsoft.com/office/drawing/2014/main" id="{930E0800-9260-4369-8330-8264DD33C5CE}"/>
+                <a16:creationId xmlns:a16="http://schemas.microsoft.com/office/drawing/2014/main" xmlns="" id="{930E0800-9260-4369-8330-8264DD33C5CE}"/>
               </a:ext>
             </a:extLst>
           </p:cNvPr>
@@ -12051,7 +12403,7 @@
           <p:cNvPr id="11" name="Logo Software University" descr="Software University logo">
             <a:extLst>
               <a:ext uri="{FF2B5EF4-FFF2-40B4-BE49-F238E27FC236}">
-                <a16:creationId xmlns="" xmlns:a16="http://schemas.microsoft.com/office/drawing/2014/main" id="{14F779A7-4A91-448B-BEFA-956C70A1C22F}"/>
+                <a16:creationId xmlns:a16="http://schemas.microsoft.com/office/drawing/2014/main" xmlns="" id="{14F779A7-4A91-448B-BEFA-956C70A1C22F}"/>
               </a:ext>
             </a:extLst>
           </p:cNvPr>
@@ -12064,7 +12416,7 @@
           <a:blip r:embed="rId3" cstate="print">
             <a:extLst>
               <a:ext uri="{28A0092B-C50C-407E-A947-70E740481C1C}">
-                <a14:useLocalDpi xmlns="" xmlns:a14="http://schemas.microsoft.com/office/drawing/2010/main" val="0"/>
+                <a14:useLocalDpi xmlns:a14="http://schemas.microsoft.com/office/drawing/2010/main" xmlns="" val="0"/>
               </a:ext>
             </a:extLst>
           </a:blip>
@@ -12087,7 +12439,7 @@
           <p:cNvPr id="13" name="Slide Title">
             <a:extLst>
               <a:ext uri="{FF2B5EF4-FFF2-40B4-BE49-F238E27FC236}">
-                <a16:creationId xmlns="" xmlns:a16="http://schemas.microsoft.com/office/drawing/2014/main" id="{357D7BE1-6358-42CC-94F3-7BCDD91DCB6D}"/>
+                <a16:creationId xmlns:a16="http://schemas.microsoft.com/office/drawing/2014/main" xmlns="" id="{357D7BE1-6358-42CC-94F3-7BCDD91DCB6D}"/>
               </a:ext>
             </a:extLst>
           </p:cNvPr>
@@ -12126,7 +12478,7 @@
     </p:spTree>
     <p:extLst>
       <p:ext uri="{BB962C8B-B14F-4D97-AF65-F5344CB8AC3E}">
-        <p14:creationId xmlns="" xmlns:p14="http://schemas.microsoft.com/office/powerpoint/2010/main" val="1028724482"/>
+        <p14:creationId xmlns:p14="http://schemas.microsoft.com/office/powerpoint/2010/main" xmlns="" val="1028724482"/>
       </p:ext>
     </p:extLst>
   </p:cSld>
@@ -12134,7 +12486,7 @@
     <a:masterClrMapping/>
   </p:clrMapOvr>
   <mc:AlternateContent xmlns:mc="http://schemas.openxmlformats.org/markup-compatibility/2006">
-    <mc:Choice xmlns="" xmlns:p14="http://schemas.microsoft.com/office/powerpoint/2010/main" Requires="p14">
+    <mc:Choice xmlns:p14="http://schemas.microsoft.com/office/powerpoint/2010/main" xmlns="" Requires="p14">
       <p:transition spd="slow" p14:dur="2000" advClick="0" advTm="5000"/>
     </mc:Choice>
     <mc:Fallback>
@@ -12246,7 +12598,7 @@
           <p:cNvPr id="11" name="Slide Number">
             <a:extLst>
               <a:ext uri="{FF2B5EF4-FFF2-40B4-BE49-F238E27FC236}">
-                <a16:creationId xmlns="" xmlns:a16="http://schemas.microsoft.com/office/drawing/2014/main" id="{6750ECE4-94E0-469B-B8E4-562792823B0F}"/>
+                <a16:creationId xmlns:a16="http://schemas.microsoft.com/office/drawing/2014/main" xmlns="" id="{6750ECE4-94E0-469B-B8E4-562792823B0F}"/>
               </a:ext>
             </a:extLst>
           </p:cNvPr>
@@ -12369,7 +12721,7 @@
           <p:cNvPr id="12" name="Logo Software University Down" descr="Software University logo">
             <a:extLst>
               <a:ext uri="{FF2B5EF4-FFF2-40B4-BE49-F238E27FC236}">
-                <a16:creationId xmlns="" xmlns:a16="http://schemas.microsoft.com/office/drawing/2014/main" id="{7028D2F0-1E67-414B-A93D-D3F8F131A132}"/>
+                <a16:creationId xmlns:a16="http://schemas.microsoft.com/office/drawing/2014/main" xmlns="" id="{7028D2F0-1E67-414B-A93D-D3F8F131A132}"/>
               </a:ext>
             </a:extLst>
           </p:cNvPr>
@@ -12382,7 +12734,7 @@
           <a:blip r:embed="rId2" cstate="print">
             <a:extLst>
               <a:ext uri="{28A0092B-C50C-407E-A947-70E740481C1C}">
-                <a14:useLocalDpi xmlns="" xmlns:a14="http://schemas.microsoft.com/office/drawing/2010/main" val="0"/>
+                <a14:useLocalDpi xmlns:a14="http://schemas.microsoft.com/office/drawing/2010/main" xmlns="" val="0"/>
               </a:ext>
             </a:extLst>
           </a:blip>
@@ -12405,7 +12757,7 @@
           <p:cNvPr id="10" name="Text Placeholder Right">
             <a:extLst>
               <a:ext uri="{FF2B5EF4-FFF2-40B4-BE49-F238E27FC236}">
-                <a16:creationId xmlns="" xmlns:a16="http://schemas.microsoft.com/office/drawing/2014/main" id="{AF69A59F-C564-4A04-B1CC-31C261499991}"/>
+                <a16:creationId xmlns:a16="http://schemas.microsoft.com/office/drawing/2014/main" xmlns="" id="{AF69A59F-C564-4A04-B1CC-31C261499991}"/>
               </a:ext>
             </a:extLst>
           </p:cNvPr>
@@ -12483,7 +12835,7 @@
           <p:cNvPr id="9" name="Text Placeholder Left">
             <a:extLst>
               <a:ext uri="{FF2B5EF4-FFF2-40B4-BE49-F238E27FC236}">
-                <a16:creationId xmlns="" xmlns:a16="http://schemas.microsoft.com/office/drawing/2014/main" id="{C8A626D2-456B-41EF-9818-EA8DD7E314DA}"/>
+                <a16:creationId xmlns:a16="http://schemas.microsoft.com/office/drawing/2014/main" xmlns="" id="{C8A626D2-456B-41EF-9818-EA8DD7E314DA}"/>
               </a:ext>
             </a:extLst>
           </p:cNvPr>
@@ -12561,7 +12913,7 @@
           <p:cNvPr id="13" name="Rectangle Top">
             <a:extLst>
               <a:ext uri="{FF2B5EF4-FFF2-40B4-BE49-F238E27FC236}">
-                <a16:creationId xmlns="" xmlns:a16="http://schemas.microsoft.com/office/drawing/2014/main" id="{E03301DA-D0AF-46FD-8740-2F761250203A}"/>
+                <a16:creationId xmlns:a16="http://schemas.microsoft.com/office/drawing/2014/main" xmlns="" id="{E03301DA-D0AF-46FD-8740-2F761250203A}"/>
               </a:ext>
             </a:extLst>
           </p:cNvPr>
@@ -12642,7 +12994,7 @@
           <p:cNvPr id="14" name="Logo Software University" descr="Software University logo">
             <a:extLst>
               <a:ext uri="{FF2B5EF4-FFF2-40B4-BE49-F238E27FC236}">
-                <a16:creationId xmlns="" xmlns:a16="http://schemas.microsoft.com/office/drawing/2014/main" id="{19A67BB9-D880-4EAD-B90E-89C4219BFC0B}"/>
+                <a16:creationId xmlns:a16="http://schemas.microsoft.com/office/drawing/2014/main" xmlns="" id="{19A67BB9-D880-4EAD-B90E-89C4219BFC0B}"/>
               </a:ext>
             </a:extLst>
           </p:cNvPr>
@@ -12655,7 +13007,7 @@
           <a:blip r:embed="rId3" cstate="print">
             <a:extLst>
               <a:ext uri="{28A0092B-C50C-407E-A947-70E740481C1C}">
-                <a14:useLocalDpi xmlns="" xmlns:a14="http://schemas.microsoft.com/office/drawing/2010/main" val="0"/>
+                <a14:useLocalDpi xmlns:a14="http://schemas.microsoft.com/office/drawing/2010/main" xmlns="" val="0"/>
               </a:ext>
             </a:extLst>
           </a:blip>
@@ -12678,7 +13030,7 @@
           <p:cNvPr id="15" name="Slide Title">
             <a:extLst>
               <a:ext uri="{FF2B5EF4-FFF2-40B4-BE49-F238E27FC236}">
-                <a16:creationId xmlns="" xmlns:a16="http://schemas.microsoft.com/office/drawing/2014/main" id="{EA9A94D1-F9F6-4D7B-85E3-896A987B6A4D}"/>
+                <a16:creationId xmlns:a16="http://schemas.microsoft.com/office/drawing/2014/main" xmlns="" id="{EA9A94D1-F9F6-4D7B-85E3-896A987B6A4D}"/>
               </a:ext>
             </a:extLst>
           </p:cNvPr>
@@ -12717,7 +13069,7 @@
     </p:spTree>
     <p:extLst>
       <p:ext uri="{BB962C8B-B14F-4D97-AF65-F5344CB8AC3E}">
-        <p14:creationId xmlns="" xmlns:p14="http://schemas.microsoft.com/office/powerpoint/2010/main" val="3044033461"/>
+        <p14:creationId xmlns:p14="http://schemas.microsoft.com/office/powerpoint/2010/main" xmlns="" val="3044033461"/>
       </p:ext>
     </p:extLst>
   </p:cSld>
@@ -12725,7 +13077,7 @@
     <a:masterClrMapping/>
   </p:clrMapOvr>
   <mc:AlternateContent xmlns:mc="http://schemas.openxmlformats.org/markup-compatibility/2006">
-    <mc:Choice xmlns="" xmlns:p14="http://schemas.microsoft.com/office/powerpoint/2010/main" Requires="p14">
+    <mc:Choice xmlns:p14="http://schemas.microsoft.com/office/powerpoint/2010/main" xmlns="" Requires="p14">
       <p:transition spd="slow" p14:dur="2000" advClick="0" advTm="5000"/>
     </mc:Choice>
     <mc:Fallback>
@@ -12734,7 +13086,7 @@
   </mc:AlternateContent>
   <p:extLst>
     <p:ext uri="{DCECCB84-F9BA-43D5-87BE-67443E8EF086}">
-      <p15:sldGuideLst xmlns="" xmlns:p15="http://schemas.microsoft.com/office/powerpoint/2012/main">
+      <p15:sldGuideLst xmlns:p15="http://schemas.microsoft.com/office/powerpoint/2012/main" xmlns="">
         <p15:guide id="1" orient="horz" pos="2160">
           <p15:clr>
             <a:srgbClr val="FBAE40"/>
@@ -12781,7 +13133,7 @@
           <p:cNvPr id="4" name="Picture Background" descr="SoftUni Background">
             <a:extLst>
               <a:ext uri="{FF2B5EF4-FFF2-40B4-BE49-F238E27FC236}">
-                <a16:creationId xmlns="" xmlns:a16="http://schemas.microsoft.com/office/drawing/2014/main" id="{5BE90A63-DDD9-4B3B-A234-DF69B9BC812F}"/>
+                <a16:creationId xmlns:a16="http://schemas.microsoft.com/office/drawing/2014/main" xmlns="" id="{5BE90A63-DDD9-4B3B-A234-DF69B9BC812F}"/>
               </a:ext>
             </a:extLst>
           </p:cNvPr>
@@ -12810,7 +13162,7 @@
           <p:cNvPr id="11" name="Slide Body Text">
             <a:extLst>
               <a:ext uri="{FF2B5EF4-FFF2-40B4-BE49-F238E27FC236}">
-                <a16:creationId xmlns="" xmlns:a16="http://schemas.microsoft.com/office/drawing/2014/main" id="{90CBFB32-9F46-4F2F-8A54-9EE8BED27855}"/>
+                <a16:creationId xmlns:a16="http://schemas.microsoft.com/office/drawing/2014/main" xmlns="" id="{90CBFB32-9F46-4F2F-8A54-9EE8BED27855}"/>
               </a:ext>
             </a:extLst>
           </p:cNvPr>
@@ -12878,7 +13230,7 @@
           <p:cNvPr id="10" name="Slide Title">
             <a:extLst>
               <a:ext uri="{FF2B5EF4-FFF2-40B4-BE49-F238E27FC236}">
-                <a16:creationId xmlns="" xmlns:a16="http://schemas.microsoft.com/office/drawing/2014/main" id="{B770C392-3003-4C35-9625-BB041F8257BA}"/>
+                <a16:creationId xmlns:a16="http://schemas.microsoft.com/office/drawing/2014/main" xmlns="" id="{B770C392-3003-4C35-9625-BB041F8257BA}"/>
               </a:ext>
             </a:extLst>
           </p:cNvPr>
@@ -12915,7 +13267,7 @@
     </p:spTree>
     <p:extLst>
       <p:ext uri="{BB962C8B-B14F-4D97-AF65-F5344CB8AC3E}">
-        <p14:creationId xmlns="" xmlns:p14="http://schemas.microsoft.com/office/powerpoint/2010/main" val="156789181"/>
+        <p14:creationId xmlns:p14="http://schemas.microsoft.com/office/powerpoint/2010/main" xmlns="" val="156789181"/>
       </p:ext>
     </p:extLst>
   </p:cSld>
@@ -12939,7 +13291,7 @@
     <p:sldLayoutId id="2147483696" r:id="rId16"/>
   </p:sldLayoutIdLst>
   <mc:AlternateContent xmlns:mc="http://schemas.openxmlformats.org/markup-compatibility/2006">
-    <mc:Choice xmlns="" xmlns:p14="http://schemas.microsoft.com/office/powerpoint/2010/main" Requires="p14">
+    <mc:Choice xmlns:p14="http://schemas.microsoft.com/office/powerpoint/2010/main" xmlns="" Requires="p14">
       <p:transition spd="slow" p14:dur="2000" advClick="0" advTm="5000"/>
     </mc:Choice>
     <mc:Fallback>
@@ -13229,7 +13581,7 @@
   </p:txStyles>
   <p:extLst>
     <p:ext uri="{27BBF7A9-308A-43DC-89C8-2F10F3537804}">
-      <p15:sldGuideLst xmlns="" xmlns:p15="http://schemas.microsoft.com/office/powerpoint/2012/main">
+      <p15:sldGuideLst xmlns:p15="http://schemas.microsoft.com/office/powerpoint/2012/main" xmlns="">
         <p15:guide id="1" orient="horz" pos="2160">
           <p15:clr>
             <a:srgbClr val="F26B43"/>
@@ -13325,7 +13677,7 @@
           <p:cNvPr id="10" name="Author Position">
             <a:extLst>
               <a:ext uri="{FF2B5EF4-FFF2-40B4-BE49-F238E27FC236}">
-                <a16:creationId xmlns="" xmlns:a16="http://schemas.microsoft.com/office/drawing/2014/main" id="{F585BC4C-0F13-4FD4-8F23-99FD46618370}"/>
+                <a16:creationId xmlns:a16="http://schemas.microsoft.com/office/drawing/2014/main" xmlns="" id="{F585BC4C-0F13-4FD4-8F23-99FD46618370}"/>
               </a:ext>
             </a:extLst>
           </p:cNvPr>
@@ -13358,7 +13710,7 @@
           <p:cNvPr id="9" name="Author Name">
             <a:extLst>
               <a:ext uri="{FF2B5EF4-FFF2-40B4-BE49-F238E27FC236}">
-                <a16:creationId xmlns="" xmlns:a16="http://schemas.microsoft.com/office/drawing/2014/main" id="{FA396BB6-2053-4690-9672-BC528007D370}"/>
+                <a16:creationId xmlns:a16="http://schemas.microsoft.com/office/drawing/2014/main" xmlns="" id="{FA396BB6-2053-4690-9672-BC528007D370}"/>
               </a:ext>
             </a:extLst>
           </p:cNvPr>
@@ -13391,7 +13743,7 @@
           <p:cNvPr id="3" name="Presentation Subtitle">
             <a:extLst>
               <a:ext uri="{FF2B5EF4-FFF2-40B4-BE49-F238E27FC236}">
-                <a16:creationId xmlns="" xmlns:a16="http://schemas.microsoft.com/office/drawing/2014/main" id="{A004DC04-DA2A-41C0-8578-4B8D2F08EA7D}"/>
+                <a16:creationId xmlns:a16="http://schemas.microsoft.com/office/drawing/2014/main" xmlns="" id="{A004DC04-DA2A-41C0-8578-4B8D2F08EA7D}"/>
               </a:ext>
             </a:extLst>
           </p:cNvPr>
@@ -13427,7 +13779,7 @@
           <p:cNvPr id="16" name="Title 15">
             <a:extLst>
               <a:ext uri="{FF2B5EF4-FFF2-40B4-BE49-F238E27FC236}">
-                <a16:creationId xmlns="" xmlns:a16="http://schemas.microsoft.com/office/drawing/2014/main" id="{09D526E5-16F9-CDC3-F025-1D308EB5C234}"/>
+                <a16:creationId xmlns:a16="http://schemas.microsoft.com/office/drawing/2014/main" xmlns="" id="{09D526E5-16F9-CDC3-F025-1D308EB5C234}"/>
               </a:ext>
             </a:extLst>
           </p:cNvPr>
@@ -13491,7 +13843,7 @@
     </p:spTree>
     <p:extLst>
       <p:ext uri="{BB962C8B-B14F-4D97-AF65-F5344CB8AC3E}">
-        <p14:creationId xmlns="" xmlns:p14="http://schemas.microsoft.com/office/powerpoint/2010/main" val="3666405375"/>
+        <p14:creationId xmlns:p14="http://schemas.microsoft.com/office/powerpoint/2010/main" xmlns="" val="3666405375"/>
       </p:ext>
     </p:extLst>
   </p:cSld>
@@ -13499,7 +13851,7 @@
     <a:masterClrMapping/>
   </p:clrMapOvr>
   <mc:AlternateContent xmlns:mc="http://schemas.openxmlformats.org/markup-compatibility/2006">
-    <mc:Choice xmlns="" xmlns:p14="http://schemas.microsoft.com/office/powerpoint/2010/main" Requires="p14">
+    <mc:Choice xmlns:p14="http://schemas.microsoft.com/office/powerpoint/2010/main" xmlns="" Requires="p14">
       <p:transition spd="slow" p14:dur="2000" advClick="0" advTm="5000"/>
     </mc:Choice>
     <mc:Fallback>
@@ -13863,7 +14215,7 @@
     <a:masterClrMapping/>
   </p:clrMapOvr>
   <mc:AlternateContent xmlns:mc="http://schemas.openxmlformats.org/markup-compatibility/2006">
-    <mc:Choice xmlns="" xmlns:p14="http://schemas.microsoft.com/office/powerpoint/2010/main" Requires="p14">
+    <mc:Choice xmlns:p14="http://schemas.microsoft.com/office/powerpoint/2010/main" xmlns="" Requires="p14">
       <p:transition spd="slow" p14:dur="2000" advClick="0" advTm="5000"/>
     </mc:Choice>
     <mc:Fallback>
@@ -14389,7 +14741,11 @@
           <a:p>
             <a:r>
               <a:rPr lang="bg-BG" dirty="0" smtClean="0"/>
-              <a:t>Попълване на данни в таблица</a:t>
+              <a:t>Попълване на данни в </a:t>
+            </a:r>
+            <a:r>
+              <a:rPr lang="bg-BG" dirty="0" smtClean="0"/>
+              <a:t>таблица (1)</a:t>
             </a:r>
             <a:endParaRPr lang="en-US" dirty="0"/>
           </a:p>
@@ -14401,7 +14757,7 @@
     <a:masterClrMapping/>
   </p:clrMapOvr>
   <mc:AlternateContent xmlns:mc="http://schemas.openxmlformats.org/markup-compatibility/2006">
-    <mc:Choice xmlns="" xmlns:p14="http://schemas.microsoft.com/office/powerpoint/2010/main" Requires="p14">
+    <mc:Choice xmlns:p14="http://schemas.microsoft.com/office/powerpoint/2010/main" xmlns="" Requires="p14">
       <p:transition spd="slow" p14:dur="2000" advClick="0" advTm="5000"/>
     </mc:Choice>
     <mc:Fallback>
@@ -14703,10 +15059,183 @@
         </p:nvSpPr>
         <p:spPr/>
         <p:txBody>
-          <a:bodyPr/>
+          <a:bodyPr>
+            <a:normAutofit lnSpcReduction="10000"/>
+          </a:bodyPr>
           <a:lstStyle/>
           <a:p>
-            <a:endParaRPr lang="en-US"/>
+            <a:r>
+              <a:rPr lang="bg-BG" dirty="0" smtClean="0"/>
+              <a:t>Можете директно да изберете какъв </a:t>
+            </a:r>
+            <a:r>
+              <a:rPr lang="bg-BG" b="1" dirty="0" smtClean="0">
+                <a:solidFill>
+                  <a:schemeClr val="bg1"/>
+                </a:solidFill>
+              </a:rPr>
+              <a:t>тип</a:t>
+            </a:r>
+            <a:r>
+              <a:rPr lang="bg-BG" dirty="0" smtClean="0"/>
+              <a:t> </a:t>
+            </a:r>
+            <a:r>
+              <a:rPr lang="bg-BG" b="1" dirty="0" smtClean="0">
+                <a:solidFill>
+                  <a:schemeClr val="bg1"/>
+                </a:solidFill>
+              </a:rPr>
+              <a:t>данни</a:t>
+            </a:r>
+            <a:r>
+              <a:rPr lang="bg-BG" dirty="0" smtClean="0"/>
+              <a:t> да съдържа колоната</a:t>
+            </a:r>
+          </a:p>
+          <a:p>
+            <a:pPr lvl="1">
+              <a:buClr>
+                <a:schemeClr val="tx1"/>
+              </a:buClr>
+            </a:pPr>
+            <a:r>
+              <a:rPr lang="bg-BG" dirty="0" smtClean="0"/>
+              <a:t>Натиснете </a:t>
+            </a:r>
+            <a:r>
+              <a:rPr lang="en-US" sz="3200" b="1" dirty="0" smtClean="0">
+                <a:solidFill>
+                  <a:schemeClr val="bg1"/>
+                </a:solidFill>
+                <a:latin typeface="Consolas" pitchFamily="49" charset="0"/>
+              </a:rPr>
+              <a:t>Click </a:t>
+            </a:r>
+            <a:r>
+              <a:rPr lang="en-US" sz="3200" b="1" dirty="0" smtClean="0">
+                <a:solidFill>
+                  <a:schemeClr val="bg1"/>
+                </a:solidFill>
+                <a:latin typeface="Consolas" pitchFamily="49" charset="0"/>
+              </a:rPr>
+              <a:t>to </a:t>
+            </a:r>
+            <a:r>
+              <a:rPr lang="en-US" sz="3200" b="1" dirty="0" smtClean="0">
+                <a:solidFill>
+                  <a:schemeClr val="bg1"/>
+                </a:solidFill>
+                <a:latin typeface="Consolas" pitchFamily="49" charset="0"/>
+              </a:rPr>
+              <a:t>Add</a:t>
+            </a:r>
+            <a:r>
+              <a:rPr lang="bg-BG" sz="3200" b="1" dirty="0" smtClean="0">
+                <a:solidFill>
+                  <a:schemeClr val="bg1"/>
+                </a:solidFill>
+              </a:rPr>
+              <a:t> </a:t>
+            </a:r>
+            <a:r>
+              <a:rPr lang="bg-BG" dirty="0" smtClean="0"/>
+              <a:t>и от </a:t>
+            </a:r>
+            <a:r>
+              <a:rPr lang="bg-BG" b="1" dirty="0" smtClean="0">
+                <a:solidFill>
+                  <a:schemeClr val="bg1"/>
+                </a:solidFill>
+              </a:rPr>
+              <a:t>падащото меню</a:t>
+            </a:r>
+            <a:r>
+              <a:rPr lang="bg-BG" dirty="0" smtClean="0"/>
+              <a:t> изберете </a:t>
+            </a:r>
+            <a:r>
+              <a:rPr lang="bg-BG" b="1" dirty="0" smtClean="0">
+                <a:solidFill>
+                  <a:schemeClr val="bg1"/>
+                </a:solidFill>
+              </a:rPr>
+              <a:t>типа</a:t>
+            </a:r>
+            <a:r>
+              <a:rPr lang="bg-BG" dirty="0" smtClean="0"/>
+              <a:t> на </a:t>
+            </a:r>
+            <a:r>
+              <a:rPr lang="bg-BG" b="1" dirty="0" smtClean="0">
+                <a:solidFill>
+                  <a:schemeClr val="bg1"/>
+                </a:solidFill>
+              </a:rPr>
+              <a:t>данни</a:t>
+            </a:r>
+            <a:r>
+              <a:rPr lang="bg-BG" dirty="0" smtClean="0"/>
+              <a:t> за колоната</a:t>
+            </a:r>
+            <a:endParaRPr lang="en-US" dirty="0" smtClean="0"/>
+          </a:p>
+          <a:p>
+            <a:pPr lvl="1">
+              <a:buClr>
+                <a:schemeClr val="tx1"/>
+              </a:buClr>
+            </a:pPr>
+            <a:endParaRPr lang="en-US" dirty="0" smtClean="0"/>
+          </a:p>
+          <a:p>
+            <a:pPr lvl="1">
+              <a:buClr>
+                <a:schemeClr val="tx1"/>
+              </a:buClr>
+              <a:buNone/>
+            </a:pPr>
+            <a:endParaRPr lang="bg-BG" dirty="0" smtClean="0"/>
+          </a:p>
+          <a:p>
+            <a:pPr lvl="1">
+              <a:buClr>
+                <a:schemeClr val="tx1"/>
+              </a:buClr>
+            </a:pPr>
+            <a:endParaRPr lang="en-US" dirty="0" smtClean="0"/>
+          </a:p>
+          <a:p>
+            <a:pPr lvl="1">
+              <a:buClr>
+                <a:schemeClr val="tx1"/>
+              </a:buClr>
+            </a:pPr>
+            <a:endParaRPr lang="en-US" dirty="0" smtClean="0"/>
+          </a:p>
+          <a:p>
+            <a:pPr lvl="1">
+              <a:buClr>
+                <a:schemeClr val="tx1"/>
+              </a:buClr>
+            </a:pPr>
+            <a:r>
+              <a:rPr lang="bg-BG" dirty="0" smtClean="0"/>
+              <a:t>Въведете </a:t>
+            </a:r>
+            <a:r>
+              <a:rPr lang="bg-BG" b="1" dirty="0" smtClean="0">
+                <a:solidFill>
+                  <a:schemeClr val="bg1"/>
+                </a:solidFill>
+              </a:rPr>
+              <a:t>име</a:t>
+            </a:r>
+            <a:r>
+              <a:rPr lang="bg-BG" dirty="0" smtClean="0"/>
+              <a:t> на колоната</a:t>
+            </a:r>
+            <a:endParaRPr lang="en-US" dirty="0"/>
           </a:p>
         </p:txBody>
       </p:sp>
@@ -14725,13 +15254,29 @@
           <a:bodyPr/>
           <a:lstStyle/>
           <a:p>
-            <a:endParaRPr lang="en-US"/>
+            <a:r>
+              <a:rPr lang="bg-BG" dirty="0" smtClean="0"/>
+              <a:t>Попълване на данни в таблица </a:t>
+            </a:r>
+            <a:r>
+              <a:rPr lang="bg-BG" dirty="0" smtClean="0"/>
+              <a:t>(</a:t>
+            </a:r>
+            <a:r>
+              <a:rPr lang="en-US" dirty="0" smtClean="0"/>
+              <a:t>2</a:t>
+            </a:r>
+            <a:r>
+              <a:rPr lang="bg-BG" dirty="0" smtClean="0"/>
+              <a:t>)</a:t>
+            </a:r>
+            <a:endParaRPr lang="en-US" dirty="0"/>
           </a:p>
         </p:txBody>
       </p:sp>
       <p:pic>
         <p:nvPicPr>
-          <p:cNvPr id="5" name="Picture 2" descr="Create a Table | CustomGuide"/>
+          <p:cNvPr id="49155" name="Picture 3"/>
           <p:cNvPicPr>
             <a:picLocks noChangeAspect="1" noChangeArrowheads="1"/>
           </p:cNvPicPr>
@@ -14746,44 +15291,89 @@
         </p:blipFill>
         <p:spPr bwMode="auto">
           <a:xfrm>
-            <a:off x="965200" y="2990850"/>
-            <a:ext cx="4368800" cy="3276600"/>
+            <a:off x="3266846" y="3505200"/>
+            <a:ext cx="5658309" cy="2133600"/>
           </a:xfrm>
           <a:prstGeom prst="rect">
             <a:avLst/>
           </a:prstGeom>
           <a:noFill/>
-        </p:spPr>
-      </p:pic>
-      <p:pic>
-        <p:nvPicPr>
-          <p:cNvPr id="6" name="Picture 4" descr="Create a Table | CustomGuide"/>
-          <p:cNvPicPr>
-            <a:picLocks noChangeAspect="1" noChangeArrowheads="1"/>
-          </p:cNvPicPr>
-          <p:nvPr/>
-        </p:nvPicPr>
-        <p:blipFill>
-          <a:blip r:embed="rId3" cstate="print"/>
-          <a:srcRect/>
-          <a:stretch>
-            <a:fillRect/>
-          </a:stretch>
-        </p:blipFill>
-        <p:spPr bwMode="auto">
-          <a:xfrm>
-            <a:off x="5901674" y="3048000"/>
-            <a:ext cx="4368800" cy="3276600"/>
-          </a:xfrm>
-          <a:prstGeom prst="rect">
-            <a:avLst/>
-          </a:prstGeom>
-          <a:noFill/>
+          <a:ln w="9525">
+            <a:solidFill>
+              <a:schemeClr val="bg2">
+                <a:lumMod val="75000"/>
+              </a:schemeClr>
+            </a:solidFill>
+            <a:miter lim="800000"/>
+            <a:headEnd/>
+            <a:tailEnd/>
+          </a:ln>
         </p:spPr>
       </p:pic>
       <p:sp>
         <p:nvSpPr>
-          <p:cNvPr id="7" name="AutoShape 7"/>
+          <p:cNvPr id="7" name="Rectangle: Rounded Corners 17"/>
+          <p:cNvSpPr/>
+          <p:nvPr/>
+        </p:nvSpPr>
+        <p:spPr>
+          <a:xfrm>
+            <a:off x="5257800" y="4191000"/>
+            <a:ext cx="1600200" cy="342900"/>
+          </a:xfrm>
+          <a:prstGeom prst="roundRect">
+            <a:avLst>
+              <a:gd name="adj" fmla="val 5385"/>
+            </a:avLst>
+          </a:prstGeom>
+          <a:noFill/>
+          <a:ln w="57150">
+            <a:solidFill>
+              <a:schemeClr val="tx1"/>
+            </a:solidFill>
+            <a:prstDash val="solid"/>
+          </a:ln>
+        </p:spPr>
+        <p:style>
+          <a:lnRef idx="2">
+            <a:schemeClr val="accent1">
+              <a:shade val="50000"/>
+            </a:schemeClr>
+          </a:lnRef>
+          <a:fillRef idx="1">
+            <a:schemeClr val="accent1"/>
+          </a:fillRef>
+          <a:effectRef idx="0">
+            <a:schemeClr val="accent1"/>
+          </a:effectRef>
+          <a:fontRef idx="minor">
+            <a:schemeClr val="lt1"/>
+          </a:fontRef>
+        </p:style>
+        <p:txBody>
+          <a:bodyPr rtlCol="0" anchor="t"/>
+          <a:lstStyle/>
+          <a:p>
+            <a:pPr algn="ctr"/>
+            <a:endParaRPr lang="en-US" sz="2799" b="1" dirty="0">
+              <a:solidFill>
+                <a:srgbClr val="FBEEDC"/>
+              </a:solidFill>
+              <a:effectLst>
+                <a:outerShdw blurRad="38100" dist="38100" dir="2700000" algn="tl">
+                  <a:srgbClr val="000000">
+                    <a:alpha val="43137"/>
+                  </a:srgbClr>
+                </a:outerShdw>
+              </a:effectLst>
+              <a:latin typeface="Consolas" panose="020B0609020204030204" pitchFamily="49" charset="0"/>
+            </a:endParaRPr>
+          </a:p>
+        </p:txBody>
+      </p:sp>
+      <p:sp>
+        <p:nvSpPr>
+          <p:cNvPr id="8" name="AutoShape 7"/>
           <p:cNvSpPr>
             <a:spLocks noChangeArrowheads="1"/>
           </p:cNvSpPr>
@@ -14791,13 +15381,13 @@
         </p:nvSpPr>
         <p:spPr bwMode="auto">
           <a:xfrm>
-            <a:off x="6172200" y="1371600"/>
-            <a:ext cx="2209800" cy="990600"/>
+            <a:off x="7620000" y="4419600"/>
+            <a:ext cx="2286000" cy="762000"/>
           </a:xfrm>
           <a:prstGeom prst="wedgeRoundRectCallout">
             <a:avLst>
-              <a:gd name="adj1" fmla="val 26906"/>
-              <a:gd name="adj2" fmla="val 105346"/>
+              <a:gd name="adj1" fmla="val -82175"/>
+              <a:gd name="adj2" fmla="val 44192"/>
               <a:gd name="adj3" fmla="val 16667"/>
             </a:avLst>
           </a:prstGeom>
@@ -14842,6 +15432,14 @@
           <a:lstStyle/>
           <a:p>
             <a:pPr algn="ctr"/>
+            <a:r>
+              <a:rPr lang="bg-BG" sz="2399" b="1" noProof="1" smtClean="0">
+                <a:solidFill>
+                  <a:srgbClr val="FFFFFF"/>
+                </a:solidFill>
+              </a:rPr>
+              <a:t>Типове данни</a:t>
+            </a:r>
             <a:endParaRPr lang="en-US" sz="2399" b="1" noProof="1">
               <a:solidFill>
                 <a:srgbClr val="FFFFFF"/>
@@ -14856,7 +15454,492 @@
     <a:masterClrMapping/>
   </p:clrMapOvr>
   <mc:AlternateContent xmlns:mc="http://schemas.openxmlformats.org/markup-compatibility/2006">
-    <mc:Choice xmlns="" xmlns:p14="http://schemas.microsoft.com/office/powerpoint/2010/main" Requires="p14">
+    <mc:Choice xmlns:p14="http://schemas.microsoft.com/office/powerpoint/2010/main" xmlns="" Requires="p14">
+      <p:transition spd="slow" p14:dur="2000" advClick="0" advTm="5000"/>
+    </mc:Choice>
+    <mc:Fallback>
+      <p:transition spd="slow" advClick="0" advTm="5000"/>
+    </mc:Fallback>
+  </mc:AlternateContent>
+  <p:timing>
+    <p:tnLst>
+      <p:par>
+        <p:cTn id="1" dur="indefinite" restart="never" nodeType="tmRoot">
+          <p:childTnLst>
+            <p:seq concurrent="1" nextAc="seek">
+              <p:cTn id="2" dur="indefinite" nodeType="mainSeq">
+                <p:childTnLst>
+                  <p:par>
+                    <p:cTn id="3" fill="hold">
+                      <p:stCondLst>
+                        <p:cond delay="indefinite"/>
+                      </p:stCondLst>
+                      <p:childTnLst>
+                        <p:par>
+                          <p:cTn id="4" fill="hold">
+                            <p:stCondLst>
+                              <p:cond delay="0"/>
+                            </p:stCondLst>
+                            <p:childTnLst>
+                              <p:par>
+                                <p:cTn id="5" presetID="1" presetClass="entr" presetSubtype="0" fill="hold" nodeType="clickEffect">
+                                  <p:stCondLst>
+                                    <p:cond delay="0"/>
+                                  </p:stCondLst>
+                                  <p:childTnLst>
+                                    <p:set>
+                                      <p:cBhvr>
+                                        <p:cTn id="6" dur="1" fill="hold">
+                                          <p:stCondLst>
+                                            <p:cond delay="0"/>
+                                          </p:stCondLst>
+                                        </p:cTn>
+                                        <p:tgtEl>
+                                          <p:spTgt spid="3">
+                                            <p:txEl>
+                                              <p:pRg st="1" end="1"/>
+                                            </p:txEl>
+                                          </p:spTgt>
+                                        </p:tgtEl>
+                                        <p:attrNameLst>
+                                          <p:attrName>style.visibility</p:attrName>
+                                        </p:attrNameLst>
+                                      </p:cBhvr>
+                                      <p:to>
+                                        <p:strVal val="visible"/>
+                                      </p:to>
+                                    </p:set>
+                                  </p:childTnLst>
+                                </p:cTn>
+                              </p:par>
+                              <p:par>
+                                <p:cTn id="7" presetID="1" presetClass="entr" presetSubtype="0" fill="hold" nodeType="withEffect">
+                                  <p:stCondLst>
+                                    <p:cond delay="0"/>
+                                  </p:stCondLst>
+                                  <p:childTnLst>
+                                    <p:set>
+                                      <p:cBhvr>
+                                        <p:cTn id="8" dur="1" fill="hold">
+                                          <p:stCondLst>
+                                            <p:cond delay="0"/>
+                                          </p:stCondLst>
+                                        </p:cTn>
+                                        <p:tgtEl>
+                                          <p:spTgt spid="49155"/>
+                                        </p:tgtEl>
+                                        <p:attrNameLst>
+                                          <p:attrName>style.visibility</p:attrName>
+                                        </p:attrNameLst>
+                                      </p:cBhvr>
+                                      <p:to>
+                                        <p:strVal val="visible"/>
+                                      </p:to>
+                                    </p:set>
+                                  </p:childTnLst>
+                                </p:cTn>
+                              </p:par>
+                            </p:childTnLst>
+                          </p:cTn>
+                        </p:par>
+                      </p:childTnLst>
+                    </p:cTn>
+                  </p:par>
+                  <p:par>
+                    <p:cTn id="9" fill="hold">
+                      <p:stCondLst>
+                        <p:cond delay="indefinite"/>
+                      </p:stCondLst>
+                      <p:childTnLst>
+                        <p:par>
+                          <p:cTn id="10" fill="hold">
+                            <p:stCondLst>
+                              <p:cond delay="0"/>
+                            </p:stCondLst>
+                            <p:childTnLst>
+                              <p:par>
+                                <p:cTn id="11" presetID="1" presetClass="entr" presetSubtype="0" fill="hold" grpId="0" nodeType="clickEffect">
+                                  <p:stCondLst>
+                                    <p:cond delay="0"/>
+                                  </p:stCondLst>
+                                  <p:childTnLst>
+                                    <p:set>
+                                      <p:cBhvr>
+                                        <p:cTn id="12" dur="1" fill="hold">
+                                          <p:stCondLst>
+                                            <p:cond delay="0"/>
+                                          </p:stCondLst>
+                                        </p:cTn>
+                                        <p:tgtEl>
+                                          <p:spTgt spid="7"/>
+                                        </p:tgtEl>
+                                        <p:attrNameLst>
+                                          <p:attrName>style.visibility</p:attrName>
+                                        </p:attrNameLst>
+                                      </p:cBhvr>
+                                      <p:to>
+                                        <p:strVal val="visible"/>
+                                      </p:to>
+                                    </p:set>
+                                  </p:childTnLst>
+                                </p:cTn>
+                              </p:par>
+                            </p:childTnLst>
+                          </p:cTn>
+                        </p:par>
+                      </p:childTnLst>
+                    </p:cTn>
+                  </p:par>
+                  <p:par>
+                    <p:cTn id="13" fill="hold">
+                      <p:stCondLst>
+                        <p:cond delay="indefinite"/>
+                      </p:stCondLst>
+                      <p:childTnLst>
+                        <p:par>
+                          <p:cTn id="14" fill="hold">
+                            <p:stCondLst>
+                              <p:cond delay="0"/>
+                            </p:stCondLst>
+                            <p:childTnLst>
+                              <p:par>
+                                <p:cTn id="15" presetID="1" presetClass="entr" presetSubtype="0" fill="hold" grpId="0" nodeType="clickEffect">
+                                  <p:stCondLst>
+                                    <p:cond delay="0"/>
+                                  </p:stCondLst>
+                                  <p:childTnLst>
+                                    <p:set>
+                                      <p:cBhvr>
+                                        <p:cTn id="16" dur="1" fill="hold">
+                                          <p:stCondLst>
+                                            <p:cond delay="0"/>
+                                          </p:stCondLst>
+                                        </p:cTn>
+                                        <p:tgtEl>
+                                          <p:spTgt spid="8"/>
+                                        </p:tgtEl>
+                                        <p:attrNameLst>
+                                          <p:attrName>style.visibility</p:attrName>
+                                        </p:attrNameLst>
+                                      </p:cBhvr>
+                                      <p:to>
+                                        <p:strVal val="visible"/>
+                                      </p:to>
+                                    </p:set>
+                                  </p:childTnLst>
+                                </p:cTn>
+                              </p:par>
+                            </p:childTnLst>
+                          </p:cTn>
+                        </p:par>
+                      </p:childTnLst>
+                    </p:cTn>
+                  </p:par>
+                  <p:par>
+                    <p:cTn id="17" fill="hold">
+                      <p:stCondLst>
+                        <p:cond delay="indefinite"/>
+                      </p:stCondLst>
+                      <p:childTnLst>
+                        <p:par>
+                          <p:cTn id="18" fill="hold">
+                            <p:stCondLst>
+                              <p:cond delay="0"/>
+                            </p:stCondLst>
+                            <p:childTnLst>
+                              <p:par>
+                                <p:cTn id="19" presetID="1" presetClass="entr" presetSubtype="0" fill="hold" nodeType="clickEffect">
+                                  <p:stCondLst>
+                                    <p:cond delay="0"/>
+                                  </p:stCondLst>
+                                  <p:childTnLst>
+                                    <p:set>
+                                      <p:cBhvr>
+                                        <p:cTn id="20" dur="1" fill="hold">
+                                          <p:stCondLst>
+                                            <p:cond delay="0"/>
+                                          </p:stCondLst>
+                                        </p:cTn>
+                                        <p:tgtEl>
+                                          <p:spTgt spid="3">
+                                            <p:txEl>
+                                              <p:pRg st="6" end="6"/>
+                                            </p:txEl>
+                                          </p:spTgt>
+                                        </p:tgtEl>
+                                        <p:attrNameLst>
+                                          <p:attrName>style.visibility</p:attrName>
+                                        </p:attrNameLst>
+                                      </p:cBhvr>
+                                      <p:to>
+                                        <p:strVal val="visible"/>
+                                      </p:to>
+                                    </p:set>
+                                  </p:childTnLst>
+                                </p:cTn>
+                              </p:par>
+                            </p:childTnLst>
+                          </p:cTn>
+                        </p:par>
+                      </p:childTnLst>
+                    </p:cTn>
+                  </p:par>
+                </p:childTnLst>
+              </p:cTn>
+              <p:prevCondLst>
+                <p:cond evt="onPrev" delay="0">
+                  <p:tgtEl>
+                    <p:sldTgt/>
+                  </p:tgtEl>
+                </p:cond>
+              </p:prevCondLst>
+              <p:nextCondLst>
+                <p:cond evt="onNext" delay="0">
+                  <p:tgtEl>
+                    <p:sldTgt/>
+                  </p:tgtEl>
+                </p:cond>
+              </p:nextCondLst>
+            </p:seq>
+          </p:childTnLst>
+        </p:cTn>
+      </p:par>
+    </p:tnLst>
+    <p:bldLst>
+      <p:bldP spid="7" grpId="0" animBg="1"/>
+      <p:bldP spid="8" grpId="0" animBg="1"/>
+    </p:bldLst>
+  </p:timing>
+</p:sld>
+</file>
+
+<file path=ppt/slides/slide13.xml><?xml version="1.0" encoding="utf-8"?>
+<p:sld xmlns:a="http://schemas.openxmlformats.org/drawingml/2006/main" xmlns:r="http://schemas.openxmlformats.org/officeDocument/2006/relationships" xmlns:p="http://schemas.openxmlformats.org/presentationml/2006/main">
+  <p:cSld>
+    <p:spTree>
+      <p:nvGrpSpPr>
+        <p:cNvPr id="1" name=""/>
+        <p:cNvGrpSpPr/>
+        <p:nvPr/>
+      </p:nvGrpSpPr>
+      <p:grpSpPr>
+        <a:xfrm>
+          <a:off x="0" y="0"/>
+          <a:ext cx="0" cy="0"/>
+          <a:chOff x="0" y="0"/>
+          <a:chExt cx="0" cy="0"/>
+        </a:xfrm>
+      </p:grpSpPr>
+      <p:pic>
+        <p:nvPicPr>
+          <p:cNvPr id="14340" name="Picture 4"/>
+          <p:cNvPicPr>
+            <a:picLocks noChangeAspect="1" noChangeArrowheads="1"/>
+          </p:cNvPicPr>
+          <p:nvPr/>
+        </p:nvPicPr>
+        <p:blipFill>
+          <a:blip r:embed="rId2" cstate="print"/>
+          <a:srcRect/>
+          <a:stretch>
+            <a:fillRect/>
+          </a:stretch>
+        </p:blipFill>
+        <p:spPr bwMode="auto">
+          <a:xfrm>
+            <a:off x="1571625" y="2514600"/>
+            <a:ext cx="9048750" cy="2120900"/>
+          </a:xfrm>
+          <a:prstGeom prst="rect">
+            <a:avLst/>
+          </a:prstGeom>
+          <a:noFill/>
+          <a:ln w="9525">
+            <a:noFill/>
+            <a:miter lim="800000"/>
+            <a:headEnd/>
+            <a:tailEnd/>
+          </a:ln>
+        </p:spPr>
+      </p:pic>
+      <p:sp>
+        <p:nvSpPr>
+          <p:cNvPr id="2" name="Slide Number Placeholder 1"/>
+          <p:cNvSpPr>
+            <a:spLocks noGrp="1"/>
+          </p:cNvSpPr>
+          <p:nvPr>
+            <p:ph type="sldNum" sz="quarter" idx="5"/>
+          </p:nvPr>
+        </p:nvSpPr>
+        <p:spPr/>
+        <p:txBody>
+          <a:bodyPr/>
+          <a:lstStyle/>
+          <a:p>
+            <a:fld id="{2BF067CD-8E6B-4360-9AA8-C5DF2A48A6D1}" type="slidenum">
+              <a:rPr lang="en-US" noProof="0" smtClean="0"/>
+              <a:pPr/>
+              <a:t>13</a:t>
+            </a:fld>
+            <a:endParaRPr lang="en-US" noProof="0" dirty="0"/>
+          </a:p>
+        </p:txBody>
+      </p:sp>
+      <p:sp>
+        <p:nvSpPr>
+          <p:cNvPr id="13" name="Text Placeholder 12"/>
+          <p:cNvSpPr>
+            <a:spLocks noGrp="1"/>
+          </p:cNvSpPr>
+          <p:nvPr>
+            <p:ph type="body" sz="quarter" idx="10"/>
+          </p:nvPr>
+        </p:nvSpPr>
+        <p:spPr/>
+        <p:txBody>
+          <a:bodyPr/>
+          <a:lstStyle/>
+          <a:p>
+            <a:r>
+              <a:rPr lang="bg-BG" dirty="0" smtClean="0"/>
+              <a:t>Можете да </a:t>
+            </a:r>
+            <a:r>
+              <a:rPr lang="bg-BG" b="1" dirty="0" smtClean="0">
+                <a:solidFill>
+                  <a:schemeClr val="bg1"/>
+                </a:solidFill>
+              </a:rPr>
+              <a:t>попълните</a:t>
+            </a:r>
+            <a:r>
+              <a:rPr lang="bg-BG" dirty="0" smtClean="0"/>
+              <a:t> таблицата със </a:t>
+            </a:r>
+            <a:r>
+              <a:rPr lang="bg-BG" b="1" dirty="0" smtClean="0">
+                <a:solidFill>
+                  <a:schemeClr val="bg1"/>
+                </a:solidFill>
+              </a:rPr>
+              <a:t>записи</a:t>
+            </a:r>
+            <a:r>
+              <a:rPr lang="bg-BG" dirty="0" smtClean="0"/>
+              <a:t> на ръка:</a:t>
+            </a:r>
+            <a:endParaRPr lang="en-US" dirty="0"/>
+          </a:p>
+        </p:txBody>
+      </p:sp>
+      <p:sp>
+        <p:nvSpPr>
+          <p:cNvPr id="4" name="Title 3"/>
+          <p:cNvSpPr>
+            <a:spLocks noGrp="1"/>
+          </p:cNvSpPr>
+          <p:nvPr>
+            <p:ph type="title"/>
+          </p:nvPr>
+        </p:nvSpPr>
+        <p:spPr/>
+        <p:txBody>
+          <a:bodyPr/>
+          <a:lstStyle/>
+          <a:p>
+            <a:r>
+              <a:rPr lang="bg-BG" smtClean="0"/>
+              <a:t>Попълване на данни в таблица (3)</a:t>
+            </a:r>
+            <a:endParaRPr lang="en-US" dirty="0"/>
+          </a:p>
+        </p:txBody>
+      </p:sp>
+      <p:sp>
+        <p:nvSpPr>
+          <p:cNvPr id="7" name="AutoShape 7"/>
+          <p:cNvSpPr>
+            <a:spLocks noChangeArrowheads="1"/>
+          </p:cNvSpPr>
+          <p:nvPr/>
+        </p:nvSpPr>
+        <p:spPr bwMode="auto">
+          <a:xfrm>
+            <a:off x="2590800" y="4724400"/>
+            <a:ext cx="4191000" cy="685800"/>
+          </a:xfrm>
+          <a:prstGeom prst="wedgeRoundRectCallout">
+            <a:avLst>
+              <a:gd name="adj1" fmla="val -29317"/>
+              <a:gd name="adj2" fmla="val -108543"/>
+              <a:gd name="adj3" fmla="val 16667"/>
+            </a:avLst>
+          </a:prstGeom>
+          <a:solidFill>
+            <a:schemeClr val="dk2">
+              <a:alpha val="80000"/>
+            </a:schemeClr>
+          </a:solidFill>
+          <a:ln w="19050">
+            <a:solidFill>
+              <a:schemeClr val="tx1">
+                <a:lumMod val="75000"/>
+                <a:alpha val="80000"/>
+              </a:schemeClr>
+            </a:solidFill>
+          </a:ln>
+          <a:effectLst/>
+        </p:spPr>
+        <p:style>
+          <a:lnRef idx="2">
+            <a:schemeClr val="accent1">
+              <a:shade val="50000"/>
+            </a:schemeClr>
+          </a:lnRef>
+          <a:fillRef idx="1001">
+            <a:schemeClr val="dk2"/>
+          </a:fillRef>
+          <a:effectRef idx="0">
+            <a:schemeClr val="accent1"/>
+          </a:effectRef>
+          <a:fontRef idx="minor">
+            <a:schemeClr val="lt1"/>
+          </a:fontRef>
+        </p:style>
+        <p:txBody>
+          <a:bodyPr rot="0" spcFirstLastPara="0" vertOverflow="overflow" horzOverflow="overflow" vert="horz" wrap="square" lIns="91416" tIns="45708" rIns="91416" bIns="45708" numCol="1" spcCol="0" rtlCol="0" fromWordArt="0" anchor="ctr" anchorCtr="0" forceAA="0" compatLnSpc="1">
+            <a:prstTxWarp prst="textNoShape">
+              <a:avLst/>
+            </a:prstTxWarp>
+            <a:noAutofit/>
+          </a:bodyPr>
+          <a:lstStyle/>
+          <a:p>
+            <a:pPr algn="ctr"/>
+            <a:r>
+              <a:rPr lang="bg-BG" sz="2399" b="1" noProof="1" smtClean="0">
+                <a:solidFill>
+                  <a:srgbClr val="FFFFFF"/>
+                </a:solidFill>
+              </a:rPr>
+              <a:t>Ръчно въвеждане на данни</a:t>
+            </a:r>
+            <a:endParaRPr lang="en-US" sz="2399" b="1" noProof="1">
+              <a:solidFill>
+                <a:srgbClr val="FFFFFF"/>
+              </a:solidFill>
+            </a:endParaRPr>
+          </a:p>
+        </p:txBody>
+      </p:sp>
+    </p:spTree>
+  </p:cSld>
+  <p:clrMapOvr>
+    <a:masterClrMapping/>
+  </p:clrMapOvr>
+  <mc:AlternateContent xmlns:mc="http://schemas.openxmlformats.org/markup-compatibility/2006">
+    <mc:Choice xmlns:p14="http://schemas.microsoft.com/office/powerpoint/2010/main" xmlns="" Requires="p14">
       <p:transition spd="slow" p14:dur="2000" advClick="0" advTm="5000"/>
     </mc:Choice>
     <mc:Fallback>
@@ -14944,7 +16027,7 @@
 </p:sld>
 </file>
 
-<file path=ppt/slides/slide13.xml><?xml version="1.0" encoding="utf-8"?>
+<file path=ppt/slides/slide14.xml><?xml version="1.0" encoding="utf-8"?>
 <p:sld xmlns:a="http://schemas.openxmlformats.org/drawingml/2006/main" xmlns:r="http://schemas.openxmlformats.org/officeDocument/2006/relationships" xmlns:p="http://schemas.openxmlformats.org/presentationml/2006/main">
   <p:cSld>
     <p:spTree>
@@ -15039,7 +16122,7 @@
     <a:masterClrMapping/>
   </p:clrMapOvr>
   <mc:AlternateContent xmlns:mc="http://schemas.openxmlformats.org/markup-compatibility/2006">
-    <mc:Choice xmlns="" xmlns:p14="http://schemas.microsoft.com/office/powerpoint/2010/main" Requires="p14">
+    <mc:Choice xmlns:p14="http://schemas.microsoft.com/office/powerpoint/2010/main" xmlns="" Requires="p14">
       <p:transition spd="slow" p14:dur="2000" advClick="0" advTm="5000"/>
     </mc:Choice>
     <mc:Fallback>
@@ -15056,7 +16139,7 @@
 </p:sld>
 </file>
 
-<file path=ppt/slides/slide14.xml><?xml version="1.0" encoding="utf-8"?>
+<file path=ppt/slides/slide15.xml><?xml version="1.0" encoding="utf-8"?>
 <p:sld xmlns:a="http://schemas.openxmlformats.org/drawingml/2006/main" xmlns:r="http://schemas.openxmlformats.org/officeDocument/2006/relationships" xmlns:p="http://schemas.openxmlformats.org/presentationml/2006/main">
   <p:cSld>
     <p:spTree>
@@ -15091,7 +16174,7 @@
             <a:fld id="{2BF067CD-8E6B-4360-9AA8-C5DF2A48A6D1}" type="slidenum">
               <a:rPr lang="en-US" noProof="0" smtClean="0"/>
               <a:pPr/>
-              <a:t>14</a:t>
+              <a:t>15</a:t>
             </a:fld>
             <a:endParaRPr lang="en-US" noProof="0" dirty="0"/>
           </a:p>
@@ -15190,7 +16273,6 @@
               <a:rPr lang="ru-RU" dirty="0" smtClean="0"/>
               <a:t> </a:t>
             </a:r>
-            <a:endParaRPr lang="ru-RU" dirty="0" smtClean="0"/>
           </a:p>
           <a:p>
             <a:r>
@@ -15202,11 +16284,7 @@
             <a:pPr lvl="1"/>
             <a:r>
               <a:rPr lang="ru-RU" dirty="0" smtClean="0"/>
-              <a:t>Работен </a:t>
-            </a:r>
-            <a:r>
-              <a:rPr lang="ru-RU" dirty="0" smtClean="0"/>
-              <a:t>лист на </a:t>
+              <a:t>Работен лист на </a:t>
             </a:r>
             <a:r>
               <a:rPr lang="ru-RU" b="1" dirty="0" smtClean="0">
@@ -15221,11 +16299,7 @@
             <a:pPr lvl="1"/>
             <a:r>
               <a:rPr lang="ru-RU" dirty="0" smtClean="0"/>
-              <a:t>Списък </a:t>
-            </a:r>
-            <a:r>
-              <a:rPr lang="ru-RU" dirty="0" smtClean="0"/>
-              <a:t>на </a:t>
+              <a:t>Списък на </a:t>
             </a:r>
             <a:r>
               <a:rPr lang="ru-RU" b="1" dirty="0" smtClean="0">
@@ -15260,11 +16334,7 @@
             <a:pPr lvl="1"/>
             <a:r>
               <a:rPr lang="ru-RU" dirty="0" smtClean="0"/>
-              <a:t>Друга </a:t>
-            </a:r>
-            <a:r>
-              <a:rPr lang="ru-RU" dirty="0" smtClean="0"/>
-              <a:t>база данни на </a:t>
+              <a:t>Друга база данни на </a:t>
             </a:r>
             <a:r>
               <a:rPr lang="ru-RU" b="1" dirty="0" smtClean="0">
@@ -15280,15 +16350,7 @@
             <a:pPr lvl="1"/>
             <a:r>
               <a:rPr lang="ru-RU" dirty="0" smtClean="0"/>
-              <a:t>П</a:t>
-            </a:r>
-            <a:r>
-              <a:rPr lang="ru-RU" dirty="0" smtClean="0"/>
-              <a:t>апка </a:t>
-            </a:r>
-            <a:r>
-              <a:rPr lang="ru-RU" dirty="0" smtClean="0"/>
-              <a:t>на </a:t>
+              <a:t>Папка на </a:t>
             </a:r>
             <a:r>
               <a:rPr lang="ru-RU" b="1" dirty="0" smtClean="0">
@@ -15296,15 +16358,7 @@
                   <a:schemeClr val="bg1"/>
                 </a:solidFill>
               </a:rPr>
-              <a:t>Microsoft </a:t>
-            </a:r>
-            <a:r>
-              <a:rPr lang="ru-RU" b="1" dirty="0" smtClean="0">
-                <a:solidFill>
-                  <a:schemeClr val="bg1"/>
-                </a:solidFill>
-              </a:rPr>
-              <a:t>Outlook</a:t>
+              <a:t>Microsoft Outlook</a:t>
             </a:r>
           </a:p>
           <a:p>
@@ -15374,7 +16428,7 @@
     <a:masterClrMapping/>
   </p:clrMapOvr>
   <mc:AlternateContent xmlns:mc="http://schemas.openxmlformats.org/markup-compatibility/2006">
-    <mc:Choice xmlns="" xmlns:p14="http://schemas.microsoft.com/office/powerpoint/2010/main" Requires="p14">
+    <mc:Choice xmlns:p14="http://schemas.microsoft.com/office/powerpoint/2010/main" xmlns="" Requires="p14">
       <p:transition spd="slow" p14:dur="2000" advClick="0" advTm="5000"/>
     </mc:Choice>
     <mc:Fallback>
@@ -15739,7 +16793,7 @@
 </p:sld>
 </file>
 
-<file path=ppt/slides/slide15.xml><?xml version="1.0" encoding="utf-8"?>
+<file path=ppt/slides/slide16.xml><?xml version="1.0" encoding="utf-8"?>
 <p:sld xmlns:a="http://schemas.openxmlformats.org/drawingml/2006/main" xmlns:r="http://schemas.openxmlformats.org/officeDocument/2006/relationships" xmlns:p="http://schemas.openxmlformats.org/presentationml/2006/main">
   <p:cSld>
     <p:spTree>
@@ -15774,7 +16828,7 @@
             <a:fld id="{2BF067CD-8E6B-4360-9AA8-C5DF2A48A6D1}" type="slidenum">
               <a:rPr lang="en-US" noProof="0" smtClean="0"/>
               <a:pPr/>
-              <a:t>15</a:t>
+              <a:t>16</a:t>
             </a:fld>
             <a:endParaRPr lang="en-US" noProof="0" dirty="0"/>
           </a:p>
@@ -15811,11 +16865,7 @@
             </a:r>
             <a:r>
               <a:rPr lang="ru-RU" sz="3600" dirty="0" smtClean="0"/>
-              <a:t>, </a:t>
-            </a:r>
-            <a:r>
-              <a:rPr lang="ru-RU" sz="3600" dirty="0" smtClean="0"/>
-              <a:t>създаваме </a:t>
+              <a:t>, създаваме </a:t>
             </a:r>
             <a:r>
               <a:rPr lang="ru-RU" sz="3600" b="1" dirty="0" smtClean="0">
@@ -15906,11 +16956,7 @@
             </a:r>
             <a:r>
               <a:rPr lang="ru-RU" sz="3600" dirty="0" smtClean="0"/>
-              <a:t> </a:t>
-            </a:r>
-            <a:r>
-              <a:rPr lang="ru-RU" sz="3600" dirty="0" smtClean="0"/>
-              <a:t>няма да имат ефект върху </a:t>
+              <a:t> няма да имат ефект върху </a:t>
             </a:r>
             <a:r>
               <a:rPr lang="ru-RU" sz="3600" b="1" dirty="0" smtClean="0">
@@ -15949,11 +16995,7 @@
             </a:r>
             <a:r>
               <a:rPr lang="ru-RU" sz="3400" dirty="0" smtClean="0"/>
-              <a:t>в импортираните </a:t>
-            </a:r>
-            <a:r>
-              <a:rPr lang="ru-RU" sz="3400" dirty="0" smtClean="0"/>
-              <a:t>данни</a:t>
+              <a:t>в импортираните данни</a:t>
             </a:r>
             <a:r>
               <a:rPr lang="ru-RU" sz="3400" b="1" dirty="0" smtClean="0">
@@ -15977,22 +17019,14 @@
             </a:r>
             <a:r>
               <a:rPr lang="ru-RU" sz="3400" dirty="0" smtClean="0"/>
-              <a:t>данните на </a:t>
-            </a:r>
-            <a:r>
-              <a:rPr lang="ru-RU" sz="3400" dirty="0" smtClean="0"/>
-              <a:t>източника</a:t>
+              <a:t>данните на източника</a:t>
             </a:r>
             <a:endParaRPr lang="en-US" sz="3400" dirty="0" smtClean="0"/>
           </a:p>
           <a:p>
             <a:r>
               <a:rPr lang="ru-RU" sz="3600" dirty="0" smtClean="0"/>
-              <a:t>Можете </a:t>
-            </a:r>
-            <a:r>
-              <a:rPr lang="ru-RU" sz="3600" dirty="0" smtClean="0"/>
-              <a:t>да </a:t>
+              <a:t>Можете да </a:t>
             </a:r>
             <a:r>
               <a:rPr lang="ru-RU" sz="3600" b="1" dirty="0" smtClean="0">
@@ -16067,11 +17101,7 @@
           <a:p>
             <a:r>
               <a:rPr lang="bg-BG" dirty="0" smtClean="0"/>
-              <a:t>Импортиране на данни </a:t>
-            </a:r>
-            <a:r>
-              <a:rPr lang="bg-BG" dirty="0" smtClean="0"/>
-              <a:t>(2)</a:t>
+              <a:t>Импортиране на данни (2)</a:t>
             </a:r>
             <a:endParaRPr lang="en-US" dirty="0"/>
           </a:p>
@@ -16083,7 +17113,7 @@
     <a:masterClrMapping/>
   </p:clrMapOvr>
   <mc:AlternateContent xmlns:mc="http://schemas.openxmlformats.org/markup-compatibility/2006">
-    <mc:Choice xmlns="" xmlns:p14="http://schemas.microsoft.com/office/powerpoint/2010/main" Requires="p14">
+    <mc:Choice xmlns:p14="http://schemas.microsoft.com/office/powerpoint/2010/main" xmlns="" Requires="p14">
       <p:transition spd="slow" p14:dur="2000" advClick="0" advTm="5000"/>
     </mc:Choice>
     <mc:Fallback>
@@ -16252,7 +17282,7 @@
 </p:sld>
 </file>
 
-<file path=ppt/slides/slide16.xml><?xml version="1.0" encoding="utf-8"?>
+<file path=ppt/slides/slide17.xml><?xml version="1.0" encoding="utf-8"?>
 <p:sld xmlns:a="http://schemas.openxmlformats.org/drawingml/2006/main" xmlns:r="http://schemas.openxmlformats.org/officeDocument/2006/relationships" xmlns:p="http://schemas.openxmlformats.org/presentationml/2006/main">
   <p:cSld>
     <p:spTree>
@@ -16287,7 +17317,7 @@
             <a:fld id="{2BF067CD-8E6B-4360-9AA8-C5DF2A48A6D1}" type="slidenum">
               <a:rPr lang="en-US" noProof="0" smtClean="0"/>
               <a:pPr/>
-              <a:t>16</a:t>
+              <a:t>17</a:t>
             </a:fld>
             <a:endParaRPr lang="en-US" noProof="0" dirty="0"/>
           </a:p>
@@ -16305,17 +17335,112 @@
         </p:nvSpPr>
         <p:spPr/>
         <p:txBody>
-          <a:bodyPr/>
+          <a:bodyPr>
+            <a:normAutofit/>
+          </a:bodyPr>
           <a:lstStyle/>
           <a:p>
             <a:r>
-              <a:rPr lang="en-US" dirty="0" err="1" smtClean="0"/>
-              <a:t>Src</a:t>
+              <a:rPr lang="bg-BG" dirty="0" smtClean="0"/>
+              <a:t>Натиснете </a:t>
+            </a:r>
+            <a:r>
+              <a:rPr lang="en-US" b="1" dirty="0" smtClean="0">
+                <a:solidFill>
+                  <a:schemeClr val="bg1"/>
+                </a:solidFill>
+                <a:latin typeface="Consolas" pitchFamily="49" charset="0"/>
+              </a:rPr>
+              <a:t>File</a:t>
             </a:r>
             <a:r>
               <a:rPr lang="en-US" dirty="0" smtClean="0"/>
-              <a:t>: https://support.microsoft.com/en-gb/office/create-a-table-and-add-fields-8fdc65f9-8d40-4ff5-9212-80e6545e8d87</a:t>
-            </a:r>
+              <a:t> &gt; </a:t>
+            </a:r>
+            <a:r>
+              <a:rPr lang="en-US" b="1" dirty="0" smtClean="0">
+                <a:solidFill>
+                  <a:schemeClr val="bg1"/>
+                </a:solidFill>
+                <a:latin typeface="Consolas" pitchFamily="49" charset="0"/>
+              </a:rPr>
+              <a:t>Open</a:t>
+            </a:r>
+          </a:p>
+          <a:p>
+            <a:r>
+              <a:rPr lang="ru-RU" dirty="0" smtClean="0"/>
+              <a:t>В диалоговия прозорец </a:t>
+            </a:r>
+            <a:r>
+              <a:rPr lang="en-US" b="1" dirty="0" smtClean="0">
+                <a:solidFill>
+                  <a:schemeClr val="bg1"/>
+                </a:solidFill>
+                <a:latin typeface="Consolas" pitchFamily="49" charset="0"/>
+              </a:rPr>
+              <a:t>Open</a:t>
+            </a:r>
+            <a:r>
+              <a:rPr lang="en-US" b="1" dirty="0" smtClean="0">
+                <a:solidFill>
+                  <a:schemeClr val="bg1"/>
+                </a:solidFill>
+              </a:rPr>
+              <a:t> </a:t>
+            </a:r>
+            <a:r>
+              <a:rPr lang="ru-RU" dirty="0" smtClean="0"/>
+              <a:t>изберете и отворете базата данни, в която искате да създадете нова таблица</a:t>
+            </a:r>
+            <a:endParaRPr lang="en-US" dirty="0" smtClean="0"/>
+          </a:p>
+          <a:p>
+            <a:r>
+              <a:rPr lang="bg-BG" dirty="0" smtClean="0"/>
+              <a:t>В раздела </a:t>
+            </a:r>
+            <a:r>
+              <a:rPr lang="en-US" b="1" dirty="0" smtClean="0">
+                <a:solidFill>
+                  <a:schemeClr val="bg1"/>
+                </a:solidFill>
+                <a:latin typeface="Consolas" pitchFamily="49" charset="0"/>
+              </a:rPr>
+              <a:t>External Data</a:t>
+            </a:r>
+            <a:r>
+              <a:rPr lang="bg-BG" dirty="0" smtClean="0"/>
+              <a:t>, в групата</a:t>
+            </a:r>
+            <a:r>
+              <a:rPr lang="en-US" dirty="0" smtClean="0"/>
+              <a:t> </a:t>
+            </a:r>
+            <a:r>
+              <a:rPr lang="en-US" b="1" dirty="0" smtClean="0">
+                <a:solidFill>
+                  <a:schemeClr val="bg1"/>
+                </a:solidFill>
+                <a:latin typeface="Consolas" pitchFamily="49" charset="0"/>
+              </a:rPr>
+              <a:t>Import &amp; Link</a:t>
+            </a:r>
+            <a:r>
+              <a:rPr lang="bg-BG" b="1" dirty="0" smtClean="0">
+                <a:solidFill>
+                  <a:schemeClr val="bg1"/>
+                </a:solidFill>
+              </a:rPr>
+              <a:t> </a:t>
+            </a:r>
+            <a:r>
+              <a:rPr lang="bg-BG" dirty="0" smtClean="0"/>
+              <a:t>натиснете върху един от наличните източници на данни</a:t>
+            </a:r>
+            <a:endParaRPr lang="en-US" dirty="0" smtClean="0"/>
+          </a:p>
+          <a:p>
             <a:endParaRPr lang="en-US" dirty="0"/>
           </a:p>
         </p:txBody>
@@ -16330,50 +17455,29 @@
             <p:ph type="title"/>
           </p:nvPr>
         </p:nvSpPr>
-        <p:spPr/>
+        <p:spPr>
+          <a:xfrm>
+            <a:off x="152400" y="100750"/>
+            <a:ext cx="10096594" cy="882654"/>
+          </a:xfrm>
+        </p:spPr>
         <p:txBody>
-          <a:bodyPr/>
+          <a:bodyPr>
+            <a:normAutofit/>
+          </a:bodyPr>
           <a:lstStyle/>
           <a:p>
-            <a:endParaRPr lang="en-US"/>
+            <a:r>
+              <a:rPr lang="bg-BG" sz="3600" dirty="0" smtClean="0"/>
+              <a:t>Направете таблица чрез импоритране на данни</a:t>
+            </a:r>
+            <a:endParaRPr lang="en-US" sz="3600" dirty="0"/>
           </a:p>
         </p:txBody>
       </p:sp>
       <p:pic>
         <p:nvPicPr>
-          <p:cNvPr id="5" name="Picture 2"/>
-          <p:cNvPicPr>
-            <a:picLocks noChangeAspect="1" noChangeArrowheads="1"/>
-          </p:cNvPicPr>
-          <p:nvPr/>
-        </p:nvPicPr>
-        <p:blipFill>
-          <a:blip r:embed="rId2" cstate="print"/>
-          <a:srcRect/>
-          <a:stretch>
-            <a:fillRect/>
-          </a:stretch>
-        </p:blipFill>
-        <p:spPr bwMode="auto">
-          <a:xfrm>
-            <a:off x="2438400" y="2971800"/>
-            <a:ext cx="6953250" cy="3334343"/>
-          </a:xfrm>
-          <a:prstGeom prst="rect">
-            <a:avLst/>
-          </a:prstGeom>
-          <a:noFill/>
-          <a:ln w="9525">
-            <a:noFill/>
-            <a:miter lim="800000"/>
-            <a:headEnd/>
-            <a:tailEnd/>
-          </a:ln>
-        </p:spPr>
-      </p:pic>
-      <p:pic>
-        <p:nvPicPr>
-          <p:cNvPr id="6" name="Picture 6" descr="N3C External Datasets | N3C"/>
+          <p:cNvPr id="1026" name="Picture 2" descr="Access Ribbon Image"/>
           <p:cNvPicPr>
             <a:picLocks noChangeAspect="1" noChangeArrowheads="1"/>
           </p:cNvPicPr>
@@ -16388,13 +17492,16 @@
         </p:blipFill>
         <p:spPr bwMode="auto">
           <a:xfrm>
-            <a:off x="8915400" y="3429000"/>
-            <a:ext cx="2645811" cy="2473834"/>
+            <a:off x="3254542" y="4724400"/>
+            <a:ext cx="5682916" cy="1587875"/>
           </a:xfrm>
           <a:prstGeom prst="rect">
             <a:avLst/>
           </a:prstGeom>
           <a:noFill/>
+          <a:ln>
+            <a:noFill/>
+          </a:ln>
         </p:spPr>
       </p:pic>
     </p:spTree>
@@ -16403,7 +17510,7 @@
     <a:masterClrMapping/>
   </p:clrMapOvr>
   <mc:AlternateContent xmlns:mc="http://schemas.openxmlformats.org/markup-compatibility/2006">
-    <mc:Choice xmlns="" xmlns:p14="http://schemas.microsoft.com/office/powerpoint/2010/main" Requires="p14">
+    <mc:Choice xmlns:p14="http://schemas.microsoft.com/office/powerpoint/2010/main" xmlns="" Requires="p14">
       <p:transition spd="slow" p14:dur="2000" advClick="0" advTm="5000"/>
     </mc:Choice>
     <mc:Fallback>
@@ -16413,446 +17520,155 @@
   <p:timing>
     <p:tnLst>
       <p:par>
-        <p:cTn id="1" dur="indefinite" restart="never" nodeType="tmRoot"/>
-      </p:par>
-    </p:tnLst>
-  </p:timing>
-</p:sld>
-</file>
-
-<file path=ppt/slides/slide17.xml><?xml version="1.0" encoding="utf-8"?>
-<p:sld xmlns:a="http://schemas.openxmlformats.org/drawingml/2006/main" xmlns:r="http://schemas.openxmlformats.org/officeDocument/2006/relationships" xmlns:p="http://schemas.openxmlformats.org/presentationml/2006/main">
-  <p:cSld>
-    <p:spTree>
-      <p:nvGrpSpPr>
-        <p:cNvPr id="1" name=""/>
-        <p:cNvGrpSpPr/>
-        <p:nvPr/>
-      </p:nvGrpSpPr>
-      <p:grpSpPr>
-        <a:xfrm>
-          <a:off x="0" y="0"/>
-          <a:ext cx="0" cy="0"/>
-          <a:chOff x="0" y="0"/>
-          <a:chExt cx="0" cy="0"/>
-        </a:xfrm>
-      </p:grpSpPr>
-      <p:grpSp>
-        <p:nvGrpSpPr>
-          <p:cNvPr id="9" name="Summary Box Group">
-            <a:extLst>
-              <a:ext uri="{FF2B5EF4-FFF2-40B4-BE49-F238E27FC236}">
-                <a16:creationId xmlns="" xmlns:a16="http://schemas.microsoft.com/office/drawing/2014/main" id="{EBAFE522-EB7D-4931-A015-9A7E8A98517D}"/>
-              </a:ext>
-            </a:extLst>
-          </p:cNvPr>
-          <p:cNvGrpSpPr/>
-          <p:nvPr/>
-        </p:nvGrpSpPr>
-        <p:grpSpPr>
-          <a:xfrm>
-            <a:off x="190403" y="1294337"/>
-            <a:ext cx="9470432" cy="5394328"/>
-            <a:chOff x="472011" y="1508786"/>
-            <a:chExt cx="3799787" cy="4865561"/>
-          </a:xfrm>
-        </p:grpSpPr>
-        <p:sp>
-          <p:nvSpPr>
-            <p:cNvPr id="10" name="Rounded Rectangle Blue">
-              <a:extLst>
-                <a:ext uri="{FF2B5EF4-FFF2-40B4-BE49-F238E27FC236}">
-                  <a16:creationId xmlns="" xmlns:a16="http://schemas.microsoft.com/office/drawing/2014/main" id="{18F78F23-3D09-4B63-8DF9-D49CFBB145EE}"/>
-                </a:ext>
-              </a:extLst>
-            </p:cNvPr>
-            <p:cNvSpPr/>
-            <p:nvPr/>
-          </p:nvSpPr>
-          <p:spPr>
-            <a:xfrm>
-              <a:off x="472011" y="1508786"/>
-              <a:ext cx="3799787" cy="4865561"/>
-            </a:xfrm>
-            <a:prstGeom prst="roundRect">
-              <a:avLst>
-                <a:gd name="adj" fmla="val 3968"/>
-              </a:avLst>
-            </a:prstGeom>
-            <a:solidFill>
-              <a:schemeClr val="tx2"/>
-            </a:solidFill>
-            <a:ln>
-              <a:noFill/>
-            </a:ln>
-          </p:spPr>
-          <p:style>
-            <a:lnRef idx="2">
-              <a:schemeClr val="accent1">
-                <a:shade val="50000"/>
-              </a:schemeClr>
-            </a:lnRef>
-            <a:fillRef idx="1">
-              <a:schemeClr val="accent1"/>
-            </a:fillRef>
-            <a:effectRef idx="0">
-              <a:schemeClr val="accent1"/>
-            </a:effectRef>
-            <a:fontRef idx="minor">
-              <a:schemeClr val="lt1"/>
-            </a:fontRef>
-          </p:style>
-          <p:txBody>
-            <a:bodyPr rtlCol="0" anchor="ctr"/>
-            <a:lstStyle/>
-            <a:p>
-              <a:pPr algn="ctr"/>
-              <a:endParaRPr lang="ko-KR" altLang="en-US" sz="2400" dirty="0"/>
-            </a:p>
-          </p:txBody>
-        </p:sp>
-        <p:sp>
-          <p:nvSpPr>
-            <p:cNvPr id="11" name="Rounded Rectangle Left">
-              <a:extLst>
-                <a:ext uri="{FF2B5EF4-FFF2-40B4-BE49-F238E27FC236}">
-                  <a16:creationId xmlns="" xmlns:a16="http://schemas.microsoft.com/office/drawing/2014/main" id="{F12C06CE-2BBE-46C2-B718-813794C58DF9}"/>
-                </a:ext>
-              </a:extLst>
-            </p:cNvPr>
-            <p:cNvSpPr/>
-            <p:nvPr/>
-          </p:nvSpPr>
-          <p:spPr>
-            <a:xfrm>
-              <a:off x="546866" y="1696737"/>
-              <a:ext cx="81601" cy="4489658"/>
-            </a:xfrm>
-            <a:prstGeom prst="roundRect">
-              <a:avLst>
-                <a:gd name="adj" fmla="val 50000"/>
-              </a:avLst>
-            </a:prstGeom>
-            <a:solidFill>
-              <a:schemeClr val="bg2">
-                <a:alpha val="41000"/>
-              </a:schemeClr>
-            </a:solidFill>
-            <a:ln>
-              <a:noFill/>
-            </a:ln>
-          </p:spPr>
-          <p:style>
-            <a:lnRef idx="2">
-              <a:schemeClr val="accent1">
-                <a:shade val="50000"/>
-              </a:schemeClr>
-            </a:lnRef>
-            <a:fillRef idx="1">
-              <a:schemeClr val="accent1"/>
-            </a:fillRef>
-            <a:effectRef idx="0">
-              <a:schemeClr val="accent1"/>
-            </a:effectRef>
-            <a:fontRef idx="minor">
-              <a:schemeClr val="lt1"/>
-            </a:fontRef>
-          </p:style>
-          <p:txBody>
-            <a:bodyPr rtlCol="0" anchor="ctr"/>
-            <a:lstStyle/>
-            <a:p>
-              <a:pPr algn="ctr"/>
-              <a:endParaRPr lang="ko-KR" altLang="en-US" sz="2400" dirty="0">
-                <a:solidFill>
-                  <a:schemeClr val="bg1"/>
-                </a:solidFill>
-              </a:endParaRPr>
-            </a:p>
-          </p:txBody>
-        </p:sp>
-        <p:sp>
-          <p:nvSpPr>
-            <p:cNvPr id="12" name="Half Frame Top Right">
-              <a:extLst>
-                <a:ext uri="{FF2B5EF4-FFF2-40B4-BE49-F238E27FC236}">
-                  <a16:creationId xmlns="" xmlns:a16="http://schemas.microsoft.com/office/drawing/2014/main" id="{66CDBB1E-AF3C-43FC-9F34-2DD691F81726}"/>
-                </a:ext>
-              </a:extLst>
-            </p:cNvPr>
-            <p:cNvSpPr/>
-            <p:nvPr/>
-          </p:nvSpPr>
-          <p:spPr>
-            <a:xfrm rot="5400000">
-              <a:off x="3742559" y="1912372"/>
-              <a:ext cx="669775" cy="238503"/>
-            </a:xfrm>
-            <a:prstGeom prst="halfFrame">
-              <a:avLst>
-                <a:gd name="adj1" fmla="val 23728"/>
-                <a:gd name="adj2" fmla="val 24642"/>
-              </a:avLst>
-            </a:prstGeom>
-            <a:solidFill>
-              <a:schemeClr val="bg2">
-                <a:alpha val="23000"/>
-              </a:schemeClr>
-            </a:solidFill>
-            <a:ln>
-              <a:noFill/>
-            </a:ln>
-          </p:spPr>
-          <p:style>
-            <a:lnRef idx="2">
-              <a:schemeClr val="accent1">
-                <a:shade val="50000"/>
-              </a:schemeClr>
-            </a:lnRef>
-            <a:fillRef idx="1">
-              <a:schemeClr val="accent1"/>
-            </a:fillRef>
-            <a:effectRef idx="0">
-              <a:schemeClr val="accent1"/>
-            </a:effectRef>
-            <a:fontRef idx="minor">
-              <a:schemeClr val="lt1"/>
-            </a:fontRef>
-          </p:style>
-          <p:txBody>
-            <a:bodyPr rtlCol="0" anchor="ctr"/>
-            <a:lstStyle/>
-            <a:p>
-              <a:pPr algn="ctr"/>
-              <a:endParaRPr lang="ko-KR" altLang="en-US" sz="2400" dirty="0">
-                <a:solidFill>
-                  <a:schemeClr val="tx1"/>
-                </a:solidFill>
-              </a:endParaRPr>
-            </a:p>
-          </p:txBody>
-        </p:sp>
-      </p:grpSp>
-      <p:sp>
-        <p:nvSpPr>
-          <p:cNvPr id="14" name="Text Placeholder Body">
-            <a:extLst>
-              <a:ext uri="{FF2B5EF4-FFF2-40B4-BE49-F238E27FC236}">
-                <a16:creationId xmlns="" xmlns:a16="http://schemas.microsoft.com/office/drawing/2014/main" id="{0E49D336-45B6-44D3-97C4-E28F8DEA2022}"/>
-              </a:ext>
-            </a:extLst>
-          </p:cNvPr>
-          <p:cNvSpPr>
-            <a:spLocks noGrp="1"/>
-          </p:cNvSpPr>
-          <p:nvPr>
-            <p:ph type="body" sz="quarter" idx="10"/>
-          </p:nvPr>
-        </p:nvSpPr>
-        <p:spPr>
-          <a:xfrm>
-            <a:off x="685800" y="1524000"/>
-            <a:ext cx="8775781" cy="5029200"/>
-          </a:xfrm>
-        </p:spPr>
-        <p:txBody>
-          <a:bodyPr>
-            <a:noAutofit/>
-          </a:bodyPr>
-          <a:lstStyle>
-            <a:lvl1pPr marL="514350" indent="-514350">
-              <a:buFont typeface="Wingdings" panose="05000000000000000000" pitchFamily="2" charset="2"/>
-              <a:buChar char="§"/>
-              <a:defRPr>
-                <a:solidFill>
-                  <a:schemeClr val="bg2"/>
-                </a:solidFill>
-              </a:defRPr>
-            </a:lvl1pPr>
-            <a:lvl2pPr marL="1123935" indent="-514350">
-              <a:buFont typeface="Wingdings" panose="05000000000000000000" pitchFamily="2" charset="2"/>
-              <a:buChar char="§"/>
-              <a:defRPr>
-                <a:solidFill>
-                  <a:schemeClr val="tx1"/>
-                </a:solidFill>
-              </a:defRPr>
-            </a:lvl2pPr>
-            <a:lvl3pPr marL="1733520" indent="-514350">
-              <a:buFont typeface="Wingdings" panose="05000000000000000000" pitchFamily="2" charset="2"/>
-              <a:buChar char="§"/>
-              <a:defRPr>
-                <a:solidFill>
-                  <a:schemeClr val="tx1"/>
-                </a:solidFill>
-              </a:defRPr>
-            </a:lvl3pPr>
-            <a:lvl4pPr marL="2343105" indent="-514350">
-              <a:buFont typeface="Wingdings" panose="05000000000000000000" pitchFamily="2" charset="2"/>
-              <a:buChar char="§"/>
-              <a:defRPr>
-                <a:solidFill>
-                  <a:schemeClr val="tx1"/>
-                </a:solidFill>
-              </a:defRPr>
-            </a:lvl4pPr>
-            <a:lvl5pPr marL="2952689" indent="-514350">
-              <a:buFont typeface="Wingdings" panose="05000000000000000000" pitchFamily="2" charset="2"/>
-              <a:buChar char="§"/>
-              <a:defRPr>
-                <a:solidFill>
-                  <a:schemeClr val="tx1"/>
-                </a:solidFill>
-              </a:defRPr>
-            </a:lvl5pPr>
-          </a:lstStyle>
-          <a:p>
-            <a:pPr marL="360363" indent="-360000" fontAlgn="base">
-              <a:lnSpc>
-                <a:spcPct val="100000"/>
-              </a:lnSpc>
-              <a:spcAft>
-                <a:spcPts val="0"/>
-              </a:spcAft>
-              <a:buClr>
-                <a:schemeClr val="bg2"/>
-              </a:buClr>
-            </a:pPr>
-            <a:endParaRPr lang="en-US" sz="2800" dirty="0" smtClean="0">
-              <a:solidFill>
-                <a:schemeClr val="bg1">
-                  <a:lumMod val="60000"/>
-                  <a:lumOff val="40000"/>
-                </a:schemeClr>
-              </a:solidFill>
-            </a:endParaRPr>
-          </a:p>
-        </p:txBody>
-      </p:sp>
-      <p:sp>
-        <p:nvSpPr>
-          <p:cNvPr id="17" name="Slide Number">
-            <a:extLst>
-              <a:ext uri="{FF2B5EF4-FFF2-40B4-BE49-F238E27FC236}">
-                <a16:creationId xmlns="" xmlns:a16="http://schemas.microsoft.com/office/drawing/2014/main" id="{9DE5559F-55C2-47F1-A321-B593B1EC63C1}"/>
-              </a:ext>
-            </a:extLst>
-          </p:cNvPr>
-          <p:cNvSpPr>
-            <a:spLocks noGrp="1"/>
-          </p:cNvSpPr>
-          <p:nvPr>
-            <p:ph type="sldNum" sz="quarter" idx="5"/>
-          </p:nvPr>
-        </p:nvSpPr>
-        <p:spPr>
-          <a:xfrm>
-            <a:off x="11753030" y="6507000"/>
-            <a:ext cx="367414" cy="297000"/>
-          </a:xfrm>
-          <a:prstGeom prst="rect">
-            <a:avLst/>
-          </a:prstGeom>
-        </p:spPr>
-        <p:txBody>
-          <a:bodyPr vert="horz" lIns="91440" tIns="45720" rIns="91440" bIns="45720" rtlCol="0" anchor="b"/>
-          <a:lstStyle>
-            <a:lvl1pPr algn="r">
-              <a:defRPr sz="1000"/>
-            </a:lvl1pPr>
-          </a:lstStyle>
-          <a:p>
-            <a:fld id="{2BF067CD-8E6B-4360-9AA8-C5DF2A48A6D1}" type="slidenum">
-              <a:rPr lang="en-US" smtClean="0"/>
-              <a:pPr/>
-              <a:t>17</a:t>
-            </a:fld>
-            <a:endParaRPr lang="en-US" dirty="0"/>
-          </a:p>
-        </p:txBody>
-      </p:sp>
-      <p:pic>
-        <p:nvPicPr>
-          <p:cNvPr id="13" name="Picture SoftUni Mascot">
-            <a:extLst>
-              <a:ext uri="{FF2B5EF4-FFF2-40B4-BE49-F238E27FC236}">
-                <a16:creationId xmlns="" xmlns:a16="http://schemas.microsoft.com/office/drawing/2014/main" id="{CCC3A316-993C-4741-8826-E104F27650A3}"/>
-              </a:ext>
-            </a:extLst>
-          </p:cNvPr>
-          <p:cNvPicPr>
-            <a:picLocks noChangeAspect="1"/>
-          </p:cNvPicPr>
-          <p:nvPr/>
-        </p:nvPicPr>
-        <p:blipFill rotWithShape="1">
-          <a:blip r:embed="rId3" cstate="print">
-            <a:extLst>
-              <a:ext uri="{28A0092B-C50C-407E-A947-70E740481C1C}">
-                <a14:useLocalDpi xmlns="" xmlns:a14="http://schemas.microsoft.com/office/drawing/2010/main" val="0"/>
-              </a:ext>
-            </a:extLst>
-          </a:blip>
-          <a:srcRect/>
-          <a:stretch/>
-        </p:blipFill>
-        <p:spPr>
-          <a:xfrm flipH="1">
-            <a:off x="9810597" y="4204252"/>
-            <a:ext cx="2056123" cy="2225242"/>
-          </a:xfrm>
-          <a:prstGeom prst="rect">
-            <a:avLst/>
-          </a:prstGeom>
-        </p:spPr>
-      </p:pic>
-      <p:sp>
-        <p:nvSpPr>
-          <p:cNvPr id="4" name="Slide Title"/>
-          <p:cNvSpPr>
-            <a:spLocks noGrp="1"/>
-          </p:cNvSpPr>
-          <p:nvPr>
-            <p:ph type="title"/>
-          </p:nvPr>
-        </p:nvSpPr>
-        <p:spPr/>
-        <p:txBody>
-          <a:bodyPr>
-            <a:normAutofit/>
-          </a:bodyPr>
-          <a:lstStyle/>
-          <a:p>
-            <a:r>
-              <a:rPr lang="bg-BG" smtClean="0"/>
-              <a:t>Обобщение</a:t>
-            </a:r>
-            <a:endParaRPr lang="en-US" dirty="0"/>
-          </a:p>
-        </p:txBody>
-      </p:sp>
-    </p:spTree>
-    <p:extLst>
-      <p:ext uri="{BB962C8B-B14F-4D97-AF65-F5344CB8AC3E}">
-        <p14:creationId xmlns="" xmlns:p14="http://schemas.microsoft.com/office/powerpoint/2010/main" val="2087190546"/>
-      </p:ext>
-    </p:extLst>
-  </p:cSld>
-  <p:clrMapOvr>
-    <a:masterClrMapping/>
-  </p:clrMapOvr>
-  <mc:AlternateContent xmlns:mc="http://schemas.openxmlformats.org/markup-compatibility/2006">
-    <mc:Choice xmlns="" xmlns:p14="http://schemas.microsoft.com/office/powerpoint/2010/main" Requires="p14">
-      <p:transition spd="slow" p14:dur="2000" advClick="0" advTm="5000"/>
-    </mc:Choice>
-    <mc:Fallback>
-      <p:transition spd="slow" advClick="0" advTm="5000"/>
-    </mc:Fallback>
-  </mc:AlternateContent>
-  <p:timing>
-    <p:tnLst>
-      <p:par>
-        <p:cTn id="1" dur="indefinite" restart="never" nodeType="tmRoot"/>
+        <p:cTn id="1" dur="indefinite" restart="never" nodeType="tmRoot">
+          <p:childTnLst>
+            <p:seq concurrent="1" nextAc="seek">
+              <p:cTn id="2" dur="indefinite" nodeType="mainSeq">
+                <p:childTnLst>
+                  <p:par>
+                    <p:cTn id="3" fill="hold">
+                      <p:stCondLst>
+                        <p:cond delay="indefinite"/>
+                      </p:stCondLst>
+                      <p:childTnLst>
+                        <p:par>
+                          <p:cTn id="4" fill="hold">
+                            <p:stCondLst>
+                              <p:cond delay="0"/>
+                            </p:stCondLst>
+                            <p:childTnLst>
+                              <p:par>
+                                <p:cTn id="5" presetID="1" presetClass="entr" presetSubtype="0" fill="hold" nodeType="clickEffect">
+                                  <p:stCondLst>
+                                    <p:cond delay="0"/>
+                                  </p:stCondLst>
+                                  <p:childTnLst>
+                                    <p:set>
+                                      <p:cBhvr>
+                                        <p:cTn id="6" dur="1" fill="hold">
+                                          <p:stCondLst>
+                                            <p:cond delay="0"/>
+                                          </p:stCondLst>
+                                        </p:cTn>
+                                        <p:tgtEl>
+                                          <p:spTgt spid="3">
+                                            <p:txEl>
+                                              <p:pRg st="1" end="1"/>
+                                            </p:txEl>
+                                          </p:spTgt>
+                                        </p:tgtEl>
+                                        <p:attrNameLst>
+                                          <p:attrName>style.visibility</p:attrName>
+                                        </p:attrNameLst>
+                                      </p:cBhvr>
+                                      <p:to>
+                                        <p:strVal val="visible"/>
+                                      </p:to>
+                                    </p:set>
+                                  </p:childTnLst>
+                                </p:cTn>
+                              </p:par>
+                            </p:childTnLst>
+                          </p:cTn>
+                        </p:par>
+                      </p:childTnLst>
+                    </p:cTn>
+                  </p:par>
+                  <p:par>
+                    <p:cTn id="7" fill="hold">
+                      <p:stCondLst>
+                        <p:cond delay="indefinite"/>
+                      </p:stCondLst>
+                      <p:childTnLst>
+                        <p:par>
+                          <p:cTn id="8" fill="hold">
+                            <p:stCondLst>
+                              <p:cond delay="0"/>
+                            </p:stCondLst>
+                            <p:childTnLst>
+                              <p:par>
+                                <p:cTn id="9" presetID="1" presetClass="entr" presetSubtype="0" fill="hold" nodeType="clickEffect">
+                                  <p:stCondLst>
+                                    <p:cond delay="0"/>
+                                  </p:stCondLst>
+                                  <p:childTnLst>
+                                    <p:set>
+                                      <p:cBhvr>
+                                        <p:cTn id="10" dur="1" fill="hold">
+                                          <p:stCondLst>
+                                            <p:cond delay="0"/>
+                                          </p:stCondLst>
+                                        </p:cTn>
+                                        <p:tgtEl>
+                                          <p:spTgt spid="3">
+                                            <p:txEl>
+                                              <p:pRg st="2" end="2"/>
+                                            </p:txEl>
+                                          </p:spTgt>
+                                        </p:tgtEl>
+                                        <p:attrNameLst>
+                                          <p:attrName>style.visibility</p:attrName>
+                                        </p:attrNameLst>
+                                      </p:cBhvr>
+                                      <p:to>
+                                        <p:strVal val="visible"/>
+                                      </p:to>
+                                    </p:set>
+                                  </p:childTnLst>
+                                </p:cTn>
+                              </p:par>
+                              <p:par>
+                                <p:cTn id="11" presetID="1" presetClass="entr" presetSubtype="0" fill="hold" nodeType="withEffect">
+                                  <p:stCondLst>
+                                    <p:cond delay="0"/>
+                                  </p:stCondLst>
+                                  <p:childTnLst>
+                                    <p:set>
+                                      <p:cBhvr>
+                                        <p:cTn id="12" dur="1" fill="hold">
+                                          <p:stCondLst>
+                                            <p:cond delay="0"/>
+                                          </p:stCondLst>
+                                        </p:cTn>
+                                        <p:tgtEl>
+                                          <p:spTgt spid="1026"/>
+                                        </p:tgtEl>
+                                        <p:attrNameLst>
+                                          <p:attrName>style.visibility</p:attrName>
+                                        </p:attrNameLst>
+                                      </p:cBhvr>
+                                      <p:to>
+                                        <p:strVal val="visible"/>
+                                      </p:to>
+                                    </p:set>
+                                  </p:childTnLst>
+                                </p:cTn>
+                              </p:par>
+                            </p:childTnLst>
+                          </p:cTn>
+                        </p:par>
+                      </p:childTnLst>
+                    </p:cTn>
+                  </p:par>
+                </p:childTnLst>
+              </p:cTn>
+              <p:prevCondLst>
+                <p:cond evt="onPrev" delay="0">
+                  <p:tgtEl>
+                    <p:sldTgt/>
+                  </p:tgtEl>
+                </p:cond>
+              </p:prevCondLst>
+              <p:nextCondLst>
+                <p:cond evt="onNext" delay="0">
+                  <p:tgtEl>
+                    <p:sldTgt/>
+                  </p:tgtEl>
+                </p:cond>
+              </p:nextCondLst>
+            </p:seq>
+          </p:childTnLst>
+        </p:cTn>
       </p:par>
     </p:tnLst>
   </p:timing>
@@ -16876,748 +17692,182 @@
           <a:chExt cx="0" cy="0"/>
         </a:xfrm>
       </p:grpSpPr>
-      <p:grpSp>
-        <p:nvGrpSpPr>
-          <p:cNvPr id="5" name="Group 4">
-            <a:extLst>
-              <a:ext uri="{FF2B5EF4-FFF2-40B4-BE49-F238E27FC236}">
-                <a16:creationId xmlns="" xmlns:a16="http://schemas.microsoft.com/office/drawing/2014/main" id="{1A67F800-7980-E3CA-7188-3C478C8E98B8}"/>
-              </a:ext>
-            </a:extLst>
-          </p:cNvPr>
-          <p:cNvGrpSpPr/>
-          <p:nvPr/>
-        </p:nvGrpSpPr>
-        <p:grpSpPr>
-          <a:xfrm>
-            <a:off x="3737560" y="1622524"/>
-            <a:ext cx="7787441" cy="3498930"/>
-            <a:chOff x="3749351" y="1549902"/>
-            <a:chExt cx="7787441" cy="3498930"/>
-          </a:xfrm>
-        </p:grpSpPr>
-        <p:pic>
-          <p:nvPicPr>
-            <p:cNvPr id="7" name="Picture 6" descr="A picture containing text, sign, vector graphics&#10;&#10;Description automatically generated">
-              <a:extLst>
-                <a:ext uri="{FF2B5EF4-FFF2-40B4-BE49-F238E27FC236}">
-                  <a16:creationId xmlns="" xmlns:a16="http://schemas.microsoft.com/office/drawing/2014/main" id="{15CE28B1-02BA-4014-E149-BF1EE09447ED}"/>
-                </a:ext>
-              </a:extLst>
-            </p:cNvPr>
-            <p:cNvPicPr>
-              <a:picLocks noChangeAspect="1"/>
-            </p:cNvPicPr>
-            <p:nvPr/>
-          </p:nvPicPr>
-          <p:blipFill>
-            <a:blip r:embed="rId3" cstate="print"/>
-            <a:stretch>
-              <a:fillRect/>
-            </a:stretch>
-          </p:blipFill>
-          <p:spPr>
-            <a:xfrm>
-              <a:off x="6833020" y="1549902"/>
-              <a:ext cx="1343039" cy="1343039"/>
-            </a:xfrm>
-            <a:prstGeom prst="rect">
-              <a:avLst/>
-            </a:prstGeom>
-          </p:spPr>
-        </p:pic>
-        <p:pic>
-          <p:nvPicPr>
-            <p:cNvPr id="9" name="Picture 8" descr="Logo&#10;&#10;Description automatically generated">
-              <a:extLst>
-                <a:ext uri="{FF2B5EF4-FFF2-40B4-BE49-F238E27FC236}">
-                  <a16:creationId xmlns="" xmlns:a16="http://schemas.microsoft.com/office/drawing/2014/main" id="{5F82FF4F-4AD2-4B3B-1445-F3C6BA268522}"/>
-                </a:ext>
-              </a:extLst>
-            </p:cNvPr>
-            <p:cNvPicPr>
-              <a:picLocks noChangeAspect="1"/>
-            </p:cNvPicPr>
-            <p:nvPr/>
-          </p:nvPicPr>
-          <p:blipFill>
-            <a:blip r:embed="rId4" cstate="print"/>
-            <a:stretch>
-              <a:fillRect/>
-            </a:stretch>
-          </p:blipFill>
-          <p:spPr>
-            <a:xfrm>
-              <a:off x="4894661" y="3848395"/>
-              <a:ext cx="1147961" cy="1147961"/>
-            </a:xfrm>
-            <a:prstGeom prst="rect">
-              <a:avLst/>
-            </a:prstGeom>
-          </p:spPr>
-        </p:pic>
-        <p:pic>
-          <p:nvPicPr>
-            <p:cNvPr id="11" name="Picture 10" descr="Logo&#10;&#10;Description automatically generated">
-              <a:extLst>
-                <a:ext uri="{FF2B5EF4-FFF2-40B4-BE49-F238E27FC236}">
-                  <a16:creationId xmlns="" xmlns:a16="http://schemas.microsoft.com/office/drawing/2014/main" id="{68CCA8DB-9EFC-F9BC-57AE-81E4F843E863}"/>
-                </a:ext>
-              </a:extLst>
-            </p:cNvPr>
-            <p:cNvPicPr>
-              <a:picLocks noChangeAspect="1"/>
-            </p:cNvPicPr>
-            <p:nvPr/>
-          </p:nvPicPr>
-          <p:blipFill>
-            <a:blip r:embed="rId5" cstate="print"/>
-            <a:stretch>
-              <a:fillRect/>
-            </a:stretch>
-          </p:blipFill>
-          <p:spPr>
-            <a:xfrm>
-              <a:off x="6259277" y="3871255"/>
-              <a:ext cx="1147961" cy="1147961"/>
-            </a:xfrm>
-            <a:prstGeom prst="rect">
-              <a:avLst/>
-            </a:prstGeom>
-          </p:spPr>
-        </p:pic>
-        <p:pic>
-          <p:nvPicPr>
-            <p:cNvPr id="13" name="Picture 12" descr="Logo&#10;&#10;Description automatically generated">
-              <a:extLst>
-                <a:ext uri="{FF2B5EF4-FFF2-40B4-BE49-F238E27FC236}">
-                  <a16:creationId xmlns="" xmlns:a16="http://schemas.microsoft.com/office/drawing/2014/main" id="{3FDF9297-50FA-E866-B6CE-9D64B1E892BF}"/>
-                </a:ext>
-              </a:extLst>
-            </p:cNvPr>
-            <p:cNvPicPr>
-              <a:picLocks noChangeAspect="1"/>
-            </p:cNvPicPr>
-            <p:nvPr/>
-          </p:nvPicPr>
-          <p:blipFill>
-            <a:blip r:embed="rId6" cstate="print"/>
-            <a:stretch>
-              <a:fillRect/>
-            </a:stretch>
-          </p:blipFill>
-          <p:spPr>
-            <a:xfrm>
-              <a:off x="9000306" y="3874225"/>
-              <a:ext cx="1147961" cy="1147961"/>
-            </a:xfrm>
-            <a:prstGeom prst="rect">
-              <a:avLst/>
-            </a:prstGeom>
-          </p:spPr>
-        </p:pic>
-        <p:pic>
-          <p:nvPicPr>
-            <p:cNvPr id="18" name="Graphic 17">
-              <a:extLst>
-                <a:ext uri="{FF2B5EF4-FFF2-40B4-BE49-F238E27FC236}">
-                  <a16:creationId xmlns="" xmlns:a16="http://schemas.microsoft.com/office/drawing/2014/main" id="{2A1BC0C9-7A7B-9C5B-B457-3E86E59EF29E}"/>
-                </a:ext>
-              </a:extLst>
-            </p:cNvPr>
-            <p:cNvPicPr>
-              <a:picLocks noChangeAspect="1"/>
-            </p:cNvPicPr>
-            <p:nvPr/>
-          </p:nvPicPr>
-          <p:blipFill>
-            <a:blip r:embed="rId7" cstate="print">
-              <a:extLst>
-                <a:ext uri="{96DAC541-7B7A-43D3-8B79-37D633B846F1}">
-                  <asvg:svgBlip xmlns="" xmlns:asvg="http://schemas.microsoft.com/office/drawing/2016/SVG/main" r:embed="rId8"/>
-                </a:ext>
-              </a:extLst>
-            </a:blip>
-            <a:stretch>
-              <a:fillRect/>
-            </a:stretch>
-          </p:blipFill>
-          <p:spPr>
-            <a:xfrm>
-              <a:off x="7738229" y="3900407"/>
-              <a:ext cx="888756" cy="1043936"/>
-            </a:xfrm>
-            <a:prstGeom prst="rect">
-              <a:avLst/>
-            </a:prstGeom>
-          </p:spPr>
-        </p:pic>
-        <p:pic>
-          <p:nvPicPr>
-            <p:cNvPr id="20" name="Graphic 19">
-              <a:extLst>
-                <a:ext uri="{FF2B5EF4-FFF2-40B4-BE49-F238E27FC236}">
-                  <a16:creationId xmlns="" xmlns:a16="http://schemas.microsoft.com/office/drawing/2014/main" id="{DBE174DA-A182-7E57-06D4-86AFA26D484D}"/>
-                </a:ext>
-              </a:extLst>
-            </p:cNvPr>
-            <p:cNvPicPr>
-              <a:picLocks noChangeAspect="1"/>
-            </p:cNvPicPr>
-            <p:nvPr/>
-          </p:nvPicPr>
-          <p:blipFill>
-            <a:blip r:embed="rId9" cstate="print">
-              <a:extLst>
-                <a:ext uri="{96DAC541-7B7A-43D3-8B79-37D633B846F1}">
-                  <asvg:svgBlip xmlns="" xmlns:asvg="http://schemas.microsoft.com/office/drawing/2016/SVG/main" r:embed="rId10"/>
-                </a:ext>
-              </a:extLst>
-            </a:blip>
-            <a:stretch>
-              <a:fillRect/>
-            </a:stretch>
-          </p:blipFill>
-          <p:spPr>
-            <a:xfrm>
-              <a:off x="3749351" y="3928121"/>
-              <a:ext cx="837913" cy="1040168"/>
-            </a:xfrm>
-            <a:prstGeom prst="rect">
-              <a:avLst/>
-            </a:prstGeom>
-          </p:spPr>
-        </p:pic>
-        <p:pic>
-          <p:nvPicPr>
-            <p:cNvPr id="22" name="Picture 21" descr="Logo&#10;&#10;Description automatically generated">
-              <a:extLst>
-                <a:ext uri="{FF2B5EF4-FFF2-40B4-BE49-F238E27FC236}">
-                  <a16:creationId xmlns="" xmlns:a16="http://schemas.microsoft.com/office/drawing/2014/main" id="{9B7FFC36-A4BC-7A53-AB82-82C398A47538}"/>
-                </a:ext>
-              </a:extLst>
-            </p:cNvPr>
-            <p:cNvPicPr>
-              <a:picLocks noChangeAspect="1"/>
-            </p:cNvPicPr>
-            <p:nvPr/>
-          </p:nvPicPr>
-          <p:blipFill>
-            <a:blip r:embed="rId11" cstate="print"/>
-            <a:stretch>
-              <a:fillRect/>
-            </a:stretch>
-          </p:blipFill>
-          <p:spPr>
-            <a:xfrm>
-              <a:off x="10279380" y="3876626"/>
-              <a:ext cx="1257412" cy="1172206"/>
-            </a:xfrm>
-            <a:prstGeom prst="rect">
-              <a:avLst/>
-            </a:prstGeom>
-          </p:spPr>
-        </p:pic>
-        <p:grpSp>
-          <p:nvGrpSpPr>
-            <p:cNvPr id="36" name="Group 35">
-              <a:extLst>
-                <a:ext uri="{FF2B5EF4-FFF2-40B4-BE49-F238E27FC236}">
-                  <a16:creationId xmlns="" xmlns:a16="http://schemas.microsoft.com/office/drawing/2014/main" id="{3FB2AEAC-BDEE-9D5F-67A3-17CEDA699052}"/>
-                </a:ext>
-              </a:extLst>
-            </p:cNvPr>
-            <p:cNvGrpSpPr/>
-            <p:nvPr/>
-          </p:nvGrpSpPr>
-          <p:grpSpPr>
-            <a:xfrm>
-              <a:off x="4091553" y="3060524"/>
-              <a:ext cx="6825992" cy="559921"/>
-              <a:chOff x="1433768" y="2645180"/>
-              <a:chExt cx="9324489" cy="783820"/>
-            </a:xfrm>
-          </p:grpSpPr>
-          <p:cxnSp>
-            <p:nvCxnSpPr>
-              <p:cNvPr id="31" name="Straight Connector 30">
-                <a:extLst>
-                  <a:ext uri="{FF2B5EF4-FFF2-40B4-BE49-F238E27FC236}">
-                    <a16:creationId xmlns="" xmlns:a16="http://schemas.microsoft.com/office/drawing/2014/main" id="{AA38ABD5-1637-DC80-A922-DF10E4F75CDE}"/>
-                  </a:ext>
-                </a:extLst>
-              </p:cNvPr>
-              <p:cNvCxnSpPr>
-                <a:cxnSpLocks/>
-              </p:cNvCxnSpPr>
-              <p:nvPr/>
-            </p:nvCxnSpPr>
-            <p:spPr>
-              <a:xfrm flipV="1">
-                <a:off x="6096000" y="2645180"/>
-                <a:ext cx="1" cy="469190"/>
-              </a:xfrm>
-              <a:prstGeom prst="line">
-                <a:avLst/>
-              </a:prstGeom>
-              <a:ln w="41275">
-                <a:solidFill>
-                  <a:srgbClr val="FFA000"/>
-                </a:solidFill>
-              </a:ln>
-            </p:spPr>
-            <p:style>
-              <a:lnRef idx="1">
-                <a:schemeClr val="accent1"/>
-              </a:lnRef>
-              <a:fillRef idx="0">
-                <a:schemeClr val="accent1"/>
-              </a:fillRef>
-              <a:effectRef idx="0">
-                <a:schemeClr val="accent1"/>
-              </a:effectRef>
-              <a:fontRef idx="minor">
-                <a:schemeClr val="tx1"/>
-              </a:fontRef>
-            </p:style>
-          </p:cxnSp>
-          <p:pic>
-            <p:nvPicPr>
-              <p:cNvPr id="33" name="Picture 32">
-                <a:extLst>
-                  <a:ext uri="{FF2B5EF4-FFF2-40B4-BE49-F238E27FC236}">
-                    <a16:creationId xmlns="" xmlns:a16="http://schemas.microsoft.com/office/drawing/2014/main" id="{617B586A-0BC5-5E32-7E67-FD277547ED69}"/>
-                  </a:ext>
-                </a:extLst>
-              </p:cNvPr>
-              <p:cNvPicPr>
-                <a:picLocks noChangeAspect="1"/>
-              </p:cNvPicPr>
-              <p:nvPr/>
-            </p:nvPicPr>
-            <p:blipFill>
-              <a:blip r:embed="rId12" cstate="print"/>
-              <a:stretch>
-                <a:fillRect/>
-              </a:stretch>
-            </p:blipFill>
-            <p:spPr>
-              <a:xfrm>
-                <a:off x="1433768" y="3114370"/>
-                <a:ext cx="9324489" cy="314630"/>
-              </a:xfrm>
-              <a:prstGeom prst="rect">
-                <a:avLst/>
-              </a:prstGeom>
-            </p:spPr>
-          </p:pic>
-        </p:grpSp>
-      </p:grpSp>
-      <p:pic>
-        <p:nvPicPr>
-          <p:cNvPr id="40" name="Picture 39" descr="Logo&#10;&#10;Description automatically generated">
-            <a:extLst>
-              <a:ext uri="{FF2B5EF4-FFF2-40B4-BE49-F238E27FC236}">
-                <a16:creationId xmlns="" xmlns:a16="http://schemas.microsoft.com/office/drawing/2014/main" id="{9C30DD70-D438-6D27-35D3-8BB874966D84}"/>
-              </a:ext>
-            </a:extLst>
-          </p:cNvPr>
-          <p:cNvPicPr>
-            <a:picLocks noChangeAspect="1"/>
-          </p:cNvPicPr>
-          <p:nvPr/>
-        </p:nvPicPr>
-        <p:blipFill>
-          <a:blip r:embed="rId13" cstate="print"/>
-          <a:stretch>
-            <a:fillRect/>
-          </a:stretch>
-        </p:blipFill>
-        <p:spPr>
-          <a:xfrm>
-            <a:off x="77384" y="2319421"/>
-            <a:ext cx="3660176" cy="4247149"/>
-          </a:xfrm>
-          <a:prstGeom prst="rect">
-            <a:avLst/>
-          </a:prstGeom>
-        </p:spPr>
-      </p:pic>
       <p:sp>
         <p:nvSpPr>
-          <p:cNvPr id="2" name="Google Shape;441;p37">
-            <a:extLst>
-              <a:ext uri="{FF2B5EF4-FFF2-40B4-BE49-F238E27FC236}">
-                <a16:creationId xmlns="" xmlns:a16="http://schemas.microsoft.com/office/drawing/2014/main" id="{2AFB472C-93C2-241B-75FA-457782840F92}"/>
-              </a:ext>
-            </a:extLst>
-          </p:cNvPr>
-          <p:cNvSpPr txBox="1">
-            <a:spLocks/>
+          <p:cNvPr id="2" name="Slide Number Placeholder 1"/>
+          <p:cNvSpPr>
+            <a:spLocks noGrp="1"/>
           </p:cNvSpPr>
-          <p:nvPr/>
+          <p:nvPr>
+            <p:ph type="sldNum" sz="quarter" idx="5"/>
+          </p:nvPr>
         </p:nvSpPr>
-        <p:spPr>
-          <a:xfrm>
-            <a:off x="809628" y="703244"/>
-            <a:ext cx="5916372" cy="1033303"/>
-          </a:xfrm>
-          <a:prstGeom prst="rect">
-            <a:avLst/>
-          </a:prstGeom>
-          <a:noFill/>
-          <a:ln>
-            <a:noFill/>
-          </a:ln>
-        </p:spPr>
+        <p:spPr/>
         <p:txBody>
-          <a:bodyPr spcFirstLastPara="1" wrap="square" lIns="0" tIns="0" rIns="0" bIns="0" anchor="ctr" anchorCtr="0">
-            <a:noAutofit/>
-          </a:bodyPr>
-          <a:lstStyle>
-            <a:defPPr marR="0" lvl="0" algn="l" rtl="0">
-              <a:lnSpc>
-                <a:spcPct val="100000"/>
-              </a:lnSpc>
-              <a:spcBef>
-                <a:spcPts val="0"/>
-              </a:spcBef>
-              <a:spcAft>
-                <a:spcPts val="0"/>
-              </a:spcAft>
-            </a:defPPr>
-            <a:lvl1pPr marR="0" lvl="0" algn="ctr" rtl="0">
-              <a:lnSpc>
-                <a:spcPct val="100000"/>
-              </a:lnSpc>
-              <a:spcBef>
-                <a:spcPts val="0"/>
-              </a:spcBef>
-              <a:spcAft>
-                <a:spcPts val="0"/>
-              </a:spcAft>
-              <a:buClr>
-                <a:schemeClr val="dk1"/>
-              </a:buClr>
-              <a:buSzPts val="3998"/>
-              <a:buFont typeface="Calibri"/>
-              <a:buNone/>
-              <a:defRPr sz="6000" b="1" i="0" u="none" strike="noStrike" cap="none">
-                <a:solidFill>
-                  <a:schemeClr val="dk1"/>
-                </a:solidFill>
-                <a:latin typeface="Calibri"/>
-                <a:ea typeface="Calibri"/>
-                <a:cs typeface="Calibri"/>
-                <a:sym typeface="Calibri"/>
-              </a:defRPr>
-            </a:lvl1pPr>
-            <a:lvl2pPr marR="0" lvl="1" algn="l" rtl="0">
-              <a:lnSpc>
-                <a:spcPct val="100000"/>
-              </a:lnSpc>
-              <a:spcBef>
-                <a:spcPts val="0"/>
-              </a:spcBef>
-              <a:spcAft>
-                <a:spcPts val="0"/>
-              </a:spcAft>
-              <a:buClr>
-                <a:srgbClr val="000000"/>
-              </a:buClr>
-              <a:buSzPts val="1400"/>
-              <a:buFont typeface="Arial"/>
-              <a:buNone/>
-              <a:defRPr sz="1800" b="0" i="0" u="none" strike="noStrike" cap="none">
-                <a:solidFill>
-                  <a:srgbClr val="000000"/>
-                </a:solidFill>
-                <a:latin typeface="Arial"/>
-                <a:ea typeface="Arial"/>
-                <a:cs typeface="Arial"/>
-                <a:sym typeface="Arial"/>
-              </a:defRPr>
-            </a:lvl2pPr>
-            <a:lvl3pPr marR="0" lvl="2" algn="l" rtl="0">
-              <a:lnSpc>
-                <a:spcPct val="100000"/>
-              </a:lnSpc>
-              <a:spcBef>
-                <a:spcPts val="0"/>
-              </a:spcBef>
-              <a:spcAft>
-                <a:spcPts val="0"/>
-              </a:spcAft>
-              <a:buClr>
-                <a:srgbClr val="000000"/>
-              </a:buClr>
-              <a:buSzPts val="1400"/>
-              <a:buFont typeface="Arial"/>
-              <a:buNone/>
-              <a:defRPr sz="1800" b="0" i="0" u="none" strike="noStrike" cap="none">
-                <a:solidFill>
-                  <a:srgbClr val="000000"/>
-                </a:solidFill>
-                <a:latin typeface="Arial"/>
-                <a:ea typeface="Arial"/>
-                <a:cs typeface="Arial"/>
-                <a:sym typeface="Arial"/>
-              </a:defRPr>
-            </a:lvl3pPr>
-            <a:lvl4pPr marR="0" lvl="3" algn="l" rtl="0">
-              <a:lnSpc>
-                <a:spcPct val="100000"/>
-              </a:lnSpc>
-              <a:spcBef>
-                <a:spcPts val="0"/>
-              </a:spcBef>
-              <a:spcAft>
-                <a:spcPts val="0"/>
-              </a:spcAft>
-              <a:buClr>
-                <a:srgbClr val="000000"/>
-              </a:buClr>
-              <a:buSzPts val="1400"/>
-              <a:buFont typeface="Arial"/>
-              <a:buNone/>
-              <a:defRPr sz="1800" b="0" i="0" u="none" strike="noStrike" cap="none">
-                <a:solidFill>
-                  <a:srgbClr val="000000"/>
-                </a:solidFill>
-                <a:latin typeface="Arial"/>
-                <a:ea typeface="Arial"/>
-                <a:cs typeface="Arial"/>
-                <a:sym typeface="Arial"/>
-              </a:defRPr>
-            </a:lvl4pPr>
-            <a:lvl5pPr marR="0" lvl="4" algn="l" rtl="0">
-              <a:lnSpc>
-                <a:spcPct val="100000"/>
-              </a:lnSpc>
-              <a:spcBef>
-                <a:spcPts val="0"/>
-              </a:spcBef>
-              <a:spcAft>
-                <a:spcPts val="0"/>
-              </a:spcAft>
-              <a:buClr>
-                <a:srgbClr val="000000"/>
-              </a:buClr>
-              <a:buSzPts val="1400"/>
-              <a:buFont typeface="Arial"/>
-              <a:buNone/>
-              <a:defRPr sz="1800" b="0" i="0" u="none" strike="noStrike" cap="none">
-                <a:solidFill>
-                  <a:srgbClr val="000000"/>
-                </a:solidFill>
-                <a:latin typeface="Arial"/>
-                <a:ea typeface="Arial"/>
-                <a:cs typeface="Arial"/>
-                <a:sym typeface="Arial"/>
-              </a:defRPr>
-            </a:lvl5pPr>
-            <a:lvl6pPr marR="0" lvl="5" algn="l" rtl="0">
-              <a:lnSpc>
-                <a:spcPct val="100000"/>
-              </a:lnSpc>
-              <a:spcBef>
-                <a:spcPts val="0"/>
-              </a:spcBef>
-              <a:spcAft>
-                <a:spcPts val="0"/>
-              </a:spcAft>
-              <a:buClr>
-                <a:srgbClr val="000000"/>
-              </a:buClr>
-              <a:buSzPts val="1400"/>
-              <a:buFont typeface="Arial"/>
-              <a:buNone/>
-              <a:defRPr sz="1800" b="0" i="0" u="none" strike="noStrike" cap="none">
-                <a:solidFill>
-                  <a:srgbClr val="000000"/>
-                </a:solidFill>
-                <a:latin typeface="Arial"/>
-                <a:ea typeface="Arial"/>
-                <a:cs typeface="Arial"/>
-                <a:sym typeface="Arial"/>
-              </a:defRPr>
-            </a:lvl6pPr>
-            <a:lvl7pPr marR="0" lvl="6" algn="l" rtl="0">
-              <a:lnSpc>
-                <a:spcPct val="100000"/>
-              </a:lnSpc>
-              <a:spcBef>
-                <a:spcPts val="0"/>
-              </a:spcBef>
-              <a:spcAft>
-                <a:spcPts val="0"/>
-              </a:spcAft>
-              <a:buClr>
-                <a:srgbClr val="000000"/>
-              </a:buClr>
-              <a:buSzPts val="1400"/>
-              <a:buFont typeface="Arial"/>
-              <a:buNone/>
-              <a:defRPr sz="1800" b="0" i="0" u="none" strike="noStrike" cap="none">
-                <a:solidFill>
-                  <a:srgbClr val="000000"/>
-                </a:solidFill>
-                <a:latin typeface="Arial"/>
-                <a:ea typeface="Arial"/>
-                <a:cs typeface="Arial"/>
-                <a:sym typeface="Arial"/>
-              </a:defRPr>
-            </a:lvl7pPr>
-            <a:lvl8pPr marR="0" lvl="7" algn="l" rtl="0">
-              <a:lnSpc>
-                <a:spcPct val="100000"/>
-              </a:lnSpc>
-              <a:spcBef>
-                <a:spcPts val="0"/>
-              </a:spcBef>
-              <a:spcAft>
-                <a:spcPts val="0"/>
-              </a:spcAft>
-              <a:buClr>
-                <a:srgbClr val="000000"/>
-              </a:buClr>
-              <a:buSzPts val="1400"/>
-              <a:buFont typeface="Arial"/>
-              <a:buNone/>
-              <a:defRPr sz="1800" b="0" i="0" u="none" strike="noStrike" cap="none">
-                <a:solidFill>
-                  <a:srgbClr val="000000"/>
-                </a:solidFill>
-                <a:latin typeface="Arial"/>
-                <a:ea typeface="Arial"/>
-                <a:cs typeface="Arial"/>
-                <a:sym typeface="Arial"/>
-              </a:defRPr>
-            </a:lvl8pPr>
-            <a:lvl9pPr marR="0" lvl="8" algn="l" rtl="0">
-              <a:lnSpc>
-                <a:spcPct val="100000"/>
-              </a:lnSpc>
-              <a:spcBef>
-                <a:spcPts val="0"/>
-              </a:spcBef>
-              <a:spcAft>
-                <a:spcPts val="0"/>
-              </a:spcAft>
-              <a:buClr>
-                <a:srgbClr val="000000"/>
-              </a:buClr>
-              <a:buSzPts val="1400"/>
-              <a:buFont typeface="Arial"/>
-              <a:buNone/>
-              <a:defRPr sz="1800" b="0" i="0" u="none" strike="noStrike" cap="none">
-                <a:solidFill>
-                  <a:srgbClr val="000000"/>
-                </a:solidFill>
-                <a:latin typeface="Arial"/>
-                <a:ea typeface="Arial"/>
-                <a:cs typeface="Arial"/>
-                <a:sym typeface="Arial"/>
-              </a:defRPr>
-            </a:lvl9pPr>
-          </a:lstStyle>
-          <a:p>
-            <a:pPr algn="l">
-              <a:buClr>
-                <a:srgbClr val="234465"/>
-              </a:buClr>
-              <a:buSzPts val="8800"/>
-            </a:pPr>
-            <a:r>
-              <a:rPr lang="bg-BG" sz="8800" dirty="0">
-                <a:solidFill>
-                  <a:srgbClr val="234465"/>
-                </a:solidFill>
-              </a:rPr>
-              <a:t>Въпроси</a:t>
-            </a:r>
-            <a:r>
-              <a:rPr lang="en-US" sz="8800" dirty="0">
-                <a:solidFill>
-                  <a:srgbClr val="234465"/>
-                </a:solidFill>
-              </a:rPr>
-              <a:t>?</a:t>
-            </a:r>
-            <a:endParaRPr lang="en-US" sz="8800" dirty="0"/>
+          <a:bodyPr/>
+          <a:lstStyle/>
+          <a:p>
+            <a:fld id="{2BF067CD-8E6B-4360-9AA8-C5DF2A48A6D1}" type="slidenum">
+              <a:rPr lang="en-US" noProof="0" smtClean="0"/>
+              <a:pPr/>
+              <a:t>18</a:t>
+            </a:fld>
+            <a:endParaRPr lang="en-US" noProof="0" dirty="0"/>
           </a:p>
         </p:txBody>
       </p:sp>
-      <p:pic>
-        <p:nvPicPr>
-          <p:cNvPr id="14" name="Картина 13">
-            <a:extLst>
-              <a:ext uri="{FF2B5EF4-FFF2-40B4-BE49-F238E27FC236}">
-                <a16:creationId xmlns="" xmlns:a16="http://schemas.microsoft.com/office/drawing/2014/main" id="{54B365E9-8FD0-6D5B-2DFC-723EE5DDD555}"/>
-              </a:ext>
-            </a:extLst>
-          </p:cNvPr>
-          <p:cNvPicPr>
-            <a:picLocks noChangeAspect="1"/>
-          </p:cNvPicPr>
-          <p:nvPr/>
-        </p:nvPicPr>
-        <p:blipFill>
-          <a:blip r:embed="rId14" cstate="print"/>
-          <a:stretch>
-            <a:fillRect/>
-          </a:stretch>
-        </p:blipFill>
-        <p:spPr>
-          <a:xfrm>
-            <a:off x="9891341" y="202022"/>
-            <a:ext cx="2028825" cy="790575"/>
-          </a:xfrm>
-          <a:prstGeom prst="rect">
-            <a:avLst/>
-          </a:prstGeom>
-        </p:spPr>
-      </p:pic>
-      <p:pic>
-        <p:nvPicPr>
-          <p:cNvPr id="16" name="Картина 15">
-            <a:extLst>
-              <a:ext uri="{FF2B5EF4-FFF2-40B4-BE49-F238E27FC236}">
-                <a16:creationId xmlns="" xmlns:a16="http://schemas.microsoft.com/office/drawing/2014/main" id="{3BD6ABFC-02BF-2D42-B42B-6929222F37B6}"/>
-              </a:ext>
-            </a:extLst>
-          </p:cNvPr>
-          <p:cNvPicPr>
-            <a:picLocks noChangeAspect="1"/>
-          </p:cNvPicPr>
-          <p:nvPr/>
-        </p:nvPicPr>
-        <p:blipFill>
-          <a:blip r:embed="rId15" cstate="print"/>
-          <a:stretch>
-            <a:fillRect/>
-          </a:stretch>
-        </p:blipFill>
-        <p:spPr>
-          <a:xfrm>
-            <a:off x="0" y="6388471"/>
-            <a:ext cx="12192000" cy="485775"/>
-          </a:xfrm>
-          <a:prstGeom prst="rect">
-            <a:avLst/>
-          </a:prstGeom>
-        </p:spPr>
-      </p:pic>
+      <p:sp>
+        <p:nvSpPr>
+          <p:cNvPr id="3" name="Text Placeholder 2"/>
+          <p:cNvSpPr>
+            <a:spLocks noGrp="1"/>
+          </p:cNvSpPr>
+          <p:nvPr>
+            <p:ph type="body" sz="quarter" idx="10"/>
+          </p:nvPr>
+        </p:nvSpPr>
+        <p:spPr/>
+        <p:txBody>
+          <a:bodyPr/>
+          <a:lstStyle/>
+          <a:p>
+            <a:r>
+              <a:rPr lang="en-US" dirty="0" smtClean="0"/>
+              <a:t>TODO: </a:t>
+            </a:r>
+            <a:endParaRPr lang="bg-BG" dirty="0" smtClean="0"/>
+          </a:p>
+          <a:p>
+            <a:pPr lvl="1"/>
+            <a:r>
+              <a:rPr lang="bg-BG" dirty="0" smtClean="0"/>
+              <a:t>Постъпково показване</a:t>
+            </a:r>
+            <a:r>
+              <a:rPr lang="en-US" dirty="0" smtClean="0"/>
+              <a:t> </a:t>
+            </a:r>
+            <a:r>
+              <a:rPr lang="bg-BG" dirty="0" smtClean="0"/>
+              <a:t>(</a:t>
+            </a:r>
+            <a:r>
+              <a:rPr lang="en-US" b="1" dirty="0" smtClean="0">
+                <a:solidFill>
+                  <a:schemeClr val="bg1"/>
+                </a:solidFill>
+              </a:rPr>
+              <a:t>screenshots</a:t>
+            </a:r>
+            <a:r>
+              <a:rPr lang="en-US" dirty="0" smtClean="0"/>
+              <a:t>)</a:t>
+            </a:r>
+            <a:r>
+              <a:rPr lang="bg-BG" dirty="0" smtClean="0"/>
+              <a:t> на това как да импортираме данни от </a:t>
+            </a:r>
+            <a:r>
+              <a:rPr lang="en-US" b="1" dirty="0" smtClean="0">
+                <a:solidFill>
+                  <a:schemeClr val="bg1"/>
+                </a:solidFill>
+              </a:rPr>
+              <a:t>Excel</a:t>
+            </a:r>
+            <a:r>
+              <a:rPr lang="en-US" dirty="0" smtClean="0"/>
+              <a:t> </a:t>
+            </a:r>
+            <a:r>
+              <a:rPr lang="bg-BG" dirty="0" smtClean="0"/>
+              <a:t>в </a:t>
+            </a:r>
+            <a:r>
+              <a:rPr lang="en-US" b="1" dirty="0" smtClean="0">
+                <a:solidFill>
+                  <a:schemeClr val="bg1"/>
+                </a:solidFill>
+              </a:rPr>
+              <a:t>MS Access </a:t>
+            </a:r>
+            <a:r>
+              <a:rPr lang="bg-BG" dirty="0" smtClean="0"/>
+              <a:t>(виж </a:t>
+            </a:r>
+            <a:r>
+              <a:rPr lang="bg-BG" b="1" dirty="0" smtClean="0">
+                <a:solidFill>
+                  <a:schemeClr val="bg1"/>
+                </a:solidFill>
+              </a:rPr>
+              <a:t>следващия слайд</a:t>
+            </a:r>
+            <a:r>
+              <a:rPr lang="bg-BG" dirty="0" smtClean="0"/>
+              <a:t>)</a:t>
+            </a:r>
+          </a:p>
+          <a:p>
+            <a:pPr lvl="1"/>
+            <a:r>
+              <a:rPr lang="bg-BG" dirty="0" smtClean="0"/>
+              <a:t>Същия пример е нужен и за импортиране на данни от </a:t>
+            </a:r>
+            <a:r>
+              <a:rPr lang="en-US" b="1" dirty="0" smtClean="0">
+                <a:solidFill>
+                  <a:schemeClr val="bg1"/>
+                </a:solidFill>
+              </a:rPr>
+              <a:t>SQL Server</a:t>
+            </a:r>
+            <a:endParaRPr lang="en-US" b="1" dirty="0">
+              <a:solidFill>
+                <a:schemeClr val="bg1"/>
+              </a:solidFill>
+            </a:endParaRPr>
+          </a:p>
+        </p:txBody>
+      </p:sp>
+      <p:sp>
+        <p:nvSpPr>
+          <p:cNvPr id="5" name="Title 3"/>
+          <p:cNvSpPr>
+            <a:spLocks noGrp="1"/>
+          </p:cNvSpPr>
+          <p:nvPr>
+            <p:ph type="title"/>
+          </p:nvPr>
+        </p:nvSpPr>
+        <p:spPr/>
+        <p:txBody>
+          <a:bodyPr>
+            <a:normAutofit/>
+          </a:bodyPr>
+          <a:lstStyle/>
+          <a:p>
+            <a:r>
+              <a:rPr lang="en-US" sz="3500" dirty="0" smtClean="0"/>
+              <a:t>TODO Slide</a:t>
+            </a:r>
+            <a:endParaRPr lang="en-US" sz="3500" dirty="0"/>
+          </a:p>
+        </p:txBody>
+      </p:sp>
     </p:spTree>
-    <p:extLst>
-      <p:ext uri="{BB962C8B-B14F-4D97-AF65-F5344CB8AC3E}">
-        <p14:creationId xmlns="" xmlns:p14="http://schemas.microsoft.com/office/powerpoint/2010/main" val="2144060659"/>
-      </p:ext>
-    </p:extLst>
   </p:cSld>
   <p:clrMapOvr>
     <a:masterClrMapping/>
   </p:clrMapOvr>
+  <mc:AlternateContent xmlns:mc="http://schemas.openxmlformats.org/markup-compatibility/2006">
+    <mc:Choice xmlns:p14="http://schemas.microsoft.com/office/powerpoint/2010/main" xmlns="" Requires="p14">
+      <p:transition spd="slow" p14:dur="2000" advClick="0" advTm="5000"/>
+    </mc:Choice>
+    <mc:Fallback>
+      <p:transition spd="slow" advClick="0" advTm="5000"/>
+    </mc:Fallback>
+  </mc:AlternateContent>
   <p:timing>
     <p:tnLst>
       <p:par>
@@ -17647,13 +17897,7 @@
       </p:grpSpPr>
       <p:sp>
         <p:nvSpPr>
-          <p:cNvPr id="5" name="Slide Number">
-            <a:extLst>
-              <a:ext uri="{FF2B5EF4-FFF2-40B4-BE49-F238E27FC236}">
-                <a16:creationId xmlns="" xmlns:a16="http://schemas.microsoft.com/office/drawing/2014/main" id="{F48C3C93-90A1-4D31-BEA6-B54D1106CE31}"/>
-              </a:ext>
-            </a:extLst>
-          </p:cNvPr>
+          <p:cNvPr id="2" name="Slide Number Placeholder 1"/>
           <p:cNvSpPr>
             <a:spLocks noGrp="1"/>
           </p:cNvSpPr>
@@ -17661,41 +17905,23 @@
             <p:ph type="sldNum" sz="quarter" idx="5"/>
           </p:nvPr>
         </p:nvSpPr>
-        <p:spPr>
-          <a:xfrm>
-            <a:off x="11753030" y="6507000"/>
-            <a:ext cx="367414" cy="297000"/>
-          </a:xfrm>
-          <a:prstGeom prst="rect">
-            <a:avLst/>
-          </a:prstGeom>
-        </p:spPr>
+        <p:spPr/>
         <p:txBody>
-          <a:bodyPr vert="horz" lIns="91440" tIns="45720" rIns="91440" bIns="45720" rtlCol="0" anchor="b"/>
-          <a:lstStyle>
-            <a:lvl1pPr algn="r">
-              <a:defRPr sz="1000"/>
-            </a:lvl1pPr>
-          </a:lstStyle>
+          <a:bodyPr/>
+          <a:lstStyle/>
           <a:p>
             <a:fld id="{2BF067CD-8E6B-4360-9AA8-C5DF2A48A6D1}" type="slidenum">
-              <a:rPr lang="en-US" smtClean="0"/>
+              <a:rPr lang="en-US" noProof="0" smtClean="0"/>
               <a:pPr/>
               <a:t>19</a:t>
             </a:fld>
-            <a:endParaRPr lang="en-US" dirty="0"/>
+            <a:endParaRPr lang="en-US" noProof="0" dirty="0"/>
           </a:p>
         </p:txBody>
       </p:sp>
       <p:sp>
         <p:nvSpPr>
-          <p:cNvPr id="2" name="Slide Body">
-            <a:extLst>
-              <a:ext uri="{FF2B5EF4-FFF2-40B4-BE49-F238E27FC236}">
-                <a16:creationId xmlns="" xmlns:a16="http://schemas.microsoft.com/office/drawing/2014/main" id="{980F49B1-E4BE-4389-A747-7AB9B71AD920}"/>
-              </a:ext>
-            </a:extLst>
-          </p:cNvPr>
+          <p:cNvPr id="3" name="Text Placeholder 2"/>
           <p:cNvSpPr>
             <a:spLocks noGrp="1"/>
           </p:cNvSpPr>
@@ -17703,174 +17929,192 @@
             <p:ph type="body" sz="quarter" idx="10"/>
           </p:nvPr>
         </p:nvSpPr>
-        <p:spPr>
-          <a:xfrm>
-            <a:off x="190402" y="1269001"/>
-            <a:ext cx="11818096" cy="5455890"/>
-          </a:xfrm>
-        </p:spPr>
+        <p:spPr/>
         <p:txBody>
-          <a:bodyPr/>
+          <a:bodyPr>
+            <a:normAutofit/>
+          </a:bodyPr>
           <a:lstStyle/>
           <a:p>
+            <a:r>
+              <a:rPr lang="bg-BG" sz="3200" dirty="0" smtClean="0"/>
+              <a:t>Изберете </a:t>
+            </a:r>
+            <a:r>
+              <a:rPr lang="en-US" sz="3200" b="1" dirty="0" smtClean="0">
+                <a:solidFill>
+                  <a:schemeClr val="bg1"/>
+                </a:solidFill>
+              </a:rPr>
+              <a:t>Excel</a:t>
+            </a:r>
+            <a:r>
+              <a:rPr lang="en-US" sz="3200" dirty="0" smtClean="0"/>
+              <a:t> </a:t>
+            </a:r>
+            <a:r>
+              <a:rPr lang="bg-BG" sz="3200" dirty="0" smtClean="0"/>
+              <a:t>от групата </a:t>
+            </a:r>
+            <a:r>
+              <a:rPr lang="en-US" sz="3200" b="1" dirty="0" smtClean="0">
+                <a:solidFill>
+                  <a:schemeClr val="bg1"/>
+                </a:solidFill>
+                <a:latin typeface="Consolas" pitchFamily="49" charset="0"/>
+              </a:rPr>
+              <a:t>Import &amp; Link</a:t>
+            </a:r>
+            <a:r>
+              <a:rPr lang="bg-BG" sz="3200" b="1" dirty="0" smtClean="0">
+                <a:solidFill>
+                  <a:schemeClr val="bg1"/>
+                </a:solidFill>
+              </a:rPr>
+              <a:t> </a:t>
+            </a:r>
+            <a:endParaRPr lang="bg-BG" sz="3200" b="1" dirty="0" smtClean="0">
+              <a:solidFill>
+                <a:schemeClr val="bg1"/>
+              </a:solidFill>
+            </a:endParaRPr>
+          </a:p>
+          <a:p>
+            <a:endParaRPr lang="bg-BG" sz="3200" b="1" dirty="0" smtClean="0">
+              <a:solidFill>
+                <a:schemeClr val="bg1"/>
+              </a:solidFill>
+            </a:endParaRPr>
+          </a:p>
+          <a:p>
             <a:pPr>
-              <a:lnSpc>
-                <a:spcPct val="120000"/>
-              </a:lnSpc>
+              <a:buNone/>
             </a:pPr>
-            <a:r>
-              <a:rPr lang="bg-BG" dirty="0"/>
-              <a:t>Този курс</a:t>
-            </a:r>
-            <a:r>
-              <a:rPr lang="en-US" dirty="0"/>
-              <a:t> (</a:t>
-            </a:r>
-            <a:r>
-              <a:rPr lang="bg-BG" dirty="0"/>
-              <a:t>презентации, примери, демонстрационен код, упражнения, домашни, видео и други активи</a:t>
-            </a:r>
-            <a:r>
-              <a:rPr lang="en-US" dirty="0"/>
-              <a:t>) </a:t>
-            </a:r>
-            <a:r>
-              <a:rPr lang="bg-BG" dirty="0"/>
-              <a:t>представлява</a:t>
-            </a:r>
-            <a:r>
-              <a:rPr lang="en-US" dirty="0"/>
+            <a:endParaRPr lang="en-US" sz="3200" dirty="0" smtClean="0"/>
+          </a:p>
+          <a:p>
+            <a:r>
+              <a:rPr lang="bg-BG" sz="3200" dirty="0" smtClean="0"/>
+              <a:t>Появява се </a:t>
+            </a:r>
+            <a:r>
+              <a:rPr lang="en-US" sz="3200" dirty="0" smtClean="0"/>
+              <a:t>"</a:t>
+            </a:r>
+            <a:r>
+              <a:rPr lang="en-US" sz="3200" b="1" dirty="0" smtClean="0">
+                <a:solidFill>
+                  <a:schemeClr val="bg1"/>
+                </a:solidFill>
+                <a:latin typeface="Consolas" pitchFamily="49" charset="0"/>
+              </a:rPr>
+              <a:t>Get External Data </a:t>
+            </a:r>
+            <a:r>
+              <a:rPr lang="en-US" sz="3200" b="1" dirty="0" smtClean="0">
+                <a:solidFill>
+                  <a:schemeClr val="bg1"/>
+                </a:solidFill>
+                <a:latin typeface="Consolas" pitchFamily="49" charset="0"/>
+              </a:rPr>
+              <a:t>– Excel Spreadsheet</a:t>
+            </a:r>
+            <a:r>
+              <a:rPr lang="en-US" sz="3200" dirty="0" smtClean="0"/>
+              <a:t>“</a:t>
+            </a:r>
+            <a:endParaRPr lang="en-US" sz="3200" dirty="0" smtClean="0"/>
+          </a:p>
+          <a:p>
+            <a:r>
+              <a:rPr lang="bg-BG" sz="3200" dirty="0" smtClean="0"/>
+              <a:t>Изберете </a:t>
+            </a:r>
+            <a:r>
+              <a:rPr lang="en-US" sz="3200" b="1" dirty="0" smtClean="0">
+                <a:solidFill>
+                  <a:schemeClr val="bg1"/>
+                </a:solidFill>
+              </a:rPr>
+              <a:t>Excel</a:t>
+            </a:r>
+            <a:r>
+              <a:rPr lang="en-US" sz="3200" dirty="0" smtClean="0"/>
               <a:t> </a:t>
             </a:r>
             <a:r>
-              <a:rPr lang="bg-BG" b="1" dirty="0"/>
-              <a:t>защитено авторско съдържание</a:t>
-            </a:r>
-            <a:endParaRPr lang="en-US" dirty="0"/>
-          </a:p>
-          <a:p>
-            <a:pPr>
-              <a:lnSpc>
-                <a:spcPct val="120000"/>
-              </a:lnSpc>
-            </a:pPr>
-            <a:r>
-              <a:rPr lang="bg-BG" dirty="0"/>
-              <a:t>Нерегламентирано копиране</a:t>
-            </a:r>
-            <a:r>
-              <a:rPr lang="en-US" dirty="0"/>
-              <a:t>,</a:t>
-            </a:r>
-            <a:r>
-              <a:rPr lang="bg-BG" dirty="0"/>
-              <a:t> разпространение или използване е незаконно</a:t>
-            </a:r>
-          </a:p>
-          <a:p>
-            <a:pPr>
-              <a:lnSpc>
-                <a:spcPct val="120000"/>
-              </a:lnSpc>
-            </a:pPr>
-            <a:r>
-              <a:rPr lang="en-US" dirty="0"/>
-              <a:t>© </a:t>
-            </a:r>
-            <a:r>
-              <a:rPr lang="bg-BG" dirty="0"/>
-              <a:t>СофтУни</a:t>
-            </a:r>
-            <a:r>
-              <a:rPr lang="en-US" dirty="0"/>
-              <a:t> – </a:t>
-            </a:r>
-            <a:r>
-              <a:rPr lang="en-US" dirty="0">
-                <a:hlinkClick r:id="rId3"/>
+              <a:rPr lang="bg-BG" sz="3200" dirty="0" smtClean="0"/>
+              <a:t>файла, от който искате да </a:t>
+            </a:r>
+            <a:r>
+              <a:rPr lang="bg-BG" sz="3200" b="1" dirty="0" smtClean="0">
+                <a:solidFill>
+                  <a:schemeClr val="bg1"/>
+                </a:solidFill>
               </a:rPr>
-              <a:t>https://softuni.org</a:t>
-            </a:r>
-            <a:endParaRPr lang="en-US" dirty="0"/>
-          </a:p>
-          <a:p>
-            <a:pPr>
-              <a:lnSpc>
-                <a:spcPct val="120000"/>
-              </a:lnSpc>
-            </a:pPr>
-            <a:r>
-              <a:rPr lang="en-US" dirty="0"/>
-              <a:t>© </a:t>
-            </a:r>
-            <a:r>
-              <a:rPr lang="bg-BG" dirty="0"/>
-              <a:t>Софтуерен университет</a:t>
-            </a:r>
-            <a:r>
-              <a:rPr lang="en-US" dirty="0"/>
-              <a:t> – </a:t>
-            </a:r>
-            <a:r>
-              <a:rPr lang="en-US" dirty="0">
-                <a:hlinkClick r:id="rId4"/>
+              <a:t>извлечете</a:t>
+            </a:r>
+            <a:r>
+              <a:rPr lang="bg-BG" sz="3200" dirty="0" smtClean="0"/>
+              <a:t> данни</a:t>
+            </a:r>
+          </a:p>
+          <a:p>
+            <a:r>
+              <a:rPr lang="bg-BG" sz="3200" dirty="0" smtClean="0"/>
+              <a:t> Изберете опцията </a:t>
+            </a:r>
+            <a:r>
+              <a:rPr lang="en-US" sz="3200" dirty="0" smtClean="0"/>
+              <a:t>"</a:t>
+            </a:r>
+            <a:r>
+              <a:rPr lang="en-US" sz="3200" b="1" dirty="0" smtClean="0">
+                <a:solidFill>
+                  <a:schemeClr val="bg1"/>
+                </a:solidFill>
+                <a:latin typeface="Consolas" pitchFamily="49" charset="0"/>
               </a:rPr>
-              <a:t>https://softuni.bg</a:t>
-            </a:r>
-            <a:endParaRPr lang="bg-BG" dirty="0"/>
+              <a:t>Import the source data into a new table in the current </a:t>
+            </a:r>
+            <a:r>
+              <a:rPr lang="en-US" sz="3200" b="1" dirty="0" smtClean="0">
+                <a:solidFill>
+                  <a:schemeClr val="bg1"/>
+                </a:solidFill>
+                <a:latin typeface="Consolas" pitchFamily="49" charset="0"/>
+              </a:rPr>
+              <a:t>database</a:t>
+            </a:r>
+            <a:r>
+              <a:rPr lang="en-US" sz="3200" dirty="0" smtClean="0"/>
+              <a:t> "</a:t>
+            </a:r>
+            <a:endParaRPr lang="bg-BG" sz="3200" dirty="0" smtClean="0"/>
+          </a:p>
+          <a:p>
+            <a:r>
+              <a:rPr lang="bg-BG" sz="3200" dirty="0" smtClean="0"/>
+              <a:t>Натиснете </a:t>
+            </a:r>
+            <a:r>
+              <a:rPr lang="bg-BG" sz="3200" b="1" dirty="0" smtClean="0">
+                <a:solidFill>
+                  <a:schemeClr val="bg1"/>
+                </a:solidFill>
+                <a:latin typeface="Consolas" pitchFamily="49" charset="0"/>
+              </a:rPr>
+              <a:t>OK</a:t>
+            </a:r>
+            <a:endParaRPr lang="en-US" sz="3200" dirty="0">
+              <a:latin typeface="Consolas" pitchFamily="49" charset="0"/>
+            </a:endParaRPr>
           </a:p>
         </p:txBody>
       </p:sp>
-      <p:pic>
-        <p:nvPicPr>
-          <p:cNvPr id="6" name="Picture License" descr="License">
-            <a:extLst>
-              <a:ext uri="{FF2B5EF4-FFF2-40B4-BE49-F238E27FC236}">
-                <a16:creationId xmlns="" xmlns:a16="http://schemas.microsoft.com/office/drawing/2014/main" id="{A10A2585-858C-4B1E-8846-27CF1C15729E}"/>
-              </a:ext>
-            </a:extLst>
-          </p:cNvPr>
-          <p:cNvPicPr>
-            <a:picLocks noChangeAspect="1"/>
-          </p:cNvPicPr>
-          <p:nvPr/>
-        </p:nvPicPr>
-        <p:blipFill>
-          <a:blip r:embed="rId5" cstate="print">
-            <a:clrChange>
-              <a:clrFrom>
-                <a:srgbClr val="FFFFFF"/>
-              </a:clrFrom>
-              <a:clrTo>
-                <a:srgbClr val="FFFFFF">
-                  <a:alpha val="0"/>
-                </a:srgbClr>
-              </a:clrTo>
-            </a:clrChange>
-          </a:blip>
-          <a:stretch>
-            <a:fillRect/>
-          </a:stretch>
-        </p:blipFill>
-        <p:spPr>
-          <a:xfrm>
-            <a:off x="9745023" y="4445455"/>
-            <a:ext cx="1930977" cy="2043545"/>
-          </a:xfrm>
-          <a:prstGeom prst="rect">
-            <a:avLst/>
-          </a:prstGeom>
-        </p:spPr>
-      </p:pic>
       <p:sp>
         <p:nvSpPr>
-          <p:cNvPr id="3" name="Slide Title">
-            <a:extLst>
-              <a:ext uri="{FF2B5EF4-FFF2-40B4-BE49-F238E27FC236}">
-                <a16:creationId xmlns="" xmlns:a16="http://schemas.microsoft.com/office/drawing/2014/main" id="{E5F1FB41-80C3-4816-BC47-CCC50632E6E8}"/>
-              </a:ext>
-            </a:extLst>
-          </p:cNvPr>
+          <p:cNvPr id="4" name="Title 3"/>
           <p:cNvSpPr>
             <a:spLocks noGrp="1"/>
           </p:cNvSpPr>
@@ -17884,24 +18128,140 @@
           <a:lstStyle/>
           <a:p>
             <a:r>
-              <a:rPr lang="bg-BG" dirty="0"/>
-              <a:t>Лиценз</a:t>
-            </a:r>
+              <a:rPr lang="bg-BG" dirty="0" smtClean="0"/>
+              <a:t>Импортиране на данни от</a:t>
+            </a:r>
+            <a:r>
+              <a:rPr lang="en-US" dirty="0" smtClean="0"/>
+              <a:t> Excel</a:t>
+            </a:r>
+            <a:endParaRPr lang="en-US" dirty="0"/>
+          </a:p>
+        </p:txBody>
+      </p:sp>
+      <p:pic>
+        <p:nvPicPr>
+          <p:cNvPr id="5" name="Picture 6" descr="N3C External Datasets | N3C"/>
+          <p:cNvPicPr>
+            <a:picLocks noChangeAspect="1" noChangeArrowheads="1"/>
+          </p:cNvPicPr>
+          <p:nvPr/>
+        </p:nvPicPr>
+        <p:blipFill>
+          <a:blip r:embed="rId3" cstate="print"/>
+          <a:srcRect/>
+          <a:stretch>
+            <a:fillRect/>
+          </a:stretch>
+        </p:blipFill>
+        <p:spPr bwMode="auto">
+          <a:xfrm>
+            <a:off x="8146065" y="4993766"/>
+            <a:ext cx="1912335" cy="1788034"/>
+          </a:xfrm>
+          <a:prstGeom prst="rect">
+            <a:avLst/>
+          </a:prstGeom>
+          <a:noFill/>
+        </p:spPr>
+      </p:pic>
+      <p:pic>
+        <p:nvPicPr>
+          <p:cNvPr id="6" name="Picture 2" descr="Access Ribbon Image"/>
+          <p:cNvPicPr>
+            <a:picLocks noChangeAspect="1" noChangeArrowheads="1"/>
+          </p:cNvPicPr>
+          <p:nvPr/>
+        </p:nvPicPr>
+        <p:blipFill>
+          <a:blip r:embed="rId4" cstate="print"/>
+          <a:srcRect/>
+          <a:stretch>
+            <a:fillRect/>
+          </a:stretch>
+        </p:blipFill>
+        <p:spPr bwMode="auto">
+          <a:xfrm>
+            <a:off x="3659605" y="1838884"/>
+            <a:ext cx="4600074" cy="1285316"/>
+          </a:xfrm>
+          <a:prstGeom prst="rect">
+            <a:avLst/>
+          </a:prstGeom>
+          <a:noFill/>
+          <a:ln>
+            <a:noFill/>
+          </a:ln>
+        </p:spPr>
+      </p:pic>
+      <p:sp>
+        <p:nvSpPr>
+          <p:cNvPr id="7" name="Rectangle: Rounded Corners 17"/>
+          <p:cNvSpPr/>
+          <p:nvPr/>
+        </p:nvSpPr>
+        <p:spPr>
+          <a:xfrm>
+            <a:off x="5334000" y="1866900"/>
+            <a:ext cx="533400" cy="800100"/>
+          </a:xfrm>
+          <a:prstGeom prst="roundRect">
+            <a:avLst>
+              <a:gd name="adj" fmla="val 5385"/>
+            </a:avLst>
+          </a:prstGeom>
+          <a:noFill/>
+          <a:ln w="57150">
+            <a:solidFill>
+              <a:schemeClr val="tx1"/>
+            </a:solidFill>
+            <a:prstDash val="solid"/>
+          </a:ln>
+        </p:spPr>
+        <p:style>
+          <a:lnRef idx="2">
+            <a:schemeClr val="accent1">
+              <a:shade val="50000"/>
+            </a:schemeClr>
+          </a:lnRef>
+          <a:fillRef idx="1">
+            <a:schemeClr val="accent1"/>
+          </a:fillRef>
+          <a:effectRef idx="0">
+            <a:schemeClr val="accent1"/>
+          </a:effectRef>
+          <a:fontRef idx="minor">
+            <a:schemeClr val="lt1"/>
+          </a:fontRef>
+        </p:style>
+        <p:txBody>
+          <a:bodyPr rtlCol="0" anchor="t"/>
+          <a:lstStyle/>
+          <a:p>
+            <a:pPr algn="ctr"/>
+            <a:endParaRPr lang="en-US" sz="2799" b="1" dirty="0">
+              <a:solidFill>
+                <a:srgbClr val="FBEEDC"/>
+              </a:solidFill>
+              <a:effectLst>
+                <a:outerShdw blurRad="38100" dist="38100" dir="2700000" algn="tl">
+                  <a:srgbClr val="000000">
+                    <a:alpha val="43137"/>
+                  </a:srgbClr>
+                </a:outerShdw>
+              </a:effectLst>
+              <a:latin typeface="Consolas" panose="020B0609020204030204" pitchFamily="49" charset="0"/>
+            </a:endParaRPr>
           </a:p>
         </p:txBody>
       </p:sp>
     </p:spTree>
-    <p:extLst>
-      <p:ext uri="{BB962C8B-B14F-4D97-AF65-F5344CB8AC3E}">
-        <p14:creationId xmlns="" xmlns:p14="http://schemas.microsoft.com/office/powerpoint/2010/main" val="3506533871"/>
-      </p:ext>
-    </p:extLst>
   </p:cSld>
   <p:clrMapOvr>
     <a:masterClrMapping/>
   </p:clrMapOvr>
   <mc:AlternateContent xmlns:mc="http://schemas.openxmlformats.org/markup-compatibility/2006">
-    <mc:Choice xmlns="" xmlns:p14="http://schemas.microsoft.com/office/powerpoint/2010/main" Requires="p14">
+    <mc:Choice xmlns:p14="http://schemas.microsoft.com/office/powerpoint/2010/main" xmlns="" Requires="p14">
       <p:transition spd="slow" p14:dur="2000" advClick="0" advTm="5000"/>
     </mc:Choice>
     <mc:Fallback>
@@ -17911,9 +18271,276 @@
   <p:timing>
     <p:tnLst>
       <p:par>
-        <p:cTn id="1" dur="indefinite" restart="never" nodeType="tmRoot"/>
+        <p:cTn id="1" dur="indefinite" restart="never" nodeType="tmRoot">
+          <p:childTnLst>
+            <p:seq concurrent="1" nextAc="seek">
+              <p:cTn id="2" dur="indefinite" nodeType="mainSeq">
+                <p:childTnLst>
+                  <p:par>
+                    <p:cTn id="3" fill="hold">
+                      <p:stCondLst>
+                        <p:cond delay="indefinite"/>
+                      </p:stCondLst>
+                      <p:childTnLst>
+                        <p:par>
+                          <p:cTn id="4" fill="hold">
+                            <p:stCondLst>
+                              <p:cond delay="0"/>
+                            </p:stCondLst>
+                            <p:childTnLst>
+                              <p:par>
+                                <p:cTn id="5" presetID="1" presetClass="entr" presetSubtype="0" fill="hold" grpId="1" nodeType="clickEffect">
+                                  <p:stCondLst>
+                                    <p:cond delay="0"/>
+                                  </p:stCondLst>
+                                  <p:childTnLst>
+                                    <p:set>
+                                      <p:cBhvr>
+                                        <p:cTn id="6" dur="1" fill="hold">
+                                          <p:stCondLst>
+                                            <p:cond delay="0"/>
+                                          </p:stCondLst>
+                                        </p:cTn>
+                                        <p:tgtEl>
+                                          <p:spTgt spid="7"/>
+                                        </p:tgtEl>
+                                        <p:attrNameLst>
+                                          <p:attrName>style.visibility</p:attrName>
+                                        </p:attrNameLst>
+                                      </p:cBhvr>
+                                      <p:to>
+                                        <p:strVal val="visible"/>
+                                      </p:to>
+                                    </p:set>
+                                  </p:childTnLst>
+                                </p:cTn>
+                              </p:par>
+                            </p:childTnLst>
+                          </p:cTn>
+                        </p:par>
+                      </p:childTnLst>
+                    </p:cTn>
+                  </p:par>
+                  <p:par>
+                    <p:cTn id="7" fill="hold">
+                      <p:stCondLst>
+                        <p:cond delay="indefinite"/>
+                      </p:stCondLst>
+                      <p:childTnLst>
+                        <p:par>
+                          <p:cTn id="8" fill="hold">
+                            <p:stCondLst>
+                              <p:cond delay="0"/>
+                            </p:stCondLst>
+                            <p:childTnLst>
+                              <p:par>
+                                <p:cTn id="9" presetID="1" presetClass="entr" presetSubtype="0" fill="hold" nodeType="clickEffect">
+                                  <p:stCondLst>
+                                    <p:cond delay="0"/>
+                                  </p:stCondLst>
+                                  <p:childTnLst>
+                                    <p:set>
+                                      <p:cBhvr>
+                                        <p:cTn id="10" dur="1" fill="hold">
+                                          <p:stCondLst>
+                                            <p:cond delay="0"/>
+                                          </p:stCondLst>
+                                        </p:cTn>
+                                        <p:tgtEl>
+                                          <p:spTgt spid="3">
+                                            <p:txEl>
+                                              <p:pRg st="3" end="3"/>
+                                            </p:txEl>
+                                          </p:spTgt>
+                                        </p:tgtEl>
+                                        <p:attrNameLst>
+                                          <p:attrName>style.visibility</p:attrName>
+                                        </p:attrNameLst>
+                                      </p:cBhvr>
+                                      <p:to>
+                                        <p:strVal val="visible"/>
+                                      </p:to>
+                                    </p:set>
+                                  </p:childTnLst>
+                                </p:cTn>
+                              </p:par>
+                            </p:childTnLst>
+                          </p:cTn>
+                        </p:par>
+                      </p:childTnLst>
+                    </p:cTn>
+                  </p:par>
+                  <p:par>
+                    <p:cTn id="11" fill="hold">
+                      <p:stCondLst>
+                        <p:cond delay="indefinite"/>
+                      </p:stCondLst>
+                      <p:childTnLst>
+                        <p:par>
+                          <p:cTn id="12" fill="hold">
+                            <p:stCondLst>
+                              <p:cond delay="0"/>
+                            </p:stCondLst>
+                            <p:childTnLst>
+                              <p:par>
+                                <p:cTn id="13" presetID="1" presetClass="entr" presetSubtype="0" fill="hold" nodeType="clickEffect">
+                                  <p:stCondLst>
+                                    <p:cond delay="0"/>
+                                  </p:stCondLst>
+                                  <p:childTnLst>
+                                    <p:set>
+                                      <p:cBhvr>
+                                        <p:cTn id="14" dur="1" fill="hold">
+                                          <p:stCondLst>
+                                            <p:cond delay="0"/>
+                                          </p:stCondLst>
+                                        </p:cTn>
+                                        <p:tgtEl>
+                                          <p:spTgt spid="3">
+                                            <p:txEl>
+                                              <p:pRg st="4" end="4"/>
+                                            </p:txEl>
+                                          </p:spTgt>
+                                        </p:tgtEl>
+                                        <p:attrNameLst>
+                                          <p:attrName>style.visibility</p:attrName>
+                                        </p:attrNameLst>
+                                      </p:cBhvr>
+                                      <p:to>
+                                        <p:strVal val="visible"/>
+                                      </p:to>
+                                    </p:set>
+                                  </p:childTnLst>
+                                </p:cTn>
+                              </p:par>
+                            </p:childTnLst>
+                          </p:cTn>
+                        </p:par>
+                      </p:childTnLst>
+                    </p:cTn>
+                  </p:par>
+                  <p:par>
+                    <p:cTn id="15" fill="hold">
+                      <p:stCondLst>
+                        <p:cond delay="indefinite"/>
+                      </p:stCondLst>
+                      <p:childTnLst>
+                        <p:par>
+                          <p:cTn id="16" fill="hold">
+                            <p:stCondLst>
+                              <p:cond delay="0"/>
+                            </p:stCondLst>
+                            <p:childTnLst>
+                              <p:par>
+                                <p:cTn id="17" presetID="1" presetClass="entr" presetSubtype="0" fill="hold" nodeType="clickEffect">
+                                  <p:stCondLst>
+                                    <p:cond delay="0"/>
+                                  </p:stCondLst>
+                                  <p:childTnLst>
+                                    <p:set>
+                                      <p:cBhvr>
+                                        <p:cTn id="18" dur="1" fill="hold">
+                                          <p:stCondLst>
+                                            <p:cond delay="0"/>
+                                          </p:stCondLst>
+                                        </p:cTn>
+                                        <p:tgtEl>
+                                          <p:spTgt spid="3">
+                                            <p:txEl>
+                                              <p:pRg st="5" end="5"/>
+                                            </p:txEl>
+                                          </p:spTgt>
+                                        </p:tgtEl>
+                                        <p:attrNameLst>
+                                          <p:attrName>style.visibility</p:attrName>
+                                        </p:attrNameLst>
+                                      </p:cBhvr>
+                                      <p:to>
+                                        <p:strVal val="visible"/>
+                                      </p:to>
+                                    </p:set>
+                                  </p:childTnLst>
+                                </p:cTn>
+                              </p:par>
+                            </p:childTnLst>
+                          </p:cTn>
+                        </p:par>
+                      </p:childTnLst>
+                    </p:cTn>
+                  </p:par>
+                  <p:par>
+                    <p:cTn id="19" fill="hold">
+                      <p:stCondLst>
+                        <p:cond delay="indefinite"/>
+                      </p:stCondLst>
+                      <p:childTnLst>
+                        <p:par>
+                          <p:cTn id="20" fill="hold">
+                            <p:stCondLst>
+                              <p:cond delay="0"/>
+                            </p:stCondLst>
+                            <p:childTnLst>
+                              <p:par>
+                                <p:cTn id="21" presetID="1" presetClass="entr" presetSubtype="0" fill="hold" nodeType="clickEffect">
+                                  <p:stCondLst>
+                                    <p:cond delay="0"/>
+                                  </p:stCondLst>
+                                  <p:childTnLst>
+                                    <p:set>
+                                      <p:cBhvr>
+                                        <p:cTn id="22" dur="1" fill="hold">
+                                          <p:stCondLst>
+                                            <p:cond delay="0"/>
+                                          </p:stCondLst>
+                                        </p:cTn>
+                                        <p:tgtEl>
+                                          <p:spTgt spid="3">
+                                            <p:txEl>
+                                              <p:pRg st="6" end="6"/>
+                                            </p:txEl>
+                                          </p:spTgt>
+                                        </p:tgtEl>
+                                        <p:attrNameLst>
+                                          <p:attrName>style.visibility</p:attrName>
+                                        </p:attrNameLst>
+                                      </p:cBhvr>
+                                      <p:to>
+                                        <p:strVal val="visible"/>
+                                      </p:to>
+                                    </p:set>
+                                  </p:childTnLst>
+                                </p:cTn>
+                              </p:par>
+                            </p:childTnLst>
+                          </p:cTn>
+                        </p:par>
+                      </p:childTnLst>
+                    </p:cTn>
+                  </p:par>
+                </p:childTnLst>
+              </p:cTn>
+              <p:prevCondLst>
+                <p:cond evt="onPrev" delay="0">
+                  <p:tgtEl>
+                    <p:sldTgt/>
+                  </p:tgtEl>
+                </p:cond>
+              </p:prevCondLst>
+              <p:nextCondLst>
+                <p:cond evt="onNext" delay="0">
+                  <p:tgtEl>
+                    <p:sldTgt/>
+                  </p:tgtEl>
+                </p:cond>
+              </p:nextCondLst>
+            </p:seq>
+          </p:childTnLst>
+        </p:cTn>
       </p:par>
     </p:tnLst>
+    <p:bldLst>
+      <p:bldP spid="7" grpId="1" animBg="1"/>
+    </p:bldLst>
   </p:timing>
 </p:sld>
 </file>
@@ -17940,7 +18567,7 @@
           <p:cNvPr id="5" name="Slide Number">
             <a:extLst>
               <a:ext uri="{FF2B5EF4-FFF2-40B4-BE49-F238E27FC236}">
-                <a16:creationId xmlns="" xmlns:a16="http://schemas.microsoft.com/office/drawing/2014/main" id="{6A760D59-0056-4F39-B077-DBDBE3D2927E}"/>
+                <a16:creationId xmlns:a16="http://schemas.microsoft.com/office/drawing/2014/main" xmlns="" id="{6A760D59-0056-4F39-B077-DBDBE3D2927E}"/>
               </a:ext>
             </a:extLst>
           </p:cNvPr>
@@ -18407,7 +19034,7 @@
     </p:spTree>
     <p:extLst>
       <p:ext uri="{BB962C8B-B14F-4D97-AF65-F5344CB8AC3E}">
-        <p14:creationId xmlns="" xmlns:p14="http://schemas.microsoft.com/office/powerpoint/2010/main" val="1646986932"/>
+        <p14:creationId xmlns:p14="http://schemas.microsoft.com/office/powerpoint/2010/main" xmlns="" val="1646986932"/>
       </p:ext>
     </p:extLst>
   </p:cSld>
@@ -18415,7 +19042,7 @@
     <a:masterClrMapping/>
   </p:clrMapOvr>
   <mc:AlternateContent xmlns:mc="http://schemas.openxmlformats.org/markup-compatibility/2006">
-    <mc:Choice xmlns="" xmlns:p14="http://schemas.microsoft.com/office/powerpoint/2010/main" Requires="p14">
+    <mc:Choice xmlns:p14="http://schemas.microsoft.com/office/powerpoint/2010/main" xmlns="" Requires="p14">
       <p:transition spd="slow" p14:dur="2000" advClick="0" advTm="5000"/>
     </mc:Choice>
     <mc:Fallback>
@@ -18909,6 +19536,2402 @@
 </p:sld>
 </file>
 
+<file path=ppt/slides/slide20.xml><?xml version="1.0" encoding="utf-8"?>
+<p:sld xmlns:a="http://schemas.openxmlformats.org/drawingml/2006/main" xmlns:r="http://schemas.openxmlformats.org/officeDocument/2006/relationships" xmlns:p="http://schemas.openxmlformats.org/presentationml/2006/main">
+  <p:cSld>
+    <p:spTree>
+      <p:nvGrpSpPr>
+        <p:cNvPr id="1" name=""/>
+        <p:cNvGrpSpPr/>
+        <p:nvPr/>
+      </p:nvGrpSpPr>
+      <p:grpSpPr>
+        <a:xfrm>
+          <a:off x="0" y="0"/>
+          <a:ext cx="0" cy="0"/>
+          <a:chOff x="0" y="0"/>
+          <a:chExt cx="0" cy="0"/>
+        </a:xfrm>
+      </p:grpSpPr>
+      <p:sp>
+        <p:nvSpPr>
+          <p:cNvPr id="2" name="Slide Number Placeholder 1"/>
+          <p:cNvSpPr>
+            <a:spLocks noGrp="1"/>
+          </p:cNvSpPr>
+          <p:nvPr>
+            <p:ph type="sldNum" sz="quarter" idx="5"/>
+          </p:nvPr>
+        </p:nvSpPr>
+        <p:spPr/>
+        <p:txBody>
+          <a:bodyPr/>
+          <a:lstStyle/>
+          <a:p>
+            <a:fld id="{2BF067CD-8E6B-4360-9AA8-C5DF2A48A6D1}" type="slidenum">
+              <a:rPr lang="en-US" noProof="0" smtClean="0"/>
+              <a:pPr/>
+              <a:t>20</a:t>
+            </a:fld>
+            <a:endParaRPr lang="en-US" noProof="0" dirty="0"/>
+          </a:p>
+        </p:txBody>
+      </p:sp>
+      <p:sp>
+        <p:nvSpPr>
+          <p:cNvPr id="3" name="Text Placeholder 2"/>
+          <p:cNvSpPr>
+            <a:spLocks noGrp="1"/>
+          </p:cNvSpPr>
+          <p:nvPr>
+            <p:ph type="body" sz="quarter" idx="10"/>
+          </p:nvPr>
+        </p:nvSpPr>
+        <p:spPr/>
+        <p:txBody>
+          <a:bodyPr/>
+          <a:lstStyle/>
+          <a:p>
+            <a:r>
+              <a:rPr lang="en-US" dirty="0" smtClean="0"/>
+              <a:t>TODO: </a:t>
+            </a:r>
+            <a:r>
+              <a:rPr lang="bg-BG" dirty="0" smtClean="0"/>
+              <a:t>Добави информация</a:t>
+            </a:r>
+            <a:endParaRPr lang="en-US" dirty="0"/>
+          </a:p>
+        </p:txBody>
+      </p:sp>
+      <p:sp>
+        <p:nvSpPr>
+          <p:cNvPr id="4" name="Title 3"/>
+          <p:cNvSpPr>
+            <a:spLocks noGrp="1"/>
+          </p:cNvSpPr>
+          <p:nvPr>
+            <p:ph type="title"/>
+          </p:nvPr>
+        </p:nvSpPr>
+        <p:spPr/>
+        <p:txBody>
+          <a:bodyPr/>
+          <a:lstStyle/>
+          <a:p>
+            <a:r>
+              <a:rPr lang="bg-BG" dirty="0" smtClean="0"/>
+              <a:t>Импортиране на данни от</a:t>
+            </a:r>
+            <a:r>
+              <a:rPr lang="en-US" dirty="0" smtClean="0"/>
+              <a:t> </a:t>
+            </a:r>
+            <a:r>
+              <a:rPr lang="en-US" dirty="0" smtClean="0"/>
+              <a:t>SQL Server</a:t>
+            </a:r>
+            <a:endParaRPr lang="en-US" dirty="0"/>
+          </a:p>
+        </p:txBody>
+      </p:sp>
+    </p:spTree>
+  </p:cSld>
+  <p:clrMapOvr>
+    <a:masterClrMapping/>
+  </p:clrMapOvr>
+  <mc:AlternateContent xmlns:mc="http://schemas.openxmlformats.org/markup-compatibility/2006">
+    <mc:Choice xmlns:p14="http://schemas.microsoft.com/office/powerpoint/2010/main" xmlns="" Requires="p14">
+      <p:transition spd="slow" p14:dur="2000" advClick="0" advTm="5000"/>
+    </mc:Choice>
+    <mc:Fallback>
+      <p:transition spd="slow" advClick="0" advTm="5000"/>
+    </mc:Fallback>
+  </mc:AlternateContent>
+  <p:timing>
+    <p:tnLst>
+      <p:par>
+        <p:cTn id="1" dur="indefinite" restart="never" nodeType="tmRoot"/>
+      </p:par>
+    </p:tnLst>
+  </p:timing>
+</p:sld>
+</file>
+
+<file path=ppt/slides/slide21.xml><?xml version="1.0" encoding="utf-8"?>
+<p:sld xmlns:a="http://schemas.openxmlformats.org/drawingml/2006/main" xmlns:r="http://schemas.openxmlformats.org/officeDocument/2006/relationships" xmlns:p="http://schemas.openxmlformats.org/presentationml/2006/main">
+  <p:cSld>
+    <p:spTree>
+      <p:nvGrpSpPr>
+        <p:cNvPr id="1" name=""/>
+        <p:cNvGrpSpPr/>
+        <p:nvPr/>
+      </p:nvGrpSpPr>
+      <p:grpSpPr>
+        <a:xfrm>
+          <a:off x="0" y="0"/>
+          <a:ext cx="0" cy="0"/>
+          <a:chOff x="0" y="0"/>
+          <a:chExt cx="0" cy="0"/>
+        </a:xfrm>
+      </p:grpSpPr>
+      <p:sp>
+        <p:nvSpPr>
+          <p:cNvPr id="2" name="Subtitle 1"/>
+          <p:cNvSpPr>
+            <a:spLocks noGrp="1"/>
+          </p:cNvSpPr>
+          <p:nvPr>
+            <p:ph type="subTitle" sz="quarter" idx="11"/>
+          </p:nvPr>
+        </p:nvSpPr>
+        <p:spPr/>
+        <p:txBody>
+          <a:bodyPr/>
+          <a:lstStyle/>
+          <a:p>
+            <a:endParaRPr lang="en-US" dirty="0"/>
+          </a:p>
+        </p:txBody>
+      </p:sp>
+      <p:sp>
+        <p:nvSpPr>
+          <p:cNvPr id="3" name="Title 2"/>
+          <p:cNvSpPr>
+            <a:spLocks noGrp="1"/>
+          </p:cNvSpPr>
+          <p:nvPr>
+            <p:ph type="title" sz="quarter" idx="10"/>
+          </p:nvPr>
+        </p:nvSpPr>
+        <p:spPr/>
+        <p:txBody>
+          <a:bodyPr/>
+          <a:lstStyle/>
+          <a:p>
+            <a:r>
+              <a:rPr lang="bg-BG" dirty="0" smtClean="0"/>
+              <a:t>Формуляри</a:t>
+            </a:r>
+            <a:endParaRPr lang="en-US" dirty="0"/>
+          </a:p>
+        </p:txBody>
+      </p:sp>
+      <p:pic>
+        <p:nvPicPr>
+          <p:cNvPr id="56322" name="Picture 2" descr="What is Google Forms?"/>
+          <p:cNvPicPr>
+            <a:picLocks noChangeAspect="1" noChangeArrowheads="1"/>
+          </p:cNvPicPr>
+          <p:nvPr/>
+        </p:nvPicPr>
+        <p:blipFill>
+          <a:blip r:embed="rId2" cstate="print"/>
+          <a:srcRect/>
+          <a:stretch>
+            <a:fillRect/>
+          </a:stretch>
+        </p:blipFill>
+        <p:spPr bwMode="auto">
+          <a:xfrm>
+            <a:off x="4762500" y="1295400"/>
+            <a:ext cx="2667000" cy="2667000"/>
+          </a:xfrm>
+          <a:prstGeom prst="rect">
+            <a:avLst/>
+          </a:prstGeom>
+          <a:noFill/>
+        </p:spPr>
+      </p:pic>
+    </p:spTree>
+  </p:cSld>
+  <p:clrMapOvr>
+    <a:masterClrMapping/>
+  </p:clrMapOvr>
+  <mc:AlternateContent xmlns:mc="http://schemas.openxmlformats.org/markup-compatibility/2006">
+    <mc:Choice xmlns:p14="http://schemas.microsoft.com/office/powerpoint/2010/main" xmlns="" Requires="p14">
+      <p:transition spd="slow" p14:dur="2000" advClick="0" advTm="5000"/>
+    </mc:Choice>
+    <mc:Fallback>
+      <p:transition spd="slow" advClick="0" advTm="5000"/>
+    </mc:Fallback>
+  </mc:AlternateContent>
+  <p:timing>
+    <p:tnLst>
+      <p:par>
+        <p:cTn id="1" dur="indefinite" restart="never" nodeType="tmRoot"/>
+      </p:par>
+    </p:tnLst>
+  </p:timing>
+</p:sld>
+</file>
+
+<file path=ppt/slides/slide22.xml><?xml version="1.0" encoding="utf-8"?>
+<p:sld xmlns:a="http://schemas.openxmlformats.org/drawingml/2006/main" xmlns:r="http://schemas.openxmlformats.org/officeDocument/2006/relationships" xmlns:p="http://schemas.openxmlformats.org/presentationml/2006/main">
+  <p:cSld>
+    <p:spTree>
+      <p:nvGrpSpPr>
+        <p:cNvPr id="1" name=""/>
+        <p:cNvGrpSpPr/>
+        <p:nvPr/>
+      </p:nvGrpSpPr>
+      <p:grpSpPr>
+        <a:xfrm>
+          <a:off x="0" y="0"/>
+          <a:ext cx="0" cy="0"/>
+          <a:chOff x="0" y="0"/>
+          <a:chExt cx="0" cy="0"/>
+        </a:xfrm>
+      </p:grpSpPr>
+      <p:sp>
+        <p:nvSpPr>
+          <p:cNvPr id="2" name="Slide Number Placeholder 1"/>
+          <p:cNvSpPr>
+            <a:spLocks noGrp="1"/>
+          </p:cNvSpPr>
+          <p:nvPr>
+            <p:ph type="sldNum" sz="quarter" idx="5"/>
+          </p:nvPr>
+        </p:nvSpPr>
+        <p:spPr/>
+        <p:txBody>
+          <a:bodyPr/>
+          <a:lstStyle/>
+          <a:p>
+            <a:fld id="{2BF067CD-8E6B-4360-9AA8-C5DF2A48A6D1}" type="slidenum">
+              <a:rPr lang="en-US" noProof="0" smtClean="0"/>
+              <a:pPr/>
+              <a:t>22</a:t>
+            </a:fld>
+            <a:endParaRPr lang="en-US" noProof="0" dirty="0"/>
+          </a:p>
+        </p:txBody>
+      </p:sp>
+      <p:sp>
+        <p:nvSpPr>
+          <p:cNvPr id="3" name="Text Placeholder 2"/>
+          <p:cNvSpPr>
+            <a:spLocks noGrp="1"/>
+          </p:cNvSpPr>
+          <p:nvPr>
+            <p:ph type="body" sz="quarter" idx="10"/>
+          </p:nvPr>
+        </p:nvSpPr>
+        <p:spPr/>
+        <p:txBody>
+          <a:bodyPr>
+            <a:normAutofit/>
+          </a:bodyPr>
+          <a:lstStyle/>
+          <a:p>
+            <a:r>
+              <a:rPr lang="ru-RU" dirty="0" smtClean="0"/>
+              <a:t>Формулярите в </a:t>
+            </a:r>
+            <a:r>
+              <a:rPr lang="ru-RU" b="1" dirty="0" smtClean="0">
+                <a:solidFill>
+                  <a:schemeClr val="bg1"/>
+                </a:solidFill>
+              </a:rPr>
+              <a:t>Access</a:t>
+            </a:r>
+            <a:r>
+              <a:rPr lang="ru-RU" dirty="0" smtClean="0"/>
+              <a:t> са като </a:t>
+            </a:r>
+            <a:r>
+              <a:rPr lang="ru-RU" b="1" dirty="0" smtClean="0">
+                <a:solidFill>
+                  <a:schemeClr val="bg1"/>
+                </a:solidFill>
+              </a:rPr>
+              <a:t>витрини</a:t>
+            </a:r>
+            <a:r>
+              <a:rPr lang="ru-RU" dirty="0" smtClean="0"/>
+              <a:t> в </a:t>
+            </a:r>
+            <a:r>
+              <a:rPr lang="ru-RU" b="1" dirty="0" smtClean="0">
+                <a:solidFill>
+                  <a:schemeClr val="bg1"/>
+                </a:solidFill>
+              </a:rPr>
+              <a:t>магазини</a:t>
+            </a:r>
+            <a:r>
+              <a:rPr lang="ru-RU" dirty="0" smtClean="0"/>
+              <a:t>, които улесняват </a:t>
+            </a:r>
+            <a:r>
+              <a:rPr lang="ru-RU" b="1" dirty="0" smtClean="0">
+                <a:solidFill>
+                  <a:schemeClr val="bg1"/>
+                </a:solidFill>
+              </a:rPr>
+              <a:t>прегледа</a:t>
+            </a:r>
+            <a:r>
+              <a:rPr lang="ru-RU" dirty="0" smtClean="0"/>
+              <a:t> или </a:t>
+            </a:r>
+            <a:r>
+              <a:rPr lang="ru-RU" b="1" dirty="0" smtClean="0">
+                <a:solidFill>
+                  <a:schemeClr val="bg1"/>
+                </a:solidFill>
+              </a:rPr>
+              <a:t>получаването</a:t>
+            </a:r>
+            <a:r>
+              <a:rPr lang="ru-RU" dirty="0" smtClean="0"/>
+              <a:t> на елементите, които </a:t>
+            </a:r>
+            <a:r>
+              <a:rPr lang="ru-RU" dirty="0" smtClean="0"/>
+              <a:t>искаме</a:t>
+            </a:r>
+            <a:endParaRPr lang="en-US" dirty="0" smtClean="0"/>
+          </a:p>
+          <a:p>
+            <a:r>
+              <a:rPr lang="ru-RU" dirty="0" smtClean="0"/>
+              <a:t> Формулярите са </a:t>
+            </a:r>
+            <a:r>
+              <a:rPr lang="ru-RU" b="1" dirty="0" smtClean="0">
+                <a:solidFill>
+                  <a:schemeClr val="bg1"/>
+                </a:solidFill>
+              </a:rPr>
+              <a:t>обекти</a:t>
+            </a:r>
+            <a:r>
+              <a:rPr lang="ru-RU" dirty="0" smtClean="0"/>
+              <a:t>, чрез които </a:t>
+            </a:r>
+            <a:r>
+              <a:rPr lang="ru-RU" b="1" dirty="0" smtClean="0">
+                <a:solidFill>
+                  <a:schemeClr val="bg1"/>
+                </a:solidFill>
+              </a:rPr>
+              <a:t>вие </a:t>
+            </a:r>
+            <a:r>
+              <a:rPr lang="ru-RU" dirty="0" smtClean="0"/>
+              <a:t>или </a:t>
+            </a:r>
+            <a:r>
+              <a:rPr lang="ru-RU" b="1" dirty="0" smtClean="0">
+                <a:solidFill>
+                  <a:schemeClr val="bg1"/>
+                </a:solidFill>
+              </a:rPr>
+              <a:t>други потребители</a:t>
+            </a:r>
+            <a:r>
+              <a:rPr lang="ru-RU" dirty="0" smtClean="0"/>
+              <a:t> </a:t>
+            </a:r>
+            <a:r>
+              <a:rPr lang="ru-RU" dirty="0" smtClean="0"/>
+              <a:t>можете</a:t>
+            </a:r>
+            <a:r>
+              <a:rPr lang="en-US" dirty="0" smtClean="0"/>
+              <a:t> </a:t>
+            </a:r>
+            <a:r>
+              <a:rPr lang="bg-BG" dirty="0" smtClean="0"/>
+              <a:t>да</a:t>
+            </a:r>
+            <a:r>
+              <a:rPr lang="ru-RU" dirty="0" smtClean="0"/>
+              <a:t>:</a:t>
+            </a:r>
+          </a:p>
+          <a:p>
+            <a:pPr lvl="1">
+              <a:buClr>
+                <a:srgbClr val="224464"/>
+              </a:buClr>
+            </a:pPr>
+            <a:r>
+              <a:rPr lang="ru-RU" b="1" dirty="0" smtClean="0">
+                <a:solidFill>
+                  <a:schemeClr val="bg1"/>
+                </a:solidFill>
+              </a:rPr>
+              <a:t>Д</a:t>
+            </a:r>
+            <a:r>
+              <a:rPr lang="ru-RU" b="1" dirty="0" smtClean="0">
+                <a:solidFill>
+                  <a:schemeClr val="bg1"/>
+                </a:solidFill>
+              </a:rPr>
+              <a:t>обавяте</a:t>
+            </a:r>
+            <a:r>
+              <a:rPr lang="ru-RU" dirty="0" smtClean="0"/>
+              <a:t> данни</a:t>
+            </a:r>
+          </a:p>
+          <a:p>
+            <a:pPr lvl="1">
+              <a:buClr>
+                <a:srgbClr val="224464"/>
+              </a:buClr>
+            </a:pPr>
+            <a:r>
+              <a:rPr lang="ru-RU" b="1" dirty="0" smtClean="0">
+                <a:solidFill>
+                  <a:schemeClr val="bg1"/>
+                </a:solidFill>
+              </a:rPr>
+              <a:t>Редактирате</a:t>
+            </a:r>
+            <a:r>
+              <a:rPr lang="ru-RU" dirty="0" smtClean="0"/>
+              <a:t> </a:t>
+            </a:r>
+            <a:r>
+              <a:rPr lang="ru-RU" dirty="0" smtClean="0"/>
+              <a:t>данни</a:t>
+            </a:r>
+            <a:endParaRPr lang="ru-RU" dirty="0" smtClean="0"/>
+          </a:p>
+          <a:p>
+            <a:pPr lvl="1">
+              <a:buClr>
+                <a:srgbClr val="224464"/>
+              </a:buClr>
+            </a:pPr>
+            <a:r>
+              <a:rPr lang="ru-RU" b="1" dirty="0" smtClean="0">
+                <a:solidFill>
+                  <a:schemeClr val="bg1"/>
+                </a:solidFill>
+              </a:rPr>
+              <a:t>П</a:t>
+            </a:r>
+            <a:r>
+              <a:rPr lang="ru-RU" b="1" dirty="0" smtClean="0">
+                <a:solidFill>
+                  <a:schemeClr val="bg1"/>
+                </a:solidFill>
+              </a:rPr>
+              <a:t>оказвате</a:t>
+            </a:r>
+            <a:r>
+              <a:rPr lang="ru-RU" dirty="0" smtClean="0"/>
+              <a:t> данни</a:t>
+            </a:r>
+          </a:p>
+        </p:txBody>
+      </p:sp>
+      <p:sp>
+        <p:nvSpPr>
+          <p:cNvPr id="4" name="Title 3"/>
+          <p:cNvSpPr>
+            <a:spLocks noGrp="1"/>
+          </p:cNvSpPr>
+          <p:nvPr>
+            <p:ph type="title"/>
+          </p:nvPr>
+        </p:nvSpPr>
+        <p:spPr/>
+        <p:txBody>
+          <a:bodyPr/>
+          <a:lstStyle/>
+          <a:p>
+            <a:r>
+              <a:rPr lang="en-US" dirty="0" smtClean="0"/>
+              <a:t>MS Access </a:t>
+            </a:r>
+            <a:r>
+              <a:rPr lang="bg-BG" dirty="0" smtClean="0"/>
+              <a:t>формуляри</a:t>
+            </a:r>
+            <a:endParaRPr lang="en-US" dirty="0"/>
+          </a:p>
+        </p:txBody>
+      </p:sp>
+      <p:pic>
+        <p:nvPicPr>
+          <p:cNvPr id="7" name="Picture 4" descr="Understanding the Icons and Functions of Google Forms"/>
+          <p:cNvPicPr>
+            <a:picLocks noChangeAspect="1" noChangeArrowheads="1"/>
+          </p:cNvPicPr>
+          <p:nvPr/>
+        </p:nvPicPr>
+        <p:blipFill>
+          <a:blip r:embed="rId2" cstate="print"/>
+          <a:srcRect l="28225" t="8989" r="28262" b="7865"/>
+          <a:stretch>
+            <a:fillRect/>
+          </a:stretch>
+        </p:blipFill>
+        <p:spPr bwMode="auto">
+          <a:xfrm>
+            <a:off x="6705600" y="3733800"/>
+            <a:ext cx="2819400" cy="2819400"/>
+          </a:xfrm>
+          <a:prstGeom prst="rect">
+            <a:avLst/>
+          </a:prstGeom>
+          <a:noFill/>
+        </p:spPr>
+      </p:pic>
+    </p:spTree>
+  </p:cSld>
+  <p:clrMapOvr>
+    <a:masterClrMapping/>
+  </p:clrMapOvr>
+  <mc:AlternateContent xmlns:mc="http://schemas.openxmlformats.org/markup-compatibility/2006">
+    <mc:Choice xmlns:p14="http://schemas.microsoft.com/office/powerpoint/2010/main" xmlns="" Requires="p14">
+      <p:transition spd="slow" p14:dur="2000" advClick="0" advTm="5000"/>
+    </mc:Choice>
+    <mc:Fallback>
+      <p:transition spd="slow" advClick="0" advTm="5000"/>
+    </mc:Fallback>
+  </mc:AlternateContent>
+  <p:timing>
+    <p:tnLst>
+      <p:par>
+        <p:cTn id="1" dur="indefinite" restart="never" nodeType="tmRoot">
+          <p:childTnLst>
+            <p:seq concurrent="1" nextAc="seek">
+              <p:cTn id="2" dur="indefinite" nodeType="mainSeq">
+                <p:childTnLst>
+                  <p:par>
+                    <p:cTn id="3" fill="hold">
+                      <p:stCondLst>
+                        <p:cond delay="indefinite"/>
+                      </p:stCondLst>
+                      <p:childTnLst>
+                        <p:par>
+                          <p:cTn id="4" fill="hold">
+                            <p:stCondLst>
+                              <p:cond delay="0"/>
+                            </p:stCondLst>
+                            <p:childTnLst>
+                              <p:par>
+                                <p:cTn id="5" presetID="1" presetClass="entr" presetSubtype="0" fill="hold" nodeType="clickEffect">
+                                  <p:stCondLst>
+                                    <p:cond delay="0"/>
+                                  </p:stCondLst>
+                                  <p:childTnLst>
+                                    <p:set>
+                                      <p:cBhvr>
+                                        <p:cTn id="6" dur="1" fill="hold">
+                                          <p:stCondLst>
+                                            <p:cond delay="0"/>
+                                          </p:stCondLst>
+                                        </p:cTn>
+                                        <p:tgtEl>
+                                          <p:spTgt spid="3">
+                                            <p:txEl>
+                                              <p:pRg st="1" end="1"/>
+                                            </p:txEl>
+                                          </p:spTgt>
+                                        </p:tgtEl>
+                                        <p:attrNameLst>
+                                          <p:attrName>style.visibility</p:attrName>
+                                        </p:attrNameLst>
+                                      </p:cBhvr>
+                                      <p:to>
+                                        <p:strVal val="visible"/>
+                                      </p:to>
+                                    </p:set>
+                                  </p:childTnLst>
+                                </p:cTn>
+                              </p:par>
+                              <p:par>
+                                <p:cTn id="7" presetID="1" presetClass="entr" presetSubtype="0" fill="hold" nodeType="withEffect">
+                                  <p:stCondLst>
+                                    <p:cond delay="0"/>
+                                  </p:stCondLst>
+                                  <p:childTnLst>
+                                    <p:set>
+                                      <p:cBhvr>
+                                        <p:cTn id="8" dur="1" fill="hold">
+                                          <p:stCondLst>
+                                            <p:cond delay="0"/>
+                                          </p:stCondLst>
+                                        </p:cTn>
+                                        <p:tgtEl>
+                                          <p:spTgt spid="3">
+                                            <p:txEl>
+                                              <p:pRg st="2" end="2"/>
+                                            </p:txEl>
+                                          </p:spTgt>
+                                        </p:tgtEl>
+                                        <p:attrNameLst>
+                                          <p:attrName>style.visibility</p:attrName>
+                                        </p:attrNameLst>
+                                      </p:cBhvr>
+                                      <p:to>
+                                        <p:strVal val="visible"/>
+                                      </p:to>
+                                    </p:set>
+                                  </p:childTnLst>
+                                </p:cTn>
+                              </p:par>
+                            </p:childTnLst>
+                          </p:cTn>
+                        </p:par>
+                      </p:childTnLst>
+                    </p:cTn>
+                  </p:par>
+                  <p:par>
+                    <p:cTn id="9" fill="hold">
+                      <p:stCondLst>
+                        <p:cond delay="indefinite"/>
+                      </p:stCondLst>
+                      <p:childTnLst>
+                        <p:par>
+                          <p:cTn id="10" fill="hold">
+                            <p:stCondLst>
+                              <p:cond delay="0"/>
+                            </p:stCondLst>
+                            <p:childTnLst>
+                              <p:par>
+                                <p:cTn id="11" presetID="1" presetClass="entr" presetSubtype="0" fill="hold" nodeType="clickEffect">
+                                  <p:stCondLst>
+                                    <p:cond delay="0"/>
+                                  </p:stCondLst>
+                                  <p:childTnLst>
+                                    <p:set>
+                                      <p:cBhvr>
+                                        <p:cTn id="12" dur="1" fill="hold">
+                                          <p:stCondLst>
+                                            <p:cond delay="0"/>
+                                          </p:stCondLst>
+                                        </p:cTn>
+                                        <p:tgtEl>
+                                          <p:spTgt spid="3">
+                                            <p:txEl>
+                                              <p:pRg st="3" end="3"/>
+                                            </p:txEl>
+                                          </p:spTgt>
+                                        </p:tgtEl>
+                                        <p:attrNameLst>
+                                          <p:attrName>style.visibility</p:attrName>
+                                        </p:attrNameLst>
+                                      </p:cBhvr>
+                                      <p:to>
+                                        <p:strVal val="visible"/>
+                                      </p:to>
+                                    </p:set>
+                                  </p:childTnLst>
+                                </p:cTn>
+                              </p:par>
+                            </p:childTnLst>
+                          </p:cTn>
+                        </p:par>
+                      </p:childTnLst>
+                    </p:cTn>
+                  </p:par>
+                  <p:par>
+                    <p:cTn id="13" fill="hold">
+                      <p:stCondLst>
+                        <p:cond delay="indefinite"/>
+                      </p:stCondLst>
+                      <p:childTnLst>
+                        <p:par>
+                          <p:cTn id="14" fill="hold">
+                            <p:stCondLst>
+                              <p:cond delay="0"/>
+                            </p:stCondLst>
+                            <p:childTnLst>
+                              <p:par>
+                                <p:cTn id="15" presetID="1" presetClass="entr" presetSubtype="0" fill="hold" nodeType="clickEffect">
+                                  <p:stCondLst>
+                                    <p:cond delay="0"/>
+                                  </p:stCondLst>
+                                  <p:childTnLst>
+                                    <p:set>
+                                      <p:cBhvr>
+                                        <p:cTn id="16" dur="1" fill="hold">
+                                          <p:stCondLst>
+                                            <p:cond delay="0"/>
+                                          </p:stCondLst>
+                                        </p:cTn>
+                                        <p:tgtEl>
+                                          <p:spTgt spid="3">
+                                            <p:txEl>
+                                              <p:pRg st="4" end="4"/>
+                                            </p:txEl>
+                                          </p:spTgt>
+                                        </p:tgtEl>
+                                        <p:attrNameLst>
+                                          <p:attrName>style.visibility</p:attrName>
+                                        </p:attrNameLst>
+                                      </p:cBhvr>
+                                      <p:to>
+                                        <p:strVal val="visible"/>
+                                      </p:to>
+                                    </p:set>
+                                  </p:childTnLst>
+                                </p:cTn>
+                              </p:par>
+                            </p:childTnLst>
+                          </p:cTn>
+                        </p:par>
+                      </p:childTnLst>
+                    </p:cTn>
+                  </p:par>
+                </p:childTnLst>
+              </p:cTn>
+              <p:prevCondLst>
+                <p:cond evt="onPrev" delay="0">
+                  <p:tgtEl>
+                    <p:sldTgt/>
+                  </p:tgtEl>
+                </p:cond>
+              </p:prevCondLst>
+              <p:nextCondLst>
+                <p:cond evt="onNext" delay="0">
+                  <p:tgtEl>
+                    <p:sldTgt/>
+                  </p:tgtEl>
+                </p:cond>
+              </p:nextCondLst>
+            </p:seq>
+          </p:childTnLst>
+        </p:cTn>
+      </p:par>
+    </p:tnLst>
+  </p:timing>
+</p:sld>
+</file>
+
+<file path=ppt/slides/slide23.xml><?xml version="1.0" encoding="utf-8"?>
+<p:sld xmlns:a="http://schemas.openxmlformats.org/drawingml/2006/main" xmlns:r="http://schemas.openxmlformats.org/officeDocument/2006/relationships" xmlns:p="http://schemas.openxmlformats.org/presentationml/2006/main">
+  <p:cSld>
+    <p:spTree>
+      <p:nvGrpSpPr>
+        <p:cNvPr id="1" name=""/>
+        <p:cNvGrpSpPr/>
+        <p:nvPr/>
+      </p:nvGrpSpPr>
+      <p:grpSpPr>
+        <a:xfrm>
+          <a:off x="0" y="0"/>
+          <a:ext cx="0" cy="0"/>
+          <a:chOff x="0" y="0"/>
+          <a:chExt cx="0" cy="0"/>
+        </a:xfrm>
+      </p:grpSpPr>
+      <p:sp>
+        <p:nvSpPr>
+          <p:cNvPr id="2" name="Slide Number Placeholder 1"/>
+          <p:cNvSpPr>
+            <a:spLocks noGrp="1"/>
+          </p:cNvSpPr>
+          <p:nvPr>
+            <p:ph type="sldNum" sz="quarter" idx="5"/>
+          </p:nvPr>
+        </p:nvSpPr>
+        <p:spPr/>
+        <p:txBody>
+          <a:bodyPr/>
+          <a:lstStyle/>
+          <a:p>
+            <a:fld id="{2BF067CD-8E6B-4360-9AA8-C5DF2A48A6D1}" type="slidenum">
+              <a:rPr lang="en-US" noProof="0" smtClean="0"/>
+              <a:pPr/>
+              <a:t>23</a:t>
+            </a:fld>
+            <a:endParaRPr lang="en-US" noProof="0" dirty="0"/>
+          </a:p>
+        </p:txBody>
+      </p:sp>
+      <p:sp>
+        <p:nvSpPr>
+          <p:cNvPr id="3" name="Text Placeholder 2"/>
+          <p:cNvSpPr>
+            <a:spLocks noGrp="1"/>
+          </p:cNvSpPr>
+          <p:nvPr>
+            <p:ph type="body" sz="quarter" idx="10"/>
+          </p:nvPr>
+        </p:nvSpPr>
+        <p:spPr/>
+        <p:txBody>
+          <a:bodyPr/>
+          <a:lstStyle/>
+          <a:p>
+            <a:r>
+              <a:rPr lang="ru-RU" dirty="0" smtClean="0"/>
+              <a:t>съхранени във вашата настолна база данни на Access, дизайнът на вашия формуляр е важен аспект. Ако вашата настолна база данни на Access ще се използва от множество потребители, добре проектираните формуляри са от съществено значение за ефективността и точността на въвеждане </a:t>
+            </a:r>
+            <a:r>
+              <a:rPr lang="ru-RU" smtClean="0"/>
+              <a:t>на </a:t>
+            </a:r>
+            <a:r>
+              <a:rPr lang="ru-RU" smtClean="0"/>
+              <a:t>данни</a:t>
+            </a:r>
+            <a:endParaRPr lang="en-US" dirty="0" smtClean="0"/>
+          </a:p>
+          <a:p>
+            <a:endParaRPr lang="en-US" dirty="0"/>
+          </a:p>
+        </p:txBody>
+      </p:sp>
+      <p:sp>
+        <p:nvSpPr>
+          <p:cNvPr id="4" name="Title 3"/>
+          <p:cNvSpPr>
+            <a:spLocks noGrp="1"/>
+          </p:cNvSpPr>
+          <p:nvPr>
+            <p:ph type="title"/>
+          </p:nvPr>
+        </p:nvSpPr>
+        <p:spPr/>
+        <p:txBody>
+          <a:bodyPr/>
+          <a:lstStyle/>
+          <a:p>
+            <a:r>
+              <a:rPr lang="en-US" dirty="0" smtClean="0"/>
+              <a:t>MS Access </a:t>
+            </a:r>
+            <a:r>
+              <a:rPr lang="bg-BG" dirty="0" smtClean="0"/>
+              <a:t>формуляри (2)</a:t>
+            </a:r>
+            <a:endParaRPr lang="en-US" dirty="0"/>
+          </a:p>
+        </p:txBody>
+      </p:sp>
+    </p:spTree>
+  </p:cSld>
+  <p:clrMapOvr>
+    <a:masterClrMapping/>
+  </p:clrMapOvr>
+  <mc:AlternateContent xmlns:mc="http://schemas.openxmlformats.org/markup-compatibility/2006">
+    <mc:Choice xmlns:p14="http://schemas.microsoft.com/office/powerpoint/2010/main" xmlns="" Requires="p14">
+      <p:transition spd="slow" p14:dur="2000" advClick="0" advTm="5000"/>
+    </mc:Choice>
+    <mc:Fallback>
+      <p:transition spd="slow" advClick="0" advTm="5000"/>
+    </mc:Fallback>
+  </mc:AlternateContent>
+  <p:timing>
+    <p:tnLst>
+      <p:par>
+        <p:cTn id="1" dur="indefinite" restart="never" nodeType="tmRoot"/>
+      </p:par>
+    </p:tnLst>
+  </p:timing>
+</p:sld>
+</file>
+
+<file path=ppt/slides/slide24.xml><?xml version="1.0" encoding="utf-8"?>
+<p:sld xmlns:a="http://schemas.openxmlformats.org/drawingml/2006/main" xmlns:r="http://schemas.openxmlformats.org/officeDocument/2006/relationships" xmlns:p="http://schemas.openxmlformats.org/presentationml/2006/main">
+  <p:cSld>
+    <p:spTree>
+      <p:nvGrpSpPr>
+        <p:cNvPr id="1" name=""/>
+        <p:cNvGrpSpPr/>
+        <p:nvPr/>
+      </p:nvGrpSpPr>
+      <p:grpSpPr>
+        <a:xfrm>
+          <a:off x="0" y="0"/>
+          <a:ext cx="0" cy="0"/>
+          <a:chOff x="0" y="0"/>
+          <a:chExt cx="0" cy="0"/>
+        </a:xfrm>
+      </p:grpSpPr>
+      <p:grpSp>
+        <p:nvGrpSpPr>
+          <p:cNvPr id="9" name="Summary Box Group">
+            <a:extLst>
+              <a:ext uri="{FF2B5EF4-FFF2-40B4-BE49-F238E27FC236}">
+                <a16:creationId xmlns:a16="http://schemas.microsoft.com/office/drawing/2014/main" xmlns="" id="{EBAFE522-EB7D-4931-A015-9A7E8A98517D}"/>
+              </a:ext>
+            </a:extLst>
+          </p:cNvPr>
+          <p:cNvGrpSpPr/>
+          <p:nvPr/>
+        </p:nvGrpSpPr>
+        <p:grpSpPr>
+          <a:xfrm>
+            <a:off x="190403" y="1294337"/>
+            <a:ext cx="9470432" cy="5394328"/>
+            <a:chOff x="472011" y="1508786"/>
+            <a:chExt cx="3799787" cy="4865561"/>
+          </a:xfrm>
+        </p:grpSpPr>
+        <p:sp>
+          <p:nvSpPr>
+            <p:cNvPr id="10" name="Rounded Rectangle Blue">
+              <a:extLst>
+                <a:ext uri="{FF2B5EF4-FFF2-40B4-BE49-F238E27FC236}">
+                  <a16:creationId xmlns:a16="http://schemas.microsoft.com/office/drawing/2014/main" xmlns="" id="{18F78F23-3D09-4B63-8DF9-D49CFBB145EE}"/>
+                </a:ext>
+              </a:extLst>
+            </p:cNvPr>
+            <p:cNvSpPr/>
+            <p:nvPr/>
+          </p:nvSpPr>
+          <p:spPr>
+            <a:xfrm>
+              <a:off x="472011" y="1508786"/>
+              <a:ext cx="3799787" cy="4865561"/>
+            </a:xfrm>
+            <a:prstGeom prst="roundRect">
+              <a:avLst>
+                <a:gd name="adj" fmla="val 3968"/>
+              </a:avLst>
+            </a:prstGeom>
+            <a:solidFill>
+              <a:schemeClr val="tx2"/>
+            </a:solidFill>
+            <a:ln>
+              <a:noFill/>
+            </a:ln>
+          </p:spPr>
+          <p:style>
+            <a:lnRef idx="2">
+              <a:schemeClr val="accent1">
+                <a:shade val="50000"/>
+              </a:schemeClr>
+            </a:lnRef>
+            <a:fillRef idx="1">
+              <a:schemeClr val="accent1"/>
+            </a:fillRef>
+            <a:effectRef idx="0">
+              <a:schemeClr val="accent1"/>
+            </a:effectRef>
+            <a:fontRef idx="minor">
+              <a:schemeClr val="lt1"/>
+            </a:fontRef>
+          </p:style>
+          <p:txBody>
+            <a:bodyPr rtlCol="0" anchor="ctr"/>
+            <a:lstStyle/>
+            <a:p>
+              <a:pPr algn="ctr"/>
+              <a:endParaRPr lang="ko-KR" altLang="en-US" sz="2400" dirty="0"/>
+            </a:p>
+          </p:txBody>
+        </p:sp>
+        <p:sp>
+          <p:nvSpPr>
+            <p:cNvPr id="11" name="Rounded Rectangle Left">
+              <a:extLst>
+                <a:ext uri="{FF2B5EF4-FFF2-40B4-BE49-F238E27FC236}">
+                  <a16:creationId xmlns:a16="http://schemas.microsoft.com/office/drawing/2014/main" xmlns="" id="{F12C06CE-2BBE-46C2-B718-813794C58DF9}"/>
+                </a:ext>
+              </a:extLst>
+            </p:cNvPr>
+            <p:cNvSpPr/>
+            <p:nvPr/>
+          </p:nvSpPr>
+          <p:spPr>
+            <a:xfrm>
+              <a:off x="546866" y="1696737"/>
+              <a:ext cx="81601" cy="4489658"/>
+            </a:xfrm>
+            <a:prstGeom prst="roundRect">
+              <a:avLst>
+                <a:gd name="adj" fmla="val 50000"/>
+              </a:avLst>
+            </a:prstGeom>
+            <a:solidFill>
+              <a:schemeClr val="bg2">
+                <a:alpha val="41000"/>
+              </a:schemeClr>
+            </a:solidFill>
+            <a:ln>
+              <a:noFill/>
+            </a:ln>
+          </p:spPr>
+          <p:style>
+            <a:lnRef idx="2">
+              <a:schemeClr val="accent1">
+                <a:shade val="50000"/>
+              </a:schemeClr>
+            </a:lnRef>
+            <a:fillRef idx="1">
+              <a:schemeClr val="accent1"/>
+            </a:fillRef>
+            <a:effectRef idx="0">
+              <a:schemeClr val="accent1"/>
+            </a:effectRef>
+            <a:fontRef idx="minor">
+              <a:schemeClr val="lt1"/>
+            </a:fontRef>
+          </p:style>
+          <p:txBody>
+            <a:bodyPr rtlCol="0" anchor="ctr"/>
+            <a:lstStyle/>
+            <a:p>
+              <a:pPr algn="ctr"/>
+              <a:endParaRPr lang="ko-KR" altLang="en-US" sz="2400" dirty="0">
+                <a:solidFill>
+                  <a:schemeClr val="bg1"/>
+                </a:solidFill>
+              </a:endParaRPr>
+            </a:p>
+          </p:txBody>
+        </p:sp>
+        <p:sp>
+          <p:nvSpPr>
+            <p:cNvPr id="12" name="Half Frame Top Right">
+              <a:extLst>
+                <a:ext uri="{FF2B5EF4-FFF2-40B4-BE49-F238E27FC236}">
+                  <a16:creationId xmlns:a16="http://schemas.microsoft.com/office/drawing/2014/main" xmlns="" id="{66CDBB1E-AF3C-43FC-9F34-2DD691F81726}"/>
+                </a:ext>
+              </a:extLst>
+            </p:cNvPr>
+            <p:cNvSpPr/>
+            <p:nvPr/>
+          </p:nvSpPr>
+          <p:spPr>
+            <a:xfrm rot="5400000">
+              <a:off x="3742559" y="1912372"/>
+              <a:ext cx="669775" cy="238503"/>
+            </a:xfrm>
+            <a:prstGeom prst="halfFrame">
+              <a:avLst>
+                <a:gd name="adj1" fmla="val 23728"/>
+                <a:gd name="adj2" fmla="val 24642"/>
+              </a:avLst>
+            </a:prstGeom>
+            <a:solidFill>
+              <a:schemeClr val="bg2">
+                <a:alpha val="23000"/>
+              </a:schemeClr>
+            </a:solidFill>
+            <a:ln>
+              <a:noFill/>
+            </a:ln>
+          </p:spPr>
+          <p:style>
+            <a:lnRef idx="2">
+              <a:schemeClr val="accent1">
+                <a:shade val="50000"/>
+              </a:schemeClr>
+            </a:lnRef>
+            <a:fillRef idx="1">
+              <a:schemeClr val="accent1"/>
+            </a:fillRef>
+            <a:effectRef idx="0">
+              <a:schemeClr val="accent1"/>
+            </a:effectRef>
+            <a:fontRef idx="minor">
+              <a:schemeClr val="lt1"/>
+            </a:fontRef>
+          </p:style>
+          <p:txBody>
+            <a:bodyPr rtlCol="0" anchor="ctr"/>
+            <a:lstStyle/>
+            <a:p>
+              <a:pPr algn="ctr"/>
+              <a:endParaRPr lang="ko-KR" altLang="en-US" sz="2400" dirty="0">
+                <a:solidFill>
+                  <a:schemeClr val="tx1"/>
+                </a:solidFill>
+              </a:endParaRPr>
+            </a:p>
+          </p:txBody>
+        </p:sp>
+      </p:grpSp>
+      <p:sp>
+        <p:nvSpPr>
+          <p:cNvPr id="14" name="Text Placeholder Body">
+            <a:extLst>
+              <a:ext uri="{FF2B5EF4-FFF2-40B4-BE49-F238E27FC236}">
+                <a16:creationId xmlns:a16="http://schemas.microsoft.com/office/drawing/2014/main" xmlns="" id="{0E49D336-45B6-44D3-97C4-E28F8DEA2022}"/>
+              </a:ext>
+            </a:extLst>
+          </p:cNvPr>
+          <p:cNvSpPr>
+            <a:spLocks noGrp="1"/>
+          </p:cNvSpPr>
+          <p:nvPr>
+            <p:ph type="body" sz="quarter" idx="10"/>
+          </p:nvPr>
+        </p:nvSpPr>
+        <p:spPr>
+          <a:xfrm>
+            <a:off x="685800" y="1524000"/>
+            <a:ext cx="8775781" cy="5029200"/>
+          </a:xfrm>
+        </p:spPr>
+        <p:txBody>
+          <a:bodyPr>
+            <a:noAutofit/>
+          </a:bodyPr>
+          <a:lstStyle>
+            <a:lvl1pPr marL="514350" indent="-514350">
+              <a:buFont typeface="Wingdings" panose="05000000000000000000" pitchFamily="2" charset="2"/>
+              <a:buChar char="§"/>
+              <a:defRPr>
+                <a:solidFill>
+                  <a:schemeClr val="bg2"/>
+                </a:solidFill>
+              </a:defRPr>
+            </a:lvl1pPr>
+            <a:lvl2pPr marL="1123935" indent="-514350">
+              <a:buFont typeface="Wingdings" panose="05000000000000000000" pitchFamily="2" charset="2"/>
+              <a:buChar char="§"/>
+              <a:defRPr>
+                <a:solidFill>
+                  <a:schemeClr val="tx1"/>
+                </a:solidFill>
+              </a:defRPr>
+            </a:lvl2pPr>
+            <a:lvl3pPr marL="1733520" indent="-514350">
+              <a:buFont typeface="Wingdings" panose="05000000000000000000" pitchFamily="2" charset="2"/>
+              <a:buChar char="§"/>
+              <a:defRPr>
+                <a:solidFill>
+                  <a:schemeClr val="tx1"/>
+                </a:solidFill>
+              </a:defRPr>
+            </a:lvl3pPr>
+            <a:lvl4pPr marL="2343105" indent="-514350">
+              <a:buFont typeface="Wingdings" panose="05000000000000000000" pitchFamily="2" charset="2"/>
+              <a:buChar char="§"/>
+              <a:defRPr>
+                <a:solidFill>
+                  <a:schemeClr val="tx1"/>
+                </a:solidFill>
+              </a:defRPr>
+            </a:lvl4pPr>
+            <a:lvl5pPr marL="2952689" indent="-514350">
+              <a:buFont typeface="Wingdings" panose="05000000000000000000" pitchFamily="2" charset="2"/>
+              <a:buChar char="§"/>
+              <a:defRPr>
+                <a:solidFill>
+                  <a:schemeClr val="tx1"/>
+                </a:solidFill>
+              </a:defRPr>
+            </a:lvl5pPr>
+          </a:lstStyle>
+          <a:p>
+            <a:pPr marL="360363" indent="-360000" fontAlgn="base">
+              <a:lnSpc>
+                <a:spcPct val="100000"/>
+              </a:lnSpc>
+              <a:spcAft>
+                <a:spcPts val="0"/>
+              </a:spcAft>
+              <a:buClr>
+                <a:schemeClr val="bg2"/>
+              </a:buClr>
+            </a:pPr>
+            <a:endParaRPr lang="en-US" sz="2800" dirty="0" smtClean="0">
+              <a:solidFill>
+                <a:schemeClr val="bg1">
+                  <a:lumMod val="60000"/>
+                  <a:lumOff val="40000"/>
+                </a:schemeClr>
+              </a:solidFill>
+            </a:endParaRPr>
+          </a:p>
+        </p:txBody>
+      </p:sp>
+      <p:sp>
+        <p:nvSpPr>
+          <p:cNvPr id="17" name="Slide Number">
+            <a:extLst>
+              <a:ext uri="{FF2B5EF4-FFF2-40B4-BE49-F238E27FC236}">
+                <a16:creationId xmlns:a16="http://schemas.microsoft.com/office/drawing/2014/main" xmlns="" id="{9DE5559F-55C2-47F1-A321-B593B1EC63C1}"/>
+              </a:ext>
+            </a:extLst>
+          </p:cNvPr>
+          <p:cNvSpPr>
+            <a:spLocks noGrp="1"/>
+          </p:cNvSpPr>
+          <p:nvPr>
+            <p:ph type="sldNum" sz="quarter" idx="5"/>
+          </p:nvPr>
+        </p:nvSpPr>
+        <p:spPr>
+          <a:xfrm>
+            <a:off x="11753030" y="6507000"/>
+            <a:ext cx="367414" cy="297000"/>
+          </a:xfrm>
+          <a:prstGeom prst="rect">
+            <a:avLst/>
+          </a:prstGeom>
+        </p:spPr>
+        <p:txBody>
+          <a:bodyPr vert="horz" lIns="91440" tIns="45720" rIns="91440" bIns="45720" rtlCol="0" anchor="b"/>
+          <a:lstStyle>
+            <a:lvl1pPr algn="r">
+              <a:defRPr sz="1000"/>
+            </a:lvl1pPr>
+          </a:lstStyle>
+          <a:p>
+            <a:fld id="{2BF067CD-8E6B-4360-9AA8-C5DF2A48A6D1}" type="slidenum">
+              <a:rPr lang="en-US" smtClean="0"/>
+              <a:pPr/>
+              <a:t>24</a:t>
+            </a:fld>
+            <a:endParaRPr lang="en-US" dirty="0"/>
+          </a:p>
+        </p:txBody>
+      </p:sp>
+      <p:pic>
+        <p:nvPicPr>
+          <p:cNvPr id="13" name="Picture SoftUni Mascot">
+            <a:extLst>
+              <a:ext uri="{FF2B5EF4-FFF2-40B4-BE49-F238E27FC236}">
+                <a16:creationId xmlns:a16="http://schemas.microsoft.com/office/drawing/2014/main" xmlns="" id="{CCC3A316-993C-4741-8826-E104F27650A3}"/>
+              </a:ext>
+            </a:extLst>
+          </p:cNvPr>
+          <p:cNvPicPr>
+            <a:picLocks noChangeAspect="1"/>
+          </p:cNvPicPr>
+          <p:nvPr/>
+        </p:nvPicPr>
+        <p:blipFill rotWithShape="1">
+          <a:blip r:embed="rId3" cstate="print">
+            <a:extLst>
+              <a:ext uri="{28A0092B-C50C-407E-A947-70E740481C1C}">
+                <a14:useLocalDpi xmlns:a14="http://schemas.microsoft.com/office/drawing/2010/main" xmlns="" val="0"/>
+              </a:ext>
+            </a:extLst>
+          </a:blip>
+          <a:srcRect/>
+          <a:stretch/>
+        </p:blipFill>
+        <p:spPr>
+          <a:xfrm flipH="1">
+            <a:off x="9810597" y="4204252"/>
+            <a:ext cx="2056123" cy="2225242"/>
+          </a:xfrm>
+          <a:prstGeom prst="rect">
+            <a:avLst/>
+          </a:prstGeom>
+        </p:spPr>
+      </p:pic>
+      <p:sp>
+        <p:nvSpPr>
+          <p:cNvPr id="4" name="Slide Title"/>
+          <p:cNvSpPr>
+            <a:spLocks noGrp="1"/>
+          </p:cNvSpPr>
+          <p:nvPr>
+            <p:ph type="title"/>
+          </p:nvPr>
+        </p:nvSpPr>
+        <p:spPr/>
+        <p:txBody>
+          <a:bodyPr>
+            <a:normAutofit/>
+          </a:bodyPr>
+          <a:lstStyle/>
+          <a:p>
+            <a:r>
+              <a:rPr lang="bg-BG" smtClean="0"/>
+              <a:t>Обобщение</a:t>
+            </a:r>
+            <a:endParaRPr lang="en-US" dirty="0"/>
+          </a:p>
+        </p:txBody>
+      </p:sp>
+    </p:spTree>
+    <p:extLst>
+      <p:ext uri="{BB962C8B-B14F-4D97-AF65-F5344CB8AC3E}">
+        <p14:creationId xmlns:p14="http://schemas.microsoft.com/office/powerpoint/2010/main" xmlns="" val="2087190546"/>
+      </p:ext>
+    </p:extLst>
+  </p:cSld>
+  <p:clrMapOvr>
+    <a:masterClrMapping/>
+  </p:clrMapOvr>
+  <mc:AlternateContent xmlns:mc="http://schemas.openxmlformats.org/markup-compatibility/2006">
+    <mc:Choice xmlns:p14="http://schemas.microsoft.com/office/powerpoint/2010/main" xmlns="" Requires="p14">
+      <p:transition spd="slow" p14:dur="2000" advClick="0" advTm="5000"/>
+    </mc:Choice>
+    <mc:Fallback>
+      <p:transition spd="slow" advClick="0" advTm="5000"/>
+    </mc:Fallback>
+  </mc:AlternateContent>
+  <p:timing>
+    <p:tnLst>
+      <p:par>
+        <p:cTn id="1" dur="indefinite" restart="never" nodeType="tmRoot"/>
+      </p:par>
+    </p:tnLst>
+  </p:timing>
+</p:sld>
+</file>
+
+<file path=ppt/slides/slide25.xml><?xml version="1.0" encoding="utf-8"?>
+<p:sld xmlns:a="http://schemas.openxmlformats.org/drawingml/2006/main" xmlns:r="http://schemas.openxmlformats.org/officeDocument/2006/relationships" xmlns:p="http://schemas.openxmlformats.org/presentationml/2006/main">
+  <p:cSld>
+    <p:spTree>
+      <p:nvGrpSpPr>
+        <p:cNvPr id="1" name=""/>
+        <p:cNvGrpSpPr/>
+        <p:nvPr/>
+      </p:nvGrpSpPr>
+      <p:grpSpPr>
+        <a:xfrm>
+          <a:off x="0" y="0"/>
+          <a:ext cx="0" cy="0"/>
+          <a:chOff x="0" y="0"/>
+          <a:chExt cx="0" cy="0"/>
+        </a:xfrm>
+      </p:grpSpPr>
+      <p:grpSp>
+        <p:nvGrpSpPr>
+          <p:cNvPr id="5" name="Group 4">
+            <a:extLst>
+              <a:ext uri="{FF2B5EF4-FFF2-40B4-BE49-F238E27FC236}">
+                <a16:creationId xmlns:a16="http://schemas.microsoft.com/office/drawing/2014/main" xmlns="" id="{1A67F800-7980-E3CA-7188-3C478C8E98B8}"/>
+              </a:ext>
+            </a:extLst>
+          </p:cNvPr>
+          <p:cNvGrpSpPr/>
+          <p:nvPr/>
+        </p:nvGrpSpPr>
+        <p:grpSpPr>
+          <a:xfrm>
+            <a:off x="3737560" y="1622524"/>
+            <a:ext cx="7787441" cy="3498930"/>
+            <a:chOff x="3749351" y="1549902"/>
+            <a:chExt cx="7787441" cy="3498930"/>
+          </a:xfrm>
+        </p:grpSpPr>
+        <p:pic>
+          <p:nvPicPr>
+            <p:cNvPr id="7" name="Picture 6" descr="A picture containing text, sign, vector graphics&#10;&#10;Description automatically generated">
+              <a:extLst>
+                <a:ext uri="{FF2B5EF4-FFF2-40B4-BE49-F238E27FC236}">
+                  <a16:creationId xmlns:a16="http://schemas.microsoft.com/office/drawing/2014/main" xmlns="" id="{15CE28B1-02BA-4014-E149-BF1EE09447ED}"/>
+                </a:ext>
+              </a:extLst>
+            </p:cNvPr>
+            <p:cNvPicPr>
+              <a:picLocks noChangeAspect="1"/>
+            </p:cNvPicPr>
+            <p:nvPr/>
+          </p:nvPicPr>
+          <p:blipFill>
+            <a:blip r:embed="rId3" cstate="print"/>
+            <a:stretch>
+              <a:fillRect/>
+            </a:stretch>
+          </p:blipFill>
+          <p:spPr>
+            <a:xfrm>
+              <a:off x="6833020" y="1549902"/>
+              <a:ext cx="1343039" cy="1343039"/>
+            </a:xfrm>
+            <a:prstGeom prst="rect">
+              <a:avLst/>
+            </a:prstGeom>
+          </p:spPr>
+        </p:pic>
+        <p:pic>
+          <p:nvPicPr>
+            <p:cNvPr id="9" name="Picture 8" descr="Logo&#10;&#10;Description automatically generated">
+              <a:extLst>
+                <a:ext uri="{FF2B5EF4-FFF2-40B4-BE49-F238E27FC236}">
+                  <a16:creationId xmlns:a16="http://schemas.microsoft.com/office/drawing/2014/main" xmlns="" id="{5F82FF4F-4AD2-4B3B-1445-F3C6BA268522}"/>
+                </a:ext>
+              </a:extLst>
+            </p:cNvPr>
+            <p:cNvPicPr>
+              <a:picLocks noChangeAspect="1"/>
+            </p:cNvPicPr>
+            <p:nvPr/>
+          </p:nvPicPr>
+          <p:blipFill>
+            <a:blip r:embed="rId4" cstate="print"/>
+            <a:stretch>
+              <a:fillRect/>
+            </a:stretch>
+          </p:blipFill>
+          <p:spPr>
+            <a:xfrm>
+              <a:off x="4894661" y="3848395"/>
+              <a:ext cx="1147961" cy="1147961"/>
+            </a:xfrm>
+            <a:prstGeom prst="rect">
+              <a:avLst/>
+            </a:prstGeom>
+          </p:spPr>
+        </p:pic>
+        <p:pic>
+          <p:nvPicPr>
+            <p:cNvPr id="11" name="Picture 10" descr="Logo&#10;&#10;Description automatically generated">
+              <a:extLst>
+                <a:ext uri="{FF2B5EF4-FFF2-40B4-BE49-F238E27FC236}">
+                  <a16:creationId xmlns:a16="http://schemas.microsoft.com/office/drawing/2014/main" xmlns="" id="{68CCA8DB-9EFC-F9BC-57AE-81E4F843E863}"/>
+                </a:ext>
+              </a:extLst>
+            </p:cNvPr>
+            <p:cNvPicPr>
+              <a:picLocks noChangeAspect="1"/>
+            </p:cNvPicPr>
+            <p:nvPr/>
+          </p:nvPicPr>
+          <p:blipFill>
+            <a:blip r:embed="rId5" cstate="print"/>
+            <a:stretch>
+              <a:fillRect/>
+            </a:stretch>
+          </p:blipFill>
+          <p:spPr>
+            <a:xfrm>
+              <a:off x="6259277" y="3871255"/>
+              <a:ext cx="1147961" cy="1147961"/>
+            </a:xfrm>
+            <a:prstGeom prst="rect">
+              <a:avLst/>
+            </a:prstGeom>
+          </p:spPr>
+        </p:pic>
+        <p:pic>
+          <p:nvPicPr>
+            <p:cNvPr id="13" name="Picture 12" descr="Logo&#10;&#10;Description automatically generated">
+              <a:extLst>
+                <a:ext uri="{FF2B5EF4-FFF2-40B4-BE49-F238E27FC236}">
+                  <a16:creationId xmlns:a16="http://schemas.microsoft.com/office/drawing/2014/main" xmlns="" id="{3FDF9297-50FA-E866-B6CE-9D64B1E892BF}"/>
+                </a:ext>
+              </a:extLst>
+            </p:cNvPr>
+            <p:cNvPicPr>
+              <a:picLocks noChangeAspect="1"/>
+            </p:cNvPicPr>
+            <p:nvPr/>
+          </p:nvPicPr>
+          <p:blipFill>
+            <a:blip r:embed="rId6" cstate="print"/>
+            <a:stretch>
+              <a:fillRect/>
+            </a:stretch>
+          </p:blipFill>
+          <p:spPr>
+            <a:xfrm>
+              <a:off x="9000306" y="3874225"/>
+              <a:ext cx="1147961" cy="1147961"/>
+            </a:xfrm>
+            <a:prstGeom prst="rect">
+              <a:avLst/>
+            </a:prstGeom>
+          </p:spPr>
+        </p:pic>
+        <p:pic>
+          <p:nvPicPr>
+            <p:cNvPr id="18" name="Graphic 17">
+              <a:extLst>
+                <a:ext uri="{FF2B5EF4-FFF2-40B4-BE49-F238E27FC236}">
+                  <a16:creationId xmlns:a16="http://schemas.microsoft.com/office/drawing/2014/main" xmlns="" id="{2A1BC0C9-7A7B-9C5B-B457-3E86E59EF29E}"/>
+                </a:ext>
+              </a:extLst>
+            </p:cNvPr>
+            <p:cNvPicPr>
+              <a:picLocks noChangeAspect="1"/>
+            </p:cNvPicPr>
+            <p:nvPr/>
+          </p:nvPicPr>
+          <p:blipFill>
+            <a:blip r:embed="rId7" cstate="print">
+              <a:extLst>
+                <a:ext uri="{96DAC541-7B7A-43D3-8B79-37D633B846F1}">
+                  <asvg:svgBlip xmlns:asvg="http://schemas.microsoft.com/office/drawing/2016/SVG/main" xmlns="" r:embed="rId8"/>
+                </a:ext>
+              </a:extLst>
+            </a:blip>
+            <a:stretch>
+              <a:fillRect/>
+            </a:stretch>
+          </p:blipFill>
+          <p:spPr>
+            <a:xfrm>
+              <a:off x="7738229" y="3900407"/>
+              <a:ext cx="888756" cy="1043936"/>
+            </a:xfrm>
+            <a:prstGeom prst="rect">
+              <a:avLst/>
+            </a:prstGeom>
+          </p:spPr>
+        </p:pic>
+        <p:pic>
+          <p:nvPicPr>
+            <p:cNvPr id="20" name="Graphic 19">
+              <a:extLst>
+                <a:ext uri="{FF2B5EF4-FFF2-40B4-BE49-F238E27FC236}">
+                  <a16:creationId xmlns:a16="http://schemas.microsoft.com/office/drawing/2014/main" xmlns="" id="{DBE174DA-A182-7E57-06D4-86AFA26D484D}"/>
+                </a:ext>
+              </a:extLst>
+            </p:cNvPr>
+            <p:cNvPicPr>
+              <a:picLocks noChangeAspect="1"/>
+            </p:cNvPicPr>
+            <p:nvPr/>
+          </p:nvPicPr>
+          <p:blipFill>
+            <a:blip r:embed="rId9" cstate="print">
+              <a:extLst>
+                <a:ext uri="{96DAC541-7B7A-43D3-8B79-37D633B846F1}">
+                  <asvg:svgBlip xmlns:asvg="http://schemas.microsoft.com/office/drawing/2016/SVG/main" xmlns="" r:embed="rId10"/>
+                </a:ext>
+              </a:extLst>
+            </a:blip>
+            <a:stretch>
+              <a:fillRect/>
+            </a:stretch>
+          </p:blipFill>
+          <p:spPr>
+            <a:xfrm>
+              <a:off x="3749351" y="3928121"/>
+              <a:ext cx="837913" cy="1040168"/>
+            </a:xfrm>
+            <a:prstGeom prst="rect">
+              <a:avLst/>
+            </a:prstGeom>
+          </p:spPr>
+        </p:pic>
+        <p:pic>
+          <p:nvPicPr>
+            <p:cNvPr id="22" name="Picture 21" descr="Logo&#10;&#10;Description automatically generated">
+              <a:extLst>
+                <a:ext uri="{FF2B5EF4-FFF2-40B4-BE49-F238E27FC236}">
+                  <a16:creationId xmlns:a16="http://schemas.microsoft.com/office/drawing/2014/main" xmlns="" id="{9B7FFC36-A4BC-7A53-AB82-82C398A47538}"/>
+                </a:ext>
+              </a:extLst>
+            </p:cNvPr>
+            <p:cNvPicPr>
+              <a:picLocks noChangeAspect="1"/>
+            </p:cNvPicPr>
+            <p:nvPr/>
+          </p:nvPicPr>
+          <p:blipFill>
+            <a:blip r:embed="rId11" cstate="print"/>
+            <a:stretch>
+              <a:fillRect/>
+            </a:stretch>
+          </p:blipFill>
+          <p:spPr>
+            <a:xfrm>
+              <a:off x="10279380" y="3876626"/>
+              <a:ext cx="1257412" cy="1172206"/>
+            </a:xfrm>
+            <a:prstGeom prst="rect">
+              <a:avLst/>
+            </a:prstGeom>
+          </p:spPr>
+        </p:pic>
+        <p:grpSp>
+          <p:nvGrpSpPr>
+            <p:cNvPr id="36" name="Group 35">
+              <a:extLst>
+                <a:ext uri="{FF2B5EF4-FFF2-40B4-BE49-F238E27FC236}">
+                  <a16:creationId xmlns:a16="http://schemas.microsoft.com/office/drawing/2014/main" xmlns="" id="{3FB2AEAC-BDEE-9D5F-67A3-17CEDA699052}"/>
+                </a:ext>
+              </a:extLst>
+            </p:cNvPr>
+            <p:cNvGrpSpPr/>
+            <p:nvPr/>
+          </p:nvGrpSpPr>
+          <p:grpSpPr>
+            <a:xfrm>
+              <a:off x="4091553" y="3060524"/>
+              <a:ext cx="6825992" cy="559921"/>
+              <a:chOff x="1433768" y="2645180"/>
+              <a:chExt cx="9324489" cy="783820"/>
+            </a:xfrm>
+          </p:grpSpPr>
+          <p:cxnSp>
+            <p:nvCxnSpPr>
+              <p:cNvPr id="31" name="Straight Connector 30">
+                <a:extLst>
+                  <a:ext uri="{FF2B5EF4-FFF2-40B4-BE49-F238E27FC236}">
+                    <a16:creationId xmlns:a16="http://schemas.microsoft.com/office/drawing/2014/main" xmlns="" id="{AA38ABD5-1637-DC80-A922-DF10E4F75CDE}"/>
+                  </a:ext>
+                </a:extLst>
+              </p:cNvPr>
+              <p:cNvCxnSpPr>
+                <a:cxnSpLocks/>
+              </p:cNvCxnSpPr>
+              <p:nvPr/>
+            </p:nvCxnSpPr>
+            <p:spPr>
+              <a:xfrm flipV="1">
+                <a:off x="6096000" y="2645180"/>
+                <a:ext cx="1" cy="469190"/>
+              </a:xfrm>
+              <a:prstGeom prst="line">
+                <a:avLst/>
+              </a:prstGeom>
+              <a:ln w="41275">
+                <a:solidFill>
+                  <a:srgbClr val="FFA000"/>
+                </a:solidFill>
+              </a:ln>
+            </p:spPr>
+            <p:style>
+              <a:lnRef idx="1">
+                <a:schemeClr val="accent1"/>
+              </a:lnRef>
+              <a:fillRef idx="0">
+                <a:schemeClr val="accent1"/>
+              </a:fillRef>
+              <a:effectRef idx="0">
+                <a:schemeClr val="accent1"/>
+              </a:effectRef>
+              <a:fontRef idx="minor">
+                <a:schemeClr val="tx1"/>
+              </a:fontRef>
+            </p:style>
+          </p:cxnSp>
+          <p:pic>
+            <p:nvPicPr>
+              <p:cNvPr id="33" name="Picture 32">
+                <a:extLst>
+                  <a:ext uri="{FF2B5EF4-FFF2-40B4-BE49-F238E27FC236}">
+                    <a16:creationId xmlns:a16="http://schemas.microsoft.com/office/drawing/2014/main" xmlns="" id="{617B586A-0BC5-5E32-7E67-FD277547ED69}"/>
+                  </a:ext>
+                </a:extLst>
+              </p:cNvPr>
+              <p:cNvPicPr>
+                <a:picLocks noChangeAspect="1"/>
+              </p:cNvPicPr>
+              <p:nvPr/>
+            </p:nvPicPr>
+            <p:blipFill>
+              <a:blip r:embed="rId12" cstate="print"/>
+              <a:stretch>
+                <a:fillRect/>
+              </a:stretch>
+            </p:blipFill>
+            <p:spPr>
+              <a:xfrm>
+                <a:off x="1433768" y="3114370"/>
+                <a:ext cx="9324489" cy="314630"/>
+              </a:xfrm>
+              <a:prstGeom prst="rect">
+                <a:avLst/>
+              </a:prstGeom>
+            </p:spPr>
+          </p:pic>
+        </p:grpSp>
+      </p:grpSp>
+      <p:pic>
+        <p:nvPicPr>
+          <p:cNvPr id="40" name="Picture 39" descr="Logo&#10;&#10;Description automatically generated">
+            <a:extLst>
+              <a:ext uri="{FF2B5EF4-FFF2-40B4-BE49-F238E27FC236}">
+                <a16:creationId xmlns:a16="http://schemas.microsoft.com/office/drawing/2014/main" xmlns="" id="{9C30DD70-D438-6D27-35D3-8BB874966D84}"/>
+              </a:ext>
+            </a:extLst>
+          </p:cNvPr>
+          <p:cNvPicPr>
+            <a:picLocks noChangeAspect="1"/>
+          </p:cNvPicPr>
+          <p:nvPr/>
+        </p:nvPicPr>
+        <p:blipFill>
+          <a:blip r:embed="rId13" cstate="print"/>
+          <a:stretch>
+            <a:fillRect/>
+          </a:stretch>
+        </p:blipFill>
+        <p:spPr>
+          <a:xfrm>
+            <a:off x="77384" y="2319421"/>
+            <a:ext cx="3660176" cy="4247149"/>
+          </a:xfrm>
+          <a:prstGeom prst="rect">
+            <a:avLst/>
+          </a:prstGeom>
+        </p:spPr>
+      </p:pic>
+      <p:sp>
+        <p:nvSpPr>
+          <p:cNvPr id="2" name="Google Shape;441;p37">
+            <a:extLst>
+              <a:ext uri="{FF2B5EF4-FFF2-40B4-BE49-F238E27FC236}">
+                <a16:creationId xmlns:a16="http://schemas.microsoft.com/office/drawing/2014/main" xmlns="" id="{2AFB472C-93C2-241B-75FA-457782840F92}"/>
+              </a:ext>
+            </a:extLst>
+          </p:cNvPr>
+          <p:cNvSpPr txBox="1">
+            <a:spLocks/>
+          </p:cNvSpPr>
+          <p:nvPr/>
+        </p:nvSpPr>
+        <p:spPr>
+          <a:xfrm>
+            <a:off x="809628" y="703244"/>
+            <a:ext cx="5916372" cy="1033303"/>
+          </a:xfrm>
+          <a:prstGeom prst="rect">
+            <a:avLst/>
+          </a:prstGeom>
+          <a:noFill/>
+          <a:ln>
+            <a:noFill/>
+          </a:ln>
+        </p:spPr>
+        <p:txBody>
+          <a:bodyPr spcFirstLastPara="1" wrap="square" lIns="0" tIns="0" rIns="0" bIns="0" anchor="ctr" anchorCtr="0">
+            <a:noAutofit/>
+          </a:bodyPr>
+          <a:lstStyle>
+            <a:defPPr marR="0" lvl="0" algn="l" rtl="0">
+              <a:lnSpc>
+                <a:spcPct val="100000"/>
+              </a:lnSpc>
+              <a:spcBef>
+                <a:spcPts val="0"/>
+              </a:spcBef>
+              <a:spcAft>
+                <a:spcPts val="0"/>
+              </a:spcAft>
+            </a:defPPr>
+            <a:lvl1pPr marR="0" lvl="0" algn="ctr" rtl="0">
+              <a:lnSpc>
+                <a:spcPct val="100000"/>
+              </a:lnSpc>
+              <a:spcBef>
+                <a:spcPts val="0"/>
+              </a:spcBef>
+              <a:spcAft>
+                <a:spcPts val="0"/>
+              </a:spcAft>
+              <a:buClr>
+                <a:schemeClr val="dk1"/>
+              </a:buClr>
+              <a:buSzPts val="3998"/>
+              <a:buFont typeface="Calibri"/>
+              <a:buNone/>
+              <a:defRPr sz="6000" b="1" i="0" u="none" strike="noStrike" cap="none">
+                <a:solidFill>
+                  <a:schemeClr val="dk1"/>
+                </a:solidFill>
+                <a:latin typeface="Calibri"/>
+                <a:ea typeface="Calibri"/>
+                <a:cs typeface="Calibri"/>
+                <a:sym typeface="Calibri"/>
+              </a:defRPr>
+            </a:lvl1pPr>
+            <a:lvl2pPr marR="0" lvl="1" algn="l" rtl="0">
+              <a:lnSpc>
+                <a:spcPct val="100000"/>
+              </a:lnSpc>
+              <a:spcBef>
+                <a:spcPts val="0"/>
+              </a:spcBef>
+              <a:spcAft>
+                <a:spcPts val="0"/>
+              </a:spcAft>
+              <a:buClr>
+                <a:srgbClr val="000000"/>
+              </a:buClr>
+              <a:buSzPts val="1400"/>
+              <a:buFont typeface="Arial"/>
+              <a:buNone/>
+              <a:defRPr sz="1800" b="0" i="0" u="none" strike="noStrike" cap="none">
+                <a:solidFill>
+                  <a:srgbClr val="000000"/>
+                </a:solidFill>
+                <a:latin typeface="Arial"/>
+                <a:ea typeface="Arial"/>
+                <a:cs typeface="Arial"/>
+                <a:sym typeface="Arial"/>
+              </a:defRPr>
+            </a:lvl2pPr>
+            <a:lvl3pPr marR="0" lvl="2" algn="l" rtl="0">
+              <a:lnSpc>
+                <a:spcPct val="100000"/>
+              </a:lnSpc>
+              <a:spcBef>
+                <a:spcPts val="0"/>
+              </a:spcBef>
+              <a:spcAft>
+                <a:spcPts val="0"/>
+              </a:spcAft>
+              <a:buClr>
+                <a:srgbClr val="000000"/>
+              </a:buClr>
+              <a:buSzPts val="1400"/>
+              <a:buFont typeface="Arial"/>
+              <a:buNone/>
+              <a:defRPr sz="1800" b="0" i="0" u="none" strike="noStrike" cap="none">
+                <a:solidFill>
+                  <a:srgbClr val="000000"/>
+                </a:solidFill>
+                <a:latin typeface="Arial"/>
+                <a:ea typeface="Arial"/>
+                <a:cs typeface="Arial"/>
+                <a:sym typeface="Arial"/>
+              </a:defRPr>
+            </a:lvl3pPr>
+            <a:lvl4pPr marR="0" lvl="3" algn="l" rtl="0">
+              <a:lnSpc>
+                <a:spcPct val="100000"/>
+              </a:lnSpc>
+              <a:spcBef>
+                <a:spcPts val="0"/>
+              </a:spcBef>
+              <a:spcAft>
+                <a:spcPts val="0"/>
+              </a:spcAft>
+              <a:buClr>
+                <a:srgbClr val="000000"/>
+              </a:buClr>
+              <a:buSzPts val="1400"/>
+              <a:buFont typeface="Arial"/>
+              <a:buNone/>
+              <a:defRPr sz="1800" b="0" i="0" u="none" strike="noStrike" cap="none">
+                <a:solidFill>
+                  <a:srgbClr val="000000"/>
+                </a:solidFill>
+                <a:latin typeface="Arial"/>
+                <a:ea typeface="Arial"/>
+                <a:cs typeface="Arial"/>
+                <a:sym typeface="Arial"/>
+              </a:defRPr>
+            </a:lvl4pPr>
+            <a:lvl5pPr marR="0" lvl="4" algn="l" rtl="0">
+              <a:lnSpc>
+                <a:spcPct val="100000"/>
+              </a:lnSpc>
+              <a:spcBef>
+                <a:spcPts val="0"/>
+              </a:spcBef>
+              <a:spcAft>
+                <a:spcPts val="0"/>
+              </a:spcAft>
+              <a:buClr>
+                <a:srgbClr val="000000"/>
+              </a:buClr>
+              <a:buSzPts val="1400"/>
+              <a:buFont typeface="Arial"/>
+              <a:buNone/>
+              <a:defRPr sz="1800" b="0" i="0" u="none" strike="noStrike" cap="none">
+                <a:solidFill>
+                  <a:srgbClr val="000000"/>
+                </a:solidFill>
+                <a:latin typeface="Arial"/>
+                <a:ea typeface="Arial"/>
+                <a:cs typeface="Arial"/>
+                <a:sym typeface="Arial"/>
+              </a:defRPr>
+            </a:lvl5pPr>
+            <a:lvl6pPr marR="0" lvl="5" algn="l" rtl="0">
+              <a:lnSpc>
+                <a:spcPct val="100000"/>
+              </a:lnSpc>
+              <a:spcBef>
+                <a:spcPts val="0"/>
+              </a:spcBef>
+              <a:spcAft>
+                <a:spcPts val="0"/>
+              </a:spcAft>
+              <a:buClr>
+                <a:srgbClr val="000000"/>
+              </a:buClr>
+              <a:buSzPts val="1400"/>
+              <a:buFont typeface="Arial"/>
+              <a:buNone/>
+              <a:defRPr sz="1800" b="0" i="0" u="none" strike="noStrike" cap="none">
+                <a:solidFill>
+                  <a:srgbClr val="000000"/>
+                </a:solidFill>
+                <a:latin typeface="Arial"/>
+                <a:ea typeface="Arial"/>
+                <a:cs typeface="Arial"/>
+                <a:sym typeface="Arial"/>
+              </a:defRPr>
+            </a:lvl6pPr>
+            <a:lvl7pPr marR="0" lvl="6" algn="l" rtl="0">
+              <a:lnSpc>
+                <a:spcPct val="100000"/>
+              </a:lnSpc>
+              <a:spcBef>
+                <a:spcPts val="0"/>
+              </a:spcBef>
+              <a:spcAft>
+                <a:spcPts val="0"/>
+              </a:spcAft>
+              <a:buClr>
+                <a:srgbClr val="000000"/>
+              </a:buClr>
+              <a:buSzPts val="1400"/>
+              <a:buFont typeface="Arial"/>
+              <a:buNone/>
+              <a:defRPr sz="1800" b="0" i="0" u="none" strike="noStrike" cap="none">
+                <a:solidFill>
+                  <a:srgbClr val="000000"/>
+                </a:solidFill>
+                <a:latin typeface="Arial"/>
+                <a:ea typeface="Arial"/>
+                <a:cs typeface="Arial"/>
+                <a:sym typeface="Arial"/>
+              </a:defRPr>
+            </a:lvl7pPr>
+            <a:lvl8pPr marR="0" lvl="7" algn="l" rtl="0">
+              <a:lnSpc>
+                <a:spcPct val="100000"/>
+              </a:lnSpc>
+              <a:spcBef>
+                <a:spcPts val="0"/>
+              </a:spcBef>
+              <a:spcAft>
+                <a:spcPts val="0"/>
+              </a:spcAft>
+              <a:buClr>
+                <a:srgbClr val="000000"/>
+              </a:buClr>
+              <a:buSzPts val="1400"/>
+              <a:buFont typeface="Arial"/>
+              <a:buNone/>
+              <a:defRPr sz="1800" b="0" i="0" u="none" strike="noStrike" cap="none">
+                <a:solidFill>
+                  <a:srgbClr val="000000"/>
+                </a:solidFill>
+                <a:latin typeface="Arial"/>
+                <a:ea typeface="Arial"/>
+                <a:cs typeface="Arial"/>
+                <a:sym typeface="Arial"/>
+              </a:defRPr>
+            </a:lvl8pPr>
+            <a:lvl9pPr marR="0" lvl="8" algn="l" rtl="0">
+              <a:lnSpc>
+                <a:spcPct val="100000"/>
+              </a:lnSpc>
+              <a:spcBef>
+                <a:spcPts val="0"/>
+              </a:spcBef>
+              <a:spcAft>
+                <a:spcPts val="0"/>
+              </a:spcAft>
+              <a:buClr>
+                <a:srgbClr val="000000"/>
+              </a:buClr>
+              <a:buSzPts val="1400"/>
+              <a:buFont typeface="Arial"/>
+              <a:buNone/>
+              <a:defRPr sz="1800" b="0" i="0" u="none" strike="noStrike" cap="none">
+                <a:solidFill>
+                  <a:srgbClr val="000000"/>
+                </a:solidFill>
+                <a:latin typeface="Arial"/>
+                <a:ea typeface="Arial"/>
+                <a:cs typeface="Arial"/>
+                <a:sym typeface="Arial"/>
+              </a:defRPr>
+            </a:lvl9pPr>
+          </a:lstStyle>
+          <a:p>
+            <a:pPr algn="l">
+              <a:buClr>
+                <a:srgbClr val="234465"/>
+              </a:buClr>
+              <a:buSzPts val="8800"/>
+            </a:pPr>
+            <a:r>
+              <a:rPr lang="bg-BG" sz="8800" dirty="0">
+                <a:solidFill>
+                  <a:srgbClr val="234465"/>
+                </a:solidFill>
+              </a:rPr>
+              <a:t>Въпроси</a:t>
+            </a:r>
+            <a:r>
+              <a:rPr lang="en-US" sz="8800" dirty="0">
+                <a:solidFill>
+                  <a:srgbClr val="234465"/>
+                </a:solidFill>
+              </a:rPr>
+              <a:t>?</a:t>
+            </a:r>
+            <a:endParaRPr lang="en-US" sz="8800" dirty="0"/>
+          </a:p>
+        </p:txBody>
+      </p:sp>
+      <p:pic>
+        <p:nvPicPr>
+          <p:cNvPr id="14" name="Картина 13">
+            <a:extLst>
+              <a:ext uri="{FF2B5EF4-FFF2-40B4-BE49-F238E27FC236}">
+                <a16:creationId xmlns:a16="http://schemas.microsoft.com/office/drawing/2014/main" xmlns="" id="{54B365E9-8FD0-6D5B-2DFC-723EE5DDD555}"/>
+              </a:ext>
+            </a:extLst>
+          </p:cNvPr>
+          <p:cNvPicPr>
+            <a:picLocks noChangeAspect="1"/>
+          </p:cNvPicPr>
+          <p:nvPr/>
+        </p:nvPicPr>
+        <p:blipFill>
+          <a:blip r:embed="rId14" cstate="print"/>
+          <a:stretch>
+            <a:fillRect/>
+          </a:stretch>
+        </p:blipFill>
+        <p:spPr>
+          <a:xfrm>
+            <a:off x="9891341" y="202022"/>
+            <a:ext cx="2028825" cy="790575"/>
+          </a:xfrm>
+          <a:prstGeom prst="rect">
+            <a:avLst/>
+          </a:prstGeom>
+        </p:spPr>
+      </p:pic>
+      <p:pic>
+        <p:nvPicPr>
+          <p:cNvPr id="16" name="Картина 15">
+            <a:extLst>
+              <a:ext uri="{FF2B5EF4-FFF2-40B4-BE49-F238E27FC236}">
+                <a16:creationId xmlns:a16="http://schemas.microsoft.com/office/drawing/2014/main" xmlns="" id="{3BD6ABFC-02BF-2D42-B42B-6929222F37B6}"/>
+              </a:ext>
+            </a:extLst>
+          </p:cNvPr>
+          <p:cNvPicPr>
+            <a:picLocks noChangeAspect="1"/>
+          </p:cNvPicPr>
+          <p:nvPr/>
+        </p:nvPicPr>
+        <p:blipFill>
+          <a:blip r:embed="rId15" cstate="print"/>
+          <a:stretch>
+            <a:fillRect/>
+          </a:stretch>
+        </p:blipFill>
+        <p:spPr>
+          <a:xfrm>
+            <a:off x="0" y="6388471"/>
+            <a:ext cx="12192000" cy="485775"/>
+          </a:xfrm>
+          <a:prstGeom prst="rect">
+            <a:avLst/>
+          </a:prstGeom>
+        </p:spPr>
+      </p:pic>
+    </p:spTree>
+    <p:extLst>
+      <p:ext uri="{BB962C8B-B14F-4D97-AF65-F5344CB8AC3E}">
+        <p14:creationId xmlns:p14="http://schemas.microsoft.com/office/powerpoint/2010/main" xmlns="" val="2144060659"/>
+      </p:ext>
+    </p:extLst>
+  </p:cSld>
+  <p:clrMapOvr>
+    <a:masterClrMapping/>
+  </p:clrMapOvr>
+  <p:timing>
+    <p:tnLst>
+      <p:par>
+        <p:cTn id="1" dur="indefinite" restart="never" nodeType="tmRoot"/>
+      </p:par>
+    </p:tnLst>
+  </p:timing>
+</p:sld>
+</file>
+
+<file path=ppt/slides/slide26.xml><?xml version="1.0" encoding="utf-8"?>
+<p:sld xmlns:a="http://schemas.openxmlformats.org/drawingml/2006/main" xmlns:r="http://schemas.openxmlformats.org/officeDocument/2006/relationships" xmlns:p="http://schemas.openxmlformats.org/presentationml/2006/main">
+  <p:cSld>
+    <p:spTree>
+      <p:nvGrpSpPr>
+        <p:cNvPr id="1" name=""/>
+        <p:cNvGrpSpPr/>
+        <p:nvPr/>
+      </p:nvGrpSpPr>
+      <p:grpSpPr>
+        <a:xfrm>
+          <a:off x="0" y="0"/>
+          <a:ext cx="0" cy="0"/>
+          <a:chOff x="0" y="0"/>
+          <a:chExt cx="0" cy="0"/>
+        </a:xfrm>
+      </p:grpSpPr>
+      <p:sp>
+        <p:nvSpPr>
+          <p:cNvPr id="5" name="Slide Number">
+            <a:extLst>
+              <a:ext uri="{FF2B5EF4-FFF2-40B4-BE49-F238E27FC236}">
+                <a16:creationId xmlns:a16="http://schemas.microsoft.com/office/drawing/2014/main" xmlns="" id="{F48C3C93-90A1-4D31-BEA6-B54D1106CE31}"/>
+              </a:ext>
+            </a:extLst>
+          </p:cNvPr>
+          <p:cNvSpPr>
+            <a:spLocks noGrp="1"/>
+          </p:cNvSpPr>
+          <p:nvPr>
+            <p:ph type="sldNum" sz="quarter" idx="5"/>
+          </p:nvPr>
+        </p:nvSpPr>
+        <p:spPr>
+          <a:xfrm>
+            <a:off x="11753030" y="6507000"/>
+            <a:ext cx="367414" cy="297000"/>
+          </a:xfrm>
+          <a:prstGeom prst="rect">
+            <a:avLst/>
+          </a:prstGeom>
+        </p:spPr>
+        <p:txBody>
+          <a:bodyPr vert="horz" lIns="91440" tIns="45720" rIns="91440" bIns="45720" rtlCol="0" anchor="b"/>
+          <a:lstStyle>
+            <a:lvl1pPr algn="r">
+              <a:defRPr sz="1000"/>
+            </a:lvl1pPr>
+          </a:lstStyle>
+          <a:p>
+            <a:fld id="{2BF067CD-8E6B-4360-9AA8-C5DF2A48A6D1}" type="slidenum">
+              <a:rPr lang="en-US" smtClean="0"/>
+              <a:pPr/>
+              <a:t>26</a:t>
+            </a:fld>
+            <a:endParaRPr lang="en-US" dirty="0"/>
+          </a:p>
+        </p:txBody>
+      </p:sp>
+      <p:sp>
+        <p:nvSpPr>
+          <p:cNvPr id="2" name="Slide Body">
+            <a:extLst>
+              <a:ext uri="{FF2B5EF4-FFF2-40B4-BE49-F238E27FC236}">
+                <a16:creationId xmlns:a16="http://schemas.microsoft.com/office/drawing/2014/main" xmlns="" id="{980F49B1-E4BE-4389-A747-7AB9B71AD920}"/>
+              </a:ext>
+            </a:extLst>
+          </p:cNvPr>
+          <p:cNvSpPr>
+            <a:spLocks noGrp="1"/>
+          </p:cNvSpPr>
+          <p:nvPr>
+            <p:ph type="body" sz="quarter" idx="10"/>
+          </p:nvPr>
+        </p:nvSpPr>
+        <p:spPr>
+          <a:xfrm>
+            <a:off x="190402" y="1269001"/>
+            <a:ext cx="11818096" cy="5455890"/>
+          </a:xfrm>
+        </p:spPr>
+        <p:txBody>
+          <a:bodyPr/>
+          <a:lstStyle/>
+          <a:p>
+            <a:pPr>
+              <a:lnSpc>
+                <a:spcPct val="120000"/>
+              </a:lnSpc>
+            </a:pPr>
+            <a:r>
+              <a:rPr lang="bg-BG" dirty="0"/>
+              <a:t>Този курс</a:t>
+            </a:r>
+            <a:r>
+              <a:rPr lang="en-US" dirty="0"/>
+              <a:t> (</a:t>
+            </a:r>
+            <a:r>
+              <a:rPr lang="bg-BG" dirty="0"/>
+              <a:t>презентации, примери, демонстрационен код, упражнения, домашни, видео и други активи</a:t>
+            </a:r>
+            <a:r>
+              <a:rPr lang="en-US" dirty="0"/>
+              <a:t>) </a:t>
+            </a:r>
+            <a:r>
+              <a:rPr lang="bg-BG" dirty="0"/>
+              <a:t>представлява</a:t>
+            </a:r>
+            <a:r>
+              <a:rPr lang="en-US" dirty="0"/>
+              <a:t> </a:t>
+            </a:r>
+            <a:r>
+              <a:rPr lang="bg-BG" b="1" dirty="0"/>
+              <a:t>защитено авторско съдържание</a:t>
+            </a:r>
+            <a:endParaRPr lang="en-US" dirty="0"/>
+          </a:p>
+          <a:p>
+            <a:pPr>
+              <a:lnSpc>
+                <a:spcPct val="120000"/>
+              </a:lnSpc>
+            </a:pPr>
+            <a:r>
+              <a:rPr lang="bg-BG" dirty="0"/>
+              <a:t>Нерегламентирано копиране</a:t>
+            </a:r>
+            <a:r>
+              <a:rPr lang="en-US" dirty="0"/>
+              <a:t>,</a:t>
+            </a:r>
+            <a:r>
+              <a:rPr lang="bg-BG" dirty="0"/>
+              <a:t> разпространение или използване е незаконно</a:t>
+            </a:r>
+          </a:p>
+          <a:p>
+            <a:pPr>
+              <a:lnSpc>
+                <a:spcPct val="120000"/>
+              </a:lnSpc>
+            </a:pPr>
+            <a:r>
+              <a:rPr lang="en-US" dirty="0"/>
+              <a:t>© </a:t>
+            </a:r>
+            <a:r>
+              <a:rPr lang="bg-BG" dirty="0"/>
+              <a:t>СофтУни</a:t>
+            </a:r>
+            <a:r>
+              <a:rPr lang="en-US" dirty="0"/>
+              <a:t> – </a:t>
+            </a:r>
+            <a:r>
+              <a:rPr lang="en-US" dirty="0">
+                <a:hlinkClick r:id="rId3"/>
+              </a:rPr>
+              <a:t>https://softuni.org</a:t>
+            </a:r>
+            <a:endParaRPr lang="en-US" dirty="0"/>
+          </a:p>
+          <a:p>
+            <a:pPr>
+              <a:lnSpc>
+                <a:spcPct val="120000"/>
+              </a:lnSpc>
+            </a:pPr>
+            <a:r>
+              <a:rPr lang="en-US" dirty="0"/>
+              <a:t>© </a:t>
+            </a:r>
+            <a:r>
+              <a:rPr lang="bg-BG" dirty="0"/>
+              <a:t>Софтуерен университет</a:t>
+            </a:r>
+            <a:r>
+              <a:rPr lang="en-US" dirty="0"/>
+              <a:t> – </a:t>
+            </a:r>
+            <a:r>
+              <a:rPr lang="en-US" dirty="0">
+                <a:hlinkClick r:id="rId4"/>
+              </a:rPr>
+              <a:t>https://softuni.bg</a:t>
+            </a:r>
+            <a:endParaRPr lang="bg-BG" dirty="0"/>
+          </a:p>
+        </p:txBody>
+      </p:sp>
+      <p:pic>
+        <p:nvPicPr>
+          <p:cNvPr id="6" name="Picture License" descr="License">
+            <a:extLst>
+              <a:ext uri="{FF2B5EF4-FFF2-40B4-BE49-F238E27FC236}">
+                <a16:creationId xmlns:a16="http://schemas.microsoft.com/office/drawing/2014/main" xmlns="" id="{A10A2585-858C-4B1E-8846-27CF1C15729E}"/>
+              </a:ext>
+            </a:extLst>
+          </p:cNvPr>
+          <p:cNvPicPr>
+            <a:picLocks noChangeAspect="1"/>
+          </p:cNvPicPr>
+          <p:nvPr/>
+        </p:nvPicPr>
+        <p:blipFill>
+          <a:blip r:embed="rId5" cstate="print">
+            <a:clrChange>
+              <a:clrFrom>
+                <a:srgbClr val="FFFFFF"/>
+              </a:clrFrom>
+              <a:clrTo>
+                <a:srgbClr val="FFFFFF">
+                  <a:alpha val="0"/>
+                </a:srgbClr>
+              </a:clrTo>
+            </a:clrChange>
+          </a:blip>
+          <a:stretch>
+            <a:fillRect/>
+          </a:stretch>
+        </p:blipFill>
+        <p:spPr>
+          <a:xfrm>
+            <a:off x="9745023" y="4445455"/>
+            <a:ext cx="1930977" cy="2043545"/>
+          </a:xfrm>
+          <a:prstGeom prst="rect">
+            <a:avLst/>
+          </a:prstGeom>
+        </p:spPr>
+      </p:pic>
+      <p:sp>
+        <p:nvSpPr>
+          <p:cNvPr id="3" name="Slide Title">
+            <a:extLst>
+              <a:ext uri="{FF2B5EF4-FFF2-40B4-BE49-F238E27FC236}">
+                <a16:creationId xmlns:a16="http://schemas.microsoft.com/office/drawing/2014/main" xmlns="" id="{E5F1FB41-80C3-4816-BC47-CCC50632E6E8}"/>
+              </a:ext>
+            </a:extLst>
+          </p:cNvPr>
+          <p:cNvSpPr>
+            <a:spLocks noGrp="1"/>
+          </p:cNvSpPr>
+          <p:nvPr>
+            <p:ph type="title"/>
+          </p:nvPr>
+        </p:nvSpPr>
+        <p:spPr/>
+        <p:txBody>
+          <a:bodyPr/>
+          <a:lstStyle/>
+          <a:p>
+            <a:r>
+              <a:rPr lang="bg-BG" dirty="0"/>
+              <a:t>Лиценз</a:t>
+            </a:r>
+          </a:p>
+        </p:txBody>
+      </p:sp>
+    </p:spTree>
+    <p:extLst>
+      <p:ext uri="{BB962C8B-B14F-4D97-AF65-F5344CB8AC3E}">
+        <p14:creationId xmlns:p14="http://schemas.microsoft.com/office/powerpoint/2010/main" xmlns="" val="3506533871"/>
+      </p:ext>
+    </p:extLst>
+  </p:cSld>
+  <p:clrMapOvr>
+    <a:masterClrMapping/>
+  </p:clrMapOvr>
+  <mc:AlternateContent xmlns:mc="http://schemas.openxmlformats.org/markup-compatibility/2006">
+    <mc:Choice xmlns:p14="http://schemas.microsoft.com/office/powerpoint/2010/main" xmlns="" Requires="p14">
+      <p:transition spd="slow" p14:dur="2000" advClick="0" advTm="5000"/>
+    </mc:Choice>
+    <mc:Fallback>
+      <p:transition spd="slow" advClick="0" advTm="5000"/>
+    </mc:Fallback>
+  </mc:AlternateContent>
+  <p:timing>
+    <p:tnLst>
+      <p:par>
+        <p:cTn id="1" dur="indefinite" restart="never" nodeType="tmRoot"/>
+      </p:par>
+    </p:tnLst>
+  </p:timing>
+</p:sld>
+</file>
+
 <file path=ppt/slides/slide3.xml><?xml version="1.0" encoding="utf-8"?>
 <p:sld xmlns:a="http://schemas.openxmlformats.org/drawingml/2006/main" xmlns:r="http://schemas.openxmlformats.org/officeDocument/2006/relationships" xmlns:p="http://schemas.openxmlformats.org/presentationml/2006/main">
   <p:cSld>
@@ -19004,7 +22027,7 @@
     <a:masterClrMapping/>
   </p:clrMapOvr>
   <mc:AlternateContent xmlns:mc="http://schemas.openxmlformats.org/markup-compatibility/2006">
-    <mc:Choice xmlns="" xmlns:p14="http://schemas.microsoft.com/office/powerpoint/2010/main" Requires="p14">
+    <mc:Choice xmlns:p14="http://schemas.microsoft.com/office/powerpoint/2010/main" xmlns="" Requires="p14">
       <p:transition spd="slow" p14:dur="2000" advClick="0" advTm="5000"/>
     </mc:Choice>
     <mc:Fallback>
@@ -19384,7 +22407,7 @@
     <a:masterClrMapping/>
   </p:clrMapOvr>
   <mc:AlternateContent xmlns:mc="http://schemas.openxmlformats.org/markup-compatibility/2006">
-    <mc:Choice xmlns="" xmlns:p14="http://schemas.microsoft.com/office/powerpoint/2010/main" Requires="p14">
+    <mc:Choice xmlns:p14="http://schemas.microsoft.com/office/powerpoint/2010/main" xmlns="" Requires="p14">
       <p:transition spd="slow" p14:dur="2000" advClick="0" advTm="5000"/>
     </mc:Choice>
     <mc:Fallback>
@@ -19746,7 +22769,7 @@
     <a:masterClrMapping/>
   </p:clrMapOvr>
   <mc:AlternateContent xmlns:mc="http://schemas.openxmlformats.org/markup-compatibility/2006">
-    <mc:Choice xmlns="" xmlns:p14="http://schemas.microsoft.com/office/powerpoint/2010/main" Requires="p14">
+    <mc:Choice xmlns:p14="http://schemas.microsoft.com/office/powerpoint/2010/main" xmlns="" Requires="p14">
       <p:transition spd="slow" p14:dur="2000" advClick="0" advTm="5000"/>
     </mc:Choice>
     <mc:Fallback>
@@ -20089,7 +23112,7 @@
     <a:masterClrMapping/>
   </p:clrMapOvr>
   <mc:AlternateContent xmlns:mc="http://schemas.openxmlformats.org/markup-compatibility/2006">
-    <mc:Choice xmlns="" xmlns:p14="http://schemas.microsoft.com/office/powerpoint/2010/main" Requires="p14">
+    <mc:Choice xmlns:p14="http://schemas.microsoft.com/office/powerpoint/2010/main" xmlns="" Requires="p14">
       <p:transition spd="slow" p14:dur="2000" advClick="0" advTm="5000"/>
     </mc:Choice>
     <mc:Fallback>
@@ -20458,7 +23481,7 @@
     <a:masterClrMapping/>
   </p:clrMapOvr>
   <mc:AlternateContent xmlns:mc="http://schemas.openxmlformats.org/markup-compatibility/2006">
-    <mc:Choice xmlns="" xmlns:p14="http://schemas.microsoft.com/office/powerpoint/2010/main" Requires="p14">
+    <mc:Choice xmlns:p14="http://schemas.microsoft.com/office/powerpoint/2010/main" xmlns="" Requires="p14">
       <p:transition spd="slow" p14:dur="2000" advClick="0" advTm="5000"/>
     </mc:Choice>
     <mc:Fallback>
@@ -20714,7 +23737,7 @@
     <a:masterClrMapping/>
   </p:clrMapOvr>
   <mc:AlternateContent xmlns:mc="http://schemas.openxmlformats.org/markup-compatibility/2006">
-    <mc:Choice xmlns="" xmlns:p14="http://schemas.microsoft.com/office/powerpoint/2010/main" Requires="p14">
+    <mc:Choice xmlns:p14="http://schemas.microsoft.com/office/powerpoint/2010/main" xmlns="" Requires="p14">
       <p:transition spd="slow" p14:dur="2000" advClick="0" advTm="5000"/>
     </mc:Choice>
     <mc:Fallback>
@@ -21194,7 +24217,7 @@
     <a:masterClrMapping/>
   </p:clrMapOvr>
   <mc:AlternateContent xmlns:mc="http://schemas.openxmlformats.org/markup-compatibility/2006">
-    <mc:Choice xmlns="" xmlns:p14="http://schemas.microsoft.com/office/powerpoint/2010/main" Requires="p14">
+    <mc:Choice xmlns:p14="http://schemas.microsoft.com/office/powerpoint/2010/main" xmlns="" Requires="p14">
       <p:transition spd="slow" p14:dur="2000" advClick="0" advTm="5000"/>
     </mc:Choice>
     <mc:Fallback>
@@ -21703,7 +24726,7 @@
   <a:extraClrSchemeLst/>
   <a:extLst>
     <a:ext uri="{05A4C25C-085E-4340-85A3-A5531E510DB2}">
-      <thm15:themeFamily xmlns="" xmlns:thm15="http://schemas.microsoft.com/office/thememl/2012/main" name="SoftUni" id="{D61FAD9B-6E74-4E03-BFE4-B363D484F1DA}" vid="{7089C1A3-635B-4B03-A017-DAF10A3A396B}"/>
+      <thm15:themeFamily xmlns:thm15="http://schemas.microsoft.com/office/thememl/2012/main" xmlns="" name="SoftUni" id="{D61FAD9B-6E74-4E03-BFE4-B363D484F1DA}" vid="{7089C1A3-635B-4B03-A017-DAF10A3A396B}"/>
     </a:ext>
   </a:extLst>
 </a:theme>
@@ -21998,7 +25021,7 @@
   <a:extraClrSchemeLst/>
   <a:extLst>
     <a:ext uri="{05A4C25C-085E-4340-85A3-A5531E510DB2}">
-      <thm15:themeFamily xmlns="" xmlns:thm15="http://schemas.microsoft.com/office/thememl/2012/main" name="Office Theme" id="{62F939B6-93AF-4DB8-9C6B-D6C7DFDC589F}" vid="{4A3C46E8-61CC-4603-A589-7422A47A8E4A}"/>
+      <thm15:themeFamily xmlns:thm15="http://schemas.microsoft.com/office/thememl/2012/main" xmlns="" name="Office Theme" id="{62F939B6-93AF-4DB8-9C6B-D6C7DFDC589F}" vid="{4A3C46E8-61CC-4603-A589-7422A47A8E4A}"/>
     </a:ext>
   </a:extLst>
 </a:theme>
@@ -22293,19 +25316,16 @@
   <a:extraClrSchemeLst/>
   <a:extLst>
     <a:ext uri="{05A4C25C-085E-4340-85A3-A5531E510DB2}">
-      <thm15:themeFamily xmlns="" xmlns:thm15="http://schemas.microsoft.com/office/thememl/2012/main" name="Office Theme" id="{62F939B6-93AF-4DB8-9C6B-D6C7DFDC589F}" vid="{4A3C46E8-61CC-4603-A589-7422A47A8E4A}"/>
+      <thm15:themeFamily xmlns:thm15="http://schemas.microsoft.com/office/thememl/2012/main" xmlns="" name="Office Theme" id="{62F939B6-93AF-4DB8-9C6B-D6C7DFDC589F}" vid="{4A3C46E8-61CC-4603-A589-7422A47A8E4A}"/>
     </a:ext>
   </a:extLst>
 </a:theme>
 </file>
 
 <file path=customXml/item1.xml><?xml version="1.0" encoding="utf-8"?>
-<?mso-contentType ?>
-<FormTemplates xmlns="http://schemas.microsoft.com/sharepoint/v3/contenttype/forms">
-  <Display>DocumentLibraryForm</Display>
-  <Edit>DocumentLibraryForm</Edit>
-  <New>DocumentLibraryForm</New>
-</FormTemplates>
+<p:properties xmlns:p="http://schemas.microsoft.com/office/2006/metadata/properties" xmlns:xsi="http://www.w3.org/2001/XMLSchema-instance" xmlns:pc="http://schemas.microsoft.com/office/infopath/2007/PartnerControls">
+  <documentManagement/>
+</p:properties>
 </file>
 
 <file path=customXml/item2.xml><?xml version="1.0" encoding="utf-8"?>
@@ -22481,15 +25501,26 @@
 </file>
 
 <file path=customXml/item3.xml><?xml version="1.0" encoding="utf-8"?>
-<p:properties xmlns:p="http://schemas.microsoft.com/office/2006/metadata/properties" xmlns:xsi="http://www.w3.org/2001/XMLSchema-instance" xmlns:pc="http://schemas.microsoft.com/office/infopath/2007/PartnerControls">
-  <documentManagement/>
-</p:properties>
+<?mso-contentType ?>
+<FormTemplates xmlns="http://schemas.microsoft.com/sharepoint/v3/contenttype/forms">
+  <Display>DocumentLibraryForm</Display>
+  <Edit>DocumentLibraryForm</Edit>
+  <New>DocumentLibraryForm</New>
+</FormTemplates>
 </file>
 
 <file path=customXml/itemProps1.xml><?xml version="1.0" encoding="utf-8"?>
-<ds:datastoreItem xmlns:ds="http://schemas.openxmlformats.org/officeDocument/2006/customXml" ds:itemID="{68A20BEC-F81B-49CD-951D-E62C4BAE7796}">
+<ds:datastoreItem xmlns:ds="http://schemas.openxmlformats.org/officeDocument/2006/customXml" ds:itemID="{5E2F4A33-1866-4BB8-8A35-8D6BDFE8D9F5}">
   <ds:schemaRefs>
-    <ds:schemaRef ds:uri="http://schemas.microsoft.com/sharepoint/v3/contenttype/forms"/>
+    <ds:schemaRef ds:uri="http://schemas.microsoft.com/office/infopath/2007/PartnerControls"/>
+    <ds:schemaRef ds:uri="http://purl.org/dc/dcmitype/"/>
+    <ds:schemaRef ds:uri="http://schemas.microsoft.com/office/2006/documentManagement/types"/>
+    <ds:schemaRef ds:uri="http://schemas.microsoft.com/office/2006/metadata/properties"/>
+    <ds:schemaRef ds:uri="http://www.w3.org/XML/1998/namespace"/>
+    <ds:schemaRef ds:uri="4f985cec-e092-4bcf-a1e1-b816bd0221d8"/>
+    <ds:schemaRef ds:uri="http://schemas.openxmlformats.org/package/2006/metadata/core-properties"/>
+    <ds:schemaRef ds:uri="http://purl.org/dc/terms/"/>
+    <ds:schemaRef ds:uri="http://purl.org/dc/elements/1.1/"/>
   </ds:schemaRefs>
 </ds:datastoreItem>
 </file>
@@ -22513,17 +25544,9 @@
 </file>
 
 <file path=customXml/itemProps3.xml><?xml version="1.0" encoding="utf-8"?>
-<ds:datastoreItem xmlns:ds="http://schemas.openxmlformats.org/officeDocument/2006/customXml" ds:itemID="{5E2F4A33-1866-4BB8-8A35-8D6BDFE8D9F5}">
+<ds:datastoreItem xmlns:ds="http://schemas.openxmlformats.org/officeDocument/2006/customXml" ds:itemID="{68A20BEC-F81B-49CD-951D-E62C4BAE7796}">
   <ds:schemaRefs>
-    <ds:schemaRef ds:uri="http://schemas.microsoft.com/office/infopath/2007/PartnerControls"/>
-    <ds:schemaRef ds:uri="http://purl.org/dc/dcmitype/"/>
-    <ds:schemaRef ds:uri="http://schemas.microsoft.com/office/2006/documentManagement/types"/>
-    <ds:schemaRef ds:uri="http://schemas.microsoft.com/office/2006/metadata/properties"/>
-    <ds:schemaRef ds:uri="http://www.w3.org/XML/1998/namespace"/>
-    <ds:schemaRef ds:uri="4f985cec-e092-4bcf-a1e1-b816bd0221d8"/>
-    <ds:schemaRef ds:uri="http://schemas.openxmlformats.org/package/2006/metadata/core-properties"/>
-    <ds:schemaRef ds:uri="http://purl.org/dc/terms/"/>
-    <ds:schemaRef ds:uri="http://purl.org/dc/elements/1.1/"/>
+    <ds:schemaRef ds:uri="http://schemas.microsoft.com/sharepoint/v3/contenttype/forms"/>
   </ds:schemaRefs>
 </ds:datastoreItem>
 </file>
--- a/Courses/Software-Sciences/Module-3-Databases-New/11-MS-Access/11-MS-Access.pptx
+++ b/Courses/Software-Sciences/Module-3-Databases-New/11-MS-Access/11-MS-Access.pptx
@@ -5,10 +5,10 @@
     <p:sldMasterId id="2147483675" r:id="rId4"/>
   </p:sldMasterIdLst>
   <p:notesMasterIdLst>
-    <p:notesMasterId r:id="rId31"/>
+    <p:notesMasterId r:id="rId37"/>
   </p:notesMasterIdLst>
   <p:handoutMasterIdLst>
-    <p:handoutMasterId r:id="rId32"/>
+    <p:handoutMasterId r:id="rId38"/>
   </p:handoutMasterIdLst>
   <p:sldIdLst>
     <p:sldId id="503" r:id="rId5"/>
@@ -34,9 +34,15 @@
     <p:sldId id="542" r:id="rId25"/>
     <p:sldId id="543" r:id="rId26"/>
     <p:sldId id="544" r:id="rId27"/>
-    <p:sldId id="349" r:id="rId28"/>
-    <p:sldId id="256" r:id="rId29"/>
-    <p:sldId id="493" r:id="rId30"/>
+    <p:sldId id="545" r:id="rId28"/>
+    <p:sldId id="546" r:id="rId29"/>
+    <p:sldId id="547" r:id="rId30"/>
+    <p:sldId id="548" r:id="rId31"/>
+    <p:sldId id="549" r:id="rId32"/>
+    <p:sldId id="550" r:id="rId33"/>
+    <p:sldId id="349" r:id="rId34"/>
+    <p:sldId id="256" r:id="rId35"/>
+    <p:sldId id="493" r:id="rId36"/>
   </p:sldIdLst>
   <p:sldSz cx="12192000" cy="6858000"/>
   <p:notesSz cx="6858000" cy="9144000"/>
@@ -137,7 +143,7 @@
   </p:defaultTextStyle>
   <p:extLst>
     <p:ext uri="{521415D9-36F7-43E2-AB2F-B90AF26B5E84}">
-      <p14:sectionLst xmlns:p14="http://schemas.microsoft.com/office/powerpoint/2010/main" xmlns="">
+      <p14:sectionLst xmlns="" xmlns:p14="http://schemas.microsoft.com/office/powerpoint/2010/main">
         <p14:section name="Въведение" id="{A0C7653D-1924-4F56-9E27-AA2B21F1DA92}">
           <p14:sldIdLst>
             <p14:sldId id="503"/>
@@ -196,7 +202,7 @@
       </p14:sectionLst>
     </p:ext>
     <p:ext uri="{EFAFB233-063F-42B5-8137-9DF3F51BA10A}">
-      <p15:sldGuideLst xmlns:p15="http://schemas.microsoft.com/office/powerpoint/2012/main" xmlns="">
+      <p15:sldGuideLst xmlns="" xmlns:p15="http://schemas.microsoft.com/office/powerpoint/2012/main">
         <p15:guide id="1" orient="horz" pos="2184" userDrawn="1">
           <p15:clr>
             <a:srgbClr val="A4A3A4"/>
@@ -210,7 +216,7 @@
       </p15:sldGuideLst>
     </p:ext>
     <p:ext uri="{2D200454-40CA-4A62-9FC3-DE9A4176ACB9}">
-      <p15:notesGuideLst xmlns:p15="http://schemas.microsoft.com/office/powerpoint/2012/main" xmlns=""/>
+      <p15:notesGuideLst xmlns="" xmlns:p15="http://schemas.microsoft.com/office/powerpoint/2012/main"/>
     </p:ext>
   </p:extLst>
 </p:presentation>
@@ -243,7 +249,7 @@
           <p:cNvPr id="2" name="Header Placeholder 1">
             <a:extLst>
               <a:ext uri="{FF2B5EF4-FFF2-40B4-BE49-F238E27FC236}">
-                <a16:creationId xmlns:a16="http://schemas.microsoft.com/office/drawing/2014/main" xmlns="" id="{56F20103-83CC-4A54-8FDE-9D37FC2629C0}"/>
+                <a16:creationId xmlns="" xmlns:a16="http://schemas.microsoft.com/office/drawing/2014/main" id="{56F20103-83CC-4A54-8FDE-9D37FC2629C0}"/>
               </a:ext>
             </a:extLst>
           </p:cNvPr>
@@ -280,7 +286,7 @@
           <p:cNvPr id="3" name="Date Placeholder 2">
             <a:extLst>
               <a:ext uri="{FF2B5EF4-FFF2-40B4-BE49-F238E27FC236}">
-                <a16:creationId xmlns:a16="http://schemas.microsoft.com/office/drawing/2014/main" xmlns="" id="{27A53962-26EF-44E4-9E69-61B1727AB1C2}"/>
+                <a16:creationId xmlns="" xmlns:a16="http://schemas.microsoft.com/office/drawing/2014/main" id="{27A53962-26EF-44E4-9E69-61B1727AB1C2}"/>
               </a:ext>
             </a:extLst>
           </p:cNvPr>
@@ -311,7 +317,7 @@
             <a:fld id="{4E087215-0C8F-4762-A664-737A353EC9A4}" type="datetimeFigureOut">
               <a:rPr lang="bg-BG" smtClean="0"/>
               <a:pPr/>
-              <a:t>5.9.2023 г.</a:t>
+              <a:t>6.9.2023 г.</a:t>
             </a:fld>
             <a:endParaRPr lang="bg-BG" dirty="0"/>
           </a:p>
@@ -322,7 +328,7 @@
           <p:cNvPr id="4" name="Footer Placeholder 3">
             <a:extLst>
               <a:ext uri="{FF2B5EF4-FFF2-40B4-BE49-F238E27FC236}">
-                <a16:creationId xmlns:a16="http://schemas.microsoft.com/office/drawing/2014/main" xmlns="" id="{28A6967E-448F-4887-8FCB-34482EFBCC74}"/>
+                <a16:creationId xmlns="" xmlns:a16="http://schemas.microsoft.com/office/drawing/2014/main" id="{28A6967E-448F-4887-8FCB-34482EFBCC74}"/>
               </a:ext>
             </a:extLst>
           </p:cNvPr>
@@ -372,7 +378,7 @@
           <p:cNvPr id="5" name="Slide Number Placeholder 4">
             <a:extLst>
               <a:ext uri="{FF2B5EF4-FFF2-40B4-BE49-F238E27FC236}">
-                <a16:creationId xmlns:a16="http://schemas.microsoft.com/office/drawing/2014/main" xmlns="" id="{8B6554C2-DDBA-40E2-9536-53A07EC50274}"/>
+                <a16:creationId xmlns="" xmlns:a16="http://schemas.microsoft.com/office/drawing/2014/main" id="{8B6554C2-DDBA-40E2-9536-53A07EC50274}"/>
               </a:ext>
             </a:extLst>
           </p:cNvPr>
@@ -412,7 +418,7 @@
     </p:spTree>
     <p:extLst>
       <p:ext uri="{BB962C8B-B14F-4D97-AF65-F5344CB8AC3E}">
-        <p14:creationId xmlns:p14="http://schemas.microsoft.com/office/powerpoint/2010/main" xmlns="" val="4150602968"/>
+        <p14:creationId xmlns="" xmlns:p14="http://schemas.microsoft.com/office/powerpoint/2010/main" val="4150602968"/>
       </p:ext>
     </p:extLst>
   </p:cSld>
@@ -504,7 +510,7 @@
             <a:fld id="{72D84649-876A-46C9-8472-14CB09C070D8}" type="datetimeFigureOut">
               <a:rPr lang="en-US" smtClean="0"/>
               <a:pPr/>
-              <a:t>9/5/2023</a:t>
+              <a:t>9/6/2023</a:t>
             </a:fld>
             <a:endParaRPr lang="en-US" dirty="0"/>
           </a:p>
@@ -643,7 +649,7 @@
           <p:cNvPr id="8" name="Footer Placeholder 7">
             <a:extLst>
               <a:ext uri="{FF2B5EF4-FFF2-40B4-BE49-F238E27FC236}">
-                <a16:creationId xmlns:a16="http://schemas.microsoft.com/office/drawing/2014/main" xmlns="" id="{CAC3A49B-3196-44DF-AC28-085C72EFBFF0}"/>
+                <a16:creationId xmlns="" xmlns:a16="http://schemas.microsoft.com/office/drawing/2014/main" id="{CAC3A49B-3196-44DF-AC28-085C72EFBFF0}"/>
               </a:ext>
             </a:extLst>
           </p:cNvPr>
@@ -691,7 +697,7 @@
     </p:spTree>
     <p:extLst>
       <p:ext uri="{BB962C8B-B14F-4D97-AF65-F5344CB8AC3E}">
-        <p14:creationId xmlns:p14="http://schemas.microsoft.com/office/powerpoint/2010/main" xmlns="" val="1530847692"/>
+        <p14:creationId xmlns="" xmlns:p14="http://schemas.microsoft.com/office/powerpoint/2010/main" val="1530847692"/>
       </p:ext>
     </p:extLst>
   </p:cSld>
@@ -838,7 +844,7 @@
           <p:cNvPr id="8" name="Slide Image Placeholder 7">
             <a:extLst>
               <a:ext uri="{FF2B5EF4-FFF2-40B4-BE49-F238E27FC236}">
-                <a16:creationId xmlns:a16="http://schemas.microsoft.com/office/drawing/2014/main" xmlns="" id="{78811095-27E9-49AB-972B-D4E20B3963A6}"/>
+                <a16:creationId xmlns="" xmlns:a16="http://schemas.microsoft.com/office/drawing/2014/main" id="{78811095-27E9-49AB-972B-D4E20B3963A6}"/>
               </a:ext>
             </a:extLst>
           </p:cNvPr>
@@ -856,7 +862,7 @@
           <p:cNvPr id="9" name="Notes Placeholder 8">
             <a:extLst>
               <a:ext uri="{FF2B5EF4-FFF2-40B4-BE49-F238E27FC236}">
-                <a16:creationId xmlns:a16="http://schemas.microsoft.com/office/drawing/2014/main" xmlns="" id="{E923224B-0CC3-475A-8628-8A90751AE61A}"/>
+                <a16:creationId xmlns="" xmlns:a16="http://schemas.microsoft.com/office/drawing/2014/main" id="{E923224B-0CC3-475A-8628-8A90751AE61A}"/>
               </a:ext>
             </a:extLst>
           </p:cNvPr>
@@ -881,7 +887,7 @@
           <p:cNvPr id="2" name="Footer Placeholder 1">
             <a:extLst>
               <a:ext uri="{FF2B5EF4-FFF2-40B4-BE49-F238E27FC236}">
-                <a16:creationId xmlns:a16="http://schemas.microsoft.com/office/drawing/2014/main" xmlns="" id="{3288A3F3-90B1-4930-8D00-5603BDABEF10}"/>
+                <a16:creationId xmlns="" xmlns:a16="http://schemas.microsoft.com/office/drawing/2014/main" id="{3288A3F3-90B1-4930-8D00-5603BDABEF10}"/>
               </a:ext>
             </a:extLst>
           </p:cNvPr>
@@ -917,7 +923,7 @@
     </p:spTree>
     <p:extLst>
       <p:ext uri="{BB962C8B-B14F-4D97-AF65-F5344CB8AC3E}">
-        <p14:creationId xmlns:p14="http://schemas.microsoft.com/office/powerpoint/2010/main" xmlns="" val="2594489433"/>
+        <p14:creationId xmlns="" xmlns:p14="http://schemas.microsoft.com/office/powerpoint/2010/main" val="2594489433"/>
       </p:ext>
     </p:extLst>
   </p:cSld>
@@ -968,10 +974,12 @@
         </p:nvSpPr>
         <p:spPr/>
         <p:txBody>
-          <a:bodyPr/>
+          <a:bodyPr>
+            <a:normAutofit/>
+          </a:bodyPr>
           <a:lstStyle/>
           <a:p>
-            <a:endParaRPr lang="x-none"/>
+            <a:endParaRPr lang="en-US" dirty="0"/>
           </a:p>
         </p:txBody>
       </p:sp>
@@ -982,7 +990,7 @@
             <a:spLocks noGrp="1"/>
           </p:cNvSpPr>
           <p:nvPr>
-            <p:ph type="sldNum" sz="quarter" idx="5"/>
+            <p:ph type="sldNum" sz="quarter" idx="10"/>
           </p:nvPr>
         </p:nvSpPr>
         <p:spPr/>
@@ -990,21 +998,49 @@
           <a:bodyPr/>
           <a:lstStyle/>
           <a:p>
-            <a:fld id="{85C0F205-FB23-4B4A-AA1E-CC80DEDB9B7E}" type="slidenum">
-              <a:rPr lang="x-none" smtClean="0"/>
+            <a:fld id="{2BF067CD-8E6B-4360-9AA8-C5DF2A48A6D1}" type="slidenum">
+              <a:rPr lang="en-US" smtClean="0"/>
               <a:pPr/>
-              <a:t>25</a:t>
+              <a:t>28</a:t>
             </a:fld>
-            <a:endParaRPr lang="x-none"/>
+            <a:endParaRPr lang="en-US" dirty="0"/>
+          </a:p>
+        </p:txBody>
+      </p:sp>
+      <p:sp>
+        <p:nvSpPr>
+          <p:cNvPr id="5" name="Footer Placeholder 4"/>
+          <p:cNvSpPr>
+            <a:spLocks noGrp="1"/>
+          </p:cNvSpPr>
+          <p:nvPr>
+            <p:ph type="ftr" sz="quarter" idx="11"/>
+          </p:nvPr>
+        </p:nvSpPr>
+        <p:spPr/>
+        <p:txBody>
+          <a:bodyPr/>
+          <a:lstStyle/>
+          <a:p>
+            <a:r>
+              <a:rPr lang="en-US" smtClean="0"/>
+              <a:t>© SoftUni – </a:t>
+            </a:r>
+            <a:r>
+              <a:rPr lang="en-US" u="sng" smtClean="0">
+                <a:hlinkClick r:id="rId3"/>
+              </a:rPr>
+              <a:t>https://softuni.org</a:t>
+            </a:r>
+            <a:r>
+              <a:rPr lang="en-US" smtClean="0"/>
+              <a:t>. Copyrighted document. Unauthorized copy or reproduction is not permitted.</a:t>
+            </a:r>
+            <a:endParaRPr lang="en-US" dirty="0"/>
           </a:p>
         </p:txBody>
       </p:sp>
     </p:spTree>
-    <p:extLst>
-      <p:ext uri="{BB962C8B-B14F-4D97-AF65-F5344CB8AC3E}">
-        <p14:creationId xmlns:p14="http://schemas.microsoft.com/office/powerpoint/2010/main" xmlns="" val="1201445929"/>
-      </p:ext>
-    </p:extLst>
   </p:cSld>
   <p:clrMapOvr>
     <a:masterClrMapping/>
@@ -1062,10 +1098,10 @@
       </p:sp>
       <p:sp>
         <p:nvSpPr>
-          <p:cNvPr id="6" name="Slide Number Placeholder 5">
+          <p:cNvPr id="7" name="Slide Number Placeholder 5">
             <a:extLst>
               <a:ext uri="{FF2B5EF4-FFF2-40B4-BE49-F238E27FC236}">
-                <a16:creationId xmlns:a16="http://schemas.microsoft.com/office/drawing/2014/main" xmlns="" id="{6627548A-4D3C-449B-81A5-FA4BE4628490}"/>
+                <a16:creationId xmlns="" xmlns:a16="http://schemas.microsoft.com/office/drawing/2014/main" id="{E65F1CA9-65DC-416B-8882-B3A5E415CE67}"/>
               </a:ext>
             </a:extLst>
           </p:cNvPr>
@@ -1184,7 +1220,7 @@
             <a:fld id="{3EBA5BD7-F043-4D1B-AA17-CD412FC534DE}" type="slidenum">
               <a:rPr lang="en-US" smtClean="0"/>
               <a:pPr/>
-              <a:t>26</a:t>
+              <a:t>30</a:t>
             </a:fld>
             <a:endParaRPr lang="en-US" dirty="0"/>
           </a:p>
@@ -1195,7 +1231,7 @@
           <p:cNvPr id="4" name="Footer Placeholder 3">
             <a:extLst>
               <a:ext uri="{FF2B5EF4-FFF2-40B4-BE49-F238E27FC236}">
-                <a16:creationId xmlns:a16="http://schemas.microsoft.com/office/drawing/2014/main" xmlns="" id="{D2472CE7-61C1-4B7B-B0C8-5A45F0178717}"/>
+                <a16:creationId xmlns="" xmlns:a16="http://schemas.microsoft.com/office/drawing/2014/main" id="{C5BD11C3-9FCD-4EAE-876D-E766924FAFF2}"/>
               </a:ext>
             </a:extLst>
           </p:cNvPr>
@@ -1231,7 +1267,321 @@
     </p:spTree>
     <p:extLst>
       <p:ext uri="{BB962C8B-B14F-4D97-AF65-F5344CB8AC3E}">
-        <p14:creationId xmlns:p14="http://schemas.microsoft.com/office/powerpoint/2010/main" xmlns="" val="729041308"/>
+        <p14:creationId xmlns="" xmlns:p14="http://schemas.microsoft.com/office/powerpoint/2010/main" val="1860974293"/>
+      </p:ext>
+    </p:extLst>
+  </p:cSld>
+  <p:clrMapOvr>
+    <a:masterClrMapping/>
+  </p:clrMapOvr>
+</p:notes>
+</file>
+
+<file path=ppt/notesSlides/notesSlide12.xml><?xml version="1.0" encoding="utf-8"?>
+<p:notes xmlns:a="http://schemas.openxmlformats.org/drawingml/2006/main" xmlns:r="http://schemas.openxmlformats.org/officeDocument/2006/relationships" xmlns:p="http://schemas.openxmlformats.org/presentationml/2006/main">
+  <p:cSld>
+    <p:spTree>
+      <p:nvGrpSpPr>
+        <p:cNvPr id="1" name=""/>
+        <p:cNvGrpSpPr/>
+        <p:nvPr/>
+      </p:nvGrpSpPr>
+      <p:grpSpPr>
+        <a:xfrm>
+          <a:off x="0" y="0"/>
+          <a:ext cx="0" cy="0"/>
+          <a:chOff x="0" y="0"/>
+          <a:chExt cx="0" cy="0"/>
+        </a:xfrm>
+      </p:grpSpPr>
+      <p:sp>
+        <p:nvSpPr>
+          <p:cNvPr id="2" name="Slide Image Placeholder 1"/>
+          <p:cNvSpPr>
+            <a:spLocks noGrp="1" noRot="1" noChangeAspect="1"/>
+          </p:cNvSpPr>
+          <p:nvPr>
+            <p:ph type="sldImg"/>
+          </p:nvPr>
+        </p:nvSpPr>
+        <p:spPr/>
+      </p:sp>
+      <p:sp>
+        <p:nvSpPr>
+          <p:cNvPr id="3" name="Notes Placeholder 2"/>
+          <p:cNvSpPr>
+            <a:spLocks noGrp="1"/>
+          </p:cNvSpPr>
+          <p:nvPr>
+            <p:ph type="body" idx="1"/>
+          </p:nvPr>
+        </p:nvSpPr>
+        <p:spPr/>
+        <p:txBody>
+          <a:bodyPr/>
+          <a:lstStyle/>
+          <a:p>
+            <a:endParaRPr lang="x-none"/>
+          </a:p>
+        </p:txBody>
+      </p:sp>
+      <p:sp>
+        <p:nvSpPr>
+          <p:cNvPr id="4" name="Slide Number Placeholder 3"/>
+          <p:cNvSpPr>
+            <a:spLocks noGrp="1"/>
+          </p:cNvSpPr>
+          <p:nvPr>
+            <p:ph type="sldNum" sz="quarter" idx="5"/>
+          </p:nvPr>
+        </p:nvSpPr>
+        <p:spPr/>
+        <p:txBody>
+          <a:bodyPr/>
+          <a:lstStyle/>
+          <a:p>
+            <a:fld id="{85C0F205-FB23-4B4A-AA1E-CC80DEDB9B7E}" type="slidenum">
+              <a:rPr lang="x-none" smtClean="0"/>
+              <a:pPr/>
+              <a:t>31</a:t>
+            </a:fld>
+            <a:endParaRPr lang="x-none"/>
+          </a:p>
+        </p:txBody>
+      </p:sp>
+    </p:spTree>
+    <p:extLst>
+      <p:ext uri="{BB962C8B-B14F-4D97-AF65-F5344CB8AC3E}">
+        <p14:creationId xmlns="" xmlns:p14="http://schemas.microsoft.com/office/powerpoint/2010/main" val="1201445929"/>
+      </p:ext>
+    </p:extLst>
+  </p:cSld>
+  <p:clrMapOvr>
+    <a:masterClrMapping/>
+  </p:clrMapOvr>
+</p:notes>
+</file>
+
+<file path=ppt/notesSlides/notesSlide13.xml><?xml version="1.0" encoding="utf-8"?>
+<p:notes xmlns:a="http://schemas.openxmlformats.org/drawingml/2006/main" xmlns:r="http://schemas.openxmlformats.org/officeDocument/2006/relationships" xmlns:p="http://schemas.openxmlformats.org/presentationml/2006/main">
+  <p:cSld>
+    <p:spTree>
+      <p:nvGrpSpPr>
+        <p:cNvPr id="1" name=""/>
+        <p:cNvGrpSpPr/>
+        <p:nvPr/>
+      </p:nvGrpSpPr>
+      <p:grpSpPr>
+        <a:xfrm>
+          <a:off x="0" y="0"/>
+          <a:ext cx="0" cy="0"/>
+          <a:chOff x="0" y="0"/>
+          <a:chExt cx="0" cy="0"/>
+        </a:xfrm>
+      </p:grpSpPr>
+      <p:sp>
+        <p:nvSpPr>
+          <p:cNvPr id="2" name="Slide Image Placeholder 1"/>
+          <p:cNvSpPr>
+            <a:spLocks noGrp="1" noRot="1" noChangeAspect="1"/>
+          </p:cNvSpPr>
+          <p:nvPr>
+            <p:ph type="sldImg"/>
+          </p:nvPr>
+        </p:nvSpPr>
+        <p:spPr/>
+      </p:sp>
+      <p:sp>
+        <p:nvSpPr>
+          <p:cNvPr id="3" name="Notes Placeholder 2"/>
+          <p:cNvSpPr>
+            <a:spLocks noGrp="1"/>
+          </p:cNvSpPr>
+          <p:nvPr>
+            <p:ph type="body" idx="1"/>
+          </p:nvPr>
+        </p:nvSpPr>
+        <p:spPr/>
+        <p:txBody>
+          <a:bodyPr/>
+          <a:lstStyle/>
+          <a:p>
+            <a:endParaRPr lang="en-US" dirty="0"/>
+          </a:p>
+        </p:txBody>
+      </p:sp>
+      <p:sp>
+        <p:nvSpPr>
+          <p:cNvPr id="6" name="Slide Number Placeholder 5">
+            <a:extLst>
+              <a:ext uri="{FF2B5EF4-FFF2-40B4-BE49-F238E27FC236}">
+                <a16:creationId xmlns="" xmlns:a16="http://schemas.microsoft.com/office/drawing/2014/main" id="{6627548A-4D3C-449B-81A5-FA4BE4628490}"/>
+              </a:ext>
+            </a:extLst>
+          </p:cNvPr>
+          <p:cNvSpPr txBox="1">
+            <a:spLocks/>
+          </p:cNvSpPr>
+          <p:nvPr/>
+        </p:nvSpPr>
+        <p:spPr>
+          <a:xfrm>
+            <a:off x="6488999" y="8847000"/>
+            <a:ext cx="367414" cy="297000"/>
+          </a:xfrm>
+          <a:prstGeom prst="rect">
+            <a:avLst/>
+          </a:prstGeom>
+        </p:spPr>
+        <p:txBody>
+          <a:bodyPr vert="horz" lIns="91440" tIns="45720" rIns="91440" bIns="45720" rtlCol="0" anchor="b"/>
+          <a:lstStyle>
+            <a:defPPr>
+              <a:defRPr lang="en-US"/>
+            </a:defPPr>
+            <a:lvl1pPr marL="0" algn="r" defTabSz="914400" rtl="0" eaLnBrk="1" latinLnBrk="0" hangingPunct="1">
+              <a:defRPr sz="1200" kern="1200">
+                <a:solidFill>
+                  <a:schemeClr val="tx1"/>
+                </a:solidFill>
+                <a:latin typeface="+mn-lt"/>
+                <a:ea typeface="+mn-ea"/>
+                <a:cs typeface="+mn-cs"/>
+              </a:defRPr>
+            </a:lvl1pPr>
+            <a:lvl2pPr marL="457200" algn="l" defTabSz="914400" rtl="0" eaLnBrk="1" latinLnBrk="0" hangingPunct="1">
+              <a:defRPr sz="1800" kern="1200">
+                <a:solidFill>
+                  <a:schemeClr val="tx1"/>
+                </a:solidFill>
+                <a:latin typeface="+mn-lt"/>
+                <a:ea typeface="+mn-ea"/>
+                <a:cs typeface="+mn-cs"/>
+              </a:defRPr>
+            </a:lvl2pPr>
+            <a:lvl3pPr marL="914400" algn="l" defTabSz="914400" rtl="0" eaLnBrk="1" latinLnBrk="0" hangingPunct="1">
+              <a:defRPr sz="1800" kern="1200">
+                <a:solidFill>
+                  <a:schemeClr val="tx1"/>
+                </a:solidFill>
+                <a:latin typeface="+mn-lt"/>
+                <a:ea typeface="+mn-ea"/>
+                <a:cs typeface="+mn-cs"/>
+              </a:defRPr>
+            </a:lvl3pPr>
+            <a:lvl4pPr marL="1371600" algn="l" defTabSz="914400" rtl="0" eaLnBrk="1" latinLnBrk="0" hangingPunct="1">
+              <a:defRPr sz="1800" kern="1200">
+                <a:solidFill>
+                  <a:schemeClr val="tx1"/>
+                </a:solidFill>
+                <a:latin typeface="+mn-lt"/>
+                <a:ea typeface="+mn-ea"/>
+                <a:cs typeface="+mn-cs"/>
+              </a:defRPr>
+            </a:lvl4pPr>
+            <a:lvl5pPr marL="1828800" algn="l" defTabSz="914400" rtl="0" eaLnBrk="1" latinLnBrk="0" hangingPunct="1">
+              <a:defRPr sz="1800" kern="1200">
+                <a:solidFill>
+                  <a:schemeClr val="tx1"/>
+                </a:solidFill>
+                <a:latin typeface="+mn-lt"/>
+                <a:ea typeface="+mn-ea"/>
+                <a:cs typeface="+mn-cs"/>
+              </a:defRPr>
+            </a:lvl5pPr>
+            <a:lvl6pPr marL="2286000" algn="l" defTabSz="914400" rtl="0" eaLnBrk="1" latinLnBrk="0" hangingPunct="1">
+              <a:defRPr sz="1800" kern="1200">
+                <a:solidFill>
+                  <a:schemeClr val="tx1"/>
+                </a:solidFill>
+                <a:latin typeface="+mn-lt"/>
+                <a:ea typeface="+mn-ea"/>
+                <a:cs typeface="+mn-cs"/>
+              </a:defRPr>
+            </a:lvl6pPr>
+            <a:lvl7pPr marL="2743200" algn="l" defTabSz="914400" rtl="0" eaLnBrk="1" latinLnBrk="0" hangingPunct="1">
+              <a:defRPr sz="1800" kern="1200">
+                <a:solidFill>
+                  <a:schemeClr val="tx1"/>
+                </a:solidFill>
+                <a:latin typeface="+mn-lt"/>
+                <a:ea typeface="+mn-ea"/>
+                <a:cs typeface="+mn-cs"/>
+              </a:defRPr>
+            </a:lvl7pPr>
+            <a:lvl8pPr marL="3200400" algn="l" defTabSz="914400" rtl="0" eaLnBrk="1" latinLnBrk="0" hangingPunct="1">
+              <a:defRPr sz="1800" kern="1200">
+                <a:solidFill>
+                  <a:schemeClr val="tx1"/>
+                </a:solidFill>
+                <a:latin typeface="+mn-lt"/>
+                <a:ea typeface="+mn-ea"/>
+                <a:cs typeface="+mn-cs"/>
+              </a:defRPr>
+            </a:lvl8pPr>
+            <a:lvl9pPr marL="3657600" algn="l" defTabSz="914400" rtl="0" eaLnBrk="1" latinLnBrk="0" hangingPunct="1">
+              <a:defRPr sz="1800" kern="1200">
+                <a:solidFill>
+                  <a:schemeClr val="tx1"/>
+                </a:solidFill>
+                <a:latin typeface="+mn-lt"/>
+                <a:ea typeface="+mn-ea"/>
+                <a:cs typeface="+mn-cs"/>
+              </a:defRPr>
+            </a:lvl9pPr>
+          </a:lstStyle>
+          <a:p>
+            <a:fld id="{3EBA5BD7-F043-4D1B-AA17-CD412FC534DE}" type="slidenum">
+              <a:rPr lang="en-US" smtClean="0"/>
+              <a:pPr/>
+              <a:t>32</a:t>
+            </a:fld>
+            <a:endParaRPr lang="en-US" dirty="0"/>
+          </a:p>
+        </p:txBody>
+      </p:sp>
+      <p:sp>
+        <p:nvSpPr>
+          <p:cNvPr id="4" name="Footer Placeholder 3">
+            <a:extLst>
+              <a:ext uri="{FF2B5EF4-FFF2-40B4-BE49-F238E27FC236}">
+                <a16:creationId xmlns="" xmlns:a16="http://schemas.microsoft.com/office/drawing/2014/main" id="{D2472CE7-61C1-4B7B-B0C8-5A45F0178717}"/>
+              </a:ext>
+            </a:extLst>
+          </p:cNvPr>
+          <p:cNvSpPr>
+            <a:spLocks noGrp="1"/>
+          </p:cNvSpPr>
+          <p:nvPr>
+            <p:ph type="ftr" sz="quarter" idx="4"/>
+          </p:nvPr>
+        </p:nvSpPr>
+        <p:spPr/>
+        <p:txBody>
+          <a:bodyPr/>
+          <a:lstStyle/>
+          <a:p>
+            <a:r>
+              <a:rPr lang="en-US" dirty="0"/>
+              <a:t>© SoftUni – </a:t>
+            </a:r>
+            <a:r>
+              <a:rPr lang="en-US" u="sng" dirty="0">
+                <a:hlinkClick r:id="rId3"/>
+              </a:rPr>
+              <a:t>https://softuni.org</a:t>
+            </a:r>
+            <a:r>
+              <a:rPr lang="en-US" dirty="0"/>
+              <a:t>. Copyrighted document. Unauthorized copy or reproduction is not permitted.</a:t>
+            </a:r>
+          </a:p>
+        </p:txBody>
+      </p:sp>
+    </p:spTree>
+    <p:extLst>
+      <p:ext uri="{BB962C8B-B14F-4D97-AF65-F5344CB8AC3E}">
+        <p14:creationId xmlns="" xmlns:p14="http://schemas.microsoft.com/office/powerpoint/2010/main" val="729041308"/>
       </p:ext>
     </p:extLst>
   </p:cSld>
@@ -1263,7 +1613,7 @@
           <p:cNvPr id="14" name="Slide Image Placeholder 13">
             <a:extLst>
               <a:ext uri="{FF2B5EF4-FFF2-40B4-BE49-F238E27FC236}">
-                <a16:creationId xmlns:a16="http://schemas.microsoft.com/office/drawing/2014/main" xmlns="" id="{A1F0B3C6-2E53-4CA3-86D1-53D46EC35267}"/>
+                <a16:creationId xmlns="" xmlns:a16="http://schemas.microsoft.com/office/drawing/2014/main" id="{A1F0B3C6-2E53-4CA3-86D1-53D46EC35267}"/>
               </a:ext>
             </a:extLst>
           </p:cNvPr>
@@ -1281,7 +1631,7 @@
           <p:cNvPr id="15" name="Notes Placeholder 14">
             <a:extLst>
               <a:ext uri="{FF2B5EF4-FFF2-40B4-BE49-F238E27FC236}">
-                <a16:creationId xmlns:a16="http://schemas.microsoft.com/office/drawing/2014/main" xmlns="" id="{149CC699-A079-49A5-A4D6-73B7F849A7DC}"/>
+                <a16:creationId xmlns="" xmlns:a16="http://schemas.microsoft.com/office/drawing/2014/main" id="{149CC699-A079-49A5-A4D6-73B7F849A7DC}"/>
               </a:ext>
             </a:extLst>
           </p:cNvPr>
@@ -1306,7 +1656,7 @@
           <p:cNvPr id="19" name="Slide Number Placeholder 5">
             <a:extLst>
               <a:ext uri="{FF2B5EF4-FFF2-40B4-BE49-F238E27FC236}">
-                <a16:creationId xmlns:a16="http://schemas.microsoft.com/office/drawing/2014/main" xmlns="" id="{121F4233-7E9A-40D2-9066-2DB14E2FA5AD}"/>
+                <a16:creationId xmlns="" xmlns:a16="http://schemas.microsoft.com/office/drawing/2014/main" id="{121F4233-7E9A-40D2-9066-2DB14E2FA5AD}"/>
               </a:ext>
             </a:extLst>
           </p:cNvPr>
@@ -1436,7 +1786,7 @@
           <p:cNvPr id="2" name="Footer Placeholder 1">
             <a:extLst>
               <a:ext uri="{FF2B5EF4-FFF2-40B4-BE49-F238E27FC236}">
-                <a16:creationId xmlns:a16="http://schemas.microsoft.com/office/drawing/2014/main" xmlns="" id="{D18F1DFF-B3E7-4ABF-97EE-0BBF3A961EC5}"/>
+                <a16:creationId xmlns="" xmlns:a16="http://schemas.microsoft.com/office/drawing/2014/main" id="{D18F1DFF-B3E7-4ABF-97EE-0BBF3A961EC5}"/>
               </a:ext>
             </a:extLst>
           </p:cNvPr>
@@ -1472,7 +1822,7 @@
     </p:spTree>
     <p:extLst>
       <p:ext uri="{BB962C8B-B14F-4D97-AF65-F5344CB8AC3E}">
-        <p14:creationId xmlns:p14="http://schemas.microsoft.com/office/powerpoint/2010/main" xmlns="" val="4028530743"/>
+        <p14:creationId xmlns="" xmlns:p14="http://schemas.microsoft.com/office/powerpoint/2010/main" val="4028530743"/>
       </p:ext>
     </p:extLst>
   </p:cSld>
@@ -2213,7 +2563,9 @@
         </p:nvSpPr>
         <p:spPr/>
         <p:txBody>
-          <a:bodyPr/>
+          <a:bodyPr>
+            <a:normAutofit/>
+          </a:bodyPr>
           <a:lstStyle/>
           <a:p>
             <a:endParaRPr lang="en-US" dirty="0"/>
@@ -2222,148 +2574,12 @@
       </p:sp>
       <p:sp>
         <p:nvSpPr>
-          <p:cNvPr id="7" name="Slide Number Placeholder 5">
-            <a:extLst>
-              <a:ext uri="{FF2B5EF4-FFF2-40B4-BE49-F238E27FC236}">
-                <a16:creationId xmlns:a16="http://schemas.microsoft.com/office/drawing/2014/main" xmlns="" id="{E65F1CA9-65DC-416B-8882-B3A5E415CE67}"/>
-              </a:ext>
-            </a:extLst>
-          </p:cNvPr>
-          <p:cNvSpPr txBox="1">
-            <a:spLocks/>
-          </p:cNvSpPr>
-          <p:nvPr/>
-        </p:nvSpPr>
-        <p:spPr>
-          <a:xfrm>
-            <a:off x="6488999" y="8847000"/>
-            <a:ext cx="367414" cy="297000"/>
-          </a:xfrm>
-          <a:prstGeom prst="rect">
-            <a:avLst/>
-          </a:prstGeom>
-        </p:spPr>
-        <p:txBody>
-          <a:bodyPr vert="horz" lIns="91440" tIns="45720" rIns="91440" bIns="45720" rtlCol="0" anchor="b"/>
-          <a:lstStyle>
-            <a:defPPr>
-              <a:defRPr lang="en-US"/>
-            </a:defPPr>
-            <a:lvl1pPr marL="0" algn="r" defTabSz="914400" rtl="0" eaLnBrk="1" latinLnBrk="0" hangingPunct="1">
-              <a:defRPr sz="1200" kern="1200">
-                <a:solidFill>
-                  <a:schemeClr val="tx1"/>
-                </a:solidFill>
-                <a:latin typeface="+mn-lt"/>
-                <a:ea typeface="+mn-ea"/>
-                <a:cs typeface="+mn-cs"/>
-              </a:defRPr>
-            </a:lvl1pPr>
-            <a:lvl2pPr marL="457200" algn="l" defTabSz="914400" rtl="0" eaLnBrk="1" latinLnBrk="0" hangingPunct="1">
-              <a:defRPr sz="1800" kern="1200">
-                <a:solidFill>
-                  <a:schemeClr val="tx1"/>
-                </a:solidFill>
-                <a:latin typeface="+mn-lt"/>
-                <a:ea typeface="+mn-ea"/>
-                <a:cs typeface="+mn-cs"/>
-              </a:defRPr>
-            </a:lvl2pPr>
-            <a:lvl3pPr marL="914400" algn="l" defTabSz="914400" rtl="0" eaLnBrk="1" latinLnBrk="0" hangingPunct="1">
-              <a:defRPr sz="1800" kern="1200">
-                <a:solidFill>
-                  <a:schemeClr val="tx1"/>
-                </a:solidFill>
-                <a:latin typeface="+mn-lt"/>
-                <a:ea typeface="+mn-ea"/>
-                <a:cs typeface="+mn-cs"/>
-              </a:defRPr>
-            </a:lvl3pPr>
-            <a:lvl4pPr marL="1371600" algn="l" defTabSz="914400" rtl="0" eaLnBrk="1" latinLnBrk="0" hangingPunct="1">
-              <a:defRPr sz="1800" kern="1200">
-                <a:solidFill>
-                  <a:schemeClr val="tx1"/>
-                </a:solidFill>
-                <a:latin typeface="+mn-lt"/>
-                <a:ea typeface="+mn-ea"/>
-                <a:cs typeface="+mn-cs"/>
-              </a:defRPr>
-            </a:lvl4pPr>
-            <a:lvl5pPr marL="1828800" algn="l" defTabSz="914400" rtl="0" eaLnBrk="1" latinLnBrk="0" hangingPunct="1">
-              <a:defRPr sz="1800" kern="1200">
-                <a:solidFill>
-                  <a:schemeClr val="tx1"/>
-                </a:solidFill>
-                <a:latin typeface="+mn-lt"/>
-                <a:ea typeface="+mn-ea"/>
-                <a:cs typeface="+mn-cs"/>
-              </a:defRPr>
-            </a:lvl5pPr>
-            <a:lvl6pPr marL="2286000" algn="l" defTabSz="914400" rtl="0" eaLnBrk="1" latinLnBrk="0" hangingPunct="1">
-              <a:defRPr sz="1800" kern="1200">
-                <a:solidFill>
-                  <a:schemeClr val="tx1"/>
-                </a:solidFill>
-                <a:latin typeface="+mn-lt"/>
-                <a:ea typeface="+mn-ea"/>
-                <a:cs typeface="+mn-cs"/>
-              </a:defRPr>
-            </a:lvl6pPr>
-            <a:lvl7pPr marL="2743200" algn="l" defTabSz="914400" rtl="0" eaLnBrk="1" latinLnBrk="0" hangingPunct="1">
-              <a:defRPr sz="1800" kern="1200">
-                <a:solidFill>
-                  <a:schemeClr val="tx1"/>
-                </a:solidFill>
-                <a:latin typeface="+mn-lt"/>
-                <a:ea typeface="+mn-ea"/>
-                <a:cs typeface="+mn-cs"/>
-              </a:defRPr>
-            </a:lvl7pPr>
-            <a:lvl8pPr marL="3200400" algn="l" defTabSz="914400" rtl="0" eaLnBrk="1" latinLnBrk="0" hangingPunct="1">
-              <a:defRPr sz="1800" kern="1200">
-                <a:solidFill>
-                  <a:schemeClr val="tx1"/>
-                </a:solidFill>
-                <a:latin typeface="+mn-lt"/>
-                <a:ea typeface="+mn-ea"/>
-                <a:cs typeface="+mn-cs"/>
-              </a:defRPr>
-            </a:lvl8pPr>
-            <a:lvl9pPr marL="3657600" algn="l" defTabSz="914400" rtl="0" eaLnBrk="1" latinLnBrk="0" hangingPunct="1">
-              <a:defRPr sz="1800" kern="1200">
-                <a:solidFill>
-                  <a:schemeClr val="tx1"/>
-                </a:solidFill>
-                <a:latin typeface="+mn-lt"/>
-                <a:ea typeface="+mn-ea"/>
-                <a:cs typeface="+mn-cs"/>
-              </a:defRPr>
-            </a:lvl9pPr>
-          </a:lstStyle>
-          <a:p>
-            <a:fld id="{3EBA5BD7-F043-4D1B-AA17-CD412FC534DE}" type="slidenum">
-              <a:rPr lang="en-US" smtClean="0"/>
-              <a:pPr/>
-              <a:t>24</a:t>
-            </a:fld>
-            <a:endParaRPr lang="en-US" dirty="0"/>
-          </a:p>
-        </p:txBody>
-      </p:sp>
-      <p:sp>
-        <p:nvSpPr>
-          <p:cNvPr id="4" name="Footer Placeholder 3">
-            <a:extLst>
-              <a:ext uri="{FF2B5EF4-FFF2-40B4-BE49-F238E27FC236}">
-                <a16:creationId xmlns:a16="http://schemas.microsoft.com/office/drawing/2014/main" xmlns="" id="{C5BD11C3-9FCD-4EAE-876D-E766924FAFF2}"/>
-              </a:ext>
-            </a:extLst>
-          </p:cNvPr>
+          <p:cNvPr id="4" name="Slide Number Placeholder 3"/>
           <p:cNvSpPr>
             <a:spLocks noGrp="1"/>
           </p:cNvSpPr>
           <p:nvPr>
-            <p:ph type="ftr" sz="quarter" idx="4"/>
+            <p:ph type="sldNum" sz="quarter" idx="10"/>
           </p:nvPr>
         </p:nvSpPr>
         <p:spPr/>
@@ -2371,29 +2587,49 @@
           <a:bodyPr/>
           <a:lstStyle/>
           <a:p>
-            <a:r>
-              <a:rPr lang="en-US" dirty="0"/>
+            <a:fld id="{2BF067CD-8E6B-4360-9AA8-C5DF2A48A6D1}" type="slidenum">
+              <a:rPr lang="en-US" smtClean="0"/>
+              <a:pPr/>
+              <a:t>26</a:t>
+            </a:fld>
+            <a:endParaRPr lang="en-US" dirty="0"/>
+          </a:p>
+        </p:txBody>
+      </p:sp>
+      <p:sp>
+        <p:nvSpPr>
+          <p:cNvPr id="5" name="Footer Placeholder 4"/>
+          <p:cNvSpPr>
+            <a:spLocks noGrp="1"/>
+          </p:cNvSpPr>
+          <p:nvPr>
+            <p:ph type="ftr" sz="quarter" idx="11"/>
+          </p:nvPr>
+        </p:nvSpPr>
+        <p:spPr/>
+        <p:txBody>
+          <a:bodyPr/>
+          <a:lstStyle/>
+          <a:p>
+            <a:r>
+              <a:rPr lang="en-US" smtClean="0"/>
               <a:t>© SoftUni – </a:t>
             </a:r>
             <a:r>
-              <a:rPr lang="en-US" u="sng" dirty="0">
+              <a:rPr lang="en-US" u="sng" smtClean="0">
                 <a:hlinkClick r:id="rId3"/>
               </a:rPr>
               <a:t>https://softuni.org</a:t>
             </a:r>
             <a:r>
-              <a:rPr lang="en-US" dirty="0"/>
+              <a:rPr lang="en-US" smtClean="0"/>
               <a:t>. Copyrighted document. Unauthorized copy or reproduction is not permitted.</a:t>
             </a:r>
+            <a:endParaRPr lang="en-US" dirty="0"/>
           </a:p>
         </p:txBody>
       </p:sp>
     </p:spTree>
-    <p:extLst>
-      <p:ext uri="{BB962C8B-B14F-4D97-AF65-F5344CB8AC3E}">
-        <p14:creationId xmlns:p14="http://schemas.microsoft.com/office/powerpoint/2010/main" xmlns="" val="1860974293"/>
-      </p:ext>
-    </p:extLst>
   </p:cSld>
   <p:clrMapOvr>
     <a:masterClrMapping/>
@@ -2423,7 +2659,7 @@
           <p:cNvPr id="16" name="Rectangle Bottom">
             <a:extLst>
               <a:ext uri="{FF2B5EF4-FFF2-40B4-BE49-F238E27FC236}">
-                <a16:creationId xmlns:a16="http://schemas.microsoft.com/office/drawing/2014/main" xmlns="" id="{6854D183-0374-4B3E-B2CE-32F308A81591}"/>
+                <a16:creationId xmlns="" xmlns:a16="http://schemas.microsoft.com/office/drawing/2014/main" id="{6854D183-0374-4B3E-B2CE-32F308A81591}"/>
               </a:ext>
             </a:extLst>
           </p:cNvPr>
@@ -2504,7 +2740,7 @@
           <p:cNvPr id="14" name="Picture Logo SoftUni" descr="SoftUni logo">
             <a:extLst>
               <a:ext uri="{FF2B5EF4-FFF2-40B4-BE49-F238E27FC236}">
-                <a16:creationId xmlns:a16="http://schemas.microsoft.com/office/drawing/2014/main" xmlns="" id="{C4D6B2A2-DFF0-4712-BFEC-6676BEC99FEC}"/>
+                <a16:creationId xmlns="" xmlns:a16="http://schemas.microsoft.com/office/drawing/2014/main" id="{C4D6B2A2-DFF0-4712-BFEC-6676BEC99FEC}"/>
               </a:ext>
             </a:extLst>
           </p:cNvPr>
@@ -2527,7 +2763,7 @@
             </a:clrChange>
             <a:extLst>
               <a:ext uri="{28A0092B-C50C-407E-A947-70E740481C1C}">
-                <a14:useLocalDpi xmlns:a14="http://schemas.microsoft.com/office/drawing/2010/main" xmlns="" val="0"/>
+                <a14:useLocalDpi xmlns="" xmlns:a14="http://schemas.microsoft.com/office/drawing/2010/main" val="0"/>
               </a:ext>
             </a:extLst>
           </a:blip>
@@ -2550,7 +2786,7 @@
           <p:cNvPr id="31" name="Text Placeholder Company Site">
             <a:extLst>
               <a:ext uri="{FF2B5EF4-FFF2-40B4-BE49-F238E27FC236}">
-                <a16:creationId xmlns:a16="http://schemas.microsoft.com/office/drawing/2014/main" xmlns="" id="{3E6B87B7-9D33-4EBB-BD4F-C0436BA3FD72}"/>
+                <a16:creationId xmlns="" xmlns:a16="http://schemas.microsoft.com/office/drawing/2014/main" id="{3E6B87B7-9D33-4EBB-BD4F-C0436BA3FD72}"/>
               </a:ext>
             </a:extLst>
           </p:cNvPr>
@@ -2612,7 +2848,7 @@
           <p:cNvPr id="30" name="Text Placeholder Company Name">
             <a:extLst>
               <a:ext uri="{FF2B5EF4-FFF2-40B4-BE49-F238E27FC236}">
-                <a16:creationId xmlns:a16="http://schemas.microsoft.com/office/drawing/2014/main" xmlns="" id="{2EA92DCA-4DB5-4D03-ACD3-A6A296592D0C}"/>
+                <a16:creationId xmlns="" xmlns:a16="http://schemas.microsoft.com/office/drawing/2014/main" id="{2EA92DCA-4DB5-4D03-ACD3-A6A296592D0C}"/>
               </a:ext>
             </a:extLst>
           </p:cNvPr>
@@ -2674,7 +2910,7 @@
           <p:cNvPr id="35" name="Picture SoftUni Mascot" descr="SoftUni mascot">
             <a:extLst>
               <a:ext uri="{FF2B5EF4-FFF2-40B4-BE49-F238E27FC236}">
-                <a16:creationId xmlns:a16="http://schemas.microsoft.com/office/drawing/2014/main" xmlns="" id="{951E7DA9-C5F0-43D9-B013-3BDF9EEF029D}"/>
+                <a16:creationId xmlns="" xmlns:a16="http://schemas.microsoft.com/office/drawing/2014/main" id="{951E7DA9-C5F0-43D9-B013-3BDF9EEF029D}"/>
               </a:ext>
             </a:extLst>
           </p:cNvPr>
@@ -2687,7 +2923,7 @@
           <a:blip r:embed="rId3" cstate="print">
             <a:extLst>
               <a:ext uri="{28A0092B-C50C-407E-A947-70E740481C1C}">
-                <a14:useLocalDpi xmlns:a14="http://schemas.microsoft.com/office/drawing/2010/main" xmlns="" val="0"/>
+                <a14:useLocalDpi xmlns="" xmlns:a14="http://schemas.microsoft.com/office/drawing/2010/main" val="0"/>
               </a:ext>
             </a:extLst>
           </a:blip>
@@ -2710,7 +2946,7 @@
             <a:hlinkClick r:id="rId4"/>
             <a:extLst>
               <a:ext uri="{FF2B5EF4-FFF2-40B4-BE49-F238E27FC236}">
-                <a16:creationId xmlns:a16="http://schemas.microsoft.com/office/drawing/2014/main" xmlns="" id="{F2315EB3-3FE4-4D3B-921E-5F209CEC13CB}"/>
+                <a16:creationId xmlns="" xmlns:a16="http://schemas.microsoft.com/office/drawing/2014/main" id="{F2315EB3-3FE4-4D3B-921E-5F209CEC13CB}"/>
               </a:ext>
             </a:extLst>
           </p:cNvPr>
@@ -2733,7 +2969,7 @@
             </a:clrChange>
             <a:extLst>
               <a:ext uri="{28A0092B-C50C-407E-A947-70E740481C1C}">
-                <a14:useLocalDpi xmlns:a14="http://schemas.microsoft.com/office/drawing/2010/main" xmlns="" val="0"/>
+                <a14:useLocalDpi xmlns="" xmlns:a14="http://schemas.microsoft.com/office/drawing/2010/main" val="0"/>
               </a:ext>
             </a:extLst>
           </a:blip>
@@ -2756,7 +2992,7 @@
           <p:cNvPr id="40" name="Text Placeholder Author Position">
             <a:extLst>
               <a:ext uri="{FF2B5EF4-FFF2-40B4-BE49-F238E27FC236}">
-                <a16:creationId xmlns:a16="http://schemas.microsoft.com/office/drawing/2014/main" xmlns="" id="{CD940256-851E-46C8-8BFB-A5ECA6C7DA07}"/>
+                <a16:creationId xmlns="" xmlns:a16="http://schemas.microsoft.com/office/drawing/2014/main" id="{CD940256-851E-46C8-8BFB-A5ECA6C7DA07}"/>
               </a:ext>
             </a:extLst>
           </p:cNvPr>
@@ -2816,7 +3052,7 @@
           <p:cNvPr id="36" name="Text Placeholder Author Name">
             <a:extLst>
               <a:ext uri="{FF2B5EF4-FFF2-40B4-BE49-F238E27FC236}">
-                <a16:creationId xmlns:a16="http://schemas.microsoft.com/office/drawing/2014/main" xmlns="" id="{3B21F47B-DE1F-442D-A2B7-6866F8786704}"/>
+                <a16:creationId xmlns="" xmlns:a16="http://schemas.microsoft.com/office/drawing/2014/main" id="{3B21F47B-DE1F-442D-A2B7-6866F8786704}"/>
               </a:ext>
             </a:extLst>
           </p:cNvPr>
@@ -2876,7 +3112,7 @@
           <p:cNvPr id="33" name="Picture Placeholder Title Image">
             <a:extLst>
               <a:ext uri="{FF2B5EF4-FFF2-40B4-BE49-F238E27FC236}">
-                <a16:creationId xmlns:a16="http://schemas.microsoft.com/office/drawing/2014/main" xmlns="" id="{A04D819A-89E2-4714-8C56-1838BF467EF7}"/>
+                <a16:creationId xmlns="" xmlns:a16="http://schemas.microsoft.com/office/drawing/2014/main" id="{A04D819A-89E2-4714-8C56-1838BF467EF7}"/>
               </a:ext>
             </a:extLst>
           </p:cNvPr>
@@ -2918,7 +3154,7 @@
           <p:cNvPr id="43" name="Presentation Subtitle">
             <a:extLst>
               <a:ext uri="{FF2B5EF4-FFF2-40B4-BE49-F238E27FC236}">
-                <a16:creationId xmlns:a16="http://schemas.microsoft.com/office/drawing/2014/main" xmlns="" id="{37BDB812-1395-4B02-ABCF-6A331EEE23E5}"/>
+                <a16:creationId xmlns="" xmlns:a16="http://schemas.microsoft.com/office/drawing/2014/main" id="{37BDB812-1395-4B02-ABCF-6A331EEE23E5}"/>
               </a:ext>
             </a:extLst>
           </p:cNvPr>
@@ -2962,7 +3198,7 @@
           <p:cNvPr id="2" name="Presentation Title">
             <a:extLst>
               <a:ext uri="{FF2B5EF4-FFF2-40B4-BE49-F238E27FC236}">
-                <a16:creationId xmlns:a16="http://schemas.microsoft.com/office/drawing/2014/main" xmlns="" id="{A4DF3AB8-E6E3-4FCE-8A4A-ECD147720A5D}"/>
+                <a16:creationId xmlns="" xmlns:a16="http://schemas.microsoft.com/office/drawing/2014/main" id="{A4DF3AB8-E6E3-4FCE-8A4A-ECD147720A5D}"/>
               </a:ext>
             </a:extLst>
           </p:cNvPr>
@@ -2997,7 +3233,7 @@
     </p:spTree>
     <p:extLst>
       <p:ext uri="{BB962C8B-B14F-4D97-AF65-F5344CB8AC3E}">
-        <p14:creationId xmlns:p14="http://schemas.microsoft.com/office/powerpoint/2010/main" xmlns="" val="970179299"/>
+        <p14:creationId xmlns="" xmlns:p14="http://schemas.microsoft.com/office/powerpoint/2010/main" val="970179299"/>
       </p:ext>
     </p:extLst>
   </p:cSld>
@@ -3005,7 +3241,7 @@
     <a:masterClrMapping/>
   </p:clrMapOvr>
   <mc:AlternateContent xmlns:mc="http://schemas.openxmlformats.org/markup-compatibility/2006">
-    <mc:Choice xmlns:p14="http://schemas.microsoft.com/office/powerpoint/2010/main" xmlns="" Requires="p14">
+    <mc:Choice xmlns="" xmlns:p14="http://schemas.microsoft.com/office/powerpoint/2010/main" Requires="p14">
       <p:transition spd="slow" p14:dur="2000" advClick="0" advTm="5000"/>
     </mc:Choice>
     <mc:Fallback>
@@ -3014,7 +3250,7 @@
   </mc:AlternateContent>
   <p:extLst>
     <p:ext uri="{DCECCB84-F9BA-43D5-87BE-67443E8EF086}">
-      <p15:sldGuideLst xmlns:p15="http://schemas.microsoft.com/office/powerpoint/2012/main" xmlns="">
+      <p15:sldGuideLst xmlns="" xmlns:p15="http://schemas.microsoft.com/office/powerpoint/2012/main">
         <p15:guide id="1" orient="horz" pos="2160">
           <p15:clr>
             <a:srgbClr val="FBAE40"/>
@@ -3053,7 +3289,7 @@
           <p:cNvPr id="15" name="Slide Number">
             <a:extLst>
               <a:ext uri="{FF2B5EF4-FFF2-40B4-BE49-F238E27FC236}">
-                <a16:creationId xmlns:a16="http://schemas.microsoft.com/office/drawing/2014/main" xmlns="" id="{F888EE71-82B3-40F1-A63F-7417422FB4A4}"/>
+                <a16:creationId xmlns="" xmlns:a16="http://schemas.microsoft.com/office/drawing/2014/main" id="{F888EE71-82B3-40F1-A63F-7417422FB4A4}"/>
               </a:ext>
             </a:extLst>
           </p:cNvPr>
@@ -3095,7 +3331,7 @@
           <p:cNvPr id="14" name="Text Placeholder Body">
             <a:extLst>
               <a:ext uri="{FF2B5EF4-FFF2-40B4-BE49-F238E27FC236}">
-                <a16:creationId xmlns:a16="http://schemas.microsoft.com/office/drawing/2014/main" xmlns="" id="{A2ABE920-240F-4CF6-AD45-23ED489FAD6E}"/>
+                <a16:creationId xmlns="" xmlns:a16="http://schemas.microsoft.com/office/drawing/2014/main" id="{A2ABE920-240F-4CF6-AD45-23ED489FAD6E}"/>
               </a:ext>
             </a:extLst>
           </p:cNvPr>
@@ -3401,7 +3637,7 @@
           <p:cNvPr id="10" name="Rectangle Down">
             <a:extLst>
               <a:ext uri="{FF2B5EF4-FFF2-40B4-BE49-F238E27FC236}">
-                <a16:creationId xmlns:a16="http://schemas.microsoft.com/office/drawing/2014/main" xmlns="" id="{E9B994EC-35A8-4A11-98CB-25DC28852F94}"/>
+                <a16:creationId xmlns="" xmlns:a16="http://schemas.microsoft.com/office/drawing/2014/main" id="{E9B994EC-35A8-4A11-98CB-25DC28852F94}"/>
               </a:ext>
             </a:extLst>
           </p:cNvPr>
@@ -3482,7 +3718,7 @@
           <p:cNvPr id="11" name="Rectangle Top">
             <a:extLst>
               <a:ext uri="{FF2B5EF4-FFF2-40B4-BE49-F238E27FC236}">
-                <a16:creationId xmlns:a16="http://schemas.microsoft.com/office/drawing/2014/main" xmlns="" id="{274B8F05-DFCE-47BD-BAFD-DF93E1A63BDD}"/>
+                <a16:creationId xmlns="" xmlns:a16="http://schemas.microsoft.com/office/drawing/2014/main" id="{274B8F05-DFCE-47BD-BAFD-DF93E1A63BDD}"/>
               </a:ext>
             </a:extLst>
           </p:cNvPr>
@@ -3563,7 +3799,7 @@
           <p:cNvPr id="12" name="Logo Software University" descr="Software University logo">
             <a:extLst>
               <a:ext uri="{FF2B5EF4-FFF2-40B4-BE49-F238E27FC236}">
-                <a16:creationId xmlns:a16="http://schemas.microsoft.com/office/drawing/2014/main" xmlns="" id="{233CBB95-791E-4630-B3D9-FADFCE7BCF52}"/>
+                <a16:creationId xmlns="" xmlns:a16="http://schemas.microsoft.com/office/drawing/2014/main" id="{233CBB95-791E-4630-B3D9-FADFCE7BCF52}"/>
               </a:ext>
             </a:extLst>
           </p:cNvPr>
@@ -3576,7 +3812,7 @@
           <a:blip r:embed="rId2" cstate="print">
             <a:extLst>
               <a:ext uri="{28A0092B-C50C-407E-A947-70E740481C1C}">
-                <a14:useLocalDpi xmlns:a14="http://schemas.microsoft.com/office/drawing/2010/main" xmlns="" val="0"/>
+                <a14:useLocalDpi xmlns="" xmlns:a14="http://schemas.microsoft.com/office/drawing/2010/main" val="0"/>
               </a:ext>
             </a:extLst>
           </a:blip>
@@ -3599,7 +3835,7 @@
           <p:cNvPr id="13" name="Slide Title">
             <a:extLst>
               <a:ext uri="{FF2B5EF4-FFF2-40B4-BE49-F238E27FC236}">
-                <a16:creationId xmlns:a16="http://schemas.microsoft.com/office/drawing/2014/main" xmlns="" id="{3F218E34-55D7-4290-BFE4-80F31F941551}"/>
+                <a16:creationId xmlns="" xmlns:a16="http://schemas.microsoft.com/office/drawing/2014/main" id="{3F218E34-55D7-4290-BFE4-80F31F941551}"/>
               </a:ext>
             </a:extLst>
           </p:cNvPr>
@@ -3638,7 +3874,7 @@
     </p:spTree>
     <p:extLst>
       <p:ext uri="{BB962C8B-B14F-4D97-AF65-F5344CB8AC3E}">
-        <p14:creationId xmlns:p14="http://schemas.microsoft.com/office/powerpoint/2010/main" xmlns="" val="3774019400"/>
+        <p14:creationId xmlns="" xmlns:p14="http://schemas.microsoft.com/office/powerpoint/2010/main" val="3774019400"/>
       </p:ext>
     </p:extLst>
   </p:cSld>
@@ -3646,7 +3882,7 @@
     <a:masterClrMapping/>
   </p:clrMapOvr>
   <mc:AlternateContent xmlns:mc="http://schemas.openxmlformats.org/markup-compatibility/2006">
-    <mc:Choice xmlns:p14="http://schemas.microsoft.com/office/powerpoint/2010/main" xmlns="" Requires="p14">
+    <mc:Choice xmlns="" xmlns:p14="http://schemas.microsoft.com/office/powerpoint/2010/main" Requires="p14">
       <p:transition spd="slow" p14:dur="2000" advClick="0" advTm="5000"/>
     </mc:Choice>
     <mc:Fallback>
@@ -3686,7 +3922,7 @@
           <p:cNvPr id="35" name="Rectangle Bottom">
             <a:extLst>
               <a:ext uri="{FF2B5EF4-FFF2-40B4-BE49-F238E27FC236}">
-                <a16:creationId xmlns:a16="http://schemas.microsoft.com/office/drawing/2014/main" xmlns="" id="{550A59F9-9A9D-4956-95B4-F78CC0DB1D59}"/>
+                <a16:creationId xmlns="" xmlns:a16="http://schemas.microsoft.com/office/drawing/2014/main" id="{550A59F9-9A9D-4956-95B4-F78CC0DB1D59}"/>
               </a:ext>
             </a:extLst>
           </p:cNvPr>
@@ -3767,7 +4003,7 @@
           <p:cNvPr id="53" name="Rectangle Bottom Copyright">
             <a:extLst>
               <a:ext uri="{FF2B5EF4-FFF2-40B4-BE49-F238E27FC236}">
-                <a16:creationId xmlns:a16="http://schemas.microsoft.com/office/drawing/2014/main" xmlns="" id="{B07FB7FB-DA6C-4F5D-B068-357F0FCE27D8}"/>
+                <a16:creationId xmlns="" xmlns:a16="http://schemas.microsoft.com/office/drawing/2014/main" id="{B07FB7FB-DA6C-4F5D-B068-357F0FCE27D8}"/>
               </a:ext>
             </a:extLst>
           </p:cNvPr>
@@ -3824,7 +4060,7 @@
                 <a:hlinkClick r:id="rId2">
                   <a:extLst>
                     <a:ext uri="{A12FA001-AC4F-418D-AE19-62706E023703}">
-                      <ahyp:hlinkClr xmlns:ahyp="http://schemas.microsoft.com/office/drawing/2018/hyperlinkcolor" xmlns="" val="tx"/>
+                      <ahyp:hlinkClr xmlns="" xmlns:ahyp="http://schemas.microsoft.com/office/drawing/2018/hyperlinkcolor" val="tx"/>
                     </a:ext>
                   </a:extLst>
                 </a:hlinkClick>
@@ -3860,7 +4096,7 @@
           <p:cNvPr id="26" name="Picture SoftUni Mascot" descr="SoftUni mascot with open hand">
             <a:extLst>
               <a:ext uri="{FF2B5EF4-FFF2-40B4-BE49-F238E27FC236}">
-                <a16:creationId xmlns:a16="http://schemas.microsoft.com/office/drawing/2014/main" xmlns="" id="{247CFF3C-C4FA-493D-8505-DF469F4D36A4}"/>
+                <a16:creationId xmlns="" xmlns:a16="http://schemas.microsoft.com/office/drawing/2014/main" id="{247CFF3C-C4FA-493D-8505-DF469F4D36A4}"/>
               </a:ext>
             </a:extLst>
           </p:cNvPr>
@@ -3873,7 +4109,7 @@
           <a:blip r:embed="rId3" cstate="print">
             <a:extLst>
               <a:ext uri="{28A0092B-C50C-407E-A947-70E740481C1C}">
-                <a14:useLocalDpi xmlns:a14="http://schemas.microsoft.com/office/drawing/2010/main" xmlns="" val="0"/>
+                <a14:useLocalDpi xmlns="" xmlns:a14="http://schemas.microsoft.com/office/drawing/2010/main" val="0"/>
               </a:ext>
             </a:extLst>
           </a:blip>
@@ -3896,7 +4132,7 @@
           <p:cNvPr id="2" name="Group SoftUni Brands">
             <a:extLst>
               <a:ext uri="{FF2B5EF4-FFF2-40B4-BE49-F238E27FC236}">
-                <a16:creationId xmlns:a16="http://schemas.microsoft.com/office/drawing/2014/main" xmlns="" id="{418FAE34-C1F8-46C7-A4AE-F270D1E70F25}"/>
+                <a16:creationId xmlns="" xmlns:a16="http://schemas.microsoft.com/office/drawing/2014/main" id="{418FAE34-C1F8-46C7-A4AE-F270D1E70F25}"/>
               </a:ext>
             </a:extLst>
           </p:cNvPr>
@@ -3916,7 +4152,7 @@
             <p:cNvPr id="24" name="Picture SoftUni Kids Logo" descr="SoftUni Kids logo">
               <a:extLst>
                 <a:ext uri="{FF2B5EF4-FFF2-40B4-BE49-F238E27FC236}">
-                  <a16:creationId xmlns:a16="http://schemas.microsoft.com/office/drawing/2014/main" xmlns="" id="{B0812936-74B6-4265-8C08-AEDC8C798702}"/>
+                  <a16:creationId xmlns="" xmlns:a16="http://schemas.microsoft.com/office/drawing/2014/main" id="{B0812936-74B6-4265-8C08-AEDC8C798702}"/>
                 </a:ext>
               </a:extLst>
             </p:cNvPr>
@@ -3929,7 +4165,7 @@
             <a:blip r:embed="rId4" cstate="print">
               <a:extLst>
                 <a:ext uri="{28A0092B-C50C-407E-A947-70E740481C1C}">
-                  <a14:useLocalDpi xmlns:a14="http://schemas.microsoft.com/office/drawing/2010/main" xmlns="" val="0"/>
+                  <a14:useLocalDpi xmlns="" xmlns:a14="http://schemas.microsoft.com/office/drawing/2010/main" val="0"/>
                 </a:ext>
               </a:extLst>
             </a:blip>
@@ -3952,7 +4188,7 @@
             <p:cNvPr id="23" name="Picture SoftUni Foundation Logo" descr="SoftUni Foundation logo">
               <a:extLst>
                 <a:ext uri="{FF2B5EF4-FFF2-40B4-BE49-F238E27FC236}">
-                  <a16:creationId xmlns:a16="http://schemas.microsoft.com/office/drawing/2014/main" xmlns="" id="{6643F71A-2013-433A-8322-FBAAED3162D8}"/>
+                  <a16:creationId xmlns="" xmlns:a16="http://schemas.microsoft.com/office/drawing/2014/main" id="{6643F71A-2013-433A-8322-FBAAED3162D8}"/>
                 </a:ext>
               </a:extLst>
             </p:cNvPr>
@@ -3965,7 +4201,7 @@
             <a:blip r:embed="rId5" cstate="print">
               <a:extLst>
                 <a:ext uri="{28A0092B-C50C-407E-A947-70E740481C1C}">
-                  <a14:useLocalDpi xmlns:a14="http://schemas.microsoft.com/office/drawing/2010/main" xmlns="" val="0"/>
+                  <a14:useLocalDpi xmlns="" xmlns:a14="http://schemas.microsoft.com/office/drawing/2010/main" val="0"/>
                 </a:ext>
               </a:extLst>
             </a:blip>
@@ -3988,7 +4224,7 @@
             <p:cNvPr id="22" name="Picture SoftUni Digital Logo" descr="SoftUni Digital logo">
               <a:extLst>
                 <a:ext uri="{FF2B5EF4-FFF2-40B4-BE49-F238E27FC236}">
-                  <a16:creationId xmlns:a16="http://schemas.microsoft.com/office/drawing/2014/main" xmlns="" id="{0A83D66F-855B-463B-920B-BF239B01A206}"/>
+                  <a16:creationId xmlns="" xmlns:a16="http://schemas.microsoft.com/office/drawing/2014/main" id="{0A83D66F-855B-463B-920B-BF239B01A206}"/>
                 </a:ext>
               </a:extLst>
             </p:cNvPr>
@@ -4001,7 +4237,7 @@
             <a:blip r:embed="rId6" cstate="print">
               <a:extLst>
                 <a:ext uri="{28A0092B-C50C-407E-A947-70E740481C1C}">
-                  <a14:useLocalDpi xmlns:a14="http://schemas.microsoft.com/office/drawing/2010/main" xmlns="" val="0"/>
+                  <a14:useLocalDpi xmlns="" xmlns:a14="http://schemas.microsoft.com/office/drawing/2010/main" val="0"/>
                 </a:ext>
               </a:extLst>
             </a:blip>
@@ -4024,7 +4260,7 @@
             <p:cNvPr id="21" name="Picture SoftUni Creative Logo" descr="SoftUni Creative logo">
               <a:extLst>
                 <a:ext uri="{FF2B5EF4-FFF2-40B4-BE49-F238E27FC236}">
-                  <a16:creationId xmlns:a16="http://schemas.microsoft.com/office/drawing/2014/main" xmlns="" id="{EA755AAE-BA08-481C-9224-0061170EE4B8}"/>
+                  <a16:creationId xmlns="" xmlns:a16="http://schemas.microsoft.com/office/drawing/2014/main" id="{EA755AAE-BA08-481C-9224-0061170EE4B8}"/>
                 </a:ext>
               </a:extLst>
             </p:cNvPr>
@@ -4037,7 +4273,7 @@
             <a:blip r:embed="rId7" cstate="print">
               <a:extLst>
                 <a:ext uri="{28A0092B-C50C-407E-A947-70E740481C1C}">
-                  <a14:useLocalDpi xmlns:a14="http://schemas.microsoft.com/office/drawing/2010/main" xmlns="" val="0"/>
+                  <a14:useLocalDpi xmlns="" xmlns:a14="http://schemas.microsoft.com/office/drawing/2010/main" val="0"/>
                 </a:ext>
               </a:extLst>
             </a:blip>
@@ -4060,7 +4296,7 @@
             <p:cNvPr id="20" name="Picture SoftUni Svetlina Logo" descr="SoftUni Svetlina logo">
               <a:extLst>
                 <a:ext uri="{FF2B5EF4-FFF2-40B4-BE49-F238E27FC236}">
-                  <a16:creationId xmlns:a16="http://schemas.microsoft.com/office/drawing/2014/main" xmlns="" id="{827D15FD-4C66-4B85-98E6-7826AA8F61C6}"/>
+                  <a16:creationId xmlns="" xmlns:a16="http://schemas.microsoft.com/office/drawing/2014/main" id="{827D15FD-4C66-4B85-98E6-7826AA8F61C6}"/>
                 </a:ext>
               </a:extLst>
             </p:cNvPr>
@@ -4073,7 +4309,7 @@
             <a:blip r:embed="rId8" cstate="print">
               <a:extLst>
                 <a:ext uri="{28A0092B-C50C-407E-A947-70E740481C1C}">
-                  <a14:useLocalDpi xmlns:a14="http://schemas.microsoft.com/office/drawing/2010/main" xmlns="" val="0"/>
+                  <a14:useLocalDpi xmlns="" xmlns:a14="http://schemas.microsoft.com/office/drawing/2010/main" val="0"/>
                 </a:ext>
               </a:extLst>
             </a:blip>
@@ -4096,7 +4332,7 @@
             <p:cNvPr id="25" name="Picture Software University Logo" descr="Software University logo">
               <a:extLst>
                 <a:ext uri="{FF2B5EF4-FFF2-40B4-BE49-F238E27FC236}">
-                  <a16:creationId xmlns:a16="http://schemas.microsoft.com/office/drawing/2014/main" xmlns="" id="{C74C190C-5856-41B9-8819-AE8DE0E10980}"/>
+                  <a16:creationId xmlns="" xmlns:a16="http://schemas.microsoft.com/office/drawing/2014/main" id="{C74C190C-5856-41B9-8819-AE8DE0E10980}"/>
                 </a:ext>
               </a:extLst>
             </p:cNvPr>
@@ -4109,7 +4345,7 @@
             <a:blip r:embed="rId9" cstate="print">
               <a:extLst>
                 <a:ext uri="{28A0092B-C50C-407E-A947-70E740481C1C}">
-                  <a14:useLocalDpi xmlns:a14="http://schemas.microsoft.com/office/drawing/2010/main" xmlns="" val="0"/>
+                  <a14:useLocalDpi xmlns="" xmlns:a14="http://schemas.microsoft.com/office/drawing/2010/main" val="0"/>
                 </a:ext>
               </a:extLst>
             </a:blip>
@@ -4132,7 +4368,7 @@
             <p:cNvPr id="33" name="Straight Connector 6">
               <a:extLst>
                 <a:ext uri="{FF2B5EF4-FFF2-40B4-BE49-F238E27FC236}">
-                  <a16:creationId xmlns:a16="http://schemas.microsoft.com/office/drawing/2014/main" xmlns="" id="{5C63D1E8-4A92-4691-8A24-A2FC7E8008E5}"/>
+                  <a16:creationId xmlns="" xmlns:a16="http://schemas.microsoft.com/office/drawing/2014/main" id="{5C63D1E8-4A92-4691-8A24-A2FC7E8008E5}"/>
                 </a:ext>
               </a:extLst>
             </p:cNvPr>
@@ -4171,7 +4407,7 @@
             <p:cNvPr id="32" name="Straight Connector 5">
               <a:extLst>
                 <a:ext uri="{FF2B5EF4-FFF2-40B4-BE49-F238E27FC236}">
-                  <a16:creationId xmlns:a16="http://schemas.microsoft.com/office/drawing/2014/main" xmlns="" id="{6E91D320-3732-40B8-864D-142D0A277ED1}"/>
+                  <a16:creationId xmlns="" xmlns:a16="http://schemas.microsoft.com/office/drawing/2014/main" id="{6E91D320-3732-40B8-864D-142D0A277ED1}"/>
                 </a:ext>
               </a:extLst>
             </p:cNvPr>
@@ -4210,7 +4446,7 @@
             <p:cNvPr id="31" name="Straight Connector 4">
               <a:extLst>
                 <a:ext uri="{FF2B5EF4-FFF2-40B4-BE49-F238E27FC236}">
-                  <a16:creationId xmlns:a16="http://schemas.microsoft.com/office/drawing/2014/main" xmlns="" id="{299ABE09-E33C-46B7-A80D-7BF4A6956211}"/>
+                  <a16:creationId xmlns="" xmlns:a16="http://schemas.microsoft.com/office/drawing/2014/main" id="{299ABE09-E33C-46B7-A80D-7BF4A6956211}"/>
                 </a:ext>
               </a:extLst>
             </p:cNvPr>
@@ -4247,7 +4483,7 @@
             <p:cNvPr id="30" name="Straight Connector 3">
               <a:extLst>
                 <a:ext uri="{FF2B5EF4-FFF2-40B4-BE49-F238E27FC236}">
-                  <a16:creationId xmlns:a16="http://schemas.microsoft.com/office/drawing/2014/main" xmlns="" id="{93DDBF37-0764-47AA-94E3-9A44F3ED8FB5}"/>
+                  <a16:creationId xmlns="" xmlns:a16="http://schemas.microsoft.com/office/drawing/2014/main" id="{93DDBF37-0764-47AA-94E3-9A44F3ED8FB5}"/>
                 </a:ext>
               </a:extLst>
             </p:cNvPr>
@@ -4284,7 +4520,7 @@
             <p:cNvPr id="29" name="Straight Connector 2">
               <a:extLst>
                 <a:ext uri="{FF2B5EF4-FFF2-40B4-BE49-F238E27FC236}">
-                  <a16:creationId xmlns:a16="http://schemas.microsoft.com/office/drawing/2014/main" xmlns="" id="{72BFE2F3-0845-4E5B-9375-E9D4027DD675}"/>
+                  <a16:creationId xmlns="" xmlns:a16="http://schemas.microsoft.com/office/drawing/2014/main" id="{72BFE2F3-0845-4E5B-9375-E9D4027DD675}"/>
                 </a:ext>
               </a:extLst>
             </p:cNvPr>
@@ -4321,7 +4557,7 @@
             <p:cNvPr id="28" name="Straight Connector 1">
               <a:extLst>
                 <a:ext uri="{FF2B5EF4-FFF2-40B4-BE49-F238E27FC236}">
-                  <a16:creationId xmlns:a16="http://schemas.microsoft.com/office/drawing/2014/main" xmlns="" id="{D4E5982E-3110-47E1-A5BB-91B7BECC3093}"/>
+                  <a16:creationId xmlns="" xmlns:a16="http://schemas.microsoft.com/office/drawing/2014/main" id="{D4E5982E-3110-47E1-A5BB-91B7BECC3093}"/>
                 </a:ext>
               </a:extLst>
             </p:cNvPr>
@@ -4358,7 +4594,7 @@
             <p:cNvPr id="27" name="Straight Connector Horizontal">
               <a:extLst>
                 <a:ext uri="{FF2B5EF4-FFF2-40B4-BE49-F238E27FC236}">
-                  <a16:creationId xmlns:a16="http://schemas.microsoft.com/office/drawing/2014/main" xmlns="" id="{5F62FB7C-BD6E-4383-98C1-2CF30F34CAFD}"/>
+                  <a16:creationId xmlns="" xmlns:a16="http://schemas.microsoft.com/office/drawing/2014/main" id="{5F62FB7C-BD6E-4383-98C1-2CF30F34CAFD}"/>
                 </a:ext>
               </a:extLst>
             </p:cNvPr>
@@ -4397,7 +4633,7 @@
             <p:cNvPr id="34" name="Straight Connector 0">
               <a:extLst>
                 <a:ext uri="{FF2B5EF4-FFF2-40B4-BE49-F238E27FC236}">
-                  <a16:creationId xmlns:a16="http://schemas.microsoft.com/office/drawing/2014/main" xmlns="" id="{C84A0FE1-723D-4682-8682-77BAD950EE15}"/>
+                  <a16:creationId xmlns="" xmlns:a16="http://schemas.microsoft.com/office/drawing/2014/main" id="{C84A0FE1-723D-4682-8682-77BAD950EE15}"/>
                 </a:ext>
               </a:extLst>
             </p:cNvPr>
@@ -4434,7 +4670,7 @@
             <p:cNvPr id="18" name="Picture SoftUni Logo" descr="SoftUni logo">
               <a:extLst>
                 <a:ext uri="{FF2B5EF4-FFF2-40B4-BE49-F238E27FC236}">
-                  <a16:creationId xmlns:a16="http://schemas.microsoft.com/office/drawing/2014/main" xmlns="" id="{A0675455-B7FA-4569-A5FD-A3B0F20B2A26}"/>
+                  <a16:creationId xmlns="" xmlns:a16="http://schemas.microsoft.com/office/drawing/2014/main" id="{A0675455-B7FA-4569-A5FD-A3B0F20B2A26}"/>
                 </a:ext>
               </a:extLst>
             </p:cNvPr>
@@ -4447,7 +4683,7 @@
             <a:blip r:embed="rId10" cstate="print">
               <a:extLst>
                 <a:ext uri="{28A0092B-C50C-407E-A947-70E740481C1C}">
-                  <a14:useLocalDpi xmlns:a14="http://schemas.microsoft.com/office/drawing/2010/main" xmlns="" val="0"/>
+                  <a14:useLocalDpi xmlns="" xmlns:a14="http://schemas.microsoft.com/office/drawing/2010/main" val="0"/>
                 </a:ext>
               </a:extLst>
             </a:blip>
@@ -4471,7 +4707,7 @@
           <p:cNvPr id="19" name="Slide Title">
             <a:extLst>
               <a:ext uri="{FF2B5EF4-FFF2-40B4-BE49-F238E27FC236}">
-                <a16:creationId xmlns:a16="http://schemas.microsoft.com/office/drawing/2014/main" xmlns="" id="{7CFDBB16-985C-4CC7-B6DB-B81B36037922}"/>
+                <a16:creationId xmlns="" xmlns:a16="http://schemas.microsoft.com/office/drawing/2014/main" id="{7CFDBB16-985C-4CC7-B6DB-B81B36037922}"/>
               </a:ext>
             </a:extLst>
           </p:cNvPr>
@@ -4574,7 +4810,7 @@
           <p:cNvPr id="36" name="Logo Software University" descr="Software University logo">
             <a:extLst>
               <a:ext uri="{FF2B5EF4-FFF2-40B4-BE49-F238E27FC236}">
-                <a16:creationId xmlns:a16="http://schemas.microsoft.com/office/drawing/2014/main" xmlns="" id="{67FC4D2E-913D-432A-B658-F0D82839FA5E}"/>
+                <a16:creationId xmlns="" xmlns:a16="http://schemas.microsoft.com/office/drawing/2014/main" id="{67FC4D2E-913D-432A-B658-F0D82839FA5E}"/>
               </a:ext>
             </a:extLst>
           </p:cNvPr>
@@ -4597,7 +4833,7 @@
             </a:clrChange>
             <a:extLst>
               <a:ext uri="{28A0092B-C50C-407E-A947-70E740481C1C}">
-                <a14:useLocalDpi xmlns:a14="http://schemas.microsoft.com/office/drawing/2010/main" xmlns="" val="0"/>
+                <a14:useLocalDpi xmlns="" xmlns:a14="http://schemas.microsoft.com/office/drawing/2010/main" val="0"/>
               </a:ext>
             </a:extLst>
           </a:blip>
@@ -4618,7 +4854,7 @@
     </p:spTree>
     <p:extLst>
       <p:ext uri="{BB962C8B-B14F-4D97-AF65-F5344CB8AC3E}">
-        <p14:creationId xmlns:p14="http://schemas.microsoft.com/office/powerpoint/2010/main" xmlns="" val="4192061223"/>
+        <p14:creationId xmlns="" xmlns:p14="http://schemas.microsoft.com/office/powerpoint/2010/main" val="4192061223"/>
       </p:ext>
     </p:extLst>
   </p:cSld>
@@ -4626,7 +4862,7 @@
     <a:masterClrMapping/>
   </p:clrMapOvr>
   <mc:AlternateContent xmlns:mc="http://schemas.openxmlformats.org/markup-compatibility/2006">
-    <mc:Choice xmlns:p14="http://schemas.microsoft.com/office/powerpoint/2010/main" xmlns="" Requires="p14">
+    <mc:Choice xmlns="" xmlns:p14="http://schemas.microsoft.com/office/powerpoint/2010/main" Requires="p14">
       <p:transition spd="slow" p14:dur="2000" advClick="0" advTm="5000"/>
     </mc:Choice>
     <mc:Fallback>
@@ -4635,7 +4871,7 @@
   </mc:AlternateContent>
   <p:extLst>
     <p:ext uri="{DCECCB84-F9BA-43D5-87BE-67443E8EF086}">
-      <p15:sldGuideLst xmlns:p15="http://schemas.microsoft.com/office/powerpoint/2012/main" xmlns="">
+      <p15:sldGuideLst xmlns="" xmlns:p15="http://schemas.microsoft.com/office/powerpoint/2012/main">
         <p15:guide id="1" orient="horz" pos="2160">
           <p15:clr>
             <a:srgbClr val="FBAE40"/>
@@ -4674,7 +4910,7 @@
           <p:cNvPr id="13" name="Slide Number">
             <a:extLst>
               <a:ext uri="{FF2B5EF4-FFF2-40B4-BE49-F238E27FC236}">
-                <a16:creationId xmlns:a16="http://schemas.microsoft.com/office/drawing/2014/main" xmlns="" id="{5B8761D8-B42F-4A70-A0CE-682CEB2AE31B}"/>
+                <a16:creationId xmlns="" xmlns:a16="http://schemas.microsoft.com/office/drawing/2014/main" id="{5B8761D8-B42F-4A70-A0CE-682CEB2AE31B}"/>
               </a:ext>
             </a:extLst>
           </p:cNvPr>
@@ -4717,7 +4953,7 @@
             <a:hlinkClick r:id="rId2" tooltip="Software University Discussion Forum"/>
             <a:extLst>
               <a:ext uri="{FF2B5EF4-FFF2-40B4-BE49-F238E27FC236}">
-                <a16:creationId xmlns:a16="http://schemas.microsoft.com/office/drawing/2014/main" xmlns="" id="{98C579AD-FAF5-4B28-9B52-5457F1E90061}"/>
+                <a16:creationId xmlns="" xmlns:a16="http://schemas.microsoft.com/office/drawing/2014/main" id="{98C579AD-FAF5-4B28-9B52-5457F1E90061}"/>
               </a:ext>
             </a:extLst>
           </p:cNvPr>
@@ -4730,7 +4966,7 @@
           <a:blip r:embed="rId3" cstate="print">
             <a:extLst>
               <a:ext uri="{28A0092B-C50C-407E-A947-70E740481C1C}">
-                <a14:useLocalDpi xmlns:a14="http://schemas.microsoft.com/office/drawing/2010/main" xmlns=""/>
+                <a14:useLocalDpi xmlns="" xmlns:a14="http://schemas.microsoft.com/office/drawing/2010/main"/>
               </a:ext>
             </a:extLst>
           </a:blip>
@@ -4754,7 +4990,7 @@
             <a:hlinkClick r:id="rId4" tooltip="Software University @ Facebook"/>
             <a:extLst>
               <a:ext uri="{FF2B5EF4-FFF2-40B4-BE49-F238E27FC236}">
-                <a16:creationId xmlns:a16="http://schemas.microsoft.com/office/drawing/2014/main" xmlns="" id="{6B2C510E-5EF2-49F6-B926-2BD74CD3C7F8}"/>
+                <a16:creationId xmlns="" xmlns:a16="http://schemas.microsoft.com/office/drawing/2014/main" id="{6B2C510E-5EF2-49F6-B926-2BD74CD3C7F8}"/>
               </a:ext>
             </a:extLst>
           </p:cNvPr>
@@ -4767,7 +5003,7 @@
           <a:blip r:embed="rId5" cstate="print">
             <a:extLst>
               <a:ext uri="{28A0092B-C50C-407E-A947-70E740481C1C}">
-                <a14:useLocalDpi xmlns:a14="http://schemas.microsoft.com/office/drawing/2010/main" xmlns=""/>
+                <a14:useLocalDpi xmlns="" xmlns:a14="http://schemas.microsoft.com/office/drawing/2010/main"/>
               </a:ext>
             </a:extLst>
           </a:blip>
@@ -4785,7 +5021,7 @@
           <a:noFill/>
           <a:extLst>
             <a:ext uri="{909E8E84-426E-40DD-AFC4-6F175D3DCCD1}">
-              <a14:hiddenFill xmlns:a14="http://schemas.microsoft.com/office/drawing/2010/main" xmlns="">
+              <a14:hiddenFill xmlns="" xmlns:a14="http://schemas.microsoft.com/office/drawing/2010/main">
                 <a:solidFill>
                   <a:srgbClr val="FFFFFF"/>
                 </a:solidFill>
@@ -4800,7 +5036,7 @@
             <a:hlinkClick r:id="rId6"/>
             <a:extLst>
               <a:ext uri="{FF2B5EF4-FFF2-40B4-BE49-F238E27FC236}">
-                <a16:creationId xmlns:a16="http://schemas.microsoft.com/office/drawing/2014/main" xmlns="" id="{F4604840-E810-44B7-9FF1-3B28CD68B758}"/>
+                <a16:creationId xmlns="" xmlns:a16="http://schemas.microsoft.com/office/drawing/2014/main" id="{F4604840-E810-44B7-9FF1-3B28CD68B758}"/>
               </a:ext>
             </a:extLst>
           </p:cNvPr>
@@ -4813,7 +5049,7 @@
           <a:blip r:embed="rId7" cstate="print">
             <a:extLst>
               <a:ext uri="{28A0092B-C50C-407E-A947-70E740481C1C}">
-                <a14:useLocalDpi xmlns:a14="http://schemas.microsoft.com/office/drawing/2010/main" xmlns="" val="0"/>
+                <a14:useLocalDpi xmlns="" xmlns:a14="http://schemas.microsoft.com/office/drawing/2010/main" val="0"/>
               </a:ext>
             </a:extLst>
           </a:blip>
@@ -4837,7 +5073,7 @@
             <a:hlinkClick r:id="rId8"/>
             <a:extLst>
               <a:ext uri="{FF2B5EF4-FFF2-40B4-BE49-F238E27FC236}">
-                <a16:creationId xmlns:a16="http://schemas.microsoft.com/office/drawing/2014/main" xmlns="" id="{07C965FA-A87E-4824-AFA8-C67AF548A76A}"/>
+                <a16:creationId xmlns="" xmlns:a16="http://schemas.microsoft.com/office/drawing/2014/main" id="{07C965FA-A87E-4824-AFA8-C67AF548A76A}"/>
               </a:ext>
             </a:extLst>
           </p:cNvPr>
@@ -4850,7 +5086,7 @@
           <a:blip r:embed="rId9" cstate="print">
             <a:extLst>
               <a:ext uri="{28A0092B-C50C-407E-A947-70E740481C1C}">
-                <a14:useLocalDpi xmlns:a14="http://schemas.microsoft.com/office/drawing/2010/main" xmlns="" val="0"/>
+                <a14:useLocalDpi xmlns="" xmlns:a14="http://schemas.microsoft.com/office/drawing/2010/main" val="0"/>
               </a:ext>
             </a:extLst>
           </a:blip>
@@ -4872,7 +5108,7 @@
           <p:cNvPr id="12" name="Slide Body Text">
             <a:extLst>
               <a:ext uri="{FF2B5EF4-FFF2-40B4-BE49-F238E27FC236}">
-                <a16:creationId xmlns:a16="http://schemas.microsoft.com/office/drawing/2014/main" xmlns="" id="{0C1F9416-8B6E-46DE-973C-777785E27A26}"/>
+                <a16:creationId xmlns="" xmlns:a16="http://schemas.microsoft.com/office/drawing/2014/main" id="{0C1F9416-8B6E-46DE-973C-777785E27A26}"/>
               </a:ext>
             </a:extLst>
           </p:cNvPr>
@@ -4997,7 +5233,7 @@
           <p:cNvPr id="10" name="Rectangle Top">
             <a:extLst>
               <a:ext uri="{FF2B5EF4-FFF2-40B4-BE49-F238E27FC236}">
-                <a16:creationId xmlns:a16="http://schemas.microsoft.com/office/drawing/2014/main" xmlns="" id="{86646B95-5E3B-4DE8-9118-031C2C296D8C}"/>
+                <a16:creationId xmlns="" xmlns:a16="http://schemas.microsoft.com/office/drawing/2014/main" id="{86646B95-5E3B-4DE8-9118-031C2C296D8C}"/>
               </a:ext>
             </a:extLst>
           </p:cNvPr>
@@ -5078,7 +5314,7 @@
           <p:cNvPr id="11" name="Logo Software University" descr="Software University logo">
             <a:extLst>
               <a:ext uri="{FF2B5EF4-FFF2-40B4-BE49-F238E27FC236}">
-                <a16:creationId xmlns:a16="http://schemas.microsoft.com/office/drawing/2014/main" xmlns="" id="{58AB1944-B146-4E89-B2D9-426EB610F319}"/>
+                <a16:creationId xmlns="" xmlns:a16="http://schemas.microsoft.com/office/drawing/2014/main" id="{58AB1944-B146-4E89-B2D9-426EB610F319}"/>
               </a:ext>
             </a:extLst>
           </p:cNvPr>
@@ -5091,7 +5327,7 @@
           <a:blip r:embed="rId11" cstate="print">
             <a:extLst>
               <a:ext uri="{28A0092B-C50C-407E-A947-70E740481C1C}">
-                <a14:useLocalDpi xmlns:a14="http://schemas.microsoft.com/office/drawing/2010/main" xmlns="" val="0"/>
+                <a14:useLocalDpi xmlns="" xmlns:a14="http://schemas.microsoft.com/office/drawing/2010/main" val="0"/>
               </a:ext>
             </a:extLst>
           </a:blip>
@@ -5114,7 +5350,7 @@
           <p:cNvPr id="18" name="Slide Title">
             <a:extLst>
               <a:ext uri="{FF2B5EF4-FFF2-40B4-BE49-F238E27FC236}">
-                <a16:creationId xmlns:a16="http://schemas.microsoft.com/office/drawing/2014/main" xmlns="" id="{AE87ED9C-76E1-4D85-9B06-3AF44AABB668}"/>
+                <a16:creationId xmlns="" xmlns:a16="http://schemas.microsoft.com/office/drawing/2014/main" id="{AE87ED9C-76E1-4D85-9B06-3AF44AABB668}"/>
               </a:ext>
             </a:extLst>
           </p:cNvPr>
@@ -5153,7 +5389,7 @@
     </p:spTree>
     <p:extLst>
       <p:ext uri="{BB962C8B-B14F-4D97-AF65-F5344CB8AC3E}">
-        <p14:creationId xmlns:p14="http://schemas.microsoft.com/office/powerpoint/2010/main" xmlns="" val="2196466322"/>
+        <p14:creationId xmlns="" xmlns:p14="http://schemas.microsoft.com/office/powerpoint/2010/main" val="2196466322"/>
       </p:ext>
     </p:extLst>
   </p:cSld>
@@ -5161,7 +5397,7 @@
     <a:masterClrMapping/>
   </p:clrMapOvr>
   <mc:AlternateContent xmlns:mc="http://schemas.openxmlformats.org/markup-compatibility/2006">
-    <mc:Choice xmlns:p14="http://schemas.microsoft.com/office/powerpoint/2010/main" xmlns="" Requires="p14">
+    <mc:Choice xmlns="" xmlns:p14="http://schemas.microsoft.com/office/powerpoint/2010/main" Requires="p14">
       <p:transition spd="slow" p14:dur="2000" advClick="0" advTm="5000"/>
     </mc:Choice>
     <mc:Fallback>
@@ -5193,7 +5429,7 @@
           <p:cNvPr id="9" name="Oval Center Icon">
             <a:extLst>
               <a:ext uri="{FF2B5EF4-FFF2-40B4-BE49-F238E27FC236}">
-                <a16:creationId xmlns:a16="http://schemas.microsoft.com/office/drawing/2014/main" xmlns="" id="{13B9A8FE-2718-4F2C-98D4-CBF86AD69D58}"/>
+                <a16:creationId xmlns="" xmlns:a16="http://schemas.microsoft.com/office/drawing/2014/main" id="{13B9A8FE-2718-4F2C-98D4-CBF86AD69D58}"/>
               </a:ext>
             </a:extLst>
           </p:cNvPr>
@@ -5274,7 +5510,7 @@
           <p:cNvPr id="8" name="Slide Subtitle">
             <a:extLst>
               <a:ext uri="{FF2B5EF4-FFF2-40B4-BE49-F238E27FC236}">
-                <a16:creationId xmlns:a16="http://schemas.microsoft.com/office/drawing/2014/main" xmlns="" id="{588387B4-E99E-4145-9D1D-F17CA5190DFD}"/>
+                <a16:creationId xmlns="" xmlns:a16="http://schemas.microsoft.com/office/drawing/2014/main" id="{588387B4-E99E-4145-9D1D-F17CA5190DFD}"/>
               </a:ext>
             </a:extLst>
           </p:cNvPr>
@@ -5324,7 +5560,7 @@
           <p:cNvPr id="13" name="Slide Title">
             <a:extLst>
               <a:ext uri="{FF2B5EF4-FFF2-40B4-BE49-F238E27FC236}">
-                <a16:creationId xmlns:a16="http://schemas.microsoft.com/office/drawing/2014/main" xmlns="" id="{8A28C56F-AE84-49D0-9AD1-1F0CEEABF710}"/>
+                <a16:creationId xmlns="" xmlns:a16="http://schemas.microsoft.com/office/drawing/2014/main" id="{8A28C56F-AE84-49D0-9AD1-1F0CEEABF710}"/>
               </a:ext>
             </a:extLst>
           </p:cNvPr>
@@ -5369,7 +5605,7 @@
     </p:spTree>
     <p:extLst>
       <p:ext uri="{BB962C8B-B14F-4D97-AF65-F5344CB8AC3E}">
-        <p14:creationId xmlns:p14="http://schemas.microsoft.com/office/powerpoint/2010/main" xmlns="" val="475389923"/>
+        <p14:creationId xmlns="" xmlns:p14="http://schemas.microsoft.com/office/powerpoint/2010/main" val="475389923"/>
       </p:ext>
     </p:extLst>
   </p:cSld>
@@ -5377,7 +5613,7 @@
     <a:masterClrMapping/>
   </p:clrMapOvr>
   <mc:AlternateContent xmlns:mc="http://schemas.openxmlformats.org/markup-compatibility/2006">
-    <mc:Choice xmlns:p14="http://schemas.microsoft.com/office/powerpoint/2010/main" xmlns="" Requires="p14">
+    <mc:Choice xmlns="" xmlns:p14="http://schemas.microsoft.com/office/powerpoint/2010/main" Requires="p14">
       <p:transition spd="slow" p14:dur="2000" advClick="0" advTm="5000"/>
     </mc:Choice>
     <mc:Fallback>
@@ -5410,7 +5646,7 @@
           <p:cNvPr id="2" name="Title 1">
             <a:extLst>
               <a:ext uri="{FF2B5EF4-FFF2-40B4-BE49-F238E27FC236}">
-                <a16:creationId xmlns:a16="http://schemas.microsoft.com/office/drawing/2014/main" xmlns="" id="{5213C145-EA12-94EF-AA17-5F628EA0AD2D}"/>
+                <a16:creationId xmlns="" xmlns:a16="http://schemas.microsoft.com/office/drawing/2014/main" id="{5213C145-EA12-94EF-AA17-5F628EA0AD2D}"/>
               </a:ext>
             </a:extLst>
           </p:cNvPr>
@@ -5448,7 +5684,7 @@
           <p:cNvPr id="3" name="Subtitle 2">
             <a:extLst>
               <a:ext uri="{FF2B5EF4-FFF2-40B4-BE49-F238E27FC236}">
-                <a16:creationId xmlns:a16="http://schemas.microsoft.com/office/drawing/2014/main" xmlns="" id="{5F55E72E-5B45-B6EE-75AE-03B188AD9A08}"/>
+                <a16:creationId xmlns="" xmlns:a16="http://schemas.microsoft.com/office/drawing/2014/main" id="{5F55E72E-5B45-B6EE-75AE-03B188AD9A08}"/>
               </a:ext>
             </a:extLst>
           </p:cNvPr>
@@ -5519,7 +5755,7 @@
           <p:cNvPr id="4" name="Date Placeholder 3">
             <a:extLst>
               <a:ext uri="{FF2B5EF4-FFF2-40B4-BE49-F238E27FC236}">
-                <a16:creationId xmlns:a16="http://schemas.microsoft.com/office/drawing/2014/main" xmlns="" id="{30C6A8EA-0240-01AB-A7C2-BD1CD885E1C1}"/>
+                <a16:creationId xmlns="" xmlns:a16="http://schemas.microsoft.com/office/drawing/2014/main" id="{30C6A8EA-0240-01AB-A7C2-BD1CD885E1C1}"/>
               </a:ext>
             </a:extLst>
           </p:cNvPr>
@@ -5538,7 +5774,7 @@
             <a:fld id="{1CF2F75B-1C4E-1E47-AE31-5B79E79ADF4F}" type="datetimeFigureOut">
               <a:rPr lang="x-none" smtClean="0"/>
               <a:pPr/>
-              <a:t>5.9.2023 г.</a:t>
+              <a:t>6.9.2023 г.</a:t>
             </a:fld>
             <a:endParaRPr lang="x-none"/>
           </a:p>
@@ -5549,7 +5785,7 @@
           <p:cNvPr id="5" name="Footer Placeholder 4">
             <a:extLst>
               <a:ext uri="{FF2B5EF4-FFF2-40B4-BE49-F238E27FC236}">
-                <a16:creationId xmlns:a16="http://schemas.microsoft.com/office/drawing/2014/main" xmlns="" id="{F95CBF96-4249-1541-E44E-FBCECA233B3C}"/>
+                <a16:creationId xmlns="" xmlns:a16="http://schemas.microsoft.com/office/drawing/2014/main" id="{F95CBF96-4249-1541-E44E-FBCECA233B3C}"/>
               </a:ext>
             </a:extLst>
           </p:cNvPr>
@@ -5574,7 +5810,7 @@
           <p:cNvPr id="6" name="Slide Number Placeholder 5">
             <a:extLst>
               <a:ext uri="{FF2B5EF4-FFF2-40B4-BE49-F238E27FC236}">
-                <a16:creationId xmlns:a16="http://schemas.microsoft.com/office/drawing/2014/main" xmlns="" id="{7ACB54F2-814F-F79B-8CD7-FA3133365CBC}"/>
+                <a16:creationId xmlns="" xmlns:a16="http://schemas.microsoft.com/office/drawing/2014/main" id="{7ACB54F2-814F-F79B-8CD7-FA3133365CBC}"/>
               </a:ext>
             </a:extLst>
           </p:cNvPr>
@@ -5602,7 +5838,7 @@
     </p:spTree>
     <p:extLst>
       <p:ext uri="{BB962C8B-B14F-4D97-AF65-F5344CB8AC3E}">
-        <p14:creationId xmlns:p14="http://schemas.microsoft.com/office/powerpoint/2010/main" xmlns="" val="2773863354"/>
+        <p14:creationId xmlns="" xmlns:p14="http://schemas.microsoft.com/office/powerpoint/2010/main" val="2773863354"/>
       </p:ext>
     </p:extLst>
   </p:cSld>
@@ -5634,7 +5870,7 @@
           <p:cNvPr id="8" name="Rectangle Top">
             <a:extLst>
               <a:ext uri="{FF2B5EF4-FFF2-40B4-BE49-F238E27FC236}">
-                <a16:creationId xmlns:a16="http://schemas.microsoft.com/office/drawing/2014/main" xmlns="" id="{454BD9C2-93A6-4860-A758-846ED0E1C8FA}"/>
+                <a16:creationId xmlns="" xmlns:a16="http://schemas.microsoft.com/office/drawing/2014/main" id="{454BD9C2-93A6-4860-A758-846ED0E1C8FA}"/>
               </a:ext>
             </a:extLst>
           </p:cNvPr>
@@ -5715,7 +5951,7 @@
           <p:cNvPr id="7" name="Slide Number">
             <a:extLst>
               <a:ext uri="{FF2B5EF4-FFF2-40B4-BE49-F238E27FC236}">
-                <a16:creationId xmlns:a16="http://schemas.microsoft.com/office/drawing/2014/main" xmlns="" id="{C1780DB1-0AF0-4108-AFE1-9DA99F0DBCB8}"/>
+                <a16:creationId xmlns="" xmlns:a16="http://schemas.microsoft.com/office/drawing/2014/main" id="{C1780DB1-0AF0-4108-AFE1-9DA99F0DBCB8}"/>
               </a:ext>
             </a:extLst>
           </p:cNvPr>
@@ -5757,7 +5993,7 @@
           <p:cNvPr id="3" name="Slide Body Text">
             <a:extLst>
               <a:ext uri="{FF2B5EF4-FFF2-40B4-BE49-F238E27FC236}">
-                <a16:creationId xmlns:a16="http://schemas.microsoft.com/office/drawing/2014/main" xmlns="" id="{5A9D2960-6D42-439F-82E8-812822013A10}"/>
+                <a16:creationId xmlns="" xmlns:a16="http://schemas.microsoft.com/office/drawing/2014/main" id="{5A9D2960-6D42-439F-82E8-812822013A10}"/>
               </a:ext>
             </a:extLst>
           </p:cNvPr>
@@ -5835,7 +6071,7 @@
           <p:cNvPr id="13" name="Rectangle Top">
             <a:extLst>
               <a:ext uri="{FF2B5EF4-FFF2-40B4-BE49-F238E27FC236}">
-                <a16:creationId xmlns:a16="http://schemas.microsoft.com/office/drawing/2014/main" xmlns="" id="{391AFA4E-7870-4561-A1B8-AC956B0C8931}"/>
+                <a16:creationId xmlns="" xmlns:a16="http://schemas.microsoft.com/office/drawing/2014/main" id="{391AFA4E-7870-4561-A1B8-AC956B0C8931}"/>
               </a:ext>
             </a:extLst>
           </p:cNvPr>
@@ -5916,7 +6152,7 @@
           <p:cNvPr id="12" name="Logo Software University" descr="Software University logo">
             <a:extLst>
               <a:ext uri="{FF2B5EF4-FFF2-40B4-BE49-F238E27FC236}">
-                <a16:creationId xmlns:a16="http://schemas.microsoft.com/office/drawing/2014/main" xmlns="" id="{B1D3B425-B9BF-43ED-9DEC-C05002FBA22F}"/>
+                <a16:creationId xmlns="" xmlns:a16="http://schemas.microsoft.com/office/drawing/2014/main" id="{B1D3B425-B9BF-43ED-9DEC-C05002FBA22F}"/>
               </a:ext>
             </a:extLst>
           </p:cNvPr>
@@ -5929,7 +6165,7 @@
           <a:blip r:embed="rId2" cstate="print">
             <a:extLst>
               <a:ext uri="{28A0092B-C50C-407E-A947-70E740481C1C}">
-                <a14:useLocalDpi xmlns:a14="http://schemas.microsoft.com/office/drawing/2010/main" xmlns="" val="0"/>
+                <a14:useLocalDpi xmlns="" xmlns:a14="http://schemas.microsoft.com/office/drawing/2010/main" val="0"/>
               </a:ext>
             </a:extLst>
           </a:blip>
@@ -5952,7 +6188,7 @@
           <p:cNvPr id="6" name="Slide Title">
             <a:extLst>
               <a:ext uri="{FF2B5EF4-FFF2-40B4-BE49-F238E27FC236}">
-                <a16:creationId xmlns:a16="http://schemas.microsoft.com/office/drawing/2014/main" xmlns="" id="{19B5B676-7892-440F-8191-7109B2C59885}"/>
+                <a16:creationId xmlns="" xmlns:a16="http://schemas.microsoft.com/office/drawing/2014/main" id="{19B5B676-7892-440F-8191-7109B2C59885}"/>
               </a:ext>
             </a:extLst>
           </p:cNvPr>
@@ -5991,7 +6227,7 @@
     </p:spTree>
     <p:extLst>
       <p:ext uri="{BB962C8B-B14F-4D97-AF65-F5344CB8AC3E}">
-        <p14:creationId xmlns:p14="http://schemas.microsoft.com/office/powerpoint/2010/main" xmlns="" val="2685365194"/>
+        <p14:creationId xmlns="" xmlns:p14="http://schemas.microsoft.com/office/powerpoint/2010/main" val="2685365194"/>
       </p:ext>
     </p:extLst>
   </p:cSld>
@@ -5999,7 +6235,7 @@
     <a:masterClrMapping/>
   </p:clrMapOvr>
   <mc:AlternateContent xmlns:mc="http://schemas.openxmlformats.org/markup-compatibility/2006">
-    <mc:Choice xmlns:p14="http://schemas.microsoft.com/office/powerpoint/2010/main" xmlns="" Requires="p14">
+    <mc:Choice xmlns="" xmlns:p14="http://schemas.microsoft.com/office/powerpoint/2010/main" Requires="p14">
       <p:transition spd="slow" p14:dur="2000" advClick="0" advTm="5000"/>
     </mc:Choice>
     <mc:Fallback>
@@ -7049,7 +7285,7 @@
             <a:fld id="{1D8BD707-D9CF-40AE-B4C6-C98DA3205C09}" type="datetimeFigureOut">
               <a:rPr lang="en-US"/>
               <a:pPr/>
-              <a:t>9/5/2023</a:t>
+              <a:t>9/6/2023</a:t>
             </a:fld>
             <a:endParaRPr lang="en-US" dirty="0"/>
           </a:p>
@@ -7109,7 +7345,7 @@
     </p:spTree>
     <p:extLst>
       <p:ext uri="{BB962C8B-B14F-4D97-AF65-F5344CB8AC3E}">
-        <p14:creationId xmlns:p14="http://schemas.microsoft.com/office/powerpoint/2010/main" xmlns="" val="2531485629"/>
+        <p14:creationId xmlns="" xmlns:p14="http://schemas.microsoft.com/office/powerpoint/2010/main" val="2531485629"/>
       </p:ext>
     </p:extLst>
   </p:cSld>
@@ -7305,7 +7541,7 @@
     </p:spTree>
     <p:extLst>
       <p:ext uri="{BB962C8B-B14F-4D97-AF65-F5344CB8AC3E}">
-        <p14:creationId xmlns:p14="http://schemas.microsoft.com/office/powerpoint/2010/main" xmlns="" val="3529216409"/>
+        <p14:creationId xmlns="" xmlns:p14="http://schemas.microsoft.com/office/powerpoint/2010/main" val="3529216409"/>
       </p:ext>
     </p:extLst>
   </p:cSld>
@@ -7313,7 +7549,7 @@
     <a:masterClrMapping/>
   </p:clrMapOvr>
   <mc:AlternateContent xmlns:mc="http://schemas.openxmlformats.org/markup-compatibility/2006">
-    <mc:Choice xmlns:p14="http://schemas.microsoft.com/office/powerpoint/2010/main" xmlns="" Requires="p14">
+    <mc:Choice xmlns="" xmlns:p14="http://schemas.microsoft.com/office/powerpoint/2010/main" Requires="p14">
       <p:transition spd="slow" p14:dur="2000" advClick="0" advTm="5000"/>
     </mc:Choice>
     <mc:Fallback>
@@ -7345,7 +7581,7 @@
           <p:cNvPr id="7" name="Slide Number">
             <a:extLst>
               <a:ext uri="{FF2B5EF4-FFF2-40B4-BE49-F238E27FC236}">
-                <a16:creationId xmlns:a16="http://schemas.microsoft.com/office/drawing/2014/main" xmlns="" id="{C1780DB1-0AF0-4108-AFE1-9DA99F0DBCB8}"/>
+                <a16:creationId xmlns="" xmlns:a16="http://schemas.microsoft.com/office/drawing/2014/main" id="{C1780DB1-0AF0-4108-AFE1-9DA99F0DBCB8}"/>
               </a:ext>
             </a:extLst>
           </p:cNvPr>
@@ -7387,7 +7623,7 @@
           <p:cNvPr id="3" name="Slide Body Text">
             <a:extLst>
               <a:ext uri="{FF2B5EF4-FFF2-40B4-BE49-F238E27FC236}">
-                <a16:creationId xmlns:a16="http://schemas.microsoft.com/office/drawing/2014/main" xmlns="" id="{5A9D2960-6D42-439F-82E8-812822013A10}"/>
+                <a16:creationId xmlns="" xmlns:a16="http://schemas.microsoft.com/office/drawing/2014/main" id="{5A9D2960-6D42-439F-82E8-812822013A10}"/>
               </a:ext>
             </a:extLst>
           </p:cNvPr>
@@ -7465,7 +7701,7 @@
           <p:cNvPr id="13" name="Rectangle Top">
             <a:extLst>
               <a:ext uri="{FF2B5EF4-FFF2-40B4-BE49-F238E27FC236}">
-                <a16:creationId xmlns:a16="http://schemas.microsoft.com/office/drawing/2014/main" xmlns="" id="{391AFA4E-7870-4561-A1B8-AC956B0C8931}"/>
+                <a16:creationId xmlns="" xmlns:a16="http://schemas.microsoft.com/office/drawing/2014/main" id="{391AFA4E-7870-4561-A1B8-AC956B0C8931}"/>
               </a:ext>
             </a:extLst>
           </p:cNvPr>
@@ -7546,7 +7782,7 @@
           <p:cNvPr id="12" name="Logo Software University" descr="Software University logo">
             <a:extLst>
               <a:ext uri="{FF2B5EF4-FFF2-40B4-BE49-F238E27FC236}">
-                <a16:creationId xmlns:a16="http://schemas.microsoft.com/office/drawing/2014/main" xmlns="" id="{B1D3B425-B9BF-43ED-9DEC-C05002FBA22F}"/>
+                <a16:creationId xmlns="" xmlns:a16="http://schemas.microsoft.com/office/drawing/2014/main" id="{B1D3B425-B9BF-43ED-9DEC-C05002FBA22F}"/>
               </a:ext>
             </a:extLst>
           </p:cNvPr>
@@ -7559,7 +7795,7 @@
           <a:blip r:embed="rId2" cstate="print">
             <a:extLst>
               <a:ext uri="{28A0092B-C50C-407E-A947-70E740481C1C}">
-                <a14:useLocalDpi xmlns:a14="http://schemas.microsoft.com/office/drawing/2010/main" xmlns="" val="0"/>
+                <a14:useLocalDpi xmlns="" xmlns:a14="http://schemas.microsoft.com/office/drawing/2010/main" val="0"/>
               </a:ext>
             </a:extLst>
           </a:blip>
@@ -7582,7 +7818,7 @@
           <p:cNvPr id="6" name="Slide Title">
             <a:extLst>
               <a:ext uri="{FF2B5EF4-FFF2-40B4-BE49-F238E27FC236}">
-                <a16:creationId xmlns:a16="http://schemas.microsoft.com/office/drawing/2014/main" xmlns="" id="{19B5B676-7892-440F-8191-7109B2C59885}"/>
+                <a16:creationId xmlns="" xmlns:a16="http://schemas.microsoft.com/office/drawing/2014/main" id="{19B5B676-7892-440F-8191-7109B2C59885}"/>
               </a:ext>
             </a:extLst>
           </p:cNvPr>
@@ -7621,7 +7857,7 @@
     </p:spTree>
     <p:extLst>
       <p:ext uri="{BB962C8B-B14F-4D97-AF65-F5344CB8AC3E}">
-        <p14:creationId xmlns:p14="http://schemas.microsoft.com/office/powerpoint/2010/main" xmlns="" val="1102970716"/>
+        <p14:creationId xmlns="" xmlns:p14="http://schemas.microsoft.com/office/powerpoint/2010/main" val="1102970716"/>
       </p:ext>
     </p:extLst>
   </p:cSld>
@@ -7629,7 +7865,7 @@
     <a:masterClrMapping/>
   </p:clrMapOvr>
   <mc:AlternateContent xmlns:mc="http://schemas.openxmlformats.org/markup-compatibility/2006">
-    <mc:Choice xmlns:p14="http://schemas.microsoft.com/office/powerpoint/2010/main" xmlns="" Requires="p14">
+    <mc:Choice xmlns="" xmlns:p14="http://schemas.microsoft.com/office/powerpoint/2010/main" Requires="p14">
       <p:transition spd="slow" p14:dur="2000" advClick="0" advTm="5000"/>
     </mc:Choice>
     <mc:Fallback>
@@ -7661,7 +7897,7 @@
           <p:cNvPr id="9" name="Slide Number">
             <a:extLst>
               <a:ext uri="{FF2B5EF4-FFF2-40B4-BE49-F238E27FC236}">
-                <a16:creationId xmlns:a16="http://schemas.microsoft.com/office/drawing/2014/main" xmlns="" id="{0020EB61-2079-41A3-B356-B1D8D48D786E}"/>
+                <a16:creationId xmlns="" xmlns:a16="http://schemas.microsoft.com/office/drawing/2014/main" id="{0020EB61-2079-41A3-B356-B1D8D48D786E}"/>
               </a:ext>
             </a:extLst>
           </p:cNvPr>
@@ -7778,7 +8014,7 @@
           <p:cNvPr id="7" name="Slide Body Text">
             <a:extLst>
               <a:ext uri="{FF2B5EF4-FFF2-40B4-BE49-F238E27FC236}">
-                <a16:creationId xmlns:a16="http://schemas.microsoft.com/office/drawing/2014/main" xmlns="" id="{CB4CB13C-66A1-466B-A6C1-B0BABF5CFEC1}"/>
+                <a16:creationId xmlns="" xmlns:a16="http://schemas.microsoft.com/office/drawing/2014/main" id="{CB4CB13C-66A1-466B-A6C1-B0BABF5CFEC1}"/>
               </a:ext>
             </a:extLst>
           </p:cNvPr>
@@ -7876,7 +8112,7 @@
           <p:cNvPr id="3" name="Logo Software University" descr="Software University logo">
             <a:extLst>
               <a:ext uri="{FF2B5EF4-FFF2-40B4-BE49-F238E27FC236}">
-                <a16:creationId xmlns:a16="http://schemas.microsoft.com/office/drawing/2014/main" xmlns="" id="{5573C101-930B-47AC-967A-A64513DFFDEE}"/>
+                <a16:creationId xmlns="" xmlns:a16="http://schemas.microsoft.com/office/drawing/2014/main" id="{5573C101-930B-47AC-967A-A64513DFFDEE}"/>
               </a:ext>
             </a:extLst>
           </p:cNvPr>
@@ -7899,7 +8135,7 @@
             </a:clrChange>
             <a:extLst>
               <a:ext uri="{28A0092B-C50C-407E-A947-70E740481C1C}">
-                <a14:useLocalDpi xmlns:a14="http://schemas.microsoft.com/office/drawing/2010/main" xmlns="" val="0"/>
+                <a14:useLocalDpi xmlns="" xmlns:a14="http://schemas.microsoft.com/office/drawing/2010/main" val="0"/>
               </a:ext>
             </a:extLst>
           </a:blip>
@@ -7922,7 +8158,7 @@
           <p:cNvPr id="8" name="Slide Title">
             <a:extLst>
               <a:ext uri="{FF2B5EF4-FFF2-40B4-BE49-F238E27FC236}">
-                <a16:creationId xmlns:a16="http://schemas.microsoft.com/office/drawing/2014/main" xmlns="" id="{E2DA9691-CDF5-499C-94BB-AAA61DAC1BFB}"/>
+                <a16:creationId xmlns="" xmlns:a16="http://schemas.microsoft.com/office/drawing/2014/main" id="{E2DA9691-CDF5-499C-94BB-AAA61DAC1BFB}"/>
               </a:ext>
             </a:extLst>
           </p:cNvPr>
@@ -7959,7 +8195,7 @@
           <p:cNvPr id="10" name="Group 9">
             <a:extLst>
               <a:ext uri="{FF2B5EF4-FFF2-40B4-BE49-F238E27FC236}">
-                <a16:creationId xmlns:a16="http://schemas.microsoft.com/office/drawing/2014/main" xmlns="" id="{43CDBCC2-1C96-44BC-B992-7B0C49C34904}"/>
+                <a16:creationId xmlns="" xmlns:a16="http://schemas.microsoft.com/office/drawing/2014/main" id="{43CDBCC2-1C96-44BC-B992-7B0C49C34904}"/>
               </a:ext>
             </a:extLst>
           </p:cNvPr>
@@ -7979,7 +8215,7 @@
             <p:cNvPr id="11" name="Group 10">
               <a:extLst>
                 <a:ext uri="{FF2B5EF4-FFF2-40B4-BE49-F238E27FC236}">
-                  <a16:creationId xmlns:a16="http://schemas.microsoft.com/office/drawing/2014/main" xmlns="" id="{7D71B3A8-4D39-42CF-9255-81EA3A622DD6}"/>
+                  <a16:creationId xmlns="" xmlns:a16="http://schemas.microsoft.com/office/drawing/2014/main" id="{7D71B3A8-4D39-42CF-9255-81EA3A622DD6}"/>
                 </a:ext>
               </a:extLst>
             </p:cNvPr>
@@ -7999,7 +8235,7 @@
               <p:cNvPr id="25" name="Oval 24">
                 <a:extLst>
                   <a:ext uri="{FF2B5EF4-FFF2-40B4-BE49-F238E27FC236}">
-                    <a16:creationId xmlns:a16="http://schemas.microsoft.com/office/drawing/2014/main" xmlns="" id="{B98059F9-1874-426D-8AF7-A12C21F37DD9}"/>
+                    <a16:creationId xmlns="" xmlns:a16="http://schemas.microsoft.com/office/drawing/2014/main" id="{B98059F9-1874-426D-8AF7-A12C21F37DD9}"/>
                   </a:ext>
                 </a:extLst>
               </p:cNvPr>
@@ -8051,7 +8287,7 @@
               <p:cNvPr id="26" name="Rectangle 5">
                 <a:extLst>
                   <a:ext uri="{FF2B5EF4-FFF2-40B4-BE49-F238E27FC236}">
-                    <a16:creationId xmlns:a16="http://schemas.microsoft.com/office/drawing/2014/main" xmlns="" id="{A3A1E077-DBDF-48F0-A924-604984B940A2}"/>
+                    <a16:creationId xmlns="" xmlns:a16="http://schemas.microsoft.com/office/drawing/2014/main" id="{A3A1E077-DBDF-48F0-A924-604984B940A2}"/>
                   </a:ext>
                 </a:extLst>
               </p:cNvPr>
@@ -8196,7 +8432,7 @@
               <p:cNvPr id="27" name="Rectangle 5">
                 <a:extLst>
                   <a:ext uri="{FF2B5EF4-FFF2-40B4-BE49-F238E27FC236}">
-                    <a16:creationId xmlns:a16="http://schemas.microsoft.com/office/drawing/2014/main" xmlns="" id="{798B1F51-1FA4-4199-81C7-62356C936CC9}"/>
+                    <a16:creationId xmlns="" xmlns:a16="http://schemas.microsoft.com/office/drawing/2014/main" id="{798B1F51-1FA4-4199-81C7-62356C936CC9}"/>
                   </a:ext>
                 </a:extLst>
               </p:cNvPr>
@@ -8341,7 +8577,7 @@
               <p:cNvPr id="28" name="Arc 27">
                 <a:extLst>
                   <a:ext uri="{FF2B5EF4-FFF2-40B4-BE49-F238E27FC236}">
-                    <a16:creationId xmlns:a16="http://schemas.microsoft.com/office/drawing/2014/main" xmlns="" id="{40A224C8-1233-40F7-96AB-BFF79AF6CDCB}"/>
+                    <a16:creationId xmlns="" xmlns:a16="http://schemas.microsoft.com/office/drawing/2014/main" id="{40A224C8-1233-40F7-96AB-BFF79AF6CDCB}"/>
                   </a:ext>
                 </a:extLst>
               </p:cNvPr>
@@ -8400,7 +8636,7 @@
               <p:cNvPr id="29" name="Arc 28">
                 <a:extLst>
                   <a:ext uri="{FF2B5EF4-FFF2-40B4-BE49-F238E27FC236}">
-                    <a16:creationId xmlns:a16="http://schemas.microsoft.com/office/drawing/2014/main" xmlns="" id="{B57C7CCC-E218-4321-8C7B-3F0C5753C7A1}"/>
+                    <a16:creationId xmlns="" xmlns:a16="http://schemas.microsoft.com/office/drawing/2014/main" id="{B57C7CCC-E218-4321-8C7B-3F0C5753C7A1}"/>
                   </a:ext>
                 </a:extLst>
               </p:cNvPr>
@@ -8460,7 +8696,7 @@
             <p:cNvPr id="13" name="Rectangle: Rounded Corners 12">
               <a:extLst>
                 <a:ext uri="{FF2B5EF4-FFF2-40B4-BE49-F238E27FC236}">
-                  <a16:creationId xmlns:a16="http://schemas.microsoft.com/office/drawing/2014/main" xmlns="" id="{6AF309CA-A56C-4ABC-B293-420F4EB1A9B4}"/>
+                  <a16:creationId xmlns="" xmlns:a16="http://schemas.microsoft.com/office/drawing/2014/main" id="{6AF309CA-A56C-4ABC-B293-420F4EB1A9B4}"/>
                 </a:ext>
               </a:extLst>
             </p:cNvPr>
@@ -8514,7 +8750,7 @@
             <p:cNvPr id="14" name="Rectangle: Rounded Corners 13">
               <a:extLst>
                 <a:ext uri="{FF2B5EF4-FFF2-40B4-BE49-F238E27FC236}">
-                  <a16:creationId xmlns:a16="http://schemas.microsoft.com/office/drawing/2014/main" xmlns="" id="{07955808-2AC7-44EB-8B6D-82B974E53A3C}"/>
+                  <a16:creationId xmlns="" xmlns:a16="http://schemas.microsoft.com/office/drawing/2014/main" id="{07955808-2AC7-44EB-8B6D-82B974E53A3C}"/>
                 </a:ext>
               </a:extLst>
             </p:cNvPr>
@@ -8575,7 +8811,7 @@
             <p:cNvPr id="15" name="Straight Connector 14">
               <a:extLst>
                 <a:ext uri="{FF2B5EF4-FFF2-40B4-BE49-F238E27FC236}">
-                  <a16:creationId xmlns:a16="http://schemas.microsoft.com/office/drawing/2014/main" xmlns="" id="{AC6420D7-AEAB-45EF-8D46-11EB06E4AFEA}"/>
+                  <a16:creationId xmlns="" xmlns:a16="http://schemas.microsoft.com/office/drawing/2014/main" id="{AC6420D7-AEAB-45EF-8D46-11EB06E4AFEA}"/>
                 </a:ext>
               </a:extLst>
             </p:cNvPr>
@@ -8621,7 +8857,7 @@
             <p:cNvPr id="16" name="Straight Connector 15">
               <a:extLst>
                 <a:ext uri="{FF2B5EF4-FFF2-40B4-BE49-F238E27FC236}">
-                  <a16:creationId xmlns:a16="http://schemas.microsoft.com/office/drawing/2014/main" xmlns="" id="{76C7FABC-6773-44F6-990B-3EB082BE9B35}"/>
+                  <a16:creationId xmlns="" xmlns:a16="http://schemas.microsoft.com/office/drawing/2014/main" id="{76C7FABC-6773-44F6-990B-3EB082BE9B35}"/>
                 </a:ext>
               </a:extLst>
             </p:cNvPr>
@@ -8667,7 +8903,7 @@
             <p:cNvPr id="17" name="Group 16">
               <a:extLst>
                 <a:ext uri="{FF2B5EF4-FFF2-40B4-BE49-F238E27FC236}">
-                  <a16:creationId xmlns:a16="http://schemas.microsoft.com/office/drawing/2014/main" xmlns="" id="{1FAD48E1-DC45-4B3D-9CE5-613250708496}"/>
+                  <a16:creationId xmlns="" xmlns:a16="http://schemas.microsoft.com/office/drawing/2014/main" id="{1FAD48E1-DC45-4B3D-9CE5-613250708496}"/>
                 </a:ext>
               </a:extLst>
             </p:cNvPr>
@@ -8690,7 +8926,7 @@
               <p:cNvPr id="23" name="Straight Connector 22">
                 <a:extLst>
                   <a:ext uri="{FF2B5EF4-FFF2-40B4-BE49-F238E27FC236}">
-                    <a16:creationId xmlns:a16="http://schemas.microsoft.com/office/drawing/2014/main" xmlns="" id="{B01FD1D1-046F-457B-AB63-2702CE3E906E}"/>
+                    <a16:creationId xmlns="" xmlns:a16="http://schemas.microsoft.com/office/drawing/2014/main" id="{B01FD1D1-046F-457B-AB63-2702CE3E906E}"/>
                   </a:ext>
                 </a:extLst>
               </p:cNvPr>
@@ -8734,7 +8970,7 @@
               <p:cNvPr id="24" name="Straight Connector 23">
                 <a:extLst>
                   <a:ext uri="{FF2B5EF4-FFF2-40B4-BE49-F238E27FC236}">
-                    <a16:creationId xmlns:a16="http://schemas.microsoft.com/office/drawing/2014/main" xmlns="" id="{895660C3-C72C-43EE-9C4A-170F85E5BE08}"/>
+                    <a16:creationId xmlns="" xmlns:a16="http://schemas.microsoft.com/office/drawing/2014/main" id="{895660C3-C72C-43EE-9C4A-170F85E5BE08}"/>
                   </a:ext>
                 </a:extLst>
               </p:cNvPr>
@@ -8779,7 +9015,7 @@
             <p:cNvPr id="19" name="Straight Connector 18">
               <a:extLst>
                 <a:ext uri="{FF2B5EF4-FFF2-40B4-BE49-F238E27FC236}">
-                  <a16:creationId xmlns:a16="http://schemas.microsoft.com/office/drawing/2014/main" xmlns="" id="{A74EE503-8FC0-42A6-8860-CA4EE42272E4}"/>
+                  <a16:creationId xmlns="" xmlns:a16="http://schemas.microsoft.com/office/drawing/2014/main" id="{A74EE503-8FC0-42A6-8860-CA4EE42272E4}"/>
                 </a:ext>
               </a:extLst>
             </p:cNvPr>
@@ -8825,7 +9061,7 @@
             <p:cNvPr id="12" name="Rectangle: Rounded Corners 11">
               <a:extLst>
                 <a:ext uri="{FF2B5EF4-FFF2-40B4-BE49-F238E27FC236}">
-                  <a16:creationId xmlns:a16="http://schemas.microsoft.com/office/drawing/2014/main" xmlns="" id="{F4189FDA-9FE8-490B-8A70-2E941811021F}"/>
+                  <a16:creationId xmlns="" xmlns:a16="http://schemas.microsoft.com/office/drawing/2014/main" id="{F4189FDA-9FE8-490B-8A70-2E941811021F}"/>
                 </a:ext>
               </a:extLst>
             </p:cNvPr>
@@ -8879,7 +9115,7 @@
             <p:cNvPr id="18" name="Group 17">
               <a:extLst>
                 <a:ext uri="{FF2B5EF4-FFF2-40B4-BE49-F238E27FC236}">
-                  <a16:creationId xmlns:a16="http://schemas.microsoft.com/office/drawing/2014/main" xmlns="" id="{FDA3EFCD-0DF8-419D-8533-D781521E597E}"/>
+                  <a16:creationId xmlns="" xmlns:a16="http://schemas.microsoft.com/office/drawing/2014/main" id="{FDA3EFCD-0DF8-419D-8533-D781521E597E}"/>
                 </a:ext>
               </a:extLst>
             </p:cNvPr>
@@ -8902,7 +9138,7 @@
               <p:cNvPr id="21" name="Straight Connector 20">
                 <a:extLst>
                   <a:ext uri="{FF2B5EF4-FFF2-40B4-BE49-F238E27FC236}">
-                    <a16:creationId xmlns:a16="http://schemas.microsoft.com/office/drawing/2014/main" xmlns="" id="{C3CC6A5A-182E-4A09-9C04-EB191881D789}"/>
+                    <a16:creationId xmlns="" xmlns:a16="http://schemas.microsoft.com/office/drawing/2014/main" id="{C3CC6A5A-182E-4A09-9C04-EB191881D789}"/>
                   </a:ext>
                 </a:extLst>
               </p:cNvPr>
@@ -8946,7 +9182,7 @@
               <p:cNvPr id="22" name="Straight Connector 21">
                 <a:extLst>
                   <a:ext uri="{FF2B5EF4-FFF2-40B4-BE49-F238E27FC236}">
-                    <a16:creationId xmlns:a16="http://schemas.microsoft.com/office/drawing/2014/main" xmlns="" id="{440C8953-0555-48CC-8255-78F17E053EE7}"/>
+                    <a16:creationId xmlns="" xmlns:a16="http://schemas.microsoft.com/office/drawing/2014/main" id="{440C8953-0555-48CC-8255-78F17E053EE7}"/>
                   </a:ext>
                 </a:extLst>
               </p:cNvPr>
@@ -8992,7 +9228,7 @@
           <p:cNvPr id="34" name="Straight Connector 33">
             <a:extLst>
               <a:ext uri="{FF2B5EF4-FFF2-40B4-BE49-F238E27FC236}">
-                <a16:creationId xmlns:a16="http://schemas.microsoft.com/office/drawing/2014/main" xmlns="" id="{29B538CA-8CCB-43FB-B5E5-5FC04EBC1F54}"/>
+                <a16:creationId xmlns="" xmlns:a16="http://schemas.microsoft.com/office/drawing/2014/main" id="{29B538CA-8CCB-43FB-B5E5-5FC04EBC1F54}"/>
               </a:ext>
             </a:extLst>
           </p:cNvPr>
@@ -9037,7 +9273,7 @@
     </p:spTree>
     <p:extLst>
       <p:ext uri="{BB962C8B-B14F-4D97-AF65-F5344CB8AC3E}">
-        <p14:creationId xmlns:p14="http://schemas.microsoft.com/office/powerpoint/2010/main" xmlns="" val="743545348"/>
+        <p14:creationId xmlns="" xmlns:p14="http://schemas.microsoft.com/office/powerpoint/2010/main" val="743545348"/>
       </p:ext>
     </p:extLst>
   </p:cSld>
@@ -9045,7 +9281,7 @@
     <a:masterClrMapping/>
   </p:clrMapOvr>
   <mc:AlternateContent xmlns:mc="http://schemas.openxmlformats.org/markup-compatibility/2006">
-    <mc:Choice xmlns:p14="http://schemas.microsoft.com/office/powerpoint/2010/main" xmlns="" Requires="p14">
+    <mc:Choice xmlns="" xmlns:p14="http://schemas.microsoft.com/office/powerpoint/2010/main" Requires="p14">
       <p:transition spd="slow" p14:dur="2000" advClick="0" advTm="5000"/>
     </mc:Choice>
     <mc:Fallback>
@@ -9077,7 +9313,7 @@
           <p:cNvPr id="9" name="Slide Number">
             <a:extLst>
               <a:ext uri="{FF2B5EF4-FFF2-40B4-BE49-F238E27FC236}">
-                <a16:creationId xmlns:a16="http://schemas.microsoft.com/office/drawing/2014/main" xmlns="" id="{1865BF6B-7F07-4E9C-879F-80E36EEB3405}"/>
+                <a16:creationId xmlns="" xmlns:a16="http://schemas.microsoft.com/office/drawing/2014/main" id="{1865BF6B-7F07-4E9C-879F-80E36EEB3405}"/>
               </a:ext>
             </a:extLst>
           </p:cNvPr>
@@ -9119,7 +9355,7 @@
           <p:cNvPr id="12" name="Rectangle Left">
             <a:extLst>
               <a:ext uri="{FF2B5EF4-FFF2-40B4-BE49-F238E27FC236}">
-                <a16:creationId xmlns:a16="http://schemas.microsoft.com/office/drawing/2014/main" xmlns="" id="{345FB1C8-7F66-4D5C-ACCE-AE919936BCFD}"/>
+                <a16:creationId xmlns="" xmlns:a16="http://schemas.microsoft.com/office/drawing/2014/main" id="{345FB1C8-7F66-4D5C-ACCE-AE919936BCFD}"/>
               </a:ext>
             </a:extLst>
           </p:cNvPr>
@@ -9200,7 +9436,7 @@
           <p:cNvPr id="15" name="Slide Body Text">
             <a:extLst>
               <a:ext uri="{FF2B5EF4-FFF2-40B4-BE49-F238E27FC236}">
-                <a16:creationId xmlns:a16="http://schemas.microsoft.com/office/drawing/2014/main" xmlns="" id="{6157C8DE-E0AF-422B-BBB1-F0AF1264B5E9}"/>
+                <a16:creationId xmlns="" xmlns:a16="http://schemas.microsoft.com/office/drawing/2014/main" id="{6157C8DE-E0AF-422B-BBB1-F0AF1264B5E9}"/>
               </a:ext>
             </a:extLst>
           </p:cNvPr>
@@ -9298,7 +9534,7 @@
           <p:cNvPr id="16" name="Logo Software University" descr="Software University logo">
             <a:extLst>
               <a:ext uri="{FF2B5EF4-FFF2-40B4-BE49-F238E27FC236}">
-                <a16:creationId xmlns:a16="http://schemas.microsoft.com/office/drawing/2014/main" xmlns="" id="{EFEBB553-EACE-4B4F-8B4F-7629FDD910A4}"/>
+                <a16:creationId xmlns="" xmlns:a16="http://schemas.microsoft.com/office/drawing/2014/main" id="{EFEBB553-EACE-4B4F-8B4F-7629FDD910A4}"/>
               </a:ext>
             </a:extLst>
           </p:cNvPr>
@@ -9321,7 +9557,7 @@
             </a:clrChange>
             <a:extLst>
               <a:ext uri="{28A0092B-C50C-407E-A947-70E740481C1C}">
-                <a14:useLocalDpi xmlns:a14="http://schemas.microsoft.com/office/drawing/2010/main" xmlns="" val="0"/>
+                <a14:useLocalDpi xmlns="" xmlns:a14="http://schemas.microsoft.com/office/drawing/2010/main" val="0"/>
               </a:ext>
             </a:extLst>
           </a:blip>
@@ -9344,7 +9580,7 @@
           <p:cNvPr id="13" name="Slide Title">
             <a:extLst>
               <a:ext uri="{FF2B5EF4-FFF2-40B4-BE49-F238E27FC236}">
-                <a16:creationId xmlns:a16="http://schemas.microsoft.com/office/drawing/2014/main" xmlns="" id="{0D5CC956-5C4A-44BE-8F8B-327FAFA51E97}"/>
+                <a16:creationId xmlns="" xmlns:a16="http://schemas.microsoft.com/office/drawing/2014/main" id="{0D5CC956-5C4A-44BE-8F8B-327FAFA51E97}"/>
               </a:ext>
             </a:extLst>
           </p:cNvPr>
@@ -9381,7 +9617,7 @@
           <p:cNvPr id="33" name="Group 32">
             <a:extLst>
               <a:ext uri="{FF2B5EF4-FFF2-40B4-BE49-F238E27FC236}">
-                <a16:creationId xmlns:a16="http://schemas.microsoft.com/office/drawing/2014/main" xmlns="" id="{7CF60135-47AA-48F0-96BA-0E795668ABDB}"/>
+                <a16:creationId xmlns="" xmlns:a16="http://schemas.microsoft.com/office/drawing/2014/main" id="{7CF60135-47AA-48F0-96BA-0E795668ABDB}"/>
               </a:ext>
             </a:extLst>
           </p:cNvPr>
@@ -9401,7 +9637,7 @@
             <p:cNvPr id="34" name="Group 33">
               <a:extLst>
                 <a:ext uri="{FF2B5EF4-FFF2-40B4-BE49-F238E27FC236}">
-                  <a16:creationId xmlns:a16="http://schemas.microsoft.com/office/drawing/2014/main" xmlns="" id="{2823380E-3936-41AF-BDF7-DA54D75BBF6B}"/>
+                  <a16:creationId xmlns="" xmlns:a16="http://schemas.microsoft.com/office/drawing/2014/main" id="{2823380E-3936-41AF-BDF7-DA54D75BBF6B}"/>
                 </a:ext>
               </a:extLst>
             </p:cNvPr>
@@ -9421,7 +9657,7 @@
               <p:cNvPr id="47" name="Oval 46">
                 <a:extLst>
                   <a:ext uri="{FF2B5EF4-FFF2-40B4-BE49-F238E27FC236}">
-                    <a16:creationId xmlns:a16="http://schemas.microsoft.com/office/drawing/2014/main" xmlns="" id="{52B047D9-D8DD-45C7-9BC8-6D4F682F5182}"/>
+                    <a16:creationId xmlns="" xmlns:a16="http://schemas.microsoft.com/office/drawing/2014/main" id="{52B047D9-D8DD-45C7-9BC8-6D4F682F5182}"/>
                   </a:ext>
                 </a:extLst>
               </p:cNvPr>
@@ -9473,7 +9709,7 @@
               <p:cNvPr id="48" name="Rectangle 5">
                 <a:extLst>
                   <a:ext uri="{FF2B5EF4-FFF2-40B4-BE49-F238E27FC236}">
-                    <a16:creationId xmlns:a16="http://schemas.microsoft.com/office/drawing/2014/main" xmlns="" id="{4D84FE51-BD8E-47EA-9463-CE02FEA31766}"/>
+                    <a16:creationId xmlns="" xmlns:a16="http://schemas.microsoft.com/office/drawing/2014/main" id="{4D84FE51-BD8E-47EA-9463-CE02FEA31766}"/>
                   </a:ext>
                 </a:extLst>
               </p:cNvPr>
@@ -9618,7 +9854,7 @@
               <p:cNvPr id="49" name="Rectangle 5">
                 <a:extLst>
                   <a:ext uri="{FF2B5EF4-FFF2-40B4-BE49-F238E27FC236}">
-                    <a16:creationId xmlns:a16="http://schemas.microsoft.com/office/drawing/2014/main" xmlns="" id="{F5C8F037-C197-4219-AC87-3A81763512BC}"/>
+                    <a16:creationId xmlns="" xmlns:a16="http://schemas.microsoft.com/office/drawing/2014/main" id="{F5C8F037-C197-4219-AC87-3A81763512BC}"/>
                   </a:ext>
                 </a:extLst>
               </p:cNvPr>
@@ -9763,7 +9999,7 @@
               <p:cNvPr id="50" name="Arc 49">
                 <a:extLst>
                   <a:ext uri="{FF2B5EF4-FFF2-40B4-BE49-F238E27FC236}">
-                    <a16:creationId xmlns:a16="http://schemas.microsoft.com/office/drawing/2014/main" xmlns="" id="{786EE401-CF8E-439B-94A0-EE6F3A7D5798}"/>
+                    <a16:creationId xmlns="" xmlns:a16="http://schemas.microsoft.com/office/drawing/2014/main" id="{786EE401-CF8E-439B-94A0-EE6F3A7D5798}"/>
                   </a:ext>
                 </a:extLst>
               </p:cNvPr>
@@ -9822,7 +10058,7 @@
               <p:cNvPr id="51" name="Arc 50">
                 <a:extLst>
                   <a:ext uri="{FF2B5EF4-FFF2-40B4-BE49-F238E27FC236}">
-                    <a16:creationId xmlns:a16="http://schemas.microsoft.com/office/drawing/2014/main" xmlns="" id="{8D9ACD38-B3EB-4A63-9730-CBF0501BF235}"/>
+                    <a16:creationId xmlns="" xmlns:a16="http://schemas.microsoft.com/office/drawing/2014/main" id="{8D9ACD38-B3EB-4A63-9730-CBF0501BF235}"/>
                   </a:ext>
                 </a:extLst>
               </p:cNvPr>
@@ -9882,7 +10118,7 @@
             <p:cNvPr id="35" name="Rectangle: Rounded Corners 34">
               <a:extLst>
                 <a:ext uri="{FF2B5EF4-FFF2-40B4-BE49-F238E27FC236}">
-                  <a16:creationId xmlns:a16="http://schemas.microsoft.com/office/drawing/2014/main" xmlns="" id="{64EE493E-A353-4C75-A3B9-D48ABA2C57CC}"/>
+                  <a16:creationId xmlns="" xmlns:a16="http://schemas.microsoft.com/office/drawing/2014/main" id="{64EE493E-A353-4C75-A3B9-D48ABA2C57CC}"/>
                 </a:ext>
               </a:extLst>
             </p:cNvPr>
@@ -9936,7 +10172,7 @@
             <p:cNvPr id="36" name="Rectangle: Rounded Corners 35">
               <a:extLst>
                 <a:ext uri="{FF2B5EF4-FFF2-40B4-BE49-F238E27FC236}">
-                  <a16:creationId xmlns:a16="http://schemas.microsoft.com/office/drawing/2014/main" xmlns="" id="{718408B9-204E-42E3-9E79-33E047E869BC}"/>
+                  <a16:creationId xmlns="" xmlns:a16="http://schemas.microsoft.com/office/drawing/2014/main" id="{718408B9-204E-42E3-9E79-33E047E869BC}"/>
                 </a:ext>
               </a:extLst>
             </p:cNvPr>
@@ -9997,7 +10233,7 @@
             <p:cNvPr id="37" name="Straight Connector 36">
               <a:extLst>
                 <a:ext uri="{FF2B5EF4-FFF2-40B4-BE49-F238E27FC236}">
-                  <a16:creationId xmlns:a16="http://schemas.microsoft.com/office/drawing/2014/main" xmlns="" id="{0AB66D97-DF6F-4CD2-AF13-42B5C852F673}"/>
+                  <a16:creationId xmlns="" xmlns:a16="http://schemas.microsoft.com/office/drawing/2014/main" id="{0AB66D97-DF6F-4CD2-AF13-42B5C852F673}"/>
                 </a:ext>
               </a:extLst>
             </p:cNvPr>
@@ -10043,7 +10279,7 @@
             <p:cNvPr id="38" name="Straight Connector 37">
               <a:extLst>
                 <a:ext uri="{FF2B5EF4-FFF2-40B4-BE49-F238E27FC236}">
-                  <a16:creationId xmlns:a16="http://schemas.microsoft.com/office/drawing/2014/main" xmlns="" id="{F2AFBA69-C196-4703-8AAB-5F72A8EDCEB5}"/>
+                  <a16:creationId xmlns="" xmlns:a16="http://schemas.microsoft.com/office/drawing/2014/main" id="{F2AFBA69-C196-4703-8AAB-5F72A8EDCEB5}"/>
                 </a:ext>
               </a:extLst>
             </p:cNvPr>
@@ -10089,7 +10325,7 @@
             <p:cNvPr id="39" name="Group 38">
               <a:extLst>
                 <a:ext uri="{FF2B5EF4-FFF2-40B4-BE49-F238E27FC236}">
-                  <a16:creationId xmlns:a16="http://schemas.microsoft.com/office/drawing/2014/main" xmlns="" id="{9AFC66C1-0C1C-4332-9C4E-782574C896B8}"/>
+                  <a16:creationId xmlns="" xmlns:a16="http://schemas.microsoft.com/office/drawing/2014/main" id="{9AFC66C1-0C1C-4332-9C4E-782574C896B8}"/>
                 </a:ext>
               </a:extLst>
             </p:cNvPr>
@@ -10112,7 +10348,7 @@
               <p:cNvPr id="45" name="Straight Connector 44">
                 <a:extLst>
                   <a:ext uri="{FF2B5EF4-FFF2-40B4-BE49-F238E27FC236}">
-                    <a16:creationId xmlns:a16="http://schemas.microsoft.com/office/drawing/2014/main" xmlns="" id="{872CA8AD-EAF6-40BE-9DDE-ECDB4A980CA5}"/>
+                    <a16:creationId xmlns="" xmlns:a16="http://schemas.microsoft.com/office/drawing/2014/main" id="{872CA8AD-EAF6-40BE-9DDE-ECDB4A980CA5}"/>
                   </a:ext>
                 </a:extLst>
               </p:cNvPr>
@@ -10156,7 +10392,7 @@
               <p:cNvPr id="46" name="Straight Connector 45">
                 <a:extLst>
                   <a:ext uri="{FF2B5EF4-FFF2-40B4-BE49-F238E27FC236}">
-                    <a16:creationId xmlns:a16="http://schemas.microsoft.com/office/drawing/2014/main" xmlns="" id="{57DD3EC7-1A13-4AFE-BD6F-DA12C281FAFB}"/>
+                    <a16:creationId xmlns="" xmlns:a16="http://schemas.microsoft.com/office/drawing/2014/main" id="{57DD3EC7-1A13-4AFE-BD6F-DA12C281FAFB}"/>
                   </a:ext>
                 </a:extLst>
               </p:cNvPr>
@@ -10201,7 +10437,7 @@
             <p:cNvPr id="40" name="Straight Connector 39">
               <a:extLst>
                 <a:ext uri="{FF2B5EF4-FFF2-40B4-BE49-F238E27FC236}">
-                  <a16:creationId xmlns:a16="http://schemas.microsoft.com/office/drawing/2014/main" xmlns="" id="{E46151FA-19E9-4E84-A082-EDAC6F76EA9D}"/>
+                  <a16:creationId xmlns="" xmlns:a16="http://schemas.microsoft.com/office/drawing/2014/main" id="{E46151FA-19E9-4E84-A082-EDAC6F76EA9D}"/>
                 </a:ext>
               </a:extLst>
             </p:cNvPr>
@@ -10247,7 +10483,7 @@
             <p:cNvPr id="41" name="Rectangle: Rounded Corners 40">
               <a:extLst>
                 <a:ext uri="{FF2B5EF4-FFF2-40B4-BE49-F238E27FC236}">
-                  <a16:creationId xmlns:a16="http://schemas.microsoft.com/office/drawing/2014/main" xmlns="" id="{3423EEF0-5B70-4091-B2DA-0740D2609643}"/>
+                  <a16:creationId xmlns="" xmlns:a16="http://schemas.microsoft.com/office/drawing/2014/main" id="{3423EEF0-5B70-4091-B2DA-0740D2609643}"/>
                 </a:ext>
               </a:extLst>
             </p:cNvPr>
@@ -10301,7 +10537,7 @@
             <p:cNvPr id="42" name="Group 41">
               <a:extLst>
                 <a:ext uri="{FF2B5EF4-FFF2-40B4-BE49-F238E27FC236}">
-                  <a16:creationId xmlns:a16="http://schemas.microsoft.com/office/drawing/2014/main" xmlns="" id="{49A8AAA7-98E7-4224-B027-830FFCC285A3}"/>
+                  <a16:creationId xmlns="" xmlns:a16="http://schemas.microsoft.com/office/drawing/2014/main" id="{49A8AAA7-98E7-4224-B027-830FFCC285A3}"/>
                 </a:ext>
               </a:extLst>
             </p:cNvPr>
@@ -10324,7 +10560,7 @@
               <p:cNvPr id="43" name="Straight Connector 42">
                 <a:extLst>
                   <a:ext uri="{FF2B5EF4-FFF2-40B4-BE49-F238E27FC236}">
-                    <a16:creationId xmlns:a16="http://schemas.microsoft.com/office/drawing/2014/main" xmlns="" id="{2129EC38-471E-4685-973E-BA7A7F567C42}"/>
+                    <a16:creationId xmlns="" xmlns:a16="http://schemas.microsoft.com/office/drawing/2014/main" id="{2129EC38-471E-4685-973E-BA7A7F567C42}"/>
                   </a:ext>
                 </a:extLst>
               </p:cNvPr>
@@ -10368,7 +10604,7 @@
               <p:cNvPr id="44" name="Straight Connector 43">
                 <a:extLst>
                   <a:ext uri="{FF2B5EF4-FFF2-40B4-BE49-F238E27FC236}">
-                    <a16:creationId xmlns:a16="http://schemas.microsoft.com/office/drawing/2014/main" xmlns="" id="{678142BE-84C9-4834-B6CC-6623E401661C}"/>
+                    <a16:creationId xmlns="" xmlns:a16="http://schemas.microsoft.com/office/drawing/2014/main" id="{678142BE-84C9-4834-B6CC-6623E401661C}"/>
                   </a:ext>
                 </a:extLst>
               </p:cNvPr>
@@ -10412,7 +10648,7 @@
     </p:spTree>
     <p:extLst>
       <p:ext uri="{BB962C8B-B14F-4D97-AF65-F5344CB8AC3E}">
-        <p14:creationId xmlns:p14="http://schemas.microsoft.com/office/powerpoint/2010/main" xmlns="" val="1679651758"/>
+        <p14:creationId xmlns="" xmlns:p14="http://schemas.microsoft.com/office/powerpoint/2010/main" val="1679651758"/>
       </p:ext>
     </p:extLst>
   </p:cSld>
@@ -10420,7 +10656,7 @@
     <a:masterClrMapping/>
   </p:clrMapOvr>
   <mc:AlternateContent xmlns:mc="http://schemas.openxmlformats.org/markup-compatibility/2006">
-    <mc:Choice xmlns:p14="http://schemas.microsoft.com/office/powerpoint/2010/main" xmlns="" Requires="p14">
+    <mc:Choice xmlns="" xmlns:p14="http://schemas.microsoft.com/office/powerpoint/2010/main" Requires="p14">
       <p:transition spd="slow" p14:dur="2000" advClick="0" advTm="5000"/>
     </mc:Choice>
     <mc:Fallback>
@@ -10452,7 +10688,7 @@
           <p:cNvPr id="5" name="Slide Number">
             <a:extLst>
               <a:ext uri="{FF2B5EF4-FFF2-40B4-BE49-F238E27FC236}">
-                <a16:creationId xmlns:a16="http://schemas.microsoft.com/office/drawing/2014/main" xmlns="" id="{F0B8C963-1813-4B69-AD27-6D02EBBBB569}"/>
+                <a16:creationId xmlns="" xmlns:a16="http://schemas.microsoft.com/office/drawing/2014/main" id="{F0B8C963-1813-4B69-AD27-6D02EBBBB569}"/>
               </a:ext>
             </a:extLst>
           </p:cNvPr>
@@ -10494,7 +10730,7 @@
           <p:cNvPr id="3" name="Rectangle Left">
             <a:extLst>
               <a:ext uri="{FF2B5EF4-FFF2-40B4-BE49-F238E27FC236}">
-                <a16:creationId xmlns:a16="http://schemas.microsoft.com/office/drawing/2014/main" xmlns="" id="{345FB1C8-7F66-4D5C-ACCE-AE919936BCFD}"/>
+                <a16:creationId xmlns="" xmlns:a16="http://schemas.microsoft.com/office/drawing/2014/main" id="{345FB1C8-7F66-4D5C-ACCE-AE919936BCFD}"/>
               </a:ext>
             </a:extLst>
           </p:cNvPr>
@@ -10575,7 +10811,7 @@
           <p:cNvPr id="7" name="Slide Body Text">
             <a:extLst>
               <a:ext uri="{FF2B5EF4-FFF2-40B4-BE49-F238E27FC236}">
-                <a16:creationId xmlns:a16="http://schemas.microsoft.com/office/drawing/2014/main" xmlns="" id="{7296EDA7-D37D-4B31-A888-371F0804124F}"/>
+                <a16:creationId xmlns="" xmlns:a16="http://schemas.microsoft.com/office/drawing/2014/main" id="{7296EDA7-D37D-4B31-A888-371F0804124F}"/>
               </a:ext>
             </a:extLst>
           </p:cNvPr>
@@ -10673,7 +10909,7 @@
           <p:cNvPr id="6" name="Slide Title">
             <a:extLst>
               <a:ext uri="{FF2B5EF4-FFF2-40B4-BE49-F238E27FC236}">
-                <a16:creationId xmlns:a16="http://schemas.microsoft.com/office/drawing/2014/main" xmlns="" id="{55A88B09-3557-48A3-BF27-42699C269215}"/>
+                <a16:creationId xmlns="" xmlns:a16="http://schemas.microsoft.com/office/drawing/2014/main" id="{55A88B09-3557-48A3-BF27-42699C269215}"/>
               </a:ext>
             </a:extLst>
           </p:cNvPr>
@@ -10710,7 +10946,7 @@
           <p:cNvPr id="28" name="Group 27">
             <a:extLst>
               <a:ext uri="{FF2B5EF4-FFF2-40B4-BE49-F238E27FC236}">
-                <a16:creationId xmlns:a16="http://schemas.microsoft.com/office/drawing/2014/main" xmlns="" id="{C4248838-4E67-439E-AE0A-0043D2CB04D6}"/>
+                <a16:creationId xmlns="" xmlns:a16="http://schemas.microsoft.com/office/drawing/2014/main" id="{C4248838-4E67-439E-AE0A-0043D2CB04D6}"/>
               </a:ext>
             </a:extLst>
           </p:cNvPr>
@@ -10730,7 +10966,7 @@
             <p:cNvPr id="29" name="Group 28">
               <a:extLst>
                 <a:ext uri="{FF2B5EF4-FFF2-40B4-BE49-F238E27FC236}">
-                  <a16:creationId xmlns:a16="http://schemas.microsoft.com/office/drawing/2014/main" xmlns="" id="{810CFD6A-2427-49D5-846A-5F93601D4184}"/>
+                  <a16:creationId xmlns="" xmlns:a16="http://schemas.microsoft.com/office/drawing/2014/main" id="{810CFD6A-2427-49D5-846A-5F93601D4184}"/>
                 </a:ext>
               </a:extLst>
             </p:cNvPr>
@@ -10750,7 +10986,7 @@
               <p:cNvPr id="42" name="Oval 41">
                 <a:extLst>
                   <a:ext uri="{FF2B5EF4-FFF2-40B4-BE49-F238E27FC236}">
-                    <a16:creationId xmlns:a16="http://schemas.microsoft.com/office/drawing/2014/main" xmlns="" id="{017B1AE5-5C36-4839-BA1F-B404EA44E701}"/>
+                    <a16:creationId xmlns="" xmlns:a16="http://schemas.microsoft.com/office/drawing/2014/main" id="{017B1AE5-5C36-4839-BA1F-B404EA44E701}"/>
                   </a:ext>
                 </a:extLst>
               </p:cNvPr>
@@ -10802,7 +11038,7 @@
               <p:cNvPr id="43" name="Rectangle 5">
                 <a:extLst>
                   <a:ext uri="{FF2B5EF4-FFF2-40B4-BE49-F238E27FC236}">
-                    <a16:creationId xmlns:a16="http://schemas.microsoft.com/office/drawing/2014/main" xmlns="" id="{FB963D79-BB49-4A1D-BA66-EA0670C79BAE}"/>
+                    <a16:creationId xmlns="" xmlns:a16="http://schemas.microsoft.com/office/drawing/2014/main" id="{FB963D79-BB49-4A1D-BA66-EA0670C79BAE}"/>
                   </a:ext>
                 </a:extLst>
               </p:cNvPr>
@@ -10947,7 +11183,7 @@
               <p:cNvPr id="44" name="Rectangle 5">
                 <a:extLst>
                   <a:ext uri="{FF2B5EF4-FFF2-40B4-BE49-F238E27FC236}">
-                    <a16:creationId xmlns:a16="http://schemas.microsoft.com/office/drawing/2014/main" xmlns="" id="{6D7746D8-B913-493B-AAE9-25BC6893D40E}"/>
+                    <a16:creationId xmlns="" xmlns:a16="http://schemas.microsoft.com/office/drawing/2014/main" id="{6D7746D8-B913-493B-AAE9-25BC6893D40E}"/>
                   </a:ext>
                 </a:extLst>
               </p:cNvPr>
@@ -11092,7 +11328,7 @@
               <p:cNvPr id="45" name="Arc 44">
                 <a:extLst>
                   <a:ext uri="{FF2B5EF4-FFF2-40B4-BE49-F238E27FC236}">
-                    <a16:creationId xmlns:a16="http://schemas.microsoft.com/office/drawing/2014/main" xmlns="" id="{29031C02-E965-417B-8799-96061B14F30D}"/>
+                    <a16:creationId xmlns="" xmlns:a16="http://schemas.microsoft.com/office/drawing/2014/main" id="{29031C02-E965-417B-8799-96061B14F30D}"/>
                   </a:ext>
                 </a:extLst>
               </p:cNvPr>
@@ -11151,7 +11387,7 @@
               <p:cNvPr id="46" name="Arc 45">
                 <a:extLst>
                   <a:ext uri="{FF2B5EF4-FFF2-40B4-BE49-F238E27FC236}">
-                    <a16:creationId xmlns:a16="http://schemas.microsoft.com/office/drawing/2014/main" xmlns="" id="{26BFD8A6-BC99-4B16-BA10-08A9E5C681C0}"/>
+                    <a16:creationId xmlns="" xmlns:a16="http://schemas.microsoft.com/office/drawing/2014/main" id="{26BFD8A6-BC99-4B16-BA10-08A9E5C681C0}"/>
                   </a:ext>
                 </a:extLst>
               </p:cNvPr>
@@ -11211,7 +11447,7 @@
             <p:cNvPr id="30" name="Rectangle: Rounded Corners 29">
               <a:extLst>
                 <a:ext uri="{FF2B5EF4-FFF2-40B4-BE49-F238E27FC236}">
-                  <a16:creationId xmlns:a16="http://schemas.microsoft.com/office/drawing/2014/main" xmlns="" id="{B310277F-A78E-4FB9-9EA9-88BE4F1D585B}"/>
+                  <a16:creationId xmlns="" xmlns:a16="http://schemas.microsoft.com/office/drawing/2014/main" id="{B310277F-A78E-4FB9-9EA9-88BE4F1D585B}"/>
                 </a:ext>
               </a:extLst>
             </p:cNvPr>
@@ -11265,7 +11501,7 @@
             <p:cNvPr id="31" name="Rectangle: Rounded Corners 30">
               <a:extLst>
                 <a:ext uri="{FF2B5EF4-FFF2-40B4-BE49-F238E27FC236}">
-                  <a16:creationId xmlns:a16="http://schemas.microsoft.com/office/drawing/2014/main" xmlns="" id="{A92CF92B-C212-4542-83AE-A0058B5BB5EA}"/>
+                  <a16:creationId xmlns="" xmlns:a16="http://schemas.microsoft.com/office/drawing/2014/main" id="{A92CF92B-C212-4542-83AE-A0058B5BB5EA}"/>
                 </a:ext>
               </a:extLst>
             </p:cNvPr>
@@ -11326,7 +11562,7 @@
             <p:cNvPr id="32" name="Straight Connector 31">
               <a:extLst>
                 <a:ext uri="{FF2B5EF4-FFF2-40B4-BE49-F238E27FC236}">
-                  <a16:creationId xmlns:a16="http://schemas.microsoft.com/office/drawing/2014/main" xmlns="" id="{563B4374-5C0D-461F-B3BD-78D99614D365}"/>
+                  <a16:creationId xmlns="" xmlns:a16="http://schemas.microsoft.com/office/drawing/2014/main" id="{563B4374-5C0D-461F-B3BD-78D99614D365}"/>
                 </a:ext>
               </a:extLst>
             </p:cNvPr>
@@ -11372,7 +11608,7 @@
             <p:cNvPr id="33" name="Straight Connector 32">
               <a:extLst>
                 <a:ext uri="{FF2B5EF4-FFF2-40B4-BE49-F238E27FC236}">
-                  <a16:creationId xmlns:a16="http://schemas.microsoft.com/office/drawing/2014/main" xmlns="" id="{FBC6FDE7-AEA1-4230-8433-4C088A0FF5F9}"/>
+                  <a16:creationId xmlns="" xmlns:a16="http://schemas.microsoft.com/office/drawing/2014/main" id="{FBC6FDE7-AEA1-4230-8433-4C088A0FF5F9}"/>
                 </a:ext>
               </a:extLst>
             </p:cNvPr>
@@ -11418,7 +11654,7 @@
             <p:cNvPr id="34" name="Group 33">
               <a:extLst>
                 <a:ext uri="{FF2B5EF4-FFF2-40B4-BE49-F238E27FC236}">
-                  <a16:creationId xmlns:a16="http://schemas.microsoft.com/office/drawing/2014/main" xmlns="" id="{C4D1021D-07C7-4331-8FF6-36980A30978B}"/>
+                  <a16:creationId xmlns="" xmlns:a16="http://schemas.microsoft.com/office/drawing/2014/main" id="{C4D1021D-07C7-4331-8FF6-36980A30978B}"/>
                 </a:ext>
               </a:extLst>
             </p:cNvPr>
@@ -11441,7 +11677,7 @@
               <p:cNvPr id="40" name="Straight Connector 39">
                 <a:extLst>
                   <a:ext uri="{FF2B5EF4-FFF2-40B4-BE49-F238E27FC236}">
-                    <a16:creationId xmlns:a16="http://schemas.microsoft.com/office/drawing/2014/main" xmlns="" id="{13B7FE99-95CF-45D5-966B-87A979B93431}"/>
+                    <a16:creationId xmlns="" xmlns:a16="http://schemas.microsoft.com/office/drawing/2014/main" id="{13B7FE99-95CF-45D5-966B-87A979B93431}"/>
                   </a:ext>
                 </a:extLst>
               </p:cNvPr>
@@ -11485,7 +11721,7 @@
               <p:cNvPr id="41" name="Straight Connector 40">
                 <a:extLst>
                   <a:ext uri="{FF2B5EF4-FFF2-40B4-BE49-F238E27FC236}">
-                    <a16:creationId xmlns:a16="http://schemas.microsoft.com/office/drawing/2014/main" xmlns="" id="{71BBA69B-19FF-4ADB-A739-AD8136A5F0A6}"/>
+                    <a16:creationId xmlns="" xmlns:a16="http://schemas.microsoft.com/office/drawing/2014/main" id="{71BBA69B-19FF-4ADB-A739-AD8136A5F0A6}"/>
                   </a:ext>
                 </a:extLst>
               </p:cNvPr>
@@ -11530,7 +11766,7 @@
             <p:cNvPr id="35" name="Straight Connector 34">
               <a:extLst>
                 <a:ext uri="{FF2B5EF4-FFF2-40B4-BE49-F238E27FC236}">
-                  <a16:creationId xmlns:a16="http://schemas.microsoft.com/office/drawing/2014/main" xmlns="" id="{BFD1D86B-562B-40B2-8E46-34233EFEE7FC}"/>
+                  <a16:creationId xmlns="" xmlns:a16="http://schemas.microsoft.com/office/drawing/2014/main" id="{BFD1D86B-562B-40B2-8E46-34233EFEE7FC}"/>
                 </a:ext>
               </a:extLst>
             </p:cNvPr>
@@ -11576,7 +11812,7 @@
             <p:cNvPr id="36" name="Rectangle: Rounded Corners 35">
               <a:extLst>
                 <a:ext uri="{FF2B5EF4-FFF2-40B4-BE49-F238E27FC236}">
-                  <a16:creationId xmlns:a16="http://schemas.microsoft.com/office/drawing/2014/main" xmlns="" id="{388C17BD-16A1-43C5-BFFA-2FF9174719E1}"/>
+                  <a16:creationId xmlns="" xmlns:a16="http://schemas.microsoft.com/office/drawing/2014/main" id="{388C17BD-16A1-43C5-BFFA-2FF9174719E1}"/>
                 </a:ext>
               </a:extLst>
             </p:cNvPr>
@@ -11630,7 +11866,7 @@
             <p:cNvPr id="37" name="Group 36">
               <a:extLst>
                 <a:ext uri="{FF2B5EF4-FFF2-40B4-BE49-F238E27FC236}">
-                  <a16:creationId xmlns:a16="http://schemas.microsoft.com/office/drawing/2014/main" xmlns="" id="{1B3B910E-ACFC-4F28-8E28-F02E1588B87E}"/>
+                  <a16:creationId xmlns="" xmlns:a16="http://schemas.microsoft.com/office/drawing/2014/main" id="{1B3B910E-ACFC-4F28-8E28-F02E1588B87E}"/>
                 </a:ext>
               </a:extLst>
             </p:cNvPr>
@@ -11653,7 +11889,7 @@
               <p:cNvPr id="38" name="Straight Connector 37">
                 <a:extLst>
                   <a:ext uri="{FF2B5EF4-FFF2-40B4-BE49-F238E27FC236}">
-                    <a16:creationId xmlns:a16="http://schemas.microsoft.com/office/drawing/2014/main" xmlns="" id="{F57772B6-06C0-4F54-AA94-D3F92DA4716A}"/>
+                    <a16:creationId xmlns="" xmlns:a16="http://schemas.microsoft.com/office/drawing/2014/main" id="{F57772B6-06C0-4F54-AA94-D3F92DA4716A}"/>
                   </a:ext>
                 </a:extLst>
               </p:cNvPr>
@@ -11697,7 +11933,7 @@
               <p:cNvPr id="39" name="Straight Connector 38">
                 <a:extLst>
                   <a:ext uri="{FF2B5EF4-FFF2-40B4-BE49-F238E27FC236}">
-                    <a16:creationId xmlns:a16="http://schemas.microsoft.com/office/drawing/2014/main" xmlns="" id="{23370C1F-7876-4278-AB20-78F6CAA385E2}"/>
+                    <a16:creationId xmlns="" xmlns:a16="http://schemas.microsoft.com/office/drawing/2014/main" id="{23370C1F-7876-4278-AB20-78F6CAA385E2}"/>
                   </a:ext>
                 </a:extLst>
               </p:cNvPr>
@@ -11741,7 +11977,7 @@
     </p:spTree>
     <p:extLst>
       <p:ext uri="{BB962C8B-B14F-4D97-AF65-F5344CB8AC3E}">
-        <p14:creationId xmlns:p14="http://schemas.microsoft.com/office/powerpoint/2010/main" xmlns="" val="3284562556"/>
+        <p14:creationId xmlns="" xmlns:p14="http://schemas.microsoft.com/office/powerpoint/2010/main" val="3284562556"/>
       </p:ext>
     </p:extLst>
   </p:cSld>
@@ -11749,7 +11985,7 @@
     <a:masterClrMapping/>
   </p:clrMapOvr>
   <mc:AlternateContent xmlns:mc="http://schemas.openxmlformats.org/markup-compatibility/2006">
-    <mc:Choice xmlns:p14="http://schemas.microsoft.com/office/powerpoint/2010/main" xmlns="" Requires="p14">
+    <mc:Choice xmlns="" xmlns:p14="http://schemas.microsoft.com/office/powerpoint/2010/main" Requires="p14">
       <p:transition spd="slow" p14:dur="2000" advClick="0" advTm="5000"/>
     </mc:Choice>
     <mc:Fallback>
@@ -11781,7 +12017,7 @@
           <p:cNvPr id="8" name="Slide Number">
             <a:extLst>
               <a:ext uri="{FF2B5EF4-FFF2-40B4-BE49-F238E27FC236}">
-                <a16:creationId xmlns:a16="http://schemas.microsoft.com/office/drawing/2014/main" xmlns="" id="{509D954E-A844-4072-A556-DE584BEB9321}"/>
+                <a16:creationId xmlns="" xmlns:a16="http://schemas.microsoft.com/office/drawing/2014/main" id="{509D954E-A844-4072-A556-DE584BEB9321}"/>
               </a:ext>
             </a:extLst>
           </p:cNvPr>
@@ -11823,7 +12059,7 @@
           <p:cNvPr id="6" name="Code Box">
             <a:extLst>
               <a:ext uri="{FF2B5EF4-FFF2-40B4-BE49-F238E27FC236}">
-                <a16:creationId xmlns:a16="http://schemas.microsoft.com/office/drawing/2014/main" xmlns="" id="{3278A82F-5546-4977-9F75-2A933B415945}"/>
+                <a16:creationId xmlns="" xmlns:a16="http://schemas.microsoft.com/office/drawing/2014/main" id="{3278A82F-5546-4977-9F75-2A933B415945}"/>
               </a:ext>
             </a:extLst>
           </p:cNvPr>
@@ -11910,7 +12146,7 @@
           <p:cNvPr id="21" name="Slide Body Text">
             <a:extLst>
               <a:ext uri="{FF2B5EF4-FFF2-40B4-BE49-F238E27FC236}">
-                <a16:creationId xmlns:a16="http://schemas.microsoft.com/office/drawing/2014/main" xmlns="" id="{04F318BE-2BAD-4677-871C-D78A4BF0CBA6}"/>
+                <a16:creationId xmlns="" xmlns:a16="http://schemas.microsoft.com/office/drawing/2014/main" id="{04F318BE-2BAD-4677-871C-D78A4BF0CBA6}"/>
               </a:ext>
             </a:extLst>
           </p:cNvPr>
@@ -11957,7 +12193,7 @@
           <p:cNvPr id="9" name="Rectangle Top">
             <a:extLst>
               <a:ext uri="{FF2B5EF4-FFF2-40B4-BE49-F238E27FC236}">
-                <a16:creationId xmlns:a16="http://schemas.microsoft.com/office/drawing/2014/main" xmlns="" id="{A15CE03A-0933-4E5D-9EA1-718D4F802FFC}"/>
+                <a16:creationId xmlns="" xmlns:a16="http://schemas.microsoft.com/office/drawing/2014/main" id="{A15CE03A-0933-4E5D-9EA1-718D4F802FFC}"/>
               </a:ext>
             </a:extLst>
           </p:cNvPr>
@@ -12038,7 +12274,7 @@
           <p:cNvPr id="10" name="Logo Software University" descr="Software University logo">
             <a:extLst>
               <a:ext uri="{FF2B5EF4-FFF2-40B4-BE49-F238E27FC236}">
-                <a16:creationId xmlns:a16="http://schemas.microsoft.com/office/drawing/2014/main" xmlns="" id="{8C01D7AF-7CBD-46E1-99F3-8EB60E838D91}"/>
+                <a16:creationId xmlns="" xmlns:a16="http://schemas.microsoft.com/office/drawing/2014/main" id="{8C01D7AF-7CBD-46E1-99F3-8EB60E838D91}"/>
               </a:ext>
             </a:extLst>
           </p:cNvPr>
@@ -12051,7 +12287,7 @@
           <a:blip r:embed="rId2" cstate="print">
             <a:extLst>
               <a:ext uri="{28A0092B-C50C-407E-A947-70E740481C1C}">
-                <a14:useLocalDpi xmlns:a14="http://schemas.microsoft.com/office/drawing/2010/main" xmlns="" val="0"/>
+                <a14:useLocalDpi xmlns="" xmlns:a14="http://schemas.microsoft.com/office/drawing/2010/main" val="0"/>
               </a:ext>
             </a:extLst>
           </a:blip>
@@ -12074,7 +12310,7 @@
           <p:cNvPr id="11" name="Slide Title">
             <a:extLst>
               <a:ext uri="{FF2B5EF4-FFF2-40B4-BE49-F238E27FC236}">
-                <a16:creationId xmlns:a16="http://schemas.microsoft.com/office/drawing/2014/main" xmlns="" id="{47D60833-F0A9-4F29-8C06-A963A7C8BE93}"/>
+                <a16:creationId xmlns="" xmlns:a16="http://schemas.microsoft.com/office/drawing/2014/main" id="{47D60833-F0A9-4F29-8C06-A963A7C8BE93}"/>
               </a:ext>
             </a:extLst>
           </p:cNvPr>
@@ -12113,7 +12349,7 @@
     </p:spTree>
     <p:extLst>
       <p:ext uri="{BB962C8B-B14F-4D97-AF65-F5344CB8AC3E}">
-        <p14:creationId xmlns:p14="http://schemas.microsoft.com/office/powerpoint/2010/main" xmlns="" val="1000829826"/>
+        <p14:creationId xmlns="" xmlns:p14="http://schemas.microsoft.com/office/powerpoint/2010/main" val="1000829826"/>
       </p:ext>
     </p:extLst>
   </p:cSld>
@@ -12121,7 +12357,7 @@
     <a:masterClrMapping/>
   </p:clrMapOvr>
   <mc:AlternateContent xmlns:mc="http://schemas.openxmlformats.org/markup-compatibility/2006">
-    <mc:Choice xmlns:p14="http://schemas.microsoft.com/office/powerpoint/2010/main" xmlns="" Requires="p14">
+    <mc:Choice xmlns="" xmlns:p14="http://schemas.microsoft.com/office/powerpoint/2010/main" Requires="p14">
       <p:transition spd="slow" p14:dur="2000" advClick="0" advTm="5000"/>
     </mc:Choice>
     <mc:Fallback>
@@ -12153,7 +12389,7 @@
           <p:cNvPr id="10" name="Slide Number">
             <a:extLst>
               <a:ext uri="{FF2B5EF4-FFF2-40B4-BE49-F238E27FC236}">
-                <a16:creationId xmlns:a16="http://schemas.microsoft.com/office/drawing/2014/main" xmlns="" id="{39DDE17E-5472-41F3-AF5F-54DFF10DC63C}"/>
+                <a16:creationId xmlns="" xmlns:a16="http://schemas.microsoft.com/office/drawing/2014/main" id="{39DDE17E-5472-41F3-AF5F-54DFF10DC63C}"/>
               </a:ext>
             </a:extLst>
           </p:cNvPr>
@@ -12195,7 +12431,7 @@
           <p:cNvPr id="9" name="Picture SoftUni Mascot" descr="SoftUni mascot with laptop">
             <a:extLst>
               <a:ext uri="{FF2B5EF4-FFF2-40B4-BE49-F238E27FC236}">
-                <a16:creationId xmlns:a16="http://schemas.microsoft.com/office/drawing/2014/main" xmlns="" id="{DC4365F6-D2C1-47B4-8477-38FD2C7711AA}"/>
+                <a16:creationId xmlns="" xmlns:a16="http://schemas.microsoft.com/office/drawing/2014/main" id="{DC4365F6-D2C1-47B4-8477-38FD2C7711AA}"/>
               </a:ext>
             </a:extLst>
           </p:cNvPr>
@@ -12208,7 +12444,7 @@
           <a:blip r:embed="rId2" cstate="print">
             <a:extLst>
               <a:ext uri="{28A0092B-C50C-407E-A947-70E740481C1C}">
-                <a14:useLocalDpi xmlns:a14="http://schemas.microsoft.com/office/drawing/2010/main" xmlns="" val="0"/>
+                <a14:useLocalDpi xmlns="" xmlns:a14="http://schemas.microsoft.com/office/drawing/2010/main" val="0"/>
               </a:ext>
             </a:extLst>
           </a:blip>
@@ -12231,7 +12467,7 @@
           <p:cNvPr id="23" name="Slide Body Text">
             <a:extLst>
               <a:ext uri="{FF2B5EF4-FFF2-40B4-BE49-F238E27FC236}">
-                <a16:creationId xmlns:a16="http://schemas.microsoft.com/office/drawing/2014/main" xmlns="" id="{889D93F4-ABFA-46BF-8E5D-FE6562ACB20F}"/>
+                <a16:creationId xmlns="" xmlns:a16="http://schemas.microsoft.com/office/drawing/2014/main" id="{889D93F4-ABFA-46BF-8E5D-FE6562ACB20F}"/>
               </a:ext>
             </a:extLst>
           </p:cNvPr>
@@ -12322,7 +12558,7 @@
           <p:cNvPr id="8" name="Rectangle Top">
             <a:extLst>
               <a:ext uri="{FF2B5EF4-FFF2-40B4-BE49-F238E27FC236}">
-                <a16:creationId xmlns:a16="http://schemas.microsoft.com/office/drawing/2014/main" xmlns="" id="{930E0800-9260-4369-8330-8264DD33C5CE}"/>
+                <a16:creationId xmlns="" xmlns:a16="http://schemas.microsoft.com/office/drawing/2014/main" id="{930E0800-9260-4369-8330-8264DD33C5CE}"/>
               </a:ext>
             </a:extLst>
           </p:cNvPr>
@@ -12403,7 +12639,7 @@
           <p:cNvPr id="11" name="Logo Software University" descr="Software University logo">
             <a:extLst>
               <a:ext uri="{FF2B5EF4-FFF2-40B4-BE49-F238E27FC236}">
-                <a16:creationId xmlns:a16="http://schemas.microsoft.com/office/drawing/2014/main" xmlns="" id="{14F779A7-4A91-448B-BEFA-956C70A1C22F}"/>
+                <a16:creationId xmlns="" xmlns:a16="http://schemas.microsoft.com/office/drawing/2014/main" id="{14F779A7-4A91-448B-BEFA-956C70A1C22F}"/>
               </a:ext>
             </a:extLst>
           </p:cNvPr>
@@ -12416,7 +12652,7 @@
           <a:blip r:embed="rId3" cstate="print">
             <a:extLst>
               <a:ext uri="{28A0092B-C50C-407E-A947-70E740481C1C}">
-                <a14:useLocalDpi xmlns:a14="http://schemas.microsoft.com/office/drawing/2010/main" xmlns="" val="0"/>
+                <a14:useLocalDpi xmlns="" xmlns:a14="http://schemas.microsoft.com/office/drawing/2010/main" val="0"/>
               </a:ext>
             </a:extLst>
           </a:blip>
@@ -12439,7 +12675,7 @@
           <p:cNvPr id="13" name="Slide Title">
             <a:extLst>
               <a:ext uri="{FF2B5EF4-FFF2-40B4-BE49-F238E27FC236}">
-                <a16:creationId xmlns:a16="http://schemas.microsoft.com/office/drawing/2014/main" xmlns="" id="{357D7BE1-6358-42CC-94F3-7BCDD91DCB6D}"/>
+                <a16:creationId xmlns="" xmlns:a16="http://schemas.microsoft.com/office/drawing/2014/main" id="{357D7BE1-6358-42CC-94F3-7BCDD91DCB6D}"/>
               </a:ext>
             </a:extLst>
           </p:cNvPr>
@@ -12478,7 +12714,7 @@
     </p:spTree>
     <p:extLst>
       <p:ext uri="{BB962C8B-B14F-4D97-AF65-F5344CB8AC3E}">
-        <p14:creationId xmlns:p14="http://schemas.microsoft.com/office/powerpoint/2010/main" xmlns="" val="1028724482"/>
+        <p14:creationId xmlns="" xmlns:p14="http://schemas.microsoft.com/office/powerpoint/2010/main" val="1028724482"/>
       </p:ext>
     </p:extLst>
   </p:cSld>
@@ -12486,7 +12722,7 @@
     <a:masterClrMapping/>
   </p:clrMapOvr>
   <mc:AlternateContent xmlns:mc="http://schemas.openxmlformats.org/markup-compatibility/2006">
-    <mc:Choice xmlns:p14="http://schemas.microsoft.com/office/powerpoint/2010/main" xmlns="" Requires="p14">
+    <mc:Choice xmlns="" xmlns:p14="http://schemas.microsoft.com/office/powerpoint/2010/main" Requires="p14">
       <p:transition spd="slow" p14:dur="2000" advClick="0" advTm="5000"/>
     </mc:Choice>
     <mc:Fallback>
@@ -12598,7 +12834,7 @@
           <p:cNvPr id="11" name="Slide Number">
             <a:extLst>
               <a:ext uri="{FF2B5EF4-FFF2-40B4-BE49-F238E27FC236}">
-                <a16:creationId xmlns:a16="http://schemas.microsoft.com/office/drawing/2014/main" xmlns="" id="{6750ECE4-94E0-469B-B8E4-562792823B0F}"/>
+                <a16:creationId xmlns="" xmlns:a16="http://schemas.microsoft.com/office/drawing/2014/main" id="{6750ECE4-94E0-469B-B8E4-562792823B0F}"/>
               </a:ext>
             </a:extLst>
           </p:cNvPr>
@@ -12721,7 +12957,7 @@
           <p:cNvPr id="12" name="Logo Software University Down" descr="Software University logo">
             <a:extLst>
               <a:ext uri="{FF2B5EF4-FFF2-40B4-BE49-F238E27FC236}">
-                <a16:creationId xmlns:a16="http://schemas.microsoft.com/office/drawing/2014/main" xmlns="" id="{7028D2F0-1E67-414B-A93D-D3F8F131A132}"/>
+                <a16:creationId xmlns="" xmlns:a16="http://schemas.microsoft.com/office/drawing/2014/main" id="{7028D2F0-1E67-414B-A93D-D3F8F131A132}"/>
               </a:ext>
             </a:extLst>
           </p:cNvPr>
@@ -12734,7 +12970,7 @@
           <a:blip r:embed="rId2" cstate="print">
             <a:extLst>
               <a:ext uri="{28A0092B-C50C-407E-A947-70E740481C1C}">
-                <a14:useLocalDpi xmlns:a14="http://schemas.microsoft.com/office/drawing/2010/main" xmlns="" val="0"/>
+                <a14:useLocalDpi xmlns="" xmlns:a14="http://schemas.microsoft.com/office/drawing/2010/main" val="0"/>
               </a:ext>
             </a:extLst>
           </a:blip>
@@ -12757,7 +12993,7 @@
           <p:cNvPr id="10" name="Text Placeholder Right">
             <a:extLst>
               <a:ext uri="{FF2B5EF4-FFF2-40B4-BE49-F238E27FC236}">
-                <a16:creationId xmlns:a16="http://schemas.microsoft.com/office/drawing/2014/main" xmlns="" id="{AF69A59F-C564-4A04-B1CC-31C261499991}"/>
+                <a16:creationId xmlns="" xmlns:a16="http://schemas.microsoft.com/office/drawing/2014/main" id="{AF69A59F-C564-4A04-B1CC-31C261499991}"/>
               </a:ext>
             </a:extLst>
           </p:cNvPr>
@@ -12835,7 +13071,7 @@
           <p:cNvPr id="9" name="Text Placeholder Left">
             <a:extLst>
               <a:ext uri="{FF2B5EF4-FFF2-40B4-BE49-F238E27FC236}">
-                <a16:creationId xmlns:a16="http://schemas.microsoft.com/office/drawing/2014/main" xmlns="" id="{C8A626D2-456B-41EF-9818-EA8DD7E314DA}"/>
+                <a16:creationId xmlns="" xmlns:a16="http://schemas.microsoft.com/office/drawing/2014/main" id="{C8A626D2-456B-41EF-9818-EA8DD7E314DA}"/>
               </a:ext>
             </a:extLst>
           </p:cNvPr>
@@ -12913,7 +13149,7 @@
           <p:cNvPr id="13" name="Rectangle Top">
             <a:extLst>
               <a:ext uri="{FF2B5EF4-FFF2-40B4-BE49-F238E27FC236}">
-                <a16:creationId xmlns:a16="http://schemas.microsoft.com/office/drawing/2014/main" xmlns="" id="{E03301DA-D0AF-46FD-8740-2F761250203A}"/>
+                <a16:creationId xmlns="" xmlns:a16="http://schemas.microsoft.com/office/drawing/2014/main" id="{E03301DA-D0AF-46FD-8740-2F761250203A}"/>
               </a:ext>
             </a:extLst>
           </p:cNvPr>
@@ -12994,7 +13230,7 @@
           <p:cNvPr id="14" name="Logo Software University" descr="Software University logo">
             <a:extLst>
               <a:ext uri="{FF2B5EF4-FFF2-40B4-BE49-F238E27FC236}">
-                <a16:creationId xmlns:a16="http://schemas.microsoft.com/office/drawing/2014/main" xmlns="" id="{19A67BB9-D880-4EAD-B90E-89C4219BFC0B}"/>
+                <a16:creationId xmlns="" xmlns:a16="http://schemas.microsoft.com/office/drawing/2014/main" id="{19A67BB9-D880-4EAD-B90E-89C4219BFC0B}"/>
               </a:ext>
             </a:extLst>
           </p:cNvPr>
@@ -13007,7 +13243,7 @@
           <a:blip r:embed="rId3" cstate="print">
             <a:extLst>
               <a:ext uri="{28A0092B-C50C-407E-A947-70E740481C1C}">
-                <a14:useLocalDpi xmlns:a14="http://schemas.microsoft.com/office/drawing/2010/main" xmlns="" val="0"/>
+                <a14:useLocalDpi xmlns="" xmlns:a14="http://schemas.microsoft.com/office/drawing/2010/main" val="0"/>
               </a:ext>
             </a:extLst>
           </a:blip>
@@ -13030,7 +13266,7 @@
           <p:cNvPr id="15" name="Slide Title">
             <a:extLst>
               <a:ext uri="{FF2B5EF4-FFF2-40B4-BE49-F238E27FC236}">
-                <a16:creationId xmlns:a16="http://schemas.microsoft.com/office/drawing/2014/main" xmlns="" id="{EA9A94D1-F9F6-4D7B-85E3-896A987B6A4D}"/>
+                <a16:creationId xmlns="" xmlns:a16="http://schemas.microsoft.com/office/drawing/2014/main" id="{EA9A94D1-F9F6-4D7B-85E3-896A987B6A4D}"/>
               </a:ext>
             </a:extLst>
           </p:cNvPr>
@@ -13069,7 +13305,7 @@
     </p:spTree>
     <p:extLst>
       <p:ext uri="{BB962C8B-B14F-4D97-AF65-F5344CB8AC3E}">
-        <p14:creationId xmlns:p14="http://schemas.microsoft.com/office/powerpoint/2010/main" xmlns="" val="3044033461"/>
+        <p14:creationId xmlns="" xmlns:p14="http://schemas.microsoft.com/office/powerpoint/2010/main" val="3044033461"/>
       </p:ext>
     </p:extLst>
   </p:cSld>
@@ -13077,7 +13313,7 @@
     <a:masterClrMapping/>
   </p:clrMapOvr>
   <mc:AlternateContent xmlns:mc="http://schemas.openxmlformats.org/markup-compatibility/2006">
-    <mc:Choice xmlns:p14="http://schemas.microsoft.com/office/powerpoint/2010/main" xmlns="" Requires="p14">
+    <mc:Choice xmlns="" xmlns:p14="http://schemas.microsoft.com/office/powerpoint/2010/main" Requires="p14">
       <p:transition spd="slow" p14:dur="2000" advClick="0" advTm="5000"/>
     </mc:Choice>
     <mc:Fallback>
@@ -13086,7 +13322,7 @@
   </mc:AlternateContent>
   <p:extLst>
     <p:ext uri="{DCECCB84-F9BA-43D5-87BE-67443E8EF086}">
-      <p15:sldGuideLst xmlns:p15="http://schemas.microsoft.com/office/powerpoint/2012/main" xmlns="">
+      <p15:sldGuideLst xmlns="" xmlns:p15="http://schemas.microsoft.com/office/powerpoint/2012/main">
         <p15:guide id="1" orient="horz" pos="2160">
           <p15:clr>
             <a:srgbClr val="FBAE40"/>
@@ -13133,7 +13369,7 @@
           <p:cNvPr id="4" name="Picture Background" descr="SoftUni Background">
             <a:extLst>
               <a:ext uri="{FF2B5EF4-FFF2-40B4-BE49-F238E27FC236}">
-                <a16:creationId xmlns:a16="http://schemas.microsoft.com/office/drawing/2014/main" xmlns="" id="{5BE90A63-DDD9-4B3B-A234-DF69B9BC812F}"/>
+                <a16:creationId xmlns="" xmlns:a16="http://schemas.microsoft.com/office/drawing/2014/main" id="{5BE90A63-DDD9-4B3B-A234-DF69B9BC812F}"/>
               </a:ext>
             </a:extLst>
           </p:cNvPr>
@@ -13162,7 +13398,7 @@
           <p:cNvPr id="11" name="Slide Body Text">
             <a:extLst>
               <a:ext uri="{FF2B5EF4-FFF2-40B4-BE49-F238E27FC236}">
-                <a16:creationId xmlns:a16="http://schemas.microsoft.com/office/drawing/2014/main" xmlns="" id="{90CBFB32-9F46-4F2F-8A54-9EE8BED27855}"/>
+                <a16:creationId xmlns="" xmlns:a16="http://schemas.microsoft.com/office/drawing/2014/main" id="{90CBFB32-9F46-4F2F-8A54-9EE8BED27855}"/>
               </a:ext>
             </a:extLst>
           </p:cNvPr>
@@ -13230,7 +13466,7 @@
           <p:cNvPr id="10" name="Slide Title">
             <a:extLst>
               <a:ext uri="{FF2B5EF4-FFF2-40B4-BE49-F238E27FC236}">
-                <a16:creationId xmlns:a16="http://schemas.microsoft.com/office/drawing/2014/main" xmlns="" id="{B770C392-3003-4C35-9625-BB041F8257BA}"/>
+                <a16:creationId xmlns="" xmlns:a16="http://schemas.microsoft.com/office/drawing/2014/main" id="{B770C392-3003-4C35-9625-BB041F8257BA}"/>
               </a:ext>
             </a:extLst>
           </p:cNvPr>
@@ -13267,7 +13503,7 @@
     </p:spTree>
     <p:extLst>
       <p:ext uri="{BB962C8B-B14F-4D97-AF65-F5344CB8AC3E}">
-        <p14:creationId xmlns:p14="http://schemas.microsoft.com/office/powerpoint/2010/main" xmlns="" val="156789181"/>
+        <p14:creationId xmlns="" xmlns:p14="http://schemas.microsoft.com/office/powerpoint/2010/main" val="156789181"/>
       </p:ext>
     </p:extLst>
   </p:cSld>
@@ -13291,7 +13527,7 @@
     <p:sldLayoutId id="2147483696" r:id="rId16"/>
   </p:sldLayoutIdLst>
   <mc:AlternateContent xmlns:mc="http://schemas.openxmlformats.org/markup-compatibility/2006">
-    <mc:Choice xmlns:p14="http://schemas.microsoft.com/office/powerpoint/2010/main" xmlns="" Requires="p14">
+    <mc:Choice xmlns="" xmlns:p14="http://schemas.microsoft.com/office/powerpoint/2010/main" Requires="p14">
       <p:transition spd="slow" p14:dur="2000" advClick="0" advTm="5000"/>
     </mc:Choice>
     <mc:Fallback>
@@ -13581,7 +13817,7 @@
   </p:txStyles>
   <p:extLst>
     <p:ext uri="{27BBF7A9-308A-43DC-89C8-2F10F3537804}">
-      <p15:sldGuideLst xmlns:p15="http://schemas.microsoft.com/office/powerpoint/2012/main" xmlns="">
+      <p15:sldGuideLst xmlns="" xmlns:p15="http://schemas.microsoft.com/office/powerpoint/2012/main">
         <p15:guide id="1" orient="horz" pos="2160">
           <p15:clr>
             <a:srgbClr val="F26B43"/>
@@ -13677,7 +13913,7 @@
           <p:cNvPr id="10" name="Author Position">
             <a:extLst>
               <a:ext uri="{FF2B5EF4-FFF2-40B4-BE49-F238E27FC236}">
-                <a16:creationId xmlns:a16="http://schemas.microsoft.com/office/drawing/2014/main" xmlns="" id="{F585BC4C-0F13-4FD4-8F23-99FD46618370}"/>
+                <a16:creationId xmlns="" xmlns:a16="http://schemas.microsoft.com/office/drawing/2014/main" id="{F585BC4C-0F13-4FD4-8F23-99FD46618370}"/>
               </a:ext>
             </a:extLst>
           </p:cNvPr>
@@ -13710,7 +13946,7 @@
           <p:cNvPr id="9" name="Author Name">
             <a:extLst>
               <a:ext uri="{FF2B5EF4-FFF2-40B4-BE49-F238E27FC236}">
-                <a16:creationId xmlns:a16="http://schemas.microsoft.com/office/drawing/2014/main" xmlns="" id="{FA396BB6-2053-4690-9672-BC528007D370}"/>
+                <a16:creationId xmlns="" xmlns:a16="http://schemas.microsoft.com/office/drawing/2014/main" id="{FA396BB6-2053-4690-9672-BC528007D370}"/>
               </a:ext>
             </a:extLst>
           </p:cNvPr>
@@ -13743,7 +13979,7 @@
           <p:cNvPr id="3" name="Presentation Subtitle">
             <a:extLst>
               <a:ext uri="{FF2B5EF4-FFF2-40B4-BE49-F238E27FC236}">
-                <a16:creationId xmlns:a16="http://schemas.microsoft.com/office/drawing/2014/main" xmlns="" id="{A004DC04-DA2A-41C0-8578-4B8D2F08EA7D}"/>
+                <a16:creationId xmlns="" xmlns:a16="http://schemas.microsoft.com/office/drawing/2014/main" id="{A004DC04-DA2A-41C0-8578-4B8D2F08EA7D}"/>
               </a:ext>
             </a:extLst>
           </p:cNvPr>
@@ -13779,7 +14015,7 @@
           <p:cNvPr id="16" name="Title 15">
             <a:extLst>
               <a:ext uri="{FF2B5EF4-FFF2-40B4-BE49-F238E27FC236}">
-                <a16:creationId xmlns:a16="http://schemas.microsoft.com/office/drawing/2014/main" xmlns="" id="{09D526E5-16F9-CDC3-F025-1D308EB5C234}"/>
+                <a16:creationId xmlns="" xmlns:a16="http://schemas.microsoft.com/office/drawing/2014/main" id="{09D526E5-16F9-CDC3-F025-1D308EB5C234}"/>
               </a:ext>
             </a:extLst>
           </p:cNvPr>
@@ -13843,7 +14079,7 @@
     </p:spTree>
     <p:extLst>
       <p:ext uri="{BB962C8B-B14F-4D97-AF65-F5344CB8AC3E}">
-        <p14:creationId xmlns:p14="http://schemas.microsoft.com/office/powerpoint/2010/main" xmlns="" val="3666405375"/>
+        <p14:creationId xmlns="" xmlns:p14="http://schemas.microsoft.com/office/powerpoint/2010/main" val="3666405375"/>
       </p:ext>
     </p:extLst>
   </p:cSld>
@@ -13851,7 +14087,7 @@
     <a:masterClrMapping/>
   </p:clrMapOvr>
   <mc:AlternateContent xmlns:mc="http://schemas.openxmlformats.org/markup-compatibility/2006">
-    <mc:Choice xmlns:p14="http://schemas.microsoft.com/office/powerpoint/2010/main" xmlns="" Requires="p14">
+    <mc:Choice xmlns="" xmlns:p14="http://schemas.microsoft.com/office/powerpoint/2010/main" Requires="p14">
       <p:transition spd="slow" p14:dur="2000" advClick="0" advTm="5000"/>
     </mc:Choice>
     <mc:Fallback>
@@ -14215,7 +14451,7 @@
     <a:masterClrMapping/>
   </p:clrMapOvr>
   <mc:AlternateContent xmlns:mc="http://schemas.openxmlformats.org/markup-compatibility/2006">
-    <mc:Choice xmlns:p14="http://schemas.microsoft.com/office/powerpoint/2010/main" xmlns="" Requires="p14">
+    <mc:Choice xmlns="" xmlns:p14="http://schemas.microsoft.com/office/powerpoint/2010/main" Requires="p14">
       <p:transition spd="slow" p14:dur="2000" advClick="0" advTm="5000"/>
     </mc:Choice>
     <mc:Fallback>
@@ -14741,11 +14977,7 @@
           <a:p>
             <a:r>
               <a:rPr lang="bg-BG" dirty="0" smtClean="0"/>
-              <a:t>Попълване на данни в </a:t>
-            </a:r>
-            <a:r>
-              <a:rPr lang="bg-BG" dirty="0" smtClean="0"/>
-              <a:t>таблица (1)</a:t>
+              <a:t>Попълване на данни в таблица (1)</a:t>
             </a:r>
             <a:endParaRPr lang="en-US" dirty="0"/>
           </a:p>
@@ -14757,7 +14989,7 @@
     <a:masterClrMapping/>
   </p:clrMapOvr>
   <mc:AlternateContent xmlns:mc="http://schemas.openxmlformats.org/markup-compatibility/2006">
-    <mc:Choice xmlns:p14="http://schemas.microsoft.com/office/powerpoint/2010/main" xmlns="" Requires="p14">
+    <mc:Choice xmlns="" xmlns:p14="http://schemas.microsoft.com/office/powerpoint/2010/main" Requires="p14">
       <p:transition spd="slow" p14:dur="2000" advClick="0" advTm="5000"/>
     </mc:Choice>
     <mc:Fallback>
@@ -15110,25 +15342,7 @@
                 </a:solidFill>
                 <a:latin typeface="Consolas" pitchFamily="49" charset="0"/>
               </a:rPr>
-              <a:t>Click </a:t>
-            </a:r>
-            <a:r>
-              <a:rPr lang="en-US" sz="3200" b="1" dirty="0" smtClean="0">
-                <a:solidFill>
-                  <a:schemeClr val="bg1"/>
-                </a:solidFill>
-                <a:latin typeface="Consolas" pitchFamily="49" charset="0"/>
-              </a:rPr>
-              <a:t>to </a:t>
-            </a:r>
-            <a:r>
-              <a:rPr lang="en-US" sz="3200" b="1" dirty="0" smtClean="0">
-                <a:solidFill>
-                  <a:schemeClr val="bg1"/>
-                </a:solidFill>
-                <a:latin typeface="Consolas" pitchFamily="49" charset="0"/>
-              </a:rPr>
-              <a:t>Add</a:t>
+              <a:t>Click to Add</a:t>
             </a:r>
             <a:r>
               <a:rPr lang="bg-BG" sz="3200" b="1" dirty="0" smtClean="0">
@@ -15256,11 +15470,7 @@
           <a:p>
             <a:r>
               <a:rPr lang="bg-BG" dirty="0" smtClean="0"/>
-              <a:t>Попълване на данни в таблица </a:t>
-            </a:r>
-            <a:r>
-              <a:rPr lang="bg-BG" dirty="0" smtClean="0"/>
-              <a:t>(</a:t>
+              <a:t>Попълване на данни в таблица (</a:t>
             </a:r>
             <a:r>
               <a:rPr lang="en-US" dirty="0" smtClean="0"/>
@@ -15454,7 +15664,7 @@
     <a:masterClrMapping/>
   </p:clrMapOvr>
   <mc:AlternateContent xmlns:mc="http://schemas.openxmlformats.org/markup-compatibility/2006">
-    <mc:Choice xmlns:p14="http://schemas.microsoft.com/office/powerpoint/2010/main" xmlns="" Requires="p14">
+    <mc:Choice xmlns="" xmlns:p14="http://schemas.microsoft.com/office/powerpoint/2010/main" Requires="p14">
       <p:transition spd="slow" p14:dur="2000" advClick="0" advTm="5000"/>
     </mc:Choice>
     <mc:Fallback>
@@ -15939,7 +16149,7 @@
     <a:masterClrMapping/>
   </p:clrMapOvr>
   <mc:AlternateContent xmlns:mc="http://schemas.openxmlformats.org/markup-compatibility/2006">
-    <mc:Choice xmlns:p14="http://schemas.microsoft.com/office/powerpoint/2010/main" xmlns="" Requires="p14">
+    <mc:Choice xmlns="" xmlns:p14="http://schemas.microsoft.com/office/powerpoint/2010/main" Requires="p14">
       <p:transition spd="slow" p14:dur="2000" advClick="0" advTm="5000"/>
     </mc:Choice>
     <mc:Fallback>
@@ -16122,7 +16332,7 @@
     <a:masterClrMapping/>
   </p:clrMapOvr>
   <mc:AlternateContent xmlns:mc="http://schemas.openxmlformats.org/markup-compatibility/2006">
-    <mc:Choice xmlns:p14="http://schemas.microsoft.com/office/powerpoint/2010/main" xmlns="" Requires="p14">
+    <mc:Choice xmlns="" xmlns:p14="http://schemas.microsoft.com/office/powerpoint/2010/main" Requires="p14">
       <p:transition spd="slow" p14:dur="2000" advClick="0" advTm="5000"/>
     </mc:Choice>
     <mc:Fallback>
@@ -16428,7 +16638,7 @@
     <a:masterClrMapping/>
   </p:clrMapOvr>
   <mc:AlternateContent xmlns:mc="http://schemas.openxmlformats.org/markup-compatibility/2006">
-    <mc:Choice xmlns:p14="http://schemas.microsoft.com/office/powerpoint/2010/main" xmlns="" Requires="p14">
+    <mc:Choice xmlns="" xmlns:p14="http://schemas.microsoft.com/office/powerpoint/2010/main" Requires="p14">
       <p:transition spd="slow" p14:dur="2000" advClick="0" advTm="5000"/>
     </mc:Choice>
     <mc:Fallback>
@@ -17113,7 +17323,7 @@
     <a:masterClrMapping/>
   </p:clrMapOvr>
   <mc:AlternateContent xmlns:mc="http://schemas.openxmlformats.org/markup-compatibility/2006">
-    <mc:Choice xmlns:p14="http://schemas.microsoft.com/office/powerpoint/2010/main" xmlns="" Requires="p14">
+    <mc:Choice xmlns="" xmlns:p14="http://schemas.microsoft.com/office/powerpoint/2010/main" Requires="p14">
       <p:transition spd="slow" p14:dur="2000" advClick="0" advTm="5000"/>
     </mc:Choice>
     <mc:Fallback>
@@ -17510,7 +17720,7 @@
     <a:masterClrMapping/>
   </p:clrMapOvr>
   <mc:AlternateContent xmlns:mc="http://schemas.openxmlformats.org/markup-compatibility/2006">
-    <mc:Choice xmlns:p14="http://schemas.microsoft.com/office/powerpoint/2010/main" xmlns="" Requires="p14">
+    <mc:Choice xmlns="" xmlns:p14="http://schemas.microsoft.com/office/powerpoint/2010/main" Requires="p14">
       <p:transition spd="slow" p14:dur="2000" advClick="0" advTm="5000"/>
     </mc:Choice>
     <mc:Fallback>
@@ -17861,7 +18071,7 @@
     <a:masterClrMapping/>
   </p:clrMapOvr>
   <mc:AlternateContent xmlns:mc="http://schemas.openxmlformats.org/markup-compatibility/2006">
-    <mc:Choice xmlns:p14="http://schemas.microsoft.com/office/powerpoint/2010/main" xmlns="" Requires="p14">
+    <mc:Choice xmlns="" xmlns:p14="http://schemas.microsoft.com/office/powerpoint/2010/main" Requires="p14">
       <p:transition spd="slow" p14:dur="2000" advClick="0" advTm="5000"/>
     </mc:Choice>
     <mc:Fallback>
@@ -17973,6 +18183,8 @@
               </a:rPr>
               <a:t> </a:t>
             </a:r>
+          </a:p>
+          <a:p>
             <a:endParaRPr lang="bg-BG" sz="3200" b="1" dirty="0" smtClean="0">
               <a:solidFill>
                 <a:schemeClr val="bg1"/>
@@ -17980,13 +18192,6 @@
             </a:endParaRPr>
           </a:p>
           <a:p>
-            <a:endParaRPr lang="bg-BG" sz="3200" b="1" dirty="0" smtClean="0">
-              <a:solidFill>
-                <a:schemeClr val="bg1"/>
-              </a:solidFill>
-            </a:endParaRPr>
-          </a:p>
-          <a:p>
             <a:pPr>
               <a:buNone/>
             </a:pPr>
@@ -18008,22 +18213,12 @@
                 </a:solidFill>
                 <a:latin typeface="Consolas" pitchFamily="49" charset="0"/>
               </a:rPr>
-              <a:t>Get External Data </a:t>
-            </a:r>
-            <a:r>
-              <a:rPr lang="en-US" sz="3200" b="1" dirty="0" smtClean="0">
-                <a:solidFill>
-                  <a:schemeClr val="bg1"/>
-                </a:solidFill>
-                <a:latin typeface="Consolas" pitchFamily="49" charset="0"/>
-              </a:rPr>
-              <a:t>– Excel Spreadsheet</a:t>
+              <a:t>Get External Data – Excel Spreadsheet</a:t>
             </a:r>
             <a:r>
               <a:rPr lang="en-US" sz="3200" dirty="0" smtClean="0"/>
               <a:t>“</a:t>
             </a:r>
-            <a:endParaRPr lang="en-US" sz="3200" dirty="0" smtClean="0"/>
           </a:p>
           <a:p>
             <a:r>
@@ -18088,7 +18283,7 @@
             </a:r>
             <a:r>
               <a:rPr lang="en-US" sz="3200" dirty="0" smtClean="0"/>
-              <a:t> "</a:t>
+              <a:t>"</a:t>
             </a:r>
             <a:endParaRPr lang="bg-BG" sz="3200" dirty="0" smtClean="0"/>
           </a:p>
@@ -18261,7 +18456,7 @@
     <a:masterClrMapping/>
   </p:clrMapOvr>
   <mc:AlternateContent xmlns:mc="http://schemas.openxmlformats.org/markup-compatibility/2006">
-    <mc:Choice xmlns:p14="http://schemas.microsoft.com/office/powerpoint/2010/main" xmlns="" Requires="p14">
+    <mc:Choice xmlns="" xmlns:p14="http://schemas.microsoft.com/office/powerpoint/2010/main" Requires="p14">
       <p:transition spd="slow" p14:dur="2000" advClick="0" advTm="5000"/>
     </mc:Choice>
     <mc:Fallback>
@@ -18567,7 +18762,7 @@
           <p:cNvPr id="5" name="Slide Number">
             <a:extLst>
               <a:ext uri="{FF2B5EF4-FFF2-40B4-BE49-F238E27FC236}">
-                <a16:creationId xmlns:a16="http://schemas.microsoft.com/office/drawing/2014/main" xmlns="" id="{6A760D59-0056-4F39-B077-DBDBE3D2927E}"/>
+                <a16:creationId xmlns="" xmlns:a16="http://schemas.microsoft.com/office/drawing/2014/main" id="{6A760D59-0056-4F39-B077-DBDBE3D2927E}"/>
               </a:ext>
             </a:extLst>
           </p:cNvPr>
@@ -19034,7 +19229,7 @@
     </p:spTree>
     <p:extLst>
       <p:ext uri="{BB962C8B-B14F-4D97-AF65-F5344CB8AC3E}">
-        <p14:creationId xmlns:p14="http://schemas.microsoft.com/office/powerpoint/2010/main" xmlns="" val="1646986932"/>
+        <p14:creationId xmlns="" xmlns:p14="http://schemas.microsoft.com/office/powerpoint/2010/main" val="1646986932"/>
       </p:ext>
     </p:extLst>
   </p:cSld>
@@ -19042,7 +19237,7 @@
     <a:masterClrMapping/>
   </p:clrMapOvr>
   <mc:AlternateContent xmlns:mc="http://schemas.openxmlformats.org/markup-compatibility/2006">
-    <mc:Choice xmlns:p14="http://schemas.microsoft.com/office/powerpoint/2010/main" xmlns="" Requires="p14">
+    <mc:Choice xmlns="" xmlns:p14="http://schemas.microsoft.com/office/powerpoint/2010/main" Requires="p14">
       <p:transition spd="slow" p14:dur="2000" advClick="0" advTm="5000"/>
     </mc:Choice>
     <mc:Fallback>
@@ -19592,9 +19787,22 @@
           <a:bodyPr/>
           <a:lstStyle/>
           <a:p>
+            <a:pPr>
+              <a:buClr>
+                <a:schemeClr val="tx1"/>
+              </a:buClr>
+            </a:pPr>
+            <a:r>
+              <a:rPr lang="en-US" b="1" dirty="0" smtClean="0">
+                <a:solidFill>
+                  <a:schemeClr val="bg1"/>
+                </a:solidFill>
+              </a:rPr>
+              <a:t>TODO</a:t>
+            </a:r>
             <a:r>
               <a:rPr lang="en-US" dirty="0" smtClean="0"/>
-              <a:t>TODO: </a:t>
+              <a:t>: </a:t>
             </a:r>
             <a:r>
               <a:rPr lang="bg-BG" dirty="0" smtClean="0"/>
@@ -19625,11 +19833,7 @@
             </a:r>
             <a:r>
               <a:rPr lang="en-US" dirty="0" smtClean="0"/>
-              <a:t> </a:t>
-            </a:r>
-            <a:r>
-              <a:rPr lang="en-US" dirty="0" smtClean="0"/>
-              <a:t>SQL Server</a:t>
+              <a:t> SQL Server</a:t>
             </a:r>
             <a:endParaRPr lang="en-US" dirty="0"/>
           </a:p>
@@ -19641,7 +19845,7 @@
     <a:masterClrMapping/>
   </p:clrMapOvr>
   <mc:AlternateContent xmlns:mc="http://schemas.openxmlformats.org/markup-compatibility/2006">
-    <mc:Choice xmlns:p14="http://schemas.microsoft.com/office/powerpoint/2010/main" xmlns="" Requires="p14">
+    <mc:Choice xmlns="" xmlns:p14="http://schemas.microsoft.com/office/powerpoint/2010/main" Requires="p14">
       <p:transition spd="slow" p14:dur="2000" advClick="0" advTm="5000"/>
     </mc:Choice>
     <mc:Fallback>
@@ -19690,6 +19894,14 @@
           <a:bodyPr/>
           <a:lstStyle/>
           <a:p>
+            <a:r>
+              <a:rPr lang="bg-BG" dirty="0" smtClean="0"/>
+              <a:t>Създаване </a:t>
+            </a:r>
+            <a:r>
+              <a:rPr lang="bg-BG" smtClean="0"/>
+              <a:t>на формуляри</a:t>
+            </a:r>
             <a:endParaRPr lang="en-US" dirty="0"/>
           </a:p>
         </p:txBody>
@@ -19749,7 +19961,7 @@
     <a:masterClrMapping/>
   </p:clrMapOvr>
   <mc:AlternateContent xmlns:mc="http://schemas.openxmlformats.org/markup-compatibility/2006">
-    <mc:Choice xmlns:p14="http://schemas.microsoft.com/office/powerpoint/2010/main" xmlns="" Requires="p14">
+    <mc:Choice xmlns="" xmlns:p14="http://schemas.microsoft.com/office/powerpoint/2010/main" Requires="p14">
       <p:transition spd="slow" p14:dur="2000" advClick="0" advTm="5000"/>
     </mc:Choice>
     <mc:Fallback>
@@ -19886,11 +20098,7 @@
             </a:r>
             <a:r>
               <a:rPr lang="ru-RU" dirty="0" smtClean="0"/>
-              <a:t> на елементите, които </a:t>
-            </a:r>
-            <a:r>
-              <a:rPr lang="ru-RU" dirty="0" smtClean="0"/>
-              <a:t>искаме</a:t>
+              <a:t> на елементите, които искаме</a:t>
             </a:r>
             <a:endParaRPr lang="en-US" dirty="0" smtClean="0"/>
           </a:p>
@@ -19933,11 +20141,7 @@
             </a:r>
             <a:r>
               <a:rPr lang="ru-RU" dirty="0" smtClean="0"/>
-              <a:t> </a:t>
-            </a:r>
-            <a:r>
-              <a:rPr lang="ru-RU" dirty="0" smtClean="0"/>
-              <a:t>можете</a:t>
+              <a:t> можете</a:t>
             </a:r>
             <a:r>
               <a:rPr lang="en-US" dirty="0" smtClean="0"/>
@@ -19964,15 +20168,7 @@
                   <a:schemeClr val="bg1"/>
                 </a:solidFill>
               </a:rPr>
-              <a:t>Д</a:t>
-            </a:r>
-            <a:r>
-              <a:rPr lang="ru-RU" b="1" dirty="0" smtClean="0">
-                <a:solidFill>
-                  <a:schemeClr val="bg1"/>
-                </a:solidFill>
-              </a:rPr>
-              <a:t>обавяте</a:t>
+              <a:t>Добавяте</a:t>
             </a:r>
             <a:r>
               <a:rPr lang="ru-RU" dirty="0" smtClean="0"/>
@@ -19995,13 +20191,8 @@
             </a:r>
             <a:r>
               <a:rPr lang="ru-RU" dirty="0" smtClean="0"/>
-              <a:t> </a:t>
-            </a:r>
-            <a:r>
-              <a:rPr lang="ru-RU" dirty="0" smtClean="0"/>
-              <a:t>данни</a:t>
-            </a:r>
-            <a:endParaRPr lang="ru-RU" dirty="0" smtClean="0"/>
+              <a:t> данни</a:t>
+            </a:r>
           </a:p>
           <a:p>
             <a:pPr lvl="1">
@@ -20015,15 +20206,7 @@
                   <a:schemeClr val="bg1"/>
                 </a:solidFill>
               </a:rPr>
-              <a:t>П</a:t>
-            </a:r>
-            <a:r>
-              <a:rPr lang="ru-RU" b="1" dirty="0" smtClean="0">
-                <a:solidFill>
-                  <a:schemeClr val="bg1"/>
-                </a:solidFill>
-              </a:rPr>
-              <a:t>оказвате</a:t>
+              <a:t>Показвате</a:t>
             </a:r>
             <a:r>
               <a:rPr lang="ru-RU" dirty="0" smtClean="0"/>
@@ -20053,7 +20236,7 @@
             </a:r>
             <a:r>
               <a:rPr lang="bg-BG" dirty="0" smtClean="0"/>
-              <a:t>формуляри</a:t>
+              <a:t>формуляри (1)</a:t>
             </a:r>
             <a:endParaRPr lang="en-US" dirty="0"/>
           </a:p>
@@ -20091,7 +20274,7 @@
     <a:masterClrMapping/>
   </p:clrMapOvr>
   <mc:AlternateContent xmlns:mc="http://schemas.openxmlformats.org/markup-compatibility/2006">
-    <mc:Choice xmlns:p14="http://schemas.microsoft.com/office/powerpoint/2010/main" xmlns="" Requires="p14">
+    <mc:Choice xmlns="" xmlns:p14="http://schemas.microsoft.com/office/powerpoint/2010/main" Requires="p14">
       <p:transition spd="slow" p14:dur="2000" advClick="0" advTm="5000"/>
     </mc:Choice>
     <mc:Fallback>
@@ -20365,19 +20548,126 @@
           <a:bodyPr/>
           <a:lstStyle/>
           <a:p>
+            <a:pPr>
+              <a:buClr>
+                <a:schemeClr val="tx1"/>
+              </a:buClr>
+            </a:pPr>
+            <a:r>
+              <a:rPr lang="ru-RU" b="1" dirty="0" smtClean="0">
+                <a:solidFill>
+                  <a:schemeClr val="bg1"/>
+                </a:solidFill>
+              </a:rPr>
+              <a:t>Дизайнът</a:t>
+            </a:r>
             <a:r>
               <a:rPr lang="ru-RU" dirty="0" smtClean="0"/>
-              <a:t>съхранени във вашата настолна база данни на Access, дизайнът на вашия формуляр е важен аспект. Ако вашата настолна база данни на Access ще се използва от множество потребители, добре проектираните формуляри са от съществено значение за ефективността и точността на въвеждане </a:t>
-            </a:r>
-            <a:r>
-              <a:rPr lang="ru-RU" smtClean="0"/>
+              <a:t> </a:t>
+            </a:r>
+            <a:r>
+              <a:rPr lang="ru-RU" dirty="0" smtClean="0"/>
               <a:t>на </a:t>
             </a:r>
             <a:r>
-              <a:rPr lang="ru-RU" smtClean="0"/>
+              <a:rPr lang="ru-RU" dirty="0" smtClean="0"/>
+              <a:t>формуляра е </a:t>
+            </a:r>
+            <a:r>
+              <a:rPr lang="ru-RU" b="1" dirty="0" smtClean="0">
+                <a:solidFill>
+                  <a:schemeClr val="bg1"/>
+                </a:solidFill>
+              </a:rPr>
+              <a:t>важен</a:t>
+            </a:r>
+            <a:r>
+              <a:rPr lang="ru-RU" dirty="0" smtClean="0"/>
+              <a:t> </a:t>
+            </a:r>
+            <a:r>
+              <a:rPr lang="ru-RU" dirty="0" smtClean="0"/>
+              <a:t>аспект</a:t>
+            </a:r>
+          </a:p>
+          <a:p>
+            <a:pPr lvl="1"/>
+            <a:r>
+              <a:rPr lang="ru-RU" dirty="0" smtClean="0"/>
+              <a:t>Може да се използва от </a:t>
+            </a:r>
+            <a:r>
+              <a:rPr lang="ru-RU" b="1" dirty="0" smtClean="0">
+                <a:solidFill>
+                  <a:schemeClr val="bg1"/>
+                </a:solidFill>
+              </a:rPr>
+              <a:t>множество</a:t>
+            </a:r>
+            <a:r>
+              <a:rPr lang="ru-RU" dirty="0" smtClean="0"/>
+              <a:t> потребители</a:t>
+            </a:r>
+            <a:endParaRPr lang="ru-RU" dirty="0" smtClean="0"/>
+          </a:p>
+          <a:p>
+            <a:r>
+              <a:rPr lang="bg-BG" dirty="0" smtClean="0"/>
+              <a:t>Добре </a:t>
+            </a:r>
+            <a:r>
+              <a:rPr lang="ru-RU" dirty="0" smtClean="0"/>
+              <a:t>проектираните </a:t>
+            </a:r>
+            <a:r>
+              <a:rPr lang="ru-RU" b="1" dirty="0" smtClean="0">
+                <a:solidFill>
+                  <a:schemeClr val="bg1"/>
+                </a:solidFill>
+              </a:rPr>
+              <a:t>формуляри</a:t>
+            </a:r>
+            <a:r>
+              <a:rPr lang="ru-RU" dirty="0" smtClean="0"/>
+              <a:t> са от съществено значение за </a:t>
+            </a:r>
+            <a:r>
+              <a:rPr lang="ru-RU" b="1" dirty="0" smtClean="0">
+                <a:solidFill>
+                  <a:schemeClr val="bg1"/>
+                </a:solidFill>
+              </a:rPr>
+              <a:t>ефективността</a:t>
+            </a:r>
+            <a:r>
+              <a:rPr lang="ru-RU" dirty="0" smtClean="0"/>
+              <a:t> и </a:t>
+            </a:r>
+            <a:r>
+              <a:rPr lang="ru-RU" b="1" dirty="0" smtClean="0">
+                <a:solidFill>
+                  <a:schemeClr val="bg1"/>
+                </a:solidFill>
+              </a:rPr>
+              <a:t>точността</a:t>
+            </a:r>
+            <a:r>
+              <a:rPr lang="ru-RU" dirty="0" smtClean="0"/>
+              <a:t> на въвеждане на </a:t>
+            </a:r>
+            <a:r>
+              <a:rPr lang="ru-RU" b="1" dirty="0" smtClean="0">
+                <a:solidFill>
+                  <a:schemeClr val="bg1"/>
+                </a:solidFill>
+              </a:rPr>
               <a:t>данни</a:t>
             </a:r>
-            <a:endParaRPr lang="en-US" dirty="0" smtClean="0"/>
+            <a:endParaRPr lang="en-US" b="1" dirty="0" smtClean="0">
+              <a:solidFill>
+                <a:schemeClr val="bg1"/>
+              </a:solidFill>
+            </a:endParaRPr>
           </a:p>
           <a:p>
             <a:endParaRPr lang="en-US" dirty="0"/>
@@ -20411,13 +20701,39 @@
           </a:p>
         </p:txBody>
       </p:sp>
+      <p:pic>
+        <p:nvPicPr>
+          <p:cNvPr id="8194" name="Picture 2" descr="900+ Free User &amp; Avatar Images - Pixabay"/>
+          <p:cNvPicPr>
+            <a:picLocks noChangeAspect="1" noChangeArrowheads="1"/>
+          </p:cNvPicPr>
+          <p:nvPr/>
+        </p:nvPicPr>
+        <p:blipFill>
+          <a:blip r:embed="rId2" cstate="print"/>
+          <a:srcRect/>
+          <a:stretch>
+            <a:fillRect/>
+          </a:stretch>
+        </p:blipFill>
+        <p:spPr bwMode="auto">
+          <a:xfrm>
+            <a:off x="4724400" y="3886200"/>
+            <a:ext cx="2743200" cy="2743201"/>
+          </a:xfrm>
+          <a:prstGeom prst="rect">
+            <a:avLst/>
+          </a:prstGeom>
+          <a:noFill/>
+        </p:spPr>
+      </p:pic>
     </p:spTree>
   </p:cSld>
   <p:clrMapOvr>
     <a:masterClrMapping/>
   </p:clrMapOvr>
   <mc:AlternateContent xmlns:mc="http://schemas.openxmlformats.org/markup-compatibility/2006">
-    <mc:Choice xmlns:p14="http://schemas.microsoft.com/office/powerpoint/2010/main" xmlns="" Requires="p14">
+    <mc:Choice xmlns="" xmlns:p14="http://schemas.microsoft.com/office/powerpoint/2010/main" Requires="p14">
       <p:transition spd="slow" p14:dur="2000" advClick="0" advTm="5000"/>
     </mc:Choice>
     <mc:Fallback>
@@ -20427,7 +20743,79 @@
   <p:timing>
     <p:tnLst>
       <p:par>
-        <p:cTn id="1" dur="indefinite" restart="never" nodeType="tmRoot"/>
+        <p:cTn id="1" dur="indefinite" restart="never" nodeType="tmRoot">
+          <p:childTnLst>
+            <p:seq concurrent="1" nextAc="seek">
+              <p:cTn id="2" dur="indefinite" nodeType="mainSeq">
+                <p:childTnLst>
+                  <p:par>
+                    <p:cTn id="3" fill="hold">
+                      <p:stCondLst>
+                        <p:cond delay="indefinite"/>
+                      </p:stCondLst>
+                      <p:childTnLst>
+                        <p:par>
+                          <p:cTn id="4" fill="hold">
+                            <p:stCondLst>
+                              <p:cond delay="0"/>
+                            </p:stCondLst>
+                            <p:childTnLst>
+                              <p:par>
+                                <p:cTn id="5" presetID="1" presetClass="entr" presetSubtype="0" fill="hold" nodeType="clickEffect">
+                                  <p:stCondLst>
+                                    <p:cond delay="0"/>
+                                  </p:stCondLst>
+                                  <p:childTnLst>
+                                    <p:set>
+                                      <p:cBhvr>
+                                        <p:cTn id="6" dur="1" fill="hold">
+                                          <p:stCondLst>
+                                            <p:cond delay="0"/>
+                                          </p:stCondLst>
+                                        </p:cTn>
+                                        <p:tgtEl>
+                                          <p:spTgt spid="3">
+                                            <p:txEl>
+                                              <p:pRg st="2" end="2"/>
+                                            </p:txEl>
+                                          </p:spTgt>
+                                        </p:tgtEl>
+                                        <p:attrNameLst>
+                                          <p:attrName>style.visibility</p:attrName>
+                                        </p:attrNameLst>
+                                      </p:cBhvr>
+                                      <p:to>
+                                        <p:strVal val="visible"/>
+                                      </p:to>
+                                    </p:set>
+                                  </p:childTnLst>
+                                </p:cTn>
+                              </p:par>
+                            </p:childTnLst>
+                          </p:cTn>
+                        </p:par>
+                      </p:childTnLst>
+                    </p:cTn>
+                  </p:par>
+                </p:childTnLst>
+              </p:cTn>
+              <p:prevCondLst>
+                <p:cond evt="onPrev" delay="0">
+                  <p:tgtEl>
+                    <p:sldTgt/>
+                  </p:tgtEl>
+                </p:cond>
+              </p:prevCondLst>
+              <p:nextCondLst>
+                <p:cond evt="onNext" delay="0">
+                  <p:tgtEl>
+                    <p:sldTgt/>
+                  </p:tgtEl>
+                </p:cond>
+              </p:nextCondLst>
+            </p:seq>
+          </p:childTnLst>
+        </p:cTn>
       </p:par>
     </p:tnLst>
   </p:timing>
@@ -20451,12 +20839,2535 @@
           <a:chExt cx="0" cy="0"/>
         </a:xfrm>
       </p:grpSpPr>
+      <p:sp>
+        <p:nvSpPr>
+          <p:cNvPr id="2" name="Slide Number Placeholder 1"/>
+          <p:cNvSpPr>
+            <a:spLocks noGrp="1"/>
+          </p:cNvSpPr>
+          <p:nvPr>
+            <p:ph type="sldNum" sz="quarter" idx="5"/>
+          </p:nvPr>
+        </p:nvSpPr>
+        <p:spPr/>
+        <p:txBody>
+          <a:bodyPr/>
+          <a:lstStyle/>
+          <a:p>
+            <a:fld id="{2BF067CD-8E6B-4360-9AA8-C5DF2A48A6D1}" type="slidenum">
+              <a:rPr lang="en-US" noProof="0" smtClean="0"/>
+              <a:pPr/>
+              <a:t>24</a:t>
+            </a:fld>
+            <a:endParaRPr lang="en-US" noProof="0" dirty="0"/>
+          </a:p>
+        </p:txBody>
+      </p:sp>
+      <p:sp>
+        <p:nvSpPr>
+          <p:cNvPr id="3" name="Text Placeholder 2"/>
+          <p:cNvSpPr>
+            <a:spLocks noGrp="1"/>
+          </p:cNvSpPr>
+          <p:nvPr>
+            <p:ph type="body" sz="quarter" idx="10"/>
+          </p:nvPr>
+        </p:nvSpPr>
+        <p:spPr/>
+        <p:txBody>
+          <a:bodyPr/>
+          <a:lstStyle/>
+          <a:p>
+            <a:r>
+              <a:rPr lang="ru-RU" sz="3200" dirty="0" smtClean="0"/>
+              <a:t>За да създадете </a:t>
+            </a:r>
+            <a:r>
+              <a:rPr lang="ru-RU" sz="3200" b="1" dirty="0" smtClean="0">
+                <a:solidFill>
+                  <a:schemeClr val="bg1"/>
+                </a:solidFill>
+              </a:rPr>
+              <a:t>формуляр</a:t>
+            </a:r>
+            <a:r>
+              <a:rPr lang="ru-RU" sz="3200" dirty="0" smtClean="0"/>
+              <a:t> от </a:t>
+            </a:r>
+            <a:r>
+              <a:rPr lang="ru-RU" sz="3200" b="1" dirty="0" smtClean="0">
+                <a:solidFill>
+                  <a:schemeClr val="bg1"/>
+                </a:solidFill>
+              </a:rPr>
+              <a:t>таблица</a:t>
+            </a:r>
+            <a:r>
+              <a:rPr lang="ru-RU" sz="3200" dirty="0" smtClean="0"/>
+              <a:t> </a:t>
+            </a:r>
+            <a:r>
+              <a:rPr lang="ru-RU" sz="3200" dirty="0" smtClean="0"/>
+              <a:t>във </a:t>
+            </a:r>
+            <a:r>
+              <a:rPr lang="ru-RU" sz="3200" dirty="0" smtClean="0"/>
+              <a:t>вашата база </a:t>
+            </a:r>
+            <a:r>
+              <a:rPr lang="ru-RU" sz="3200" dirty="0" smtClean="0"/>
+              <a:t>данни: </a:t>
+            </a:r>
+          </a:p>
+          <a:p>
+            <a:pPr lvl="1"/>
+            <a:r>
+              <a:rPr lang="ru-RU" sz="3000" dirty="0" smtClean="0"/>
+              <a:t>В </a:t>
+            </a:r>
+            <a:r>
+              <a:rPr lang="en-US" sz="3000" b="1" dirty="0" smtClean="0">
+                <a:solidFill>
+                  <a:schemeClr val="bg1"/>
+                </a:solidFill>
+                <a:latin typeface="Consolas" pitchFamily="49" charset="0"/>
+              </a:rPr>
+              <a:t>Navigation </a:t>
+            </a:r>
+            <a:r>
+              <a:rPr lang="en-US" sz="3000" b="1" dirty="0" smtClean="0">
+                <a:solidFill>
+                  <a:schemeClr val="bg1"/>
+                </a:solidFill>
+                <a:latin typeface="Consolas" pitchFamily="49" charset="0"/>
+              </a:rPr>
+              <a:t>Pane</a:t>
+            </a:r>
+            <a:r>
+              <a:rPr lang="bg-BG" sz="3000" dirty="0" smtClean="0"/>
+              <a:t> </a:t>
+            </a:r>
+            <a:r>
+              <a:rPr lang="ru-RU" sz="3000" dirty="0" smtClean="0"/>
+              <a:t>щракнете </a:t>
+            </a:r>
+            <a:r>
+              <a:rPr lang="ru-RU" sz="3000" dirty="0" smtClean="0"/>
+              <a:t>върху </a:t>
+            </a:r>
+            <a:r>
+              <a:rPr lang="ru-RU" sz="3000" b="1" dirty="0" smtClean="0">
+                <a:solidFill>
+                  <a:schemeClr val="bg1"/>
+                </a:solidFill>
+              </a:rPr>
+              <a:t>таблицата</a:t>
+            </a:r>
+            <a:r>
+              <a:rPr lang="ru-RU" sz="3000" dirty="0" smtClean="0"/>
+              <a:t>, </a:t>
+            </a:r>
+            <a:r>
+              <a:rPr lang="ru-RU" sz="3000" dirty="0" smtClean="0"/>
+              <a:t>която съдържа </a:t>
+            </a:r>
+            <a:r>
+              <a:rPr lang="ru-RU" sz="3000" b="1" dirty="0" smtClean="0">
+                <a:solidFill>
+                  <a:schemeClr val="bg1"/>
+                </a:solidFill>
+              </a:rPr>
+              <a:t>данните</a:t>
+            </a:r>
+            <a:r>
+              <a:rPr lang="ru-RU" sz="3000" dirty="0" smtClean="0"/>
+              <a:t> за вашия </a:t>
+            </a:r>
+            <a:r>
+              <a:rPr lang="ru-RU" sz="3000" dirty="0" smtClean="0"/>
+              <a:t>формуляр</a:t>
+            </a:r>
+          </a:p>
+          <a:p>
+            <a:pPr lvl="1"/>
+            <a:r>
+              <a:rPr lang="ru-RU" sz="3000" dirty="0" smtClean="0"/>
+              <a:t>В </a:t>
+            </a:r>
+            <a:r>
+              <a:rPr lang="ru-RU" sz="3000" dirty="0" smtClean="0"/>
+              <a:t>раздела </a:t>
+            </a:r>
+            <a:r>
+              <a:rPr lang="en-US" sz="3000" b="1" dirty="0" smtClean="0">
+                <a:solidFill>
+                  <a:schemeClr val="bg1"/>
+                </a:solidFill>
+                <a:latin typeface="Consolas" pitchFamily="49" charset="0"/>
+              </a:rPr>
+              <a:t>Create</a:t>
+            </a:r>
+            <a:r>
+              <a:rPr lang="bg-BG" sz="3000" dirty="0" smtClean="0"/>
+              <a:t> </a:t>
+            </a:r>
+            <a:r>
+              <a:rPr lang="ru-RU" sz="3000" dirty="0" smtClean="0"/>
+              <a:t>изберете </a:t>
+            </a:r>
+            <a:r>
+              <a:rPr lang="en-US" sz="3000" b="1" dirty="0" smtClean="0">
+                <a:solidFill>
+                  <a:schemeClr val="bg1"/>
+                </a:solidFill>
+                <a:latin typeface="Consolas" pitchFamily="49" charset="0"/>
+              </a:rPr>
+              <a:t>Form</a:t>
+            </a:r>
+            <a:endParaRPr lang="en-US" sz="3000" dirty="0"/>
+          </a:p>
+        </p:txBody>
+      </p:sp>
+      <p:sp>
+        <p:nvSpPr>
+          <p:cNvPr id="4" name="Title 3"/>
+          <p:cNvSpPr>
+            <a:spLocks noGrp="1"/>
+          </p:cNvSpPr>
+          <p:nvPr>
+            <p:ph type="title"/>
+          </p:nvPr>
+        </p:nvSpPr>
+        <p:spPr/>
+        <p:txBody>
+          <a:bodyPr>
+            <a:normAutofit/>
+          </a:bodyPr>
+          <a:lstStyle/>
+          <a:p>
+            <a:r>
+              <a:rPr lang="bg-BG" dirty="0" smtClean="0"/>
+              <a:t>Създаване на </a:t>
+            </a:r>
+            <a:r>
+              <a:rPr lang="bg-BG" dirty="0" smtClean="0"/>
+              <a:t>формуляр от </a:t>
+            </a:r>
+            <a:r>
+              <a:rPr lang="bg-BG" dirty="0" smtClean="0"/>
+              <a:t>таблица (1)</a:t>
+            </a:r>
+            <a:endParaRPr lang="en-US" dirty="0"/>
+          </a:p>
+        </p:txBody>
+      </p:sp>
+      <p:pic>
+        <p:nvPicPr>
+          <p:cNvPr id="58370" name="Picture 2" descr="Microsoft Access Database Forms – Part 1 - Access Database Tutorial"/>
+          <p:cNvPicPr>
+            <a:picLocks noChangeAspect="1" noChangeArrowheads="1"/>
+          </p:cNvPicPr>
+          <p:nvPr/>
+        </p:nvPicPr>
+        <p:blipFill>
+          <a:blip r:embed="rId2" cstate="print"/>
+          <a:srcRect/>
+          <a:stretch>
+            <a:fillRect/>
+          </a:stretch>
+        </p:blipFill>
+        <p:spPr bwMode="auto">
+          <a:xfrm>
+            <a:off x="2600291" y="3649717"/>
+            <a:ext cx="6991418" cy="2903483"/>
+          </a:xfrm>
+          <a:prstGeom prst="rect">
+            <a:avLst/>
+          </a:prstGeom>
+          <a:noFill/>
+          <a:ln>
+            <a:solidFill>
+              <a:schemeClr val="bg2">
+                <a:lumMod val="75000"/>
+              </a:schemeClr>
+            </a:solidFill>
+          </a:ln>
+        </p:spPr>
+      </p:pic>
+    </p:spTree>
+  </p:cSld>
+  <p:clrMapOvr>
+    <a:masterClrMapping/>
+  </p:clrMapOvr>
+  <mc:AlternateContent xmlns:mc="http://schemas.openxmlformats.org/markup-compatibility/2006">
+    <mc:Choice xmlns="" xmlns:p14="http://schemas.microsoft.com/office/powerpoint/2010/main" Requires="p14">
+      <p:transition spd="slow" p14:dur="2000" advClick="0" advTm="5000"/>
+    </mc:Choice>
+    <mc:Fallback>
+      <p:transition spd="slow" advClick="0" advTm="5000"/>
+    </mc:Fallback>
+  </mc:AlternateContent>
+  <p:timing>
+    <p:tnLst>
+      <p:par>
+        <p:cTn id="1" dur="indefinite" restart="never" nodeType="tmRoot">
+          <p:childTnLst>
+            <p:seq concurrent="1" nextAc="seek">
+              <p:cTn id="2" dur="indefinite" nodeType="mainSeq">
+                <p:childTnLst>
+                  <p:par>
+                    <p:cTn id="3" fill="hold">
+                      <p:stCondLst>
+                        <p:cond delay="indefinite"/>
+                      </p:stCondLst>
+                      <p:childTnLst>
+                        <p:par>
+                          <p:cTn id="4" fill="hold">
+                            <p:stCondLst>
+                              <p:cond delay="0"/>
+                            </p:stCondLst>
+                            <p:childTnLst>
+                              <p:par>
+                                <p:cTn id="5" presetID="1" presetClass="entr" presetSubtype="0" fill="hold" nodeType="clickEffect">
+                                  <p:stCondLst>
+                                    <p:cond delay="0"/>
+                                  </p:stCondLst>
+                                  <p:childTnLst>
+                                    <p:set>
+                                      <p:cBhvr>
+                                        <p:cTn id="6" dur="1" fill="hold">
+                                          <p:stCondLst>
+                                            <p:cond delay="0"/>
+                                          </p:stCondLst>
+                                        </p:cTn>
+                                        <p:tgtEl>
+                                          <p:spTgt spid="3">
+                                            <p:txEl>
+                                              <p:pRg st="2" end="2"/>
+                                            </p:txEl>
+                                          </p:spTgt>
+                                        </p:tgtEl>
+                                        <p:attrNameLst>
+                                          <p:attrName>style.visibility</p:attrName>
+                                        </p:attrNameLst>
+                                      </p:cBhvr>
+                                      <p:to>
+                                        <p:strVal val="visible"/>
+                                      </p:to>
+                                    </p:set>
+                                  </p:childTnLst>
+                                </p:cTn>
+                              </p:par>
+                              <p:par>
+                                <p:cTn id="7" presetID="1" presetClass="entr" presetSubtype="0" fill="hold" nodeType="withEffect">
+                                  <p:stCondLst>
+                                    <p:cond delay="0"/>
+                                  </p:stCondLst>
+                                  <p:childTnLst>
+                                    <p:set>
+                                      <p:cBhvr>
+                                        <p:cTn id="8" dur="1" fill="hold">
+                                          <p:stCondLst>
+                                            <p:cond delay="0"/>
+                                          </p:stCondLst>
+                                        </p:cTn>
+                                        <p:tgtEl>
+                                          <p:spTgt spid="58370"/>
+                                        </p:tgtEl>
+                                        <p:attrNameLst>
+                                          <p:attrName>style.visibility</p:attrName>
+                                        </p:attrNameLst>
+                                      </p:cBhvr>
+                                      <p:to>
+                                        <p:strVal val="visible"/>
+                                      </p:to>
+                                    </p:set>
+                                  </p:childTnLst>
+                                </p:cTn>
+                              </p:par>
+                            </p:childTnLst>
+                          </p:cTn>
+                        </p:par>
+                      </p:childTnLst>
+                    </p:cTn>
+                  </p:par>
+                </p:childTnLst>
+              </p:cTn>
+              <p:prevCondLst>
+                <p:cond evt="onPrev" delay="0">
+                  <p:tgtEl>
+                    <p:sldTgt/>
+                  </p:tgtEl>
+                </p:cond>
+              </p:prevCondLst>
+              <p:nextCondLst>
+                <p:cond evt="onNext" delay="0">
+                  <p:tgtEl>
+                    <p:sldTgt/>
+                  </p:tgtEl>
+                </p:cond>
+              </p:nextCondLst>
+            </p:seq>
+          </p:childTnLst>
+        </p:cTn>
+      </p:par>
+    </p:tnLst>
+  </p:timing>
+</p:sld>
+</file>
+
+<file path=ppt/slides/slide25.xml><?xml version="1.0" encoding="utf-8"?>
+<p:sld xmlns:a="http://schemas.openxmlformats.org/drawingml/2006/main" xmlns:r="http://schemas.openxmlformats.org/officeDocument/2006/relationships" xmlns:p="http://schemas.openxmlformats.org/presentationml/2006/main">
+  <p:cSld>
+    <p:spTree>
+      <p:nvGrpSpPr>
+        <p:cNvPr id="1" name=""/>
+        <p:cNvGrpSpPr/>
+        <p:nvPr/>
+      </p:nvGrpSpPr>
+      <p:grpSpPr>
+        <a:xfrm>
+          <a:off x="0" y="0"/>
+          <a:ext cx="0" cy="0"/>
+          <a:chOff x="0" y="0"/>
+          <a:chExt cx="0" cy="0"/>
+        </a:xfrm>
+      </p:grpSpPr>
+      <p:sp>
+        <p:nvSpPr>
+          <p:cNvPr id="2" name="Slide Number Placeholder 1"/>
+          <p:cNvSpPr>
+            <a:spLocks noGrp="1"/>
+          </p:cNvSpPr>
+          <p:nvPr>
+            <p:ph type="sldNum" sz="quarter" idx="5"/>
+          </p:nvPr>
+        </p:nvSpPr>
+        <p:spPr/>
+        <p:txBody>
+          <a:bodyPr/>
+          <a:lstStyle/>
+          <a:p>
+            <a:fld id="{2BF067CD-8E6B-4360-9AA8-C5DF2A48A6D1}" type="slidenum">
+              <a:rPr lang="en-US" noProof="0" smtClean="0"/>
+              <a:pPr/>
+              <a:t>25</a:t>
+            </a:fld>
+            <a:endParaRPr lang="en-US" noProof="0" dirty="0"/>
+          </a:p>
+        </p:txBody>
+      </p:sp>
+      <p:sp>
+        <p:nvSpPr>
+          <p:cNvPr id="3" name="Text Placeholder 2"/>
+          <p:cNvSpPr>
+            <a:spLocks noGrp="1"/>
+          </p:cNvSpPr>
+          <p:nvPr>
+            <p:ph type="body" sz="quarter" idx="10"/>
+          </p:nvPr>
+        </p:nvSpPr>
+        <p:spPr/>
+        <p:txBody>
+          <a:bodyPr>
+            <a:normAutofit/>
+          </a:bodyPr>
+          <a:lstStyle/>
+          <a:p>
+            <a:r>
+              <a:rPr lang="ru-RU" sz="3200" dirty="0" smtClean="0"/>
+              <a:t>Access </a:t>
+            </a:r>
+            <a:r>
+              <a:rPr lang="ru-RU" sz="3200" b="1" dirty="0" smtClean="0">
+                <a:solidFill>
+                  <a:schemeClr val="bg1"/>
+                </a:solidFill>
+              </a:rPr>
+              <a:t>създава</a:t>
+            </a:r>
+            <a:r>
+              <a:rPr lang="ru-RU" sz="3200" dirty="0" smtClean="0"/>
+              <a:t> формуляр и го показва в изглед </a:t>
+            </a:r>
+            <a:r>
+              <a:rPr lang="en-US" sz="3200" b="1" dirty="0" smtClean="0">
+                <a:solidFill>
+                  <a:schemeClr val="bg1"/>
+                </a:solidFill>
+              </a:rPr>
+              <a:t>Layout</a:t>
+            </a:r>
+            <a:endParaRPr lang="ru-RU" sz="3200" dirty="0" smtClean="0"/>
+          </a:p>
+          <a:p>
+            <a:r>
+              <a:rPr lang="ru-RU" sz="3200" dirty="0" smtClean="0"/>
+              <a:t>Можете </a:t>
+            </a:r>
+            <a:r>
+              <a:rPr lang="ru-RU" sz="3200" dirty="0" smtClean="0"/>
+              <a:t>да направите промени в </a:t>
+            </a:r>
+            <a:r>
+              <a:rPr lang="ru-RU" sz="3200" b="1" dirty="0" smtClean="0">
+                <a:solidFill>
+                  <a:schemeClr val="bg1"/>
+                </a:solidFill>
+              </a:rPr>
+              <a:t>дизайна</a:t>
+            </a:r>
+            <a:endParaRPr lang="en-US" sz="3200" b="1" dirty="0" smtClean="0">
+              <a:solidFill>
+                <a:schemeClr val="bg1"/>
+              </a:solidFill>
+            </a:endParaRPr>
+          </a:p>
+          <a:p>
+            <a:pPr lvl="1">
+              <a:buClr>
+                <a:schemeClr val="tx1"/>
+              </a:buClr>
+            </a:pPr>
+            <a:r>
+              <a:rPr lang="ru-RU" sz="3000" b="1" dirty="0" smtClean="0">
+                <a:solidFill>
+                  <a:schemeClr val="bg1"/>
+                </a:solidFill>
+              </a:rPr>
+              <a:t>Коригиране</a:t>
+            </a:r>
+            <a:r>
+              <a:rPr lang="ru-RU" sz="3000" dirty="0" smtClean="0"/>
+              <a:t> </a:t>
+            </a:r>
+            <a:r>
+              <a:rPr lang="ru-RU" sz="3000" dirty="0" smtClean="0"/>
+              <a:t>на </a:t>
+            </a:r>
+            <a:r>
+              <a:rPr lang="ru-RU" sz="3000" b="1" dirty="0" smtClean="0">
+                <a:solidFill>
+                  <a:schemeClr val="bg1"/>
+                </a:solidFill>
+              </a:rPr>
+              <a:t>размера</a:t>
+            </a:r>
+            <a:r>
+              <a:rPr lang="ru-RU" sz="3000" dirty="0" smtClean="0"/>
+              <a:t> на </a:t>
+            </a:r>
+            <a:r>
+              <a:rPr lang="ru-RU" sz="3000" b="1" dirty="0" smtClean="0">
+                <a:solidFill>
+                  <a:schemeClr val="bg1"/>
+                </a:solidFill>
+              </a:rPr>
+              <a:t>текстовите</a:t>
+            </a:r>
+            <a:r>
+              <a:rPr lang="ru-RU" sz="3000" dirty="0" smtClean="0"/>
+              <a:t> </a:t>
+            </a:r>
+            <a:r>
+              <a:rPr lang="ru-RU" sz="3000" b="1" dirty="0" smtClean="0">
+                <a:solidFill>
+                  <a:schemeClr val="bg1"/>
+                </a:solidFill>
+              </a:rPr>
+              <a:t>полета</a:t>
+            </a:r>
+            <a:r>
+              <a:rPr lang="ru-RU" sz="3000" dirty="0" smtClean="0"/>
+              <a:t>, за да паснат на данните, ако е </a:t>
+            </a:r>
+            <a:r>
+              <a:rPr lang="ru-RU" sz="3000" dirty="0" smtClean="0"/>
+              <a:t>необходимо</a:t>
+            </a:r>
+          </a:p>
+          <a:p>
+            <a:endParaRPr lang="en-US" dirty="0" smtClean="0"/>
+          </a:p>
+          <a:p>
+            <a:endParaRPr lang="en-US" dirty="0"/>
+          </a:p>
+        </p:txBody>
+      </p:sp>
+      <p:sp>
+        <p:nvSpPr>
+          <p:cNvPr id="4" name="Title 3"/>
+          <p:cNvSpPr>
+            <a:spLocks noGrp="1"/>
+          </p:cNvSpPr>
+          <p:nvPr>
+            <p:ph type="title"/>
+          </p:nvPr>
+        </p:nvSpPr>
+        <p:spPr/>
+        <p:txBody>
+          <a:bodyPr/>
+          <a:lstStyle/>
+          <a:p>
+            <a:r>
+              <a:rPr lang="bg-BG" dirty="0" smtClean="0"/>
+              <a:t>Създаване на формуляр от таблица </a:t>
+            </a:r>
+            <a:r>
+              <a:rPr lang="bg-BG" dirty="0" smtClean="0"/>
+              <a:t>(</a:t>
+            </a:r>
+            <a:r>
+              <a:rPr lang="en-US" dirty="0" smtClean="0"/>
+              <a:t>2</a:t>
+            </a:r>
+            <a:r>
+              <a:rPr lang="bg-BG" dirty="0" smtClean="0"/>
+              <a:t>)</a:t>
+            </a:r>
+            <a:endParaRPr lang="en-US" dirty="0"/>
+          </a:p>
+        </p:txBody>
+      </p:sp>
+      <p:pic>
+        <p:nvPicPr>
+          <p:cNvPr id="9" name="Picture 7" descr="Access 2016: Create a Form"/>
+          <p:cNvPicPr>
+            <a:picLocks noChangeAspect="1" noChangeArrowheads="1"/>
+          </p:cNvPicPr>
+          <p:nvPr/>
+        </p:nvPicPr>
+        <p:blipFill>
+          <a:blip r:embed="rId2" cstate="print"/>
+          <a:srcRect/>
+          <a:stretch>
+            <a:fillRect/>
+          </a:stretch>
+        </p:blipFill>
+        <p:spPr bwMode="auto">
+          <a:xfrm>
+            <a:off x="6248400" y="3102988"/>
+            <a:ext cx="5029200" cy="3629265"/>
+          </a:xfrm>
+          <a:prstGeom prst="rect">
+            <a:avLst/>
+          </a:prstGeom>
+          <a:noFill/>
+          <a:ln>
+            <a:solidFill>
+              <a:schemeClr val="bg2">
+                <a:lumMod val="75000"/>
+              </a:schemeClr>
+            </a:solidFill>
+          </a:ln>
+        </p:spPr>
+      </p:pic>
+      <p:pic>
+        <p:nvPicPr>
+          <p:cNvPr id="61450" name="Picture 10"/>
+          <p:cNvPicPr>
+            <a:picLocks noChangeAspect="1" noChangeArrowheads="1"/>
+          </p:cNvPicPr>
+          <p:nvPr/>
+        </p:nvPicPr>
+        <p:blipFill>
+          <a:blip r:embed="rId3" cstate="print"/>
+          <a:srcRect/>
+          <a:stretch>
+            <a:fillRect/>
+          </a:stretch>
+        </p:blipFill>
+        <p:spPr bwMode="auto">
+          <a:xfrm>
+            <a:off x="457200" y="3657600"/>
+            <a:ext cx="5285342" cy="2895600"/>
+          </a:xfrm>
+          <a:prstGeom prst="rect">
+            <a:avLst/>
+          </a:prstGeom>
+          <a:noFill/>
+          <a:ln w="9525">
+            <a:noFill/>
+            <a:miter lim="800000"/>
+            <a:headEnd/>
+            <a:tailEnd/>
+          </a:ln>
+        </p:spPr>
+      </p:pic>
+    </p:spTree>
+  </p:cSld>
+  <p:clrMapOvr>
+    <a:masterClrMapping/>
+  </p:clrMapOvr>
+  <mc:AlternateContent xmlns:mc="http://schemas.openxmlformats.org/markup-compatibility/2006">
+    <mc:Choice xmlns="" xmlns:p14="http://schemas.microsoft.com/office/powerpoint/2010/main" Requires="p14">
+      <p:transition spd="slow" p14:dur="2000" advClick="0" advTm="5000"/>
+    </mc:Choice>
+    <mc:Fallback>
+      <p:transition spd="slow" advClick="0" advTm="5000"/>
+    </mc:Fallback>
+  </mc:AlternateContent>
+  <p:timing>
+    <p:tnLst>
+      <p:par>
+        <p:cTn id="1" dur="indefinite" restart="never" nodeType="tmRoot">
+          <p:childTnLst>
+            <p:seq concurrent="1" nextAc="seek">
+              <p:cTn id="2" dur="indefinite" nodeType="mainSeq">
+                <p:childTnLst>
+                  <p:par>
+                    <p:cTn id="3" fill="hold">
+                      <p:stCondLst>
+                        <p:cond delay="indefinite"/>
+                      </p:stCondLst>
+                      <p:childTnLst>
+                        <p:par>
+                          <p:cTn id="4" fill="hold">
+                            <p:stCondLst>
+                              <p:cond delay="0"/>
+                            </p:stCondLst>
+                            <p:childTnLst>
+                              <p:par>
+                                <p:cTn id="5" presetID="1" presetClass="entr" presetSubtype="0" fill="hold" nodeType="clickEffect">
+                                  <p:stCondLst>
+                                    <p:cond delay="0"/>
+                                  </p:stCondLst>
+                                  <p:childTnLst>
+                                    <p:set>
+                                      <p:cBhvr>
+                                        <p:cTn id="6" dur="1" fill="hold">
+                                          <p:stCondLst>
+                                            <p:cond delay="0"/>
+                                          </p:stCondLst>
+                                        </p:cTn>
+                                        <p:tgtEl>
+                                          <p:spTgt spid="3">
+                                            <p:txEl>
+                                              <p:pRg st="1" end="1"/>
+                                            </p:txEl>
+                                          </p:spTgt>
+                                        </p:tgtEl>
+                                        <p:attrNameLst>
+                                          <p:attrName>style.visibility</p:attrName>
+                                        </p:attrNameLst>
+                                      </p:cBhvr>
+                                      <p:to>
+                                        <p:strVal val="visible"/>
+                                      </p:to>
+                                    </p:set>
+                                  </p:childTnLst>
+                                </p:cTn>
+                              </p:par>
+                              <p:par>
+                                <p:cTn id="7" presetID="1" presetClass="entr" presetSubtype="0" fill="hold" nodeType="withEffect">
+                                  <p:stCondLst>
+                                    <p:cond delay="0"/>
+                                  </p:stCondLst>
+                                  <p:childTnLst>
+                                    <p:set>
+                                      <p:cBhvr>
+                                        <p:cTn id="8" dur="1" fill="hold">
+                                          <p:stCondLst>
+                                            <p:cond delay="0"/>
+                                          </p:stCondLst>
+                                        </p:cTn>
+                                        <p:tgtEl>
+                                          <p:spTgt spid="3">
+                                            <p:txEl>
+                                              <p:pRg st="2" end="2"/>
+                                            </p:txEl>
+                                          </p:spTgt>
+                                        </p:tgtEl>
+                                        <p:attrNameLst>
+                                          <p:attrName>style.visibility</p:attrName>
+                                        </p:attrNameLst>
+                                      </p:cBhvr>
+                                      <p:to>
+                                        <p:strVal val="visible"/>
+                                      </p:to>
+                                    </p:set>
+                                  </p:childTnLst>
+                                </p:cTn>
+                              </p:par>
+                            </p:childTnLst>
+                          </p:cTn>
+                        </p:par>
+                      </p:childTnLst>
+                    </p:cTn>
+                  </p:par>
+                  <p:par>
+                    <p:cTn id="9" fill="hold">
+                      <p:stCondLst>
+                        <p:cond delay="indefinite"/>
+                      </p:stCondLst>
+                      <p:childTnLst>
+                        <p:par>
+                          <p:cTn id="10" fill="hold">
+                            <p:stCondLst>
+                              <p:cond delay="0"/>
+                            </p:stCondLst>
+                            <p:childTnLst>
+                              <p:par>
+                                <p:cTn id="11" presetID="1" presetClass="entr" presetSubtype="0" fill="hold" nodeType="clickEffect">
+                                  <p:stCondLst>
+                                    <p:cond delay="0"/>
+                                  </p:stCondLst>
+                                  <p:childTnLst>
+                                    <p:set>
+                                      <p:cBhvr>
+                                        <p:cTn id="12" dur="1" fill="hold">
+                                          <p:stCondLst>
+                                            <p:cond delay="0"/>
+                                          </p:stCondLst>
+                                        </p:cTn>
+                                        <p:tgtEl>
+                                          <p:spTgt spid="61450"/>
+                                        </p:tgtEl>
+                                        <p:attrNameLst>
+                                          <p:attrName>style.visibility</p:attrName>
+                                        </p:attrNameLst>
+                                      </p:cBhvr>
+                                      <p:to>
+                                        <p:strVal val="visible"/>
+                                      </p:to>
+                                    </p:set>
+                                  </p:childTnLst>
+                                </p:cTn>
+                              </p:par>
+                              <p:par>
+                                <p:cTn id="13" presetID="1" presetClass="entr" presetSubtype="0" fill="hold" nodeType="withEffect">
+                                  <p:stCondLst>
+                                    <p:cond delay="0"/>
+                                  </p:stCondLst>
+                                  <p:childTnLst>
+                                    <p:set>
+                                      <p:cBhvr>
+                                        <p:cTn id="14" dur="1" fill="hold">
+                                          <p:stCondLst>
+                                            <p:cond delay="0"/>
+                                          </p:stCondLst>
+                                        </p:cTn>
+                                        <p:tgtEl>
+                                          <p:spTgt spid="9"/>
+                                        </p:tgtEl>
+                                        <p:attrNameLst>
+                                          <p:attrName>style.visibility</p:attrName>
+                                        </p:attrNameLst>
+                                      </p:cBhvr>
+                                      <p:to>
+                                        <p:strVal val="visible"/>
+                                      </p:to>
+                                    </p:set>
+                                  </p:childTnLst>
+                                </p:cTn>
+                              </p:par>
+                            </p:childTnLst>
+                          </p:cTn>
+                        </p:par>
+                      </p:childTnLst>
+                    </p:cTn>
+                  </p:par>
+                </p:childTnLst>
+              </p:cTn>
+              <p:prevCondLst>
+                <p:cond evt="onPrev" delay="0">
+                  <p:tgtEl>
+                    <p:sldTgt/>
+                  </p:tgtEl>
+                </p:cond>
+              </p:prevCondLst>
+              <p:nextCondLst>
+                <p:cond evt="onNext" delay="0">
+                  <p:tgtEl>
+                    <p:sldTgt/>
+                  </p:tgtEl>
+                </p:cond>
+              </p:nextCondLst>
+            </p:seq>
+          </p:childTnLst>
+        </p:cTn>
+      </p:par>
+    </p:tnLst>
+  </p:timing>
+</p:sld>
+</file>
+
+<file path=ppt/slides/slide26.xml><?xml version="1.0" encoding="utf-8"?>
+<p:sld xmlns:a="http://schemas.openxmlformats.org/drawingml/2006/main" xmlns:r="http://schemas.openxmlformats.org/officeDocument/2006/relationships" xmlns:p="http://schemas.openxmlformats.org/presentationml/2006/main">
+  <p:cSld>
+    <p:spTree>
+      <p:nvGrpSpPr>
+        <p:cNvPr id="1" name=""/>
+        <p:cNvGrpSpPr/>
+        <p:nvPr/>
+      </p:nvGrpSpPr>
+      <p:grpSpPr>
+        <a:xfrm>
+          <a:off x="0" y="0"/>
+          <a:ext cx="0" cy="0"/>
+          <a:chOff x="0" y="0"/>
+          <a:chExt cx="0" cy="0"/>
+        </a:xfrm>
+      </p:grpSpPr>
+      <p:sp>
+        <p:nvSpPr>
+          <p:cNvPr id="2" name="Slide Number Placeholder 1"/>
+          <p:cNvSpPr>
+            <a:spLocks noGrp="1"/>
+          </p:cNvSpPr>
+          <p:nvPr>
+            <p:ph type="sldNum" sz="quarter" idx="5"/>
+          </p:nvPr>
+        </p:nvSpPr>
+        <p:spPr/>
+        <p:txBody>
+          <a:bodyPr/>
+          <a:lstStyle/>
+          <a:p>
+            <a:fld id="{2BF067CD-8E6B-4360-9AA8-C5DF2A48A6D1}" type="slidenum">
+              <a:rPr lang="en-US" noProof="0" smtClean="0"/>
+              <a:pPr/>
+              <a:t>26</a:t>
+            </a:fld>
+            <a:endParaRPr lang="en-US" noProof="0" dirty="0"/>
+          </a:p>
+        </p:txBody>
+      </p:sp>
+      <p:sp>
+        <p:nvSpPr>
+          <p:cNvPr id="3" name="Text Placeholder 2"/>
+          <p:cNvSpPr>
+            <a:spLocks noGrp="1"/>
+          </p:cNvSpPr>
+          <p:nvPr>
+            <p:ph type="body" sz="quarter" idx="10"/>
+          </p:nvPr>
+        </p:nvSpPr>
+        <p:spPr/>
+        <p:txBody>
+          <a:bodyPr>
+            <a:normAutofit fontScale="92500" lnSpcReduction="20000"/>
+          </a:bodyPr>
+          <a:lstStyle/>
+          <a:p>
+            <a:r>
+              <a:rPr lang="bg-BG" dirty="0" smtClean="0"/>
+              <a:t>Още </a:t>
+            </a:r>
+            <a:r>
+              <a:rPr lang="bg-BG" b="1" dirty="0" smtClean="0">
+                <a:solidFill>
+                  <a:schemeClr val="bg1"/>
+                </a:solidFill>
+              </a:rPr>
+              <a:t>информация</a:t>
+            </a:r>
+            <a:r>
+              <a:rPr lang="bg-BG" dirty="0" smtClean="0"/>
+              <a:t> за създаване на </a:t>
+            </a:r>
+            <a:r>
+              <a:rPr lang="bg-BG" b="1" dirty="0" smtClean="0">
+                <a:solidFill>
+                  <a:schemeClr val="bg1"/>
+                </a:solidFill>
+              </a:rPr>
+              <a:t>различни видове формляри</a:t>
+            </a:r>
+            <a:r>
+              <a:rPr lang="en-US" dirty="0" smtClean="0"/>
+              <a:t>: https://support.microsoft.com/en-au/office/create-a-form-in-access-5d550a3d-92e1-4f38-9772-7e7e21e80c6b</a:t>
+            </a:r>
+            <a:endParaRPr lang="bg-BG" dirty="0" smtClean="0"/>
+          </a:p>
+          <a:p>
+            <a:pPr>
+              <a:buClr>
+                <a:schemeClr val="tx1"/>
+              </a:buClr>
+            </a:pPr>
+            <a:r>
+              <a:rPr lang="en-US" b="1" dirty="0" smtClean="0">
+                <a:solidFill>
+                  <a:schemeClr val="bg1"/>
+                </a:solidFill>
+              </a:rPr>
+              <a:t>TODO</a:t>
+            </a:r>
+            <a:r>
+              <a:rPr lang="en-US" dirty="0" smtClean="0"/>
+              <a:t>:</a:t>
+            </a:r>
+            <a:endParaRPr lang="bg-BG" dirty="0" smtClean="0"/>
+          </a:p>
+          <a:p>
+            <a:pPr lvl="1">
+              <a:buClr>
+                <a:schemeClr val="tx1"/>
+              </a:buClr>
+            </a:pPr>
+            <a:r>
+              <a:rPr lang="bg-BG" dirty="0" smtClean="0"/>
+              <a:t>Помисли дали трябва да се добави </a:t>
+            </a:r>
+            <a:r>
+              <a:rPr lang="bg-BG" b="1" dirty="0" smtClean="0">
+                <a:solidFill>
+                  <a:schemeClr val="bg1"/>
+                </a:solidFill>
+              </a:rPr>
+              <a:t>още информация</a:t>
+            </a:r>
+            <a:r>
+              <a:rPr lang="bg-BG" dirty="0" smtClean="0"/>
+              <a:t> </a:t>
+            </a:r>
+            <a:endParaRPr lang="en-US" dirty="0" smtClean="0"/>
+          </a:p>
+          <a:p>
+            <a:pPr lvl="2">
+              <a:buClr>
+                <a:schemeClr val="tx1"/>
+              </a:buClr>
+            </a:pPr>
+            <a:r>
+              <a:rPr lang="en-US" dirty="0" smtClean="0"/>
+              <a:t>blank form</a:t>
+            </a:r>
+          </a:p>
+          <a:p>
+            <a:pPr lvl="2">
+              <a:buClr>
+                <a:schemeClr val="tx1"/>
+              </a:buClr>
+            </a:pPr>
+            <a:r>
+              <a:rPr lang="en-US" dirty="0" smtClean="0"/>
+              <a:t>split form</a:t>
+            </a:r>
+          </a:p>
+          <a:p>
+            <a:pPr lvl="2">
+              <a:buClr>
+                <a:schemeClr val="tx1"/>
+              </a:buClr>
+            </a:pPr>
+            <a:r>
+              <a:rPr lang="en-US" dirty="0" smtClean="0"/>
+              <a:t>form that contains a </a:t>
+            </a:r>
+            <a:r>
+              <a:rPr lang="en-US" dirty="0" err="1" smtClean="0"/>
+              <a:t>subform</a:t>
+            </a:r>
+            <a:endParaRPr lang="en-US" dirty="0" smtClean="0"/>
+          </a:p>
+          <a:p>
+            <a:pPr lvl="2">
+              <a:buClr>
+                <a:schemeClr val="tx1"/>
+              </a:buClr>
+            </a:pPr>
+            <a:r>
+              <a:rPr lang="en-US" dirty="0" smtClean="0"/>
+              <a:t>…</a:t>
+            </a:r>
+          </a:p>
+          <a:p>
+            <a:pPr lvl="1">
+              <a:buClr>
+                <a:schemeClr val="tx1"/>
+              </a:buClr>
+            </a:pPr>
+            <a:r>
+              <a:rPr lang="bg-BG" dirty="0" smtClean="0"/>
+              <a:t>Какъв тип </a:t>
+            </a:r>
+            <a:r>
+              <a:rPr lang="bg-BG" b="1" dirty="0" smtClean="0">
+                <a:solidFill>
+                  <a:schemeClr val="bg1"/>
+                </a:solidFill>
+              </a:rPr>
+              <a:t>създаване</a:t>
+            </a:r>
+            <a:r>
+              <a:rPr lang="bg-BG" dirty="0" smtClean="0"/>
+              <a:t> на </a:t>
+            </a:r>
+            <a:r>
+              <a:rPr lang="bg-BG" b="1" dirty="0" smtClean="0">
+                <a:solidFill>
+                  <a:schemeClr val="bg1"/>
+                </a:solidFill>
+              </a:rPr>
+              <a:t>формуляр</a:t>
+            </a:r>
+            <a:r>
+              <a:rPr lang="bg-BG" dirty="0" smtClean="0"/>
+              <a:t> да се добави?</a:t>
+            </a:r>
+          </a:p>
+          <a:p>
+            <a:pPr lvl="1">
+              <a:buClr>
+                <a:schemeClr val="tx1"/>
+              </a:buClr>
+            </a:pPr>
+            <a:r>
+              <a:rPr lang="bg-BG" dirty="0" smtClean="0"/>
+              <a:t> Прекалено </a:t>
+            </a:r>
+            <a:r>
+              <a:rPr lang="bg-BG" b="1" dirty="0" smtClean="0">
+                <a:solidFill>
+                  <a:schemeClr val="bg1"/>
+                </a:solidFill>
+              </a:rPr>
+              <a:t>голяма</a:t>
+            </a:r>
+            <a:r>
+              <a:rPr lang="bg-BG" dirty="0" smtClean="0"/>
+              <a:t> презентация?</a:t>
+            </a:r>
+            <a:endParaRPr lang="en-US" dirty="0"/>
+          </a:p>
+        </p:txBody>
+      </p:sp>
+      <p:sp>
+        <p:nvSpPr>
+          <p:cNvPr id="4" name="Title 3"/>
+          <p:cNvSpPr>
+            <a:spLocks noGrp="1"/>
+          </p:cNvSpPr>
+          <p:nvPr>
+            <p:ph type="title"/>
+          </p:nvPr>
+        </p:nvSpPr>
+        <p:spPr/>
+        <p:txBody>
+          <a:bodyPr/>
+          <a:lstStyle/>
+          <a:p>
+            <a:r>
+              <a:rPr lang="en-US" dirty="0" smtClean="0"/>
+              <a:t>TODO Slide</a:t>
+            </a:r>
+            <a:endParaRPr lang="en-US" dirty="0"/>
+          </a:p>
+        </p:txBody>
+      </p:sp>
+    </p:spTree>
+  </p:cSld>
+  <p:clrMapOvr>
+    <a:masterClrMapping/>
+  </p:clrMapOvr>
+  <mc:AlternateContent xmlns:mc="http://schemas.openxmlformats.org/markup-compatibility/2006">
+    <mc:Choice xmlns="" xmlns:p14="http://schemas.microsoft.com/office/powerpoint/2010/main" Requires="p14">
+      <p:transition spd="slow" p14:dur="2000" advClick="0" advTm="5000"/>
+    </mc:Choice>
+    <mc:Fallback>
+      <p:transition spd="slow" advClick="0" advTm="5000"/>
+    </mc:Fallback>
+  </mc:AlternateContent>
+  <p:timing>
+    <p:tnLst>
+      <p:par>
+        <p:cTn id="1" dur="indefinite" restart="never" nodeType="tmRoot"/>
+      </p:par>
+    </p:tnLst>
+  </p:timing>
+</p:sld>
+</file>
+
+<file path=ppt/slides/slide27.xml><?xml version="1.0" encoding="utf-8"?>
+<p:sld xmlns:a="http://schemas.openxmlformats.org/drawingml/2006/main" xmlns:r="http://schemas.openxmlformats.org/officeDocument/2006/relationships" xmlns:p="http://schemas.openxmlformats.org/presentationml/2006/main">
+  <p:cSld>
+    <p:spTree>
+      <p:nvGrpSpPr>
+        <p:cNvPr id="1" name=""/>
+        <p:cNvGrpSpPr/>
+        <p:nvPr/>
+      </p:nvGrpSpPr>
+      <p:grpSpPr>
+        <a:xfrm>
+          <a:off x="0" y="0"/>
+          <a:ext cx="0" cy="0"/>
+          <a:chOff x="0" y="0"/>
+          <a:chExt cx="0" cy="0"/>
+        </a:xfrm>
+      </p:grpSpPr>
+      <p:sp>
+        <p:nvSpPr>
+          <p:cNvPr id="2" name="Subtitle 1"/>
+          <p:cNvSpPr>
+            <a:spLocks noGrp="1"/>
+          </p:cNvSpPr>
+          <p:nvPr>
+            <p:ph type="subTitle" sz="quarter" idx="11"/>
+          </p:nvPr>
+        </p:nvSpPr>
+        <p:spPr/>
+        <p:txBody>
+          <a:bodyPr/>
+          <a:lstStyle/>
+          <a:p>
+            <a:endParaRPr lang="en-US" dirty="0"/>
+          </a:p>
+        </p:txBody>
+      </p:sp>
+      <p:sp>
+        <p:nvSpPr>
+          <p:cNvPr id="3" name="Title 2"/>
+          <p:cNvSpPr>
+            <a:spLocks noGrp="1"/>
+          </p:cNvSpPr>
+          <p:nvPr>
+            <p:ph type="title" sz="quarter" idx="10"/>
+          </p:nvPr>
+        </p:nvSpPr>
+        <p:spPr/>
+        <p:txBody>
+          <a:bodyPr/>
+          <a:lstStyle/>
+          <a:p>
+            <a:r>
+              <a:rPr lang="bg-BG" dirty="0" smtClean="0"/>
+              <a:t>Отчети</a:t>
+            </a:r>
+            <a:endParaRPr lang="en-US" dirty="0"/>
+          </a:p>
+        </p:txBody>
+      </p:sp>
+      <p:pic>
+        <p:nvPicPr>
+          <p:cNvPr id="62470" name="Picture 6" descr="Rapports - Icônes affaires et finances gratuites"/>
+          <p:cNvPicPr>
+            <a:picLocks noChangeAspect="1" noChangeArrowheads="1"/>
+          </p:cNvPicPr>
+          <p:nvPr/>
+        </p:nvPicPr>
+        <p:blipFill>
+          <a:blip r:embed="rId2" cstate="print"/>
+          <a:srcRect/>
+          <a:stretch>
+            <a:fillRect/>
+          </a:stretch>
+        </p:blipFill>
+        <p:spPr bwMode="auto">
+          <a:xfrm>
+            <a:off x="4648200" y="1295399"/>
+            <a:ext cx="2667000" cy="2667001"/>
+          </a:xfrm>
+          <a:prstGeom prst="rect">
+            <a:avLst/>
+          </a:prstGeom>
+          <a:noFill/>
+        </p:spPr>
+      </p:pic>
+    </p:spTree>
+  </p:cSld>
+  <p:clrMapOvr>
+    <a:masterClrMapping/>
+  </p:clrMapOvr>
+  <mc:AlternateContent xmlns:mc="http://schemas.openxmlformats.org/markup-compatibility/2006">
+    <mc:Choice xmlns="" xmlns:p14="http://schemas.microsoft.com/office/powerpoint/2010/main" Requires="p14">
+      <p:transition spd="slow" p14:dur="2000" advClick="0" advTm="5000"/>
+    </mc:Choice>
+    <mc:Fallback>
+      <p:transition spd="slow" advClick="0" advTm="5000"/>
+    </mc:Fallback>
+  </mc:AlternateContent>
+  <p:timing>
+    <p:tnLst>
+      <p:par>
+        <p:cTn id="1" dur="indefinite" restart="never" nodeType="tmRoot"/>
+      </p:par>
+    </p:tnLst>
+  </p:timing>
+</p:sld>
+</file>
+
+<file path=ppt/slides/slide28.xml><?xml version="1.0" encoding="utf-8"?>
+<p:sld xmlns:a="http://schemas.openxmlformats.org/drawingml/2006/main" xmlns:r="http://schemas.openxmlformats.org/officeDocument/2006/relationships" xmlns:p="http://schemas.openxmlformats.org/presentationml/2006/main">
+  <p:cSld>
+    <p:spTree>
+      <p:nvGrpSpPr>
+        <p:cNvPr id="1" name=""/>
+        <p:cNvGrpSpPr/>
+        <p:nvPr/>
+      </p:nvGrpSpPr>
+      <p:grpSpPr>
+        <a:xfrm>
+          <a:off x="0" y="0"/>
+          <a:ext cx="0" cy="0"/>
+          <a:chOff x="0" y="0"/>
+          <a:chExt cx="0" cy="0"/>
+        </a:xfrm>
+      </p:grpSpPr>
+      <p:sp>
+        <p:nvSpPr>
+          <p:cNvPr id="2" name="Slide Number Placeholder 1"/>
+          <p:cNvSpPr>
+            <a:spLocks noGrp="1"/>
+          </p:cNvSpPr>
+          <p:nvPr>
+            <p:ph type="sldNum" sz="quarter" idx="5"/>
+          </p:nvPr>
+        </p:nvSpPr>
+        <p:spPr/>
+        <p:txBody>
+          <a:bodyPr/>
+          <a:lstStyle/>
+          <a:p>
+            <a:fld id="{2BF067CD-8E6B-4360-9AA8-C5DF2A48A6D1}" type="slidenum">
+              <a:rPr lang="en-US" noProof="0" smtClean="0"/>
+              <a:pPr/>
+              <a:t>28</a:t>
+            </a:fld>
+            <a:endParaRPr lang="en-US" noProof="0" dirty="0"/>
+          </a:p>
+        </p:txBody>
+      </p:sp>
+      <p:sp>
+        <p:nvSpPr>
+          <p:cNvPr id="3" name="Text Placeholder 2"/>
+          <p:cNvSpPr>
+            <a:spLocks noGrp="1"/>
+          </p:cNvSpPr>
+          <p:nvPr>
+            <p:ph type="body" sz="quarter" idx="10"/>
+          </p:nvPr>
+        </p:nvSpPr>
+        <p:spPr/>
+        <p:txBody>
+          <a:bodyPr>
+            <a:normAutofit lnSpcReduction="10000"/>
+          </a:bodyPr>
+          <a:lstStyle/>
+          <a:p>
+            <a:pPr>
+              <a:buClr>
+                <a:srgbClr val="224464"/>
+              </a:buClr>
+            </a:pPr>
+            <a:r>
+              <a:rPr lang="ru-RU" b="1" dirty="0" smtClean="0">
+                <a:solidFill>
+                  <a:schemeClr val="bg1"/>
+                </a:solidFill>
+              </a:rPr>
+              <a:t>Отчетите </a:t>
+            </a:r>
+            <a:r>
+              <a:rPr lang="ru-RU" dirty="0" smtClean="0"/>
+              <a:t>предлагат следните </a:t>
+            </a:r>
+            <a:r>
+              <a:rPr lang="ru-RU" b="1" dirty="0" smtClean="0">
+                <a:solidFill>
+                  <a:schemeClr val="bg1"/>
+                </a:solidFill>
+              </a:rPr>
+              <a:t>действия </a:t>
+            </a:r>
+            <a:r>
+              <a:rPr lang="ru-RU" dirty="0" smtClean="0"/>
+              <a:t>за </a:t>
+            </a:r>
+            <a:r>
+              <a:rPr lang="ru-RU" b="1" dirty="0" smtClean="0">
+                <a:solidFill>
+                  <a:schemeClr val="bg1"/>
+                </a:solidFill>
+              </a:rPr>
+              <a:t>информацията </a:t>
+            </a:r>
+            <a:r>
+              <a:rPr lang="ru-RU" dirty="0" smtClean="0"/>
+              <a:t>в </a:t>
+            </a:r>
+            <a:r>
+              <a:rPr lang="ru-RU" b="1" dirty="0" smtClean="0">
+                <a:solidFill>
+                  <a:schemeClr val="bg1"/>
+                </a:solidFill>
+              </a:rPr>
+              <a:t>базата данни</a:t>
+            </a:r>
+            <a:r>
+              <a:rPr lang="en-US" dirty="0" smtClean="0"/>
+              <a:t>:</a:t>
+            </a:r>
+          </a:p>
+          <a:p>
+            <a:pPr lvl="1">
+              <a:buClr>
+                <a:srgbClr val="224464"/>
+              </a:buClr>
+            </a:pPr>
+            <a:r>
+              <a:rPr lang="bg-BG" b="1" dirty="0" smtClean="0">
+                <a:solidFill>
+                  <a:schemeClr val="bg1"/>
+                </a:solidFill>
+              </a:rPr>
+              <a:t>П</a:t>
+            </a:r>
+            <a:r>
+              <a:rPr lang="ru-RU" b="1" dirty="0" smtClean="0">
+                <a:solidFill>
+                  <a:schemeClr val="bg1"/>
+                </a:solidFill>
+              </a:rPr>
+              <a:t>реглед</a:t>
+            </a:r>
+          </a:p>
+          <a:p>
+            <a:pPr lvl="1">
+              <a:buClr>
+                <a:srgbClr val="224464"/>
+              </a:buClr>
+            </a:pPr>
+            <a:r>
+              <a:rPr lang="ru-RU" b="1" dirty="0" smtClean="0">
+                <a:solidFill>
+                  <a:schemeClr val="bg1"/>
+                </a:solidFill>
+              </a:rPr>
+              <a:t>Форматиране</a:t>
+            </a:r>
+          </a:p>
+          <a:p>
+            <a:pPr lvl="1">
+              <a:buClr>
+                <a:srgbClr val="224464"/>
+              </a:buClr>
+            </a:pPr>
+            <a:r>
+              <a:rPr lang="ru-RU" b="1" dirty="0" smtClean="0">
+                <a:solidFill>
+                  <a:schemeClr val="bg1"/>
+                </a:solidFill>
+              </a:rPr>
+              <a:t>Обобщаване </a:t>
+            </a:r>
+          </a:p>
+          <a:p>
+            <a:r>
+              <a:rPr lang="ru-RU" dirty="0" smtClean="0"/>
+              <a:t>Примери:</a:t>
+            </a:r>
+          </a:p>
+          <a:p>
+            <a:pPr lvl="1"/>
+            <a:r>
+              <a:rPr lang="ru-RU" dirty="0" smtClean="0"/>
+              <a:t>Отчет </a:t>
+            </a:r>
+            <a:r>
+              <a:rPr lang="ru-RU" dirty="0" smtClean="0"/>
+              <a:t>с </a:t>
+            </a:r>
+            <a:r>
+              <a:rPr lang="ru-RU" b="1" dirty="0" smtClean="0">
+                <a:solidFill>
+                  <a:schemeClr val="bg1"/>
+                </a:solidFill>
+              </a:rPr>
+              <a:t>телефонни</a:t>
+            </a:r>
+            <a:r>
+              <a:rPr lang="ru-RU" dirty="0" smtClean="0"/>
+              <a:t> </a:t>
+            </a:r>
+            <a:r>
+              <a:rPr lang="ru-RU" b="1" dirty="0" smtClean="0">
+                <a:solidFill>
+                  <a:schemeClr val="bg1"/>
+                </a:solidFill>
+              </a:rPr>
+              <a:t>номера</a:t>
+            </a:r>
+            <a:r>
+              <a:rPr lang="ru-RU" dirty="0" smtClean="0"/>
+              <a:t> за всички </a:t>
+            </a:r>
+            <a:r>
+              <a:rPr lang="ru-RU" b="1" dirty="0" smtClean="0">
+                <a:solidFill>
+                  <a:schemeClr val="bg1"/>
+                </a:solidFill>
+              </a:rPr>
+              <a:t>контакти</a:t>
+            </a:r>
+          </a:p>
+          <a:p>
+            <a:pPr lvl="1"/>
+            <a:r>
+              <a:rPr lang="ru-RU" dirty="0" smtClean="0"/>
+              <a:t>Отчет за </a:t>
+            </a:r>
+            <a:r>
+              <a:rPr lang="ru-RU" dirty="0" smtClean="0"/>
+              <a:t>общите </a:t>
+            </a:r>
+            <a:r>
+              <a:rPr lang="ru-RU" b="1" dirty="0" smtClean="0">
+                <a:solidFill>
+                  <a:schemeClr val="bg1"/>
+                </a:solidFill>
+              </a:rPr>
+              <a:t>продажби</a:t>
+            </a:r>
+            <a:r>
+              <a:rPr lang="ru-RU" dirty="0" smtClean="0"/>
+              <a:t> в различни </a:t>
+            </a:r>
+            <a:r>
+              <a:rPr lang="ru-RU" b="1" dirty="0" smtClean="0">
+                <a:solidFill>
+                  <a:schemeClr val="bg1"/>
+                </a:solidFill>
+              </a:rPr>
+              <a:t>региони</a:t>
+            </a:r>
+            <a:r>
+              <a:rPr lang="ru-RU" dirty="0" smtClean="0"/>
+              <a:t> и </a:t>
+            </a:r>
+            <a:r>
+              <a:rPr lang="ru-RU" b="1" dirty="0" smtClean="0">
+                <a:solidFill>
+                  <a:schemeClr val="bg1"/>
+                </a:solidFill>
+              </a:rPr>
+              <a:t>периоди</a:t>
+            </a:r>
+            <a:r>
+              <a:rPr lang="ru-RU" dirty="0" smtClean="0"/>
+              <a:t> от </a:t>
+            </a:r>
+            <a:r>
+              <a:rPr lang="ru-RU" b="1" dirty="0" smtClean="0">
+                <a:solidFill>
+                  <a:schemeClr val="bg1"/>
+                </a:solidFill>
+              </a:rPr>
+              <a:t>време</a:t>
+            </a:r>
+            <a:endParaRPr lang="en-US" b="1" dirty="0">
+              <a:solidFill>
+                <a:schemeClr val="bg1"/>
+              </a:solidFill>
+            </a:endParaRPr>
+          </a:p>
+        </p:txBody>
+      </p:sp>
+      <p:sp>
+        <p:nvSpPr>
+          <p:cNvPr id="4" name="Title 3"/>
+          <p:cNvSpPr>
+            <a:spLocks noGrp="1"/>
+          </p:cNvSpPr>
+          <p:nvPr>
+            <p:ph type="title"/>
+          </p:nvPr>
+        </p:nvSpPr>
+        <p:spPr/>
+        <p:txBody>
+          <a:bodyPr/>
+          <a:lstStyle/>
+          <a:p>
+            <a:r>
+              <a:rPr lang="en-US" dirty="0" smtClean="0"/>
+              <a:t>MS Access </a:t>
+            </a:r>
+            <a:r>
+              <a:rPr lang="bg-BG" dirty="0" smtClean="0"/>
+              <a:t>отчети</a:t>
+            </a:r>
+            <a:endParaRPr lang="en-US" dirty="0"/>
+          </a:p>
+        </p:txBody>
+      </p:sp>
+      <p:pic>
+        <p:nvPicPr>
+          <p:cNvPr id="64514" name="Picture 2" descr="Report Icon, Transparent Report.PNG Images &amp; Vector - FreeIconsPNG"/>
+          <p:cNvPicPr>
+            <a:picLocks noChangeAspect="1" noChangeArrowheads="1"/>
+          </p:cNvPicPr>
+          <p:nvPr/>
+        </p:nvPicPr>
+        <p:blipFill>
+          <a:blip r:embed="rId3" cstate="print"/>
+          <a:srcRect/>
+          <a:stretch>
+            <a:fillRect/>
+          </a:stretch>
+        </p:blipFill>
+        <p:spPr bwMode="auto">
+          <a:xfrm>
+            <a:off x="8610600" y="1904999"/>
+            <a:ext cx="2819400" cy="2819401"/>
+          </a:xfrm>
+          <a:prstGeom prst="rect">
+            <a:avLst/>
+          </a:prstGeom>
+          <a:noFill/>
+        </p:spPr>
+      </p:pic>
+    </p:spTree>
+  </p:cSld>
+  <p:clrMapOvr>
+    <a:masterClrMapping/>
+  </p:clrMapOvr>
+  <mc:AlternateContent xmlns:mc="http://schemas.openxmlformats.org/markup-compatibility/2006">
+    <mc:Choice xmlns="" xmlns:p14="http://schemas.microsoft.com/office/powerpoint/2010/main" Requires="p14">
+      <p:transition spd="slow" p14:dur="2000" advClick="0" advTm="5000"/>
+    </mc:Choice>
+    <mc:Fallback>
+      <p:transition spd="slow" advClick="0" advTm="5000"/>
+    </mc:Fallback>
+  </mc:AlternateContent>
+  <p:timing>
+    <p:tnLst>
+      <p:par>
+        <p:cTn id="1" dur="indefinite" restart="never" nodeType="tmRoot">
+          <p:childTnLst>
+            <p:seq concurrent="1" nextAc="seek">
+              <p:cTn id="2" dur="indefinite" nodeType="mainSeq">
+                <p:childTnLst>
+                  <p:par>
+                    <p:cTn id="3" fill="hold">
+                      <p:stCondLst>
+                        <p:cond delay="indefinite"/>
+                      </p:stCondLst>
+                      <p:childTnLst>
+                        <p:par>
+                          <p:cTn id="4" fill="hold">
+                            <p:stCondLst>
+                              <p:cond delay="0"/>
+                            </p:stCondLst>
+                            <p:childTnLst>
+                              <p:par>
+                                <p:cTn id="5" presetID="1" presetClass="entr" presetSubtype="0" fill="hold" nodeType="clickEffect">
+                                  <p:stCondLst>
+                                    <p:cond delay="0"/>
+                                  </p:stCondLst>
+                                  <p:childTnLst>
+                                    <p:set>
+                                      <p:cBhvr>
+                                        <p:cTn id="6" dur="1" fill="hold">
+                                          <p:stCondLst>
+                                            <p:cond delay="0"/>
+                                          </p:stCondLst>
+                                        </p:cTn>
+                                        <p:tgtEl>
+                                          <p:spTgt spid="3">
+                                            <p:txEl>
+                                              <p:pRg st="2" end="2"/>
+                                            </p:txEl>
+                                          </p:spTgt>
+                                        </p:tgtEl>
+                                        <p:attrNameLst>
+                                          <p:attrName>style.visibility</p:attrName>
+                                        </p:attrNameLst>
+                                      </p:cBhvr>
+                                      <p:to>
+                                        <p:strVal val="visible"/>
+                                      </p:to>
+                                    </p:set>
+                                  </p:childTnLst>
+                                </p:cTn>
+                              </p:par>
+                            </p:childTnLst>
+                          </p:cTn>
+                        </p:par>
+                      </p:childTnLst>
+                    </p:cTn>
+                  </p:par>
+                  <p:par>
+                    <p:cTn id="7" fill="hold">
+                      <p:stCondLst>
+                        <p:cond delay="indefinite"/>
+                      </p:stCondLst>
+                      <p:childTnLst>
+                        <p:par>
+                          <p:cTn id="8" fill="hold">
+                            <p:stCondLst>
+                              <p:cond delay="0"/>
+                            </p:stCondLst>
+                            <p:childTnLst>
+                              <p:par>
+                                <p:cTn id="9" presetID="1" presetClass="entr" presetSubtype="0" fill="hold" nodeType="clickEffect">
+                                  <p:stCondLst>
+                                    <p:cond delay="0"/>
+                                  </p:stCondLst>
+                                  <p:childTnLst>
+                                    <p:set>
+                                      <p:cBhvr>
+                                        <p:cTn id="10" dur="1" fill="hold">
+                                          <p:stCondLst>
+                                            <p:cond delay="0"/>
+                                          </p:stCondLst>
+                                        </p:cTn>
+                                        <p:tgtEl>
+                                          <p:spTgt spid="3">
+                                            <p:txEl>
+                                              <p:pRg st="3" end="3"/>
+                                            </p:txEl>
+                                          </p:spTgt>
+                                        </p:tgtEl>
+                                        <p:attrNameLst>
+                                          <p:attrName>style.visibility</p:attrName>
+                                        </p:attrNameLst>
+                                      </p:cBhvr>
+                                      <p:to>
+                                        <p:strVal val="visible"/>
+                                      </p:to>
+                                    </p:set>
+                                  </p:childTnLst>
+                                </p:cTn>
+                              </p:par>
+                            </p:childTnLst>
+                          </p:cTn>
+                        </p:par>
+                      </p:childTnLst>
+                    </p:cTn>
+                  </p:par>
+                  <p:par>
+                    <p:cTn id="11" fill="hold">
+                      <p:stCondLst>
+                        <p:cond delay="indefinite"/>
+                      </p:stCondLst>
+                      <p:childTnLst>
+                        <p:par>
+                          <p:cTn id="12" fill="hold">
+                            <p:stCondLst>
+                              <p:cond delay="0"/>
+                            </p:stCondLst>
+                            <p:childTnLst>
+                              <p:par>
+                                <p:cTn id="13" presetID="1" presetClass="entr" presetSubtype="0" fill="hold" nodeType="clickEffect">
+                                  <p:stCondLst>
+                                    <p:cond delay="0"/>
+                                  </p:stCondLst>
+                                  <p:childTnLst>
+                                    <p:set>
+                                      <p:cBhvr>
+                                        <p:cTn id="14" dur="1" fill="hold">
+                                          <p:stCondLst>
+                                            <p:cond delay="0"/>
+                                          </p:stCondLst>
+                                        </p:cTn>
+                                        <p:tgtEl>
+                                          <p:spTgt spid="3">
+                                            <p:txEl>
+                                              <p:pRg st="4" end="4"/>
+                                            </p:txEl>
+                                          </p:spTgt>
+                                        </p:tgtEl>
+                                        <p:attrNameLst>
+                                          <p:attrName>style.visibility</p:attrName>
+                                        </p:attrNameLst>
+                                      </p:cBhvr>
+                                      <p:to>
+                                        <p:strVal val="visible"/>
+                                      </p:to>
+                                    </p:set>
+                                  </p:childTnLst>
+                                </p:cTn>
+                              </p:par>
+                              <p:par>
+                                <p:cTn id="15" presetID="1" presetClass="entr" presetSubtype="0" fill="hold" nodeType="withEffect">
+                                  <p:stCondLst>
+                                    <p:cond delay="0"/>
+                                  </p:stCondLst>
+                                  <p:childTnLst>
+                                    <p:set>
+                                      <p:cBhvr>
+                                        <p:cTn id="16" dur="1" fill="hold">
+                                          <p:stCondLst>
+                                            <p:cond delay="0"/>
+                                          </p:stCondLst>
+                                        </p:cTn>
+                                        <p:tgtEl>
+                                          <p:spTgt spid="3">
+                                            <p:txEl>
+                                              <p:pRg st="5" end="5"/>
+                                            </p:txEl>
+                                          </p:spTgt>
+                                        </p:tgtEl>
+                                        <p:attrNameLst>
+                                          <p:attrName>style.visibility</p:attrName>
+                                        </p:attrNameLst>
+                                      </p:cBhvr>
+                                      <p:to>
+                                        <p:strVal val="visible"/>
+                                      </p:to>
+                                    </p:set>
+                                  </p:childTnLst>
+                                </p:cTn>
+                              </p:par>
+                            </p:childTnLst>
+                          </p:cTn>
+                        </p:par>
+                      </p:childTnLst>
+                    </p:cTn>
+                  </p:par>
+                  <p:par>
+                    <p:cTn id="17" fill="hold">
+                      <p:stCondLst>
+                        <p:cond delay="indefinite"/>
+                      </p:stCondLst>
+                      <p:childTnLst>
+                        <p:par>
+                          <p:cTn id="18" fill="hold">
+                            <p:stCondLst>
+                              <p:cond delay="0"/>
+                            </p:stCondLst>
+                            <p:childTnLst>
+                              <p:par>
+                                <p:cTn id="19" presetID="1" presetClass="entr" presetSubtype="0" fill="hold" nodeType="clickEffect">
+                                  <p:stCondLst>
+                                    <p:cond delay="0"/>
+                                  </p:stCondLst>
+                                  <p:childTnLst>
+                                    <p:set>
+                                      <p:cBhvr>
+                                        <p:cTn id="20" dur="1" fill="hold">
+                                          <p:stCondLst>
+                                            <p:cond delay="0"/>
+                                          </p:stCondLst>
+                                        </p:cTn>
+                                        <p:tgtEl>
+                                          <p:spTgt spid="3">
+                                            <p:txEl>
+                                              <p:pRg st="6" end="6"/>
+                                            </p:txEl>
+                                          </p:spTgt>
+                                        </p:tgtEl>
+                                        <p:attrNameLst>
+                                          <p:attrName>style.visibility</p:attrName>
+                                        </p:attrNameLst>
+                                      </p:cBhvr>
+                                      <p:to>
+                                        <p:strVal val="visible"/>
+                                      </p:to>
+                                    </p:set>
+                                  </p:childTnLst>
+                                </p:cTn>
+                              </p:par>
+                            </p:childTnLst>
+                          </p:cTn>
+                        </p:par>
+                      </p:childTnLst>
+                    </p:cTn>
+                  </p:par>
+                </p:childTnLst>
+              </p:cTn>
+              <p:prevCondLst>
+                <p:cond evt="onPrev" delay="0">
+                  <p:tgtEl>
+                    <p:sldTgt/>
+                  </p:tgtEl>
+                </p:cond>
+              </p:prevCondLst>
+              <p:nextCondLst>
+                <p:cond evt="onNext" delay="0">
+                  <p:tgtEl>
+                    <p:sldTgt/>
+                  </p:tgtEl>
+                </p:cond>
+              </p:nextCondLst>
+            </p:seq>
+          </p:childTnLst>
+        </p:cTn>
+      </p:par>
+    </p:tnLst>
+  </p:timing>
+</p:sld>
+</file>
+
+<file path=ppt/slides/slide29.xml><?xml version="1.0" encoding="utf-8"?>
+<p:sld xmlns:a="http://schemas.openxmlformats.org/drawingml/2006/main" xmlns:r="http://schemas.openxmlformats.org/officeDocument/2006/relationships" xmlns:p="http://schemas.openxmlformats.org/presentationml/2006/main">
+  <p:cSld>
+    <p:spTree>
+      <p:nvGrpSpPr>
+        <p:cNvPr id="1" name=""/>
+        <p:cNvGrpSpPr/>
+        <p:nvPr/>
+      </p:nvGrpSpPr>
+      <p:grpSpPr>
+        <a:xfrm>
+          <a:off x="0" y="0"/>
+          <a:ext cx="0" cy="0"/>
+          <a:chOff x="0" y="0"/>
+          <a:chExt cx="0" cy="0"/>
+        </a:xfrm>
+      </p:grpSpPr>
+      <p:sp>
+        <p:nvSpPr>
+          <p:cNvPr id="2" name="Slide Number Placeholder 1"/>
+          <p:cNvSpPr>
+            <a:spLocks noGrp="1"/>
+          </p:cNvSpPr>
+          <p:nvPr>
+            <p:ph type="sldNum" sz="quarter" idx="5"/>
+          </p:nvPr>
+        </p:nvSpPr>
+        <p:spPr/>
+        <p:txBody>
+          <a:bodyPr/>
+          <a:lstStyle/>
+          <a:p>
+            <a:fld id="{2BF067CD-8E6B-4360-9AA8-C5DF2A48A6D1}" type="slidenum">
+              <a:rPr lang="en-US" noProof="0" smtClean="0"/>
+              <a:pPr/>
+              <a:t>29</a:t>
+            </a:fld>
+            <a:endParaRPr lang="en-US" noProof="0" dirty="0"/>
+          </a:p>
+        </p:txBody>
+      </p:sp>
+      <p:sp>
+        <p:nvSpPr>
+          <p:cNvPr id="3" name="Text Placeholder 2"/>
+          <p:cNvSpPr>
+            <a:spLocks noGrp="1"/>
+          </p:cNvSpPr>
+          <p:nvPr>
+            <p:ph type="body" sz="quarter" idx="10"/>
+          </p:nvPr>
+        </p:nvSpPr>
+        <p:spPr/>
+        <p:txBody>
+          <a:bodyPr/>
+          <a:lstStyle/>
+          <a:p>
+            <a:pPr>
+              <a:buClr>
+                <a:srgbClr val="224464"/>
+              </a:buClr>
+            </a:pPr>
+            <a:r>
+              <a:rPr lang="ru-RU" b="1" dirty="0" smtClean="0">
+                <a:solidFill>
+                  <a:schemeClr val="bg1"/>
+                </a:solidFill>
+              </a:rPr>
+              <a:t>Отчетът</a:t>
+            </a:r>
+            <a:r>
+              <a:rPr lang="ru-RU" dirty="0" smtClean="0"/>
+              <a:t> е </a:t>
+            </a:r>
+            <a:r>
+              <a:rPr lang="ru-RU" dirty="0" smtClean="0"/>
+              <a:t>обект на </a:t>
+            </a:r>
+            <a:r>
+              <a:rPr lang="ru-RU" b="1" dirty="0" smtClean="0">
+                <a:solidFill>
+                  <a:schemeClr val="bg1"/>
+                </a:solidFill>
+              </a:rPr>
+              <a:t>база данни</a:t>
+            </a:r>
+            <a:r>
+              <a:rPr lang="ru-RU" dirty="0" smtClean="0"/>
+              <a:t>, </a:t>
+            </a:r>
+            <a:r>
+              <a:rPr lang="ru-RU" dirty="0" smtClean="0"/>
+              <a:t>който е полезен, когато </a:t>
+            </a:r>
+            <a:r>
+              <a:rPr lang="ru-RU" dirty="0" smtClean="0"/>
+              <a:t>искаме да представим </a:t>
+            </a:r>
+            <a:r>
+              <a:rPr lang="ru-RU" b="1" dirty="0" smtClean="0">
+                <a:solidFill>
+                  <a:schemeClr val="bg1"/>
+                </a:solidFill>
+              </a:rPr>
+              <a:t>информацията</a:t>
+            </a:r>
+            <a:r>
+              <a:rPr lang="ru-RU" dirty="0" smtClean="0"/>
+              <a:t> за някоя от следните </a:t>
+            </a:r>
+            <a:r>
+              <a:rPr lang="ru-RU" b="1" dirty="0" smtClean="0">
+                <a:solidFill>
+                  <a:schemeClr val="bg1"/>
+                </a:solidFill>
+              </a:rPr>
+              <a:t>употреби</a:t>
+            </a:r>
+            <a:r>
+              <a:rPr lang="ru-RU" dirty="0" smtClean="0"/>
+              <a:t>:</a:t>
+            </a:r>
+          </a:p>
+          <a:p>
+            <a:pPr lvl="1">
+              <a:buClr>
+                <a:srgbClr val="224464"/>
+              </a:buClr>
+            </a:pPr>
+            <a:r>
+              <a:rPr lang="ru-RU" b="1" dirty="0" smtClean="0">
+                <a:solidFill>
+                  <a:schemeClr val="bg1"/>
+                </a:solidFill>
+              </a:rPr>
+              <a:t>Показване</a:t>
+            </a:r>
+            <a:r>
+              <a:rPr lang="ru-RU" dirty="0" smtClean="0"/>
+              <a:t> </a:t>
+            </a:r>
+            <a:r>
+              <a:rPr lang="ru-RU" dirty="0" smtClean="0"/>
+              <a:t>или </a:t>
+            </a:r>
+            <a:r>
+              <a:rPr lang="ru-RU" b="1" dirty="0" smtClean="0">
+                <a:solidFill>
+                  <a:schemeClr val="bg1"/>
+                </a:solidFill>
+              </a:rPr>
+              <a:t>разпространяване</a:t>
+            </a:r>
+            <a:r>
+              <a:rPr lang="ru-RU" dirty="0" smtClean="0"/>
+              <a:t> на </a:t>
+            </a:r>
+            <a:r>
+              <a:rPr lang="ru-RU" dirty="0" smtClean="0"/>
+              <a:t>обобщение на </a:t>
+            </a:r>
+            <a:r>
+              <a:rPr lang="ru-RU" b="1" dirty="0" smtClean="0">
+                <a:solidFill>
+                  <a:schemeClr val="bg1"/>
+                </a:solidFill>
+              </a:rPr>
+              <a:t>данните</a:t>
+            </a:r>
+          </a:p>
+          <a:p>
+            <a:pPr lvl="1">
+              <a:buClr>
+                <a:srgbClr val="224464"/>
+              </a:buClr>
+            </a:pPr>
+            <a:r>
+              <a:rPr lang="ru-RU" b="1" dirty="0" smtClean="0">
+                <a:solidFill>
+                  <a:schemeClr val="bg1"/>
+                </a:solidFill>
+              </a:rPr>
+              <a:t>Архивиране</a:t>
+            </a:r>
+            <a:r>
+              <a:rPr lang="ru-RU" dirty="0" smtClean="0"/>
+              <a:t> на </a:t>
+            </a:r>
+            <a:r>
+              <a:rPr lang="ru-RU" b="1" dirty="0" smtClean="0">
+                <a:solidFill>
+                  <a:schemeClr val="bg1"/>
+                </a:solidFill>
+              </a:rPr>
+              <a:t>снапшоти</a:t>
+            </a:r>
+            <a:r>
+              <a:rPr lang="ru-RU" dirty="0" smtClean="0"/>
+              <a:t> на </a:t>
+            </a:r>
+            <a:r>
+              <a:rPr lang="ru-RU" b="1" dirty="0" smtClean="0">
+                <a:solidFill>
+                  <a:schemeClr val="bg1"/>
+                </a:solidFill>
+              </a:rPr>
+              <a:t>данните</a:t>
+            </a:r>
+          </a:p>
+          <a:p>
+            <a:pPr lvl="1">
+              <a:buClr>
+                <a:srgbClr val="224464"/>
+              </a:buClr>
+            </a:pPr>
+            <a:r>
+              <a:rPr lang="ru-RU" b="1" dirty="0" smtClean="0">
+                <a:solidFill>
+                  <a:schemeClr val="bg1"/>
+                </a:solidFill>
+              </a:rPr>
+              <a:t>Предоставяне </a:t>
+            </a:r>
+            <a:r>
+              <a:rPr lang="ru-RU" dirty="0" smtClean="0"/>
+              <a:t>на</a:t>
+            </a:r>
+            <a:r>
+              <a:rPr lang="ru-RU" b="1" dirty="0" smtClean="0">
+                <a:solidFill>
+                  <a:schemeClr val="bg1"/>
+                </a:solidFill>
+              </a:rPr>
+              <a:t> подробности </a:t>
+            </a:r>
+            <a:r>
+              <a:rPr lang="ru-RU" dirty="0" smtClean="0"/>
+              <a:t>за</a:t>
+            </a:r>
+            <a:r>
+              <a:rPr lang="ru-RU" b="1" dirty="0" smtClean="0">
+                <a:solidFill>
+                  <a:schemeClr val="bg1"/>
+                </a:solidFill>
+              </a:rPr>
+              <a:t> </a:t>
+            </a:r>
+            <a:r>
+              <a:rPr lang="ru-RU" dirty="0" smtClean="0"/>
+              <a:t>отделните</a:t>
+            </a:r>
+            <a:r>
+              <a:rPr lang="ru-RU" b="1" dirty="0" smtClean="0">
+                <a:solidFill>
+                  <a:schemeClr val="bg1"/>
+                </a:solidFill>
+              </a:rPr>
+              <a:t> </a:t>
+            </a:r>
+            <a:r>
+              <a:rPr lang="ru-RU" b="1" dirty="0" smtClean="0">
+                <a:solidFill>
+                  <a:schemeClr val="bg1"/>
+                </a:solidFill>
+              </a:rPr>
+              <a:t>записи</a:t>
+            </a:r>
+          </a:p>
+          <a:p>
+            <a:pPr lvl="1">
+              <a:buClr>
+                <a:srgbClr val="224464"/>
+              </a:buClr>
+            </a:pPr>
+            <a:r>
+              <a:rPr lang="ru-RU" b="1" dirty="0" smtClean="0">
+                <a:solidFill>
+                  <a:schemeClr val="bg1"/>
+                </a:solidFill>
+              </a:rPr>
+              <a:t>Създаване </a:t>
+            </a:r>
+            <a:r>
+              <a:rPr lang="ru-RU" dirty="0" smtClean="0"/>
+              <a:t>на</a:t>
+            </a:r>
+            <a:r>
+              <a:rPr lang="ru-RU" b="1" dirty="0" smtClean="0">
+                <a:solidFill>
+                  <a:schemeClr val="bg1"/>
+                </a:solidFill>
+              </a:rPr>
+              <a:t> етикети</a:t>
+            </a:r>
+            <a:endParaRPr lang="en-US" b="1" dirty="0">
+              <a:solidFill>
+                <a:schemeClr val="bg1"/>
+              </a:solidFill>
+            </a:endParaRPr>
+          </a:p>
+        </p:txBody>
+      </p:sp>
+      <p:sp>
+        <p:nvSpPr>
+          <p:cNvPr id="4" name="Title 3"/>
+          <p:cNvSpPr>
+            <a:spLocks noGrp="1"/>
+          </p:cNvSpPr>
+          <p:nvPr>
+            <p:ph type="title"/>
+          </p:nvPr>
+        </p:nvSpPr>
+        <p:spPr/>
+        <p:txBody>
+          <a:bodyPr/>
+          <a:lstStyle/>
+          <a:p>
+            <a:r>
+              <a:rPr lang="bg-BG" dirty="0" smtClean="0"/>
+              <a:t>Какво можем да правим с отчетите?</a:t>
+            </a:r>
+            <a:endParaRPr lang="en-US" dirty="0"/>
+          </a:p>
+        </p:txBody>
+      </p:sp>
+      <p:pic>
+        <p:nvPicPr>
+          <p:cNvPr id="65540" name="Picture 4" descr="Plan - Free miscellaneous icons"/>
+          <p:cNvPicPr>
+            <a:picLocks noChangeAspect="1" noChangeArrowheads="1"/>
+          </p:cNvPicPr>
+          <p:nvPr/>
+        </p:nvPicPr>
+        <p:blipFill>
+          <a:blip r:embed="rId2" cstate="print"/>
+          <a:srcRect/>
+          <a:stretch>
+            <a:fillRect/>
+          </a:stretch>
+        </p:blipFill>
+        <p:spPr bwMode="auto">
+          <a:xfrm>
+            <a:off x="7086600" y="4648199"/>
+            <a:ext cx="2286000" cy="2286001"/>
+          </a:xfrm>
+          <a:prstGeom prst="rect">
+            <a:avLst/>
+          </a:prstGeom>
+          <a:noFill/>
+        </p:spPr>
+      </p:pic>
+    </p:spTree>
+  </p:cSld>
+  <p:clrMapOvr>
+    <a:masterClrMapping/>
+  </p:clrMapOvr>
+  <mc:AlternateContent xmlns:mc="http://schemas.openxmlformats.org/markup-compatibility/2006">
+    <mc:Choice xmlns="" xmlns:p14="http://schemas.microsoft.com/office/powerpoint/2010/main" Requires="p14">
+      <p:transition spd="slow" p14:dur="2000" advClick="0" advTm="5000"/>
+    </mc:Choice>
+    <mc:Fallback>
+      <p:transition spd="slow" advClick="0" advTm="5000"/>
+    </mc:Fallback>
+  </mc:AlternateContent>
+  <p:timing>
+    <p:tnLst>
+      <p:par>
+        <p:cTn id="1" dur="indefinite" restart="never" nodeType="tmRoot">
+          <p:childTnLst>
+            <p:seq concurrent="1" nextAc="seek">
+              <p:cTn id="2" dur="indefinite" nodeType="mainSeq">
+                <p:childTnLst>
+                  <p:par>
+                    <p:cTn id="3" fill="hold">
+                      <p:stCondLst>
+                        <p:cond delay="indefinite"/>
+                      </p:stCondLst>
+                      <p:childTnLst>
+                        <p:par>
+                          <p:cTn id="4" fill="hold">
+                            <p:stCondLst>
+                              <p:cond delay="0"/>
+                            </p:stCondLst>
+                            <p:childTnLst>
+                              <p:par>
+                                <p:cTn id="5" presetID="1" presetClass="entr" presetSubtype="0" fill="hold" nodeType="clickEffect">
+                                  <p:stCondLst>
+                                    <p:cond delay="0"/>
+                                  </p:stCondLst>
+                                  <p:childTnLst>
+                                    <p:set>
+                                      <p:cBhvr>
+                                        <p:cTn id="6" dur="1" fill="hold">
+                                          <p:stCondLst>
+                                            <p:cond delay="0"/>
+                                          </p:stCondLst>
+                                        </p:cTn>
+                                        <p:tgtEl>
+                                          <p:spTgt spid="3">
+                                            <p:txEl>
+                                              <p:pRg st="2" end="2"/>
+                                            </p:txEl>
+                                          </p:spTgt>
+                                        </p:tgtEl>
+                                        <p:attrNameLst>
+                                          <p:attrName>style.visibility</p:attrName>
+                                        </p:attrNameLst>
+                                      </p:cBhvr>
+                                      <p:to>
+                                        <p:strVal val="visible"/>
+                                      </p:to>
+                                    </p:set>
+                                  </p:childTnLst>
+                                </p:cTn>
+                              </p:par>
+                            </p:childTnLst>
+                          </p:cTn>
+                        </p:par>
+                      </p:childTnLst>
+                    </p:cTn>
+                  </p:par>
+                  <p:par>
+                    <p:cTn id="7" fill="hold">
+                      <p:stCondLst>
+                        <p:cond delay="indefinite"/>
+                      </p:stCondLst>
+                      <p:childTnLst>
+                        <p:par>
+                          <p:cTn id="8" fill="hold">
+                            <p:stCondLst>
+                              <p:cond delay="0"/>
+                            </p:stCondLst>
+                            <p:childTnLst>
+                              <p:par>
+                                <p:cTn id="9" presetID="1" presetClass="entr" presetSubtype="0" fill="hold" nodeType="clickEffect">
+                                  <p:stCondLst>
+                                    <p:cond delay="0"/>
+                                  </p:stCondLst>
+                                  <p:childTnLst>
+                                    <p:set>
+                                      <p:cBhvr>
+                                        <p:cTn id="10" dur="1" fill="hold">
+                                          <p:stCondLst>
+                                            <p:cond delay="0"/>
+                                          </p:stCondLst>
+                                        </p:cTn>
+                                        <p:tgtEl>
+                                          <p:spTgt spid="3">
+                                            <p:txEl>
+                                              <p:pRg st="3" end="3"/>
+                                            </p:txEl>
+                                          </p:spTgt>
+                                        </p:tgtEl>
+                                        <p:attrNameLst>
+                                          <p:attrName>style.visibility</p:attrName>
+                                        </p:attrNameLst>
+                                      </p:cBhvr>
+                                      <p:to>
+                                        <p:strVal val="visible"/>
+                                      </p:to>
+                                    </p:set>
+                                  </p:childTnLst>
+                                </p:cTn>
+                              </p:par>
+                            </p:childTnLst>
+                          </p:cTn>
+                        </p:par>
+                      </p:childTnLst>
+                    </p:cTn>
+                  </p:par>
+                  <p:par>
+                    <p:cTn id="11" fill="hold">
+                      <p:stCondLst>
+                        <p:cond delay="indefinite"/>
+                      </p:stCondLst>
+                      <p:childTnLst>
+                        <p:par>
+                          <p:cTn id="12" fill="hold">
+                            <p:stCondLst>
+                              <p:cond delay="0"/>
+                            </p:stCondLst>
+                            <p:childTnLst>
+                              <p:par>
+                                <p:cTn id="13" presetID="1" presetClass="entr" presetSubtype="0" fill="hold" nodeType="clickEffect">
+                                  <p:stCondLst>
+                                    <p:cond delay="0"/>
+                                  </p:stCondLst>
+                                  <p:childTnLst>
+                                    <p:set>
+                                      <p:cBhvr>
+                                        <p:cTn id="14" dur="1" fill="hold">
+                                          <p:stCondLst>
+                                            <p:cond delay="0"/>
+                                          </p:stCondLst>
+                                        </p:cTn>
+                                        <p:tgtEl>
+                                          <p:spTgt spid="3">
+                                            <p:txEl>
+                                              <p:pRg st="4" end="4"/>
+                                            </p:txEl>
+                                          </p:spTgt>
+                                        </p:tgtEl>
+                                        <p:attrNameLst>
+                                          <p:attrName>style.visibility</p:attrName>
+                                        </p:attrNameLst>
+                                      </p:cBhvr>
+                                      <p:to>
+                                        <p:strVal val="visible"/>
+                                      </p:to>
+                                    </p:set>
+                                  </p:childTnLst>
+                                </p:cTn>
+                              </p:par>
+                            </p:childTnLst>
+                          </p:cTn>
+                        </p:par>
+                      </p:childTnLst>
+                    </p:cTn>
+                  </p:par>
+                </p:childTnLst>
+              </p:cTn>
+              <p:prevCondLst>
+                <p:cond evt="onPrev" delay="0">
+                  <p:tgtEl>
+                    <p:sldTgt/>
+                  </p:tgtEl>
+                </p:cond>
+              </p:prevCondLst>
+              <p:nextCondLst>
+                <p:cond evt="onNext" delay="0">
+                  <p:tgtEl>
+                    <p:sldTgt/>
+                  </p:tgtEl>
+                </p:cond>
+              </p:nextCondLst>
+            </p:seq>
+          </p:childTnLst>
+        </p:cTn>
+      </p:par>
+    </p:tnLst>
+  </p:timing>
+</p:sld>
+</file>
+
+<file path=ppt/slides/slide3.xml><?xml version="1.0" encoding="utf-8"?>
+<p:sld xmlns:a="http://schemas.openxmlformats.org/drawingml/2006/main" xmlns:r="http://schemas.openxmlformats.org/officeDocument/2006/relationships" xmlns:p="http://schemas.openxmlformats.org/presentationml/2006/main">
+  <p:cSld>
+    <p:spTree>
+      <p:nvGrpSpPr>
+        <p:cNvPr id="1" name=""/>
+        <p:cNvGrpSpPr/>
+        <p:nvPr/>
+      </p:nvGrpSpPr>
+      <p:grpSpPr>
+        <a:xfrm>
+          <a:off x="0" y="0"/>
+          <a:ext cx="0" cy="0"/>
+          <a:chOff x="0" y="0"/>
+          <a:chExt cx="0" cy="0"/>
+        </a:xfrm>
+      </p:grpSpPr>
+      <p:sp>
+        <p:nvSpPr>
+          <p:cNvPr id="2" name="Subtitle 1"/>
+          <p:cNvSpPr>
+            <a:spLocks noGrp="1"/>
+          </p:cNvSpPr>
+          <p:nvPr>
+            <p:ph type="subTitle" sz="quarter" idx="11"/>
+          </p:nvPr>
+        </p:nvSpPr>
+        <p:spPr/>
+        <p:txBody>
+          <a:bodyPr/>
+          <a:lstStyle/>
+          <a:p>
+            <a:r>
+              <a:rPr lang="bg-BG" dirty="0" smtClean="0"/>
+              <a:t>Същност и употреба</a:t>
+            </a:r>
+            <a:endParaRPr lang="en-US" dirty="0"/>
+          </a:p>
+        </p:txBody>
+      </p:sp>
+      <p:sp>
+        <p:nvSpPr>
+          <p:cNvPr id="3" name="Title 2"/>
+          <p:cNvSpPr>
+            <a:spLocks noGrp="1"/>
+          </p:cNvSpPr>
+          <p:nvPr>
+            <p:ph type="title" sz="quarter" idx="10"/>
+          </p:nvPr>
+        </p:nvSpPr>
+        <p:spPr/>
+        <p:txBody>
+          <a:bodyPr/>
+          <a:lstStyle/>
+          <a:p>
+            <a:r>
+              <a:rPr lang="en-US" dirty="0" smtClean="0"/>
+              <a:t>MS Access</a:t>
+            </a:r>
+            <a:endParaRPr lang="en-US" dirty="0"/>
+          </a:p>
+        </p:txBody>
+      </p:sp>
+      <p:pic>
+        <p:nvPicPr>
+          <p:cNvPr id="4" name="Picture 2" descr="Microsoft Access - Wikipedia"/>
+          <p:cNvPicPr>
+            <a:picLocks noChangeAspect="1" noChangeArrowheads="1"/>
+          </p:cNvPicPr>
+          <p:nvPr/>
+        </p:nvPicPr>
+        <p:blipFill>
+          <a:blip r:embed="rId2" cstate="print"/>
+          <a:srcRect/>
+          <a:stretch>
+            <a:fillRect/>
+          </a:stretch>
+        </p:blipFill>
+        <p:spPr bwMode="auto">
+          <a:xfrm>
+            <a:off x="4666146" y="1447800"/>
+            <a:ext cx="2496654" cy="2438400"/>
+          </a:xfrm>
+          <a:prstGeom prst="rect">
+            <a:avLst/>
+          </a:prstGeom>
+          <a:noFill/>
+        </p:spPr>
+      </p:pic>
+    </p:spTree>
+  </p:cSld>
+  <p:clrMapOvr>
+    <a:masterClrMapping/>
+  </p:clrMapOvr>
+  <mc:AlternateContent xmlns:mc="http://schemas.openxmlformats.org/markup-compatibility/2006">
+    <mc:Choice xmlns="" xmlns:p14="http://schemas.microsoft.com/office/powerpoint/2010/main" Requires="p14">
+      <p:transition spd="slow" p14:dur="2000" advClick="0" advTm="5000"/>
+    </mc:Choice>
+    <mc:Fallback>
+      <p:transition spd="slow" advClick="0" advTm="5000"/>
+    </mc:Fallback>
+  </mc:AlternateContent>
+  <p:timing>
+    <p:tnLst>
+      <p:par>
+        <p:cTn id="1" dur="indefinite" restart="never" nodeType="tmRoot"/>
+      </p:par>
+    </p:tnLst>
+  </p:timing>
+</p:sld>
+</file>
+
+<file path=ppt/slides/slide30.xml><?xml version="1.0" encoding="utf-8"?>
+<p:sld xmlns:a="http://schemas.openxmlformats.org/drawingml/2006/main" xmlns:r="http://schemas.openxmlformats.org/officeDocument/2006/relationships" xmlns:p="http://schemas.openxmlformats.org/presentationml/2006/main">
+  <p:cSld>
+    <p:spTree>
+      <p:nvGrpSpPr>
+        <p:cNvPr id="1" name=""/>
+        <p:cNvGrpSpPr/>
+        <p:nvPr/>
+      </p:nvGrpSpPr>
+      <p:grpSpPr>
+        <a:xfrm>
+          <a:off x="0" y="0"/>
+          <a:ext cx="0" cy="0"/>
+          <a:chOff x="0" y="0"/>
+          <a:chExt cx="0" cy="0"/>
+        </a:xfrm>
+      </p:grpSpPr>
       <p:grpSp>
         <p:nvGrpSpPr>
           <p:cNvPr id="9" name="Summary Box Group">
             <a:extLst>
               <a:ext uri="{FF2B5EF4-FFF2-40B4-BE49-F238E27FC236}">
-                <a16:creationId xmlns:a16="http://schemas.microsoft.com/office/drawing/2014/main" xmlns="" id="{EBAFE522-EB7D-4931-A015-9A7E8A98517D}"/>
+                <a16:creationId xmlns="" xmlns:a16="http://schemas.microsoft.com/office/drawing/2014/main" id="{EBAFE522-EB7D-4931-A015-9A7E8A98517D}"/>
               </a:ext>
             </a:extLst>
           </p:cNvPr>
@@ -20476,7 +23387,7 @@
             <p:cNvPr id="10" name="Rounded Rectangle Blue">
               <a:extLst>
                 <a:ext uri="{FF2B5EF4-FFF2-40B4-BE49-F238E27FC236}">
-                  <a16:creationId xmlns:a16="http://schemas.microsoft.com/office/drawing/2014/main" xmlns="" id="{18F78F23-3D09-4B63-8DF9-D49CFBB145EE}"/>
+                  <a16:creationId xmlns="" xmlns:a16="http://schemas.microsoft.com/office/drawing/2014/main" id="{18F78F23-3D09-4B63-8DF9-D49CFBB145EE}"/>
                 </a:ext>
               </a:extLst>
             </p:cNvPr>
@@ -20530,7 +23441,7 @@
             <p:cNvPr id="11" name="Rounded Rectangle Left">
               <a:extLst>
                 <a:ext uri="{FF2B5EF4-FFF2-40B4-BE49-F238E27FC236}">
-                  <a16:creationId xmlns:a16="http://schemas.microsoft.com/office/drawing/2014/main" xmlns="" id="{F12C06CE-2BBE-46C2-B718-813794C58DF9}"/>
+                  <a16:creationId xmlns="" xmlns:a16="http://schemas.microsoft.com/office/drawing/2014/main" id="{F12C06CE-2BBE-46C2-B718-813794C58DF9}"/>
                 </a:ext>
               </a:extLst>
             </p:cNvPr>
@@ -20590,7 +23501,7 @@
             <p:cNvPr id="12" name="Half Frame Top Right">
               <a:extLst>
                 <a:ext uri="{FF2B5EF4-FFF2-40B4-BE49-F238E27FC236}">
-                  <a16:creationId xmlns:a16="http://schemas.microsoft.com/office/drawing/2014/main" xmlns="" id="{66CDBB1E-AF3C-43FC-9F34-2DD691F81726}"/>
+                  <a16:creationId xmlns="" xmlns:a16="http://schemas.microsoft.com/office/drawing/2014/main" id="{66CDBB1E-AF3C-43FC-9F34-2DD691F81726}"/>
                 </a:ext>
               </a:extLst>
             </p:cNvPr>
@@ -20652,7 +23563,7 @@
           <p:cNvPr id="14" name="Text Placeholder Body">
             <a:extLst>
               <a:ext uri="{FF2B5EF4-FFF2-40B4-BE49-F238E27FC236}">
-                <a16:creationId xmlns:a16="http://schemas.microsoft.com/office/drawing/2014/main" xmlns="" id="{0E49D336-45B6-44D3-97C4-E28F8DEA2022}"/>
+                <a16:creationId xmlns="" xmlns:a16="http://schemas.microsoft.com/office/drawing/2014/main" id="{0E49D336-45B6-44D3-97C4-E28F8DEA2022}"/>
               </a:ext>
             </a:extLst>
           </p:cNvPr>
@@ -20748,7 +23659,7 @@
           <p:cNvPr id="17" name="Slide Number">
             <a:extLst>
               <a:ext uri="{FF2B5EF4-FFF2-40B4-BE49-F238E27FC236}">
-                <a16:creationId xmlns:a16="http://schemas.microsoft.com/office/drawing/2014/main" xmlns="" id="{9DE5559F-55C2-47F1-A321-B593B1EC63C1}"/>
+                <a16:creationId xmlns="" xmlns:a16="http://schemas.microsoft.com/office/drawing/2014/main" id="{9DE5559F-55C2-47F1-A321-B593B1EC63C1}"/>
               </a:ext>
             </a:extLst>
           </p:cNvPr>
@@ -20779,7 +23690,7 @@
             <a:fld id="{2BF067CD-8E6B-4360-9AA8-C5DF2A48A6D1}" type="slidenum">
               <a:rPr lang="en-US" smtClean="0"/>
               <a:pPr/>
-              <a:t>24</a:t>
+              <a:t>30</a:t>
             </a:fld>
             <a:endParaRPr lang="en-US" dirty="0"/>
           </a:p>
@@ -20790,7 +23701,7 @@
           <p:cNvPr id="13" name="Picture SoftUni Mascot">
             <a:extLst>
               <a:ext uri="{FF2B5EF4-FFF2-40B4-BE49-F238E27FC236}">
-                <a16:creationId xmlns:a16="http://schemas.microsoft.com/office/drawing/2014/main" xmlns="" id="{CCC3A316-993C-4741-8826-E104F27650A3}"/>
+                <a16:creationId xmlns="" xmlns:a16="http://schemas.microsoft.com/office/drawing/2014/main" id="{CCC3A316-993C-4741-8826-E104F27650A3}"/>
               </a:ext>
             </a:extLst>
           </p:cNvPr>
@@ -20803,7 +23714,7 @@
           <a:blip r:embed="rId3" cstate="print">
             <a:extLst>
               <a:ext uri="{28A0092B-C50C-407E-A947-70E740481C1C}">
-                <a14:useLocalDpi xmlns:a14="http://schemas.microsoft.com/office/drawing/2010/main" xmlns="" val="0"/>
+                <a14:useLocalDpi xmlns="" xmlns:a14="http://schemas.microsoft.com/office/drawing/2010/main" val="0"/>
               </a:ext>
             </a:extLst>
           </a:blip>
@@ -20848,7 +23759,7 @@
     </p:spTree>
     <p:extLst>
       <p:ext uri="{BB962C8B-B14F-4D97-AF65-F5344CB8AC3E}">
-        <p14:creationId xmlns:p14="http://schemas.microsoft.com/office/powerpoint/2010/main" xmlns="" val="2087190546"/>
+        <p14:creationId xmlns="" xmlns:p14="http://schemas.microsoft.com/office/powerpoint/2010/main" val="2087190546"/>
       </p:ext>
     </p:extLst>
   </p:cSld>
@@ -20856,7 +23767,7 @@
     <a:masterClrMapping/>
   </p:clrMapOvr>
   <mc:AlternateContent xmlns:mc="http://schemas.openxmlformats.org/markup-compatibility/2006">
-    <mc:Choice xmlns:p14="http://schemas.microsoft.com/office/powerpoint/2010/main" xmlns="" Requires="p14">
+    <mc:Choice xmlns="" xmlns:p14="http://schemas.microsoft.com/office/powerpoint/2010/main" Requires="p14">
       <p:transition spd="slow" p14:dur="2000" advClick="0" advTm="5000"/>
     </mc:Choice>
     <mc:Fallback>
@@ -20873,7 +23784,7 @@
 </p:sld>
 </file>
 
-<file path=ppt/slides/slide25.xml><?xml version="1.0" encoding="utf-8"?>
+<file path=ppt/slides/slide31.xml><?xml version="1.0" encoding="utf-8"?>
 <p:sld xmlns:a="http://schemas.openxmlformats.org/drawingml/2006/main" xmlns:r="http://schemas.openxmlformats.org/officeDocument/2006/relationships" xmlns:p="http://schemas.openxmlformats.org/presentationml/2006/main">
   <p:cSld>
     <p:spTree>
@@ -20895,7 +23806,7 @@
           <p:cNvPr id="5" name="Group 4">
             <a:extLst>
               <a:ext uri="{FF2B5EF4-FFF2-40B4-BE49-F238E27FC236}">
-                <a16:creationId xmlns:a16="http://schemas.microsoft.com/office/drawing/2014/main" xmlns="" id="{1A67F800-7980-E3CA-7188-3C478C8E98B8}"/>
+                <a16:creationId xmlns="" xmlns:a16="http://schemas.microsoft.com/office/drawing/2014/main" id="{1A67F800-7980-E3CA-7188-3C478C8E98B8}"/>
               </a:ext>
             </a:extLst>
           </p:cNvPr>
@@ -20915,7 +23826,7 @@
             <p:cNvPr id="7" name="Picture 6" descr="A picture containing text, sign, vector graphics&#10;&#10;Description automatically generated">
               <a:extLst>
                 <a:ext uri="{FF2B5EF4-FFF2-40B4-BE49-F238E27FC236}">
-                  <a16:creationId xmlns:a16="http://schemas.microsoft.com/office/drawing/2014/main" xmlns="" id="{15CE28B1-02BA-4014-E149-BF1EE09447ED}"/>
+                  <a16:creationId xmlns="" xmlns:a16="http://schemas.microsoft.com/office/drawing/2014/main" id="{15CE28B1-02BA-4014-E149-BF1EE09447ED}"/>
                 </a:ext>
               </a:extLst>
             </p:cNvPr>
@@ -20945,7 +23856,7 @@
             <p:cNvPr id="9" name="Picture 8" descr="Logo&#10;&#10;Description automatically generated">
               <a:extLst>
                 <a:ext uri="{FF2B5EF4-FFF2-40B4-BE49-F238E27FC236}">
-                  <a16:creationId xmlns:a16="http://schemas.microsoft.com/office/drawing/2014/main" xmlns="" id="{5F82FF4F-4AD2-4B3B-1445-F3C6BA268522}"/>
+                  <a16:creationId xmlns="" xmlns:a16="http://schemas.microsoft.com/office/drawing/2014/main" id="{5F82FF4F-4AD2-4B3B-1445-F3C6BA268522}"/>
                 </a:ext>
               </a:extLst>
             </p:cNvPr>
@@ -20975,7 +23886,7 @@
             <p:cNvPr id="11" name="Picture 10" descr="Logo&#10;&#10;Description automatically generated">
               <a:extLst>
                 <a:ext uri="{FF2B5EF4-FFF2-40B4-BE49-F238E27FC236}">
-                  <a16:creationId xmlns:a16="http://schemas.microsoft.com/office/drawing/2014/main" xmlns="" id="{68CCA8DB-9EFC-F9BC-57AE-81E4F843E863}"/>
+                  <a16:creationId xmlns="" xmlns:a16="http://schemas.microsoft.com/office/drawing/2014/main" id="{68CCA8DB-9EFC-F9BC-57AE-81E4F843E863}"/>
                 </a:ext>
               </a:extLst>
             </p:cNvPr>
@@ -21005,7 +23916,7 @@
             <p:cNvPr id="13" name="Picture 12" descr="Logo&#10;&#10;Description automatically generated">
               <a:extLst>
                 <a:ext uri="{FF2B5EF4-FFF2-40B4-BE49-F238E27FC236}">
-                  <a16:creationId xmlns:a16="http://schemas.microsoft.com/office/drawing/2014/main" xmlns="" id="{3FDF9297-50FA-E866-B6CE-9D64B1E892BF}"/>
+                  <a16:creationId xmlns="" xmlns:a16="http://schemas.microsoft.com/office/drawing/2014/main" id="{3FDF9297-50FA-E866-B6CE-9D64B1E892BF}"/>
                 </a:ext>
               </a:extLst>
             </p:cNvPr>
@@ -21035,7 +23946,7 @@
             <p:cNvPr id="18" name="Graphic 17">
               <a:extLst>
                 <a:ext uri="{FF2B5EF4-FFF2-40B4-BE49-F238E27FC236}">
-                  <a16:creationId xmlns:a16="http://schemas.microsoft.com/office/drawing/2014/main" xmlns="" id="{2A1BC0C9-7A7B-9C5B-B457-3E86E59EF29E}"/>
+                  <a16:creationId xmlns="" xmlns:a16="http://schemas.microsoft.com/office/drawing/2014/main" id="{2A1BC0C9-7A7B-9C5B-B457-3E86E59EF29E}"/>
                 </a:ext>
               </a:extLst>
             </p:cNvPr>
@@ -21048,7 +23959,7 @@
             <a:blip r:embed="rId7" cstate="print">
               <a:extLst>
                 <a:ext uri="{96DAC541-7B7A-43D3-8B79-37D633B846F1}">
-                  <asvg:svgBlip xmlns:asvg="http://schemas.microsoft.com/office/drawing/2016/SVG/main" xmlns="" r:embed="rId8"/>
+                  <asvg:svgBlip xmlns="" xmlns:asvg="http://schemas.microsoft.com/office/drawing/2016/SVG/main" r:embed="rId8"/>
                 </a:ext>
               </a:extLst>
             </a:blip>
@@ -21071,7 +23982,7 @@
             <p:cNvPr id="20" name="Graphic 19">
               <a:extLst>
                 <a:ext uri="{FF2B5EF4-FFF2-40B4-BE49-F238E27FC236}">
-                  <a16:creationId xmlns:a16="http://schemas.microsoft.com/office/drawing/2014/main" xmlns="" id="{DBE174DA-A182-7E57-06D4-86AFA26D484D}"/>
+                  <a16:creationId xmlns="" xmlns:a16="http://schemas.microsoft.com/office/drawing/2014/main" id="{DBE174DA-A182-7E57-06D4-86AFA26D484D}"/>
                 </a:ext>
               </a:extLst>
             </p:cNvPr>
@@ -21084,7 +23995,7 @@
             <a:blip r:embed="rId9" cstate="print">
               <a:extLst>
                 <a:ext uri="{96DAC541-7B7A-43D3-8B79-37D633B846F1}">
-                  <asvg:svgBlip xmlns:asvg="http://schemas.microsoft.com/office/drawing/2016/SVG/main" xmlns="" r:embed="rId10"/>
+                  <asvg:svgBlip xmlns="" xmlns:asvg="http://schemas.microsoft.com/office/drawing/2016/SVG/main" r:embed="rId10"/>
                 </a:ext>
               </a:extLst>
             </a:blip>
@@ -21107,7 +24018,7 @@
             <p:cNvPr id="22" name="Picture 21" descr="Logo&#10;&#10;Description automatically generated">
               <a:extLst>
                 <a:ext uri="{FF2B5EF4-FFF2-40B4-BE49-F238E27FC236}">
-                  <a16:creationId xmlns:a16="http://schemas.microsoft.com/office/drawing/2014/main" xmlns="" id="{9B7FFC36-A4BC-7A53-AB82-82C398A47538}"/>
+                  <a16:creationId xmlns="" xmlns:a16="http://schemas.microsoft.com/office/drawing/2014/main" id="{9B7FFC36-A4BC-7A53-AB82-82C398A47538}"/>
                 </a:ext>
               </a:extLst>
             </p:cNvPr>
@@ -21137,7 +24048,7 @@
             <p:cNvPr id="36" name="Group 35">
               <a:extLst>
                 <a:ext uri="{FF2B5EF4-FFF2-40B4-BE49-F238E27FC236}">
-                  <a16:creationId xmlns:a16="http://schemas.microsoft.com/office/drawing/2014/main" xmlns="" id="{3FB2AEAC-BDEE-9D5F-67A3-17CEDA699052}"/>
+                  <a16:creationId xmlns="" xmlns:a16="http://schemas.microsoft.com/office/drawing/2014/main" id="{3FB2AEAC-BDEE-9D5F-67A3-17CEDA699052}"/>
                 </a:ext>
               </a:extLst>
             </p:cNvPr>
@@ -21157,7 +24068,7 @@
               <p:cNvPr id="31" name="Straight Connector 30">
                 <a:extLst>
                   <a:ext uri="{FF2B5EF4-FFF2-40B4-BE49-F238E27FC236}">
-                    <a16:creationId xmlns:a16="http://schemas.microsoft.com/office/drawing/2014/main" xmlns="" id="{AA38ABD5-1637-DC80-A922-DF10E4F75CDE}"/>
+                    <a16:creationId xmlns="" xmlns:a16="http://schemas.microsoft.com/office/drawing/2014/main" id="{AA38ABD5-1637-DC80-A922-DF10E4F75CDE}"/>
                   </a:ext>
                 </a:extLst>
               </p:cNvPr>
@@ -21200,7 +24111,7 @@
               <p:cNvPr id="33" name="Picture 32">
                 <a:extLst>
                   <a:ext uri="{FF2B5EF4-FFF2-40B4-BE49-F238E27FC236}">
-                    <a16:creationId xmlns:a16="http://schemas.microsoft.com/office/drawing/2014/main" xmlns="" id="{617B586A-0BC5-5E32-7E67-FD277547ED69}"/>
+                    <a16:creationId xmlns="" xmlns:a16="http://schemas.microsoft.com/office/drawing/2014/main" id="{617B586A-0BC5-5E32-7E67-FD277547ED69}"/>
                   </a:ext>
                 </a:extLst>
               </p:cNvPr>
@@ -21232,7 +24143,7 @@
           <p:cNvPr id="40" name="Picture 39" descr="Logo&#10;&#10;Description automatically generated">
             <a:extLst>
               <a:ext uri="{FF2B5EF4-FFF2-40B4-BE49-F238E27FC236}">
-                <a16:creationId xmlns:a16="http://schemas.microsoft.com/office/drawing/2014/main" xmlns="" id="{9C30DD70-D438-6D27-35D3-8BB874966D84}"/>
+                <a16:creationId xmlns="" xmlns:a16="http://schemas.microsoft.com/office/drawing/2014/main" id="{9C30DD70-D438-6D27-35D3-8BB874966D84}"/>
               </a:ext>
             </a:extLst>
           </p:cNvPr>
@@ -21262,7 +24173,7 @@
           <p:cNvPr id="2" name="Google Shape;441;p37">
             <a:extLst>
               <a:ext uri="{FF2B5EF4-FFF2-40B4-BE49-F238E27FC236}">
-                <a16:creationId xmlns:a16="http://schemas.microsoft.com/office/drawing/2014/main" xmlns="" id="{2AFB472C-93C2-241B-75FA-457782840F92}"/>
+                <a16:creationId xmlns="" xmlns:a16="http://schemas.microsoft.com/office/drawing/2014/main" id="{2AFB472C-93C2-241B-75FA-457782840F92}"/>
               </a:ext>
             </a:extLst>
           </p:cNvPr>
@@ -21567,7 +24478,7 @@
           <p:cNvPr id="14" name="Картина 13">
             <a:extLst>
               <a:ext uri="{FF2B5EF4-FFF2-40B4-BE49-F238E27FC236}">
-                <a16:creationId xmlns:a16="http://schemas.microsoft.com/office/drawing/2014/main" xmlns="" id="{54B365E9-8FD0-6D5B-2DFC-723EE5DDD555}"/>
+                <a16:creationId xmlns="" xmlns:a16="http://schemas.microsoft.com/office/drawing/2014/main" id="{54B365E9-8FD0-6D5B-2DFC-723EE5DDD555}"/>
               </a:ext>
             </a:extLst>
           </p:cNvPr>
@@ -21597,7 +24508,7 @@
           <p:cNvPr id="16" name="Картина 15">
             <a:extLst>
               <a:ext uri="{FF2B5EF4-FFF2-40B4-BE49-F238E27FC236}">
-                <a16:creationId xmlns:a16="http://schemas.microsoft.com/office/drawing/2014/main" xmlns="" id="{3BD6ABFC-02BF-2D42-B42B-6929222F37B6}"/>
+                <a16:creationId xmlns="" xmlns:a16="http://schemas.microsoft.com/office/drawing/2014/main" id="{3BD6ABFC-02BF-2D42-B42B-6929222F37B6}"/>
               </a:ext>
             </a:extLst>
           </p:cNvPr>
@@ -21625,7 +24536,7 @@
     </p:spTree>
     <p:extLst>
       <p:ext uri="{BB962C8B-B14F-4D97-AF65-F5344CB8AC3E}">
-        <p14:creationId xmlns:p14="http://schemas.microsoft.com/office/powerpoint/2010/main" xmlns="" val="2144060659"/>
+        <p14:creationId xmlns="" xmlns:p14="http://schemas.microsoft.com/office/powerpoint/2010/main" val="2144060659"/>
       </p:ext>
     </p:extLst>
   </p:cSld>
@@ -21642,7 +24553,7 @@
 </p:sld>
 </file>
 
-<file path=ppt/slides/slide26.xml><?xml version="1.0" encoding="utf-8"?>
+<file path=ppt/slides/slide32.xml><?xml version="1.0" encoding="utf-8"?>
 <p:sld xmlns:a="http://schemas.openxmlformats.org/drawingml/2006/main" xmlns:r="http://schemas.openxmlformats.org/officeDocument/2006/relationships" xmlns:p="http://schemas.openxmlformats.org/presentationml/2006/main">
   <p:cSld>
     <p:spTree>
@@ -21664,7 +24575,7 @@
           <p:cNvPr id="5" name="Slide Number">
             <a:extLst>
               <a:ext uri="{FF2B5EF4-FFF2-40B4-BE49-F238E27FC236}">
-                <a16:creationId xmlns:a16="http://schemas.microsoft.com/office/drawing/2014/main" xmlns="" id="{F48C3C93-90A1-4D31-BEA6-B54D1106CE31}"/>
+                <a16:creationId xmlns="" xmlns:a16="http://schemas.microsoft.com/office/drawing/2014/main" id="{F48C3C93-90A1-4D31-BEA6-B54D1106CE31}"/>
               </a:ext>
             </a:extLst>
           </p:cNvPr>
@@ -21695,7 +24606,7 @@
             <a:fld id="{2BF067CD-8E6B-4360-9AA8-C5DF2A48A6D1}" type="slidenum">
               <a:rPr lang="en-US" smtClean="0"/>
               <a:pPr/>
-              <a:t>26</a:t>
+              <a:t>32</a:t>
             </a:fld>
             <a:endParaRPr lang="en-US" dirty="0"/>
           </a:p>
@@ -21706,7 +24617,7 @@
           <p:cNvPr id="2" name="Slide Body">
             <a:extLst>
               <a:ext uri="{FF2B5EF4-FFF2-40B4-BE49-F238E27FC236}">
-                <a16:creationId xmlns:a16="http://schemas.microsoft.com/office/drawing/2014/main" xmlns="" id="{980F49B1-E4BE-4389-A747-7AB9B71AD920}"/>
+                <a16:creationId xmlns="" xmlns:a16="http://schemas.microsoft.com/office/drawing/2014/main" id="{980F49B1-E4BE-4389-A747-7AB9B71AD920}"/>
               </a:ext>
             </a:extLst>
           </p:cNvPr>
@@ -21840,7 +24751,7 @@
           <p:cNvPr id="6" name="Picture License" descr="License">
             <a:extLst>
               <a:ext uri="{FF2B5EF4-FFF2-40B4-BE49-F238E27FC236}">
-                <a16:creationId xmlns:a16="http://schemas.microsoft.com/office/drawing/2014/main" xmlns="" id="{A10A2585-858C-4B1E-8846-27CF1C15729E}"/>
+                <a16:creationId xmlns="" xmlns:a16="http://schemas.microsoft.com/office/drawing/2014/main" id="{A10A2585-858C-4B1E-8846-27CF1C15729E}"/>
               </a:ext>
             </a:extLst>
           </p:cNvPr>
@@ -21881,7 +24792,7 @@
           <p:cNvPr id="3" name="Slide Title">
             <a:extLst>
               <a:ext uri="{FF2B5EF4-FFF2-40B4-BE49-F238E27FC236}">
-                <a16:creationId xmlns:a16="http://schemas.microsoft.com/office/drawing/2014/main" xmlns="" id="{E5F1FB41-80C3-4816-BC47-CCC50632E6E8}"/>
+                <a16:creationId xmlns="" xmlns:a16="http://schemas.microsoft.com/office/drawing/2014/main" id="{E5F1FB41-80C3-4816-BC47-CCC50632E6E8}"/>
               </a:ext>
             </a:extLst>
           </p:cNvPr>
@@ -21907,7 +24818,7 @@
     </p:spTree>
     <p:extLst>
       <p:ext uri="{BB962C8B-B14F-4D97-AF65-F5344CB8AC3E}">
-        <p14:creationId xmlns:p14="http://schemas.microsoft.com/office/powerpoint/2010/main" xmlns="" val="3506533871"/>
+        <p14:creationId xmlns="" xmlns:p14="http://schemas.microsoft.com/office/powerpoint/2010/main" val="3506533871"/>
       </p:ext>
     </p:extLst>
   </p:cSld>
@@ -21915,119 +24826,7 @@
     <a:masterClrMapping/>
   </p:clrMapOvr>
   <mc:AlternateContent xmlns:mc="http://schemas.openxmlformats.org/markup-compatibility/2006">
-    <mc:Choice xmlns:p14="http://schemas.microsoft.com/office/powerpoint/2010/main" xmlns="" Requires="p14">
-      <p:transition spd="slow" p14:dur="2000" advClick="0" advTm="5000"/>
-    </mc:Choice>
-    <mc:Fallback>
-      <p:transition spd="slow" advClick="0" advTm="5000"/>
-    </mc:Fallback>
-  </mc:AlternateContent>
-  <p:timing>
-    <p:tnLst>
-      <p:par>
-        <p:cTn id="1" dur="indefinite" restart="never" nodeType="tmRoot"/>
-      </p:par>
-    </p:tnLst>
-  </p:timing>
-</p:sld>
-</file>
-
-<file path=ppt/slides/slide3.xml><?xml version="1.0" encoding="utf-8"?>
-<p:sld xmlns:a="http://schemas.openxmlformats.org/drawingml/2006/main" xmlns:r="http://schemas.openxmlformats.org/officeDocument/2006/relationships" xmlns:p="http://schemas.openxmlformats.org/presentationml/2006/main">
-  <p:cSld>
-    <p:spTree>
-      <p:nvGrpSpPr>
-        <p:cNvPr id="1" name=""/>
-        <p:cNvGrpSpPr/>
-        <p:nvPr/>
-      </p:nvGrpSpPr>
-      <p:grpSpPr>
-        <a:xfrm>
-          <a:off x="0" y="0"/>
-          <a:ext cx="0" cy="0"/>
-          <a:chOff x="0" y="0"/>
-          <a:chExt cx="0" cy="0"/>
-        </a:xfrm>
-      </p:grpSpPr>
-      <p:sp>
-        <p:nvSpPr>
-          <p:cNvPr id="2" name="Subtitle 1"/>
-          <p:cNvSpPr>
-            <a:spLocks noGrp="1"/>
-          </p:cNvSpPr>
-          <p:nvPr>
-            <p:ph type="subTitle" sz="quarter" idx="11"/>
-          </p:nvPr>
-        </p:nvSpPr>
-        <p:spPr/>
-        <p:txBody>
-          <a:bodyPr/>
-          <a:lstStyle/>
-          <a:p>
-            <a:r>
-              <a:rPr lang="bg-BG" dirty="0" smtClean="0"/>
-              <a:t>Същност и употреба</a:t>
-            </a:r>
-            <a:endParaRPr lang="en-US" dirty="0"/>
-          </a:p>
-        </p:txBody>
-      </p:sp>
-      <p:sp>
-        <p:nvSpPr>
-          <p:cNvPr id="3" name="Title 2"/>
-          <p:cNvSpPr>
-            <a:spLocks noGrp="1"/>
-          </p:cNvSpPr>
-          <p:nvPr>
-            <p:ph type="title" sz="quarter" idx="10"/>
-          </p:nvPr>
-        </p:nvSpPr>
-        <p:spPr/>
-        <p:txBody>
-          <a:bodyPr/>
-          <a:lstStyle/>
-          <a:p>
-            <a:r>
-              <a:rPr lang="en-US" dirty="0" smtClean="0"/>
-              <a:t>MS Access</a:t>
-            </a:r>
-            <a:endParaRPr lang="en-US" dirty="0"/>
-          </a:p>
-        </p:txBody>
-      </p:sp>
-      <p:pic>
-        <p:nvPicPr>
-          <p:cNvPr id="4" name="Picture 2" descr="Microsoft Access - Wikipedia"/>
-          <p:cNvPicPr>
-            <a:picLocks noChangeAspect="1" noChangeArrowheads="1"/>
-          </p:cNvPicPr>
-          <p:nvPr/>
-        </p:nvPicPr>
-        <p:blipFill>
-          <a:blip r:embed="rId2" cstate="print"/>
-          <a:srcRect/>
-          <a:stretch>
-            <a:fillRect/>
-          </a:stretch>
-        </p:blipFill>
-        <p:spPr bwMode="auto">
-          <a:xfrm>
-            <a:off x="4666146" y="1447800"/>
-            <a:ext cx="2496654" cy="2438400"/>
-          </a:xfrm>
-          <a:prstGeom prst="rect">
-            <a:avLst/>
-          </a:prstGeom>
-          <a:noFill/>
-        </p:spPr>
-      </p:pic>
-    </p:spTree>
-  </p:cSld>
-  <p:clrMapOvr>
-    <a:masterClrMapping/>
-  </p:clrMapOvr>
-  <mc:AlternateContent xmlns:mc="http://schemas.openxmlformats.org/markup-compatibility/2006">
-    <mc:Choice xmlns:p14="http://schemas.microsoft.com/office/powerpoint/2010/main" xmlns="" Requires="p14">
+    <mc:Choice xmlns="" xmlns:p14="http://schemas.microsoft.com/office/powerpoint/2010/main" Requires="p14">
       <p:transition spd="slow" p14:dur="2000" advClick="0" advTm="5000"/>
     </mc:Choice>
     <mc:Fallback>
@@ -22407,7 +25206,7 @@
     <a:masterClrMapping/>
   </p:clrMapOvr>
   <mc:AlternateContent xmlns:mc="http://schemas.openxmlformats.org/markup-compatibility/2006">
-    <mc:Choice xmlns:p14="http://schemas.microsoft.com/office/powerpoint/2010/main" xmlns="" Requires="p14">
+    <mc:Choice xmlns="" xmlns:p14="http://schemas.microsoft.com/office/powerpoint/2010/main" Requires="p14">
       <p:transition spd="slow" p14:dur="2000" advClick="0" advTm="5000"/>
     </mc:Choice>
     <mc:Fallback>
@@ -22769,7 +25568,7 @@
     <a:masterClrMapping/>
   </p:clrMapOvr>
   <mc:AlternateContent xmlns:mc="http://schemas.openxmlformats.org/markup-compatibility/2006">
-    <mc:Choice xmlns:p14="http://schemas.microsoft.com/office/powerpoint/2010/main" xmlns="" Requires="p14">
+    <mc:Choice xmlns="" xmlns:p14="http://schemas.microsoft.com/office/powerpoint/2010/main" Requires="p14">
       <p:transition spd="slow" p14:dur="2000" advClick="0" advTm="5000"/>
     </mc:Choice>
     <mc:Fallback>
@@ -23112,7 +25911,7 @@
     <a:masterClrMapping/>
   </p:clrMapOvr>
   <mc:AlternateContent xmlns:mc="http://schemas.openxmlformats.org/markup-compatibility/2006">
-    <mc:Choice xmlns:p14="http://schemas.microsoft.com/office/powerpoint/2010/main" xmlns="" Requires="p14">
+    <mc:Choice xmlns="" xmlns:p14="http://schemas.microsoft.com/office/powerpoint/2010/main" Requires="p14">
       <p:transition spd="slow" p14:dur="2000" advClick="0" advTm="5000"/>
     </mc:Choice>
     <mc:Fallback>
@@ -23481,7 +26280,7 @@
     <a:masterClrMapping/>
   </p:clrMapOvr>
   <mc:AlternateContent xmlns:mc="http://schemas.openxmlformats.org/markup-compatibility/2006">
-    <mc:Choice xmlns:p14="http://schemas.microsoft.com/office/powerpoint/2010/main" xmlns="" Requires="p14">
+    <mc:Choice xmlns="" xmlns:p14="http://schemas.microsoft.com/office/powerpoint/2010/main" Requires="p14">
       <p:transition spd="slow" p14:dur="2000" advClick="0" advTm="5000"/>
     </mc:Choice>
     <mc:Fallback>
@@ -23737,7 +26536,7 @@
     <a:masterClrMapping/>
   </p:clrMapOvr>
   <mc:AlternateContent xmlns:mc="http://schemas.openxmlformats.org/markup-compatibility/2006">
-    <mc:Choice xmlns:p14="http://schemas.microsoft.com/office/powerpoint/2010/main" xmlns="" Requires="p14">
+    <mc:Choice xmlns="" xmlns:p14="http://schemas.microsoft.com/office/powerpoint/2010/main" Requires="p14">
       <p:transition spd="slow" p14:dur="2000" advClick="0" advTm="5000"/>
     </mc:Choice>
     <mc:Fallback>
@@ -24217,7 +27016,7 @@
     <a:masterClrMapping/>
   </p:clrMapOvr>
   <mc:AlternateContent xmlns:mc="http://schemas.openxmlformats.org/markup-compatibility/2006">
-    <mc:Choice xmlns:p14="http://schemas.microsoft.com/office/powerpoint/2010/main" xmlns="" Requires="p14">
+    <mc:Choice xmlns="" xmlns:p14="http://schemas.microsoft.com/office/powerpoint/2010/main" Requires="p14">
       <p:transition spd="slow" p14:dur="2000" advClick="0" advTm="5000"/>
     </mc:Choice>
     <mc:Fallback>
@@ -24726,7 +27525,7 @@
   <a:extraClrSchemeLst/>
   <a:extLst>
     <a:ext uri="{05A4C25C-085E-4340-85A3-A5531E510DB2}">
-      <thm15:themeFamily xmlns:thm15="http://schemas.microsoft.com/office/thememl/2012/main" xmlns="" name="SoftUni" id="{D61FAD9B-6E74-4E03-BFE4-B363D484F1DA}" vid="{7089C1A3-635B-4B03-A017-DAF10A3A396B}"/>
+      <thm15:themeFamily xmlns="" xmlns:thm15="http://schemas.microsoft.com/office/thememl/2012/main" name="SoftUni" id="{D61FAD9B-6E74-4E03-BFE4-B363D484F1DA}" vid="{7089C1A3-635B-4B03-A017-DAF10A3A396B}"/>
     </a:ext>
   </a:extLst>
 </a:theme>
@@ -25021,7 +27820,7 @@
   <a:extraClrSchemeLst/>
   <a:extLst>
     <a:ext uri="{05A4C25C-085E-4340-85A3-A5531E510DB2}">
-      <thm15:themeFamily xmlns:thm15="http://schemas.microsoft.com/office/thememl/2012/main" xmlns="" name="Office Theme" id="{62F939B6-93AF-4DB8-9C6B-D6C7DFDC589F}" vid="{4A3C46E8-61CC-4603-A589-7422A47A8E4A}"/>
+      <thm15:themeFamily xmlns="" xmlns:thm15="http://schemas.microsoft.com/office/thememl/2012/main" name="Office Theme" id="{62F939B6-93AF-4DB8-9C6B-D6C7DFDC589F}" vid="{4A3C46E8-61CC-4603-A589-7422A47A8E4A}"/>
     </a:ext>
   </a:extLst>
 </a:theme>
@@ -25316,16 +28115,19 @@
   <a:extraClrSchemeLst/>
   <a:extLst>
     <a:ext uri="{05A4C25C-085E-4340-85A3-A5531E510DB2}">
-      <thm15:themeFamily xmlns:thm15="http://schemas.microsoft.com/office/thememl/2012/main" xmlns="" name="Office Theme" id="{62F939B6-93AF-4DB8-9C6B-D6C7DFDC589F}" vid="{4A3C46E8-61CC-4603-A589-7422A47A8E4A}"/>
+      <thm15:themeFamily xmlns="" xmlns:thm15="http://schemas.microsoft.com/office/thememl/2012/main" name="Office Theme" id="{62F939B6-93AF-4DB8-9C6B-D6C7DFDC589F}" vid="{4A3C46E8-61CC-4603-A589-7422A47A8E4A}"/>
     </a:ext>
   </a:extLst>
 </a:theme>
 </file>
 
 <file path=customXml/item1.xml><?xml version="1.0" encoding="utf-8"?>
-<p:properties xmlns:p="http://schemas.microsoft.com/office/2006/metadata/properties" xmlns:xsi="http://www.w3.org/2001/XMLSchema-instance" xmlns:pc="http://schemas.microsoft.com/office/infopath/2007/PartnerControls">
-  <documentManagement/>
-</p:properties>
+<?mso-contentType ?>
+<FormTemplates xmlns="http://schemas.microsoft.com/sharepoint/v3/contenttype/forms">
+  <Display>DocumentLibraryForm</Display>
+  <Edit>DocumentLibraryForm</Edit>
+  <New>DocumentLibraryForm</New>
+</FormTemplates>
 </file>
 
 <file path=customXml/item2.xml><?xml version="1.0" encoding="utf-8"?>
@@ -25501,26 +28303,15 @@
 </file>
 
 <file path=customXml/item3.xml><?xml version="1.0" encoding="utf-8"?>
-<?mso-contentType ?>
-<FormTemplates xmlns="http://schemas.microsoft.com/sharepoint/v3/contenttype/forms">
-  <Display>DocumentLibraryForm</Display>
-  <Edit>DocumentLibraryForm</Edit>
-  <New>DocumentLibraryForm</New>
-</FormTemplates>
+<p:properties xmlns:p="http://schemas.microsoft.com/office/2006/metadata/properties" xmlns:xsi="http://www.w3.org/2001/XMLSchema-instance" xmlns:pc="http://schemas.microsoft.com/office/infopath/2007/PartnerControls">
+  <documentManagement/>
+</p:properties>
 </file>
 
 <file path=customXml/itemProps1.xml><?xml version="1.0" encoding="utf-8"?>
-<ds:datastoreItem xmlns:ds="http://schemas.openxmlformats.org/officeDocument/2006/customXml" ds:itemID="{5E2F4A33-1866-4BB8-8A35-8D6BDFE8D9F5}">
+<ds:datastoreItem xmlns:ds="http://schemas.openxmlformats.org/officeDocument/2006/customXml" ds:itemID="{68A20BEC-F81B-49CD-951D-E62C4BAE7796}">
   <ds:schemaRefs>
-    <ds:schemaRef ds:uri="http://schemas.microsoft.com/office/infopath/2007/PartnerControls"/>
-    <ds:schemaRef ds:uri="http://purl.org/dc/dcmitype/"/>
-    <ds:schemaRef ds:uri="http://schemas.microsoft.com/office/2006/documentManagement/types"/>
-    <ds:schemaRef ds:uri="http://schemas.microsoft.com/office/2006/metadata/properties"/>
-    <ds:schemaRef ds:uri="http://www.w3.org/XML/1998/namespace"/>
-    <ds:schemaRef ds:uri="4f985cec-e092-4bcf-a1e1-b816bd0221d8"/>
-    <ds:schemaRef ds:uri="http://schemas.openxmlformats.org/package/2006/metadata/core-properties"/>
-    <ds:schemaRef ds:uri="http://purl.org/dc/terms/"/>
-    <ds:schemaRef ds:uri="http://purl.org/dc/elements/1.1/"/>
+    <ds:schemaRef ds:uri="http://schemas.microsoft.com/sharepoint/v3/contenttype/forms"/>
   </ds:schemaRefs>
 </ds:datastoreItem>
 </file>
@@ -25544,9 +28335,17 @@
 </file>
 
 <file path=customXml/itemProps3.xml><?xml version="1.0" encoding="utf-8"?>
-<ds:datastoreItem xmlns:ds="http://schemas.openxmlformats.org/officeDocument/2006/customXml" ds:itemID="{68A20BEC-F81B-49CD-951D-E62C4BAE7796}">
+<ds:datastoreItem xmlns:ds="http://schemas.openxmlformats.org/officeDocument/2006/customXml" ds:itemID="{5E2F4A33-1866-4BB8-8A35-8D6BDFE8D9F5}">
   <ds:schemaRefs>
-    <ds:schemaRef ds:uri="http://schemas.microsoft.com/sharepoint/v3/contenttype/forms"/>
+    <ds:schemaRef ds:uri="http://schemas.microsoft.com/office/infopath/2007/PartnerControls"/>
+    <ds:schemaRef ds:uri="http://purl.org/dc/dcmitype/"/>
+    <ds:schemaRef ds:uri="http://schemas.microsoft.com/office/2006/documentManagement/types"/>
+    <ds:schemaRef ds:uri="http://schemas.microsoft.com/office/2006/metadata/properties"/>
+    <ds:schemaRef ds:uri="http://www.w3.org/XML/1998/namespace"/>
+    <ds:schemaRef ds:uri="4f985cec-e092-4bcf-a1e1-b816bd0221d8"/>
+    <ds:schemaRef ds:uri="http://schemas.openxmlformats.org/package/2006/metadata/core-properties"/>
+    <ds:schemaRef ds:uri="http://purl.org/dc/terms/"/>
+    <ds:schemaRef ds:uri="http://purl.org/dc/elements/1.1/"/>
   </ds:schemaRefs>
 </ds:datastoreItem>
 </file>
--- a/Courses/Software-Sciences/Module-3-Databases-New/11-MS-Access/11-MS-Access.pptx
+++ b/Courses/Software-Sciences/Module-3-Databases-New/11-MS-Access/11-MS-Access.pptx
@@ -143,53 +143,58 @@
   </p:defaultTextStyle>
   <p:extLst>
     <p:ext uri="{521415D9-36F7-43E2-AB2F-B90AF26B5E84}">
-      <p14:sectionLst xmlns="" xmlns:p14="http://schemas.microsoft.com/office/powerpoint/2010/main">
+      <p14:sectionLst xmlns:p14="http://schemas.microsoft.com/office/powerpoint/2010/main">
         <p14:section name="Въведение" id="{A0C7653D-1924-4F56-9E27-AA2B21F1DA92}">
           <p14:sldIdLst>
             <p14:sldId id="503"/>
             <p14:sldId id="276"/>
           </p14:sldIdLst>
         </p14:section>
-        <p14:section name="СУБД" id="{EBC3E842-7998-5F43-BBFF-87388E49A719}">
+        <p14:section name="MS Access" id="{581E4A48-9BED-794D-B34D-7BDA5F8E08AE}">
           <p14:sldIdLst>
-            <p14:sldId id="1194"/>
-            <p14:sldId id="1195"/>
-            <p14:sldId id="1227"/>
-            <p14:sldId id="1235"/>
-            <p14:sldId id="1196"/>
-            <p14:sldId id="1228"/>
-            <p14:sldId id="1197"/>
+            <p14:sldId id="511"/>
+            <p14:sldId id="522"/>
           </p14:sldIdLst>
         </p14:section>
-        <p14:section name="Релационни БД" id="{D145CC5F-D1C0-184F-AF84-72E3AD168803}">
+        <p14:section name="Създаване на таблици и попълване на данни" id="{1809FEE7-8FE7-6B4A-BD41-1151CD39E0A3}">
           <p14:sldIdLst>
-            <p14:sldId id="1187"/>
-            <p14:sldId id="1188"/>
-            <p14:sldId id="1200"/>
-            <p14:sldId id="1189"/>
-            <p14:sldId id="1190"/>
-            <p14:sldId id="1239"/>
+            <p14:sldId id="523"/>
+            <p14:sldId id="525"/>
+            <p14:sldId id="528"/>
+            <p14:sldId id="527"/>
+            <p14:sldId id="526"/>
+            <p14:sldId id="531"/>
+            <p14:sldId id="532"/>
+            <p14:sldId id="541"/>
+            <p14:sldId id="529"/>
           </p14:sldIdLst>
         </p14:section>
-        <p14:section name="Нерелационни БД" id="{7DA79837-E897-6E49-90FA-689AE7C9F96F}">
+        <p14:section name="Импортиране на външни данни" id="{DEFE257B-CA9F-0E4F-8E9F-CBD105CED811}">
           <p14:sldIdLst>
-            <p14:sldId id="1236"/>
-            <p14:sldId id="1237"/>
-            <p14:sldId id="1238"/>
+            <p14:sldId id="533"/>
+            <p14:sldId id="535"/>
+            <p14:sldId id="536"/>
+            <p14:sldId id="537"/>
+            <p14:sldId id="538"/>
+            <p14:sldId id="539"/>
+            <p14:sldId id="540"/>
           </p14:sldIdLst>
         </p14:section>
-        <p14:section name="Типове данни" id="{0B96C509-419C-8042-92C9-F603B5607D8D}">
+        <p14:section name="Формуляри" id="{7BDC2BCA-A701-1E40-8B09-18A08493787F}">
           <p14:sldIdLst>
-            <p14:sldId id="1229"/>
-            <p14:sldId id="1230"/>
-            <p14:sldId id="1231"/>
-            <p14:sldId id="1232"/>
-            <p14:sldId id="1233"/>
+            <p14:sldId id="542"/>
+            <p14:sldId id="543"/>
+            <p14:sldId id="544"/>
+            <p14:sldId id="545"/>
+            <p14:sldId id="546"/>
+            <p14:sldId id="547"/>
           </p14:sldIdLst>
         </p14:section>
-        <p14:section name="Демо" id="{9F544E76-CAFC-3048-9F59-F751DF1CDD4E}">
+        <p14:section name="Отчети" id="{CF6DE255-DE62-3F4D-BEA9-53FA8816802D}">
           <p14:sldIdLst>
-            <p14:sldId id="1234"/>
+            <p14:sldId id="548"/>
+            <p14:sldId id="549"/>
+            <p14:sldId id="550"/>
           </p14:sldIdLst>
         </p14:section>
         <p14:section name="Обобщение" id="{E19D07F1-86E2-47E9-B2AB-7ADC4F89DC12}">
@@ -202,7 +207,7 @@
       </p14:sectionLst>
     </p:ext>
     <p:ext uri="{EFAFB233-063F-42B5-8137-9DF3F51BA10A}">
-      <p15:sldGuideLst xmlns="" xmlns:p15="http://schemas.microsoft.com/office/powerpoint/2012/main">
+      <p15:sldGuideLst xmlns:p15="http://schemas.microsoft.com/office/powerpoint/2012/main">
         <p15:guide id="1" orient="horz" pos="2184" userDrawn="1">
           <p15:clr>
             <a:srgbClr val="A4A3A4"/>
@@ -216,7 +221,7 @@
       </p15:sldGuideLst>
     </p:ext>
     <p:ext uri="{2D200454-40CA-4A62-9FC3-DE9A4176ACB9}">
-      <p15:notesGuideLst xmlns="" xmlns:p15="http://schemas.microsoft.com/office/powerpoint/2012/main"/>
+      <p15:notesGuideLst xmlns:p15="http://schemas.microsoft.com/office/powerpoint/2012/main"/>
     </p:ext>
   </p:extLst>
 </p:presentation>
@@ -249,7 +254,7 @@
           <p:cNvPr id="2" name="Header Placeholder 1">
             <a:extLst>
               <a:ext uri="{FF2B5EF4-FFF2-40B4-BE49-F238E27FC236}">
-                <a16:creationId xmlns="" xmlns:a16="http://schemas.microsoft.com/office/drawing/2014/main" id="{56F20103-83CC-4A54-8FDE-9D37FC2629C0}"/>
+                <a16:creationId xmlns:a16="http://schemas.microsoft.com/office/drawing/2014/main" id="{56F20103-83CC-4A54-8FDE-9D37FC2629C0}"/>
               </a:ext>
             </a:extLst>
           </p:cNvPr>
@@ -286,7 +291,7 @@
           <p:cNvPr id="3" name="Date Placeholder 2">
             <a:extLst>
               <a:ext uri="{FF2B5EF4-FFF2-40B4-BE49-F238E27FC236}">
-                <a16:creationId xmlns="" xmlns:a16="http://schemas.microsoft.com/office/drawing/2014/main" id="{27A53962-26EF-44E4-9E69-61B1727AB1C2}"/>
+                <a16:creationId xmlns:a16="http://schemas.microsoft.com/office/drawing/2014/main" id="{27A53962-26EF-44E4-9E69-61B1727AB1C2}"/>
               </a:ext>
             </a:extLst>
           </p:cNvPr>
@@ -317,7 +322,7 @@
             <a:fld id="{4E087215-0C8F-4762-A664-737A353EC9A4}" type="datetimeFigureOut">
               <a:rPr lang="bg-BG" smtClean="0"/>
               <a:pPr/>
-              <a:t>6.9.2023 г.</a:t>
+              <a:t>7.09.23 г.</a:t>
             </a:fld>
             <a:endParaRPr lang="bg-BG" dirty="0"/>
           </a:p>
@@ -328,7 +333,7 @@
           <p:cNvPr id="4" name="Footer Placeholder 3">
             <a:extLst>
               <a:ext uri="{FF2B5EF4-FFF2-40B4-BE49-F238E27FC236}">
-                <a16:creationId xmlns="" xmlns:a16="http://schemas.microsoft.com/office/drawing/2014/main" id="{28A6967E-448F-4887-8FCB-34482EFBCC74}"/>
+                <a16:creationId xmlns:a16="http://schemas.microsoft.com/office/drawing/2014/main" id="{28A6967E-448F-4887-8FCB-34482EFBCC74}"/>
               </a:ext>
             </a:extLst>
           </p:cNvPr>
@@ -378,7 +383,7 @@
           <p:cNvPr id="5" name="Slide Number Placeholder 4">
             <a:extLst>
               <a:ext uri="{FF2B5EF4-FFF2-40B4-BE49-F238E27FC236}">
-                <a16:creationId xmlns="" xmlns:a16="http://schemas.microsoft.com/office/drawing/2014/main" id="{8B6554C2-DDBA-40E2-9536-53A07EC50274}"/>
+                <a16:creationId xmlns:a16="http://schemas.microsoft.com/office/drawing/2014/main" id="{8B6554C2-DDBA-40E2-9536-53A07EC50274}"/>
               </a:ext>
             </a:extLst>
           </p:cNvPr>
@@ -418,7 +423,7 @@
     </p:spTree>
     <p:extLst>
       <p:ext uri="{BB962C8B-B14F-4D97-AF65-F5344CB8AC3E}">
-        <p14:creationId xmlns="" xmlns:p14="http://schemas.microsoft.com/office/powerpoint/2010/main" val="4150602968"/>
+        <p14:creationId xmlns:p14="http://schemas.microsoft.com/office/powerpoint/2010/main" val="4150602968"/>
       </p:ext>
     </p:extLst>
   </p:cSld>
@@ -510,7 +515,7 @@
             <a:fld id="{72D84649-876A-46C9-8472-14CB09C070D8}" type="datetimeFigureOut">
               <a:rPr lang="en-US" smtClean="0"/>
               <a:pPr/>
-              <a:t>9/6/2023</a:t>
+              <a:t>9/7/23</a:t>
             </a:fld>
             <a:endParaRPr lang="en-US" dirty="0"/>
           </a:p>
@@ -649,7 +654,7 @@
           <p:cNvPr id="8" name="Footer Placeholder 7">
             <a:extLst>
               <a:ext uri="{FF2B5EF4-FFF2-40B4-BE49-F238E27FC236}">
-                <a16:creationId xmlns="" xmlns:a16="http://schemas.microsoft.com/office/drawing/2014/main" id="{CAC3A49B-3196-44DF-AC28-085C72EFBFF0}"/>
+                <a16:creationId xmlns:a16="http://schemas.microsoft.com/office/drawing/2014/main" id="{CAC3A49B-3196-44DF-AC28-085C72EFBFF0}"/>
               </a:ext>
             </a:extLst>
           </p:cNvPr>
@@ -697,7 +702,7 @@
     </p:spTree>
     <p:extLst>
       <p:ext uri="{BB962C8B-B14F-4D97-AF65-F5344CB8AC3E}">
-        <p14:creationId xmlns="" xmlns:p14="http://schemas.microsoft.com/office/powerpoint/2010/main" val="1530847692"/>
+        <p14:creationId xmlns:p14="http://schemas.microsoft.com/office/powerpoint/2010/main" val="1530847692"/>
       </p:ext>
     </p:extLst>
   </p:cSld>
@@ -844,7 +849,7 @@
           <p:cNvPr id="8" name="Slide Image Placeholder 7">
             <a:extLst>
               <a:ext uri="{FF2B5EF4-FFF2-40B4-BE49-F238E27FC236}">
-                <a16:creationId xmlns="" xmlns:a16="http://schemas.microsoft.com/office/drawing/2014/main" id="{78811095-27E9-49AB-972B-D4E20B3963A6}"/>
+                <a16:creationId xmlns:a16="http://schemas.microsoft.com/office/drawing/2014/main" id="{78811095-27E9-49AB-972B-D4E20B3963A6}"/>
               </a:ext>
             </a:extLst>
           </p:cNvPr>
@@ -862,7 +867,7 @@
           <p:cNvPr id="9" name="Notes Placeholder 8">
             <a:extLst>
               <a:ext uri="{FF2B5EF4-FFF2-40B4-BE49-F238E27FC236}">
-                <a16:creationId xmlns="" xmlns:a16="http://schemas.microsoft.com/office/drawing/2014/main" id="{E923224B-0CC3-475A-8628-8A90751AE61A}"/>
+                <a16:creationId xmlns:a16="http://schemas.microsoft.com/office/drawing/2014/main" id="{E923224B-0CC3-475A-8628-8A90751AE61A}"/>
               </a:ext>
             </a:extLst>
           </p:cNvPr>
@@ -887,7 +892,7 @@
           <p:cNvPr id="2" name="Footer Placeholder 1">
             <a:extLst>
               <a:ext uri="{FF2B5EF4-FFF2-40B4-BE49-F238E27FC236}">
-                <a16:creationId xmlns="" xmlns:a16="http://schemas.microsoft.com/office/drawing/2014/main" id="{3288A3F3-90B1-4930-8D00-5603BDABEF10}"/>
+                <a16:creationId xmlns:a16="http://schemas.microsoft.com/office/drawing/2014/main" id="{3288A3F3-90B1-4930-8D00-5603BDABEF10}"/>
               </a:ext>
             </a:extLst>
           </p:cNvPr>
@@ -923,7 +928,7 @@
     </p:spTree>
     <p:extLst>
       <p:ext uri="{BB962C8B-B14F-4D97-AF65-F5344CB8AC3E}">
-        <p14:creationId xmlns="" xmlns:p14="http://schemas.microsoft.com/office/powerpoint/2010/main" val="2594489433"/>
+        <p14:creationId xmlns:p14="http://schemas.microsoft.com/office/powerpoint/2010/main" val="2594489433"/>
       </p:ext>
     </p:extLst>
   </p:cSld>
@@ -1023,17 +1028,17 @@
           <a:lstStyle/>
           <a:p>
             <a:r>
-              <a:rPr lang="en-US" smtClean="0"/>
+              <a:rPr lang="en-US"/>
               <a:t>© SoftUni – </a:t>
             </a:r>
             <a:r>
-              <a:rPr lang="en-US" u="sng" smtClean="0">
+              <a:rPr lang="en-US" u="sng">
                 <a:hlinkClick r:id="rId3"/>
               </a:rPr>
               <a:t>https://softuni.org</a:t>
             </a:r>
             <a:r>
-              <a:rPr lang="en-US" smtClean="0"/>
+              <a:rPr lang="en-US"/>
               <a:t>. Copyrighted document. Unauthorized copy or reproduction is not permitted.</a:t>
             </a:r>
             <a:endParaRPr lang="en-US" dirty="0"/>
@@ -1101,7 +1106,7 @@
           <p:cNvPr id="7" name="Slide Number Placeholder 5">
             <a:extLst>
               <a:ext uri="{FF2B5EF4-FFF2-40B4-BE49-F238E27FC236}">
-                <a16:creationId xmlns="" xmlns:a16="http://schemas.microsoft.com/office/drawing/2014/main" id="{E65F1CA9-65DC-416B-8882-B3A5E415CE67}"/>
+                <a16:creationId xmlns:a16="http://schemas.microsoft.com/office/drawing/2014/main" id="{E65F1CA9-65DC-416B-8882-B3A5E415CE67}"/>
               </a:ext>
             </a:extLst>
           </p:cNvPr>
@@ -1231,7 +1236,7 @@
           <p:cNvPr id="4" name="Footer Placeholder 3">
             <a:extLst>
               <a:ext uri="{FF2B5EF4-FFF2-40B4-BE49-F238E27FC236}">
-                <a16:creationId xmlns="" xmlns:a16="http://schemas.microsoft.com/office/drawing/2014/main" id="{C5BD11C3-9FCD-4EAE-876D-E766924FAFF2}"/>
+                <a16:creationId xmlns:a16="http://schemas.microsoft.com/office/drawing/2014/main" id="{C5BD11C3-9FCD-4EAE-876D-E766924FAFF2}"/>
               </a:ext>
             </a:extLst>
           </p:cNvPr>
@@ -1267,7 +1272,7 @@
     </p:spTree>
     <p:extLst>
       <p:ext uri="{BB962C8B-B14F-4D97-AF65-F5344CB8AC3E}">
-        <p14:creationId xmlns="" xmlns:p14="http://schemas.microsoft.com/office/powerpoint/2010/main" val="1860974293"/>
+        <p14:creationId xmlns:p14="http://schemas.microsoft.com/office/powerpoint/2010/main" val="1860974293"/>
       </p:ext>
     </p:extLst>
   </p:cSld>
@@ -1352,7 +1357,7 @@
     </p:spTree>
     <p:extLst>
       <p:ext uri="{BB962C8B-B14F-4D97-AF65-F5344CB8AC3E}">
-        <p14:creationId xmlns="" xmlns:p14="http://schemas.microsoft.com/office/powerpoint/2010/main" val="1201445929"/>
+        <p14:creationId xmlns:p14="http://schemas.microsoft.com/office/powerpoint/2010/main" val="1201445929"/>
       </p:ext>
     </p:extLst>
   </p:cSld>
@@ -1415,7 +1420,7 @@
           <p:cNvPr id="6" name="Slide Number Placeholder 5">
             <a:extLst>
               <a:ext uri="{FF2B5EF4-FFF2-40B4-BE49-F238E27FC236}">
-                <a16:creationId xmlns="" xmlns:a16="http://schemas.microsoft.com/office/drawing/2014/main" id="{6627548A-4D3C-449B-81A5-FA4BE4628490}"/>
+                <a16:creationId xmlns:a16="http://schemas.microsoft.com/office/drawing/2014/main" id="{6627548A-4D3C-449B-81A5-FA4BE4628490}"/>
               </a:ext>
             </a:extLst>
           </p:cNvPr>
@@ -1545,7 +1550,7 @@
           <p:cNvPr id="4" name="Footer Placeholder 3">
             <a:extLst>
               <a:ext uri="{FF2B5EF4-FFF2-40B4-BE49-F238E27FC236}">
-                <a16:creationId xmlns="" xmlns:a16="http://schemas.microsoft.com/office/drawing/2014/main" id="{D2472CE7-61C1-4B7B-B0C8-5A45F0178717}"/>
+                <a16:creationId xmlns:a16="http://schemas.microsoft.com/office/drawing/2014/main" id="{D2472CE7-61C1-4B7B-B0C8-5A45F0178717}"/>
               </a:ext>
             </a:extLst>
           </p:cNvPr>
@@ -1581,7 +1586,7 @@
     </p:spTree>
     <p:extLst>
       <p:ext uri="{BB962C8B-B14F-4D97-AF65-F5344CB8AC3E}">
-        <p14:creationId xmlns="" xmlns:p14="http://schemas.microsoft.com/office/powerpoint/2010/main" val="729041308"/>
+        <p14:creationId xmlns:p14="http://schemas.microsoft.com/office/powerpoint/2010/main" val="729041308"/>
       </p:ext>
     </p:extLst>
   </p:cSld>
@@ -1613,7 +1618,7 @@
           <p:cNvPr id="14" name="Slide Image Placeholder 13">
             <a:extLst>
               <a:ext uri="{FF2B5EF4-FFF2-40B4-BE49-F238E27FC236}">
-                <a16:creationId xmlns="" xmlns:a16="http://schemas.microsoft.com/office/drawing/2014/main" id="{A1F0B3C6-2E53-4CA3-86D1-53D46EC35267}"/>
+                <a16:creationId xmlns:a16="http://schemas.microsoft.com/office/drawing/2014/main" id="{A1F0B3C6-2E53-4CA3-86D1-53D46EC35267}"/>
               </a:ext>
             </a:extLst>
           </p:cNvPr>
@@ -1631,7 +1636,7 @@
           <p:cNvPr id="15" name="Notes Placeholder 14">
             <a:extLst>
               <a:ext uri="{FF2B5EF4-FFF2-40B4-BE49-F238E27FC236}">
-                <a16:creationId xmlns="" xmlns:a16="http://schemas.microsoft.com/office/drawing/2014/main" id="{149CC699-A079-49A5-A4D6-73B7F849A7DC}"/>
+                <a16:creationId xmlns:a16="http://schemas.microsoft.com/office/drawing/2014/main" id="{149CC699-A079-49A5-A4D6-73B7F849A7DC}"/>
               </a:ext>
             </a:extLst>
           </p:cNvPr>
@@ -1656,7 +1661,7 @@
           <p:cNvPr id="19" name="Slide Number Placeholder 5">
             <a:extLst>
               <a:ext uri="{FF2B5EF4-FFF2-40B4-BE49-F238E27FC236}">
-                <a16:creationId xmlns="" xmlns:a16="http://schemas.microsoft.com/office/drawing/2014/main" id="{121F4233-7E9A-40D2-9066-2DB14E2FA5AD}"/>
+                <a16:creationId xmlns:a16="http://schemas.microsoft.com/office/drawing/2014/main" id="{121F4233-7E9A-40D2-9066-2DB14E2FA5AD}"/>
               </a:ext>
             </a:extLst>
           </p:cNvPr>
@@ -1786,7 +1791,7 @@
           <p:cNvPr id="2" name="Footer Placeholder 1">
             <a:extLst>
               <a:ext uri="{FF2B5EF4-FFF2-40B4-BE49-F238E27FC236}">
-                <a16:creationId xmlns="" xmlns:a16="http://schemas.microsoft.com/office/drawing/2014/main" id="{D18F1DFF-B3E7-4ABF-97EE-0BBF3A961EC5}"/>
+                <a16:creationId xmlns:a16="http://schemas.microsoft.com/office/drawing/2014/main" id="{D18F1DFF-B3E7-4ABF-97EE-0BBF3A961EC5}"/>
               </a:ext>
             </a:extLst>
           </p:cNvPr>
@@ -1822,7 +1827,7 @@
     </p:spTree>
     <p:extLst>
       <p:ext uri="{BB962C8B-B14F-4D97-AF65-F5344CB8AC3E}">
-        <p14:creationId xmlns="" xmlns:p14="http://schemas.microsoft.com/office/powerpoint/2010/main" val="4028530743"/>
+        <p14:creationId xmlns:p14="http://schemas.microsoft.com/office/powerpoint/2010/main" val="4028530743"/>
       </p:ext>
     </p:extLst>
   </p:cSld>
@@ -1922,17 +1927,17 @@
           <a:lstStyle/>
           <a:p>
             <a:r>
-              <a:rPr lang="en-US" smtClean="0"/>
+              <a:rPr lang="en-US"/>
               <a:t>© SoftUni – </a:t>
             </a:r>
             <a:r>
-              <a:rPr lang="en-US" u="sng" smtClean="0">
+              <a:rPr lang="en-US" u="sng">
                 <a:hlinkClick r:id="rId3"/>
               </a:rPr>
               <a:t>https://softuni.org</a:t>
             </a:r>
             <a:r>
-              <a:rPr lang="en-US" smtClean="0"/>
+              <a:rPr lang="en-US"/>
               <a:t>. Copyrighted document. Unauthorized copy or reproduction is not permitted.</a:t>
             </a:r>
             <a:endParaRPr lang="en-US" dirty="0"/>
@@ -2037,17 +2042,17 @@
           <a:lstStyle/>
           <a:p>
             <a:r>
-              <a:rPr lang="en-US" smtClean="0"/>
+              <a:rPr lang="en-US"/>
               <a:t>© SoftUni – </a:t>
             </a:r>
             <a:r>
-              <a:rPr lang="en-US" u="sng" smtClean="0">
+              <a:rPr lang="en-US" u="sng">
                 <a:hlinkClick r:id="rId3"/>
               </a:rPr>
               <a:t>https://softuni.org</a:t>
             </a:r>
             <a:r>
-              <a:rPr lang="en-US" smtClean="0"/>
+              <a:rPr lang="en-US"/>
               <a:t>. Copyrighted document. Unauthorized copy or reproduction is not permitted.</a:t>
             </a:r>
             <a:endParaRPr lang="en-US" dirty="0"/>
@@ -2152,17 +2157,17 @@
           <a:lstStyle/>
           <a:p>
             <a:r>
-              <a:rPr lang="en-US" smtClean="0"/>
+              <a:rPr lang="en-US"/>
               <a:t>© SoftUni – </a:t>
             </a:r>
             <a:r>
-              <a:rPr lang="en-US" u="sng" smtClean="0">
+              <a:rPr lang="en-US" u="sng">
                 <a:hlinkClick r:id="rId3"/>
               </a:rPr>
               <a:t>https://softuni.org</a:t>
             </a:r>
             <a:r>
-              <a:rPr lang="en-US" smtClean="0"/>
+              <a:rPr lang="en-US"/>
               <a:t>. Copyrighted document. Unauthorized copy or reproduction is not permitted.</a:t>
             </a:r>
             <a:endParaRPr lang="en-US" dirty="0"/>
@@ -2267,17 +2272,17 @@
           <a:lstStyle/>
           <a:p>
             <a:r>
-              <a:rPr lang="en-US" smtClean="0"/>
+              <a:rPr lang="en-US"/>
               <a:t>© SoftUni – </a:t>
             </a:r>
             <a:r>
-              <a:rPr lang="en-US" u="sng" smtClean="0">
+              <a:rPr lang="en-US" u="sng">
                 <a:hlinkClick r:id="rId3"/>
               </a:rPr>
               <a:t>https://softuni.org</a:t>
             </a:r>
             <a:r>
-              <a:rPr lang="en-US" smtClean="0"/>
+              <a:rPr lang="en-US"/>
               <a:t>. Copyrighted document. Unauthorized copy or reproduction is not permitted.</a:t>
             </a:r>
             <a:endParaRPr lang="en-US" dirty="0"/>
@@ -2382,17 +2387,17 @@
           <a:lstStyle/>
           <a:p>
             <a:r>
-              <a:rPr lang="en-US" smtClean="0"/>
+              <a:rPr lang="en-US"/>
               <a:t>© SoftUni – </a:t>
             </a:r>
             <a:r>
-              <a:rPr lang="en-US" u="sng" smtClean="0">
+              <a:rPr lang="en-US" u="sng">
                 <a:hlinkClick r:id="rId3"/>
               </a:rPr>
               <a:t>https://softuni.org</a:t>
             </a:r>
             <a:r>
-              <a:rPr lang="en-US" smtClean="0"/>
+              <a:rPr lang="en-US"/>
               <a:t>. Copyrighted document. Unauthorized copy or reproduction is not permitted.</a:t>
             </a:r>
             <a:endParaRPr lang="en-US" dirty="0"/>
@@ -2497,17 +2502,17 @@
           <a:lstStyle/>
           <a:p>
             <a:r>
-              <a:rPr lang="en-US" smtClean="0"/>
+              <a:rPr lang="en-US"/>
               <a:t>© SoftUni – </a:t>
             </a:r>
             <a:r>
-              <a:rPr lang="en-US" u="sng" smtClean="0">
+              <a:rPr lang="en-US" u="sng">
                 <a:hlinkClick r:id="rId3"/>
               </a:rPr>
               <a:t>https://softuni.org</a:t>
             </a:r>
             <a:r>
-              <a:rPr lang="en-US" smtClean="0"/>
+              <a:rPr lang="en-US"/>
               <a:t>. Copyrighted document. Unauthorized copy or reproduction is not permitted.</a:t>
             </a:r>
             <a:endParaRPr lang="en-US" dirty="0"/>
@@ -2612,17 +2617,17 @@
           <a:lstStyle/>
           <a:p>
             <a:r>
-              <a:rPr lang="en-US" smtClean="0"/>
+              <a:rPr lang="en-US"/>
               <a:t>© SoftUni – </a:t>
             </a:r>
             <a:r>
-              <a:rPr lang="en-US" u="sng" smtClean="0">
+              <a:rPr lang="en-US" u="sng">
                 <a:hlinkClick r:id="rId3"/>
               </a:rPr>
               <a:t>https://softuni.org</a:t>
             </a:r>
             <a:r>
-              <a:rPr lang="en-US" smtClean="0"/>
+              <a:rPr lang="en-US"/>
               <a:t>. Copyrighted document. Unauthorized copy or reproduction is not permitted.</a:t>
             </a:r>
             <a:endParaRPr lang="en-US" dirty="0"/>
@@ -2659,7 +2664,7 @@
           <p:cNvPr id="16" name="Rectangle Bottom">
             <a:extLst>
               <a:ext uri="{FF2B5EF4-FFF2-40B4-BE49-F238E27FC236}">
-                <a16:creationId xmlns="" xmlns:a16="http://schemas.microsoft.com/office/drawing/2014/main" id="{6854D183-0374-4B3E-B2CE-32F308A81591}"/>
+                <a16:creationId xmlns:a16="http://schemas.microsoft.com/office/drawing/2014/main" id="{6854D183-0374-4B3E-B2CE-32F308A81591}"/>
               </a:ext>
             </a:extLst>
           </p:cNvPr>
@@ -2740,7 +2745,7 @@
           <p:cNvPr id="14" name="Picture Logo SoftUni" descr="SoftUni logo">
             <a:extLst>
               <a:ext uri="{FF2B5EF4-FFF2-40B4-BE49-F238E27FC236}">
-                <a16:creationId xmlns="" xmlns:a16="http://schemas.microsoft.com/office/drawing/2014/main" id="{C4D6B2A2-DFF0-4712-BFEC-6676BEC99FEC}"/>
+                <a16:creationId xmlns:a16="http://schemas.microsoft.com/office/drawing/2014/main" id="{C4D6B2A2-DFF0-4712-BFEC-6676BEC99FEC}"/>
               </a:ext>
             </a:extLst>
           </p:cNvPr>
@@ -2763,7 +2768,7 @@
             </a:clrChange>
             <a:extLst>
               <a:ext uri="{28A0092B-C50C-407E-A947-70E740481C1C}">
-                <a14:useLocalDpi xmlns="" xmlns:a14="http://schemas.microsoft.com/office/drawing/2010/main" val="0"/>
+                <a14:useLocalDpi xmlns:a14="http://schemas.microsoft.com/office/drawing/2010/main" val="0"/>
               </a:ext>
             </a:extLst>
           </a:blip>
@@ -2786,7 +2791,7 @@
           <p:cNvPr id="31" name="Text Placeholder Company Site">
             <a:extLst>
               <a:ext uri="{FF2B5EF4-FFF2-40B4-BE49-F238E27FC236}">
-                <a16:creationId xmlns="" xmlns:a16="http://schemas.microsoft.com/office/drawing/2014/main" id="{3E6B87B7-9D33-4EBB-BD4F-C0436BA3FD72}"/>
+                <a16:creationId xmlns:a16="http://schemas.microsoft.com/office/drawing/2014/main" id="{3E6B87B7-9D33-4EBB-BD4F-C0436BA3FD72}"/>
               </a:ext>
             </a:extLst>
           </p:cNvPr>
@@ -2848,7 +2853,7 @@
           <p:cNvPr id="30" name="Text Placeholder Company Name">
             <a:extLst>
               <a:ext uri="{FF2B5EF4-FFF2-40B4-BE49-F238E27FC236}">
-                <a16:creationId xmlns="" xmlns:a16="http://schemas.microsoft.com/office/drawing/2014/main" id="{2EA92DCA-4DB5-4D03-ACD3-A6A296592D0C}"/>
+                <a16:creationId xmlns:a16="http://schemas.microsoft.com/office/drawing/2014/main" id="{2EA92DCA-4DB5-4D03-ACD3-A6A296592D0C}"/>
               </a:ext>
             </a:extLst>
           </p:cNvPr>
@@ -2910,7 +2915,7 @@
           <p:cNvPr id="35" name="Picture SoftUni Mascot" descr="SoftUni mascot">
             <a:extLst>
               <a:ext uri="{FF2B5EF4-FFF2-40B4-BE49-F238E27FC236}">
-                <a16:creationId xmlns="" xmlns:a16="http://schemas.microsoft.com/office/drawing/2014/main" id="{951E7DA9-C5F0-43D9-B013-3BDF9EEF029D}"/>
+                <a16:creationId xmlns:a16="http://schemas.microsoft.com/office/drawing/2014/main" id="{951E7DA9-C5F0-43D9-B013-3BDF9EEF029D}"/>
               </a:ext>
             </a:extLst>
           </p:cNvPr>
@@ -2923,7 +2928,7 @@
           <a:blip r:embed="rId3" cstate="print">
             <a:extLst>
               <a:ext uri="{28A0092B-C50C-407E-A947-70E740481C1C}">
-                <a14:useLocalDpi xmlns="" xmlns:a14="http://schemas.microsoft.com/office/drawing/2010/main" val="0"/>
+                <a14:useLocalDpi xmlns:a14="http://schemas.microsoft.com/office/drawing/2010/main" val="0"/>
               </a:ext>
             </a:extLst>
           </a:blip>
@@ -2946,7 +2951,7 @@
             <a:hlinkClick r:id="rId4"/>
             <a:extLst>
               <a:ext uri="{FF2B5EF4-FFF2-40B4-BE49-F238E27FC236}">
-                <a16:creationId xmlns="" xmlns:a16="http://schemas.microsoft.com/office/drawing/2014/main" id="{F2315EB3-3FE4-4D3B-921E-5F209CEC13CB}"/>
+                <a16:creationId xmlns:a16="http://schemas.microsoft.com/office/drawing/2014/main" id="{F2315EB3-3FE4-4D3B-921E-5F209CEC13CB}"/>
               </a:ext>
             </a:extLst>
           </p:cNvPr>
@@ -2969,7 +2974,7 @@
             </a:clrChange>
             <a:extLst>
               <a:ext uri="{28A0092B-C50C-407E-A947-70E740481C1C}">
-                <a14:useLocalDpi xmlns="" xmlns:a14="http://schemas.microsoft.com/office/drawing/2010/main" val="0"/>
+                <a14:useLocalDpi xmlns:a14="http://schemas.microsoft.com/office/drawing/2010/main" val="0"/>
               </a:ext>
             </a:extLst>
           </a:blip>
@@ -2992,7 +2997,7 @@
           <p:cNvPr id="40" name="Text Placeholder Author Position">
             <a:extLst>
               <a:ext uri="{FF2B5EF4-FFF2-40B4-BE49-F238E27FC236}">
-                <a16:creationId xmlns="" xmlns:a16="http://schemas.microsoft.com/office/drawing/2014/main" id="{CD940256-851E-46C8-8BFB-A5ECA6C7DA07}"/>
+                <a16:creationId xmlns:a16="http://schemas.microsoft.com/office/drawing/2014/main" id="{CD940256-851E-46C8-8BFB-A5ECA6C7DA07}"/>
               </a:ext>
             </a:extLst>
           </p:cNvPr>
@@ -3052,7 +3057,7 @@
           <p:cNvPr id="36" name="Text Placeholder Author Name">
             <a:extLst>
               <a:ext uri="{FF2B5EF4-FFF2-40B4-BE49-F238E27FC236}">
-                <a16:creationId xmlns="" xmlns:a16="http://schemas.microsoft.com/office/drawing/2014/main" id="{3B21F47B-DE1F-442D-A2B7-6866F8786704}"/>
+                <a16:creationId xmlns:a16="http://schemas.microsoft.com/office/drawing/2014/main" id="{3B21F47B-DE1F-442D-A2B7-6866F8786704}"/>
               </a:ext>
             </a:extLst>
           </p:cNvPr>
@@ -3112,7 +3117,7 @@
           <p:cNvPr id="33" name="Picture Placeholder Title Image">
             <a:extLst>
               <a:ext uri="{FF2B5EF4-FFF2-40B4-BE49-F238E27FC236}">
-                <a16:creationId xmlns="" xmlns:a16="http://schemas.microsoft.com/office/drawing/2014/main" id="{A04D819A-89E2-4714-8C56-1838BF467EF7}"/>
+                <a16:creationId xmlns:a16="http://schemas.microsoft.com/office/drawing/2014/main" id="{A04D819A-89E2-4714-8C56-1838BF467EF7}"/>
               </a:ext>
             </a:extLst>
           </p:cNvPr>
@@ -3154,7 +3159,7 @@
           <p:cNvPr id="43" name="Presentation Subtitle">
             <a:extLst>
               <a:ext uri="{FF2B5EF4-FFF2-40B4-BE49-F238E27FC236}">
-                <a16:creationId xmlns="" xmlns:a16="http://schemas.microsoft.com/office/drawing/2014/main" id="{37BDB812-1395-4B02-ABCF-6A331EEE23E5}"/>
+                <a16:creationId xmlns:a16="http://schemas.microsoft.com/office/drawing/2014/main" id="{37BDB812-1395-4B02-ABCF-6A331EEE23E5}"/>
               </a:ext>
             </a:extLst>
           </p:cNvPr>
@@ -3198,7 +3203,7 @@
           <p:cNvPr id="2" name="Presentation Title">
             <a:extLst>
               <a:ext uri="{FF2B5EF4-FFF2-40B4-BE49-F238E27FC236}">
-                <a16:creationId xmlns="" xmlns:a16="http://schemas.microsoft.com/office/drawing/2014/main" id="{A4DF3AB8-E6E3-4FCE-8A4A-ECD147720A5D}"/>
+                <a16:creationId xmlns:a16="http://schemas.microsoft.com/office/drawing/2014/main" id="{A4DF3AB8-E6E3-4FCE-8A4A-ECD147720A5D}"/>
               </a:ext>
             </a:extLst>
           </p:cNvPr>
@@ -3233,24 +3238,24 @@
     </p:spTree>
     <p:extLst>
       <p:ext uri="{BB962C8B-B14F-4D97-AF65-F5344CB8AC3E}">
-        <p14:creationId xmlns="" xmlns:p14="http://schemas.microsoft.com/office/powerpoint/2010/main" val="970179299"/>
+        <p14:creationId xmlns:p14="http://schemas.microsoft.com/office/powerpoint/2010/main" val="970179299"/>
       </p:ext>
     </p:extLst>
   </p:cSld>
   <p:clrMapOvr>
     <a:masterClrMapping/>
   </p:clrMapOvr>
-  <mc:AlternateContent xmlns:mc="http://schemas.openxmlformats.org/markup-compatibility/2006">
-    <mc:Choice xmlns="" xmlns:p14="http://schemas.microsoft.com/office/powerpoint/2010/main" Requires="p14">
+  <mc:AlternateContent xmlns:mc="http://schemas.openxmlformats.org/markup-compatibility/2006" xmlns:p14="http://schemas.microsoft.com/office/powerpoint/2010/main">
+    <mc:Choice Requires="p14">
       <p:transition spd="slow" p14:dur="2000" advClick="0" advTm="5000"/>
     </mc:Choice>
-    <mc:Fallback>
+    <mc:Fallback xmlns="">
       <p:transition spd="slow" advClick="0" advTm="5000"/>
     </mc:Fallback>
   </mc:AlternateContent>
   <p:extLst>
     <p:ext uri="{DCECCB84-F9BA-43D5-87BE-67443E8EF086}">
-      <p15:sldGuideLst xmlns="" xmlns:p15="http://schemas.microsoft.com/office/powerpoint/2012/main">
+      <p15:sldGuideLst xmlns:p15="http://schemas.microsoft.com/office/powerpoint/2012/main">
         <p15:guide id="1" orient="horz" pos="2160">
           <p15:clr>
             <a:srgbClr val="FBAE40"/>
@@ -3289,7 +3294,7 @@
           <p:cNvPr id="15" name="Slide Number">
             <a:extLst>
               <a:ext uri="{FF2B5EF4-FFF2-40B4-BE49-F238E27FC236}">
-                <a16:creationId xmlns="" xmlns:a16="http://schemas.microsoft.com/office/drawing/2014/main" id="{F888EE71-82B3-40F1-A63F-7417422FB4A4}"/>
+                <a16:creationId xmlns:a16="http://schemas.microsoft.com/office/drawing/2014/main" id="{F888EE71-82B3-40F1-A63F-7417422FB4A4}"/>
               </a:ext>
             </a:extLst>
           </p:cNvPr>
@@ -3331,7 +3336,7 @@
           <p:cNvPr id="14" name="Text Placeholder Body">
             <a:extLst>
               <a:ext uri="{FF2B5EF4-FFF2-40B4-BE49-F238E27FC236}">
-                <a16:creationId xmlns="" xmlns:a16="http://schemas.microsoft.com/office/drawing/2014/main" id="{A2ABE920-240F-4CF6-AD45-23ED489FAD6E}"/>
+                <a16:creationId xmlns:a16="http://schemas.microsoft.com/office/drawing/2014/main" id="{A2ABE920-240F-4CF6-AD45-23ED489FAD6E}"/>
               </a:ext>
             </a:extLst>
           </p:cNvPr>
@@ -3637,7 +3642,7 @@
           <p:cNvPr id="10" name="Rectangle Down">
             <a:extLst>
               <a:ext uri="{FF2B5EF4-FFF2-40B4-BE49-F238E27FC236}">
-                <a16:creationId xmlns="" xmlns:a16="http://schemas.microsoft.com/office/drawing/2014/main" id="{E9B994EC-35A8-4A11-98CB-25DC28852F94}"/>
+                <a16:creationId xmlns:a16="http://schemas.microsoft.com/office/drawing/2014/main" id="{E9B994EC-35A8-4A11-98CB-25DC28852F94}"/>
               </a:ext>
             </a:extLst>
           </p:cNvPr>
@@ -3718,7 +3723,7 @@
           <p:cNvPr id="11" name="Rectangle Top">
             <a:extLst>
               <a:ext uri="{FF2B5EF4-FFF2-40B4-BE49-F238E27FC236}">
-                <a16:creationId xmlns="" xmlns:a16="http://schemas.microsoft.com/office/drawing/2014/main" id="{274B8F05-DFCE-47BD-BAFD-DF93E1A63BDD}"/>
+                <a16:creationId xmlns:a16="http://schemas.microsoft.com/office/drawing/2014/main" id="{274B8F05-DFCE-47BD-BAFD-DF93E1A63BDD}"/>
               </a:ext>
             </a:extLst>
           </p:cNvPr>
@@ -3799,7 +3804,7 @@
           <p:cNvPr id="12" name="Logo Software University" descr="Software University logo">
             <a:extLst>
               <a:ext uri="{FF2B5EF4-FFF2-40B4-BE49-F238E27FC236}">
-                <a16:creationId xmlns="" xmlns:a16="http://schemas.microsoft.com/office/drawing/2014/main" id="{233CBB95-791E-4630-B3D9-FADFCE7BCF52}"/>
+                <a16:creationId xmlns:a16="http://schemas.microsoft.com/office/drawing/2014/main" id="{233CBB95-791E-4630-B3D9-FADFCE7BCF52}"/>
               </a:ext>
             </a:extLst>
           </p:cNvPr>
@@ -3812,7 +3817,7 @@
           <a:blip r:embed="rId2" cstate="print">
             <a:extLst>
               <a:ext uri="{28A0092B-C50C-407E-A947-70E740481C1C}">
-                <a14:useLocalDpi xmlns="" xmlns:a14="http://schemas.microsoft.com/office/drawing/2010/main" val="0"/>
+                <a14:useLocalDpi xmlns:a14="http://schemas.microsoft.com/office/drawing/2010/main" val="0"/>
               </a:ext>
             </a:extLst>
           </a:blip>
@@ -3835,7 +3840,7 @@
           <p:cNvPr id="13" name="Slide Title">
             <a:extLst>
               <a:ext uri="{FF2B5EF4-FFF2-40B4-BE49-F238E27FC236}">
-                <a16:creationId xmlns="" xmlns:a16="http://schemas.microsoft.com/office/drawing/2014/main" id="{3F218E34-55D7-4290-BFE4-80F31F941551}"/>
+                <a16:creationId xmlns:a16="http://schemas.microsoft.com/office/drawing/2014/main" id="{3F218E34-55D7-4290-BFE4-80F31F941551}"/>
               </a:ext>
             </a:extLst>
           </p:cNvPr>
@@ -3874,18 +3879,18 @@
     </p:spTree>
     <p:extLst>
       <p:ext uri="{BB962C8B-B14F-4D97-AF65-F5344CB8AC3E}">
-        <p14:creationId xmlns="" xmlns:p14="http://schemas.microsoft.com/office/powerpoint/2010/main" val="3774019400"/>
+        <p14:creationId xmlns:p14="http://schemas.microsoft.com/office/powerpoint/2010/main" val="3774019400"/>
       </p:ext>
     </p:extLst>
   </p:cSld>
   <p:clrMapOvr>
     <a:masterClrMapping/>
   </p:clrMapOvr>
-  <mc:AlternateContent xmlns:mc="http://schemas.openxmlformats.org/markup-compatibility/2006">
-    <mc:Choice xmlns="" xmlns:p14="http://schemas.microsoft.com/office/powerpoint/2010/main" Requires="p14">
+  <mc:AlternateContent xmlns:mc="http://schemas.openxmlformats.org/markup-compatibility/2006" xmlns:p14="http://schemas.microsoft.com/office/powerpoint/2010/main">
+    <mc:Choice Requires="p14">
       <p:transition spd="slow" p14:dur="2000" advClick="0" advTm="5000"/>
     </mc:Choice>
-    <mc:Fallback>
+    <mc:Fallback xmlns="">
       <p:transition spd="slow" advClick="0" advTm="5000"/>
     </mc:Fallback>
   </mc:AlternateContent>
@@ -3922,7 +3927,7 @@
           <p:cNvPr id="35" name="Rectangle Bottom">
             <a:extLst>
               <a:ext uri="{FF2B5EF4-FFF2-40B4-BE49-F238E27FC236}">
-                <a16:creationId xmlns="" xmlns:a16="http://schemas.microsoft.com/office/drawing/2014/main" id="{550A59F9-9A9D-4956-95B4-F78CC0DB1D59}"/>
+                <a16:creationId xmlns:a16="http://schemas.microsoft.com/office/drawing/2014/main" id="{550A59F9-9A9D-4956-95B4-F78CC0DB1D59}"/>
               </a:ext>
             </a:extLst>
           </p:cNvPr>
@@ -4003,7 +4008,7 @@
           <p:cNvPr id="53" name="Rectangle Bottom Copyright">
             <a:extLst>
               <a:ext uri="{FF2B5EF4-FFF2-40B4-BE49-F238E27FC236}">
-                <a16:creationId xmlns="" xmlns:a16="http://schemas.microsoft.com/office/drawing/2014/main" id="{B07FB7FB-DA6C-4F5D-B068-357F0FCE27D8}"/>
+                <a16:creationId xmlns:a16="http://schemas.microsoft.com/office/drawing/2014/main" id="{B07FB7FB-DA6C-4F5D-B068-357F0FCE27D8}"/>
               </a:ext>
             </a:extLst>
           </p:cNvPr>
@@ -4060,7 +4065,7 @@
                 <a:hlinkClick r:id="rId2">
                   <a:extLst>
                     <a:ext uri="{A12FA001-AC4F-418D-AE19-62706E023703}">
-                      <ahyp:hlinkClr xmlns="" xmlns:ahyp="http://schemas.microsoft.com/office/drawing/2018/hyperlinkcolor" val="tx"/>
+                      <ahyp:hlinkClr xmlns:ahyp="http://schemas.microsoft.com/office/drawing/2018/hyperlinkcolor" val="tx"/>
                     </a:ext>
                   </a:extLst>
                 </a:hlinkClick>
@@ -4096,7 +4101,7 @@
           <p:cNvPr id="26" name="Picture SoftUni Mascot" descr="SoftUni mascot with open hand">
             <a:extLst>
               <a:ext uri="{FF2B5EF4-FFF2-40B4-BE49-F238E27FC236}">
-                <a16:creationId xmlns="" xmlns:a16="http://schemas.microsoft.com/office/drawing/2014/main" id="{247CFF3C-C4FA-493D-8505-DF469F4D36A4}"/>
+                <a16:creationId xmlns:a16="http://schemas.microsoft.com/office/drawing/2014/main" id="{247CFF3C-C4FA-493D-8505-DF469F4D36A4}"/>
               </a:ext>
             </a:extLst>
           </p:cNvPr>
@@ -4109,7 +4114,7 @@
           <a:blip r:embed="rId3" cstate="print">
             <a:extLst>
               <a:ext uri="{28A0092B-C50C-407E-A947-70E740481C1C}">
-                <a14:useLocalDpi xmlns="" xmlns:a14="http://schemas.microsoft.com/office/drawing/2010/main" val="0"/>
+                <a14:useLocalDpi xmlns:a14="http://schemas.microsoft.com/office/drawing/2010/main" val="0"/>
               </a:ext>
             </a:extLst>
           </a:blip>
@@ -4132,7 +4137,7 @@
           <p:cNvPr id="2" name="Group SoftUni Brands">
             <a:extLst>
               <a:ext uri="{FF2B5EF4-FFF2-40B4-BE49-F238E27FC236}">
-                <a16:creationId xmlns="" xmlns:a16="http://schemas.microsoft.com/office/drawing/2014/main" id="{418FAE34-C1F8-46C7-A4AE-F270D1E70F25}"/>
+                <a16:creationId xmlns:a16="http://schemas.microsoft.com/office/drawing/2014/main" id="{418FAE34-C1F8-46C7-A4AE-F270D1E70F25}"/>
               </a:ext>
             </a:extLst>
           </p:cNvPr>
@@ -4152,7 +4157,7 @@
             <p:cNvPr id="24" name="Picture SoftUni Kids Logo" descr="SoftUni Kids logo">
               <a:extLst>
                 <a:ext uri="{FF2B5EF4-FFF2-40B4-BE49-F238E27FC236}">
-                  <a16:creationId xmlns="" xmlns:a16="http://schemas.microsoft.com/office/drawing/2014/main" id="{B0812936-74B6-4265-8C08-AEDC8C798702}"/>
+                  <a16:creationId xmlns:a16="http://schemas.microsoft.com/office/drawing/2014/main" id="{B0812936-74B6-4265-8C08-AEDC8C798702}"/>
                 </a:ext>
               </a:extLst>
             </p:cNvPr>
@@ -4165,7 +4170,7 @@
             <a:blip r:embed="rId4" cstate="print">
               <a:extLst>
                 <a:ext uri="{28A0092B-C50C-407E-A947-70E740481C1C}">
-                  <a14:useLocalDpi xmlns="" xmlns:a14="http://schemas.microsoft.com/office/drawing/2010/main" val="0"/>
+                  <a14:useLocalDpi xmlns:a14="http://schemas.microsoft.com/office/drawing/2010/main" val="0"/>
                 </a:ext>
               </a:extLst>
             </a:blip>
@@ -4188,7 +4193,7 @@
             <p:cNvPr id="23" name="Picture SoftUni Foundation Logo" descr="SoftUni Foundation logo">
               <a:extLst>
                 <a:ext uri="{FF2B5EF4-FFF2-40B4-BE49-F238E27FC236}">
-                  <a16:creationId xmlns="" xmlns:a16="http://schemas.microsoft.com/office/drawing/2014/main" id="{6643F71A-2013-433A-8322-FBAAED3162D8}"/>
+                  <a16:creationId xmlns:a16="http://schemas.microsoft.com/office/drawing/2014/main" id="{6643F71A-2013-433A-8322-FBAAED3162D8}"/>
                 </a:ext>
               </a:extLst>
             </p:cNvPr>
@@ -4201,7 +4206,7 @@
             <a:blip r:embed="rId5" cstate="print">
               <a:extLst>
                 <a:ext uri="{28A0092B-C50C-407E-A947-70E740481C1C}">
-                  <a14:useLocalDpi xmlns="" xmlns:a14="http://schemas.microsoft.com/office/drawing/2010/main" val="0"/>
+                  <a14:useLocalDpi xmlns:a14="http://schemas.microsoft.com/office/drawing/2010/main" val="0"/>
                 </a:ext>
               </a:extLst>
             </a:blip>
@@ -4224,7 +4229,7 @@
             <p:cNvPr id="22" name="Picture SoftUni Digital Logo" descr="SoftUni Digital logo">
               <a:extLst>
                 <a:ext uri="{FF2B5EF4-FFF2-40B4-BE49-F238E27FC236}">
-                  <a16:creationId xmlns="" xmlns:a16="http://schemas.microsoft.com/office/drawing/2014/main" id="{0A83D66F-855B-463B-920B-BF239B01A206}"/>
+                  <a16:creationId xmlns:a16="http://schemas.microsoft.com/office/drawing/2014/main" id="{0A83D66F-855B-463B-920B-BF239B01A206}"/>
                 </a:ext>
               </a:extLst>
             </p:cNvPr>
@@ -4237,7 +4242,7 @@
             <a:blip r:embed="rId6" cstate="print">
               <a:extLst>
                 <a:ext uri="{28A0092B-C50C-407E-A947-70E740481C1C}">
-                  <a14:useLocalDpi xmlns="" xmlns:a14="http://schemas.microsoft.com/office/drawing/2010/main" val="0"/>
+                  <a14:useLocalDpi xmlns:a14="http://schemas.microsoft.com/office/drawing/2010/main" val="0"/>
                 </a:ext>
               </a:extLst>
             </a:blip>
@@ -4260,7 +4265,7 @@
             <p:cNvPr id="21" name="Picture SoftUni Creative Logo" descr="SoftUni Creative logo">
               <a:extLst>
                 <a:ext uri="{FF2B5EF4-FFF2-40B4-BE49-F238E27FC236}">
-                  <a16:creationId xmlns="" xmlns:a16="http://schemas.microsoft.com/office/drawing/2014/main" id="{EA755AAE-BA08-481C-9224-0061170EE4B8}"/>
+                  <a16:creationId xmlns:a16="http://schemas.microsoft.com/office/drawing/2014/main" id="{EA755AAE-BA08-481C-9224-0061170EE4B8}"/>
                 </a:ext>
               </a:extLst>
             </p:cNvPr>
@@ -4273,7 +4278,7 @@
             <a:blip r:embed="rId7" cstate="print">
               <a:extLst>
                 <a:ext uri="{28A0092B-C50C-407E-A947-70E740481C1C}">
-                  <a14:useLocalDpi xmlns="" xmlns:a14="http://schemas.microsoft.com/office/drawing/2010/main" val="0"/>
+                  <a14:useLocalDpi xmlns:a14="http://schemas.microsoft.com/office/drawing/2010/main" val="0"/>
                 </a:ext>
               </a:extLst>
             </a:blip>
@@ -4296,7 +4301,7 @@
             <p:cNvPr id="20" name="Picture SoftUni Svetlina Logo" descr="SoftUni Svetlina logo">
               <a:extLst>
                 <a:ext uri="{FF2B5EF4-FFF2-40B4-BE49-F238E27FC236}">
-                  <a16:creationId xmlns="" xmlns:a16="http://schemas.microsoft.com/office/drawing/2014/main" id="{827D15FD-4C66-4B85-98E6-7826AA8F61C6}"/>
+                  <a16:creationId xmlns:a16="http://schemas.microsoft.com/office/drawing/2014/main" id="{827D15FD-4C66-4B85-98E6-7826AA8F61C6}"/>
                 </a:ext>
               </a:extLst>
             </p:cNvPr>
@@ -4309,7 +4314,7 @@
             <a:blip r:embed="rId8" cstate="print">
               <a:extLst>
                 <a:ext uri="{28A0092B-C50C-407E-A947-70E740481C1C}">
-                  <a14:useLocalDpi xmlns="" xmlns:a14="http://schemas.microsoft.com/office/drawing/2010/main" val="0"/>
+                  <a14:useLocalDpi xmlns:a14="http://schemas.microsoft.com/office/drawing/2010/main" val="0"/>
                 </a:ext>
               </a:extLst>
             </a:blip>
@@ -4332,7 +4337,7 @@
             <p:cNvPr id="25" name="Picture Software University Logo" descr="Software University logo">
               <a:extLst>
                 <a:ext uri="{FF2B5EF4-FFF2-40B4-BE49-F238E27FC236}">
-                  <a16:creationId xmlns="" xmlns:a16="http://schemas.microsoft.com/office/drawing/2014/main" id="{C74C190C-5856-41B9-8819-AE8DE0E10980}"/>
+                  <a16:creationId xmlns:a16="http://schemas.microsoft.com/office/drawing/2014/main" id="{C74C190C-5856-41B9-8819-AE8DE0E10980}"/>
                 </a:ext>
               </a:extLst>
             </p:cNvPr>
@@ -4345,7 +4350,7 @@
             <a:blip r:embed="rId9" cstate="print">
               <a:extLst>
                 <a:ext uri="{28A0092B-C50C-407E-A947-70E740481C1C}">
-                  <a14:useLocalDpi xmlns="" xmlns:a14="http://schemas.microsoft.com/office/drawing/2010/main" val="0"/>
+                  <a14:useLocalDpi xmlns:a14="http://schemas.microsoft.com/office/drawing/2010/main" val="0"/>
                 </a:ext>
               </a:extLst>
             </a:blip>
@@ -4368,7 +4373,7 @@
             <p:cNvPr id="33" name="Straight Connector 6">
               <a:extLst>
                 <a:ext uri="{FF2B5EF4-FFF2-40B4-BE49-F238E27FC236}">
-                  <a16:creationId xmlns="" xmlns:a16="http://schemas.microsoft.com/office/drawing/2014/main" id="{5C63D1E8-4A92-4691-8A24-A2FC7E8008E5}"/>
+                  <a16:creationId xmlns:a16="http://schemas.microsoft.com/office/drawing/2014/main" id="{5C63D1E8-4A92-4691-8A24-A2FC7E8008E5}"/>
                 </a:ext>
               </a:extLst>
             </p:cNvPr>
@@ -4407,7 +4412,7 @@
             <p:cNvPr id="32" name="Straight Connector 5">
               <a:extLst>
                 <a:ext uri="{FF2B5EF4-FFF2-40B4-BE49-F238E27FC236}">
-                  <a16:creationId xmlns="" xmlns:a16="http://schemas.microsoft.com/office/drawing/2014/main" id="{6E91D320-3732-40B8-864D-142D0A277ED1}"/>
+                  <a16:creationId xmlns:a16="http://schemas.microsoft.com/office/drawing/2014/main" id="{6E91D320-3732-40B8-864D-142D0A277ED1}"/>
                 </a:ext>
               </a:extLst>
             </p:cNvPr>
@@ -4446,7 +4451,7 @@
             <p:cNvPr id="31" name="Straight Connector 4">
               <a:extLst>
                 <a:ext uri="{FF2B5EF4-FFF2-40B4-BE49-F238E27FC236}">
-                  <a16:creationId xmlns="" xmlns:a16="http://schemas.microsoft.com/office/drawing/2014/main" id="{299ABE09-E33C-46B7-A80D-7BF4A6956211}"/>
+                  <a16:creationId xmlns:a16="http://schemas.microsoft.com/office/drawing/2014/main" id="{299ABE09-E33C-46B7-A80D-7BF4A6956211}"/>
                 </a:ext>
               </a:extLst>
             </p:cNvPr>
@@ -4483,7 +4488,7 @@
             <p:cNvPr id="30" name="Straight Connector 3">
               <a:extLst>
                 <a:ext uri="{FF2B5EF4-FFF2-40B4-BE49-F238E27FC236}">
-                  <a16:creationId xmlns="" xmlns:a16="http://schemas.microsoft.com/office/drawing/2014/main" id="{93DDBF37-0764-47AA-94E3-9A44F3ED8FB5}"/>
+                  <a16:creationId xmlns:a16="http://schemas.microsoft.com/office/drawing/2014/main" id="{93DDBF37-0764-47AA-94E3-9A44F3ED8FB5}"/>
                 </a:ext>
               </a:extLst>
             </p:cNvPr>
@@ -4520,7 +4525,7 @@
             <p:cNvPr id="29" name="Straight Connector 2">
               <a:extLst>
                 <a:ext uri="{FF2B5EF4-FFF2-40B4-BE49-F238E27FC236}">
-                  <a16:creationId xmlns="" xmlns:a16="http://schemas.microsoft.com/office/drawing/2014/main" id="{72BFE2F3-0845-4E5B-9375-E9D4027DD675}"/>
+                  <a16:creationId xmlns:a16="http://schemas.microsoft.com/office/drawing/2014/main" id="{72BFE2F3-0845-4E5B-9375-E9D4027DD675}"/>
                 </a:ext>
               </a:extLst>
             </p:cNvPr>
@@ -4557,7 +4562,7 @@
             <p:cNvPr id="28" name="Straight Connector 1">
               <a:extLst>
                 <a:ext uri="{FF2B5EF4-FFF2-40B4-BE49-F238E27FC236}">
-                  <a16:creationId xmlns="" xmlns:a16="http://schemas.microsoft.com/office/drawing/2014/main" id="{D4E5982E-3110-47E1-A5BB-91B7BECC3093}"/>
+                  <a16:creationId xmlns:a16="http://schemas.microsoft.com/office/drawing/2014/main" id="{D4E5982E-3110-47E1-A5BB-91B7BECC3093}"/>
                 </a:ext>
               </a:extLst>
             </p:cNvPr>
@@ -4594,7 +4599,7 @@
             <p:cNvPr id="27" name="Straight Connector Horizontal">
               <a:extLst>
                 <a:ext uri="{FF2B5EF4-FFF2-40B4-BE49-F238E27FC236}">
-                  <a16:creationId xmlns="" xmlns:a16="http://schemas.microsoft.com/office/drawing/2014/main" id="{5F62FB7C-BD6E-4383-98C1-2CF30F34CAFD}"/>
+                  <a16:creationId xmlns:a16="http://schemas.microsoft.com/office/drawing/2014/main" id="{5F62FB7C-BD6E-4383-98C1-2CF30F34CAFD}"/>
                 </a:ext>
               </a:extLst>
             </p:cNvPr>
@@ -4633,7 +4638,7 @@
             <p:cNvPr id="34" name="Straight Connector 0">
               <a:extLst>
                 <a:ext uri="{FF2B5EF4-FFF2-40B4-BE49-F238E27FC236}">
-                  <a16:creationId xmlns="" xmlns:a16="http://schemas.microsoft.com/office/drawing/2014/main" id="{C84A0FE1-723D-4682-8682-77BAD950EE15}"/>
+                  <a16:creationId xmlns:a16="http://schemas.microsoft.com/office/drawing/2014/main" id="{C84A0FE1-723D-4682-8682-77BAD950EE15}"/>
                 </a:ext>
               </a:extLst>
             </p:cNvPr>
@@ -4670,7 +4675,7 @@
             <p:cNvPr id="18" name="Picture SoftUni Logo" descr="SoftUni logo">
               <a:extLst>
                 <a:ext uri="{FF2B5EF4-FFF2-40B4-BE49-F238E27FC236}">
-                  <a16:creationId xmlns="" xmlns:a16="http://schemas.microsoft.com/office/drawing/2014/main" id="{A0675455-B7FA-4569-A5FD-A3B0F20B2A26}"/>
+                  <a16:creationId xmlns:a16="http://schemas.microsoft.com/office/drawing/2014/main" id="{A0675455-B7FA-4569-A5FD-A3B0F20B2A26}"/>
                 </a:ext>
               </a:extLst>
             </p:cNvPr>
@@ -4683,7 +4688,7 @@
             <a:blip r:embed="rId10" cstate="print">
               <a:extLst>
                 <a:ext uri="{28A0092B-C50C-407E-A947-70E740481C1C}">
-                  <a14:useLocalDpi xmlns="" xmlns:a14="http://schemas.microsoft.com/office/drawing/2010/main" val="0"/>
+                  <a14:useLocalDpi xmlns:a14="http://schemas.microsoft.com/office/drawing/2010/main" val="0"/>
                 </a:ext>
               </a:extLst>
             </a:blip>
@@ -4707,7 +4712,7 @@
           <p:cNvPr id="19" name="Slide Title">
             <a:extLst>
               <a:ext uri="{FF2B5EF4-FFF2-40B4-BE49-F238E27FC236}">
-                <a16:creationId xmlns="" xmlns:a16="http://schemas.microsoft.com/office/drawing/2014/main" id="{7CFDBB16-985C-4CC7-B6DB-B81B36037922}"/>
+                <a16:creationId xmlns:a16="http://schemas.microsoft.com/office/drawing/2014/main" id="{7CFDBB16-985C-4CC7-B6DB-B81B36037922}"/>
               </a:ext>
             </a:extLst>
           </p:cNvPr>
@@ -4810,7 +4815,7 @@
           <p:cNvPr id="36" name="Logo Software University" descr="Software University logo">
             <a:extLst>
               <a:ext uri="{FF2B5EF4-FFF2-40B4-BE49-F238E27FC236}">
-                <a16:creationId xmlns="" xmlns:a16="http://schemas.microsoft.com/office/drawing/2014/main" id="{67FC4D2E-913D-432A-B658-F0D82839FA5E}"/>
+                <a16:creationId xmlns:a16="http://schemas.microsoft.com/office/drawing/2014/main" id="{67FC4D2E-913D-432A-B658-F0D82839FA5E}"/>
               </a:ext>
             </a:extLst>
           </p:cNvPr>
@@ -4833,7 +4838,7 @@
             </a:clrChange>
             <a:extLst>
               <a:ext uri="{28A0092B-C50C-407E-A947-70E740481C1C}">
-                <a14:useLocalDpi xmlns="" xmlns:a14="http://schemas.microsoft.com/office/drawing/2010/main" val="0"/>
+                <a14:useLocalDpi xmlns:a14="http://schemas.microsoft.com/office/drawing/2010/main" val="0"/>
               </a:ext>
             </a:extLst>
           </a:blip>
@@ -4854,24 +4859,24 @@
     </p:spTree>
     <p:extLst>
       <p:ext uri="{BB962C8B-B14F-4D97-AF65-F5344CB8AC3E}">
-        <p14:creationId xmlns="" xmlns:p14="http://schemas.microsoft.com/office/powerpoint/2010/main" val="4192061223"/>
+        <p14:creationId xmlns:p14="http://schemas.microsoft.com/office/powerpoint/2010/main" val="4192061223"/>
       </p:ext>
     </p:extLst>
   </p:cSld>
   <p:clrMapOvr>
     <a:masterClrMapping/>
   </p:clrMapOvr>
-  <mc:AlternateContent xmlns:mc="http://schemas.openxmlformats.org/markup-compatibility/2006">
-    <mc:Choice xmlns="" xmlns:p14="http://schemas.microsoft.com/office/powerpoint/2010/main" Requires="p14">
+  <mc:AlternateContent xmlns:mc="http://schemas.openxmlformats.org/markup-compatibility/2006" xmlns:p14="http://schemas.microsoft.com/office/powerpoint/2010/main">
+    <mc:Choice Requires="p14">
       <p:transition spd="slow" p14:dur="2000" advClick="0" advTm="5000"/>
     </mc:Choice>
-    <mc:Fallback>
+    <mc:Fallback xmlns="">
       <p:transition spd="slow" advClick="0" advTm="5000"/>
     </mc:Fallback>
   </mc:AlternateContent>
   <p:extLst>
     <p:ext uri="{DCECCB84-F9BA-43D5-87BE-67443E8EF086}">
-      <p15:sldGuideLst xmlns="" xmlns:p15="http://schemas.microsoft.com/office/powerpoint/2012/main">
+      <p15:sldGuideLst xmlns:p15="http://schemas.microsoft.com/office/powerpoint/2012/main">
         <p15:guide id="1" orient="horz" pos="2160">
           <p15:clr>
             <a:srgbClr val="FBAE40"/>
@@ -4910,7 +4915,7 @@
           <p:cNvPr id="13" name="Slide Number">
             <a:extLst>
               <a:ext uri="{FF2B5EF4-FFF2-40B4-BE49-F238E27FC236}">
-                <a16:creationId xmlns="" xmlns:a16="http://schemas.microsoft.com/office/drawing/2014/main" id="{5B8761D8-B42F-4A70-A0CE-682CEB2AE31B}"/>
+                <a16:creationId xmlns:a16="http://schemas.microsoft.com/office/drawing/2014/main" id="{5B8761D8-B42F-4A70-A0CE-682CEB2AE31B}"/>
               </a:ext>
             </a:extLst>
           </p:cNvPr>
@@ -4953,7 +4958,7 @@
             <a:hlinkClick r:id="rId2" tooltip="Software University Discussion Forum"/>
             <a:extLst>
               <a:ext uri="{FF2B5EF4-FFF2-40B4-BE49-F238E27FC236}">
-                <a16:creationId xmlns="" xmlns:a16="http://schemas.microsoft.com/office/drawing/2014/main" id="{98C579AD-FAF5-4B28-9B52-5457F1E90061}"/>
+                <a16:creationId xmlns:a16="http://schemas.microsoft.com/office/drawing/2014/main" id="{98C579AD-FAF5-4B28-9B52-5457F1E90061}"/>
               </a:ext>
             </a:extLst>
           </p:cNvPr>
@@ -4966,7 +4971,7 @@
           <a:blip r:embed="rId3" cstate="print">
             <a:extLst>
               <a:ext uri="{28A0092B-C50C-407E-A947-70E740481C1C}">
-                <a14:useLocalDpi xmlns="" xmlns:a14="http://schemas.microsoft.com/office/drawing/2010/main"/>
+                <a14:useLocalDpi xmlns:a14="http://schemas.microsoft.com/office/drawing/2010/main"/>
               </a:ext>
             </a:extLst>
           </a:blip>
@@ -4990,7 +4995,7 @@
             <a:hlinkClick r:id="rId4" tooltip="Software University @ Facebook"/>
             <a:extLst>
               <a:ext uri="{FF2B5EF4-FFF2-40B4-BE49-F238E27FC236}">
-                <a16:creationId xmlns="" xmlns:a16="http://schemas.microsoft.com/office/drawing/2014/main" id="{6B2C510E-5EF2-49F6-B926-2BD74CD3C7F8}"/>
+                <a16:creationId xmlns:a16="http://schemas.microsoft.com/office/drawing/2014/main" id="{6B2C510E-5EF2-49F6-B926-2BD74CD3C7F8}"/>
               </a:ext>
             </a:extLst>
           </p:cNvPr>
@@ -5003,7 +5008,7 @@
           <a:blip r:embed="rId5" cstate="print">
             <a:extLst>
               <a:ext uri="{28A0092B-C50C-407E-A947-70E740481C1C}">
-                <a14:useLocalDpi xmlns="" xmlns:a14="http://schemas.microsoft.com/office/drawing/2010/main"/>
+                <a14:useLocalDpi xmlns:a14="http://schemas.microsoft.com/office/drawing/2010/main"/>
               </a:ext>
             </a:extLst>
           </a:blip>
@@ -5021,7 +5026,7 @@
           <a:noFill/>
           <a:extLst>
             <a:ext uri="{909E8E84-426E-40DD-AFC4-6F175D3DCCD1}">
-              <a14:hiddenFill xmlns="" xmlns:a14="http://schemas.microsoft.com/office/drawing/2010/main">
+              <a14:hiddenFill xmlns:a14="http://schemas.microsoft.com/office/drawing/2010/main">
                 <a:solidFill>
                   <a:srgbClr val="FFFFFF"/>
                 </a:solidFill>
@@ -5036,7 +5041,7 @@
             <a:hlinkClick r:id="rId6"/>
             <a:extLst>
               <a:ext uri="{FF2B5EF4-FFF2-40B4-BE49-F238E27FC236}">
-                <a16:creationId xmlns="" xmlns:a16="http://schemas.microsoft.com/office/drawing/2014/main" id="{F4604840-E810-44B7-9FF1-3B28CD68B758}"/>
+                <a16:creationId xmlns:a16="http://schemas.microsoft.com/office/drawing/2014/main" id="{F4604840-E810-44B7-9FF1-3B28CD68B758}"/>
               </a:ext>
             </a:extLst>
           </p:cNvPr>
@@ -5049,7 +5054,7 @@
           <a:blip r:embed="rId7" cstate="print">
             <a:extLst>
               <a:ext uri="{28A0092B-C50C-407E-A947-70E740481C1C}">
-                <a14:useLocalDpi xmlns="" xmlns:a14="http://schemas.microsoft.com/office/drawing/2010/main" val="0"/>
+                <a14:useLocalDpi xmlns:a14="http://schemas.microsoft.com/office/drawing/2010/main" val="0"/>
               </a:ext>
             </a:extLst>
           </a:blip>
@@ -5073,7 +5078,7 @@
             <a:hlinkClick r:id="rId8"/>
             <a:extLst>
               <a:ext uri="{FF2B5EF4-FFF2-40B4-BE49-F238E27FC236}">
-                <a16:creationId xmlns="" xmlns:a16="http://schemas.microsoft.com/office/drawing/2014/main" id="{07C965FA-A87E-4824-AFA8-C67AF548A76A}"/>
+                <a16:creationId xmlns:a16="http://schemas.microsoft.com/office/drawing/2014/main" id="{07C965FA-A87E-4824-AFA8-C67AF548A76A}"/>
               </a:ext>
             </a:extLst>
           </p:cNvPr>
@@ -5086,7 +5091,7 @@
           <a:blip r:embed="rId9" cstate="print">
             <a:extLst>
               <a:ext uri="{28A0092B-C50C-407E-A947-70E740481C1C}">
-                <a14:useLocalDpi xmlns="" xmlns:a14="http://schemas.microsoft.com/office/drawing/2010/main" val="0"/>
+                <a14:useLocalDpi xmlns:a14="http://schemas.microsoft.com/office/drawing/2010/main" val="0"/>
               </a:ext>
             </a:extLst>
           </a:blip>
@@ -5108,7 +5113,7 @@
           <p:cNvPr id="12" name="Slide Body Text">
             <a:extLst>
               <a:ext uri="{FF2B5EF4-FFF2-40B4-BE49-F238E27FC236}">
-                <a16:creationId xmlns="" xmlns:a16="http://schemas.microsoft.com/office/drawing/2014/main" id="{0C1F9416-8B6E-46DE-973C-777785E27A26}"/>
+                <a16:creationId xmlns:a16="http://schemas.microsoft.com/office/drawing/2014/main" id="{0C1F9416-8B6E-46DE-973C-777785E27A26}"/>
               </a:ext>
             </a:extLst>
           </p:cNvPr>
@@ -5233,7 +5238,7 @@
           <p:cNvPr id="10" name="Rectangle Top">
             <a:extLst>
               <a:ext uri="{FF2B5EF4-FFF2-40B4-BE49-F238E27FC236}">
-                <a16:creationId xmlns="" xmlns:a16="http://schemas.microsoft.com/office/drawing/2014/main" id="{86646B95-5E3B-4DE8-9118-031C2C296D8C}"/>
+                <a16:creationId xmlns:a16="http://schemas.microsoft.com/office/drawing/2014/main" id="{86646B95-5E3B-4DE8-9118-031C2C296D8C}"/>
               </a:ext>
             </a:extLst>
           </p:cNvPr>
@@ -5314,7 +5319,7 @@
           <p:cNvPr id="11" name="Logo Software University" descr="Software University logo">
             <a:extLst>
               <a:ext uri="{FF2B5EF4-FFF2-40B4-BE49-F238E27FC236}">
-                <a16:creationId xmlns="" xmlns:a16="http://schemas.microsoft.com/office/drawing/2014/main" id="{58AB1944-B146-4E89-B2D9-426EB610F319}"/>
+                <a16:creationId xmlns:a16="http://schemas.microsoft.com/office/drawing/2014/main" id="{58AB1944-B146-4E89-B2D9-426EB610F319}"/>
               </a:ext>
             </a:extLst>
           </p:cNvPr>
@@ -5327,7 +5332,7 @@
           <a:blip r:embed="rId11" cstate="print">
             <a:extLst>
               <a:ext uri="{28A0092B-C50C-407E-A947-70E740481C1C}">
-                <a14:useLocalDpi xmlns="" xmlns:a14="http://schemas.microsoft.com/office/drawing/2010/main" val="0"/>
+                <a14:useLocalDpi xmlns:a14="http://schemas.microsoft.com/office/drawing/2010/main" val="0"/>
               </a:ext>
             </a:extLst>
           </a:blip>
@@ -5350,7 +5355,7 @@
           <p:cNvPr id="18" name="Slide Title">
             <a:extLst>
               <a:ext uri="{FF2B5EF4-FFF2-40B4-BE49-F238E27FC236}">
-                <a16:creationId xmlns="" xmlns:a16="http://schemas.microsoft.com/office/drawing/2014/main" id="{AE87ED9C-76E1-4D85-9B06-3AF44AABB668}"/>
+                <a16:creationId xmlns:a16="http://schemas.microsoft.com/office/drawing/2014/main" id="{AE87ED9C-76E1-4D85-9B06-3AF44AABB668}"/>
               </a:ext>
             </a:extLst>
           </p:cNvPr>
@@ -5389,18 +5394,18 @@
     </p:spTree>
     <p:extLst>
       <p:ext uri="{BB962C8B-B14F-4D97-AF65-F5344CB8AC3E}">
-        <p14:creationId xmlns="" xmlns:p14="http://schemas.microsoft.com/office/powerpoint/2010/main" val="2196466322"/>
+        <p14:creationId xmlns:p14="http://schemas.microsoft.com/office/powerpoint/2010/main" val="2196466322"/>
       </p:ext>
     </p:extLst>
   </p:cSld>
   <p:clrMapOvr>
     <a:masterClrMapping/>
   </p:clrMapOvr>
-  <mc:AlternateContent xmlns:mc="http://schemas.openxmlformats.org/markup-compatibility/2006">
-    <mc:Choice xmlns="" xmlns:p14="http://schemas.microsoft.com/office/powerpoint/2010/main" Requires="p14">
+  <mc:AlternateContent xmlns:mc="http://schemas.openxmlformats.org/markup-compatibility/2006" xmlns:p14="http://schemas.microsoft.com/office/powerpoint/2010/main">
+    <mc:Choice Requires="p14">
       <p:transition spd="slow" p14:dur="2000" advClick="0" advTm="5000"/>
     </mc:Choice>
-    <mc:Fallback>
+    <mc:Fallback xmlns="">
       <p:transition spd="slow" advClick="0" advTm="5000"/>
     </mc:Fallback>
   </mc:AlternateContent>
@@ -5429,7 +5434,7 @@
           <p:cNvPr id="9" name="Oval Center Icon">
             <a:extLst>
               <a:ext uri="{FF2B5EF4-FFF2-40B4-BE49-F238E27FC236}">
-                <a16:creationId xmlns="" xmlns:a16="http://schemas.microsoft.com/office/drawing/2014/main" id="{13B9A8FE-2718-4F2C-98D4-CBF86AD69D58}"/>
+                <a16:creationId xmlns:a16="http://schemas.microsoft.com/office/drawing/2014/main" id="{13B9A8FE-2718-4F2C-98D4-CBF86AD69D58}"/>
               </a:ext>
             </a:extLst>
           </p:cNvPr>
@@ -5510,7 +5515,7 @@
           <p:cNvPr id="8" name="Slide Subtitle">
             <a:extLst>
               <a:ext uri="{FF2B5EF4-FFF2-40B4-BE49-F238E27FC236}">
-                <a16:creationId xmlns="" xmlns:a16="http://schemas.microsoft.com/office/drawing/2014/main" id="{588387B4-E99E-4145-9D1D-F17CA5190DFD}"/>
+                <a16:creationId xmlns:a16="http://schemas.microsoft.com/office/drawing/2014/main" id="{588387B4-E99E-4145-9D1D-F17CA5190DFD}"/>
               </a:ext>
             </a:extLst>
           </p:cNvPr>
@@ -5560,7 +5565,7 @@
           <p:cNvPr id="13" name="Slide Title">
             <a:extLst>
               <a:ext uri="{FF2B5EF4-FFF2-40B4-BE49-F238E27FC236}">
-                <a16:creationId xmlns="" xmlns:a16="http://schemas.microsoft.com/office/drawing/2014/main" id="{8A28C56F-AE84-49D0-9AD1-1F0CEEABF710}"/>
+                <a16:creationId xmlns:a16="http://schemas.microsoft.com/office/drawing/2014/main" id="{8A28C56F-AE84-49D0-9AD1-1F0CEEABF710}"/>
               </a:ext>
             </a:extLst>
           </p:cNvPr>
@@ -5605,18 +5610,18 @@
     </p:spTree>
     <p:extLst>
       <p:ext uri="{BB962C8B-B14F-4D97-AF65-F5344CB8AC3E}">
-        <p14:creationId xmlns="" xmlns:p14="http://schemas.microsoft.com/office/powerpoint/2010/main" val="475389923"/>
+        <p14:creationId xmlns:p14="http://schemas.microsoft.com/office/powerpoint/2010/main" val="475389923"/>
       </p:ext>
     </p:extLst>
   </p:cSld>
   <p:clrMapOvr>
     <a:masterClrMapping/>
   </p:clrMapOvr>
-  <mc:AlternateContent xmlns:mc="http://schemas.openxmlformats.org/markup-compatibility/2006">
-    <mc:Choice xmlns="" xmlns:p14="http://schemas.microsoft.com/office/powerpoint/2010/main" Requires="p14">
+  <mc:AlternateContent xmlns:mc="http://schemas.openxmlformats.org/markup-compatibility/2006" xmlns:p14="http://schemas.microsoft.com/office/powerpoint/2010/main">
+    <mc:Choice Requires="p14">
       <p:transition spd="slow" p14:dur="2000" advClick="0" advTm="5000"/>
     </mc:Choice>
-    <mc:Fallback>
+    <mc:Fallback xmlns="">
       <p:transition spd="slow" advClick="0" advTm="5000"/>
     </mc:Fallback>
   </mc:AlternateContent>
@@ -5646,7 +5651,7 @@
           <p:cNvPr id="2" name="Title 1">
             <a:extLst>
               <a:ext uri="{FF2B5EF4-FFF2-40B4-BE49-F238E27FC236}">
-                <a16:creationId xmlns="" xmlns:a16="http://schemas.microsoft.com/office/drawing/2014/main" id="{5213C145-EA12-94EF-AA17-5F628EA0AD2D}"/>
+                <a16:creationId xmlns:a16="http://schemas.microsoft.com/office/drawing/2014/main" id="{5213C145-EA12-94EF-AA17-5F628EA0AD2D}"/>
               </a:ext>
             </a:extLst>
           </p:cNvPr>
@@ -5684,7 +5689,7 @@
           <p:cNvPr id="3" name="Subtitle 2">
             <a:extLst>
               <a:ext uri="{FF2B5EF4-FFF2-40B4-BE49-F238E27FC236}">
-                <a16:creationId xmlns="" xmlns:a16="http://schemas.microsoft.com/office/drawing/2014/main" id="{5F55E72E-5B45-B6EE-75AE-03B188AD9A08}"/>
+                <a16:creationId xmlns:a16="http://schemas.microsoft.com/office/drawing/2014/main" id="{5F55E72E-5B45-B6EE-75AE-03B188AD9A08}"/>
               </a:ext>
             </a:extLst>
           </p:cNvPr>
@@ -5755,7 +5760,7 @@
           <p:cNvPr id="4" name="Date Placeholder 3">
             <a:extLst>
               <a:ext uri="{FF2B5EF4-FFF2-40B4-BE49-F238E27FC236}">
-                <a16:creationId xmlns="" xmlns:a16="http://schemas.microsoft.com/office/drawing/2014/main" id="{30C6A8EA-0240-01AB-A7C2-BD1CD885E1C1}"/>
+                <a16:creationId xmlns:a16="http://schemas.microsoft.com/office/drawing/2014/main" id="{30C6A8EA-0240-01AB-A7C2-BD1CD885E1C1}"/>
               </a:ext>
             </a:extLst>
           </p:cNvPr>
@@ -5774,7 +5779,7 @@
             <a:fld id="{1CF2F75B-1C4E-1E47-AE31-5B79E79ADF4F}" type="datetimeFigureOut">
               <a:rPr lang="x-none" smtClean="0"/>
               <a:pPr/>
-              <a:t>6.9.2023 г.</a:t>
+              <a:t>7.09.23</a:t>
             </a:fld>
             <a:endParaRPr lang="x-none"/>
           </a:p>
@@ -5785,7 +5790,7 @@
           <p:cNvPr id="5" name="Footer Placeholder 4">
             <a:extLst>
               <a:ext uri="{FF2B5EF4-FFF2-40B4-BE49-F238E27FC236}">
-                <a16:creationId xmlns="" xmlns:a16="http://schemas.microsoft.com/office/drawing/2014/main" id="{F95CBF96-4249-1541-E44E-FBCECA233B3C}"/>
+                <a16:creationId xmlns:a16="http://schemas.microsoft.com/office/drawing/2014/main" id="{F95CBF96-4249-1541-E44E-FBCECA233B3C}"/>
               </a:ext>
             </a:extLst>
           </p:cNvPr>
@@ -5810,7 +5815,7 @@
           <p:cNvPr id="6" name="Slide Number Placeholder 5">
             <a:extLst>
               <a:ext uri="{FF2B5EF4-FFF2-40B4-BE49-F238E27FC236}">
-                <a16:creationId xmlns="" xmlns:a16="http://schemas.microsoft.com/office/drawing/2014/main" id="{7ACB54F2-814F-F79B-8CD7-FA3133365CBC}"/>
+                <a16:creationId xmlns:a16="http://schemas.microsoft.com/office/drawing/2014/main" id="{7ACB54F2-814F-F79B-8CD7-FA3133365CBC}"/>
               </a:ext>
             </a:extLst>
           </p:cNvPr>
@@ -5838,7 +5843,7 @@
     </p:spTree>
     <p:extLst>
       <p:ext uri="{BB962C8B-B14F-4D97-AF65-F5344CB8AC3E}">
-        <p14:creationId xmlns="" xmlns:p14="http://schemas.microsoft.com/office/powerpoint/2010/main" val="2773863354"/>
+        <p14:creationId xmlns:p14="http://schemas.microsoft.com/office/powerpoint/2010/main" val="2773863354"/>
       </p:ext>
     </p:extLst>
   </p:cSld>
@@ -5870,7 +5875,7 @@
           <p:cNvPr id="8" name="Rectangle Top">
             <a:extLst>
               <a:ext uri="{FF2B5EF4-FFF2-40B4-BE49-F238E27FC236}">
-                <a16:creationId xmlns="" xmlns:a16="http://schemas.microsoft.com/office/drawing/2014/main" id="{454BD9C2-93A6-4860-A758-846ED0E1C8FA}"/>
+                <a16:creationId xmlns:a16="http://schemas.microsoft.com/office/drawing/2014/main" id="{454BD9C2-93A6-4860-A758-846ED0E1C8FA}"/>
               </a:ext>
             </a:extLst>
           </p:cNvPr>
@@ -5951,7 +5956,7 @@
           <p:cNvPr id="7" name="Slide Number">
             <a:extLst>
               <a:ext uri="{FF2B5EF4-FFF2-40B4-BE49-F238E27FC236}">
-                <a16:creationId xmlns="" xmlns:a16="http://schemas.microsoft.com/office/drawing/2014/main" id="{C1780DB1-0AF0-4108-AFE1-9DA99F0DBCB8}"/>
+                <a16:creationId xmlns:a16="http://schemas.microsoft.com/office/drawing/2014/main" id="{C1780DB1-0AF0-4108-AFE1-9DA99F0DBCB8}"/>
               </a:ext>
             </a:extLst>
           </p:cNvPr>
@@ -5993,7 +5998,7 @@
           <p:cNvPr id="3" name="Slide Body Text">
             <a:extLst>
               <a:ext uri="{FF2B5EF4-FFF2-40B4-BE49-F238E27FC236}">
-                <a16:creationId xmlns="" xmlns:a16="http://schemas.microsoft.com/office/drawing/2014/main" id="{5A9D2960-6D42-439F-82E8-812822013A10}"/>
+                <a16:creationId xmlns:a16="http://schemas.microsoft.com/office/drawing/2014/main" id="{5A9D2960-6D42-439F-82E8-812822013A10}"/>
               </a:ext>
             </a:extLst>
           </p:cNvPr>
@@ -6071,7 +6076,7 @@
           <p:cNvPr id="13" name="Rectangle Top">
             <a:extLst>
               <a:ext uri="{FF2B5EF4-FFF2-40B4-BE49-F238E27FC236}">
-                <a16:creationId xmlns="" xmlns:a16="http://schemas.microsoft.com/office/drawing/2014/main" id="{391AFA4E-7870-4561-A1B8-AC956B0C8931}"/>
+                <a16:creationId xmlns:a16="http://schemas.microsoft.com/office/drawing/2014/main" id="{391AFA4E-7870-4561-A1B8-AC956B0C8931}"/>
               </a:ext>
             </a:extLst>
           </p:cNvPr>
@@ -6152,7 +6157,7 @@
           <p:cNvPr id="12" name="Logo Software University" descr="Software University logo">
             <a:extLst>
               <a:ext uri="{FF2B5EF4-FFF2-40B4-BE49-F238E27FC236}">
-                <a16:creationId xmlns="" xmlns:a16="http://schemas.microsoft.com/office/drawing/2014/main" id="{B1D3B425-B9BF-43ED-9DEC-C05002FBA22F}"/>
+                <a16:creationId xmlns:a16="http://schemas.microsoft.com/office/drawing/2014/main" id="{B1D3B425-B9BF-43ED-9DEC-C05002FBA22F}"/>
               </a:ext>
             </a:extLst>
           </p:cNvPr>
@@ -6165,7 +6170,7 @@
           <a:blip r:embed="rId2" cstate="print">
             <a:extLst>
               <a:ext uri="{28A0092B-C50C-407E-A947-70E740481C1C}">
-                <a14:useLocalDpi xmlns="" xmlns:a14="http://schemas.microsoft.com/office/drawing/2010/main" val="0"/>
+                <a14:useLocalDpi xmlns:a14="http://schemas.microsoft.com/office/drawing/2010/main" val="0"/>
               </a:ext>
             </a:extLst>
           </a:blip>
@@ -6188,7 +6193,7 @@
           <p:cNvPr id="6" name="Slide Title">
             <a:extLst>
               <a:ext uri="{FF2B5EF4-FFF2-40B4-BE49-F238E27FC236}">
-                <a16:creationId xmlns="" xmlns:a16="http://schemas.microsoft.com/office/drawing/2014/main" id="{19B5B676-7892-440F-8191-7109B2C59885}"/>
+                <a16:creationId xmlns:a16="http://schemas.microsoft.com/office/drawing/2014/main" id="{19B5B676-7892-440F-8191-7109B2C59885}"/>
               </a:ext>
             </a:extLst>
           </p:cNvPr>
@@ -6227,18 +6232,18 @@
     </p:spTree>
     <p:extLst>
       <p:ext uri="{BB962C8B-B14F-4D97-AF65-F5344CB8AC3E}">
-        <p14:creationId xmlns="" xmlns:p14="http://schemas.microsoft.com/office/powerpoint/2010/main" val="2685365194"/>
+        <p14:creationId xmlns:p14="http://schemas.microsoft.com/office/powerpoint/2010/main" val="2685365194"/>
       </p:ext>
     </p:extLst>
   </p:cSld>
   <p:clrMapOvr>
     <a:masterClrMapping/>
   </p:clrMapOvr>
-  <mc:AlternateContent xmlns:mc="http://schemas.openxmlformats.org/markup-compatibility/2006">
-    <mc:Choice xmlns="" xmlns:p14="http://schemas.microsoft.com/office/powerpoint/2010/main" Requires="p14">
+  <mc:AlternateContent xmlns:mc="http://schemas.openxmlformats.org/markup-compatibility/2006" xmlns:p14="http://schemas.microsoft.com/office/powerpoint/2010/main">
+    <mc:Choice Requires="p14">
       <p:transition spd="slow" p14:dur="2000" advClick="0" advTm="5000"/>
     </mc:Choice>
-    <mc:Fallback>
+    <mc:Fallback xmlns="">
       <p:transition spd="slow" advClick="0" advTm="5000"/>
     </mc:Fallback>
   </mc:AlternateContent>
@@ -7285,7 +7290,7 @@
             <a:fld id="{1D8BD707-D9CF-40AE-B4C6-C98DA3205C09}" type="datetimeFigureOut">
               <a:rPr lang="en-US"/>
               <a:pPr/>
-              <a:t>9/6/2023</a:t>
+              <a:t>9/7/23</a:t>
             </a:fld>
             <a:endParaRPr lang="en-US" dirty="0"/>
           </a:p>
@@ -7345,7 +7350,7 @@
     </p:spTree>
     <p:extLst>
       <p:ext uri="{BB962C8B-B14F-4D97-AF65-F5344CB8AC3E}">
-        <p14:creationId xmlns="" xmlns:p14="http://schemas.microsoft.com/office/powerpoint/2010/main" val="2531485629"/>
+        <p14:creationId xmlns:p14="http://schemas.microsoft.com/office/powerpoint/2010/main" val="2531485629"/>
       </p:ext>
     </p:extLst>
   </p:cSld>
@@ -7541,18 +7546,18 @@
     </p:spTree>
     <p:extLst>
       <p:ext uri="{BB962C8B-B14F-4D97-AF65-F5344CB8AC3E}">
-        <p14:creationId xmlns="" xmlns:p14="http://schemas.microsoft.com/office/powerpoint/2010/main" val="3529216409"/>
+        <p14:creationId xmlns:p14="http://schemas.microsoft.com/office/powerpoint/2010/main" val="3529216409"/>
       </p:ext>
     </p:extLst>
   </p:cSld>
   <p:clrMapOvr>
     <a:masterClrMapping/>
   </p:clrMapOvr>
-  <mc:AlternateContent xmlns:mc="http://schemas.openxmlformats.org/markup-compatibility/2006">
-    <mc:Choice xmlns="" xmlns:p14="http://schemas.microsoft.com/office/powerpoint/2010/main" Requires="p14">
+  <mc:AlternateContent xmlns:mc="http://schemas.openxmlformats.org/markup-compatibility/2006" xmlns:p14="http://schemas.microsoft.com/office/powerpoint/2010/main">
+    <mc:Choice Requires="p14">
       <p:transition spd="slow" p14:dur="2000" advClick="0" advTm="5000"/>
     </mc:Choice>
-    <mc:Fallback>
+    <mc:Fallback xmlns="">
       <p:transition spd="slow" advClick="0" advTm="5000"/>
     </mc:Fallback>
   </mc:AlternateContent>
@@ -7581,7 +7586,7 @@
           <p:cNvPr id="7" name="Slide Number">
             <a:extLst>
               <a:ext uri="{FF2B5EF4-FFF2-40B4-BE49-F238E27FC236}">
-                <a16:creationId xmlns="" xmlns:a16="http://schemas.microsoft.com/office/drawing/2014/main" id="{C1780DB1-0AF0-4108-AFE1-9DA99F0DBCB8}"/>
+                <a16:creationId xmlns:a16="http://schemas.microsoft.com/office/drawing/2014/main" id="{C1780DB1-0AF0-4108-AFE1-9DA99F0DBCB8}"/>
               </a:ext>
             </a:extLst>
           </p:cNvPr>
@@ -7623,7 +7628,7 @@
           <p:cNvPr id="3" name="Slide Body Text">
             <a:extLst>
               <a:ext uri="{FF2B5EF4-FFF2-40B4-BE49-F238E27FC236}">
-                <a16:creationId xmlns="" xmlns:a16="http://schemas.microsoft.com/office/drawing/2014/main" id="{5A9D2960-6D42-439F-82E8-812822013A10}"/>
+                <a16:creationId xmlns:a16="http://schemas.microsoft.com/office/drawing/2014/main" id="{5A9D2960-6D42-439F-82E8-812822013A10}"/>
               </a:ext>
             </a:extLst>
           </p:cNvPr>
@@ -7701,7 +7706,7 @@
           <p:cNvPr id="13" name="Rectangle Top">
             <a:extLst>
               <a:ext uri="{FF2B5EF4-FFF2-40B4-BE49-F238E27FC236}">
-                <a16:creationId xmlns="" xmlns:a16="http://schemas.microsoft.com/office/drawing/2014/main" id="{391AFA4E-7870-4561-A1B8-AC956B0C8931}"/>
+                <a16:creationId xmlns:a16="http://schemas.microsoft.com/office/drawing/2014/main" id="{391AFA4E-7870-4561-A1B8-AC956B0C8931}"/>
               </a:ext>
             </a:extLst>
           </p:cNvPr>
@@ -7782,7 +7787,7 @@
           <p:cNvPr id="12" name="Logo Software University" descr="Software University logo">
             <a:extLst>
               <a:ext uri="{FF2B5EF4-FFF2-40B4-BE49-F238E27FC236}">
-                <a16:creationId xmlns="" xmlns:a16="http://schemas.microsoft.com/office/drawing/2014/main" id="{B1D3B425-B9BF-43ED-9DEC-C05002FBA22F}"/>
+                <a16:creationId xmlns:a16="http://schemas.microsoft.com/office/drawing/2014/main" id="{B1D3B425-B9BF-43ED-9DEC-C05002FBA22F}"/>
               </a:ext>
             </a:extLst>
           </p:cNvPr>
@@ -7795,7 +7800,7 @@
           <a:blip r:embed="rId2" cstate="print">
             <a:extLst>
               <a:ext uri="{28A0092B-C50C-407E-A947-70E740481C1C}">
-                <a14:useLocalDpi xmlns="" xmlns:a14="http://schemas.microsoft.com/office/drawing/2010/main" val="0"/>
+                <a14:useLocalDpi xmlns:a14="http://schemas.microsoft.com/office/drawing/2010/main" val="0"/>
               </a:ext>
             </a:extLst>
           </a:blip>
@@ -7818,7 +7823,7 @@
           <p:cNvPr id="6" name="Slide Title">
             <a:extLst>
               <a:ext uri="{FF2B5EF4-FFF2-40B4-BE49-F238E27FC236}">
-                <a16:creationId xmlns="" xmlns:a16="http://schemas.microsoft.com/office/drawing/2014/main" id="{19B5B676-7892-440F-8191-7109B2C59885}"/>
+                <a16:creationId xmlns:a16="http://schemas.microsoft.com/office/drawing/2014/main" id="{19B5B676-7892-440F-8191-7109B2C59885}"/>
               </a:ext>
             </a:extLst>
           </p:cNvPr>
@@ -7857,18 +7862,18 @@
     </p:spTree>
     <p:extLst>
       <p:ext uri="{BB962C8B-B14F-4D97-AF65-F5344CB8AC3E}">
-        <p14:creationId xmlns="" xmlns:p14="http://schemas.microsoft.com/office/powerpoint/2010/main" val="1102970716"/>
+        <p14:creationId xmlns:p14="http://schemas.microsoft.com/office/powerpoint/2010/main" val="1102970716"/>
       </p:ext>
     </p:extLst>
   </p:cSld>
   <p:clrMapOvr>
     <a:masterClrMapping/>
   </p:clrMapOvr>
-  <mc:AlternateContent xmlns:mc="http://schemas.openxmlformats.org/markup-compatibility/2006">
-    <mc:Choice xmlns="" xmlns:p14="http://schemas.microsoft.com/office/powerpoint/2010/main" Requires="p14">
+  <mc:AlternateContent xmlns:mc="http://schemas.openxmlformats.org/markup-compatibility/2006" xmlns:p14="http://schemas.microsoft.com/office/powerpoint/2010/main">
+    <mc:Choice Requires="p14">
       <p:transition spd="slow" p14:dur="2000" advClick="0" advTm="5000"/>
     </mc:Choice>
-    <mc:Fallback>
+    <mc:Fallback xmlns="">
       <p:transition spd="slow" advClick="0" advTm="5000"/>
     </mc:Fallback>
   </mc:AlternateContent>
@@ -7897,7 +7902,7 @@
           <p:cNvPr id="9" name="Slide Number">
             <a:extLst>
               <a:ext uri="{FF2B5EF4-FFF2-40B4-BE49-F238E27FC236}">
-                <a16:creationId xmlns="" xmlns:a16="http://schemas.microsoft.com/office/drawing/2014/main" id="{0020EB61-2079-41A3-B356-B1D8D48D786E}"/>
+                <a16:creationId xmlns:a16="http://schemas.microsoft.com/office/drawing/2014/main" id="{0020EB61-2079-41A3-B356-B1D8D48D786E}"/>
               </a:ext>
             </a:extLst>
           </p:cNvPr>
@@ -8014,7 +8019,7 @@
           <p:cNvPr id="7" name="Slide Body Text">
             <a:extLst>
               <a:ext uri="{FF2B5EF4-FFF2-40B4-BE49-F238E27FC236}">
-                <a16:creationId xmlns="" xmlns:a16="http://schemas.microsoft.com/office/drawing/2014/main" id="{CB4CB13C-66A1-466B-A6C1-B0BABF5CFEC1}"/>
+                <a16:creationId xmlns:a16="http://schemas.microsoft.com/office/drawing/2014/main" id="{CB4CB13C-66A1-466B-A6C1-B0BABF5CFEC1}"/>
               </a:ext>
             </a:extLst>
           </p:cNvPr>
@@ -8112,7 +8117,7 @@
           <p:cNvPr id="3" name="Logo Software University" descr="Software University logo">
             <a:extLst>
               <a:ext uri="{FF2B5EF4-FFF2-40B4-BE49-F238E27FC236}">
-                <a16:creationId xmlns="" xmlns:a16="http://schemas.microsoft.com/office/drawing/2014/main" id="{5573C101-930B-47AC-967A-A64513DFFDEE}"/>
+                <a16:creationId xmlns:a16="http://schemas.microsoft.com/office/drawing/2014/main" id="{5573C101-930B-47AC-967A-A64513DFFDEE}"/>
               </a:ext>
             </a:extLst>
           </p:cNvPr>
@@ -8135,7 +8140,7 @@
             </a:clrChange>
             <a:extLst>
               <a:ext uri="{28A0092B-C50C-407E-A947-70E740481C1C}">
-                <a14:useLocalDpi xmlns="" xmlns:a14="http://schemas.microsoft.com/office/drawing/2010/main" val="0"/>
+                <a14:useLocalDpi xmlns:a14="http://schemas.microsoft.com/office/drawing/2010/main" val="0"/>
               </a:ext>
             </a:extLst>
           </a:blip>
@@ -8158,7 +8163,7 @@
           <p:cNvPr id="8" name="Slide Title">
             <a:extLst>
               <a:ext uri="{FF2B5EF4-FFF2-40B4-BE49-F238E27FC236}">
-                <a16:creationId xmlns="" xmlns:a16="http://schemas.microsoft.com/office/drawing/2014/main" id="{E2DA9691-CDF5-499C-94BB-AAA61DAC1BFB}"/>
+                <a16:creationId xmlns:a16="http://schemas.microsoft.com/office/drawing/2014/main" id="{E2DA9691-CDF5-499C-94BB-AAA61DAC1BFB}"/>
               </a:ext>
             </a:extLst>
           </p:cNvPr>
@@ -8195,7 +8200,7 @@
           <p:cNvPr id="10" name="Group 9">
             <a:extLst>
               <a:ext uri="{FF2B5EF4-FFF2-40B4-BE49-F238E27FC236}">
-                <a16:creationId xmlns="" xmlns:a16="http://schemas.microsoft.com/office/drawing/2014/main" id="{43CDBCC2-1C96-44BC-B992-7B0C49C34904}"/>
+                <a16:creationId xmlns:a16="http://schemas.microsoft.com/office/drawing/2014/main" id="{43CDBCC2-1C96-44BC-B992-7B0C49C34904}"/>
               </a:ext>
             </a:extLst>
           </p:cNvPr>
@@ -8215,7 +8220,7 @@
             <p:cNvPr id="11" name="Group 10">
               <a:extLst>
                 <a:ext uri="{FF2B5EF4-FFF2-40B4-BE49-F238E27FC236}">
-                  <a16:creationId xmlns="" xmlns:a16="http://schemas.microsoft.com/office/drawing/2014/main" id="{7D71B3A8-4D39-42CF-9255-81EA3A622DD6}"/>
+                  <a16:creationId xmlns:a16="http://schemas.microsoft.com/office/drawing/2014/main" id="{7D71B3A8-4D39-42CF-9255-81EA3A622DD6}"/>
                 </a:ext>
               </a:extLst>
             </p:cNvPr>
@@ -8235,7 +8240,7 @@
               <p:cNvPr id="25" name="Oval 24">
                 <a:extLst>
                   <a:ext uri="{FF2B5EF4-FFF2-40B4-BE49-F238E27FC236}">
-                    <a16:creationId xmlns="" xmlns:a16="http://schemas.microsoft.com/office/drawing/2014/main" id="{B98059F9-1874-426D-8AF7-A12C21F37DD9}"/>
+                    <a16:creationId xmlns:a16="http://schemas.microsoft.com/office/drawing/2014/main" id="{B98059F9-1874-426D-8AF7-A12C21F37DD9}"/>
                   </a:ext>
                 </a:extLst>
               </p:cNvPr>
@@ -8287,7 +8292,7 @@
               <p:cNvPr id="26" name="Rectangle 5">
                 <a:extLst>
                   <a:ext uri="{FF2B5EF4-FFF2-40B4-BE49-F238E27FC236}">
-                    <a16:creationId xmlns="" xmlns:a16="http://schemas.microsoft.com/office/drawing/2014/main" id="{A3A1E077-DBDF-48F0-A924-604984B940A2}"/>
+                    <a16:creationId xmlns:a16="http://schemas.microsoft.com/office/drawing/2014/main" id="{A3A1E077-DBDF-48F0-A924-604984B940A2}"/>
                   </a:ext>
                 </a:extLst>
               </p:cNvPr>
@@ -8432,7 +8437,7 @@
               <p:cNvPr id="27" name="Rectangle 5">
                 <a:extLst>
                   <a:ext uri="{FF2B5EF4-FFF2-40B4-BE49-F238E27FC236}">
-                    <a16:creationId xmlns="" xmlns:a16="http://schemas.microsoft.com/office/drawing/2014/main" id="{798B1F51-1FA4-4199-81C7-62356C936CC9}"/>
+                    <a16:creationId xmlns:a16="http://schemas.microsoft.com/office/drawing/2014/main" id="{798B1F51-1FA4-4199-81C7-62356C936CC9}"/>
                   </a:ext>
                 </a:extLst>
               </p:cNvPr>
@@ -8577,7 +8582,7 @@
               <p:cNvPr id="28" name="Arc 27">
                 <a:extLst>
                   <a:ext uri="{FF2B5EF4-FFF2-40B4-BE49-F238E27FC236}">
-                    <a16:creationId xmlns="" xmlns:a16="http://schemas.microsoft.com/office/drawing/2014/main" id="{40A224C8-1233-40F7-96AB-BFF79AF6CDCB}"/>
+                    <a16:creationId xmlns:a16="http://schemas.microsoft.com/office/drawing/2014/main" id="{40A224C8-1233-40F7-96AB-BFF79AF6CDCB}"/>
                   </a:ext>
                 </a:extLst>
               </p:cNvPr>
@@ -8636,7 +8641,7 @@
               <p:cNvPr id="29" name="Arc 28">
                 <a:extLst>
                   <a:ext uri="{FF2B5EF4-FFF2-40B4-BE49-F238E27FC236}">
-                    <a16:creationId xmlns="" xmlns:a16="http://schemas.microsoft.com/office/drawing/2014/main" id="{B57C7CCC-E218-4321-8C7B-3F0C5753C7A1}"/>
+                    <a16:creationId xmlns:a16="http://schemas.microsoft.com/office/drawing/2014/main" id="{B57C7CCC-E218-4321-8C7B-3F0C5753C7A1}"/>
                   </a:ext>
                 </a:extLst>
               </p:cNvPr>
@@ -8696,7 +8701,7 @@
             <p:cNvPr id="13" name="Rectangle: Rounded Corners 12">
               <a:extLst>
                 <a:ext uri="{FF2B5EF4-FFF2-40B4-BE49-F238E27FC236}">
-                  <a16:creationId xmlns="" xmlns:a16="http://schemas.microsoft.com/office/drawing/2014/main" id="{6AF309CA-A56C-4ABC-B293-420F4EB1A9B4}"/>
+                  <a16:creationId xmlns:a16="http://schemas.microsoft.com/office/drawing/2014/main" id="{6AF309CA-A56C-4ABC-B293-420F4EB1A9B4}"/>
                 </a:ext>
               </a:extLst>
             </p:cNvPr>
@@ -8750,7 +8755,7 @@
             <p:cNvPr id="14" name="Rectangle: Rounded Corners 13">
               <a:extLst>
                 <a:ext uri="{FF2B5EF4-FFF2-40B4-BE49-F238E27FC236}">
-                  <a16:creationId xmlns="" xmlns:a16="http://schemas.microsoft.com/office/drawing/2014/main" id="{07955808-2AC7-44EB-8B6D-82B974E53A3C}"/>
+                  <a16:creationId xmlns:a16="http://schemas.microsoft.com/office/drawing/2014/main" id="{07955808-2AC7-44EB-8B6D-82B974E53A3C}"/>
                 </a:ext>
               </a:extLst>
             </p:cNvPr>
@@ -8811,7 +8816,7 @@
             <p:cNvPr id="15" name="Straight Connector 14">
               <a:extLst>
                 <a:ext uri="{FF2B5EF4-FFF2-40B4-BE49-F238E27FC236}">
-                  <a16:creationId xmlns="" xmlns:a16="http://schemas.microsoft.com/office/drawing/2014/main" id="{AC6420D7-AEAB-45EF-8D46-11EB06E4AFEA}"/>
+                  <a16:creationId xmlns:a16="http://schemas.microsoft.com/office/drawing/2014/main" id="{AC6420D7-AEAB-45EF-8D46-11EB06E4AFEA}"/>
                 </a:ext>
               </a:extLst>
             </p:cNvPr>
@@ -8857,7 +8862,7 @@
             <p:cNvPr id="16" name="Straight Connector 15">
               <a:extLst>
                 <a:ext uri="{FF2B5EF4-FFF2-40B4-BE49-F238E27FC236}">
-                  <a16:creationId xmlns="" xmlns:a16="http://schemas.microsoft.com/office/drawing/2014/main" id="{76C7FABC-6773-44F6-990B-3EB082BE9B35}"/>
+                  <a16:creationId xmlns:a16="http://schemas.microsoft.com/office/drawing/2014/main" id="{76C7FABC-6773-44F6-990B-3EB082BE9B35}"/>
                 </a:ext>
               </a:extLst>
             </p:cNvPr>
@@ -8903,7 +8908,7 @@
             <p:cNvPr id="17" name="Group 16">
               <a:extLst>
                 <a:ext uri="{FF2B5EF4-FFF2-40B4-BE49-F238E27FC236}">
-                  <a16:creationId xmlns="" xmlns:a16="http://schemas.microsoft.com/office/drawing/2014/main" id="{1FAD48E1-DC45-4B3D-9CE5-613250708496}"/>
+                  <a16:creationId xmlns:a16="http://schemas.microsoft.com/office/drawing/2014/main" id="{1FAD48E1-DC45-4B3D-9CE5-613250708496}"/>
                 </a:ext>
               </a:extLst>
             </p:cNvPr>
@@ -8926,7 +8931,7 @@
               <p:cNvPr id="23" name="Straight Connector 22">
                 <a:extLst>
                   <a:ext uri="{FF2B5EF4-FFF2-40B4-BE49-F238E27FC236}">
-                    <a16:creationId xmlns="" xmlns:a16="http://schemas.microsoft.com/office/drawing/2014/main" id="{B01FD1D1-046F-457B-AB63-2702CE3E906E}"/>
+                    <a16:creationId xmlns:a16="http://schemas.microsoft.com/office/drawing/2014/main" id="{B01FD1D1-046F-457B-AB63-2702CE3E906E}"/>
                   </a:ext>
                 </a:extLst>
               </p:cNvPr>
@@ -8970,7 +8975,7 @@
               <p:cNvPr id="24" name="Straight Connector 23">
                 <a:extLst>
                   <a:ext uri="{FF2B5EF4-FFF2-40B4-BE49-F238E27FC236}">
-                    <a16:creationId xmlns="" xmlns:a16="http://schemas.microsoft.com/office/drawing/2014/main" id="{895660C3-C72C-43EE-9C4A-170F85E5BE08}"/>
+                    <a16:creationId xmlns:a16="http://schemas.microsoft.com/office/drawing/2014/main" id="{895660C3-C72C-43EE-9C4A-170F85E5BE08}"/>
                   </a:ext>
                 </a:extLst>
               </p:cNvPr>
@@ -9015,7 +9020,7 @@
             <p:cNvPr id="19" name="Straight Connector 18">
               <a:extLst>
                 <a:ext uri="{FF2B5EF4-FFF2-40B4-BE49-F238E27FC236}">
-                  <a16:creationId xmlns="" xmlns:a16="http://schemas.microsoft.com/office/drawing/2014/main" id="{A74EE503-8FC0-42A6-8860-CA4EE42272E4}"/>
+                  <a16:creationId xmlns:a16="http://schemas.microsoft.com/office/drawing/2014/main" id="{A74EE503-8FC0-42A6-8860-CA4EE42272E4}"/>
                 </a:ext>
               </a:extLst>
             </p:cNvPr>
@@ -9061,7 +9066,7 @@
             <p:cNvPr id="12" name="Rectangle: Rounded Corners 11">
               <a:extLst>
                 <a:ext uri="{FF2B5EF4-FFF2-40B4-BE49-F238E27FC236}">
-                  <a16:creationId xmlns="" xmlns:a16="http://schemas.microsoft.com/office/drawing/2014/main" id="{F4189FDA-9FE8-490B-8A70-2E941811021F}"/>
+                  <a16:creationId xmlns:a16="http://schemas.microsoft.com/office/drawing/2014/main" id="{F4189FDA-9FE8-490B-8A70-2E941811021F}"/>
                 </a:ext>
               </a:extLst>
             </p:cNvPr>
@@ -9115,7 +9120,7 @@
             <p:cNvPr id="18" name="Group 17">
               <a:extLst>
                 <a:ext uri="{FF2B5EF4-FFF2-40B4-BE49-F238E27FC236}">
-                  <a16:creationId xmlns="" xmlns:a16="http://schemas.microsoft.com/office/drawing/2014/main" id="{FDA3EFCD-0DF8-419D-8533-D781521E597E}"/>
+                  <a16:creationId xmlns:a16="http://schemas.microsoft.com/office/drawing/2014/main" id="{FDA3EFCD-0DF8-419D-8533-D781521E597E}"/>
                 </a:ext>
               </a:extLst>
             </p:cNvPr>
@@ -9138,7 +9143,7 @@
               <p:cNvPr id="21" name="Straight Connector 20">
                 <a:extLst>
                   <a:ext uri="{FF2B5EF4-FFF2-40B4-BE49-F238E27FC236}">
-                    <a16:creationId xmlns="" xmlns:a16="http://schemas.microsoft.com/office/drawing/2014/main" id="{C3CC6A5A-182E-4A09-9C04-EB191881D789}"/>
+                    <a16:creationId xmlns:a16="http://schemas.microsoft.com/office/drawing/2014/main" id="{C3CC6A5A-182E-4A09-9C04-EB191881D789}"/>
                   </a:ext>
                 </a:extLst>
               </p:cNvPr>
@@ -9182,7 +9187,7 @@
               <p:cNvPr id="22" name="Straight Connector 21">
                 <a:extLst>
                   <a:ext uri="{FF2B5EF4-FFF2-40B4-BE49-F238E27FC236}">
-                    <a16:creationId xmlns="" xmlns:a16="http://schemas.microsoft.com/office/drawing/2014/main" id="{440C8953-0555-48CC-8255-78F17E053EE7}"/>
+                    <a16:creationId xmlns:a16="http://schemas.microsoft.com/office/drawing/2014/main" id="{440C8953-0555-48CC-8255-78F17E053EE7}"/>
                   </a:ext>
                 </a:extLst>
               </p:cNvPr>
@@ -9228,7 +9233,7 @@
           <p:cNvPr id="34" name="Straight Connector 33">
             <a:extLst>
               <a:ext uri="{FF2B5EF4-FFF2-40B4-BE49-F238E27FC236}">
-                <a16:creationId xmlns="" xmlns:a16="http://schemas.microsoft.com/office/drawing/2014/main" id="{29B538CA-8CCB-43FB-B5E5-5FC04EBC1F54}"/>
+                <a16:creationId xmlns:a16="http://schemas.microsoft.com/office/drawing/2014/main" id="{29B538CA-8CCB-43FB-B5E5-5FC04EBC1F54}"/>
               </a:ext>
             </a:extLst>
           </p:cNvPr>
@@ -9273,18 +9278,18 @@
     </p:spTree>
     <p:extLst>
       <p:ext uri="{BB962C8B-B14F-4D97-AF65-F5344CB8AC3E}">
-        <p14:creationId xmlns="" xmlns:p14="http://schemas.microsoft.com/office/powerpoint/2010/main" val="743545348"/>
+        <p14:creationId xmlns:p14="http://schemas.microsoft.com/office/powerpoint/2010/main" val="743545348"/>
       </p:ext>
     </p:extLst>
   </p:cSld>
   <p:clrMapOvr>
     <a:masterClrMapping/>
   </p:clrMapOvr>
-  <mc:AlternateContent xmlns:mc="http://schemas.openxmlformats.org/markup-compatibility/2006">
-    <mc:Choice xmlns="" xmlns:p14="http://schemas.microsoft.com/office/powerpoint/2010/main" Requires="p14">
+  <mc:AlternateContent xmlns:mc="http://schemas.openxmlformats.org/markup-compatibility/2006" xmlns:p14="http://schemas.microsoft.com/office/powerpoint/2010/main">
+    <mc:Choice Requires="p14">
       <p:transition spd="slow" p14:dur="2000" advClick="0" advTm="5000"/>
     </mc:Choice>
-    <mc:Fallback>
+    <mc:Fallback xmlns="">
       <p:transition spd="slow" advClick="0" advTm="5000"/>
     </mc:Fallback>
   </mc:AlternateContent>
@@ -9313,7 +9318,7 @@
           <p:cNvPr id="9" name="Slide Number">
             <a:extLst>
               <a:ext uri="{FF2B5EF4-FFF2-40B4-BE49-F238E27FC236}">
-                <a16:creationId xmlns="" xmlns:a16="http://schemas.microsoft.com/office/drawing/2014/main" id="{1865BF6B-7F07-4E9C-879F-80E36EEB3405}"/>
+                <a16:creationId xmlns:a16="http://schemas.microsoft.com/office/drawing/2014/main" id="{1865BF6B-7F07-4E9C-879F-80E36EEB3405}"/>
               </a:ext>
             </a:extLst>
           </p:cNvPr>
@@ -9355,7 +9360,7 @@
           <p:cNvPr id="12" name="Rectangle Left">
             <a:extLst>
               <a:ext uri="{FF2B5EF4-FFF2-40B4-BE49-F238E27FC236}">
-                <a16:creationId xmlns="" xmlns:a16="http://schemas.microsoft.com/office/drawing/2014/main" id="{345FB1C8-7F66-4D5C-ACCE-AE919936BCFD}"/>
+                <a16:creationId xmlns:a16="http://schemas.microsoft.com/office/drawing/2014/main" id="{345FB1C8-7F66-4D5C-ACCE-AE919936BCFD}"/>
               </a:ext>
             </a:extLst>
           </p:cNvPr>
@@ -9436,7 +9441,7 @@
           <p:cNvPr id="15" name="Slide Body Text">
             <a:extLst>
               <a:ext uri="{FF2B5EF4-FFF2-40B4-BE49-F238E27FC236}">
-                <a16:creationId xmlns="" xmlns:a16="http://schemas.microsoft.com/office/drawing/2014/main" id="{6157C8DE-E0AF-422B-BBB1-F0AF1264B5E9}"/>
+                <a16:creationId xmlns:a16="http://schemas.microsoft.com/office/drawing/2014/main" id="{6157C8DE-E0AF-422B-BBB1-F0AF1264B5E9}"/>
               </a:ext>
             </a:extLst>
           </p:cNvPr>
@@ -9534,7 +9539,7 @@
           <p:cNvPr id="16" name="Logo Software University" descr="Software University logo">
             <a:extLst>
               <a:ext uri="{FF2B5EF4-FFF2-40B4-BE49-F238E27FC236}">
-                <a16:creationId xmlns="" xmlns:a16="http://schemas.microsoft.com/office/drawing/2014/main" id="{EFEBB553-EACE-4B4F-8B4F-7629FDD910A4}"/>
+                <a16:creationId xmlns:a16="http://schemas.microsoft.com/office/drawing/2014/main" id="{EFEBB553-EACE-4B4F-8B4F-7629FDD910A4}"/>
               </a:ext>
             </a:extLst>
           </p:cNvPr>
@@ -9557,7 +9562,7 @@
             </a:clrChange>
             <a:extLst>
               <a:ext uri="{28A0092B-C50C-407E-A947-70E740481C1C}">
-                <a14:useLocalDpi xmlns="" xmlns:a14="http://schemas.microsoft.com/office/drawing/2010/main" val="0"/>
+                <a14:useLocalDpi xmlns:a14="http://schemas.microsoft.com/office/drawing/2010/main" val="0"/>
               </a:ext>
             </a:extLst>
           </a:blip>
@@ -9580,7 +9585,7 @@
           <p:cNvPr id="13" name="Slide Title">
             <a:extLst>
               <a:ext uri="{FF2B5EF4-FFF2-40B4-BE49-F238E27FC236}">
-                <a16:creationId xmlns="" xmlns:a16="http://schemas.microsoft.com/office/drawing/2014/main" id="{0D5CC956-5C4A-44BE-8F8B-327FAFA51E97}"/>
+                <a16:creationId xmlns:a16="http://schemas.microsoft.com/office/drawing/2014/main" id="{0D5CC956-5C4A-44BE-8F8B-327FAFA51E97}"/>
               </a:ext>
             </a:extLst>
           </p:cNvPr>
@@ -9617,7 +9622,7 @@
           <p:cNvPr id="33" name="Group 32">
             <a:extLst>
               <a:ext uri="{FF2B5EF4-FFF2-40B4-BE49-F238E27FC236}">
-                <a16:creationId xmlns="" xmlns:a16="http://schemas.microsoft.com/office/drawing/2014/main" id="{7CF60135-47AA-48F0-96BA-0E795668ABDB}"/>
+                <a16:creationId xmlns:a16="http://schemas.microsoft.com/office/drawing/2014/main" id="{7CF60135-47AA-48F0-96BA-0E795668ABDB}"/>
               </a:ext>
             </a:extLst>
           </p:cNvPr>
@@ -9637,7 +9642,7 @@
             <p:cNvPr id="34" name="Group 33">
               <a:extLst>
                 <a:ext uri="{FF2B5EF4-FFF2-40B4-BE49-F238E27FC236}">
-                  <a16:creationId xmlns="" xmlns:a16="http://schemas.microsoft.com/office/drawing/2014/main" id="{2823380E-3936-41AF-BDF7-DA54D75BBF6B}"/>
+                  <a16:creationId xmlns:a16="http://schemas.microsoft.com/office/drawing/2014/main" id="{2823380E-3936-41AF-BDF7-DA54D75BBF6B}"/>
                 </a:ext>
               </a:extLst>
             </p:cNvPr>
@@ -9657,7 +9662,7 @@
               <p:cNvPr id="47" name="Oval 46">
                 <a:extLst>
                   <a:ext uri="{FF2B5EF4-FFF2-40B4-BE49-F238E27FC236}">
-                    <a16:creationId xmlns="" xmlns:a16="http://schemas.microsoft.com/office/drawing/2014/main" id="{52B047D9-D8DD-45C7-9BC8-6D4F682F5182}"/>
+                    <a16:creationId xmlns:a16="http://schemas.microsoft.com/office/drawing/2014/main" id="{52B047D9-D8DD-45C7-9BC8-6D4F682F5182}"/>
                   </a:ext>
                 </a:extLst>
               </p:cNvPr>
@@ -9709,7 +9714,7 @@
               <p:cNvPr id="48" name="Rectangle 5">
                 <a:extLst>
                   <a:ext uri="{FF2B5EF4-FFF2-40B4-BE49-F238E27FC236}">
-                    <a16:creationId xmlns="" xmlns:a16="http://schemas.microsoft.com/office/drawing/2014/main" id="{4D84FE51-BD8E-47EA-9463-CE02FEA31766}"/>
+                    <a16:creationId xmlns:a16="http://schemas.microsoft.com/office/drawing/2014/main" id="{4D84FE51-BD8E-47EA-9463-CE02FEA31766}"/>
                   </a:ext>
                 </a:extLst>
               </p:cNvPr>
@@ -9854,7 +9859,7 @@
               <p:cNvPr id="49" name="Rectangle 5">
                 <a:extLst>
                   <a:ext uri="{FF2B5EF4-FFF2-40B4-BE49-F238E27FC236}">
-                    <a16:creationId xmlns="" xmlns:a16="http://schemas.microsoft.com/office/drawing/2014/main" id="{F5C8F037-C197-4219-AC87-3A81763512BC}"/>
+                    <a16:creationId xmlns:a16="http://schemas.microsoft.com/office/drawing/2014/main" id="{F5C8F037-C197-4219-AC87-3A81763512BC}"/>
                   </a:ext>
                 </a:extLst>
               </p:cNvPr>
@@ -9999,7 +10004,7 @@
               <p:cNvPr id="50" name="Arc 49">
                 <a:extLst>
                   <a:ext uri="{FF2B5EF4-FFF2-40B4-BE49-F238E27FC236}">
-                    <a16:creationId xmlns="" xmlns:a16="http://schemas.microsoft.com/office/drawing/2014/main" id="{786EE401-CF8E-439B-94A0-EE6F3A7D5798}"/>
+                    <a16:creationId xmlns:a16="http://schemas.microsoft.com/office/drawing/2014/main" id="{786EE401-CF8E-439B-94A0-EE6F3A7D5798}"/>
                   </a:ext>
                 </a:extLst>
               </p:cNvPr>
@@ -10058,7 +10063,7 @@
               <p:cNvPr id="51" name="Arc 50">
                 <a:extLst>
                   <a:ext uri="{FF2B5EF4-FFF2-40B4-BE49-F238E27FC236}">
-                    <a16:creationId xmlns="" xmlns:a16="http://schemas.microsoft.com/office/drawing/2014/main" id="{8D9ACD38-B3EB-4A63-9730-CBF0501BF235}"/>
+                    <a16:creationId xmlns:a16="http://schemas.microsoft.com/office/drawing/2014/main" id="{8D9ACD38-B3EB-4A63-9730-CBF0501BF235}"/>
                   </a:ext>
                 </a:extLst>
               </p:cNvPr>
@@ -10118,7 +10123,7 @@
             <p:cNvPr id="35" name="Rectangle: Rounded Corners 34">
               <a:extLst>
                 <a:ext uri="{FF2B5EF4-FFF2-40B4-BE49-F238E27FC236}">
-                  <a16:creationId xmlns="" xmlns:a16="http://schemas.microsoft.com/office/drawing/2014/main" id="{64EE493E-A353-4C75-A3B9-D48ABA2C57CC}"/>
+                  <a16:creationId xmlns:a16="http://schemas.microsoft.com/office/drawing/2014/main" id="{64EE493E-A353-4C75-A3B9-D48ABA2C57CC}"/>
                 </a:ext>
               </a:extLst>
             </p:cNvPr>
@@ -10172,7 +10177,7 @@
             <p:cNvPr id="36" name="Rectangle: Rounded Corners 35">
               <a:extLst>
                 <a:ext uri="{FF2B5EF4-FFF2-40B4-BE49-F238E27FC236}">
-                  <a16:creationId xmlns="" xmlns:a16="http://schemas.microsoft.com/office/drawing/2014/main" id="{718408B9-204E-42E3-9E79-33E047E869BC}"/>
+                  <a16:creationId xmlns:a16="http://schemas.microsoft.com/office/drawing/2014/main" id="{718408B9-204E-42E3-9E79-33E047E869BC}"/>
                 </a:ext>
               </a:extLst>
             </p:cNvPr>
@@ -10233,7 +10238,7 @@
             <p:cNvPr id="37" name="Straight Connector 36">
               <a:extLst>
                 <a:ext uri="{FF2B5EF4-FFF2-40B4-BE49-F238E27FC236}">
-                  <a16:creationId xmlns="" xmlns:a16="http://schemas.microsoft.com/office/drawing/2014/main" id="{0AB66D97-DF6F-4CD2-AF13-42B5C852F673}"/>
+                  <a16:creationId xmlns:a16="http://schemas.microsoft.com/office/drawing/2014/main" id="{0AB66D97-DF6F-4CD2-AF13-42B5C852F673}"/>
                 </a:ext>
               </a:extLst>
             </p:cNvPr>
@@ -10279,7 +10284,7 @@
             <p:cNvPr id="38" name="Straight Connector 37">
               <a:extLst>
                 <a:ext uri="{FF2B5EF4-FFF2-40B4-BE49-F238E27FC236}">
-                  <a16:creationId xmlns="" xmlns:a16="http://schemas.microsoft.com/office/drawing/2014/main" id="{F2AFBA69-C196-4703-8AAB-5F72A8EDCEB5}"/>
+                  <a16:creationId xmlns:a16="http://schemas.microsoft.com/office/drawing/2014/main" id="{F2AFBA69-C196-4703-8AAB-5F72A8EDCEB5}"/>
                 </a:ext>
               </a:extLst>
             </p:cNvPr>
@@ -10325,7 +10330,7 @@
             <p:cNvPr id="39" name="Group 38">
               <a:extLst>
                 <a:ext uri="{FF2B5EF4-FFF2-40B4-BE49-F238E27FC236}">
-                  <a16:creationId xmlns="" xmlns:a16="http://schemas.microsoft.com/office/drawing/2014/main" id="{9AFC66C1-0C1C-4332-9C4E-782574C896B8}"/>
+                  <a16:creationId xmlns:a16="http://schemas.microsoft.com/office/drawing/2014/main" id="{9AFC66C1-0C1C-4332-9C4E-782574C896B8}"/>
                 </a:ext>
               </a:extLst>
             </p:cNvPr>
@@ -10348,7 +10353,7 @@
               <p:cNvPr id="45" name="Straight Connector 44">
                 <a:extLst>
                   <a:ext uri="{FF2B5EF4-FFF2-40B4-BE49-F238E27FC236}">
-                    <a16:creationId xmlns="" xmlns:a16="http://schemas.microsoft.com/office/drawing/2014/main" id="{872CA8AD-EAF6-40BE-9DDE-ECDB4A980CA5}"/>
+                    <a16:creationId xmlns:a16="http://schemas.microsoft.com/office/drawing/2014/main" id="{872CA8AD-EAF6-40BE-9DDE-ECDB4A980CA5}"/>
                   </a:ext>
                 </a:extLst>
               </p:cNvPr>
@@ -10392,7 +10397,7 @@
               <p:cNvPr id="46" name="Straight Connector 45">
                 <a:extLst>
                   <a:ext uri="{FF2B5EF4-FFF2-40B4-BE49-F238E27FC236}">
-                    <a16:creationId xmlns="" xmlns:a16="http://schemas.microsoft.com/office/drawing/2014/main" id="{57DD3EC7-1A13-4AFE-BD6F-DA12C281FAFB}"/>
+                    <a16:creationId xmlns:a16="http://schemas.microsoft.com/office/drawing/2014/main" id="{57DD3EC7-1A13-4AFE-BD6F-DA12C281FAFB}"/>
                   </a:ext>
                 </a:extLst>
               </p:cNvPr>
@@ -10437,7 +10442,7 @@
             <p:cNvPr id="40" name="Straight Connector 39">
               <a:extLst>
                 <a:ext uri="{FF2B5EF4-FFF2-40B4-BE49-F238E27FC236}">
-                  <a16:creationId xmlns="" xmlns:a16="http://schemas.microsoft.com/office/drawing/2014/main" id="{E46151FA-19E9-4E84-A082-EDAC6F76EA9D}"/>
+                  <a16:creationId xmlns:a16="http://schemas.microsoft.com/office/drawing/2014/main" id="{E46151FA-19E9-4E84-A082-EDAC6F76EA9D}"/>
                 </a:ext>
               </a:extLst>
             </p:cNvPr>
@@ -10483,7 +10488,7 @@
             <p:cNvPr id="41" name="Rectangle: Rounded Corners 40">
               <a:extLst>
                 <a:ext uri="{FF2B5EF4-FFF2-40B4-BE49-F238E27FC236}">
-                  <a16:creationId xmlns="" xmlns:a16="http://schemas.microsoft.com/office/drawing/2014/main" id="{3423EEF0-5B70-4091-B2DA-0740D2609643}"/>
+                  <a16:creationId xmlns:a16="http://schemas.microsoft.com/office/drawing/2014/main" id="{3423EEF0-5B70-4091-B2DA-0740D2609643}"/>
                 </a:ext>
               </a:extLst>
             </p:cNvPr>
@@ -10537,7 +10542,7 @@
             <p:cNvPr id="42" name="Group 41">
               <a:extLst>
                 <a:ext uri="{FF2B5EF4-FFF2-40B4-BE49-F238E27FC236}">
-                  <a16:creationId xmlns="" xmlns:a16="http://schemas.microsoft.com/office/drawing/2014/main" id="{49A8AAA7-98E7-4224-B027-830FFCC285A3}"/>
+                  <a16:creationId xmlns:a16="http://schemas.microsoft.com/office/drawing/2014/main" id="{49A8AAA7-98E7-4224-B027-830FFCC285A3}"/>
                 </a:ext>
               </a:extLst>
             </p:cNvPr>
@@ -10560,7 +10565,7 @@
               <p:cNvPr id="43" name="Straight Connector 42">
                 <a:extLst>
                   <a:ext uri="{FF2B5EF4-FFF2-40B4-BE49-F238E27FC236}">
-                    <a16:creationId xmlns="" xmlns:a16="http://schemas.microsoft.com/office/drawing/2014/main" id="{2129EC38-471E-4685-973E-BA7A7F567C42}"/>
+                    <a16:creationId xmlns:a16="http://schemas.microsoft.com/office/drawing/2014/main" id="{2129EC38-471E-4685-973E-BA7A7F567C42}"/>
                   </a:ext>
                 </a:extLst>
               </p:cNvPr>
@@ -10604,7 +10609,7 @@
               <p:cNvPr id="44" name="Straight Connector 43">
                 <a:extLst>
                   <a:ext uri="{FF2B5EF4-FFF2-40B4-BE49-F238E27FC236}">
-                    <a16:creationId xmlns="" xmlns:a16="http://schemas.microsoft.com/office/drawing/2014/main" id="{678142BE-84C9-4834-B6CC-6623E401661C}"/>
+                    <a16:creationId xmlns:a16="http://schemas.microsoft.com/office/drawing/2014/main" id="{678142BE-84C9-4834-B6CC-6623E401661C}"/>
                   </a:ext>
                 </a:extLst>
               </p:cNvPr>
@@ -10648,18 +10653,18 @@
     </p:spTree>
     <p:extLst>
       <p:ext uri="{BB962C8B-B14F-4D97-AF65-F5344CB8AC3E}">
-        <p14:creationId xmlns="" xmlns:p14="http://schemas.microsoft.com/office/powerpoint/2010/main" val="1679651758"/>
+        <p14:creationId xmlns:p14="http://schemas.microsoft.com/office/powerpoint/2010/main" val="1679651758"/>
       </p:ext>
     </p:extLst>
   </p:cSld>
   <p:clrMapOvr>
     <a:masterClrMapping/>
   </p:clrMapOvr>
-  <mc:AlternateContent xmlns:mc="http://schemas.openxmlformats.org/markup-compatibility/2006">
-    <mc:Choice xmlns="" xmlns:p14="http://schemas.microsoft.com/office/powerpoint/2010/main" Requires="p14">
+  <mc:AlternateContent xmlns:mc="http://schemas.openxmlformats.org/markup-compatibility/2006" xmlns:p14="http://schemas.microsoft.com/office/powerpoint/2010/main">
+    <mc:Choice Requires="p14">
       <p:transition spd="slow" p14:dur="2000" advClick="0" advTm="5000"/>
     </mc:Choice>
-    <mc:Fallback>
+    <mc:Fallback xmlns="">
       <p:transition spd="slow" advClick="0" advTm="5000"/>
     </mc:Fallback>
   </mc:AlternateContent>
@@ -10688,7 +10693,7 @@
           <p:cNvPr id="5" name="Slide Number">
             <a:extLst>
               <a:ext uri="{FF2B5EF4-FFF2-40B4-BE49-F238E27FC236}">
-                <a16:creationId xmlns="" xmlns:a16="http://schemas.microsoft.com/office/drawing/2014/main" id="{F0B8C963-1813-4B69-AD27-6D02EBBBB569}"/>
+                <a16:creationId xmlns:a16="http://schemas.microsoft.com/office/drawing/2014/main" id="{F0B8C963-1813-4B69-AD27-6D02EBBBB569}"/>
               </a:ext>
             </a:extLst>
           </p:cNvPr>
@@ -10730,7 +10735,7 @@
           <p:cNvPr id="3" name="Rectangle Left">
             <a:extLst>
               <a:ext uri="{FF2B5EF4-FFF2-40B4-BE49-F238E27FC236}">
-                <a16:creationId xmlns="" xmlns:a16="http://schemas.microsoft.com/office/drawing/2014/main" id="{345FB1C8-7F66-4D5C-ACCE-AE919936BCFD}"/>
+                <a16:creationId xmlns:a16="http://schemas.microsoft.com/office/drawing/2014/main" id="{345FB1C8-7F66-4D5C-ACCE-AE919936BCFD}"/>
               </a:ext>
             </a:extLst>
           </p:cNvPr>
@@ -10811,7 +10816,7 @@
           <p:cNvPr id="7" name="Slide Body Text">
             <a:extLst>
               <a:ext uri="{FF2B5EF4-FFF2-40B4-BE49-F238E27FC236}">
-                <a16:creationId xmlns="" xmlns:a16="http://schemas.microsoft.com/office/drawing/2014/main" id="{7296EDA7-D37D-4B31-A888-371F0804124F}"/>
+                <a16:creationId xmlns:a16="http://schemas.microsoft.com/office/drawing/2014/main" id="{7296EDA7-D37D-4B31-A888-371F0804124F}"/>
               </a:ext>
             </a:extLst>
           </p:cNvPr>
@@ -10909,7 +10914,7 @@
           <p:cNvPr id="6" name="Slide Title">
             <a:extLst>
               <a:ext uri="{FF2B5EF4-FFF2-40B4-BE49-F238E27FC236}">
-                <a16:creationId xmlns="" xmlns:a16="http://schemas.microsoft.com/office/drawing/2014/main" id="{55A88B09-3557-48A3-BF27-42699C269215}"/>
+                <a16:creationId xmlns:a16="http://schemas.microsoft.com/office/drawing/2014/main" id="{55A88B09-3557-48A3-BF27-42699C269215}"/>
               </a:ext>
             </a:extLst>
           </p:cNvPr>
@@ -10946,7 +10951,7 @@
           <p:cNvPr id="28" name="Group 27">
             <a:extLst>
               <a:ext uri="{FF2B5EF4-FFF2-40B4-BE49-F238E27FC236}">
-                <a16:creationId xmlns="" xmlns:a16="http://schemas.microsoft.com/office/drawing/2014/main" id="{C4248838-4E67-439E-AE0A-0043D2CB04D6}"/>
+                <a16:creationId xmlns:a16="http://schemas.microsoft.com/office/drawing/2014/main" id="{C4248838-4E67-439E-AE0A-0043D2CB04D6}"/>
               </a:ext>
             </a:extLst>
           </p:cNvPr>
@@ -10966,7 +10971,7 @@
             <p:cNvPr id="29" name="Group 28">
               <a:extLst>
                 <a:ext uri="{FF2B5EF4-FFF2-40B4-BE49-F238E27FC236}">
-                  <a16:creationId xmlns="" xmlns:a16="http://schemas.microsoft.com/office/drawing/2014/main" id="{810CFD6A-2427-49D5-846A-5F93601D4184}"/>
+                  <a16:creationId xmlns:a16="http://schemas.microsoft.com/office/drawing/2014/main" id="{810CFD6A-2427-49D5-846A-5F93601D4184}"/>
                 </a:ext>
               </a:extLst>
             </p:cNvPr>
@@ -10986,7 +10991,7 @@
               <p:cNvPr id="42" name="Oval 41">
                 <a:extLst>
                   <a:ext uri="{FF2B5EF4-FFF2-40B4-BE49-F238E27FC236}">
-                    <a16:creationId xmlns="" xmlns:a16="http://schemas.microsoft.com/office/drawing/2014/main" id="{017B1AE5-5C36-4839-BA1F-B404EA44E701}"/>
+                    <a16:creationId xmlns:a16="http://schemas.microsoft.com/office/drawing/2014/main" id="{017B1AE5-5C36-4839-BA1F-B404EA44E701}"/>
                   </a:ext>
                 </a:extLst>
               </p:cNvPr>
@@ -11038,7 +11043,7 @@
               <p:cNvPr id="43" name="Rectangle 5">
                 <a:extLst>
                   <a:ext uri="{FF2B5EF4-FFF2-40B4-BE49-F238E27FC236}">
-                    <a16:creationId xmlns="" xmlns:a16="http://schemas.microsoft.com/office/drawing/2014/main" id="{FB963D79-BB49-4A1D-BA66-EA0670C79BAE}"/>
+                    <a16:creationId xmlns:a16="http://schemas.microsoft.com/office/drawing/2014/main" id="{FB963D79-BB49-4A1D-BA66-EA0670C79BAE}"/>
                   </a:ext>
                 </a:extLst>
               </p:cNvPr>
@@ -11183,7 +11188,7 @@
               <p:cNvPr id="44" name="Rectangle 5">
                 <a:extLst>
                   <a:ext uri="{FF2B5EF4-FFF2-40B4-BE49-F238E27FC236}">
-                    <a16:creationId xmlns="" xmlns:a16="http://schemas.microsoft.com/office/drawing/2014/main" id="{6D7746D8-B913-493B-AAE9-25BC6893D40E}"/>
+                    <a16:creationId xmlns:a16="http://schemas.microsoft.com/office/drawing/2014/main" id="{6D7746D8-B913-493B-AAE9-25BC6893D40E}"/>
                   </a:ext>
                 </a:extLst>
               </p:cNvPr>
@@ -11328,7 +11333,7 @@
               <p:cNvPr id="45" name="Arc 44">
                 <a:extLst>
                   <a:ext uri="{FF2B5EF4-FFF2-40B4-BE49-F238E27FC236}">
-                    <a16:creationId xmlns="" xmlns:a16="http://schemas.microsoft.com/office/drawing/2014/main" id="{29031C02-E965-417B-8799-96061B14F30D}"/>
+                    <a16:creationId xmlns:a16="http://schemas.microsoft.com/office/drawing/2014/main" id="{29031C02-E965-417B-8799-96061B14F30D}"/>
                   </a:ext>
                 </a:extLst>
               </p:cNvPr>
@@ -11387,7 +11392,7 @@
               <p:cNvPr id="46" name="Arc 45">
                 <a:extLst>
                   <a:ext uri="{FF2B5EF4-FFF2-40B4-BE49-F238E27FC236}">
-                    <a16:creationId xmlns="" xmlns:a16="http://schemas.microsoft.com/office/drawing/2014/main" id="{26BFD8A6-BC99-4B16-BA10-08A9E5C681C0}"/>
+                    <a16:creationId xmlns:a16="http://schemas.microsoft.com/office/drawing/2014/main" id="{26BFD8A6-BC99-4B16-BA10-08A9E5C681C0}"/>
                   </a:ext>
                 </a:extLst>
               </p:cNvPr>
@@ -11447,7 +11452,7 @@
             <p:cNvPr id="30" name="Rectangle: Rounded Corners 29">
               <a:extLst>
                 <a:ext uri="{FF2B5EF4-FFF2-40B4-BE49-F238E27FC236}">
-                  <a16:creationId xmlns="" xmlns:a16="http://schemas.microsoft.com/office/drawing/2014/main" id="{B310277F-A78E-4FB9-9EA9-88BE4F1D585B}"/>
+                  <a16:creationId xmlns:a16="http://schemas.microsoft.com/office/drawing/2014/main" id="{B310277F-A78E-4FB9-9EA9-88BE4F1D585B}"/>
                 </a:ext>
               </a:extLst>
             </p:cNvPr>
@@ -11501,7 +11506,7 @@
             <p:cNvPr id="31" name="Rectangle: Rounded Corners 30">
               <a:extLst>
                 <a:ext uri="{FF2B5EF4-FFF2-40B4-BE49-F238E27FC236}">
-                  <a16:creationId xmlns="" xmlns:a16="http://schemas.microsoft.com/office/drawing/2014/main" id="{A92CF92B-C212-4542-83AE-A0058B5BB5EA}"/>
+                  <a16:creationId xmlns:a16="http://schemas.microsoft.com/office/drawing/2014/main" id="{A92CF92B-C212-4542-83AE-A0058B5BB5EA}"/>
                 </a:ext>
               </a:extLst>
             </p:cNvPr>
@@ -11562,7 +11567,7 @@
             <p:cNvPr id="32" name="Straight Connector 31">
               <a:extLst>
                 <a:ext uri="{FF2B5EF4-FFF2-40B4-BE49-F238E27FC236}">
-                  <a16:creationId xmlns="" xmlns:a16="http://schemas.microsoft.com/office/drawing/2014/main" id="{563B4374-5C0D-461F-B3BD-78D99614D365}"/>
+                  <a16:creationId xmlns:a16="http://schemas.microsoft.com/office/drawing/2014/main" id="{563B4374-5C0D-461F-B3BD-78D99614D365}"/>
                 </a:ext>
               </a:extLst>
             </p:cNvPr>
@@ -11608,7 +11613,7 @@
             <p:cNvPr id="33" name="Straight Connector 32">
               <a:extLst>
                 <a:ext uri="{FF2B5EF4-FFF2-40B4-BE49-F238E27FC236}">
-                  <a16:creationId xmlns="" xmlns:a16="http://schemas.microsoft.com/office/drawing/2014/main" id="{FBC6FDE7-AEA1-4230-8433-4C088A0FF5F9}"/>
+                  <a16:creationId xmlns:a16="http://schemas.microsoft.com/office/drawing/2014/main" id="{FBC6FDE7-AEA1-4230-8433-4C088A0FF5F9}"/>
                 </a:ext>
               </a:extLst>
             </p:cNvPr>
@@ -11654,7 +11659,7 @@
             <p:cNvPr id="34" name="Group 33">
               <a:extLst>
                 <a:ext uri="{FF2B5EF4-FFF2-40B4-BE49-F238E27FC236}">
-                  <a16:creationId xmlns="" xmlns:a16="http://schemas.microsoft.com/office/drawing/2014/main" id="{C4D1021D-07C7-4331-8FF6-36980A30978B}"/>
+                  <a16:creationId xmlns:a16="http://schemas.microsoft.com/office/drawing/2014/main" id="{C4D1021D-07C7-4331-8FF6-36980A30978B}"/>
                 </a:ext>
               </a:extLst>
             </p:cNvPr>
@@ -11677,7 +11682,7 @@
               <p:cNvPr id="40" name="Straight Connector 39">
                 <a:extLst>
                   <a:ext uri="{FF2B5EF4-FFF2-40B4-BE49-F238E27FC236}">
-                    <a16:creationId xmlns="" xmlns:a16="http://schemas.microsoft.com/office/drawing/2014/main" id="{13B7FE99-95CF-45D5-966B-87A979B93431}"/>
+                    <a16:creationId xmlns:a16="http://schemas.microsoft.com/office/drawing/2014/main" id="{13B7FE99-95CF-45D5-966B-87A979B93431}"/>
                   </a:ext>
                 </a:extLst>
               </p:cNvPr>
@@ -11721,7 +11726,7 @@
               <p:cNvPr id="41" name="Straight Connector 40">
                 <a:extLst>
                   <a:ext uri="{FF2B5EF4-FFF2-40B4-BE49-F238E27FC236}">
-                    <a16:creationId xmlns="" xmlns:a16="http://schemas.microsoft.com/office/drawing/2014/main" id="{71BBA69B-19FF-4ADB-A739-AD8136A5F0A6}"/>
+                    <a16:creationId xmlns:a16="http://schemas.microsoft.com/office/drawing/2014/main" id="{71BBA69B-19FF-4ADB-A739-AD8136A5F0A6}"/>
                   </a:ext>
                 </a:extLst>
               </p:cNvPr>
@@ -11766,7 +11771,7 @@
             <p:cNvPr id="35" name="Straight Connector 34">
               <a:extLst>
                 <a:ext uri="{FF2B5EF4-FFF2-40B4-BE49-F238E27FC236}">
-                  <a16:creationId xmlns="" xmlns:a16="http://schemas.microsoft.com/office/drawing/2014/main" id="{BFD1D86B-562B-40B2-8E46-34233EFEE7FC}"/>
+                  <a16:creationId xmlns:a16="http://schemas.microsoft.com/office/drawing/2014/main" id="{BFD1D86B-562B-40B2-8E46-34233EFEE7FC}"/>
                 </a:ext>
               </a:extLst>
             </p:cNvPr>
@@ -11812,7 +11817,7 @@
             <p:cNvPr id="36" name="Rectangle: Rounded Corners 35">
               <a:extLst>
                 <a:ext uri="{FF2B5EF4-FFF2-40B4-BE49-F238E27FC236}">
-                  <a16:creationId xmlns="" xmlns:a16="http://schemas.microsoft.com/office/drawing/2014/main" id="{388C17BD-16A1-43C5-BFFA-2FF9174719E1}"/>
+                  <a16:creationId xmlns:a16="http://schemas.microsoft.com/office/drawing/2014/main" id="{388C17BD-16A1-43C5-BFFA-2FF9174719E1}"/>
                 </a:ext>
               </a:extLst>
             </p:cNvPr>
@@ -11866,7 +11871,7 @@
             <p:cNvPr id="37" name="Group 36">
               <a:extLst>
                 <a:ext uri="{FF2B5EF4-FFF2-40B4-BE49-F238E27FC236}">
-                  <a16:creationId xmlns="" xmlns:a16="http://schemas.microsoft.com/office/drawing/2014/main" id="{1B3B910E-ACFC-4F28-8E28-F02E1588B87E}"/>
+                  <a16:creationId xmlns:a16="http://schemas.microsoft.com/office/drawing/2014/main" id="{1B3B910E-ACFC-4F28-8E28-F02E1588B87E}"/>
                 </a:ext>
               </a:extLst>
             </p:cNvPr>
@@ -11889,7 +11894,7 @@
               <p:cNvPr id="38" name="Straight Connector 37">
                 <a:extLst>
                   <a:ext uri="{FF2B5EF4-FFF2-40B4-BE49-F238E27FC236}">
-                    <a16:creationId xmlns="" xmlns:a16="http://schemas.microsoft.com/office/drawing/2014/main" id="{F57772B6-06C0-4F54-AA94-D3F92DA4716A}"/>
+                    <a16:creationId xmlns:a16="http://schemas.microsoft.com/office/drawing/2014/main" id="{F57772B6-06C0-4F54-AA94-D3F92DA4716A}"/>
                   </a:ext>
                 </a:extLst>
               </p:cNvPr>
@@ -11933,7 +11938,7 @@
               <p:cNvPr id="39" name="Straight Connector 38">
                 <a:extLst>
                   <a:ext uri="{FF2B5EF4-FFF2-40B4-BE49-F238E27FC236}">
-                    <a16:creationId xmlns="" xmlns:a16="http://schemas.microsoft.com/office/drawing/2014/main" id="{23370C1F-7876-4278-AB20-78F6CAA385E2}"/>
+                    <a16:creationId xmlns:a16="http://schemas.microsoft.com/office/drawing/2014/main" id="{23370C1F-7876-4278-AB20-78F6CAA385E2}"/>
                   </a:ext>
                 </a:extLst>
               </p:cNvPr>
@@ -11977,18 +11982,18 @@
     </p:spTree>
     <p:extLst>
       <p:ext uri="{BB962C8B-B14F-4D97-AF65-F5344CB8AC3E}">
-        <p14:creationId xmlns="" xmlns:p14="http://schemas.microsoft.com/office/powerpoint/2010/main" val="3284562556"/>
+        <p14:creationId xmlns:p14="http://schemas.microsoft.com/office/powerpoint/2010/main" val="3284562556"/>
       </p:ext>
     </p:extLst>
   </p:cSld>
   <p:clrMapOvr>
     <a:masterClrMapping/>
   </p:clrMapOvr>
-  <mc:AlternateContent xmlns:mc="http://schemas.openxmlformats.org/markup-compatibility/2006">
-    <mc:Choice xmlns="" xmlns:p14="http://schemas.microsoft.com/office/powerpoint/2010/main" Requires="p14">
+  <mc:AlternateContent xmlns:mc="http://schemas.openxmlformats.org/markup-compatibility/2006" xmlns:p14="http://schemas.microsoft.com/office/powerpoint/2010/main">
+    <mc:Choice Requires="p14">
       <p:transition spd="slow" p14:dur="2000" advClick="0" advTm="5000"/>
     </mc:Choice>
-    <mc:Fallback>
+    <mc:Fallback xmlns="">
       <p:transition spd="slow" advClick="0" advTm="5000"/>
     </mc:Fallback>
   </mc:AlternateContent>
@@ -12017,7 +12022,7 @@
           <p:cNvPr id="8" name="Slide Number">
             <a:extLst>
               <a:ext uri="{FF2B5EF4-FFF2-40B4-BE49-F238E27FC236}">
-                <a16:creationId xmlns="" xmlns:a16="http://schemas.microsoft.com/office/drawing/2014/main" id="{509D954E-A844-4072-A556-DE584BEB9321}"/>
+                <a16:creationId xmlns:a16="http://schemas.microsoft.com/office/drawing/2014/main" id="{509D954E-A844-4072-A556-DE584BEB9321}"/>
               </a:ext>
             </a:extLst>
           </p:cNvPr>
@@ -12059,7 +12064,7 @@
           <p:cNvPr id="6" name="Code Box">
             <a:extLst>
               <a:ext uri="{FF2B5EF4-FFF2-40B4-BE49-F238E27FC236}">
-                <a16:creationId xmlns="" xmlns:a16="http://schemas.microsoft.com/office/drawing/2014/main" id="{3278A82F-5546-4977-9F75-2A933B415945}"/>
+                <a16:creationId xmlns:a16="http://schemas.microsoft.com/office/drawing/2014/main" id="{3278A82F-5546-4977-9F75-2A933B415945}"/>
               </a:ext>
             </a:extLst>
           </p:cNvPr>
@@ -12146,7 +12151,7 @@
           <p:cNvPr id="21" name="Slide Body Text">
             <a:extLst>
               <a:ext uri="{FF2B5EF4-FFF2-40B4-BE49-F238E27FC236}">
-                <a16:creationId xmlns="" xmlns:a16="http://schemas.microsoft.com/office/drawing/2014/main" id="{04F318BE-2BAD-4677-871C-D78A4BF0CBA6}"/>
+                <a16:creationId xmlns:a16="http://schemas.microsoft.com/office/drawing/2014/main" id="{04F318BE-2BAD-4677-871C-D78A4BF0CBA6}"/>
               </a:ext>
             </a:extLst>
           </p:cNvPr>
@@ -12193,7 +12198,7 @@
           <p:cNvPr id="9" name="Rectangle Top">
             <a:extLst>
               <a:ext uri="{FF2B5EF4-FFF2-40B4-BE49-F238E27FC236}">
-                <a16:creationId xmlns="" xmlns:a16="http://schemas.microsoft.com/office/drawing/2014/main" id="{A15CE03A-0933-4E5D-9EA1-718D4F802FFC}"/>
+                <a16:creationId xmlns:a16="http://schemas.microsoft.com/office/drawing/2014/main" id="{A15CE03A-0933-4E5D-9EA1-718D4F802FFC}"/>
               </a:ext>
             </a:extLst>
           </p:cNvPr>
@@ -12274,7 +12279,7 @@
           <p:cNvPr id="10" name="Logo Software University" descr="Software University logo">
             <a:extLst>
               <a:ext uri="{FF2B5EF4-FFF2-40B4-BE49-F238E27FC236}">
-                <a16:creationId xmlns="" xmlns:a16="http://schemas.microsoft.com/office/drawing/2014/main" id="{8C01D7AF-7CBD-46E1-99F3-8EB60E838D91}"/>
+                <a16:creationId xmlns:a16="http://schemas.microsoft.com/office/drawing/2014/main" id="{8C01D7AF-7CBD-46E1-99F3-8EB60E838D91}"/>
               </a:ext>
             </a:extLst>
           </p:cNvPr>
@@ -12287,7 +12292,7 @@
           <a:blip r:embed="rId2" cstate="print">
             <a:extLst>
               <a:ext uri="{28A0092B-C50C-407E-A947-70E740481C1C}">
-                <a14:useLocalDpi xmlns="" xmlns:a14="http://schemas.microsoft.com/office/drawing/2010/main" val="0"/>
+                <a14:useLocalDpi xmlns:a14="http://schemas.microsoft.com/office/drawing/2010/main" val="0"/>
               </a:ext>
             </a:extLst>
           </a:blip>
@@ -12310,7 +12315,7 @@
           <p:cNvPr id="11" name="Slide Title">
             <a:extLst>
               <a:ext uri="{FF2B5EF4-FFF2-40B4-BE49-F238E27FC236}">
-                <a16:creationId xmlns="" xmlns:a16="http://schemas.microsoft.com/office/drawing/2014/main" id="{47D60833-F0A9-4F29-8C06-A963A7C8BE93}"/>
+                <a16:creationId xmlns:a16="http://schemas.microsoft.com/office/drawing/2014/main" id="{47D60833-F0A9-4F29-8C06-A963A7C8BE93}"/>
               </a:ext>
             </a:extLst>
           </p:cNvPr>
@@ -12349,18 +12354,18 @@
     </p:spTree>
     <p:extLst>
       <p:ext uri="{BB962C8B-B14F-4D97-AF65-F5344CB8AC3E}">
-        <p14:creationId xmlns="" xmlns:p14="http://schemas.microsoft.com/office/powerpoint/2010/main" val="1000829826"/>
+        <p14:creationId xmlns:p14="http://schemas.microsoft.com/office/powerpoint/2010/main" val="1000829826"/>
       </p:ext>
     </p:extLst>
   </p:cSld>
   <p:clrMapOvr>
     <a:masterClrMapping/>
   </p:clrMapOvr>
-  <mc:AlternateContent xmlns:mc="http://schemas.openxmlformats.org/markup-compatibility/2006">
-    <mc:Choice xmlns="" xmlns:p14="http://schemas.microsoft.com/office/powerpoint/2010/main" Requires="p14">
+  <mc:AlternateContent xmlns:mc="http://schemas.openxmlformats.org/markup-compatibility/2006" xmlns:p14="http://schemas.microsoft.com/office/powerpoint/2010/main">
+    <mc:Choice Requires="p14">
       <p:transition spd="slow" p14:dur="2000" advClick="0" advTm="5000"/>
     </mc:Choice>
-    <mc:Fallback>
+    <mc:Fallback xmlns="">
       <p:transition spd="slow" advClick="0" advTm="5000"/>
     </mc:Fallback>
   </mc:AlternateContent>
@@ -12389,7 +12394,7 @@
           <p:cNvPr id="10" name="Slide Number">
             <a:extLst>
               <a:ext uri="{FF2B5EF4-FFF2-40B4-BE49-F238E27FC236}">
-                <a16:creationId xmlns="" xmlns:a16="http://schemas.microsoft.com/office/drawing/2014/main" id="{39DDE17E-5472-41F3-AF5F-54DFF10DC63C}"/>
+                <a16:creationId xmlns:a16="http://schemas.microsoft.com/office/drawing/2014/main" id="{39DDE17E-5472-41F3-AF5F-54DFF10DC63C}"/>
               </a:ext>
             </a:extLst>
           </p:cNvPr>
@@ -12431,7 +12436,7 @@
           <p:cNvPr id="9" name="Picture SoftUni Mascot" descr="SoftUni mascot with laptop">
             <a:extLst>
               <a:ext uri="{FF2B5EF4-FFF2-40B4-BE49-F238E27FC236}">
-                <a16:creationId xmlns="" xmlns:a16="http://schemas.microsoft.com/office/drawing/2014/main" id="{DC4365F6-D2C1-47B4-8477-38FD2C7711AA}"/>
+                <a16:creationId xmlns:a16="http://schemas.microsoft.com/office/drawing/2014/main" id="{DC4365F6-D2C1-47B4-8477-38FD2C7711AA}"/>
               </a:ext>
             </a:extLst>
           </p:cNvPr>
@@ -12444,7 +12449,7 @@
           <a:blip r:embed="rId2" cstate="print">
             <a:extLst>
               <a:ext uri="{28A0092B-C50C-407E-A947-70E740481C1C}">
-                <a14:useLocalDpi xmlns="" xmlns:a14="http://schemas.microsoft.com/office/drawing/2010/main" val="0"/>
+                <a14:useLocalDpi xmlns:a14="http://schemas.microsoft.com/office/drawing/2010/main" val="0"/>
               </a:ext>
             </a:extLst>
           </a:blip>
@@ -12467,7 +12472,7 @@
           <p:cNvPr id="23" name="Slide Body Text">
             <a:extLst>
               <a:ext uri="{FF2B5EF4-FFF2-40B4-BE49-F238E27FC236}">
-                <a16:creationId xmlns="" xmlns:a16="http://schemas.microsoft.com/office/drawing/2014/main" id="{889D93F4-ABFA-46BF-8E5D-FE6562ACB20F}"/>
+                <a16:creationId xmlns:a16="http://schemas.microsoft.com/office/drawing/2014/main" id="{889D93F4-ABFA-46BF-8E5D-FE6562ACB20F}"/>
               </a:ext>
             </a:extLst>
           </p:cNvPr>
@@ -12558,7 +12563,7 @@
           <p:cNvPr id="8" name="Rectangle Top">
             <a:extLst>
               <a:ext uri="{FF2B5EF4-FFF2-40B4-BE49-F238E27FC236}">
-                <a16:creationId xmlns="" xmlns:a16="http://schemas.microsoft.com/office/drawing/2014/main" id="{930E0800-9260-4369-8330-8264DD33C5CE}"/>
+                <a16:creationId xmlns:a16="http://schemas.microsoft.com/office/drawing/2014/main" id="{930E0800-9260-4369-8330-8264DD33C5CE}"/>
               </a:ext>
             </a:extLst>
           </p:cNvPr>
@@ -12639,7 +12644,7 @@
           <p:cNvPr id="11" name="Logo Software University" descr="Software University logo">
             <a:extLst>
               <a:ext uri="{FF2B5EF4-FFF2-40B4-BE49-F238E27FC236}">
-                <a16:creationId xmlns="" xmlns:a16="http://schemas.microsoft.com/office/drawing/2014/main" id="{14F779A7-4A91-448B-BEFA-956C70A1C22F}"/>
+                <a16:creationId xmlns:a16="http://schemas.microsoft.com/office/drawing/2014/main" id="{14F779A7-4A91-448B-BEFA-956C70A1C22F}"/>
               </a:ext>
             </a:extLst>
           </p:cNvPr>
@@ -12652,7 +12657,7 @@
           <a:blip r:embed="rId3" cstate="print">
             <a:extLst>
               <a:ext uri="{28A0092B-C50C-407E-A947-70E740481C1C}">
-                <a14:useLocalDpi xmlns="" xmlns:a14="http://schemas.microsoft.com/office/drawing/2010/main" val="0"/>
+                <a14:useLocalDpi xmlns:a14="http://schemas.microsoft.com/office/drawing/2010/main" val="0"/>
               </a:ext>
             </a:extLst>
           </a:blip>
@@ -12675,7 +12680,7 @@
           <p:cNvPr id="13" name="Slide Title">
             <a:extLst>
               <a:ext uri="{FF2B5EF4-FFF2-40B4-BE49-F238E27FC236}">
-                <a16:creationId xmlns="" xmlns:a16="http://schemas.microsoft.com/office/drawing/2014/main" id="{357D7BE1-6358-42CC-94F3-7BCDD91DCB6D}"/>
+                <a16:creationId xmlns:a16="http://schemas.microsoft.com/office/drawing/2014/main" id="{357D7BE1-6358-42CC-94F3-7BCDD91DCB6D}"/>
               </a:ext>
             </a:extLst>
           </p:cNvPr>
@@ -12714,18 +12719,18 @@
     </p:spTree>
     <p:extLst>
       <p:ext uri="{BB962C8B-B14F-4D97-AF65-F5344CB8AC3E}">
-        <p14:creationId xmlns="" xmlns:p14="http://schemas.microsoft.com/office/powerpoint/2010/main" val="1028724482"/>
+        <p14:creationId xmlns:p14="http://schemas.microsoft.com/office/powerpoint/2010/main" val="1028724482"/>
       </p:ext>
     </p:extLst>
   </p:cSld>
   <p:clrMapOvr>
     <a:masterClrMapping/>
   </p:clrMapOvr>
-  <mc:AlternateContent xmlns:mc="http://schemas.openxmlformats.org/markup-compatibility/2006">
-    <mc:Choice xmlns="" xmlns:p14="http://schemas.microsoft.com/office/powerpoint/2010/main" Requires="p14">
+  <mc:AlternateContent xmlns:mc="http://schemas.openxmlformats.org/markup-compatibility/2006" xmlns:p14="http://schemas.microsoft.com/office/powerpoint/2010/main">
+    <mc:Choice Requires="p14">
       <p:transition spd="slow" p14:dur="2000" advClick="0" advTm="5000"/>
     </mc:Choice>
-    <mc:Fallback>
+    <mc:Fallback xmlns="">
       <p:transition spd="slow" advClick="0" advTm="5000"/>
     </mc:Fallback>
   </mc:AlternateContent>
@@ -12834,7 +12839,7 @@
           <p:cNvPr id="11" name="Slide Number">
             <a:extLst>
               <a:ext uri="{FF2B5EF4-FFF2-40B4-BE49-F238E27FC236}">
-                <a16:creationId xmlns="" xmlns:a16="http://schemas.microsoft.com/office/drawing/2014/main" id="{6750ECE4-94E0-469B-B8E4-562792823B0F}"/>
+                <a16:creationId xmlns:a16="http://schemas.microsoft.com/office/drawing/2014/main" id="{6750ECE4-94E0-469B-B8E4-562792823B0F}"/>
               </a:ext>
             </a:extLst>
           </p:cNvPr>
@@ -12957,7 +12962,7 @@
           <p:cNvPr id="12" name="Logo Software University Down" descr="Software University logo">
             <a:extLst>
               <a:ext uri="{FF2B5EF4-FFF2-40B4-BE49-F238E27FC236}">
-                <a16:creationId xmlns="" xmlns:a16="http://schemas.microsoft.com/office/drawing/2014/main" id="{7028D2F0-1E67-414B-A93D-D3F8F131A132}"/>
+                <a16:creationId xmlns:a16="http://schemas.microsoft.com/office/drawing/2014/main" id="{7028D2F0-1E67-414B-A93D-D3F8F131A132}"/>
               </a:ext>
             </a:extLst>
           </p:cNvPr>
@@ -12970,7 +12975,7 @@
           <a:blip r:embed="rId2" cstate="print">
             <a:extLst>
               <a:ext uri="{28A0092B-C50C-407E-A947-70E740481C1C}">
-                <a14:useLocalDpi xmlns="" xmlns:a14="http://schemas.microsoft.com/office/drawing/2010/main" val="0"/>
+                <a14:useLocalDpi xmlns:a14="http://schemas.microsoft.com/office/drawing/2010/main" val="0"/>
               </a:ext>
             </a:extLst>
           </a:blip>
@@ -12993,7 +12998,7 @@
           <p:cNvPr id="10" name="Text Placeholder Right">
             <a:extLst>
               <a:ext uri="{FF2B5EF4-FFF2-40B4-BE49-F238E27FC236}">
-                <a16:creationId xmlns="" xmlns:a16="http://schemas.microsoft.com/office/drawing/2014/main" id="{AF69A59F-C564-4A04-B1CC-31C261499991}"/>
+                <a16:creationId xmlns:a16="http://schemas.microsoft.com/office/drawing/2014/main" id="{AF69A59F-C564-4A04-B1CC-31C261499991}"/>
               </a:ext>
             </a:extLst>
           </p:cNvPr>
@@ -13071,7 +13076,7 @@
           <p:cNvPr id="9" name="Text Placeholder Left">
             <a:extLst>
               <a:ext uri="{FF2B5EF4-FFF2-40B4-BE49-F238E27FC236}">
-                <a16:creationId xmlns="" xmlns:a16="http://schemas.microsoft.com/office/drawing/2014/main" id="{C8A626D2-456B-41EF-9818-EA8DD7E314DA}"/>
+                <a16:creationId xmlns:a16="http://schemas.microsoft.com/office/drawing/2014/main" id="{C8A626D2-456B-41EF-9818-EA8DD7E314DA}"/>
               </a:ext>
             </a:extLst>
           </p:cNvPr>
@@ -13149,7 +13154,7 @@
           <p:cNvPr id="13" name="Rectangle Top">
             <a:extLst>
               <a:ext uri="{FF2B5EF4-FFF2-40B4-BE49-F238E27FC236}">
-                <a16:creationId xmlns="" xmlns:a16="http://schemas.microsoft.com/office/drawing/2014/main" id="{E03301DA-D0AF-46FD-8740-2F761250203A}"/>
+                <a16:creationId xmlns:a16="http://schemas.microsoft.com/office/drawing/2014/main" id="{E03301DA-D0AF-46FD-8740-2F761250203A}"/>
               </a:ext>
             </a:extLst>
           </p:cNvPr>
@@ -13230,7 +13235,7 @@
           <p:cNvPr id="14" name="Logo Software University" descr="Software University logo">
             <a:extLst>
               <a:ext uri="{FF2B5EF4-FFF2-40B4-BE49-F238E27FC236}">
-                <a16:creationId xmlns="" xmlns:a16="http://schemas.microsoft.com/office/drawing/2014/main" id="{19A67BB9-D880-4EAD-B90E-89C4219BFC0B}"/>
+                <a16:creationId xmlns:a16="http://schemas.microsoft.com/office/drawing/2014/main" id="{19A67BB9-D880-4EAD-B90E-89C4219BFC0B}"/>
               </a:ext>
             </a:extLst>
           </p:cNvPr>
@@ -13243,7 +13248,7 @@
           <a:blip r:embed="rId3" cstate="print">
             <a:extLst>
               <a:ext uri="{28A0092B-C50C-407E-A947-70E740481C1C}">
-                <a14:useLocalDpi xmlns="" xmlns:a14="http://schemas.microsoft.com/office/drawing/2010/main" val="0"/>
+                <a14:useLocalDpi xmlns:a14="http://schemas.microsoft.com/office/drawing/2010/main" val="0"/>
               </a:ext>
             </a:extLst>
           </a:blip>
@@ -13266,7 +13271,7 @@
           <p:cNvPr id="15" name="Slide Title">
             <a:extLst>
               <a:ext uri="{FF2B5EF4-FFF2-40B4-BE49-F238E27FC236}">
-                <a16:creationId xmlns="" xmlns:a16="http://schemas.microsoft.com/office/drawing/2014/main" id="{EA9A94D1-F9F6-4D7B-85E3-896A987B6A4D}"/>
+                <a16:creationId xmlns:a16="http://schemas.microsoft.com/office/drawing/2014/main" id="{EA9A94D1-F9F6-4D7B-85E3-896A987B6A4D}"/>
               </a:ext>
             </a:extLst>
           </p:cNvPr>
@@ -13305,24 +13310,24 @@
     </p:spTree>
     <p:extLst>
       <p:ext uri="{BB962C8B-B14F-4D97-AF65-F5344CB8AC3E}">
-        <p14:creationId xmlns="" xmlns:p14="http://schemas.microsoft.com/office/powerpoint/2010/main" val="3044033461"/>
+        <p14:creationId xmlns:p14="http://schemas.microsoft.com/office/powerpoint/2010/main" val="3044033461"/>
       </p:ext>
     </p:extLst>
   </p:cSld>
   <p:clrMapOvr>
     <a:masterClrMapping/>
   </p:clrMapOvr>
-  <mc:AlternateContent xmlns:mc="http://schemas.openxmlformats.org/markup-compatibility/2006">
-    <mc:Choice xmlns="" xmlns:p14="http://schemas.microsoft.com/office/powerpoint/2010/main" Requires="p14">
+  <mc:AlternateContent xmlns:mc="http://schemas.openxmlformats.org/markup-compatibility/2006" xmlns:p14="http://schemas.microsoft.com/office/powerpoint/2010/main">
+    <mc:Choice Requires="p14">
       <p:transition spd="slow" p14:dur="2000" advClick="0" advTm="5000"/>
     </mc:Choice>
-    <mc:Fallback>
+    <mc:Fallback xmlns="">
       <p:transition spd="slow" advClick="0" advTm="5000"/>
     </mc:Fallback>
   </mc:AlternateContent>
   <p:extLst>
     <p:ext uri="{DCECCB84-F9BA-43D5-87BE-67443E8EF086}">
-      <p15:sldGuideLst xmlns="" xmlns:p15="http://schemas.microsoft.com/office/powerpoint/2012/main">
+      <p15:sldGuideLst xmlns:p15="http://schemas.microsoft.com/office/powerpoint/2012/main">
         <p15:guide id="1" orient="horz" pos="2160">
           <p15:clr>
             <a:srgbClr val="FBAE40"/>
@@ -13369,7 +13374,7 @@
           <p:cNvPr id="4" name="Picture Background" descr="SoftUni Background">
             <a:extLst>
               <a:ext uri="{FF2B5EF4-FFF2-40B4-BE49-F238E27FC236}">
-                <a16:creationId xmlns="" xmlns:a16="http://schemas.microsoft.com/office/drawing/2014/main" id="{5BE90A63-DDD9-4B3B-A234-DF69B9BC812F}"/>
+                <a16:creationId xmlns:a16="http://schemas.microsoft.com/office/drawing/2014/main" id="{5BE90A63-DDD9-4B3B-A234-DF69B9BC812F}"/>
               </a:ext>
             </a:extLst>
           </p:cNvPr>
@@ -13398,7 +13403,7 @@
           <p:cNvPr id="11" name="Slide Body Text">
             <a:extLst>
               <a:ext uri="{FF2B5EF4-FFF2-40B4-BE49-F238E27FC236}">
-                <a16:creationId xmlns="" xmlns:a16="http://schemas.microsoft.com/office/drawing/2014/main" id="{90CBFB32-9F46-4F2F-8A54-9EE8BED27855}"/>
+                <a16:creationId xmlns:a16="http://schemas.microsoft.com/office/drawing/2014/main" id="{90CBFB32-9F46-4F2F-8A54-9EE8BED27855}"/>
               </a:ext>
             </a:extLst>
           </p:cNvPr>
@@ -13466,7 +13471,7 @@
           <p:cNvPr id="10" name="Slide Title">
             <a:extLst>
               <a:ext uri="{FF2B5EF4-FFF2-40B4-BE49-F238E27FC236}">
-                <a16:creationId xmlns="" xmlns:a16="http://schemas.microsoft.com/office/drawing/2014/main" id="{B770C392-3003-4C35-9625-BB041F8257BA}"/>
+                <a16:creationId xmlns:a16="http://schemas.microsoft.com/office/drawing/2014/main" id="{B770C392-3003-4C35-9625-BB041F8257BA}"/>
               </a:ext>
             </a:extLst>
           </p:cNvPr>
@@ -13503,7 +13508,7 @@
     </p:spTree>
     <p:extLst>
       <p:ext uri="{BB962C8B-B14F-4D97-AF65-F5344CB8AC3E}">
-        <p14:creationId xmlns="" xmlns:p14="http://schemas.microsoft.com/office/powerpoint/2010/main" val="156789181"/>
+        <p14:creationId xmlns:p14="http://schemas.microsoft.com/office/powerpoint/2010/main" val="156789181"/>
       </p:ext>
     </p:extLst>
   </p:cSld>
@@ -13526,11 +13531,11 @@
     <p:sldLayoutId id="2147483695" r:id="rId15"/>
     <p:sldLayoutId id="2147483696" r:id="rId16"/>
   </p:sldLayoutIdLst>
-  <mc:AlternateContent xmlns:mc="http://schemas.openxmlformats.org/markup-compatibility/2006">
-    <mc:Choice xmlns="" xmlns:p14="http://schemas.microsoft.com/office/powerpoint/2010/main" Requires="p14">
+  <mc:AlternateContent xmlns:mc="http://schemas.openxmlformats.org/markup-compatibility/2006" xmlns:p14="http://schemas.microsoft.com/office/powerpoint/2010/main">
+    <mc:Choice Requires="p14">
       <p:transition spd="slow" p14:dur="2000" advClick="0" advTm="5000"/>
     </mc:Choice>
-    <mc:Fallback>
+    <mc:Fallback xmlns="">
       <p:transition spd="slow" advClick="0" advTm="5000"/>
     </mc:Fallback>
   </mc:AlternateContent>
@@ -13817,7 +13822,7 @@
   </p:txStyles>
   <p:extLst>
     <p:ext uri="{27BBF7A9-308A-43DC-89C8-2F10F3537804}">
-      <p15:sldGuideLst xmlns="" xmlns:p15="http://schemas.microsoft.com/office/powerpoint/2012/main">
+      <p15:sldGuideLst xmlns:p15="http://schemas.microsoft.com/office/powerpoint/2012/main">
         <p15:guide id="1" orient="horz" pos="2160">
           <p15:clr>
             <a:srgbClr val="F26B43"/>
@@ -13913,7 +13918,7 @@
           <p:cNvPr id="10" name="Author Position">
             <a:extLst>
               <a:ext uri="{FF2B5EF4-FFF2-40B4-BE49-F238E27FC236}">
-                <a16:creationId xmlns="" xmlns:a16="http://schemas.microsoft.com/office/drawing/2014/main" id="{F585BC4C-0F13-4FD4-8F23-99FD46618370}"/>
+                <a16:creationId xmlns:a16="http://schemas.microsoft.com/office/drawing/2014/main" id="{F585BC4C-0F13-4FD4-8F23-99FD46618370}"/>
               </a:ext>
             </a:extLst>
           </p:cNvPr>
@@ -13946,7 +13951,7 @@
           <p:cNvPr id="9" name="Author Name">
             <a:extLst>
               <a:ext uri="{FF2B5EF4-FFF2-40B4-BE49-F238E27FC236}">
-                <a16:creationId xmlns="" xmlns:a16="http://schemas.microsoft.com/office/drawing/2014/main" id="{FA396BB6-2053-4690-9672-BC528007D370}"/>
+                <a16:creationId xmlns:a16="http://schemas.microsoft.com/office/drawing/2014/main" id="{FA396BB6-2053-4690-9672-BC528007D370}"/>
               </a:ext>
             </a:extLst>
           </p:cNvPr>
@@ -13979,7 +13984,7 @@
           <p:cNvPr id="3" name="Presentation Subtitle">
             <a:extLst>
               <a:ext uri="{FF2B5EF4-FFF2-40B4-BE49-F238E27FC236}">
-                <a16:creationId xmlns="" xmlns:a16="http://schemas.microsoft.com/office/drawing/2014/main" id="{A004DC04-DA2A-41C0-8578-4B8D2F08EA7D}"/>
+                <a16:creationId xmlns:a16="http://schemas.microsoft.com/office/drawing/2014/main" id="{A004DC04-DA2A-41C0-8578-4B8D2F08EA7D}"/>
               </a:ext>
             </a:extLst>
           </p:cNvPr>
@@ -14003,7 +14008,7 @@
           <a:lstStyle/>
           <a:p>
             <a:r>
-              <a:rPr lang="bg-BG" dirty="0" smtClean="0"/>
+              <a:rPr lang="bg-BG" dirty="0"/>
               <a:t>Създаване на таблици. Импортиране на данни. Заявки, формуляри и отчети</a:t>
             </a:r>
             <a:endParaRPr lang="en-US" dirty="0"/>
@@ -14015,7 +14020,7 @@
           <p:cNvPr id="16" name="Title 15">
             <a:extLst>
               <a:ext uri="{FF2B5EF4-FFF2-40B4-BE49-F238E27FC236}">
-                <a16:creationId xmlns="" xmlns:a16="http://schemas.microsoft.com/office/drawing/2014/main" id="{09D526E5-16F9-CDC3-F025-1D308EB5C234}"/>
+                <a16:creationId xmlns:a16="http://schemas.microsoft.com/office/drawing/2014/main" id="{09D526E5-16F9-CDC3-F025-1D308EB5C234}"/>
               </a:ext>
             </a:extLst>
           </p:cNvPr>
@@ -14039,11 +14044,11 @@
           <a:lstStyle/>
           <a:p>
             <a:r>
-              <a:rPr lang="ru-RU" sz="4400" dirty="0" smtClean="0"/>
+              <a:rPr lang="ru-RU" sz="4400" dirty="0"/>
               <a:t>Работа с </a:t>
             </a:r>
             <a:r>
-              <a:rPr lang="en-US" sz="4400" dirty="0" smtClean="0"/>
+              <a:rPr lang="en-US" sz="4400" dirty="0"/>
               <a:t>MS Access</a:t>
             </a:r>
             <a:endParaRPr lang="bg-BG" sz="4400" dirty="0"/>
@@ -14079,28 +14084,21 @@
     </p:spTree>
     <p:extLst>
       <p:ext uri="{BB962C8B-B14F-4D97-AF65-F5344CB8AC3E}">
-        <p14:creationId xmlns="" xmlns:p14="http://schemas.microsoft.com/office/powerpoint/2010/main" val="3666405375"/>
+        <p14:creationId xmlns:p14="http://schemas.microsoft.com/office/powerpoint/2010/main" val="3666405375"/>
       </p:ext>
     </p:extLst>
   </p:cSld>
   <p:clrMapOvr>
     <a:masterClrMapping/>
   </p:clrMapOvr>
-  <mc:AlternateContent xmlns:mc="http://schemas.openxmlformats.org/markup-compatibility/2006">
-    <mc:Choice xmlns="" xmlns:p14="http://schemas.microsoft.com/office/powerpoint/2010/main" Requires="p14">
+  <mc:AlternateContent xmlns:mc="http://schemas.openxmlformats.org/markup-compatibility/2006" xmlns:p14="http://schemas.microsoft.com/office/powerpoint/2010/main">
+    <mc:Choice Requires="p14">
       <p:transition spd="slow" p14:dur="2000" advClick="0" advTm="5000"/>
     </mc:Choice>
-    <mc:Fallback>
+    <mc:Fallback xmlns="">
       <p:transition spd="slow" advClick="0" advTm="5000"/>
     </mc:Fallback>
   </mc:AlternateContent>
-  <p:timing>
-    <p:tnLst>
-      <p:par>
-        <p:cTn id="1" dur="indefinite" restart="never" nodeType="tmRoot"/>
-      </p:par>
-    </p:tnLst>
-  </p:timing>
 </p:sld>
 </file>
 
@@ -14168,7 +14166,7 @@
               </a:buClr>
             </a:pPr>
             <a:r>
-              <a:rPr lang="bg-BG" b="1" dirty="0" smtClean="0">
+              <a:rPr lang="bg-BG" b="1" dirty="0">
                 <a:solidFill>
                   <a:schemeClr val="bg1"/>
                 </a:solidFill>
@@ -14176,11 +14174,11 @@
               <a:t>Листът с данни </a:t>
             </a:r>
             <a:r>
-              <a:rPr lang="bg-BG" dirty="0" smtClean="0"/>
+              <a:rPr lang="bg-BG" dirty="0"/>
               <a:t>е </a:t>
             </a:r>
             <a:r>
-              <a:rPr lang="bg-BG" b="1" dirty="0" smtClean="0">
+              <a:rPr lang="bg-BG" b="1" dirty="0">
                 <a:solidFill>
                   <a:schemeClr val="bg1"/>
                 </a:solidFill>
@@ -14188,11 +14186,11 @@
               <a:t>визуално представяне</a:t>
             </a:r>
             <a:r>
-              <a:rPr lang="bg-BG" dirty="0" smtClean="0"/>
+              <a:rPr lang="bg-BG" dirty="0"/>
               <a:t> на </a:t>
             </a:r>
             <a:r>
-              <a:rPr lang="bg-BG" b="1" dirty="0" smtClean="0">
+              <a:rPr lang="bg-BG" b="1" dirty="0">
                 <a:solidFill>
                   <a:schemeClr val="bg1"/>
                 </a:solidFill>
@@ -14200,11 +14198,11 @@
               <a:t>информацията</a:t>
             </a:r>
             <a:r>
-              <a:rPr lang="bg-BG" dirty="0" smtClean="0"/>
+              <a:rPr lang="bg-BG" dirty="0"/>
               <a:t>, съдържаща се в </a:t>
             </a:r>
             <a:r>
-              <a:rPr lang="bg-BG" b="1" dirty="0" smtClean="0">
+              <a:rPr lang="bg-BG" b="1" dirty="0">
                 <a:solidFill>
                   <a:schemeClr val="bg1"/>
                 </a:solidFill>
@@ -14212,10 +14210,10 @@
               <a:t>таблица</a:t>
             </a:r>
             <a:r>
-              <a:rPr lang="bg-BG" dirty="0" smtClean="0"/>
+              <a:rPr lang="bg-BG" dirty="0"/>
               <a:t> на база данни</a:t>
             </a:r>
-            <a:endParaRPr lang="en-US" dirty="0" smtClean="0"/>
+            <a:endParaRPr lang="en-US" dirty="0"/>
           </a:p>
           <a:p>
             <a:pPr>
@@ -14224,7 +14222,7 @@
               </a:buClr>
             </a:pPr>
             <a:r>
-              <a:rPr lang="bg-BG" b="1" dirty="0" smtClean="0">
+              <a:rPr lang="bg-BG" b="1" dirty="0">
                 <a:solidFill>
                   <a:schemeClr val="bg1"/>
                 </a:solidFill>
@@ -14232,11 +14230,11 @@
               <a:t>Колоната</a:t>
             </a:r>
             <a:r>
-              <a:rPr lang="bg-BG" dirty="0" smtClean="0"/>
-              <a:t> представлява същото нещо като </a:t>
-            </a:r>
-            <a:r>
-              <a:rPr lang="bg-BG" b="1" dirty="0" smtClean="0">
+              <a:rPr lang="bg-BG" dirty="0"/>
+              <a:t> представлява </a:t>
+            </a:r>
+            <a:r>
+              <a:rPr lang="bg-BG" b="1" dirty="0">
                 <a:solidFill>
                   <a:schemeClr val="bg1"/>
                 </a:solidFill>
@@ -14244,11 +14242,11 @@
               <a:t>поле</a:t>
             </a:r>
             <a:r>
-              <a:rPr lang="bg-BG" dirty="0" smtClean="0"/>
+              <a:rPr lang="bg-BG" dirty="0"/>
               <a:t> в </a:t>
             </a:r>
             <a:r>
-              <a:rPr lang="bg-BG" b="1" dirty="0" smtClean="0">
+              <a:rPr lang="bg-BG" b="1" dirty="0">
                 <a:solidFill>
                   <a:schemeClr val="bg1"/>
                 </a:solidFill>
@@ -14256,18 +14254,18 @@
               <a:t>таблица</a:t>
             </a:r>
             <a:r>
-              <a:rPr lang="bg-BG" dirty="0" smtClean="0"/>
+              <a:rPr lang="bg-BG" dirty="0"/>
               <a:t> на база данни</a:t>
             </a:r>
-            <a:endParaRPr lang="en-US" dirty="0" smtClean="0"/>
-          </a:p>
-          <a:p>
-            <a:r>
-              <a:rPr lang="bg-BG" dirty="0" smtClean="0"/>
+            <a:endParaRPr lang="en-US" dirty="0"/>
+          </a:p>
+          <a:p>
+            <a:r>
+              <a:rPr lang="bg-BG" dirty="0"/>
               <a:t>Когато </a:t>
             </a:r>
             <a:r>
-              <a:rPr lang="bg-BG" b="1" dirty="0" smtClean="0">
+              <a:rPr lang="bg-BG" b="1" dirty="0">
                 <a:solidFill>
                   <a:schemeClr val="bg1"/>
                 </a:solidFill>
@@ -14275,11 +14273,11 @@
               <a:t>добавяте</a:t>
             </a:r>
             <a:r>
-              <a:rPr lang="bg-BG" dirty="0" smtClean="0"/>
+              <a:rPr lang="bg-BG" dirty="0"/>
               <a:t> или </a:t>
             </a:r>
             <a:r>
-              <a:rPr lang="bg-BG" b="1" dirty="0" smtClean="0">
+              <a:rPr lang="bg-BG" b="1" dirty="0">
                 <a:solidFill>
                   <a:schemeClr val="bg1"/>
                 </a:solidFill>
@@ -14287,11 +14285,11 @@
               <a:t>премахвате</a:t>
             </a:r>
             <a:r>
-              <a:rPr lang="bg-BG" dirty="0" smtClean="0"/>
+              <a:rPr lang="bg-BG" dirty="0"/>
               <a:t> </a:t>
             </a:r>
             <a:r>
-              <a:rPr lang="bg-BG" b="1" dirty="0" smtClean="0">
+              <a:rPr lang="bg-BG" b="1" dirty="0">
                 <a:solidFill>
                   <a:schemeClr val="bg1"/>
                 </a:solidFill>
@@ -14299,11 +14297,11 @@
               <a:t>колона</a:t>
             </a:r>
             <a:r>
-              <a:rPr lang="bg-BG" dirty="0" smtClean="0"/>
+              <a:rPr lang="bg-BG" dirty="0"/>
               <a:t> от </a:t>
             </a:r>
             <a:r>
-              <a:rPr lang="bg-BG" b="1" dirty="0" smtClean="0">
+              <a:rPr lang="bg-BG" b="1" dirty="0">
                 <a:solidFill>
                   <a:schemeClr val="bg1"/>
                 </a:solidFill>
@@ -14311,11 +14309,11 @@
               <a:t>листа с данни</a:t>
             </a:r>
             <a:r>
-              <a:rPr lang="bg-BG" dirty="0" smtClean="0"/>
+              <a:rPr lang="bg-BG" dirty="0"/>
               <a:t>, вие </a:t>
             </a:r>
             <a:r>
-              <a:rPr lang="bg-BG" b="1" dirty="0" smtClean="0">
+              <a:rPr lang="bg-BG" b="1" dirty="0">
                 <a:solidFill>
                   <a:schemeClr val="bg1"/>
                 </a:solidFill>
@@ -14323,11 +14321,11 @@
               <a:t>добавяте</a:t>
             </a:r>
             <a:r>
-              <a:rPr lang="bg-BG" dirty="0" smtClean="0"/>
+              <a:rPr lang="bg-BG" dirty="0"/>
               <a:t> или </a:t>
             </a:r>
             <a:r>
-              <a:rPr lang="bg-BG" b="1" dirty="0" smtClean="0">
+              <a:rPr lang="bg-BG" b="1" dirty="0">
                 <a:solidFill>
                   <a:schemeClr val="bg1"/>
                 </a:solidFill>
@@ -14335,11 +14333,11 @@
               <a:t>премахвате</a:t>
             </a:r>
             <a:r>
-              <a:rPr lang="bg-BG" dirty="0" smtClean="0"/>
+              <a:rPr lang="bg-BG" dirty="0"/>
               <a:t> </a:t>
             </a:r>
             <a:r>
-              <a:rPr lang="bg-BG" b="1" dirty="0" smtClean="0">
+              <a:rPr lang="bg-BG" b="1" dirty="0">
                 <a:solidFill>
                   <a:schemeClr val="bg1"/>
                 </a:solidFill>
@@ -14347,11 +14345,11 @@
               <a:t>поле</a:t>
             </a:r>
             <a:r>
-              <a:rPr lang="bg-BG" dirty="0" smtClean="0"/>
+              <a:rPr lang="bg-BG" dirty="0"/>
               <a:t> от </a:t>
             </a:r>
             <a:r>
-              <a:rPr lang="bg-BG" b="1" dirty="0" smtClean="0">
+              <a:rPr lang="bg-BG" b="1" dirty="0">
                 <a:solidFill>
                   <a:schemeClr val="bg1"/>
                 </a:solidFill>
@@ -14359,19 +14357,19 @@
               <a:t>таблицата</a:t>
             </a:r>
             <a:r>
-              <a:rPr lang="bg-BG" dirty="0" smtClean="0"/>
+              <a:rPr lang="bg-BG" dirty="0"/>
               <a:t>, което е в основата на листа с данни</a:t>
             </a:r>
-            <a:endParaRPr lang="en-US" dirty="0" smtClean="0"/>
+            <a:endParaRPr lang="en-US" dirty="0"/>
           </a:p>
           <a:p>
             <a:pPr lvl="1"/>
             <a:r>
-              <a:rPr lang="bg-BG" dirty="0" smtClean="0"/>
+              <a:rPr lang="bg-BG" dirty="0"/>
               <a:t> Ако </a:t>
             </a:r>
             <a:r>
-              <a:rPr lang="bg-BG" b="1" dirty="0" smtClean="0">
+              <a:rPr lang="bg-BG" b="1" dirty="0">
                 <a:solidFill>
                   <a:schemeClr val="bg1"/>
                 </a:solidFill>
@@ -14379,11 +14377,11 @@
               <a:t>полето</a:t>
             </a:r>
             <a:r>
-              <a:rPr lang="bg-BG" dirty="0" smtClean="0"/>
+              <a:rPr lang="bg-BG" dirty="0"/>
               <a:t> съдържа </a:t>
             </a:r>
             <a:r>
-              <a:rPr lang="bg-BG" b="1" dirty="0" smtClean="0">
+              <a:rPr lang="bg-BG" b="1" dirty="0">
                 <a:solidFill>
                   <a:schemeClr val="bg1"/>
                 </a:solidFill>
@@ -14391,11 +14389,11 @@
               <a:t>данни</a:t>
             </a:r>
             <a:r>
-              <a:rPr lang="bg-BG" dirty="0" smtClean="0"/>
+              <a:rPr lang="bg-BG" dirty="0"/>
               <a:t>, вие също </a:t>
             </a:r>
             <a:r>
-              <a:rPr lang="bg-BG" b="1" dirty="0" smtClean="0">
+              <a:rPr lang="bg-BG" b="1" dirty="0">
                 <a:solidFill>
                   <a:schemeClr val="bg1"/>
                 </a:solidFill>
@@ -14403,11 +14401,11 @@
               <a:t>премахвате</a:t>
             </a:r>
             <a:r>
-              <a:rPr lang="bg-BG" dirty="0" smtClean="0"/>
+              <a:rPr lang="bg-BG" dirty="0"/>
               <a:t> тази </a:t>
             </a:r>
             <a:r>
-              <a:rPr lang="bg-BG" b="1" dirty="0" smtClean="0">
+              <a:rPr lang="bg-BG" b="1" dirty="0">
                 <a:solidFill>
                   <a:schemeClr val="bg1"/>
                 </a:solidFill>
@@ -14438,7 +14436,7 @@
           <a:lstStyle/>
           <a:p>
             <a:r>
-              <a:rPr lang="bg-BG" dirty="0" smtClean="0"/>
+              <a:rPr lang="bg-BG" dirty="0"/>
               <a:t>Данни в таблиците</a:t>
             </a:r>
             <a:endParaRPr lang="en-US" dirty="0"/>
@@ -14450,11 +14448,11 @@
   <p:clrMapOvr>
     <a:masterClrMapping/>
   </p:clrMapOvr>
-  <mc:AlternateContent xmlns:mc="http://schemas.openxmlformats.org/markup-compatibility/2006">
-    <mc:Choice xmlns="" xmlns:p14="http://schemas.microsoft.com/office/powerpoint/2010/main" Requires="p14">
+  <mc:AlternateContent xmlns:mc="http://schemas.openxmlformats.org/markup-compatibility/2006" xmlns:p14="http://schemas.microsoft.com/office/powerpoint/2010/main">
+    <mc:Choice Requires="p14">
       <p:transition spd="slow" p14:dur="2000" advClick="0" advTm="5000"/>
     </mc:Choice>
-    <mc:Fallback>
+    <mc:Fallback xmlns="">
       <p:transition spd="slow" advClick="0" advTm="5000"/>
     </mc:Fallback>
   </mc:AlternateContent>
@@ -14679,11 +14677,11 @@
           <a:lstStyle/>
           <a:p>
             <a:r>
-              <a:rPr lang="bg-BG" sz="3500" dirty="0" smtClean="0"/>
+              <a:rPr lang="bg-BG" sz="3500" dirty="0"/>
               <a:t>За да създадете </a:t>
             </a:r>
             <a:r>
-              <a:rPr lang="bg-BG" sz="3500" b="1" dirty="0" smtClean="0">
+              <a:rPr lang="bg-BG" sz="3500" b="1" dirty="0">
                 <a:solidFill>
                   <a:schemeClr val="bg1"/>
                 </a:solidFill>
@@ -14691,11 +14689,11 @@
               <a:t>нова колона </a:t>
             </a:r>
             <a:r>
-              <a:rPr lang="bg-BG" sz="3500" dirty="0" smtClean="0"/>
+              <a:rPr lang="bg-BG" sz="3500" dirty="0"/>
               <a:t>натиснете </a:t>
             </a:r>
             <a:r>
-              <a:rPr lang="en-US" sz="3500" b="1" dirty="0" smtClean="0">
+              <a:rPr lang="en-US" sz="3500" b="1" dirty="0">
                 <a:solidFill>
                   <a:schemeClr val="bg1"/>
                 </a:solidFill>
@@ -14706,11 +14704,11 @@
           </a:p>
           <a:p>
             <a:r>
-              <a:rPr lang="ru-RU" sz="3500" dirty="0" smtClean="0"/>
+              <a:rPr lang="ru-RU" sz="3500" dirty="0"/>
               <a:t>Въведете </a:t>
             </a:r>
             <a:r>
-              <a:rPr lang="ru-RU" sz="3500" b="1" dirty="0" smtClean="0">
+              <a:rPr lang="ru-RU" sz="3500" b="1" dirty="0">
                 <a:solidFill>
                   <a:schemeClr val="bg1"/>
                 </a:solidFill>
@@ -14718,11 +14716,11 @@
               <a:t>данни</a:t>
             </a:r>
             <a:r>
-              <a:rPr lang="ru-RU" sz="3500" dirty="0" smtClean="0"/>
+              <a:rPr lang="ru-RU" sz="3500" dirty="0"/>
               <a:t> в </a:t>
             </a:r>
             <a:r>
-              <a:rPr lang="ru-RU" sz="3500" b="1" dirty="0" smtClean="0">
+              <a:rPr lang="ru-RU" sz="3500" b="1" dirty="0">
                 <a:solidFill>
                   <a:schemeClr val="bg1"/>
                 </a:solidFill>
@@ -14730,11 +14728,11 @@
               <a:t>първия</a:t>
             </a:r>
             <a:r>
-              <a:rPr lang="ru-RU" sz="3500" dirty="0" smtClean="0"/>
+              <a:rPr lang="ru-RU" sz="3500" dirty="0"/>
               <a:t> празен ред под заглавието, след което </a:t>
             </a:r>
             <a:r>
-              <a:rPr lang="ru-RU" sz="3500" b="1" dirty="0" smtClean="0">
+              <a:rPr lang="ru-RU" sz="3500" b="1" dirty="0">
                 <a:solidFill>
                   <a:schemeClr val="bg1"/>
                 </a:solidFill>
@@ -14745,11 +14743,11 @@
           <a:p>
             <a:pPr lvl="1"/>
             <a:r>
-              <a:rPr lang="bg-BG" sz="3200" dirty="0" smtClean="0"/>
+              <a:rPr lang="bg-BG" sz="3200" dirty="0"/>
               <a:t>Въз основа на </a:t>
             </a:r>
             <a:r>
-              <a:rPr lang="bg-BG" sz="3200" b="1" dirty="0" smtClean="0">
+              <a:rPr lang="bg-BG" sz="3200" b="1" dirty="0">
                 <a:solidFill>
                   <a:schemeClr val="bg1"/>
                 </a:solidFill>
@@ -14757,11 +14755,11 @@
               <a:t>типа данни</a:t>
             </a:r>
             <a:r>
-              <a:rPr lang="bg-BG" sz="3200" dirty="0" smtClean="0"/>
+              <a:rPr lang="bg-BG" sz="3200" dirty="0"/>
               <a:t>, които </a:t>
             </a:r>
             <a:r>
-              <a:rPr lang="bg-BG" sz="3200" b="1" dirty="0" smtClean="0">
+              <a:rPr lang="bg-BG" sz="3200" b="1" dirty="0">
                 <a:solidFill>
                   <a:schemeClr val="bg1"/>
                 </a:solidFill>
@@ -14769,11 +14767,11 @@
               <a:t>въведете</a:t>
             </a:r>
             <a:r>
-              <a:rPr lang="bg-BG" sz="3200" dirty="0" smtClean="0"/>
+              <a:rPr lang="bg-BG" sz="3200" dirty="0"/>
               <a:t>, </a:t>
             </a:r>
             <a:r>
-              <a:rPr lang="bg-BG" sz="3200" b="1" dirty="0" smtClean="0">
+              <a:rPr lang="bg-BG" sz="3200" b="1" dirty="0">
                 <a:solidFill>
                   <a:schemeClr val="bg1"/>
                 </a:solidFill>
@@ -14781,11 +14779,11 @@
               <a:t>Access</a:t>
             </a:r>
             <a:r>
-              <a:rPr lang="bg-BG" sz="3200" dirty="0" smtClean="0"/>
+              <a:rPr lang="bg-BG" sz="3200" dirty="0"/>
               <a:t> задава </a:t>
             </a:r>
             <a:r>
-              <a:rPr lang="bg-BG" sz="3200" b="1" dirty="0" smtClean="0">
+              <a:rPr lang="bg-BG" sz="3200" b="1" dirty="0">
                 <a:solidFill>
                   <a:schemeClr val="bg1"/>
                 </a:solidFill>
@@ -14793,11 +14791,11 @@
               <a:t>тип</a:t>
             </a:r>
             <a:r>
-              <a:rPr lang="bg-BG" sz="3200" dirty="0" smtClean="0"/>
+              <a:rPr lang="bg-BG" sz="3200" dirty="0"/>
               <a:t> </a:t>
             </a:r>
             <a:r>
-              <a:rPr lang="bg-BG" sz="3200" b="1" dirty="0" smtClean="0">
+              <a:rPr lang="bg-BG" sz="3200" b="1" dirty="0">
                 <a:solidFill>
                   <a:schemeClr val="bg1"/>
                 </a:solidFill>
@@ -14805,11 +14803,11 @@
               <a:t>данни</a:t>
             </a:r>
             <a:r>
-              <a:rPr lang="bg-BG" sz="3200" dirty="0" smtClean="0"/>
+              <a:rPr lang="bg-BG" sz="3200" dirty="0"/>
               <a:t> за </a:t>
             </a:r>
             <a:r>
-              <a:rPr lang="bg-BG" sz="3200" b="1" dirty="0" smtClean="0">
+              <a:rPr lang="bg-BG" sz="3200" b="1" dirty="0">
                 <a:solidFill>
                   <a:schemeClr val="bg1"/>
                 </a:solidFill>
@@ -14820,11 +14818,11 @@
           <a:p>
             <a:pPr lvl="1"/>
             <a:r>
-              <a:rPr lang="bg-BG" sz="3200" dirty="0" smtClean="0"/>
+              <a:rPr lang="bg-BG" sz="3200" dirty="0"/>
               <a:t>Например, ако въведете </a:t>
             </a:r>
             <a:r>
-              <a:rPr lang="bg-BG" sz="3200" b="1" dirty="0" smtClean="0">
+              <a:rPr lang="bg-BG" sz="3200" b="1" dirty="0">
                 <a:solidFill>
                   <a:schemeClr val="bg1"/>
                 </a:solidFill>
@@ -14832,11 +14830,11 @@
               <a:t>име</a:t>
             </a:r>
             <a:r>
-              <a:rPr lang="bg-BG" sz="3200" dirty="0" smtClean="0"/>
+              <a:rPr lang="bg-BG" sz="3200" dirty="0"/>
               <a:t>, </a:t>
             </a:r>
             <a:r>
-              <a:rPr lang="bg-BG" sz="3200" b="1" dirty="0" smtClean="0">
+              <a:rPr lang="bg-BG" sz="3200" b="1" dirty="0">
                 <a:solidFill>
                   <a:schemeClr val="bg1"/>
                 </a:solidFill>
@@ -14844,11 +14842,11 @@
               <a:t>Access</a:t>
             </a:r>
             <a:r>
-              <a:rPr lang="bg-BG" sz="3200" dirty="0" smtClean="0"/>
+              <a:rPr lang="bg-BG" sz="3200" dirty="0"/>
               <a:t> задава </a:t>
             </a:r>
             <a:r>
-              <a:rPr lang="bg-BG" sz="3200" b="1" dirty="0" smtClean="0">
+              <a:rPr lang="bg-BG" sz="3200" b="1" dirty="0">
                 <a:solidFill>
                   <a:schemeClr val="bg1"/>
                 </a:solidFill>
@@ -14856,11 +14854,11 @@
               <a:t>типа данни</a:t>
             </a:r>
             <a:r>
-              <a:rPr lang="bg-BG" sz="3200" dirty="0" smtClean="0"/>
+              <a:rPr lang="bg-BG" sz="3200" dirty="0"/>
               <a:t> на </a:t>
             </a:r>
             <a:r>
-              <a:rPr lang="en-US" sz="3200" b="1" dirty="0" smtClean="0">
+              <a:rPr lang="en-US" sz="3200" b="1" dirty="0">
                 <a:solidFill>
                   <a:schemeClr val="bg1"/>
                 </a:solidFill>
@@ -14871,11 +14869,11 @@
           </a:p>
           <a:p>
             <a:r>
-              <a:rPr lang="ru-RU" sz="3500" dirty="0" smtClean="0"/>
+              <a:rPr lang="ru-RU" sz="3500" dirty="0"/>
               <a:t>Натиснете с десния бутон върху </a:t>
             </a:r>
             <a:r>
-              <a:rPr lang="ru-RU" sz="3500" b="1" dirty="0" smtClean="0">
+              <a:rPr lang="ru-RU" sz="3500" b="1" dirty="0">
                 <a:solidFill>
                   <a:schemeClr val="bg1"/>
                 </a:solidFill>
@@ -14883,11 +14881,11 @@
               <a:t>заглавието</a:t>
             </a:r>
             <a:r>
-              <a:rPr lang="ru-RU" sz="3500" dirty="0" smtClean="0"/>
+              <a:rPr lang="ru-RU" sz="3500" dirty="0"/>
               <a:t> на </a:t>
             </a:r>
             <a:r>
-              <a:rPr lang="ru-RU" sz="3500" b="1" dirty="0" smtClean="0">
+              <a:rPr lang="ru-RU" sz="3500" b="1" dirty="0">
                 <a:solidFill>
                   <a:schemeClr val="bg1"/>
                 </a:solidFill>
@@ -14895,11 +14893,11 @@
               <a:t>колоната</a:t>
             </a:r>
             <a:r>
-              <a:rPr lang="ru-RU" sz="3500" dirty="0" smtClean="0"/>
+              <a:rPr lang="ru-RU" sz="3500" dirty="0"/>
               <a:t> и изберете </a:t>
             </a:r>
             <a:r>
-              <a:rPr lang="en-US" sz="3500" b="1" dirty="0" smtClean="0">
+              <a:rPr lang="en-US" sz="3500" b="1" dirty="0">
                 <a:solidFill>
                   <a:schemeClr val="bg1"/>
                 </a:solidFill>
@@ -14908,11 +14906,11 @@
               <a:t>Rename</a:t>
             </a:r>
             <a:r>
-              <a:rPr lang="en-US" sz="3500" b="1" dirty="0" smtClean="0"/>
+              <a:rPr lang="en-US" sz="3500" b="1" dirty="0"/>
               <a:t> </a:t>
             </a:r>
             <a:r>
-              <a:rPr lang="en-US" sz="3500" b="1" dirty="0" smtClean="0">
+              <a:rPr lang="en-US" sz="3500" b="1" dirty="0">
                 <a:solidFill>
                   <a:schemeClr val="bg1"/>
                 </a:solidFill>
@@ -14920,20 +14918,20 @@
               </a:rPr>
               <a:t>Field</a:t>
             </a:r>
-            <a:endParaRPr lang="ru-RU" sz="3500" dirty="0" smtClean="0"/>
+            <a:endParaRPr lang="ru-RU" sz="3500" dirty="0"/>
           </a:p>
           <a:p>
             <a:pPr lvl="1"/>
             <a:r>
-              <a:rPr lang="bg-BG" sz="3200" dirty="0" smtClean="0"/>
+              <a:rPr lang="bg-BG" sz="3200" dirty="0"/>
               <a:t>В</a:t>
             </a:r>
             <a:r>
-              <a:rPr lang="ru-RU" sz="3200" dirty="0" smtClean="0"/>
+              <a:rPr lang="ru-RU" sz="3200" dirty="0"/>
               <a:t>ъведете </a:t>
             </a:r>
             <a:r>
-              <a:rPr lang="ru-RU" sz="3200" b="1" dirty="0" smtClean="0">
+              <a:rPr lang="ru-RU" sz="3200" b="1" dirty="0">
                 <a:solidFill>
                   <a:schemeClr val="bg1"/>
                 </a:solidFill>
@@ -14941,18 +14939,18 @@
               <a:t>име</a:t>
             </a:r>
             <a:r>
-              <a:rPr lang="ru-RU" sz="3200" dirty="0" smtClean="0"/>
+              <a:rPr lang="ru-RU" sz="3200" dirty="0"/>
               <a:t> на </a:t>
             </a:r>
             <a:r>
-              <a:rPr lang="ru-RU" sz="3200" b="1" dirty="0" smtClean="0">
+              <a:rPr lang="ru-RU" sz="3200" b="1" dirty="0">
                 <a:solidFill>
                   <a:schemeClr val="bg1"/>
                 </a:solidFill>
               </a:rPr>
               <a:t>полето</a:t>
             </a:r>
-            <a:endParaRPr lang="en-US" sz="3200" b="1" dirty="0" smtClean="0">
+            <a:endParaRPr lang="en-US" sz="3200" b="1" dirty="0">
               <a:solidFill>
                 <a:schemeClr val="bg1"/>
               </a:solidFill>
@@ -14976,7 +14974,7 @@
           <a:lstStyle/>
           <a:p>
             <a:r>
-              <a:rPr lang="bg-BG" dirty="0" smtClean="0"/>
+              <a:rPr lang="bg-BG" dirty="0"/>
               <a:t>Попълване на данни в таблица (1)</a:t>
             </a:r>
             <a:endParaRPr lang="en-US" dirty="0"/>
@@ -14988,11 +14986,11 @@
   <p:clrMapOvr>
     <a:masterClrMapping/>
   </p:clrMapOvr>
-  <mc:AlternateContent xmlns:mc="http://schemas.openxmlformats.org/markup-compatibility/2006">
-    <mc:Choice xmlns="" xmlns:p14="http://schemas.microsoft.com/office/powerpoint/2010/main" Requires="p14">
+  <mc:AlternateContent xmlns:mc="http://schemas.openxmlformats.org/markup-compatibility/2006" xmlns:p14="http://schemas.microsoft.com/office/powerpoint/2010/main">
+    <mc:Choice Requires="p14">
       <p:transition spd="slow" p14:dur="2000" advClick="0" advTm="5000"/>
     </mc:Choice>
-    <mc:Fallback>
+    <mc:Fallback xmlns="">
       <p:transition spd="slow" advClick="0" advTm="5000"/>
     </mc:Fallback>
   </mc:AlternateContent>
@@ -15297,11 +15295,11 @@
           <a:lstStyle/>
           <a:p>
             <a:r>
-              <a:rPr lang="bg-BG" dirty="0" smtClean="0"/>
+              <a:rPr lang="bg-BG" dirty="0"/>
               <a:t>Можете директно да изберете какъв </a:t>
             </a:r>
             <a:r>
-              <a:rPr lang="bg-BG" b="1" dirty="0" smtClean="0">
+              <a:rPr lang="bg-BG" b="1" dirty="0">
                 <a:solidFill>
                   <a:schemeClr val="bg1"/>
                 </a:solidFill>
@@ -15309,11 +15307,11 @@
               <a:t>тип</a:t>
             </a:r>
             <a:r>
-              <a:rPr lang="bg-BG" dirty="0" smtClean="0"/>
+              <a:rPr lang="bg-BG" dirty="0"/>
               <a:t> </a:t>
             </a:r>
             <a:r>
-              <a:rPr lang="bg-BG" b="1" dirty="0" smtClean="0">
+              <a:rPr lang="bg-BG" b="1" dirty="0">
                 <a:solidFill>
                   <a:schemeClr val="bg1"/>
                 </a:solidFill>
@@ -15321,7 +15319,7 @@
               <a:t>данни</a:t>
             </a:r>
             <a:r>
-              <a:rPr lang="bg-BG" dirty="0" smtClean="0"/>
+              <a:rPr lang="bg-BG" dirty="0"/>
               <a:t> да съдържа колоната</a:t>
             </a:r>
           </a:p>
@@ -15332,11 +15330,11 @@
               </a:buClr>
             </a:pPr>
             <a:r>
-              <a:rPr lang="bg-BG" dirty="0" smtClean="0"/>
+              <a:rPr lang="bg-BG" dirty="0"/>
               <a:t>Натиснете </a:t>
             </a:r>
             <a:r>
-              <a:rPr lang="en-US" sz="3200" b="1" dirty="0" smtClean="0">
+              <a:rPr lang="en-US" sz="3200" b="1" dirty="0">
                 <a:solidFill>
                   <a:schemeClr val="bg1"/>
                 </a:solidFill>
@@ -15345,7 +15343,7 @@
               <a:t>Click to Add</a:t>
             </a:r>
             <a:r>
-              <a:rPr lang="bg-BG" sz="3200" b="1" dirty="0" smtClean="0">
+              <a:rPr lang="bg-BG" sz="3200" b="1" dirty="0">
                 <a:solidFill>
                   <a:schemeClr val="bg1"/>
                 </a:solidFill>
@@ -15353,11 +15351,11 @@
               <a:t> </a:t>
             </a:r>
             <a:r>
-              <a:rPr lang="bg-BG" dirty="0" smtClean="0"/>
+              <a:rPr lang="bg-BG" dirty="0"/>
               <a:t>и от </a:t>
             </a:r>
             <a:r>
-              <a:rPr lang="bg-BG" b="1" dirty="0" smtClean="0">
+              <a:rPr lang="bg-BG" b="1" dirty="0">
                 <a:solidFill>
                   <a:schemeClr val="bg1"/>
                 </a:solidFill>
@@ -15365,11 +15363,11 @@
               <a:t>падащото меню</a:t>
             </a:r>
             <a:r>
-              <a:rPr lang="bg-BG" dirty="0" smtClean="0"/>
+              <a:rPr lang="bg-BG" dirty="0"/>
               <a:t> изберете </a:t>
             </a:r>
             <a:r>
-              <a:rPr lang="bg-BG" b="1" dirty="0" smtClean="0">
+              <a:rPr lang="bg-BG" b="1" dirty="0">
                 <a:solidFill>
                   <a:schemeClr val="bg1"/>
                 </a:solidFill>
@@ -15377,11 +15375,11 @@
               <a:t>типа</a:t>
             </a:r>
             <a:r>
-              <a:rPr lang="bg-BG" dirty="0" smtClean="0"/>
+              <a:rPr lang="bg-BG" dirty="0"/>
               <a:t> на </a:t>
             </a:r>
             <a:r>
-              <a:rPr lang="bg-BG" b="1" dirty="0" smtClean="0">
+              <a:rPr lang="bg-BG" b="1" dirty="0">
                 <a:solidFill>
                   <a:schemeClr val="bg1"/>
                 </a:solidFill>
@@ -15389,10 +15387,10 @@
               <a:t>данни</a:t>
             </a:r>
             <a:r>
-              <a:rPr lang="bg-BG" dirty="0" smtClean="0"/>
+              <a:rPr lang="bg-BG" dirty="0"/>
               <a:t> за колоната</a:t>
             </a:r>
-            <a:endParaRPr lang="en-US" dirty="0" smtClean="0"/>
+            <a:endParaRPr lang="en-US" dirty="0"/>
           </a:p>
           <a:p>
             <a:pPr lvl="1">
@@ -15400,7 +15398,7 @@
                 <a:schemeClr val="tx1"/>
               </a:buClr>
             </a:pPr>
-            <a:endParaRPr lang="en-US" dirty="0" smtClean="0"/>
+            <a:endParaRPr lang="en-US" dirty="0"/>
           </a:p>
           <a:p>
             <a:pPr lvl="1">
@@ -15409,7 +15407,7 @@
               </a:buClr>
               <a:buNone/>
             </a:pPr>
-            <a:endParaRPr lang="bg-BG" dirty="0" smtClean="0"/>
+            <a:endParaRPr lang="bg-BG" dirty="0"/>
           </a:p>
           <a:p>
             <a:pPr lvl="1">
@@ -15417,7 +15415,7 @@
                 <a:schemeClr val="tx1"/>
               </a:buClr>
             </a:pPr>
-            <a:endParaRPr lang="en-US" dirty="0" smtClean="0"/>
+            <a:endParaRPr lang="en-US" dirty="0"/>
           </a:p>
           <a:p>
             <a:pPr lvl="1">
@@ -15425,7 +15423,7 @@
                 <a:schemeClr val="tx1"/>
               </a:buClr>
             </a:pPr>
-            <a:endParaRPr lang="en-US" dirty="0" smtClean="0"/>
+            <a:endParaRPr lang="en-US" dirty="0"/>
           </a:p>
           <a:p>
             <a:pPr lvl="1">
@@ -15434,11 +15432,11 @@
               </a:buClr>
             </a:pPr>
             <a:r>
-              <a:rPr lang="bg-BG" dirty="0" smtClean="0"/>
+              <a:rPr lang="bg-BG" dirty="0"/>
               <a:t>Въведете </a:t>
             </a:r>
             <a:r>
-              <a:rPr lang="bg-BG" b="1" dirty="0" smtClean="0">
+              <a:rPr lang="bg-BG" b="1" dirty="0">
                 <a:solidFill>
                   <a:schemeClr val="bg1"/>
                 </a:solidFill>
@@ -15446,7 +15444,7 @@
               <a:t>име</a:t>
             </a:r>
             <a:r>
-              <a:rPr lang="bg-BG" dirty="0" smtClean="0"/>
+              <a:rPr lang="bg-BG" dirty="0"/>
               <a:t> на колоната</a:t>
             </a:r>
             <a:endParaRPr lang="en-US" dirty="0"/>
@@ -15469,15 +15467,15 @@
           <a:lstStyle/>
           <a:p>
             <a:r>
-              <a:rPr lang="bg-BG" dirty="0" smtClean="0"/>
+              <a:rPr lang="bg-BG" dirty="0"/>
               <a:t>Попълване на данни в таблица (</a:t>
             </a:r>
             <a:r>
-              <a:rPr lang="en-US" dirty="0" smtClean="0"/>
+              <a:rPr lang="en-US" dirty="0"/>
               <a:t>2</a:t>
             </a:r>
             <a:r>
-              <a:rPr lang="bg-BG" dirty="0" smtClean="0"/>
+              <a:rPr lang="bg-BG" dirty="0"/>
               <a:t>)</a:t>
             </a:r>
             <a:endParaRPr lang="en-US" dirty="0"/>
@@ -15643,7 +15641,7 @@
           <a:p>
             <a:pPr algn="ctr"/>
             <a:r>
-              <a:rPr lang="bg-BG" sz="2399" b="1" noProof="1" smtClean="0">
+              <a:rPr lang="bg-BG" sz="2399" b="1" noProof="1">
                 <a:solidFill>
                   <a:srgbClr val="FFFFFF"/>
                 </a:solidFill>
@@ -15663,11 +15661,11 @@
   <p:clrMapOvr>
     <a:masterClrMapping/>
   </p:clrMapOvr>
-  <mc:AlternateContent xmlns:mc="http://schemas.openxmlformats.org/markup-compatibility/2006">
-    <mc:Choice xmlns="" xmlns:p14="http://schemas.microsoft.com/office/powerpoint/2010/main" Requires="p14">
+  <mc:AlternateContent xmlns:mc="http://schemas.openxmlformats.org/markup-compatibility/2006" xmlns:p14="http://schemas.microsoft.com/office/powerpoint/2010/main">
+    <mc:Choice Requires="p14">
       <p:transition spd="slow" p14:dur="2000" advClick="0" advTm="5000"/>
     </mc:Choice>
-    <mc:Fallback>
+    <mc:Fallback xmlns="">
       <p:transition spd="slow" advClick="0" advTm="5000"/>
     </mc:Fallback>
   </mc:AlternateContent>
@@ -16012,11 +16010,11 @@
           <a:lstStyle/>
           <a:p>
             <a:r>
-              <a:rPr lang="bg-BG" dirty="0" smtClean="0"/>
+              <a:rPr lang="bg-BG" dirty="0"/>
               <a:t>Можете да </a:t>
             </a:r>
             <a:r>
-              <a:rPr lang="bg-BG" b="1" dirty="0" smtClean="0">
+              <a:rPr lang="bg-BG" b="1" dirty="0">
                 <a:solidFill>
                   <a:schemeClr val="bg1"/>
                 </a:solidFill>
@@ -16024,11 +16022,11 @@
               <a:t>попълните</a:t>
             </a:r>
             <a:r>
-              <a:rPr lang="bg-BG" dirty="0" smtClean="0"/>
+              <a:rPr lang="bg-BG" dirty="0"/>
               <a:t> таблицата със </a:t>
             </a:r>
             <a:r>
-              <a:rPr lang="bg-BG" b="1" dirty="0" smtClean="0">
+              <a:rPr lang="bg-BG" b="1" dirty="0">
                 <a:solidFill>
                   <a:schemeClr val="bg1"/>
                 </a:solidFill>
@@ -16036,7 +16034,7 @@
               <a:t>записи</a:t>
             </a:r>
             <a:r>
-              <a:rPr lang="bg-BG" dirty="0" smtClean="0"/>
+              <a:rPr lang="bg-BG" dirty="0"/>
               <a:t> на ръка:</a:t>
             </a:r>
             <a:endParaRPr lang="en-US" dirty="0"/>
@@ -16059,7 +16057,7 @@
           <a:lstStyle/>
           <a:p>
             <a:r>
-              <a:rPr lang="bg-BG" smtClean="0"/>
+              <a:rPr lang="bg-BG"/>
               <a:t>Попълване на данни в таблица (3)</a:t>
             </a:r>
             <a:endParaRPr lang="en-US" dirty="0"/>
@@ -16128,7 +16126,7 @@
           <a:p>
             <a:pPr algn="ctr"/>
             <a:r>
-              <a:rPr lang="bg-BG" sz="2399" b="1" noProof="1" smtClean="0">
+              <a:rPr lang="bg-BG" sz="2399" b="1" noProof="1">
                 <a:solidFill>
                   <a:srgbClr val="FFFFFF"/>
                 </a:solidFill>
@@ -16148,11 +16146,11 @@
   <p:clrMapOvr>
     <a:masterClrMapping/>
   </p:clrMapOvr>
-  <mc:AlternateContent xmlns:mc="http://schemas.openxmlformats.org/markup-compatibility/2006">
-    <mc:Choice xmlns="" xmlns:p14="http://schemas.microsoft.com/office/powerpoint/2010/main" Requires="p14">
+  <mc:AlternateContent xmlns:mc="http://schemas.openxmlformats.org/markup-compatibility/2006" xmlns:p14="http://schemas.microsoft.com/office/powerpoint/2010/main">
+    <mc:Choice Requires="p14">
       <p:transition spd="slow" p14:dur="2000" advClick="0" advTm="5000"/>
     </mc:Choice>
-    <mc:Fallback>
+    <mc:Fallback xmlns="">
       <p:transition spd="slow" advClick="0" advTm="5000"/>
     </mc:Fallback>
   </mc:AlternateContent>
@@ -16270,7 +16268,7 @@
           <a:lstStyle/>
           <a:p>
             <a:r>
-              <a:rPr lang="bg-BG" dirty="0" smtClean="0"/>
+              <a:rPr lang="bg-BG" dirty="0"/>
               <a:t>Използване на външен източник на данни</a:t>
             </a:r>
             <a:endParaRPr lang="en-US" dirty="0"/>
@@ -16293,7 +16291,7 @@
           <a:lstStyle/>
           <a:p>
             <a:r>
-              <a:rPr lang="bg-BG" dirty="0" smtClean="0"/>
+              <a:rPr lang="bg-BG" dirty="0"/>
               <a:t>Импортиране на външни данни</a:t>
             </a:r>
             <a:endParaRPr lang="en-US" dirty="0"/>
@@ -16331,21 +16329,14 @@
   <p:clrMapOvr>
     <a:masterClrMapping/>
   </p:clrMapOvr>
-  <mc:AlternateContent xmlns:mc="http://schemas.openxmlformats.org/markup-compatibility/2006">
-    <mc:Choice xmlns="" xmlns:p14="http://schemas.microsoft.com/office/powerpoint/2010/main" Requires="p14">
+  <mc:AlternateContent xmlns:mc="http://schemas.openxmlformats.org/markup-compatibility/2006" xmlns:p14="http://schemas.microsoft.com/office/powerpoint/2010/main">
+    <mc:Choice Requires="p14">
       <p:transition spd="slow" p14:dur="2000" advClick="0" advTm="5000"/>
     </mc:Choice>
-    <mc:Fallback>
+    <mc:Fallback xmlns="">
       <p:transition spd="slow" advClick="0" advTm="5000"/>
     </mc:Fallback>
   </mc:AlternateContent>
-  <p:timing>
-    <p:tnLst>
-      <p:par>
-        <p:cTn id="1" dur="indefinite" restart="never" nodeType="tmRoot"/>
-      </p:par>
-    </p:tnLst>
-  </p:timing>
 </p:sld>
 </file>
 
@@ -16408,11 +16399,11 @@
           <a:lstStyle/>
           <a:p>
             <a:r>
-              <a:rPr lang="ru-RU" dirty="0" smtClean="0"/>
+              <a:rPr lang="ru-RU" dirty="0"/>
               <a:t>Можете да създадете </a:t>
             </a:r>
             <a:r>
-              <a:rPr lang="ru-RU" b="1" dirty="0" smtClean="0">
+              <a:rPr lang="ru-RU" b="1" dirty="0">
                 <a:solidFill>
                   <a:schemeClr val="bg1"/>
                 </a:solidFill>
@@ -16420,11 +16411,11 @@
               <a:t>таблица </a:t>
             </a:r>
             <a:r>
-              <a:rPr lang="ru-RU" dirty="0" smtClean="0"/>
+              <a:rPr lang="ru-RU" dirty="0"/>
               <a:t>чрез </a:t>
             </a:r>
             <a:r>
-              <a:rPr lang="ru-RU" b="1" dirty="0" smtClean="0">
+              <a:rPr lang="ru-RU" b="1" dirty="0">
                 <a:solidFill>
                   <a:schemeClr val="bg1"/>
                 </a:solidFill>
@@ -16432,11 +16423,11 @@
               <a:t>импортиране </a:t>
             </a:r>
             <a:r>
-              <a:rPr lang="ru-RU" dirty="0" smtClean="0"/>
+              <a:rPr lang="ru-RU" dirty="0"/>
               <a:t>или </a:t>
             </a:r>
             <a:r>
-              <a:rPr lang="ru-RU" b="1" dirty="0" smtClean="0">
+              <a:rPr lang="ru-RU" b="1" dirty="0">
                 <a:solidFill>
                   <a:schemeClr val="bg1"/>
                 </a:solidFill>
@@ -16444,11 +16435,11 @@
               <a:t>свързване </a:t>
             </a:r>
             <a:r>
-              <a:rPr lang="ru-RU" dirty="0" smtClean="0"/>
+              <a:rPr lang="ru-RU" dirty="0"/>
               <a:t>към </a:t>
             </a:r>
             <a:r>
-              <a:rPr lang="ru-RU" b="1" dirty="0" smtClean="0">
+              <a:rPr lang="ru-RU" b="1" dirty="0">
                 <a:solidFill>
                   <a:schemeClr val="bg1"/>
                 </a:solidFill>
@@ -16456,11 +16447,11 @@
               <a:t>данни</a:t>
             </a:r>
             <a:r>
-              <a:rPr lang="ru-RU" dirty="0" smtClean="0"/>
+              <a:rPr lang="ru-RU" dirty="0"/>
               <a:t>, които се </a:t>
             </a:r>
             <a:r>
-              <a:rPr lang="ru-RU" b="1" dirty="0" smtClean="0">
+              <a:rPr lang="ru-RU" b="1" dirty="0">
                 <a:solidFill>
                   <a:schemeClr val="bg1"/>
                 </a:solidFill>
@@ -16468,11 +16459,11 @@
               <a:t>съхраняват </a:t>
             </a:r>
             <a:r>
-              <a:rPr lang="ru-RU" dirty="0" smtClean="0"/>
+              <a:rPr lang="ru-RU" dirty="0"/>
               <a:t>на </a:t>
             </a:r>
             <a:r>
-              <a:rPr lang="ru-RU" b="1" dirty="0" smtClean="0">
+              <a:rPr lang="ru-RU" b="1" dirty="0">
                 <a:solidFill>
                   <a:schemeClr val="bg1"/>
                 </a:solidFill>
@@ -16480,24 +16471,24 @@
               <a:t>друго място</a:t>
             </a:r>
             <a:r>
-              <a:rPr lang="ru-RU" dirty="0" smtClean="0"/>
+              <a:rPr lang="ru-RU" dirty="0"/>
               <a:t> </a:t>
             </a:r>
           </a:p>
           <a:p>
             <a:r>
-              <a:rPr lang="ru-RU" dirty="0" smtClean="0"/>
+              <a:rPr lang="ru-RU" dirty="0"/>
               <a:t>Примери:</a:t>
             </a:r>
           </a:p>
           <a:p>
             <a:pPr lvl="1"/>
             <a:r>
-              <a:rPr lang="ru-RU" dirty="0" smtClean="0"/>
+              <a:rPr lang="ru-RU" dirty="0"/>
               <a:t>Работен лист на </a:t>
             </a:r>
             <a:r>
-              <a:rPr lang="ru-RU" b="1" dirty="0" smtClean="0">
+              <a:rPr lang="ru-RU" b="1" dirty="0">
                 <a:solidFill>
                   <a:schemeClr val="bg1"/>
                 </a:solidFill>
@@ -16508,18 +16499,18 @@
           <a:p>
             <a:pPr lvl="1"/>
             <a:r>
-              <a:rPr lang="ru-RU" dirty="0" smtClean="0"/>
+              <a:rPr lang="ru-RU" dirty="0"/>
               <a:t>Списък на </a:t>
             </a:r>
             <a:r>
-              <a:rPr lang="ru-RU" b="1" dirty="0" smtClean="0">
+              <a:rPr lang="ru-RU" b="1" dirty="0">
                 <a:solidFill>
                   <a:schemeClr val="bg1"/>
                 </a:solidFill>
               </a:rPr>
               <a:t>SharePoint</a:t>
             </a:r>
-            <a:endParaRPr lang="ru-RU" dirty="0" smtClean="0"/>
+            <a:endParaRPr lang="ru-RU" dirty="0"/>
           </a:p>
           <a:p>
             <a:pPr lvl="1">
@@ -16528,7 +16519,7 @@
               </a:buClr>
             </a:pPr>
             <a:r>
-              <a:rPr lang="ru-RU" b="1" dirty="0" smtClean="0">
+              <a:rPr lang="ru-RU" b="1" dirty="0">
                 <a:solidFill>
                   <a:schemeClr val="bg1"/>
                 </a:solidFill>
@@ -16536,34 +16527,34 @@
               <a:t>XML</a:t>
             </a:r>
             <a:r>
-              <a:rPr lang="ru-RU" dirty="0" smtClean="0"/>
+              <a:rPr lang="ru-RU" dirty="0"/>
               <a:t> файл</a:t>
             </a:r>
           </a:p>
           <a:p>
             <a:pPr lvl="1"/>
             <a:r>
-              <a:rPr lang="ru-RU" dirty="0" smtClean="0"/>
+              <a:rPr lang="ru-RU" dirty="0"/>
               <a:t>Друга база данни на </a:t>
             </a:r>
             <a:r>
-              <a:rPr lang="ru-RU" b="1" dirty="0" smtClean="0">
+              <a:rPr lang="ru-RU" b="1" dirty="0">
                 <a:solidFill>
                   <a:schemeClr val="bg1"/>
                 </a:solidFill>
               </a:rPr>
               <a:t>Access</a:t>
             </a:r>
-            <a:endParaRPr lang="ru-RU" dirty="0" smtClean="0"/>
+            <a:endParaRPr lang="ru-RU" dirty="0"/>
           </a:p>
           <a:p>
             <a:pPr lvl="1"/>
             <a:r>
-              <a:rPr lang="ru-RU" dirty="0" smtClean="0"/>
+              <a:rPr lang="ru-RU" dirty="0"/>
               <a:t>Папка на </a:t>
             </a:r>
             <a:r>
-              <a:rPr lang="ru-RU" b="1" dirty="0" smtClean="0">
+              <a:rPr lang="ru-RU" b="1" dirty="0">
                 <a:solidFill>
                   <a:schemeClr val="bg1"/>
                 </a:solidFill>
@@ -16574,7 +16565,7 @@
           <a:p>
             <a:pPr lvl="1"/>
             <a:r>
-              <a:rPr lang="bg-BG" dirty="0" smtClean="0"/>
+              <a:rPr lang="bg-BG" dirty="0"/>
               <a:t>И други...</a:t>
             </a:r>
             <a:endParaRPr lang="en-US" dirty="0"/>
@@ -16597,7 +16588,7 @@
           <a:lstStyle/>
           <a:p>
             <a:r>
-              <a:rPr lang="bg-BG" dirty="0" smtClean="0"/>
+              <a:rPr lang="bg-BG" dirty="0"/>
               <a:t>Импортиране на данни (1)</a:t>
             </a:r>
             <a:endParaRPr lang="en-US" dirty="0"/>
@@ -16637,11 +16628,11 @@
   <p:clrMapOvr>
     <a:masterClrMapping/>
   </p:clrMapOvr>
-  <mc:AlternateContent xmlns:mc="http://schemas.openxmlformats.org/markup-compatibility/2006">
-    <mc:Choice xmlns="" xmlns:p14="http://schemas.microsoft.com/office/powerpoint/2010/main" Requires="p14">
+  <mc:AlternateContent xmlns:mc="http://schemas.openxmlformats.org/markup-compatibility/2006" xmlns:p14="http://schemas.microsoft.com/office/powerpoint/2010/main">
+    <mc:Choice Requires="p14">
       <p:transition spd="slow" p14:dur="2000" advClick="0" advTm="5000"/>
     </mc:Choice>
-    <mc:Fallback>
+    <mc:Fallback xmlns="">
       <p:transition spd="slow" advClick="0" advTm="5000"/>
     </mc:Fallback>
   </mc:AlternateContent>
@@ -17062,11 +17053,11 @@
           <a:lstStyle/>
           <a:p>
             <a:r>
-              <a:rPr lang="ru-RU" sz="3600" dirty="0" smtClean="0"/>
+              <a:rPr lang="ru-RU" sz="3600" dirty="0"/>
               <a:t>Когато </a:t>
             </a:r>
             <a:r>
-              <a:rPr lang="ru-RU" sz="3600" b="1" dirty="0" smtClean="0">
+              <a:rPr lang="ru-RU" sz="3600" b="1" dirty="0">
                 <a:solidFill>
                   <a:schemeClr val="bg1"/>
                 </a:solidFill>
@@ -17074,11 +17065,11 @@
               <a:t>импортираме данни</a:t>
             </a:r>
             <a:r>
-              <a:rPr lang="ru-RU" sz="3600" dirty="0" smtClean="0"/>
+              <a:rPr lang="ru-RU" sz="3600" dirty="0"/>
               <a:t>, създаваме </a:t>
             </a:r>
             <a:r>
-              <a:rPr lang="ru-RU" sz="3600" b="1" dirty="0" smtClean="0">
+              <a:rPr lang="ru-RU" sz="3600" b="1" dirty="0">
                 <a:solidFill>
                   <a:schemeClr val="bg1"/>
                 </a:solidFill>
@@ -17086,11 +17077,11 @@
               <a:t>копие</a:t>
             </a:r>
             <a:r>
-              <a:rPr lang="ru-RU" sz="3600" dirty="0" smtClean="0"/>
+              <a:rPr lang="ru-RU" sz="3600" dirty="0"/>
               <a:t> на </a:t>
             </a:r>
             <a:r>
-              <a:rPr lang="ru-RU" sz="3600" b="1" dirty="0" smtClean="0">
+              <a:rPr lang="ru-RU" sz="3600" b="1" dirty="0">
                 <a:solidFill>
                   <a:schemeClr val="bg1"/>
                 </a:solidFill>
@@ -17098,11 +17089,11 @@
               <a:t>данните</a:t>
             </a:r>
             <a:r>
-              <a:rPr lang="ru-RU" sz="3600" dirty="0" smtClean="0"/>
+              <a:rPr lang="ru-RU" sz="3600" dirty="0"/>
               <a:t> в </a:t>
             </a:r>
             <a:r>
-              <a:rPr lang="ru-RU" sz="3600" b="1" dirty="0" smtClean="0">
+              <a:rPr lang="ru-RU" sz="3600" b="1" dirty="0">
                 <a:solidFill>
                   <a:schemeClr val="bg1"/>
                 </a:solidFill>
@@ -17110,18 +17101,18 @@
               <a:t>нова</a:t>
             </a:r>
             <a:r>
-              <a:rPr lang="ru-RU" sz="3600" dirty="0" smtClean="0"/>
+              <a:rPr lang="ru-RU" sz="3600" dirty="0"/>
               <a:t> таблица в </a:t>
             </a:r>
             <a:r>
-              <a:rPr lang="ru-RU" sz="3600" b="1" dirty="0" smtClean="0">
+              <a:rPr lang="ru-RU" sz="3600" b="1" dirty="0">
                 <a:solidFill>
                   <a:schemeClr val="bg1"/>
                 </a:solidFill>
               </a:rPr>
               <a:t>текущата база данни</a:t>
             </a:r>
-            <a:endParaRPr lang="en-US" sz="3600" b="1" dirty="0" smtClean="0">
+            <a:endParaRPr lang="en-US" sz="3600" b="1" dirty="0">
               <a:solidFill>
                 <a:schemeClr val="bg1"/>
               </a:solidFill>
@@ -17129,11 +17120,11 @@
           </a:p>
           <a:p>
             <a:r>
-              <a:rPr lang="ru-RU" sz="3600" dirty="0" smtClean="0"/>
+              <a:rPr lang="ru-RU" sz="3600" dirty="0"/>
               <a:t>Последващите </a:t>
             </a:r>
             <a:r>
-              <a:rPr lang="ru-RU" sz="3600" b="1" dirty="0" smtClean="0">
+              <a:rPr lang="ru-RU" sz="3600" b="1" dirty="0">
                 <a:solidFill>
                   <a:schemeClr val="bg1"/>
                 </a:solidFill>
@@ -17141,11 +17132,11 @@
               <a:t>промени</a:t>
             </a:r>
             <a:r>
-              <a:rPr lang="ru-RU" sz="3600" dirty="0" smtClean="0"/>
+              <a:rPr lang="ru-RU" sz="3600" dirty="0"/>
               <a:t> в </a:t>
             </a:r>
             <a:r>
-              <a:rPr lang="ru-RU" sz="3600" b="1" dirty="0" smtClean="0">
+              <a:rPr lang="ru-RU" sz="3600" b="1" dirty="0">
                 <a:solidFill>
                   <a:schemeClr val="bg1"/>
                 </a:solidFill>
@@ -17153,11 +17144,11 @@
               <a:t>данните</a:t>
             </a:r>
             <a:r>
-              <a:rPr lang="ru-RU" sz="3600" dirty="0" smtClean="0"/>
+              <a:rPr lang="ru-RU" sz="3600" dirty="0"/>
               <a:t> на </a:t>
             </a:r>
             <a:r>
-              <a:rPr lang="ru-RU" sz="3600" b="1" dirty="0" smtClean="0">
+              <a:rPr lang="ru-RU" sz="3600" b="1" dirty="0">
                 <a:solidFill>
                   <a:schemeClr val="bg1"/>
                 </a:solidFill>
@@ -17165,11 +17156,11 @@
               <a:t>източника</a:t>
             </a:r>
             <a:r>
-              <a:rPr lang="ru-RU" sz="3600" dirty="0" smtClean="0"/>
+              <a:rPr lang="ru-RU" sz="3600" dirty="0"/>
               <a:t> няма да имат ефект върху </a:t>
             </a:r>
             <a:r>
-              <a:rPr lang="ru-RU" sz="3600" b="1" dirty="0" smtClean="0">
+              <a:rPr lang="ru-RU" sz="3600" b="1" dirty="0">
                 <a:solidFill>
                   <a:schemeClr val="bg1"/>
                 </a:solidFill>
@@ -17177,11 +17168,11 @@
               <a:t>импортираните</a:t>
             </a:r>
             <a:r>
-              <a:rPr lang="ru-RU" sz="3600" dirty="0" smtClean="0"/>
+              <a:rPr lang="ru-RU" sz="3600" dirty="0"/>
               <a:t> </a:t>
             </a:r>
             <a:r>
-              <a:rPr lang="ru-RU" sz="3600" b="1" dirty="0" smtClean="0">
+              <a:rPr lang="ru-RU" sz="3600" b="1" dirty="0">
                 <a:solidFill>
                   <a:schemeClr val="bg1"/>
                 </a:solidFill>
@@ -17190,25 +17181,21 @@
             </a:r>
           </a:p>
           <a:p>
-            <a:pPr lvl="1"/>
-            <a:r>
-              <a:rPr lang="ru-RU" sz="3400" dirty="0" smtClean="0"/>
-              <a:t> </a:t>
-            </a:r>
-            <a:r>
-              <a:rPr lang="ru-RU" sz="3400" b="1" dirty="0" smtClean="0">
+            <a:pPr lvl="1">
+              <a:buClr>
+                <a:schemeClr val="tx1"/>
+              </a:buClr>
+            </a:pPr>
+            <a:r>
+              <a:rPr lang="ru-RU" sz="3400" b="1" dirty="0" err="1">
                 <a:solidFill>
                   <a:schemeClr val="bg1"/>
                 </a:solidFill>
               </a:rPr>
-              <a:t>Промените </a:t>
-            </a:r>
-            <a:r>
-              <a:rPr lang="ru-RU" sz="3400" dirty="0" smtClean="0"/>
-              <a:t>в импортираните данни</a:t>
-            </a:r>
-            <a:r>
-              <a:rPr lang="ru-RU" sz="3400" b="1" dirty="0" smtClean="0">
+              <a:t>Промените</a:t>
+            </a:r>
+            <a:r>
+              <a:rPr lang="ru-RU" sz="3400" b="1" dirty="0">
                 <a:solidFill>
                   <a:schemeClr val="bg1"/>
                 </a:solidFill>
@@ -17216,11 +17203,23 @@
               <a:t> </a:t>
             </a:r>
             <a:r>
-              <a:rPr lang="ru-RU" sz="3400" dirty="0" smtClean="0"/>
+              <a:rPr lang="ru-RU" sz="3400" dirty="0"/>
+              <a:t>в импортираните данни</a:t>
+            </a:r>
+            <a:r>
+              <a:rPr lang="ru-RU" sz="3400" b="1" dirty="0">
+                <a:solidFill>
+                  <a:schemeClr val="bg1"/>
+                </a:solidFill>
+              </a:rPr>
+              <a:t> </a:t>
+            </a:r>
+            <a:r>
+              <a:rPr lang="ru-RU" sz="3400" dirty="0"/>
               <a:t>също </a:t>
             </a:r>
             <a:r>
-              <a:rPr lang="ru-RU" sz="3400" b="1" dirty="0" smtClean="0">
+              <a:rPr lang="ru-RU" sz="3400" b="1" dirty="0">
                 <a:solidFill>
                   <a:schemeClr val="bg1"/>
                 </a:solidFill>
@@ -17228,18 +17227,18 @@
               <a:t>не засягат </a:t>
             </a:r>
             <a:r>
-              <a:rPr lang="ru-RU" sz="3400" dirty="0" smtClean="0"/>
+              <a:rPr lang="ru-RU" sz="3400" dirty="0"/>
               <a:t>данните на източника</a:t>
             </a:r>
-            <a:endParaRPr lang="en-US" sz="3400" dirty="0" smtClean="0"/>
-          </a:p>
-          <a:p>
-            <a:r>
-              <a:rPr lang="ru-RU" sz="3600" dirty="0" smtClean="0"/>
+            <a:endParaRPr lang="en-US" sz="3400" dirty="0"/>
+          </a:p>
+          <a:p>
+            <a:r>
+              <a:rPr lang="ru-RU" sz="3600" dirty="0"/>
               <a:t>Можете да </a:t>
             </a:r>
             <a:r>
-              <a:rPr lang="ru-RU" sz="3600" b="1" dirty="0" smtClean="0">
+              <a:rPr lang="ru-RU" sz="3600" b="1" dirty="0">
                 <a:solidFill>
                   <a:schemeClr val="bg1"/>
                 </a:solidFill>
@@ -17247,11 +17246,11 @@
               <a:t>промените</a:t>
             </a:r>
             <a:r>
-              <a:rPr lang="ru-RU" sz="3600" dirty="0" smtClean="0"/>
+              <a:rPr lang="ru-RU" sz="3600" dirty="0"/>
               <a:t> </a:t>
             </a:r>
             <a:r>
-              <a:rPr lang="ru-RU" sz="3600" b="1" dirty="0" smtClean="0">
+              <a:rPr lang="ru-RU" sz="3600" b="1" dirty="0">
                 <a:solidFill>
                   <a:schemeClr val="bg1"/>
                 </a:solidFill>
@@ -17259,11 +17258,11 @@
               <a:t>дизайна</a:t>
             </a:r>
             <a:r>
-              <a:rPr lang="ru-RU" sz="3600" dirty="0" smtClean="0"/>
+              <a:rPr lang="ru-RU" sz="3600" dirty="0"/>
               <a:t> на </a:t>
             </a:r>
             <a:r>
-              <a:rPr lang="ru-RU" sz="3600" b="1" dirty="0" smtClean="0">
+              <a:rPr lang="ru-RU" sz="3600" b="1" dirty="0">
                 <a:solidFill>
                   <a:schemeClr val="bg1"/>
                 </a:solidFill>
@@ -17271,7 +17270,7 @@
               <a:t>импортирана</a:t>
             </a:r>
             <a:r>
-              <a:rPr lang="bg-BG" sz="3600" b="1" dirty="0" smtClean="0">
+              <a:rPr lang="bg-BG" sz="3600" b="1" dirty="0">
                 <a:solidFill>
                   <a:schemeClr val="bg1"/>
                 </a:solidFill>
@@ -17279,7 +17278,7 @@
               <a:t>та</a:t>
             </a:r>
             <a:r>
-              <a:rPr lang="ru-RU" sz="3600" b="1" dirty="0" smtClean="0">
+              <a:rPr lang="ru-RU" sz="3600" b="1" dirty="0">
                 <a:solidFill>
                   <a:schemeClr val="bg1"/>
                 </a:solidFill>
@@ -17310,7 +17309,7 @@
           <a:lstStyle/>
           <a:p>
             <a:r>
-              <a:rPr lang="bg-BG" dirty="0" smtClean="0"/>
+              <a:rPr lang="bg-BG" dirty="0"/>
               <a:t>Импортиране на данни (2)</a:t>
             </a:r>
             <a:endParaRPr lang="en-US" dirty="0"/>
@@ -17322,11 +17321,11 @@
   <p:clrMapOvr>
     <a:masterClrMapping/>
   </p:clrMapOvr>
-  <mc:AlternateContent xmlns:mc="http://schemas.openxmlformats.org/markup-compatibility/2006">
-    <mc:Choice xmlns="" xmlns:p14="http://schemas.microsoft.com/office/powerpoint/2010/main" Requires="p14">
+  <mc:AlternateContent xmlns:mc="http://schemas.openxmlformats.org/markup-compatibility/2006" xmlns:p14="http://schemas.microsoft.com/office/powerpoint/2010/main">
+    <mc:Choice Requires="p14">
       <p:transition spd="slow" p14:dur="2000" advClick="0" advTm="5000"/>
     </mc:Choice>
-    <mc:Fallback>
+    <mc:Fallback xmlns="">
       <p:transition spd="slow" advClick="0" advTm="5000"/>
     </mc:Fallback>
   </mc:AlternateContent>
@@ -17551,11 +17550,11 @@
           <a:lstStyle/>
           <a:p>
             <a:r>
-              <a:rPr lang="bg-BG" dirty="0" smtClean="0"/>
+              <a:rPr lang="bg-BG" dirty="0"/>
               <a:t>Натиснете </a:t>
             </a:r>
             <a:r>
-              <a:rPr lang="en-US" b="1" dirty="0" smtClean="0">
+              <a:rPr lang="en-US" b="1" dirty="0">
                 <a:solidFill>
                   <a:schemeClr val="bg1"/>
                 </a:solidFill>
@@ -17564,11 +17563,11 @@
               <a:t>File</a:t>
             </a:r>
             <a:r>
-              <a:rPr lang="en-US" dirty="0" smtClean="0"/>
+              <a:rPr lang="en-US" dirty="0"/>
               <a:t> &gt; </a:t>
             </a:r>
             <a:r>
-              <a:rPr lang="en-US" b="1" dirty="0" smtClean="0">
+              <a:rPr lang="en-US" b="1" dirty="0">
                 <a:solidFill>
                   <a:schemeClr val="bg1"/>
                 </a:solidFill>
@@ -17579,11 +17578,11 @@
           </a:p>
           <a:p>
             <a:r>
-              <a:rPr lang="ru-RU" dirty="0" smtClean="0"/>
+              <a:rPr lang="ru-RU" dirty="0"/>
               <a:t>В диалоговия прозорец </a:t>
             </a:r>
             <a:r>
-              <a:rPr lang="en-US" b="1" dirty="0" smtClean="0">
+              <a:rPr lang="en-US" b="1" dirty="0">
                 <a:solidFill>
                   <a:schemeClr val="bg1"/>
                 </a:solidFill>
@@ -17592,7 +17591,7 @@
               <a:t>Open</a:t>
             </a:r>
             <a:r>
-              <a:rPr lang="en-US" b="1" dirty="0" smtClean="0">
+              <a:rPr lang="en-US" b="1" dirty="0">
                 <a:solidFill>
                   <a:schemeClr val="bg1"/>
                 </a:solidFill>
@@ -17600,18 +17599,18 @@
               <a:t> </a:t>
             </a:r>
             <a:r>
-              <a:rPr lang="ru-RU" dirty="0" smtClean="0"/>
+              <a:rPr lang="ru-RU" dirty="0"/>
               <a:t>изберете и отворете базата данни, в която искате да създадете нова таблица</a:t>
             </a:r>
-            <a:endParaRPr lang="en-US" dirty="0" smtClean="0"/>
-          </a:p>
-          <a:p>
-            <a:r>
-              <a:rPr lang="bg-BG" dirty="0" smtClean="0"/>
+            <a:endParaRPr lang="en-US" dirty="0"/>
+          </a:p>
+          <a:p>
+            <a:r>
+              <a:rPr lang="bg-BG" dirty="0"/>
               <a:t>В раздела </a:t>
             </a:r>
             <a:r>
-              <a:rPr lang="en-US" b="1" dirty="0" smtClean="0">
+              <a:rPr lang="en-US" b="1" dirty="0">
                 <a:solidFill>
                   <a:schemeClr val="bg1"/>
                 </a:solidFill>
@@ -17620,15 +17619,15 @@
               <a:t>External Data</a:t>
             </a:r>
             <a:r>
-              <a:rPr lang="bg-BG" dirty="0" smtClean="0"/>
+              <a:rPr lang="bg-BG" dirty="0"/>
               <a:t>, в групата</a:t>
             </a:r>
             <a:r>
-              <a:rPr lang="en-US" dirty="0" smtClean="0"/>
+              <a:rPr lang="en-US" dirty="0"/>
               <a:t> </a:t>
             </a:r>
             <a:r>
-              <a:rPr lang="en-US" b="1" dirty="0" smtClean="0">
+              <a:rPr lang="en-US" b="1" dirty="0">
                 <a:solidFill>
                   <a:schemeClr val="bg1"/>
                 </a:solidFill>
@@ -17637,7 +17636,7 @@
               <a:t>Import &amp; Link</a:t>
             </a:r>
             <a:r>
-              <a:rPr lang="bg-BG" b="1" dirty="0" smtClean="0">
+              <a:rPr lang="bg-BG" b="1" dirty="0">
                 <a:solidFill>
                   <a:schemeClr val="bg1"/>
                 </a:solidFill>
@@ -17645,10 +17644,10 @@
               <a:t> </a:t>
             </a:r>
             <a:r>
-              <a:rPr lang="bg-BG" dirty="0" smtClean="0"/>
+              <a:rPr lang="bg-BG" dirty="0"/>
               <a:t>натиснете върху един от наличните източници на данни</a:t>
             </a:r>
-            <a:endParaRPr lang="en-US" dirty="0" smtClean="0"/>
+            <a:endParaRPr lang="en-US" dirty="0"/>
           </a:p>
           <a:p>
             <a:endParaRPr lang="en-US" dirty="0"/>
@@ -17667,21 +17666,21 @@
         </p:nvSpPr>
         <p:spPr>
           <a:xfrm>
-            <a:off x="152400" y="100750"/>
-            <a:ext cx="10096594" cy="882654"/>
+            <a:off x="76200" y="76200"/>
+            <a:ext cx="9906000" cy="882654"/>
           </a:xfrm>
         </p:spPr>
         <p:txBody>
           <a:bodyPr>
-            <a:normAutofit/>
+            <a:noAutofit/>
           </a:bodyPr>
           <a:lstStyle/>
           <a:p>
             <a:r>
-              <a:rPr lang="bg-BG" sz="3600" dirty="0" smtClean="0"/>
-              <a:t>Направете таблица чрез импоритране на данни</a:t>
-            </a:r>
-            <a:endParaRPr lang="en-US" sz="3600" dirty="0"/>
+              <a:rPr lang="bg-BG" sz="3400" dirty="0"/>
+              <a:t>Създаване на таблица чрез импоритране на данни</a:t>
+            </a:r>
+            <a:endParaRPr lang="en-US" sz="3400" dirty="0"/>
           </a:p>
         </p:txBody>
       </p:sp>
@@ -17719,11 +17718,11 @@
   <p:clrMapOvr>
     <a:masterClrMapping/>
   </p:clrMapOvr>
-  <mc:AlternateContent xmlns:mc="http://schemas.openxmlformats.org/markup-compatibility/2006">
-    <mc:Choice xmlns="" xmlns:p14="http://schemas.microsoft.com/office/powerpoint/2010/main" Requires="p14">
+  <mc:AlternateContent xmlns:mc="http://schemas.openxmlformats.org/markup-compatibility/2006" xmlns:p14="http://schemas.microsoft.com/office/powerpoint/2010/main">
+    <mc:Choice Requires="p14">
       <p:transition spd="slow" p14:dur="2000" advClick="0" advTm="5000"/>
     </mc:Choice>
-    <mc:Fallback>
+    <mc:Fallback xmlns="">
       <p:transition spd="slow" advClick="0" advTm="5000"/>
     </mc:Fallback>
   </mc:AlternateContent>
@@ -17942,27 +17941,27 @@
           <a:lstStyle/>
           <a:p>
             <a:r>
-              <a:rPr lang="en-US" dirty="0" smtClean="0"/>
+              <a:rPr lang="en-US" dirty="0"/>
               <a:t>TODO: </a:t>
             </a:r>
-            <a:endParaRPr lang="bg-BG" dirty="0" smtClean="0"/>
+            <a:endParaRPr lang="bg-BG" dirty="0"/>
           </a:p>
           <a:p>
             <a:pPr lvl="1"/>
             <a:r>
-              <a:rPr lang="bg-BG" dirty="0" smtClean="0"/>
+              <a:rPr lang="bg-BG" dirty="0"/>
               <a:t>Постъпково показване</a:t>
             </a:r>
             <a:r>
-              <a:rPr lang="en-US" dirty="0" smtClean="0"/>
+              <a:rPr lang="en-US" dirty="0"/>
               <a:t> </a:t>
             </a:r>
             <a:r>
-              <a:rPr lang="bg-BG" dirty="0" smtClean="0"/>
+              <a:rPr lang="bg-BG" dirty="0"/>
               <a:t>(</a:t>
             </a:r>
             <a:r>
-              <a:rPr lang="en-US" b="1" dirty="0" smtClean="0">
+              <a:rPr lang="en-US" b="1" dirty="0">
                 <a:solidFill>
                   <a:schemeClr val="bg1"/>
                 </a:solidFill>
@@ -17970,15 +17969,15 @@
               <a:t>screenshots</a:t>
             </a:r>
             <a:r>
-              <a:rPr lang="en-US" dirty="0" smtClean="0"/>
+              <a:rPr lang="en-US" dirty="0"/>
               <a:t>)</a:t>
             </a:r>
             <a:r>
-              <a:rPr lang="bg-BG" dirty="0" smtClean="0"/>
+              <a:rPr lang="bg-BG" dirty="0"/>
               <a:t> на това как да импортираме данни от </a:t>
             </a:r>
             <a:r>
-              <a:rPr lang="en-US" b="1" dirty="0" smtClean="0">
+              <a:rPr lang="en-US" b="1" dirty="0">
                 <a:solidFill>
                   <a:schemeClr val="bg1"/>
                 </a:solidFill>
@@ -17986,15 +17985,15 @@
               <a:t>Excel</a:t>
             </a:r>
             <a:r>
-              <a:rPr lang="en-US" dirty="0" smtClean="0"/>
+              <a:rPr lang="en-US" dirty="0"/>
               <a:t> </a:t>
             </a:r>
             <a:r>
-              <a:rPr lang="bg-BG" dirty="0" smtClean="0"/>
+              <a:rPr lang="bg-BG" dirty="0"/>
               <a:t>в </a:t>
             </a:r>
             <a:r>
-              <a:rPr lang="en-US" b="1" dirty="0" smtClean="0">
+              <a:rPr lang="en-US" b="1" dirty="0">
                 <a:solidFill>
                   <a:schemeClr val="bg1"/>
                 </a:solidFill>
@@ -18002,11 +18001,11 @@
               <a:t>MS Access </a:t>
             </a:r>
             <a:r>
-              <a:rPr lang="bg-BG" dirty="0" smtClean="0"/>
+              <a:rPr lang="bg-BG" dirty="0"/>
               <a:t>(виж </a:t>
             </a:r>
             <a:r>
-              <a:rPr lang="bg-BG" b="1" dirty="0" smtClean="0">
+              <a:rPr lang="bg-BG" b="1" dirty="0">
                 <a:solidFill>
                   <a:schemeClr val="bg1"/>
                 </a:solidFill>
@@ -18014,29 +18013,24 @@
               <a:t>следващия слайд</a:t>
             </a:r>
             <a:r>
-              <a:rPr lang="bg-BG" dirty="0" smtClean="0"/>
+              <a:rPr lang="bg-BG" dirty="0"/>
               <a:t>)</a:t>
             </a:r>
           </a:p>
           <a:p>
             <a:pPr lvl="1"/>
             <a:r>
-              <a:rPr lang="bg-BG" dirty="0" smtClean="0"/>
+              <a:rPr lang="bg-BG" dirty="0"/>
               <a:t>Същия пример е нужен и за импортиране на данни от </a:t>
             </a:r>
             <a:r>
-              <a:rPr lang="en-US" b="1" dirty="0" smtClean="0">
+              <a:rPr lang="en-US" b="1" dirty="0">
                 <a:solidFill>
                   <a:schemeClr val="bg1"/>
                 </a:solidFill>
               </a:rPr>
               <a:t>SQL Server</a:t>
             </a:r>
-            <a:endParaRPr lang="en-US" b="1" dirty="0">
-              <a:solidFill>
-                <a:schemeClr val="bg1"/>
-              </a:solidFill>
-            </a:endParaRPr>
           </a:p>
         </p:txBody>
       </p:sp>
@@ -18058,10 +18052,9 @@
           <a:lstStyle/>
           <a:p>
             <a:r>
-              <a:rPr lang="en-US" sz="3500" dirty="0" smtClean="0"/>
+              <a:rPr lang="en-US" sz="3500" dirty="0"/>
               <a:t>TODO Slide</a:t>
             </a:r>
-            <a:endParaRPr lang="en-US" sz="3500" dirty="0"/>
           </a:p>
         </p:txBody>
       </p:sp>
@@ -18070,21 +18063,14 @@
   <p:clrMapOvr>
     <a:masterClrMapping/>
   </p:clrMapOvr>
-  <mc:AlternateContent xmlns:mc="http://schemas.openxmlformats.org/markup-compatibility/2006">
-    <mc:Choice xmlns="" xmlns:p14="http://schemas.microsoft.com/office/powerpoint/2010/main" Requires="p14">
+  <mc:AlternateContent xmlns:mc="http://schemas.openxmlformats.org/markup-compatibility/2006" xmlns:p14="http://schemas.microsoft.com/office/powerpoint/2010/main">
+    <mc:Choice Requires="p14">
       <p:transition spd="slow" p14:dur="2000" advClick="0" advTm="5000"/>
     </mc:Choice>
-    <mc:Fallback>
+    <mc:Fallback xmlns="">
       <p:transition spd="slow" advClick="0" advTm="5000"/>
     </mc:Fallback>
   </mc:AlternateContent>
-  <p:timing>
-    <p:tnLst>
-      <p:par>
-        <p:cTn id="1" dur="indefinite" restart="never" nodeType="tmRoot"/>
-      </p:par>
-    </p:tnLst>
-  </p:timing>
 </p:sld>
 </file>
 
@@ -18147,11 +18133,11 @@
           <a:lstStyle/>
           <a:p>
             <a:r>
-              <a:rPr lang="bg-BG" sz="3200" dirty="0" smtClean="0"/>
+              <a:rPr lang="bg-BG" sz="3200" dirty="0"/>
               <a:t>Изберете </a:t>
             </a:r>
             <a:r>
-              <a:rPr lang="en-US" sz="3200" b="1" dirty="0" smtClean="0">
+              <a:rPr lang="en-US" sz="3200" b="1" dirty="0">
                 <a:solidFill>
                   <a:schemeClr val="bg1"/>
                 </a:solidFill>
@@ -18159,15 +18145,15 @@
               <a:t>Excel</a:t>
             </a:r>
             <a:r>
-              <a:rPr lang="en-US" sz="3200" dirty="0" smtClean="0"/>
+              <a:rPr lang="en-US" sz="3200" dirty="0"/>
               <a:t> </a:t>
             </a:r>
             <a:r>
-              <a:rPr lang="bg-BG" sz="3200" dirty="0" smtClean="0"/>
+              <a:rPr lang="bg-BG" sz="3200" dirty="0"/>
               <a:t>от групата </a:t>
             </a:r>
             <a:r>
-              <a:rPr lang="en-US" sz="3200" b="1" dirty="0" smtClean="0">
+              <a:rPr lang="en-US" sz="3200" b="1" dirty="0">
                 <a:solidFill>
                   <a:schemeClr val="bg1"/>
                 </a:solidFill>
@@ -18176,7 +18162,7 @@
               <a:t>Import &amp; Link</a:t>
             </a:r>
             <a:r>
-              <a:rPr lang="bg-BG" sz="3200" b="1" dirty="0" smtClean="0">
+              <a:rPr lang="bg-BG" sz="3200" b="1" dirty="0">
                 <a:solidFill>
                   <a:schemeClr val="bg1"/>
                 </a:solidFill>
@@ -18185,7 +18171,7 @@
             </a:r>
           </a:p>
           <a:p>
-            <a:endParaRPr lang="bg-BG" sz="3200" b="1" dirty="0" smtClean="0">
+            <a:endParaRPr lang="bg-BG" sz="3200" b="1" dirty="0">
               <a:solidFill>
                 <a:schemeClr val="bg1"/>
               </a:solidFill>
@@ -18195,19 +18181,19 @@
             <a:pPr>
               <a:buNone/>
             </a:pPr>
-            <a:endParaRPr lang="en-US" sz="3200" dirty="0" smtClean="0"/>
-          </a:p>
-          <a:p>
-            <a:r>
-              <a:rPr lang="bg-BG" sz="3200" dirty="0" smtClean="0"/>
+            <a:endParaRPr lang="en-US" sz="3200" dirty="0"/>
+          </a:p>
+          <a:p>
+            <a:r>
+              <a:rPr lang="bg-BG" sz="3200" dirty="0"/>
               <a:t>Появява се </a:t>
             </a:r>
             <a:r>
-              <a:rPr lang="en-US" sz="3200" dirty="0" smtClean="0"/>
+              <a:rPr lang="en-US" sz="3200" dirty="0"/>
               <a:t>"</a:t>
             </a:r>
             <a:r>
-              <a:rPr lang="en-US" sz="3200" b="1" dirty="0" smtClean="0">
+              <a:rPr lang="en-US" sz="3200" b="1" dirty="0">
                 <a:solidFill>
                   <a:schemeClr val="bg1"/>
                 </a:solidFill>
@@ -18216,17 +18202,17 @@
               <a:t>Get External Data – Excel Spreadsheet</a:t>
             </a:r>
             <a:r>
-              <a:rPr lang="en-US" sz="3200" dirty="0" smtClean="0"/>
+              <a:rPr lang="en-US" sz="3200" dirty="0"/>
               <a:t>“</a:t>
             </a:r>
           </a:p>
           <a:p>
             <a:r>
-              <a:rPr lang="bg-BG" sz="3200" dirty="0" smtClean="0"/>
+              <a:rPr lang="bg-BG" sz="3200" dirty="0"/>
               <a:t>Изберете </a:t>
             </a:r>
             <a:r>
-              <a:rPr lang="en-US" sz="3200" b="1" dirty="0" smtClean="0">
+              <a:rPr lang="en-US" sz="3200" b="1" dirty="0">
                 <a:solidFill>
                   <a:schemeClr val="bg1"/>
                 </a:solidFill>
@@ -18234,15 +18220,15 @@
               <a:t>Excel</a:t>
             </a:r>
             <a:r>
-              <a:rPr lang="en-US" sz="3200" dirty="0" smtClean="0"/>
+              <a:rPr lang="en-US" sz="3200" dirty="0"/>
               <a:t> </a:t>
             </a:r>
             <a:r>
-              <a:rPr lang="bg-BG" sz="3200" dirty="0" smtClean="0"/>
+              <a:rPr lang="bg-BG" sz="3200" dirty="0"/>
               <a:t>файла, от който искате да </a:t>
             </a:r>
             <a:r>
-              <a:rPr lang="bg-BG" sz="3200" b="1" dirty="0" smtClean="0">
+              <a:rPr lang="bg-BG" sz="3200" b="1" dirty="0">
                 <a:solidFill>
                   <a:schemeClr val="bg1"/>
                 </a:solidFill>
@@ -18250,50 +18236,41 @@
               <a:t>извлечете</a:t>
             </a:r>
             <a:r>
-              <a:rPr lang="bg-BG" sz="3200" dirty="0" smtClean="0"/>
+              <a:rPr lang="bg-BG" sz="3200" dirty="0"/>
               <a:t> данни</a:t>
             </a:r>
           </a:p>
           <a:p>
             <a:r>
-              <a:rPr lang="bg-BG" sz="3200" dirty="0" smtClean="0"/>
+              <a:rPr lang="bg-BG" sz="3200" dirty="0"/>
               <a:t> Изберете опцията </a:t>
             </a:r>
             <a:r>
-              <a:rPr lang="en-US" sz="3200" dirty="0" smtClean="0"/>
+              <a:rPr lang="en-US" sz="3200" dirty="0"/>
               <a:t>"</a:t>
             </a:r>
             <a:r>
-              <a:rPr lang="en-US" sz="3200" b="1" dirty="0" smtClean="0">
+              <a:rPr lang="en-US" sz="3200" b="1" dirty="0">
                 <a:solidFill>
                   <a:schemeClr val="bg1"/>
                 </a:solidFill>
                 <a:latin typeface="Consolas" pitchFamily="49" charset="0"/>
               </a:rPr>
-              <a:t>Import the source data into a new table in the current </a:t>
-            </a:r>
-            <a:r>
-              <a:rPr lang="en-US" sz="3200" b="1" dirty="0" smtClean="0">
-                <a:solidFill>
-                  <a:schemeClr val="bg1"/>
-                </a:solidFill>
-                <a:latin typeface="Consolas" pitchFamily="49" charset="0"/>
-              </a:rPr>
-              <a:t>database</a:t>
-            </a:r>
-            <a:r>
-              <a:rPr lang="en-US" sz="3200" dirty="0" smtClean="0"/>
+              <a:t>Import the source data into a new table in the current database</a:t>
+            </a:r>
+            <a:r>
+              <a:rPr lang="en-US" sz="3200" dirty="0"/>
               <a:t>"</a:t>
             </a:r>
-            <a:endParaRPr lang="bg-BG" sz="3200" dirty="0" smtClean="0"/>
-          </a:p>
-          <a:p>
-            <a:r>
-              <a:rPr lang="bg-BG" sz="3200" dirty="0" smtClean="0"/>
+            <a:endParaRPr lang="bg-BG" sz="3200" dirty="0"/>
+          </a:p>
+          <a:p>
+            <a:r>
+              <a:rPr lang="bg-BG" sz="3200" dirty="0"/>
               <a:t>Натиснете </a:t>
             </a:r>
             <a:r>
-              <a:rPr lang="bg-BG" sz="3200" b="1" dirty="0" smtClean="0">
+              <a:rPr lang="bg-BG" sz="3200" b="1" dirty="0">
                 <a:solidFill>
                   <a:schemeClr val="bg1"/>
                 </a:solidFill>
@@ -18323,14 +18300,13 @@
           <a:lstStyle/>
           <a:p>
             <a:r>
-              <a:rPr lang="bg-BG" dirty="0" smtClean="0"/>
+              <a:rPr lang="bg-BG" dirty="0"/>
               <a:t>Импортиране на данни от</a:t>
             </a:r>
             <a:r>
-              <a:rPr lang="en-US" dirty="0" smtClean="0"/>
+              <a:rPr lang="en-US" dirty="0"/>
               <a:t> Excel</a:t>
             </a:r>
-            <a:endParaRPr lang="en-US" dirty="0"/>
           </a:p>
         </p:txBody>
       </p:sp>
@@ -18455,11 +18431,11 @@
   <p:clrMapOvr>
     <a:masterClrMapping/>
   </p:clrMapOvr>
-  <mc:AlternateContent xmlns:mc="http://schemas.openxmlformats.org/markup-compatibility/2006">
-    <mc:Choice xmlns="" xmlns:p14="http://schemas.microsoft.com/office/powerpoint/2010/main" Requires="p14">
+  <mc:AlternateContent xmlns:mc="http://schemas.openxmlformats.org/markup-compatibility/2006" xmlns:p14="http://schemas.microsoft.com/office/powerpoint/2010/main">
+    <mc:Choice Requires="p14">
       <p:transition spd="slow" p14:dur="2000" advClick="0" advTm="5000"/>
     </mc:Choice>
-    <mc:Fallback>
+    <mc:Fallback xmlns="">
       <p:transition spd="slow" advClick="0" advTm="5000"/>
     </mc:Fallback>
   </mc:AlternateContent>
@@ -18762,7 +18738,7 @@
           <p:cNvPr id="5" name="Slide Number">
             <a:extLst>
               <a:ext uri="{FF2B5EF4-FFF2-40B4-BE49-F238E27FC236}">
-                <a16:creationId xmlns="" xmlns:a16="http://schemas.microsoft.com/office/drawing/2014/main" id="{6A760D59-0056-4F39-B077-DBDBE3D2927E}"/>
+                <a16:creationId xmlns:a16="http://schemas.microsoft.com/office/drawing/2014/main" id="{6A760D59-0056-4F39-B077-DBDBE3D2927E}"/>
               </a:ext>
             </a:extLst>
           </p:cNvPr>
@@ -18918,7 +18894,11 @@
               </a:spcAft>
             </a:pPr>
             <a:r>
-              <a:rPr lang="en-US" sz="3000" b="1" dirty="0" smtClean="0">
+              <a:rPr lang="en-US" sz="3000" dirty="0"/>
+              <a:t>͏</a:t>
+            </a:r>
+            <a:r>
+              <a:rPr lang="en-US" sz="3000" b="1" dirty="0">
                 <a:solidFill>
                   <a:schemeClr val="bg1"/>
                 </a:solidFill>
@@ -18936,18 +18916,18 @@
               </a:spcAft>
             </a:pPr>
             <a:r>
-              <a:rPr lang="ru-RU" sz="3000" dirty="0" smtClean="0"/>
+              <a:rPr lang="ru-RU" sz="3000" dirty="0"/>
               <a:t>Създаване на таблици</a:t>
             </a:r>
             <a:r>
-              <a:rPr lang="en-US" sz="3000" dirty="0" smtClean="0"/>
+              <a:rPr lang="en-US" sz="3000" dirty="0"/>
               <a:t> </a:t>
             </a:r>
             <a:r>
-              <a:rPr lang="ru-RU" sz="3000" dirty="0" smtClean="0"/>
+              <a:rPr lang="ru-RU" sz="3000" dirty="0"/>
               <a:t>и попълване на данни</a:t>
             </a:r>
-            <a:endParaRPr lang="en-US" sz="3000" dirty="0" smtClean="0"/>
+            <a:endParaRPr lang="en-US" sz="3000" dirty="0"/>
           </a:p>
           <a:p>
             <a:pPr>
@@ -18959,18 +18939,18 @@
               </a:spcAft>
             </a:pPr>
             <a:r>
-              <a:rPr lang="ru-RU" sz="3000" dirty="0" smtClean="0"/>
+              <a:rPr lang="ru-RU" sz="3000" dirty="0"/>
               <a:t>Импортиране на </a:t>
             </a:r>
             <a:r>
-              <a:rPr lang="ru-RU" sz="3000" b="1" dirty="0" smtClean="0">
+              <a:rPr lang="ru-RU" sz="3000" b="1" dirty="0">
                 <a:solidFill>
                   <a:schemeClr val="bg1"/>
                 </a:solidFill>
               </a:rPr>
               <a:t>външни данни</a:t>
             </a:r>
-            <a:endParaRPr lang="en-US" sz="3000" b="1" dirty="0" smtClean="0">
+            <a:endParaRPr lang="en-US" sz="3000" b="1" dirty="0">
               <a:solidFill>
                 <a:schemeClr val="bg1"/>
               </a:solidFill>
@@ -18989,14 +18969,14 @@
               </a:buClr>
             </a:pPr>
             <a:r>
-              <a:rPr lang="ru-RU" sz="2800" b="1" dirty="0" smtClean="0">
+              <a:rPr lang="ru-RU" sz="2800" b="1" dirty="0">
                 <a:solidFill>
                   <a:schemeClr val="bg1"/>
                 </a:solidFill>
               </a:rPr>
               <a:t>MS Excel </a:t>
             </a:r>
-            <a:endParaRPr lang="en-US" sz="2800" b="1" dirty="0" smtClean="0">
+            <a:endParaRPr lang="en-US" sz="2800" b="1" dirty="0">
               <a:solidFill>
                 <a:schemeClr val="bg1"/>
               </a:solidFill>
@@ -19015,14 +18995,14 @@
               </a:buClr>
             </a:pPr>
             <a:r>
-              <a:rPr lang="ru-RU" sz="2800" b="1" dirty="0" smtClean="0">
+              <a:rPr lang="ru-RU" sz="2800" b="1" dirty="0">
                 <a:solidFill>
                   <a:schemeClr val="bg1"/>
                 </a:solidFill>
               </a:rPr>
               <a:t>SQL Server</a:t>
             </a:r>
-            <a:endParaRPr lang="en-US" sz="2800" b="1" dirty="0" smtClean="0">
+            <a:endParaRPr lang="en-US" sz="2800" b="1" dirty="0">
               <a:solidFill>
                 <a:schemeClr val="bg1"/>
               </a:solidFill>
@@ -19041,18 +19021,18 @@
               </a:buClr>
             </a:pPr>
             <a:r>
-              <a:rPr lang="ru-RU" sz="3000" dirty="0" smtClean="0"/>
+              <a:rPr lang="ru-RU" sz="3000" dirty="0"/>
               <a:t>Създаване на </a:t>
             </a:r>
             <a:r>
-              <a:rPr lang="ru-RU" sz="3000" b="1" dirty="0" smtClean="0">
+              <a:rPr lang="ru-RU" sz="3000" b="1" dirty="0">
                 <a:solidFill>
                   <a:schemeClr val="bg1"/>
                 </a:solidFill>
               </a:rPr>
               <a:t>заявки</a:t>
             </a:r>
-            <a:endParaRPr lang="en-US" sz="3000" b="1" dirty="0" smtClean="0">
+            <a:endParaRPr lang="en-US" sz="3000" b="1" dirty="0">
               <a:solidFill>
                 <a:schemeClr val="bg1"/>
               </a:solidFill>
@@ -19071,11 +19051,11 @@
               </a:buClr>
             </a:pPr>
             <a:r>
-              <a:rPr lang="ru-RU" sz="2800" dirty="0" smtClean="0"/>
+              <a:rPr lang="ru-RU" sz="2800" dirty="0"/>
               <a:t> </a:t>
             </a:r>
             <a:r>
-              <a:rPr lang="ru-RU" sz="2800" b="1" dirty="0" smtClean="0">
+              <a:rPr lang="ru-RU" sz="2800" b="1" dirty="0">
                 <a:solidFill>
                   <a:schemeClr val="bg1"/>
                 </a:solidFill>
@@ -19083,7 +19063,7 @@
               <a:t>SQL</a:t>
             </a:r>
             <a:r>
-              <a:rPr lang="ru-RU" sz="2800" dirty="0" smtClean="0"/>
+              <a:rPr lang="ru-RU" sz="2800" dirty="0"/>
               <a:t> редактор </a:t>
             </a:r>
           </a:p>
@@ -19100,7 +19080,7 @@
               </a:buClr>
             </a:pPr>
             <a:r>
-              <a:rPr lang="ru-RU" sz="2800" b="1" dirty="0" smtClean="0">
+              <a:rPr lang="ru-RU" sz="2800" b="1" dirty="0">
                 <a:solidFill>
                   <a:schemeClr val="bg1"/>
                 </a:solidFill>
@@ -19108,7 +19088,7 @@
               <a:t>Визуален</a:t>
             </a:r>
             <a:r>
-              <a:rPr lang="ru-RU" sz="2800" dirty="0" smtClean="0"/>
+              <a:rPr lang="ru-RU" sz="2800" dirty="0"/>
               <a:t> редактор</a:t>
             </a:r>
           </a:p>
@@ -19125,7 +19105,7 @@
               </a:buClr>
             </a:pPr>
             <a:r>
-              <a:rPr lang="bg-BG" sz="3000" dirty="0" smtClean="0"/>
+              <a:rPr lang="bg-BG" sz="3000" dirty="0"/>
               <a:t>Параметрични заявки</a:t>
             </a:r>
           </a:p>
@@ -19142,11 +19122,11 @@
               </a:buClr>
             </a:pPr>
             <a:r>
-              <a:rPr lang="bg-BG" sz="3000" dirty="0" smtClean="0"/>
+              <a:rPr lang="bg-BG" sz="3000" dirty="0"/>
               <a:t>Формуляри (</a:t>
             </a:r>
             <a:r>
-              <a:rPr lang="en-US" sz="3000" b="1" dirty="0" smtClean="0">
+              <a:rPr lang="en-US" sz="3000" b="1" dirty="0">
                 <a:solidFill>
                   <a:schemeClr val="bg1"/>
                 </a:solidFill>
@@ -19154,10 +19134,10 @@
               <a:t>forms</a:t>
             </a:r>
             <a:r>
-              <a:rPr lang="en-US" sz="3000" dirty="0" smtClean="0"/>
+              <a:rPr lang="en-US" sz="3000" dirty="0"/>
               <a:t>)</a:t>
             </a:r>
-            <a:endParaRPr lang="bg-BG" sz="3000" dirty="0" smtClean="0"/>
+            <a:endParaRPr lang="bg-BG" sz="3000" dirty="0"/>
           </a:p>
           <a:p>
             <a:pPr>
@@ -19172,15 +19152,15 @@
               </a:buClr>
             </a:pPr>
             <a:r>
-              <a:rPr lang="bg-BG" sz="3000" dirty="0" smtClean="0"/>
+              <a:rPr lang="bg-BG" sz="3000" dirty="0"/>
               <a:t>Отчети </a:t>
             </a:r>
             <a:r>
-              <a:rPr lang="en-US" sz="3000" dirty="0" smtClean="0"/>
+              <a:rPr lang="en-US" sz="3000" dirty="0"/>
               <a:t>(</a:t>
             </a:r>
             <a:r>
-              <a:rPr lang="en-US" sz="3000" b="1" dirty="0" smtClean="0">
+              <a:rPr lang="en-US" sz="3000" b="1" dirty="0">
                 <a:solidFill>
                   <a:schemeClr val="bg1"/>
                 </a:solidFill>
@@ -19188,10 +19168,10 @@
               <a:t>reports</a:t>
             </a:r>
             <a:r>
-              <a:rPr lang="en-US" sz="3000" dirty="0" smtClean="0"/>
+              <a:rPr lang="en-US" sz="3000" dirty="0"/>
               <a:t>)</a:t>
             </a:r>
-            <a:endParaRPr lang="en-US" sz="3000" dirty="0" smtClean="0">
+            <a:endParaRPr lang="en-US" sz="3000" dirty="0">
               <a:solidFill>
                 <a:schemeClr val="bg1"/>
               </a:solidFill>
@@ -19229,18 +19209,18 @@
     </p:spTree>
     <p:extLst>
       <p:ext uri="{BB962C8B-B14F-4D97-AF65-F5344CB8AC3E}">
-        <p14:creationId xmlns="" xmlns:p14="http://schemas.microsoft.com/office/powerpoint/2010/main" val="1646986932"/>
+        <p14:creationId xmlns:p14="http://schemas.microsoft.com/office/powerpoint/2010/main" val="1646986932"/>
       </p:ext>
     </p:extLst>
   </p:cSld>
   <p:clrMapOvr>
     <a:masterClrMapping/>
   </p:clrMapOvr>
-  <mc:AlternateContent xmlns:mc="http://schemas.openxmlformats.org/markup-compatibility/2006">
-    <mc:Choice xmlns="" xmlns:p14="http://schemas.microsoft.com/office/powerpoint/2010/main" Requires="p14">
+  <mc:AlternateContent xmlns:mc="http://schemas.openxmlformats.org/markup-compatibility/2006" xmlns:p14="http://schemas.microsoft.com/office/powerpoint/2010/main">
+    <mc:Choice Requires="p14">
       <p:transition spd="slow" p14:dur="2000" advClick="0" advTm="5000"/>
     </mc:Choice>
-    <mc:Fallback>
+    <mc:Fallback xmlns="">
       <p:transition spd="slow" advClick="0" advTm="5000"/>
     </mc:Fallback>
   </mc:AlternateContent>
@@ -19793,7 +19773,7 @@
               </a:buClr>
             </a:pPr>
             <a:r>
-              <a:rPr lang="en-US" b="1" dirty="0" smtClean="0">
+              <a:rPr lang="en-US" b="1" dirty="0">
                 <a:solidFill>
                   <a:schemeClr val="bg1"/>
                 </a:solidFill>
@@ -19801,11 +19781,11 @@
               <a:t>TODO</a:t>
             </a:r>
             <a:r>
-              <a:rPr lang="en-US" dirty="0" smtClean="0"/>
+              <a:rPr lang="en-US" dirty="0"/>
               <a:t>: </a:t>
             </a:r>
             <a:r>
-              <a:rPr lang="bg-BG" dirty="0" smtClean="0"/>
+              <a:rPr lang="bg-BG" dirty="0"/>
               <a:t>Добави информация</a:t>
             </a:r>
             <a:endParaRPr lang="en-US" dirty="0"/>
@@ -19828,14 +19808,13 @@
           <a:lstStyle/>
           <a:p>
             <a:r>
-              <a:rPr lang="bg-BG" dirty="0" smtClean="0"/>
+              <a:rPr lang="bg-BG" dirty="0"/>
               <a:t>Импортиране на данни от</a:t>
             </a:r>
             <a:r>
-              <a:rPr lang="en-US" dirty="0" smtClean="0"/>
+              <a:rPr lang="en-US" dirty="0"/>
               <a:t> SQL Server</a:t>
             </a:r>
-            <a:endParaRPr lang="en-US" dirty="0"/>
           </a:p>
         </p:txBody>
       </p:sp>
@@ -19844,21 +19823,14 @@
   <p:clrMapOvr>
     <a:masterClrMapping/>
   </p:clrMapOvr>
-  <mc:AlternateContent xmlns:mc="http://schemas.openxmlformats.org/markup-compatibility/2006">
-    <mc:Choice xmlns="" xmlns:p14="http://schemas.microsoft.com/office/powerpoint/2010/main" Requires="p14">
+  <mc:AlternateContent xmlns:mc="http://schemas.openxmlformats.org/markup-compatibility/2006" xmlns:p14="http://schemas.microsoft.com/office/powerpoint/2010/main">
+    <mc:Choice Requires="p14">
       <p:transition spd="slow" p14:dur="2000" advClick="0" advTm="5000"/>
     </mc:Choice>
-    <mc:Fallback>
+    <mc:Fallback xmlns="">
       <p:transition spd="slow" advClick="0" advTm="5000"/>
     </mc:Fallback>
   </mc:AlternateContent>
-  <p:timing>
-    <p:tnLst>
-      <p:par>
-        <p:cTn id="1" dur="indefinite" restart="never" nodeType="tmRoot"/>
-      </p:par>
-    </p:tnLst>
-  </p:timing>
 </p:sld>
 </file>
 
@@ -19895,11 +19867,11 @@
           <a:lstStyle/>
           <a:p>
             <a:r>
-              <a:rPr lang="bg-BG" dirty="0" smtClean="0"/>
+              <a:rPr lang="bg-BG" dirty="0"/>
               <a:t>Създаване </a:t>
             </a:r>
             <a:r>
-              <a:rPr lang="bg-BG" smtClean="0"/>
+              <a:rPr lang="bg-BG"/>
               <a:t>на формуляри</a:t>
             </a:r>
             <a:endParaRPr lang="en-US" dirty="0"/>
@@ -19922,7 +19894,7 @@
           <a:lstStyle/>
           <a:p>
             <a:r>
-              <a:rPr lang="bg-BG" dirty="0" smtClean="0"/>
+              <a:rPr lang="bg-BG" dirty="0"/>
               <a:t>Формуляри</a:t>
             </a:r>
             <a:endParaRPr lang="en-US" dirty="0"/>
@@ -19960,21 +19932,14 @@
   <p:clrMapOvr>
     <a:masterClrMapping/>
   </p:clrMapOvr>
-  <mc:AlternateContent xmlns:mc="http://schemas.openxmlformats.org/markup-compatibility/2006">
-    <mc:Choice xmlns="" xmlns:p14="http://schemas.microsoft.com/office/powerpoint/2010/main" Requires="p14">
+  <mc:AlternateContent xmlns:mc="http://schemas.openxmlformats.org/markup-compatibility/2006" xmlns:p14="http://schemas.microsoft.com/office/powerpoint/2010/main">
+    <mc:Choice Requires="p14">
       <p:transition spd="slow" p14:dur="2000" advClick="0" advTm="5000"/>
     </mc:Choice>
-    <mc:Fallback>
+    <mc:Fallback xmlns="">
       <p:transition spd="slow" advClick="0" advTm="5000"/>
     </mc:Fallback>
   </mc:AlternateContent>
-  <p:timing>
-    <p:tnLst>
-      <p:par>
-        <p:cTn id="1" dur="indefinite" restart="never" nodeType="tmRoot"/>
-      </p:par>
-    </p:tnLst>
-  </p:timing>
 </p:sld>
 </file>
 
@@ -20037,11 +20002,11 @@
           <a:lstStyle/>
           <a:p>
             <a:r>
-              <a:rPr lang="ru-RU" dirty="0" smtClean="0"/>
+              <a:rPr lang="ru-RU" dirty="0"/>
               <a:t>Формулярите в </a:t>
             </a:r>
             <a:r>
-              <a:rPr lang="ru-RU" b="1" dirty="0" smtClean="0">
+              <a:rPr lang="ru-RU" b="1" dirty="0">
                 <a:solidFill>
                   <a:schemeClr val="bg1"/>
                 </a:solidFill>
@@ -20049,11 +20014,11 @@
               <a:t>Access</a:t>
             </a:r>
             <a:r>
-              <a:rPr lang="ru-RU" dirty="0" smtClean="0"/>
+              <a:rPr lang="ru-RU" dirty="0"/>
               <a:t> са като </a:t>
             </a:r>
             <a:r>
-              <a:rPr lang="ru-RU" b="1" dirty="0" smtClean="0">
+              <a:rPr lang="ru-RU" b="1" dirty="0">
                 <a:solidFill>
                   <a:schemeClr val="bg1"/>
                 </a:solidFill>
@@ -20061,11 +20026,11 @@
               <a:t>витрини</a:t>
             </a:r>
             <a:r>
-              <a:rPr lang="ru-RU" dirty="0" smtClean="0"/>
+              <a:rPr lang="ru-RU" dirty="0"/>
               <a:t> в </a:t>
             </a:r>
             <a:r>
-              <a:rPr lang="ru-RU" b="1" dirty="0" smtClean="0">
+              <a:rPr lang="ru-RU" b="1" dirty="0">
                 <a:solidFill>
                   <a:schemeClr val="bg1"/>
                 </a:solidFill>
@@ -20073,11 +20038,11 @@
               <a:t>магазини</a:t>
             </a:r>
             <a:r>
-              <a:rPr lang="ru-RU" dirty="0" smtClean="0"/>
+              <a:rPr lang="ru-RU" dirty="0"/>
               <a:t>, които улесняват </a:t>
             </a:r>
             <a:r>
-              <a:rPr lang="ru-RU" b="1" dirty="0" smtClean="0">
+              <a:rPr lang="ru-RU" b="1" dirty="0">
                 <a:solidFill>
                   <a:schemeClr val="bg1"/>
                 </a:solidFill>
@@ -20085,11 +20050,11 @@
               <a:t>прегледа</a:t>
             </a:r>
             <a:r>
-              <a:rPr lang="ru-RU" dirty="0" smtClean="0"/>
+              <a:rPr lang="ru-RU" dirty="0"/>
               <a:t> или </a:t>
             </a:r>
             <a:r>
-              <a:rPr lang="ru-RU" b="1" dirty="0" smtClean="0">
+              <a:rPr lang="ru-RU" b="1" dirty="0">
                 <a:solidFill>
                   <a:schemeClr val="bg1"/>
                 </a:solidFill>
@@ -20097,18 +20062,18 @@
               <a:t>получаването</a:t>
             </a:r>
             <a:r>
-              <a:rPr lang="ru-RU" dirty="0" smtClean="0"/>
+              <a:rPr lang="ru-RU" dirty="0"/>
               <a:t> на елементите, които искаме</a:t>
             </a:r>
-            <a:endParaRPr lang="en-US" dirty="0" smtClean="0"/>
-          </a:p>
-          <a:p>
-            <a:r>
-              <a:rPr lang="ru-RU" dirty="0" smtClean="0"/>
+            <a:endParaRPr lang="en-US" dirty="0"/>
+          </a:p>
+          <a:p>
+            <a:r>
+              <a:rPr lang="ru-RU" dirty="0"/>
               <a:t> Формулярите са </a:t>
             </a:r>
             <a:r>
-              <a:rPr lang="ru-RU" b="1" dirty="0" smtClean="0">
+              <a:rPr lang="ru-RU" b="1" dirty="0">
                 <a:solidFill>
                   <a:schemeClr val="bg1"/>
                 </a:solidFill>
@@ -20116,11 +20081,11 @@
               <a:t>обекти</a:t>
             </a:r>
             <a:r>
-              <a:rPr lang="ru-RU" dirty="0" smtClean="0"/>
+              <a:rPr lang="ru-RU" dirty="0"/>
               <a:t>, чрез които </a:t>
             </a:r>
             <a:r>
-              <a:rPr lang="ru-RU" b="1" dirty="0" smtClean="0">
+              <a:rPr lang="ru-RU" b="1" dirty="0">
                 <a:solidFill>
                   <a:schemeClr val="bg1"/>
                 </a:solidFill>
@@ -20128,11 +20093,11 @@
               <a:t>вие </a:t>
             </a:r>
             <a:r>
-              <a:rPr lang="ru-RU" dirty="0" smtClean="0"/>
+              <a:rPr lang="ru-RU" dirty="0"/>
               <a:t>или </a:t>
             </a:r>
             <a:r>
-              <a:rPr lang="ru-RU" b="1" dirty="0" smtClean="0">
+              <a:rPr lang="ru-RU" b="1" dirty="0">
                 <a:solidFill>
                   <a:schemeClr val="bg1"/>
                 </a:solidFill>
@@ -20140,19 +20105,19 @@
               <a:t>други потребители</a:t>
             </a:r>
             <a:r>
-              <a:rPr lang="ru-RU" dirty="0" smtClean="0"/>
+              <a:rPr lang="ru-RU" dirty="0"/>
               <a:t> можете</a:t>
             </a:r>
             <a:r>
-              <a:rPr lang="en-US" dirty="0" smtClean="0"/>
+              <a:rPr lang="en-US" dirty="0"/>
               <a:t> </a:t>
             </a:r>
             <a:r>
-              <a:rPr lang="bg-BG" dirty="0" smtClean="0"/>
+              <a:rPr lang="bg-BG" dirty="0"/>
               <a:t>да</a:t>
             </a:r>
             <a:r>
-              <a:rPr lang="ru-RU" dirty="0" smtClean="0"/>
+              <a:rPr lang="ru-RU" dirty="0"/>
               <a:t>:</a:t>
             </a:r>
           </a:p>
@@ -20163,7 +20128,7 @@
               </a:buClr>
             </a:pPr>
             <a:r>
-              <a:rPr lang="ru-RU" b="1" dirty="0" smtClean="0">
+              <a:rPr lang="ru-RU" b="1" dirty="0">
                 <a:solidFill>
                   <a:schemeClr val="bg1"/>
                 </a:solidFill>
@@ -20171,7 +20136,7 @@
               <a:t>Добавяте</a:t>
             </a:r>
             <a:r>
-              <a:rPr lang="ru-RU" dirty="0" smtClean="0"/>
+              <a:rPr lang="ru-RU" dirty="0"/>
               <a:t> данни</a:t>
             </a:r>
           </a:p>
@@ -20182,7 +20147,7 @@
               </a:buClr>
             </a:pPr>
             <a:r>
-              <a:rPr lang="ru-RU" b="1" dirty="0" smtClean="0">
+              <a:rPr lang="ru-RU" b="1" dirty="0">
                 <a:solidFill>
                   <a:schemeClr val="bg1"/>
                 </a:solidFill>
@@ -20190,7 +20155,7 @@
               <a:t>Редактирате</a:t>
             </a:r>
             <a:r>
-              <a:rPr lang="ru-RU" dirty="0" smtClean="0"/>
+              <a:rPr lang="ru-RU" dirty="0"/>
               <a:t> данни</a:t>
             </a:r>
           </a:p>
@@ -20201,7 +20166,7 @@
               </a:buClr>
             </a:pPr>
             <a:r>
-              <a:rPr lang="ru-RU" b="1" dirty="0" smtClean="0">
+              <a:rPr lang="ru-RU" b="1" dirty="0">
                 <a:solidFill>
                   <a:schemeClr val="bg1"/>
                 </a:solidFill>
@@ -20209,7 +20174,7 @@
               <a:t>Показвате</a:t>
             </a:r>
             <a:r>
-              <a:rPr lang="ru-RU" dirty="0" smtClean="0"/>
+              <a:rPr lang="ru-RU" dirty="0"/>
               <a:t> данни</a:t>
             </a:r>
           </a:p>
@@ -20231,11 +20196,11 @@
           <a:lstStyle/>
           <a:p>
             <a:r>
-              <a:rPr lang="en-US" dirty="0" smtClean="0"/>
+              <a:rPr lang="en-US" dirty="0"/>
               <a:t>MS Access </a:t>
             </a:r>
             <a:r>
-              <a:rPr lang="bg-BG" dirty="0" smtClean="0"/>
+              <a:rPr lang="bg-BG" dirty="0"/>
               <a:t>формуляри (1)</a:t>
             </a:r>
             <a:endParaRPr lang="en-US" dirty="0"/>
@@ -20273,11 +20238,11 @@
   <p:clrMapOvr>
     <a:masterClrMapping/>
   </p:clrMapOvr>
-  <mc:AlternateContent xmlns:mc="http://schemas.openxmlformats.org/markup-compatibility/2006">
-    <mc:Choice xmlns="" xmlns:p14="http://schemas.microsoft.com/office/powerpoint/2010/main" Requires="p14">
+  <mc:AlternateContent xmlns:mc="http://schemas.openxmlformats.org/markup-compatibility/2006" xmlns:p14="http://schemas.microsoft.com/office/powerpoint/2010/main">
+    <mc:Choice Requires="p14">
       <p:transition spd="slow" p14:dur="2000" advClick="0" advTm="5000"/>
     </mc:Choice>
-    <mc:Fallback>
+    <mc:Fallback xmlns="">
       <p:transition spd="slow" advClick="0" advTm="5000"/>
     </mc:Fallback>
   </mc:AlternateContent>
@@ -20554,7 +20519,7 @@
               </a:buClr>
             </a:pPr>
             <a:r>
-              <a:rPr lang="ru-RU" b="1" dirty="0" smtClean="0">
+              <a:rPr lang="ru-RU" b="1" dirty="0">
                 <a:solidFill>
                   <a:schemeClr val="bg1"/>
                 </a:solidFill>
@@ -20562,19 +20527,11 @@
               <a:t>Дизайнът</a:t>
             </a:r>
             <a:r>
-              <a:rPr lang="ru-RU" dirty="0" smtClean="0"/>
-              <a:t> </a:t>
-            </a:r>
-            <a:r>
-              <a:rPr lang="ru-RU" dirty="0" smtClean="0"/>
-              <a:t>на </a:t>
-            </a:r>
-            <a:r>
-              <a:rPr lang="ru-RU" dirty="0" smtClean="0"/>
-              <a:t>формуляра е </a:t>
-            </a:r>
-            <a:r>
-              <a:rPr lang="ru-RU" b="1" dirty="0" smtClean="0">
+              <a:rPr lang="ru-RU" dirty="0"/>
+              <a:t> на формуляра е </a:t>
+            </a:r>
+            <a:r>
+              <a:rPr lang="ru-RU" b="1" dirty="0">
                 <a:solidFill>
                   <a:schemeClr val="bg1"/>
                 </a:solidFill>
@@ -20582,22 +20539,18 @@
               <a:t>важен</a:t>
             </a:r>
             <a:r>
-              <a:rPr lang="ru-RU" dirty="0" smtClean="0"/>
-              <a:t> </a:t>
-            </a:r>
-            <a:r>
-              <a:rPr lang="ru-RU" dirty="0" smtClean="0"/>
-              <a:t>аспект</a:t>
+              <a:rPr lang="ru-RU" dirty="0"/>
+              <a:t> аспект</a:t>
             </a:r>
           </a:p>
           <a:p>
             <a:pPr lvl="1"/>
             <a:r>
-              <a:rPr lang="ru-RU" dirty="0" smtClean="0"/>
+              <a:rPr lang="ru-RU" dirty="0"/>
               <a:t>Може да се използва от </a:t>
             </a:r>
             <a:r>
-              <a:rPr lang="ru-RU" b="1" dirty="0" smtClean="0">
+              <a:rPr lang="ru-RU" b="1" dirty="0">
                 <a:solidFill>
                   <a:schemeClr val="bg1"/>
                 </a:solidFill>
@@ -20605,22 +20558,21 @@
               <a:t>множество</a:t>
             </a:r>
             <a:r>
-              <a:rPr lang="ru-RU" dirty="0" smtClean="0"/>
+              <a:rPr lang="ru-RU" dirty="0"/>
               <a:t> потребители</a:t>
             </a:r>
-            <a:endParaRPr lang="ru-RU" dirty="0" smtClean="0"/>
-          </a:p>
-          <a:p>
-            <a:r>
-              <a:rPr lang="bg-BG" dirty="0" smtClean="0"/>
+          </a:p>
+          <a:p>
+            <a:r>
+              <a:rPr lang="bg-BG" dirty="0"/>
               <a:t>Добре </a:t>
             </a:r>
             <a:r>
-              <a:rPr lang="ru-RU" dirty="0" smtClean="0"/>
+              <a:rPr lang="ru-RU" dirty="0"/>
               <a:t>проектираните </a:t>
             </a:r>
             <a:r>
-              <a:rPr lang="ru-RU" b="1" dirty="0" smtClean="0">
+              <a:rPr lang="ru-RU" b="1" dirty="0">
                 <a:solidFill>
                   <a:schemeClr val="bg1"/>
                 </a:solidFill>
@@ -20628,11 +20580,11 @@
               <a:t>формуляри</a:t>
             </a:r>
             <a:r>
-              <a:rPr lang="ru-RU" dirty="0" smtClean="0"/>
+              <a:rPr lang="ru-RU" dirty="0"/>
               <a:t> са от съществено значение за </a:t>
             </a:r>
             <a:r>
-              <a:rPr lang="ru-RU" b="1" dirty="0" smtClean="0">
+              <a:rPr lang="ru-RU" b="1" dirty="0">
                 <a:solidFill>
                   <a:schemeClr val="bg1"/>
                 </a:solidFill>
@@ -20640,11 +20592,11 @@
               <a:t>ефективността</a:t>
             </a:r>
             <a:r>
-              <a:rPr lang="ru-RU" dirty="0" smtClean="0"/>
+              <a:rPr lang="ru-RU" dirty="0"/>
               <a:t> и </a:t>
             </a:r>
             <a:r>
-              <a:rPr lang="ru-RU" b="1" dirty="0" smtClean="0">
+              <a:rPr lang="ru-RU" b="1" dirty="0">
                 <a:solidFill>
                   <a:schemeClr val="bg1"/>
                 </a:solidFill>
@@ -20652,18 +20604,18 @@
               <a:t>точността</a:t>
             </a:r>
             <a:r>
-              <a:rPr lang="ru-RU" dirty="0" smtClean="0"/>
+              <a:rPr lang="ru-RU" dirty="0"/>
               <a:t> на въвеждане на </a:t>
             </a:r>
             <a:r>
-              <a:rPr lang="ru-RU" b="1" dirty="0" smtClean="0">
+              <a:rPr lang="ru-RU" b="1" dirty="0">
                 <a:solidFill>
                   <a:schemeClr val="bg1"/>
                 </a:solidFill>
               </a:rPr>
               <a:t>данни</a:t>
             </a:r>
-            <a:endParaRPr lang="en-US" b="1" dirty="0" smtClean="0">
+            <a:endParaRPr lang="en-US" b="1" dirty="0">
               <a:solidFill>
                 <a:schemeClr val="bg1"/>
               </a:solidFill>
@@ -20690,11 +20642,11 @@
           <a:lstStyle/>
           <a:p>
             <a:r>
-              <a:rPr lang="en-US" dirty="0" smtClean="0"/>
+              <a:rPr lang="en-US" dirty="0"/>
               <a:t>MS Access </a:t>
             </a:r>
             <a:r>
-              <a:rPr lang="bg-BG" dirty="0" smtClean="0"/>
+              <a:rPr lang="bg-BG" dirty="0"/>
               <a:t>формуляри (2)</a:t>
             </a:r>
             <a:endParaRPr lang="en-US" dirty="0"/>
@@ -20732,11 +20684,11 @@
   <p:clrMapOvr>
     <a:masterClrMapping/>
   </p:clrMapOvr>
-  <mc:AlternateContent xmlns:mc="http://schemas.openxmlformats.org/markup-compatibility/2006">
-    <mc:Choice xmlns="" xmlns:p14="http://schemas.microsoft.com/office/powerpoint/2010/main" Requires="p14">
+  <mc:AlternateContent xmlns:mc="http://schemas.openxmlformats.org/markup-compatibility/2006" xmlns:p14="http://schemas.microsoft.com/office/powerpoint/2010/main">
+    <mc:Choice Requires="p14">
       <p:transition spd="slow" p14:dur="2000" advClick="0" advTm="5000"/>
     </mc:Choice>
-    <mc:Fallback>
+    <mc:Fallback xmlns="">
       <p:transition spd="slow" advClick="0" advTm="5000"/>
     </mc:Fallback>
   </mc:AlternateContent>
@@ -20879,11 +20831,11 @@
           <a:lstStyle/>
           <a:p>
             <a:r>
-              <a:rPr lang="ru-RU" sz="3200" dirty="0" smtClean="0"/>
+              <a:rPr lang="ru-RU" sz="3200" dirty="0"/>
               <a:t>За да създадете </a:t>
             </a:r>
             <a:r>
-              <a:rPr lang="ru-RU" sz="3200" b="1" dirty="0" smtClean="0">
+              <a:rPr lang="ru-RU" sz="3200" b="1" dirty="0">
                 <a:solidFill>
                   <a:schemeClr val="bg1"/>
                 </a:solidFill>
@@ -20891,11 +20843,11 @@
               <a:t>формуляр</a:t>
             </a:r>
             <a:r>
-              <a:rPr lang="ru-RU" sz="3200" dirty="0" smtClean="0"/>
+              <a:rPr lang="ru-RU" sz="3200" dirty="0"/>
               <a:t> от </a:t>
             </a:r>
             <a:r>
-              <a:rPr lang="ru-RU" sz="3200" b="1" dirty="0" smtClean="0">
+              <a:rPr lang="ru-RU" sz="3200" b="1" dirty="0">
                 <a:solidFill>
                   <a:schemeClr val="bg1"/>
                 </a:solidFill>
@@ -20903,60 +20855,35 @@
               <a:t>таблица</a:t>
             </a:r>
             <a:r>
-              <a:rPr lang="ru-RU" sz="3200" dirty="0" smtClean="0"/>
-              <a:t> </a:t>
-            </a:r>
-            <a:r>
-              <a:rPr lang="ru-RU" sz="3200" dirty="0" smtClean="0"/>
-              <a:t>във </a:t>
-            </a:r>
-            <a:r>
-              <a:rPr lang="ru-RU" sz="3200" dirty="0" smtClean="0"/>
-              <a:t>вашата база </a:t>
-            </a:r>
-            <a:r>
-              <a:rPr lang="ru-RU" sz="3200" dirty="0" smtClean="0"/>
-              <a:t>данни: </a:t>
+              <a:rPr lang="ru-RU" sz="3200" dirty="0"/>
+              <a:t> във вашата база данни: </a:t>
             </a:r>
           </a:p>
           <a:p>
             <a:pPr lvl="1"/>
             <a:r>
-              <a:rPr lang="ru-RU" sz="3000" dirty="0" smtClean="0"/>
+              <a:rPr lang="ru-RU" sz="3000" dirty="0"/>
               <a:t>В </a:t>
             </a:r>
             <a:r>
-              <a:rPr lang="en-US" sz="3000" b="1" dirty="0" smtClean="0">
+              <a:rPr lang="en-US" sz="3000" b="1" dirty="0">
                 <a:solidFill>
                   <a:schemeClr val="bg1"/>
                 </a:solidFill>
                 <a:latin typeface="Consolas" pitchFamily="49" charset="0"/>
               </a:rPr>
-              <a:t>Navigation </a:t>
-            </a:r>
-            <a:r>
-              <a:rPr lang="en-US" sz="3000" b="1" dirty="0" smtClean="0">
-                <a:solidFill>
-                  <a:schemeClr val="bg1"/>
-                </a:solidFill>
-                <a:latin typeface="Consolas" pitchFamily="49" charset="0"/>
-              </a:rPr>
-              <a:t>Pane</a:t>
-            </a:r>
-            <a:r>
-              <a:rPr lang="bg-BG" sz="3000" dirty="0" smtClean="0"/>
+              <a:t>Navigation Pane</a:t>
+            </a:r>
+            <a:r>
+              <a:rPr lang="bg-BG" sz="3000" dirty="0"/>
               <a:t> </a:t>
             </a:r>
             <a:r>
-              <a:rPr lang="ru-RU" sz="3000" dirty="0" smtClean="0"/>
-              <a:t>щракнете </a:t>
-            </a:r>
-            <a:r>
-              <a:rPr lang="ru-RU" sz="3000" dirty="0" smtClean="0"/>
-              <a:t>върху </a:t>
-            </a:r>
-            <a:r>
-              <a:rPr lang="ru-RU" sz="3000" b="1" dirty="0" smtClean="0">
+              <a:rPr lang="ru-RU" sz="3000" dirty="0"/>
+              <a:t>щракнете върху </a:t>
+            </a:r>
+            <a:r>
+              <a:rPr lang="ru-RU" sz="3000" b="1" dirty="0">
                 <a:solidFill>
                   <a:schemeClr val="bg1"/>
                 </a:solidFill>
@@ -20964,15 +20891,11 @@
               <a:t>таблицата</a:t>
             </a:r>
             <a:r>
-              <a:rPr lang="ru-RU" sz="3000" dirty="0" smtClean="0"/>
-              <a:t>, </a:t>
-            </a:r>
-            <a:r>
-              <a:rPr lang="ru-RU" sz="3000" dirty="0" smtClean="0"/>
-              <a:t>която съдържа </a:t>
-            </a:r>
-            <a:r>
-              <a:rPr lang="ru-RU" sz="3000" b="1" dirty="0" smtClean="0">
+              <a:rPr lang="ru-RU" sz="3000" dirty="0"/>
+              <a:t>, която съдържа </a:t>
+            </a:r>
+            <a:r>
+              <a:rPr lang="ru-RU" sz="3000" b="1" dirty="0">
                 <a:solidFill>
                   <a:schemeClr val="bg1"/>
                 </a:solidFill>
@@ -20980,26 +20903,18 @@
               <a:t>данните</a:t>
             </a:r>
             <a:r>
-              <a:rPr lang="ru-RU" sz="3000" dirty="0" smtClean="0"/>
-              <a:t> за вашия </a:t>
-            </a:r>
-            <a:r>
-              <a:rPr lang="ru-RU" sz="3000" dirty="0" smtClean="0"/>
-              <a:t>формуляр</a:t>
+              <a:rPr lang="ru-RU" sz="3000" dirty="0"/>
+              <a:t> за вашия формуляр</a:t>
             </a:r>
           </a:p>
           <a:p>
             <a:pPr lvl="1"/>
             <a:r>
-              <a:rPr lang="ru-RU" sz="3000" dirty="0" smtClean="0"/>
-              <a:t>В </a:t>
-            </a:r>
-            <a:r>
-              <a:rPr lang="ru-RU" sz="3000" dirty="0" smtClean="0"/>
-              <a:t>раздела </a:t>
-            </a:r>
-            <a:r>
-              <a:rPr lang="en-US" sz="3000" b="1" dirty="0" smtClean="0">
+              <a:rPr lang="ru-RU" sz="3000" dirty="0"/>
+              <a:t>В раздела </a:t>
+            </a:r>
+            <a:r>
+              <a:rPr lang="en-US" sz="3000" b="1" dirty="0">
                 <a:solidFill>
                   <a:schemeClr val="bg1"/>
                 </a:solidFill>
@@ -21008,15 +20923,15 @@
               <a:t>Create</a:t>
             </a:r>
             <a:r>
-              <a:rPr lang="bg-BG" sz="3000" dirty="0" smtClean="0"/>
+              <a:rPr lang="bg-BG" sz="3000" dirty="0"/>
               <a:t> </a:t>
             </a:r>
             <a:r>
-              <a:rPr lang="ru-RU" sz="3000" dirty="0" smtClean="0"/>
+              <a:rPr lang="ru-RU" sz="3000" dirty="0"/>
               <a:t>изберете </a:t>
             </a:r>
             <a:r>
-              <a:rPr lang="en-US" sz="3000" b="1" dirty="0" smtClean="0">
+              <a:rPr lang="en-US" sz="3000" b="1" dirty="0">
                 <a:solidFill>
                   <a:schemeClr val="bg1"/>
                 </a:solidFill>
@@ -21046,16 +20961,8 @@
           <a:lstStyle/>
           <a:p>
             <a:r>
-              <a:rPr lang="bg-BG" dirty="0" smtClean="0"/>
-              <a:t>Създаване на </a:t>
-            </a:r>
-            <a:r>
-              <a:rPr lang="bg-BG" dirty="0" smtClean="0"/>
-              <a:t>формуляр от </a:t>
-            </a:r>
-            <a:r>
-              <a:rPr lang="bg-BG" dirty="0" smtClean="0"/>
-              <a:t>таблица (1)</a:t>
+              <a:rPr lang="bg-BG" dirty="0"/>
+              <a:t>Създаване на формуляр от таблица (1)</a:t>
             </a:r>
             <a:endParaRPr lang="en-US" dirty="0"/>
           </a:p>
@@ -21099,11 +21006,11 @@
   <p:clrMapOvr>
     <a:masterClrMapping/>
   </p:clrMapOvr>
-  <mc:AlternateContent xmlns:mc="http://schemas.openxmlformats.org/markup-compatibility/2006">
-    <mc:Choice xmlns="" xmlns:p14="http://schemas.microsoft.com/office/powerpoint/2010/main" Requires="p14">
+  <mc:AlternateContent xmlns:mc="http://schemas.openxmlformats.org/markup-compatibility/2006" xmlns:p14="http://schemas.microsoft.com/office/powerpoint/2010/main">
+    <mc:Choice Requires="p14">
       <p:transition spd="slow" p14:dur="2000" advClick="0" advTm="5000"/>
     </mc:Choice>
-    <mc:Fallback>
+    <mc:Fallback xmlns="">
       <p:transition spd="slow" advClick="0" advTm="5000"/>
     </mc:Fallback>
   </mc:AlternateContent>
@@ -21275,11 +21182,11 @@
           <a:lstStyle/>
           <a:p>
             <a:r>
-              <a:rPr lang="ru-RU" sz="3200" dirty="0" smtClean="0"/>
+              <a:rPr lang="ru-RU" sz="3200" dirty="0"/>
               <a:t>Access </a:t>
             </a:r>
             <a:r>
-              <a:rPr lang="ru-RU" sz="3200" b="1" dirty="0" smtClean="0">
+              <a:rPr lang="ru-RU" sz="3200" b="1" dirty="0">
                 <a:solidFill>
                   <a:schemeClr val="bg1"/>
                 </a:solidFill>
@@ -21287,37 +21194,33 @@
               <a:t>създава</a:t>
             </a:r>
             <a:r>
-              <a:rPr lang="ru-RU" sz="3200" dirty="0" smtClean="0"/>
+              <a:rPr lang="ru-RU" sz="3200" dirty="0"/>
               <a:t> формуляр и го показва в изглед </a:t>
             </a:r>
             <a:r>
-              <a:rPr lang="en-US" sz="3200" b="1" dirty="0" smtClean="0">
+              <a:rPr lang="en-US" sz="3200" b="1" dirty="0">
                 <a:solidFill>
                   <a:schemeClr val="bg1"/>
                 </a:solidFill>
               </a:rPr>
               <a:t>Layout</a:t>
             </a:r>
-            <a:endParaRPr lang="ru-RU" sz="3200" dirty="0" smtClean="0"/>
-          </a:p>
-          <a:p>
-            <a:r>
-              <a:rPr lang="ru-RU" sz="3200" dirty="0" smtClean="0"/>
-              <a:t>Можете </a:t>
-            </a:r>
-            <a:r>
-              <a:rPr lang="ru-RU" sz="3200" dirty="0" smtClean="0"/>
-              <a:t>да направите промени в </a:t>
-            </a:r>
-            <a:r>
-              <a:rPr lang="ru-RU" sz="3200" b="1" dirty="0" smtClean="0">
+            <a:endParaRPr lang="ru-RU" sz="3200" dirty="0"/>
+          </a:p>
+          <a:p>
+            <a:r>
+              <a:rPr lang="ru-RU" sz="3200" dirty="0"/>
+              <a:t>Можете да направите промени в </a:t>
+            </a:r>
+            <a:r>
+              <a:rPr lang="ru-RU" sz="3200" b="1" dirty="0">
                 <a:solidFill>
                   <a:schemeClr val="bg1"/>
                 </a:solidFill>
               </a:rPr>
               <a:t>дизайна</a:t>
             </a:r>
-            <a:endParaRPr lang="en-US" sz="3200" b="1" dirty="0" smtClean="0">
+            <a:endParaRPr lang="en-US" sz="3200" b="1" dirty="0">
               <a:solidFill>
                 <a:schemeClr val="bg1"/>
               </a:solidFill>
@@ -21330,7 +21233,7 @@
               </a:buClr>
             </a:pPr>
             <a:r>
-              <a:rPr lang="ru-RU" sz="3000" b="1" dirty="0" smtClean="0">
+              <a:rPr lang="ru-RU" sz="3000" b="1" dirty="0">
                 <a:solidFill>
                   <a:schemeClr val="bg1"/>
                 </a:solidFill>
@@ -21338,15 +21241,11 @@
               <a:t>Коригиране</a:t>
             </a:r>
             <a:r>
-              <a:rPr lang="ru-RU" sz="3000" dirty="0" smtClean="0"/>
-              <a:t> </a:t>
-            </a:r>
-            <a:r>
-              <a:rPr lang="ru-RU" sz="3000" dirty="0" smtClean="0"/>
-              <a:t>на </a:t>
-            </a:r>
-            <a:r>
-              <a:rPr lang="ru-RU" sz="3000" b="1" dirty="0" smtClean="0">
+              <a:rPr lang="ru-RU" sz="3000" dirty="0"/>
+              <a:t> на </a:t>
+            </a:r>
+            <a:r>
+              <a:rPr lang="ru-RU" sz="3000" b="1" dirty="0">
                 <a:solidFill>
                   <a:schemeClr val="bg1"/>
                 </a:solidFill>
@@ -21354,11 +21253,11 @@
               <a:t>размера</a:t>
             </a:r>
             <a:r>
-              <a:rPr lang="ru-RU" sz="3000" dirty="0" smtClean="0"/>
+              <a:rPr lang="ru-RU" sz="3000" dirty="0"/>
               <a:t> на </a:t>
             </a:r>
             <a:r>
-              <a:rPr lang="ru-RU" sz="3000" b="1" dirty="0" smtClean="0">
+              <a:rPr lang="ru-RU" sz="3000" b="1" dirty="0">
                 <a:solidFill>
                   <a:schemeClr val="bg1"/>
                 </a:solidFill>
@@ -21366,11 +21265,11 @@
               <a:t>текстовите</a:t>
             </a:r>
             <a:r>
-              <a:rPr lang="ru-RU" sz="3000" dirty="0" smtClean="0"/>
+              <a:rPr lang="ru-RU" sz="3000" dirty="0"/>
               <a:t> </a:t>
             </a:r>
             <a:r>
-              <a:rPr lang="ru-RU" sz="3000" b="1" dirty="0" smtClean="0">
+              <a:rPr lang="ru-RU" sz="3000" b="1" dirty="0">
                 <a:solidFill>
                   <a:schemeClr val="bg1"/>
                 </a:solidFill>
@@ -21378,16 +21277,12 @@
               <a:t>полета</a:t>
             </a:r>
             <a:r>
-              <a:rPr lang="ru-RU" sz="3000" dirty="0" smtClean="0"/>
-              <a:t>, за да паснат на данните, ако е </a:t>
-            </a:r>
-            <a:r>
-              <a:rPr lang="ru-RU" sz="3000" dirty="0" smtClean="0"/>
-              <a:t>необходимо</a:t>
-            </a:r>
-          </a:p>
-          <a:p>
-            <a:endParaRPr lang="en-US" dirty="0" smtClean="0"/>
+              <a:rPr lang="ru-RU" sz="3000" dirty="0"/>
+              <a:t>, за да паснат на данните, ако е необходимо</a:t>
+            </a:r>
+          </a:p>
+          <a:p>
+            <a:endParaRPr lang="en-US" dirty="0"/>
           </a:p>
           <a:p>
             <a:endParaRPr lang="en-US" dirty="0"/>
@@ -21410,19 +21305,15 @@
           <a:lstStyle/>
           <a:p>
             <a:r>
-              <a:rPr lang="bg-BG" dirty="0" smtClean="0"/>
-              <a:t>Създаване на формуляр от таблица </a:t>
-            </a:r>
-            <a:r>
-              <a:rPr lang="bg-BG" dirty="0" smtClean="0"/>
-              <a:t>(</a:t>
-            </a:r>
-            <a:r>
-              <a:rPr lang="en-US" dirty="0" smtClean="0"/>
+              <a:rPr lang="bg-BG" dirty="0"/>
+              <a:t>Създаване на формуляр от таблица (</a:t>
+            </a:r>
+            <a:r>
+              <a:rPr lang="en-US" dirty="0"/>
               <a:t>2</a:t>
             </a:r>
             <a:r>
-              <a:rPr lang="bg-BG" dirty="0" smtClean="0"/>
+              <a:rPr lang="bg-BG" dirty="0"/>
               <a:t>)</a:t>
             </a:r>
             <a:endParaRPr lang="en-US" dirty="0"/>
@@ -21499,11 +21390,11 @@
   <p:clrMapOvr>
     <a:masterClrMapping/>
   </p:clrMapOvr>
-  <mc:AlternateContent xmlns:mc="http://schemas.openxmlformats.org/markup-compatibility/2006">
-    <mc:Choice xmlns="" xmlns:p14="http://schemas.microsoft.com/office/powerpoint/2010/main" Requires="p14">
+  <mc:AlternateContent xmlns:mc="http://schemas.openxmlformats.org/markup-compatibility/2006" xmlns:p14="http://schemas.microsoft.com/office/powerpoint/2010/main">
+    <mc:Choice Requires="p14">
       <p:transition spd="slow" p14:dur="2000" advClick="0" advTm="5000"/>
     </mc:Choice>
-    <mc:Fallback>
+    <mc:Fallback xmlns="">
       <p:transition spd="slow" advClick="0" advTm="5000"/>
     </mc:Fallback>
   </mc:AlternateContent>
@@ -21751,11 +21642,11 @@
           <a:lstStyle/>
           <a:p>
             <a:r>
-              <a:rPr lang="bg-BG" dirty="0" smtClean="0"/>
+              <a:rPr lang="bg-BG" dirty="0"/>
               <a:t>Още </a:t>
             </a:r>
             <a:r>
-              <a:rPr lang="bg-BG" b="1" dirty="0" smtClean="0">
+              <a:rPr lang="bg-BG" b="1" dirty="0">
                 <a:solidFill>
                   <a:schemeClr val="bg1"/>
                 </a:solidFill>
@@ -21763,11 +21654,11 @@
               <a:t>информация</a:t>
             </a:r>
             <a:r>
-              <a:rPr lang="bg-BG" dirty="0" smtClean="0"/>
+              <a:rPr lang="bg-BG" dirty="0"/>
               <a:t> за създаване на </a:t>
             </a:r>
             <a:r>
-              <a:rPr lang="bg-BG" b="1" dirty="0" smtClean="0">
+              <a:rPr lang="bg-BG" b="1" dirty="0">
                 <a:solidFill>
                   <a:schemeClr val="bg1"/>
                 </a:solidFill>
@@ -21775,10 +21666,10 @@
               <a:t>различни видове формляри</a:t>
             </a:r>
             <a:r>
-              <a:rPr lang="en-US" dirty="0" smtClean="0"/>
+              <a:rPr lang="en-US" dirty="0"/>
               <a:t>: https://support.microsoft.com/en-au/office/create-a-form-in-access-5d550a3d-92e1-4f38-9772-7e7e21e80c6b</a:t>
             </a:r>
-            <a:endParaRPr lang="bg-BG" dirty="0" smtClean="0"/>
+            <a:endParaRPr lang="bg-BG" dirty="0"/>
           </a:p>
           <a:p>
             <a:pPr>
@@ -21787,7 +21678,7 @@
               </a:buClr>
             </a:pPr>
             <a:r>
-              <a:rPr lang="en-US" b="1" dirty="0" smtClean="0">
+              <a:rPr lang="en-US" b="1" dirty="0">
                 <a:solidFill>
                   <a:schemeClr val="bg1"/>
                 </a:solidFill>
@@ -21795,10 +21686,10 @@
               <a:t>TODO</a:t>
             </a:r>
             <a:r>
-              <a:rPr lang="en-US" dirty="0" smtClean="0"/>
+              <a:rPr lang="en-US" dirty="0"/>
               <a:t>:</a:t>
             </a:r>
-            <a:endParaRPr lang="bg-BG" dirty="0" smtClean="0"/>
+            <a:endParaRPr lang="bg-BG" dirty="0"/>
           </a:p>
           <a:p>
             <a:pPr lvl="1">
@@ -21807,11 +21698,11 @@
               </a:buClr>
             </a:pPr>
             <a:r>
-              <a:rPr lang="bg-BG" dirty="0" smtClean="0"/>
+              <a:rPr lang="bg-BG" dirty="0"/>
               <a:t>Помисли дали трябва да се добави </a:t>
             </a:r>
             <a:r>
-              <a:rPr lang="bg-BG" b="1" dirty="0" smtClean="0">
+              <a:rPr lang="bg-BG" b="1" dirty="0">
                 <a:solidFill>
                   <a:schemeClr val="bg1"/>
                 </a:solidFill>
@@ -21819,10 +21710,10 @@
               <a:t>още информация</a:t>
             </a:r>
             <a:r>
-              <a:rPr lang="bg-BG" dirty="0" smtClean="0"/>
+              <a:rPr lang="bg-BG" dirty="0"/>
               <a:t> </a:t>
             </a:r>
-            <a:endParaRPr lang="en-US" dirty="0" smtClean="0"/>
+            <a:endParaRPr lang="en-US" dirty="0"/>
           </a:p>
           <a:p>
             <a:pPr lvl="2">
@@ -21831,7 +21722,7 @@
               </a:buClr>
             </a:pPr>
             <a:r>
-              <a:rPr lang="en-US" dirty="0" smtClean="0"/>
+              <a:rPr lang="en-US" dirty="0"/>
               <a:t>blank form</a:t>
             </a:r>
           </a:p>
@@ -21842,7 +21733,7 @@
               </a:buClr>
             </a:pPr>
             <a:r>
-              <a:rPr lang="en-US" dirty="0" smtClean="0"/>
+              <a:rPr lang="en-US" dirty="0"/>
               <a:t>split form</a:t>
             </a:r>
           </a:p>
@@ -21853,14 +21744,14 @@
               </a:buClr>
             </a:pPr>
             <a:r>
-              <a:rPr lang="en-US" dirty="0" smtClean="0"/>
+              <a:rPr lang="en-US" dirty="0"/>
               <a:t>form that contains a </a:t>
             </a:r>
             <a:r>
-              <a:rPr lang="en-US" dirty="0" err="1" smtClean="0"/>
+              <a:rPr lang="en-US" dirty="0" err="1"/>
               <a:t>subform</a:t>
             </a:r>
-            <a:endParaRPr lang="en-US" dirty="0" smtClean="0"/>
+            <a:endParaRPr lang="en-US" dirty="0"/>
           </a:p>
           <a:p>
             <a:pPr lvl="2">
@@ -21869,7 +21760,7 @@
               </a:buClr>
             </a:pPr>
             <a:r>
-              <a:rPr lang="en-US" dirty="0" smtClean="0"/>
+              <a:rPr lang="en-US" dirty="0"/>
               <a:t>…</a:t>
             </a:r>
           </a:p>
@@ -21880,11 +21771,11 @@
               </a:buClr>
             </a:pPr>
             <a:r>
-              <a:rPr lang="bg-BG" dirty="0" smtClean="0"/>
+              <a:rPr lang="bg-BG" dirty="0"/>
               <a:t>Какъв тип </a:t>
             </a:r>
             <a:r>
-              <a:rPr lang="bg-BG" b="1" dirty="0" smtClean="0">
+              <a:rPr lang="bg-BG" b="1" dirty="0">
                 <a:solidFill>
                   <a:schemeClr val="bg1"/>
                 </a:solidFill>
@@ -21892,11 +21783,11 @@
               <a:t>създаване</a:t>
             </a:r>
             <a:r>
-              <a:rPr lang="bg-BG" dirty="0" smtClean="0"/>
+              <a:rPr lang="bg-BG" dirty="0"/>
               <a:t> на </a:t>
             </a:r>
             <a:r>
-              <a:rPr lang="bg-BG" b="1" dirty="0" smtClean="0">
+              <a:rPr lang="bg-BG" b="1" dirty="0">
                 <a:solidFill>
                   <a:schemeClr val="bg1"/>
                 </a:solidFill>
@@ -21904,7 +21795,7 @@
               <a:t>формуляр</a:t>
             </a:r>
             <a:r>
-              <a:rPr lang="bg-BG" dirty="0" smtClean="0"/>
+              <a:rPr lang="bg-BG" dirty="0"/>
               <a:t> да се добави?</a:t>
             </a:r>
           </a:p>
@@ -21915,11 +21806,11 @@
               </a:buClr>
             </a:pPr>
             <a:r>
-              <a:rPr lang="bg-BG" dirty="0" smtClean="0"/>
+              <a:rPr lang="bg-BG" dirty="0"/>
               <a:t> Прекалено </a:t>
             </a:r>
             <a:r>
-              <a:rPr lang="bg-BG" b="1" dirty="0" smtClean="0">
+              <a:rPr lang="bg-BG" b="1" dirty="0">
                 <a:solidFill>
                   <a:schemeClr val="bg1"/>
                 </a:solidFill>
@@ -21927,7 +21818,7 @@
               <a:t>голяма</a:t>
             </a:r>
             <a:r>
-              <a:rPr lang="bg-BG" dirty="0" smtClean="0"/>
+              <a:rPr lang="bg-BG" dirty="0"/>
               <a:t> презентация?</a:t>
             </a:r>
             <a:endParaRPr lang="en-US" dirty="0"/>
@@ -21950,10 +21841,9 @@
           <a:lstStyle/>
           <a:p>
             <a:r>
-              <a:rPr lang="en-US" dirty="0" smtClean="0"/>
+              <a:rPr lang="en-US" dirty="0"/>
               <a:t>TODO Slide</a:t>
             </a:r>
-            <a:endParaRPr lang="en-US" dirty="0"/>
           </a:p>
         </p:txBody>
       </p:sp>
@@ -21962,21 +21852,14 @@
   <p:clrMapOvr>
     <a:masterClrMapping/>
   </p:clrMapOvr>
-  <mc:AlternateContent xmlns:mc="http://schemas.openxmlformats.org/markup-compatibility/2006">
-    <mc:Choice xmlns="" xmlns:p14="http://schemas.microsoft.com/office/powerpoint/2010/main" Requires="p14">
+  <mc:AlternateContent xmlns:mc="http://schemas.openxmlformats.org/markup-compatibility/2006" xmlns:p14="http://schemas.microsoft.com/office/powerpoint/2010/main">
+    <mc:Choice Requires="p14">
       <p:transition spd="slow" p14:dur="2000" advClick="0" advTm="5000"/>
     </mc:Choice>
-    <mc:Fallback>
+    <mc:Fallback xmlns="">
       <p:transition spd="slow" advClick="0" advTm="5000"/>
     </mc:Fallback>
   </mc:AlternateContent>
-  <p:timing>
-    <p:tnLst>
-      <p:par>
-        <p:cTn id="1" dur="indefinite" restart="never" nodeType="tmRoot"/>
-      </p:par>
-    </p:tnLst>
-  </p:timing>
 </p:sld>
 </file>
 
@@ -22032,7 +21915,7 @@
           <a:lstStyle/>
           <a:p>
             <a:r>
-              <a:rPr lang="bg-BG" dirty="0" smtClean="0"/>
+              <a:rPr lang="bg-BG" dirty="0"/>
               <a:t>Отчети</a:t>
             </a:r>
             <a:endParaRPr lang="en-US" dirty="0"/>
@@ -22070,21 +21953,14 @@
   <p:clrMapOvr>
     <a:masterClrMapping/>
   </p:clrMapOvr>
-  <mc:AlternateContent xmlns:mc="http://schemas.openxmlformats.org/markup-compatibility/2006">
-    <mc:Choice xmlns="" xmlns:p14="http://schemas.microsoft.com/office/powerpoint/2010/main" Requires="p14">
+  <mc:AlternateContent xmlns:mc="http://schemas.openxmlformats.org/markup-compatibility/2006" xmlns:p14="http://schemas.microsoft.com/office/powerpoint/2010/main">
+    <mc:Choice Requires="p14">
       <p:transition spd="slow" p14:dur="2000" advClick="0" advTm="5000"/>
     </mc:Choice>
-    <mc:Fallback>
+    <mc:Fallback xmlns="">
       <p:transition spd="slow" advClick="0" advTm="5000"/>
     </mc:Fallback>
   </mc:AlternateContent>
-  <p:timing>
-    <p:tnLst>
-      <p:par>
-        <p:cTn id="1" dur="indefinite" restart="never" nodeType="tmRoot"/>
-      </p:par>
-    </p:tnLst>
-  </p:timing>
 </p:sld>
 </file>
 
@@ -22152,7 +22028,7 @@
               </a:buClr>
             </a:pPr>
             <a:r>
-              <a:rPr lang="ru-RU" b="1" dirty="0" smtClean="0">
+              <a:rPr lang="ru-RU" b="1" dirty="0">
                 <a:solidFill>
                   <a:schemeClr val="bg1"/>
                 </a:solidFill>
@@ -22160,11 +22036,11 @@
               <a:t>Отчетите </a:t>
             </a:r>
             <a:r>
-              <a:rPr lang="ru-RU" dirty="0" smtClean="0"/>
+              <a:rPr lang="ru-RU" dirty="0"/>
               <a:t>предлагат следните </a:t>
             </a:r>
             <a:r>
-              <a:rPr lang="ru-RU" b="1" dirty="0" smtClean="0">
+              <a:rPr lang="ru-RU" b="1" dirty="0">
                 <a:solidFill>
                   <a:schemeClr val="bg1"/>
                 </a:solidFill>
@@ -22172,11 +22048,11 @@
               <a:t>действия </a:t>
             </a:r>
             <a:r>
-              <a:rPr lang="ru-RU" dirty="0" smtClean="0"/>
+              <a:rPr lang="ru-RU" dirty="0"/>
               <a:t>за </a:t>
             </a:r>
             <a:r>
-              <a:rPr lang="ru-RU" b="1" dirty="0" smtClean="0">
+              <a:rPr lang="ru-RU" b="1" dirty="0">
                 <a:solidFill>
                   <a:schemeClr val="bg1"/>
                 </a:solidFill>
@@ -22184,11 +22060,11 @@
               <a:t>информацията </a:t>
             </a:r>
             <a:r>
-              <a:rPr lang="ru-RU" dirty="0" smtClean="0"/>
+              <a:rPr lang="ru-RU" dirty="0"/>
               <a:t>в </a:t>
             </a:r>
             <a:r>
-              <a:rPr lang="ru-RU" b="1" dirty="0" smtClean="0">
+              <a:rPr lang="ru-RU" b="1" dirty="0">
                 <a:solidFill>
                   <a:schemeClr val="bg1"/>
                 </a:solidFill>
@@ -22196,7 +22072,7 @@
               <a:t>базата данни</a:t>
             </a:r>
             <a:r>
-              <a:rPr lang="en-US" dirty="0" smtClean="0"/>
+              <a:rPr lang="en-US" dirty="0"/>
               <a:t>:</a:t>
             </a:r>
           </a:p>
@@ -22207,7 +22083,7 @@
               </a:buClr>
             </a:pPr>
             <a:r>
-              <a:rPr lang="bg-BG" b="1" dirty="0" smtClean="0">
+              <a:rPr lang="bg-BG" b="1" dirty="0">
                 <a:solidFill>
                   <a:schemeClr val="bg1"/>
                 </a:solidFill>
@@ -22215,7 +22091,7 @@
               <a:t>П</a:t>
             </a:r>
             <a:r>
-              <a:rPr lang="ru-RU" b="1" dirty="0" smtClean="0">
+              <a:rPr lang="ru-RU" b="1" dirty="0">
                 <a:solidFill>
                   <a:schemeClr val="bg1"/>
                 </a:solidFill>
@@ -22230,7 +22106,7 @@
               </a:buClr>
             </a:pPr>
             <a:r>
-              <a:rPr lang="ru-RU" b="1" dirty="0" smtClean="0">
+              <a:rPr lang="ru-RU" b="1" dirty="0">
                 <a:solidFill>
                   <a:schemeClr val="bg1"/>
                 </a:solidFill>
@@ -22245,7 +22121,7 @@
               </a:buClr>
             </a:pPr>
             <a:r>
-              <a:rPr lang="ru-RU" b="1" dirty="0" smtClean="0">
+              <a:rPr lang="ru-RU" b="1" dirty="0">
                 <a:solidFill>
                   <a:schemeClr val="bg1"/>
                 </a:solidFill>
@@ -22255,22 +22131,18 @@
           </a:p>
           <a:p>
             <a:r>
-              <a:rPr lang="ru-RU" dirty="0" smtClean="0"/>
+              <a:rPr lang="ru-RU" dirty="0"/>
               <a:t>Примери:</a:t>
             </a:r>
           </a:p>
           <a:p>
             <a:pPr lvl="1"/>
             <a:r>
-              <a:rPr lang="ru-RU" dirty="0" smtClean="0"/>
-              <a:t>Отчет </a:t>
-            </a:r>
-            <a:r>
-              <a:rPr lang="ru-RU" dirty="0" smtClean="0"/>
-              <a:t>с </a:t>
-            </a:r>
-            <a:r>
-              <a:rPr lang="ru-RU" b="1" dirty="0" smtClean="0">
+              <a:rPr lang="ru-RU" dirty="0"/>
+              <a:t>Отчет с </a:t>
+            </a:r>
+            <a:r>
+              <a:rPr lang="ru-RU" b="1" dirty="0">
                 <a:solidFill>
                   <a:schemeClr val="bg1"/>
                 </a:solidFill>
@@ -22278,11 +22150,11 @@
               <a:t>телефонни</a:t>
             </a:r>
             <a:r>
-              <a:rPr lang="ru-RU" dirty="0" smtClean="0"/>
+              <a:rPr lang="ru-RU" dirty="0"/>
               <a:t> </a:t>
             </a:r>
             <a:r>
-              <a:rPr lang="ru-RU" b="1" dirty="0" smtClean="0">
+              <a:rPr lang="ru-RU" b="1" dirty="0">
                 <a:solidFill>
                   <a:schemeClr val="bg1"/>
                 </a:solidFill>
@@ -22290,11 +22162,11 @@
               <a:t>номера</a:t>
             </a:r>
             <a:r>
-              <a:rPr lang="ru-RU" dirty="0" smtClean="0"/>
+              <a:rPr lang="ru-RU" dirty="0"/>
               <a:t> за всички </a:t>
             </a:r>
             <a:r>
-              <a:rPr lang="ru-RU" b="1" dirty="0" smtClean="0">
+              <a:rPr lang="ru-RU" b="1" dirty="0">
                 <a:solidFill>
                   <a:schemeClr val="bg1"/>
                 </a:solidFill>
@@ -22305,15 +22177,11 @@
           <a:p>
             <a:pPr lvl="1"/>
             <a:r>
-              <a:rPr lang="ru-RU" dirty="0" smtClean="0"/>
-              <a:t>Отчет за </a:t>
-            </a:r>
-            <a:r>
-              <a:rPr lang="ru-RU" dirty="0" smtClean="0"/>
-              <a:t>общите </a:t>
-            </a:r>
-            <a:r>
-              <a:rPr lang="ru-RU" b="1" dirty="0" smtClean="0">
+              <a:rPr lang="ru-RU" dirty="0"/>
+              <a:t>Отчет за общите </a:t>
+            </a:r>
+            <a:r>
+              <a:rPr lang="ru-RU" b="1" dirty="0">
                 <a:solidFill>
                   <a:schemeClr val="bg1"/>
                 </a:solidFill>
@@ -22321,11 +22189,11 @@
               <a:t>продажби</a:t>
             </a:r>
             <a:r>
-              <a:rPr lang="ru-RU" dirty="0" smtClean="0"/>
+              <a:rPr lang="ru-RU" dirty="0"/>
               <a:t> в различни </a:t>
             </a:r>
             <a:r>
-              <a:rPr lang="ru-RU" b="1" dirty="0" smtClean="0">
+              <a:rPr lang="ru-RU" b="1" dirty="0">
                 <a:solidFill>
                   <a:schemeClr val="bg1"/>
                 </a:solidFill>
@@ -22333,11 +22201,11 @@
               <a:t>региони</a:t>
             </a:r>
             <a:r>
-              <a:rPr lang="ru-RU" dirty="0" smtClean="0"/>
+              <a:rPr lang="ru-RU" dirty="0"/>
               <a:t> и </a:t>
             </a:r>
             <a:r>
-              <a:rPr lang="ru-RU" b="1" dirty="0" smtClean="0">
+              <a:rPr lang="ru-RU" b="1" dirty="0">
                 <a:solidFill>
                   <a:schemeClr val="bg1"/>
                 </a:solidFill>
@@ -22345,11 +22213,11 @@
               <a:t>периоди</a:t>
             </a:r>
             <a:r>
-              <a:rPr lang="ru-RU" dirty="0" smtClean="0"/>
+              <a:rPr lang="ru-RU" dirty="0"/>
               <a:t> от </a:t>
             </a:r>
             <a:r>
-              <a:rPr lang="ru-RU" b="1" dirty="0" smtClean="0">
+              <a:rPr lang="ru-RU" b="1" dirty="0">
                 <a:solidFill>
                   <a:schemeClr val="bg1"/>
                 </a:solidFill>
@@ -22380,11 +22248,11 @@
           <a:lstStyle/>
           <a:p>
             <a:r>
-              <a:rPr lang="en-US" dirty="0" smtClean="0"/>
+              <a:rPr lang="en-US" dirty="0"/>
               <a:t>MS Access </a:t>
             </a:r>
             <a:r>
-              <a:rPr lang="bg-BG" dirty="0" smtClean="0"/>
+              <a:rPr lang="bg-BG" dirty="0"/>
               <a:t>отчети</a:t>
             </a:r>
             <a:endParaRPr lang="en-US" dirty="0"/>
@@ -22422,11 +22290,11 @@
   <p:clrMapOvr>
     <a:masterClrMapping/>
   </p:clrMapOvr>
-  <mc:AlternateContent xmlns:mc="http://schemas.openxmlformats.org/markup-compatibility/2006">
-    <mc:Choice xmlns="" xmlns:p14="http://schemas.microsoft.com/office/powerpoint/2010/main" Requires="p14">
+  <mc:AlternateContent xmlns:mc="http://schemas.openxmlformats.org/markup-compatibility/2006" xmlns:p14="http://schemas.microsoft.com/office/powerpoint/2010/main">
+    <mc:Choice Requires="p14">
       <p:transition spd="slow" p14:dur="2000" advClick="0" advTm="5000"/>
     </mc:Choice>
-    <mc:Fallback>
+    <mc:Fallback xmlns="">
       <p:transition spd="slow" advClick="0" advTm="5000"/>
     </mc:Fallback>
   </mc:AlternateContent>
@@ -22752,7 +22620,7 @@
               </a:buClr>
             </a:pPr>
             <a:r>
-              <a:rPr lang="ru-RU" b="1" dirty="0" smtClean="0">
+              <a:rPr lang="ru-RU" b="1" dirty="0">
                 <a:solidFill>
                   <a:schemeClr val="bg1"/>
                 </a:solidFill>
@@ -22760,15 +22628,11 @@
               <a:t>Отчетът</a:t>
             </a:r>
             <a:r>
-              <a:rPr lang="ru-RU" dirty="0" smtClean="0"/>
-              <a:t> е </a:t>
-            </a:r>
-            <a:r>
-              <a:rPr lang="ru-RU" dirty="0" smtClean="0"/>
-              <a:t>обект на </a:t>
-            </a:r>
-            <a:r>
-              <a:rPr lang="ru-RU" b="1" dirty="0" smtClean="0">
+              <a:rPr lang="ru-RU" dirty="0"/>
+              <a:t> е обект на </a:t>
+            </a:r>
+            <a:r>
+              <a:rPr lang="ru-RU" b="1" dirty="0">
                 <a:solidFill>
                   <a:schemeClr val="bg1"/>
                 </a:solidFill>
@@ -22776,19 +22640,11 @@
               <a:t>база данни</a:t>
             </a:r>
             <a:r>
-              <a:rPr lang="ru-RU" dirty="0" smtClean="0"/>
-              <a:t>, </a:t>
-            </a:r>
-            <a:r>
-              <a:rPr lang="ru-RU" dirty="0" smtClean="0"/>
-              <a:t>който е полезен, когато </a:t>
-            </a:r>
-            <a:r>
-              <a:rPr lang="ru-RU" dirty="0" smtClean="0"/>
-              <a:t>искаме да представим </a:t>
-            </a:r>
-            <a:r>
-              <a:rPr lang="ru-RU" b="1" dirty="0" smtClean="0">
+              <a:rPr lang="ru-RU" dirty="0"/>
+              <a:t>, който е полезен, когато искаме да представим </a:t>
+            </a:r>
+            <a:r>
+              <a:rPr lang="ru-RU" b="1" dirty="0">
                 <a:solidFill>
                   <a:schemeClr val="bg1"/>
                 </a:solidFill>
@@ -22796,11 +22652,11 @@
               <a:t>информацията</a:t>
             </a:r>
             <a:r>
-              <a:rPr lang="ru-RU" dirty="0" smtClean="0"/>
+              <a:rPr lang="ru-RU" dirty="0"/>
               <a:t> за някоя от следните </a:t>
             </a:r>
             <a:r>
-              <a:rPr lang="ru-RU" b="1" dirty="0" smtClean="0">
+              <a:rPr lang="ru-RU" b="1" dirty="0">
                 <a:solidFill>
                   <a:schemeClr val="bg1"/>
                 </a:solidFill>
@@ -22808,7 +22664,7 @@
               <a:t>употреби</a:t>
             </a:r>
             <a:r>
-              <a:rPr lang="ru-RU" dirty="0" smtClean="0"/>
+              <a:rPr lang="ru-RU" dirty="0"/>
               <a:t>:</a:t>
             </a:r>
           </a:p>
@@ -22819,7 +22675,7 @@
               </a:buClr>
             </a:pPr>
             <a:r>
-              <a:rPr lang="ru-RU" b="1" dirty="0" smtClean="0">
+              <a:rPr lang="ru-RU" b="1" dirty="0">
                 <a:solidFill>
                   <a:schemeClr val="bg1"/>
                 </a:solidFill>
@@ -22827,15 +22683,11 @@
               <a:t>Показване</a:t>
             </a:r>
             <a:r>
-              <a:rPr lang="ru-RU" dirty="0" smtClean="0"/>
-              <a:t> </a:t>
-            </a:r>
-            <a:r>
-              <a:rPr lang="ru-RU" dirty="0" smtClean="0"/>
-              <a:t>или </a:t>
-            </a:r>
-            <a:r>
-              <a:rPr lang="ru-RU" b="1" dirty="0" smtClean="0">
+              <a:rPr lang="ru-RU" dirty="0"/>
+              <a:t> или </a:t>
+            </a:r>
+            <a:r>
+              <a:rPr lang="ru-RU" b="1" dirty="0">
                 <a:solidFill>
                   <a:schemeClr val="bg1"/>
                 </a:solidFill>
@@ -22843,15 +22695,11 @@
               <a:t>разпространяване</a:t>
             </a:r>
             <a:r>
-              <a:rPr lang="ru-RU" dirty="0" smtClean="0"/>
-              <a:t> на </a:t>
-            </a:r>
-            <a:r>
-              <a:rPr lang="ru-RU" dirty="0" smtClean="0"/>
-              <a:t>обобщение на </a:t>
-            </a:r>
-            <a:r>
-              <a:rPr lang="ru-RU" b="1" dirty="0" smtClean="0">
+              <a:rPr lang="ru-RU" dirty="0"/>
+              <a:t> на обобщение на </a:t>
+            </a:r>
+            <a:r>
+              <a:rPr lang="ru-RU" b="1" dirty="0">
                 <a:solidFill>
                   <a:schemeClr val="bg1"/>
                 </a:solidFill>
@@ -22866,7 +22714,7 @@
               </a:buClr>
             </a:pPr>
             <a:r>
-              <a:rPr lang="ru-RU" b="1" dirty="0" smtClean="0">
+              <a:rPr lang="ru-RU" b="1" dirty="0">
                 <a:solidFill>
                   <a:schemeClr val="bg1"/>
                 </a:solidFill>
@@ -22874,11 +22722,11 @@
               <a:t>Архивиране</a:t>
             </a:r>
             <a:r>
-              <a:rPr lang="ru-RU" dirty="0" smtClean="0"/>
+              <a:rPr lang="ru-RU" dirty="0"/>
               <a:t> на </a:t>
             </a:r>
             <a:r>
-              <a:rPr lang="ru-RU" b="1" dirty="0" smtClean="0">
+              <a:rPr lang="ru-RU" b="1" dirty="0">
                 <a:solidFill>
                   <a:schemeClr val="bg1"/>
                 </a:solidFill>
@@ -22886,11 +22734,11 @@
               <a:t>снапшоти</a:t>
             </a:r>
             <a:r>
-              <a:rPr lang="ru-RU" dirty="0" smtClean="0"/>
+              <a:rPr lang="ru-RU" dirty="0"/>
               <a:t> на </a:t>
             </a:r>
             <a:r>
-              <a:rPr lang="ru-RU" b="1" dirty="0" smtClean="0">
+              <a:rPr lang="ru-RU" b="1" dirty="0">
                 <a:solidFill>
                   <a:schemeClr val="bg1"/>
                 </a:solidFill>
@@ -22905,7 +22753,7 @@
               </a:buClr>
             </a:pPr>
             <a:r>
-              <a:rPr lang="ru-RU" b="1" dirty="0" smtClean="0">
+              <a:rPr lang="ru-RU" b="1" dirty="0">
                 <a:solidFill>
                   <a:schemeClr val="bg1"/>
                 </a:solidFill>
@@ -22913,11 +22761,11 @@
               <a:t>Предоставяне </a:t>
             </a:r>
             <a:r>
-              <a:rPr lang="ru-RU" dirty="0" smtClean="0"/>
+              <a:rPr lang="ru-RU" dirty="0"/>
               <a:t>на</a:t>
             </a:r>
             <a:r>
-              <a:rPr lang="ru-RU" b="1" dirty="0" smtClean="0">
+              <a:rPr lang="ru-RU" b="1" dirty="0">
                 <a:solidFill>
                   <a:schemeClr val="bg1"/>
                 </a:solidFill>
@@ -22925,11 +22773,11 @@
               <a:t> подробности </a:t>
             </a:r>
             <a:r>
-              <a:rPr lang="ru-RU" dirty="0" smtClean="0"/>
+              <a:rPr lang="ru-RU" dirty="0"/>
               <a:t>за</a:t>
             </a:r>
             <a:r>
-              <a:rPr lang="ru-RU" b="1" dirty="0" smtClean="0">
+              <a:rPr lang="ru-RU" b="1" dirty="0">
                 <a:solidFill>
                   <a:schemeClr val="bg1"/>
                 </a:solidFill>
@@ -22937,24 +22785,16 @@
               <a:t> </a:t>
             </a:r>
             <a:r>
-              <a:rPr lang="ru-RU" dirty="0" smtClean="0"/>
+              <a:rPr lang="ru-RU" dirty="0"/>
               <a:t>отделните</a:t>
             </a:r>
             <a:r>
-              <a:rPr lang="ru-RU" b="1" dirty="0" smtClean="0">
+              <a:rPr lang="ru-RU" b="1" dirty="0">
                 <a:solidFill>
                   <a:schemeClr val="bg1"/>
                 </a:solidFill>
               </a:rPr>
-              <a:t> </a:t>
-            </a:r>
-            <a:r>
-              <a:rPr lang="ru-RU" b="1" dirty="0" smtClean="0">
-                <a:solidFill>
-                  <a:schemeClr val="bg1"/>
-                </a:solidFill>
-              </a:rPr>
-              <a:t>записи</a:t>
+              <a:t> записи</a:t>
             </a:r>
           </a:p>
           <a:p>
@@ -22964,7 +22804,7 @@
               </a:buClr>
             </a:pPr>
             <a:r>
-              <a:rPr lang="ru-RU" b="1" dirty="0" smtClean="0">
+              <a:rPr lang="ru-RU" b="1" dirty="0">
                 <a:solidFill>
                   <a:schemeClr val="bg1"/>
                 </a:solidFill>
@@ -22972,11 +22812,11 @@
               <a:t>Създаване </a:t>
             </a:r>
             <a:r>
-              <a:rPr lang="ru-RU" dirty="0" smtClean="0"/>
+              <a:rPr lang="ru-RU" dirty="0"/>
               <a:t>на</a:t>
             </a:r>
             <a:r>
-              <a:rPr lang="ru-RU" b="1" dirty="0" smtClean="0">
+              <a:rPr lang="ru-RU" b="1" dirty="0">
                 <a:solidFill>
                   <a:schemeClr val="bg1"/>
                 </a:solidFill>
@@ -23007,7 +22847,7 @@
           <a:lstStyle/>
           <a:p>
             <a:r>
-              <a:rPr lang="bg-BG" dirty="0" smtClean="0"/>
+              <a:rPr lang="bg-BG" dirty="0"/>
               <a:t>Какво можем да правим с отчетите?</a:t>
             </a:r>
             <a:endParaRPr lang="en-US" dirty="0"/>
@@ -23045,11 +22885,11 @@
   <p:clrMapOvr>
     <a:masterClrMapping/>
   </p:clrMapOvr>
-  <mc:AlternateContent xmlns:mc="http://schemas.openxmlformats.org/markup-compatibility/2006">
-    <mc:Choice xmlns="" xmlns:p14="http://schemas.microsoft.com/office/powerpoint/2010/main" Requires="p14">
+  <mc:AlternateContent xmlns:mc="http://schemas.openxmlformats.org/markup-compatibility/2006" xmlns:p14="http://schemas.microsoft.com/office/powerpoint/2010/main">
+    <mc:Choice Requires="p14">
       <p:transition spd="slow" p14:dur="2000" advClick="0" advTm="5000"/>
     </mc:Choice>
-    <mc:Fallback>
+    <mc:Fallback xmlns="">
       <p:transition spd="slow" advClick="0" advTm="5000"/>
     </mc:Fallback>
   </mc:AlternateContent>
@@ -23266,7 +23106,7 @@
           <a:lstStyle/>
           <a:p>
             <a:r>
-              <a:rPr lang="bg-BG" dirty="0" smtClean="0"/>
+              <a:rPr lang="bg-BG" dirty="0"/>
               <a:t>Същност и употреба</a:t>
             </a:r>
             <a:endParaRPr lang="en-US" dirty="0"/>
@@ -23289,10 +23129,9 @@
           <a:lstStyle/>
           <a:p>
             <a:r>
-              <a:rPr lang="en-US" dirty="0" smtClean="0"/>
+              <a:rPr lang="en-US" dirty="0"/>
               <a:t>MS Access</a:t>
             </a:r>
-            <a:endParaRPr lang="en-US" dirty="0"/>
           </a:p>
         </p:txBody>
       </p:sp>
@@ -23327,21 +23166,14 @@
   <p:clrMapOvr>
     <a:masterClrMapping/>
   </p:clrMapOvr>
-  <mc:AlternateContent xmlns:mc="http://schemas.openxmlformats.org/markup-compatibility/2006">
-    <mc:Choice xmlns="" xmlns:p14="http://schemas.microsoft.com/office/powerpoint/2010/main" Requires="p14">
+  <mc:AlternateContent xmlns:mc="http://schemas.openxmlformats.org/markup-compatibility/2006" xmlns:p14="http://schemas.microsoft.com/office/powerpoint/2010/main">
+    <mc:Choice Requires="p14">
       <p:transition spd="slow" p14:dur="2000" advClick="0" advTm="5000"/>
     </mc:Choice>
-    <mc:Fallback>
+    <mc:Fallback xmlns="">
       <p:transition spd="slow" advClick="0" advTm="5000"/>
     </mc:Fallback>
   </mc:AlternateContent>
-  <p:timing>
-    <p:tnLst>
-      <p:par>
-        <p:cTn id="1" dur="indefinite" restart="never" nodeType="tmRoot"/>
-      </p:par>
-    </p:tnLst>
-  </p:timing>
 </p:sld>
 </file>
 
@@ -23367,7 +23199,7 @@
           <p:cNvPr id="9" name="Summary Box Group">
             <a:extLst>
               <a:ext uri="{FF2B5EF4-FFF2-40B4-BE49-F238E27FC236}">
-                <a16:creationId xmlns="" xmlns:a16="http://schemas.microsoft.com/office/drawing/2014/main" id="{EBAFE522-EB7D-4931-A015-9A7E8A98517D}"/>
+                <a16:creationId xmlns:a16="http://schemas.microsoft.com/office/drawing/2014/main" id="{EBAFE522-EB7D-4931-A015-9A7E8A98517D}"/>
               </a:ext>
             </a:extLst>
           </p:cNvPr>
@@ -23387,7 +23219,7 @@
             <p:cNvPr id="10" name="Rounded Rectangle Blue">
               <a:extLst>
                 <a:ext uri="{FF2B5EF4-FFF2-40B4-BE49-F238E27FC236}">
-                  <a16:creationId xmlns="" xmlns:a16="http://schemas.microsoft.com/office/drawing/2014/main" id="{18F78F23-3D09-4B63-8DF9-D49CFBB145EE}"/>
+                  <a16:creationId xmlns:a16="http://schemas.microsoft.com/office/drawing/2014/main" id="{18F78F23-3D09-4B63-8DF9-D49CFBB145EE}"/>
                 </a:ext>
               </a:extLst>
             </p:cNvPr>
@@ -23441,7 +23273,7 @@
             <p:cNvPr id="11" name="Rounded Rectangle Left">
               <a:extLst>
                 <a:ext uri="{FF2B5EF4-FFF2-40B4-BE49-F238E27FC236}">
-                  <a16:creationId xmlns="" xmlns:a16="http://schemas.microsoft.com/office/drawing/2014/main" id="{F12C06CE-2BBE-46C2-B718-813794C58DF9}"/>
+                  <a16:creationId xmlns:a16="http://schemas.microsoft.com/office/drawing/2014/main" id="{F12C06CE-2BBE-46C2-B718-813794C58DF9}"/>
                 </a:ext>
               </a:extLst>
             </p:cNvPr>
@@ -23501,7 +23333,7 @@
             <p:cNvPr id="12" name="Half Frame Top Right">
               <a:extLst>
                 <a:ext uri="{FF2B5EF4-FFF2-40B4-BE49-F238E27FC236}">
-                  <a16:creationId xmlns="" xmlns:a16="http://schemas.microsoft.com/office/drawing/2014/main" id="{66CDBB1E-AF3C-43FC-9F34-2DD691F81726}"/>
+                  <a16:creationId xmlns:a16="http://schemas.microsoft.com/office/drawing/2014/main" id="{66CDBB1E-AF3C-43FC-9F34-2DD691F81726}"/>
                 </a:ext>
               </a:extLst>
             </p:cNvPr>
@@ -23563,7 +23395,7 @@
           <p:cNvPr id="14" name="Text Placeholder Body">
             <a:extLst>
               <a:ext uri="{FF2B5EF4-FFF2-40B4-BE49-F238E27FC236}">
-                <a16:creationId xmlns="" xmlns:a16="http://schemas.microsoft.com/office/drawing/2014/main" id="{0E49D336-45B6-44D3-97C4-E28F8DEA2022}"/>
+                <a16:creationId xmlns:a16="http://schemas.microsoft.com/office/drawing/2014/main" id="{0E49D336-45B6-44D3-97C4-E28F8DEA2022}"/>
               </a:ext>
             </a:extLst>
           </p:cNvPr>
@@ -23643,7 +23475,7 @@
                 <a:schemeClr val="bg2"/>
               </a:buClr>
             </a:pPr>
-            <a:endParaRPr lang="en-US" sz="2800" dirty="0" smtClean="0">
+            <a:endParaRPr lang="en-US" sz="2800" dirty="0">
               <a:solidFill>
                 <a:schemeClr val="bg1">
                   <a:lumMod val="60000"/>
@@ -23659,7 +23491,7 @@
           <p:cNvPr id="17" name="Slide Number">
             <a:extLst>
               <a:ext uri="{FF2B5EF4-FFF2-40B4-BE49-F238E27FC236}">
-                <a16:creationId xmlns="" xmlns:a16="http://schemas.microsoft.com/office/drawing/2014/main" id="{9DE5559F-55C2-47F1-A321-B593B1EC63C1}"/>
+                <a16:creationId xmlns:a16="http://schemas.microsoft.com/office/drawing/2014/main" id="{9DE5559F-55C2-47F1-A321-B593B1EC63C1}"/>
               </a:ext>
             </a:extLst>
           </p:cNvPr>
@@ -23701,7 +23533,7 @@
           <p:cNvPr id="13" name="Picture SoftUni Mascot">
             <a:extLst>
               <a:ext uri="{FF2B5EF4-FFF2-40B4-BE49-F238E27FC236}">
-                <a16:creationId xmlns="" xmlns:a16="http://schemas.microsoft.com/office/drawing/2014/main" id="{CCC3A316-993C-4741-8826-E104F27650A3}"/>
+                <a16:creationId xmlns:a16="http://schemas.microsoft.com/office/drawing/2014/main" id="{CCC3A316-993C-4741-8826-E104F27650A3}"/>
               </a:ext>
             </a:extLst>
           </p:cNvPr>
@@ -23714,7 +23546,7 @@
           <a:blip r:embed="rId3" cstate="print">
             <a:extLst>
               <a:ext uri="{28A0092B-C50C-407E-A947-70E740481C1C}">
-                <a14:useLocalDpi xmlns="" xmlns:a14="http://schemas.microsoft.com/office/drawing/2010/main" val="0"/>
+                <a14:useLocalDpi xmlns:a14="http://schemas.microsoft.com/office/drawing/2010/main" val="0"/>
               </a:ext>
             </a:extLst>
           </a:blip>
@@ -23749,7 +23581,7 @@
           <a:lstStyle/>
           <a:p>
             <a:r>
-              <a:rPr lang="bg-BG" smtClean="0"/>
+              <a:rPr lang="bg-BG"/>
               <a:t>Обобщение</a:t>
             </a:r>
             <a:endParaRPr lang="en-US" dirty="0"/>
@@ -23759,28 +23591,21 @@
     </p:spTree>
     <p:extLst>
       <p:ext uri="{BB962C8B-B14F-4D97-AF65-F5344CB8AC3E}">
-        <p14:creationId xmlns="" xmlns:p14="http://schemas.microsoft.com/office/powerpoint/2010/main" val="2087190546"/>
+        <p14:creationId xmlns:p14="http://schemas.microsoft.com/office/powerpoint/2010/main" val="2087190546"/>
       </p:ext>
     </p:extLst>
   </p:cSld>
   <p:clrMapOvr>
     <a:masterClrMapping/>
   </p:clrMapOvr>
-  <mc:AlternateContent xmlns:mc="http://schemas.openxmlformats.org/markup-compatibility/2006">
-    <mc:Choice xmlns="" xmlns:p14="http://schemas.microsoft.com/office/powerpoint/2010/main" Requires="p14">
+  <mc:AlternateContent xmlns:mc="http://schemas.openxmlformats.org/markup-compatibility/2006" xmlns:p14="http://schemas.microsoft.com/office/powerpoint/2010/main">
+    <mc:Choice Requires="p14">
       <p:transition spd="slow" p14:dur="2000" advClick="0" advTm="5000"/>
     </mc:Choice>
-    <mc:Fallback>
+    <mc:Fallback xmlns="">
       <p:transition spd="slow" advClick="0" advTm="5000"/>
     </mc:Fallback>
   </mc:AlternateContent>
-  <p:timing>
-    <p:tnLst>
-      <p:par>
-        <p:cTn id="1" dur="indefinite" restart="never" nodeType="tmRoot"/>
-      </p:par>
-    </p:tnLst>
-  </p:timing>
 </p:sld>
 </file>
 
@@ -23806,7 +23631,7 @@
           <p:cNvPr id="5" name="Group 4">
             <a:extLst>
               <a:ext uri="{FF2B5EF4-FFF2-40B4-BE49-F238E27FC236}">
-                <a16:creationId xmlns="" xmlns:a16="http://schemas.microsoft.com/office/drawing/2014/main" id="{1A67F800-7980-E3CA-7188-3C478C8E98B8}"/>
+                <a16:creationId xmlns:a16="http://schemas.microsoft.com/office/drawing/2014/main" id="{1A67F800-7980-E3CA-7188-3C478C8E98B8}"/>
               </a:ext>
             </a:extLst>
           </p:cNvPr>
@@ -23826,7 +23651,7 @@
             <p:cNvPr id="7" name="Picture 6" descr="A picture containing text, sign, vector graphics&#10;&#10;Description automatically generated">
               <a:extLst>
                 <a:ext uri="{FF2B5EF4-FFF2-40B4-BE49-F238E27FC236}">
-                  <a16:creationId xmlns="" xmlns:a16="http://schemas.microsoft.com/office/drawing/2014/main" id="{15CE28B1-02BA-4014-E149-BF1EE09447ED}"/>
+                  <a16:creationId xmlns:a16="http://schemas.microsoft.com/office/drawing/2014/main" id="{15CE28B1-02BA-4014-E149-BF1EE09447ED}"/>
                 </a:ext>
               </a:extLst>
             </p:cNvPr>
@@ -23856,7 +23681,7 @@
             <p:cNvPr id="9" name="Picture 8" descr="Logo&#10;&#10;Description automatically generated">
               <a:extLst>
                 <a:ext uri="{FF2B5EF4-FFF2-40B4-BE49-F238E27FC236}">
-                  <a16:creationId xmlns="" xmlns:a16="http://schemas.microsoft.com/office/drawing/2014/main" id="{5F82FF4F-4AD2-4B3B-1445-F3C6BA268522}"/>
+                  <a16:creationId xmlns:a16="http://schemas.microsoft.com/office/drawing/2014/main" id="{5F82FF4F-4AD2-4B3B-1445-F3C6BA268522}"/>
                 </a:ext>
               </a:extLst>
             </p:cNvPr>
@@ -23886,7 +23711,7 @@
             <p:cNvPr id="11" name="Picture 10" descr="Logo&#10;&#10;Description automatically generated">
               <a:extLst>
                 <a:ext uri="{FF2B5EF4-FFF2-40B4-BE49-F238E27FC236}">
-                  <a16:creationId xmlns="" xmlns:a16="http://schemas.microsoft.com/office/drawing/2014/main" id="{68CCA8DB-9EFC-F9BC-57AE-81E4F843E863}"/>
+                  <a16:creationId xmlns:a16="http://schemas.microsoft.com/office/drawing/2014/main" id="{68CCA8DB-9EFC-F9BC-57AE-81E4F843E863}"/>
                 </a:ext>
               </a:extLst>
             </p:cNvPr>
@@ -23916,7 +23741,7 @@
             <p:cNvPr id="13" name="Picture 12" descr="Logo&#10;&#10;Description automatically generated">
               <a:extLst>
                 <a:ext uri="{FF2B5EF4-FFF2-40B4-BE49-F238E27FC236}">
-                  <a16:creationId xmlns="" xmlns:a16="http://schemas.microsoft.com/office/drawing/2014/main" id="{3FDF9297-50FA-E866-B6CE-9D64B1E892BF}"/>
+                  <a16:creationId xmlns:a16="http://schemas.microsoft.com/office/drawing/2014/main" id="{3FDF9297-50FA-E866-B6CE-9D64B1E892BF}"/>
                 </a:ext>
               </a:extLst>
             </p:cNvPr>
@@ -23946,7 +23771,7 @@
             <p:cNvPr id="18" name="Graphic 17">
               <a:extLst>
                 <a:ext uri="{FF2B5EF4-FFF2-40B4-BE49-F238E27FC236}">
-                  <a16:creationId xmlns="" xmlns:a16="http://schemas.microsoft.com/office/drawing/2014/main" id="{2A1BC0C9-7A7B-9C5B-B457-3E86E59EF29E}"/>
+                  <a16:creationId xmlns:a16="http://schemas.microsoft.com/office/drawing/2014/main" id="{2A1BC0C9-7A7B-9C5B-B457-3E86E59EF29E}"/>
                 </a:ext>
               </a:extLst>
             </p:cNvPr>
@@ -23959,7 +23784,7 @@
             <a:blip r:embed="rId7" cstate="print">
               <a:extLst>
                 <a:ext uri="{96DAC541-7B7A-43D3-8B79-37D633B846F1}">
-                  <asvg:svgBlip xmlns="" xmlns:asvg="http://schemas.microsoft.com/office/drawing/2016/SVG/main" r:embed="rId8"/>
+                  <asvg:svgBlip xmlns:asvg="http://schemas.microsoft.com/office/drawing/2016/SVG/main" r:embed="rId8"/>
                 </a:ext>
               </a:extLst>
             </a:blip>
@@ -23982,7 +23807,7 @@
             <p:cNvPr id="20" name="Graphic 19">
               <a:extLst>
                 <a:ext uri="{FF2B5EF4-FFF2-40B4-BE49-F238E27FC236}">
-                  <a16:creationId xmlns="" xmlns:a16="http://schemas.microsoft.com/office/drawing/2014/main" id="{DBE174DA-A182-7E57-06D4-86AFA26D484D}"/>
+                  <a16:creationId xmlns:a16="http://schemas.microsoft.com/office/drawing/2014/main" id="{DBE174DA-A182-7E57-06D4-86AFA26D484D}"/>
                 </a:ext>
               </a:extLst>
             </p:cNvPr>
@@ -23995,7 +23820,7 @@
             <a:blip r:embed="rId9" cstate="print">
               <a:extLst>
                 <a:ext uri="{96DAC541-7B7A-43D3-8B79-37D633B846F1}">
-                  <asvg:svgBlip xmlns="" xmlns:asvg="http://schemas.microsoft.com/office/drawing/2016/SVG/main" r:embed="rId10"/>
+                  <asvg:svgBlip xmlns:asvg="http://schemas.microsoft.com/office/drawing/2016/SVG/main" r:embed="rId10"/>
                 </a:ext>
               </a:extLst>
             </a:blip>
@@ -24018,7 +23843,7 @@
             <p:cNvPr id="22" name="Picture 21" descr="Logo&#10;&#10;Description automatically generated">
               <a:extLst>
                 <a:ext uri="{FF2B5EF4-FFF2-40B4-BE49-F238E27FC236}">
-                  <a16:creationId xmlns="" xmlns:a16="http://schemas.microsoft.com/office/drawing/2014/main" id="{9B7FFC36-A4BC-7A53-AB82-82C398A47538}"/>
+                  <a16:creationId xmlns:a16="http://schemas.microsoft.com/office/drawing/2014/main" id="{9B7FFC36-A4BC-7A53-AB82-82C398A47538}"/>
                 </a:ext>
               </a:extLst>
             </p:cNvPr>
@@ -24048,7 +23873,7 @@
             <p:cNvPr id="36" name="Group 35">
               <a:extLst>
                 <a:ext uri="{FF2B5EF4-FFF2-40B4-BE49-F238E27FC236}">
-                  <a16:creationId xmlns="" xmlns:a16="http://schemas.microsoft.com/office/drawing/2014/main" id="{3FB2AEAC-BDEE-9D5F-67A3-17CEDA699052}"/>
+                  <a16:creationId xmlns:a16="http://schemas.microsoft.com/office/drawing/2014/main" id="{3FB2AEAC-BDEE-9D5F-67A3-17CEDA699052}"/>
                 </a:ext>
               </a:extLst>
             </p:cNvPr>
@@ -24068,7 +23893,7 @@
               <p:cNvPr id="31" name="Straight Connector 30">
                 <a:extLst>
                   <a:ext uri="{FF2B5EF4-FFF2-40B4-BE49-F238E27FC236}">
-                    <a16:creationId xmlns="" xmlns:a16="http://schemas.microsoft.com/office/drawing/2014/main" id="{AA38ABD5-1637-DC80-A922-DF10E4F75CDE}"/>
+                    <a16:creationId xmlns:a16="http://schemas.microsoft.com/office/drawing/2014/main" id="{AA38ABD5-1637-DC80-A922-DF10E4F75CDE}"/>
                   </a:ext>
                 </a:extLst>
               </p:cNvPr>
@@ -24111,7 +23936,7 @@
               <p:cNvPr id="33" name="Picture 32">
                 <a:extLst>
                   <a:ext uri="{FF2B5EF4-FFF2-40B4-BE49-F238E27FC236}">
-                    <a16:creationId xmlns="" xmlns:a16="http://schemas.microsoft.com/office/drawing/2014/main" id="{617B586A-0BC5-5E32-7E67-FD277547ED69}"/>
+                    <a16:creationId xmlns:a16="http://schemas.microsoft.com/office/drawing/2014/main" id="{617B586A-0BC5-5E32-7E67-FD277547ED69}"/>
                   </a:ext>
                 </a:extLst>
               </p:cNvPr>
@@ -24143,7 +23968,7 @@
           <p:cNvPr id="40" name="Picture 39" descr="Logo&#10;&#10;Description automatically generated">
             <a:extLst>
               <a:ext uri="{FF2B5EF4-FFF2-40B4-BE49-F238E27FC236}">
-                <a16:creationId xmlns="" xmlns:a16="http://schemas.microsoft.com/office/drawing/2014/main" id="{9C30DD70-D438-6D27-35D3-8BB874966D84}"/>
+                <a16:creationId xmlns:a16="http://schemas.microsoft.com/office/drawing/2014/main" id="{9C30DD70-D438-6D27-35D3-8BB874966D84}"/>
               </a:ext>
             </a:extLst>
           </p:cNvPr>
@@ -24173,7 +23998,7 @@
           <p:cNvPr id="2" name="Google Shape;441;p37">
             <a:extLst>
               <a:ext uri="{FF2B5EF4-FFF2-40B4-BE49-F238E27FC236}">
-                <a16:creationId xmlns="" xmlns:a16="http://schemas.microsoft.com/office/drawing/2014/main" id="{2AFB472C-93C2-241B-75FA-457782840F92}"/>
+                <a16:creationId xmlns:a16="http://schemas.microsoft.com/office/drawing/2014/main" id="{2AFB472C-93C2-241B-75FA-457782840F92}"/>
               </a:ext>
             </a:extLst>
           </p:cNvPr>
@@ -24478,7 +24303,7 @@
           <p:cNvPr id="14" name="Картина 13">
             <a:extLst>
               <a:ext uri="{FF2B5EF4-FFF2-40B4-BE49-F238E27FC236}">
-                <a16:creationId xmlns="" xmlns:a16="http://schemas.microsoft.com/office/drawing/2014/main" id="{54B365E9-8FD0-6D5B-2DFC-723EE5DDD555}"/>
+                <a16:creationId xmlns:a16="http://schemas.microsoft.com/office/drawing/2014/main" id="{54B365E9-8FD0-6D5B-2DFC-723EE5DDD555}"/>
               </a:ext>
             </a:extLst>
           </p:cNvPr>
@@ -24508,7 +24333,7 @@
           <p:cNvPr id="16" name="Картина 15">
             <a:extLst>
               <a:ext uri="{FF2B5EF4-FFF2-40B4-BE49-F238E27FC236}">
-                <a16:creationId xmlns="" xmlns:a16="http://schemas.microsoft.com/office/drawing/2014/main" id="{3BD6ABFC-02BF-2D42-B42B-6929222F37B6}"/>
+                <a16:creationId xmlns:a16="http://schemas.microsoft.com/office/drawing/2014/main" id="{3BD6ABFC-02BF-2D42-B42B-6929222F37B6}"/>
               </a:ext>
             </a:extLst>
           </p:cNvPr>
@@ -24536,20 +24361,13 @@
     </p:spTree>
     <p:extLst>
       <p:ext uri="{BB962C8B-B14F-4D97-AF65-F5344CB8AC3E}">
-        <p14:creationId xmlns="" xmlns:p14="http://schemas.microsoft.com/office/powerpoint/2010/main" val="2144060659"/>
+        <p14:creationId xmlns:p14="http://schemas.microsoft.com/office/powerpoint/2010/main" val="2144060659"/>
       </p:ext>
     </p:extLst>
   </p:cSld>
   <p:clrMapOvr>
     <a:masterClrMapping/>
   </p:clrMapOvr>
-  <p:timing>
-    <p:tnLst>
-      <p:par>
-        <p:cTn id="1" dur="indefinite" restart="never" nodeType="tmRoot"/>
-      </p:par>
-    </p:tnLst>
-  </p:timing>
 </p:sld>
 </file>
 
@@ -24575,7 +24393,7 @@
           <p:cNvPr id="5" name="Slide Number">
             <a:extLst>
               <a:ext uri="{FF2B5EF4-FFF2-40B4-BE49-F238E27FC236}">
-                <a16:creationId xmlns="" xmlns:a16="http://schemas.microsoft.com/office/drawing/2014/main" id="{F48C3C93-90A1-4D31-BEA6-B54D1106CE31}"/>
+                <a16:creationId xmlns:a16="http://schemas.microsoft.com/office/drawing/2014/main" id="{F48C3C93-90A1-4D31-BEA6-B54D1106CE31}"/>
               </a:ext>
             </a:extLst>
           </p:cNvPr>
@@ -24617,7 +24435,7 @@
           <p:cNvPr id="2" name="Slide Body">
             <a:extLst>
               <a:ext uri="{FF2B5EF4-FFF2-40B4-BE49-F238E27FC236}">
-                <a16:creationId xmlns="" xmlns:a16="http://schemas.microsoft.com/office/drawing/2014/main" id="{980F49B1-E4BE-4389-A747-7AB9B71AD920}"/>
+                <a16:creationId xmlns:a16="http://schemas.microsoft.com/office/drawing/2014/main" id="{980F49B1-E4BE-4389-A747-7AB9B71AD920}"/>
               </a:ext>
             </a:extLst>
           </p:cNvPr>
@@ -24751,7 +24569,7 @@
           <p:cNvPr id="6" name="Picture License" descr="License">
             <a:extLst>
               <a:ext uri="{FF2B5EF4-FFF2-40B4-BE49-F238E27FC236}">
-                <a16:creationId xmlns="" xmlns:a16="http://schemas.microsoft.com/office/drawing/2014/main" id="{A10A2585-858C-4B1E-8846-27CF1C15729E}"/>
+                <a16:creationId xmlns:a16="http://schemas.microsoft.com/office/drawing/2014/main" id="{A10A2585-858C-4B1E-8846-27CF1C15729E}"/>
               </a:ext>
             </a:extLst>
           </p:cNvPr>
@@ -24792,7 +24610,7 @@
           <p:cNvPr id="3" name="Slide Title">
             <a:extLst>
               <a:ext uri="{FF2B5EF4-FFF2-40B4-BE49-F238E27FC236}">
-                <a16:creationId xmlns="" xmlns:a16="http://schemas.microsoft.com/office/drawing/2014/main" id="{E5F1FB41-80C3-4816-BC47-CCC50632E6E8}"/>
+                <a16:creationId xmlns:a16="http://schemas.microsoft.com/office/drawing/2014/main" id="{E5F1FB41-80C3-4816-BC47-CCC50632E6E8}"/>
               </a:ext>
             </a:extLst>
           </p:cNvPr>
@@ -24818,28 +24636,21 @@
     </p:spTree>
     <p:extLst>
       <p:ext uri="{BB962C8B-B14F-4D97-AF65-F5344CB8AC3E}">
-        <p14:creationId xmlns="" xmlns:p14="http://schemas.microsoft.com/office/powerpoint/2010/main" val="3506533871"/>
+        <p14:creationId xmlns:p14="http://schemas.microsoft.com/office/powerpoint/2010/main" val="3506533871"/>
       </p:ext>
     </p:extLst>
   </p:cSld>
   <p:clrMapOvr>
     <a:masterClrMapping/>
   </p:clrMapOvr>
-  <mc:AlternateContent xmlns:mc="http://schemas.openxmlformats.org/markup-compatibility/2006">
-    <mc:Choice xmlns="" xmlns:p14="http://schemas.microsoft.com/office/powerpoint/2010/main" Requires="p14">
+  <mc:AlternateContent xmlns:mc="http://schemas.openxmlformats.org/markup-compatibility/2006" xmlns:p14="http://schemas.microsoft.com/office/powerpoint/2010/main">
+    <mc:Choice Requires="p14">
       <p:transition spd="slow" p14:dur="2000" advClick="0" advTm="5000"/>
     </mc:Choice>
-    <mc:Fallback>
+    <mc:Fallback xmlns="">
       <p:transition spd="slow" advClick="0" advTm="5000"/>
     </mc:Fallback>
   </mc:AlternateContent>
-  <p:timing>
-    <p:tnLst>
-      <p:par>
-        <p:cTn id="1" dur="indefinite" restart="never" nodeType="tmRoot"/>
-      </p:par>
-    </p:tnLst>
-  </p:timing>
 </p:sld>
 </file>
 
@@ -24900,11 +24711,11 @@
           <a:lstStyle/>
           <a:p>
             <a:r>
-              <a:rPr lang="bg-BG" dirty="0" smtClean="0"/>
+              <a:rPr lang="bg-BG" dirty="0"/>
               <a:t>Система за управление на бази данни (</a:t>
             </a:r>
             <a:r>
-              <a:rPr lang="bg-BG" b="1" dirty="0" smtClean="0">
+              <a:rPr lang="bg-BG" b="1" dirty="0">
                 <a:solidFill>
                   <a:schemeClr val="bg1"/>
                 </a:solidFill>
@@ -24912,18 +24723,18 @@
               <a:t>СУБД</a:t>
             </a:r>
             <a:r>
-              <a:rPr lang="bg-BG" dirty="0" smtClean="0"/>
+              <a:rPr lang="bg-BG" dirty="0"/>
               <a:t>) от Microsoft </a:t>
             </a:r>
           </a:p>
           <a:p>
             <a:pPr lvl="1"/>
             <a:r>
-              <a:rPr lang="ru-RU" dirty="0" smtClean="0"/>
+              <a:rPr lang="ru-RU" dirty="0"/>
               <a:t>Предоставя мощни </a:t>
             </a:r>
             <a:r>
-              <a:rPr lang="ru-RU" b="1" dirty="0" smtClean="0">
+              <a:rPr lang="ru-RU" b="1" dirty="0">
                 <a:solidFill>
                   <a:schemeClr val="bg1"/>
                 </a:solidFill>
@@ -24931,11 +24742,11 @@
               <a:t>инструменти</a:t>
             </a:r>
             <a:r>
-              <a:rPr lang="ru-RU" dirty="0" smtClean="0"/>
+              <a:rPr lang="ru-RU" dirty="0"/>
               <a:t> за </a:t>
             </a:r>
             <a:r>
-              <a:rPr lang="ru-RU" b="1" dirty="0" smtClean="0">
+              <a:rPr lang="ru-RU" b="1" dirty="0">
                 <a:solidFill>
                   <a:schemeClr val="bg1"/>
                 </a:solidFill>
@@ -24943,11 +24754,11 @@
               <a:t>съхранение</a:t>
             </a:r>
             <a:r>
-              <a:rPr lang="ru-RU" dirty="0" smtClean="0"/>
+              <a:rPr lang="ru-RU" dirty="0"/>
               <a:t>, </a:t>
             </a:r>
             <a:r>
-              <a:rPr lang="ru-RU" b="1" dirty="0" smtClean="0">
+              <a:rPr lang="ru-RU" b="1" dirty="0">
                 <a:solidFill>
                   <a:schemeClr val="bg1"/>
                 </a:solidFill>
@@ -24955,11 +24766,11 @@
               <a:t>управление</a:t>
             </a:r>
             <a:r>
-              <a:rPr lang="ru-RU" dirty="0" smtClean="0"/>
+              <a:rPr lang="ru-RU" dirty="0"/>
               <a:t> и </a:t>
             </a:r>
             <a:r>
-              <a:rPr lang="ru-RU" b="1" dirty="0" smtClean="0">
+              <a:rPr lang="ru-RU" b="1" dirty="0">
                 <a:solidFill>
                   <a:schemeClr val="bg1"/>
                 </a:solidFill>
@@ -24967,18 +24778,18 @@
               <a:t>анализ</a:t>
             </a:r>
             <a:r>
-              <a:rPr lang="ru-RU" dirty="0" smtClean="0"/>
+              <a:rPr lang="ru-RU" dirty="0"/>
               <a:t> на </a:t>
             </a:r>
             <a:r>
-              <a:rPr lang="ru-RU" b="1" dirty="0" smtClean="0">
+              <a:rPr lang="ru-RU" b="1" dirty="0">
                 <a:solidFill>
                   <a:schemeClr val="bg1"/>
                 </a:solidFill>
               </a:rPr>
               <a:t>данни</a:t>
             </a:r>
-            <a:endParaRPr lang="bg-BG" b="1" dirty="0" smtClean="0">
+            <a:endParaRPr lang="bg-BG" b="1" dirty="0">
               <a:solidFill>
                 <a:schemeClr val="bg1"/>
               </a:solidFill>
@@ -24987,15 +24798,15 @@
           <a:p>
             <a:pPr lvl="1"/>
             <a:r>
-              <a:rPr lang="bg-BG" dirty="0" smtClean="0"/>
+              <a:rPr lang="bg-BG" dirty="0"/>
               <a:t>Л</a:t>
             </a:r>
             <a:r>
-              <a:rPr lang="ru-RU" dirty="0" smtClean="0"/>
+              <a:rPr lang="ru-RU" dirty="0"/>
               <a:t>есно създаване на </a:t>
             </a:r>
             <a:r>
-              <a:rPr lang="ru-RU" b="1" dirty="0" smtClean="0">
+              <a:rPr lang="ru-RU" b="1" dirty="0">
                 <a:solidFill>
                   <a:schemeClr val="bg1"/>
                 </a:solidFill>
@@ -25003,11 +24814,11 @@
               <a:t>бази данни</a:t>
             </a:r>
             <a:r>
-              <a:rPr lang="ru-RU" dirty="0" smtClean="0"/>
+              <a:rPr lang="ru-RU" dirty="0"/>
               <a:t>, </a:t>
             </a:r>
             <a:r>
-              <a:rPr lang="ru-RU" b="1" dirty="0" smtClean="0">
+              <a:rPr lang="ru-RU" b="1" dirty="0">
                 <a:solidFill>
                   <a:schemeClr val="bg1"/>
                 </a:solidFill>
@@ -25015,11 +24826,11 @@
               <a:t>формуляри</a:t>
             </a:r>
             <a:r>
-              <a:rPr lang="ru-RU" dirty="0" smtClean="0"/>
+              <a:rPr lang="ru-RU" dirty="0"/>
               <a:t>, </a:t>
             </a:r>
             <a:r>
-              <a:rPr lang="ru-RU" b="1" dirty="0" smtClean="0">
+              <a:rPr lang="ru-RU" b="1" dirty="0">
                 <a:solidFill>
                   <a:schemeClr val="bg1"/>
                 </a:solidFill>
@@ -25027,11 +24838,11 @@
               <a:t>отчети</a:t>
             </a:r>
             <a:r>
-              <a:rPr lang="ru-RU" dirty="0" smtClean="0"/>
+              <a:rPr lang="ru-RU" dirty="0"/>
               <a:t> и </a:t>
             </a:r>
             <a:r>
-              <a:rPr lang="ru-RU" b="1" dirty="0" smtClean="0">
+              <a:rPr lang="ru-RU" b="1" dirty="0">
                 <a:solidFill>
                   <a:schemeClr val="bg1"/>
                 </a:solidFill>
@@ -25046,7 +24857,7 @@
               </a:buClr>
             </a:pPr>
             <a:r>
-              <a:rPr lang="ru-RU" b="1" dirty="0" smtClean="0">
+              <a:rPr lang="ru-RU" b="1" dirty="0">
                 <a:solidFill>
                   <a:schemeClr val="bg1"/>
                 </a:solidFill>
@@ -25054,7 +24865,7 @@
               <a:t>Интуитивен</a:t>
             </a:r>
             <a:r>
-              <a:rPr lang="ru-RU" dirty="0" smtClean="0"/>
+              <a:rPr lang="ru-RU" dirty="0"/>
               <a:t> потребителски интерфейс</a:t>
             </a:r>
           </a:p>
@@ -25065,7 +24876,7 @@
               </a:buClr>
             </a:pPr>
             <a:r>
-              <a:rPr lang="ru-RU" b="1" dirty="0" smtClean="0">
+              <a:rPr lang="ru-RU" b="1" dirty="0">
                 <a:solidFill>
                   <a:schemeClr val="bg1"/>
                 </a:solidFill>
@@ -25073,11 +24884,11 @@
               <a:t>Интеграция</a:t>
             </a:r>
             <a:r>
-              <a:rPr lang="ru-RU" dirty="0" smtClean="0"/>
+              <a:rPr lang="ru-RU" dirty="0"/>
               <a:t> с други </a:t>
             </a:r>
             <a:r>
-              <a:rPr lang="ru-RU" b="1" dirty="0" smtClean="0">
+              <a:rPr lang="ru-RU" b="1" dirty="0">
                 <a:solidFill>
                   <a:schemeClr val="bg1"/>
                 </a:solidFill>
@@ -25085,11 +24896,11 @@
               <a:t>Microsoft</a:t>
             </a:r>
             <a:r>
-              <a:rPr lang="ru-RU" dirty="0" smtClean="0"/>
+              <a:rPr lang="ru-RU" dirty="0"/>
               <a:t> </a:t>
             </a:r>
             <a:r>
-              <a:rPr lang="ru-RU" b="1" dirty="0" smtClean="0">
+              <a:rPr lang="ru-RU" b="1" dirty="0">
                 <a:solidFill>
                   <a:schemeClr val="bg1"/>
                 </a:solidFill>
@@ -25104,7 +24915,7 @@
               </a:buClr>
             </a:pPr>
             <a:r>
-              <a:rPr lang="en-US" b="1" dirty="0" smtClean="0">
+              <a:rPr lang="en-US" b="1" dirty="0">
                 <a:solidFill>
                   <a:schemeClr val="bg1"/>
                 </a:solidFill>
@@ -25112,11 +24923,11 @@
               <a:t>Excel</a:t>
             </a:r>
             <a:r>
-              <a:rPr lang="en-US" dirty="0" smtClean="0"/>
+              <a:rPr lang="en-US" dirty="0"/>
               <a:t>, </a:t>
             </a:r>
             <a:r>
-              <a:rPr lang="en-US" b="1" dirty="0" smtClean="0">
+              <a:rPr lang="en-US" b="1" dirty="0">
                 <a:solidFill>
                   <a:schemeClr val="bg1"/>
                 </a:solidFill>
@@ -25124,14 +24935,14 @@
               <a:t>Word</a:t>
             </a:r>
             <a:r>
-              <a:rPr lang="en-US" dirty="0" smtClean="0"/>
+              <a:rPr lang="en-US" dirty="0"/>
               <a:t> </a:t>
             </a:r>
             <a:r>
-              <a:rPr lang="bg-BG" dirty="0" smtClean="0"/>
+              <a:rPr lang="bg-BG" dirty="0"/>
               <a:t>и др.</a:t>
             </a:r>
-            <a:endParaRPr lang="en-US" b="1" dirty="0" smtClean="0">
+            <a:endParaRPr lang="en-US" b="1" dirty="0">
               <a:solidFill>
                 <a:schemeClr val="bg1"/>
               </a:solidFill>
@@ -25140,7 +24951,7 @@
           <a:p>
             <a:pPr lvl="1"/>
             <a:r>
-              <a:rPr lang="bg-BG" dirty="0" smtClean="0"/>
+              <a:rPr lang="bg-BG" dirty="0"/>
               <a:t>Член на Microsoft Office</a:t>
             </a:r>
             <a:endParaRPr lang="en-US" dirty="0"/>
@@ -25163,14 +24974,13 @@
           <a:lstStyle/>
           <a:p>
             <a:r>
-              <a:rPr lang="bg-BG" dirty="0" smtClean="0"/>
+              <a:rPr lang="bg-BG" dirty="0"/>
               <a:t>Какво е </a:t>
             </a:r>
             <a:r>
-              <a:rPr lang="en-US" dirty="0" smtClean="0"/>
-              <a:t>MS Access</a:t>
-            </a:r>
-            <a:endParaRPr lang="en-US" dirty="0"/>
+              <a:rPr lang="en-US" dirty="0"/>
+              <a:t>MS Access?</a:t>
+            </a:r>
           </a:p>
         </p:txBody>
       </p:sp>
@@ -25205,11 +25015,11 @@
   <p:clrMapOvr>
     <a:masterClrMapping/>
   </p:clrMapOvr>
-  <mc:AlternateContent xmlns:mc="http://schemas.openxmlformats.org/markup-compatibility/2006">
-    <mc:Choice xmlns="" xmlns:p14="http://schemas.microsoft.com/office/powerpoint/2010/main" Requires="p14">
+  <mc:AlternateContent xmlns:mc="http://schemas.openxmlformats.org/markup-compatibility/2006" xmlns:p14="http://schemas.microsoft.com/office/powerpoint/2010/main">
+    <mc:Choice Requires="p14">
       <p:transition spd="slow" p14:dur="2000" advClick="0" advTm="5000"/>
     </mc:Choice>
-    <mc:Fallback>
+    <mc:Fallback xmlns="">
       <p:transition spd="slow" advClick="0" advTm="5000"/>
     </mc:Fallback>
   </mc:AlternateContent>
@@ -25492,29 +25302,6 @@
       </p:grpSpPr>
       <p:sp>
         <p:nvSpPr>
-          <p:cNvPr id="2" name="Subtitle 1"/>
-          <p:cNvSpPr>
-            <a:spLocks noGrp="1"/>
-          </p:cNvSpPr>
-          <p:nvPr>
-            <p:ph type="subTitle" sz="quarter" idx="11"/>
-          </p:nvPr>
-        </p:nvSpPr>
-        <p:spPr/>
-        <p:txBody>
-          <a:bodyPr/>
-          <a:lstStyle/>
-          <a:p>
-            <a:r>
-              <a:rPr lang="bg-BG" dirty="0" smtClean="0"/>
-              <a:t>Попълване на данни</a:t>
-            </a:r>
-            <a:endParaRPr lang="en-US" dirty="0"/>
-          </a:p>
-        </p:txBody>
-      </p:sp>
-      <p:sp>
-        <p:nvSpPr>
           <p:cNvPr id="3" name="Title 2"/>
           <p:cNvSpPr>
             <a:spLocks noGrp="1"/>
@@ -25523,14 +25310,26 @@
             <p:ph type="title" sz="quarter" idx="10"/>
           </p:nvPr>
         </p:nvSpPr>
-        <p:spPr/>
+        <p:spPr>
+          <a:xfrm>
+            <a:off x="615109" y="4572000"/>
+            <a:ext cx="10961783" cy="1848375"/>
+          </a:xfrm>
+        </p:spPr>
         <p:txBody>
           <a:bodyPr/>
           <a:lstStyle/>
           <a:p>
             <a:r>
-              <a:rPr lang="bg-BG" dirty="0" smtClean="0"/>
-              <a:t>Създаване на таблици</a:t>
+              <a:rPr lang="bg-BG" dirty="0"/>
+              <a:t>Създаване на таблици и </a:t>
+            </a:r>
+            <a:br>
+              <a:rPr lang="bg-BG" dirty="0"/>
+            </a:br>
+            <a:r>
+              <a:rPr lang="bg-BG" dirty="0"/>
+              <a:t>попълване на данни</a:t>
             </a:r>
             <a:endParaRPr lang="en-US" dirty="0"/>
           </a:p>
@@ -25567,21 +25366,14 @@
   <p:clrMapOvr>
     <a:masterClrMapping/>
   </p:clrMapOvr>
-  <mc:AlternateContent xmlns:mc="http://schemas.openxmlformats.org/markup-compatibility/2006">
-    <mc:Choice xmlns="" xmlns:p14="http://schemas.microsoft.com/office/powerpoint/2010/main" Requires="p14">
+  <mc:AlternateContent xmlns:mc="http://schemas.openxmlformats.org/markup-compatibility/2006" xmlns:p14="http://schemas.microsoft.com/office/powerpoint/2010/main">
+    <mc:Choice Requires="p14">
       <p:transition spd="slow" p14:dur="2000" advClick="0" advTm="5000"/>
     </mc:Choice>
-    <mc:Fallback>
+    <mc:Fallback xmlns="">
       <p:transition spd="slow" advClick="0" advTm="5000"/>
     </mc:Fallback>
   </mc:AlternateContent>
-  <p:timing>
-    <p:tnLst>
-      <p:par>
-        <p:cTn id="1" dur="indefinite" restart="never" nodeType="tmRoot"/>
-      </p:par>
-    </p:tnLst>
-  </p:timing>
 </p:sld>
 </file>
 
@@ -25639,16 +25431,20 @@
         <p:spPr/>
         <p:txBody>
           <a:bodyPr>
-            <a:normAutofit lnSpcReduction="10000"/>
+            <a:normAutofit fontScale="92500"/>
           </a:bodyPr>
           <a:lstStyle/>
           <a:p>
             <a:r>
-              <a:rPr lang="bg-BG" dirty="0" smtClean="0"/>
+              <a:rPr lang="bg-BG" dirty="0"/>
               <a:t>Натиснете </a:t>
             </a:r>
             <a:r>
-              <a:rPr lang="en-US" b="1" dirty="0" smtClean="0">
+              <a:rPr lang="en-US" dirty="0"/>
+              <a:t>[</a:t>
+            </a:r>
+            <a:r>
+              <a:rPr lang="en-US" b="1" dirty="0">
                 <a:solidFill>
                   <a:schemeClr val="bg1"/>
                 </a:solidFill>
@@ -25657,11 +25453,17 @@
               <a:t>File</a:t>
             </a:r>
             <a:r>
-              <a:rPr lang="en-US" dirty="0" smtClean="0"/>
-              <a:t> &gt; </a:t>
-            </a:r>
-            <a:r>
-              <a:rPr lang="en-US" b="1" dirty="0" smtClean="0">
+              <a:rPr lang="en-US" dirty="0">
+                <a:latin typeface="Consolas" pitchFamily="49" charset="0"/>
+              </a:rPr>
+              <a:t>]</a:t>
+            </a:r>
+            <a:r>
+              <a:rPr lang="en-US" dirty="0"/>
+              <a:t> &gt; [</a:t>
+            </a:r>
+            <a:r>
+              <a:rPr lang="en-US" b="1" dirty="0">
                 <a:solidFill>
                   <a:schemeClr val="bg1"/>
                 </a:solidFill>
@@ -25670,15 +25472,21 @@
               <a:t>New</a:t>
             </a:r>
             <a:r>
-              <a:rPr lang="en-US" b="1" dirty="0" smtClean="0"/>
+              <a:rPr lang="en-US" dirty="0">
+                <a:latin typeface="Consolas" pitchFamily="49" charset="0"/>
+              </a:rPr>
+              <a:t>]</a:t>
+            </a:r>
+            <a:r>
+              <a:rPr lang="en-US" b="1" dirty="0"/>
               <a:t> </a:t>
             </a:r>
             <a:r>
-              <a:rPr lang="bg-BG" dirty="0" smtClean="0"/>
+              <a:rPr lang="bg-BG" dirty="0"/>
               <a:t>и изберете </a:t>
             </a:r>
             <a:r>
-              <a:rPr lang="en-US" b="1" dirty="0" smtClean="0">
+              <a:rPr lang="en-US" b="1" dirty="0">
                 <a:solidFill>
                   <a:schemeClr val="bg1"/>
                 </a:solidFill>
@@ -25687,7 +25495,7 @@
               <a:t>Blank</a:t>
             </a:r>
             <a:r>
-              <a:rPr lang="en-US" b="1" dirty="0" smtClean="0">
+              <a:rPr lang="en-US" b="1" dirty="0">
                 <a:solidFill>
                   <a:schemeClr val="bg1"/>
                 </a:solidFill>
@@ -25695,7 +25503,7 @@
               <a:t> </a:t>
             </a:r>
             <a:r>
-              <a:rPr lang="en-US" b="1" dirty="0" smtClean="0">
+              <a:rPr lang="en-US" b="1" dirty="0">
                 <a:solidFill>
                   <a:schemeClr val="bg1"/>
                 </a:solidFill>
@@ -25704,7 +25512,7 @@
               <a:t>desktop</a:t>
             </a:r>
             <a:r>
-              <a:rPr lang="en-US" b="1" dirty="0" smtClean="0">
+              <a:rPr lang="en-US" b="1" dirty="0">
                 <a:solidFill>
                   <a:schemeClr val="bg1"/>
                 </a:solidFill>
@@ -25712,7 +25520,7 @@
               <a:t> </a:t>
             </a:r>
             <a:r>
-              <a:rPr lang="en-US" b="1" dirty="0" smtClean="0">
+              <a:rPr lang="en-US" b="1" dirty="0">
                 <a:solidFill>
                   <a:schemeClr val="bg1"/>
                 </a:solidFill>
@@ -25725,34 +25533,34 @@
             <a:pPr>
               <a:buNone/>
             </a:pPr>
-            <a:endParaRPr lang="en-US" dirty="0" smtClean="0"/>
-          </a:p>
-          <a:p>
-            <a:endParaRPr lang="en-US" dirty="0" smtClean="0"/>
+            <a:endParaRPr lang="en-US" dirty="0"/>
+          </a:p>
+          <a:p>
+            <a:endParaRPr lang="en-US" dirty="0"/>
           </a:p>
           <a:p>
             <a:pPr>
               <a:buNone/>
             </a:pPr>
-            <a:endParaRPr lang="en-US" dirty="0" smtClean="0"/>
+            <a:endParaRPr lang="en-US" dirty="0"/>
           </a:p>
           <a:p>
             <a:pPr>
               <a:buNone/>
             </a:pPr>
-            <a:endParaRPr lang="en-US" dirty="0" smtClean="0"/>
-          </a:p>
-          <a:p>
-            <a:r>
-              <a:rPr lang="bg-BG" dirty="0" smtClean="0"/>
+            <a:endParaRPr lang="en-US" dirty="0"/>
+          </a:p>
+          <a:p>
+            <a:r>
+              <a:rPr lang="bg-BG" dirty="0"/>
               <a:t>В полето</a:t>
             </a:r>
             <a:r>
-              <a:rPr lang="en-US" dirty="0" smtClean="0"/>
+              <a:rPr lang="en-US" dirty="0"/>
               <a:t> </a:t>
             </a:r>
             <a:r>
-              <a:rPr lang="en-US" b="1" dirty="0" smtClean="0">
+              <a:rPr lang="en-US" b="1" dirty="0">
                 <a:solidFill>
                   <a:schemeClr val="bg1"/>
                 </a:solidFill>
@@ -25761,7 +25569,7 @@
               <a:t>File</a:t>
             </a:r>
             <a:r>
-              <a:rPr lang="en-US" b="1" dirty="0" smtClean="0">
+              <a:rPr lang="en-US" b="1" dirty="0">
                 <a:solidFill>
                   <a:schemeClr val="bg1"/>
                 </a:solidFill>
@@ -25769,7 +25577,7 @@
               <a:t> </a:t>
             </a:r>
             <a:r>
-              <a:rPr lang="en-US" b="1" dirty="0" smtClean="0">
+              <a:rPr lang="en-US" b="1" dirty="0">
                 <a:solidFill>
                   <a:schemeClr val="bg1"/>
                 </a:solidFill>
@@ -25778,22 +25586,22 @@
               <a:t>Name</a:t>
             </a:r>
             <a:r>
-              <a:rPr lang="en-US" dirty="0" smtClean="0"/>
+              <a:rPr lang="en-US" dirty="0"/>
               <a:t> </a:t>
             </a:r>
             <a:r>
-              <a:rPr lang="ru-RU" dirty="0" smtClean="0"/>
+              <a:rPr lang="ru-RU" dirty="0"/>
               <a:t>въведете име на файл за новата база данни</a:t>
             </a:r>
-            <a:endParaRPr lang="en-US" dirty="0" smtClean="0"/>
-          </a:p>
-          <a:p>
-            <a:r>
-              <a:rPr lang="ru-RU" dirty="0" smtClean="0"/>
+            <a:endParaRPr lang="en-US" dirty="0"/>
+          </a:p>
+          <a:p>
+            <a:r>
+              <a:rPr lang="ru-RU" dirty="0"/>
               <a:t>За да изберете друго </a:t>
             </a:r>
             <a:r>
-              <a:rPr lang="ru-RU" b="1" dirty="0" smtClean="0">
+              <a:rPr lang="ru-RU" b="1" dirty="0">
                 <a:solidFill>
                   <a:schemeClr val="bg1"/>
                 </a:solidFill>
@@ -25801,11 +25609,11 @@
               <a:t>местоположение</a:t>
             </a:r>
             <a:r>
-              <a:rPr lang="ru-RU" dirty="0" smtClean="0"/>
+              <a:rPr lang="ru-RU" dirty="0"/>
               <a:t> и да </a:t>
             </a:r>
             <a:r>
-              <a:rPr lang="ru-RU" b="1" dirty="0" smtClean="0">
+              <a:rPr lang="ru-RU" b="1" dirty="0">
                 <a:solidFill>
                   <a:schemeClr val="bg1"/>
                 </a:solidFill>
@@ -25813,11 +25621,11 @@
               <a:t>запазите</a:t>
             </a:r>
             <a:r>
-              <a:rPr lang="ru-RU" dirty="0" smtClean="0"/>
+              <a:rPr lang="ru-RU" dirty="0"/>
               <a:t> базата данни, щракнете върху </a:t>
             </a:r>
             <a:r>
-              <a:rPr lang="ru-RU" b="1" dirty="0" smtClean="0">
+              <a:rPr lang="ru-RU" b="1" dirty="0">
                 <a:solidFill>
                   <a:schemeClr val="bg1"/>
                 </a:solidFill>
@@ -25825,11 +25633,11 @@
               <a:t>иконата</a:t>
             </a:r>
             <a:r>
-              <a:rPr lang="ru-RU" dirty="0" smtClean="0"/>
+              <a:rPr lang="ru-RU" dirty="0"/>
               <a:t> на </a:t>
             </a:r>
             <a:r>
-              <a:rPr lang="ru-RU" b="1" dirty="0" smtClean="0">
+              <a:rPr lang="ru-RU" b="1" dirty="0">
                 <a:solidFill>
                   <a:schemeClr val="bg1"/>
                 </a:solidFill>
@@ -25838,7 +25646,7 @@
             </a:r>
           </a:p>
           <a:p>
-            <a:endParaRPr lang="en-US" dirty="0" smtClean="0"/>
+            <a:endParaRPr lang="en-US" dirty="0"/>
           </a:p>
         </p:txBody>
       </p:sp>
@@ -25858,14 +25666,13 @@
           <a:lstStyle/>
           <a:p>
             <a:r>
-              <a:rPr lang="bg-BG" dirty="0" smtClean="0"/>
+              <a:rPr lang="bg-BG" dirty="0"/>
               <a:t>Създаване на база данни</a:t>
             </a:r>
             <a:r>
-              <a:rPr lang="en-US" dirty="0" smtClean="0"/>
+              <a:rPr lang="en-US" dirty="0"/>
               <a:t> (1)</a:t>
             </a:r>
-            <a:endParaRPr lang="en-US" dirty="0"/>
           </a:p>
         </p:txBody>
       </p:sp>
@@ -25905,16 +25712,78 @@
           </a:ln>
         </p:spPr>
       </p:pic>
+      <p:sp>
+        <p:nvSpPr>
+          <p:cNvPr id="5" name="TextBox 4">
+            <a:extLst>
+              <a:ext uri="{FF2B5EF4-FFF2-40B4-BE49-F238E27FC236}">
+                <a16:creationId xmlns:a16="http://schemas.microsoft.com/office/drawing/2014/main" id="{D152959B-B3EA-53CC-3D74-C0908A4E83BF}"/>
+              </a:ext>
+            </a:extLst>
+          </p:cNvPr>
+          <p:cNvSpPr txBox="1"/>
+          <p:nvPr/>
+        </p:nvSpPr>
+        <p:spPr>
+          <a:xfrm>
+            <a:off x="533400" y="1828799"/>
+            <a:ext cx="4038600" cy="1010314"/>
+          </a:xfrm>
+          <a:prstGeom prst="rect">
+            <a:avLst/>
+          </a:prstGeom>
+          <a:ln/>
+        </p:spPr>
+        <p:style>
+          <a:lnRef idx="2">
+            <a:schemeClr val="accent2"/>
+          </a:lnRef>
+          <a:fillRef idx="1">
+            <a:schemeClr val="lt1"/>
+          </a:fillRef>
+          <a:effectRef idx="0">
+            <a:schemeClr val="accent2"/>
+          </a:effectRef>
+          <a:fontRef idx="minor">
+            <a:schemeClr val="dk1"/>
+          </a:fontRef>
+        </p:style>
+        <p:txBody>
+          <a:bodyPr vert="horz" wrap="square" lIns="144000" tIns="108000" rIns="144000" bIns="108000" rtlCol="0">
+            <a:spAutoFit/>
+          </a:bodyPr>
+          <a:lstStyle/>
+          <a:p>
+            <a:pPr algn="l" eaLnBrk="0" hangingPunct="0">
+              <a:lnSpc>
+                <a:spcPct val="110000"/>
+              </a:lnSpc>
+              <a:buClr>
+                <a:schemeClr val="accent5">
+                  <a:lumMod val="40000"/>
+                  <a:lumOff val="60000"/>
+                </a:schemeClr>
+              </a:buClr>
+              <a:buSzPct val="70000"/>
+            </a:pPr>
+            <a:r>
+              <a:rPr lang="en-US" sz="2400" b="1" dirty="0"/>
+              <a:t>TODO: Add button brackets -&gt; [File]</a:t>
+            </a:r>
+            <a:endParaRPr lang="bg-BG" sz="2400" b="1" dirty="0"/>
+          </a:p>
+        </p:txBody>
+      </p:sp>
     </p:spTree>
   </p:cSld>
   <p:clrMapOvr>
     <a:masterClrMapping/>
   </p:clrMapOvr>
-  <mc:AlternateContent xmlns:mc="http://schemas.openxmlformats.org/markup-compatibility/2006">
-    <mc:Choice xmlns="" xmlns:p14="http://schemas.microsoft.com/office/powerpoint/2010/main" Requires="p14">
+  <mc:AlternateContent xmlns:mc="http://schemas.openxmlformats.org/markup-compatibility/2006" xmlns:p14="http://schemas.microsoft.com/office/powerpoint/2010/main">
+    <mc:Choice Requires="p14">
       <p:transition spd="slow" p14:dur="2000" advClick="0" advTm="5000"/>
     </mc:Choice>
-    <mc:Fallback>
+    <mc:Fallback xmlns="">
       <p:transition spd="slow" advClick="0" advTm="5000"/>
     </mc:Fallback>
   </mc:AlternateContent>
@@ -26119,11 +25988,11 @@
               </a:spcAft>
             </a:pPr>
             <a:r>
-              <a:rPr lang="ru-RU" sz="3200" dirty="0" smtClean="0"/>
+              <a:rPr lang="ru-RU" sz="3200" dirty="0"/>
               <a:t>Натиснете </a:t>
             </a:r>
             <a:r>
-              <a:rPr lang="en-US" sz="3200" b="1" dirty="0" smtClean="0">
+              <a:rPr lang="en-US" sz="3200" b="1" dirty="0">
                 <a:solidFill>
                   <a:schemeClr val="bg1"/>
                 </a:solidFill>
@@ -26145,11 +26014,11 @@
               </a:buClr>
             </a:pPr>
             <a:r>
-              <a:rPr lang="bg-BG" sz="3200" dirty="0" smtClean="0"/>
+              <a:rPr lang="bg-BG" sz="3200" dirty="0"/>
               <a:t>Отваря се новата </a:t>
             </a:r>
             <a:r>
-              <a:rPr lang="bg-BG" sz="3200" b="1" dirty="0" smtClean="0">
+              <a:rPr lang="bg-BG" sz="3200" b="1" dirty="0">
                 <a:solidFill>
                   <a:schemeClr val="bg1"/>
                 </a:solidFill>
@@ -26157,11 +26026,11 @@
               <a:t>база данни </a:t>
             </a:r>
             <a:r>
-              <a:rPr lang="bg-BG" sz="3200" dirty="0" smtClean="0"/>
+              <a:rPr lang="bg-BG" sz="3200" dirty="0"/>
               <a:t>и се </a:t>
             </a:r>
             <a:r>
-              <a:rPr lang="bg-BG" sz="3200" b="1" dirty="0" smtClean="0">
+              <a:rPr lang="bg-BG" sz="3200" b="1" dirty="0">
                 <a:solidFill>
                   <a:schemeClr val="bg1"/>
                 </a:solidFill>
@@ -26169,11 +26038,11 @@
               <a:t>създава таблица </a:t>
             </a:r>
             <a:r>
-              <a:rPr lang="bg-BG" sz="3200" dirty="0" smtClean="0"/>
+              <a:rPr lang="bg-BG" sz="3200" dirty="0"/>
               <a:t>с името </a:t>
             </a:r>
             <a:r>
-              <a:rPr lang="en-US" sz="3200" b="1" dirty="0" smtClean="0">
+              <a:rPr lang="en-US" sz="3200" b="1" dirty="0">
                 <a:solidFill>
                   <a:schemeClr val="bg1"/>
                 </a:solidFill>
@@ -26182,11 +26051,11 @@
               <a:t>Table1</a:t>
             </a:r>
             <a:r>
-              <a:rPr lang="bg-BG" sz="3200" dirty="0" smtClean="0"/>
+              <a:rPr lang="bg-BG" sz="3200" dirty="0"/>
               <a:t>, която се отваря в </a:t>
             </a:r>
             <a:r>
-              <a:rPr lang="en-US" sz="3200" b="1" dirty="0" smtClean="0">
+              <a:rPr lang="en-US" sz="3200" b="1" dirty="0">
                 <a:solidFill>
                   <a:schemeClr val="bg1"/>
                 </a:solidFill>
@@ -26195,14 +26064,14 @@
               <a:t>Datasheet</a:t>
             </a:r>
             <a:r>
-              <a:rPr lang="en-US" sz="3200" dirty="0" smtClean="0"/>
+              <a:rPr lang="en-US" sz="3200" dirty="0"/>
               <a:t> </a:t>
             </a:r>
             <a:r>
-              <a:rPr lang="bg-BG" sz="3200" dirty="0" smtClean="0"/>
+              <a:rPr lang="bg-BG" sz="3200" dirty="0"/>
               <a:t>изглед</a:t>
             </a:r>
-            <a:endParaRPr lang="en-US" sz="3200" b="1" dirty="0" smtClean="0">
+            <a:endParaRPr lang="en-US" sz="3200" b="1" dirty="0">
               <a:solidFill>
                 <a:schemeClr val="bg1"/>
               </a:solidFill>
@@ -26230,14 +26099,13 @@
           <a:lstStyle/>
           <a:p>
             <a:r>
-              <a:rPr lang="bg-BG" dirty="0" smtClean="0"/>
+              <a:rPr lang="bg-BG" dirty="0"/>
               <a:t>Създаване на база данни</a:t>
             </a:r>
             <a:r>
-              <a:rPr lang="en-US" dirty="0" smtClean="0"/>
+              <a:rPr lang="en-US" dirty="0"/>
               <a:t> (2)</a:t>
             </a:r>
-            <a:endParaRPr lang="en-US" dirty="0"/>
           </a:p>
         </p:txBody>
       </p:sp>
@@ -26279,11 +26147,11 @@
   <p:clrMapOvr>
     <a:masterClrMapping/>
   </p:clrMapOvr>
-  <mc:AlternateContent xmlns:mc="http://schemas.openxmlformats.org/markup-compatibility/2006">
-    <mc:Choice xmlns="" xmlns:p14="http://schemas.microsoft.com/office/powerpoint/2010/main" Requires="p14">
+  <mc:AlternateContent xmlns:mc="http://schemas.openxmlformats.org/markup-compatibility/2006" xmlns:p14="http://schemas.microsoft.com/office/powerpoint/2010/main">
+    <mc:Choice Requires="p14">
       <p:transition spd="slow" p14:dur="2000" advClick="0" advTm="5000"/>
     </mc:Choice>
-    <mc:Fallback>
+    <mc:Fallback xmlns="">
       <p:transition spd="slow" advClick="0" advTm="5000"/>
     </mc:Fallback>
   </mc:AlternateContent>
@@ -26458,7 +26326,7 @@
               </a:buClr>
             </a:pPr>
             <a:r>
-              <a:rPr lang="en-US" b="1" dirty="0" smtClean="0">
+              <a:rPr lang="en-US" b="1" dirty="0">
                 <a:solidFill>
                   <a:schemeClr val="bg1"/>
                 </a:solidFill>
@@ -26466,7 +26334,7 @@
               <a:t>MS </a:t>
             </a:r>
             <a:r>
-              <a:rPr lang="ru-RU" b="1" dirty="0" smtClean="0">
+              <a:rPr lang="ru-RU" b="1" dirty="0">
                 <a:solidFill>
                   <a:schemeClr val="bg1"/>
                 </a:solidFill>
@@ -26474,7 +26342,7 @@
               <a:t>Access </a:t>
             </a:r>
             <a:r>
-              <a:rPr lang="ru-RU" dirty="0" smtClean="0"/>
+              <a:rPr lang="ru-RU" dirty="0"/>
               <a:t>предоставя лесен и мощен начин за създаване на таблици</a:t>
             </a:r>
             <a:endParaRPr lang="en-US" dirty="0"/>
@@ -26497,7 +26365,7 @@
           <a:lstStyle/>
           <a:p>
             <a:r>
-              <a:rPr lang="bg-BG" dirty="0" smtClean="0"/>
+              <a:rPr lang="bg-BG" dirty="0"/>
               <a:t>Създаване на таблици (1)</a:t>
             </a:r>
             <a:endParaRPr lang="en-US" dirty="0"/>
@@ -26535,11 +26403,11 @@
   <p:clrMapOvr>
     <a:masterClrMapping/>
   </p:clrMapOvr>
-  <mc:AlternateContent xmlns:mc="http://schemas.openxmlformats.org/markup-compatibility/2006">
-    <mc:Choice xmlns="" xmlns:p14="http://schemas.microsoft.com/office/powerpoint/2010/main" Requires="p14">
+  <mc:AlternateContent xmlns:mc="http://schemas.openxmlformats.org/markup-compatibility/2006" xmlns:p14="http://schemas.microsoft.com/office/powerpoint/2010/main">
+    <mc:Choice Requires="p14">
       <p:transition spd="slow" p14:dur="2000" advClick="0" advTm="5000"/>
     </mc:Choice>
-    <mc:Fallback>
+    <mc:Fallback xmlns="">
       <p:transition spd="slow" advClick="0" advTm="5000"/>
     </mc:Fallback>
   </mc:AlternateContent>
@@ -26678,11 +26546,11 @@
           <a:lstStyle/>
           <a:p>
             <a:r>
-              <a:rPr lang="bg-BG" dirty="0" smtClean="0"/>
+              <a:rPr lang="bg-BG" dirty="0"/>
               <a:t>В раздела </a:t>
             </a:r>
             <a:r>
-              <a:rPr lang="en-US" b="1" dirty="0" smtClean="0">
+              <a:rPr lang="en-US" b="1" dirty="0">
                 <a:solidFill>
                   <a:schemeClr val="bg1"/>
                 </a:solidFill>
@@ -26691,11 +26559,11 @@
               <a:t>Create</a:t>
             </a:r>
             <a:r>
-              <a:rPr lang="bg-BG" dirty="0" smtClean="0"/>
+              <a:rPr lang="bg-BG" dirty="0"/>
               <a:t>, в групата </a:t>
             </a:r>
             <a:r>
-              <a:rPr lang="en-US" b="1" dirty="0" smtClean="0">
+              <a:rPr lang="en-US" b="1" dirty="0">
                 <a:solidFill>
                   <a:schemeClr val="bg1"/>
                 </a:solidFill>
@@ -26704,15 +26572,15 @@
               <a:t>Tables</a:t>
             </a:r>
             <a:r>
-              <a:rPr lang="en-US" dirty="0" smtClean="0"/>
+              <a:rPr lang="en-US" dirty="0"/>
               <a:t>, </a:t>
             </a:r>
             <a:r>
-              <a:rPr lang="bg-BG" dirty="0" smtClean="0"/>
+              <a:rPr lang="bg-BG" dirty="0"/>
               <a:t>натиснете </a:t>
             </a:r>
             <a:r>
-              <a:rPr lang="en-US" b="1" dirty="0" smtClean="0">
+              <a:rPr lang="en-US" b="1" dirty="0">
                 <a:solidFill>
                   <a:schemeClr val="bg1"/>
                 </a:solidFill>
@@ -26720,30 +26588,30 @@
               </a:rPr>
               <a:t>Table</a:t>
             </a:r>
-            <a:endParaRPr lang="en-US" dirty="0" smtClean="0"/>
-          </a:p>
-          <a:p>
-            <a:endParaRPr lang="en-US" sz="3400" dirty="0" smtClean="0"/>
-          </a:p>
-          <a:p>
-            <a:endParaRPr lang="en-US" sz="3400" dirty="0" smtClean="0"/>
-          </a:p>
-          <a:p>
-            <a:endParaRPr lang="en-US" sz="3400" dirty="0" smtClean="0"/>
-          </a:p>
-          <a:p>
-            <a:endParaRPr lang="en-US" sz="3400" dirty="0" smtClean="0"/>
-          </a:p>
-          <a:p>
-            <a:endParaRPr lang="en-US" sz="3400" dirty="0" smtClean="0"/>
-          </a:p>
-          <a:p>
-            <a:r>
-              <a:rPr lang="bg-BG" sz="3400" dirty="0" smtClean="0"/>
+            <a:endParaRPr lang="en-US" dirty="0"/>
+          </a:p>
+          <a:p>
+            <a:endParaRPr lang="en-US" sz="3400" dirty="0"/>
+          </a:p>
+          <a:p>
+            <a:endParaRPr lang="en-US" sz="3400" dirty="0"/>
+          </a:p>
+          <a:p>
+            <a:endParaRPr lang="en-US" sz="3400" dirty="0"/>
+          </a:p>
+          <a:p>
+            <a:endParaRPr lang="en-US" sz="3400" dirty="0"/>
+          </a:p>
+          <a:p>
+            <a:endParaRPr lang="en-US" sz="3400" dirty="0"/>
+          </a:p>
+          <a:p>
+            <a:r>
+              <a:rPr lang="bg-BG" sz="3400" dirty="0"/>
               <a:t>Нова таблица се вмъква в базата данни и се отваря в </a:t>
             </a:r>
             <a:r>
-              <a:rPr lang="en-US" sz="3400" b="1" dirty="0" smtClean="0">
+              <a:rPr lang="en-US" sz="3400" b="1" dirty="0">
                 <a:solidFill>
                   <a:schemeClr val="bg1"/>
                 </a:solidFill>
@@ -26752,14 +26620,14 @@
               <a:t>Datasheet</a:t>
             </a:r>
             <a:r>
-              <a:rPr lang="en-US" sz="3400" dirty="0" smtClean="0"/>
+              <a:rPr lang="en-US" sz="3400" dirty="0"/>
               <a:t> </a:t>
             </a:r>
             <a:r>
-              <a:rPr lang="bg-BG" sz="3400" dirty="0" smtClean="0"/>
+              <a:rPr lang="bg-BG" sz="3400" dirty="0"/>
               <a:t>изглед</a:t>
             </a:r>
-            <a:endParaRPr lang="bg-BG" sz="3400" b="1" dirty="0" smtClean="0">
+            <a:endParaRPr lang="bg-BG" sz="3400" b="1" dirty="0">
               <a:solidFill>
                 <a:schemeClr val="bg1"/>
               </a:solidFill>
@@ -26784,7 +26652,7 @@
           <a:lstStyle/>
           <a:p>
             <a:r>
-              <a:rPr lang="bg-BG" dirty="0" smtClean="0"/>
+              <a:rPr lang="bg-BG" dirty="0"/>
               <a:t>Създаване на таблици (2)</a:t>
             </a:r>
             <a:endParaRPr lang="en-US" dirty="0"/>
@@ -27015,11 +26883,11 @@
   <p:clrMapOvr>
     <a:masterClrMapping/>
   </p:clrMapOvr>
-  <mc:AlternateContent xmlns:mc="http://schemas.openxmlformats.org/markup-compatibility/2006">
-    <mc:Choice xmlns="" xmlns:p14="http://schemas.microsoft.com/office/powerpoint/2010/main" Requires="p14">
+  <mc:AlternateContent xmlns:mc="http://schemas.openxmlformats.org/markup-compatibility/2006" xmlns:p14="http://schemas.microsoft.com/office/powerpoint/2010/main">
+    <mc:Choice Requires="p14">
       <p:transition spd="slow" p14:dur="2000" advClick="0" advTm="5000"/>
     </mc:Choice>
-    <mc:Fallback>
+    <mc:Fallback xmlns="">
       <p:transition spd="slow" advClick="0" advTm="5000"/>
     </mc:Fallback>
   </mc:AlternateContent>
@@ -27525,7 +27393,7 @@
   <a:extraClrSchemeLst/>
   <a:extLst>
     <a:ext uri="{05A4C25C-085E-4340-85A3-A5531E510DB2}">
-      <thm15:themeFamily xmlns="" xmlns:thm15="http://schemas.microsoft.com/office/thememl/2012/main" name="SoftUni" id="{D61FAD9B-6E74-4E03-BFE4-B363D484F1DA}" vid="{7089C1A3-635B-4B03-A017-DAF10A3A396B}"/>
+      <thm15:themeFamily xmlns:thm15="http://schemas.microsoft.com/office/thememl/2012/main" name="SoftUni" id="{D61FAD9B-6E74-4E03-BFE4-B363D484F1DA}" vid="{7089C1A3-635B-4B03-A017-DAF10A3A396B}"/>
     </a:ext>
   </a:extLst>
 </a:theme>
@@ -27820,7 +27688,7 @@
   <a:extraClrSchemeLst/>
   <a:extLst>
     <a:ext uri="{05A4C25C-085E-4340-85A3-A5531E510DB2}">
-      <thm15:themeFamily xmlns="" xmlns:thm15="http://schemas.microsoft.com/office/thememl/2012/main" name="Office Theme" id="{62F939B6-93AF-4DB8-9C6B-D6C7DFDC589F}" vid="{4A3C46E8-61CC-4603-A589-7422A47A8E4A}"/>
+      <thm15:themeFamily xmlns:thm15="http://schemas.microsoft.com/office/thememl/2012/main" name="Office Theme" id="{62F939B6-93AF-4DB8-9C6B-D6C7DFDC589F}" vid="{4A3C46E8-61CC-4603-A589-7422A47A8E4A}"/>
     </a:ext>
   </a:extLst>
 </a:theme>
@@ -28115,22 +27983,13 @@
   <a:extraClrSchemeLst/>
   <a:extLst>
     <a:ext uri="{05A4C25C-085E-4340-85A3-A5531E510DB2}">
-      <thm15:themeFamily xmlns="" xmlns:thm15="http://schemas.microsoft.com/office/thememl/2012/main" name="Office Theme" id="{62F939B6-93AF-4DB8-9C6B-D6C7DFDC589F}" vid="{4A3C46E8-61CC-4603-A589-7422A47A8E4A}"/>
+      <thm15:themeFamily xmlns:thm15="http://schemas.microsoft.com/office/thememl/2012/main" name="Office Theme" id="{62F939B6-93AF-4DB8-9C6B-D6C7DFDC589F}" vid="{4A3C46E8-61CC-4603-A589-7422A47A8E4A}"/>
     </a:ext>
   </a:extLst>
 </a:theme>
 </file>
 
 <file path=customXml/item1.xml><?xml version="1.0" encoding="utf-8"?>
-<?mso-contentType ?>
-<FormTemplates xmlns="http://schemas.microsoft.com/sharepoint/v3/contenttype/forms">
-  <Display>DocumentLibraryForm</Display>
-  <Edit>DocumentLibraryForm</Edit>
-  <New>DocumentLibraryForm</New>
-</FormTemplates>
-</file>
-
-<file path=customXml/item2.xml><?xml version="1.0" encoding="utf-8"?>
 <ct:contentTypeSchema xmlns:ct="http://schemas.microsoft.com/office/2006/metadata/contentType" xmlns:ma="http://schemas.microsoft.com/office/2006/metadata/properties/metaAttributes" ct:_="" ma:_="" ma:contentTypeName="Документ" ma:contentTypeID="0x010100B6C18B0EB80FEC43B96FC4929E3ACDFF" ma:contentTypeVersion="8" ma:contentTypeDescription="Създаване на нов документ" ma:contentTypeScope="" ma:versionID="5e73c28b7fde86b7f49c9d6b9be21d41">
   <xsd:schema xmlns:xsd="http://www.w3.org/2001/XMLSchema" xmlns:xs="http://www.w3.org/2001/XMLSchema" xmlns:p="http://schemas.microsoft.com/office/2006/metadata/properties" xmlns:ns2="4f985cec-e092-4bcf-a1e1-b816bd0221d8" targetNamespace="http://schemas.microsoft.com/office/2006/metadata/properties" ma:root="true" ma:fieldsID="f7a640d6aa79659634b3275499e0d9c9" ns2:_="">
     <xsd:import namespace="4f985cec-e092-4bcf-a1e1-b816bd0221d8"/>
@@ -28302,6 +28161,15 @@
 </ct:contentTypeSchema>
 </file>
 
+<file path=customXml/item2.xml><?xml version="1.0" encoding="utf-8"?>
+<?mso-contentType ?>
+<FormTemplates xmlns="http://schemas.microsoft.com/sharepoint/v3/contenttype/forms">
+  <Display>DocumentLibraryForm</Display>
+  <Edit>DocumentLibraryForm</Edit>
+  <New>DocumentLibraryForm</New>
+</FormTemplates>
+</file>
+
 <file path=customXml/item3.xml><?xml version="1.0" encoding="utf-8"?>
 <p:properties xmlns:p="http://schemas.microsoft.com/office/2006/metadata/properties" xmlns:xsi="http://www.w3.org/2001/XMLSchema-instance" xmlns:pc="http://schemas.microsoft.com/office/infopath/2007/PartnerControls">
   <documentManagement/>
@@ -28309,14 +28177,6 @@
 </file>
 
 <file path=customXml/itemProps1.xml><?xml version="1.0" encoding="utf-8"?>
-<ds:datastoreItem xmlns:ds="http://schemas.openxmlformats.org/officeDocument/2006/customXml" ds:itemID="{68A20BEC-F81B-49CD-951D-E62C4BAE7796}">
-  <ds:schemaRefs>
-    <ds:schemaRef ds:uri="http://schemas.microsoft.com/sharepoint/v3/contenttype/forms"/>
-  </ds:schemaRefs>
-</ds:datastoreItem>
-</file>
-
-<file path=customXml/itemProps2.xml><?xml version="1.0" encoding="utf-8"?>
 <ds:datastoreItem xmlns:ds="http://schemas.openxmlformats.org/officeDocument/2006/customXml" ds:itemID="{4443A303-689A-4436-B140-8B2DF827EBE9}">
   <ds:schemaRefs>
     <ds:schemaRef ds:uri="http://schemas.microsoft.com/office/2006/metadata/contentType"/>
@@ -28330,6 +28190,14 @@
     <ds:schemaRef ds:uri="http://purl.org/dc/elements/1.1/"/>
     <ds:schemaRef ds:uri="http://purl.org/dc/terms/"/>
     <ds:schemaRef ds:uri="http://schemas.microsoft.com/internal/obd"/>
+  </ds:schemaRefs>
+</ds:datastoreItem>
+</file>
+
+<file path=customXml/itemProps2.xml><?xml version="1.0" encoding="utf-8"?>
+<ds:datastoreItem xmlns:ds="http://schemas.openxmlformats.org/officeDocument/2006/customXml" ds:itemID="{68A20BEC-F81B-49CD-951D-E62C4BAE7796}">
+  <ds:schemaRefs>
+    <ds:schemaRef ds:uri="http://schemas.microsoft.com/sharepoint/v3/contenttype/forms"/>
   </ds:schemaRefs>
 </ds:datastoreItem>
 </file>

--- a/Courses/Software-Sciences/Module-3-Databases-New/11-MS-Access/11-MS-Access.pptx
+++ b/Courses/Software-Sciences/Module-3-Databases-New/11-MS-Access/11-MS-Access.pptx
@@ -143,7 +143,7 @@
   </p:defaultTextStyle>
   <p:extLst>
     <p:ext uri="{521415D9-36F7-43E2-AB2F-B90AF26B5E84}">
-      <p14:sectionLst xmlns:p14="http://schemas.microsoft.com/office/powerpoint/2010/main">
+      <p14:sectionLst xmlns:p14="http://schemas.microsoft.com/office/powerpoint/2010/main" xmlns="">
         <p14:section name="Въведение" id="{A0C7653D-1924-4F56-9E27-AA2B21F1DA92}">
           <p14:sldIdLst>
             <p14:sldId id="503"/>
@@ -207,7 +207,7 @@
       </p14:sectionLst>
     </p:ext>
     <p:ext uri="{EFAFB233-063F-42B5-8137-9DF3F51BA10A}">
-      <p15:sldGuideLst xmlns:p15="http://schemas.microsoft.com/office/powerpoint/2012/main">
+      <p15:sldGuideLst xmlns:p15="http://schemas.microsoft.com/office/powerpoint/2012/main" xmlns="">
         <p15:guide id="1" orient="horz" pos="2184" userDrawn="1">
           <p15:clr>
             <a:srgbClr val="A4A3A4"/>
@@ -221,7 +221,7 @@
       </p15:sldGuideLst>
     </p:ext>
     <p:ext uri="{2D200454-40CA-4A62-9FC3-DE9A4176ACB9}">
-      <p15:notesGuideLst xmlns:p15="http://schemas.microsoft.com/office/powerpoint/2012/main"/>
+      <p15:notesGuideLst xmlns:p15="http://schemas.microsoft.com/office/powerpoint/2012/main" xmlns=""/>
     </p:ext>
   </p:extLst>
 </p:presentation>
@@ -254,7 +254,7 @@
           <p:cNvPr id="2" name="Header Placeholder 1">
             <a:extLst>
               <a:ext uri="{FF2B5EF4-FFF2-40B4-BE49-F238E27FC236}">
-                <a16:creationId xmlns:a16="http://schemas.microsoft.com/office/drawing/2014/main" id="{56F20103-83CC-4A54-8FDE-9D37FC2629C0}"/>
+                <a16:creationId xmlns:a16="http://schemas.microsoft.com/office/drawing/2014/main" xmlns="" id="{56F20103-83CC-4A54-8FDE-9D37FC2629C0}"/>
               </a:ext>
             </a:extLst>
           </p:cNvPr>
@@ -291,7 +291,7 @@
           <p:cNvPr id="3" name="Date Placeholder 2">
             <a:extLst>
               <a:ext uri="{FF2B5EF4-FFF2-40B4-BE49-F238E27FC236}">
-                <a16:creationId xmlns:a16="http://schemas.microsoft.com/office/drawing/2014/main" id="{27A53962-26EF-44E4-9E69-61B1727AB1C2}"/>
+                <a16:creationId xmlns:a16="http://schemas.microsoft.com/office/drawing/2014/main" xmlns="" id="{27A53962-26EF-44E4-9E69-61B1727AB1C2}"/>
               </a:ext>
             </a:extLst>
           </p:cNvPr>
@@ -322,7 +322,7 @@
             <a:fld id="{4E087215-0C8F-4762-A664-737A353EC9A4}" type="datetimeFigureOut">
               <a:rPr lang="bg-BG" smtClean="0"/>
               <a:pPr/>
-              <a:t>7.09.23 г.</a:t>
+              <a:t>7.9.2023 г.</a:t>
             </a:fld>
             <a:endParaRPr lang="bg-BG" dirty="0"/>
           </a:p>
@@ -333,7 +333,7 @@
           <p:cNvPr id="4" name="Footer Placeholder 3">
             <a:extLst>
               <a:ext uri="{FF2B5EF4-FFF2-40B4-BE49-F238E27FC236}">
-                <a16:creationId xmlns:a16="http://schemas.microsoft.com/office/drawing/2014/main" id="{28A6967E-448F-4887-8FCB-34482EFBCC74}"/>
+                <a16:creationId xmlns:a16="http://schemas.microsoft.com/office/drawing/2014/main" xmlns="" id="{28A6967E-448F-4887-8FCB-34482EFBCC74}"/>
               </a:ext>
             </a:extLst>
           </p:cNvPr>
@@ -383,7 +383,7 @@
           <p:cNvPr id="5" name="Slide Number Placeholder 4">
             <a:extLst>
               <a:ext uri="{FF2B5EF4-FFF2-40B4-BE49-F238E27FC236}">
-                <a16:creationId xmlns:a16="http://schemas.microsoft.com/office/drawing/2014/main" id="{8B6554C2-DDBA-40E2-9536-53A07EC50274}"/>
+                <a16:creationId xmlns:a16="http://schemas.microsoft.com/office/drawing/2014/main" xmlns="" id="{8B6554C2-DDBA-40E2-9536-53A07EC50274}"/>
               </a:ext>
             </a:extLst>
           </p:cNvPr>
@@ -423,7 +423,7 @@
     </p:spTree>
     <p:extLst>
       <p:ext uri="{BB962C8B-B14F-4D97-AF65-F5344CB8AC3E}">
-        <p14:creationId xmlns:p14="http://schemas.microsoft.com/office/powerpoint/2010/main" val="4150602968"/>
+        <p14:creationId xmlns:p14="http://schemas.microsoft.com/office/powerpoint/2010/main" xmlns="" val="4150602968"/>
       </p:ext>
     </p:extLst>
   </p:cSld>
@@ -515,7 +515,7 @@
             <a:fld id="{72D84649-876A-46C9-8472-14CB09C070D8}" type="datetimeFigureOut">
               <a:rPr lang="en-US" smtClean="0"/>
               <a:pPr/>
-              <a:t>9/7/23</a:t>
+              <a:t>9/7/2023</a:t>
             </a:fld>
             <a:endParaRPr lang="en-US" dirty="0"/>
           </a:p>
@@ -654,7 +654,7 @@
           <p:cNvPr id="8" name="Footer Placeholder 7">
             <a:extLst>
               <a:ext uri="{FF2B5EF4-FFF2-40B4-BE49-F238E27FC236}">
-                <a16:creationId xmlns:a16="http://schemas.microsoft.com/office/drawing/2014/main" id="{CAC3A49B-3196-44DF-AC28-085C72EFBFF0}"/>
+                <a16:creationId xmlns:a16="http://schemas.microsoft.com/office/drawing/2014/main" xmlns="" id="{CAC3A49B-3196-44DF-AC28-085C72EFBFF0}"/>
               </a:ext>
             </a:extLst>
           </p:cNvPr>
@@ -702,7 +702,7 @@
     </p:spTree>
     <p:extLst>
       <p:ext uri="{BB962C8B-B14F-4D97-AF65-F5344CB8AC3E}">
-        <p14:creationId xmlns:p14="http://schemas.microsoft.com/office/powerpoint/2010/main" val="1530847692"/>
+        <p14:creationId xmlns:p14="http://schemas.microsoft.com/office/powerpoint/2010/main" xmlns="" val="1530847692"/>
       </p:ext>
     </p:extLst>
   </p:cSld>
@@ -849,7 +849,7 @@
           <p:cNvPr id="8" name="Slide Image Placeholder 7">
             <a:extLst>
               <a:ext uri="{FF2B5EF4-FFF2-40B4-BE49-F238E27FC236}">
-                <a16:creationId xmlns:a16="http://schemas.microsoft.com/office/drawing/2014/main" id="{78811095-27E9-49AB-972B-D4E20B3963A6}"/>
+                <a16:creationId xmlns:a16="http://schemas.microsoft.com/office/drawing/2014/main" xmlns="" id="{78811095-27E9-49AB-972B-D4E20B3963A6}"/>
               </a:ext>
             </a:extLst>
           </p:cNvPr>
@@ -867,7 +867,7 @@
           <p:cNvPr id="9" name="Notes Placeholder 8">
             <a:extLst>
               <a:ext uri="{FF2B5EF4-FFF2-40B4-BE49-F238E27FC236}">
-                <a16:creationId xmlns:a16="http://schemas.microsoft.com/office/drawing/2014/main" id="{E923224B-0CC3-475A-8628-8A90751AE61A}"/>
+                <a16:creationId xmlns:a16="http://schemas.microsoft.com/office/drawing/2014/main" xmlns="" id="{E923224B-0CC3-475A-8628-8A90751AE61A}"/>
               </a:ext>
             </a:extLst>
           </p:cNvPr>
@@ -892,7 +892,7 @@
           <p:cNvPr id="2" name="Footer Placeholder 1">
             <a:extLst>
               <a:ext uri="{FF2B5EF4-FFF2-40B4-BE49-F238E27FC236}">
-                <a16:creationId xmlns:a16="http://schemas.microsoft.com/office/drawing/2014/main" id="{3288A3F3-90B1-4930-8D00-5603BDABEF10}"/>
+                <a16:creationId xmlns:a16="http://schemas.microsoft.com/office/drawing/2014/main" xmlns="" id="{3288A3F3-90B1-4930-8D00-5603BDABEF10}"/>
               </a:ext>
             </a:extLst>
           </p:cNvPr>
@@ -928,7 +928,7 @@
     </p:spTree>
     <p:extLst>
       <p:ext uri="{BB962C8B-B14F-4D97-AF65-F5344CB8AC3E}">
-        <p14:creationId xmlns:p14="http://schemas.microsoft.com/office/powerpoint/2010/main" val="2594489433"/>
+        <p14:creationId xmlns:p14="http://schemas.microsoft.com/office/powerpoint/2010/main" xmlns="" val="2594489433"/>
       </p:ext>
     </p:extLst>
   </p:cSld>
@@ -1106,7 +1106,7 @@
           <p:cNvPr id="7" name="Slide Number Placeholder 5">
             <a:extLst>
               <a:ext uri="{FF2B5EF4-FFF2-40B4-BE49-F238E27FC236}">
-                <a16:creationId xmlns:a16="http://schemas.microsoft.com/office/drawing/2014/main" id="{E65F1CA9-65DC-416B-8882-B3A5E415CE67}"/>
+                <a16:creationId xmlns:a16="http://schemas.microsoft.com/office/drawing/2014/main" xmlns="" id="{E65F1CA9-65DC-416B-8882-B3A5E415CE67}"/>
               </a:ext>
             </a:extLst>
           </p:cNvPr>
@@ -1236,7 +1236,7 @@
           <p:cNvPr id="4" name="Footer Placeholder 3">
             <a:extLst>
               <a:ext uri="{FF2B5EF4-FFF2-40B4-BE49-F238E27FC236}">
-                <a16:creationId xmlns:a16="http://schemas.microsoft.com/office/drawing/2014/main" id="{C5BD11C3-9FCD-4EAE-876D-E766924FAFF2}"/>
+                <a16:creationId xmlns:a16="http://schemas.microsoft.com/office/drawing/2014/main" xmlns="" id="{C5BD11C3-9FCD-4EAE-876D-E766924FAFF2}"/>
               </a:ext>
             </a:extLst>
           </p:cNvPr>
@@ -1272,7 +1272,7 @@
     </p:spTree>
     <p:extLst>
       <p:ext uri="{BB962C8B-B14F-4D97-AF65-F5344CB8AC3E}">
-        <p14:creationId xmlns:p14="http://schemas.microsoft.com/office/powerpoint/2010/main" val="1860974293"/>
+        <p14:creationId xmlns:p14="http://schemas.microsoft.com/office/powerpoint/2010/main" xmlns="" val="1860974293"/>
       </p:ext>
     </p:extLst>
   </p:cSld>
@@ -1357,7 +1357,7 @@
     </p:spTree>
     <p:extLst>
       <p:ext uri="{BB962C8B-B14F-4D97-AF65-F5344CB8AC3E}">
-        <p14:creationId xmlns:p14="http://schemas.microsoft.com/office/powerpoint/2010/main" val="1201445929"/>
+        <p14:creationId xmlns:p14="http://schemas.microsoft.com/office/powerpoint/2010/main" xmlns="" val="1201445929"/>
       </p:ext>
     </p:extLst>
   </p:cSld>
@@ -1420,7 +1420,7 @@
           <p:cNvPr id="6" name="Slide Number Placeholder 5">
             <a:extLst>
               <a:ext uri="{FF2B5EF4-FFF2-40B4-BE49-F238E27FC236}">
-                <a16:creationId xmlns:a16="http://schemas.microsoft.com/office/drawing/2014/main" id="{6627548A-4D3C-449B-81A5-FA4BE4628490}"/>
+                <a16:creationId xmlns:a16="http://schemas.microsoft.com/office/drawing/2014/main" xmlns="" id="{6627548A-4D3C-449B-81A5-FA4BE4628490}"/>
               </a:ext>
             </a:extLst>
           </p:cNvPr>
@@ -1550,7 +1550,7 @@
           <p:cNvPr id="4" name="Footer Placeholder 3">
             <a:extLst>
               <a:ext uri="{FF2B5EF4-FFF2-40B4-BE49-F238E27FC236}">
-                <a16:creationId xmlns:a16="http://schemas.microsoft.com/office/drawing/2014/main" id="{D2472CE7-61C1-4B7B-B0C8-5A45F0178717}"/>
+                <a16:creationId xmlns:a16="http://schemas.microsoft.com/office/drawing/2014/main" xmlns="" id="{D2472CE7-61C1-4B7B-B0C8-5A45F0178717}"/>
               </a:ext>
             </a:extLst>
           </p:cNvPr>
@@ -1586,7 +1586,7 @@
     </p:spTree>
     <p:extLst>
       <p:ext uri="{BB962C8B-B14F-4D97-AF65-F5344CB8AC3E}">
-        <p14:creationId xmlns:p14="http://schemas.microsoft.com/office/powerpoint/2010/main" val="729041308"/>
+        <p14:creationId xmlns:p14="http://schemas.microsoft.com/office/powerpoint/2010/main" xmlns="" val="729041308"/>
       </p:ext>
     </p:extLst>
   </p:cSld>
@@ -1618,7 +1618,7 @@
           <p:cNvPr id="14" name="Slide Image Placeholder 13">
             <a:extLst>
               <a:ext uri="{FF2B5EF4-FFF2-40B4-BE49-F238E27FC236}">
-                <a16:creationId xmlns:a16="http://schemas.microsoft.com/office/drawing/2014/main" id="{A1F0B3C6-2E53-4CA3-86D1-53D46EC35267}"/>
+                <a16:creationId xmlns:a16="http://schemas.microsoft.com/office/drawing/2014/main" xmlns="" id="{A1F0B3C6-2E53-4CA3-86D1-53D46EC35267}"/>
               </a:ext>
             </a:extLst>
           </p:cNvPr>
@@ -1636,7 +1636,7 @@
           <p:cNvPr id="15" name="Notes Placeholder 14">
             <a:extLst>
               <a:ext uri="{FF2B5EF4-FFF2-40B4-BE49-F238E27FC236}">
-                <a16:creationId xmlns:a16="http://schemas.microsoft.com/office/drawing/2014/main" id="{149CC699-A079-49A5-A4D6-73B7F849A7DC}"/>
+                <a16:creationId xmlns:a16="http://schemas.microsoft.com/office/drawing/2014/main" xmlns="" id="{149CC699-A079-49A5-A4D6-73B7F849A7DC}"/>
               </a:ext>
             </a:extLst>
           </p:cNvPr>
@@ -1661,7 +1661,7 @@
           <p:cNvPr id="19" name="Slide Number Placeholder 5">
             <a:extLst>
               <a:ext uri="{FF2B5EF4-FFF2-40B4-BE49-F238E27FC236}">
-                <a16:creationId xmlns:a16="http://schemas.microsoft.com/office/drawing/2014/main" id="{121F4233-7E9A-40D2-9066-2DB14E2FA5AD}"/>
+                <a16:creationId xmlns:a16="http://schemas.microsoft.com/office/drawing/2014/main" xmlns="" id="{121F4233-7E9A-40D2-9066-2DB14E2FA5AD}"/>
               </a:ext>
             </a:extLst>
           </p:cNvPr>
@@ -1791,7 +1791,7 @@
           <p:cNvPr id="2" name="Footer Placeholder 1">
             <a:extLst>
               <a:ext uri="{FF2B5EF4-FFF2-40B4-BE49-F238E27FC236}">
-                <a16:creationId xmlns:a16="http://schemas.microsoft.com/office/drawing/2014/main" id="{D18F1DFF-B3E7-4ABF-97EE-0BBF3A961EC5}"/>
+                <a16:creationId xmlns:a16="http://schemas.microsoft.com/office/drawing/2014/main" xmlns="" id="{D18F1DFF-B3E7-4ABF-97EE-0BBF3A961EC5}"/>
               </a:ext>
             </a:extLst>
           </p:cNvPr>
@@ -1827,7 +1827,7 @@
     </p:spTree>
     <p:extLst>
       <p:ext uri="{BB962C8B-B14F-4D97-AF65-F5344CB8AC3E}">
-        <p14:creationId xmlns:p14="http://schemas.microsoft.com/office/powerpoint/2010/main" val="4028530743"/>
+        <p14:creationId xmlns:p14="http://schemas.microsoft.com/office/powerpoint/2010/main" xmlns="" val="4028530743"/>
       </p:ext>
     </p:extLst>
   </p:cSld>
@@ -2664,7 +2664,7 @@
           <p:cNvPr id="16" name="Rectangle Bottom">
             <a:extLst>
               <a:ext uri="{FF2B5EF4-FFF2-40B4-BE49-F238E27FC236}">
-                <a16:creationId xmlns:a16="http://schemas.microsoft.com/office/drawing/2014/main" id="{6854D183-0374-4B3E-B2CE-32F308A81591}"/>
+                <a16:creationId xmlns:a16="http://schemas.microsoft.com/office/drawing/2014/main" xmlns="" id="{6854D183-0374-4B3E-B2CE-32F308A81591}"/>
               </a:ext>
             </a:extLst>
           </p:cNvPr>
@@ -2745,7 +2745,7 @@
           <p:cNvPr id="14" name="Picture Logo SoftUni" descr="SoftUni logo">
             <a:extLst>
               <a:ext uri="{FF2B5EF4-FFF2-40B4-BE49-F238E27FC236}">
-                <a16:creationId xmlns:a16="http://schemas.microsoft.com/office/drawing/2014/main" id="{C4D6B2A2-DFF0-4712-BFEC-6676BEC99FEC}"/>
+                <a16:creationId xmlns:a16="http://schemas.microsoft.com/office/drawing/2014/main" xmlns="" id="{C4D6B2A2-DFF0-4712-BFEC-6676BEC99FEC}"/>
               </a:ext>
             </a:extLst>
           </p:cNvPr>
@@ -2768,7 +2768,7 @@
             </a:clrChange>
             <a:extLst>
               <a:ext uri="{28A0092B-C50C-407E-A947-70E740481C1C}">
-                <a14:useLocalDpi xmlns:a14="http://schemas.microsoft.com/office/drawing/2010/main" val="0"/>
+                <a14:useLocalDpi xmlns:a14="http://schemas.microsoft.com/office/drawing/2010/main" xmlns="" val="0"/>
               </a:ext>
             </a:extLst>
           </a:blip>
@@ -2791,7 +2791,7 @@
           <p:cNvPr id="31" name="Text Placeholder Company Site">
             <a:extLst>
               <a:ext uri="{FF2B5EF4-FFF2-40B4-BE49-F238E27FC236}">
-                <a16:creationId xmlns:a16="http://schemas.microsoft.com/office/drawing/2014/main" id="{3E6B87B7-9D33-4EBB-BD4F-C0436BA3FD72}"/>
+                <a16:creationId xmlns:a16="http://schemas.microsoft.com/office/drawing/2014/main" xmlns="" id="{3E6B87B7-9D33-4EBB-BD4F-C0436BA3FD72}"/>
               </a:ext>
             </a:extLst>
           </p:cNvPr>
@@ -2853,7 +2853,7 @@
           <p:cNvPr id="30" name="Text Placeholder Company Name">
             <a:extLst>
               <a:ext uri="{FF2B5EF4-FFF2-40B4-BE49-F238E27FC236}">
-                <a16:creationId xmlns:a16="http://schemas.microsoft.com/office/drawing/2014/main" id="{2EA92DCA-4DB5-4D03-ACD3-A6A296592D0C}"/>
+                <a16:creationId xmlns:a16="http://schemas.microsoft.com/office/drawing/2014/main" xmlns="" id="{2EA92DCA-4DB5-4D03-ACD3-A6A296592D0C}"/>
               </a:ext>
             </a:extLst>
           </p:cNvPr>
@@ -2915,7 +2915,7 @@
           <p:cNvPr id="35" name="Picture SoftUni Mascot" descr="SoftUni mascot">
             <a:extLst>
               <a:ext uri="{FF2B5EF4-FFF2-40B4-BE49-F238E27FC236}">
-                <a16:creationId xmlns:a16="http://schemas.microsoft.com/office/drawing/2014/main" id="{951E7DA9-C5F0-43D9-B013-3BDF9EEF029D}"/>
+                <a16:creationId xmlns:a16="http://schemas.microsoft.com/office/drawing/2014/main" xmlns="" id="{951E7DA9-C5F0-43D9-B013-3BDF9EEF029D}"/>
               </a:ext>
             </a:extLst>
           </p:cNvPr>
@@ -2928,7 +2928,7 @@
           <a:blip r:embed="rId3" cstate="print">
             <a:extLst>
               <a:ext uri="{28A0092B-C50C-407E-A947-70E740481C1C}">
-                <a14:useLocalDpi xmlns:a14="http://schemas.microsoft.com/office/drawing/2010/main" val="0"/>
+                <a14:useLocalDpi xmlns:a14="http://schemas.microsoft.com/office/drawing/2010/main" xmlns="" val="0"/>
               </a:ext>
             </a:extLst>
           </a:blip>
@@ -2951,7 +2951,7 @@
             <a:hlinkClick r:id="rId4"/>
             <a:extLst>
               <a:ext uri="{FF2B5EF4-FFF2-40B4-BE49-F238E27FC236}">
-                <a16:creationId xmlns:a16="http://schemas.microsoft.com/office/drawing/2014/main" id="{F2315EB3-3FE4-4D3B-921E-5F209CEC13CB}"/>
+                <a16:creationId xmlns:a16="http://schemas.microsoft.com/office/drawing/2014/main" xmlns="" id="{F2315EB3-3FE4-4D3B-921E-5F209CEC13CB}"/>
               </a:ext>
             </a:extLst>
           </p:cNvPr>
@@ -2974,7 +2974,7 @@
             </a:clrChange>
             <a:extLst>
               <a:ext uri="{28A0092B-C50C-407E-A947-70E740481C1C}">
-                <a14:useLocalDpi xmlns:a14="http://schemas.microsoft.com/office/drawing/2010/main" val="0"/>
+                <a14:useLocalDpi xmlns:a14="http://schemas.microsoft.com/office/drawing/2010/main" xmlns="" val="0"/>
               </a:ext>
             </a:extLst>
           </a:blip>
@@ -2997,7 +2997,7 @@
           <p:cNvPr id="40" name="Text Placeholder Author Position">
             <a:extLst>
               <a:ext uri="{FF2B5EF4-FFF2-40B4-BE49-F238E27FC236}">
-                <a16:creationId xmlns:a16="http://schemas.microsoft.com/office/drawing/2014/main" id="{CD940256-851E-46C8-8BFB-A5ECA6C7DA07}"/>
+                <a16:creationId xmlns:a16="http://schemas.microsoft.com/office/drawing/2014/main" xmlns="" id="{CD940256-851E-46C8-8BFB-A5ECA6C7DA07}"/>
               </a:ext>
             </a:extLst>
           </p:cNvPr>
@@ -3057,7 +3057,7 @@
           <p:cNvPr id="36" name="Text Placeholder Author Name">
             <a:extLst>
               <a:ext uri="{FF2B5EF4-FFF2-40B4-BE49-F238E27FC236}">
-                <a16:creationId xmlns:a16="http://schemas.microsoft.com/office/drawing/2014/main" id="{3B21F47B-DE1F-442D-A2B7-6866F8786704}"/>
+                <a16:creationId xmlns:a16="http://schemas.microsoft.com/office/drawing/2014/main" xmlns="" id="{3B21F47B-DE1F-442D-A2B7-6866F8786704}"/>
               </a:ext>
             </a:extLst>
           </p:cNvPr>
@@ -3117,7 +3117,7 @@
           <p:cNvPr id="33" name="Picture Placeholder Title Image">
             <a:extLst>
               <a:ext uri="{FF2B5EF4-FFF2-40B4-BE49-F238E27FC236}">
-                <a16:creationId xmlns:a16="http://schemas.microsoft.com/office/drawing/2014/main" id="{A04D819A-89E2-4714-8C56-1838BF467EF7}"/>
+                <a16:creationId xmlns:a16="http://schemas.microsoft.com/office/drawing/2014/main" xmlns="" id="{A04D819A-89E2-4714-8C56-1838BF467EF7}"/>
               </a:ext>
             </a:extLst>
           </p:cNvPr>
@@ -3159,7 +3159,7 @@
           <p:cNvPr id="43" name="Presentation Subtitle">
             <a:extLst>
               <a:ext uri="{FF2B5EF4-FFF2-40B4-BE49-F238E27FC236}">
-                <a16:creationId xmlns:a16="http://schemas.microsoft.com/office/drawing/2014/main" id="{37BDB812-1395-4B02-ABCF-6A331EEE23E5}"/>
+                <a16:creationId xmlns:a16="http://schemas.microsoft.com/office/drawing/2014/main" xmlns="" id="{37BDB812-1395-4B02-ABCF-6A331EEE23E5}"/>
               </a:ext>
             </a:extLst>
           </p:cNvPr>
@@ -3203,7 +3203,7 @@
           <p:cNvPr id="2" name="Presentation Title">
             <a:extLst>
               <a:ext uri="{FF2B5EF4-FFF2-40B4-BE49-F238E27FC236}">
-                <a16:creationId xmlns:a16="http://schemas.microsoft.com/office/drawing/2014/main" id="{A4DF3AB8-E6E3-4FCE-8A4A-ECD147720A5D}"/>
+                <a16:creationId xmlns:a16="http://schemas.microsoft.com/office/drawing/2014/main" xmlns="" id="{A4DF3AB8-E6E3-4FCE-8A4A-ECD147720A5D}"/>
               </a:ext>
             </a:extLst>
           </p:cNvPr>
@@ -3238,24 +3238,24 @@
     </p:spTree>
     <p:extLst>
       <p:ext uri="{BB962C8B-B14F-4D97-AF65-F5344CB8AC3E}">
-        <p14:creationId xmlns:p14="http://schemas.microsoft.com/office/powerpoint/2010/main" val="970179299"/>
+        <p14:creationId xmlns:p14="http://schemas.microsoft.com/office/powerpoint/2010/main" xmlns="" val="970179299"/>
       </p:ext>
     </p:extLst>
   </p:cSld>
   <p:clrMapOvr>
     <a:masterClrMapping/>
   </p:clrMapOvr>
-  <mc:AlternateContent xmlns:mc="http://schemas.openxmlformats.org/markup-compatibility/2006" xmlns:p14="http://schemas.microsoft.com/office/powerpoint/2010/main">
-    <mc:Choice Requires="p14">
+  <mc:AlternateContent xmlns:mc="http://schemas.openxmlformats.org/markup-compatibility/2006">
+    <mc:Choice xmlns:p14="http://schemas.microsoft.com/office/powerpoint/2010/main" xmlns="" Requires="p14">
       <p:transition spd="slow" p14:dur="2000" advClick="0" advTm="5000"/>
     </mc:Choice>
-    <mc:Fallback xmlns="">
+    <mc:Fallback>
       <p:transition spd="slow" advClick="0" advTm="5000"/>
     </mc:Fallback>
   </mc:AlternateContent>
   <p:extLst>
     <p:ext uri="{DCECCB84-F9BA-43D5-87BE-67443E8EF086}">
-      <p15:sldGuideLst xmlns:p15="http://schemas.microsoft.com/office/powerpoint/2012/main">
+      <p15:sldGuideLst xmlns:p15="http://schemas.microsoft.com/office/powerpoint/2012/main" xmlns="">
         <p15:guide id="1" orient="horz" pos="2160">
           <p15:clr>
             <a:srgbClr val="FBAE40"/>
@@ -3294,7 +3294,7 @@
           <p:cNvPr id="15" name="Slide Number">
             <a:extLst>
               <a:ext uri="{FF2B5EF4-FFF2-40B4-BE49-F238E27FC236}">
-                <a16:creationId xmlns:a16="http://schemas.microsoft.com/office/drawing/2014/main" id="{F888EE71-82B3-40F1-A63F-7417422FB4A4}"/>
+                <a16:creationId xmlns:a16="http://schemas.microsoft.com/office/drawing/2014/main" xmlns="" id="{F888EE71-82B3-40F1-A63F-7417422FB4A4}"/>
               </a:ext>
             </a:extLst>
           </p:cNvPr>
@@ -3336,7 +3336,7 @@
           <p:cNvPr id="14" name="Text Placeholder Body">
             <a:extLst>
               <a:ext uri="{FF2B5EF4-FFF2-40B4-BE49-F238E27FC236}">
-                <a16:creationId xmlns:a16="http://schemas.microsoft.com/office/drawing/2014/main" id="{A2ABE920-240F-4CF6-AD45-23ED489FAD6E}"/>
+                <a16:creationId xmlns:a16="http://schemas.microsoft.com/office/drawing/2014/main" xmlns="" id="{A2ABE920-240F-4CF6-AD45-23ED489FAD6E}"/>
               </a:ext>
             </a:extLst>
           </p:cNvPr>
@@ -3642,7 +3642,7 @@
           <p:cNvPr id="10" name="Rectangle Down">
             <a:extLst>
               <a:ext uri="{FF2B5EF4-FFF2-40B4-BE49-F238E27FC236}">
-                <a16:creationId xmlns:a16="http://schemas.microsoft.com/office/drawing/2014/main" id="{E9B994EC-35A8-4A11-98CB-25DC28852F94}"/>
+                <a16:creationId xmlns:a16="http://schemas.microsoft.com/office/drawing/2014/main" xmlns="" id="{E9B994EC-35A8-4A11-98CB-25DC28852F94}"/>
               </a:ext>
             </a:extLst>
           </p:cNvPr>
@@ -3723,7 +3723,7 @@
           <p:cNvPr id="11" name="Rectangle Top">
             <a:extLst>
               <a:ext uri="{FF2B5EF4-FFF2-40B4-BE49-F238E27FC236}">
-                <a16:creationId xmlns:a16="http://schemas.microsoft.com/office/drawing/2014/main" id="{274B8F05-DFCE-47BD-BAFD-DF93E1A63BDD}"/>
+                <a16:creationId xmlns:a16="http://schemas.microsoft.com/office/drawing/2014/main" xmlns="" id="{274B8F05-DFCE-47BD-BAFD-DF93E1A63BDD}"/>
               </a:ext>
             </a:extLst>
           </p:cNvPr>
@@ -3804,7 +3804,7 @@
           <p:cNvPr id="12" name="Logo Software University" descr="Software University logo">
             <a:extLst>
               <a:ext uri="{FF2B5EF4-FFF2-40B4-BE49-F238E27FC236}">
-                <a16:creationId xmlns:a16="http://schemas.microsoft.com/office/drawing/2014/main" id="{233CBB95-791E-4630-B3D9-FADFCE7BCF52}"/>
+                <a16:creationId xmlns:a16="http://schemas.microsoft.com/office/drawing/2014/main" xmlns="" id="{233CBB95-791E-4630-B3D9-FADFCE7BCF52}"/>
               </a:ext>
             </a:extLst>
           </p:cNvPr>
@@ -3817,7 +3817,7 @@
           <a:blip r:embed="rId2" cstate="print">
             <a:extLst>
               <a:ext uri="{28A0092B-C50C-407E-A947-70E740481C1C}">
-                <a14:useLocalDpi xmlns:a14="http://schemas.microsoft.com/office/drawing/2010/main" val="0"/>
+                <a14:useLocalDpi xmlns:a14="http://schemas.microsoft.com/office/drawing/2010/main" xmlns="" val="0"/>
               </a:ext>
             </a:extLst>
           </a:blip>
@@ -3840,7 +3840,7 @@
           <p:cNvPr id="13" name="Slide Title">
             <a:extLst>
               <a:ext uri="{FF2B5EF4-FFF2-40B4-BE49-F238E27FC236}">
-                <a16:creationId xmlns:a16="http://schemas.microsoft.com/office/drawing/2014/main" id="{3F218E34-55D7-4290-BFE4-80F31F941551}"/>
+                <a16:creationId xmlns:a16="http://schemas.microsoft.com/office/drawing/2014/main" xmlns="" id="{3F218E34-55D7-4290-BFE4-80F31F941551}"/>
               </a:ext>
             </a:extLst>
           </p:cNvPr>
@@ -3879,18 +3879,18 @@
     </p:spTree>
     <p:extLst>
       <p:ext uri="{BB962C8B-B14F-4D97-AF65-F5344CB8AC3E}">
-        <p14:creationId xmlns:p14="http://schemas.microsoft.com/office/powerpoint/2010/main" val="3774019400"/>
+        <p14:creationId xmlns:p14="http://schemas.microsoft.com/office/powerpoint/2010/main" xmlns="" val="3774019400"/>
       </p:ext>
     </p:extLst>
   </p:cSld>
   <p:clrMapOvr>
     <a:masterClrMapping/>
   </p:clrMapOvr>
-  <mc:AlternateContent xmlns:mc="http://schemas.openxmlformats.org/markup-compatibility/2006" xmlns:p14="http://schemas.microsoft.com/office/powerpoint/2010/main">
-    <mc:Choice Requires="p14">
+  <mc:AlternateContent xmlns:mc="http://schemas.openxmlformats.org/markup-compatibility/2006">
+    <mc:Choice xmlns:p14="http://schemas.microsoft.com/office/powerpoint/2010/main" xmlns="" Requires="p14">
       <p:transition spd="slow" p14:dur="2000" advClick="0" advTm="5000"/>
     </mc:Choice>
-    <mc:Fallback xmlns="">
+    <mc:Fallback>
       <p:transition spd="slow" advClick="0" advTm="5000"/>
     </mc:Fallback>
   </mc:AlternateContent>
@@ -3927,7 +3927,7 @@
           <p:cNvPr id="35" name="Rectangle Bottom">
             <a:extLst>
               <a:ext uri="{FF2B5EF4-FFF2-40B4-BE49-F238E27FC236}">
-                <a16:creationId xmlns:a16="http://schemas.microsoft.com/office/drawing/2014/main" id="{550A59F9-9A9D-4956-95B4-F78CC0DB1D59}"/>
+                <a16:creationId xmlns:a16="http://schemas.microsoft.com/office/drawing/2014/main" xmlns="" id="{550A59F9-9A9D-4956-95B4-F78CC0DB1D59}"/>
               </a:ext>
             </a:extLst>
           </p:cNvPr>
@@ -4008,7 +4008,7 @@
           <p:cNvPr id="53" name="Rectangle Bottom Copyright">
             <a:extLst>
               <a:ext uri="{FF2B5EF4-FFF2-40B4-BE49-F238E27FC236}">
-                <a16:creationId xmlns:a16="http://schemas.microsoft.com/office/drawing/2014/main" id="{B07FB7FB-DA6C-4F5D-B068-357F0FCE27D8}"/>
+                <a16:creationId xmlns:a16="http://schemas.microsoft.com/office/drawing/2014/main" xmlns="" id="{B07FB7FB-DA6C-4F5D-B068-357F0FCE27D8}"/>
               </a:ext>
             </a:extLst>
           </p:cNvPr>
@@ -4065,7 +4065,7 @@
                 <a:hlinkClick r:id="rId2">
                   <a:extLst>
                     <a:ext uri="{A12FA001-AC4F-418D-AE19-62706E023703}">
-                      <ahyp:hlinkClr xmlns:ahyp="http://schemas.microsoft.com/office/drawing/2018/hyperlinkcolor" val="tx"/>
+                      <ahyp:hlinkClr xmlns:ahyp="http://schemas.microsoft.com/office/drawing/2018/hyperlinkcolor" xmlns="" val="tx"/>
                     </a:ext>
                   </a:extLst>
                 </a:hlinkClick>
@@ -4101,7 +4101,7 @@
           <p:cNvPr id="26" name="Picture SoftUni Mascot" descr="SoftUni mascot with open hand">
             <a:extLst>
               <a:ext uri="{FF2B5EF4-FFF2-40B4-BE49-F238E27FC236}">
-                <a16:creationId xmlns:a16="http://schemas.microsoft.com/office/drawing/2014/main" id="{247CFF3C-C4FA-493D-8505-DF469F4D36A4}"/>
+                <a16:creationId xmlns:a16="http://schemas.microsoft.com/office/drawing/2014/main" xmlns="" id="{247CFF3C-C4FA-493D-8505-DF469F4D36A4}"/>
               </a:ext>
             </a:extLst>
           </p:cNvPr>
@@ -4114,7 +4114,7 @@
           <a:blip r:embed="rId3" cstate="print">
             <a:extLst>
               <a:ext uri="{28A0092B-C50C-407E-A947-70E740481C1C}">
-                <a14:useLocalDpi xmlns:a14="http://schemas.microsoft.com/office/drawing/2010/main" val="0"/>
+                <a14:useLocalDpi xmlns:a14="http://schemas.microsoft.com/office/drawing/2010/main" xmlns="" val="0"/>
               </a:ext>
             </a:extLst>
           </a:blip>
@@ -4137,7 +4137,7 @@
           <p:cNvPr id="2" name="Group SoftUni Brands">
             <a:extLst>
               <a:ext uri="{FF2B5EF4-FFF2-40B4-BE49-F238E27FC236}">
-                <a16:creationId xmlns:a16="http://schemas.microsoft.com/office/drawing/2014/main" id="{418FAE34-C1F8-46C7-A4AE-F270D1E70F25}"/>
+                <a16:creationId xmlns:a16="http://schemas.microsoft.com/office/drawing/2014/main" xmlns="" id="{418FAE34-C1F8-46C7-A4AE-F270D1E70F25}"/>
               </a:ext>
             </a:extLst>
           </p:cNvPr>
@@ -4157,7 +4157,7 @@
             <p:cNvPr id="24" name="Picture SoftUni Kids Logo" descr="SoftUni Kids logo">
               <a:extLst>
                 <a:ext uri="{FF2B5EF4-FFF2-40B4-BE49-F238E27FC236}">
-                  <a16:creationId xmlns:a16="http://schemas.microsoft.com/office/drawing/2014/main" id="{B0812936-74B6-4265-8C08-AEDC8C798702}"/>
+                  <a16:creationId xmlns:a16="http://schemas.microsoft.com/office/drawing/2014/main" xmlns="" id="{B0812936-74B6-4265-8C08-AEDC8C798702}"/>
                 </a:ext>
               </a:extLst>
             </p:cNvPr>
@@ -4170,7 +4170,7 @@
             <a:blip r:embed="rId4" cstate="print">
               <a:extLst>
                 <a:ext uri="{28A0092B-C50C-407E-A947-70E740481C1C}">
-                  <a14:useLocalDpi xmlns:a14="http://schemas.microsoft.com/office/drawing/2010/main" val="0"/>
+                  <a14:useLocalDpi xmlns:a14="http://schemas.microsoft.com/office/drawing/2010/main" xmlns="" val="0"/>
                 </a:ext>
               </a:extLst>
             </a:blip>
@@ -4193,7 +4193,7 @@
             <p:cNvPr id="23" name="Picture SoftUni Foundation Logo" descr="SoftUni Foundation logo">
               <a:extLst>
                 <a:ext uri="{FF2B5EF4-FFF2-40B4-BE49-F238E27FC236}">
-                  <a16:creationId xmlns:a16="http://schemas.microsoft.com/office/drawing/2014/main" id="{6643F71A-2013-433A-8322-FBAAED3162D8}"/>
+                  <a16:creationId xmlns:a16="http://schemas.microsoft.com/office/drawing/2014/main" xmlns="" id="{6643F71A-2013-433A-8322-FBAAED3162D8}"/>
                 </a:ext>
               </a:extLst>
             </p:cNvPr>
@@ -4206,7 +4206,7 @@
             <a:blip r:embed="rId5" cstate="print">
               <a:extLst>
                 <a:ext uri="{28A0092B-C50C-407E-A947-70E740481C1C}">
-                  <a14:useLocalDpi xmlns:a14="http://schemas.microsoft.com/office/drawing/2010/main" val="0"/>
+                  <a14:useLocalDpi xmlns:a14="http://schemas.microsoft.com/office/drawing/2010/main" xmlns="" val="0"/>
                 </a:ext>
               </a:extLst>
             </a:blip>
@@ -4229,7 +4229,7 @@
             <p:cNvPr id="22" name="Picture SoftUni Digital Logo" descr="SoftUni Digital logo">
               <a:extLst>
                 <a:ext uri="{FF2B5EF4-FFF2-40B4-BE49-F238E27FC236}">
-                  <a16:creationId xmlns:a16="http://schemas.microsoft.com/office/drawing/2014/main" id="{0A83D66F-855B-463B-920B-BF239B01A206}"/>
+                  <a16:creationId xmlns:a16="http://schemas.microsoft.com/office/drawing/2014/main" xmlns="" id="{0A83D66F-855B-463B-920B-BF239B01A206}"/>
                 </a:ext>
               </a:extLst>
             </p:cNvPr>
@@ -4242,7 +4242,7 @@
             <a:blip r:embed="rId6" cstate="print">
               <a:extLst>
                 <a:ext uri="{28A0092B-C50C-407E-A947-70E740481C1C}">
-                  <a14:useLocalDpi xmlns:a14="http://schemas.microsoft.com/office/drawing/2010/main" val="0"/>
+                  <a14:useLocalDpi xmlns:a14="http://schemas.microsoft.com/office/drawing/2010/main" xmlns="" val="0"/>
                 </a:ext>
               </a:extLst>
             </a:blip>
@@ -4265,7 +4265,7 @@
             <p:cNvPr id="21" name="Picture SoftUni Creative Logo" descr="SoftUni Creative logo">
               <a:extLst>
                 <a:ext uri="{FF2B5EF4-FFF2-40B4-BE49-F238E27FC236}">
-                  <a16:creationId xmlns:a16="http://schemas.microsoft.com/office/drawing/2014/main" id="{EA755AAE-BA08-481C-9224-0061170EE4B8}"/>
+                  <a16:creationId xmlns:a16="http://schemas.microsoft.com/office/drawing/2014/main" xmlns="" id="{EA755AAE-BA08-481C-9224-0061170EE4B8}"/>
                 </a:ext>
               </a:extLst>
             </p:cNvPr>
@@ -4278,7 +4278,7 @@
             <a:blip r:embed="rId7" cstate="print">
               <a:extLst>
                 <a:ext uri="{28A0092B-C50C-407E-A947-70E740481C1C}">
-                  <a14:useLocalDpi xmlns:a14="http://schemas.microsoft.com/office/drawing/2010/main" val="0"/>
+                  <a14:useLocalDpi xmlns:a14="http://schemas.microsoft.com/office/drawing/2010/main" xmlns="" val="0"/>
                 </a:ext>
               </a:extLst>
             </a:blip>
@@ -4301,7 +4301,7 @@
             <p:cNvPr id="20" name="Picture SoftUni Svetlina Logo" descr="SoftUni Svetlina logo">
               <a:extLst>
                 <a:ext uri="{FF2B5EF4-FFF2-40B4-BE49-F238E27FC236}">
-                  <a16:creationId xmlns:a16="http://schemas.microsoft.com/office/drawing/2014/main" id="{827D15FD-4C66-4B85-98E6-7826AA8F61C6}"/>
+                  <a16:creationId xmlns:a16="http://schemas.microsoft.com/office/drawing/2014/main" xmlns="" id="{827D15FD-4C66-4B85-98E6-7826AA8F61C6}"/>
                 </a:ext>
               </a:extLst>
             </p:cNvPr>
@@ -4314,7 +4314,7 @@
             <a:blip r:embed="rId8" cstate="print">
               <a:extLst>
                 <a:ext uri="{28A0092B-C50C-407E-A947-70E740481C1C}">
-                  <a14:useLocalDpi xmlns:a14="http://schemas.microsoft.com/office/drawing/2010/main" val="0"/>
+                  <a14:useLocalDpi xmlns:a14="http://schemas.microsoft.com/office/drawing/2010/main" xmlns="" val="0"/>
                 </a:ext>
               </a:extLst>
             </a:blip>
@@ -4337,7 +4337,7 @@
             <p:cNvPr id="25" name="Picture Software University Logo" descr="Software University logo">
               <a:extLst>
                 <a:ext uri="{FF2B5EF4-FFF2-40B4-BE49-F238E27FC236}">
-                  <a16:creationId xmlns:a16="http://schemas.microsoft.com/office/drawing/2014/main" id="{C74C190C-5856-41B9-8819-AE8DE0E10980}"/>
+                  <a16:creationId xmlns:a16="http://schemas.microsoft.com/office/drawing/2014/main" xmlns="" id="{C74C190C-5856-41B9-8819-AE8DE0E10980}"/>
                 </a:ext>
               </a:extLst>
             </p:cNvPr>
@@ -4350,7 +4350,7 @@
             <a:blip r:embed="rId9" cstate="print">
               <a:extLst>
                 <a:ext uri="{28A0092B-C50C-407E-A947-70E740481C1C}">
-                  <a14:useLocalDpi xmlns:a14="http://schemas.microsoft.com/office/drawing/2010/main" val="0"/>
+                  <a14:useLocalDpi xmlns:a14="http://schemas.microsoft.com/office/drawing/2010/main" xmlns="" val="0"/>
                 </a:ext>
               </a:extLst>
             </a:blip>
@@ -4373,7 +4373,7 @@
             <p:cNvPr id="33" name="Straight Connector 6">
               <a:extLst>
                 <a:ext uri="{FF2B5EF4-FFF2-40B4-BE49-F238E27FC236}">
-                  <a16:creationId xmlns:a16="http://schemas.microsoft.com/office/drawing/2014/main" id="{5C63D1E8-4A92-4691-8A24-A2FC7E8008E5}"/>
+                  <a16:creationId xmlns:a16="http://schemas.microsoft.com/office/drawing/2014/main" xmlns="" id="{5C63D1E8-4A92-4691-8A24-A2FC7E8008E5}"/>
                 </a:ext>
               </a:extLst>
             </p:cNvPr>
@@ -4412,7 +4412,7 @@
             <p:cNvPr id="32" name="Straight Connector 5">
               <a:extLst>
                 <a:ext uri="{FF2B5EF4-FFF2-40B4-BE49-F238E27FC236}">
-                  <a16:creationId xmlns:a16="http://schemas.microsoft.com/office/drawing/2014/main" id="{6E91D320-3732-40B8-864D-142D0A277ED1}"/>
+                  <a16:creationId xmlns:a16="http://schemas.microsoft.com/office/drawing/2014/main" xmlns="" id="{6E91D320-3732-40B8-864D-142D0A277ED1}"/>
                 </a:ext>
               </a:extLst>
             </p:cNvPr>
@@ -4451,7 +4451,7 @@
             <p:cNvPr id="31" name="Straight Connector 4">
               <a:extLst>
                 <a:ext uri="{FF2B5EF4-FFF2-40B4-BE49-F238E27FC236}">
-                  <a16:creationId xmlns:a16="http://schemas.microsoft.com/office/drawing/2014/main" id="{299ABE09-E33C-46B7-A80D-7BF4A6956211}"/>
+                  <a16:creationId xmlns:a16="http://schemas.microsoft.com/office/drawing/2014/main" xmlns="" id="{299ABE09-E33C-46B7-A80D-7BF4A6956211}"/>
                 </a:ext>
               </a:extLst>
             </p:cNvPr>
@@ -4488,7 +4488,7 @@
             <p:cNvPr id="30" name="Straight Connector 3">
               <a:extLst>
                 <a:ext uri="{FF2B5EF4-FFF2-40B4-BE49-F238E27FC236}">
-                  <a16:creationId xmlns:a16="http://schemas.microsoft.com/office/drawing/2014/main" id="{93DDBF37-0764-47AA-94E3-9A44F3ED8FB5}"/>
+                  <a16:creationId xmlns:a16="http://schemas.microsoft.com/office/drawing/2014/main" xmlns="" id="{93DDBF37-0764-47AA-94E3-9A44F3ED8FB5}"/>
                 </a:ext>
               </a:extLst>
             </p:cNvPr>
@@ -4525,7 +4525,7 @@
             <p:cNvPr id="29" name="Straight Connector 2">
               <a:extLst>
                 <a:ext uri="{FF2B5EF4-FFF2-40B4-BE49-F238E27FC236}">
-                  <a16:creationId xmlns:a16="http://schemas.microsoft.com/office/drawing/2014/main" id="{72BFE2F3-0845-4E5B-9375-E9D4027DD675}"/>
+                  <a16:creationId xmlns:a16="http://schemas.microsoft.com/office/drawing/2014/main" xmlns="" id="{72BFE2F3-0845-4E5B-9375-E9D4027DD675}"/>
                 </a:ext>
               </a:extLst>
             </p:cNvPr>
@@ -4562,7 +4562,7 @@
             <p:cNvPr id="28" name="Straight Connector 1">
               <a:extLst>
                 <a:ext uri="{FF2B5EF4-FFF2-40B4-BE49-F238E27FC236}">
-                  <a16:creationId xmlns:a16="http://schemas.microsoft.com/office/drawing/2014/main" id="{D4E5982E-3110-47E1-A5BB-91B7BECC3093}"/>
+                  <a16:creationId xmlns:a16="http://schemas.microsoft.com/office/drawing/2014/main" xmlns="" id="{D4E5982E-3110-47E1-A5BB-91B7BECC3093}"/>
                 </a:ext>
               </a:extLst>
             </p:cNvPr>
@@ -4599,7 +4599,7 @@
             <p:cNvPr id="27" name="Straight Connector Horizontal">
               <a:extLst>
                 <a:ext uri="{FF2B5EF4-FFF2-40B4-BE49-F238E27FC236}">
-                  <a16:creationId xmlns:a16="http://schemas.microsoft.com/office/drawing/2014/main" id="{5F62FB7C-BD6E-4383-98C1-2CF30F34CAFD}"/>
+                  <a16:creationId xmlns:a16="http://schemas.microsoft.com/office/drawing/2014/main" xmlns="" id="{5F62FB7C-BD6E-4383-98C1-2CF30F34CAFD}"/>
                 </a:ext>
               </a:extLst>
             </p:cNvPr>
@@ -4638,7 +4638,7 @@
             <p:cNvPr id="34" name="Straight Connector 0">
               <a:extLst>
                 <a:ext uri="{FF2B5EF4-FFF2-40B4-BE49-F238E27FC236}">
-                  <a16:creationId xmlns:a16="http://schemas.microsoft.com/office/drawing/2014/main" id="{C84A0FE1-723D-4682-8682-77BAD950EE15}"/>
+                  <a16:creationId xmlns:a16="http://schemas.microsoft.com/office/drawing/2014/main" xmlns="" id="{C84A0FE1-723D-4682-8682-77BAD950EE15}"/>
                 </a:ext>
               </a:extLst>
             </p:cNvPr>
@@ -4675,7 +4675,7 @@
             <p:cNvPr id="18" name="Picture SoftUni Logo" descr="SoftUni logo">
               <a:extLst>
                 <a:ext uri="{FF2B5EF4-FFF2-40B4-BE49-F238E27FC236}">
-                  <a16:creationId xmlns:a16="http://schemas.microsoft.com/office/drawing/2014/main" id="{A0675455-B7FA-4569-A5FD-A3B0F20B2A26}"/>
+                  <a16:creationId xmlns:a16="http://schemas.microsoft.com/office/drawing/2014/main" xmlns="" id="{A0675455-B7FA-4569-A5FD-A3B0F20B2A26}"/>
                 </a:ext>
               </a:extLst>
             </p:cNvPr>
@@ -4688,7 +4688,7 @@
             <a:blip r:embed="rId10" cstate="print">
               <a:extLst>
                 <a:ext uri="{28A0092B-C50C-407E-A947-70E740481C1C}">
-                  <a14:useLocalDpi xmlns:a14="http://schemas.microsoft.com/office/drawing/2010/main" val="0"/>
+                  <a14:useLocalDpi xmlns:a14="http://schemas.microsoft.com/office/drawing/2010/main" xmlns="" val="0"/>
                 </a:ext>
               </a:extLst>
             </a:blip>
@@ -4712,7 +4712,7 @@
           <p:cNvPr id="19" name="Slide Title">
             <a:extLst>
               <a:ext uri="{FF2B5EF4-FFF2-40B4-BE49-F238E27FC236}">
-                <a16:creationId xmlns:a16="http://schemas.microsoft.com/office/drawing/2014/main" id="{7CFDBB16-985C-4CC7-B6DB-B81B36037922}"/>
+                <a16:creationId xmlns:a16="http://schemas.microsoft.com/office/drawing/2014/main" xmlns="" id="{7CFDBB16-985C-4CC7-B6DB-B81B36037922}"/>
               </a:ext>
             </a:extLst>
           </p:cNvPr>
@@ -4815,7 +4815,7 @@
           <p:cNvPr id="36" name="Logo Software University" descr="Software University logo">
             <a:extLst>
               <a:ext uri="{FF2B5EF4-FFF2-40B4-BE49-F238E27FC236}">
-                <a16:creationId xmlns:a16="http://schemas.microsoft.com/office/drawing/2014/main" id="{67FC4D2E-913D-432A-B658-F0D82839FA5E}"/>
+                <a16:creationId xmlns:a16="http://schemas.microsoft.com/office/drawing/2014/main" xmlns="" id="{67FC4D2E-913D-432A-B658-F0D82839FA5E}"/>
               </a:ext>
             </a:extLst>
           </p:cNvPr>
@@ -4838,7 +4838,7 @@
             </a:clrChange>
             <a:extLst>
               <a:ext uri="{28A0092B-C50C-407E-A947-70E740481C1C}">
-                <a14:useLocalDpi xmlns:a14="http://schemas.microsoft.com/office/drawing/2010/main" val="0"/>
+                <a14:useLocalDpi xmlns:a14="http://schemas.microsoft.com/office/drawing/2010/main" xmlns="" val="0"/>
               </a:ext>
             </a:extLst>
           </a:blip>
@@ -4859,24 +4859,24 @@
     </p:spTree>
     <p:extLst>
       <p:ext uri="{BB962C8B-B14F-4D97-AF65-F5344CB8AC3E}">
-        <p14:creationId xmlns:p14="http://schemas.microsoft.com/office/powerpoint/2010/main" val="4192061223"/>
+        <p14:creationId xmlns:p14="http://schemas.microsoft.com/office/powerpoint/2010/main" xmlns="" val="4192061223"/>
       </p:ext>
     </p:extLst>
   </p:cSld>
   <p:clrMapOvr>
     <a:masterClrMapping/>
   </p:clrMapOvr>
-  <mc:AlternateContent xmlns:mc="http://schemas.openxmlformats.org/markup-compatibility/2006" xmlns:p14="http://schemas.microsoft.com/office/powerpoint/2010/main">
-    <mc:Choice Requires="p14">
+  <mc:AlternateContent xmlns:mc="http://schemas.openxmlformats.org/markup-compatibility/2006">
+    <mc:Choice xmlns:p14="http://schemas.microsoft.com/office/powerpoint/2010/main" xmlns="" Requires="p14">
       <p:transition spd="slow" p14:dur="2000" advClick="0" advTm="5000"/>
     </mc:Choice>
-    <mc:Fallback xmlns="">
+    <mc:Fallback>
       <p:transition spd="slow" advClick="0" advTm="5000"/>
     </mc:Fallback>
   </mc:AlternateContent>
   <p:extLst>
     <p:ext uri="{DCECCB84-F9BA-43D5-87BE-67443E8EF086}">
-      <p15:sldGuideLst xmlns:p15="http://schemas.microsoft.com/office/powerpoint/2012/main">
+      <p15:sldGuideLst xmlns:p15="http://schemas.microsoft.com/office/powerpoint/2012/main" xmlns="">
         <p15:guide id="1" orient="horz" pos="2160">
           <p15:clr>
             <a:srgbClr val="FBAE40"/>
@@ -4915,7 +4915,7 @@
           <p:cNvPr id="13" name="Slide Number">
             <a:extLst>
               <a:ext uri="{FF2B5EF4-FFF2-40B4-BE49-F238E27FC236}">
-                <a16:creationId xmlns:a16="http://schemas.microsoft.com/office/drawing/2014/main" id="{5B8761D8-B42F-4A70-A0CE-682CEB2AE31B}"/>
+                <a16:creationId xmlns:a16="http://schemas.microsoft.com/office/drawing/2014/main" xmlns="" id="{5B8761D8-B42F-4A70-A0CE-682CEB2AE31B}"/>
               </a:ext>
             </a:extLst>
           </p:cNvPr>
@@ -4958,7 +4958,7 @@
             <a:hlinkClick r:id="rId2" tooltip="Software University Discussion Forum"/>
             <a:extLst>
               <a:ext uri="{FF2B5EF4-FFF2-40B4-BE49-F238E27FC236}">
-                <a16:creationId xmlns:a16="http://schemas.microsoft.com/office/drawing/2014/main" id="{98C579AD-FAF5-4B28-9B52-5457F1E90061}"/>
+                <a16:creationId xmlns:a16="http://schemas.microsoft.com/office/drawing/2014/main" xmlns="" id="{98C579AD-FAF5-4B28-9B52-5457F1E90061}"/>
               </a:ext>
             </a:extLst>
           </p:cNvPr>
@@ -4971,7 +4971,7 @@
           <a:blip r:embed="rId3" cstate="print">
             <a:extLst>
               <a:ext uri="{28A0092B-C50C-407E-A947-70E740481C1C}">
-                <a14:useLocalDpi xmlns:a14="http://schemas.microsoft.com/office/drawing/2010/main"/>
+                <a14:useLocalDpi xmlns:a14="http://schemas.microsoft.com/office/drawing/2010/main" xmlns=""/>
               </a:ext>
             </a:extLst>
           </a:blip>
@@ -4995,7 +4995,7 @@
             <a:hlinkClick r:id="rId4" tooltip="Software University @ Facebook"/>
             <a:extLst>
               <a:ext uri="{FF2B5EF4-FFF2-40B4-BE49-F238E27FC236}">
-                <a16:creationId xmlns:a16="http://schemas.microsoft.com/office/drawing/2014/main" id="{6B2C510E-5EF2-49F6-B926-2BD74CD3C7F8}"/>
+                <a16:creationId xmlns:a16="http://schemas.microsoft.com/office/drawing/2014/main" xmlns="" id="{6B2C510E-5EF2-49F6-B926-2BD74CD3C7F8}"/>
               </a:ext>
             </a:extLst>
           </p:cNvPr>
@@ -5008,7 +5008,7 @@
           <a:blip r:embed="rId5" cstate="print">
             <a:extLst>
               <a:ext uri="{28A0092B-C50C-407E-A947-70E740481C1C}">
-                <a14:useLocalDpi xmlns:a14="http://schemas.microsoft.com/office/drawing/2010/main"/>
+                <a14:useLocalDpi xmlns:a14="http://schemas.microsoft.com/office/drawing/2010/main" xmlns=""/>
               </a:ext>
             </a:extLst>
           </a:blip>
@@ -5026,7 +5026,7 @@
           <a:noFill/>
           <a:extLst>
             <a:ext uri="{909E8E84-426E-40DD-AFC4-6F175D3DCCD1}">
-              <a14:hiddenFill xmlns:a14="http://schemas.microsoft.com/office/drawing/2010/main">
+              <a14:hiddenFill xmlns:a14="http://schemas.microsoft.com/office/drawing/2010/main" xmlns="">
                 <a:solidFill>
                   <a:srgbClr val="FFFFFF"/>
                 </a:solidFill>
@@ -5041,7 +5041,7 @@
             <a:hlinkClick r:id="rId6"/>
             <a:extLst>
               <a:ext uri="{FF2B5EF4-FFF2-40B4-BE49-F238E27FC236}">
-                <a16:creationId xmlns:a16="http://schemas.microsoft.com/office/drawing/2014/main" id="{F4604840-E810-44B7-9FF1-3B28CD68B758}"/>
+                <a16:creationId xmlns:a16="http://schemas.microsoft.com/office/drawing/2014/main" xmlns="" id="{F4604840-E810-44B7-9FF1-3B28CD68B758}"/>
               </a:ext>
             </a:extLst>
           </p:cNvPr>
@@ -5054,7 +5054,7 @@
           <a:blip r:embed="rId7" cstate="print">
             <a:extLst>
               <a:ext uri="{28A0092B-C50C-407E-A947-70E740481C1C}">
-                <a14:useLocalDpi xmlns:a14="http://schemas.microsoft.com/office/drawing/2010/main" val="0"/>
+                <a14:useLocalDpi xmlns:a14="http://schemas.microsoft.com/office/drawing/2010/main" xmlns="" val="0"/>
               </a:ext>
             </a:extLst>
           </a:blip>
@@ -5078,7 +5078,7 @@
             <a:hlinkClick r:id="rId8"/>
             <a:extLst>
               <a:ext uri="{FF2B5EF4-FFF2-40B4-BE49-F238E27FC236}">
-                <a16:creationId xmlns:a16="http://schemas.microsoft.com/office/drawing/2014/main" id="{07C965FA-A87E-4824-AFA8-C67AF548A76A}"/>
+                <a16:creationId xmlns:a16="http://schemas.microsoft.com/office/drawing/2014/main" xmlns="" id="{07C965FA-A87E-4824-AFA8-C67AF548A76A}"/>
               </a:ext>
             </a:extLst>
           </p:cNvPr>
@@ -5091,7 +5091,7 @@
           <a:blip r:embed="rId9" cstate="print">
             <a:extLst>
               <a:ext uri="{28A0092B-C50C-407E-A947-70E740481C1C}">
-                <a14:useLocalDpi xmlns:a14="http://schemas.microsoft.com/office/drawing/2010/main" val="0"/>
+                <a14:useLocalDpi xmlns:a14="http://schemas.microsoft.com/office/drawing/2010/main" xmlns="" val="0"/>
               </a:ext>
             </a:extLst>
           </a:blip>
@@ -5113,7 +5113,7 @@
           <p:cNvPr id="12" name="Slide Body Text">
             <a:extLst>
               <a:ext uri="{FF2B5EF4-FFF2-40B4-BE49-F238E27FC236}">
-                <a16:creationId xmlns:a16="http://schemas.microsoft.com/office/drawing/2014/main" id="{0C1F9416-8B6E-46DE-973C-777785E27A26}"/>
+                <a16:creationId xmlns:a16="http://schemas.microsoft.com/office/drawing/2014/main" xmlns="" id="{0C1F9416-8B6E-46DE-973C-777785E27A26}"/>
               </a:ext>
             </a:extLst>
           </p:cNvPr>
@@ -5238,7 +5238,7 @@
           <p:cNvPr id="10" name="Rectangle Top">
             <a:extLst>
               <a:ext uri="{FF2B5EF4-FFF2-40B4-BE49-F238E27FC236}">
-                <a16:creationId xmlns:a16="http://schemas.microsoft.com/office/drawing/2014/main" id="{86646B95-5E3B-4DE8-9118-031C2C296D8C}"/>
+                <a16:creationId xmlns:a16="http://schemas.microsoft.com/office/drawing/2014/main" xmlns="" id="{86646B95-5E3B-4DE8-9118-031C2C296D8C}"/>
               </a:ext>
             </a:extLst>
           </p:cNvPr>
@@ -5319,7 +5319,7 @@
           <p:cNvPr id="11" name="Logo Software University" descr="Software University logo">
             <a:extLst>
               <a:ext uri="{FF2B5EF4-FFF2-40B4-BE49-F238E27FC236}">
-                <a16:creationId xmlns:a16="http://schemas.microsoft.com/office/drawing/2014/main" id="{58AB1944-B146-4E89-B2D9-426EB610F319}"/>
+                <a16:creationId xmlns:a16="http://schemas.microsoft.com/office/drawing/2014/main" xmlns="" id="{58AB1944-B146-4E89-B2D9-426EB610F319}"/>
               </a:ext>
             </a:extLst>
           </p:cNvPr>
@@ -5332,7 +5332,7 @@
           <a:blip r:embed="rId11" cstate="print">
             <a:extLst>
               <a:ext uri="{28A0092B-C50C-407E-A947-70E740481C1C}">
-                <a14:useLocalDpi xmlns:a14="http://schemas.microsoft.com/office/drawing/2010/main" val="0"/>
+                <a14:useLocalDpi xmlns:a14="http://schemas.microsoft.com/office/drawing/2010/main" xmlns="" val="0"/>
               </a:ext>
             </a:extLst>
           </a:blip>
@@ -5355,7 +5355,7 @@
           <p:cNvPr id="18" name="Slide Title">
             <a:extLst>
               <a:ext uri="{FF2B5EF4-FFF2-40B4-BE49-F238E27FC236}">
-                <a16:creationId xmlns:a16="http://schemas.microsoft.com/office/drawing/2014/main" id="{AE87ED9C-76E1-4D85-9B06-3AF44AABB668}"/>
+                <a16:creationId xmlns:a16="http://schemas.microsoft.com/office/drawing/2014/main" xmlns="" id="{AE87ED9C-76E1-4D85-9B06-3AF44AABB668}"/>
               </a:ext>
             </a:extLst>
           </p:cNvPr>
@@ -5394,18 +5394,18 @@
     </p:spTree>
     <p:extLst>
       <p:ext uri="{BB962C8B-B14F-4D97-AF65-F5344CB8AC3E}">
-        <p14:creationId xmlns:p14="http://schemas.microsoft.com/office/powerpoint/2010/main" val="2196466322"/>
+        <p14:creationId xmlns:p14="http://schemas.microsoft.com/office/powerpoint/2010/main" xmlns="" val="2196466322"/>
       </p:ext>
     </p:extLst>
   </p:cSld>
   <p:clrMapOvr>
     <a:masterClrMapping/>
   </p:clrMapOvr>
-  <mc:AlternateContent xmlns:mc="http://schemas.openxmlformats.org/markup-compatibility/2006" xmlns:p14="http://schemas.microsoft.com/office/powerpoint/2010/main">
-    <mc:Choice Requires="p14">
+  <mc:AlternateContent xmlns:mc="http://schemas.openxmlformats.org/markup-compatibility/2006">
+    <mc:Choice xmlns:p14="http://schemas.microsoft.com/office/powerpoint/2010/main" xmlns="" Requires="p14">
       <p:transition spd="slow" p14:dur="2000" advClick="0" advTm="5000"/>
     </mc:Choice>
-    <mc:Fallback xmlns="">
+    <mc:Fallback>
       <p:transition spd="slow" advClick="0" advTm="5000"/>
     </mc:Fallback>
   </mc:AlternateContent>
@@ -5434,7 +5434,7 @@
           <p:cNvPr id="9" name="Oval Center Icon">
             <a:extLst>
               <a:ext uri="{FF2B5EF4-FFF2-40B4-BE49-F238E27FC236}">
-                <a16:creationId xmlns:a16="http://schemas.microsoft.com/office/drawing/2014/main" id="{13B9A8FE-2718-4F2C-98D4-CBF86AD69D58}"/>
+                <a16:creationId xmlns:a16="http://schemas.microsoft.com/office/drawing/2014/main" xmlns="" id="{13B9A8FE-2718-4F2C-98D4-CBF86AD69D58}"/>
               </a:ext>
             </a:extLst>
           </p:cNvPr>
@@ -5515,7 +5515,7 @@
           <p:cNvPr id="8" name="Slide Subtitle">
             <a:extLst>
               <a:ext uri="{FF2B5EF4-FFF2-40B4-BE49-F238E27FC236}">
-                <a16:creationId xmlns:a16="http://schemas.microsoft.com/office/drawing/2014/main" id="{588387B4-E99E-4145-9D1D-F17CA5190DFD}"/>
+                <a16:creationId xmlns:a16="http://schemas.microsoft.com/office/drawing/2014/main" xmlns="" id="{588387B4-E99E-4145-9D1D-F17CA5190DFD}"/>
               </a:ext>
             </a:extLst>
           </p:cNvPr>
@@ -5565,7 +5565,7 @@
           <p:cNvPr id="13" name="Slide Title">
             <a:extLst>
               <a:ext uri="{FF2B5EF4-FFF2-40B4-BE49-F238E27FC236}">
-                <a16:creationId xmlns:a16="http://schemas.microsoft.com/office/drawing/2014/main" id="{8A28C56F-AE84-49D0-9AD1-1F0CEEABF710}"/>
+                <a16:creationId xmlns:a16="http://schemas.microsoft.com/office/drawing/2014/main" xmlns="" id="{8A28C56F-AE84-49D0-9AD1-1F0CEEABF710}"/>
               </a:ext>
             </a:extLst>
           </p:cNvPr>
@@ -5610,18 +5610,18 @@
     </p:spTree>
     <p:extLst>
       <p:ext uri="{BB962C8B-B14F-4D97-AF65-F5344CB8AC3E}">
-        <p14:creationId xmlns:p14="http://schemas.microsoft.com/office/powerpoint/2010/main" val="475389923"/>
+        <p14:creationId xmlns:p14="http://schemas.microsoft.com/office/powerpoint/2010/main" xmlns="" val="475389923"/>
       </p:ext>
     </p:extLst>
   </p:cSld>
   <p:clrMapOvr>
     <a:masterClrMapping/>
   </p:clrMapOvr>
-  <mc:AlternateContent xmlns:mc="http://schemas.openxmlformats.org/markup-compatibility/2006" xmlns:p14="http://schemas.microsoft.com/office/powerpoint/2010/main">
-    <mc:Choice Requires="p14">
+  <mc:AlternateContent xmlns:mc="http://schemas.openxmlformats.org/markup-compatibility/2006">
+    <mc:Choice xmlns:p14="http://schemas.microsoft.com/office/powerpoint/2010/main" xmlns="" Requires="p14">
       <p:transition spd="slow" p14:dur="2000" advClick="0" advTm="5000"/>
     </mc:Choice>
-    <mc:Fallback xmlns="">
+    <mc:Fallback>
       <p:transition spd="slow" advClick="0" advTm="5000"/>
     </mc:Fallback>
   </mc:AlternateContent>
@@ -5651,7 +5651,7 @@
           <p:cNvPr id="2" name="Title 1">
             <a:extLst>
               <a:ext uri="{FF2B5EF4-FFF2-40B4-BE49-F238E27FC236}">
-                <a16:creationId xmlns:a16="http://schemas.microsoft.com/office/drawing/2014/main" id="{5213C145-EA12-94EF-AA17-5F628EA0AD2D}"/>
+                <a16:creationId xmlns:a16="http://schemas.microsoft.com/office/drawing/2014/main" xmlns="" id="{5213C145-EA12-94EF-AA17-5F628EA0AD2D}"/>
               </a:ext>
             </a:extLst>
           </p:cNvPr>
@@ -5689,7 +5689,7 @@
           <p:cNvPr id="3" name="Subtitle 2">
             <a:extLst>
               <a:ext uri="{FF2B5EF4-FFF2-40B4-BE49-F238E27FC236}">
-                <a16:creationId xmlns:a16="http://schemas.microsoft.com/office/drawing/2014/main" id="{5F55E72E-5B45-B6EE-75AE-03B188AD9A08}"/>
+                <a16:creationId xmlns:a16="http://schemas.microsoft.com/office/drawing/2014/main" xmlns="" id="{5F55E72E-5B45-B6EE-75AE-03B188AD9A08}"/>
               </a:ext>
             </a:extLst>
           </p:cNvPr>
@@ -5760,7 +5760,7 @@
           <p:cNvPr id="4" name="Date Placeholder 3">
             <a:extLst>
               <a:ext uri="{FF2B5EF4-FFF2-40B4-BE49-F238E27FC236}">
-                <a16:creationId xmlns:a16="http://schemas.microsoft.com/office/drawing/2014/main" id="{30C6A8EA-0240-01AB-A7C2-BD1CD885E1C1}"/>
+                <a16:creationId xmlns:a16="http://schemas.microsoft.com/office/drawing/2014/main" xmlns="" id="{30C6A8EA-0240-01AB-A7C2-BD1CD885E1C1}"/>
               </a:ext>
             </a:extLst>
           </p:cNvPr>
@@ -5779,7 +5779,7 @@
             <a:fld id="{1CF2F75B-1C4E-1E47-AE31-5B79E79ADF4F}" type="datetimeFigureOut">
               <a:rPr lang="x-none" smtClean="0"/>
               <a:pPr/>
-              <a:t>7.09.23</a:t>
+              <a:t>7.9.2023 г.</a:t>
             </a:fld>
             <a:endParaRPr lang="x-none"/>
           </a:p>
@@ -5790,7 +5790,7 @@
           <p:cNvPr id="5" name="Footer Placeholder 4">
             <a:extLst>
               <a:ext uri="{FF2B5EF4-FFF2-40B4-BE49-F238E27FC236}">
-                <a16:creationId xmlns:a16="http://schemas.microsoft.com/office/drawing/2014/main" id="{F95CBF96-4249-1541-E44E-FBCECA233B3C}"/>
+                <a16:creationId xmlns:a16="http://schemas.microsoft.com/office/drawing/2014/main" xmlns="" id="{F95CBF96-4249-1541-E44E-FBCECA233B3C}"/>
               </a:ext>
             </a:extLst>
           </p:cNvPr>
@@ -5815,7 +5815,7 @@
           <p:cNvPr id="6" name="Slide Number Placeholder 5">
             <a:extLst>
               <a:ext uri="{FF2B5EF4-FFF2-40B4-BE49-F238E27FC236}">
-                <a16:creationId xmlns:a16="http://schemas.microsoft.com/office/drawing/2014/main" id="{7ACB54F2-814F-F79B-8CD7-FA3133365CBC}"/>
+                <a16:creationId xmlns:a16="http://schemas.microsoft.com/office/drawing/2014/main" xmlns="" id="{7ACB54F2-814F-F79B-8CD7-FA3133365CBC}"/>
               </a:ext>
             </a:extLst>
           </p:cNvPr>
@@ -5843,7 +5843,7 @@
     </p:spTree>
     <p:extLst>
       <p:ext uri="{BB962C8B-B14F-4D97-AF65-F5344CB8AC3E}">
-        <p14:creationId xmlns:p14="http://schemas.microsoft.com/office/powerpoint/2010/main" val="2773863354"/>
+        <p14:creationId xmlns:p14="http://schemas.microsoft.com/office/powerpoint/2010/main" xmlns="" val="2773863354"/>
       </p:ext>
     </p:extLst>
   </p:cSld>
@@ -5875,7 +5875,7 @@
           <p:cNvPr id="8" name="Rectangle Top">
             <a:extLst>
               <a:ext uri="{FF2B5EF4-FFF2-40B4-BE49-F238E27FC236}">
-                <a16:creationId xmlns:a16="http://schemas.microsoft.com/office/drawing/2014/main" id="{454BD9C2-93A6-4860-A758-846ED0E1C8FA}"/>
+                <a16:creationId xmlns:a16="http://schemas.microsoft.com/office/drawing/2014/main" xmlns="" id="{454BD9C2-93A6-4860-A758-846ED0E1C8FA}"/>
               </a:ext>
             </a:extLst>
           </p:cNvPr>
@@ -5956,7 +5956,7 @@
           <p:cNvPr id="7" name="Slide Number">
             <a:extLst>
               <a:ext uri="{FF2B5EF4-FFF2-40B4-BE49-F238E27FC236}">
-                <a16:creationId xmlns:a16="http://schemas.microsoft.com/office/drawing/2014/main" id="{C1780DB1-0AF0-4108-AFE1-9DA99F0DBCB8}"/>
+                <a16:creationId xmlns:a16="http://schemas.microsoft.com/office/drawing/2014/main" xmlns="" id="{C1780DB1-0AF0-4108-AFE1-9DA99F0DBCB8}"/>
               </a:ext>
             </a:extLst>
           </p:cNvPr>
@@ -5998,7 +5998,7 @@
           <p:cNvPr id="3" name="Slide Body Text">
             <a:extLst>
               <a:ext uri="{FF2B5EF4-FFF2-40B4-BE49-F238E27FC236}">
-                <a16:creationId xmlns:a16="http://schemas.microsoft.com/office/drawing/2014/main" id="{5A9D2960-6D42-439F-82E8-812822013A10}"/>
+                <a16:creationId xmlns:a16="http://schemas.microsoft.com/office/drawing/2014/main" xmlns="" id="{5A9D2960-6D42-439F-82E8-812822013A10}"/>
               </a:ext>
             </a:extLst>
           </p:cNvPr>
@@ -6076,7 +6076,7 @@
           <p:cNvPr id="13" name="Rectangle Top">
             <a:extLst>
               <a:ext uri="{FF2B5EF4-FFF2-40B4-BE49-F238E27FC236}">
-                <a16:creationId xmlns:a16="http://schemas.microsoft.com/office/drawing/2014/main" id="{391AFA4E-7870-4561-A1B8-AC956B0C8931}"/>
+                <a16:creationId xmlns:a16="http://schemas.microsoft.com/office/drawing/2014/main" xmlns="" id="{391AFA4E-7870-4561-A1B8-AC956B0C8931}"/>
               </a:ext>
             </a:extLst>
           </p:cNvPr>
@@ -6157,7 +6157,7 @@
           <p:cNvPr id="12" name="Logo Software University" descr="Software University logo">
             <a:extLst>
               <a:ext uri="{FF2B5EF4-FFF2-40B4-BE49-F238E27FC236}">
-                <a16:creationId xmlns:a16="http://schemas.microsoft.com/office/drawing/2014/main" id="{B1D3B425-B9BF-43ED-9DEC-C05002FBA22F}"/>
+                <a16:creationId xmlns:a16="http://schemas.microsoft.com/office/drawing/2014/main" xmlns="" id="{B1D3B425-B9BF-43ED-9DEC-C05002FBA22F}"/>
               </a:ext>
             </a:extLst>
           </p:cNvPr>
@@ -6170,7 +6170,7 @@
           <a:blip r:embed="rId2" cstate="print">
             <a:extLst>
               <a:ext uri="{28A0092B-C50C-407E-A947-70E740481C1C}">
-                <a14:useLocalDpi xmlns:a14="http://schemas.microsoft.com/office/drawing/2010/main" val="0"/>
+                <a14:useLocalDpi xmlns:a14="http://schemas.microsoft.com/office/drawing/2010/main" xmlns="" val="0"/>
               </a:ext>
             </a:extLst>
           </a:blip>
@@ -6193,7 +6193,7 @@
           <p:cNvPr id="6" name="Slide Title">
             <a:extLst>
               <a:ext uri="{FF2B5EF4-FFF2-40B4-BE49-F238E27FC236}">
-                <a16:creationId xmlns:a16="http://schemas.microsoft.com/office/drawing/2014/main" id="{19B5B676-7892-440F-8191-7109B2C59885}"/>
+                <a16:creationId xmlns:a16="http://schemas.microsoft.com/office/drawing/2014/main" xmlns="" id="{19B5B676-7892-440F-8191-7109B2C59885}"/>
               </a:ext>
             </a:extLst>
           </p:cNvPr>
@@ -6232,18 +6232,18 @@
     </p:spTree>
     <p:extLst>
       <p:ext uri="{BB962C8B-B14F-4D97-AF65-F5344CB8AC3E}">
-        <p14:creationId xmlns:p14="http://schemas.microsoft.com/office/powerpoint/2010/main" val="2685365194"/>
+        <p14:creationId xmlns:p14="http://schemas.microsoft.com/office/powerpoint/2010/main" xmlns="" val="2685365194"/>
       </p:ext>
     </p:extLst>
   </p:cSld>
   <p:clrMapOvr>
     <a:masterClrMapping/>
   </p:clrMapOvr>
-  <mc:AlternateContent xmlns:mc="http://schemas.openxmlformats.org/markup-compatibility/2006" xmlns:p14="http://schemas.microsoft.com/office/powerpoint/2010/main">
-    <mc:Choice Requires="p14">
+  <mc:AlternateContent xmlns:mc="http://schemas.openxmlformats.org/markup-compatibility/2006">
+    <mc:Choice xmlns:p14="http://schemas.microsoft.com/office/powerpoint/2010/main" xmlns="" Requires="p14">
       <p:transition spd="slow" p14:dur="2000" advClick="0" advTm="5000"/>
     </mc:Choice>
-    <mc:Fallback xmlns="">
+    <mc:Fallback>
       <p:transition spd="slow" advClick="0" advTm="5000"/>
     </mc:Fallback>
   </mc:AlternateContent>
@@ -7290,7 +7290,7 @@
             <a:fld id="{1D8BD707-D9CF-40AE-B4C6-C98DA3205C09}" type="datetimeFigureOut">
               <a:rPr lang="en-US"/>
               <a:pPr/>
-              <a:t>9/7/23</a:t>
+              <a:t>9/7/2023</a:t>
             </a:fld>
             <a:endParaRPr lang="en-US" dirty="0"/>
           </a:p>
@@ -7350,7 +7350,7 @@
     </p:spTree>
     <p:extLst>
       <p:ext uri="{BB962C8B-B14F-4D97-AF65-F5344CB8AC3E}">
-        <p14:creationId xmlns:p14="http://schemas.microsoft.com/office/powerpoint/2010/main" val="2531485629"/>
+        <p14:creationId xmlns:p14="http://schemas.microsoft.com/office/powerpoint/2010/main" xmlns="" val="2531485629"/>
       </p:ext>
     </p:extLst>
   </p:cSld>
@@ -7546,18 +7546,18 @@
     </p:spTree>
     <p:extLst>
       <p:ext uri="{BB962C8B-B14F-4D97-AF65-F5344CB8AC3E}">
-        <p14:creationId xmlns:p14="http://schemas.microsoft.com/office/powerpoint/2010/main" val="3529216409"/>
+        <p14:creationId xmlns:p14="http://schemas.microsoft.com/office/powerpoint/2010/main" xmlns="" val="3529216409"/>
       </p:ext>
     </p:extLst>
   </p:cSld>
   <p:clrMapOvr>
     <a:masterClrMapping/>
   </p:clrMapOvr>
-  <mc:AlternateContent xmlns:mc="http://schemas.openxmlformats.org/markup-compatibility/2006" xmlns:p14="http://schemas.microsoft.com/office/powerpoint/2010/main">
-    <mc:Choice Requires="p14">
+  <mc:AlternateContent xmlns:mc="http://schemas.openxmlformats.org/markup-compatibility/2006">
+    <mc:Choice xmlns:p14="http://schemas.microsoft.com/office/powerpoint/2010/main" xmlns="" Requires="p14">
       <p:transition spd="slow" p14:dur="2000" advClick="0" advTm="5000"/>
     </mc:Choice>
-    <mc:Fallback xmlns="">
+    <mc:Fallback>
       <p:transition spd="slow" advClick="0" advTm="5000"/>
     </mc:Fallback>
   </mc:AlternateContent>
@@ -7586,7 +7586,7 @@
           <p:cNvPr id="7" name="Slide Number">
             <a:extLst>
               <a:ext uri="{FF2B5EF4-FFF2-40B4-BE49-F238E27FC236}">
-                <a16:creationId xmlns:a16="http://schemas.microsoft.com/office/drawing/2014/main" id="{C1780DB1-0AF0-4108-AFE1-9DA99F0DBCB8}"/>
+                <a16:creationId xmlns:a16="http://schemas.microsoft.com/office/drawing/2014/main" xmlns="" id="{C1780DB1-0AF0-4108-AFE1-9DA99F0DBCB8}"/>
               </a:ext>
             </a:extLst>
           </p:cNvPr>
@@ -7628,7 +7628,7 @@
           <p:cNvPr id="3" name="Slide Body Text">
             <a:extLst>
               <a:ext uri="{FF2B5EF4-FFF2-40B4-BE49-F238E27FC236}">
-                <a16:creationId xmlns:a16="http://schemas.microsoft.com/office/drawing/2014/main" id="{5A9D2960-6D42-439F-82E8-812822013A10}"/>
+                <a16:creationId xmlns:a16="http://schemas.microsoft.com/office/drawing/2014/main" xmlns="" id="{5A9D2960-6D42-439F-82E8-812822013A10}"/>
               </a:ext>
             </a:extLst>
           </p:cNvPr>
@@ -7706,7 +7706,7 @@
           <p:cNvPr id="13" name="Rectangle Top">
             <a:extLst>
               <a:ext uri="{FF2B5EF4-FFF2-40B4-BE49-F238E27FC236}">
-                <a16:creationId xmlns:a16="http://schemas.microsoft.com/office/drawing/2014/main" id="{391AFA4E-7870-4561-A1B8-AC956B0C8931}"/>
+                <a16:creationId xmlns:a16="http://schemas.microsoft.com/office/drawing/2014/main" xmlns="" id="{391AFA4E-7870-4561-A1B8-AC956B0C8931}"/>
               </a:ext>
             </a:extLst>
           </p:cNvPr>
@@ -7787,7 +7787,7 @@
           <p:cNvPr id="12" name="Logo Software University" descr="Software University logo">
             <a:extLst>
               <a:ext uri="{FF2B5EF4-FFF2-40B4-BE49-F238E27FC236}">
-                <a16:creationId xmlns:a16="http://schemas.microsoft.com/office/drawing/2014/main" id="{B1D3B425-B9BF-43ED-9DEC-C05002FBA22F}"/>
+                <a16:creationId xmlns:a16="http://schemas.microsoft.com/office/drawing/2014/main" xmlns="" id="{B1D3B425-B9BF-43ED-9DEC-C05002FBA22F}"/>
               </a:ext>
             </a:extLst>
           </p:cNvPr>
@@ -7800,7 +7800,7 @@
           <a:blip r:embed="rId2" cstate="print">
             <a:extLst>
               <a:ext uri="{28A0092B-C50C-407E-A947-70E740481C1C}">
-                <a14:useLocalDpi xmlns:a14="http://schemas.microsoft.com/office/drawing/2010/main" val="0"/>
+                <a14:useLocalDpi xmlns:a14="http://schemas.microsoft.com/office/drawing/2010/main" xmlns="" val="0"/>
               </a:ext>
             </a:extLst>
           </a:blip>
@@ -7823,7 +7823,7 @@
           <p:cNvPr id="6" name="Slide Title">
             <a:extLst>
               <a:ext uri="{FF2B5EF4-FFF2-40B4-BE49-F238E27FC236}">
-                <a16:creationId xmlns:a16="http://schemas.microsoft.com/office/drawing/2014/main" id="{19B5B676-7892-440F-8191-7109B2C59885}"/>
+                <a16:creationId xmlns:a16="http://schemas.microsoft.com/office/drawing/2014/main" xmlns="" id="{19B5B676-7892-440F-8191-7109B2C59885}"/>
               </a:ext>
             </a:extLst>
           </p:cNvPr>
@@ -7862,18 +7862,18 @@
     </p:spTree>
     <p:extLst>
       <p:ext uri="{BB962C8B-B14F-4D97-AF65-F5344CB8AC3E}">
-        <p14:creationId xmlns:p14="http://schemas.microsoft.com/office/powerpoint/2010/main" val="1102970716"/>
+        <p14:creationId xmlns:p14="http://schemas.microsoft.com/office/powerpoint/2010/main" xmlns="" val="1102970716"/>
       </p:ext>
     </p:extLst>
   </p:cSld>
   <p:clrMapOvr>
     <a:masterClrMapping/>
   </p:clrMapOvr>
-  <mc:AlternateContent xmlns:mc="http://schemas.openxmlformats.org/markup-compatibility/2006" xmlns:p14="http://schemas.microsoft.com/office/powerpoint/2010/main">
-    <mc:Choice Requires="p14">
+  <mc:AlternateContent xmlns:mc="http://schemas.openxmlformats.org/markup-compatibility/2006">
+    <mc:Choice xmlns:p14="http://schemas.microsoft.com/office/powerpoint/2010/main" xmlns="" Requires="p14">
       <p:transition spd="slow" p14:dur="2000" advClick="0" advTm="5000"/>
     </mc:Choice>
-    <mc:Fallback xmlns="">
+    <mc:Fallback>
       <p:transition spd="slow" advClick="0" advTm="5000"/>
     </mc:Fallback>
   </mc:AlternateContent>
@@ -7902,7 +7902,7 @@
           <p:cNvPr id="9" name="Slide Number">
             <a:extLst>
               <a:ext uri="{FF2B5EF4-FFF2-40B4-BE49-F238E27FC236}">
-                <a16:creationId xmlns:a16="http://schemas.microsoft.com/office/drawing/2014/main" id="{0020EB61-2079-41A3-B356-B1D8D48D786E}"/>
+                <a16:creationId xmlns:a16="http://schemas.microsoft.com/office/drawing/2014/main" xmlns="" id="{0020EB61-2079-41A3-B356-B1D8D48D786E}"/>
               </a:ext>
             </a:extLst>
           </p:cNvPr>
@@ -8019,7 +8019,7 @@
           <p:cNvPr id="7" name="Slide Body Text">
             <a:extLst>
               <a:ext uri="{FF2B5EF4-FFF2-40B4-BE49-F238E27FC236}">
-                <a16:creationId xmlns:a16="http://schemas.microsoft.com/office/drawing/2014/main" id="{CB4CB13C-66A1-466B-A6C1-B0BABF5CFEC1}"/>
+                <a16:creationId xmlns:a16="http://schemas.microsoft.com/office/drawing/2014/main" xmlns="" id="{CB4CB13C-66A1-466B-A6C1-B0BABF5CFEC1}"/>
               </a:ext>
             </a:extLst>
           </p:cNvPr>
@@ -8117,7 +8117,7 @@
           <p:cNvPr id="3" name="Logo Software University" descr="Software University logo">
             <a:extLst>
               <a:ext uri="{FF2B5EF4-FFF2-40B4-BE49-F238E27FC236}">
-                <a16:creationId xmlns:a16="http://schemas.microsoft.com/office/drawing/2014/main" id="{5573C101-930B-47AC-967A-A64513DFFDEE}"/>
+                <a16:creationId xmlns:a16="http://schemas.microsoft.com/office/drawing/2014/main" xmlns="" id="{5573C101-930B-47AC-967A-A64513DFFDEE}"/>
               </a:ext>
             </a:extLst>
           </p:cNvPr>
@@ -8140,7 +8140,7 @@
             </a:clrChange>
             <a:extLst>
               <a:ext uri="{28A0092B-C50C-407E-A947-70E740481C1C}">
-                <a14:useLocalDpi xmlns:a14="http://schemas.microsoft.com/office/drawing/2010/main" val="0"/>
+                <a14:useLocalDpi xmlns:a14="http://schemas.microsoft.com/office/drawing/2010/main" xmlns="" val="0"/>
               </a:ext>
             </a:extLst>
           </a:blip>
@@ -8163,7 +8163,7 @@
           <p:cNvPr id="8" name="Slide Title">
             <a:extLst>
               <a:ext uri="{FF2B5EF4-FFF2-40B4-BE49-F238E27FC236}">
-                <a16:creationId xmlns:a16="http://schemas.microsoft.com/office/drawing/2014/main" id="{E2DA9691-CDF5-499C-94BB-AAA61DAC1BFB}"/>
+                <a16:creationId xmlns:a16="http://schemas.microsoft.com/office/drawing/2014/main" xmlns="" id="{E2DA9691-CDF5-499C-94BB-AAA61DAC1BFB}"/>
               </a:ext>
             </a:extLst>
           </p:cNvPr>
@@ -8200,7 +8200,7 @@
           <p:cNvPr id="10" name="Group 9">
             <a:extLst>
               <a:ext uri="{FF2B5EF4-FFF2-40B4-BE49-F238E27FC236}">
-                <a16:creationId xmlns:a16="http://schemas.microsoft.com/office/drawing/2014/main" id="{43CDBCC2-1C96-44BC-B992-7B0C49C34904}"/>
+                <a16:creationId xmlns:a16="http://schemas.microsoft.com/office/drawing/2014/main" xmlns="" id="{43CDBCC2-1C96-44BC-B992-7B0C49C34904}"/>
               </a:ext>
             </a:extLst>
           </p:cNvPr>
@@ -8220,7 +8220,7 @@
             <p:cNvPr id="11" name="Group 10">
               <a:extLst>
                 <a:ext uri="{FF2B5EF4-FFF2-40B4-BE49-F238E27FC236}">
-                  <a16:creationId xmlns:a16="http://schemas.microsoft.com/office/drawing/2014/main" id="{7D71B3A8-4D39-42CF-9255-81EA3A622DD6}"/>
+                  <a16:creationId xmlns:a16="http://schemas.microsoft.com/office/drawing/2014/main" xmlns="" id="{7D71B3A8-4D39-42CF-9255-81EA3A622DD6}"/>
                 </a:ext>
               </a:extLst>
             </p:cNvPr>
@@ -8240,7 +8240,7 @@
               <p:cNvPr id="25" name="Oval 24">
                 <a:extLst>
                   <a:ext uri="{FF2B5EF4-FFF2-40B4-BE49-F238E27FC236}">
-                    <a16:creationId xmlns:a16="http://schemas.microsoft.com/office/drawing/2014/main" id="{B98059F9-1874-426D-8AF7-A12C21F37DD9}"/>
+                    <a16:creationId xmlns:a16="http://schemas.microsoft.com/office/drawing/2014/main" xmlns="" id="{B98059F9-1874-426D-8AF7-A12C21F37DD9}"/>
                   </a:ext>
                 </a:extLst>
               </p:cNvPr>
@@ -8292,7 +8292,7 @@
               <p:cNvPr id="26" name="Rectangle 5">
                 <a:extLst>
                   <a:ext uri="{FF2B5EF4-FFF2-40B4-BE49-F238E27FC236}">
-                    <a16:creationId xmlns:a16="http://schemas.microsoft.com/office/drawing/2014/main" id="{A3A1E077-DBDF-48F0-A924-604984B940A2}"/>
+                    <a16:creationId xmlns:a16="http://schemas.microsoft.com/office/drawing/2014/main" xmlns="" id="{A3A1E077-DBDF-48F0-A924-604984B940A2}"/>
                   </a:ext>
                 </a:extLst>
               </p:cNvPr>
@@ -8437,7 +8437,7 @@
               <p:cNvPr id="27" name="Rectangle 5">
                 <a:extLst>
                   <a:ext uri="{FF2B5EF4-FFF2-40B4-BE49-F238E27FC236}">
-                    <a16:creationId xmlns:a16="http://schemas.microsoft.com/office/drawing/2014/main" id="{798B1F51-1FA4-4199-81C7-62356C936CC9}"/>
+                    <a16:creationId xmlns:a16="http://schemas.microsoft.com/office/drawing/2014/main" xmlns="" id="{798B1F51-1FA4-4199-81C7-62356C936CC9}"/>
                   </a:ext>
                 </a:extLst>
               </p:cNvPr>
@@ -8582,7 +8582,7 @@
               <p:cNvPr id="28" name="Arc 27">
                 <a:extLst>
                   <a:ext uri="{FF2B5EF4-FFF2-40B4-BE49-F238E27FC236}">
-                    <a16:creationId xmlns:a16="http://schemas.microsoft.com/office/drawing/2014/main" id="{40A224C8-1233-40F7-96AB-BFF79AF6CDCB}"/>
+                    <a16:creationId xmlns:a16="http://schemas.microsoft.com/office/drawing/2014/main" xmlns="" id="{40A224C8-1233-40F7-96AB-BFF79AF6CDCB}"/>
                   </a:ext>
                 </a:extLst>
               </p:cNvPr>
@@ -8641,7 +8641,7 @@
               <p:cNvPr id="29" name="Arc 28">
                 <a:extLst>
                   <a:ext uri="{FF2B5EF4-FFF2-40B4-BE49-F238E27FC236}">
-                    <a16:creationId xmlns:a16="http://schemas.microsoft.com/office/drawing/2014/main" id="{B57C7CCC-E218-4321-8C7B-3F0C5753C7A1}"/>
+                    <a16:creationId xmlns:a16="http://schemas.microsoft.com/office/drawing/2014/main" xmlns="" id="{B57C7CCC-E218-4321-8C7B-3F0C5753C7A1}"/>
                   </a:ext>
                 </a:extLst>
               </p:cNvPr>
@@ -8701,7 +8701,7 @@
             <p:cNvPr id="13" name="Rectangle: Rounded Corners 12">
               <a:extLst>
                 <a:ext uri="{FF2B5EF4-FFF2-40B4-BE49-F238E27FC236}">
-                  <a16:creationId xmlns:a16="http://schemas.microsoft.com/office/drawing/2014/main" id="{6AF309CA-A56C-4ABC-B293-420F4EB1A9B4}"/>
+                  <a16:creationId xmlns:a16="http://schemas.microsoft.com/office/drawing/2014/main" xmlns="" id="{6AF309CA-A56C-4ABC-B293-420F4EB1A9B4}"/>
                 </a:ext>
               </a:extLst>
             </p:cNvPr>
@@ -8755,7 +8755,7 @@
             <p:cNvPr id="14" name="Rectangle: Rounded Corners 13">
               <a:extLst>
                 <a:ext uri="{FF2B5EF4-FFF2-40B4-BE49-F238E27FC236}">
-                  <a16:creationId xmlns:a16="http://schemas.microsoft.com/office/drawing/2014/main" id="{07955808-2AC7-44EB-8B6D-82B974E53A3C}"/>
+                  <a16:creationId xmlns:a16="http://schemas.microsoft.com/office/drawing/2014/main" xmlns="" id="{07955808-2AC7-44EB-8B6D-82B974E53A3C}"/>
                 </a:ext>
               </a:extLst>
             </p:cNvPr>
@@ -8816,7 +8816,7 @@
             <p:cNvPr id="15" name="Straight Connector 14">
               <a:extLst>
                 <a:ext uri="{FF2B5EF4-FFF2-40B4-BE49-F238E27FC236}">
-                  <a16:creationId xmlns:a16="http://schemas.microsoft.com/office/drawing/2014/main" id="{AC6420D7-AEAB-45EF-8D46-11EB06E4AFEA}"/>
+                  <a16:creationId xmlns:a16="http://schemas.microsoft.com/office/drawing/2014/main" xmlns="" id="{AC6420D7-AEAB-45EF-8D46-11EB06E4AFEA}"/>
                 </a:ext>
               </a:extLst>
             </p:cNvPr>
@@ -8862,7 +8862,7 @@
             <p:cNvPr id="16" name="Straight Connector 15">
               <a:extLst>
                 <a:ext uri="{FF2B5EF4-FFF2-40B4-BE49-F238E27FC236}">
-                  <a16:creationId xmlns:a16="http://schemas.microsoft.com/office/drawing/2014/main" id="{76C7FABC-6773-44F6-990B-3EB082BE9B35}"/>
+                  <a16:creationId xmlns:a16="http://schemas.microsoft.com/office/drawing/2014/main" xmlns="" id="{76C7FABC-6773-44F6-990B-3EB082BE9B35}"/>
                 </a:ext>
               </a:extLst>
             </p:cNvPr>
@@ -8908,7 +8908,7 @@
             <p:cNvPr id="17" name="Group 16">
               <a:extLst>
                 <a:ext uri="{FF2B5EF4-FFF2-40B4-BE49-F238E27FC236}">
-                  <a16:creationId xmlns:a16="http://schemas.microsoft.com/office/drawing/2014/main" id="{1FAD48E1-DC45-4B3D-9CE5-613250708496}"/>
+                  <a16:creationId xmlns:a16="http://schemas.microsoft.com/office/drawing/2014/main" xmlns="" id="{1FAD48E1-DC45-4B3D-9CE5-613250708496}"/>
                 </a:ext>
               </a:extLst>
             </p:cNvPr>
@@ -8931,7 +8931,7 @@
               <p:cNvPr id="23" name="Straight Connector 22">
                 <a:extLst>
                   <a:ext uri="{FF2B5EF4-FFF2-40B4-BE49-F238E27FC236}">
-                    <a16:creationId xmlns:a16="http://schemas.microsoft.com/office/drawing/2014/main" id="{B01FD1D1-046F-457B-AB63-2702CE3E906E}"/>
+                    <a16:creationId xmlns:a16="http://schemas.microsoft.com/office/drawing/2014/main" xmlns="" id="{B01FD1D1-046F-457B-AB63-2702CE3E906E}"/>
                   </a:ext>
                 </a:extLst>
               </p:cNvPr>
@@ -8975,7 +8975,7 @@
               <p:cNvPr id="24" name="Straight Connector 23">
                 <a:extLst>
                   <a:ext uri="{FF2B5EF4-FFF2-40B4-BE49-F238E27FC236}">
-                    <a16:creationId xmlns:a16="http://schemas.microsoft.com/office/drawing/2014/main" id="{895660C3-C72C-43EE-9C4A-170F85E5BE08}"/>
+                    <a16:creationId xmlns:a16="http://schemas.microsoft.com/office/drawing/2014/main" xmlns="" id="{895660C3-C72C-43EE-9C4A-170F85E5BE08}"/>
                   </a:ext>
                 </a:extLst>
               </p:cNvPr>
@@ -9020,7 +9020,7 @@
             <p:cNvPr id="19" name="Straight Connector 18">
               <a:extLst>
                 <a:ext uri="{FF2B5EF4-FFF2-40B4-BE49-F238E27FC236}">
-                  <a16:creationId xmlns:a16="http://schemas.microsoft.com/office/drawing/2014/main" id="{A74EE503-8FC0-42A6-8860-CA4EE42272E4}"/>
+                  <a16:creationId xmlns:a16="http://schemas.microsoft.com/office/drawing/2014/main" xmlns="" id="{A74EE503-8FC0-42A6-8860-CA4EE42272E4}"/>
                 </a:ext>
               </a:extLst>
             </p:cNvPr>
@@ -9066,7 +9066,7 @@
             <p:cNvPr id="12" name="Rectangle: Rounded Corners 11">
               <a:extLst>
                 <a:ext uri="{FF2B5EF4-FFF2-40B4-BE49-F238E27FC236}">
-                  <a16:creationId xmlns:a16="http://schemas.microsoft.com/office/drawing/2014/main" id="{F4189FDA-9FE8-490B-8A70-2E941811021F}"/>
+                  <a16:creationId xmlns:a16="http://schemas.microsoft.com/office/drawing/2014/main" xmlns="" id="{F4189FDA-9FE8-490B-8A70-2E941811021F}"/>
                 </a:ext>
               </a:extLst>
             </p:cNvPr>
@@ -9120,7 +9120,7 @@
             <p:cNvPr id="18" name="Group 17">
               <a:extLst>
                 <a:ext uri="{FF2B5EF4-FFF2-40B4-BE49-F238E27FC236}">
-                  <a16:creationId xmlns:a16="http://schemas.microsoft.com/office/drawing/2014/main" id="{FDA3EFCD-0DF8-419D-8533-D781521E597E}"/>
+                  <a16:creationId xmlns:a16="http://schemas.microsoft.com/office/drawing/2014/main" xmlns="" id="{FDA3EFCD-0DF8-419D-8533-D781521E597E}"/>
                 </a:ext>
               </a:extLst>
             </p:cNvPr>
@@ -9143,7 +9143,7 @@
               <p:cNvPr id="21" name="Straight Connector 20">
                 <a:extLst>
                   <a:ext uri="{FF2B5EF4-FFF2-40B4-BE49-F238E27FC236}">
-                    <a16:creationId xmlns:a16="http://schemas.microsoft.com/office/drawing/2014/main" id="{C3CC6A5A-182E-4A09-9C04-EB191881D789}"/>
+                    <a16:creationId xmlns:a16="http://schemas.microsoft.com/office/drawing/2014/main" xmlns="" id="{C3CC6A5A-182E-4A09-9C04-EB191881D789}"/>
                   </a:ext>
                 </a:extLst>
               </p:cNvPr>
@@ -9187,7 +9187,7 @@
               <p:cNvPr id="22" name="Straight Connector 21">
                 <a:extLst>
                   <a:ext uri="{FF2B5EF4-FFF2-40B4-BE49-F238E27FC236}">
-                    <a16:creationId xmlns:a16="http://schemas.microsoft.com/office/drawing/2014/main" id="{440C8953-0555-48CC-8255-78F17E053EE7}"/>
+                    <a16:creationId xmlns:a16="http://schemas.microsoft.com/office/drawing/2014/main" xmlns="" id="{440C8953-0555-48CC-8255-78F17E053EE7}"/>
                   </a:ext>
                 </a:extLst>
               </p:cNvPr>
@@ -9233,7 +9233,7 @@
           <p:cNvPr id="34" name="Straight Connector 33">
             <a:extLst>
               <a:ext uri="{FF2B5EF4-FFF2-40B4-BE49-F238E27FC236}">
-                <a16:creationId xmlns:a16="http://schemas.microsoft.com/office/drawing/2014/main" id="{29B538CA-8CCB-43FB-B5E5-5FC04EBC1F54}"/>
+                <a16:creationId xmlns:a16="http://schemas.microsoft.com/office/drawing/2014/main" xmlns="" id="{29B538CA-8CCB-43FB-B5E5-5FC04EBC1F54}"/>
               </a:ext>
             </a:extLst>
           </p:cNvPr>
@@ -9278,18 +9278,18 @@
     </p:spTree>
     <p:extLst>
       <p:ext uri="{BB962C8B-B14F-4D97-AF65-F5344CB8AC3E}">
-        <p14:creationId xmlns:p14="http://schemas.microsoft.com/office/powerpoint/2010/main" val="743545348"/>
+        <p14:creationId xmlns:p14="http://schemas.microsoft.com/office/powerpoint/2010/main" xmlns="" val="743545348"/>
       </p:ext>
     </p:extLst>
   </p:cSld>
   <p:clrMapOvr>
     <a:masterClrMapping/>
   </p:clrMapOvr>
-  <mc:AlternateContent xmlns:mc="http://schemas.openxmlformats.org/markup-compatibility/2006" xmlns:p14="http://schemas.microsoft.com/office/powerpoint/2010/main">
-    <mc:Choice Requires="p14">
+  <mc:AlternateContent xmlns:mc="http://schemas.openxmlformats.org/markup-compatibility/2006">
+    <mc:Choice xmlns:p14="http://schemas.microsoft.com/office/powerpoint/2010/main" xmlns="" Requires="p14">
       <p:transition spd="slow" p14:dur="2000" advClick="0" advTm="5000"/>
     </mc:Choice>
-    <mc:Fallback xmlns="">
+    <mc:Fallback>
       <p:transition spd="slow" advClick="0" advTm="5000"/>
     </mc:Fallback>
   </mc:AlternateContent>
@@ -9318,7 +9318,7 @@
           <p:cNvPr id="9" name="Slide Number">
             <a:extLst>
               <a:ext uri="{FF2B5EF4-FFF2-40B4-BE49-F238E27FC236}">
-                <a16:creationId xmlns:a16="http://schemas.microsoft.com/office/drawing/2014/main" id="{1865BF6B-7F07-4E9C-879F-80E36EEB3405}"/>
+                <a16:creationId xmlns:a16="http://schemas.microsoft.com/office/drawing/2014/main" xmlns="" id="{1865BF6B-7F07-4E9C-879F-80E36EEB3405}"/>
               </a:ext>
             </a:extLst>
           </p:cNvPr>
@@ -9360,7 +9360,7 @@
           <p:cNvPr id="12" name="Rectangle Left">
             <a:extLst>
               <a:ext uri="{FF2B5EF4-FFF2-40B4-BE49-F238E27FC236}">
-                <a16:creationId xmlns:a16="http://schemas.microsoft.com/office/drawing/2014/main" id="{345FB1C8-7F66-4D5C-ACCE-AE919936BCFD}"/>
+                <a16:creationId xmlns:a16="http://schemas.microsoft.com/office/drawing/2014/main" xmlns="" id="{345FB1C8-7F66-4D5C-ACCE-AE919936BCFD}"/>
               </a:ext>
             </a:extLst>
           </p:cNvPr>
@@ -9441,7 +9441,7 @@
           <p:cNvPr id="15" name="Slide Body Text">
             <a:extLst>
               <a:ext uri="{FF2B5EF4-FFF2-40B4-BE49-F238E27FC236}">
-                <a16:creationId xmlns:a16="http://schemas.microsoft.com/office/drawing/2014/main" id="{6157C8DE-E0AF-422B-BBB1-F0AF1264B5E9}"/>
+                <a16:creationId xmlns:a16="http://schemas.microsoft.com/office/drawing/2014/main" xmlns="" id="{6157C8DE-E0AF-422B-BBB1-F0AF1264B5E9}"/>
               </a:ext>
             </a:extLst>
           </p:cNvPr>
@@ -9539,7 +9539,7 @@
           <p:cNvPr id="16" name="Logo Software University" descr="Software University logo">
             <a:extLst>
               <a:ext uri="{FF2B5EF4-FFF2-40B4-BE49-F238E27FC236}">
-                <a16:creationId xmlns:a16="http://schemas.microsoft.com/office/drawing/2014/main" id="{EFEBB553-EACE-4B4F-8B4F-7629FDD910A4}"/>
+                <a16:creationId xmlns:a16="http://schemas.microsoft.com/office/drawing/2014/main" xmlns="" id="{EFEBB553-EACE-4B4F-8B4F-7629FDD910A4}"/>
               </a:ext>
             </a:extLst>
           </p:cNvPr>
@@ -9562,7 +9562,7 @@
             </a:clrChange>
             <a:extLst>
               <a:ext uri="{28A0092B-C50C-407E-A947-70E740481C1C}">
-                <a14:useLocalDpi xmlns:a14="http://schemas.microsoft.com/office/drawing/2010/main" val="0"/>
+                <a14:useLocalDpi xmlns:a14="http://schemas.microsoft.com/office/drawing/2010/main" xmlns="" val="0"/>
               </a:ext>
             </a:extLst>
           </a:blip>
@@ -9585,7 +9585,7 @@
           <p:cNvPr id="13" name="Slide Title">
             <a:extLst>
               <a:ext uri="{FF2B5EF4-FFF2-40B4-BE49-F238E27FC236}">
-                <a16:creationId xmlns:a16="http://schemas.microsoft.com/office/drawing/2014/main" id="{0D5CC956-5C4A-44BE-8F8B-327FAFA51E97}"/>
+                <a16:creationId xmlns:a16="http://schemas.microsoft.com/office/drawing/2014/main" xmlns="" id="{0D5CC956-5C4A-44BE-8F8B-327FAFA51E97}"/>
               </a:ext>
             </a:extLst>
           </p:cNvPr>
@@ -9622,7 +9622,7 @@
           <p:cNvPr id="33" name="Group 32">
             <a:extLst>
               <a:ext uri="{FF2B5EF4-FFF2-40B4-BE49-F238E27FC236}">
-                <a16:creationId xmlns:a16="http://schemas.microsoft.com/office/drawing/2014/main" id="{7CF60135-47AA-48F0-96BA-0E795668ABDB}"/>
+                <a16:creationId xmlns:a16="http://schemas.microsoft.com/office/drawing/2014/main" xmlns="" id="{7CF60135-47AA-48F0-96BA-0E795668ABDB}"/>
               </a:ext>
             </a:extLst>
           </p:cNvPr>
@@ -9642,7 +9642,7 @@
             <p:cNvPr id="34" name="Group 33">
               <a:extLst>
                 <a:ext uri="{FF2B5EF4-FFF2-40B4-BE49-F238E27FC236}">
-                  <a16:creationId xmlns:a16="http://schemas.microsoft.com/office/drawing/2014/main" id="{2823380E-3936-41AF-BDF7-DA54D75BBF6B}"/>
+                  <a16:creationId xmlns:a16="http://schemas.microsoft.com/office/drawing/2014/main" xmlns="" id="{2823380E-3936-41AF-BDF7-DA54D75BBF6B}"/>
                 </a:ext>
               </a:extLst>
             </p:cNvPr>
@@ -9662,7 +9662,7 @@
               <p:cNvPr id="47" name="Oval 46">
                 <a:extLst>
                   <a:ext uri="{FF2B5EF4-FFF2-40B4-BE49-F238E27FC236}">
-                    <a16:creationId xmlns:a16="http://schemas.microsoft.com/office/drawing/2014/main" id="{52B047D9-D8DD-45C7-9BC8-6D4F682F5182}"/>
+                    <a16:creationId xmlns:a16="http://schemas.microsoft.com/office/drawing/2014/main" xmlns="" id="{52B047D9-D8DD-45C7-9BC8-6D4F682F5182}"/>
                   </a:ext>
                 </a:extLst>
               </p:cNvPr>
@@ -9714,7 +9714,7 @@
               <p:cNvPr id="48" name="Rectangle 5">
                 <a:extLst>
                   <a:ext uri="{FF2B5EF4-FFF2-40B4-BE49-F238E27FC236}">
-                    <a16:creationId xmlns:a16="http://schemas.microsoft.com/office/drawing/2014/main" id="{4D84FE51-BD8E-47EA-9463-CE02FEA31766}"/>
+                    <a16:creationId xmlns:a16="http://schemas.microsoft.com/office/drawing/2014/main" xmlns="" id="{4D84FE51-BD8E-47EA-9463-CE02FEA31766}"/>
                   </a:ext>
                 </a:extLst>
               </p:cNvPr>
@@ -9859,7 +9859,7 @@
               <p:cNvPr id="49" name="Rectangle 5">
                 <a:extLst>
                   <a:ext uri="{FF2B5EF4-FFF2-40B4-BE49-F238E27FC236}">
-                    <a16:creationId xmlns:a16="http://schemas.microsoft.com/office/drawing/2014/main" id="{F5C8F037-C197-4219-AC87-3A81763512BC}"/>
+                    <a16:creationId xmlns:a16="http://schemas.microsoft.com/office/drawing/2014/main" xmlns="" id="{F5C8F037-C197-4219-AC87-3A81763512BC}"/>
                   </a:ext>
                 </a:extLst>
               </p:cNvPr>
@@ -10004,7 +10004,7 @@
               <p:cNvPr id="50" name="Arc 49">
                 <a:extLst>
                   <a:ext uri="{FF2B5EF4-FFF2-40B4-BE49-F238E27FC236}">
-                    <a16:creationId xmlns:a16="http://schemas.microsoft.com/office/drawing/2014/main" id="{786EE401-CF8E-439B-94A0-EE6F3A7D5798}"/>
+                    <a16:creationId xmlns:a16="http://schemas.microsoft.com/office/drawing/2014/main" xmlns="" id="{786EE401-CF8E-439B-94A0-EE6F3A7D5798}"/>
                   </a:ext>
                 </a:extLst>
               </p:cNvPr>
@@ -10063,7 +10063,7 @@
               <p:cNvPr id="51" name="Arc 50">
                 <a:extLst>
                   <a:ext uri="{FF2B5EF4-FFF2-40B4-BE49-F238E27FC236}">
-                    <a16:creationId xmlns:a16="http://schemas.microsoft.com/office/drawing/2014/main" id="{8D9ACD38-B3EB-4A63-9730-CBF0501BF235}"/>
+                    <a16:creationId xmlns:a16="http://schemas.microsoft.com/office/drawing/2014/main" xmlns="" id="{8D9ACD38-B3EB-4A63-9730-CBF0501BF235}"/>
                   </a:ext>
                 </a:extLst>
               </p:cNvPr>
@@ -10123,7 +10123,7 @@
             <p:cNvPr id="35" name="Rectangle: Rounded Corners 34">
               <a:extLst>
                 <a:ext uri="{FF2B5EF4-FFF2-40B4-BE49-F238E27FC236}">
-                  <a16:creationId xmlns:a16="http://schemas.microsoft.com/office/drawing/2014/main" id="{64EE493E-A353-4C75-A3B9-D48ABA2C57CC}"/>
+                  <a16:creationId xmlns:a16="http://schemas.microsoft.com/office/drawing/2014/main" xmlns="" id="{64EE493E-A353-4C75-A3B9-D48ABA2C57CC}"/>
                 </a:ext>
               </a:extLst>
             </p:cNvPr>
@@ -10177,7 +10177,7 @@
             <p:cNvPr id="36" name="Rectangle: Rounded Corners 35">
               <a:extLst>
                 <a:ext uri="{FF2B5EF4-FFF2-40B4-BE49-F238E27FC236}">
-                  <a16:creationId xmlns:a16="http://schemas.microsoft.com/office/drawing/2014/main" id="{718408B9-204E-42E3-9E79-33E047E869BC}"/>
+                  <a16:creationId xmlns:a16="http://schemas.microsoft.com/office/drawing/2014/main" xmlns="" id="{718408B9-204E-42E3-9E79-33E047E869BC}"/>
                 </a:ext>
               </a:extLst>
             </p:cNvPr>
@@ -10238,7 +10238,7 @@
             <p:cNvPr id="37" name="Straight Connector 36">
               <a:extLst>
                 <a:ext uri="{FF2B5EF4-FFF2-40B4-BE49-F238E27FC236}">
-                  <a16:creationId xmlns:a16="http://schemas.microsoft.com/office/drawing/2014/main" id="{0AB66D97-DF6F-4CD2-AF13-42B5C852F673}"/>
+                  <a16:creationId xmlns:a16="http://schemas.microsoft.com/office/drawing/2014/main" xmlns="" id="{0AB66D97-DF6F-4CD2-AF13-42B5C852F673}"/>
                 </a:ext>
               </a:extLst>
             </p:cNvPr>
@@ -10284,7 +10284,7 @@
             <p:cNvPr id="38" name="Straight Connector 37">
               <a:extLst>
                 <a:ext uri="{FF2B5EF4-FFF2-40B4-BE49-F238E27FC236}">
-                  <a16:creationId xmlns:a16="http://schemas.microsoft.com/office/drawing/2014/main" id="{F2AFBA69-C196-4703-8AAB-5F72A8EDCEB5}"/>
+                  <a16:creationId xmlns:a16="http://schemas.microsoft.com/office/drawing/2014/main" xmlns="" id="{F2AFBA69-C196-4703-8AAB-5F72A8EDCEB5}"/>
                 </a:ext>
               </a:extLst>
             </p:cNvPr>
@@ -10330,7 +10330,7 @@
             <p:cNvPr id="39" name="Group 38">
               <a:extLst>
                 <a:ext uri="{FF2B5EF4-FFF2-40B4-BE49-F238E27FC236}">
-                  <a16:creationId xmlns:a16="http://schemas.microsoft.com/office/drawing/2014/main" id="{9AFC66C1-0C1C-4332-9C4E-782574C896B8}"/>
+                  <a16:creationId xmlns:a16="http://schemas.microsoft.com/office/drawing/2014/main" xmlns="" id="{9AFC66C1-0C1C-4332-9C4E-782574C896B8}"/>
                 </a:ext>
               </a:extLst>
             </p:cNvPr>
@@ -10353,7 +10353,7 @@
               <p:cNvPr id="45" name="Straight Connector 44">
                 <a:extLst>
                   <a:ext uri="{FF2B5EF4-FFF2-40B4-BE49-F238E27FC236}">
-                    <a16:creationId xmlns:a16="http://schemas.microsoft.com/office/drawing/2014/main" id="{872CA8AD-EAF6-40BE-9DDE-ECDB4A980CA5}"/>
+                    <a16:creationId xmlns:a16="http://schemas.microsoft.com/office/drawing/2014/main" xmlns="" id="{872CA8AD-EAF6-40BE-9DDE-ECDB4A980CA5}"/>
                   </a:ext>
                 </a:extLst>
               </p:cNvPr>
@@ -10397,7 +10397,7 @@
               <p:cNvPr id="46" name="Straight Connector 45">
                 <a:extLst>
                   <a:ext uri="{FF2B5EF4-FFF2-40B4-BE49-F238E27FC236}">
-                    <a16:creationId xmlns:a16="http://schemas.microsoft.com/office/drawing/2014/main" id="{57DD3EC7-1A13-4AFE-BD6F-DA12C281FAFB}"/>
+                    <a16:creationId xmlns:a16="http://schemas.microsoft.com/office/drawing/2014/main" xmlns="" id="{57DD3EC7-1A13-4AFE-BD6F-DA12C281FAFB}"/>
                   </a:ext>
                 </a:extLst>
               </p:cNvPr>
@@ -10442,7 +10442,7 @@
             <p:cNvPr id="40" name="Straight Connector 39">
               <a:extLst>
                 <a:ext uri="{FF2B5EF4-FFF2-40B4-BE49-F238E27FC236}">
-                  <a16:creationId xmlns:a16="http://schemas.microsoft.com/office/drawing/2014/main" id="{E46151FA-19E9-4E84-A082-EDAC6F76EA9D}"/>
+                  <a16:creationId xmlns:a16="http://schemas.microsoft.com/office/drawing/2014/main" xmlns="" id="{E46151FA-19E9-4E84-A082-EDAC6F76EA9D}"/>
                 </a:ext>
               </a:extLst>
             </p:cNvPr>
@@ -10488,7 +10488,7 @@
             <p:cNvPr id="41" name="Rectangle: Rounded Corners 40">
               <a:extLst>
                 <a:ext uri="{FF2B5EF4-FFF2-40B4-BE49-F238E27FC236}">
-                  <a16:creationId xmlns:a16="http://schemas.microsoft.com/office/drawing/2014/main" id="{3423EEF0-5B70-4091-B2DA-0740D2609643}"/>
+                  <a16:creationId xmlns:a16="http://schemas.microsoft.com/office/drawing/2014/main" xmlns="" id="{3423EEF0-5B70-4091-B2DA-0740D2609643}"/>
                 </a:ext>
               </a:extLst>
             </p:cNvPr>
@@ -10542,7 +10542,7 @@
             <p:cNvPr id="42" name="Group 41">
               <a:extLst>
                 <a:ext uri="{FF2B5EF4-FFF2-40B4-BE49-F238E27FC236}">
-                  <a16:creationId xmlns:a16="http://schemas.microsoft.com/office/drawing/2014/main" id="{49A8AAA7-98E7-4224-B027-830FFCC285A3}"/>
+                  <a16:creationId xmlns:a16="http://schemas.microsoft.com/office/drawing/2014/main" xmlns="" id="{49A8AAA7-98E7-4224-B027-830FFCC285A3}"/>
                 </a:ext>
               </a:extLst>
             </p:cNvPr>
@@ -10565,7 +10565,7 @@
               <p:cNvPr id="43" name="Straight Connector 42">
                 <a:extLst>
                   <a:ext uri="{FF2B5EF4-FFF2-40B4-BE49-F238E27FC236}">
-                    <a16:creationId xmlns:a16="http://schemas.microsoft.com/office/drawing/2014/main" id="{2129EC38-471E-4685-973E-BA7A7F567C42}"/>
+                    <a16:creationId xmlns:a16="http://schemas.microsoft.com/office/drawing/2014/main" xmlns="" id="{2129EC38-471E-4685-973E-BA7A7F567C42}"/>
                   </a:ext>
                 </a:extLst>
               </p:cNvPr>
@@ -10609,7 +10609,7 @@
               <p:cNvPr id="44" name="Straight Connector 43">
                 <a:extLst>
                   <a:ext uri="{FF2B5EF4-FFF2-40B4-BE49-F238E27FC236}">
-                    <a16:creationId xmlns:a16="http://schemas.microsoft.com/office/drawing/2014/main" id="{678142BE-84C9-4834-B6CC-6623E401661C}"/>
+                    <a16:creationId xmlns:a16="http://schemas.microsoft.com/office/drawing/2014/main" xmlns="" id="{678142BE-84C9-4834-B6CC-6623E401661C}"/>
                   </a:ext>
                 </a:extLst>
               </p:cNvPr>
@@ -10653,18 +10653,18 @@
     </p:spTree>
     <p:extLst>
       <p:ext uri="{BB962C8B-B14F-4D97-AF65-F5344CB8AC3E}">
-        <p14:creationId xmlns:p14="http://schemas.microsoft.com/office/powerpoint/2010/main" val="1679651758"/>
+        <p14:creationId xmlns:p14="http://schemas.microsoft.com/office/powerpoint/2010/main" xmlns="" val="1679651758"/>
       </p:ext>
     </p:extLst>
   </p:cSld>
   <p:clrMapOvr>
     <a:masterClrMapping/>
   </p:clrMapOvr>
-  <mc:AlternateContent xmlns:mc="http://schemas.openxmlformats.org/markup-compatibility/2006" xmlns:p14="http://schemas.microsoft.com/office/powerpoint/2010/main">
-    <mc:Choice Requires="p14">
+  <mc:AlternateContent xmlns:mc="http://schemas.openxmlformats.org/markup-compatibility/2006">
+    <mc:Choice xmlns:p14="http://schemas.microsoft.com/office/powerpoint/2010/main" xmlns="" Requires="p14">
       <p:transition spd="slow" p14:dur="2000" advClick="0" advTm="5000"/>
     </mc:Choice>
-    <mc:Fallback xmlns="">
+    <mc:Fallback>
       <p:transition spd="slow" advClick="0" advTm="5000"/>
     </mc:Fallback>
   </mc:AlternateContent>
@@ -10693,7 +10693,7 @@
           <p:cNvPr id="5" name="Slide Number">
             <a:extLst>
               <a:ext uri="{FF2B5EF4-FFF2-40B4-BE49-F238E27FC236}">
-                <a16:creationId xmlns:a16="http://schemas.microsoft.com/office/drawing/2014/main" id="{F0B8C963-1813-4B69-AD27-6D02EBBBB569}"/>
+                <a16:creationId xmlns:a16="http://schemas.microsoft.com/office/drawing/2014/main" xmlns="" id="{F0B8C963-1813-4B69-AD27-6D02EBBBB569}"/>
               </a:ext>
             </a:extLst>
           </p:cNvPr>
@@ -10735,7 +10735,7 @@
           <p:cNvPr id="3" name="Rectangle Left">
             <a:extLst>
               <a:ext uri="{FF2B5EF4-FFF2-40B4-BE49-F238E27FC236}">
-                <a16:creationId xmlns:a16="http://schemas.microsoft.com/office/drawing/2014/main" id="{345FB1C8-7F66-4D5C-ACCE-AE919936BCFD}"/>
+                <a16:creationId xmlns:a16="http://schemas.microsoft.com/office/drawing/2014/main" xmlns="" id="{345FB1C8-7F66-4D5C-ACCE-AE919936BCFD}"/>
               </a:ext>
             </a:extLst>
           </p:cNvPr>
@@ -10816,7 +10816,7 @@
           <p:cNvPr id="7" name="Slide Body Text">
             <a:extLst>
               <a:ext uri="{FF2B5EF4-FFF2-40B4-BE49-F238E27FC236}">
-                <a16:creationId xmlns:a16="http://schemas.microsoft.com/office/drawing/2014/main" id="{7296EDA7-D37D-4B31-A888-371F0804124F}"/>
+                <a16:creationId xmlns:a16="http://schemas.microsoft.com/office/drawing/2014/main" xmlns="" id="{7296EDA7-D37D-4B31-A888-371F0804124F}"/>
               </a:ext>
             </a:extLst>
           </p:cNvPr>
@@ -10914,7 +10914,7 @@
           <p:cNvPr id="6" name="Slide Title">
             <a:extLst>
               <a:ext uri="{FF2B5EF4-FFF2-40B4-BE49-F238E27FC236}">
-                <a16:creationId xmlns:a16="http://schemas.microsoft.com/office/drawing/2014/main" id="{55A88B09-3557-48A3-BF27-42699C269215}"/>
+                <a16:creationId xmlns:a16="http://schemas.microsoft.com/office/drawing/2014/main" xmlns="" id="{55A88B09-3557-48A3-BF27-42699C269215}"/>
               </a:ext>
             </a:extLst>
           </p:cNvPr>
@@ -10951,7 +10951,7 @@
           <p:cNvPr id="28" name="Group 27">
             <a:extLst>
               <a:ext uri="{FF2B5EF4-FFF2-40B4-BE49-F238E27FC236}">
-                <a16:creationId xmlns:a16="http://schemas.microsoft.com/office/drawing/2014/main" id="{C4248838-4E67-439E-AE0A-0043D2CB04D6}"/>
+                <a16:creationId xmlns:a16="http://schemas.microsoft.com/office/drawing/2014/main" xmlns="" id="{C4248838-4E67-439E-AE0A-0043D2CB04D6}"/>
               </a:ext>
             </a:extLst>
           </p:cNvPr>
@@ -10971,7 +10971,7 @@
             <p:cNvPr id="29" name="Group 28">
               <a:extLst>
                 <a:ext uri="{FF2B5EF4-FFF2-40B4-BE49-F238E27FC236}">
-                  <a16:creationId xmlns:a16="http://schemas.microsoft.com/office/drawing/2014/main" id="{810CFD6A-2427-49D5-846A-5F93601D4184}"/>
+                  <a16:creationId xmlns:a16="http://schemas.microsoft.com/office/drawing/2014/main" xmlns="" id="{810CFD6A-2427-49D5-846A-5F93601D4184}"/>
                 </a:ext>
               </a:extLst>
             </p:cNvPr>
@@ -10991,7 +10991,7 @@
               <p:cNvPr id="42" name="Oval 41">
                 <a:extLst>
                   <a:ext uri="{FF2B5EF4-FFF2-40B4-BE49-F238E27FC236}">
-                    <a16:creationId xmlns:a16="http://schemas.microsoft.com/office/drawing/2014/main" id="{017B1AE5-5C36-4839-BA1F-B404EA44E701}"/>
+                    <a16:creationId xmlns:a16="http://schemas.microsoft.com/office/drawing/2014/main" xmlns="" id="{017B1AE5-5C36-4839-BA1F-B404EA44E701}"/>
                   </a:ext>
                 </a:extLst>
               </p:cNvPr>
@@ -11043,7 +11043,7 @@
               <p:cNvPr id="43" name="Rectangle 5">
                 <a:extLst>
                   <a:ext uri="{FF2B5EF4-FFF2-40B4-BE49-F238E27FC236}">
-                    <a16:creationId xmlns:a16="http://schemas.microsoft.com/office/drawing/2014/main" id="{FB963D79-BB49-4A1D-BA66-EA0670C79BAE}"/>
+                    <a16:creationId xmlns:a16="http://schemas.microsoft.com/office/drawing/2014/main" xmlns="" id="{FB963D79-BB49-4A1D-BA66-EA0670C79BAE}"/>
                   </a:ext>
                 </a:extLst>
               </p:cNvPr>
@@ -11188,7 +11188,7 @@
               <p:cNvPr id="44" name="Rectangle 5">
                 <a:extLst>
                   <a:ext uri="{FF2B5EF4-FFF2-40B4-BE49-F238E27FC236}">
-                    <a16:creationId xmlns:a16="http://schemas.microsoft.com/office/drawing/2014/main" id="{6D7746D8-B913-493B-AAE9-25BC6893D40E}"/>
+                    <a16:creationId xmlns:a16="http://schemas.microsoft.com/office/drawing/2014/main" xmlns="" id="{6D7746D8-B913-493B-AAE9-25BC6893D40E}"/>
                   </a:ext>
                 </a:extLst>
               </p:cNvPr>
@@ -11333,7 +11333,7 @@
               <p:cNvPr id="45" name="Arc 44">
                 <a:extLst>
                   <a:ext uri="{FF2B5EF4-FFF2-40B4-BE49-F238E27FC236}">
-                    <a16:creationId xmlns:a16="http://schemas.microsoft.com/office/drawing/2014/main" id="{29031C02-E965-417B-8799-96061B14F30D}"/>
+                    <a16:creationId xmlns:a16="http://schemas.microsoft.com/office/drawing/2014/main" xmlns="" id="{29031C02-E965-417B-8799-96061B14F30D}"/>
                   </a:ext>
                 </a:extLst>
               </p:cNvPr>
@@ -11392,7 +11392,7 @@
               <p:cNvPr id="46" name="Arc 45">
                 <a:extLst>
                   <a:ext uri="{FF2B5EF4-FFF2-40B4-BE49-F238E27FC236}">
-                    <a16:creationId xmlns:a16="http://schemas.microsoft.com/office/drawing/2014/main" id="{26BFD8A6-BC99-4B16-BA10-08A9E5C681C0}"/>
+                    <a16:creationId xmlns:a16="http://schemas.microsoft.com/office/drawing/2014/main" xmlns="" id="{26BFD8A6-BC99-4B16-BA10-08A9E5C681C0}"/>
                   </a:ext>
                 </a:extLst>
               </p:cNvPr>
@@ -11452,7 +11452,7 @@
             <p:cNvPr id="30" name="Rectangle: Rounded Corners 29">
               <a:extLst>
                 <a:ext uri="{FF2B5EF4-FFF2-40B4-BE49-F238E27FC236}">
-                  <a16:creationId xmlns:a16="http://schemas.microsoft.com/office/drawing/2014/main" id="{B310277F-A78E-4FB9-9EA9-88BE4F1D585B}"/>
+                  <a16:creationId xmlns:a16="http://schemas.microsoft.com/office/drawing/2014/main" xmlns="" id="{B310277F-A78E-4FB9-9EA9-88BE4F1D585B}"/>
                 </a:ext>
               </a:extLst>
             </p:cNvPr>
@@ -11506,7 +11506,7 @@
             <p:cNvPr id="31" name="Rectangle: Rounded Corners 30">
               <a:extLst>
                 <a:ext uri="{FF2B5EF4-FFF2-40B4-BE49-F238E27FC236}">
-                  <a16:creationId xmlns:a16="http://schemas.microsoft.com/office/drawing/2014/main" id="{A92CF92B-C212-4542-83AE-A0058B5BB5EA}"/>
+                  <a16:creationId xmlns:a16="http://schemas.microsoft.com/office/drawing/2014/main" xmlns="" id="{A92CF92B-C212-4542-83AE-A0058B5BB5EA}"/>
                 </a:ext>
               </a:extLst>
             </p:cNvPr>
@@ -11567,7 +11567,7 @@
             <p:cNvPr id="32" name="Straight Connector 31">
               <a:extLst>
                 <a:ext uri="{FF2B5EF4-FFF2-40B4-BE49-F238E27FC236}">
-                  <a16:creationId xmlns:a16="http://schemas.microsoft.com/office/drawing/2014/main" id="{563B4374-5C0D-461F-B3BD-78D99614D365}"/>
+                  <a16:creationId xmlns:a16="http://schemas.microsoft.com/office/drawing/2014/main" xmlns="" id="{563B4374-5C0D-461F-B3BD-78D99614D365}"/>
                 </a:ext>
               </a:extLst>
             </p:cNvPr>
@@ -11613,7 +11613,7 @@
             <p:cNvPr id="33" name="Straight Connector 32">
               <a:extLst>
                 <a:ext uri="{FF2B5EF4-FFF2-40B4-BE49-F238E27FC236}">
-                  <a16:creationId xmlns:a16="http://schemas.microsoft.com/office/drawing/2014/main" id="{FBC6FDE7-AEA1-4230-8433-4C088A0FF5F9}"/>
+                  <a16:creationId xmlns:a16="http://schemas.microsoft.com/office/drawing/2014/main" xmlns="" id="{FBC6FDE7-AEA1-4230-8433-4C088A0FF5F9}"/>
                 </a:ext>
               </a:extLst>
             </p:cNvPr>
@@ -11659,7 +11659,7 @@
             <p:cNvPr id="34" name="Group 33">
               <a:extLst>
                 <a:ext uri="{FF2B5EF4-FFF2-40B4-BE49-F238E27FC236}">
-                  <a16:creationId xmlns:a16="http://schemas.microsoft.com/office/drawing/2014/main" id="{C4D1021D-07C7-4331-8FF6-36980A30978B}"/>
+                  <a16:creationId xmlns:a16="http://schemas.microsoft.com/office/drawing/2014/main" xmlns="" id="{C4D1021D-07C7-4331-8FF6-36980A30978B}"/>
                 </a:ext>
               </a:extLst>
             </p:cNvPr>
@@ -11682,7 +11682,7 @@
               <p:cNvPr id="40" name="Straight Connector 39">
                 <a:extLst>
                   <a:ext uri="{FF2B5EF4-FFF2-40B4-BE49-F238E27FC236}">
-                    <a16:creationId xmlns:a16="http://schemas.microsoft.com/office/drawing/2014/main" id="{13B7FE99-95CF-45D5-966B-87A979B93431}"/>
+                    <a16:creationId xmlns:a16="http://schemas.microsoft.com/office/drawing/2014/main" xmlns="" id="{13B7FE99-95CF-45D5-966B-87A979B93431}"/>
                   </a:ext>
                 </a:extLst>
               </p:cNvPr>
@@ -11726,7 +11726,7 @@
               <p:cNvPr id="41" name="Straight Connector 40">
                 <a:extLst>
                   <a:ext uri="{FF2B5EF4-FFF2-40B4-BE49-F238E27FC236}">
-                    <a16:creationId xmlns:a16="http://schemas.microsoft.com/office/drawing/2014/main" id="{71BBA69B-19FF-4ADB-A739-AD8136A5F0A6}"/>
+                    <a16:creationId xmlns:a16="http://schemas.microsoft.com/office/drawing/2014/main" xmlns="" id="{71BBA69B-19FF-4ADB-A739-AD8136A5F0A6}"/>
                   </a:ext>
                 </a:extLst>
               </p:cNvPr>
@@ -11771,7 +11771,7 @@
             <p:cNvPr id="35" name="Straight Connector 34">
               <a:extLst>
                 <a:ext uri="{FF2B5EF4-FFF2-40B4-BE49-F238E27FC236}">
-                  <a16:creationId xmlns:a16="http://schemas.microsoft.com/office/drawing/2014/main" id="{BFD1D86B-562B-40B2-8E46-34233EFEE7FC}"/>
+                  <a16:creationId xmlns:a16="http://schemas.microsoft.com/office/drawing/2014/main" xmlns="" id="{BFD1D86B-562B-40B2-8E46-34233EFEE7FC}"/>
                 </a:ext>
               </a:extLst>
             </p:cNvPr>
@@ -11817,7 +11817,7 @@
             <p:cNvPr id="36" name="Rectangle: Rounded Corners 35">
               <a:extLst>
                 <a:ext uri="{FF2B5EF4-FFF2-40B4-BE49-F238E27FC236}">
-                  <a16:creationId xmlns:a16="http://schemas.microsoft.com/office/drawing/2014/main" id="{388C17BD-16A1-43C5-BFFA-2FF9174719E1}"/>
+                  <a16:creationId xmlns:a16="http://schemas.microsoft.com/office/drawing/2014/main" xmlns="" id="{388C17BD-16A1-43C5-BFFA-2FF9174719E1}"/>
                 </a:ext>
               </a:extLst>
             </p:cNvPr>
@@ -11871,7 +11871,7 @@
             <p:cNvPr id="37" name="Group 36">
               <a:extLst>
                 <a:ext uri="{FF2B5EF4-FFF2-40B4-BE49-F238E27FC236}">
-                  <a16:creationId xmlns:a16="http://schemas.microsoft.com/office/drawing/2014/main" id="{1B3B910E-ACFC-4F28-8E28-F02E1588B87E}"/>
+                  <a16:creationId xmlns:a16="http://schemas.microsoft.com/office/drawing/2014/main" xmlns="" id="{1B3B910E-ACFC-4F28-8E28-F02E1588B87E}"/>
                 </a:ext>
               </a:extLst>
             </p:cNvPr>
@@ -11894,7 +11894,7 @@
               <p:cNvPr id="38" name="Straight Connector 37">
                 <a:extLst>
                   <a:ext uri="{FF2B5EF4-FFF2-40B4-BE49-F238E27FC236}">
-                    <a16:creationId xmlns:a16="http://schemas.microsoft.com/office/drawing/2014/main" id="{F57772B6-06C0-4F54-AA94-D3F92DA4716A}"/>
+                    <a16:creationId xmlns:a16="http://schemas.microsoft.com/office/drawing/2014/main" xmlns="" id="{F57772B6-06C0-4F54-AA94-D3F92DA4716A}"/>
                   </a:ext>
                 </a:extLst>
               </p:cNvPr>
@@ -11938,7 +11938,7 @@
               <p:cNvPr id="39" name="Straight Connector 38">
                 <a:extLst>
                   <a:ext uri="{FF2B5EF4-FFF2-40B4-BE49-F238E27FC236}">
-                    <a16:creationId xmlns:a16="http://schemas.microsoft.com/office/drawing/2014/main" id="{23370C1F-7876-4278-AB20-78F6CAA385E2}"/>
+                    <a16:creationId xmlns:a16="http://schemas.microsoft.com/office/drawing/2014/main" xmlns="" id="{23370C1F-7876-4278-AB20-78F6CAA385E2}"/>
                   </a:ext>
                 </a:extLst>
               </p:cNvPr>
@@ -11982,18 +11982,18 @@
     </p:spTree>
     <p:extLst>
       <p:ext uri="{BB962C8B-B14F-4D97-AF65-F5344CB8AC3E}">
-        <p14:creationId xmlns:p14="http://schemas.microsoft.com/office/powerpoint/2010/main" val="3284562556"/>
+        <p14:creationId xmlns:p14="http://schemas.microsoft.com/office/powerpoint/2010/main" xmlns="" val="3284562556"/>
       </p:ext>
     </p:extLst>
   </p:cSld>
   <p:clrMapOvr>
     <a:masterClrMapping/>
   </p:clrMapOvr>
-  <mc:AlternateContent xmlns:mc="http://schemas.openxmlformats.org/markup-compatibility/2006" xmlns:p14="http://schemas.microsoft.com/office/powerpoint/2010/main">
-    <mc:Choice Requires="p14">
+  <mc:AlternateContent xmlns:mc="http://schemas.openxmlformats.org/markup-compatibility/2006">
+    <mc:Choice xmlns:p14="http://schemas.microsoft.com/office/powerpoint/2010/main" xmlns="" Requires="p14">
       <p:transition spd="slow" p14:dur="2000" advClick="0" advTm="5000"/>
     </mc:Choice>
-    <mc:Fallback xmlns="">
+    <mc:Fallback>
       <p:transition spd="slow" advClick="0" advTm="5000"/>
     </mc:Fallback>
   </mc:AlternateContent>
@@ -12022,7 +12022,7 @@
           <p:cNvPr id="8" name="Slide Number">
             <a:extLst>
               <a:ext uri="{FF2B5EF4-FFF2-40B4-BE49-F238E27FC236}">
-                <a16:creationId xmlns:a16="http://schemas.microsoft.com/office/drawing/2014/main" id="{509D954E-A844-4072-A556-DE584BEB9321}"/>
+                <a16:creationId xmlns:a16="http://schemas.microsoft.com/office/drawing/2014/main" xmlns="" id="{509D954E-A844-4072-A556-DE584BEB9321}"/>
               </a:ext>
             </a:extLst>
           </p:cNvPr>
@@ -12064,7 +12064,7 @@
           <p:cNvPr id="6" name="Code Box">
             <a:extLst>
               <a:ext uri="{FF2B5EF4-FFF2-40B4-BE49-F238E27FC236}">
-                <a16:creationId xmlns:a16="http://schemas.microsoft.com/office/drawing/2014/main" id="{3278A82F-5546-4977-9F75-2A933B415945}"/>
+                <a16:creationId xmlns:a16="http://schemas.microsoft.com/office/drawing/2014/main" xmlns="" id="{3278A82F-5546-4977-9F75-2A933B415945}"/>
               </a:ext>
             </a:extLst>
           </p:cNvPr>
@@ -12151,7 +12151,7 @@
           <p:cNvPr id="21" name="Slide Body Text">
             <a:extLst>
               <a:ext uri="{FF2B5EF4-FFF2-40B4-BE49-F238E27FC236}">
-                <a16:creationId xmlns:a16="http://schemas.microsoft.com/office/drawing/2014/main" id="{04F318BE-2BAD-4677-871C-D78A4BF0CBA6}"/>
+                <a16:creationId xmlns:a16="http://schemas.microsoft.com/office/drawing/2014/main" xmlns="" id="{04F318BE-2BAD-4677-871C-D78A4BF0CBA6}"/>
               </a:ext>
             </a:extLst>
           </p:cNvPr>
@@ -12198,7 +12198,7 @@
           <p:cNvPr id="9" name="Rectangle Top">
             <a:extLst>
               <a:ext uri="{FF2B5EF4-FFF2-40B4-BE49-F238E27FC236}">
-                <a16:creationId xmlns:a16="http://schemas.microsoft.com/office/drawing/2014/main" id="{A15CE03A-0933-4E5D-9EA1-718D4F802FFC}"/>
+                <a16:creationId xmlns:a16="http://schemas.microsoft.com/office/drawing/2014/main" xmlns="" id="{A15CE03A-0933-4E5D-9EA1-718D4F802FFC}"/>
               </a:ext>
             </a:extLst>
           </p:cNvPr>
@@ -12279,7 +12279,7 @@
           <p:cNvPr id="10" name="Logo Software University" descr="Software University logo">
             <a:extLst>
               <a:ext uri="{FF2B5EF4-FFF2-40B4-BE49-F238E27FC236}">
-                <a16:creationId xmlns:a16="http://schemas.microsoft.com/office/drawing/2014/main" id="{8C01D7AF-7CBD-46E1-99F3-8EB60E838D91}"/>
+                <a16:creationId xmlns:a16="http://schemas.microsoft.com/office/drawing/2014/main" xmlns="" id="{8C01D7AF-7CBD-46E1-99F3-8EB60E838D91}"/>
               </a:ext>
             </a:extLst>
           </p:cNvPr>
@@ -12292,7 +12292,7 @@
           <a:blip r:embed="rId2" cstate="print">
             <a:extLst>
               <a:ext uri="{28A0092B-C50C-407E-A947-70E740481C1C}">
-                <a14:useLocalDpi xmlns:a14="http://schemas.microsoft.com/office/drawing/2010/main" val="0"/>
+                <a14:useLocalDpi xmlns:a14="http://schemas.microsoft.com/office/drawing/2010/main" xmlns="" val="0"/>
               </a:ext>
             </a:extLst>
           </a:blip>
@@ -12315,7 +12315,7 @@
           <p:cNvPr id="11" name="Slide Title">
             <a:extLst>
               <a:ext uri="{FF2B5EF4-FFF2-40B4-BE49-F238E27FC236}">
-                <a16:creationId xmlns:a16="http://schemas.microsoft.com/office/drawing/2014/main" id="{47D60833-F0A9-4F29-8C06-A963A7C8BE93}"/>
+                <a16:creationId xmlns:a16="http://schemas.microsoft.com/office/drawing/2014/main" xmlns="" id="{47D60833-F0A9-4F29-8C06-A963A7C8BE93}"/>
               </a:ext>
             </a:extLst>
           </p:cNvPr>
@@ -12354,18 +12354,18 @@
     </p:spTree>
     <p:extLst>
       <p:ext uri="{BB962C8B-B14F-4D97-AF65-F5344CB8AC3E}">
-        <p14:creationId xmlns:p14="http://schemas.microsoft.com/office/powerpoint/2010/main" val="1000829826"/>
+        <p14:creationId xmlns:p14="http://schemas.microsoft.com/office/powerpoint/2010/main" xmlns="" val="1000829826"/>
       </p:ext>
     </p:extLst>
   </p:cSld>
   <p:clrMapOvr>
     <a:masterClrMapping/>
   </p:clrMapOvr>
-  <mc:AlternateContent xmlns:mc="http://schemas.openxmlformats.org/markup-compatibility/2006" xmlns:p14="http://schemas.microsoft.com/office/powerpoint/2010/main">
-    <mc:Choice Requires="p14">
+  <mc:AlternateContent xmlns:mc="http://schemas.openxmlformats.org/markup-compatibility/2006">
+    <mc:Choice xmlns:p14="http://schemas.microsoft.com/office/powerpoint/2010/main" xmlns="" Requires="p14">
       <p:transition spd="slow" p14:dur="2000" advClick="0" advTm="5000"/>
     </mc:Choice>
-    <mc:Fallback xmlns="">
+    <mc:Fallback>
       <p:transition spd="slow" advClick="0" advTm="5000"/>
     </mc:Fallback>
   </mc:AlternateContent>
@@ -12394,7 +12394,7 @@
           <p:cNvPr id="10" name="Slide Number">
             <a:extLst>
               <a:ext uri="{FF2B5EF4-FFF2-40B4-BE49-F238E27FC236}">
-                <a16:creationId xmlns:a16="http://schemas.microsoft.com/office/drawing/2014/main" id="{39DDE17E-5472-41F3-AF5F-54DFF10DC63C}"/>
+                <a16:creationId xmlns:a16="http://schemas.microsoft.com/office/drawing/2014/main" xmlns="" id="{39DDE17E-5472-41F3-AF5F-54DFF10DC63C}"/>
               </a:ext>
             </a:extLst>
           </p:cNvPr>
@@ -12436,7 +12436,7 @@
           <p:cNvPr id="9" name="Picture SoftUni Mascot" descr="SoftUni mascot with laptop">
             <a:extLst>
               <a:ext uri="{FF2B5EF4-FFF2-40B4-BE49-F238E27FC236}">
-                <a16:creationId xmlns:a16="http://schemas.microsoft.com/office/drawing/2014/main" id="{DC4365F6-D2C1-47B4-8477-38FD2C7711AA}"/>
+                <a16:creationId xmlns:a16="http://schemas.microsoft.com/office/drawing/2014/main" xmlns="" id="{DC4365F6-D2C1-47B4-8477-38FD2C7711AA}"/>
               </a:ext>
             </a:extLst>
           </p:cNvPr>
@@ -12449,7 +12449,7 @@
           <a:blip r:embed="rId2" cstate="print">
             <a:extLst>
               <a:ext uri="{28A0092B-C50C-407E-A947-70E740481C1C}">
-                <a14:useLocalDpi xmlns:a14="http://schemas.microsoft.com/office/drawing/2010/main" val="0"/>
+                <a14:useLocalDpi xmlns:a14="http://schemas.microsoft.com/office/drawing/2010/main" xmlns="" val="0"/>
               </a:ext>
             </a:extLst>
           </a:blip>
@@ -12472,7 +12472,7 @@
           <p:cNvPr id="23" name="Slide Body Text">
             <a:extLst>
               <a:ext uri="{FF2B5EF4-FFF2-40B4-BE49-F238E27FC236}">
-                <a16:creationId xmlns:a16="http://schemas.microsoft.com/office/drawing/2014/main" id="{889D93F4-ABFA-46BF-8E5D-FE6562ACB20F}"/>
+                <a16:creationId xmlns:a16="http://schemas.microsoft.com/office/drawing/2014/main" xmlns="" id="{889D93F4-ABFA-46BF-8E5D-FE6562ACB20F}"/>
               </a:ext>
             </a:extLst>
           </p:cNvPr>
@@ -12563,7 +12563,7 @@
           <p:cNvPr id="8" name="Rectangle Top">
             <a:extLst>
               <a:ext uri="{FF2B5EF4-FFF2-40B4-BE49-F238E27FC236}">
-                <a16:creationId xmlns:a16="http://schemas.microsoft.com/office/drawing/2014/main" id="{930E0800-9260-4369-8330-8264DD33C5CE}"/>
+                <a16:creationId xmlns:a16="http://schemas.microsoft.com/office/drawing/2014/main" xmlns="" id="{930E0800-9260-4369-8330-8264DD33C5CE}"/>
               </a:ext>
             </a:extLst>
           </p:cNvPr>
@@ -12644,7 +12644,7 @@
           <p:cNvPr id="11" name="Logo Software University" descr="Software University logo">
             <a:extLst>
               <a:ext uri="{FF2B5EF4-FFF2-40B4-BE49-F238E27FC236}">
-                <a16:creationId xmlns:a16="http://schemas.microsoft.com/office/drawing/2014/main" id="{14F779A7-4A91-448B-BEFA-956C70A1C22F}"/>
+                <a16:creationId xmlns:a16="http://schemas.microsoft.com/office/drawing/2014/main" xmlns="" id="{14F779A7-4A91-448B-BEFA-956C70A1C22F}"/>
               </a:ext>
             </a:extLst>
           </p:cNvPr>
@@ -12657,7 +12657,7 @@
           <a:blip r:embed="rId3" cstate="print">
             <a:extLst>
               <a:ext uri="{28A0092B-C50C-407E-A947-70E740481C1C}">
-                <a14:useLocalDpi xmlns:a14="http://schemas.microsoft.com/office/drawing/2010/main" val="0"/>
+                <a14:useLocalDpi xmlns:a14="http://schemas.microsoft.com/office/drawing/2010/main" xmlns="" val="0"/>
               </a:ext>
             </a:extLst>
           </a:blip>
@@ -12680,7 +12680,7 @@
           <p:cNvPr id="13" name="Slide Title">
             <a:extLst>
               <a:ext uri="{FF2B5EF4-FFF2-40B4-BE49-F238E27FC236}">
-                <a16:creationId xmlns:a16="http://schemas.microsoft.com/office/drawing/2014/main" id="{357D7BE1-6358-42CC-94F3-7BCDD91DCB6D}"/>
+                <a16:creationId xmlns:a16="http://schemas.microsoft.com/office/drawing/2014/main" xmlns="" id="{357D7BE1-6358-42CC-94F3-7BCDD91DCB6D}"/>
               </a:ext>
             </a:extLst>
           </p:cNvPr>
@@ -12719,18 +12719,18 @@
     </p:spTree>
     <p:extLst>
       <p:ext uri="{BB962C8B-B14F-4D97-AF65-F5344CB8AC3E}">
-        <p14:creationId xmlns:p14="http://schemas.microsoft.com/office/powerpoint/2010/main" val="1028724482"/>
+        <p14:creationId xmlns:p14="http://schemas.microsoft.com/office/powerpoint/2010/main" xmlns="" val="1028724482"/>
       </p:ext>
     </p:extLst>
   </p:cSld>
   <p:clrMapOvr>
     <a:masterClrMapping/>
   </p:clrMapOvr>
-  <mc:AlternateContent xmlns:mc="http://schemas.openxmlformats.org/markup-compatibility/2006" xmlns:p14="http://schemas.microsoft.com/office/powerpoint/2010/main">
-    <mc:Choice Requires="p14">
+  <mc:AlternateContent xmlns:mc="http://schemas.openxmlformats.org/markup-compatibility/2006">
+    <mc:Choice xmlns:p14="http://schemas.microsoft.com/office/powerpoint/2010/main" xmlns="" Requires="p14">
       <p:transition spd="slow" p14:dur="2000" advClick="0" advTm="5000"/>
     </mc:Choice>
-    <mc:Fallback xmlns="">
+    <mc:Fallback>
       <p:transition spd="slow" advClick="0" advTm="5000"/>
     </mc:Fallback>
   </mc:AlternateContent>
@@ -12839,7 +12839,7 @@
           <p:cNvPr id="11" name="Slide Number">
             <a:extLst>
               <a:ext uri="{FF2B5EF4-FFF2-40B4-BE49-F238E27FC236}">
-                <a16:creationId xmlns:a16="http://schemas.microsoft.com/office/drawing/2014/main" id="{6750ECE4-94E0-469B-B8E4-562792823B0F}"/>
+                <a16:creationId xmlns:a16="http://schemas.microsoft.com/office/drawing/2014/main" xmlns="" id="{6750ECE4-94E0-469B-B8E4-562792823B0F}"/>
               </a:ext>
             </a:extLst>
           </p:cNvPr>
@@ -12962,7 +12962,7 @@
           <p:cNvPr id="12" name="Logo Software University Down" descr="Software University logo">
             <a:extLst>
               <a:ext uri="{FF2B5EF4-FFF2-40B4-BE49-F238E27FC236}">
-                <a16:creationId xmlns:a16="http://schemas.microsoft.com/office/drawing/2014/main" id="{7028D2F0-1E67-414B-A93D-D3F8F131A132}"/>
+                <a16:creationId xmlns:a16="http://schemas.microsoft.com/office/drawing/2014/main" xmlns="" id="{7028D2F0-1E67-414B-A93D-D3F8F131A132}"/>
               </a:ext>
             </a:extLst>
           </p:cNvPr>
@@ -12975,7 +12975,7 @@
           <a:blip r:embed="rId2" cstate="print">
             <a:extLst>
               <a:ext uri="{28A0092B-C50C-407E-A947-70E740481C1C}">
-                <a14:useLocalDpi xmlns:a14="http://schemas.microsoft.com/office/drawing/2010/main" val="0"/>
+                <a14:useLocalDpi xmlns:a14="http://schemas.microsoft.com/office/drawing/2010/main" xmlns="" val="0"/>
               </a:ext>
             </a:extLst>
           </a:blip>
@@ -12998,7 +12998,7 @@
           <p:cNvPr id="10" name="Text Placeholder Right">
             <a:extLst>
               <a:ext uri="{FF2B5EF4-FFF2-40B4-BE49-F238E27FC236}">
-                <a16:creationId xmlns:a16="http://schemas.microsoft.com/office/drawing/2014/main" id="{AF69A59F-C564-4A04-B1CC-31C261499991}"/>
+                <a16:creationId xmlns:a16="http://schemas.microsoft.com/office/drawing/2014/main" xmlns="" id="{AF69A59F-C564-4A04-B1CC-31C261499991}"/>
               </a:ext>
             </a:extLst>
           </p:cNvPr>
@@ -13076,7 +13076,7 @@
           <p:cNvPr id="9" name="Text Placeholder Left">
             <a:extLst>
               <a:ext uri="{FF2B5EF4-FFF2-40B4-BE49-F238E27FC236}">
-                <a16:creationId xmlns:a16="http://schemas.microsoft.com/office/drawing/2014/main" id="{C8A626D2-456B-41EF-9818-EA8DD7E314DA}"/>
+                <a16:creationId xmlns:a16="http://schemas.microsoft.com/office/drawing/2014/main" xmlns="" id="{C8A626D2-456B-41EF-9818-EA8DD7E314DA}"/>
               </a:ext>
             </a:extLst>
           </p:cNvPr>
@@ -13154,7 +13154,7 @@
           <p:cNvPr id="13" name="Rectangle Top">
             <a:extLst>
               <a:ext uri="{FF2B5EF4-FFF2-40B4-BE49-F238E27FC236}">
-                <a16:creationId xmlns:a16="http://schemas.microsoft.com/office/drawing/2014/main" id="{E03301DA-D0AF-46FD-8740-2F761250203A}"/>
+                <a16:creationId xmlns:a16="http://schemas.microsoft.com/office/drawing/2014/main" xmlns="" id="{E03301DA-D0AF-46FD-8740-2F761250203A}"/>
               </a:ext>
             </a:extLst>
           </p:cNvPr>
@@ -13235,7 +13235,7 @@
           <p:cNvPr id="14" name="Logo Software University" descr="Software University logo">
             <a:extLst>
               <a:ext uri="{FF2B5EF4-FFF2-40B4-BE49-F238E27FC236}">
-                <a16:creationId xmlns:a16="http://schemas.microsoft.com/office/drawing/2014/main" id="{19A67BB9-D880-4EAD-B90E-89C4219BFC0B}"/>
+                <a16:creationId xmlns:a16="http://schemas.microsoft.com/office/drawing/2014/main" xmlns="" id="{19A67BB9-D880-4EAD-B90E-89C4219BFC0B}"/>
               </a:ext>
             </a:extLst>
           </p:cNvPr>
@@ -13248,7 +13248,7 @@
           <a:blip r:embed="rId3" cstate="print">
             <a:extLst>
               <a:ext uri="{28A0092B-C50C-407E-A947-70E740481C1C}">
-                <a14:useLocalDpi xmlns:a14="http://schemas.microsoft.com/office/drawing/2010/main" val="0"/>
+                <a14:useLocalDpi xmlns:a14="http://schemas.microsoft.com/office/drawing/2010/main" xmlns="" val="0"/>
               </a:ext>
             </a:extLst>
           </a:blip>
@@ -13271,7 +13271,7 @@
           <p:cNvPr id="15" name="Slide Title">
             <a:extLst>
               <a:ext uri="{FF2B5EF4-FFF2-40B4-BE49-F238E27FC236}">
-                <a16:creationId xmlns:a16="http://schemas.microsoft.com/office/drawing/2014/main" id="{EA9A94D1-F9F6-4D7B-85E3-896A987B6A4D}"/>
+                <a16:creationId xmlns:a16="http://schemas.microsoft.com/office/drawing/2014/main" xmlns="" id="{EA9A94D1-F9F6-4D7B-85E3-896A987B6A4D}"/>
               </a:ext>
             </a:extLst>
           </p:cNvPr>
@@ -13310,24 +13310,24 @@
     </p:spTree>
     <p:extLst>
       <p:ext uri="{BB962C8B-B14F-4D97-AF65-F5344CB8AC3E}">
-        <p14:creationId xmlns:p14="http://schemas.microsoft.com/office/powerpoint/2010/main" val="3044033461"/>
+        <p14:creationId xmlns:p14="http://schemas.microsoft.com/office/powerpoint/2010/main" xmlns="" val="3044033461"/>
       </p:ext>
     </p:extLst>
   </p:cSld>
   <p:clrMapOvr>
     <a:masterClrMapping/>
   </p:clrMapOvr>
-  <mc:AlternateContent xmlns:mc="http://schemas.openxmlformats.org/markup-compatibility/2006" xmlns:p14="http://schemas.microsoft.com/office/powerpoint/2010/main">
-    <mc:Choice Requires="p14">
+  <mc:AlternateContent xmlns:mc="http://schemas.openxmlformats.org/markup-compatibility/2006">
+    <mc:Choice xmlns:p14="http://schemas.microsoft.com/office/powerpoint/2010/main" xmlns="" Requires="p14">
       <p:transition spd="slow" p14:dur="2000" advClick="0" advTm="5000"/>
     </mc:Choice>
-    <mc:Fallback xmlns="">
+    <mc:Fallback>
       <p:transition spd="slow" advClick="0" advTm="5000"/>
     </mc:Fallback>
   </mc:AlternateContent>
   <p:extLst>
     <p:ext uri="{DCECCB84-F9BA-43D5-87BE-67443E8EF086}">
-      <p15:sldGuideLst xmlns:p15="http://schemas.microsoft.com/office/powerpoint/2012/main">
+      <p15:sldGuideLst xmlns:p15="http://schemas.microsoft.com/office/powerpoint/2012/main" xmlns="">
         <p15:guide id="1" orient="horz" pos="2160">
           <p15:clr>
             <a:srgbClr val="FBAE40"/>
@@ -13374,7 +13374,7 @@
           <p:cNvPr id="4" name="Picture Background" descr="SoftUni Background">
             <a:extLst>
               <a:ext uri="{FF2B5EF4-FFF2-40B4-BE49-F238E27FC236}">
-                <a16:creationId xmlns:a16="http://schemas.microsoft.com/office/drawing/2014/main" id="{5BE90A63-DDD9-4B3B-A234-DF69B9BC812F}"/>
+                <a16:creationId xmlns:a16="http://schemas.microsoft.com/office/drawing/2014/main" xmlns="" id="{5BE90A63-DDD9-4B3B-A234-DF69B9BC812F}"/>
               </a:ext>
             </a:extLst>
           </p:cNvPr>
@@ -13403,7 +13403,7 @@
           <p:cNvPr id="11" name="Slide Body Text">
             <a:extLst>
               <a:ext uri="{FF2B5EF4-FFF2-40B4-BE49-F238E27FC236}">
-                <a16:creationId xmlns:a16="http://schemas.microsoft.com/office/drawing/2014/main" id="{90CBFB32-9F46-4F2F-8A54-9EE8BED27855}"/>
+                <a16:creationId xmlns:a16="http://schemas.microsoft.com/office/drawing/2014/main" xmlns="" id="{90CBFB32-9F46-4F2F-8A54-9EE8BED27855}"/>
               </a:ext>
             </a:extLst>
           </p:cNvPr>
@@ -13471,7 +13471,7 @@
           <p:cNvPr id="10" name="Slide Title">
             <a:extLst>
               <a:ext uri="{FF2B5EF4-FFF2-40B4-BE49-F238E27FC236}">
-                <a16:creationId xmlns:a16="http://schemas.microsoft.com/office/drawing/2014/main" id="{B770C392-3003-4C35-9625-BB041F8257BA}"/>
+                <a16:creationId xmlns:a16="http://schemas.microsoft.com/office/drawing/2014/main" xmlns="" id="{B770C392-3003-4C35-9625-BB041F8257BA}"/>
               </a:ext>
             </a:extLst>
           </p:cNvPr>
@@ -13508,7 +13508,7 @@
     </p:spTree>
     <p:extLst>
       <p:ext uri="{BB962C8B-B14F-4D97-AF65-F5344CB8AC3E}">
-        <p14:creationId xmlns:p14="http://schemas.microsoft.com/office/powerpoint/2010/main" val="156789181"/>
+        <p14:creationId xmlns:p14="http://schemas.microsoft.com/office/powerpoint/2010/main" xmlns="" val="156789181"/>
       </p:ext>
     </p:extLst>
   </p:cSld>
@@ -13531,11 +13531,11 @@
     <p:sldLayoutId id="2147483695" r:id="rId15"/>
     <p:sldLayoutId id="2147483696" r:id="rId16"/>
   </p:sldLayoutIdLst>
-  <mc:AlternateContent xmlns:mc="http://schemas.openxmlformats.org/markup-compatibility/2006" xmlns:p14="http://schemas.microsoft.com/office/powerpoint/2010/main">
-    <mc:Choice Requires="p14">
+  <mc:AlternateContent xmlns:mc="http://schemas.openxmlformats.org/markup-compatibility/2006">
+    <mc:Choice xmlns:p14="http://schemas.microsoft.com/office/powerpoint/2010/main" xmlns="" Requires="p14">
       <p:transition spd="slow" p14:dur="2000" advClick="0" advTm="5000"/>
     </mc:Choice>
-    <mc:Fallback xmlns="">
+    <mc:Fallback>
       <p:transition spd="slow" advClick="0" advTm="5000"/>
     </mc:Fallback>
   </mc:AlternateContent>
@@ -13822,7 +13822,7 @@
   </p:txStyles>
   <p:extLst>
     <p:ext uri="{27BBF7A9-308A-43DC-89C8-2F10F3537804}">
-      <p15:sldGuideLst xmlns:p15="http://schemas.microsoft.com/office/powerpoint/2012/main">
+      <p15:sldGuideLst xmlns:p15="http://schemas.microsoft.com/office/powerpoint/2012/main" xmlns="">
         <p15:guide id="1" orient="horz" pos="2160">
           <p15:clr>
             <a:srgbClr val="F26B43"/>
@@ -13918,7 +13918,7 @@
           <p:cNvPr id="10" name="Author Position">
             <a:extLst>
               <a:ext uri="{FF2B5EF4-FFF2-40B4-BE49-F238E27FC236}">
-                <a16:creationId xmlns:a16="http://schemas.microsoft.com/office/drawing/2014/main" id="{F585BC4C-0F13-4FD4-8F23-99FD46618370}"/>
+                <a16:creationId xmlns:a16="http://schemas.microsoft.com/office/drawing/2014/main" xmlns="" id="{F585BC4C-0F13-4FD4-8F23-99FD46618370}"/>
               </a:ext>
             </a:extLst>
           </p:cNvPr>
@@ -13951,7 +13951,7 @@
           <p:cNvPr id="9" name="Author Name">
             <a:extLst>
               <a:ext uri="{FF2B5EF4-FFF2-40B4-BE49-F238E27FC236}">
-                <a16:creationId xmlns:a16="http://schemas.microsoft.com/office/drawing/2014/main" id="{FA396BB6-2053-4690-9672-BC528007D370}"/>
+                <a16:creationId xmlns:a16="http://schemas.microsoft.com/office/drawing/2014/main" xmlns="" id="{FA396BB6-2053-4690-9672-BC528007D370}"/>
               </a:ext>
             </a:extLst>
           </p:cNvPr>
@@ -13984,7 +13984,7 @@
           <p:cNvPr id="3" name="Presentation Subtitle">
             <a:extLst>
               <a:ext uri="{FF2B5EF4-FFF2-40B4-BE49-F238E27FC236}">
-                <a16:creationId xmlns:a16="http://schemas.microsoft.com/office/drawing/2014/main" id="{A004DC04-DA2A-41C0-8578-4B8D2F08EA7D}"/>
+                <a16:creationId xmlns:a16="http://schemas.microsoft.com/office/drawing/2014/main" xmlns="" id="{A004DC04-DA2A-41C0-8578-4B8D2F08EA7D}"/>
               </a:ext>
             </a:extLst>
           </p:cNvPr>
@@ -14020,7 +14020,7 @@
           <p:cNvPr id="16" name="Title 15">
             <a:extLst>
               <a:ext uri="{FF2B5EF4-FFF2-40B4-BE49-F238E27FC236}">
-                <a16:creationId xmlns:a16="http://schemas.microsoft.com/office/drawing/2014/main" id="{09D526E5-16F9-CDC3-F025-1D308EB5C234}"/>
+                <a16:creationId xmlns:a16="http://schemas.microsoft.com/office/drawing/2014/main" xmlns="" id="{09D526E5-16F9-CDC3-F025-1D308EB5C234}"/>
               </a:ext>
             </a:extLst>
           </p:cNvPr>
@@ -14084,18 +14084,18 @@
     </p:spTree>
     <p:extLst>
       <p:ext uri="{BB962C8B-B14F-4D97-AF65-F5344CB8AC3E}">
-        <p14:creationId xmlns:p14="http://schemas.microsoft.com/office/powerpoint/2010/main" val="3666405375"/>
+        <p14:creationId xmlns:p14="http://schemas.microsoft.com/office/powerpoint/2010/main" xmlns="" val="3666405375"/>
       </p:ext>
     </p:extLst>
   </p:cSld>
   <p:clrMapOvr>
     <a:masterClrMapping/>
   </p:clrMapOvr>
-  <mc:AlternateContent xmlns:mc="http://schemas.openxmlformats.org/markup-compatibility/2006" xmlns:p14="http://schemas.microsoft.com/office/powerpoint/2010/main">
-    <mc:Choice Requires="p14">
+  <mc:AlternateContent xmlns:mc="http://schemas.openxmlformats.org/markup-compatibility/2006">
+    <mc:Choice xmlns:p14="http://schemas.microsoft.com/office/powerpoint/2010/main" xmlns="" Requires="p14">
       <p:transition spd="slow" p14:dur="2000" advClick="0" advTm="5000"/>
     </mc:Choice>
-    <mc:Fallback xmlns="">
+    <mc:Fallback>
       <p:transition spd="slow" advClick="0" advTm="5000"/>
     </mc:Fallback>
   </mc:AlternateContent>
@@ -14448,11 +14448,11 @@
   <p:clrMapOvr>
     <a:masterClrMapping/>
   </p:clrMapOvr>
-  <mc:AlternateContent xmlns:mc="http://schemas.openxmlformats.org/markup-compatibility/2006" xmlns:p14="http://schemas.microsoft.com/office/powerpoint/2010/main">
-    <mc:Choice Requires="p14">
+  <mc:AlternateContent xmlns:mc="http://schemas.openxmlformats.org/markup-compatibility/2006">
+    <mc:Choice xmlns:p14="http://schemas.microsoft.com/office/powerpoint/2010/main" xmlns="" Requires="p14">
       <p:transition spd="slow" p14:dur="2000" advClick="0" advTm="5000"/>
     </mc:Choice>
-    <mc:Fallback xmlns="">
+    <mc:Fallback>
       <p:transition spd="slow" advClick="0" advTm="5000"/>
     </mc:Fallback>
   </mc:AlternateContent>
@@ -14693,7 +14693,13 @@
               <a:t>натиснете </a:t>
             </a:r>
             <a:r>
-              <a:rPr lang="en-US" sz="3500" b="1" dirty="0">
+              <a:rPr lang="en-US" sz="3500" dirty="0" smtClean="0">
+                <a:latin typeface="Consolas" pitchFamily="49" charset="0"/>
+              </a:rPr>
+              <a:t>[</a:t>
+            </a:r>
+            <a:r>
+              <a:rPr lang="en-US" sz="3500" b="1" dirty="0" smtClean="0">
                 <a:solidFill>
                   <a:schemeClr val="bg1"/>
                 </a:solidFill>
@@ -14701,6 +14707,18 @@
               </a:rPr>
               <a:t>Click to Add</a:t>
             </a:r>
+            <a:r>
+              <a:rPr lang="en-US" sz="3500" dirty="0" smtClean="0">
+                <a:latin typeface="Consolas" pitchFamily="49" charset="0"/>
+              </a:rPr>
+              <a:t>]</a:t>
+            </a:r>
+            <a:endParaRPr lang="en-US" sz="3500" b="1" dirty="0">
+              <a:solidFill>
+                <a:schemeClr val="bg1"/>
+              </a:solidFill>
+              <a:latin typeface="Consolas" pitchFamily="49" charset="0"/>
+            </a:endParaRPr>
           </a:p>
           <a:p>
             <a:r>
@@ -14897,7 +14915,13 @@
               <a:t> и изберете </a:t>
             </a:r>
             <a:r>
-              <a:rPr lang="en-US" sz="3500" b="1" dirty="0">
+              <a:rPr lang="en-US" sz="3500" dirty="0" smtClean="0">
+                <a:latin typeface="Consolas" pitchFamily="49" charset="0"/>
+              </a:rPr>
+              <a:t>[</a:t>
+            </a:r>
+            <a:r>
+              <a:rPr lang="en-US" sz="3500" b="1" dirty="0" smtClean="0">
                 <a:solidFill>
                   <a:schemeClr val="bg1"/>
                 </a:solidFill>
@@ -14906,17 +14930,23 @@
               <a:t>Rename</a:t>
             </a:r>
             <a:r>
-              <a:rPr lang="en-US" sz="3500" b="1" dirty="0"/>
+              <a:rPr lang="en-US" sz="3500" b="1" dirty="0" smtClean="0"/>
               <a:t> </a:t>
             </a:r>
             <a:r>
-              <a:rPr lang="en-US" sz="3500" b="1" dirty="0">
+              <a:rPr lang="en-US" sz="3500" b="1" dirty="0" smtClean="0">
                 <a:solidFill>
                   <a:schemeClr val="bg1"/>
                 </a:solidFill>
                 <a:latin typeface="Consolas" pitchFamily="49" charset="0"/>
               </a:rPr>
               <a:t>Field</a:t>
+            </a:r>
+            <a:r>
+              <a:rPr lang="en-US" sz="3500" dirty="0" smtClean="0">
+                <a:latin typeface="Consolas" pitchFamily="49" charset="0"/>
+              </a:rPr>
+              <a:t>]</a:t>
             </a:r>
             <a:endParaRPr lang="ru-RU" sz="3500" dirty="0"/>
           </a:p>
@@ -14986,11 +15016,11 @@
   <p:clrMapOvr>
     <a:masterClrMapping/>
   </p:clrMapOvr>
-  <mc:AlternateContent xmlns:mc="http://schemas.openxmlformats.org/markup-compatibility/2006" xmlns:p14="http://schemas.microsoft.com/office/powerpoint/2010/main">
-    <mc:Choice Requires="p14">
+  <mc:AlternateContent xmlns:mc="http://schemas.openxmlformats.org/markup-compatibility/2006">
+    <mc:Choice xmlns:p14="http://schemas.microsoft.com/office/powerpoint/2010/main" xmlns="" Requires="p14">
       <p:transition spd="slow" p14:dur="2000" advClick="0" advTm="5000"/>
     </mc:Choice>
-    <mc:Fallback xmlns="">
+    <mc:Fallback>
       <p:transition spd="slow" advClick="0" advTm="5000"/>
     </mc:Fallback>
   </mc:AlternateContent>
@@ -15334,25 +15364,46 @@
               <a:t>Натиснете </a:t>
             </a:r>
             <a:r>
-              <a:rPr lang="en-US" sz="3200" b="1" dirty="0">
-                <a:solidFill>
-                  <a:schemeClr val="bg1"/>
-                </a:solidFill>
+              <a:rPr lang="en-US" sz="3200" dirty="0" smtClean="0">
                 <a:latin typeface="Consolas" pitchFamily="49" charset="0"/>
               </a:rPr>
-              <a:t>Click to Add</a:t>
-            </a:r>
-            <a:r>
-              <a:rPr lang="bg-BG" sz="3200" b="1" dirty="0">
+              <a:t>[</a:t>
+            </a:r>
+            <a:r>
+              <a:rPr lang="en-US" sz="3200" b="1" dirty="0" smtClean="0">
                 <a:solidFill>
                   <a:schemeClr val="bg1"/>
                 </a:solidFill>
+                <a:latin typeface="Consolas" pitchFamily="49" charset="0"/>
               </a:rPr>
+              <a:t>Click to </a:t>
+            </a:r>
+            <a:r>
+              <a:rPr lang="en-US" sz="3200" b="1" dirty="0" smtClean="0">
+                <a:solidFill>
+                  <a:schemeClr val="bg1"/>
+                </a:solidFill>
+                <a:latin typeface="Consolas" pitchFamily="49" charset="0"/>
+              </a:rPr>
+              <a:t>Add</a:t>
+            </a:r>
+            <a:r>
+              <a:rPr lang="en-US" sz="3200" dirty="0" smtClean="0">
+                <a:latin typeface="Consolas" pitchFamily="49" charset="0"/>
+              </a:rPr>
+              <a:t>]</a:t>
+            </a:r>
+            <a:r>
+              <a:rPr lang="en-US" sz="3200" dirty="0" smtClean="0"/>
               <a:t> </a:t>
             </a:r>
             <a:r>
+              <a:rPr lang="bg-BG" dirty="0" smtClean="0"/>
+              <a:t>и </a:t>
+            </a:r>
+            <a:r>
               <a:rPr lang="bg-BG" dirty="0"/>
-              <a:t>и от </a:t>
+              <a:t>от </a:t>
             </a:r>
             <a:r>
               <a:rPr lang="bg-BG" b="1" dirty="0">
@@ -15661,11 +15712,11 @@
   <p:clrMapOvr>
     <a:masterClrMapping/>
   </p:clrMapOvr>
-  <mc:AlternateContent xmlns:mc="http://schemas.openxmlformats.org/markup-compatibility/2006" xmlns:p14="http://schemas.microsoft.com/office/powerpoint/2010/main">
-    <mc:Choice Requires="p14">
+  <mc:AlternateContent xmlns:mc="http://schemas.openxmlformats.org/markup-compatibility/2006">
+    <mc:Choice xmlns:p14="http://schemas.microsoft.com/office/powerpoint/2010/main" xmlns="" Requires="p14">
       <p:transition spd="slow" p14:dur="2000" advClick="0" advTm="5000"/>
     </mc:Choice>
-    <mc:Fallback xmlns="">
+    <mc:Fallback>
       <p:transition spd="slow" advClick="0" advTm="5000"/>
     </mc:Fallback>
   </mc:AlternateContent>
@@ -16146,11 +16197,11 @@
   <p:clrMapOvr>
     <a:masterClrMapping/>
   </p:clrMapOvr>
-  <mc:AlternateContent xmlns:mc="http://schemas.openxmlformats.org/markup-compatibility/2006" xmlns:p14="http://schemas.microsoft.com/office/powerpoint/2010/main">
-    <mc:Choice Requires="p14">
+  <mc:AlternateContent xmlns:mc="http://schemas.openxmlformats.org/markup-compatibility/2006">
+    <mc:Choice xmlns:p14="http://schemas.microsoft.com/office/powerpoint/2010/main" xmlns="" Requires="p14">
       <p:transition spd="slow" p14:dur="2000" advClick="0" advTm="5000"/>
     </mc:Choice>
-    <mc:Fallback xmlns="">
+    <mc:Fallback>
       <p:transition spd="slow" advClick="0" advTm="5000"/>
     </mc:Fallback>
   </mc:AlternateContent>
@@ -16329,11 +16380,11 @@
   <p:clrMapOvr>
     <a:masterClrMapping/>
   </p:clrMapOvr>
-  <mc:AlternateContent xmlns:mc="http://schemas.openxmlformats.org/markup-compatibility/2006" xmlns:p14="http://schemas.microsoft.com/office/powerpoint/2010/main">
-    <mc:Choice Requires="p14">
+  <mc:AlternateContent xmlns:mc="http://schemas.openxmlformats.org/markup-compatibility/2006">
+    <mc:Choice xmlns:p14="http://schemas.microsoft.com/office/powerpoint/2010/main" xmlns="" Requires="p14">
       <p:transition spd="slow" p14:dur="2000" advClick="0" advTm="5000"/>
     </mc:Choice>
-    <mc:Fallback xmlns="">
+    <mc:Fallback>
       <p:transition spd="slow" advClick="0" advTm="5000"/>
     </mc:Fallback>
   </mc:AlternateContent>
@@ -16628,11 +16679,11 @@
   <p:clrMapOvr>
     <a:masterClrMapping/>
   </p:clrMapOvr>
-  <mc:AlternateContent xmlns:mc="http://schemas.openxmlformats.org/markup-compatibility/2006" xmlns:p14="http://schemas.microsoft.com/office/powerpoint/2010/main">
-    <mc:Choice Requires="p14">
+  <mc:AlternateContent xmlns:mc="http://schemas.openxmlformats.org/markup-compatibility/2006">
+    <mc:Choice xmlns:p14="http://schemas.microsoft.com/office/powerpoint/2010/main" xmlns="" Requires="p14">
       <p:transition spd="slow" p14:dur="2000" advClick="0" advTm="5000"/>
     </mc:Choice>
-    <mc:Fallback xmlns="">
+    <mc:Fallback>
       <p:transition spd="slow" advClick="0" advTm="5000"/>
     </mc:Fallback>
   </mc:AlternateContent>
@@ -17321,11 +17372,11 @@
   <p:clrMapOvr>
     <a:masterClrMapping/>
   </p:clrMapOvr>
-  <mc:AlternateContent xmlns:mc="http://schemas.openxmlformats.org/markup-compatibility/2006" xmlns:p14="http://schemas.microsoft.com/office/powerpoint/2010/main">
-    <mc:Choice Requires="p14">
+  <mc:AlternateContent xmlns:mc="http://schemas.openxmlformats.org/markup-compatibility/2006">
+    <mc:Choice xmlns:p14="http://schemas.microsoft.com/office/powerpoint/2010/main" xmlns="" Requires="p14">
       <p:transition spd="slow" p14:dur="2000" advClick="0" advTm="5000"/>
     </mc:Choice>
-    <mc:Fallback xmlns="">
+    <mc:Fallback>
       <p:transition spd="slow" advClick="0" advTm="5000"/>
     </mc:Fallback>
   </mc:AlternateContent>
@@ -17554,7 +17605,13 @@
               <a:t>Натиснете </a:t>
             </a:r>
             <a:r>
-              <a:rPr lang="en-US" b="1" dirty="0">
+              <a:rPr lang="en-US" sz="3400" dirty="0" smtClean="0">
+                <a:latin typeface="Consolas" pitchFamily="49" charset="0"/>
+              </a:rPr>
+              <a:t>[</a:t>
+            </a:r>
+            <a:r>
+              <a:rPr lang="en-US" sz="3400" b="1" dirty="0" smtClean="0">
                 <a:solidFill>
                   <a:schemeClr val="bg1"/>
                 </a:solidFill>
@@ -17563,11 +17620,23 @@
               <a:t>File</a:t>
             </a:r>
             <a:r>
-              <a:rPr lang="en-US" dirty="0"/>
+              <a:rPr lang="en-US" sz="3400" dirty="0" smtClean="0">
+                <a:latin typeface="Consolas" pitchFamily="49" charset="0"/>
+              </a:rPr>
+              <a:t>]</a:t>
+            </a:r>
+            <a:r>
+              <a:rPr lang="en-US" sz="3400" dirty="0"/>
               <a:t> &gt; </a:t>
             </a:r>
             <a:r>
-              <a:rPr lang="en-US" b="1" dirty="0">
+              <a:rPr lang="en-US" sz="3400" dirty="0" smtClean="0">
+                <a:latin typeface="Consolas" pitchFamily="49" charset="0"/>
+              </a:rPr>
+              <a:t>[</a:t>
+            </a:r>
+            <a:r>
+              <a:rPr lang="en-US" sz="3400" b="1" dirty="0" smtClean="0">
                 <a:solidFill>
                   <a:schemeClr val="bg1"/>
                 </a:solidFill>
@@ -17575,6 +17644,18 @@
               </a:rPr>
               <a:t>Open</a:t>
             </a:r>
+            <a:r>
+              <a:rPr lang="en-US" sz="3400" dirty="0" smtClean="0">
+                <a:latin typeface="Consolas" pitchFamily="49" charset="0"/>
+              </a:rPr>
+              <a:t>] </a:t>
+            </a:r>
+            <a:endParaRPr lang="en-US" sz="3400" b="1" dirty="0">
+              <a:solidFill>
+                <a:schemeClr val="bg1"/>
+              </a:solidFill>
+              <a:latin typeface="Consolas" pitchFamily="49" charset="0"/>
+            </a:endParaRPr>
           </a:p>
           <a:p>
             <a:r>
@@ -17645,9 +17726,33 @@
             </a:r>
             <a:r>
               <a:rPr lang="bg-BG" dirty="0"/>
-              <a:t>натиснете върху един от наличните източници на данни</a:t>
-            </a:r>
-            <a:endParaRPr lang="en-US" dirty="0"/>
+              <a:t>натиснете върху един от наличните </a:t>
+            </a:r>
+            <a:r>
+              <a:rPr lang="bg-BG" b="1" dirty="0">
+                <a:solidFill>
+                  <a:schemeClr val="bg1"/>
+                </a:solidFill>
+              </a:rPr>
+              <a:t>източници</a:t>
+            </a:r>
+            <a:r>
+              <a:rPr lang="bg-BG" dirty="0"/>
+              <a:t> на </a:t>
+            </a:r>
+            <a:r>
+              <a:rPr lang="bg-BG" b="1" dirty="0">
+                <a:solidFill>
+                  <a:schemeClr val="bg1"/>
+                </a:solidFill>
+              </a:rPr>
+              <a:t>данни</a:t>
+            </a:r>
+            <a:endParaRPr lang="en-US" b="1" dirty="0">
+              <a:solidFill>
+                <a:schemeClr val="bg1"/>
+              </a:solidFill>
+            </a:endParaRPr>
           </a:p>
           <a:p>
             <a:endParaRPr lang="en-US" dirty="0"/>
@@ -17718,11 +17823,11 @@
   <p:clrMapOvr>
     <a:masterClrMapping/>
   </p:clrMapOvr>
-  <mc:AlternateContent xmlns:mc="http://schemas.openxmlformats.org/markup-compatibility/2006" xmlns:p14="http://schemas.microsoft.com/office/powerpoint/2010/main">
-    <mc:Choice Requires="p14">
+  <mc:AlternateContent xmlns:mc="http://schemas.openxmlformats.org/markup-compatibility/2006">
+    <mc:Choice xmlns:p14="http://schemas.microsoft.com/office/powerpoint/2010/main" xmlns="" Requires="p14">
       <p:transition spd="slow" p14:dur="2000" advClick="0" advTm="5000"/>
     </mc:Choice>
-    <mc:Fallback xmlns="">
+    <mc:Fallback>
       <p:transition spd="slow" advClick="0" advTm="5000"/>
     </mc:Fallback>
   </mc:AlternateContent>
@@ -18063,11 +18168,11 @@
   <p:clrMapOvr>
     <a:masterClrMapping/>
   </p:clrMapOvr>
-  <mc:AlternateContent xmlns:mc="http://schemas.openxmlformats.org/markup-compatibility/2006" xmlns:p14="http://schemas.microsoft.com/office/powerpoint/2010/main">
-    <mc:Choice Requires="p14">
+  <mc:AlternateContent xmlns:mc="http://schemas.openxmlformats.org/markup-compatibility/2006">
+    <mc:Choice xmlns:p14="http://schemas.microsoft.com/office/powerpoint/2010/main" xmlns="" Requires="p14">
       <p:transition spd="slow" p14:dur="2000" advClick="0" advTm="5000"/>
     </mc:Choice>
-    <mc:Fallback xmlns="">
+    <mc:Fallback>
       <p:transition spd="slow" advClick="0" advTm="5000"/>
     </mc:Fallback>
   </mc:AlternateContent>
@@ -18431,11 +18536,11 @@
   <p:clrMapOvr>
     <a:masterClrMapping/>
   </p:clrMapOvr>
-  <mc:AlternateContent xmlns:mc="http://schemas.openxmlformats.org/markup-compatibility/2006" xmlns:p14="http://schemas.microsoft.com/office/powerpoint/2010/main">
-    <mc:Choice Requires="p14">
+  <mc:AlternateContent xmlns:mc="http://schemas.openxmlformats.org/markup-compatibility/2006">
+    <mc:Choice xmlns:p14="http://schemas.microsoft.com/office/powerpoint/2010/main" xmlns="" Requires="p14">
       <p:transition spd="slow" p14:dur="2000" advClick="0" advTm="5000"/>
     </mc:Choice>
-    <mc:Fallback xmlns="">
+    <mc:Fallback>
       <p:transition spd="slow" advClick="0" advTm="5000"/>
     </mc:Fallback>
   </mc:AlternateContent>
@@ -18738,7 +18843,7 @@
           <p:cNvPr id="5" name="Slide Number">
             <a:extLst>
               <a:ext uri="{FF2B5EF4-FFF2-40B4-BE49-F238E27FC236}">
-                <a16:creationId xmlns:a16="http://schemas.microsoft.com/office/drawing/2014/main" id="{6A760D59-0056-4F39-B077-DBDBE3D2927E}"/>
+                <a16:creationId xmlns:a16="http://schemas.microsoft.com/office/drawing/2014/main" xmlns="" id="{6A760D59-0056-4F39-B077-DBDBE3D2927E}"/>
               </a:ext>
             </a:extLst>
           </p:cNvPr>
@@ -19209,18 +19314,18 @@
     </p:spTree>
     <p:extLst>
       <p:ext uri="{BB962C8B-B14F-4D97-AF65-F5344CB8AC3E}">
-        <p14:creationId xmlns:p14="http://schemas.microsoft.com/office/powerpoint/2010/main" val="1646986932"/>
+        <p14:creationId xmlns:p14="http://schemas.microsoft.com/office/powerpoint/2010/main" xmlns="" val="1646986932"/>
       </p:ext>
     </p:extLst>
   </p:cSld>
   <p:clrMapOvr>
     <a:masterClrMapping/>
   </p:clrMapOvr>
-  <mc:AlternateContent xmlns:mc="http://schemas.openxmlformats.org/markup-compatibility/2006" xmlns:p14="http://schemas.microsoft.com/office/powerpoint/2010/main">
-    <mc:Choice Requires="p14">
+  <mc:AlternateContent xmlns:mc="http://schemas.openxmlformats.org/markup-compatibility/2006">
+    <mc:Choice xmlns:p14="http://schemas.microsoft.com/office/powerpoint/2010/main" xmlns="" Requires="p14">
       <p:transition spd="slow" p14:dur="2000" advClick="0" advTm="5000"/>
     </mc:Choice>
-    <mc:Fallback xmlns="">
+    <mc:Fallback>
       <p:transition spd="slow" advClick="0" advTm="5000"/>
     </mc:Fallback>
   </mc:AlternateContent>
@@ -19823,11 +19928,11 @@
   <p:clrMapOvr>
     <a:masterClrMapping/>
   </p:clrMapOvr>
-  <mc:AlternateContent xmlns:mc="http://schemas.openxmlformats.org/markup-compatibility/2006" xmlns:p14="http://schemas.microsoft.com/office/powerpoint/2010/main">
-    <mc:Choice Requires="p14">
+  <mc:AlternateContent xmlns:mc="http://schemas.openxmlformats.org/markup-compatibility/2006">
+    <mc:Choice xmlns:p14="http://schemas.microsoft.com/office/powerpoint/2010/main" xmlns="" Requires="p14">
       <p:transition spd="slow" p14:dur="2000" advClick="0" advTm="5000"/>
     </mc:Choice>
-    <mc:Fallback xmlns="">
+    <mc:Fallback>
       <p:transition spd="slow" advClick="0" advTm="5000"/>
     </mc:Fallback>
   </mc:AlternateContent>
@@ -19932,11 +20037,11 @@
   <p:clrMapOvr>
     <a:masterClrMapping/>
   </p:clrMapOvr>
-  <mc:AlternateContent xmlns:mc="http://schemas.openxmlformats.org/markup-compatibility/2006" xmlns:p14="http://schemas.microsoft.com/office/powerpoint/2010/main">
-    <mc:Choice Requires="p14">
+  <mc:AlternateContent xmlns:mc="http://schemas.openxmlformats.org/markup-compatibility/2006">
+    <mc:Choice xmlns:p14="http://schemas.microsoft.com/office/powerpoint/2010/main" xmlns="" Requires="p14">
       <p:transition spd="slow" p14:dur="2000" advClick="0" advTm="5000"/>
     </mc:Choice>
-    <mc:Fallback xmlns="">
+    <mc:Fallback>
       <p:transition spd="slow" advClick="0" advTm="5000"/>
     </mc:Fallback>
   </mc:AlternateContent>
@@ -20063,7 +20168,11 @@
             </a:r>
             <a:r>
               <a:rPr lang="ru-RU" dirty="0"/>
-              <a:t> на елементите, които искаме</a:t>
+              <a:t> на елементите, които </a:t>
+            </a:r>
+            <a:r>
+              <a:rPr lang="ru-RU" dirty="0" smtClean="0"/>
+              <a:t>искаме</a:t>
             </a:r>
             <a:endParaRPr lang="en-US" dirty="0"/>
           </a:p>
@@ -20238,11 +20347,11 @@
   <p:clrMapOvr>
     <a:masterClrMapping/>
   </p:clrMapOvr>
-  <mc:AlternateContent xmlns:mc="http://schemas.openxmlformats.org/markup-compatibility/2006" xmlns:p14="http://schemas.microsoft.com/office/powerpoint/2010/main">
-    <mc:Choice Requires="p14">
+  <mc:AlternateContent xmlns:mc="http://schemas.openxmlformats.org/markup-compatibility/2006">
+    <mc:Choice xmlns:p14="http://schemas.microsoft.com/office/powerpoint/2010/main" xmlns="" Requires="p14">
       <p:transition spd="slow" p14:dur="2000" advClick="0" advTm="5000"/>
     </mc:Choice>
-    <mc:Fallback xmlns="">
+    <mc:Fallback>
       <p:transition spd="slow" advClick="0" advTm="5000"/>
     </mc:Fallback>
   </mc:AlternateContent>
@@ -20684,11 +20793,11 @@
   <p:clrMapOvr>
     <a:masterClrMapping/>
   </p:clrMapOvr>
-  <mc:AlternateContent xmlns:mc="http://schemas.openxmlformats.org/markup-compatibility/2006" xmlns:p14="http://schemas.microsoft.com/office/powerpoint/2010/main">
-    <mc:Choice Requires="p14">
+  <mc:AlternateContent xmlns:mc="http://schemas.openxmlformats.org/markup-compatibility/2006">
+    <mc:Choice xmlns:p14="http://schemas.microsoft.com/office/powerpoint/2010/main" xmlns="" Requires="p14">
       <p:transition spd="slow" p14:dur="2000" advClick="0" advTm="5000"/>
     </mc:Choice>
-    <mc:Fallback xmlns="">
+    <mc:Fallback>
       <p:transition spd="slow" advClick="0" advTm="5000"/>
     </mc:Fallback>
   </mc:AlternateContent>
@@ -20931,13 +21040,25 @@
               <a:t>изберете </a:t>
             </a:r>
             <a:r>
-              <a:rPr lang="en-US" sz="3000" b="1" dirty="0">
+              <a:rPr lang="en-US" sz="3000" dirty="0" smtClean="0">
+                <a:latin typeface="Consolas" pitchFamily="49" charset="0"/>
+              </a:rPr>
+              <a:t>[</a:t>
+            </a:r>
+            <a:r>
+              <a:rPr lang="en-US" sz="3000" b="1" dirty="0" smtClean="0">
                 <a:solidFill>
                   <a:schemeClr val="bg1"/>
                 </a:solidFill>
                 <a:latin typeface="Consolas" pitchFamily="49" charset="0"/>
               </a:rPr>
               <a:t>Form</a:t>
+            </a:r>
+            <a:r>
+              <a:rPr lang="en-US" sz="3000" dirty="0" smtClean="0">
+                <a:latin typeface="Consolas" pitchFamily="49" charset="0"/>
+              </a:rPr>
+              <a:t>]</a:t>
             </a:r>
             <a:endParaRPr lang="en-US" sz="3000" dirty="0"/>
           </a:p>
@@ -21006,11 +21127,11 @@
   <p:clrMapOvr>
     <a:masterClrMapping/>
   </p:clrMapOvr>
-  <mc:AlternateContent xmlns:mc="http://schemas.openxmlformats.org/markup-compatibility/2006" xmlns:p14="http://schemas.microsoft.com/office/powerpoint/2010/main">
-    <mc:Choice Requires="p14">
+  <mc:AlternateContent xmlns:mc="http://schemas.openxmlformats.org/markup-compatibility/2006">
+    <mc:Choice xmlns:p14="http://schemas.microsoft.com/office/powerpoint/2010/main" xmlns="" Requires="p14">
       <p:transition spd="slow" p14:dur="2000" advClick="0" advTm="5000"/>
     </mc:Choice>
-    <mc:Fallback xmlns="">
+    <mc:Fallback>
       <p:transition spd="slow" advClick="0" advTm="5000"/>
     </mc:Fallback>
   </mc:AlternateContent>
@@ -21390,11 +21511,11 @@
   <p:clrMapOvr>
     <a:masterClrMapping/>
   </p:clrMapOvr>
-  <mc:AlternateContent xmlns:mc="http://schemas.openxmlformats.org/markup-compatibility/2006" xmlns:p14="http://schemas.microsoft.com/office/powerpoint/2010/main">
-    <mc:Choice Requires="p14">
+  <mc:AlternateContent xmlns:mc="http://schemas.openxmlformats.org/markup-compatibility/2006">
+    <mc:Choice xmlns:p14="http://schemas.microsoft.com/office/powerpoint/2010/main" xmlns="" Requires="p14">
       <p:transition spd="slow" p14:dur="2000" advClick="0" advTm="5000"/>
     </mc:Choice>
-    <mc:Fallback xmlns="">
+    <mc:Fallback>
       <p:transition spd="slow" advClick="0" advTm="5000"/>
     </mc:Fallback>
   </mc:AlternateContent>
@@ -21852,11 +21973,11 @@
   <p:clrMapOvr>
     <a:masterClrMapping/>
   </p:clrMapOvr>
-  <mc:AlternateContent xmlns:mc="http://schemas.openxmlformats.org/markup-compatibility/2006" xmlns:p14="http://schemas.microsoft.com/office/powerpoint/2010/main">
-    <mc:Choice Requires="p14">
+  <mc:AlternateContent xmlns:mc="http://schemas.openxmlformats.org/markup-compatibility/2006">
+    <mc:Choice xmlns:p14="http://schemas.microsoft.com/office/powerpoint/2010/main" xmlns="" Requires="p14">
       <p:transition spd="slow" p14:dur="2000" advClick="0" advTm="5000"/>
     </mc:Choice>
-    <mc:Fallback xmlns="">
+    <mc:Fallback>
       <p:transition spd="slow" advClick="0" advTm="5000"/>
     </mc:Fallback>
   </mc:AlternateContent>
@@ -21953,11 +22074,11 @@
   <p:clrMapOvr>
     <a:masterClrMapping/>
   </p:clrMapOvr>
-  <mc:AlternateContent xmlns:mc="http://schemas.openxmlformats.org/markup-compatibility/2006" xmlns:p14="http://schemas.microsoft.com/office/powerpoint/2010/main">
-    <mc:Choice Requires="p14">
+  <mc:AlternateContent xmlns:mc="http://schemas.openxmlformats.org/markup-compatibility/2006">
+    <mc:Choice xmlns:p14="http://schemas.microsoft.com/office/powerpoint/2010/main" xmlns="" Requires="p14">
       <p:transition spd="slow" p14:dur="2000" advClick="0" advTm="5000"/>
     </mc:Choice>
-    <mc:Fallback xmlns="">
+    <mc:Fallback>
       <p:transition spd="slow" advClick="0" advTm="5000"/>
     </mc:Fallback>
   </mc:AlternateContent>
@@ -22290,11 +22411,11 @@
   <p:clrMapOvr>
     <a:masterClrMapping/>
   </p:clrMapOvr>
-  <mc:AlternateContent xmlns:mc="http://schemas.openxmlformats.org/markup-compatibility/2006" xmlns:p14="http://schemas.microsoft.com/office/powerpoint/2010/main">
-    <mc:Choice Requires="p14">
+  <mc:AlternateContent xmlns:mc="http://schemas.openxmlformats.org/markup-compatibility/2006">
+    <mc:Choice xmlns:p14="http://schemas.microsoft.com/office/powerpoint/2010/main" xmlns="" Requires="p14">
       <p:transition spd="slow" p14:dur="2000" advClick="0" advTm="5000"/>
     </mc:Choice>
-    <mc:Fallback xmlns="">
+    <mc:Fallback>
       <p:transition spd="slow" advClick="0" advTm="5000"/>
     </mc:Fallback>
   </mc:AlternateContent>
@@ -22885,11 +23006,11 @@
   <p:clrMapOvr>
     <a:masterClrMapping/>
   </p:clrMapOvr>
-  <mc:AlternateContent xmlns:mc="http://schemas.openxmlformats.org/markup-compatibility/2006" xmlns:p14="http://schemas.microsoft.com/office/powerpoint/2010/main">
-    <mc:Choice Requires="p14">
+  <mc:AlternateContent xmlns:mc="http://schemas.openxmlformats.org/markup-compatibility/2006">
+    <mc:Choice xmlns:p14="http://schemas.microsoft.com/office/powerpoint/2010/main" xmlns="" Requires="p14">
       <p:transition spd="slow" p14:dur="2000" advClick="0" advTm="5000"/>
     </mc:Choice>
-    <mc:Fallback xmlns="">
+    <mc:Fallback>
       <p:transition spd="slow" advClick="0" advTm="5000"/>
     </mc:Fallback>
   </mc:AlternateContent>
@@ -23166,11 +23287,11 @@
   <p:clrMapOvr>
     <a:masterClrMapping/>
   </p:clrMapOvr>
-  <mc:AlternateContent xmlns:mc="http://schemas.openxmlformats.org/markup-compatibility/2006" xmlns:p14="http://schemas.microsoft.com/office/powerpoint/2010/main">
-    <mc:Choice Requires="p14">
+  <mc:AlternateContent xmlns:mc="http://schemas.openxmlformats.org/markup-compatibility/2006">
+    <mc:Choice xmlns:p14="http://schemas.microsoft.com/office/powerpoint/2010/main" xmlns="" Requires="p14">
       <p:transition spd="slow" p14:dur="2000" advClick="0" advTm="5000"/>
     </mc:Choice>
-    <mc:Fallback xmlns="">
+    <mc:Fallback>
       <p:transition spd="slow" advClick="0" advTm="5000"/>
     </mc:Fallback>
   </mc:AlternateContent>
@@ -23199,7 +23320,7 @@
           <p:cNvPr id="9" name="Summary Box Group">
             <a:extLst>
               <a:ext uri="{FF2B5EF4-FFF2-40B4-BE49-F238E27FC236}">
-                <a16:creationId xmlns:a16="http://schemas.microsoft.com/office/drawing/2014/main" id="{EBAFE522-EB7D-4931-A015-9A7E8A98517D}"/>
+                <a16:creationId xmlns:a16="http://schemas.microsoft.com/office/drawing/2014/main" xmlns="" id="{EBAFE522-EB7D-4931-A015-9A7E8A98517D}"/>
               </a:ext>
             </a:extLst>
           </p:cNvPr>
@@ -23219,7 +23340,7 @@
             <p:cNvPr id="10" name="Rounded Rectangle Blue">
               <a:extLst>
                 <a:ext uri="{FF2B5EF4-FFF2-40B4-BE49-F238E27FC236}">
-                  <a16:creationId xmlns:a16="http://schemas.microsoft.com/office/drawing/2014/main" id="{18F78F23-3D09-4B63-8DF9-D49CFBB145EE}"/>
+                  <a16:creationId xmlns:a16="http://schemas.microsoft.com/office/drawing/2014/main" xmlns="" id="{18F78F23-3D09-4B63-8DF9-D49CFBB145EE}"/>
                 </a:ext>
               </a:extLst>
             </p:cNvPr>
@@ -23273,7 +23394,7 @@
             <p:cNvPr id="11" name="Rounded Rectangle Left">
               <a:extLst>
                 <a:ext uri="{FF2B5EF4-FFF2-40B4-BE49-F238E27FC236}">
-                  <a16:creationId xmlns:a16="http://schemas.microsoft.com/office/drawing/2014/main" id="{F12C06CE-2BBE-46C2-B718-813794C58DF9}"/>
+                  <a16:creationId xmlns:a16="http://schemas.microsoft.com/office/drawing/2014/main" xmlns="" id="{F12C06CE-2BBE-46C2-B718-813794C58DF9}"/>
                 </a:ext>
               </a:extLst>
             </p:cNvPr>
@@ -23333,7 +23454,7 @@
             <p:cNvPr id="12" name="Half Frame Top Right">
               <a:extLst>
                 <a:ext uri="{FF2B5EF4-FFF2-40B4-BE49-F238E27FC236}">
-                  <a16:creationId xmlns:a16="http://schemas.microsoft.com/office/drawing/2014/main" id="{66CDBB1E-AF3C-43FC-9F34-2DD691F81726}"/>
+                  <a16:creationId xmlns:a16="http://schemas.microsoft.com/office/drawing/2014/main" xmlns="" id="{66CDBB1E-AF3C-43FC-9F34-2DD691F81726}"/>
                 </a:ext>
               </a:extLst>
             </p:cNvPr>
@@ -23395,7 +23516,7 @@
           <p:cNvPr id="14" name="Text Placeholder Body">
             <a:extLst>
               <a:ext uri="{FF2B5EF4-FFF2-40B4-BE49-F238E27FC236}">
-                <a16:creationId xmlns:a16="http://schemas.microsoft.com/office/drawing/2014/main" id="{0E49D336-45B6-44D3-97C4-E28F8DEA2022}"/>
+                <a16:creationId xmlns:a16="http://schemas.microsoft.com/office/drawing/2014/main" xmlns="" id="{0E49D336-45B6-44D3-97C4-E28F8DEA2022}"/>
               </a:ext>
             </a:extLst>
           </p:cNvPr>
@@ -23491,7 +23612,7 @@
           <p:cNvPr id="17" name="Slide Number">
             <a:extLst>
               <a:ext uri="{FF2B5EF4-FFF2-40B4-BE49-F238E27FC236}">
-                <a16:creationId xmlns:a16="http://schemas.microsoft.com/office/drawing/2014/main" id="{9DE5559F-55C2-47F1-A321-B593B1EC63C1}"/>
+                <a16:creationId xmlns:a16="http://schemas.microsoft.com/office/drawing/2014/main" xmlns="" id="{9DE5559F-55C2-47F1-A321-B593B1EC63C1}"/>
               </a:ext>
             </a:extLst>
           </p:cNvPr>
@@ -23533,7 +23654,7 @@
           <p:cNvPr id="13" name="Picture SoftUni Mascot">
             <a:extLst>
               <a:ext uri="{FF2B5EF4-FFF2-40B4-BE49-F238E27FC236}">
-                <a16:creationId xmlns:a16="http://schemas.microsoft.com/office/drawing/2014/main" id="{CCC3A316-993C-4741-8826-E104F27650A3}"/>
+                <a16:creationId xmlns:a16="http://schemas.microsoft.com/office/drawing/2014/main" xmlns="" id="{CCC3A316-993C-4741-8826-E104F27650A3}"/>
               </a:ext>
             </a:extLst>
           </p:cNvPr>
@@ -23546,7 +23667,7 @@
           <a:blip r:embed="rId3" cstate="print">
             <a:extLst>
               <a:ext uri="{28A0092B-C50C-407E-A947-70E740481C1C}">
-                <a14:useLocalDpi xmlns:a14="http://schemas.microsoft.com/office/drawing/2010/main" val="0"/>
+                <a14:useLocalDpi xmlns:a14="http://schemas.microsoft.com/office/drawing/2010/main" xmlns="" val="0"/>
               </a:ext>
             </a:extLst>
           </a:blip>
@@ -23591,18 +23712,18 @@
     </p:spTree>
     <p:extLst>
       <p:ext uri="{BB962C8B-B14F-4D97-AF65-F5344CB8AC3E}">
-        <p14:creationId xmlns:p14="http://schemas.microsoft.com/office/powerpoint/2010/main" val="2087190546"/>
+        <p14:creationId xmlns:p14="http://schemas.microsoft.com/office/powerpoint/2010/main" xmlns="" val="2087190546"/>
       </p:ext>
     </p:extLst>
   </p:cSld>
   <p:clrMapOvr>
     <a:masterClrMapping/>
   </p:clrMapOvr>
-  <mc:AlternateContent xmlns:mc="http://schemas.openxmlformats.org/markup-compatibility/2006" xmlns:p14="http://schemas.microsoft.com/office/powerpoint/2010/main">
-    <mc:Choice Requires="p14">
+  <mc:AlternateContent xmlns:mc="http://schemas.openxmlformats.org/markup-compatibility/2006">
+    <mc:Choice xmlns:p14="http://schemas.microsoft.com/office/powerpoint/2010/main" xmlns="" Requires="p14">
       <p:transition spd="slow" p14:dur="2000" advClick="0" advTm="5000"/>
     </mc:Choice>
-    <mc:Fallback xmlns="">
+    <mc:Fallback>
       <p:transition spd="slow" advClick="0" advTm="5000"/>
     </mc:Fallback>
   </mc:AlternateContent>
@@ -23631,7 +23752,7 @@
           <p:cNvPr id="5" name="Group 4">
             <a:extLst>
               <a:ext uri="{FF2B5EF4-FFF2-40B4-BE49-F238E27FC236}">
-                <a16:creationId xmlns:a16="http://schemas.microsoft.com/office/drawing/2014/main" id="{1A67F800-7980-E3CA-7188-3C478C8E98B8}"/>
+                <a16:creationId xmlns:a16="http://schemas.microsoft.com/office/drawing/2014/main" xmlns="" id="{1A67F800-7980-E3CA-7188-3C478C8E98B8}"/>
               </a:ext>
             </a:extLst>
           </p:cNvPr>
@@ -23651,7 +23772,7 @@
             <p:cNvPr id="7" name="Picture 6" descr="A picture containing text, sign, vector graphics&#10;&#10;Description automatically generated">
               <a:extLst>
                 <a:ext uri="{FF2B5EF4-FFF2-40B4-BE49-F238E27FC236}">
-                  <a16:creationId xmlns:a16="http://schemas.microsoft.com/office/drawing/2014/main" id="{15CE28B1-02BA-4014-E149-BF1EE09447ED}"/>
+                  <a16:creationId xmlns:a16="http://schemas.microsoft.com/office/drawing/2014/main" xmlns="" id="{15CE28B1-02BA-4014-E149-BF1EE09447ED}"/>
                 </a:ext>
               </a:extLst>
             </p:cNvPr>
@@ -23681,7 +23802,7 @@
             <p:cNvPr id="9" name="Picture 8" descr="Logo&#10;&#10;Description automatically generated">
               <a:extLst>
                 <a:ext uri="{FF2B5EF4-FFF2-40B4-BE49-F238E27FC236}">
-                  <a16:creationId xmlns:a16="http://schemas.microsoft.com/office/drawing/2014/main" id="{5F82FF4F-4AD2-4B3B-1445-F3C6BA268522}"/>
+                  <a16:creationId xmlns:a16="http://schemas.microsoft.com/office/drawing/2014/main" xmlns="" id="{5F82FF4F-4AD2-4B3B-1445-F3C6BA268522}"/>
                 </a:ext>
               </a:extLst>
             </p:cNvPr>
@@ -23711,7 +23832,7 @@
             <p:cNvPr id="11" name="Picture 10" descr="Logo&#10;&#10;Description automatically generated">
               <a:extLst>
                 <a:ext uri="{FF2B5EF4-FFF2-40B4-BE49-F238E27FC236}">
-                  <a16:creationId xmlns:a16="http://schemas.microsoft.com/office/drawing/2014/main" id="{68CCA8DB-9EFC-F9BC-57AE-81E4F843E863}"/>
+                  <a16:creationId xmlns:a16="http://schemas.microsoft.com/office/drawing/2014/main" xmlns="" id="{68CCA8DB-9EFC-F9BC-57AE-81E4F843E863}"/>
                 </a:ext>
               </a:extLst>
             </p:cNvPr>
@@ -23741,7 +23862,7 @@
             <p:cNvPr id="13" name="Picture 12" descr="Logo&#10;&#10;Description automatically generated">
               <a:extLst>
                 <a:ext uri="{FF2B5EF4-FFF2-40B4-BE49-F238E27FC236}">
-                  <a16:creationId xmlns:a16="http://schemas.microsoft.com/office/drawing/2014/main" id="{3FDF9297-50FA-E866-B6CE-9D64B1E892BF}"/>
+                  <a16:creationId xmlns:a16="http://schemas.microsoft.com/office/drawing/2014/main" xmlns="" id="{3FDF9297-50FA-E866-B6CE-9D64B1E892BF}"/>
                 </a:ext>
               </a:extLst>
             </p:cNvPr>
@@ -23771,7 +23892,7 @@
             <p:cNvPr id="18" name="Graphic 17">
               <a:extLst>
                 <a:ext uri="{FF2B5EF4-FFF2-40B4-BE49-F238E27FC236}">
-                  <a16:creationId xmlns:a16="http://schemas.microsoft.com/office/drawing/2014/main" id="{2A1BC0C9-7A7B-9C5B-B457-3E86E59EF29E}"/>
+                  <a16:creationId xmlns:a16="http://schemas.microsoft.com/office/drawing/2014/main" xmlns="" id="{2A1BC0C9-7A7B-9C5B-B457-3E86E59EF29E}"/>
                 </a:ext>
               </a:extLst>
             </p:cNvPr>
@@ -23784,7 +23905,7 @@
             <a:blip r:embed="rId7" cstate="print">
               <a:extLst>
                 <a:ext uri="{96DAC541-7B7A-43D3-8B79-37D633B846F1}">
-                  <asvg:svgBlip xmlns:asvg="http://schemas.microsoft.com/office/drawing/2016/SVG/main" r:embed="rId8"/>
+                  <asvg:svgBlip xmlns:asvg="http://schemas.microsoft.com/office/drawing/2016/SVG/main" xmlns="" r:embed="rId8"/>
                 </a:ext>
               </a:extLst>
             </a:blip>
@@ -23807,7 +23928,7 @@
             <p:cNvPr id="20" name="Graphic 19">
               <a:extLst>
                 <a:ext uri="{FF2B5EF4-FFF2-40B4-BE49-F238E27FC236}">
-                  <a16:creationId xmlns:a16="http://schemas.microsoft.com/office/drawing/2014/main" id="{DBE174DA-A182-7E57-06D4-86AFA26D484D}"/>
+                  <a16:creationId xmlns:a16="http://schemas.microsoft.com/office/drawing/2014/main" xmlns="" id="{DBE174DA-A182-7E57-06D4-86AFA26D484D}"/>
                 </a:ext>
               </a:extLst>
             </p:cNvPr>
@@ -23820,7 +23941,7 @@
             <a:blip r:embed="rId9" cstate="print">
               <a:extLst>
                 <a:ext uri="{96DAC541-7B7A-43D3-8B79-37D633B846F1}">
-                  <asvg:svgBlip xmlns:asvg="http://schemas.microsoft.com/office/drawing/2016/SVG/main" r:embed="rId10"/>
+                  <asvg:svgBlip xmlns:asvg="http://schemas.microsoft.com/office/drawing/2016/SVG/main" xmlns="" r:embed="rId10"/>
                 </a:ext>
               </a:extLst>
             </a:blip>
@@ -23843,7 +23964,7 @@
             <p:cNvPr id="22" name="Picture 21" descr="Logo&#10;&#10;Description automatically generated">
               <a:extLst>
                 <a:ext uri="{FF2B5EF4-FFF2-40B4-BE49-F238E27FC236}">
-                  <a16:creationId xmlns:a16="http://schemas.microsoft.com/office/drawing/2014/main" id="{9B7FFC36-A4BC-7A53-AB82-82C398A47538}"/>
+                  <a16:creationId xmlns:a16="http://schemas.microsoft.com/office/drawing/2014/main" xmlns="" id="{9B7FFC36-A4BC-7A53-AB82-82C398A47538}"/>
                 </a:ext>
               </a:extLst>
             </p:cNvPr>
@@ -23873,7 +23994,7 @@
             <p:cNvPr id="36" name="Group 35">
               <a:extLst>
                 <a:ext uri="{FF2B5EF4-FFF2-40B4-BE49-F238E27FC236}">
-                  <a16:creationId xmlns:a16="http://schemas.microsoft.com/office/drawing/2014/main" id="{3FB2AEAC-BDEE-9D5F-67A3-17CEDA699052}"/>
+                  <a16:creationId xmlns:a16="http://schemas.microsoft.com/office/drawing/2014/main" xmlns="" id="{3FB2AEAC-BDEE-9D5F-67A3-17CEDA699052}"/>
                 </a:ext>
               </a:extLst>
             </p:cNvPr>
@@ -23893,7 +24014,7 @@
               <p:cNvPr id="31" name="Straight Connector 30">
                 <a:extLst>
                   <a:ext uri="{FF2B5EF4-FFF2-40B4-BE49-F238E27FC236}">
-                    <a16:creationId xmlns:a16="http://schemas.microsoft.com/office/drawing/2014/main" id="{AA38ABD5-1637-DC80-A922-DF10E4F75CDE}"/>
+                    <a16:creationId xmlns:a16="http://schemas.microsoft.com/office/drawing/2014/main" xmlns="" id="{AA38ABD5-1637-DC80-A922-DF10E4F75CDE}"/>
                   </a:ext>
                 </a:extLst>
               </p:cNvPr>
@@ -23936,7 +24057,7 @@
               <p:cNvPr id="33" name="Picture 32">
                 <a:extLst>
                   <a:ext uri="{FF2B5EF4-FFF2-40B4-BE49-F238E27FC236}">
-                    <a16:creationId xmlns:a16="http://schemas.microsoft.com/office/drawing/2014/main" id="{617B586A-0BC5-5E32-7E67-FD277547ED69}"/>
+                    <a16:creationId xmlns:a16="http://schemas.microsoft.com/office/drawing/2014/main" xmlns="" id="{617B586A-0BC5-5E32-7E67-FD277547ED69}"/>
                   </a:ext>
                 </a:extLst>
               </p:cNvPr>
@@ -23968,7 +24089,7 @@
           <p:cNvPr id="40" name="Picture 39" descr="Logo&#10;&#10;Description automatically generated">
             <a:extLst>
               <a:ext uri="{FF2B5EF4-FFF2-40B4-BE49-F238E27FC236}">
-                <a16:creationId xmlns:a16="http://schemas.microsoft.com/office/drawing/2014/main" id="{9C30DD70-D438-6D27-35D3-8BB874966D84}"/>
+                <a16:creationId xmlns:a16="http://schemas.microsoft.com/office/drawing/2014/main" xmlns="" id="{9C30DD70-D438-6D27-35D3-8BB874966D84}"/>
               </a:ext>
             </a:extLst>
           </p:cNvPr>
@@ -23998,7 +24119,7 @@
           <p:cNvPr id="2" name="Google Shape;441;p37">
             <a:extLst>
               <a:ext uri="{FF2B5EF4-FFF2-40B4-BE49-F238E27FC236}">
-                <a16:creationId xmlns:a16="http://schemas.microsoft.com/office/drawing/2014/main" id="{2AFB472C-93C2-241B-75FA-457782840F92}"/>
+                <a16:creationId xmlns:a16="http://schemas.microsoft.com/office/drawing/2014/main" xmlns="" id="{2AFB472C-93C2-241B-75FA-457782840F92}"/>
               </a:ext>
             </a:extLst>
           </p:cNvPr>
@@ -24303,7 +24424,7 @@
           <p:cNvPr id="14" name="Картина 13">
             <a:extLst>
               <a:ext uri="{FF2B5EF4-FFF2-40B4-BE49-F238E27FC236}">
-                <a16:creationId xmlns:a16="http://schemas.microsoft.com/office/drawing/2014/main" id="{54B365E9-8FD0-6D5B-2DFC-723EE5DDD555}"/>
+                <a16:creationId xmlns:a16="http://schemas.microsoft.com/office/drawing/2014/main" xmlns="" id="{54B365E9-8FD0-6D5B-2DFC-723EE5DDD555}"/>
               </a:ext>
             </a:extLst>
           </p:cNvPr>
@@ -24333,7 +24454,7 @@
           <p:cNvPr id="16" name="Картина 15">
             <a:extLst>
               <a:ext uri="{FF2B5EF4-FFF2-40B4-BE49-F238E27FC236}">
-                <a16:creationId xmlns:a16="http://schemas.microsoft.com/office/drawing/2014/main" id="{3BD6ABFC-02BF-2D42-B42B-6929222F37B6}"/>
+                <a16:creationId xmlns:a16="http://schemas.microsoft.com/office/drawing/2014/main" xmlns="" id="{3BD6ABFC-02BF-2D42-B42B-6929222F37B6}"/>
               </a:ext>
             </a:extLst>
           </p:cNvPr>
@@ -24361,7 +24482,7 @@
     </p:spTree>
     <p:extLst>
       <p:ext uri="{BB962C8B-B14F-4D97-AF65-F5344CB8AC3E}">
-        <p14:creationId xmlns:p14="http://schemas.microsoft.com/office/powerpoint/2010/main" val="2144060659"/>
+        <p14:creationId xmlns:p14="http://schemas.microsoft.com/office/powerpoint/2010/main" xmlns="" val="2144060659"/>
       </p:ext>
     </p:extLst>
   </p:cSld>
@@ -24393,7 +24514,7 @@
           <p:cNvPr id="5" name="Slide Number">
             <a:extLst>
               <a:ext uri="{FF2B5EF4-FFF2-40B4-BE49-F238E27FC236}">
-                <a16:creationId xmlns:a16="http://schemas.microsoft.com/office/drawing/2014/main" id="{F48C3C93-90A1-4D31-BEA6-B54D1106CE31}"/>
+                <a16:creationId xmlns:a16="http://schemas.microsoft.com/office/drawing/2014/main" xmlns="" id="{F48C3C93-90A1-4D31-BEA6-B54D1106CE31}"/>
               </a:ext>
             </a:extLst>
           </p:cNvPr>
@@ -24435,7 +24556,7 @@
           <p:cNvPr id="2" name="Slide Body">
             <a:extLst>
               <a:ext uri="{FF2B5EF4-FFF2-40B4-BE49-F238E27FC236}">
-                <a16:creationId xmlns:a16="http://schemas.microsoft.com/office/drawing/2014/main" id="{980F49B1-E4BE-4389-A747-7AB9B71AD920}"/>
+                <a16:creationId xmlns:a16="http://schemas.microsoft.com/office/drawing/2014/main" xmlns="" id="{980F49B1-E4BE-4389-A747-7AB9B71AD920}"/>
               </a:ext>
             </a:extLst>
           </p:cNvPr>
@@ -24569,7 +24690,7 @@
           <p:cNvPr id="6" name="Picture License" descr="License">
             <a:extLst>
               <a:ext uri="{FF2B5EF4-FFF2-40B4-BE49-F238E27FC236}">
-                <a16:creationId xmlns:a16="http://schemas.microsoft.com/office/drawing/2014/main" id="{A10A2585-858C-4B1E-8846-27CF1C15729E}"/>
+                <a16:creationId xmlns:a16="http://schemas.microsoft.com/office/drawing/2014/main" xmlns="" id="{A10A2585-858C-4B1E-8846-27CF1C15729E}"/>
               </a:ext>
             </a:extLst>
           </p:cNvPr>
@@ -24610,7 +24731,7 @@
           <p:cNvPr id="3" name="Slide Title">
             <a:extLst>
               <a:ext uri="{FF2B5EF4-FFF2-40B4-BE49-F238E27FC236}">
-                <a16:creationId xmlns:a16="http://schemas.microsoft.com/office/drawing/2014/main" id="{E5F1FB41-80C3-4816-BC47-CCC50632E6E8}"/>
+                <a16:creationId xmlns:a16="http://schemas.microsoft.com/office/drawing/2014/main" xmlns="" id="{E5F1FB41-80C3-4816-BC47-CCC50632E6E8}"/>
               </a:ext>
             </a:extLst>
           </p:cNvPr>
@@ -24636,18 +24757,18 @@
     </p:spTree>
     <p:extLst>
       <p:ext uri="{BB962C8B-B14F-4D97-AF65-F5344CB8AC3E}">
-        <p14:creationId xmlns:p14="http://schemas.microsoft.com/office/powerpoint/2010/main" val="3506533871"/>
+        <p14:creationId xmlns:p14="http://schemas.microsoft.com/office/powerpoint/2010/main" xmlns="" val="3506533871"/>
       </p:ext>
     </p:extLst>
   </p:cSld>
   <p:clrMapOvr>
     <a:masterClrMapping/>
   </p:clrMapOvr>
-  <mc:AlternateContent xmlns:mc="http://schemas.openxmlformats.org/markup-compatibility/2006" xmlns:p14="http://schemas.microsoft.com/office/powerpoint/2010/main">
-    <mc:Choice Requires="p14">
+  <mc:AlternateContent xmlns:mc="http://schemas.openxmlformats.org/markup-compatibility/2006">
+    <mc:Choice xmlns:p14="http://schemas.microsoft.com/office/powerpoint/2010/main" xmlns="" Requires="p14">
       <p:transition spd="slow" p14:dur="2000" advClick="0" advTm="5000"/>
     </mc:Choice>
-    <mc:Fallback xmlns="">
+    <mc:Fallback>
       <p:transition spd="slow" advClick="0" advTm="5000"/>
     </mc:Fallback>
   </mc:AlternateContent>
@@ -25015,11 +25136,11 @@
   <p:clrMapOvr>
     <a:masterClrMapping/>
   </p:clrMapOvr>
-  <mc:AlternateContent xmlns:mc="http://schemas.openxmlformats.org/markup-compatibility/2006" xmlns:p14="http://schemas.microsoft.com/office/powerpoint/2010/main">
-    <mc:Choice Requires="p14">
+  <mc:AlternateContent xmlns:mc="http://schemas.openxmlformats.org/markup-compatibility/2006">
+    <mc:Choice xmlns:p14="http://schemas.microsoft.com/office/powerpoint/2010/main" xmlns="" Requires="p14">
       <p:transition spd="slow" p14:dur="2000" advClick="0" advTm="5000"/>
     </mc:Choice>
-    <mc:Fallback xmlns="">
+    <mc:Fallback>
       <p:transition spd="slow" advClick="0" advTm="5000"/>
     </mc:Fallback>
   </mc:AlternateContent>
@@ -25366,11 +25487,11 @@
   <p:clrMapOvr>
     <a:masterClrMapping/>
   </p:clrMapOvr>
-  <mc:AlternateContent xmlns:mc="http://schemas.openxmlformats.org/markup-compatibility/2006" xmlns:p14="http://schemas.microsoft.com/office/powerpoint/2010/main">
-    <mc:Choice Requires="p14">
+  <mc:AlternateContent xmlns:mc="http://schemas.openxmlformats.org/markup-compatibility/2006">
+    <mc:Choice xmlns:p14="http://schemas.microsoft.com/office/powerpoint/2010/main" xmlns="" Requires="p14">
       <p:transition spd="slow" p14:dur="2000" advClick="0" advTm="5000"/>
     </mc:Choice>
-    <mc:Fallback xmlns="">
+    <mc:Fallback>
       <p:transition spd="slow" advClick="0" advTm="5000"/>
     </mc:Fallback>
   </mc:AlternateContent>
@@ -25440,7 +25561,9 @@
               <a:t>Натиснете </a:t>
             </a:r>
             <a:r>
-              <a:rPr lang="en-US" dirty="0"/>
+              <a:rPr lang="en-US" sz="3400" dirty="0">
+                <a:latin typeface="Consolas" pitchFamily="49" charset="0"/>
+              </a:rPr>
               <a:t>[</a:t>
             </a:r>
             <a:r>
@@ -25453,14 +25576,20 @@
               <a:t>File</a:t>
             </a:r>
             <a:r>
+              <a:rPr lang="en-US" sz="3400" dirty="0">
+                <a:latin typeface="Consolas" pitchFamily="49" charset="0"/>
+              </a:rPr>
+              <a:t>]</a:t>
+            </a:r>
+            <a:r>
+              <a:rPr lang="en-US" dirty="0"/>
+              <a:t> &gt; </a:t>
+            </a:r>
+            <a:r>
               <a:rPr lang="en-US" dirty="0">
                 <a:latin typeface="Consolas" pitchFamily="49" charset="0"/>
               </a:rPr>
-              <a:t>]</a:t>
-            </a:r>
-            <a:r>
-              <a:rPr lang="en-US" dirty="0"/>
-              <a:t> &gt; [</a:t>
+              <a:t>[</a:t>
             </a:r>
             <a:r>
               <a:rPr lang="en-US" b="1" dirty="0">
@@ -25712,78 +25841,16 @@
           </a:ln>
         </p:spPr>
       </p:pic>
-      <p:sp>
-        <p:nvSpPr>
-          <p:cNvPr id="5" name="TextBox 4">
-            <a:extLst>
-              <a:ext uri="{FF2B5EF4-FFF2-40B4-BE49-F238E27FC236}">
-                <a16:creationId xmlns:a16="http://schemas.microsoft.com/office/drawing/2014/main" id="{D152959B-B3EA-53CC-3D74-C0908A4E83BF}"/>
-              </a:ext>
-            </a:extLst>
-          </p:cNvPr>
-          <p:cNvSpPr txBox="1"/>
-          <p:nvPr/>
-        </p:nvSpPr>
-        <p:spPr>
-          <a:xfrm>
-            <a:off x="533400" y="1828799"/>
-            <a:ext cx="4038600" cy="1010314"/>
-          </a:xfrm>
-          <a:prstGeom prst="rect">
-            <a:avLst/>
-          </a:prstGeom>
-          <a:ln/>
-        </p:spPr>
-        <p:style>
-          <a:lnRef idx="2">
-            <a:schemeClr val="accent2"/>
-          </a:lnRef>
-          <a:fillRef idx="1">
-            <a:schemeClr val="lt1"/>
-          </a:fillRef>
-          <a:effectRef idx="0">
-            <a:schemeClr val="accent2"/>
-          </a:effectRef>
-          <a:fontRef idx="minor">
-            <a:schemeClr val="dk1"/>
-          </a:fontRef>
-        </p:style>
-        <p:txBody>
-          <a:bodyPr vert="horz" wrap="square" lIns="144000" tIns="108000" rIns="144000" bIns="108000" rtlCol="0">
-            <a:spAutoFit/>
-          </a:bodyPr>
-          <a:lstStyle/>
-          <a:p>
-            <a:pPr algn="l" eaLnBrk="0" hangingPunct="0">
-              <a:lnSpc>
-                <a:spcPct val="110000"/>
-              </a:lnSpc>
-              <a:buClr>
-                <a:schemeClr val="accent5">
-                  <a:lumMod val="40000"/>
-                  <a:lumOff val="60000"/>
-                </a:schemeClr>
-              </a:buClr>
-              <a:buSzPct val="70000"/>
-            </a:pPr>
-            <a:r>
-              <a:rPr lang="en-US" sz="2400" b="1" dirty="0"/>
-              <a:t>TODO: Add button brackets -&gt; [File]</a:t>
-            </a:r>
-            <a:endParaRPr lang="bg-BG" sz="2400" b="1" dirty="0"/>
-          </a:p>
-        </p:txBody>
-      </p:sp>
     </p:spTree>
   </p:cSld>
   <p:clrMapOvr>
     <a:masterClrMapping/>
   </p:clrMapOvr>
-  <mc:AlternateContent xmlns:mc="http://schemas.openxmlformats.org/markup-compatibility/2006" xmlns:p14="http://schemas.microsoft.com/office/powerpoint/2010/main">
-    <mc:Choice Requires="p14">
+  <mc:AlternateContent xmlns:mc="http://schemas.openxmlformats.org/markup-compatibility/2006">
+    <mc:Choice xmlns:p14="http://schemas.microsoft.com/office/powerpoint/2010/main" xmlns="" Requires="p14">
       <p:transition spd="slow" p14:dur="2000" advClick="0" advTm="5000"/>
     </mc:Choice>
-    <mc:Fallback xmlns="">
+    <mc:Fallback>
       <p:transition spd="slow" advClick="0" advTm="5000"/>
     </mc:Fallback>
   </mc:AlternateContent>
@@ -25992,7 +26059,13 @@
               <a:t>Натиснете </a:t>
             </a:r>
             <a:r>
-              <a:rPr lang="en-US" sz="3200" b="1" dirty="0">
+              <a:rPr lang="en-US" sz="3200" dirty="0" smtClean="0">
+                <a:latin typeface="Consolas" pitchFamily="49" charset="0"/>
+              </a:rPr>
+              <a:t>[</a:t>
+            </a:r>
+            <a:r>
+              <a:rPr lang="en-US" sz="3200" b="1" dirty="0" smtClean="0">
                 <a:solidFill>
                   <a:schemeClr val="bg1"/>
                 </a:solidFill>
@@ -26000,6 +26073,15 @@
               </a:rPr>
               <a:t>Create</a:t>
             </a:r>
+            <a:r>
+              <a:rPr lang="en-US" sz="3200" dirty="0" smtClean="0">
+                <a:latin typeface="Consolas" pitchFamily="49" charset="0"/>
+              </a:rPr>
+              <a:t>]</a:t>
+            </a:r>
+            <a:endParaRPr lang="en-US" sz="3200" dirty="0">
+              <a:latin typeface="Consolas" pitchFamily="49" charset="0"/>
+            </a:endParaRPr>
           </a:p>
           <a:p>
             <a:pPr>
@@ -26147,11 +26229,11 @@
   <p:clrMapOvr>
     <a:masterClrMapping/>
   </p:clrMapOvr>
-  <mc:AlternateContent xmlns:mc="http://schemas.openxmlformats.org/markup-compatibility/2006" xmlns:p14="http://schemas.microsoft.com/office/powerpoint/2010/main">
-    <mc:Choice Requires="p14">
+  <mc:AlternateContent xmlns:mc="http://schemas.openxmlformats.org/markup-compatibility/2006">
+    <mc:Choice xmlns:p14="http://schemas.microsoft.com/office/powerpoint/2010/main" xmlns="" Requires="p14">
       <p:transition spd="slow" p14:dur="2000" advClick="0" advTm="5000"/>
     </mc:Choice>
-    <mc:Fallback xmlns="">
+    <mc:Fallback>
       <p:transition spd="slow" advClick="0" advTm="5000"/>
     </mc:Fallback>
   </mc:AlternateContent>
@@ -26403,11 +26485,11 @@
   <p:clrMapOvr>
     <a:masterClrMapping/>
   </p:clrMapOvr>
-  <mc:AlternateContent xmlns:mc="http://schemas.openxmlformats.org/markup-compatibility/2006" xmlns:p14="http://schemas.microsoft.com/office/powerpoint/2010/main">
-    <mc:Choice Requires="p14">
+  <mc:AlternateContent xmlns:mc="http://schemas.openxmlformats.org/markup-compatibility/2006">
+    <mc:Choice xmlns:p14="http://schemas.microsoft.com/office/powerpoint/2010/main" xmlns="" Requires="p14">
       <p:transition spd="slow" p14:dur="2000" advClick="0" advTm="5000"/>
     </mc:Choice>
-    <mc:Fallback xmlns="">
+    <mc:Fallback>
       <p:transition spd="slow" advClick="0" advTm="5000"/>
     </mc:Fallback>
   </mc:AlternateContent>
@@ -26580,7 +26662,13 @@
               <a:t>натиснете </a:t>
             </a:r>
             <a:r>
-              <a:rPr lang="en-US" b="1" dirty="0">
+              <a:rPr lang="en-US" sz="3400" dirty="0" smtClean="0">
+                <a:latin typeface="Consolas" pitchFamily="49" charset="0"/>
+              </a:rPr>
+              <a:t>[</a:t>
+            </a:r>
+            <a:r>
+              <a:rPr lang="en-US" sz="3400" b="1" dirty="0" smtClean="0">
                 <a:solidFill>
                   <a:schemeClr val="bg1"/>
                 </a:solidFill>
@@ -26588,7 +26676,13 @@
               </a:rPr>
               <a:t>Table</a:t>
             </a:r>
-            <a:endParaRPr lang="en-US" dirty="0"/>
+            <a:r>
+              <a:rPr lang="en-US" sz="3400" dirty="0" smtClean="0">
+                <a:latin typeface="Consolas" pitchFamily="49" charset="0"/>
+              </a:rPr>
+              <a:t>]</a:t>
+            </a:r>
+            <a:endParaRPr lang="en-US" sz="3400" dirty="0"/>
           </a:p>
           <a:p>
             <a:endParaRPr lang="en-US" sz="3400" dirty="0"/>
@@ -26883,11 +26977,11 @@
   <p:clrMapOvr>
     <a:masterClrMapping/>
   </p:clrMapOvr>
-  <mc:AlternateContent xmlns:mc="http://schemas.openxmlformats.org/markup-compatibility/2006" xmlns:p14="http://schemas.microsoft.com/office/powerpoint/2010/main">
-    <mc:Choice Requires="p14">
+  <mc:AlternateContent xmlns:mc="http://schemas.openxmlformats.org/markup-compatibility/2006">
+    <mc:Choice xmlns:p14="http://schemas.microsoft.com/office/powerpoint/2010/main" xmlns="" Requires="p14">
       <p:transition spd="slow" p14:dur="2000" advClick="0" advTm="5000"/>
     </mc:Choice>
-    <mc:Fallback xmlns="">
+    <mc:Fallback>
       <p:transition spd="slow" advClick="0" advTm="5000"/>
     </mc:Fallback>
   </mc:AlternateContent>
@@ -27393,7 +27487,7 @@
   <a:extraClrSchemeLst/>
   <a:extLst>
     <a:ext uri="{05A4C25C-085E-4340-85A3-A5531E510DB2}">
-      <thm15:themeFamily xmlns:thm15="http://schemas.microsoft.com/office/thememl/2012/main" name="SoftUni" id="{D61FAD9B-6E74-4E03-BFE4-B363D484F1DA}" vid="{7089C1A3-635B-4B03-A017-DAF10A3A396B}"/>
+      <thm15:themeFamily xmlns:thm15="http://schemas.microsoft.com/office/thememl/2012/main" xmlns="" name="SoftUni" id="{D61FAD9B-6E74-4E03-BFE4-B363D484F1DA}" vid="{7089C1A3-635B-4B03-A017-DAF10A3A396B}"/>
     </a:ext>
   </a:extLst>
 </a:theme>
@@ -27688,7 +27782,7 @@
   <a:extraClrSchemeLst/>
   <a:extLst>
     <a:ext uri="{05A4C25C-085E-4340-85A3-A5531E510DB2}">
-      <thm15:themeFamily xmlns:thm15="http://schemas.microsoft.com/office/thememl/2012/main" name="Office Theme" id="{62F939B6-93AF-4DB8-9C6B-D6C7DFDC589F}" vid="{4A3C46E8-61CC-4603-A589-7422A47A8E4A}"/>
+      <thm15:themeFamily xmlns:thm15="http://schemas.microsoft.com/office/thememl/2012/main" xmlns="" name="Office Theme" id="{62F939B6-93AF-4DB8-9C6B-D6C7DFDC589F}" vid="{4A3C46E8-61CC-4603-A589-7422A47A8E4A}"/>
     </a:ext>
   </a:extLst>
 </a:theme>
@@ -27983,13 +28077,28 @@
   <a:extraClrSchemeLst/>
   <a:extLst>
     <a:ext uri="{05A4C25C-085E-4340-85A3-A5531E510DB2}">
-      <thm15:themeFamily xmlns:thm15="http://schemas.microsoft.com/office/thememl/2012/main" name="Office Theme" id="{62F939B6-93AF-4DB8-9C6B-D6C7DFDC589F}" vid="{4A3C46E8-61CC-4603-A589-7422A47A8E4A}"/>
+      <thm15:themeFamily xmlns:thm15="http://schemas.microsoft.com/office/thememl/2012/main" xmlns="" name="Office Theme" id="{62F939B6-93AF-4DB8-9C6B-D6C7DFDC589F}" vid="{4A3C46E8-61CC-4603-A589-7422A47A8E4A}"/>
     </a:ext>
   </a:extLst>
 </a:theme>
 </file>
 
 <file path=customXml/item1.xml><?xml version="1.0" encoding="utf-8"?>
+<p:properties xmlns:p="http://schemas.microsoft.com/office/2006/metadata/properties" xmlns:xsi="http://www.w3.org/2001/XMLSchema-instance" xmlns:pc="http://schemas.microsoft.com/office/infopath/2007/PartnerControls">
+  <documentManagement/>
+</p:properties>
+</file>
+
+<file path=customXml/item2.xml><?xml version="1.0" encoding="utf-8"?>
+<?mso-contentType ?>
+<FormTemplates xmlns="http://schemas.microsoft.com/sharepoint/v3/contenttype/forms">
+  <Display>DocumentLibraryForm</Display>
+  <Edit>DocumentLibraryForm</Edit>
+  <New>DocumentLibraryForm</New>
+</FormTemplates>
+</file>
+
+<file path=customXml/item3.xml><?xml version="1.0" encoding="utf-8"?>
 <ct:contentTypeSchema xmlns:ct="http://schemas.microsoft.com/office/2006/metadata/contentType" xmlns:ma="http://schemas.microsoft.com/office/2006/metadata/properties/metaAttributes" ct:_="" ma:_="" ma:contentTypeName="Документ" ma:contentTypeID="0x010100B6C18B0EB80FEC43B96FC4929E3ACDFF" ma:contentTypeVersion="8" ma:contentTypeDescription="Създаване на нов документ" ma:contentTypeScope="" ma:versionID="5e73c28b7fde86b7f49c9d6b9be21d41">
   <xsd:schema xmlns:xsd="http://www.w3.org/2001/XMLSchema" xmlns:xs="http://www.w3.org/2001/XMLSchema" xmlns:p="http://schemas.microsoft.com/office/2006/metadata/properties" xmlns:ns2="4f985cec-e092-4bcf-a1e1-b816bd0221d8" targetNamespace="http://schemas.microsoft.com/office/2006/metadata/properties" ma:root="true" ma:fieldsID="f7a640d6aa79659634b3275499e0d9c9" ns2:_="">
     <xsd:import namespace="4f985cec-e092-4bcf-a1e1-b816bd0221d8"/>
@@ -28161,22 +28270,31 @@
 </ct:contentTypeSchema>
 </file>
 
-<file path=customXml/item2.xml><?xml version="1.0" encoding="utf-8"?>
-<?mso-contentType ?>
-<FormTemplates xmlns="http://schemas.microsoft.com/sharepoint/v3/contenttype/forms">
-  <Display>DocumentLibraryForm</Display>
-  <Edit>DocumentLibraryForm</Edit>
-  <New>DocumentLibraryForm</New>
-</FormTemplates>
+<file path=customXml/itemProps1.xml><?xml version="1.0" encoding="utf-8"?>
+<ds:datastoreItem xmlns:ds="http://schemas.openxmlformats.org/officeDocument/2006/customXml" ds:itemID="{5E2F4A33-1866-4BB8-8A35-8D6BDFE8D9F5}">
+  <ds:schemaRefs>
+    <ds:schemaRef ds:uri="http://schemas.microsoft.com/office/infopath/2007/PartnerControls"/>
+    <ds:schemaRef ds:uri="http://purl.org/dc/dcmitype/"/>
+    <ds:schemaRef ds:uri="http://schemas.microsoft.com/office/2006/documentManagement/types"/>
+    <ds:schemaRef ds:uri="http://schemas.microsoft.com/office/2006/metadata/properties"/>
+    <ds:schemaRef ds:uri="http://www.w3.org/XML/1998/namespace"/>
+    <ds:schemaRef ds:uri="4f985cec-e092-4bcf-a1e1-b816bd0221d8"/>
+    <ds:schemaRef ds:uri="http://schemas.openxmlformats.org/package/2006/metadata/core-properties"/>
+    <ds:schemaRef ds:uri="http://purl.org/dc/terms/"/>
+    <ds:schemaRef ds:uri="http://purl.org/dc/elements/1.1/"/>
+  </ds:schemaRefs>
+</ds:datastoreItem>
 </file>
 
-<file path=customXml/item3.xml><?xml version="1.0" encoding="utf-8"?>
-<p:properties xmlns:p="http://schemas.microsoft.com/office/2006/metadata/properties" xmlns:xsi="http://www.w3.org/2001/XMLSchema-instance" xmlns:pc="http://schemas.microsoft.com/office/infopath/2007/PartnerControls">
-  <documentManagement/>
-</p:properties>
+<file path=customXml/itemProps2.xml><?xml version="1.0" encoding="utf-8"?>
+<ds:datastoreItem xmlns:ds="http://schemas.openxmlformats.org/officeDocument/2006/customXml" ds:itemID="{68A20BEC-F81B-49CD-951D-E62C4BAE7796}">
+  <ds:schemaRefs>
+    <ds:schemaRef ds:uri="http://schemas.microsoft.com/sharepoint/v3/contenttype/forms"/>
+  </ds:schemaRefs>
+</ds:datastoreItem>
 </file>
 
-<file path=customXml/itemProps1.xml><?xml version="1.0" encoding="utf-8"?>
+<file path=customXml/itemProps3.xml><?xml version="1.0" encoding="utf-8"?>
 <ds:datastoreItem xmlns:ds="http://schemas.openxmlformats.org/officeDocument/2006/customXml" ds:itemID="{4443A303-689A-4436-B140-8B2DF827EBE9}">
   <ds:schemaRefs>
     <ds:schemaRef ds:uri="http://schemas.microsoft.com/office/2006/metadata/contentType"/>
@@ -28192,28 +28310,4 @@
     <ds:schemaRef ds:uri="http://schemas.microsoft.com/internal/obd"/>
   </ds:schemaRefs>
 </ds:datastoreItem>
-</file>
-
-<file path=customXml/itemProps2.xml><?xml version="1.0" encoding="utf-8"?>
-<ds:datastoreItem xmlns:ds="http://schemas.openxmlformats.org/officeDocument/2006/customXml" ds:itemID="{68A20BEC-F81B-49CD-951D-E62C4BAE7796}">
-  <ds:schemaRefs>
-    <ds:schemaRef ds:uri="http://schemas.microsoft.com/sharepoint/v3/contenttype/forms"/>
-  </ds:schemaRefs>
-</ds:datastoreItem>
-</file>
-
-<file path=customXml/itemProps3.xml><?xml version="1.0" encoding="utf-8"?>
-<ds:datastoreItem xmlns:ds="http://schemas.openxmlformats.org/officeDocument/2006/customXml" ds:itemID="{5E2F4A33-1866-4BB8-8A35-8D6BDFE8D9F5}">
-  <ds:schemaRefs>
-    <ds:schemaRef ds:uri="http://schemas.microsoft.com/office/infopath/2007/PartnerControls"/>
-    <ds:schemaRef ds:uri="http://purl.org/dc/dcmitype/"/>
-    <ds:schemaRef ds:uri="http://schemas.microsoft.com/office/2006/documentManagement/types"/>
-    <ds:schemaRef ds:uri="http://schemas.microsoft.com/office/2006/metadata/properties"/>
-    <ds:schemaRef ds:uri="http://www.w3.org/XML/1998/namespace"/>
-    <ds:schemaRef ds:uri="4f985cec-e092-4bcf-a1e1-b816bd0221d8"/>
-    <ds:schemaRef ds:uri="http://schemas.openxmlformats.org/package/2006/metadata/core-properties"/>
-    <ds:schemaRef ds:uri="http://purl.org/dc/terms/"/>
-    <ds:schemaRef ds:uri="http://purl.org/dc/elements/1.1/"/>
-  </ds:schemaRefs>
-</ds:datastoreItem>
 </file>
--- a/Courses/Software-Sciences/Module-3-Databases-New/11-MS-Access/11-MS-Access.pptx
+++ b/Courses/Software-Sciences/Module-3-Databases-New/11-MS-Access/11-MS-Access.pptx
@@ -14705,7 +14705,41 @@
                 </a:solidFill>
                 <a:latin typeface="Consolas" pitchFamily="49" charset="0"/>
               </a:rPr>
-              <a:t>Click to Add</a:t>
+              <a:t>Click</a:t>
+            </a:r>
+            <a:r>
+              <a:rPr lang="en-US" sz="3500" b="1" dirty="0" smtClean="0">
+                <a:solidFill>
+                  <a:schemeClr val="bg1"/>
+                </a:solidFill>
+              </a:rPr>
+              <a:t> </a:t>
+            </a:r>
+            <a:r>
+              <a:rPr lang="en-US" sz="3500" b="1" dirty="0" smtClean="0">
+                <a:solidFill>
+                  <a:schemeClr val="bg1"/>
+                </a:solidFill>
+                <a:latin typeface="Consolas" pitchFamily="49" charset="0"/>
+              </a:rPr>
+              <a:t>to</a:t>
+            </a:r>
+            <a:r>
+              <a:rPr lang="en-US" sz="3500" b="1" dirty="0" smtClean="0">
+                <a:solidFill>
+                  <a:schemeClr val="bg1"/>
+                </a:solidFill>
+              </a:rPr>
+              <a:t> </a:t>
+            </a:r>
+            <a:r>
+              <a:rPr lang="en-US" sz="3500" b="1" dirty="0" smtClean="0">
+                <a:solidFill>
+                  <a:schemeClr val="bg1"/>
+                </a:solidFill>
+                <a:latin typeface="Consolas" pitchFamily="49" charset="0"/>
+              </a:rPr>
+              <a:t>Add</a:t>
             </a:r>
             <a:r>
               <a:rPr lang="en-US" sz="3500" dirty="0" smtClean="0">
@@ -14930,7 +14964,11 @@
               <a:t>Rename</a:t>
             </a:r>
             <a:r>
-              <a:rPr lang="en-US" sz="3500" b="1" dirty="0" smtClean="0"/>
+              <a:rPr lang="en-US" sz="3500" b="1" dirty="0" smtClean="0">
+                <a:solidFill>
+                  <a:schemeClr val="bg1"/>
+                </a:solidFill>
+              </a:rPr>
               <a:t> </a:t>
             </a:r>
             <a:r>
@@ -15376,7 +15414,32 @@
                 </a:solidFill>
                 <a:latin typeface="Consolas" pitchFamily="49" charset="0"/>
               </a:rPr>
-              <a:t>Click to </a:t>
+              <a:t>Click</a:t>
+            </a:r>
+            <a:r>
+              <a:rPr lang="en-US" sz="3200" b="1" dirty="0" smtClean="0">
+                <a:solidFill>
+                  <a:schemeClr val="bg1"/>
+                </a:solidFill>
+              </a:rPr>
+              <a:t> </a:t>
+            </a:r>
+            <a:r>
+              <a:rPr lang="en-US" sz="3200" b="1" dirty="0" smtClean="0">
+                <a:solidFill>
+                  <a:schemeClr val="bg1"/>
+                </a:solidFill>
+                <a:latin typeface="Consolas" pitchFamily="49" charset="0"/>
+              </a:rPr>
+              <a:t>to</a:t>
+            </a:r>
+            <a:r>
+              <a:rPr lang="en-US" sz="3200" b="1" dirty="0" smtClean="0">
+                <a:solidFill>
+                  <a:schemeClr val="bg1"/>
+                </a:solidFill>
+              </a:rPr>
+              <a:t> </a:t>
             </a:r>
             <a:r>
               <a:rPr lang="en-US" sz="3200" b="1" dirty="0" smtClean="0">
@@ -17691,13 +17754,30 @@
               <a:t>В раздела </a:t>
             </a:r>
             <a:r>
-              <a:rPr lang="en-US" b="1" dirty="0">
+              <a:rPr lang="en-US" b="1" dirty="0" smtClean="0">
                 <a:solidFill>
                   <a:schemeClr val="bg1"/>
                 </a:solidFill>
                 <a:latin typeface="Consolas" pitchFamily="49" charset="0"/>
               </a:rPr>
-              <a:t>External Data</a:t>
+              <a:t>External</a:t>
+            </a:r>
+            <a:r>
+              <a:rPr lang="en-US" sz="3200" b="1" dirty="0" smtClean="0">
+                <a:solidFill>
+                  <a:schemeClr val="bg1"/>
+                </a:solidFill>
+              </a:rPr>
+              <a:t> </a:t>
+            </a:r>
+            <a:r>
+              <a:rPr lang="en-US" b="1" dirty="0" smtClean="0">
+                <a:solidFill>
+                  <a:schemeClr val="bg1"/>
+                </a:solidFill>
+                <a:latin typeface="Consolas" pitchFamily="49" charset="0"/>
+              </a:rPr>
+              <a:t>Data</a:t>
             </a:r>
             <a:r>
               <a:rPr lang="bg-BG" dirty="0"/>
@@ -17708,16 +17788,50 @@
               <a:t> </a:t>
             </a:r>
             <a:r>
-              <a:rPr lang="en-US" b="1" dirty="0">
+              <a:rPr lang="en-US" b="1" dirty="0" smtClean="0">
                 <a:solidFill>
                   <a:schemeClr val="bg1"/>
                 </a:solidFill>
                 <a:latin typeface="Consolas" pitchFamily="49" charset="0"/>
               </a:rPr>
-              <a:t>Import &amp; Link</a:t>
-            </a:r>
-            <a:r>
-              <a:rPr lang="bg-BG" b="1" dirty="0">
+              <a:t>Import</a:t>
+            </a:r>
+            <a:r>
+              <a:rPr lang="en-US" sz="3200" b="1" dirty="0" smtClean="0">
+                <a:solidFill>
+                  <a:schemeClr val="bg1"/>
+                </a:solidFill>
+              </a:rPr>
+              <a:t> </a:t>
+            </a:r>
+            <a:r>
+              <a:rPr lang="en-US" b="1" dirty="0" smtClean="0">
+                <a:solidFill>
+                  <a:schemeClr val="bg1"/>
+                </a:solidFill>
+                <a:latin typeface="Consolas" pitchFamily="49" charset="0"/>
+              </a:rPr>
+              <a:t>&amp;</a:t>
+            </a:r>
+            <a:r>
+              <a:rPr lang="en-US" sz="3200" b="1" dirty="0" smtClean="0">
+                <a:solidFill>
+                  <a:schemeClr val="bg1"/>
+                </a:solidFill>
+              </a:rPr>
+              <a:t> </a:t>
+            </a:r>
+            <a:r>
+              <a:rPr lang="en-US" b="1" dirty="0" smtClean="0">
+                <a:solidFill>
+                  <a:schemeClr val="bg1"/>
+                </a:solidFill>
+                <a:latin typeface="Consolas" pitchFamily="49" charset="0"/>
+              </a:rPr>
+              <a:t>Link</a:t>
+            </a:r>
+            <a:r>
+              <a:rPr lang="bg-BG" b="1" dirty="0" smtClean="0">
                 <a:solidFill>
                   <a:schemeClr val="bg1"/>
                 </a:solidFill>
@@ -18258,24 +18372,56 @@
               <a:t>от групата </a:t>
             </a:r>
             <a:r>
-              <a:rPr lang="en-US" sz="3200" b="1" dirty="0">
+              <a:rPr lang="en-US" sz="3200" b="1" dirty="0" smtClean="0">
                 <a:solidFill>
                   <a:schemeClr val="bg1"/>
                 </a:solidFill>
                 <a:latin typeface="Consolas" pitchFamily="49" charset="0"/>
               </a:rPr>
-              <a:t>Import &amp; Link</a:t>
-            </a:r>
-            <a:r>
-              <a:rPr lang="bg-BG" sz="3200" b="1" dirty="0">
+              <a:t>Import</a:t>
+            </a:r>
+            <a:r>
+              <a:rPr lang="en-US" sz="3200" b="1" dirty="0" smtClean="0">
                 <a:solidFill>
                   <a:schemeClr val="bg1"/>
                 </a:solidFill>
               </a:rPr>
               <a:t> </a:t>
             </a:r>
-          </a:p>
-          <a:p>
+            <a:r>
+              <a:rPr lang="en-US" sz="3200" b="1" dirty="0" smtClean="0">
+                <a:solidFill>
+                  <a:schemeClr val="bg1"/>
+                </a:solidFill>
+                <a:latin typeface="Consolas" pitchFamily="49" charset="0"/>
+              </a:rPr>
+              <a:t>&amp;</a:t>
+            </a:r>
+            <a:r>
+              <a:rPr lang="en-US" sz="3200" b="1" dirty="0" smtClean="0">
+                <a:solidFill>
+                  <a:schemeClr val="bg1"/>
+                </a:solidFill>
+              </a:rPr>
+              <a:t> </a:t>
+            </a:r>
+            <a:r>
+              <a:rPr lang="en-US" sz="3200" b="1" dirty="0" smtClean="0">
+                <a:solidFill>
+                  <a:schemeClr val="bg1"/>
+                </a:solidFill>
+                <a:latin typeface="Consolas" pitchFamily="49" charset="0"/>
+              </a:rPr>
+              <a:t>Link</a:t>
+            </a:r>
+            <a:r>
+              <a:rPr lang="bg-BG" sz="3200" b="1" dirty="0" smtClean="0">
+                <a:solidFill>
+                  <a:schemeClr val="bg1"/>
+                </a:solidFill>
+              </a:rPr>
+              <a:t> </a:t>
+            </a:r>
             <a:endParaRPr lang="bg-BG" sz="3200" b="1" dirty="0">
               <a:solidFill>
                 <a:schemeClr val="bg1"/>
@@ -18283,6 +18429,13 @@
             </a:endParaRPr>
           </a:p>
           <a:p>
+            <a:endParaRPr lang="bg-BG" sz="3200" b="1" dirty="0">
+              <a:solidFill>
+                <a:schemeClr val="bg1"/>
+              </a:solidFill>
+            </a:endParaRPr>
+          </a:p>
+          <a:p>
             <a:pPr>
               <a:buNone/>
             </a:pPr>
@@ -18298,13 +18451,98 @@
               <a:t>"</a:t>
             </a:r>
             <a:r>
-              <a:rPr lang="en-US" sz="3200" b="1" dirty="0">
+              <a:rPr lang="en-US" sz="3200" b="1" dirty="0" smtClean="0">
                 <a:solidFill>
                   <a:schemeClr val="bg1"/>
                 </a:solidFill>
                 <a:latin typeface="Consolas" pitchFamily="49" charset="0"/>
               </a:rPr>
-              <a:t>Get External Data – Excel Spreadsheet</a:t>
+              <a:t>Get</a:t>
+            </a:r>
+            <a:r>
+              <a:rPr lang="en-US" sz="3200" b="1" dirty="0" smtClean="0">
+                <a:solidFill>
+                  <a:schemeClr val="bg1"/>
+                </a:solidFill>
+              </a:rPr>
+              <a:t> </a:t>
+            </a:r>
+            <a:r>
+              <a:rPr lang="en-US" sz="3200" b="1" dirty="0" smtClean="0">
+                <a:solidFill>
+                  <a:schemeClr val="bg1"/>
+                </a:solidFill>
+                <a:latin typeface="Consolas" pitchFamily="49" charset="0"/>
+              </a:rPr>
+              <a:t>External</a:t>
+            </a:r>
+            <a:r>
+              <a:rPr lang="en-US" sz="3200" b="1" dirty="0" smtClean="0">
+                <a:solidFill>
+                  <a:schemeClr val="bg1"/>
+                </a:solidFill>
+              </a:rPr>
+              <a:t> </a:t>
+            </a:r>
+            <a:r>
+              <a:rPr lang="en-US" sz="3200" b="1" dirty="0" smtClean="0">
+                <a:solidFill>
+                  <a:schemeClr val="bg1"/>
+                </a:solidFill>
+                <a:latin typeface="Consolas" pitchFamily="49" charset="0"/>
+              </a:rPr>
+              <a:t>Data</a:t>
+            </a:r>
+            <a:r>
+              <a:rPr lang="en-US" sz="3200" b="1" dirty="0" smtClean="0">
+                <a:solidFill>
+                  <a:schemeClr val="bg1"/>
+                </a:solidFill>
+              </a:rPr>
+              <a:t> </a:t>
+            </a:r>
+            <a:r>
+              <a:rPr lang="en-US" sz="3200" b="1" dirty="0" smtClean="0">
+                <a:solidFill>
+                  <a:schemeClr val="bg1"/>
+                </a:solidFill>
+                <a:latin typeface="Consolas" pitchFamily="49" charset="0"/>
+              </a:rPr>
+              <a:t>–</a:t>
+            </a:r>
+            <a:r>
+              <a:rPr lang="en-US" sz="3200" b="1" dirty="0" smtClean="0">
+                <a:solidFill>
+                  <a:schemeClr val="bg1"/>
+                </a:solidFill>
+              </a:rPr>
+              <a:t> </a:t>
+            </a:r>
+            <a:r>
+              <a:rPr lang="en-US" sz="3200" b="1" dirty="0" smtClean="0">
+                <a:solidFill>
+                  <a:schemeClr val="bg1"/>
+                </a:solidFill>
+                <a:latin typeface="Consolas" pitchFamily="49" charset="0"/>
+              </a:rPr>
+              <a:t>Excel</a:t>
+            </a:r>
+            <a:r>
+              <a:rPr lang="en-US" sz="3200" b="1" dirty="0" smtClean="0">
+                <a:solidFill>
+                  <a:schemeClr val="bg1"/>
+                </a:solidFill>
+              </a:rPr>
+              <a:t> </a:t>
+            </a:r>
+            <a:r>
+              <a:rPr lang="en-US" sz="3200" b="1" dirty="0" smtClean="0">
+                <a:solidFill>
+                  <a:schemeClr val="bg1"/>
+                </a:solidFill>
+                <a:latin typeface="Consolas" pitchFamily="49" charset="0"/>
+              </a:rPr>
+              <a:t>Spreadsheet</a:t>
             </a:r>
             <a:r>
               <a:rPr lang="en-US" sz="3200" dirty="0"/>
@@ -18355,13 +18593,143 @@
               <a:t>"</a:t>
             </a:r>
             <a:r>
-              <a:rPr lang="en-US" sz="3200" b="1" dirty="0">
+              <a:rPr lang="en-US" sz="3200" b="1" dirty="0" smtClean="0">
                 <a:solidFill>
                   <a:schemeClr val="bg1"/>
                 </a:solidFill>
                 <a:latin typeface="Consolas" pitchFamily="49" charset="0"/>
               </a:rPr>
-              <a:t>Import the source data into a new table in the current database</a:t>
+              <a:t>Import</a:t>
+            </a:r>
+            <a:r>
+              <a:rPr lang="en-US" dirty="0" smtClean="0"/>
+              <a:t> </a:t>
+            </a:r>
+            <a:r>
+              <a:rPr lang="en-US" sz="3200" b="1" dirty="0" smtClean="0">
+                <a:solidFill>
+                  <a:schemeClr val="bg1"/>
+                </a:solidFill>
+                <a:latin typeface="Consolas" pitchFamily="49" charset="0"/>
+              </a:rPr>
+              <a:t>the</a:t>
+            </a:r>
+            <a:r>
+              <a:rPr lang="en-US" dirty="0" smtClean="0"/>
+              <a:t> </a:t>
+            </a:r>
+            <a:r>
+              <a:rPr lang="en-US" sz="3200" b="1" dirty="0" smtClean="0">
+                <a:solidFill>
+                  <a:schemeClr val="bg1"/>
+                </a:solidFill>
+                <a:latin typeface="Consolas" pitchFamily="49" charset="0"/>
+              </a:rPr>
+              <a:t>source</a:t>
+            </a:r>
+            <a:r>
+              <a:rPr lang="en-US" dirty="0" smtClean="0"/>
+              <a:t> </a:t>
+            </a:r>
+            <a:r>
+              <a:rPr lang="en-US" sz="3200" b="1" dirty="0" smtClean="0">
+                <a:solidFill>
+                  <a:schemeClr val="bg1"/>
+                </a:solidFill>
+                <a:latin typeface="Consolas" pitchFamily="49" charset="0"/>
+              </a:rPr>
+              <a:t>data</a:t>
+            </a:r>
+            <a:r>
+              <a:rPr lang="en-US" dirty="0" smtClean="0"/>
+              <a:t> </a:t>
+            </a:r>
+            <a:r>
+              <a:rPr lang="en-US" sz="3200" b="1" dirty="0" smtClean="0">
+                <a:solidFill>
+                  <a:schemeClr val="bg1"/>
+                </a:solidFill>
+                <a:latin typeface="Consolas" pitchFamily="49" charset="0"/>
+              </a:rPr>
+              <a:t>into</a:t>
+            </a:r>
+            <a:r>
+              <a:rPr lang="en-US" dirty="0" smtClean="0"/>
+              <a:t> </a:t>
+            </a:r>
+            <a:r>
+              <a:rPr lang="en-US" sz="3200" b="1" dirty="0" smtClean="0">
+                <a:solidFill>
+                  <a:schemeClr val="bg1"/>
+                </a:solidFill>
+                <a:latin typeface="Consolas" pitchFamily="49" charset="0"/>
+              </a:rPr>
+              <a:t>a</a:t>
+            </a:r>
+            <a:r>
+              <a:rPr lang="en-US" dirty="0" smtClean="0"/>
+              <a:t> </a:t>
+            </a:r>
+            <a:r>
+              <a:rPr lang="en-US" sz="3200" b="1" dirty="0" smtClean="0">
+                <a:solidFill>
+                  <a:schemeClr val="bg1"/>
+                </a:solidFill>
+                <a:latin typeface="Consolas" pitchFamily="49" charset="0"/>
+              </a:rPr>
+              <a:t>new table</a:t>
+            </a:r>
+            <a:r>
+              <a:rPr lang="en-US" dirty="0" smtClean="0"/>
+              <a:t> </a:t>
+            </a:r>
+            <a:r>
+              <a:rPr lang="en-US" sz="3200" b="1" dirty="0" smtClean="0">
+                <a:solidFill>
+                  <a:schemeClr val="bg1"/>
+                </a:solidFill>
+                <a:latin typeface="Consolas" pitchFamily="49" charset="0"/>
+              </a:rPr>
+              <a:t>in</a:t>
+            </a:r>
+            <a:r>
+              <a:rPr lang="en-US" dirty="0" smtClean="0"/>
+              <a:t> </a:t>
+            </a:r>
+            <a:r>
+              <a:rPr lang="en-US" sz="3200" b="1" dirty="0" smtClean="0">
+                <a:solidFill>
+                  <a:schemeClr val="bg1"/>
+                </a:solidFill>
+                <a:latin typeface="Consolas" pitchFamily="49" charset="0"/>
+              </a:rPr>
+              <a:t>the</a:t>
+            </a:r>
+            <a:r>
+              <a:rPr lang="en-US" dirty="0" smtClean="0"/>
+              <a:t> </a:t>
+            </a:r>
+            <a:r>
+              <a:rPr lang="en-US" sz="3200" b="1" dirty="0" smtClean="0">
+                <a:solidFill>
+                  <a:schemeClr val="bg1"/>
+                </a:solidFill>
+                <a:latin typeface="Consolas" pitchFamily="49" charset="0"/>
+              </a:rPr>
+              <a:t>current</a:t>
+            </a:r>
+            <a:r>
+              <a:rPr lang="en-US" dirty="0" smtClean="0"/>
+              <a:t> </a:t>
+            </a:r>
+            <a:r>
+              <a:rPr lang="en-US" sz="3200" b="1" dirty="0" smtClean="0">
+                <a:solidFill>
+                  <a:schemeClr val="bg1"/>
+                </a:solidFill>
+                <a:latin typeface="Consolas" pitchFamily="49" charset="0"/>
+              </a:rPr>
+              <a:t>database</a:t>
             </a:r>
             <a:r>
               <a:rPr lang="en-US" sz="3200" dirty="0"/>
@@ -20975,16 +21343,33 @@
               <a:t>В </a:t>
             </a:r>
             <a:r>
-              <a:rPr lang="en-US" sz="3000" b="1" dirty="0">
+              <a:rPr lang="en-US" sz="3000" b="1" dirty="0" smtClean="0">
                 <a:solidFill>
                   <a:schemeClr val="bg1"/>
                 </a:solidFill>
                 <a:latin typeface="Consolas" pitchFamily="49" charset="0"/>
               </a:rPr>
-              <a:t>Navigation Pane</a:t>
-            </a:r>
-            <a:r>
-              <a:rPr lang="bg-BG" sz="3000" dirty="0"/>
+              <a:t>Navigation</a:t>
+            </a:r>
+            <a:r>
+              <a:rPr lang="en-US" sz="3200" b="1" dirty="0" smtClean="0">
+                <a:solidFill>
+                  <a:schemeClr val="bg1"/>
+                </a:solidFill>
+              </a:rPr>
+              <a:t> </a:t>
+            </a:r>
+            <a:r>
+              <a:rPr lang="en-US" sz="3000" b="1" dirty="0" smtClean="0">
+                <a:solidFill>
+                  <a:schemeClr val="bg1"/>
+                </a:solidFill>
+                <a:latin typeface="Consolas" pitchFamily="49" charset="0"/>
+              </a:rPr>
+              <a:t>Pane</a:t>
+            </a:r>
+            <a:r>
+              <a:rPr lang="bg-BG" sz="3000" dirty="0" smtClean="0"/>
               <a:t> </a:t>
             </a:r>
             <a:r>

--- a/Courses/Software-Sciences/Module-3-Databases-New/11-MS-Access/11-MS-Access.pptx
+++ b/Courses/Software-Sciences/Module-3-Databases-New/11-MS-Access/11-MS-Access.pptx
@@ -5,10 +5,10 @@
     <p:sldMasterId id="2147483675" r:id="rId4"/>
   </p:sldMasterIdLst>
   <p:notesMasterIdLst>
-    <p:notesMasterId r:id="rId37"/>
+    <p:notesMasterId r:id="rId40"/>
   </p:notesMasterIdLst>
   <p:handoutMasterIdLst>
-    <p:handoutMasterId r:id="rId38"/>
+    <p:handoutMasterId r:id="rId41"/>
   </p:handoutMasterIdLst>
   <p:sldIdLst>
     <p:sldId id="503" r:id="rId5"/>
@@ -36,13 +36,16 @@
     <p:sldId id="544" r:id="rId27"/>
     <p:sldId id="545" r:id="rId28"/>
     <p:sldId id="546" r:id="rId29"/>
-    <p:sldId id="547" r:id="rId30"/>
-    <p:sldId id="548" r:id="rId31"/>
-    <p:sldId id="549" r:id="rId32"/>
-    <p:sldId id="550" r:id="rId33"/>
-    <p:sldId id="349" r:id="rId34"/>
-    <p:sldId id="256" r:id="rId35"/>
-    <p:sldId id="493" r:id="rId36"/>
+    <p:sldId id="548" r:id="rId30"/>
+    <p:sldId id="549" r:id="rId31"/>
+    <p:sldId id="550" r:id="rId32"/>
+    <p:sldId id="551" r:id="rId33"/>
+    <p:sldId id="552" r:id="rId34"/>
+    <p:sldId id="553" r:id="rId35"/>
+    <p:sldId id="554" r:id="rId36"/>
+    <p:sldId id="349" r:id="rId37"/>
+    <p:sldId id="256" r:id="rId38"/>
+    <p:sldId id="493" r:id="rId39"/>
   </p:sldIdLst>
   <p:sldSz cx="12192000" cy="6858000"/>
   <p:notesSz cx="6858000" cy="9144000"/>
@@ -143,7 +146,7 @@
   </p:defaultTextStyle>
   <p:extLst>
     <p:ext uri="{521415D9-36F7-43E2-AB2F-B90AF26B5E84}">
-      <p14:sectionLst xmlns:p14="http://schemas.microsoft.com/office/powerpoint/2010/main" xmlns="">
+      <p14:sectionLst xmlns="" xmlns:p14="http://schemas.microsoft.com/office/powerpoint/2010/main">
         <p14:section name="Въведение" id="{A0C7653D-1924-4F56-9E27-AA2B21F1DA92}">
           <p14:sldIdLst>
             <p14:sldId id="503"/>
@@ -207,7 +210,7 @@
       </p14:sectionLst>
     </p:ext>
     <p:ext uri="{EFAFB233-063F-42B5-8137-9DF3F51BA10A}">
-      <p15:sldGuideLst xmlns:p15="http://schemas.microsoft.com/office/powerpoint/2012/main" xmlns="">
+      <p15:sldGuideLst xmlns="" xmlns:p15="http://schemas.microsoft.com/office/powerpoint/2012/main">
         <p15:guide id="1" orient="horz" pos="2184" userDrawn="1">
           <p15:clr>
             <a:srgbClr val="A4A3A4"/>
@@ -221,7 +224,7 @@
       </p15:sldGuideLst>
     </p:ext>
     <p:ext uri="{2D200454-40CA-4A62-9FC3-DE9A4176ACB9}">
-      <p15:notesGuideLst xmlns:p15="http://schemas.microsoft.com/office/powerpoint/2012/main" xmlns=""/>
+      <p15:notesGuideLst xmlns="" xmlns:p15="http://schemas.microsoft.com/office/powerpoint/2012/main"/>
     </p:ext>
   </p:extLst>
 </p:presentation>
@@ -254,7 +257,7 @@
           <p:cNvPr id="2" name="Header Placeholder 1">
             <a:extLst>
               <a:ext uri="{FF2B5EF4-FFF2-40B4-BE49-F238E27FC236}">
-                <a16:creationId xmlns:a16="http://schemas.microsoft.com/office/drawing/2014/main" xmlns="" id="{56F20103-83CC-4A54-8FDE-9D37FC2629C0}"/>
+                <a16:creationId xmlns="" xmlns:a16="http://schemas.microsoft.com/office/drawing/2014/main" id="{56F20103-83CC-4A54-8FDE-9D37FC2629C0}"/>
               </a:ext>
             </a:extLst>
           </p:cNvPr>
@@ -291,7 +294,7 @@
           <p:cNvPr id="3" name="Date Placeholder 2">
             <a:extLst>
               <a:ext uri="{FF2B5EF4-FFF2-40B4-BE49-F238E27FC236}">
-                <a16:creationId xmlns:a16="http://schemas.microsoft.com/office/drawing/2014/main" xmlns="" id="{27A53962-26EF-44E4-9E69-61B1727AB1C2}"/>
+                <a16:creationId xmlns="" xmlns:a16="http://schemas.microsoft.com/office/drawing/2014/main" id="{27A53962-26EF-44E4-9E69-61B1727AB1C2}"/>
               </a:ext>
             </a:extLst>
           </p:cNvPr>
@@ -322,7 +325,7 @@
             <a:fld id="{4E087215-0C8F-4762-A664-737A353EC9A4}" type="datetimeFigureOut">
               <a:rPr lang="bg-BG" smtClean="0"/>
               <a:pPr/>
-              <a:t>7.9.2023 г.</a:t>
+              <a:t>8.9.2023 г.</a:t>
             </a:fld>
             <a:endParaRPr lang="bg-BG" dirty="0"/>
           </a:p>
@@ -333,7 +336,7 @@
           <p:cNvPr id="4" name="Footer Placeholder 3">
             <a:extLst>
               <a:ext uri="{FF2B5EF4-FFF2-40B4-BE49-F238E27FC236}">
-                <a16:creationId xmlns:a16="http://schemas.microsoft.com/office/drawing/2014/main" xmlns="" id="{28A6967E-448F-4887-8FCB-34482EFBCC74}"/>
+                <a16:creationId xmlns="" xmlns:a16="http://schemas.microsoft.com/office/drawing/2014/main" id="{28A6967E-448F-4887-8FCB-34482EFBCC74}"/>
               </a:ext>
             </a:extLst>
           </p:cNvPr>
@@ -383,7 +386,7 @@
           <p:cNvPr id="5" name="Slide Number Placeholder 4">
             <a:extLst>
               <a:ext uri="{FF2B5EF4-FFF2-40B4-BE49-F238E27FC236}">
-                <a16:creationId xmlns:a16="http://schemas.microsoft.com/office/drawing/2014/main" xmlns="" id="{8B6554C2-DDBA-40E2-9536-53A07EC50274}"/>
+                <a16:creationId xmlns="" xmlns:a16="http://schemas.microsoft.com/office/drawing/2014/main" id="{8B6554C2-DDBA-40E2-9536-53A07EC50274}"/>
               </a:ext>
             </a:extLst>
           </p:cNvPr>
@@ -423,7 +426,7 @@
     </p:spTree>
     <p:extLst>
       <p:ext uri="{BB962C8B-B14F-4D97-AF65-F5344CB8AC3E}">
-        <p14:creationId xmlns:p14="http://schemas.microsoft.com/office/powerpoint/2010/main" xmlns="" val="4150602968"/>
+        <p14:creationId xmlns="" xmlns:p14="http://schemas.microsoft.com/office/powerpoint/2010/main" val="4150602968"/>
       </p:ext>
     </p:extLst>
   </p:cSld>
@@ -515,7 +518,7 @@
             <a:fld id="{72D84649-876A-46C9-8472-14CB09C070D8}" type="datetimeFigureOut">
               <a:rPr lang="en-US" smtClean="0"/>
               <a:pPr/>
-              <a:t>9/7/2023</a:t>
+              <a:t>9/8/2023</a:t>
             </a:fld>
             <a:endParaRPr lang="en-US" dirty="0"/>
           </a:p>
@@ -654,7 +657,7 @@
           <p:cNvPr id="8" name="Footer Placeholder 7">
             <a:extLst>
               <a:ext uri="{FF2B5EF4-FFF2-40B4-BE49-F238E27FC236}">
-                <a16:creationId xmlns:a16="http://schemas.microsoft.com/office/drawing/2014/main" xmlns="" id="{CAC3A49B-3196-44DF-AC28-085C72EFBFF0}"/>
+                <a16:creationId xmlns="" xmlns:a16="http://schemas.microsoft.com/office/drawing/2014/main" id="{CAC3A49B-3196-44DF-AC28-085C72EFBFF0}"/>
               </a:ext>
             </a:extLst>
           </p:cNvPr>
@@ -702,7 +705,7 @@
     </p:spTree>
     <p:extLst>
       <p:ext uri="{BB962C8B-B14F-4D97-AF65-F5344CB8AC3E}">
-        <p14:creationId xmlns:p14="http://schemas.microsoft.com/office/powerpoint/2010/main" xmlns="" val="1530847692"/>
+        <p14:creationId xmlns="" xmlns:p14="http://schemas.microsoft.com/office/powerpoint/2010/main" val="1530847692"/>
       </p:ext>
     </p:extLst>
   </p:cSld>
@@ -849,7 +852,7 @@
           <p:cNvPr id="8" name="Slide Image Placeholder 7">
             <a:extLst>
               <a:ext uri="{FF2B5EF4-FFF2-40B4-BE49-F238E27FC236}">
-                <a16:creationId xmlns:a16="http://schemas.microsoft.com/office/drawing/2014/main" xmlns="" id="{78811095-27E9-49AB-972B-D4E20B3963A6}"/>
+                <a16:creationId xmlns="" xmlns:a16="http://schemas.microsoft.com/office/drawing/2014/main" id="{78811095-27E9-49AB-972B-D4E20B3963A6}"/>
               </a:ext>
             </a:extLst>
           </p:cNvPr>
@@ -867,7 +870,7 @@
           <p:cNvPr id="9" name="Notes Placeholder 8">
             <a:extLst>
               <a:ext uri="{FF2B5EF4-FFF2-40B4-BE49-F238E27FC236}">
-                <a16:creationId xmlns:a16="http://schemas.microsoft.com/office/drawing/2014/main" xmlns="" id="{E923224B-0CC3-475A-8628-8A90751AE61A}"/>
+                <a16:creationId xmlns="" xmlns:a16="http://schemas.microsoft.com/office/drawing/2014/main" id="{E923224B-0CC3-475A-8628-8A90751AE61A}"/>
               </a:ext>
             </a:extLst>
           </p:cNvPr>
@@ -892,7 +895,7 @@
           <p:cNvPr id="2" name="Footer Placeholder 1">
             <a:extLst>
               <a:ext uri="{FF2B5EF4-FFF2-40B4-BE49-F238E27FC236}">
-                <a16:creationId xmlns:a16="http://schemas.microsoft.com/office/drawing/2014/main" xmlns="" id="{3288A3F3-90B1-4930-8D00-5603BDABEF10}"/>
+                <a16:creationId xmlns="" xmlns:a16="http://schemas.microsoft.com/office/drawing/2014/main" id="{3288A3F3-90B1-4930-8D00-5603BDABEF10}"/>
               </a:ext>
             </a:extLst>
           </p:cNvPr>
@@ -928,7 +931,7 @@
     </p:spTree>
     <p:extLst>
       <p:ext uri="{BB962C8B-B14F-4D97-AF65-F5344CB8AC3E}">
-        <p14:creationId xmlns:p14="http://schemas.microsoft.com/office/powerpoint/2010/main" xmlns="" val="2594489433"/>
+        <p14:creationId xmlns="" xmlns:p14="http://schemas.microsoft.com/office/powerpoint/2010/main" val="2594489433"/>
       </p:ext>
     </p:extLst>
   </p:cSld>
@@ -979,9 +982,7 @@
         </p:nvSpPr>
         <p:spPr/>
         <p:txBody>
-          <a:bodyPr>
-            <a:normAutofit/>
-          </a:bodyPr>
+          <a:bodyPr/>
           <a:lstStyle/>
           <a:p>
             <a:endParaRPr lang="en-US" dirty="0"/>
@@ -990,12 +991,148 @@
       </p:sp>
       <p:sp>
         <p:nvSpPr>
-          <p:cNvPr id="4" name="Slide Number Placeholder 3"/>
+          <p:cNvPr id="7" name="Slide Number Placeholder 5">
+            <a:extLst>
+              <a:ext uri="{FF2B5EF4-FFF2-40B4-BE49-F238E27FC236}">
+                <a16:creationId xmlns="" xmlns:a16="http://schemas.microsoft.com/office/drawing/2014/main" id="{E65F1CA9-65DC-416B-8882-B3A5E415CE67}"/>
+              </a:ext>
+            </a:extLst>
+          </p:cNvPr>
+          <p:cNvSpPr txBox="1">
+            <a:spLocks/>
+          </p:cNvSpPr>
+          <p:nvPr/>
+        </p:nvSpPr>
+        <p:spPr>
+          <a:xfrm>
+            <a:off x="6488999" y="8847000"/>
+            <a:ext cx="367414" cy="297000"/>
+          </a:xfrm>
+          <a:prstGeom prst="rect">
+            <a:avLst/>
+          </a:prstGeom>
+        </p:spPr>
+        <p:txBody>
+          <a:bodyPr vert="horz" lIns="91440" tIns="45720" rIns="91440" bIns="45720" rtlCol="0" anchor="b"/>
+          <a:lstStyle>
+            <a:defPPr>
+              <a:defRPr lang="en-US"/>
+            </a:defPPr>
+            <a:lvl1pPr marL="0" algn="r" defTabSz="914400" rtl="0" eaLnBrk="1" latinLnBrk="0" hangingPunct="1">
+              <a:defRPr sz="1200" kern="1200">
+                <a:solidFill>
+                  <a:schemeClr val="tx1"/>
+                </a:solidFill>
+                <a:latin typeface="+mn-lt"/>
+                <a:ea typeface="+mn-ea"/>
+                <a:cs typeface="+mn-cs"/>
+              </a:defRPr>
+            </a:lvl1pPr>
+            <a:lvl2pPr marL="457200" algn="l" defTabSz="914400" rtl="0" eaLnBrk="1" latinLnBrk="0" hangingPunct="1">
+              <a:defRPr sz="1800" kern="1200">
+                <a:solidFill>
+                  <a:schemeClr val="tx1"/>
+                </a:solidFill>
+                <a:latin typeface="+mn-lt"/>
+                <a:ea typeface="+mn-ea"/>
+                <a:cs typeface="+mn-cs"/>
+              </a:defRPr>
+            </a:lvl2pPr>
+            <a:lvl3pPr marL="914400" algn="l" defTabSz="914400" rtl="0" eaLnBrk="1" latinLnBrk="0" hangingPunct="1">
+              <a:defRPr sz="1800" kern="1200">
+                <a:solidFill>
+                  <a:schemeClr val="tx1"/>
+                </a:solidFill>
+                <a:latin typeface="+mn-lt"/>
+                <a:ea typeface="+mn-ea"/>
+                <a:cs typeface="+mn-cs"/>
+              </a:defRPr>
+            </a:lvl3pPr>
+            <a:lvl4pPr marL="1371600" algn="l" defTabSz="914400" rtl="0" eaLnBrk="1" latinLnBrk="0" hangingPunct="1">
+              <a:defRPr sz="1800" kern="1200">
+                <a:solidFill>
+                  <a:schemeClr val="tx1"/>
+                </a:solidFill>
+                <a:latin typeface="+mn-lt"/>
+                <a:ea typeface="+mn-ea"/>
+                <a:cs typeface="+mn-cs"/>
+              </a:defRPr>
+            </a:lvl4pPr>
+            <a:lvl5pPr marL="1828800" algn="l" defTabSz="914400" rtl="0" eaLnBrk="1" latinLnBrk="0" hangingPunct="1">
+              <a:defRPr sz="1800" kern="1200">
+                <a:solidFill>
+                  <a:schemeClr val="tx1"/>
+                </a:solidFill>
+                <a:latin typeface="+mn-lt"/>
+                <a:ea typeface="+mn-ea"/>
+                <a:cs typeface="+mn-cs"/>
+              </a:defRPr>
+            </a:lvl5pPr>
+            <a:lvl6pPr marL="2286000" algn="l" defTabSz="914400" rtl="0" eaLnBrk="1" latinLnBrk="0" hangingPunct="1">
+              <a:defRPr sz="1800" kern="1200">
+                <a:solidFill>
+                  <a:schemeClr val="tx1"/>
+                </a:solidFill>
+                <a:latin typeface="+mn-lt"/>
+                <a:ea typeface="+mn-ea"/>
+                <a:cs typeface="+mn-cs"/>
+              </a:defRPr>
+            </a:lvl6pPr>
+            <a:lvl7pPr marL="2743200" algn="l" defTabSz="914400" rtl="0" eaLnBrk="1" latinLnBrk="0" hangingPunct="1">
+              <a:defRPr sz="1800" kern="1200">
+                <a:solidFill>
+                  <a:schemeClr val="tx1"/>
+                </a:solidFill>
+                <a:latin typeface="+mn-lt"/>
+                <a:ea typeface="+mn-ea"/>
+                <a:cs typeface="+mn-cs"/>
+              </a:defRPr>
+            </a:lvl7pPr>
+            <a:lvl8pPr marL="3200400" algn="l" defTabSz="914400" rtl="0" eaLnBrk="1" latinLnBrk="0" hangingPunct="1">
+              <a:defRPr sz="1800" kern="1200">
+                <a:solidFill>
+                  <a:schemeClr val="tx1"/>
+                </a:solidFill>
+                <a:latin typeface="+mn-lt"/>
+                <a:ea typeface="+mn-ea"/>
+                <a:cs typeface="+mn-cs"/>
+              </a:defRPr>
+            </a:lvl8pPr>
+            <a:lvl9pPr marL="3657600" algn="l" defTabSz="914400" rtl="0" eaLnBrk="1" latinLnBrk="0" hangingPunct="1">
+              <a:defRPr sz="1800" kern="1200">
+                <a:solidFill>
+                  <a:schemeClr val="tx1"/>
+                </a:solidFill>
+                <a:latin typeface="+mn-lt"/>
+                <a:ea typeface="+mn-ea"/>
+                <a:cs typeface="+mn-cs"/>
+              </a:defRPr>
+            </a:lvl9pPr>
+          </a:lstStyle>
+          <a:p>
+            <a:fld id="{3EBA5BD7-F043-4D1B-AA17-CD412FC534DE}" type="slidenum">
+              <a:rPr lang="en-US" smtClean="0"/>
+              <a:pPr/>
+              <a:t>33</a:t>
+            </a:fld>
+            <a:endParaRPr lang="en-US" dirty="0"/>
+          </a:p>
+        </p:txBody>
+      </p:sp>
+      <p:sp>
+        <p:nvSpPr>
+          <p:cNvPr id="4" name="Footer Placeholder 3">
+            <a:extLst>
+              <a:ext uri="{FF2B5EF4-FFF2-40B4-BE49-F238E27FC236}">
+                <a16:creationId xmlns="" xmlns:a16="http://schemas.microsoft.com/office/drawing/2014/main" id="{C5BD11C3-9FCD-4EAE-876D-E766924FAFF2}"/>
+              </a:ext>
+            </a:extLst>
+          </p:cNvPr>
           <p:cNvSpPr>
             <a:spLocks noGrp="1"/>
           </p:cNvSpPr>
           <p:nvPr>
-            <p:ph type="sldNum" sz="quarter" idx="10"/>
+            <p:ph type="ftr" sz="quarter" idx="4"/>
           </p:nvPr>
         </p:nvSpPr>
         <p:spPr/>
@@ -1003,49 +1140,29 @@
           <a:bodyPr/>
           <a:lstStyle/>
           <a:p>
-            <a:fld id="{2BF067CD-8E6B-4360-9AA8-C5DF2A48A6D1}" type="slidenum">
-              <a:rPr lang="en-US" smtClean="0"/>
-              <a:pPr/>
-              <a:t>28</a:t>
-            </a:fld>
-            <a:endParaRPr lang="en-US" dirty="0"/>
-          </a:p>
-        </p:txBody>
-      </p:sp>
-      <p:sp>
-        <p:nvSpPr>
-          <p:cNvPr id="5" name="Footer Placeholder 4"/>
-          <p:cNvSpPr>
-            <a:spLocks noGrp="1"/>
-          </p:cNvSpPr>
-          <p:nvPr>
-            <p:ph type="ftr" sz="quarter" idx="11"/>
-          </p:nvPr>
-        </p:nvSpPr>
-        <p:spPr/>
-        <p:txBody>
-          <a:bodyPr/>
-          <a:lstStyle/>
-          <a:p>
-            <a:r>
-              <a:rPr lang="en-US"/>
+            <a:r>
+              <a:rPr lang="en-US" dirty="0"/>
               <a:t>© SoftUni – </a:t>
             </a:r>
             <a:r>
-              <a:rPr lang="en-US" u="sng">
+              <a:rPr lang="en-US" u="sng" dirty="0">
                 <a:hlinkClick r:id="rId3"/>
               </a:rPr>
               <a:t>https://softuni.org</a:t>
             </a:r>
             <a:r>
-              <a:rPr lang="en-US"/>
+              <a:rPr lang="en-US" dirty="0"/>
               <a:t>. Copyrighted document. Unauthorized copy or reproduction is not permitted.</a:t>
             </a:r>
-            <a:endParaRPr lang="en-US" dirty="0"/>
           </a:p>
         </p:txBody>
       </p:sp>
     </p:spTree>
+    <p:extLst>
+      <p:ext uri="{BB962C8B-B14F-4D97-AF65-F5344CB8AC3E}">
+        <p14:creationId xmlns="" xmlns:p14="http://schemas.microsoft.com/office/powerpoint/2010/main" val="1860974293"/>
+      </p:ext>
+    </p:extLst>
   </p:cSld>
   <p:clrMapOvr>
     <a:masterClrMapping/>
@@ -1097,154 +1214,18 @@
           <a:bodyPr/>
           <a:lstStyle/>
           <a:p>
-            <a:endParaRPr lang="en-US" dirty="0"/>
+            <a:endParaRPr lang="x-none"/>
           </a:p>
         </p:txBody>
       </p:sp>
       <p:sp>
         <p:nvSpPr>
-          <p:cNvPr id="7" name="Slide Number Placeholder 5">
-            <a:extLst>
-              <a:ext uri="{FF2B5EF4-FFF2-40B4-BE49-F238E27FC236}">
-                <a16:creationId xmlns:a16="http://schemas.microsoft.com/office/drawing/2014/main" xmlns="" id="{E65F1CA9-65DC-416B-8882-B3A5E415CE67}"/>
-              </a:ext>
-            </a:extLst>
-          </p:cNvPr>
-          <p:cNvSpPr txBox="1">
-            <a:spLocks/>
-          </p:cNvSpPr>
-          <p:nvPr/>
-        </p:nvSpPr>
-        <p:spPr>
-          <a:xfrm>
-            <a:off x="6488999" y="8847000"/>
-            <a:ext cx="367414" cy="297000"/>
-          </a:xfrm>
-          <a:prstGeom prst="rect">
-            <a:avLst/>
-          </a:prstGeom>
-        </p:spPr>
-        <p:txBody>
-          <a:bodyPr vert="horz" lIns="91440" tIns="45720" rIns="91440" bIns="45720" rtlCol="0" anchor="b"/>
-          <a:lstStyle>
-            <a:defPPr>
-              <a:defRPr lang="en-US"/>
-            </a:defPPr>
-            <a:lvl1pPr marL="0" algn="r" defTabSz="914400" rtl="0" eaLnBrk="1" latinLnBrk="0" hangingPunct="1">
-              <a:defRPr sz="1200" kern="1200">
-                <a:solidFill>
-                  <a:schemeClr val="tx1"/>
-                </a:solidFill>
-                <a:latin typeface="+mn-lt"/>
-                <a:ea typeface="+mn-ea"/>
-                <a:cs typeface="+mn-cs"/>
-              </a:defRPr>
-            </a:lvl1pPr>
-            <a:lvl2pPr marL="457200" algn="l" defTabSz="914400" rtl="0" eaLnBrk="1" latinLnBrk="0" hangingPunct="1">
-              <a:defRPr sz="1800" kern="1200">
-                <a:solidFill>
-                  <a:schemeClr val="tx1"/>
-                </a:solidFill>
-                <a:latin typeface="+mn-lt"/>
-                <a:ea typeface="+mn-ea"/>
-                <a:cs typeface="+mn-cs"/>
-              </a:defRPr>
-            </a:lvl2pPr>
-            <a:lvl3pPr marL="914400" algn="l" defTabSz="914400" rtl="0" eaLnBrk="1" latinLnBrk="0" hangingPunct="1">
-              <a:defRPr sz="1800" kern="1200">
-                <a:solidFill>
-                  <a:schemeClr val="tx1"/>
-                </a:solidFill>
-                <a:latin typeface="+mn-lt"/>
-                <a:ea typeface="+mn-ea"/>
-                <a:cs typeface="+mn-cs"/>
-              </a:defRPr>
-            </a:lvl3pPr>
-            <a:lvl4pPr marL="1371600" algn="l" defTabSz="914400" rtl="0" eaLnBrk="1" latinLnBrk="0" hangingPunct="1">
-              <a:defRPr sz="1800" kern="1200">
-                <a:solidFill>
-                  <a:schemeClr val="tx1"/>
-                </a:solidFill>
-                <a:latin typeface="+mn-lt"/>
-                <a:ea typeface="+mn-ea"/>
-                <a:cs typeface="+mn-cs"/>
-              </a:defRPr>
-            </a:lvl4pPr>
-            <a:lvl5pPr marL="1828800" algn="l" defTabSz="914400" rtl="0" eaLnBrk="1" latinLnBrk="0" hangingPunct="1">
-              <a:defRPr sz="1800" kern="1200">
-                <a:solidFill>
-                  <a:schemeClr val="tx1"/>
-                </a:solidFill>
-                <a:latin typeface="+mn-lt"/>
-                <a:ea typeface="+mn-ea"/>
-                <a:cs typeface="+mn-cs"/>
-              </a:defRPr>
-            </a:lvl5pPr>
-            <a:lvl6pPr marL="2286000" algn="l" defTabSz="914400" rtl="0" eaLnBrk="1" latinLnBrk="0" hangingPunct="1">
-              <a:defRPr sz="1800" kern="1200">
-                <a:solidFill>
-                  <a:schemeClr val="tx1"/>
-                </a:solidFill>
-                <a:latin typeface="+mn-lt"/>
-                <a:ea typeface="+mn-ea"/>
-                <a:cs typeface="+mn-cs"/>
-              </a:defRPr>
-            </a:lvl6pPr>
-            <a:lvl7pPr marL="2743200" algn="l" defTabSz="914400" rtl="0" eaLnBrk="1" latinLnBrk="0" hangingPunct="1">
-              <a:defRPr sz="1800" kern="1200">
-                <a:solidFill>
-                  <a:schemeClr val="tx1"/>
-                </a:solidFill>
-                <a:latin typeface="+mn-lt"/>
-                <a:ea typeface="+mn-ea"/>
-                <a:cs typeface="+mn-cs"/>
-              </a:defRPr>
-            </a:lvl7pPr>
-            <a:lvl8pPr marL="3200400" algn="l" defTabSz="914400" rtl="0" eaLnBrk="1" latinLnBrk="0" hangingPunct="1">
-              <a:defRPr sz="1800" kern="1200">
-                <a:solidFill>
-                  <a:schemeClr val="tx1"/>
-                </a:solidFill>
-                <a:latin typeface="+mn-lt"/>
-                <a:ea typeface="+mn-ea"/>
-                <a:cs typeface="+mn-cs"/>
-              </a:defRPr>
-            </a:lvl8pPr>
-            <a:lvl9pPr marL="3657600" algn="l" defTabSz="914400" rtl="0" eaLnBrk="1" latinLnBrk="0" hangingPunct="1">
-              <a:defRPr sz="1800" kern="1200">
-                <a:solidFill>
-                  <a:schemeClr val="tx1"/>
-                </a:solidFill>
-                <a:latin typeface="+mn-lt"/>
-                <a:ea typeface="+mn-ea"/>
-                <a:cs typeface="+mn-cs"/>
-              </a:defRPr>
-            </a:lvl9pPr>
-          </a:lstStyle>
-          <a:p>
-            <a:fld id="{3EBA5BD7-F043-4D1B-AA17-CD412FC534DE}" type="slidenum">
-              <a:rPr lang="en-US" smtClean="0"/>
-              <a:pPr/>
-              <a:t>30</a:t>
-            </a:fld>
-            <a:endParaRPr lang="en-US" dirty="0"/>
-          </a:p>
-        </p:txBody>
-      </p:sp>
-      <p:sp>
-        <p:nvSpPr>
-          <p:cNvPr id="4" name="Footer Placeholder 3">
-            <a:extLst>
-              <a:ext uri="{FF2B5EF4-FFF2-40B4-BE49-F238E27FC236}">
-                <a16:creationId xmlns:a16="http://schemas.microsoft.com/office/drawing/2014/main" xmlns="" id="{C5BD11C3-9FCD-4EAE-876D-E766924FAFF2}"/>
-              </a:ext>
-            </a:extLst>
-          </p:cNvPr>
+          <p:cNvPr id="4" name="Slide Number Placeholder 3"/>
           <p:cNvSpPr>
             <a:spLocks noGrp="1"/>
           </p:cNvSpPr>
           <p:nvPr>
-            <p:ph type="ftr" sz="quarter" idx="4"/>
+            <p:ph type="sldNum" sz="quarter" idx="5"/>
           </p:nvPr>
         </p:nvSpPr>
         <p:spPr/>
@@ -1252,27 +1233,19 @@
           <a:bodyPr/>
           <a:lstStyle/>
           <a:p>
-            <a:r>
-              <a:rPr lang="en-US" dirty="0"/>
-              <a:t>© SoftUni – </a:t>
-            </a:r>
-            <a:r>
-              <a:rPr lang="en-US" u="sng" dirty="0">
-                <a:hlinkClick r:id="rId3"/>
-              </a:rPr>
-              <a:t>https://softuni.org</a:t>
-            </a:r>
-            <a:r>
-              <a:rPr lang="en-US" dirty="0"/>
-              <a:t>. Copyrighted document. Unauthorized copy or reproduction is not permitted.</a:t>
-            </a:r>
+            <a:fld id="{85C0F205-FB23-4B4A-AA1E-CC80DEDB9B7E}" type="slidenum">
+              <a:rPr lang="x-none" smtClean="0"/>
+              <a:pPr/>
+              <a:t>34</a:t>
+            </a:fld>
+            <a:endParaRPr lang="x-none"/>
           </a:p>
         </p:txBody>
       </p:sp>
     </p:spTree>
     <p:extLst>
       <p:ext uri="{BB962C8B-B14F-4D97-AF65-F5344CB8AC3E}">
-        <p14:creationId xmlns:p14="http://schemas.microsoft.com/office/powerpoint/2010/main" xmlns="" val="1860974293"/>
+        <p14:creationId xmlns="" xmlns:p14="http://schemas.microsoft.com/office/powerpoint/2010/main" val="1201445929"/>
       </p:ext>
     </p:extLst>
   </p:cSld>
@@ -1326,91 +1299,6 @@
           <a:bodyPr/>
           <a:lstStyle/>
           <a:p>
-            <a:endParaRPr lang="x-none"/>
-          </a:p>
-        </p:txBody>
-      </p:sp>
-      <p:sp>
-        <p:nvSpPr>
-          <p:cNvPr id="4" name="Slide Number Placeholder 3"/>
-          <p:cNvSpPr>
-            <a:spLocks noGrp="1"/>
-          </p:cNvSpPr>
-          <p:nvPr>
-            <p:ph type="sldNum" sz="quarter" idx="5"/>
-          </p:nvPr>
-        </p:nvSpPr>
-        <p:spPr/>
-        <p:txBody>
-          <a:bodyPr/>
-          <a:lstStyle/>
-          <a:p>
-            <a:fld id="{85C0F205-FB23-4B4A-AA1E-CC80DEDB9B7E}" type="slidenum">
-              <a:rPr lang="x-none" smtClean="0"/>
-              <a:pPr/>
-              <a:t>31</a:t>
-            </a:fld>
-            <a:endParaRPr lang="x-none"/>
-          </a:p>
-        </p:txBody>
-      </p:sp>
-    </p:spTree>
-    <p:extLst>
-      <p:ext uri="{BB962C8B-B14F-4D97-AF65-F5344CB8AC3E}">
-        <p14:creationId xmlns:p14="http://schemas.microsoft.com/office/powerpoint/2010/main" xmlns="" val="1201445929"/>
-      </p:ext>
-    </p:extLst>
-  </p:cSld>
-  <p:clrMapOvr>
-    <a:masterClrMapping/>
-  </p:clrMapOvr>
-</p:notes>
-</file>
-
-<file path=ppt/notesSlides/notesSlide13.xml><?xml version="1.0" encoding="utf-8"?>
-<p:notes xmlns:a="http://schemas.openxmlformats.org/drawingml/2006/main" xmlns:r="http://schemas.openxmlformats.org/officeDocument/2006/relationships" xmlns:p="http://schemas.openxmlformats.org/presentationml/2006/main">
-  <p:cSld>
-    <p:spTree>
-      <p:nvGrpSpPr>
-        <p:cNvPr id="1" name=""/>
-        <p:cNvGrpSpPr/>
-        <p:nvPr/>
-      </p:nvGrpSpPr>
-      <p:grpSpPr>
-        <a:xfrm>
-          <a:off x="0" y="0"/>
-          <a:ext cx="0" cy="0"/>
-          <a:chOff x="0" y="0"/>
-          <a:chExt cx="0" cy="0"/>
-        </a:xfrm>
-      </p:grpSpPr>
-      <p:sp>
-        <p:nvSpPr>
-          <p:cNvPr id="2" name="Slide Image Placeholder 1"/>
-          <p:cNvSpPr>
-            <a:spLocks noGrp="1" noRot="1" noChangeAspect="1"/>
-          </p:cNvSpPr>
-          <p:nvPr>
-            <p:ph type="sldImg"/>
-          </p:nvPr>
-        </p:nvSpPr>
-        <p:spPr/>
-      </p:sp>
-      <p:sp>
-        <p:nvSpPr>
-          <p:cNvPr id="3" name="Notes Placeholder 2"/>
-          <p:cNvSpPr>
-            <a:spLocks noGrp="1"/>
-          </p:cNvSpPr>
-          <p:nvPr>
-            <p:ph type="body" idx="1"/>
-          </p:nvPr>
-        </p:nvSpPr>
-        <p:spPr/>
-        <p:txBody>
-          <a:bodyPr/>
-          <a:lstStyle/>
-          <a:p>
             <a:endParaRPr lang="en-US" dirty="0"/>
           </a:p>
         </p:txBody>
@@ -1420,7 +1308,7 @@
           <p:cNvPr id="6" name="Slide Number Placeholder 5">
             <a:extLst>
               <a:ext uri="{FF2B5EF4-FFF2-40B4-BE49-F238E27FC236}">
-                <a16:creationId xmlns:a16="http://schemas.microsoft.com/office/drawing/2014/main" xmlns="" id="{6627548A-4D3C-449B-81A5-FA4BE4628490}"/>
+                <a16:creationId xmlns="" xmlns:a16="http://schemas.microsoft.com/office/drawing/2014/main" id="{6627548A-4D3C-449B-81A5-FA4BE4628490}"/>
               </a:ext>
             </a:extLst>
           </p:cNvPr>
@@ -1539,7 +1427,7 @@
             <a:fld id="{3EBA5BD7-F043-4D1B-AA17-CD412FC534DE}" type="slidenum">
               <a:rPr lang="en-US" smtClean="0"/>
               <a:pPr/>
-              <a:t>32</a:t>
+              <a:t>35</a:t>
             </a:fld>
             <a:endParaRPr lang="en-US" dirty="0"/>
           </a:p>
@@ -1550,7 +1438,7 @@
           <p:cNvPr id="4" name="Footer Placeholder 3">
             <a:extLst>
               <a:ext uri="{FF2B5EF4-FFF2-40B4-BE49-F238E27FC236}">
-                <a16:creationId xmlns:a16="http://schemas.microsoft.com/office/drawing/2014/main" xmlns="" id="{D2472CE7-61C1-4B7B-B0C8-5A45F0178717}"/>
+                <a16:creationId xmlns="" xmlns:a16="http://schemas.microsoft.com/office/drawing/2014/main" id="{D2472CE7-61C1-4B7B-B0C8-5A45F0178717}"/>
               </a:ext>
             </a:extLst>
           </p:cNvPr>
@@ -1586,7 +1474,7 @@
     </p:spTree>
     <p:extLst>
       <p:ext uri="{BB962C8B-B14F-4D97-AF65-F5344CB8AC3E}">
-        <p14:creationId xmlns:p14="http://schemas.microsoft.com/office/powerpoint/2010/main" xmlns="" val="729041308"/>
+        <p14:creationId xmlns="" xmlns:p14="http://schemas.microsoft.com/office/powerpoint/2010/main" val="729041308"/>
       </p:ext>
     </p:extLst>
   </p:cSld>
@@ -1618,7 +1506,7 @@
           <p:cNvPr id="14" name="Slide Image Placeholder 13">
             <a:extLst>
               <a:ext uri="{FF2B5EF4-FFF2-40B4-BE49-F238E27FC236}">
-                <a16:creationId xmlns:a16="http://schemas.microsoft.com/office/drawing/2014/main" xmlns="" id="{A1F0B3C6-2E53-4CA3-86D1-53D46EC35267}"/>
+                <a16:creationId xmlns="" xmlns:a16="http://schemas.microsoft.com/office/drawing/2014/main" id="{A1F0B3C6-2E53-4CA3-86D1-53D46EC35267}"/>
               </a:ext>
             </a:extLst>
           </p:cNvPr>
@@ -1636,7 +1524,7 @@
           <p:cNvPr id="15" name="Notes Placeholder 14">
             <a:extLst>
               <a:ext uri="{FF2B5EF4-FFF2-40B4-BE49-F238E27FC236}">
-                <a16:creationId xmlns:a16="http://schemas.microsoft.com/office/drawing/2014/main" xmlns="" id="{149CC699-A079-49A5-A4D6-73B7F849A7DC}"/>
+                <a16:creationId xmlns="" xmlns:a16="http://schemas.microsoft.com/office/drawing/2014/main" id="{149CC699-A079-49A5-A4D6-73B7F849A7DC}"/>
               </a:ext>
             </a:extLst>
           </p:cNvPr>
@@ -1661,7 +1549,7 @@
           <p:cNvPr id="19" name="Slide Number Placeholder 5">
             <a:extLst>
               <a:ext uri="{FF2B5EF4-FFF2-40B4-BE49-F238E27FC236}">
-                <a16:creationId xmlns:a16="http://schemas.microsoft.com/office/drawing/2014/main" xmlns="" id="{121F4233-7E9A-40D2-9066-2DB14E2FA5AD}"/>
+                <a16:creationId xmlns="" xmlns:a16="http://schemas.microsoft.com/office/drawing/2014/main" id="{121F4233-7E9A-40D2-9066-2DB14E2FA5AD}"/>
               </a:ext>
             </a:extLst>
           </p:cNvPr>
@@ -1791,7 +1679,7 @@
           <p:cNvPr id="2" name="Footer Placeholder 1">
             <a:extLst>
               <a:ext uri="{FF2B5EF4-FFF2-40B4-BE49-F238E27FC236}">
-                <a16:creationId xmlns:a16="http://schemas.microsoft.com/office/drawing/2014/main" xmlns="" id="{D18F1DFF-B3E7-4ABF-97EE-0BBF3A961EC5}"/>
+                <a16:creationId xmlns="" xmlns:a16="http://schemas.microsoft.com/office/drawing/2014/main" id="{D18F1DFF-B3E7-4ABF-97EE-0BBF3A961EC5}"/>
               </a:ext>
             </a:extLst>
           </p:cNvPr>
@@ -1827,7 +1715,7 @@
     </p:spTree>
     <p:extLst>
       <p:ext uri="{BB962C8B-B14F-4D97-AF65-F5344CB8AC3E}">
-        <p14:creationId xmlns:p14="http://schemas.microsoft.com/office/powerpoint/2010/main" xmlns="" val="4028530743"/>
+        <p14:creationId xmlns="" xmlns:p14="http://schemas.microsoft.com/office/powerpoint/2010/main" val="4028530743"/>
       </p:ext>
     </p:extLst>
   </p:cSld>
@@ -2595,7 +2483,7 @@
             <a:fld id="{2BF067CD-8E6B-4360-9AA8-C5DF2A48A6D1}" type="slidenum">
               <a:rPr lang="en-US" smtClean="0"/>
               <a:pPr/>
-              <a:t>26</a:t>
+              <a:t>27</a:t>
             </a:fld>
             <a:endParaRPr lang="en-US" dirty="0"/>
           </a:p>
@@ -2664,7 +2552,7 @@
           <p:cNvPr id="16" name="Rectangle Bottom">
             <a:extLst>
               <a:ext uri="{FF2B5EF4-FFF2-40B4-BE49-F238E27FC236}">
-                <a16:creationId xmlns:a16="http://schemas.microsoft.com/office/drawing/2014/main" xmlns="" id="{6854D183-0374-4B3E-B2CE-32F308A81591}"/>
+                <a16:creationId xmlns="" xmlns:a16="http://schemas.microsoft.com/office/drawing/2014/main" id="{6854D183-0374-4B3E-B2CE-32F308A81591}"/>
               </a:ext>
             </a:extLst>
           </p:cNvPr>
@@ -2745,7 +2633,7 @@
           <p:cNvPr id="14" name="Picture Logo SoftUni" descr="SoftUni logo">
             <a:extLst>
               <a:ext uri="{FF2B5EF4-FFF2-40B4-BE49-F238E27FC236}">
-                <a16:creationId xmlns:a16="http://schemas.microsoft.com/office/drawing/2014/main" xmlns="" id="{C4D6B2A2-DFF0-4712-BFEC-6676BEC99FEC}"/>
+                <a16:creationId xmlns="" xmlns:a16="http://schemas.microsoft.com/office/drawing/2014/main" id="{C4D6B2A2-DFF0-4712-BFEC-6676BEC99FEC}"/>
               </a:ext>
             </a:extLst>
           </p:cNvPr>
@@ -2768,7 +2656,7 @@
             </a:clrChange>
             <a:extLst>
               <a:ext uri="{28A0092B-C50C-407E-A947-70E740481C1C}">
-                <a14:useLocalDpi xmlns:a14="http://schemas.microsoft.com/office/drawing/2010/main" xmlns="" val="0"/>
+                <a14:useLocalDpi xmlns="" xmlns:a14="http://schemas.microsoft.com/office/drawing/2010/main" val="0"/>
               </a:ext>
             </a:extLst>
           </a:blip>
@@ -2791,7 +2679,7 @@
           <p:cNvPr id="31" name="Text Placeholder Company Site">
             <a:extLst>
               <a:ext uri="{FF2B5EF4-FFF2-40B4-BE49-F238E27FC236}">
-                <a16:creationId xmlns:a16="http://schemas.microsoft.com/office/drawing/2014/main" xmlns="" id="{3E6B87B7-9D33-4EBB-BD4F-C0436BA3FD72}"/>
+                <a16:creationId xmlns="" xmlns:a16="http://schemas.microsoft.com/office/drawing/2014/main" id="{3E6B87B7-9D33-4EBB-BD4F-C0436BA3FD72}"/>
               </a:ext>
             </a:extLst>
           </p:cNvPr>
@@ -2853,7 +2741,7 @@
           <p:cNvPr id="30" name="Text Placeholder Company Name">
             <a:extLst>
               <a:ext uri="{FF2B5EF4-FFF2-40B4-BE49-F238E27FC236}">
-                <a16:creationId xmlns:a16="http://schemas.microsoft.com/office/drawing/2014/main" xmlns="" id="{2EA92DCA-4DB5-4D03-ACD3-A6A296592D0C}"/>
+                <a16:creationId xmlns="" xmlns:a16="http://schemas.microsoft.com/office/drawing/2014/main" id="{2EA92DCA-4DB5-4D03-ACD3-A6A296592D0C}"/>
               </a:ext>
             </a:extLst>
           </p:cNvPr>
@@ -2915,7 +2803,7 @@
           <p:cNvPr id="35" name="Picture SoftUni Mascot" descr="SoftUni mascot">
             <a:extLst>
               <a:ext uri="{FF2B5EF4-FFF2-40B4-BE49-F238E27FC236}">
-                <a16:creationId xmlns:a16="http://schemas.microsoft.com/office/drawing/2014/main" xmlns="" id="{951E7DA9-C5F0-43D9-B013-3BDF9EEF029D}"/>
+                <a16:creationId xmlns="" xmlns:a16="http://schemas.microsoft.com/office/drawing/2014/main" id="{951E7DA9-C5F0-43D9-B013-3BDF9EEF029D}"/>
               </a:ext>
             </a:extLst>
           </p:cNvPr>
@@ -2928,7 +2816,7 @@
           <a:blip r:embed="rId3" cstate="print">
             <a:extLst>
               <a:ext uri="{28A0092B-C50C-407E-A947-70E740481C1C}">
-                <a14:useLocalDpi xmlns:a14="http://schemas.microsoft.com/office/drawing/2010/main" xmlns="" val="0"/>
+                <a14:useLocalDpi xmlns="" xmlns:a14="http://schemas.microsoft.com/office/drawing/2010/main" val="0"/>
               </a:ext>
             </a:extLst>
           </a:blip>
@@ -2951,7 +2839,7 @@
             <a:hlinkClick r:id="rId4"/>
             <a:extLst>
               <a:ext uri="{FF2B5EF4-FFF2-40B4-BE49-F238E27FC236}">
-                <a16:creationId xmlns:a16="http://schemas.microsoft.com/office/drawing/2014/main" xmlns="" id="{F2315EB3-3FE4-4D3B-921E-5F209CEC13CB}"/>
+                <a16:creationId xmlns="" xmlns:a16="http://schemas.microsoft.com/office/drawing/2014/main" id="{F2315EB3-3FE4-4D3B-921E-5F209CEC13CB}"/>
               </a:ext>
             </a:extLst>
           </p:cNvPr>
@@ -2974,7 +2862,7 @@
             </a:clrChange>
             <a:extLst>
               <a:ext uri="{28A0092B-C50C-407E-A947-70E740481C1C}">
-                <a14:useLocalDpi xmlns:a14="http://schemas.microsoft.com/office/drawing/2010/main" xmlns="" val="0"/>
+                <a14:useLocalDpi xmlns="" xmlns:a14="http://schemas.microsoft.com/office/drawing/2010/main" val="0"/>
               </a:ext>
             </a:extLst>
           </a:blip>
@@ -2997,7 +2885,7 @@
           <p:cNvPr id="40" name="Text Placeholder Author Position">
             <a:extLst>
               <a:ext uri="{FF2B5EF4-FFF2-40B4-BE49-F238E27FC236}">
-                <a16:creationId xmlns:a16="http://schemas.microsoft.com/office/drawing/2014/main" xmlns="" id="{CD940256-851E-46C8-8BFB-A5ECA6C7DA07}"/>
+                <a16:creationId xmlns="" xmlns:a16="http://schemas.microsoft.com/office/drawing/2014/main" id="{CD940256-851E-46C8-8BFB-A5ECA6C7DA07}"/>
               </a:ext>
             </a:extLst>
           </p:cNvPr>
@@ -3057,7 +2945,7 @@
           <p:cNvPr id="36" name="Text Placeholder Author Name">
             <a:extLst>
               <a:ext uri="{FF2B5EF4-FFF2-40B4-BE49-F238E27FC236}">
-                <a16:creationId xmlns:a16="http://schemas.microsoft.com/office/drawing/2014/main" xmlns="" id="{3B21F47B-DE1F-442D-A2B7-6866F8786704}"/>
+                <a16:creationId xmlns="" xmlns:a16="http://schemas.microsoft.com/office/drawing/2014/main" id="{3B21F47B-DE1F-442D-A2B7-6866F8786704}"/>
               </a:ext>
             </a:extLst>
           </p:cNvPr>
@@ -3117,7 +3005,7 @@
           <p:cNvPr id="33" name="Picture Placeholder Title Image">
             <a:extLst>
               <a:ext uri="{FF2B5EF4-FFF2-40B4-BE49-F238E27FC236}">
-                <a16:creationId xmlns:a16="http://schemas.microsoft.com/office/drawing/2014/main" xmlns="" id="{A04D819A-89E2-4714-8C56-1838BF467EF7}"/>
+                <a16:creationId xmlns="" xmlns:a16="http://schemas.microsoft.com/office/drawing/2014/main" id="{A04D819A-89E2-4714-8C56-1838BF467EF7}"/>
               </a:ext>
             </a:extLst>
           </p:cNvPr>
@@ -3159,7 +3047,7 @@
           <p:cNvPr id="43" name="Presentation Subtitle">
             <a:extLst>
               <a:ext uri="{FF2B5EF4-FFF2-40B4-BE49-F238E27FC236}">
-                <a16:creationId xmlns:a16="http://schemas.microsoft.com/office/drawing/2014/main" xmlns="" id="{37BDB812-1395-4B02-ABCF-6A331EEE23E5}"/>
+                <a16:creationId xmlns="" xmlns:a16="http://schemas.microsoft.com/office/drawing/2014/main" id="{37BDB812-1395-4B02-ABCF-6A331EEE23E5}"/>
               </a:ext>
             </a:extLst>
           </p:cNvPr>
@@ -3203,7 +3091,7 @@
           <p:cNvPr id="2" name="Presentation Title">
             <a:extLst>
               <a:ext uri="{FF2B5EF4-FFF2-40B4-BE49-F238E27FC236}">
-                <a16:creationId xmlns:a16="http://schemas.microsoft.com/office/drawing/2014/main" xmlns="" id="{A4DF3AB8-E6E3-4FCE-8A4A-ECD147720A5D}"/>
+                <a16:creationId xmlns="" xmlns:a16="http://schemas.microsoft.com/office/drawing/2014/main" id="{A4DF3AB8-E6E3-4FCE-8A4A-ECD147720A5D}"/>
               </a:ext>
             </a:extLst>
           </p:cNvPr>
@@ -3238,7 +3126,7 @@
     </p:spTree>
     <p:extLst>
       <p:ext uri="{BB962C8B-B14F-4D97-AF65-F5344CB8AC3E}">
-        <p14:creationId xmlns:p14="http://schemas.microsoft.com/office/powerpoint/2010/main" xmlns="" val="970179299"/>
+        <p14:creationId xmlns="" xmlns:p14="http://schemas.microsoft.com/office/powerpoint/2010/main" val="970179299"/>
       </p:ext>
     </p:extLst>
   </p:cSld>
@@ -3246,7 +3134,7 @@
     <a:masterClrMapping/>
   </p:clrMapOvr>
   <mc:AlternateContent xmlns:mc="http://schemas.openxmlformats.org/markup-compatibility/2006">
-    <mc:Choice xmlns:p14="http://schemas.microsoft.com/office/powerpoint/2010/main" xmlns="" Requires="p14">
+    <mc:Choice xmlns="" xmlns:p14="http://schemas.microsoft.com/office/powerpoint/2010/main" Requires="p14">
       <p:transition spd="slow" p14:dur="2000" advClick="0" advTm="5000"/>
     </mc:Choice>
     <mc:Fallback>
@@ -3255,7 +3143,7 @@
   </mc:AlternateContent>
   <p:extLst>
     <p:ext uri="{DCECCB84-F9BA-43D5-87BE-67443E8EF086}">
-      <p15:sldGuideLst xmlns:p15="http://schemas.microsoft.com/office/powerpoint/2012/main" xmlns="">
+      <p15:sldGuideLst xmlns="" xmlns:p15="http://schemas.microsoft.com/office/powerpoint/2012/main">
         <p15:guide id="1" orient="horz" pos="2160">
           <p15:clr>
             <a:srgbClr val="FBAE40"/>
@@ -3294,7 +3182,7 @@
           <p:cNvPr id="15" name="Slide Number">
             <a:extLst>
               <a:ext uri="{FF2B5EF4-FFF2-40B4-BE49-F238E27FC236}">
-                <a16:creationId xmlns:a16="http://schemas.microsoft.com/office/drawing/2014/main" xmlns="" id="{F888EE71-82B3-40F1-A63F-7417422FB4A4}"/>
+                <a16:creationId xmlns="" xmlns:a16="http://schemas.microsoft.com/office/drawing/2014/main" id="{F888EE71-82B3-40F1-A63F-7417422FB4A4}"/>
               </a:ext>
             </a:extLst>
           </p:cNvPr>
@@ -3336,7 +3224,7 @@
           <p:cNvPr id="14" name="Text Placeholder Body">
             <a:extLst>
               <a:ext uri="{FF2B5EF4-FFF2-40B4-BE49-F238E27FC236}">
-                <a16:creationId xmlns:a16="http://schemas.microsoft.com/office/drawing/2014/main" xmlns="" id="{A2ABE920-240F-4CF6-AD45-23ED489FAD6E}"/>
+                <a16:creationId xmlns="" xmlns:a16="http://schemas.microsoft.com/office/drawing/2014/main" id="{A2ABE920-240F-4CF6-AD45-23ED489FAD6E}"/>
               </a:ext>
             </a:extLst>
           </p:cNvPr>
@@ -3642,7 +3530,7 @@
           <p:cNvPr id="10" name="Rectangle Down">
             <a:extLst>
               <a:ext uri="{FF2B5EF4-FFF2-40B4-BE49-F238E27FC236}">
-                <a16:creationId xmlns:a16="http://schemas.microsoft.com/office/drawing/2014/main" xmlns="" id="{E9B994EC-35A8-4A11-98CB-25DC28852F94}"/>
+                <a16:creationId xmlns="" xmlns:a16="http://schemas.microsoft.com/office/drawing/2014/main" id="{E9B994EC-35A8-4A11-98CB-25DC28852F94}"/>
               </a:ext>
             </a:extLst>
           </p:cNvPr>
@@ -3723,7 +3611,7 @@
           <p:cNvPr id="11" name="Rectangle Top">
             <a:extLst>
               <a:ext uri="{FF2B5EF4-FFF2-40B4-BE49-F238E27FC236}">
-                <a16:creationId xmlns:a16="http://schemas.microsoft.com/office/drawing/2014/main" xmlns="" id="{274B8F05-DFCE-47BD-BAFD-DF93E1A63BDD}"/>
+                <a16:creationId xmlns="" xmlns:a16="http://schemas.microsoft.com/office/drawing/2014/main" id="{274B8F05-DFCE-47BD-BAFD-DF93E1A63BDD}"/>
               </a:ext>
             </a:extLst>
           </p:cNvPr>
@@ -3804,7 +3692,7 @@
           <p:cNvPr id="12" name="Logo Software University" descr="Software University logo">
             <a:extLst>
               <a:ext uri="{FF2B5EF4-FFF2-40B4-BE49-F238E27FC236}">
-                <a16:creationId xmlns:a16="http://schemas.microsoft.com/office/drawing/2014/main" xmlns="" id="{233CBB95-791E-4630-B3D9-FADFCE7BCF52}"/>
+                <a16:creationId xmlns="" xmlns:a16="http://schemas.microsoft.com/office/drawing/2014/main" id="{233CBB95-791E-4630-B3D9-FADFCE7BCF52}"/>
               </a:ext>
             </a:extLst>
           </p:cNvPr>
@@ -3817,7 +3705,7 @@
           <a:blip r:embed="rId2" cstate="print">
             <a:extLst>
               <a:ext uri="{28A0092B-C50C-407E-A947-70E740481C1C}">
-                <a14:useLocalDpi xmlns:a14="http://schemas.microsoft.com/office/drawing/2010/main" xmlns="" val="0"/>
+                <a14:useLocalDpi xmlns="" xmlns:a14="http://schemas.microsoft.com/office/drawing/2010/main" val="0"/>
               </a:ext>
             </a:extLst>
           </a:blip>
@@ -3840,7 +3728,7 @@
           <p:cNvPr id="13" name="Slide Title">
             <a:extLst>
               <a:ext uri="{FF2B5EF4-FFF2-40B4-BE49-F238E27FC236}">
-                <a16:creationId xmlns:a16="http://schemas.microsoft.com/office/drawing/2014/main" xmlns="" id="{3F218E34-55D7-4290-BFE4-80F31F941551}"/>
+                <a16:creationId xmlns="" xmlns:a16="http://schemas.microsoft.com/office/drawing/2014/main" id="{3F218E34-55D7-4290-BFE4-80F31F941551}"/>
               </a:ext>
             </a:extLst>
           </p:cNvPr>
@@ -3879,7 +3767,7 @@
     </p:spTree>
     <p:extLst>
       <p:ext uri="{BB962C8B-B14F-4D97-AF65-F5344CB8AC3E}">
-        <p14:creationId xmlns:p14="http://schemas.microsoft.com/office/powerpoint/2010/main" xmlns="" val="3774019400"/>
+        <p14:creationId xmlns="" xmlns:p14="http://schemas.microsoft.com/office/powerpoint/2010/main" val="3774019400"/>
       </p:ext>
     </p:extLst>
   </p:cSld>
@@ -3887,7 +3775,7 @@
     <a:masterClrMapping/>
   </p:clrMapOvr>
   <mc:AlternateContent xmlns:mc="http://schemas.openxmlformats.org/markup-compatibility/2006">
-    <mc:Choice xmlns:p14="http://schemas.microsoft.com/office/powerpoint/2010/main" xmlns="" Requires="p14">
+    <mc:Choice xmlns="" xmlns:p14="http://schemas.microsoft.com/office/powerpoint/2010/main" Requires="p14">
       <p:transition spd="slow" p14:dur="2000" advClick="0" advTm="5000"/>
     </mc:Choice>
     <mc:Fallback>
@@ -3927,7 +3815,7 @@
           <p:cNvPr id="35" name="Rectangle Bottom">
             <a:extLst>
               <a:ext uri="{FF2B5EF4-FFF2-40B4-BE49-F238E27FC236}">
-                <a16:creationId xmlns:a16="http://schemas.microsoft.com/office/drawing/2014/main" xmlns="" id="{550A59F9-9A9D-4956-95B4-F78CC0DB1D59}"/>
+                <a16:creationId xmlns="" xmlns:a16="http://schemas.microsoft.com/office/drawing/2014/main" id="{550A59F9-9A9D-4956-95B4-F78CC0DB1D59}"/>
               </a:ext>
             </a:extLst>
           </p:cNvPr>
@@ -4008,7 +3896,7 @@
           <p:cNvPr id="53" name="Rectangle Bottom Copyright">
             <a:extLst>
               <a:ext uri="{FF2B5EF4-FFF2-40B4-BE49-F238E27FC236}">
-                <a16:creationId xmlns:a16="http://schemas.microsoft.com/office/drawing/2014/main" xmlns="" id="{B07FB7FB-DA6C-4F5D-B068-357F0FCE27D8}"/>
+                <a16:creationId xmlns="" xmlns:a16="http://schemas.microsoft.com/office/drawing/2014/main" id="{B07FB7FB-DA6C-4F5D-B068-357F0FCE27D8}"/>
               </a:ext>
             </a:extLst>
           </p:cNvPr>
@@ -4065,7 +3953,7 @@
                 <a:hlinkClick r:id="rId2">
                   <a:extLst>
                     <a:ext uri="{A12FA001-AC4F-418D-AE19-62706E023703}">
-                      <ahyp:hlinkClr xmlns:ahyp="http://schemas.microsoft.com/office/drawing/2018/hyperlinkcolor" xmlns="" val="tx"/>
+                      <ahyp:hlinkClr xmlns="" xmlns:ahyp="http://schemas.microsoft.com/office/drawing/2018/hyperlinkcolor" val="tx"/>
                     </a:ext>
                   </a:extLst>
                 </a:hlinkClick>
@@ -4101,7 +3989,7 @@
           <p:cNvPr id="26" name="Picture SoftUni Mascot" descr="SoftUni mascot with open hand">
             <a:extLst>
               <a:ext uri="{FF2B5EF4-FFF2-40B4-BE49-F238E27FC236}">
-                <a16:creationId xmlns:a16="http://schemas.microsoft.com/office/drawing/2014/main" xmlns="" id="{247CFF3C-C4FA-493D-8505-DF469F4D36A4}"/>
+                <a16:creationId xmlns="" xmlns:a16="http://schemas.microsoft.com/office/drawing/2014/main" id="{247CFF3C-C4FA-493D-8505-DF469F4D36A4}"/>
               </a:ext>
             </a:extLst>
           </p:cNvPr>
@@ -4114,7 +4002,7 @@
           <a:blip r:embed="rId3" cstate="print">
             <a:extLst>
               <a:ext uri="{28A0092B-C50C-407E-A947-70E740481C1C}">
-                <a14:useLocalDpi xmlns:a14="http://schemas.microsoft.com/office/drawing/2010/main" xmlns="" val="0"/>
+                <a14:useLocalDpi xmlns="" xmlns:a14="http://schemas.microsoft.com/office/drawing/2010/main" val="0"/>
               </a:ext>
             </a:extLst>
           </a:blip>
@@ -4137,7 +4025,7 @@
           <p:cNvPr id="2" name="Group SoftUni Brands">
             <a:extLst>
               <a:ext uri="{FF2B5EF4-FFF2-40B4-BE49-F238E27FC236}">
-                <a16:creationId xmlns:a16="http://schemas.microsoft.com/office/drawing/2014/main" xmlns="" id="{418FAE34-C1F8-46C7-A4AE-F270D1E70F25}"/>
+                <a16:creationId xmlns="" xmlns:a16="http://schemas.microsoft.com/office/drawing/2014/main" id="{418FAE34-C1F8-46C7-A4AE-F270D1E70F25}"/>
               </a:ext>
             </a:extLst>
           </p:cNvPr>
@@ -4157,7 +4045,7 @@
             <p:cNvPr id="24" name="Picture SoftUni Kids Logo" descr="SoftUni Kids logo">
               <a:extLst>
                 <a:ext uri="{FF2B5EF4-FFF2-40B4-BE49-F238E27FC236}">
-                  <a16:creationId xmlns:a16="http://schemas.microsoft.com/office/drawing/2014/main" xmlns="" id="{B0812936-74B6-4265-8C08-AEDC8C798702}"/>
+                  <a16:creationId xmlns="" xmlns:a16="http://schemas.microsoft.com/office/drawing/2014/main" id="{B0812936-74B6-4265-8C08-AEDC8C798702}"/>
                 </a:ext>
               </a:extLst>
             </p:cNvPr>
@@ -4170,7 +4058,7 @@
             <a:blip r:embed="rId4" cstate="print">
               <a:extLst>
                 <a:ext uri="{28A0092B-C50C-407E-A947-70E740481C1C}">
-                  <a14:useLocalDpi xmlns:a14="http://schemas.microsoft.com/office/drawing/2010/main" xmlns="" val="0"/>
+                  <a14:useLocalDpi xmlns="" xmlns:a14="http://schemas.microsoft.com/office/drawing/2010/main" val="0"/>
                 </a:ext>
               </a:extLst>
             </a:blip>
@@ -4193,7 +4081,7 @@
             <p:cNvPr id="23" name="Picture SoftUni Foundation Logo" descr="SoftUni Foundation logo">
               <a:extLst>
                 <a:ext uri="{FF2B5EF4-FFF2-40B4-BE49-F238E27FC236}">
-                  <a16:creationId xmlns:a16="http://schemas.microsoft.com/office/drawing/2014/main" xmlns="" id="{6643F71A-2013-433A-8322-FBAAED3162D8}"/>
+                  <a16:creationId xmlns="" xmlns:a16="http://schemas.microsoft.com/office/drawing/2014/main" id="{6643F71A-2013-433A-8322-FBAAED3162D8}"/>
                 </a:ext>
               </a:extLst>
             </p:cNvPr>
@@ -4206,7 +4094,7 @@
             <a:blip r:embed="rId5" cstate="print">
               <a:extLst>
                 <a:ext uri="{28A0092B-C50C-407E-A947-70E740481C1C}">
-                  <a14:useLocalDpi xmlns:a14="http://schemas.microsoft.com/office/drawing/2010/main" xmlns="" val="0"/>
+                  <a14:useLocalDpi xmlns="" xmlns:a14="http://schemas.microsoft.com/office/drawing/2010/main" val="0"/>
                 </a:ext>
               </a:extLst>
             </a:blip>
@@ -4229,7 +4117,7 @@
             <p:cNvPr id="22" name="Picture SoftUni Digital Logo" descr="SoftUni Digital logo">
               <a:extLst>
                 <a:ext uri="{FF2B5EF4-FFF2-40B4-BE49-F238E27FC236}">
-                  <a16:creationId xmlns:a16="http://schemas.microsoft.com/office/drawing/2014/main" xmlns="" id="{0A83D66F-855B-463B-920B-BF239B01A206}"/>
+                  <a16:creationId xmlns="" xmlns:a16="http://schemas.microsoft.com/office/drawing/2014/main" id="{0A83D66F-855B-463B-920B-BF239B01A206}"/>
                 </a:ext>
               </a:extLst>
             </p:cNvPr>
@@ -4242,7 +4130,7 @@
             <a:blip r:embed="rId6" cstate="print">
               <a:extLst>
                 <a:ext uri="{28A0092B-C50C-407E-A947-70E740481C1C}">
-                  <a14:useLocalDpi xmlns:a14="http://schemas.microsoft.com/office/drawing/2010/main" xmlns="" val="0"/>
+                  <a14:useLocalDpi xmlns="" xmlns:a14="http://schemas.microsoft.com/office/drawing/2010/main" val="0"/>
                 </a:ext>
               </a:extLst>
             </a:blip>
@@ -4265,7 +4153,7 @@
             <p:cNvPr id="21" name="Picture SoftUni Creative Logo" descr="SoftUni Creative logo">
               <a:extLst>
                 <a:ext uri="{FF2B5EF4-FFF2-40B4-BE49-F238E27FC236}">
-                  <a16:creationId xmlns:a16="http://schemas.microsoft.com/office/drawing/2014/main" xmlns="" id="{EA755AAE-BA08-481C-9224-0061170EE4B8}"/>
+                  <a16:creationId xmlns="" xmlns:a16="http://schemas.microsoft.com/office/drawing/2014/main" id="{EA755AAE-BA08-481C-9224-0061170EE4B8}"/>
                 </a:ext>
               </a:extLst>
             </p:cNvPr>
@@ -4278,7 +4166,7 @@
             <a:blip r:embed="rId7" cstate="print">
               <a:extLst>
                 <a:ext uri="{28A0092B-C50C-407E-A947-70E740481C1C}">
-                  <a14:useLocalDpi xmlns:a14="http://schemas.microsoft.com/office/drawing/2010/main" xmlns="" val="0"/>
+                  <a14:useLocalDpi xmlns="" xmlns:a14="http://schemas.microsoft.com/office/drawing/2010/main" val="0"/>
                 </a:ext>
               </a:extLst>
             </a:blip>
@@ -4301,7 +4189,7 @@
             <p:cNvPr id="20" name="Picture SoftUni Svetlina Logo" descr="SoftUni Svetlina logo">
               <a:extLst>
                 <a:ext uri="{FF2B5EF4-FFF2-40B4-BE49-F238E27FC236}">
-                  <a16:creationId xmlns:a16="http://schemas.microsoft.com/office/drawing/2014/main" xmlns="" id="{827D15FD-4C66-4B85-98E6-7826AA8F61C6}"/>
+                  <a16:creationId xmlns="" xmlns:a16="http://schemas.microsoft.com/office/drawing/2014/main" id="{827D15FD-4C66-4B85-98E6-7826AA8F61C6}"/>
                 </a:ext>
               </a:extLst>
             </p:cNvPr>
@@ -4314,7 +4202,7 @@
             <a:blip r:embed="rId8" cstate="print">
               <a:extLst>
                 <a:ext uri="{28A0092B-C50C-407E-A947-70E740481C1C}">
-                  <a14:useLocalDpi xmlns:a14="http://schemas.microsoft.com/office/drawing/2010/main" xmlns="" val="0"/>
+                  <a14:useLocalDpi xmlns="" xmlns:a14="http://schemas.microsoft.com/office/drawing/2010/main" val="0"/>
                 </a:ext>
               </a:extLst>
             </a:blip>
@@ -4337,7 +4225,7 @@
             <p:cNvPr id="25" name="Picture Software University Logo" descr="Software University logo">
               <a:extLst>
                 <a:ext uri="{FF2B5EF4-FFF2-40B4-BE49-F238E27FC236}">
-                  <a16:creationId xmlns:a16="http://schemas.microsoft.com/office/drawing/2014/main" xmlns="" id="{C74C190C-5856-41B9-8819-AE8DE0E10980}"/>
+                  <a16:creationId xmlns="" xmlns:a16="http://schemas.microsoft.com/office/drawing/2014/main" id="{C74C190C-5856-41B9-8819-AE8DE0E10980}"/>
                 </a:ext>
               </a:extLst>
             </p:cNvPr>
@@ -4350,7 +4238,7 @@
             <a:blip r:embed="rId9" cstate="print">
               <a:extLst>
                 <a:ext uri="{28A0092B-C50C-407E-A947-70E740481C1C}">
-                  <a14:useLocalDpi xmlns:a14="http://schemas.microsoft.com/office/drawing/2010/main" xmlns="" val="0"/>
+                  <a14:useLocalDpi xmlns="" xmlns:a14="http://schemas.microsoft.com/office/drawing/2010/main" val="0"/>
                 </a:ext>
               </a:extLst>
             </a:blip>
@@ -4373,7 +4261,7 @@
             <p:cNvPr id="33" name="Straight Connector 6">
               <a:extLst>
                 <a:ext uri="{FF2B5EF4-FFF2-40B4-BE49-F238E27FC236}">
-                  <a16:creationId xmlns:a16="http://schemas.microsoft.com/office/drawing/2014/main" xmlns="" id="{5C63D1E8-4A92-4691-8A24-A2FC7E8008E5}"/>
+                  <a16:creationId xmlns="" xmlns:a16="http://schemas.microsoft.com/office/drawing/2014/main" id="{5C63D1E8-4A92-4691-8A24-A2FC7E8008E5}"/>
                 </a:ext>
               </a:extLst>
             </p:cNvPr>
@@ -4412,7 +4300,7 @@
             <p:cNvPr id="32" name="Straight Connector 5">
               <a:extLst>
                 <a:ext uri="{FF2B5EF4-FFF2-40B4-BE49-F238E27FC236}">
-                  <a16:creationId xmlns:a16="http://schemas.microsoft.com/office/drawing/2014/main" xmlns="" id="{6E91D320-3732-40B8-864D-142D0A277ED1}"/>
+                  <a16:creationId xmlns="" xmlns:a16="http://schemas.microsoft.com/office/drawing/2014/main" id="{6E91D320-3732-40B8-864D-142D0A277ED1}"/>
                 </a:ext>
               </a:extLst>
             </p:cNvPr>
@@ -4451,7 +4339,7 @@
             <p:cNvPr id="31" name="Straight Connector 4">
               <a:extLst>
                 <a:ext uri="{FF2B5EF4-FFF2-40B4-BE49-F238E27FC236}">
-                  <a16:creationId xmlns:a16="http://schemas.microsoft.com/office/drawing/2014/main" xmlns="" id="{299ABE09-E33C-46B7-A80D-7BF4A6956211}"/>
+                  <a16:creationId xmlns="" xmlns:a16="http://schemas.microsoft.com/office/drawing/2014/main" id="{299ABE09-E33C-46B7-A80D-7BF4A6956211}"/>
                 </a:ext>
               </a:extLst>
             </p:cNvPr>
@@ -4488,7 +4376,7 @@
             <p:cNvPr id="30" name="Straight Connector 3">
               <a:extLst>
                 <a:ext uri="{FF2B5EF4-FFF2-40B4-BE49-F238E27FC236}">
-                  <a16:creationId xmlns:a16="http://schemas.microsoft.com/office/drawing/2014/main" xmlns="" id="{93DDBF37-0764-47AA-94E3-9A44F3ED8FB5}"/>
+                  <a16:creationId xmlns="" xmlns:a16="http://schemas.microsoft.com/office/drawing/2014/main" id="{93DDBF37-0764-47AA-94E3-9A44F3ED8FB5}"/>
                 </a:ext>
               </a:extLst>
             </p:cNvPr>
@@ -4525,7 +4413,7 @@
             <p:cNvPr id="29" name="Straight Connector 2">
               <a:extLst>
                 <a:ext uri="{FF2B5EF4-FFF2-40B4-BE49-F238E27FC236}">
-                  <a16:creationId xmlns:a16="http://schemas.microsoft.com/office/drawing/2014/main" xmlns="" id="{72BFE2F3-0845-4E5B-9375-E9D4027DD675}"/>
+                  <a16:creationId xmlns="" xmlns:a16="http://schemas.microsoft.com/office/drawing/2014/main" id="{72BFE2F3-0845-4E5B-9375-E9D4027DD675}"/>
                 </a:ext>
               </a:extLst>
             </p:cNvPr>
@@ -4562,7 +4450,7 @@
             <p:cNvPr id="28" name="Straight Connector 1">
               <a:extLst>
                 <a:ext uri="{FF2B5EF4-FFF2-40B4-BE49-F238E27FC236}">
-                  <a16:creationId xmlns:a16="http://schemas.microsoft.com/office/drawing/2014/main" xmlns="" id="{D4E5982E-3110-47E1-A5BB-91B7BECC3093}"/>
+                  <a16:creationId xmlns="" xmlns:a16="http://schemas.microsoft.com/office/drawing/2014/main" id="{D4E5982E-3110-47E1-A5BB-91B7BECC3093}"/>
                 </a:ext>
               </a:extLst>
             </p:cNvPr>
@@ -4599,7 +4487,7 @@
             <p:cNvPr id="27" name="Straight Connector Horizontal">
               <a:extLst>
                 <a:ext uri="{FF2B5EF4-FFF2-40B4-BE49-F238E27FC236}">
-                  <a16:creationId xmlns:a16="http://schemas.microsoft.com/office/drawing/2014/main" xmlns="" id="{5F62FB7C-BD6E-4383-98C1-2CF30F34CAFD}"/>
+                  <a16:creationId xmlns="" xmlns:a16="http://schemas.microsoft.com/office/drawing/2014/main" id="{5F62FB7C-BD6E-4383-98C1-2CF30F34CAFD}"/>
                 </a:ext>
               </a:extLst>
             </p:cNvPr>
@@ -4638,7 +4526,7 @@
             <p:cNvPr id="34" name="Straight Connector 0">
               <a:extLst>
                 <a:ext uri="{FF2B5EF4-FFF2-40B4-BE49-F238E27FC236}">
-                  <a16:creationId xmlns:a16="http://schemas.microsoft.com/office/drawing/2014/main" xmlns="" id="{C84A0FE1-723D-4682-8682-77BAD950EE15}"/>
+                  <a16:creationId xmlns="" xmlns:a16="http://schemas.microsoft.com/office/drawing/2014/main" id="{C84A0FE1-723D-4682-8682-77BAD950EE15}"/>
                 </a:ext>
               </a:extLst>
             </p:cNvPr>
@@ -4675,7 +4563,7 @@
             <p:cNvPr id="18" name="Picture SoftUni Logo" descr="SoftUni logo">
               <a:extLst>
                 <a:ext uri="{FF2B5EF4-FFF2-40B4-BE49-F238E27FC236}">
-                  <a16:creationId xmlns:a16="http://schemas.microsoft.com/office/drawing/2014/main" xmlns="" id="{A0675455-B7FA-4569-A5FD-A3B0F20B2A26}"/>
+                  <a16:creationId xmlns="" xmlns:a16="http://schemas.microsoft.com/office/drawing/2014/main" id="{A0675455-B7FA-4569-A5FD-A3B0F20B2A26}"/>
                 </a:ext>
               </a:extLst>
             </p:cNvPr>
@@ -4688,7 +4576,7 @@
             <a:blip r:embed="rId10" cstate="print">
               <a:extLst>
                 <a:ext uri="{28A0092B-C50C-407E-A947-70E740481C1C}">
-                  <a14:useLocalDpi xmlns:a14="http://schemas.microsoft.com/office/drawing/2010/main" xmlns="" val="0"/>
+                  <a14:useLocalDpi xmlns="" xmlns:a14="http://schemas.microsoft.com/office/drawing/2010/main" val="0"/>
                 </a:ext>
               </a:extLst>
             </a:blip>
@@ -4712,7 +4600,7 @@
           <p:cNvPr id="19" name="Slide Title">
             <a:extLst>
               <a:ext uri="{FF2B5EF4-FFF2-40B4-BE49-F238E27FC236}">
-                <a16:creationId xmlns:a16="http://schemas.microsoft.com/office/drawing/2014/main" xmlns="" id="{7CFDBB16-985C-4CC7-B6DB-B81B36037922}"/>
+                <a16:creationId xmlns="" xmlns:a16="http://schemas.microsoft.com/office/drawing/2014/main" id="{7CFDBB16-985C-4CC7-B6DB-B81B36037922}"/>
               </a:ext>
             </a:extLst>
           </p:cNvPr>
@@ -4815,7 +4703,7 @@
           <p:cNvPr id="36" name="Logo Software University" descr="Software University logo">
             <a:extLst>
               <a:ext uri="{FF2B5EF4-FFF2-40B4-BE49-F238E27FC236}">
-                <a16:creationId xmlns:a16="http://schemas.microsoft.com/office/drawing/2014/main" xmlns="" id="{67FC4D2E-913D-432A-B658-F0D82839FA5E}"/>
+                <a16:creationId xmlns="" xmlns:a16="http://schemas.microsoft.com/office/drawing/2014/main" id="{67FC4D2E-913D-432A-B658-F0D82839FA5E}"/>
               </a:ext>
             </a:extLst>
           </p:cNvPr>
@@ -4838,7 +4726,7 @@
             </a:clrChange>
             <a:extLst>
               <a:ext uri="{28A0092B-C50C-407E-A947-70E740481C1C}">
-                <a14:useLocalDpi xmlns:a14="http://schemas.microsoft.com/office/drawing/2010/main" xmlns="" val="0"/>
+                <a14:useLocalDpi xmlns="" xmlns:a14="http://schemas.microsoft.com/office/drawing/2010/main" val="0"/>
               </a:ext>
             </a:extLst>
           </a:blip>
@@ -4859,7 +4747,7 @@
     </p:spTree>
     <p:extLst>
       <p:ext uri="{BB962C8B-B14F-4D97-AF65-F5344CB8AC3E}">
-        <p14:creationId xmlns:p14="http://schemas.microsoft.com/office/powerpoint/2010/main" xmlns="" val="4192061223"/>
+        <p14:creationId xmlns="" xmlns:p14="http://schemas.microsoft.com/office/powerpoint/2010/main" val="4192061223"/>
       </p:ext>
     </p:extLst>
   </p:cSld>
@@ -4867,7 +4755,7 @@
     <a:masterClrMapping/>
   </p:clrMapOvr>
   <mc:AlternateContent xmlns:mc="http://schemas.openxmlformats.org/markup-compatibility/2006">
-    <mc:Choice xmlns:p14="http://schemas.microsoft.com/office/powerpoint/2010/main" xmlns="" Requires="p14">
+    <mc:Choice xmlns="" xmlns:p14="http://schemas.microsoft.com/office/powerpoint/2010/main" Requires="p14">
       <p:transition spd="slow" p14:dur="2000" advClick="0" advTm="5000"/>
     </mc:Choice>
     <mc:Fallback>
@@ -4876,7 +4764,7 @@
   </mc:AlternateContent>
   <p:extLst>
     <p:ext uri="{DCECCB84-F9BA-43D5-87BE-67443E8EF086}">
-      <p15:sldGuideLst xmlns:p15="http://schemas.microsoft.com/office/powerpoint/2012/main" xmlns="">
+      <p15:sldGuideLst xmlns="" xmlns:p15="http://schemas.microsoft.com/office/powerpoint/2012/main">
         <p15:guide id="1" orient="horz" pos="2160">
           <p15:clr>
             <a:srgbClr val="FBAE40"/>
@@ -4915,7 +4803,7 @@
           <p:cNvPr id="13" name="Slide Number">
             <a:extLst>
               <a:ext uri="{FF2B5EF4-FFF2-40B4-BE49-F238E27FC236}">
-                <a16:creationId xmlns:a16="http://schemas.microsoft.com/office/drawing/2014/main" xmlns="" id="{5B8761D8-B42F-4A70-A0CE-682CEB2AE31B}"/>
+                <a16:creationId xmlns="" xmlns:a16="http://schemas.microsoft.com/office/drawing/2014/main" id="{5B8761D8-B42F-4A70-A0CE-682CEB2AE31B}"/>
               </a:ext>
             </a:extLst>
           </p:cNvPr>
@@ -4958,7 +4846,7 @@
             <a:hlinkClick r:id="rId2" tooltip="Software University Discussion Forum"/>
             <a:extLst>
               <a:ext uri="{FF2B5EF4-FFF2-40B4-BE49-F238E27FC236}">
-                <a16:creationId xmlns:a16="http://schemas.microsoft.com/office/drawing/2014/main" xmlns="" id="{98C579AD-FAF5-4B28-9B52-5457F1E90061}"/>
+                <a16:creationId xmlns="" xmlns:a16="http://schemas.microsoft.com/office/drawing/2014/main" id="{98C579AD-FAF5-4B28-9B52-5457F1E90061}"/>
               </a:ext>
             </a:extLst>
           </p:cNvPr>
@@ -4971,7 +4859,7 @@
           <a:blip r:embed="rId3" cstate="print">
             <a:extLst>
               <a:ext uri="{28A0092B-C50C-407E-A947-70E740481C1C}">
-                <a14:useLocalDpi xmlns:a14="http://schemas.microsoft.com/office/drawing/2010/main" xmlns=""/>
+                <a14:useLocalDpi xmlns="" xmlns:a14="http://schemas.microsoft.com/office/drawing/2010/main"/>
               </a:ext>
             </a:extLst>
           </a:blip>
@@ -4995,7 +4883,7 @@
             <a:hlinkClick r:id="rId4" tooltip="Software University @ Facebook"/>
             <a:extLst>
               <a:ext uri="{FF2B5EF4-FFF2-40B4-BE49-F238E27FC236}">
-                <a16:creationId xmlns:a16="http://schemas.microsoft.com/office/drawing/2014/main" xmlns="" id="{6B2C510E-5EF2-49F6-B926-2BD74CD3C7F8}"/>
+                <a16:creationId xmlns="" xmlns:a16="http://schemas.microsoft.com/office/drawing/2014/main" id="{6B2C510E-5EF2-49F6-B926-2BD74CD3C7F8}"/>
               </a:ext>
             </a:extLst>
           </p:cNvPr>
@@ -5008,7 +4896,7 @@
           <a:blip r:embed="rId5" cstate="print">
             <a:extLst>
               <a:ext uri="{28A0092B-C50C-407E-A947-70E740481C1C}">
-                <a14:useLocalDpi xmlns:a14="http://schemas.microsoft.com/office/drawing/2010/main" xmlns=""/>
+                <a14:useLocalDpi xmlns="" xmlns:a14="http://schemas.microsoft.com/office/drawing/2010/main"/>
               </a:ext>
             </a:extLst>
           </a:blip>
@@ -5026,7 +4914,7 @@
           <a:noFill/>
           <a:extLst>
             <a:ext uri="{909E8E84-426E-40DD-AFC4-6F175D3DCCD1}">
-              <a14:hiddenFill xmlns:a14="http://schemas.microsoft.com/office/drawing/2010/main" xmlns="">
+              <a14:hiddenFill xmlns="" xmlns:a14="http://schemas.microsoft.com/office/drawing/2010/main">
                 <a:solidFill>
                   <a:srgbClr val="FFFFFF"/>
                 </a:solidFill>
@@ -5041,7 +4929,7 @@
             <a:hlinkClick r:id="rId6"/>
             <a:extLst>
               <a:ext uri="{FF2B5EF4-FFF2-40B4-BE49-F238E27FC236}">
-                <a16:creationId xmlns:a16="http://schemas.microsoft.com/office/drawing/2014/main" xmlns="" id="{F4604840-E810-44B7-9FF1-3B28CD68B758}"/>
+                <a16:creationId xmlns="" xmlns:a16="http://schemas.microsoft.com/office/drawing/2014/main" id="{F4604840-E810-44B7-9FF1-3B28CD68B758}"/>
               </a:ext>
             </a:extLst>
           </p:cNvPr>
@@ -5054,7 +4942,7 @@
           <a:blip r:embed="rId7" cstate="print">
             <a:extLst>
               <a:ext uri="{28A0092B-C50C-407E-A947-70E740481C1C}">
-                <a14:useLocalDpi xmlns:a14="http://schemas.microsoft.com/office/drawing/2010/main" xmlns="" val="0"/>
+                <a14:useLocalDpi xmlns="" xmlns:a14="http://schemas.microsoft.com/office/drawing/2010/main" val="0"/>
               </a:ext>
             </a:extLst>
           </a:blip>
@@ -5078,7 +4966,7 @@
             <a:hlinkClick r:id="rId8"/>
             <a:extLst>
               <a:ext uri="{FF2B5EF4-FFF2-40B4-BE49-F238E27FC236}">
-                <a16:creationId xmlns:a16="http://schemas.microsoft.com/office/drawing/2014/main" xmlns="" id="{07C965FA-A87E-4824-AFA8-C67AF548A76A}"/>
+                <a16:creationId xmlns="" xmlns:a16="http://schemas.microsoft.com/office/drawing/2014/main" id="{07C965FA-A87E-4824-AFA8-C67AF548A76A}"/>
               </a:ext>
             </a:extLst>
           </p:cNvPr>
@@ -5091,7 +4979,7 @@
           <a:blip r:embed="rId9" cstate="print">
             <a:extLst>
               <a:ext uri="{28A0092B-C50C-407E-A947-70E740481C1C}">
-                <a14:useLocalDpi xmlns:a14="http://schemas.microsoft.com/office/drawing/2010/main" xmlns="" val="0"/>
+                <a14:useLocalDpi xmlns="" xmlns:a14="http://schemas.microsoft.com/office/drawing/2010/main" val="0"/>
               </a:ext>
             </a:extLst>
           </a:blip>
@@ -5113,7 +5001,7 @@
           <p:cNvPr id="12" name="Slide Body Text">
             <a:extLst>
               <a:ext uri="{FF2B5EF4-FFF2-40B4-BE49-F238E27FC236}">
-                <a16:creationId xmlns:a16="http://schemas.microsoft.com/office/drawing/2014/main" xmlns="" id="{0C1F9416-8B6E-46DE-973C-777785E27A26}"/>
+                <a16:creationId xmlns="" xmlns:a16="http://schemas.microsoft.com/office/drawing/2014/main" id="{0C1F9416-8B6E-46DE-973C-777785E27A26}"/>
               </a:ext>
             </a:extLst>
           </p:cNvPr>
@@ -5238,7 +5126,7 @@
           <p:cNvPr id="10" name="Rectangle Top">
             <a:extLst>
               <a:ext uri="{FF2B5EF4-FFF2-40B4-BE49-F238E27FC236}">
-                <a16:creationId xmlns:a16="http://schemas.microsoft.com/office/drawing/2014/main" xmlns="" id="{86646B95-5E3B-4DE8-9118-031C2C296D8C}"/>
+                <a16:creationId xmlns="" xmlns:a16="http://schemas.microsoft.com/office/drawing/2014/main" id="{86646B95-5E3B-4DE8-9118-031C2C296D8C}"/>
               </a:ext>
             </a:extLst>
           </p:cNvPr>
@@ -5319,7 +5207,7 @@
           <p:cNvPr id="11" name="Logo Software University" descr="Software University logo">
             <a:extLst>
               <a:ext uri="{FF2B5EF4-FFF2-40B4-BE49-F238E27FC236}">
-                <a16:creationId xmlns:a16="http://schemas.microsoft.com/office/drawing/2014/main" xmlns="" id="{58AB1944-B146-4E89-B2D9-426EB610F319}"/>
+                <a16:creationId xmlns="" xmlns:a16="http://schemas.microsoft.com/office/drawing/2014/main" id="{58AB1944-B146-4E89-B2D9-426EB610F319}"/>
               </a:ext>
             </a:extLst>
           </p:cNvPr>
@@ -5332,7 +5220,7 @@
           <a:blip r:embed="rId11" cstate="print">
             <a:extLst>
               <a:ext uri="{28A0092B-C50C-407E-A947-70E740481C1C}">
-                <a14:useLocalDpi xmlns:a14="http://schemas.microsoft.com/office/drawing/2010/main" xmlns="" val="0"/>
+                <a14:useLocalDpi xmlns="" xmlns:a14="http://schemas.microsoft.com/office/drawing/2010/main" val="0"/>
               </a:ext>
             </a:extLst>
           </a:blip>
@@ -5355,7 +5243,7 @@
           <p:cNvPr id="18" name="Slide Title">
             <a:extLst>
               <a:ext uri="{FF2B5EF4-FFF2-40B4-BE49-F238E27FC236}">
-                <a16:creationId xmlns:a16="http://schemas.microsoft.com/office/drawing/2014/main" xmlns="" id="{AE87ED9C-76E1-4D85-9B06-3AF44AABB668}"/>
+                <a16:creationId xmlns="" xmlns:a16="http://schemas.microsoft.com/office/drawing/2014/main" id="{AE87ED9C-76E1-4D85-9B06-3AF44AABB668}"/>
               </a:ext>
             </a:extLst>
           </p:cNvPr>
@@ -5394,7 +5282,7 @@
     </p:spTree>
     <p:extLst>
       <p:ext uri="{BB962C8B-B14F-4D97-AF65-F5344CB8AC3E}">
-        <p14:creationId xmlns:p14="http://schemas.microsoft.com/office/powerpoint/2010/main" xmlns="" val="2196466322"/>
+        <p14:creationId xmlns="" xmlns:p14="http://schemas.microsoft.com/office/powerpoint/2010/main" val="2196466322"/>
       </p:ext>
     </p:extLst>
   </p:cSld>
@@ -5402,7 +5290,7 @@
     <a:masterClrMapping/>
   </p:clrMapOvr>
   <mc:AlternateContent xmlns:mc="http://schemas.openxmlformats.org/markup-compatibility/2006">
-    <mc:Choice xmlns:p14="http://schemas.microsoft.com/office/powerpoint/2010/main" xmlns="" Requires="p14">
+    <mc:Choice xmlns="" xmlns:p14="http://schemas.microsoft.com/office/powerpoint/2010/main" Requires="p14">
       <p:transition spd="slow" p14:dur="2000" advClick="0" advTm="5000"/>
     </mc:Choice>
     <mc:Fallback>
@@ -5434,7 +5322,7 @@
           <p:cNvPr id="9" name="Oval Center Icon">
             <a:extLst>
               <a:ext uri="{FF2B5EF4-FFF2-40B4-BE49-F238E27FC236}">
-                <a16:creationId xmlns:a16="http://schemas.microsoft.com/office/drawing/2014/main" xmlns="" id="{13B9A8FE-2718-4F2C-98D4-CBF86AD69D58}"/>
+                <a16:creationId xmlns="" xmlns:a16="http://schemas.microsoft.com/office/drawing/2014/main" id="{13B9A8FE-2718-4F2C-98D4-CBF86AD69D58}"/>
               </a:ext>
             </a:extLst>
           </p:cNvPr>
@@ -5515,7 +5403,7 @@
           <p:cNvPr id="8" name="Slide Subtitle">
             <a:extLst>
               <a:ext uri="{FF2B5EF4-FFF2-40B4-BE49-F238E27FC236}">
-                <a16:creationId xmlns:a16="http://schemas.microsoft.com/office/drawing/2014/main" xmlns="" id="{588387B4-E99E-4145-9D1D-F17CA5190DFD}"/>
+                <a16:creationId xmlns="" xmlns:a16="http://schemas.microsoft.com/office/drawing/2014/main" id="{588387B4-E99E-4145-9D1D-F17CA5190DFD}"/>
               </a:ext>
             </a:extLst>
           </p:cNvPr>
@@ -5565,7 +5453,7 @@
           <p:cNvPr id="13" name="Slide Title">
             <a:extLst>
               <a:ext uri="{FF2B5EF4-FFF2-40B4-BE49-F238E27FC236}">
-                <a16:creationId xmlns:a16="http://schemas.microsoft.com/office/drawing/2014/main" xmlns="" id="{8A28C56F-AE84-49D0-9AD1-1F0CEEABF710}"/>
+                <a16:creationId xmlns="" xmlns:a16="http://schemas.microsoft.com/office/drawing/2014/main" id="{8A28C56F-AE84-49D0-9AD1-1F0CEEABF710}"/>
               </a:ext>
             </a:extLst>
           </p:cNvPr>
@@ -5610,7 +5498,7 @@
     </p:spTree>
     <p:extLst>
       <p:ext uri="{BB962C8B-B14F-4D97-AF65-F5344CB8AC3E}">
-        <p14:creationId xmlns:p14="http://schemas.microsoft.com/office/powerpoint/2010/main" xmlns="" val="475389923"/>
+        <p14:creationId xmlns="" xmlns:p14="http://schemas.microsoft.com/office/powerpoint/2010/main" val="475389923"/>
       </p:ext>
     </p:extLst>
   </p:cSld>
@@ -5618,7 +5506,7 @@
     <a:masterClrMapping/>
   </p:clrMapOvr>
   <mc:AlternateContent xmlns:mc="http://schemas.openxmlformats.org/markup-compatibility/2006">
-    <mc:Choice xmlns:p14="http://schemas.microsoft.com/office/powerpoint/2010/main" xmlns="" Requires="p14">
+    <mc:Choice xmlns="" xmlns:p14="http://schemas.microsoft.com/office/powerpoint/2010/main" Requires="p14">
       <p:transition spd="slow" p14:dur="2000" advClick="0" advTm="5000"/>
     </mc:Choice>
     <mc:Fallback>
@@ -5651,7 +5539,7 @@
           <p:cNvPr id="2" name="Title 1">
             <a:extLst>
               <a:ext uri="{FF2B5EF4-FFF2-40B4-BE49-F238E27FC236}">
-                <a16:creationId xmlns:a16="http://schemas.microsoft.com/office/drawing/2014/main" xmlns="" id="{5213C145-EA12-94EF-AA17-5F628EA0AD2D}"/>
+                <a16:creationId xmlns="" xmlns:a16="http://schemas.microsoft.com/office/drawing/2014/main" id="{5213C145-EA12-94EF-AA17-5F628EA0AD2D}"/>
               </a:ext>
             </a:extLst>
           </p:cNvPr>
@@ -5689,7 +5577,7 @@
           <p:cNvPr id="3" name="Subtitle 2">
             <a:extLst>
               <a:ext uri="{FF2B5EF4-FFF2-40B4-BE49-F238E27FC236}">
-                <a16:creationId xmlns:a16="http://schemas.microsoft.com/office/drawing/2014/main" xmlns="" id="{5F55E72E-5B45-B6EE-75AE-03B188AD9A08}"/>
+                <a16:creationId xmlns="" xmlns:a16="http://schemas.microsoft.com/office/drawing/2014/main" id="{5F55E72E-5B45-B6EE-75AE-03B188AD9A08}"/>
               </a:ext>
             </a:extLst>
           </p:cNvPr>
@@ -5760,7 +5648,7 @@
           <p:cNvPr id="4" name="Date Placeholder 3">
             <a:extLst>
               <a:ext uri="{FF2B5EF4-FFF2-40B4-BE49-F238E27FC236}">
-                <a16:creationId xmlns:a16="http://schemas.microsoft.com/office/drawing/2014/main" xmlns="" id="{30C6A8EA-0240-01AB-A7C2-BD1CD885E1C1}"/>
+                <a16:creationId xmlns="" xmlns:a16="http://schemas.microsoft.com/office/drawing/2014/main" id="{30C6A8EA-0240-01AB-A7C2-BD1CD885E1C1}"/>
               </a:ext>
             </a:extLst>
           </p:cNvPr>
@@ -5779,7 +5667,7 @@
             <a:fld id="{1CF2F75B-1C4E-1E47-AE31-5B79E79ADF4F}" type="datetimeFigureOut">
               <a:rPr lang="x-none" smtClean="0"/>
               <a:pPr/>
-              <a:t>7.9.2023 г.</a:t>
+              <a:t>8.9.2023 г.</a:t>
             </a:fld>
             <a:endParaRPr lang="x-none"/>
           </a:p>
@@ -5790,7 +5678,7 @@
           <p:cNvPr id="5" name="Footer Placeholder 4">
             <a:extLst>
               <a:ext uri="{FF2B5EF4-FFF2-40B4-BE49-F238E27FC236}">
-                <a16:creationId xmlns:a16="http://schemas.microsoft.com/office/drawing/2014/main" xmlns="" id="{F95CBF96-4249-1541-E44E-FBCECA233B3C}"/>
+                <a16:creationId xmlns="" xmlns:a16="http://schemas.microsoft.com/office/drawing/2014/main" id="{F95CBF96-4249-1541-E44E-FBCECA233B3C}"/>
               </a:ext>
             </a:extLst>
           </p:cNvPr>
@@ -5815,7 +5703,7 @@
           <p:cNvPr id="6" name="Slide Number Placeholder 5">
             <a:extLst>
               <a:ext uri="{FF2B5EF4-FFF2-40B4-BE49-F238E27FC236}">
-                <a16:creationId xmlns:a16="http://schemas.microsoft.com/office/drawing/2014/main" xmlns="" id="{7ACB54F2-814F-F79B-8CD7-FA3133365CBC}"/>
+                <a16:creationId xmlns="" xmlns:a16="http://schemas.microsoft.com/office/drawing/2014/main" id="{7ACB54F2-814F-F79B-8CD7-FA3133365CBC}"/>
               </a:ext>
             </a:extLst>
           </p:cNvPr>
@@ -5843,7 +5731,7 @@
     </p:spTree>
     <p:extLst>
       <p:ext uri="{BB962C8B-B14F-4D97-AF65-F5344CB8AC3E}">
-        <p14:creationId xmlns:p14="http://schemas.microsoft.com/office/powerpoint/2010/main" xmlns="" val="2773863354"/>
+        <p14:creationId xmlns="" xmlns:p14="http://schemas.microsoft.com/office/powerpoint/2010/main" val="2773863354"/>
       </p:ext>
     </p:extLst>
   </p:cSld>
@@ -5875,7 +5763,7 @@
           <p:cNvPr id="8" name="Rectangle Top">
             <a:extLst>
               <a:ext uri="{FF2B5EF4-FFF2-40B4-BE49-F238E27FC236}">
-                <a16:creationId xmlns:a16="http://schemas.microsoft.com/office/drawing/2014/main" xmlns="" id="{454BD9C2-93A6-4860-A758-846ED0E1C8FA}"/>
+                <a16:creationId xmlns="" xmlns:a16="http://schemas.microsoft.com/office/drawing/2014/main" id="{454BD9C2-93A6-4860-A758-846ED0E1C8FA}"/>
               </a:ext>
             </a:extLst>
           </p:cNvPr>
@@ -5956,7 +5844,7 @@
           <p:cNvPr id="7" name="Slide Number">
             <a:extLst>
               <a:ext uri="{FF2B5EF4-FFF2-40B4-BE49-F238E27FC236}">
-                <a16:creationId xmlns:a16="http://schemas.microsoft.com/office/drawing/2014/main" xmlns="" id="{C1780DB1-0AF0-4108-AFE1-9DA99F0DBCB8}"/>
+                <a16:creationId xmlns="" xmlns:a16="http://schemas.microsoft.com/office/drawing/2014/main" id="{C1780DB1-0AF0-4108-AFE1-9DA99F0DBCB8}"/>
               </a:ext>
             </a:extLst>
           </p:cNvPr>
@@ -5998,7 +5886,7 @@
           <p:cNvPr id="3" name="Slide Body Text">
             <a:extLst>
               <a:ext uri="{FF2B5EF4-FFF2-40B4-BE49-F238E27FC236}">
-                <a16:creationId xmlns:a16="http://schemas.microsoft.com/office/drawing/2014/main" xmlns="" id="{5A9D2960-6D42-439F-82E8-812822013A10}"/>
+                <a16:creationId xmlns="" xmlns:a16="http://schemas.microsoft.com/office/drawing/2014/main" id="{5A9D2960-6D42-439F-82E8-812822013A10}"/>
               </a:ext>
             </a:extLst>
           </p:cNvPr>
@@ -6076,7 +5964,7 @@
           <p:cNvPr id="13" name="Rectangle Top">
             <a:extLst>
               <a:ext uri="{FF2B5EF4-FFF2-40B4-BE49-F238E27FC236}">
-                <a16:creationId xmlns:a16="http://schemas.microsoft.com/office/drawing/2014/main" xmlns="" id="{391AFA4E-7870-4561-A1B8-AC956B0C8931}"/>
+                <a16:creationId xmlns="" xmlns:a16="http://schemas.microsoft.com/office/drawing/2014/main" id="{391AFA4E-7870-4561-A1B8-AC956B0C8931}"/>
               </a:ext>
             </a:extLst>
           </p:cNvPr>
@@ -6157,7 +6045,7 @@
           <p:cNvPr id="12" name="Logo Software University" descr="Software University logo">
             <a:extLst>
               <a:ext uri="{FF2B5EF4-FFF2-40B4-BE49-F238E27FC236}">
-                <a16:creationId xmlns:a16="http://schemas.microsoft.com/office/drawing/2014/main" xmlns="" id="{B1D3B425-B9BF-43ED-9DEC-C05002FBA22F}"/>
+                <a16:creationId xmlns="" xmlns:a16="http://schemas.microsoft.com/office/drawing/2014/main" id="{B1D3B425-B9BF-43ED-9DEC-C05002FBA22F}"/>
               </a:ext>
             </a:extLst>
           </p:cNvPr>
@@ -6170,7 +6058,7 @@
           <a:blip r:embed="rId2" cstate="print">
             <a:extLst>
               <a:ext uri="{28A0092B-C50C-407E-A947-70E740481C1C}">
-                <a14:useLocalDpi xmlns:a14="http://schemas.microsoft.com/office/drawing/2010/main" xmlns="" val="0"/>
+                <a14:useLocalDpi xmlns="" xmlns:a14="http://schemas.microsoft.com/office/drawing/2010/main" val="0"/>
               </a:ext>
             </a:extLst>
           </a:blip>
@@ -6193,7 +6081,7 @@
           <p:cNvPr id="6" name="Slide Title">
             <a:extLst>
               <a:ext uri="{FF2B5EF4-FFF2-40B4-BE49-F238E27FC236}">
-                <a16:creationId xmlns:a16="http://schemas.microsoft.com/office/drawing/2014/main" xmlns="" id="{19B5B676-7892-440F-8191-7109B2C59885}"/>
+                <a16:creationId xmlns="" xmlns:a16="http://schemas.microsoft.com/office/drawing/2014/main" id="{19B5B676-7892-440F-8191-7109B2C59885}"/>
               </a:ext>
             </a:extLst>
           </p:cNvPr>
@@ -6232,7 +6120,7 @@
     </p:spTree>
     <p:extLst>
       <p:ext uri="{BB962C8B-B14F-4D97-AF65-F5344CB8AC3E}">
-        <p14:creationId xmlns:p14="http://schemas.microsoft.com/office/powerpoint/2010/main" xmlns="" val="2685365194"/>
+        <p14:creationId xmlns="" xmlns:p14="http://schemas.microsoft.com/office/powerpoint/2010/main" val="2685365194"/>
       </p:ext>
     </p:extLst>
   </p:cSld>
@@ -6240,7 +6128,7 @@
     <a:masterClrMapping/>
   </p:clrMapOvr>
   <mc:AlternateContent xmlns:mc="http://schemas.openxmlformats.org/markup-compatibility/2006">
-    <mc:Choice xmlns:p14="http://schemas.microsoft.com/office/powerpoint/2010/main" xmlns="" Requires="p14">
+    <mc:Choice xmlns="" xmlns:p14="http://schemas.microsoft.com/office/powerpoint/2010/main" Requires="p14">
       <p:transition spd="slow" p14:dur="2000" advClick="0" advTm="5000"/>
     </mc:Choice>
     <mc:Fallback>
@@ -7290,7 +7178,7 @@
             <a:fld id="{1D8BD707-D9CF-40AE-B4C6-C98DA3205C09}" type="datetimeFigureOut">
               <a:rPr lang="en-US"/>
               <a:pPr/>
-              <a:t>9/7/2023</a:t>
+              <a:t>9/8/2023</a:t>
             </a:fld>
             <a:endParaRPr lang="en-US" dirty="0"/>
           </a:p>
@@ -7350,7 +7238,7 @@
     </p:spTree>
     <p:extLst>
       <p:ext uri="{BB962C8B-B14F-4D97-AF65-F5344CB8AC3E}">
-        <p14:creationId xmlns:p14="http://schemas.microsoft.com/office/powerpoint/2010/main" xmlns="" val="2531485629"/>
+        <p14:creationId xmlns="" xmlns:p14="http://schemas.microsoft.com/office/powerpoint/2010/main" val="2531485629"/>
       </p:ext>
     </p:extLst>
   </p:cSld>
@@ -7546,7 +7434,7 @@
     </p:spTree>
     <p:extLst>
       <p:ext uri="{BB962C8B-B14F-4D97-AF65-F5344CB8AC3E}">
-        <p14:creationId xmlns:p14="http://schemas.microsoft.com/office/powerpoint/2010/main" xmlns="" val="3529216409"/>
+        <p14:creationId xmlns="" xmlns:p14="http://schemas.microsoft.com/office/powerpoint/2010/main" val="3529216409"/>
       </p:ext>
     </p:extLst>
   </p:cSld>
@@ -7554,7 +7442,7 @@
     <a:masterClrMapping/>
   </p:clrMapOvr>
   <mc:AlternateContent xmlns:mc="http://schemas.openxmlformats.org/markup-compatibility/2006">
-    <mc:Choice xmlns:p14="http://schemas.microsoft.com/office/powerpoint/2010/main" xmlns="" Requires="p14">
+    <mc:Choice xmlns="" xmlns:p14="http://schemas.microsoft.com/office/powerpoint/2010/main" Requires="p14">
       <p:transition spd="slow" p14:dur="2000" advClick="0" advTm="5000"/>
     </mc:Choice>
     <mc:Fallback>
@@ -7586,7 +7474,7 @@
           <p:cNvPr id="7" name="Slide Number">
             <a:extLst>
               <a:ext uri="{FF2B5EF4-FFF2-40B4-BE49-F238E27FC236}">
-                <a16:creationId xmlns:a16="http://schemas.microsoft.com/office/drawing/2014/main" xmlns="" id="{C1780DB1-0AF0-4108-AFE1-9DA99F0DBCB8}"/>
+                <a16:creationId xmlns="" xmlns:a16="http://schemas.microsoft.com/office/drawing/2014/main" id="{C1780DB1-0AF0-4108-AFE1-9DA99F0DBCB8}"/>
               </a:ext>
             </a:extLst>
           </p:cNvPr>
@@ -7628,7 +7516,7 @@
           <p:cNvPr id="3" name="Slide Body Text">
             <a:extLst>
               <a:ext uri="{FF2B5EF4-FFF2-40B4-BE49-F238E27FC236}">
-                <a16:creationId xmlns:a16="http://schemas.microsoft.com/office/drawing/2014/main" xmlns="" id="{5A9D2960-6D42-439F-82E8-812822013A10}"/>
+                <a16:creationId xmlns="" xmlns:a16="http://schemas.microsoft.com/office/drawing/2014/main" id="{5A9D2960-6D42-439F-82E8-812822013A10}"/>
               </a:ext>
             </a:extLst>
           </p:cNvPr>
@@ -7706,7 +7594,7 @@
           <p:cNvPr id="13" name="Rectangle Top">
             <a:extLst>
               <a:ext uri="{FF2B5EF4-FFF2-40B4-BE49-F238E27FC236}">
-                <a16:creationId xmlns:a16="http://schemas.microsoft.com/office/drawing/2014/main" xmlns="" id="{391AFA4E-7870-4561-A1B8-AC956B0C8931}"/>
+                <a16:creationId xmlns="" xmlns:a16="http://schemas.microsoft.com/office/drawing/2014/main" id="{391AFA4E-7870-4561-A1B8-AC956B0C8931}"/>
               </a:ext>
             </a:extLst>
           </p:cNvPr>
@@ -7787,7 +7675,7 @@
           <p:cNvPr id="12" name="Logo Software University" descr="Software University logo">
             <a:extLst>
               <a:ext uri="{FF2B5EF4-FFF2-40B4-BE49-F238E27FC236}">
-                <a16:creationId xmlns:a16="http://schemas.microsoft.com/office/drawing/2014/main" xmlns="" id="{B1D3B425-B9BF-43ED-9DEC-C05002FBA22F}"/>
+                <a16:creationId xmlns="" xmlns:a16="http://schemas.microsoft.com/office/drawing/2014/main" id="{B1D3B425-B9BF-43ED-9DEC-C05002FBA22F}"/>
               </a:ext>
             </a:extLst>
           </p:cNvPr>
@@ -7800,7 +7688,7 @@
           <a:blip r:embed="rId2" cstate="print">
             <a:extLst>
               <a:ext uri="{28A0092B-C50C-407E-A947-70E740481C1C}">
-                <a14:useLocalDpi xmlns:a14="http://schemas.microsoft.com/office/drawing/2010/main" xmlns="" val="0"/>
+                <a14:useLocalDpi xmlns="" xmlns:a14="http://schemas.microsoft.com/office/drawing/2010/main" val="0"/>
               </a:ext>
             </a:extLst>
           </a:blip>
@@ -7823,7 +7711,7 @@
           <p:cNvPr id="6" name="Slide Title">
             <a:extLst>
               <a:ext uri="{FF2B5EF4-FFF2-40B4-BE49-F238E27FC236}">
-                <a16:creationId xmlns:a16="http://schemas.microsoft.com/office/drawing/2014/main" xmlns="" id="{19B5B676-7892-440F-8191-7109B2C59885}"/>
+                <a16:creationId xmlns="" xmlns:a16="http://schemas.microsoft.com/office/drawing/2014/main" id="{19B5B676-7892-440F-8191-7109B2C59885}"/>
               </a:ext>
             </a:extLst>
           </p:cNvPr>
@@ -7862,7 +7750,7 @@
     </p:spTree>
     <p:extLst>
       <p:ext uri="{BB962C8B-B14F-4D97-AF65-F5344CB8AC3E}">
-        <p14:creationId xmlns:p14="http://schemas.microsoft.com/office/powerpoint/2010/main" xmlns="" val="1102970716"/>
+        <p14:creationId xmlns="" xmlns:p14="http://schemas.microsoft.com/office/powerpoint/2010/main" val="1102970716"/>
       </p:ext>
     </p:extLst>
   </p:cSld>
@@ -7870,7 +7758,7 @@
     <a:masterClrMapping/>
   </p:clrMapOvr>
   <mc:AlternateContent xmlns:mc="http://schemas.openxmlformats.org/markup-compatibility/2006">
-    <mc:Choice xmlns:p14="http://schemas.microsoft.com/office/powerpoint/2010/main" xmlns="" Requires="p14">
+    <mc:Choice xmlns="" xmlns:p14="http://schemas.microsoft.com/office/powerpoint/2010/main" Requires="p14">
       <p:transition spd="slow" p14:dur="2000" advClick="0" advTm="5000"/>
     </mc:Choice>
     <mc:Fallback>
@@ -7902,7 +7790,7 @@
           <p:cNvPr id="9" name="Slide Number">
             <a:extLst>
               <a:ext uri="{FF2B5EF4-FFF2-40B4-BE49-F238E27FC236}">
-                <a16:creationId xmlns:a16="http://schemas.microsoft.com/office/drawing/2014/main" xmlns="" id="{0020EB61-2079-41A3-B356-B1D8D48D786E}"/>
+                <a16:creationId xmlns="" xmlns:a16="http://schemas.microsoft.com/office/drawing/2014/main" id="{0020EB61-2079-41A3-B356-B1D8D48D786E}"/>
               </a:ext>
             </a:extLst>
           </p:cNvPr>
@@ -8019,7 +7907,7 @@
           <p:cNvPr id="7" name="Slide Body Text">
             <a:extLst>
               <a:ext uri="{FF2B5EF4-FFF2-40B4-BE49-F238E27FC236}">
-                <a16:creationId xmlns:a16="http://schemas.microsoft.com/office/drawing/2014/main" xmlns="" id="{CB4CB13C-66A1-466B-A6C1-B0BABF5CFEC1}"/>
+                <a16:creationId xmlns="" xmlns:a16="http://schemas.microsoft.com/office/drawing/2014/main" id="{CB4CB13C-66A1-466B-A6C1-B0BABF5CFEC1}"/>
               </a:ext>
             </a:extLst>
           </p:cNvPr>
@@ -8117,7 +8005,7 @@
           <p:cNvPr id="3" name="Logo Software University" descr="Software University logo">
             <a:extLst>
               <a:ext uri="{FF2B5EF4-FFF2-40B4-BE49-F238E27FC236}">
-                <a16:creationId xmlns:a16="http://schemas.microsoft.com/office/drawing/2014/main" xmlns="" id="{5573C101-930B-47AC-967A-A64513DFFDEE}"/>
+                <a16:creationId xmlns="" xmlns:a16="http://schemas.microsoft.com/office/drawing/2014/main" id="{5573C101-930B-47AC-967A-A64513DFFDEE}"/>
               </a:ext>
             </a:extLst>
           </p:cNvPr>
@@ -8140,7 +8028,7 @@
             </a:clrChange>
             <a:extLst>
               <a:ext uri="{28A0092B-C50C-407E-A947-70E740481C1C}">
-                <a14:useLocalDpi xmlns:a14="http://schemas.microsoft.com/office/drawing/2010/main" xmlns="" val="0"/>
+                <a14:useLocalDpi xmlns="" xmlns:a14="http://schemas.microsoft.com/office/drawing/2010/main" val="0"/>
               </a:ext>
             </a:extLst>
           </a:blip>
@@ -8163,7 +8051,7 @@
           <p:cNvPr id="8" name="Slide Title">
             <a:extLst>
               <a:ext uri="{FF2B5EF4-FFF2-40B4-BE49-F238E27FC236}">
-                <a16:creationId xmlns:a16="http://schemas.microsoft.com/office/drawing/2014/main" xmlns="" id="{E2DA9691-CDF5-499C-94BB-AAA61DAC1BFB}"/>
+                <a16:creationId xmlns="" xmlns:a16="http://schemas.microsoft.com/office/drawing/2014/main" id="{E2DA9691-CDF5-499C-94BB-AAA61DAC1BFB}"/>
               </a:ext>
             </a:extLst>
           </p:cNvPr>
@@ -8200,7 +8088,7 @@
           <p:cNvPr id="10" name="Group 9">
             <a:extLst>
               <a:ext uri="{FF2B5EF4-FFF2-40B4-BE49-F238E27FC236}">
-                <a16:creationId xmlns:a16="http://schemas.microsoft.com/office/drawing/2014/main" xmlns="" id="{43CDBCC2-1C96-44BC-B992-7B0C49C34904}"/>
+                <a16:creationId xmlns="" xmlns:a16="http://schemas.microsoft.com/office/drawing/2014/main" id="{43CDBCC2-1C96-44BC-B992-7B0C49C34904}"/>
               </a:ext>
             </a:extLst>
           </p:cNvPr>
@@ -8220,7 +8108,7 @@
             <p:cNvPr id="11" name="Group 10">
               <a:extLst>
                 <a:ext uri="{FF2B5EF4-FFF2-40B4-BE49-F238E27FC236}">
-                  <a16:creationId xmlns:a16="http://schemas.microsoft.com/office/drawing/2014/main" xmlns="" id="{7D71B3A8-4D39-42CF-9255-81EA3A622DD6}"/>
+                  <a16:creationId xmlns="" xmlns:a16="http://schemas.microsoft.com/office/drawing/2014/main" id="{7D71B3A8-4D39-42CF-9255-81EA3A622DD6}"/>
                 </a:ext>
               </a:extLst>
             </p:cNvPr>
@@ -8240,7 +8128,7 @@
               <p:cNvPr id="25" name="Oval 24">
                 <a:extLst>
                   <a:ext uri="{FF2B5EF4-FFF2-40B4-BE49-F238E27FC236}">
-                    <a16:creationId xmlns:a16="http://schemas.microsoft.com/office/drawing/2014/main" xmlns="" id="{B98059F9-1874-426D-8AF7-A12C21F37DD9}"/>
+                    <a16:creationId xmlns="" xmlns:a16="http://schemas.microsoft.com/office/drawing/2014/main" id="{B98059F9-1874-426D-8AF7-A12C21F37DD9}"/>
                   </a:ext>
                 </a:extLst>
               </p:cNvPr>
@@ -8292,7 +8180,7 @@
               <p:cNvPr id="26" name="Rectangle 5">
                 <a:extLst>
                   <a:ext uri="{FF2B5EF4-FFF2-40B4-BE49-F238E27FC236}">
-                    <a16:creationId xmlns:a16="http://schemas.microsoft.com/office/drawing/2014/main" xmlns="" id="{A3A1E077-DBDF-48F0-A924-604984B940A2}"/>
+                    <a16:creationId xmlns="" xmlns:a16="http://schemas.microsoft.com/office/drawing/2014/main" id="{A3A1E077-DBDF-48F0-A924-604984B940A2}"/>
                   </a:ext>
                 </a:extLst>
               </p:cNvPr>
@@ -8437,7 +8325,7 @@
               <p:cNvPr id="27" name="Rectangle 5">
                 <a:extLst>
                   <a:ext uri="{FF2B5EF4-FFF2-40B4-BE49-F238E27FC236}">
-                    <a16:creationId xmlns:a16="http://schemas.microsoft.com/office/drawing/2014/main" xmlns="" id="{798B1F51-1FA4-4199-81C7-62356C936CC9}"/>
+                    <a16:creationId xmlns="" xmlns:a16="http://schemas.microsoft.com/office/drawing/2014/main" id="{798B1F51-1FA4-4199-81C7-62356C936CC9}"/>
                   </a:ext>
                 </a:extLst>
               </p:cNvPr>
@@ -8582,7 +8470,7 @@
               <p:cNvPr id="28" name="Arc 27">
                 <a:extLst>
                   <a:ext uri="{FF2B5EF4-FFF2-40B4-BE49-F238E27FC236}">
-                    <a16:creationId xmlns:a16="http://schemas.microsoft.com/office/drawing/2014/main" xmlns="" id="{40A224C8-1233-40F7-96AB-BFF79AF6CDCB}"/>
+                    <a16:creationId xmlns="" xmlns:a16="http://schemas.microsoft.com/office/drawing/2014/main" id="{40A224C8-1233-40F7-96AB-BFF79AF6CDCB}"/>
                   </a:ext>
                 </a:extLst>
               </p:cNvPr>
@@ -8641,7 +8529,7 @@
               <p:cNvPr id="29" name="Arc 28">
                 <a:extLst>
                   <a:ext uri="{FF2B5EF4-FFF2-40B4-BE49-F238E27FC236}">
-                    <a16:creationId xmlns:a16="http://schemas.microsoft.com/office/drawing/2014/main" xmlns="" id="{B57C7CCC-E218-4321-8C7B-3F0C5753C7A1}"/>
+                    <a16:creationId xmlns="" xmlns:a16="http://schemas.microsoft.com/office/drawing/2014/main" id="{B57C7CCC-E218-4321-8C7B-3F0C5753C7A1}"/>
                   </a:ext>
                 </a:extLst>
               </p:cNvPr>
@@ -8701,7 +8589,7 @@
             <p:cNvPr id="13" name="Rectangle: Rounded Corners 12">
               <a:extLst>
                 <a:ext uri="{FF2B5EF4-FFF2-40B4-BE49-F238E27FC236}">
-                  <a16:creationId xmlns:a16="http://schemas.microsoft.com/office/drawing/2014/main" xmlns="" id="{6AF309CA-A56C-4ABC-B293-420F4EB1A9B4}"/>
+                  <a16:creationId xmlns="" xmlns:a16="http://schemas.microsoft.com/office/drawing/2014/main" id="{6AF309CA-A56C-4ABC-B293-420F4EB1A9B4}"/>
                 </a:ext>
               </a:extLst>
             </p:cNvPr>
@@ -8755,7 +8643,7 @@
             <p:cNvPr id="14" name="Rectangle: Rounded Corners 13">
               <a:extLst>
                 <a:ext uri="{FF2B5EF4-FFF2-40B4-BE49-F238E27FC236}">
-                  <a16:creationId xmlns:a16="http://schemas.microsoft.com/office/drawing/2014/main" xmlns="" id="{07955808-2AC7-44EB-8B6D-82B974E53A3C}"/>
+                  <a16:creationId xmlns="" xmlns:a16="http://schemas.microsoft.com/office/drawing/2014/main" id="{07955808-2AC7-44EB-8B6D-82B974E53A3C}"/>
                 </a:ext>
               </a:extLst>
             </p:cNvPr>
@@ -8816,7 +8704,7 @@
             <p:cNvPr id="15" name="Straight Connector 14">
               <a:extLst>
                 <a:ext uri="{FF2B5EF4-FFF2-40B4-BE49-F238E27FC236}">
-                  <a16:creationId xmlns:a16="http://schemas.microsoft.com/office/drawing/2014/main" xmlns="" id="{AC6420D7-AEAB-45EF-8D46-11EB06E4AFEA}"/>
+                  <a16:creationId xmlns="" xmlns:a16="http://schemas.microsoft.com/office/drawing/2014/main" id="{AC6420D7-AEAB-45EF-8D46-11EB06E4AFEA}"/>
                 </a:ext>
               </a:extLst>
             </p:cNvPr>
@@ -8862,7 +8750,7 @@
             <p:cNvPr id="16" name="Straight Connector 15">
               <a:extLst>
                 <a:ext uri="{FF2B5EF4-FFF2-40B4-BE49-F238E27FC236}">
-                  <a16:creationId xmlns:a16="http://schemas.microsoft.com/office/drawing/2014/main" xmlns="" id="{76C7FABC-6773-44F6-990B-3EB082BE9B35}"/>
+                  <a16:creationId xmlns="" xmlns:a16="http://schemas.microsoft.com/office/drawing/2014/main" id="{76C7FABC-6773-44F6-990B-3EB082BE9B35}"/>
                 </a:ext>
               </a:extLst>
             </p:cNvPr>
@@ -8908,7 +8796,7 @@
             <p:cNvPr id="17" name="Group 16">
               <a:extLst>
                 <a:ext uri="{FF2B5EF4-FFF2-40B4-BE49-F238E27FC236}">
-                  <a16:creationId xmlns:a16="http://schemas.microsoft.com/office/drawing/2014/main" xmlns="" id="{1FAD48E1-DC45-4B3D-9CE5-613250708496}"/>
+                  <a16:creationId xmlns="" xmlns:a16="http://schemas.microsoft.com/office/drawing/2014/main" id="{1FAD48E1-DC45-4B3D-9CE5-613250708496}"/>
                 </a:ext>
               </a:extLst>
             </p:cNvPr>
@@ -8931,7 +8819,7 @@
               <p:cNvPr id="23" name="Straight Connector 22">
                 <a:extLst>
                   <a:ext uri="{FF2B5EF4-FFF2-40B4-BE49-F238E27FC236}">
-                    <a16:creationId xmlns:a16="http://schemas.microsoft.com/office/drawing/2014/main" xmlns="" id="{B01FD1D1-046F-457B-AB63-2702CE3E906E}"/>
+                    <a16:creationId xmlns="" xmlns:a16="http://schemas.microsoft.com/office/drawing/2014/main" id="{B01FD1D1-046F-457B-AB63-2702CE3E906E}"/>
                   </a:ext>
                 </a:extLst>
               </p:cNvPr>
@@ -8975,7 +8863,7 @@
               <p:cNvPr id="24" name="Straight Connector 23">
                 <a:extLst>
                   <a:ext uri="{FF2B5EF4-FFF2-40B4-BE49-F238E27FC236}">
-                    <a16:creationId xmlns:a16="http://schemas.microsoft.com/office/drawing/2014/main" xmlns="" id="{895660C3-C72C-43EE-9C4A-170F85E5BE08}"/>
+                    <a16:creationId xmlns="" xmlns:a16="http://schemas.microsoft.com/office/drawing/2014/main" id="{895660C3-C72C-43EE-9C4A-170F85E5BE08}"/>
                   </a:ext>
                 </a:extLst>
               </p:cNvPr>
@@ -9020,7 +8908,7 @@
             <p:cNvPr id="19" name="Straight Connector 18">
               <a:extLst>
                 <a:ext uri="{FF2B5EF4-FFF2-40B4-BE49-F238E27FC236}">
-                  <a16:creationId xmlns:a16="http://schemas.microsoft.com/office/drawing/2014/main" xmlns="" id="{A74EE503-8FC0-42A6-8860-CA4EE42272E4}"/>
+                  <a16:creationId xmlns="" xmlns:a16="http://schemas.microsoft.com/office/drawing/2014/main" id="{A74EE503-8FC0-42A6-8860-CA4EE42272E4}"/>
                 </a:ext>
               </a:extLst>
             </p:cNvPr>
@@ -9066,7 +8954,7 @@
             <p:cNvPr id="12" name="Rectangle: Rounded Corners 11">
               <a:extLst>
                 <a:ext uri="{FF2B5EF4-FFF2-40B4-BE49-F238E27FC236}">
-                  <a16:creationId xmlns:a16="http://schemas.microsoft.com/office/drawing/2014/main" xmlns="" id="{F4189FDA-9FE8-490B-8A70-2E941811021F}"/>
+                  <a16:creationId xmlns="" xmlns:a16="http://schemas.microsoft.com/office/drawing/2014/main" id="{F4189FDA-9FE8-490B-8A70-2E941811021F}"/>
                 </a:ext>
               </a:extLst>
             </p:cNvPr>
@@ -9120,7 +9008,7 @@
             <p:cNvPr id="18" name="Group 17">
               <a:extLst>
                 <a:ext uri="{FF2B5EF4-FFF2-40B4-BE49-F238E27FC236}">
-                  <a16:creationId xmlns:a16="http://schemas.microsoft.com/office/drawing/2014/main" xmlns="" id="{FDA3EFCD-0DF8-419D-8533-D781521E597E}"/>
+                  <a16:creationId xmlns="" xmlns:a16="http://schemas.microsoft.com/office/drawing/2014/main" id="{FDA3EFCD-0DF8-419D-8533-D781521E597E}"/>
                 </a:ext>
               </a:extLst>
             </p:cNvPr>
@@ -9143,7 +9031,7 @@
               <p:cNvPr id="21" name="Straight Connector 20">
                 <a:extLst>
                   <a:ext uri="{FF2B5EF4-FFF2-40B4-BE49-F238E27FC236}">
-                    <a16:creationId xmlns:a16="http://schemas.microsoft.com/office/drawing/2014/main" xmlns="" id="{C3CC6A5A-182E-4A09-9C04-EB191881D789}"/>
+                    <a16:creationId xmlns="" xmlns:a16="http://schemas.microsoft.com/office/drawing/2014/main" id="{C3CC6A5A-182E-4A09-9C04-EB191881D789}"/>
                   </a:ext>
                 </a:extLst>
               </p:cNvPr>
@@ -9187,7 +9075,7 @@
               <p:cNvPr id="22" name="Straight Connector 21">
                 <a:extLst>
                   <a:ext uri="{FF2B5EF4-FFF2-40B4-BE49-F238E27FC236}">
-                    <a16:creationId xmlns:a16="http://schemas.microsoft.com/office/drawing/2014/main" xmlns="" id="{440C8953-0555-48CC-8255-78F17E053EE7}"/>
+                    <a16:creationId xmlns="" xmlns:a16="http://schemas.microsoft.com/office/drawing/2014/main" id="{440C8953-0555-48CC-8255-78F17E053EE7}"/>
                   </a:ext>
                 </a:extLst>
               </p:cNvPr>
@@ -9233,7 +9121,7 @@
           <p:cNvPr id="34" name="Straight Connector 33">
             <a:extLst>
               <a:ext uri="{FF2B5EF4-FFF2-40B4-BE49-F238E27FC236}">
-                <a16:creationId xmlns:a16="http://schemas.microsoft.com/office/drawing/2014/main" xmlns="" id="{29B538CA-8CCB-43FB-B5E5-5FC04EBC1F54}"/>
+                <a16:creationId xmlns="" xmlns:a16="http://schemas.microsoft.com/office/drawing/2014/main" id="{29B538CA-8CCB-43FB-B5E5-5FC04EBC1F54}"/>
               </a:ext>
             </a:extLst>
           </p:cNvPr>
@@ -9278,7 +9166,7 @@
     </p:spTree>
     <p:extLst>
       <p:ext uri="{BB962C8B-B14F-4D97-AF65-F5344CB8AC3E}">
-        <p14:creationId xmlns:p14="http://schemas.microsoft.com/office/powerpoint/2010/main" xmlns="" val="743545348"/>
+        <p14:creationId xmlns="" xmlns:p14="http://schemas.microsoft.com/office/powerpoint/2010/main" val="743545348"/>
       </p:ext>
     </p:extLst>
   </p:cSld>
@@ -9286,7 +9174,7 @@
     <a:masterClrMapping/>
   </p:clrMapOvr>
   <mc:AlternateContent xmlns:mc="http://schemas.openxmlformats.org/markup-compatibility/2006">
-    <mc:Choice xmlns:p14="http://schemas.microsoft.com/office/powerpoint/2010/main" xmlns="" Requires="p14">
+    <mc:Choice xmlns="" xmlns:p14="http://schemas.microsoft.com/office/powerpoint/2010/main" Requires="p14">
       <p:transition spd="slow" p14:dur="2000" advClick="0" advTm="5000"/>
     </mc:Choice>
     <mc:Fallback>
@@ -9318,7 +9206,7 @@
           <p:cNvPr id="9" name="Slide Number">
             <a:extLst>
               <a:ext uri="{FF2B5EF4-FFF2-40B4-BE49-F238E27FC236}">
-                <a16:creationId xmlns:a16="http://schemas.microsoft.com/office/drawing/2014/main" xmlns="" id="{1865BF6B-7F07-4E9C-879F-80E36EEB3405}"/>
+                <a16:creationId xmlns="" xmlns:a16="http://schemas.microsoft.com/office/drawing/2014/main" id="{1865BF6B-7F07-4E9C-879F-80E36EEB3405}"/>
               </a:ext>
             </a:extLst>
           </p:cNvPr>
@@ -9360,7 +9248,7 @@
           <p:cNvPr id="12" name="Rectangle Left">
             <a:extLst>
               <a:ext uri="{FF2B5EF4-FFF2-40B4-BE49-F238E27FC236}">
-                <a16:creationId xmlns:a16="http://schemas.microsoft.com/office/drawing/2014/main" xmlns="" id="{345FB1C8-7F66-4D5C-ACCE-AE919936BCFD}"/>
+                <a16:creationId xmlns="" xmlns:a16="http://schemas.microsoft.com/office/drawing/2014/main" id="{345FB1C8-7F66-4D5C-ACCE-AE919936BCFD}"/>
               </a:ext>
             </a:extLst>
           </p:cNvPr>
@@ -9441,7 +9329,7 @@
           <p:cNvPr id="15" name="Slide Body Text">
             <a:extLst>
               <a:ext uri="{FF2B5EF4-FFF2-40B4-BE49-F238E27FC236}">
-                <a16:creationId xmlns:a16="http://schemas.microsoft.com/office/drawing/2014/main" xmlns="" id="{6157C8DE-E0AF-422B-BBB1-F0AF1264B5E9}"/>
+                <a16:creationId xmlns="" xmlns:a16="http://schemas.microsoft.com/office/drawing/2014/main" id="{6157C8DE-E0AF-422B-BBB1-F0AF1264B5E9}"/>
               </a:ext>
             </a:extLst>
           </p:cNvPr>
@@ -9539,7 +9427,7 @@
           <p:cNvPr id="16" name="Logo Software University" descr="Software University logo">
             <a:extLst>
               <a:ext uri="{FF2B5EF4-FFF2-40B4-BE49-F238E27FC236}">
-                <a16:creationId xmlns:a16="http://schemas.microsoft.com/office/drawing/2014/main" xmlns="" id="{EFEBB553-EACE-4B4F-8B4F-7629FDD910A4}"/>
+                <a16:creationId xmlns="" xmlns:a16="http://schemas.microsoft.com/office/drawing/2014/main" id="{EFEBB553-EACE-4B4F-8B4F-7629FDD910A4}"/>
               </a:ext>
             </a:extLst>
           </p:cNvPr>
@@ -9562,7 +9450,7 @@
             </a:clrChange>
             <a:extLst>
               <a:ext uri="{28A0092B-C50C-407E-A947-70E740481C1C}">
-                <a14:useLocalDpi xmlns:a14="http://schemas.microsoft.com/office/drawing/2010/main" xmlns="" val="0"/>
+                <a14:useLocalDpi xmlns="" xmlns:a14="http://schemas.microsoft.com/office/drawing/2010/main" val="0"/>
               </a:ext>
             </a:extLst>
           </a:blip>
@@ -9585,7 +9473,7 @@
           <p:cNvPr id="13" name="Slide Title">
             <a:extLst>
               <a:ext uri="{FF2B5EF4-FFF2-40B4-BE49-F238E27FC236}">
-                <a16:creationId xmlns:a16="http://schemas.microsoft.com/office/drawing/2014/main" xmlns="" id="{0D5CC956-5C4A-44BE-8F8B-327FAFA51E97}"/>
+                <a16:creationId xmlns="" xmlns:a16="http://schemas.microsoft.com/office/drawing/2014/main" id="{0D5CC956-5C4A-44BE-8F8B-327FAFA51E97}"/>
               </a:ext>
             </a:extLst>
           </p:cNvPr>
@@ -9622,7 +9510,7 @@
           <p:cNvPr id="33" name="Group 32">
             <a:extLst>
               <a:ext uri="{FF2B5EF4-FFF2-40B4-BE49-F238E27FC236}">
-                <a16:creationId xmlns:a16="http://schemas.microsoft.com/office/drawing/2014/main" xmlns="" id="{7CF60135-47AA-48F0-96BA-0E795668ABDB}"/>
+                <a16:creationId xmlns="" xmlns:a16="http://schemas.microsoft.com/office/drawing/2014/main" id="{7CF60135-47AA-48F0-96BA-0E795668ABDB}"/>
               </a:ext>
             </a:extLst>
           </p:cNvPr>
@@ -9642,7 +9530,7 @@
             <p:cNvPr id="34" name="Group 33">
               <a:extLst>
                 <a:ext uri="{FF2B5EF4-FFF2-40B4-BE49-F238E27FC236}">
-                  <a16:creationId xmlns:a16="http://schemas.microsoft.com/office/drawing/2014/main" xmlns="" id="{2823380E-3936-41AF-BDF7-DA54D75BBF6B}"/>
+                  <a16:creationId xmlns="" xmlns:a16="http://schemas.microsoft.com/office/drawing/2014/main" id="{2823380E-3936-41AF-BDF7-DA54D75BBF6B}"/>
                 </a:ext>
               </a:extLst>
             </p:cNvPr>
@@ -9662,7 +9550,7 @@
               <p:cNvPr id="47" name="Oval 46">
                 <a:extLst>
                   <a:ext uri="{FF2B5EF4-FFF2-40B4-BE49-F238E27FC236}">
-                    <a16:creationId xmlns:a16="http://schemas.microsoft.com/office/drawing/2014/main" xmlns="" id="{52B047D9-D8DD-45C7-9BC8-6D4F682F5182}"/>
+                    <a16:creationId xmlns="" xmlns:a16="http://schemas.microsoft.com/office/drawing/2014/main" id="{52B047D9-D8DD-45C7-9BC8-6D4F682F5182}"/>
                   </a:ext>
                 </a:extLst>
               </p:cNvPr>
@@ -9714,7 +9602,7 @@
               <p:cNvPr id="48" name="Rectangle 5">
                 <a:extLst>
                   <a:ext uri="{FF2B5EF4-FFF2-40B4-BE49-F238E27FC236}">
-                    <a16:creationId xmlns:a16="http://schemas.microsoft.com/office/drawing/2014/main" xmlns="" id="{4D84FE51-BD8E-47EA-9463-CE02FEA31766}"/>
+                    <a16:creationId xmlns="" xmlns:a16="http://schemas.microsoft.com/office/drawing/2014/main" id="{4D84FE51-BD8E-47EA-9463-CE02FEA31766}"/>
                   </a:ext>
                 </a:extLst>
               </p:cNvPr>
@@ -9859,7 +9747,7 @@
               <p:cNvPr id="49" name="Rectangle 5">
                 <a:extLst>
                   <a:ext uri="{FF2B5EF4-FFF2-40B4-BE49-F238E27FC236}">
-                    <a16:creationId xmlns:a16="http://schemas.microsoft.com/office/drawing/2014/main" xmlns="" id="{F5C8F037-C197-4219-AC87-3A81763512BC}"/>
+                    <a16:creationId xmlns="" xmlns:a16="http://schemas.microsoft.com/office/drawing/2014/main" id="{F5C8F037-C197-4219-AC87-3A81763512BC}"/>
                   </a:ext>
                 </a:extLst>
               </p:cNvPr>
@@ -10004,7 +9892,7 @@
               <p:cNvPr id="50" name="Arc 49">
                 <a:extLst>
                   <a:ext uri="{FF2B5EF4-FFF2-40B4-BE49-F238E27FC236}">
-                    <a16:creationId xmlns:a16="http://schemas.microsoft.com/office/drawing/2014/main" xmlns="" id="{786EE401-CF8E-439B-94A0-EE6F3A7D5798}"/>
+                    <a16:creationId xmlns="" xmlns:a16="http://schemas.microsoft.com/office/drawing/2014/main" id="{786EE401-CF8E-439B-94A0-EE6F3A7D5798}"/>
                   </a:ext>
                 </a:extLst>
               </p:cNvPr>
@@ -10063,7 +9951,7 @@
               <p:cNvPr id="51" name="Arc 50">
                 <a:extLst>
                   <a:ext uri="{FF2B5EF4-FFF2-40B4-BE49-F238E27FC236}">
-                    <a16:creationId xmlns:a16="http://schemas.microsoft.com/office/drawing/2014/main" xmlns="" id="{8D9ACD38-B3EB-4A63-9730-CBF0501BF235}"/>
+                    <a16:creationId xmlns="" xmlns:a16="http://schemas.microsoft.com/office/drawing/2014/main" id="{8D9ACD38-B3EB-4A63-9730-CBF0501BF235}"/>
                   </a:ext>
                 </a:extLst>
               </p:cNvPr>
@@ -10123,7 +10011,7 @@
             <p:cNvPr id="35" name="Rectangle: Rounded Corners 34">
               <a:extLst>
                 <a:ext uri="{FF2B5EF4-FFF2-40B4-BE49-F238E27FC236}">
-                  <a16:creationId xmlns:a16="http://schemas.microsoft.com/office/drawing/2014/main" xmlns="" id="{64EE493E-A353-4C75-A3B9-D48ABA2C57CC}"/>
+                  <a16:creationId xmlns="" xmlns:a16="http://schemas.microsoft.com/office/drawing/2014/main" id="{64EE493E-A353-4C75-A3B9-D48ABA2C57CC}"/>
                 </a:ext>
               </a:extLst>
             </p:cNvPr>
@@ -10177,7 +10065,7 @@
             <p:cNvPr id="36" name="Rectangle: Rounded Corners 35">
               <a:extLst>
                 <a:ext uri="{FF2B5EF4-FFF2-40B4-BE49-F238E27FC236}">
-                  <a16:creationId xmlns:a16="http://schemas.microsoft.com/office/drawing/2014/main" xmlns="" id="{718408B9-204E-42E3-9E79-33E047E869BC}"/>
+                  <a16:creationId xmlns="" xmlns:a16="http://schemas.microsoft.com/office/drawing/2014/main" id="{718408B9-204E-42E3-9E79-33E047E869BC}"/>
                 </a:ext>
               </a:extLst>
             </p:cNvPr>
@@ -10238,7 +10126,7 @@
             <p:cNvPr id="37" name="Straight Connector 36">
               <a:extLst>
                 <a:ext uri="{FF2B5EF4-FFF2-40B4-BE49-F238E27FC236}">
-                  <a16:creationId xmlns:a16="http://schemas.microsoft.com/office/drawing/2014/main" xmlns="" id="{0AB66D97-DF6F-4CD2-AF13-42B5C852F673}"/>
+                  <a16:creationId xmlns="" xmlns:a16="http://schemas.microsoft.com/office/drawing/2014/main" id="{0AB66D97-DF6F-4CD2-AF13-42B5C852F673}"/>
                 </a:ext>
               </a:extLst>
             </p:cNvPr>
@@ -10284,7 +10172,7 @@
             <p:cNvPr id="38" name="Straight Connector 37">
               <a:extLst>
                 <a:ext uri="{FF2B5EF4-FFF2-40B4-BE49-F238E27FC236}">
-                  <a16:creationId xmlns:a16="http://schemas.microsoft.com/office/drawing/2014/main" xmlns="" id="{F2AFBA69-C196-4703-8AAB-5F72A8EDCEB5}"/>
+                  <a16:creationId xmlns="" xmlns:a16="http://schemas.microsoft.com/office/drawing/2014/main" id="{F2AFBA69-C196-4703-8AAB-5F72A8EDCEB5}"/>
                 </a:ext>
               </a:extLst>
             </p:cNvPr>
@@ -10330,7 +10218,7 @@
             <p:cNvPr id="39" name="Group 38">
               <a:extLst>
                 <a:ext uri="{FF2B5EF4-FFF2-40B4-BE49-F238E27FC236}">
-                  <a16:creationId xmlns:a16="http://schemas.microsoft.com/office/drawing/2014/main" xmlns="" id="{9AFC66C1-0C1C-4332-9C4E-782574C896B8}"/>
+                  <a16:creationId xmlns="" xmlns:a16="http://schemas.microsoft.com/office/drawing/2014/main" id="{9AFC66C1-0C1C-4332-9C4E-782574C896B8}"/>
                 </a:ext>
               </a:extLst>
             </p:cNvPr>
@@ -10353,7 +10241,7 @@
               <p:cNvPr id="45" name="Straight Connector 44">
                 <a:extLst>
                   <a:ext uri="{FF2B5EF4-FFF2-40B4-BE49-F238E27FC236}">
-                    <a16:creationId xmlns:a16="http://schemas.microsoft.com/office/drawing/2014/main" xmlns="" id="{872CA8AD-EAF6-40BE-9DDE-ECDB4A980CA5}"/>
+                    <a16:creationId xmlns="" xmlns:a16="http://schemas.microsoft.com/office/drawing/2014/main" id="{872CA8AD-EAF6-40BE-9DDE-ECDB4A980CA5}"/>
                   </a:ext>
                 </a:extLst>
               </p:cNvPr>
@@ -10397,7 +10285,7 @@
               <p:cNvPr id="46" name="Straight Connector 45">
                 <a:extLst>
                   <a:ext uri="{FF2B5EF4-FFF2-40B4-BE49-F238E27FC236}">
-                    <a16:creationId xmlns:a16="http://schemas.microsoft.com/office/drawing/2014/main" xmlns="" id="{57DD3EC7-1A13-4AFE-BD6F-DA12C281FAFB}"/>
+                    <a16:creationId xmlns="" xmlns:a16="http://schemas.microsoft.com/office/drawing/2014/main" id="{57DD3EC7-1A13-4AFE-BD6F-DA12C281FAFB}"/>
                   </a:ext>
                 </a:extLst>
               </p:cNvPr>
@@ -10442,7 +10330,7 @@
             <p:cNvPr id="40" name="Straight Connector 39">
               <a:extLst>
                 <a:ext uri="{FF2B5EF4-FFF2-40B4-BE49-F238E27FC236}">
-                  <a16:creationId xmlns:a16="http://schemas.microsoft.com/office/drawing/2014/main" xmlns="" id="{E46151FA-19E9-4E84-A082-EDAC6F76EA9D}"/>
+                  <a16:creationId xmlns="" xmlns:a16="http://schemas.microsoft.com/office/drawing/2014/main" id="{E46151FA-19E9-4E84-A082-EDAC6F76EA9D}"/>
                 </a:ext>
               </a:extLst>
             </p:cNvPr>
@@ -10488,7 +10376,7 @@
             <p:cNvPr id="41" name="Rectangle: Rounded Corners 40">
               <a:extLst>
                 <a:ext uri="{FF2B5EF4-FFF2-40B4-BE49-F238E27FC236}">
-                  <a16:creationId xmlns:a16="http://schemas.microsoft.com/office/drawing/2014/main" xmlns="" id="{3423EEF0-5B70-4091-B2DA-0740D2609643}"/>
+                  <a16:creationId xmlns="" xmlns:a16="http://schemas.microsoft.com/office/drawing/2014/main" id="{3423EEF0-5B70-4091-B2DA-0740D2609643}"/>
                 </a:ext>
               </a:extLst>
             </p:cNvPr>
@@ -10542,7 +10430,7 @@
             <p:cNvPr id="42" name="Group 41">
               <a:extLst>
                 <a:ext uri="{FF2B5EF4-FFF2-40B4-BE49-F238E27FC236}">
-                  <a16:creationId xmlns:a16="http://schemas.microsoft.com/office/drawing/2014/main" xmlns="" id="{49A8AAA7-98E7-4224-B027-830FFCC285A3}"/>
+                  <a16:creationId xmlns="" xmlns:a16="http://schemas.microsoft.com/office/drawing/2014/main" id="{49A8AAA7-98E7-4224-B027-830FFCC285A3}"/>
                 </a:ext>
               </a:extLst>
             </p:cNvPr>
@@ -10565,7 +10453,7 @@
               <p:cNvPr id="43" name="Straight Connector 42">
                 <a:extLst>
                   <a:ext uri="{FF2B5EF4-FFF2-40B4-BE49-F238E27FC236}">
-                    <a16:creationId xmlns:a16="http://schemas.microsoft.com/office/drawing/2014/main" xmlns="" id="{2129EC38-471E-4685-973E-BA7A7F567C42}"/>
+                    <a16:creationId xmlns="" xmlns:a16="http://schemas.microsoft.com/office/drawing/2014/main" id="{2129EC38-471E-4685-973E-BA7A7F567C42}"/>
                   </a:ext>
                 </a:extLst>
               </p:cNvPr>
@@ -10609,7 +10497,7 @@
               <p:cNvPr id="44" name="Straight Connector 43">
                 <a:extLst>
                   <a:ext uri="{FF2B5EF4-FFF2-40B4-BE49-F238E27FC236}">
-                    <a16:creationId xmlns:a16="http://schemas.microsoft.com/office/drawing/2014/main" xmlns="" id="{678142BE-84C9-4834-B6CC-6623E401661C}"/>
+                    <a16:creationId xmlns="" xmlns:a16="http://schemas.microsoft.com/office/drawing/2014/main" id="{678142BE-84C9-4834-B6CC-6623E401661C}"/>
                   </a:ext>
                 </a:extLst>
               </p:cNvPr>
@@ -10653,7 +10541,7 @@
     </p:spTree>
     <p:extLst>
       <p:ext uri="{BB962C8B-B14F-4D97-AF65-F5344CB8AC3E}">
-        <p14:creationId xmlns:p14="http://schemas.microsoft.com/office/powerpoint/2010/main" xmlns="" val="1679651758"/>
+        <p14:creationId xmlns="" xmlns:p14="http://schemas.microsoft.com/office/powerpoint/2010/main" val="1679651758"/>
       </p:ext>
     </p:extLst>
   </p:cSld>
@@ -10661,7 +10549,7 @@
     <a:masterClrMapping/>
   </p:clrMapOvr>
   <mc:AlternateContent xmlns:mc="http://schemas.openxmlformats.org/markup-compatibility/2006">
-    <mc:Choice xmlns:p14="http://schemas.microsoft.com/office/powerpoint/2010/main" xmlns="" Requires="p14">
+    <mc:Choice xmlns="" xmlns:p14="http://schemas.microsoft.com/office/powerpoint/2010/main" Requires="p14">
       <p:transition spd="slow" p14:dur="2000" advClick="0" advTm="5000"/>
     </mc:Choice>
     <mc:Fallback>
@@ -10693,7 +10581,7 @@
           <p:cNvPr id="5" name="Slide Number">
             <a:extLst>
               <a:ext uri="{FF2B5EF4-FFF2-40B4-BE49-F238E27FC236}">
-                <a16:creationId xmlns:a16="http://schemas.microsoft.com/office/drawing/2014/main" xmlns="" id="{F0B8C963-1813-4B69-AD27-6D02EBBBB569}"/>
+                <a16:creationId xmlns="" xmlns:a16="http://schemas.microsoft.com/office/drawing/2014/main" id="{F0B8C963-1813-4B69-AD27-6D02EBBBB569}"/>
               </a:ext>
             </a:extLst>
           </p:cNvPr>
@@ -10735,7 +10623,7 @@
           <p:cNvPr id="3" name="Rectangle Left">
             <a:extLst>
               <a:ext uri="{FF2B5EF4-FFF2-40B4-BE49-F238E27FC236}">
-                <a16:creationId xmlns:a16="http://schemas.microsoft.com/office/drawing/2014/main" xmlns="" id="{345FB1C8-7F66-4D5C-ACCE-AE919936BCFD}"/>
+                <a16:creationId xmlns="" xmlns:a16="http://schemas.microsoft.com/office/drawing/2014/main" id="{345FB1C8-7F66-4D5C-ACCE-AE919936BCFD}"/>
               </a:ext>
             </a:extLst>
           </p:cNvPr>
@@ -10816,7 +10704,7 @@
           <p:cNvPr id="7" name="Slide Body Text">
             <a:extLst>
               <a:ext uri="{FF2B5EF4-FFF2-40B4-BE49-F238E27FC236}">
-                <a16:creationId xmlns:a16="http://schemas.microsoft.com/office/drawing/2014/main" xmlns="" id="{7296EDA7-D37D-4B31-A888-371F0804124F}"/>
+                <a16:creationId xmlns="" xmlns:a16="http://schemas.microsoft.com/office/drawing/2014/main" id="{7296EDA7-D37D-4B31-A888-371F0804124F}"/>
               </a:ext>
             </a:extLst>
           </p:cNvPr>
@@ -10914,7 +10802,7 @@
           <p:cNvPr id="6" name="Slide Title">
             <a:extLst>
               <a:ext uri="{FF2B5EF4-FFF2-40B4-BE49-F238E27FC236}">
-                <a16:creationId xmlns:a16="http://schemas.microsoft.com/office/drawing/2014/main" xmlns="" id="{55A88B09-3557-48A3-BF27-42699C269215}"/>
+                <a16:creationId xmlns="" xmlns:a16="http://schemas.microsoft.com/office/drawing/2014/main" id="{55A88B09-3557-48A3-BF27-42699C269215}"/>
               </a:ext>
             </a:extLst>
           </p:cNvPr>
@@ -10951,7 +10839,7 @@
           <p:cNvPr id="28" name="Group 27">
             <a:extLst>
               <a:ext uri="{FF2B5EF4-FFF2-40B4-BE49-F238E27FC236}">
-                <a16:creationId xmlns:a16="http://schemas.microsoft.com/office/drawing/2014/main" xmlns="" id="{C4248838-4E67-439E-AE0A-0043D2CB04D6}"/>
+                <a16:creationId xmlns="" xmlns:a16="http://schemas.microsoft.com/office/drawing/2014/main" id="{C4248838-4E67-439E-AE0A-0043D2CB04D6}"/>
               </a:ext>
             </a:extLst>
           </p:cNvPr>
@@ -10971,7 +10859,7 @@
             <p:cNvPr id="29" name="Group 28">
               <a:extLst>
                 <a:ext uri="{FF2B5EF4-FFF2-40B4-BE49-F238E27FC236}">
-                  <a16:creationId xmlns:a16="http://schemas.microsoft.com/office/drawing/2014/main" xmlns="" id="{810CFD6A-2427-49D5-846A-5F93601D4184}"/>
+                  <a16:creationId xmlns="" xmlns:a16="http://schemas.microsoft.com/office/drawing/2014/main" id="{810CFD6A-2427-49D5-846A-5F93601D4184}"/>
                 </a:ext>
               </a:extLst>
             </p:cNvPr>
@@ -10991,7 +10879,7 @@
               <p:cNvPr id="42" name="Oval 41">
                 <a:extLst>
                   <a:ext uri="{FF2B5EF4-FFF2-40B4-BE49-F238E27FC236}">
-                    <a16:creationId xmlns:a16="http://schemas.microsoft.com/office/drawing/2014/main" xmlns="" id="{017B1AE5-5C36-4839-BA1F-B404EA44E701}"/>
+                    <a16:creationId xmlns="" xmlns:a16="http://schemas.microsoft.com/office/drawing/2014/main" id="{017B1AE5-5C36-4839-BA1F-B404EA44E701}"/>
                   </a:ext>
                 </a:extLst>
               </p:cNvPr>
@@ -11043,7 +10931,7 @@
               <p:cNvPr id="43" name="Rectangle 5">
                 <a:extLst>
                   <a:ext uri="{FF2B5EF4-FFF2-40B4-BE49-F238E27FC236}">
-                    <a16:creationId xmlns:a16="http://schemas.microsoft.com/office/drawing/2014/main" xmlns="" id="{FB963D79-BB49-4A1D-BA66-EA0670C79BAE}"/>
+                    <a16:creationId xmlns="" xmlns:a16="http://schemas.microsoft.com/office/drawing/2014/main" id="{FB963D79-BB49-4A1D-BA66-EA0670C79BAE}"/>
                   </a:ext>
                 </a:extLst>
               </p:cNvPr>
@@ -11188,7 +11076,7 @@
               <p:cNvPr id="44" name="Rectangle 5">
                 <a:extLst>
                   <a:ext uri="{FF2B5EF4-FFF2-40B4-BE49-F238E27FC236}">
-                    <a16:creationId xmlns:a16="http://schemas.microsoft.com/office/drawing/2014/main" xmlns="" id="{6D7746D8-B913-493B-AAE9-25BC6893D40E}"/>
+                    <a16:creationId xmlns="" xmlns:a16="http://schemas.microsoft.com/office/drawing/2014/main" id="{6D7746D8-B913-493B-AAE9-25BC6893D40E}"/>
                   </a:ext>
                 </a:extLst>
               </p:cNvPr>
@@ -11333,7 +11221,7 @@
               <p:cNvPr id="45" name="Arc 44">
                 <a:extLst>
                   <a:ext uri="{FF2B5EF4-FFF2-40B4-BE49-F238E27FC236}">
-                    <a16:creationId xmlns:a16="http://schemas.microsoft.com/office/drawing/2014/main" xmlns="" id="{29031C02-E965-417B-8799-96061B14F30D}"/>
+                    <a16:creationId xmlns="" xmlns:a16="http://schemas.microsoft.com/office/drawing/2014/main" id="{29031C02-E965-417B-8799-96061B14F30D}"/>
                   </a:ext>
                 </a:extLst>
               </p:cNvPr>
@@ -11392,7 +11280,7 @@
               <p:cNvPr id="46" name="Arc 45">
                 <a:extLst>
                   <a:ext uri="{FF2B5EF4-FFF2-40B4-BE49-F238E27FC236}">
-                    <a16:creationId xmlns:a16="http://schemas.microsoft.com/office/drawing/2014/main" xmlns="" id="{26BFD8A6-BC99-4B16-BA10-08A9E5C681C0}"/>
+                    <a16:creationId xmlns="" xmlns:a16="http://schemas.microsoft.com/office/drawing/2014/main" id="{26BFD8A6-BC99-4B16-BA10-08A9E5C681C0}"/>
                   </a:ext>
                 </a:extLst>
               </p:cNvPr>
@@ -11452,7 +11340,7 @@
             <p:cNvPr id="30" name="Rectangle: Rounded Corners 29">
               <a:extLst>
                 <a:ext uri="{FF2B5EF4-FFF2-40B4-BE49-F238E27FC236}">
-                  <a16:creationId xmlns:a16="http://schemas.microsoft.com/office/drawing/2014/main" xmlns="" id="{B310277F-A78E-4FB9-9EA9-88BE4F1D585B}"/>
+                  <a16:creationId xmlns="" xmlns:a16="http://schemas.microsoft.com/office/drawing/2014/main" id="{B310277F-A78E-4FB9-9EA9-88BE4F1D585B}"/>
                 </a:ext>
               </a:extLst>
             </p:cNvPr>
@@ -11506,7 +11394,7 @@
             <p:cNvPr id="31" name="Rectangle: Rounded Corners 30">
               <a:extLst>
                 <a:ext uri="{FF2B5EF4-FFF2-40B4-BE49-F238E27FC236}">
-                  <a16:creationId xmlns:a16="http://schemas.microsoft.com/office/drawing/2014/main" xmlns="" id="{A92CF92B-C212-4542-83AE-A0058B5BB5EA}"/>
+                  <a16:creationId xmlns="" xmlns:a16="http://schemas.microsoft.com/office/drawing/2014/main" id="{A92CF92B-C212-4542-83AE-A0058B5BB5EA}"/>
                 </a:ext>
               </a:extLst>
             </p:cNvPr>
@@ -11567,7 +11455,7 @@
             <p:cNvPr id="32" name="Straight Connector 31">
               <a:extLst>
                 <a:ext uri="{FF2B5EF4-FFF2-40B4-BE49-F238E27FC236}">
-                  <a16:creationId xmlns:a16="http://schemas.microsoft.com/office/drawing/2014/main" xmlns="" id="{563B4374-5C0D-461F-B3BD-78D99614D365}"/>
+                  <a16:creationId xmlns="" xmlns:a16="http://schemas.microsoft.com/office/drawing/2014/main" id="{563B4374-5C0D-461F-B3BD-78D99614D365}"/>
                 </a:ext>
               </a:extLst>
             </p:cNvPr>
@@ -11613,7 +11501,7 @@
             <p:cNvPr id="33" name="Straight Connector 32">
               <a:extLst>
                 <a:ext uri="{FF2B5EF4-FFF2-40B4-BE49-F238E27FC236}">
-                  <a16:creationId xmlns:a16="http://schemas.microsoft.com/office/drawing/2014/main" xmlns="" id="{FBC6FDE7-AEA1-4230-8433-4C088A0FF5F9}"/>
+                  <a16:creationId xmlns="" xmlns:a16="http://schemas.microsoft.com/office/drawing/2014/main" id="{FBC6FDE7-AEA1-4230-8433-4C088A0FF5F9}"/>
                 </a:ext>
               </a:extLst>
             </p:cNvPr>
@@ -11659,7 +11547,7 @@
             <p:cNvPr id="34" name="Group 33">
               <a:extLst>
                 <a:ext uri="{FF2B5EF4-FFF2-40B4-BE49-F238E27FC236}">
-                  <a16:creationId xmlns:a16="http://schemas.microsoft.com/office/drawing/2014/main" xmlns="" id="{C4D1021D-07C7-4331-8FF6-36980A30978B}"/>
+                  <a16:creationId xmlns="" xmlns:a16="http://schemas.microsoft.com/office/drawing/2014/main" id="{C4D1021D-07C7-4331-8FF6-36980A30978B}"/>
                 </a:ext>
               </a:extLst>
             </p:cNvPr>
@@ -11682,7 +11570,7 @@
               <p:cNvPr id="40" name="Straight Connector 39">
                 <a:extLst>
                   <a:ext uri="{FF2B5EF4-FFF2-40B4-BE49-F238E27FC236}">
-                    <a16:creationId xmlns:a16="http://schemas.microsoft.com/office/drawing/2014/main" xmlns="" id="{13B7FE99-95CF-45D5-966B-87A979B93431}"/>
+                    <a16:creationId xmlns="" xmlns:a16="http://schemas.microsoft.com/office/drawing/2014/main" id="{13B7FE99-95CF-45D5-966B-87A979B93431}"/>
                   </a:ext>
                 </a:extLst>
               </p:cNvPr>
@@ -11726,7 +11614,7 @@
               <p:cNvPr id="41" name="Straight Connector 40">
                 <a:extLst>
                   <a:ext uri="{FF2B5EF4-FFF2-40B4-BE49-F238E27FC236}">
-                    <a16:creationId xmlns:a16="http://schemas.microsoft.com/office/drawing/2014/main" xmlns="" id="{71BBA69B-19FF-4ADB-A739-AD8136A5F0A6}"/>
+                    <a16:creationId xmlns="" xmlns:a16="http://schemas.microsoft.com/office/drawing/2014/main" id="{71BBA69B-19FF-4ADB-A739-AD8136A5F0A6}"/>
                   </a:ext>
                 </a:extLst>
               </p:cNvPr>
@@ -11771,7 +11659,7 @@
             <p:cNvPr id="35" name="Straight Connector 34">
               <a:extLst>
                 <a:ext uri="{FF2B5EF4-FFF2-40B4-BE49-F238E27FC236}">
-                  <a16:creationId xmlns:a16="http://schemas.microsoft.com/office/drawing/2014/main" xmlns="" id="{BFD1D86B-562B-40B2-8E46-34233EFEE7FC}"/>
+                  <a16:creationId xmlns="" xmlns:a16="http://schemas.microsoft.com/office/drawing/2014/main" id="{BFD1D86B-562B-40B2-8E46-34233EFEE7FC}"/>
                 </a:ext>
               </a:extLst>
             </p:cNvPr>
@@ -11817,7 +11705,7 @@
             <p:cNvPr id="36" name="Rectangle: Rounded Corners 35">
               <a:extLst>
                 <a:ext uri="{FF2B5EF4-FFF2-40B4-BE49-F238E27FC236}">
-                  <a16:creationId xmlns:a16="http://schemas.microsoft.com/office/drawing/2014/main" xmlns="" id="{388C17BD-16A1-43C5-BFFA-2FF9174719E1}"/>
+                  <a16:creationId xmlns="" xmlns:a16="http://schemas.microsoft.com/office/drawing/2014/main" id="{388C17BD-16A1-43C5-BFFA-2FF9174719E1}"/>
                 </a:ext>
               </a:extLst>
             </p:cNvPr>
@@ -11871,7 +11759,7 @@
             <p:cNvPr id="37" name="Group 36">
               <a:extLst>
                 <a:ext uri="{FF2B5EF4-FFF2-40B4-BE49-F238E27FC236}">
-                  <a16:creationId xmlns:a16="http://schemas.microsoft.com/office/drawing/2014/main" xmlns="" id="{1B3B910E-ACFC-4F28-8E28-F02E1588B87E}"/>
+                  <a16:creationId xmlns="" xmlns:a16="http://schemas.microsoft.com/office/drawing/2014/main" id="{1B3B910E-ACFC-4F28-8E28-F02E1588B87E}"/>
                 </a:ext>
               </a:extLst>
             </p:cNvPr>
@@ -11894,7 +11782,7 @@
               <p:cNvPr id="38" name="Straight Connector 37">
                 <a:extLst>
                   <a:ext uri="{FF2B5EF4-FFF2-40B4-BE49-F238E27FC236}">
-                    <a16:creationId xmlns:a16="http://schemas.microsoft.com/office/drawing/2014/main" xmlns="" id="{F57772B6-06C0-4F54-AA94-D3F92DA4716A}"/>
+                    <a16:creationId xmlns="" xmlns:a16="http://schemas.microsoft.com/office/drawing/2014/main" id="{F57772B6-06C0-4F54-AA94-D3F92DA4716A}"/>
                   </a:ext>
                 </a:extLst>
               </p:cNvPr>
@@ -11938,7 +11826,7 @@
               <p:cNvPr id="39" name="Straight Connector 38">
                 <a:extLst>
                   <a:ext uri="{FF2B5EF4-FFF2-40B4-BE49-F238E27FC236}">
-                    <a16:creationId xmlns:a16="http://schemas.microsoft.com/office/drawing/2014/main" xmlns="" id="{23370C1F-7876-4278-AB20-78F6CAA385E2}"/>
+                    <a16:creationId xmlns="" xmlns:a16="http://schemas.microsoft.com/office/drawing/2014/main" id="{23370C1F-7876-4278-AB20-78F6CAA385E2}"/>
                   </a:ext>
                 </a:extLst>
               </p:cNvPr>
@@ -11982,7 +11870,7 @@
     </p:spTree>
     <p:extLst>
       <p:ext uri="{BB962C8B-B14F-4D97-AF65-F5344CB8AC3E}">
-        <p14:creationId xmlns:p14="http://schemas.microsoft.com/office/powerpoint/2010/main" xmlns="" val="3284562556"/>
+        <p14:creationId xmlns="" xmlns:p14="http://schemas.microsoft.com/office/powerpoint/2010/main" val="3284562556"/>
       </p:ext>
     </p:extLst>
   </p:cSld>
@@ -11990,7 +11878,7 @@
     <a:masterClrMapping/>
   </p:clrMapOvr>
   <mc:AlternateContent xmlns:mc="http://schemas.openxmlformats.org/markup-compatibility/2006">
-    <mc:Choice xmlns:p14="http://schemas.microsoft.com/office/powerpoint/2010/main" xmlns="" Requires="p14">
+    <mc:Choice xmlns="" xmlns:p14="http://schemas.microsoft.com/office/powerpoint/2010/main" Requires="p14">
       <p:transition spd="slow" p14:dur="2000" advClick="0" advTm="5000"/>
     </mc:Choice>
     <mc:Fallback>
@@ -12022,7 +11910,7 @@
           <p:cNvPr id="8" name="Slide Number">
             <a:extLst>
               <a:ext uri="{FF2B5EF4-FFF2-40B4-BE49-F238E27FC236}">
-                <a16:creationId xmlns:a16="http://schemas.microsoft.com/office/drawing/2014/main" xmlns="" id="{509D954E-A844-4072-A556-DE584BEB9321}"/>
+                <a16:creationId xmlns="" xmlns:a16="http://schemas.microsoft.com/office/drawing/2014/main" id="{509D954E-A844-4072-A556-DE584BEB9321}"/>
               </a:ext>
             </a:extLst>
           </p:cNvPr>
@@ -12064,7 +11952,7 @@
           <p:cNvPr id="6" name="Code Box">
             <a:extLst>
               <a:ext uri="{FF2B5EF4-FFF2-40B4-BE49-F238E27FC236}">
-                <a16:creationId xmlns:a16="http://schemas.microsoft.com/office/drawing/2014/main" xmlns="" id="{3278A82F-5546-4977-9F75-2A933B415945}"/>
+                <a16:creationId xmlns="" xmlns:a16="http://schemas.microsoft.com/office/drawing/2014/main" id="{3278A82F-5546-4977-9F75-2A933B415945}"/>
               </a:ext>
             </a:extLst>
           </p:cNvPr>
@@ -12151,7 +12039,7 @@
           <p:cNvPr id="21" name="Slide Body Text">
             <a:extLst>
               <a:ext uri="{FF2B5EF4-FFF2-40B4-BE49-F238E27FC236}">
-                <a16:creationId xmlns:a16="http://schemas.microsoft.com/office/drawing/2014/main" xmlns="" id="{04F318BE-2BAD-4677-871C-D78A4BF0CBA6}"/>
+                <a16:creationId xmlns="" xmlns:a16="http://schemas.microsoft.com/office/drawing/2014/main" id="{04F318BE-2BAD-4677-871C-D78A4BF0CBA6}"/>
               </a:ext>
             </a:extLst>
           </p:cNvPr>
@@ -12198,7 +12086,7 @@
           <p:cNvPr id="9" name="Rectangle Top">
             <a:extLst>
               <a:ext uri="{FF2B5EF4-FFF2-40B4-BE49-F238E27FC236}">
-                <a16:creationId xmlns:a16="http://schemas.microsoft.com/office/drawing/2014/main" xmlns="" id="{A15CE03A-0933-4E5D-9EA1-718D4F802FFC}"/>
+                <a16:creationId xmlns="" xmlns:a16="http://schemas.microsoft.com/office/drawing/2014/main" id="{A15CE03A-0933-4E5D-9EA1-718D4F802FFC}"/>
               </a:ext>
             </a:extLst>
           </p:cNvPr>
@@ -12279,7 +12167,7 @@
           <p:cNvPr id="10" name="Logo Software University" descr="Software University logo">
             <a:extLst>
               <a:ext uri="{FF2B5EF4-FFF2-40B4-BE49-F238E27FC236}">
-                <a16:creationId xmlns:a16="http://schemas.microsoft.com/office/drawing/2014/main" xmlns="" id="{8C01D7AF-7CBD-46E1-99F3-8EB60E838D91}"/>
+                <a16:creationId xmlns="" xmlns:a16="http://schemas.microsoft.com/office/drawing/2014/main" id="{8C01D7AF-7CBD-46E1-99F3-8EB60E838D91}"/>
               </a:ext>
             </a:extLst>
           </p:cNvPr>
@@ -12292,7 +12180,7 @@
           <a:blip r:embed="rId2" cstate="print">
             <a:extLst>
               <a:ext uri="{28A0092B-C50C-407E-A947-70E740481C1C}">
-                <a14:useLocalDpi xmlns:a14="http://schemas.microsoft.com/office/drawing/2010/main" xmlns="" val="0"/>
+                <a14:useLocalDpi xmlns="" xmlns:a14="http://schemas.microsoft.com/office/drawing/2010/main" val="0"/>
               </a:ext>
             </a:extLst>
           </a:blip>
@@ -12315,7 +12203,7 @@
           <p:cNvPr id="11" name="Slide Title">
             <a:extLst>
               <a:ext uri="{FF2B5EF4-FFF2-40B4-BE49-F238E27FC236}">
-                <a16:creationId xmlns:a16="http://schemas.microsoft.com/office/drawing/2014/main" xmlns="" id="{47D60833-F0A9-4F29-8C06-A963A7C8BE93}"/>
+                <a16:creationId xmlns="" xmlns:a16="http://schemas.microsoft.com/office/drawing/2014/main" id="{47D60833-F0A9-4F29-8C06-A963A7C8BE93}"/>
               </a:ext>
             </a:extLst>
           </p:cNvPr>
@@ -12354,7 +12242,7 @@
     </p:spTree>
     <p:extLst>
       <p:ext uri="{BB962C8B-B14F-4D97-AF65-F5344CB8AC3E}">
-        <p14:creationId xmlns:p14="http://schemas.microsoft.com/office/powerpoint/2010/main" xmlns="" val="1000829826"/>
+        <p14:creationId xmlns="" xmlns:p14="http://schemas.microsoft.com/office/powerpoint/2010/main" val="1000829826"/>
       </p:ext>
     </p:extLst>
   </p:cSld>
@@ -12362,7 +12250,7 @@
     <a:masterClrMapping/>
   </p:clrMapOvr>
   <mc:AlternateContent xmlns:mc="http://schemas.openxmlformats.org/markup-compatibility/2006">
-    <mc:Choice xmlns:p14="http://schemas.microsoft.com/office/powerpoint/2010/main" xmlns="" Requires="p14">
+    <mc:Choice xmlns="" xmlns:p14="http://schemas.microsoft.com/office/powerpoint/2010/main" Requires="p14">
       <p:transition spd="slow" p14:dur="2000" advClick="0" advTm="5000"/>
     </mc:Choice>
     <mc:Fallback>
@@ -12394,7 +12282,7 @@
           <p:cNvPr id="10" name="Slide Number">
             <a:extLst>
               <a:ext uri="{FF2B5EF4-FFF2-40B4-BE49-F238E27FC236}">
-                <a16:creationId xmlns:a16="http://schemas.microsoft.com/office/drawing/2014/main" xmlns="" id="{39DDE17E-5472-41F3-AF5F-54DFF10DC63C}"/>
+                <a16:creationId xmlns="" xmlns:a16="http://schemas.microsoft.com/office/drawing/2014/main" id="{39DDE17E-5472-41F3-AF5F-54DFF10DC63C}"/>
               </a:ext>
             </a:extLst>
           </p:cNvPr>
@@ -12436,7 +12324,7 @@
           <p:cNvPr id="9" name="Picture SoftUni Mascot" descr="SoftUni mascot with laptop">
             <a:extLst>
               <a:ext uri="{FF2B5EF4-FFF2-40B4-BE49-F238E27FC236}">
-                <a16:creationId xmlns:a16="http://schemas.microsoft.com/office/drawing/2014/main" xmlns="" id="{DC4365F6-D2C1-47B4-8477-38FD2C7711AA}"/>
+                <a16:creationId xmlns="" xmlns:a16="http://schemas.microsoft.com/office/drawing/2014/main" id="{DC4365F6-D2C1-47B4-8477-38FD2C7711AA}"/>
               </a:ext>
             </a:extLst>
           </p:cNvPr>
@@ -12449,7 +12337,7 @@
           <a:blip r:embed="rId2" cstate="print">
             <a:extLst>
               <a:ext uri="{28A0092B-C50C-407E-A947-70E740481C1C}">
-                <a14:useLocalDpi xmlns:a14="http://schemas.microsoft.com/office/drawing/2010/main" xmlns="" val="0"/>
+                <a14:useLocalDpi xmlns="" xmlns:a14="http://schemas.microsoft.com/office/drawing/2010/main" val="0"/>
               </a:ext>
             </a:extLst>
           </a:blip>
@@ -12472,7 +12360,7 @@
           <p:cNvPr id="23" name="Slide Body Text">
             <a:extLst>
               <a:ext uri="{FF2B5EF4-FFF2-40B4-BE49-F238E27FC236}">
-                <a16:creationId xmlns:a16="http://schemas.microsoft.com/office/drawing/2014/main" xmlns="" id="{889D93F4-ABFA-46BF-8E5D-FE6562ACB20F}"/>
+                <a16:creationId xmlns="" xmlns:a16="http://schemas.microsoft.com/office/drawing/2014/main" id="{889D93F4-ABFA-46BF-8E5D-FE6562ACB20F}"/>
               </a:ext>
             </a:extLst>
           </p:cNvPr>
@@ -12563,7 +12451,7 @@
           <p:cNvPr id="8" name="Rectangle Top">
             <a:extLst>
               <a:ext uri="{FF2B5EF4-FFF2-40B4-BE49-F238E27FC236}">
-                <a16:creationId xmlns:a16="http://schemas.microsoft.com/office/drawing/2014/main" xmlns="" id="{930E0800-9260-4369-8330-8264DD33C5CE}"/>
+                <a16:creationId xmlns="" xmlns:a16="http://schemas.microsoft.com/office/drawing/2014/main" id="{930E0800-9260-4369-8330-8264DD33C5CE}"/>
               </a:ext>
             </a:extLst>
           </p:cNvPr>
@@ -12644,7 +12532,7 @@
           <p:cNvPr id="11" name="Logo Software University" descr="Software University logo">
             <a:extLst>
               <a:ext uri="{FF2B5EF4-FFF2-40B4-BE49-F238E27FC236}">
-                <a16:creationId xmlns:a16="http://schemas.microsoft.com/office/drawing/2014/main" xmlns="" id="{14F779A7-4A91-448B-BEFA-956C70A1C22F}"/>
+                <a16:creationId xmlns="" xmlns:a16="http://schemas.microsoft.com/office/drawing/2014/main" id="{14F779A7-4A91-448B-BEFA-956C70A1C22F}"/>
               </a:ext>
             </a:extLst>
           </p:cNvPr>
@@ -12657,7 +12545,7 @@
           <a:blip r:embed="rId3" cstate="print">
             <a:extLst>
               <a:ext uri="{28A0092B-C50C-407E-A947-70E740481C1C}">
-                <a14:useLocalDpi xmlns:a14="http://schemas.microsoft.com/office/drawing/2010/main" xmlns="" val="0"/>
+                <a14:useLocalDpi xmlns="" xmlns:a14="http://schemas.microsoft.com/office/drawing/2010/main" val="0"/>
               </a:ext>
             </a:extLst>
           </a:blip>
@@ -12680,7 +12568,7 @@
           <p:cNvPr id="13" name="Slide Title">
             <a:extLst>
               <a:ext uri="{FF2B5EF4-FFF2-40B4-BE49-F238E27FC236}">
-                <a16:creationId xmlns:a16="http://schemas.microsoft.com/office/drawing/2014/main" xmlns="" id="{357D7BE1-6358-42CC-94F3-7BCDD91DCB6D}"/>
+                <a16:creationId xmlns="" xmlns:a16="http://schemas.microsoft.com/office/drawing/2014/main" id="{357D7BE1-6358-42CC-94F3-7BCDD91DCB6D}"/>
               </a:ext>
             </a:extLst>
           </p:cNvPr>
@@ -12719,7 +12607,7 @@
     </p:spTree>
     <p:extLst>
       <p:ext uri="{BB962C8B-B14F-4D97-AF65-F5344CB8AC3E}">
-        <p14:creationId xmlns:p14="http://schemas.microsoft.com/office/powerpoint/2010/main" xmlns="" val="1028724482"/>
+        <p14:creationId xmlns="" xmlns:p14="http://schemas.microsoft.com/office/powerpoint/2010/main" val="1028724482"/>
       </p:ext>
     </p:extLst>
   </p:cSld>
@@ -12727,7 +12615,7 @@
     <a:masterClrMapping/>
   </p:clrMapOvr>
   <mc:AlternateContent xmlns:mc="http://schemas.openxmlformats.org/markup-compatibility/2006">
-    <mc:Choice xmlns:p14="http://schemas.microsoft.com/office/powerpoint/2010/main" xmlns="" Requires="p14">
+    <mc:Choice xmlns="" xmlns:p14="http://schemas.microsoft.com/office/powerpoint/2010/main" Requires="p14">
       <p:transition spd="slow" p14:dur="2000" advClick="0" advTm="5000"/>
     </mc:Choice>
     <mc:Fallback>
@@ -12839,7 +12727,7 @@
           <p:cNvPr id="11" name="Slide Number">
             <a:extLst>
               <a:ext uri="{FF2B5EF4-FFF2-40B4-BE49-F238E27FC236}">
-                <a16:creationId xmlns:a16="http://schemas.microsoft.com/office/drawing/2014/main" xmlns="" id="{6750ECE4-94E0-469B-B8E4-562792823B0F}"/>
+                <a16:creationId xmlns="" xmlns:a16="http://schemas.microsoft.com/office/drawing/2014/main" id="{6750ECE4-94E0-469B-B8E4-562792823B0F}"/>
               </a:ext>
             </a:extLst>
           </p:cNvPr>
@@ -12962,7 +12850,7 @@
           <p:cNvPr id="12" name="Logo Software University Down" descr="Software University logo">
             <a:extLst>
               <a:ext uri="{FF2B5EF4-FFF2-40B4-BE49-F238E27FC236}">
-                <a16:creationId xmlns:a16="http://schemas.microsoft.com/office/drawing/2014/main" xmlns="" id="{7028D2F0-1E67-414B-A93D-D3F8F131A132}"/>
+                <a16:creationId xmlns="" xmlns:a16="http://schemas.microsoft.com/office/drawing/2014/main" id="{7028D2F0-1E67-414B-A93D-D3F8F131A132}"/>
               </a:ext>
             </a:extLst>
           </p:cNvPr>
@@ -12975,7 +12863,7 @@
           <a:blip r:embed="rId2" cstate="print">
             <a:extLst>
               <a:ext uri="{28A0092B-C50C-407E-A947-70E740481C1C}">
-                <a14:useLocalDpi xmlns:a14="http://schemas.microsoft.com/office/drawing/2010/main" xmlns="" val="0"/>
+                <a14:useLocalDpi xmlns="" xmlns:a14="http://schemas.microsoft.com/office/drawing/2010/main" val="0"/>
               </a:ext>
             </a:extLst>
           </a:blip>
@@ -12998,7 +12886,7 @@
           <p:cNvPr id="10" name="Text Placeholder Right">
             <a:extLst>
               <a:ext uri="{FF2B5EF4-FFF2-40B4-BE49-F238E27FC236}">
-                <a16:creationId xmlns:a16="http://schemas.microsoft.com/office/drawing/2014/main" xmlns="" id="{AF69A59F-C564-4A04-B1CC-31C261499991}"/>
+                <a16:creationId xmlns="" xmlns:a16="http://schemas.microsoft.com/office/drawing/2014/main" id="{AF69A59F-C564-4A04-B1CC-31C261499991}"/>
               </a:ext>
             </a:extLst>
           </p:cNvPr>
@@ -13076,7 +12964,7 @@
           <p:cNvPr id="9" name="Text Placeholder Left">
             <a:extLst>
               <a:ext uri="{FF2B5EF4-FFF2-40B4-BE49-F238E27FC236}">
-                <a16:creationId xmlns:a16="http://schemas.microsoft.com/office/drawing/2014/main" xmlns="" id="{C8A626D2-456B-41EF-9818-EA8DD7E314DA}"/>
+                <a16:creationId xmlns="" xmlns:a16="http://schemas.microsoft.com/office/drawing/2014/main" id="{C8A626D2-456B-41EF-9818-EA8DD7E314DA}"/>
               </a:ext>
             </a:extLst>
           </p:cNvPr>
@@ -13154,7 +13042,7 @@
           <p:cNvPr id="13" name="Rectangle Top">
             <a:extLst>
               <a:ext uri="{FF2B5EF4-FFF2-40B4-BE49-F238E27FC236}">
-                <a16:creationId xmlns:a16="http://schemas.microsoft.com/office/drawing/2014/main" xmlns="" id="{E03301DA-D0AF-46FD-8740-2F761250203A}"/>
+                <a16:creationId xmlns="" xmlns:a16="http://schemas.microsoft.com/office/drawing/2014/main" id="{E03301DA-D0AF-46FD-8740-2F761250203A}"/>
               </a:ext>
             </a:extLst>
           </p:cNvPr>
@@ -13235,7 +13123,7 @@
           <p:cNvPr id="14" name="Logo Software University" descr="Software University logo">
             <a:extLst>
               <a:ext uri="{FF2B5EF4-FFF2-40B4-BE49-F238E27FC236}">
-                <a16:creationId xmlns:a16="http://schemas.microsoft.com/office/drawing/2014/main" xmlns="" id="{19A67BB9-D880-4EAD-B90E-89C4219BFC0B}"/>
+                <a16:creationId xmlns="" xmlns:a16="http://schemas.microsoft.com/office/drawing/2014/main" id="{19A67BB9-D880-4EAD-B90E-89C4219BFC0B}"/>
               </a:ext>
             </a:extLst>
           </p:cNvPr>
@@ -13248,7 +13136,7 @@
           <a:blip r:embed="rId3" cstate="print">
             <a:extLst>
               <a:ext uri="{28A0092B-C50C-407E-A947-70E740481C1C}">
-                <a14:useLocalDpi xmlns:a14="http://schemas.microsoft.com/office/drawing/2010/main" xmlns="" val="0"/>
+                <a14:useLocalDpi xmlns="" xmlns:a14="http://schemas.microsoft.com/office/drawing/2010/main" val="0"/>
               </a:ext>
             </a:extLst>
           </a:blip>
@@ -13271,7 +13159,7 @@
           <p:cNvPr id="15" name="Slide Title">
             <a:extLst>
               <a:ext uri="{FF2B5EF4-FFF2-40B4-BE49-F238E27FC236}">
-                <a16:creationId xmlns:a16="http://schemas.microsoft.com/office/drawing/2014/main" xmlns="" id="{EA9A94D1-F9F6-4D7B-85E3-896A987B6A4D}"/>
+                <a16:creationId xmlns="" xmlns:a16="http://schemas.microsoft.com/office/drawing/2014/main" id="{EA9A94D1-F9F6-4D7B-85E3-896A987B6A4D}"/>
               </a:ext>
             </a:extLst>
           </p:cNvPr>
@@ -13310,7 +13198,7 @@
     </p:spTree>
     <p:extLst>
       <p:ext uri="{BB962C8B-B14F-4D97-AF65-F5344CB8AC3E}">
-        <p14:creationId xmlns:p14="http://schemas.microsoft.com/office/powerpoint/2010/main" xmlns="" val="3044033461"/>
+        <p14:creationId xmlns="" xmlns:p14="http://schemas.microsoft.com/office/powerpoint/2010/main" val="3044033461"/>
       </p:ext>
     </p:extLst>
   </p:cSld>
@@ -13318,7 +13206,7 @@
     <a:masterClrMapping/>
   </p:clrMapOvr>
   <mc:AlternateContent xmlns:mc="http://schemas.openxmlformats.org/markup-compatibility/2006">
-    <mc:Choice xmlns:p14="http://schemas.microsoft.com/office/powerpoint/2010/main" xmlns="" Requires="p14">
+    <mc:Choice xmlns="" xmlns:p14="http://schemas.microsoft.com/office/powerpoint/2010/main" Requires="p14">
       <p:transition spd="slow" p14:dur="2000" advClick="0" advTm="5000"/>
     </mc:Choice>
     <mc:Fallback>
@@ -13327,7 +13215,7 @@
   </mc:AlternateContent>
   <p:extLst>
     <p:ext uri="{DCECCB84-F9BA-43D5-87BE-67443E8EF086}">
-      <p15:sldGuideLst xmlns:p15="http://schemas.microsoft.com/office/powerpoint/2012/main" xmlns="">
+      <p15:sldGuideLst xmlns="" xmlns:p15="http://schemas.microsoft.com/office/powerpoint/2012/main">
         <p15:guide id="1" orient="horz" pos="2160">
           <p15:clr>
             <a:srgbClr val="FBAE40"/>
@@ -13374,7 +13262,7 @@
           <p:cNvPr id="4" name="Picture Background" descr="SoftUni Background">
             <a:extLst>
               <a:ext uri="{FF2B5EF4-FFF2-40B4-BE49-F238E27FC236}">
-                <a16:creationId xmlns:a16="http://schemas.microsoft.com/office/drawing/2014/main" xmlns="" id="{5BE90A63-DDD9-4B3B-A234-DF69B9BC812F}"/>
+                <a16:creationId xmlns="" xmlns:a16="http://schemas.microsoft.com/office/drawing/2014/main" id="{5BE90A63-DDD9-4B3B-A234-DF69B9BC812F}"/>
               </a:ext>
             </a:extLst>
           </p:cNvPr>
@@ -13403,7 +13291,7 @@
           <p:cNvPr id="11" name="Slide Body Text">
             <a:extLst>
               <a:ext uri="{FF2B5EF4-FFF2-40B4-BE49-F238E27FC236}">
-                <a16:creationId xmlns:a16="http://schemas.microsoft.com/office/drawing/2014/main" xmlns="" id="{90CBFB32-9F46-4F2F-8A54-9EE8BED27855}"/>
+                <a16:creationId xmlns="" xmlns:a16="http://schemas.microsoft.com/office/drawing/2014/main" id="{90CBFB32-9F46-4F2F-8A54-9EE8BED27855}"/>
               </a:ext>
             </a:extLst>
           </p:cNvPr>
@@ -13471,7 +13359,7 @@
           <p:cNvPr id="10" name="Slide Title">
             <a:extLst>
               <a:ext uri="{FF2B5EF4-FFF2-40B4-BE49-F238E27FC236}">
-                <a16:creationId xmlns:a16="http://schemas.microsoft.com/office/drawing/2014/main" xmlns="" id="{B770C392-3003-4C35-9625-BB041F8257BA}"/>
+                <a16:creationId xmlns="" xmlns:a16="http://schemas.microsoft.com/office/drawing/2014/main" id="{B770C392-3003-4C35-9625-BB041F8257BA}"/>
               </a:ext>
             </a:extLst>
           </p:cNvPr>
@@ -13508,7 +13396,7 @@
     </p:spTree>
     <p:extLst>
       <p:ext uri="{BB962C8B-B14F-4D97-AF65-F5344CB8AC3E}">
-        <p14:creationId xmlns:p14="http://schemas.microsoft.com/office/powerpoint/2010/main" xmlns="" val="156789181"/>
+        <p14:creationId xmlns="" xmlns:p14="http://schemas.microsoft.com/office/powerpoint/2010/main" val="156789181"/>
       </p:ext>
     </p:extLst>
   </p:cSld>
@@ -13532,7 +13420,7 @@
     <p:sldLayoutId id="2147483696" r:id="rId16"/>
   </p:sldLayoutIdLst>
   <mc:AlternateContent xmlns:mc="http://schemas.openxmlformats.org/markup-compatibility/2006">
-    <mc:Choice xmlns:p14="http://schemas.microsoft.com/office/powerpoint/2010/main" xmlns="" Requires="p14">
+    <mc:Choice xmlns="" xmlns:p14="http://schemas.microsoft.com/office/powerpoint/2010/main" Requires="p14">
       <p:transition spd="slow" p14:dur="2000" advClick="0" advTm="5000"/>
     </mc:Choice>
     <mc:Fallback>
@@ -13822,7 +13710,7 @@
   </p:txStyles>
   <p:extLst>
     <p:ext uri="{27BBF7A9-308A-43DC-89C8-2F10F3537804}">
-      <p15:sldGuideLst xmlns:p15="http://schemas.microsoft.com/office/powerpoint/2012/main" xmlns="">
+      <p15:sldGuideLst xmlns="" xmlns:p15="http://schemas.microsoft.com/office/powerpoint/2012/main">
         <p15:guide id="1" orient="horz" pos="2160">
           <p15:clr>
             <a:srgbClr val="F26B43"/>
@@ -13918,7 +13806,7 @@
           <p:cNvPr id="10" name="Author Position">
             <a:extLst>
               <a:ext uri="{FF2B5EF4-FFF2-40B4-BE49-F238E27FC236}">
-                <a16:creationId xmlns:a16="http://schemas.microsoft.com/office/drawing/2014/main" xmlns="" id="{F585BC4C-0F13-4FD4-8F23-99FD46618370}"/>
+                <a16:creationId xmlns="" xmlns:a16="http://schemas.microsoft.com/office/drawing/2014/main" id="{F585BC4C-0F13-4FD4-8F23-99FD46618370}"/>
               </a:ext>
             </a:extLst>
           </p:cNvPr>
@@ -13951,7 +13839,7 @@
           <p:cNvPr id="9" name="Author Name">
             <a:extLst>
               <a:ext uri="{FF2B5EF4-FFF2-40B4-BE49-F238E27FC236}">
-                <a16:creationId xmlns:a16="http://schemas.microsoft.com/office/drawing/2014/main" xmlns="" id="{FA396BB6-2053-4690-9672-BC528007D370}"/>
+                <a16:creationId xmlns="" xmlns:a16="http://schemas.microsoft.com/office/drawing/2014/main" id="{FA396BB6-2053-4690-9672-BC528007D370}"/>
               </a:ext>
             </a:extLst>
           </p:cNvPr>
@@ -13984,7 +13872,7 @@
           <p:cNvPr id="3" name="Presentation Subtitle">
             <a:extLst>
               <a:ext uri="{FF2B5EF4-FFF2-40B4-BE49-F238E27FC236}">
-                <a16:creationId xmlns:a16="http://schemas.microsoft.com/office/drawing/2014/main" xmlns="" id="{A004DC04-DA2A-41C0-8578-4B8D2F08EA7D}"/>
+                <a16:creationId xmlns="" xmlns:a16="http://schemas.microsoft.com/office/drawing/2014/main" id="{A004DC04-DA2A-41C0-8578-4B8D2F08EA7D}"/>
               </a:ext>
             </a:extLst>
           </p:cNvPr>
@@ -14020,7 +13908,7 @@
           <p:cNvPr id="16" name="Title 15">
             <a:extLst>
               <a:ext uri="{FF2B5EF4-FFF2-40B4-BE49-F238E27FC236}">
-                <a16:creationId xmlns:a16="http://schemas.microsoft.com/office/drawing/2014/main" xmlns="" id="{09D526E5-16F9-CDC3-F025-1D308EB5C234}"/>
+                <a16:creationId xmlns="" xmlns:a16="http://schemas.microsoft.com/office/drawing/2014/main" id="{09D526E5-16F9-CDC3-F025-1D308EB5C234}"/>
               </a:ext>
             </a:extLst>
           </p:cNvPr>
@@ -14084,7 +13972,7 @@
     </p:spTree>
     <p:extLst>
       <p:ext uri="{BB962C8B-B14F-4D97-AF65-F5344CB8AC3E}">
-        <p14:creationId xmlns:p14="http://schemas.microsoft.com/office/powerpoint/2010/main" xmlns="" val="3666405375"/>
+        <p14:creationId xmlns="" xmlns:p14="http://schemas.microsoft.com/office/powerpoint/2010/main" val="3666405375"/>
       </p:ext>
     </p:extLst>
   </p:cSld>
@@ -14092,7 +13980,7 @@
     <a:masterClrMapping/>
   </p:clrMapOvr>
   <mc:AlternateContent xmlns:mc="http://schemas.openxmlformats.org/markup-compatibility/2006">
-    <mc:Choice xmlns:p14="http://schemas.microsoft.com/office/powerpoint/2010/main" xmlns="" Requires="p14">
+    <mc:Choice xmlns="" xmlns:p14="http://schemas.microsoft.com/office/powerpoint/2010/main" Requires="p14">
       <p:transition spd="slow" p14:dur="2000" advClick="0" advTm="5000"/>
     </mc:Choice>
     <mc:Fallback>
@@ -14449,7 +14337,7 @@
     <a:masterClrMapping/>
   </p:clrMapOvr>
   <mc:AlternateContent xmlns:mc="http://schemas.openxmlformats.org/markup-compatibility/2006">
-    <mc:Choice xmlns:p14="http://schemas.microsoft.com/office/powerpoint/2010/main" xmlns="" Requires="p14">
+    <mc:Choice xmlns="" xmlns:p14="http://schemas.microsoft.com/office/powerpoint/2010/main" Requires="p14">
       <p:transition spd="slow" p14:dur="2000" advClick="0" advTm="5000"/>
     </mc:Choice>
     <mc:Fallback>
@@ -15055,7 +14943,7 @@
     <a:masterClrMapping/>
   </p:clrMapOvr>
   <mc:AlternateContent xmlns:mc="http://schemas.openxmlformats.org/markup-compatibility/2006">
-    <mc:Choice xmlns:p14="http://schemas.microsoft.com/office/powerpoint/2010/main" xmlns="" Requires="p14">
+    <mc:Choice xmlns="" xmlns:p14="http://schemas.microsoft.com/office/powerpoint/2010/main" Requires="p14">
       <p:transition spd="slow" p14:dur="2000" advClick="0" advTm="5000"/>
     </mc:Choice>
     <mc:Fallback>
@@ -15776,7 +15664,7 @@
     <a:masterClrMapping/>
   </p:clrMapOvr>
   <mc:AlternateContent xmlns:mc="http://schemas.openxmlformats.org/markup-compatibility/2006">
-    <mc:Choice xmlns:p14="http://schemas.microsoft.com/office/powerpoint/2010/main" xmlns="" Requires="p14">
+    <mc:Choice xmlns="" xmlns:p14="http://schemas.microsoft.com/office/powerpoint/2010/main" Requires="p14">
       <p:transition spd="slow" p14:dur="2000" advClick="0" advTm="5000"/>
     </mc:Choice>
     <mc:Fallback>
@@ -16261,7 +16149,7 @@
     <a:masterClrMapping/>
   </p:clrMapOvr>
   <mc:AlternateContent xmlns:mc="http://schemas.openxmlformats.org/markup-compatibility/2006">
-    <mc:Choice xmlns:p14="http://schemas.microsoft.com/office/powerpoint/2010/main" xmlns="" Requires="p14">
+    <mc:Choice xmlns="" xmlns:p14="http://schemas.microsoft.com/office/powerpoint/2010/main" Requires="p14">
       <p:transition spd="slow" p14:dur="2000" advClick="0" advTm="5000"/>
     </mc:Choice>
     <mc:Fallback>
@@ -16444,7 +16332,7 @@
     <a:masterClrMapping/>
   </p:clrMapOvr>
   <mc:AlternateContent xmlns:mc="http://schemas.openxmlformats.org/markup-compatibility/2006">
-    <mc:Choice xmlns:p14="http://schemas.microsoft.com/office/powerpoint/2010/main" xmlns="" Requires="p14">
+    <mc:Choice xmlns="" xmlns:p14="http://schemas.microsoft.com/office/powerpoint/2010/main" Requires="p14">
       <p:transition spd="slow" p14:dur="2000" advClick="0" advTm="5000"/>
     </mc:Choice>
     <mc:Fallback>
@@ -16743,7 +16631,7 @@
     <a:masterClrMapping/>
   </p:clrMapOvr>
   <mc:AlternateContent xmlns:mc="http://schemas.openxmlformats.org/markup-compatibility/2006">
-    <mc:Choice xmlns:p14="http://schemas.microsoft.com/office/powerpoint/2010/main" xmlns="" Requires="p14">
+    <mc:Choice xmlns="" xmlns:p14="http://schemas.microsoft.com/office/powerpoint/2010/main" Requires="p14">
       <p:transition spd="slow" p14:dur="2000" advClick="0" advTm="5000"/>
     </mc:Choice>
     <mc:Fallback>
@@ -17436,7 +17324,7 @@
     <a:masterClrMapping/>
   </p:clrMapOvr>
   <mc:AlternateContent xmlns:mc="http://schemas.openxmlformats.org/markup-compatibility/2006">
-    <mc:Choice xmlns:p14="http://schemas.microsoft.com/office/powerpoint/2010/main" xmlns="" Requires="p14">
+    <mc:Choice xmlns="" xmlns:p14="http://schemas.microsoft.com/office/powerpoint/2010/main" Requires="p14">
       <p:transition spd="slow" p14:dur="2000" advClick="0" advTm="5000"/>
     </mc:Choice>
     <mc:Fallback>
@@ -17938,7 +17826,7 @@
     <a:masterClrMapping/>
   </p:clrMapOvr>
   <mc:AlternateContent xmlns:mc="http://schemas.openxmlformats.org/markup-compatibility/2006">
-    <mc:Choice xmlns:p14="http://schemas.microsoft.com/office/powerpoint/2010/main" xmlns="" Requires="p14">
+    <mc:Choice xmlns="" xmlns:p14="http://schemas.microsoft.com/office/powerpoint/2010/main" Requires="p14">
       <p:transition spd="slow" p14:dur="2000" advClick="0" advTm="5000"/>
     </mc:Choice>
     <mc:Fallback>
@@ -18283,13 +18171,20 @@
     <a:masterClrMapping/>
   </p:clrMapOvr>
   <mc:AlternateContent xmlns:mc="http://schemas.openxmlformats.org/markup-compatibility/2006">
-    <mc:Choice xmlns:p14="http://schemas.microsoft.com/office/powerpoint/2010/main" xmlns="" Requires="p14">
+    <mc:Choice xmlns="" xmlns:p14="http://schemas.microsoft.com/office/powerpoint/2010/main" Requires="p14">
       <p:transition spd="slow" p14:dur="2000" advClick="0" advTm="5000"/>
     </mc:Choice>
     <mc:Fallback>
       <p:transition spd="slow" advClick="0" advTm="5000"/>
     </mc:Fallback>
   </mc:AlternateContent>
+  <p:timing>
+    <p:tnLst>
+      <p:par>
+        <p:cTn id="1" dur="indefinite" restart="never" nodeType="tmRoot"/>
+      </p:par>
+    </p:tnLst>
+  </p:timing>
 </p:sld>
 </file>
 
@@ -18905,7 +18800,7 @@
     <a:masterClrMapping/>
   </p:clrMapOvr>
   <mc:AlternateContent xmlns:mc="http://schemas.openxmlformats.org/markup-compatibility/2006">
-    <mc:Choice xmlns:p14="http://schemas.microsoft.com/office/powerpoint/2010/main" xmlns="" Requires="p14">
+    <mc:Choice xmlns="" xmlns:p14="http://schemas.microsoft.com/office/powerpoint/2010/main" Requires="p14">
       <p:transition spd="slow" p14:dur="2000" advClick="0" advTm="5000"/>
     </mc:Choice>
     <mc:Fallback>
@@ -19211,7 +19106,7 @@
           <p:cNvPr id="5" name="Slide Number">
             <a:extLst>
               <a:ext uri="{FF2B5EF4-FFF2-40B4-BE49-F238E27FC236}">
-                <a16:creationId xmlns:a16="http://schemas.microsoft.com/office/drawing/2014/main" xmlns="" id="{6A760D59-0056-4F39-B077-DBDBE3D2927E}"/>
+                <a16:creationId xmlns="" xmlns:a16="http://schemas.microsoft.com/office/drawing/2014/main" id="{6A760D59-0056-4F39-B077-DBDBE3D2927E}"/>
               </a:ext>
             </a:extLst>
           </p:cNvPr>
@@ -19682,7 +19577,7 @@
     </p:spTree>
     <p:extLst>
       <p:ext uri="{BB962C8B-B14F-4D97-AF65-F5344CB8AC3E}">
-        <p14:creationId xmlns:p14="http://schemas.microsoft.com/office/powerpoint/2010/main" xmlns="" val="1646986932"/>
+        <p14:creationId xmlns="" xmlns:p14="http://schemas.microsoft.com/office/powerpoint/2010/main" val="1646986932"/>
       </p:ext>
     </p:extLst>
   </p:cSld>
@@ -19690,7 +19585,7 @@
     <a:masterClrMapping/>
   </p:clrMapOvr>
   <mc:AlternateContent xmlns:mc="http://schemas.openxmlformats.org/markup-compatibility/2006">
-    <mc:Choice xmlns:p14="http://schemas.microsoft.com/office/powerpoint/2010/main" xmlns="" Requires="p14">
+    <mc:Choice xmlns="" xmlns:p14="http://schemas.microsoft.com/office/powerpoint/2010/main" Requires="p14">
       <p:transition spd="slow" p14:dur="2000" advClick="0" advTm="5000"/>
     </mc:Choice>
     <mc:Fallback>
@@ -20297,7 +20192,7 @@
     <a:masterClrMapping/>
   </p:clrMapOvr>
   <mc:AlternateContent xmlns:mc="http://schemas.openxmlformats.org/markup-compatibility/2006">
-    <mc:Choice xmlns:p14="http://schemas.microsoft.com/office/powerpoint/2010/main" xmlns="" Requires="p14">
+    <mc:Choice xmlns="" xmlns:p14="http://schemas.microsoft.com/office/powerpoint/2010/main" Requires="p14">
       <p:transition spd="slow" p14:dur="2000" advClick="0" advTm="5000"/>
     </mc:Choice>
     <mc:Fallback>
@@ -20406,7 +20301,7 @@
     <a:masterClrMapping/>
   </p:clrMapOvr>
   <mc:AlternateContent xmlns:mc="http://schemas.openxmlformats.org/markup-compatibility/2006">
-    <mc:Choice xmlns:p14="http://schemas.microsoft.com/office/powerpoint/2010/main" xmlns="" Requires="p14">
+    <mc:Choice xmlns="" xmlns:p14="http://schemas.microsoft.com/office/powerpoint/2010/main" Requires="p14">
       <p:transition spd="slow" p14:dur="2000" advClick="0" advTm="5000"/>
     </mc:Choice>
     <mc:Fallback>
@@ -20716,7 +20611,7 @@
     <a:masterClrMapping/>
   </p:clrMapOvr>
   <mc:AlternateContent xmlns:mc="http://schemas.openxmlformats.org/markup-compatibility/2006">
-    <mc:Choice xmlns:p14="http://schemas.microsoft.com/office/powerpoint/2010/main" xmlns="" Requires="p14">
+    <mc:Choice xmlns="" xmlns:p14="http://schemas.microsoft.com/office/powerpoint/2010/main" Requires="p14">
       <p:transition spd="slow" p14:dur="2000" advClick="0" advTm="5000"/>
     </mc:Choice>
     <mc:Fallback>
@@ -21162,7 +21057,7 @@
     <a:masterClrMapping/>
   </p:clrMapOvr>
   <mc:AlternateContent xmlns:mc="http://schemas.openxmlformats.org/markup-compatibility/2006">
-    <mc:Choice xmlns:p14="http://schemas.microsoft.com/office/powerpoint/2010/main" xmlns="" Requires="p14">
+    <mc:Choice xmlns="" xmlns:p14="http://schemas.microsoft.com/office/powerpoint/2010/main" Requires="p14">
       <p:transition spd="slow" p14:dur="2000" advClick="0" advTm="5000"/>
     </mc:Choice>
     <mc:Fallback>
@@ -21513,7 +21408,7 @@
     <a:masterClrMapping/>
   </p:clrMapOvr>
   <mc:AlternateContent xmlns:mc="http://schemas.openxmlformats.org/markup-compatibility/2006">
-    <mc:Choice xmlns:p14="http://schemas.microsoft.com/office/powerpoint/2010/main" xmlns="" Requires="p14">
+    <mc:Choice xmlns="" xmlns:p14="http://schemas.microsoft.com/office/powerpoint/2010/main" Requires="p14">
       <p:transition spd="slow" p14:dur="2000" advClick="0" advTm="5000"/>
     </mc:Choice>
     <mc:Fallback>
@@ -21897,7 +21792,7 @@
     <a:masterClrMapping/>
   </p:clrMapOvr>
   <mc:AlternateContent xmlns:mc="http://schemas.openxmlformats.org/markup-compatibility/2006">
-    <mc:Choice xmlns:p14="http://schemas.microsoft.com/office/powerpoint/2010/main" xmlns="" Requires="p14">
+    <mc:Choice xmlns="" xmlns:p14="http://schemas.microsoft.com/office/powerpoint/2010/main" Requires="p14">
       <p:transition spd="slow" p14:dur="2000" advClick="0" advTm="5000"/>
     </mc:Choice>
     <mc:Fallback>
@@ -22108,286 +22003,6 @@
       </p:grpSpPr>
       <p:sp>
         <p:nvSpPr>
-          <p:cNvPr id="2" name="Slide Number Placeholder 1"/>
-          <p:cNvSpPr>
-            <a:spLocks noGrp="1"/>
-          </p:cNvSpPr>
-          <p:nvPr>
-            <p:ph type="sldNum" sz="quarter" idx="5"/>
-          </p:nvPr>
-        </p:nvSpPr>
-        <p:spPr/>
-        <p:txBody>
-          <a:bodyPr/>
-          <a:lstStyle/>
-          <a:p>
-            <a:fld id="{2BF067CD-8E6B-4360-9AA8-C5DF2A48A6D1}" type="slidenum">
-              <a:rPr lang="en-US" noProof="0" smtClean="0"/>
-              <a:pPr/>
-              <a:t>26</a:t>
-            </a:fld>
-            <a:endParaRPr lang="en-US" noProof="0" dirty="0"/>
-          </a:p>
-        </p:txBody>
-      </p:sp>
-      <p:sp>
-        <p:nvSpPr>
-          <p:cNvPr id="3" name="Text Placeholder 2"/>
-          <p:cNvSpPr>
-            <a:spLocks noGrp="1"/>
-          </p:cNvSpPr>
-          <p:nvPr>
-            <p:ph type="body" sz="quarter" idx="10"/>
-          </p:nvPr>
-        </p:nvSpPr>
-        <p:spPr/>
-        <p:txBody>
-          <a:bodyPr>
-            <a:normAutofit fontScale="92500" lnSpcReduction="20000"/>
-          </a:bodyPr>
-          <a:lstStyle/>
-          <a:p>
-            <a:r>
-              <a:rPr lang="bg-BG" dirty="0"/>
-              <a:t>Още </a:t>
-            </a:r>
-            <a:r>
-              <a:rPr lang="bg-BG" b="1" dirty="0">
-                <a:solidFill>
-                  <a:schemeClr val="bg1"/>
-                </a:solidFill>
-              </a:rPr>
-              <a:t>информация</a:t>
-            </a:r>
-            <a:r>
-              <a:rPr lang="bg-BG" dirty="0"/>
-              <a:t> за създаване на </a:t>
-            </a:r>
-            <a:r>
-              <a:rPr lang="bg-BG" b="1" dirty="0">
-                <a:solidFill>
-                  <a:schemeClr val="bg1"/>
-                </a:solidFill>
-              </a:rPr>
-              <a:t>различни видове формляри</a:t>
-            </a:r>
-            <a:r>
-              <a:rPr lang="en-US" dirty="0"/>
-              <a:t>: https://support.microsoft.com/en-au/office/create-a-form-in-access-5d550a3d-92e1-4f38-9772-7e7e21e80c6b</a:t>
-            </a:r>
-            <a:endParaRPr lang="bg-BG" dirty="0"/>
-          </a:p>
-          <a:p>
-            <a:pPr>
-              <a:buClr>
-                <a:schemeClr val="tx1"/>
-              </a:buClr>
-            </a:pPr>
-            <a:r>
-              <a:rPr lang="en-US" b="1" dirty="0">
-                <a:solidFill>
-                  <a:schemeClr val="bg1"/>
-                </a:solidFill>
-              </a:rPr>
-              <a:t>TODO</a:t>
-            </a:r>
-            <a:r>
-              <a:rPr lang="en-US" dirty="0"/>
-              <a:t>:</a:t>
-            </a:r>
-            <a:endParaRPr lang="bg-BG" dirty="0"/>
-          </a:p>
-          <a:p>
-            <a:pPr lvl="1">
-              <a:buClr>
-                <a:schemeClr val="tx1"/>
-              </a:buClr>
-            </a:pPr>
-            <a:r>
-              <a:rPr lang="bg-BG" dirty="0"/>
-              <a:t>Помисли дали трябва да се добави </a:t>
-            </a:r>
-            <a:r>
-              <a:rPr lang="bg-BG" b="1" dirty="0">
-                <a:solidFill>
-                  <a:schemeClr val="bg1"/>
-                </a:solidFill>
-              </a:rPr>
-              <a:t>още информация</a:t>
-            </a:r>
-            <a:r>
-              <a:rPr lang="bg-BG" dirty="0"/>
-              <a:t> </a:t>
-            </a:r>
-            <a:endParaRPr lang="en-US" dirty="0"/>
-          </a:p>
-          <a:p>
-            <a:pPr lvl="2">
-              <a:buClr>
-                <a:schemeClr val="tx1"/>
-              </a:buClr>
-            </a:pPr>
-            <a:r>
-              <a:rPr lang="en-US" dirty="0"/>
-              <a:t>blank form</a:t>
-            </a:r>
-          </a:p>
-          <a:p>
-            <a:pPr lvl="2">
-              <a:buClr>
-                <a:schemeClr val="tx1"/>
-              </a:buClr>
-            </a:pPr>
-            <a:r>
-              <a:rPr lang="en-US" dirty="0"/>
-              <a:t>split form</a:t>
-            </a:r>
-          </a:p>
-          <a:p>
-            <a:pPr lvl="2">
-              <a:buClr>
-                <a:schemeClr val="tx1"/>
-              </a:buClr>
-            </a:pPr>
-            <a:r>
-              <a:rPr lang="en-US" dirty="0"/>
-              <a:t>form that contains a </a:t>
-            </a:r>
-            <a:r>
-              <a:rPr lang="en-US" dirty="0" err="1"/>
-              <a:t>subform</a:t>
-            </a:r>
-            <a:endParaRPr lang="en-US" dirty="0"/>
-          </a:p>
-          <a:p>
-            <a:pPr lvl="2">
-              <a:buClr>
-                <a:schemeClr val="tx1"/>
-              </a:buClr>
-            </a:pPr>
-            <a:r>
-              <a:rPr lang="en-US" dirty="0"/>
-              <a:t>…</a:t>
-            </a:r>
-          </a:p>
-          <a:p>
-            <a:pPr lvl="1">
-              <a:buClr>
-                <a:schemeClr val="tx1"/>
-              </a:buClr>
-            </a:pPr>
-            <a:r>
-              <a:rPr lang="bg-BG" dirty="0"/>
-              <a:t>Какъв тип </a:t>
-            </a:r>
-            <a:r>
-              <a:rPr lang="bg-BG" b="1" dirty="0">
-                <a:solidFill>
-                  <a:schemeClr val="bg1"/>
-                </a:solidFill>
-              </a:rPr>
-              <a:t>създаване</a:t>
-            </a:r>
-            <a:r>
-              <a:rPr lang="bg-BG" dirty="0"/>
-              <a:t> на </a:t>
-            </a:r>
-            <a:r>
-              <a:rPr lang="bg-BG" b="1" dirty="0">
-                <a:solidFill>
-                  <a:schemeClr val="bg1"/>
-                </a:solidFill>
-              </a:rPr>
-              <a:t>формуляр</a:t>
-            </a:r>
-            <a:r>
-              <a:rPr lang="bg-BG" dirty="0"/>
-              <a:t> да се добави?</a:t>
-            </a:r>
-          </a:p>
-          <a:p>
-            <a:pPr lvl="1">
-              <a:buClr>
-                <a:schemeClr val="tx1"/>
-              </a:buClr>
-            </a:pPr>
-            <a:r>
-              <a:rPr lang="bg-BG" dirty="0"/>
-              <a:t> Прекалено </a:t>
-            </a:r>
-            <a:r>
-              <a:rPr lang="bg-BG" b="1" dirty="0">
-                <a:solidFill>
-                  <a:schemeClr val="bg1"/>
-                </a:solidFill>
-              </a:rPr>
-              <a:t>голяма</a:t>
-            </a:r>
-            <a:r>
-              <a:rPr lang="bg-BG" dirty="0"/>
-              <a:t> презентация?</a:t>
-            </a:r>
-            <a:endParaRPr lang="en-US" dirty="0"/>
-          </a:p>
-        </p:txBody>
-      </p:sp>
-      <p:sp>
-        <p:nvSpPr>
-          <p:cNvPr id="4" name="Title 3"/>
-          <p:cNvSpPr>
-            <a:spLocks noGrp="1"/>
-          </p:cNvSpPr>
-          <p:nvPr>
-            <p:ph type="title"/>
-          </p:nvPr>
-        </p:nvSpPr>
-        <p:spPr/>
-        <p:txBody>
-          <a:bodyPr/>
-          <a:lstStyle/>
-          <a:p>
-            <a:r>
-              <a:rPr lang="en-US" dirty="0"/>
-              <a:t>TODO Slide</a:t>
-            </a:r>
-          </a:p>
-        </p:txBody>
-      </p:sp>
-    </p:spTree>
-  </p:cSld>
-  <p:clrMapOvr>
-    <a:masterClrMapping/>
-  </p:clrMapOvr>
-  <mc:AlternateContent xmlns:mc="http://schemas.openxmlformats.org/markup-compatibility/2006">
-    <mc:Choice xmlns:p14="http://schemas.microsoft.com/office/powerpoint/2010/main" xmlns="" Requires="p14">
-      <p:transition spd="slow" p14:dur="2000" advClick="0" advTm="5000"/>
-    </mc:Choice>
-    <mc:Fallback>
-      <p:transition spd="slow" advClick="0" advTm="5000"/>
-    </mc:Fallback>
-  </mc:AlternateContent>
-</p:sld>
-</file>
-
-<file path=ppt/slides/slide27.xml><?xml version="1.0" encoding="utf-8"?>
-<p:sld xmlns:a="http://schemas.openxmlformats.org/drawingml/2006/main" xmlns:r="http://schemas.openxmlformats.org/officeDocument/2006/relationships" xmlns:p="http://schemas.openxmlformats.org/presentationml/2006/main">
-  <p:cSld>
-    <p:spTree>
-      <p:nvGrpSpPr>
-        <p:cNvPr id="1" name=""/>
-        <p:cNvGrpSpPr/>
-        <p:nvPr/>
-      </p:nvGrpSpPr>
-      <p:grpSpPr>
-        <a:xfrm>
-          <a:off x="0" y="0"/>
-          <a:ext cx="0" cy="0"/>
-          <a:chOff x="0" y="0"/>
-          <a:chExt cx="0" cy="0"/>
-        </a:xfrm>
-      </p:grpSpPr>
-      <p:sp>
-        <p:nvSpPr>
           <p:cNvPr id="2" name="Subtitle 1"/>
           <p:cNvSpPr>
             <a:spLocks noGrp="1"/>
@@ -22460,17 +22075,24 @@
     <a:masterClrMapping/>
   </p:clrMapOvr>
   <mc:AlternateContent xmlns:mc="http://schemas.openxmlformats.org/markup-compatibility/2006">
-    <mc:Choice xmlns:p14="http://schemas.microsoft.com/office/powerpoint/2010/main" xmlns="" Requires="p14">
+    <mc:Choice xmlns="" xmlns:p14="http://schemas.microsoft.com/office/powerpoint/2010/main" Requires="p14">
       <p:transition spd="slow" p14:dur="2000" advClick="0" advTm="5000"/>
     </mc:Choice>
     <mc:Fallback>
       <p:transition spd="slow" advClick="0" advTm="5000"/>
     </mc:Fallback>
   </mc:AlternateContent>
+  <p:timing>
+    <p:tnLst>
+      <p:par>
+        <p:cTn id="1" dur="indefinite" restart="never" nodeType="tmRoot"/>
+      </p:par>
+    </p:tnLst>
+  </p:timing>
 </p:sld>
 </file>
 
-<file path=ppt/slides/slide28.xml><?xml version="1.0" encoding="utf-8"?>
+<file path=ppt/slides/slide27.xml><?xml version="1.0" encoding="utf-8"?>
 <p:sld xmlns:a="http://schemas.openxmlformats.org/drawingml/2006/main" xmlns:r="http://schemas.openxmlformats.org/officeDocument/2006/relationships" xmlns:p="http://schemas.openxmlformats.org/presentationml/2006/main">
   <p:cSld>
     <p:spTree>
@@ -22505,7 +22127,7 @@
             <a:fld id="{2BF067CD-8E6B-4360-9AA8-C5DF2A48A6D1}" type="slidenum">
               <a:rPr lang="en-US" noProof="0" smtClean="0"/>
               <a:pPr/>
-              <a:t>28</a:t>
+              <a:t>27</a:t>
             </a:fld>
             <a:endParaRPr lang="en-US" noProof="0" dirty="0"/>
           </a:p>
@@ -22797,7 +22419,7 @@
     <a:masterClrMapping/>
   </p:clrMapOvr>
   <mc:AlternateContent xmlns:mc="http://schemas.openxmlformats.org/markup-compatibility/2006">
-    <mc:Choice xmlns:p14="http://schemas.microsoft.com/office/powerpoint/2010/main" xmlns="" Requires="p14">
+    <mc:Choice xmlns="" xmlns:p14="http://schemas.microsoft.com/office/powerpoint/2010/main" Requires="p14">
       <p:transition spd="slow" p14:dur="2000" advClick="0" advTm="5000"/>
     </mc:Choice>
     <mc:Fallback>
@@ -23064,7 +22686,7 @@
 </p:sld>
 </file>
 
-<file path=ppt/slides/slide29.xml><?xml version="1.0" encoding="utf-8"?>
+<file path=ppt/slides/slide28.xml><?xml version="1.0" encoding="utf-8"?>
 <p:sld xmlns:a="http://schemas.openxmlformats.org/drawingml/2006/main" xmlns:r="http://schemas.openxmlformats.org/officeDocument/2006/relationships" xmlns:p="http://schemas.openxmlformats.org/presentationml/2006/main">
   <p:cSld>
     <p:spTree>
@@ -23099,7 +22721,7 @@
             <a:fld id="{2BF067CD-8E6B-4360-9AA8-C5DF2A48A6D1}" type="slidenum">
               <a:rPr lang="en-US" noProof="0" smtClean="0"/>
               <a:pPr/>
-              <a:t>29</a:t>
+              <a:t>28</a:t>
             </a:fld>
             <a:endParaRPr lang="en-US" noProof="0" dirty="0"/>
           </a:p>
@@ -23392,7 +23014,7 @@
     <a:masterClrMapping/>
   </p:clrMapOvr>
   <mc:AlternateContent xmlns:mc="http://schemas.openxmlformats.org/markup-compatibility/2006">
-    <mc:Choice xmlns:p14="http://schemas.microsoft.com/office/powerpoint/2010/main" xmlns="" Requires="p14">
+    <mc:Choice xmlns="" xmlns:p14="http://schemas.microsoft.com/office/powerpoint/2010/main" Requires="p14">
       <p:transition spd="slow" p14:dur="2000" advClick="0" advTm="5000"/>
     </mc:Choice>
     <mc:Fallback>
@@ -23579,6 +23201,319 @@
 </p:sld>
 </file>
 
+<file path=ppt/slides/slide29.xml><?xml version="1.0" encoding="utf-8"?>
+<p:sld xmlns:a="http://schemas.openxmlformats.org/drawingml/2006/main" xmlns:r="http://schemas.openxmlformats.org/officeDocument/2006/relationships" xmlns:p="http://schemas.openxmlformats.org/presentationml/2006/main">
+  <p:cSld>
+    <p:spTree>
+      <p:nvGrpSpPr>
+        <p:cNvPr id="1" name=""/>
+        <p:cNvGrpSpPr/>
+        <p:nvPr/>
+      </p:nvGrpSpPr>
+      <p:grpSpPr>
+        <a:xfrm>
+          <a:off x="0" y="0"/>
+          <a:ext cx="0" cy="0"/>
+          <a:chOff x="0" y="0"/>
+          <a:chExt cx="0" cy="0"/>
+        </a:xfrm>
+      </p:grpSpPr>
+      <p:sp>
+        <p:nvSpPr>
+          <p:cNvPr id="2" name="Slide Number Placeholder 1"/>
+          <p:cNvSpPr>
+            <a:spLocks noGrp="1"/>
+          </p:cNvSpPr>
+          <p:nvPr>
+            <p:ph type="sldNum" sz="quarter" idx="5"/>
+          </p:nvPr>
+        </p:nvSpPr>
+        <p:spPr/>
+        <p:txBody>
+          <a:bodyPr/>
+          <a:lstStyle/>
+          <a:p>
+            <a:fld id="{2BF067CD-8E6B-4360-9AA8-C5DF2A48A6D1}" type="slidenum">
+              <a:rPr lang="en-US" noProof="0" smtClean="0"/>
+              <a:pPr/>
+              <a:t>29</a:t>
+            </a:fld>
+            <a:endParaRPr lang="en-US" noProof="0" dirty="0"/>
+          </a:p>
+        </p:txBody>
+      </p:sp>
+      <p:sp>
+        <p:nvSpPr>
+          <p:cNvPr id="3" name="Text Placeholder 2"/>
+          <p:cNvSpPr>
+            <a:spLocks noGrp="1"/>
+          </p:cNvSpPr>
+          <p:nvPr>
+            <p:ph type="body" sz="quarter" idx="10"/>
+          </p:nvPr>
+        </p:nvSpPr>
+        <p:spPr/>
+        <p:txBody>
+          <a:bodyPr/>
+          <a:lstStyle/>
+          <a:p>
+            <a:pPr>
+              <a:buClr>
+                <a:srgbClr val="224464"/>
+              </a:buClr>
+            </a:pPr>
+            <a:r>
+              <a:rPr lang="ru-RU" b="1" dirty="0" smtClean="0">
+                <a:solidFill>
+                  <a:schemeClr val="bg1"/>
+                </a:solidFill>
+              </a:rPr>
+              <a:t>Инструментите</a:t>
+            </a:r>
+            <a:r>
+              <a:rPr lang="ru-RU" dirty="0" smtClean="0"/>
+              <a:t> за отчет се намират в раздела </a:t>
+            </a:r>
+            <a:r>
+              <a:rPr lang="en-US" b="1" dirty="0" smtClean="0">
+                <a:solidFill>
+                  <a:schemeClr val="bg1"/>
+                </a:solidFill>
+                <a:latin typeface="Consolas" pitchFamily="49" charset="0"/>
+              </a:rPr>
+              <a:t>Create</a:t>
+            </a:r>
+            <a:r>
+              <a:rPr lang="en-US" dirty="0" smtClean="0"/>
+              <a:t> </a:t>
+            </a:r>
+            <a:r>
+              <a:rPr lang="ru-RU" dirty="0" smtClean="0"/>
+              <a:t>на </a:t>
+            </a:r>
+            <a:r>
+              <a:rPr lang="ru-RU" dirty="0" smtClean="0"/>
+              <a:t>лентата, в групата </a:t>
+            </a:r>
+            <a:r>
+              <a:rPr lang="en-US" b="1" dirty="0" smtClean="0">
+                <a:solidFill>
+                  <a:schemeClr val="bg1"/>
+                </a:solidFill>
+                <a:latin typeface="Consolas" pitchFamily="49" charset="0"/>
+              </a:rPr>
+              <a:t>Reports</a:t>
+            </a:r>
+            <a:endParaRPr lang="en-US" dirty="0" smtClean="0"/>
+          </a:p>
+          <a:p>
+            <a:pPr>
+              <a:buClr>
+                <a:srgbClr val="224464"/>
+              </a:buClr>
+            </a:pPr>
+            <a:r>
+              <a:rPr lang="bg-BG" dirty="0" smtClean="0"/>
+              <a:t>Те ни дават възможността да </a:t>
+            </a:r>
+            <a:r>
+              <a:rPr lang="bg-BG" b="1" dirty="0" smtClean="0">
+                <a:solidFill>
+                  <a:schemeClr val="bg1"/>
+                </a:solidFill>
+              </a:rPr>
+              <a:t>създаваме отчети</a:t>
+            </a:r>
+            <a:r>
+              <a:rPr lang="bg-BG" dirty="0" smtClean="0"/>
+              <a:t> и да ги </a:t>
+            </a:r>
+            <a:r>
+              <a:rPr lang="bg-BG" b="1" dirty="0" smtClean="0">
+                <a:solidFill>
+                  <a:schemeClr val="bg1"/>
+                </a:solidFill>
+              </a:rPr>
+              <a:t>структурираме</a:t>
+            </a:r>
+            <a:endParaRPr lang="en-US" b="1" dirty="0">
+              <a:solidFill>
+                <a:schemeClr val="bg1"/>
+              </a:solidFill>
+            </a:endParaRPr>
+          </a:p>
+        </p:txBody>
+      </p:sp>
+      <p:sp>
+        <p:nvSpPr>
+          <p:cNvPr id="4" name="Title 3"/>
+          <p:cNvSpPr>
+            <a:spLocks noGrp="1"/>
+          </p:cNvSpPr>
+          <p:nvPr>
+            <p:ph type="title"/>
+          </p:nvPr>
+        </p:nvSpPr>
+        <p:spPr/>
+        <p:txBody>
+          <a:bodyPr/>
+          <a:lstStyle/>
+          <a:p>
+            <a:r>
+              <a:rPr lang="bg-BG" dirty="0" smtClean="0"/>
+              <a:t>Създаване на отчет от таблица (1)</a:t>
+            </a:r>
+            <a:endParaRPr lang="en-US" dirty="0"/>
+          </a:p>
+        </p:txBody>
+      </p:sp>
+      <p:pic>
+        <p:nvPicPr>
+          <p:cNvPr id="2050" name="Picture 2" descr="Tools-No-Background.png"/>
+          <p:cNvPicPr>
+            <a:picLocks noChangeAspect="1" noChangeArrowheads="1"/>
+          </p:cNvPicPr>
+          <p:nvPr/>
+        </p:nvPicPr>
+        <p:blipFill>
+          <a:blip r:embed="rId2" cstate="print"/>
+          <a:srcRect/>
+          <a:stretch>
+            <a:fillRect/>
+          </a:stretch>
+        </p:blipFill>
+        <p:spPr bwMode="auto">
+          <a:xfrm>
+            <a:off x="6934200" y="3810000"/>
+            <a:ext cx="2628900" cy="2628900"/>
+          </a:xfrm>
+          <a:prstGeom prst="rect">
+            <a:avLst/>
+          </a:prstGeom>
+          <a:noFill/>
+        </p:spPr>
+      </p:pic>
+      <p:pic>
+        <p:nvPicPr>
+          <p:cNvPr id="2054" name="Picture 6" descr="Clipboard Icon Png"/>
+          <p:cNvPicPr>
+            <a:picLocks noChangeAspect="1" noChangeArrowheads="1"/>
+          </p:cNvPicPr>
+          <p:nvPr/>
+        </p:nvPicPr>
+        <p:blipFill>
+          <a:blip r:embed="rId3" cstate="print"/>
+          <a:srcRect/>
+          <a:stretch>
+            <a:fillRect/>
+          </a:stretch>
+        </p:blipFill>
+        <p:spPr bwMode="auto">
+          <a:xfrm>
+            <a:off x="2286000" y="3810000"/>
+            <a:ext cx="2743199" cy="2743200"/>
+          </a:xfrm>
+          <a:prstGeom prst="rect">
+            <a:avLst/>
+          </a:prstGeom>
+          <a:noFill/>
+        </p:spPr>
+      </p:pic>
+    </p:spTree>
+  </p:cSld>
+  <p:clrMapOvr>
+    <a:masterClrMapping/>
+  </p:clrMapOvr>
+  <mc:AlternateContent xmlns:mc="http://schemas.openxmlformats.org/markup-compatibility/2006">
+    <mc:Choice xmlns="" xmlns:p14="http://schemas.microsoft.com/office/powerpoint/2010/main" Requires="p14">
+      <p:transition spd="slow" p14:dur="2000" advClick="0" advTm="5000"/>
+    </mc:Choice>
+    <mc:Fallback>
+      <p:transition spd="slow" advClick="0" advTm="5000"/>
+    </mc:Fallback>
+  </mc:AlternateContent>
+  <p:timing>
+    <p:tnLst>
+      <p:par>
+        <p:cTn id="1" dur="indefinite" restart="never" nodeType="tmRoot">
+          <p:childTnLst>
+            <p:seq concurrent="1" nextAc="seek">
+              <p:cTn id="2" dur="indefinite" nodeType="mainSeq">
+                <p:childTnLst>
+                  <p:par>
+                    <p:cTn id="3" fill="hold">
+                      <p:stCondLst>
+                        <p:cond delay="indefinite"/>
+                      </p:stCondLst>
+                      <p:childTnLst>
+                        <p:par>
+                          <p:cTn id="4" fill="hold">
+                            <p:stCondLst>
+                              <p:cond delay="0"/>
+                            </p:stCondLst>
+                            <p:childTnLst>
+                              <p:par>
+                                <p:cTn id="5" presetID="1" presetClass="entr" presetSubtype="0" fill="hold" nodeType="clickEffect">
+                                  <p:stCondLst>
+                                    <p:cond delay="0"/>
+                                  </p:stCondLst>
+                                  <p:childTnLst>
+                                    <p:set>
+                                      <p:cBhvr>
+                                        <p:cTn id="6" dur="1" fill="hold">
+                                          <p:stCondLst>
+                                            <p:cond delay="0"/>
+                                          </p:stCondLst>
+                                        </p:cTn>
+                                        <p:tgtEl>
+                                          <p:spTgt spid="3">
+                                            <p:txEl>
+                                              <p:pRg st="1" end="1"/>
+                                            </p:txEl>
+                                          </p:spTgt>
+                                        </p:tgtEl>
+                                        <p:attrNameLst>
+                                          <p:attrName>style.visibility</p:attrName>
+                                        </p:attrNameLst>
+                                      </p:cBhvr>
+                                      <p:to>
+                                        <p:strVal val="visible"/>
+                                      </p:to>
+                                    </p:set>
+                                  </p:childTnLst>
+                                </p:cTn>
+                              </p:par>
+                            </p:childTnLst>
+                          </p:cTn>
+                        </p:par>
+                      </p:childTnLst>
+                    </p:cTn>
+                  </p:par>
+                </p:childTnLst>
+              </p:cTn>
+              <p:prevCondLst>
+                <p:cond evt="onPrev" delay="0">
+                  <p:tgtEl>
+                    <p:sldTgt/>
+                  </p:tgtEl>
+                </p:cond>
+              </p:prevCondLst>
+              <p:nextCondLst>
+                <p:cond evt="onNext" delay="0">
+                  <p:tgtEl>
+                    <p:sldTgt/>
+                  </p:tgtEl>
+                </p:cond>
+              </p:nextCondLst>
+            </p:seq>
+          </p:childTnLst>
+        </p:cTn>
+      </p:par>
+    </p:tnLst>
+  </p:timing>
+</p:sld>
+</file>
+
 <file path=ppt/slides/slide3.xml><?xml version="1.0" encoding="utf-8"?>
 <p:sld xmlns:a="http://schemas.openxmlformats.org/drawingml/2006/main" xmlns:r="http://schemas.openxmlformats.org/officeDocument/2006/relationships" xmlns:p="http://schemas.openxmlformats.org/presentationml/2006/main">
   <p:cSld>
@@ -23673,7 +23608,7 @@
     <a:masterClrMapping/>
   </p:clrMapOvr>
   <mc:AlternateContent xmlns:mc="http://schemas.openxmlformats.org/markup-compatibility/2006">
-    <mc:Choice xmlns:p14="http://schemas.microsoft.com/office/powerpoint/2010/main" xmlns="" Requires="p14">
+    <mc:Choice xmlns="" xmlns:p14="http://schemas.microsoft.com/office/powerpoint/2010/main" Requires="p14">
       <p:transition spd="slow" p14:dur="2000" advClick="0" advTm="5000"/>
     </mc:Choice>
     <mc:Fallback>
@@ -23700,12 +23635,2623 @@
           <a:chExt cx="0" cy="0"/>
         </a:xfrm>
       </p:grpSpPr>
+      <p:sp>
+        <p:nvSpPr>
+          <p:cNvPr id="2" name="Slide Number Placeholder 1"/>
+          <p:cNvSpPr>
+            <a:spLocks noGrp="1"/>
+          </p:cNvSpPr>
+          <p:nvPr>
+            <p:ph type="sldNum" sz="quarter" idx="5"/>
+          </p:nvPr>
+        </p:nvSpPr>
+        <p:spPr/>
+        <p:txBody>
+          <a:bodyPr/>
+          <a:lstStyle/>
+          <a:p>
+            <a:fld id="{2BF067CD-8E6B-4360-9AA8-C5DF2A48A6D1}" type="slidenum">
+              <a:rPr lang="en-US" noProof="0" smtClean="0"/>
+              <a:pPr/>
+              <a:t>30</a:t>
+            </a:fld>
+            <a:endParaRPr lang="en-US" noProof="0" dirty="0"/>
+          </a:p>
+        </p:txBody>
+      </p:sp>
+      <p:sp>
+        <p:nvSpPr>
+          <p:cNvPr id="4" name="Title 3"/>
+          <p:cNvSpPr>
+            <a:spLocks noGrp="1"/>
+          </p:cNvSpPr>
+          <p:nvPr>
+            <p:ph type="title"/>
+          </p:nvPr>
+        </p:nvSpPr>
+        <p:spPr/>
+        <p:txBody>
+          <a:bodyPr/>
+          <a:lstStyle/>
+          <a:p>
+            <a:r>
+              <a:rPr lang="bg-BG" dirty="0" smtClean="0"/>
+              <a:t>Инструменти</a:t>
+            </a:r>
+            <a:endParaRPr lang="en-US" dirty="0"/>
+          </a:p>
+        </p:txBody>
+      </p:sp>
+      <p:graphicFrame>
+        <p:nvGraphicFramePr>
+          <p:cNvPr id="5" name="Group 8"/>
+          <p:cNvGraphicFramePr>
+            <a:graphicFrameLocks noGrp="1"/>
+          </p:cNvGraphicFramePr>
+          <p:nvPr>
+            <p:extLst>
+              <p:ext uri="{D42A27DB-BD31-4B8C-83A1-F6EECF244321}">
+                <p14:modId xmlns="" xmlns:p14="http://schemas.microsoft.com/office/powerpoint/2010/main" val="1471852162"/>
+              </p:ext>
+            </p:extLst>
+          </p:nvPr>
+        </p:nvGraphicFramePr>
+        <p:xfrm>
+          <a:off x="1028700" y="1295400"/>
+          <a:ext cx="10134600" cy="5313759"/>
+        </p:xfrm>
+        <a:graphic>
+          <a:graphicData uri="http://schemas.openxmlformats.org/drawingml/2006/table">
+            <a:tbl>
+              <a:tblPr/>
+              <a:tblGrid>
+                <a:gridCol w="2209800"/>
+                <a:gridCol w="7924800"/>
+              </a:tblGrid>
+              <a:tr h="592825">
+                <a:tc>
+                  <a:txBody>
+                    <a:bodyPr/>
+                    <a:lstStyle/>
+                    <a:p>
+                      <a:pPr marL="0" marR="0" lvl="0" indent="0" algn="ctr" defTabSz="914400" rtl="0" eaLnBrk="0" fontAlgn="base" latinLnBrk="0" hangingPunct="0">
+                        <a:lnSpc>
+                          <a:spcPct val="95000"/>
+                        </a:lnSpc>
+                        <a:spcBef>
+                          <a:spcPct val="40000"/>
+                        </a:spcBef>
+                        <a:spcAft>
+                          <a:spcPct val="0"/>
+                        </a:spcAft>
+                        <a:buClr>
+                          <a:schemeClr val="tx1"/>
+                        </a:buClr>
+                        <a:buSzTx/>
+                        <a:buFontTx/>
+                        <a:buNone/>
+                        <a:tabLst/>
+                      </a:pPr>
+                      <a:r>
+                        <a:rPr kumimoji="1" lang="bg-BG" sz="2600" b="1" i="0" u="none" strike="noStrike" cap="none" normalizeH="0" baseline="0" noProof="1" smtClean="0">
+                          <a:ln>
+                            <a:noFill/>
+                          </a:ln>
+                          <a:solidFill>
+                            <a:schemeClr val="tx1"/>
+                          </a:solidFill>
+                          <a:effectLst/>
+                          <a:latin typeface="+mj-lt"/>
+                        </a:rPr>
+                        <a:t>Инструмент</a:t>
+                      </a:r>
+                      <a:endParaRPr kumimoji="1" lang="en-US" sz="2600" b="1" i="0" u="none" strike="noStrike" cap="none" normalizeH="0" baseline="0" noProof="1" smtClean="0">
+                        <a:ln>
+                          <a:noFill/>
+                        </a:ln>
+                        <a:solidFill>
+                          <a:schemeClr val="tx1"/>
+                        </a:solidFill>
+                        <a:effectLst/>
+                        <a:latin typeface="+mj-lt"/>
+                      </a:endParaRPr>
+                    </a:p>
+                  </a:txBody>
+                  <a:tcPr marL="91464" marR="91464" anchor="ctr" horzOverflow="overflow">
+                    <a:lnL w="28575" cap="flat" cmpd="sng" algn="ctr">
+                      <a:solidFill>
+                        <a:schemeClr val="accent5">
+                          <a:lumMod val="20000"/>
+                          <a:lumOff val="80000"/>
+                        </a:schemeClr>
+                      </a:solidFill>
+                      <a:prstDash val="solid"/>
+                      <a:round/>
+                      <a:headEnd type="none" w="med" len="med"/>
+                      <a:tailEnd type="none" w="med" len="med"/>
+                    </a:lnL>
+                    <a:lnR w="28575" cap="flat" cmpd="sng" algn="ctr">
+                      <a:solidFill>
+                        <a:schemeClr val="accent5">
+                          <a:lumMod val="20000"/>
+                          <a:lumOff val="80000"/>
+                        </a:schemeClr>
+                      </a:solidFill>
+                      <a:prstDash val="solid"/>
+                      <a:round/>
+                      <a:headEnd type="none" w="med" len="med"/>
+                      <a:tailEnd type="none" w="med" len="med"/>
+                    </a:lnR>
+                    <a:lnT w="28575" cap="flat" cmpd="sng" algn="ctr">
+                      <a:solidFill>
+                        <a:schemeClr val="accent5">
+                          <a:lumMod val="20000"/>
+                          <a:lumOff val="80000"/>
+                        </a:schemeClr>
+                      </a:solidFill>
+                      <a:prstDash val="solid"/>
+                      <a:round/>
+                      <a:headEnd type="none" w="med" len="med"/>
+                      <a:tailEnd type="none" w="med" len="med"/>
+                    </a:lnT>
+                    <a:lnB w="28575" cap="flat" cmpd="sng" algn="ctr">
+                      <a:solidFill>
+                        <a:schemeClr val="accent5">
+                          <a:lumMod val="20000"/>
+                          <a:lumOff val="80000"/>
+                        </a:schemeClr>
+                      </a:solidFill>
+                      <a:prstDash val="solid"/>
+                      <a:round/>
+                      <a:headEnd type="none" w="med" len="med"/>
+                      <a:tailEnd type="none" w="med" len="med"/>
+                    </a:lnB>
+                    <a:lnTlToBr>
+                      <a:noFill/>
+                    </a:lnTlToBr>
+                    <a:lnBlToTr>
+                      <a:noFill/>
+                    </a:lnBlToTr>
+                    <a:solidFill>
+                      <a:schemeClr val="accent5">
+                        <a:lumMod val="60000"/>
+                        <a:lumOff val="40000"/>
+                        <a:alpha val="50000"/>
+                      </a:schemeClr>
+                    </a:solidFill>
+                  </a:tcPr>
+                </a:tc>
+                <a:tc>
+                  <a:txBody>
+                    <a:bodyPr/>
+                    <a:lstStyle/>
+                    <a:p>
+                      <a:pPr marL="0" marR="0" lvl="0" indent="0" algn="ctr" defTabSz="914400" rtl="0" eaLnBrk="0" fontAlgn="base" latinLnBrk="0" hangingPunct="0">
+                        <a:lnSpc>
+                          <a:spcPct val="95000"/>
+                        </a:lnSpc>
+                        <a:spcBef>
+                          <a:spcPct val="40000"/>
+                        </a:spcBef>
+                        <a:spcAft>
+                          <a:spcPct val="0"/>
+                        </a:spcAft>
+                        <a:buClr>
+                          <a:schemeClr val="tx1"/>
+                        </a:buClr>
+                        <a:buSzTx/>
+                        <a:buFontTx/>
+                        <a:buNone/>
+                        <a:tabLst/>
+                      </a:pPr>
+                      <a:r>
+                        <a:rPr kumimoji="1" lang="bg-BG" sz="2600" b="1" i="0" u="none" strike="noStrike" cap="none" normalizeH="0" baseline="0" noProof="1" smtClean="0">
+                          <a:ln>
+                            <a:noFill/>
+                          </a:ln>
+                          <a:solidFill>
+                            <a:schemeClr val="tx1"/>
+                          </a:solidFill>
+                          <a:effectLst/>
+                          <a:latin typeface="+mj-lt"/>
+                        </a:rPr>
+                        <a:t>Описание</a:t>
+                      </a:r>
+                      <a:endParaRPr kumimoji="1" lang="en-US" sz="2600" b="1" i="0" u="none" strike="noStrike" cap="none" normalizeH="0" baseline="0" noProof="1" smtClean="0">
+                        <a:ln>
+                          <a:noFill/>
+                        </a:ln>
+                        <a:solidFill>
+                          <a:schemeClr val="tx1"/>
+                        </a:solidFill>
+                        <a:effectLst/>
+                        <a:latin typeface="+mj-lt"/>
+                      </a:endParaRPr>
+                    </a:p>
+                  </a:txBody>
+                  <a:tcPr marL="91464" marR="91464" anchor="ctr" horzOverflow="overflow">
+                    <a:lnL w="28575" cap="flat" cmpd="sng" algn="ctr">
+                      <a:solidFill>
+                        <a:schemeClr val="accent5">
+                          <a:lumMod val="20000"/>
+                          <a:lumOff val="80000"/>
+                        </a:schemeClr>
+                      </a:solidFill>
+                      <a:prstDash val="solid"/>
+                      <a:round/>
+                      <a:headEnd type="none" w="med" len="med"/>
+                      <a:tailEnd type="none" w="med" len="med"/>
+                    </a:lnL>
+                    <a:lnR w="28575" cap="flat" cmpd="sng" algn="ctr">
+                      <a:solidFill>
+                        <a:schemeClr val="accent5">
+                          <a:lumMod val="20000"/>
+                          <a:lumOff val="80000"/>
+                        </a:schemeClr>
+                      </a:solidFill>
+                      <a:prstDash val="solid"/>
+                      <a:round/>
+                      <a:headEnd type="none" w="med" len="med"/>
+                      <a:tailEnd type="none" w="med" len="med"/>
+                    </a:lnR>
+                    <a:lnT w="28575" cap="flat" cmpd="sng" algn="ctr">
+                      <a:solidFill>
+                        <a:schemeClr val="accent5">
+                          <a:lumMod val="20000"/>
+                          <a:lumOff val="80000"/>
+                        </a:schemeClr>
+                      </a:solidFill>
+                      <a:prstDash val="solid"/>
+                      <a:round/>
+                      <a:headEnd type="none" w="med" len="med"/>
+                      <a:tailEnd type="none" w="med" len="med"/>
+                    </a:lnT>
+                    <a:lnB w="28575" cap="flat" cmpd="sng" algn="ctr">
+                      <a:solidFill>
+                        <a:schemeClr val="accent5">
+                          <a:lumMod val="20000"/>
+                          <a:lumOff val="80000"/>
+                        </a:schemeClr>
+                      </a:solidFill>
+                      <a:prstDash val="solid"/>
+                      <a:round/>
+                      <a:headEnd type="none" w="med" len="med"/>
+                      <a:tailEnd type="none" w="med" len="med"/>
+                    </a:lnB>
+                    <a:lnTlToBr>
+                      <a:noFill/>
+                    </a:lnTlToBr>
+                    <a:lnBlToTr>
+                      <a:noFill/>
+                    </a:lnBlToTr>
+                    <a:solidFill>
+                      <a:schemeClr val="accent5">
+                        <a:lumMod val="60000"/>
+                        <a:lumOff val="40000"/>
+                        <a:alpha val="50000"/>
+                      </a:schemeClr>
+                    </a:solidFill>
+                  </a:tcPr>
+                </a:tc>
+              </a:tr>
+              <a:tr h="913641">
+                <a:tc>
+                  <a:txBody>
+                    <a:bodyPr/>
+                    <a:lstStyle/>
+                    <a:p>
+                      <a:pPr marL="0" marR="0" lvl="0" indent="0" algn="ctr" defTabSz="914400" rtl="0" eaLnBrk="0" fontAlgn="base" latinLnBrk="0" hangingPunct="0">
+                        <a:lnSpc>
+                          <a:spcPct val="95000"/>
+                        </a:lnSpc>
+                        <a:spcBef>
+                          <a:spcPct val="40000"/>
+                        </a:spcBef>
+                        <a:spcAft>
+                          <a:spcPct val="0"/>
+                        </a:spcAft>
+                        <a:buClr>
+                          <a:schemeClr val="tx1"/>
+                        </a:buClr>
+                        <a:buSzTx/>
+                        <a:buFontTx/>
+                        <a:buNone/>
+                        <a:tabLst/>
+                      </a:pPr>
+                      <a:r>
+                        <a:rPr kumimoji="1" lang="en-US" sz="2400" b="1" i="0" u="none" strike="noStrike" cap="none" normalizeH="0" baseline="0" dirty="0" smtClean="0">
+                          <a:ln>
+                            <a:noFill/>
+                          </a:ln>
+                          <a:solidFill>
+                            <a:schemeClr val="tx1"/>
+                          </a:solidFill>
+                          <a:effectLst/>
+                          <a:latin typeface="+mn-lt"/>
+                        </a:rPr>
+                        <a:t>Report</a:t>
+                      </a:r>
+                      <a:endParaRPr kumimoji="1" lang="bg-BG" sz="2400" b="1" i="0" u="none" strike="noStrike" cap="none" normalizeH="0" baseline="0" dirty="0" smtClean="0">
+                        <a:ln>
+                          <a:noFill/>
+                        </a:ln>
+                        <a:solidFill>
+                          <a:schemeClr val="tx1"/>
+                        </a:solidFill>
+                        <a:effectLst/>
+                        <a:latin typeface="+mn-lt"/>
+                      </a:endParaRPr>
+                    </a:p>
+                  </a:txBody>
+                  <a:tcPr marL="91464" marR="91464" anchor="ctr" horzOverflow="overflow">
+                    <a:lnL w="28575" cap="flat" cmpd="sng" algn="ctr">
+                      <a:solidFill>
+                        <a:schemeClr val="accent5">
+                          <a:lumMod val="20000"/>
+                          <a:lumOff val="80000"/>
+                        </a:schemeClr>
+                      </a:solidFill>
+                      <a:prstDash val="solid"/>
+                      <a:round/>
+                      <a:headEnd type="none" w="med" len="med"/>
+                      <a:tailEnd type="none" w="med" len="med"/>
+                    </a:lnL>
+                    <a:lnR w="28575" cap="flat" cmpd="sng" algn="ctr">
+                      <a:solidFill>
+                        <a:schemeClr val="accent5">
+                          <a:lumMod val="20000"/>
+                          <a:lumOff val="80000"/>
+                        </a:schemeClr>
+                      </a:solidFill>
+                      <a:prstDash val="solid"/>
+                      <a:round/>
+                      <a:headEnd type="none" w="med" len="med"/>
+                      <a:tailEnd type="none" w="med" len="med"/>
+                    </a:lnR>
+                    <a:lnT w="28575" cap="flat" cmpd="sng" algn="ctr">
+                      <a:solidFill>
+                        <a:schemeClr val="accent5">
+                          <a:lumMod val="20000"/>
+                          <a:lumOff val="80000"/>
+                        </a:schemeClr>
+                      </a:solidFill>
+                      <a:prstDash val="solid"/>
+                      <a:round/>
+                      <a:headEnd type="none" w="med" len="med"/>
+                      <a:tailEnd type="none" w="med" len="med"/>
+                    </a:lnT>
+                    <a:lnB w="28575" cap="flat" cmpd="sng" algn="ctr">
+                      <a:solidFill>
+                        <a:schemeClr val="accent5">
+                          <a:lumMod val="20000"/>
+                          <a:lumOff val="80000"/>
+                        </a:schemeClr>
+                      </a:solidFill>
+                      <a:prstDash val="solid"/>
+                      <a:round/>
+                      <a:headEnd type="none" w="med" len="med"/>
+                      <a:tailEnd type="none" w="med" len="med"/>
+                    </a:lnB>
+                    <a:lnTlToBr>
+                      <a:noFill/>
+                    </a:lnTlToBr>
+                    <a:lnBlToTr>
+                      <a:noFill/>
+                    </a:lnBlToTr>
+                    <a:noFill/>
+                  </a:tcPr>
+                </a:tc>
+                <a:tc>
+                  <a:txBody>
+                    <a:bodyPr/>
+                    <a:lstStyle/>
+                    <a:p>
+                      <a:pPr marL="0" marR="0" lvl="0" indent="0" algn="l" defTabSz="914400" rtl="0" eaLnBrk="0" fontAlgn="base" latinLnBrk="0" hangingPunct="0">
+                        <a:lnSpc>
+                          <a:spcPct val="95000"/>
+                        </a:lnSpc>
+                        <a:spcBef>
+                          <a:spcPct val="40000"/>
+                        </a:spcBef>
+                        <a:spcAft>
+                          <a:spcPct val="0"/>
+                        </a:spcAft>
+                        <a:buClr>
+                          <a:schemeClr val="tx1"/>
+                        </a:buClr>
+                        <a:buSzTx/>
+                        <a:buFontTx/>
+                        <a:buNone/>
+                        <a:tabLst/>
+                      </a:pPr>
+                      <a:r>
+                        <a:rPr kumimoji="1" lang="ru-RU" sz="2400" b="0" i="0" u="none" strike="noStrike" cap="none" normalizeH="0" baseline="0" dirty="0" smtClean="0">
+                          <a:ln>
+                            <a:noFill/>
+                          </a:ln>
+                          <a:solidFill>
+                            <a:schemeClr val="tx1"/>
+                          </a:solidFill>
+                          <a:effectLst/>
+                          <a:latin typeface="+mn-lt"/>
+                        </a:rPr>
+                        <a:t>Създава </a:t>
+                      </a:r>
+                      <a:r>
+                        <a:rPr kumimoji="1" lang="ru-RU" sz="2400" b="1" i="0" u="none" strike="noStrike" cap="none" normalizeH="0" baseline="0" dirty="0" smtClean="0">
+                          <a:ln>
+                            <a:noFill/>
+                          </a:ln>
+                          <a:solidFill>
+                            <a:schemeClr val="bg1"/>
+                          </a:solidFill>
+                          <a:effectLst/>
+                          <a:latin typeface="+mn-lt"/>
+                        </a:rPr>
+                        <a:t>прост табличен отчет</a:t>
+                      </a:r>
+                      <a:r>
+                        <a:rPr kumimoji="1" lang="ru-RU" sz="2400" b="0" i="0" u="none" strike="noStrike" cap="none" normalizeH="0" baseline="0" dirty="0" smtClean="0">
+                          <a:ln>
+                            <a:noFill/>
+                          </a:ln>
+                          <a:solidFill>
+                            <a:schemeClr val="tx1"/>
+                          </a:solidFill>
+                          <a:effectLst/>
+                          <a:latin typeface="+mn-lt"/>
+                        </a:rPr>
+                        <a:t>, съдържащ </a:t>
+                      </a:r>
+                      <a:r>
+                        <a:rPr kumimoji="1" lang="ru-RU" sz="2400" b="1" i="0" u="none" strike="noStrike" cap="none" normalizeH="0" baseline="0" dirty="0" smtClean="0">
+                          <a:ln>
+                            <a:noFill/>
+                          </a:ln>
+                          <a:solidFill>
+                            <a:schemeClr val="bg1"/>
+                          </a:solidFill>
+                          <a:effectLst/>
+                          <a:latin typeface="+mn-lt"/>
+                        </a:rPr>
+                        <a:t>всички</a:t>
+                      </a:r>
+                      <a:r>
+                        <a:rPr kumimoji="1" lang="ru-RU" sz="2400" b="0" i="0" u="none" strike="noStrike" cap="none" normalizeH="0" baseline="0" dirty="0" smtClean="0">
+                          <a:ln>
+                            <a:noFill/>
+                          </a:ln>
+                          <a:solidFill>
+                            <a:schemeClr val="tx1"/>
+                          </a:solidFill>
+                          <a:effectLst/>
+                          <a:latin typeface="+mn-lt"/>
+                        </a:rPr>
+                        <a:t> полета, които сте </a:t>
+                      </a:r>
+                      <a:r>
+                        <a:rPr kumimoji="1" lang="ru-RU" sz="2400" b="1" i="0" u="none" strike="noStrike" cap="none" normalizeH="0" baseline="0" dirty="0" smtClean="0">
+                          <a:ln>
+                            <a:noFill/>
+                          </a:ln>
+                          <a:solidFill>
+                            <a:schemeClr val="bg1"/>
+                          </a:solidFill>
+                          <a:effectLst/>
+                          <a:latin typeface="+mn-lt"/>
+                        </a:rPr>
+                        <a:t>избрали</a:t>
+                      </a:r>
+                      <a:endParaRPr kumimoji="1" lang="bg-BG" sz="2400" b="1" i="0" u="none" strike="noStrike" cap="none" normalizeH="0" baseline="0" dirty="0" smtClean="0">
+                        <a:ln>
+                          <a:noFill/>
+                        </a:ln>
+                        <a:solidFill>
+                          <a:schemeClr val="bg1"/>
+                        </a:solidFill>
+                        <a:effectLst/>
+                        <a:latin typeface="+mn-lt"/>
+                      </a:endParaRPr>
+                    </a:p>
+                  </a:txBody>
+                  <a:tcPr marL="91464" marR="91464" anchor="ctr" horzOverflow="overflow">
+                    <a:lnL w="28575" cap="flat" cmpd="sng" algn="ctr">
+                      <a:solidFill>
+                        <a:schemeClr val="accent5">
+                          <a:lumMod val="20000"/>
+                          <a:lumOff val="80000"/>
+                        </a:schemeClr>
+                      </a:solidFill>
+                      <a:prstDash val="solid"/>
+                      <a:round/>
+                      <a:headEnd type="none" w="med" len="med"/>
+                      <a:tailEnd type="none" w="med" len="med"/>
+                    </a:lnL>
+                    <a:lnR w="28575" cap="flat" cmpd="sng" algn="ctr">
+                      <a:solidFill>
+                        <a:schemeClr val="accent5">
+                          <a:lumMod val="20000"/>
+                          <a:lumOff val="80000"/>
+                        </a:schemeClr>
+                      </a:solidFill>
+                      <a:prstDash val="solid"/>
+                      <a:round/>
+                      <a:headEnd type="none" w="med" len="med"/>
+                      <a:tailEnd type="none" w="med" len="med"/>
+                    </a:lnR>
+                    <a:lnT w="28575" cap="flat" cmpd="sng" algn="ctr">
+                      <a:solidFill>
+                        <a:schemeClr val="accent5">
+                          <a:lumMod val="20000"/>
+                          <a:lumOff val="80000"/>
+                        </a:schemeClr>
+                      </a:solidFill>
+                      <a:prstDash val="solid"/>
+                      <a:round/>
+                      <a:headEnd type="none" w="med" len="med"/>
+                      <a:tailEnd type="none" w="med" len="med"/>
+                    </a:lnT>
+                    <a:lnB w="28575" cap="flat" cmpd="sng" algn="ctr">
+                      <a:solidFill>
+                        <a:schemeClr val="accent5">
+                          <a:lumMod val="20000"/>
+                          <a:lumOff val="80000"/>
+                        </a:schemeClr>
+                      </a:solidFill>
+                      <a:prstDash val="solid"/>
+                      <a:round/>
+                      <a:headEnd type="none" w="med" len="med"/>
+                      <a:tailEnd type="none" w="med" len="med"/>
+                    </a:lnB>
+                    <a:lnTlToBr>
+                      <a:noFill/>
+                    </a:lnTlToBr>
+                    <a:lnBlToTr>
+                      <a:noFill/>
+                    </a:lnBlToTr>
+                    <a:noFill/>
+                  </a:tcPr>
+                </a:tc>
+              </a:tr>
+              <a:tr h="633654">
+                <a:tc>
+                  <a:txBody>
+                    <a:bodyPr/>
+                    <a:lstStyle/>
+                    <a:p>
+                      <a:pPr marL="0" marR="0" lvl="0" indent="0" algn="ctr" defTabSz="914400" rtl="0" eaLnBrk="0" fontAlgn="base" latinLnBrk="0" hangingPunct="0">
+                        <a:lnSpc>
+                          <a:spcPct val="95000"/>
+                        </a:lnSpc>
+                        <a:spcBef>
+                          <a:spcPct val="40000"/>
+                        </a:spcBef>
+                        <a:spcAft>
+                          <a:spcPct val="0"/>
+                        </a:spcAft>
+                        <a:buClr>
+                          <a:schemeClr val="tx1"/>
+                        </a:buClr>
+                        <a:buSzTx/>
+                        <a:buFontTx/>
+                        <a:buNone/>
+                        <a:tabLst/>
+                      </a:pPr>
+                      <a:r>
+                        <a:rPr kumimoji="1" lang="en-US" sz="2400" b="1" i="0" u="none" strike="noStrike" cap="none" normalizeH="0" baseline="0" smtClean="0">
+                          <a:ln>
+                            <a:noFill/>
+                          </a:ln>
+                          <a:solidFill>
+                            <a:schemeClr val="tx1"/>
+                          </a:solidFill>
+                          <a:effectLst/>
+                          <a:latin typeface="+mn-lt"/>
+                        </a:rPr>
+                        <a:t>Report Design</a:t>
+                      </a:r>
+                      <a:endParaRPr kumimoji="1" lang="bg-BG" sz="2400" b="1" i="0" u="none" strike="noStrike" cap="none" normalizeH="0" baseline="0" dirty="0" smtClean="0">
+                        <a:ln>
+                          <a:noFill/>
+                        </a:ln>
+                        <a:solidFill>
+                          <a:schemeClr val="tx1"/>
+                        </a:solidFill>
+                        <a:effectLst/>
+                        <a:latin typeface="+mn-lt"/>
+                      </a:endParaRPr>
+                    </a:p>
+                  </a:txBody>
+                  <a:tcPr marL="91464" marR="91464" anchor="ctr" horzOverflow="overflow">
+                    <a:lnL w="28575" cap="flat" cmpd="sng" algn="ctr">
+                      <a:solidFill>
+                        <a:schemeClr val="accent5">
+                          <a:lumMod val="20000"/>
+                          <a:lumOff val="80000"/>
+                        </a:schemeClr>
+                      </a:solidFill>
+                      <a:prstDash val="solid"/>
+                      <a:round/>
+                      <a:headEnd type="none" w="med" len="med"/>
+                      <a:tailEnd type="none" w="med" len="med"/>
+                    </a:lnL>
+                    <a:lnR w="28575" cap="flat" cmpd="sng" algn="ctr">
+                      <a:solidFill>
+                        <a:schemeClr val="accent5">
+                          <a:lumMod val="20000"/>
+                          <a:lumOff val="80000"/>
+                        </a:schemeClr>
+                      </a:solidFill>
+                      <a:prstDash val="solid"/>
+                      <a:round/>
+                      <a:headEnd type="none" w="med" len="med"/>
+                      <a:tailEnd type="none" w="med" len="med"/>
+                    </a:lnR>
+                    <a:lnT w="28575" cap="flat" cmpd="sng" algn="ctr">
+                      <a:solidFill>
+                        <a:schemeClr val="accent5">
+                          <a:lumMod val="20000"/>
+                          <a:lumOff val="80000"/>
+                        </a:schemeClr>
+                      </a:solidFill>
+                      <a:prstDash val="solid"/>
+                      <a:round/>
+                      <a:headEnd type="none" w="med" len="med"/>
+                      <a:tailEnd type="none" w="med" len="med"/>
+                    </a:lnT>
+                    <a:lnB w="28575" cap="flat" cmpd="sng" algn="ctr">
+                      <a:solidFill>
+                        <a:schemeClr val="accent5">
+                          <a:lumMod val="20000"/>
+                          <a:lumOff val="80000"/>
+                        </a:schemeClr>
+                      </a:solidFill>
+                      <a:prstDash val="solid"/>
+                      <a:round/>
+                      <a:headEnd type="none" w="med" len="med"/>
+                      <a:tailEnd type="none" w="med" len="med"/>
+                    </a:lnB>
+                    <a:lnTlToBr>
+                      <a:noFill/>
+                    </a:lnTlToBr>
+                    <a:lnBlToTr>
+                      <a:noFill/>
+                    </a:lnBlToTr>
+                    <a:noFill/>
+                  </a:tcPr>
+                </a:tc>
+                <a:tc>
+                  <a:txBody>
+                    <a:bodyPr/>
+                    <a:lstStyle/>
+                    <a:p>
+                      <a:pPr marL="0" marR="0" lvl="0" indent="0" algn="l" defTabSz="914400" rtl="0" eaLnBrk="0" fontAlgn="base" latinLnBrk="0" hangingPunct="0">
+                        <a:lnSpc>
+                          <a:spcPct val="95000"/>
+                        </a:lnSpc>
+                        <a:spcBef>
+                          <a:spcPct val="40000"/>
+                        </a:spcBef>
+                        <a:spcAft>
+                          <a:spcPct val="0"/>
+                        </a:spcAft>
+                        <a:buClr>
+                          <a:schemeClr val="tx1"/>
+                        </a:buClr>
+                        <a:buSzTx/>
+                        <a:buFontTx/>
+                        <a:buNone/>
+                        <a:tabLst/>
+                      </a:pPr>
+                      <a:r>
+                        <a:rPr kumimoji="1" lang="ru-RU" sz="2400" b="0" i="0" u="none" strike="noStrike" cap="none" normalizeH="0" baseline="0" dirty="0" smtClean="0">
+                          <a:ln>
+                            <a:noFill/>
+                          </a:ln>
+                          <a:solidFill>
+                            <a:schemeClr val="tx1"/>
+                          </a:solidFill>
+                          <a:effectLst/>
+                          <a:latin typeface="+mn-lt"/>
+                        </a:rPr>
+                        <a:t>Отваря </a:t>
+                      </a:r>
+                      <a:r>
+                        <a:rPr kumimoji="1" lang="ru-RU" sz="2400" b="1" i="0" u="none" strike="noStrike" cap="none" normalizeH="0" baseline="0" dirty="0" smtClean="0">
+                          <a:ln>
+                            <a:noFill/>
+                          </a:ln>
+                          <a:solidFill>
+                            <a:schemeClr val="bg1"/>
+                          </a:solidFill>
+                          <a:effectLst/>
+                          <a:latin typeface="+mn-lt"/>
+                        </a:rPr>
+                        <a:t>празен</a:t>
+                      </a:r>
+                      <a:r>
+                        <a:rPr kumimoji="1" lang="ru-RU" sz="2400" b="0" i="0" u="none" strike="noStrike" cap="none" normalizeH="0" baseline="0" dirty="0" smtClean="0">
+                          <a:ln>
+                            <a:noFill/>
+                          </a:ln>
+                          <a:solidFill>
+                            <a:schemeClr val="tx1"/>
+                          </a:solidFill>
+                          <a:effectLst/>
+                          <a:latin typeface="+mn-lt"/>
+                        </a:rPr>
+                        <a:t> </a:t>
+                      </a:r>
+                      <a:r>
+                        <a:rPr kumimoji="1" lang="ru-RU" sz="2400" b="1" i="0" u="none" strike="noStrike" cap="none" normalizeH="0" baseline="0" dirty="0" smtClean="0">
+                          <a:ln>
+                            <a:noFill/>
+                          </a:ln>
+                          <a:solidFill>
+                            <a:schemeClr val="bg1"/>
+                          </a:solidFill>
+                          <a:effectLst/>
+                          <a:latin typeface="+mn-lt"/>
+                        </a:rPr>
+                        <a:t>отчет</a:t>
+                      </a:r>
+                      <a:r>
+                        <a:rPr kumimoji="1" lang="ru-RU" sz="2400" b="0" i="0" u="none" strike="noStrike" cap="none" normalizeH="0" baseline="0" dirty="0" smtClean="0">
+                          <a:ln>
+                            <a:noFill/>
+                          </a:ln>
+                          <a:solidFill>
+                            <a:schemeClr val="tx1"/>
+                          </a:solidFill>
+                          <a:effectLst/>
+                          <a:latin typeface="+mn-lt"/>
+                        </a:rPr>
+                        <a:t> в </a:t>
+                      </a:r>
+                      <a:r>
+                        <a:rPr kumimoji="1" lang="en-US" sz="2400" b="1" i="0" u="none" strike="noStrike" cap="none" normalizeH="0" baseline="0" dirty="0" smtClean="0">
+                          <a:ln>
+                            <a:noFill/>
+                          </a:ln>
+                          <a:solidFill>
+                            <a:schemeClr val="bg1"/>
+                          </a:solidFill>
+                          <a:effectLst/>
+                          <a:latin typeface="Consolas" pitchFamily="49" charset="0"/>
+                        </a:rPr>
+                        <a:t>Design</a:t>
+                      </a:r>
+                      <a:r>
+                        <a:rPr kumimoji="1" lang="en-US" sz="2400" b="0" i="0" u="none" strike="noStrike" cap="none" normalizeH="0" baseline="0" dirty="0" smtClean="0">
+                          <a:ln>
+                            <a:noFill/>
+                          </a:ln>
+                          <a:solidFill>
+                            <a:schemeClr val="tx1"/>
+                          </a:solidFill>
+                          <a:effectLst/>
+                          <a:latin typeface="+mn-lt"/>
+                        </a:rPr>
+                        <a:t> </a:t>
+                      </a:r>
+                      <a:r>
+                        <a:rPr kumimoji="1" lang="ru-RU" sz="2400" b="0" i="0" u="none" strike="noStrike" cap="none" normalizeH="0" baseline="0" dirty="0" smtClean="0">
+                          <a:ln>
+                            <a:noFill/>
+                          </a:ln>
+                          <a:solidFill>
+                            <a:schemeClr val="tx1"/>
+                          </a:solidFill>
+                          <a:effectLst/>
+                          <a:latin typeface="+mn-lt"/>
+                        </a:rPr>
+                        <a:t>изглед, към който можете да </a:t>
+                      </a:r>
+                      <a:r>
+                        <a:rPr kumimoji="1" lang="ru-RU" sz="2400" b="0" i="0" u="none" strike="noStrike" kern="1200" cap="none" normalizeH="0" baseline="0" dirty="0" smtClean="0">
+                          <a:ln>
+                            <a:noFill/>
+                          </a:ln>
+                          <a:solidFill>
+                            <a:schemeClr val="tx1"/>
+                          </a:solidFill>
+                          <a:effectLst/>
+                          <a:latin typeface="+mn-lt"/>
+                          <a:ea typeface="+mn-ea"/>
+                          <a:cs typeface="+mn-cs"/>
+                        </a:rPr>
+                        <a:t>добавите</a:t>
+                      </a:r>
+                      <a:r>
+                        <a:rPr kumimoji="1" lang="ru-RU" sz="2400" b="0" i="0" u="none" strike="noStrike" cap="none" normalizeH="0" baseline="0" dirty="0" smtClean="0">
+                          <a:ln>
+                            <a:noFill/>
+                          </a:ln>
+                          <a:solidFill>
+                            <a:schemeClr val="tx1"/>
+                          </a:solidFill>
+                          <a:effectLst/>
+                          <a:latin typeface="+mn-lt"/>
+                        </a:rPr>
+                        <a:t> </a:t>
+                      </a:r>
+                      <a:r>
+                        <a:rPr kumimoji="1" lang="ru-RU" sz="2400" b="1" i="0" u="none" strike="noStrike" cap="none" normalizeH="0" baseline="0" dirty="0" smtClean="0">
+                          <a:ln>
+                            <a:noFill/>
+                          </a:ln>
+                          <a:solidFill>
+                            <a:schemeClr val="bg1"/>
+                          </a:solidFill>
+                          <a:effectLst/>
+                          <a:latin typeface="+mn-lt"/>
+                        </a:rPr>
+                        <a:t>необходимите</a:t>
+                      </a:r>
+                      <a:r>
+                        <a:rPr kumimoji="1" lang="ru-RU" sz="2400" b="0" i="0" u="none" strike="noStrike" cap="none" normalizeH="0" baseline="0" dirty="0" smtClean="0">
+                          <a:ln>
+                            <a:noFill/>
+                          </a:ln>
+                          <a:solidFill>
+                            <a:schemeClr val="tx1"/>
+                          </a:solidFill>
+                          <a:effectLst/>
+                          <a:latin typeface="+mn-lt"/>
+                        </a:rPr>
+                        <a:t> </a:t>
+                      </a:r>
+                      <a:r>
+                        <a:rPr kumimoji="1" lang="ru-RU" sz="2400" b="1" i="0" u="none" strike="noStrike" cap="none" normalizeH="0" baseline="0" dirty="0" smtClean="0">
+                          <a:ln>
+                            <a:noFill/>
+                          </a:ln>
+                          <a:solidFill>
+                            <a:schemeClr val="bg1"/>
+                          </a:solidFill>
+                          <a:effectLst/>
+                          <a:latin typeface="+mn-lt"/>
+                        </a:rPr>
+                        <a:t>полета</a:t>
+                      </a:r>
+                      <a:r>
+                        <a:rPr kumimoji="1" lang="ru-RU" sz="2400" b="0" i="0" u="none" strike="noStrike" cap="none" normalizeH="0" baseline="0" dirty="0" smtClean="0">
+                          <a:ln>
+                            <a:noFill/>
+                          </a:ln>
+                          <a:solidFill>
+                            <a:schemeClr val="tx1"/>
+                          </a:solidFill>
+                          <a:effectLst/>
+                          <a:latin typeface="+mn-lt"/>
+                        </a:rPr>
+                        <a:t> и </a:t>
+                      </a:r>
+                      <a:r>
+                        <a:rPr kumimoji="1" lang="ru-RU" sz="2400" b="1" i="0" u="none" strike="noStrike" cap="none" normalizeH="0" baseline="0" dirty="0" smtClean="0">
+                          <a:ln>
+                            <a:noFill/>
+                          </a:ln>
+                          <a:solidFill>
+                            <a:schemeClr val="bg1"/>
+                          </a:solidFill>
+                          <a:effectLst/>
+                          <a:latin typeface="+mn-lt"/>
+                        </a:rPr>
+                        <a:t>контроли</a:t>
+                      </a:r>
+                      <a:endParaRPr kumimoji="1" lang="bg-BG" sz="2400" b="1" i="0" u="none" strike="noStrike" cap="none" normalizeH="0" baseline="0" dirty="0" smtClean="0">
+                        <a:ln>
+                          <a:noFill/>
+                        </a:ln>
+                        <a:solidFill>
+                          <a:schemeClr val="bg1"/>
+                        </a:solidFill>
+                        <a:effectLst/>
+                        <a:latin typeface="+mn-lt"/>
+                      </a:endParaRPr>
+                    </a:p>
+                  </a:txBody>
+                  <a:tcPr marL="91464" marR="91464" anchor="ctr" horzOverflow="overflow">
+                    <a:lnL w="28575" cap="flat" cmpd="sng" algn="ctr">
+                      <a:solidFill>
+                        <a:schemeClr val="accent5">
+                          <a:lumMod val="20000"/>
+                          <a:lumOff val="80000"/>
+                        </a:schemeClr>
+                      </a:solidFill>
+                      <a:prstDash val="solid"/>
+                      <a:round/>
+                      <a:headEnd type="none" w="med" len="med"/>
+                      <a:tailEnd type="none" w="med" len="med"/>
+                    </a:lnL>
+                    <a:lnR w="28575" cap="flat" cmpd="sng" algn="ctr">
+                      <a:solidFill>
+                        <a:schemeClr val="accent5">
+                          <a:lumMod val="20000"/>
+                          <a:lumOff val="80000"/>
+                        </a:schemeClr>
+                      </a:solidFill>
+                      <a:prstDash val="solid"/>
+                      <a:round/>
+                      <a:headEnd type="none" w="med" len="med"/>
+                      <a:tailEnd type="none" w="med" len="med"/>
+                    </a:lnR>
+                    <a:lnT w="28575" cap="flat" cmpd="sng" algn="ctr">
+                      <a:solidFill>
+                        <a:schemeClr val="accent5">
+                          <a:lumMod val="20000"/>
+                          <a:lumOff val="80000"/>
+                        </a:schemeClr>
+                      </a:solidFill>
+                      <a:prstDash val="solid"/>
+                      <a:round/>
+                      <a:headEnd type="none" w="med" len="med"/>
+                      <a:tailEnd type="none" w="med" len="med"/>
+                    </a:lnT>
+                    <a:lnB w="28575" cap="flat" cmpd="sng" algn="ctr">
+                      <a:solidFill>
+                        <a:schemeClr val="accent5">
+                          <a:lumMod val="20000"/>
+                          <a:lumOff val="80000"/>
+                        </a:schemeClr>
+                      </a:solidFill>
+                      <a:prstDash val="solid"/>
+                      <a:round/>
+                      <a:headEnd type="none" w="med" len="med"/>
+                      <a:tailEnd type="none" w="med" len="med"/>
+                    </a:lnB>
+                    <a:lnTlToBr>
+                      <a:noFill/>
+                    </a:lnTlToBr>
+                    <a:lnBlToTr>
+                      <a:noFill/>
+                    </a:lnBlToTr>
+                    <a:noFill/>
+                  </a:tcPr>
+                </a:tc>
+              </a:tr>
+              <a:tr h="913641">
+                <a:tc>
+                  <a:txBody>
+                    <a:bodyPr/>
+                    <a:lstStyle/>
+                    <a:p>
+                      <a:pPr marL="0" marR="0" lvl="0" indent="0" algn="ctr" defTabSz="914400" rtl="0" eaLnBrk="0" fontAlgn="base" latinLnBrk="0" hangingPunct="0">
+                        <a:lnSpc>
+                          <a:spcPct val="95000"/>
+                        </a:lnSpc>
+                        <a:spcBef>
+                          <a:spcPct val="40000"/>
+                        </a:spcBef>
+                        <a:spcAft>
+                          <a:spcPct val="0"/>
+                        </a:spcAft>
+                        <a:buClr>
+                          <a:schemeClr val="tx1"/>
+                        </a:buClr>
+                        <a:buSzTx/>
+                        <a:buFontTx/>
+                        <a:buNone/>
+                        <a:tabLst/>
+                      </a:pPr>
+                      <a:r>
+                        <a:rPr kumimoji="1" lang="en-US" sz="2400" b="1" i="0" u="none" strike="noStrike" cap="none" normalizeH="0" baseline="0" dirty="0" smtClean="0">
+                          <a:ln>
+                            <a:noFill/>
+                          </a:ln>
+                          <a:solidFill>
+                            <a:schemeClr val="tx1"/>
+                          </a:solidFill>
+                          <a:effectLst/>
+                          <a:latin typeface="+mn-lt"/>
+                        </a:rPr>
+                        <a:t>Blank Report</a:t>
+                      </a:r>
+                      <a:endParaRPr kumimoji="1" lang="bg-BG" sz="2400" b="1" i="0" u="none" strike="noStrike" cap="none" normalizeH="0" baseline="0" dirty="0" smtClean="0">
+                        <a:ln>
+                          <a:noFill/>
+                        </a:ln>
+                        <a:solidFill>
+                          <a:schemeClr val="tx1"/>
+                        </a:solidFill>
+                        <a:effectLst/>
+                        <a:latin typeface="+mn-lt"/>
+                      </a:endParaRPr>
+                    </a:p>
+                  </a:txBody>
+                  <a:tcPr marL="91464" marR="91464" anchor="ctr" horzOverflow="overflow">
+                    <a:lnL w="28575" cap="flat" cmpd="sng" algn="ctr">
+                      <a:solidFill>
+                        <a:schemeClr val="accent5">
+                          <a:lumMod val="20000"/>
+                          <a:lumOff val="80000"/>
+                        </a:schemeClr>
+                      </a:solidFill>
+                      <a:prstDash val="solid"/>
+                      <a:round/>
+                      <a:headEnd type="none" w="med" len="med"/>
+                      <a:tailEnd type="none" w="med" len="med"/>
+                    </a:lnL>
+                    <a:lnR w="28575" cap="flat" cmpd="sng" algn="ctr">
+                      <a:solidFill>
+                        <a:schemeClr val="accent5">
+                          <a:lumMod val="20000"/>
+                          <a:lumOff val="80000"/>
+                        </a:schemeClr>
+                      </a:solidFill>
+                      <a:prstDash val="solid"/>
+                      <a:round/>
+                      <a:headEnd type="none" w="med" len="med"/>
+                      <a:tailEnd type="none" w="med" len="med"/>
+                    </a:lnR>
+                    <a:lnT w="28575" cap="flat" cmpd="sng" algn="ctr">
+                      <a:solidFill>
+                        <a:schemeClr val="accent5">
+                          <a:lumMod val="20000"/>
+                          <a:lumOff val="80000"/>
+                        </a:schemeClr>
+                      </a:solidFill>
+                      <a:prstDash val="solid"/>
+                      <a:round/>
+                      <a:headEnd type="none" w="med" len="med"/>
+                      <a:tailEnd type="none" w="med" len="med"/>
+                    </a:lnT>
+                    <a:lnB w="28575" cap="flat" cmpd="sng" algn="ctr">
+                      <a:solidFill>
+                        <a:schemeClr val="accent5">
+                          <a:lumMod val="20000"/>
+                          <a:lumOff val="80000"/>
+                        </a:schemeClr>
+                      </a:solidFill>
+                      <a:prstDash val="solid"/>
+                      <a:round/>
+                      <a:headEnd type="none" w="med" len="med"/>
+                      <a:tailEnd type="none" w="med" len="med"/>
+                    </a:lnB>
+                    <a:lnTlToBr>
+                      <a:noFill/>
+                    </a:lnTlToBr>
+                    <a:lnBlToTr>
+                      <a:noFill/>
+                    </a:lnBlToTr>
+                    <a:noFill/>
+                  </a:tcPr>
+                </a:tc>
+                <a:tc>
+                  <a:txBody>
+                    <a:bodyPr/>
+                    <a:lstStyle/>
+                    <a:p>
+                      <a:pPr marL="0" marR="0" lvl="0" indent="0" algn="l" defTabSz="914400" rtl="0" eaLnBrk="0" fontAlgn="base" latinLnBrk="0" hangingPunct="0">
+                        <a:lnSpc>
+                          <a:spcPct val="95000"/>
+                        </a:lnSpc>
+                        <a:spcBef>
+                          <a:spcPct val="40000"/>
+                        </a:spcBef>
+                        <a:spcAft>
+                          <a:spcPct val="0"/>
+                        </a:spcAft>
+                        <a:buClr>
+                          <a:schemeClr val="tx1"/>
+                        </a:buClr>
+                        <a:buSzTx/>
+                        <a:buFontTx/>
+                        <a:buNone/>
+                        <a:tabLst/>
+                      </a:pPr>
+                      <a:r>
+                        <a:rPr kumimoji="1" lang="ru-RU" sz="2400" b="0" i="0" u="none" strike="noStrike" cap="none" normalizeH="0" baseline="0" dirty="0" smtClean="0">
+                          <a:ln>
+                            <a:noFill/>
+                          </a:ln>
+                          <a:solidFill>
+                            <a:schemeClr val="tx1"/>
+                          </a:solidFill>
+                          <a:effectLst/>
+                          <a:latin typeface="+mn-lt"/>
+                        </a:rPr>
+                        <a:t>Отваря </a:t>
+                      </a:r>
+                      <a:r>
+                        <a:rPr kumimoji="1" lang="ru-RU" sz="2400" b="1" i="0" u="none" strike="noStrike" cap="none" normalizeH="0" baseline="0" dirty="0" smtClean="0">
+                          <a:ln>
+                            <a:noFill/>
+                          </a:ln>
+                          <a:solidFill>
+                            <a:schemeClr val="bg1"/>
+                          </a:solidFill>
+                          <a:effectLst/>
+                          <a:latin typeface="+mn-lt"/>
+                        </a:rPr>
+                        <a:t>празен</a:t>
+                      </a:r>
+                      <a:r>
+                        <a:rPr kumimoji="1" lang="ru-RU" sz="2400" b="0" i="0" u="none" strike="noStrike" cap="none" normalizeH="0" baseline="0" dirty="0" smtClean="0">
+                          <a:ln>
+                            <a:noFill/>
+                          </a:ln>
+                          <a:solidFill>
+                            <a:schemeClr val="tx1"/>
+                          </a:solidFill>
+                          <a:effectLst/>
+                          <a:latin typeface="+mn-lt"/>
+                        </a:rPr>
+                        <a:t> </a:t>
+                      </a:r>
+                      <a:r>
+                        <a:rPr kumimoji="1" lang="ru-RU" sz="2400" b="1" i="0" u="none" strike="noStrike" cap="none" normalizeH="0" baseline="0" dirty="0" smtClean="0">
+                          <a:ln>
+                            <a:noFill/>
+                          </a:ln>
+                          <a:solidFill>
+                            <a:schemeClr val="bg1"/>
+                          </a:solidFill>
+                          <a:effectLst/>
+                          <a:latin typeface="+mn-lt"/>
+                        </a:rPr>
+                        <a:t>отчет</a:t>
+                      </a:r>
+                      <a:r>
+                        <a:rPr kumimoji="1" lang="ru-RU" sz="2400" b="0" i="0" u="none" strike="noStrike" cap="none" normalizeH="0" baseline="0" dirty="0" smtClean="0">
+                          <a:ln>
+                            <a:noFill/>
+                          </a:ln>
+                          <a:solidFill>
+                            <a:schemeClr val="tx1"/>
+                          </a:solidFill>
+                          <a:effectLst/>
+                          <a:latin typeface="+mn-lt"/>
+                        </a:rPr>
+                        <a:t> в</a:t>
+                      </a:r>
+                      <a:r>
+                        <a:rPr kumimoji="1" lang="en-US" sz="2400" b="0" i="0" u="none" strike="noStrike" cap="none" normalizeH="0" baseline="0" dirty="0" smtClean="0">
+                          <a:ln>
+                            <a:noFill/>
+                          </a:ln>
+                          <a:solidFill>
+                            <a:schemeClr val="tx1"/>
+                          </a:solidFill>
+                          <a:effectLst/>
+                          <a:latin typeface="+mn-lt"/>
+                        </a:rPr>
+                        <a:t> </a:t>
+                      </a:r>
+                      <a:r>
+                        <a:rPr kumimoji="1" lang="en-US" sz="2400" b="1" i="0" u="none" strike="noStrike" kern="1200" cap="none" normalizeH="0" baseline="0" dirty="0" smtClean="0">
+                          <a:ln>
+                            <a:noFill/>
+                          </a:ln>
+                          <a:solidFill>
+                            <a:schemeClr val="bg1"/>
+                          </a:solidFill>
+                          <a:effectLst/>
+                          <a:latin typeface="Consolas" pitchFamily="49" charset="0"/>
+                          <a:ea typeface="+mn-ea"/>
+                          <a:cs typeface="+mn-cs"/>
+                        </a:rPr>
+                        <a:t>Layout</a:t>
+                      </a:r>
+                      <a:r>
+                        <a:rPr kumimoji="1" lang="ru-RU" sz="2400" b="0" i="0" u="none" strike="noStrike" cap="none" normalizeH="0" baseline="0" dirty="0" smtClean="0">
+                          <a:ln>
+                            <a:noFill/>
+                          </a:ln>
+                          <a:solidFill>
+                            <a:schemeClr val="tx1"/>
+                          </a:solidFill>
+                          <a:effectLst/>
+                          <a:latin typeface="+mn-lt"/>
+                        </a:rPr>
+                        <a:t> към който можете да добавяте </a:t>
+                      </a:r>
+                      <a:r>
+                        <a:rPr kumimoji="1" lang="ru-RU" sz="2400" b="1" i="0" u="none" strike="noStrike" cap="none" normalizeH="0" baseline="0" dirty="0" smtClean="0">
+                          <a:ln>
+                            <a:noFill/>
+                          </a:ln>
+                          <a:solidFill>
+                            <a:schemeClr val="bg1"/>
+                          </a:solidFill>
+                          <a:effectLst/>
+                          <a:latin typeface="+mn-lt"/>
+                        </a:rPr>
+                        <a:t>полета</a:t>
+                      </a:r>
+                      <a:endParaRPr kumimoji="1" lang="bg-BG" sz="2400" b="1" i="0" u="none" strike="noStrike" cap="none" normalizeH="0" baseline="0" dirty="0" smtClean="0">
+                        <a:ln>
+                          <a:noFill/>
+                        </a:ln>
+                        <a:solidFill>
+                          <a:schemeClr val="bg1"/>
+                        </a:solidFill>
+                        <a:effectLst/>
+                        <a:latin typeface="+mn-lt"/>
+                      </a:endParaRPr>
+                    </a:p>
+                  </a:txBody>
+                  <a:tcPr marL="91464" marR="91464" anchor="ctr" horzOverflow="overflow">
+                    <a:lnL w="28575" cap="flat" cmpd="sng" algn="ctr">
+                      <a:solidFill>
+                        <a:schemeClr val="accent5">
+                          <a:lumMod val="20000"/>
+                          <a:lumOff val="80000"/>
+                        </a:schemeClr>
+                      </a:solidFill>
+                      <a:prstDash val="solid"/>
+                      <a:round/>
+                      <a:headEnd type="none" w="med" len="med"/>
+                      <a:tailEnd type="none" w="med" len="med"/>
+                    </a:lnL>
+                    <a:lnR w="28575" cap="flat" cmpd="sng" algn="ctr">
+                      <a:solidFill>
+                        <a:schemeClr val="accent5">
+                          <a:lumMod val="20000"/>
+                          <a:lumOff val="80000"/>
+                        </a:schemeClr>
+                      </a:solidFill>
+                      <a:prstDash val="solid"/>
+                      <a:round/>
+                      <a:headEnd type="none" w="med" len="med"/>
+                      <a:tailEnd type="none" w="med" len="med"/>
+                    </a:lnR>
+                    <a:lnT w="28575" cap="flat" cmpd="sng" algn="ctr">
+                      <a:solidFill>
+                        <a:schemeClr val="accent5">
+                          <a:lumMod val="20000"/>
+                          <a:lumOff val="80000"/>
+                        </a:schemeClr>
+                      </a:solidFill>
+                      <a:prstDash val="solid"/>
+                      <a:round/>
+                      <a:headEnd type="none" w="med" len="med"/>
+                      <a:tailEnd type="none" w="med" len="med"/>
+                    </a:lnT>
+                    <a:lnB w="28575" cap="flat" cmpd="sng" algn="ctr">
+                      <a:solidFill>
+                        <a:schemeClr val="accent5">
+                          <a:lumMod val="20000"/>
+                          <a:lumOff val="80000"/>
+                        </a:schemeClr>
+                      </a:solidFill>
+                      <a:prstDash val="solid"/>
+                      <a:round/>
+                      <a:headEnd type="none" w="med" len="med"/>
+                      <a:tailEnd type="none" w="med" len="med"/>
+                    </a:lnB>
+                    <a:lnTlToBr>
+                      <a:noFill/>
+                    </a:lnTlToBr>
+                    <a:lnBlToTr>
+                      <a:noFill/>
+                    </a:lnBlToTr>
+                    <a:noFill/>
+                  </a:tcPr>
+                </a:tc>
+              </a:tr>
+              <a:tr h="913641">
+                <a:tc>
+                  <a:txBody>
+                    <a:bodyPr/>
+                    <a:lstStyle/>
+                    <a:p>
+                      <a:pPr marL="0" marR="0" lvl="0" indent="0" algn="ctr" defTabSz="914400" rtl="0" eaLnBrk="0" fontAlgn="base" latinLnBrk="0" hangingPunct="0">
+                        <a:lnSpc>
+                          <a:spcPct val="95000"/>
+                        </a:lnSpc>
+                        <a:spcBef>
+                          <a:spcPct val="40000"/>
+                        </a:spcBef>
+                        <a:spcAft>
+                          <a:spcPct val="0"/>
+                        </a:spcAft>
+                        <a:buClr>
+                          <a:schemeClr val="tx1"/>
+                        </a:buClr>
+                        <a:buSzTx/>
+                        <a:buFontTx/>
+                        <a:buNone/>
+                        <a:tabLst/>
+                      </a:pPr>
+                      <a:r>
+                        <a:rPr kumimoji="1" lang="en-US" sz="2400" b="1" i="0" u="none" strike="noStrike" cap="none" normalizeH="0" baseline="0" dirty="0" smtClean="0">
+                          <a:ln>
+                            <a:noFill/>
+                          </a:ln>
+                          <a:solidFill>
+                            <a:schemeClr val="tx1"/>
+                          </a:solidFill>
+                          <a:effectLst/>
+                          <a:latin typeface="+mn-lt"/>
+                        </a:rPr>
+                        <a:t>Report Wizard</a:t>
+                      </a:r>
+                      <a:endParaRPr kumimoji="1" lang="bg-BG" sz="2400" b="1" i="0" u="none" strike="noStrike" cap="none" normalizeH="0" baseline="0" dirty="0" smtClean="0">
+                        <a:ln>
+                          <a:noFill/>
+                        </a:ln>
+                        <a:solidFill>
+                          <a:schemeClr val="tx1"/>
+                        </a:solidFill>
+                        <a:effectLst/>
+                        <a:latin typeface="+mn-lt"/>
+                      </a:endParaRPr>
+                    </a:p>
+                  </a:txBody>
+                  <a:tcPr marL="91464" marR="91464" anchor="ctr" horzOverflow="overflow">
+                    <a:lnL w="28575" cap="flat" cmpd="sng" algn="ctr">
+                      <a:solidFill>
+                        <a:schemeClr val="accent5">
+                          <a:lumMod val="20000"/>
+                          <a:lumOff val="80000"/>
+                        </a:schemeClr>
+                      </a:solidFill>
+                      <a:prstDash val="solid"/>
+                      <a:round/>
+                      <a:headEnd type="none" w="med" len="med"/>
+                      <a:tailEnd type="none" w="med" len="med"/>
+                    </a:lnL>
+                    <a:lnR w="28575" cap="flat" cmpd="sng" algn="ctr">
+                      <a:solidFill>
+                        <a:schemeClr val="accent5">
+                          <a:lumMod val="20000"/>
+                          <a:lumOff val="80000"/>
+                        </a:schemeClr>
+                      </a:solidFill>
+                      <a:prstDash val="solid"/>
+                      <a:round/>
+                      <a:headEnd type="none" w="med" len="med"/>
+                      <a:tailEnd type="none" w="med" len="med"/>
+                    </a:lnR>
+                    <a:lnT w="28575" cap="flat" cmpd="sng" algn="ctr">
+                      <a:solidFill>
+                        <a:schemeClr val="accent5">
+                          <a:lumMod val="20000"/>
+                          <a:lumOff val="80000"/>
+                        </a:schemeClr>
+                      </a:solidFill>
+                      <a:prstDash val="solid"/>
+                      <a:round/>
+                      <a:headEnd type="none" w="med" len="med"/>
+                      <a:tailEnd type="none" w="med" len="med"/>
+                    </a:lnT>
+                    <a:lnB w="28575" cap="flat" cmpd="sng" algn="ctr">
+                      <a:solidFill>
+                        <a:schemeClr val="accent5">
+                          <a:lumMod val="20000"/>
+                          <a:lumOff val="80000"/>
+                        </a:schemeClr>
+                      </a:solidFill>
+                      <a:prstDash val="solid"/>
+                      <a:round/>
+                      <a:headEnd type="none" w="med" len="med"/>
+                      <a:tailEnd type="none" w="med" len="med"/>
+                    </a:lnB>
+                    <a:lnTlToBr>
+                      <a:noFill/>
+                    </a:lnTlToBr>
+                    <a:lnBlToTr>
+                      <a:noFill/>
+                    </a:lnBlToTr>
+                    <a:noFill/>
+                  </a:tcPr>
+                </a:tc>
+                <a:tc>
+                  <a:txBody>
+                    <a:bodyPr/>
+                    <a:lstStyle/>
+                    <a:p>
+                      <a:pPr marL="0" marR="0" lvl="0" indent="0" algn="l" defTabSz="914400" rtl="0" eaLnBrk="0" fontAlgn="base" latinLnBrk="0" hangingPunct="0">
+                        <a:lnSpc>
+                          <a:spcPct val="95000"/>
+                        </a:lnSpc>
+                        <a:spcBef>
+                          <a:spcPct val="40000"/>
+                        </a:spcBef>
+                        <a:spcAft>
+                          <a:spcPct val="0"/>
+                        </a:spcAft>
+                        <a:buClr>
+                          <a:schemeClr val="tx1"/>
+                        </a:buClr>
+                        <a:buSzTx/>
+                        <a:buFontTx/>
+                        <a:buNone/>
+                        <a:tabLst/>
+                      </a:pPr>
+                      <a:r>
+                        <a:rPr kumimoji="1" lang="ru-RU" sz="2400" b="0" i="0" u="none" strike="noStrike" cap="none" normalizeH="0" baseline="0" dirty="0" smtClean="0">
+                          <a:ln>
+                            <a:noFill/>
+                          </a:ln>
+                          <a:solidFill>
+                            <a:schemeClr val="tx1"/>
+                          </a:solidFill>
+                          <a:effectLst/>
+                          <a:latin typeface="+mn-lt"/>
+                        </a:rPr>
+                        <a:t>Помага ви да зададете </a:t>
+                      </a:r>
+                      <a:r>
+                        <a:rPr kumimoji="1" lang="ru-RU" sz="2400" b="1" i="0" u="none" strike="noStrike" cap="none" normalizeH="0" baseline="0" dirty="0" smtClean="0">
+                          <a:ln>
+                            <a:noFill/>
+                          </a:ln>
+                          <a:solidFill>
+                            <a:schemeClr val="bg1"/>
+                          </a:solidFill>
+                          <a:effectLst/>
+                          <a:latin typeface="+mn-lt"/>
+                        </a:rPr>
+                        <a:t>полета</a:t>
+                      </a:r>
+                      <a:r>
+                        <a:rPr kumimoji="1" lang="ru-RU" sz="2400" b="0" i="0" u="none" strike="noStrike" cap="none" normalizeH="0" baseline="0" dirty="0" smtClean="0">
+                          <a:ln>
+                            <a:noFill/>
+                          </a:ln>
+                          <a:solidFill>
+                            <a:schemeClr val="tx1"/>
+                          </a:solidFill>
+                          <a:effectLst/>
+                          <a:latin typeface="+mn-lt"/>
+                        </a:rPr>
+                        <a:t>, </a:t>
+                      </a:r>
+                      <a:r>
+                        <a:rPr kumimoji="1" lang="ru-RU" sz="2400" b="1" i="0" u="none" strike="noStrike" cap="none" normalizeH="0" baseline="0" dirty="0" smtClean="0">
+                          <a:ln>
+                            <a:noFill/>
+                          </a:ln>
+                          <a:solidFill>
+                            <a:schemeClr val="bg1"/>
+                          </a:solidFill>
+                          <a:effectLst/>
+                          <a:latin typeface="+mn-lt"/>
+                        </a:rPr>
+                        <a:t>нива</a:t>
+                      </a:r>
+                      <a:r>
+                        <a:rPr kumimoji="1" lang="ru-RU" sz="2400" b="0" i="0" u="none" strike="noStrike" cap="none" normalizeH="0" baseline="0" dirty="0" smtClean="0">
+                          <a:ln>
+                            <a:noFill/>
+                          </a:ln>
+                          <a:solidFill>
+                            <a:schemeClr val="tx1"/>
+                          </a:solidFill>
+                          <a:effectLst/>
+                          <a:latin typeface="+mn-lt"/>
+                        </a:rPr>
+                        <a:t> на </a:t>
+                      </a:r>
+                      <a:r>
+                        <a:rPr kumimoji="1" lang="ru-RU" sz="2400" b="1" i="0" u="none" strike="noStrike" cap="none" normalizeH="0" baseline="0" dirty="0" smtClean="0">
+                          <a:ln>
+                            <a:noFill/>
+                          </a:ln>
+                          <a:solidFill>
+                            <a:schemeClr val="bg1"/>
+                          </a:solidFill>
+                          <a:effectLst/>
+                          <a:latin typeface="+mn-lt"/>
+                        </a:rPr>
+                        <a:t>групиране </a:t>
+                      </a:r>
+                      <a:r>
+                        <a:rPr kumimoji="1" lang="ru-RU" sz="2400" b="0" i="0" u="none" strike="noStrike" kern="1200" cap="none" normalizeH="0" baseline="0" dirty="0" smtClean="0">
+                          <a:ln>
+                            <a:noFill/>
+                          </a:ln>
+                          <a:solidFill>
+                            <a:schemeClr val="tx1"/>
+                          </a:solidFill>
+                          <a:effectLst/>
+                          <a:latin typeface="+mn-lt"/>
+                          <a:ea typeface="+mn-ea"/>
+                          <a:cs typeface="+mn-cs"/>
+                        </a:rPr>
+                        <a:t>/ </a:t>
+                      </a:r>
+                      <a:r>
+                        <a:rPr kumimoji="1" lang="ru-RU" sz="2400" b="1" i="0" u="none" strike="noStrike" cap="none" normalizeH="0" baseline="0" dirty="0" smtClean="0">
+                          <a:ln>
+                            <a:noFill/>
+                          </a:ln>
+                          <a:solidFill>
+                            <a:schemeClr val="bg1"/>
+                          </a:solidFill>
+                          <a:effectLst/>
+                          <a:latin typeface="+mn-lt"/>
+                        </a:rPr>
+                        <a:t>сортиране</a:t>
+                      </a:r>
+                      <a:r>
+                        <a:rPr kumimoji="1" lang="ru-RU" sz="2400" b="0" i="0" u="none" strike="noStrike" cap="none" normalizeH="0" baseline="0" dirty="0" smtClean="0">
+                          <a:ln>
+                            <a:noFill/>
+                          </a:ln>
+                          <a:solidFill>
+                            <a:schemeClr val="tx1"/>
+                          </a:solidFill>
+                          <a:effectLst/>
+                          <a:latin typeface="+mn-lt"/>
+                        </a:rPr>
+                        <a:t> и опции за </a:t>
+                      </a:r>
+                      <a:r>
+                        <a:rPr kumimoji="1" lang="ru-RU" sz="2400" b="1" i="0" u="none" strike="noStrike" cap="none" normalizeH="0" baseline="0" dirty="0" smtClean="0">
+                          <a:ln>
+                            <a:noFill/>
+                          </a:ln>
+                          <a:solidFill>
+                            <a:schemeClr val="bg1"/>
+                          </a:solidFill>
+                          <a:effectLst/>
+                          <a:latin typeface="+mn-lt"/>
+                        </a:rPr>
+                        <a:t>оформление</a:t>
+                      </a:r>
+                      <a:endParaRPr kumimoji="1" lang="bg-BG" sz="2400" b="1" i="0" u="none" strike="noStrike" cap="none" normalizeH="0" baseline="0" dirty="0" smtClean="0">
+                        <a:ln>
+                          <a:noFill/>
+                        </a:ln>
+                        <a:solidFill>
+                          <a:schemeClr val="bg1"/>
+                        </a:solidFill>
+                        <a:effectLst/>
+                        <a:latin typeface="+mn-lt"/>
+                      </a:endParaRPr>
+                    </a:p>
+                  </a:txBody>
+                  <a:tcPr marL="91464" marR="91464" anchor="ctr" horzOverflow="overflow">
+                    <a:lnL w="28575" cap="flat" cmpd="sng" algn="ctr">
+                      <a:solidFill>
+                        <a:schemeClr val="accent5">
+                          <a:lumMod val="20000"/>
+                          <a:lumOff val="80000"/>
+                        </a:schemeClr>
+                      </a:solidFill>
+                      <a:prstDash val="solid"/>
+                      <a:round/>
+                      <a:headEnd type="none" w="med" len="med"/>
+                      <a:tailEnd type="none" w="med" len="med"/>
+                    </a:lnL>
+                    <a:lnR w="28575" cap="flat" cmpd="sng" algn="ctr">
+                      <a:solidFill>
+                        <a:schemeClr val="accent5">
+                          <a:lumMod val="20000"/>
+                          <a:lumOff val="80000"/>
+                        </a:schemeClr>
+                      </a:solidFill>
+                      <a:prstDash val="solid"/>
+                      <a:round/>
+                      <a:headEnd type="none" w="med" len="med"/>
+                      <a:tailEnd type="none" w="med" len="med"/>
+                    </a:lnR>
+                    <a:lnT w="28575" cap="flat" cmpd="sng" algn="ctr">
+                      <a:solidFill>
+                        <a:schemeClr val="accent5">
+                          <a:lumMod val="20000"/>
+                          <a:lumOff val="80000"/>
+                        </a:schemeClr>
+                      </a:solidFill>
+                      <a:prstDash val="solid"/>
+                      <a:round/>
+                      <a:headEnd type="none" w="med" len="med"/>
+                      <a:tailEnd type="none" w="med" len="med"/>
+                    </a:lnT>
+                    <a:lnB w="28575" cap="flat" cmpd="sng" algn="ctr">
+                      <a:solidFill>
+                        <a:schemeClr val="accent5">
+                          <a:lumMod val="20000"/>
+                          <a:lumOff val="80000"/>
+                        </a:schemeClr>
+                      </a:solidFill>
+                      <a:prstDash val="solid"/>
+                      <a:round/>
+                      <a:headEnd type="none" w="med" len="med"/>
+                      <a:tailEnd type="none" w="med" len="med"/>
+                    </a:lnB>
+                    <a:lnTlToBr>
+                      <a:noFill/>
+                    </a:lnTlToBr>
+                    <a:lnBlToTr>
+                      <a:noFill/>
+                    </a:lnBlToTr>
+                    <a:noFill/>
+                  </a:tcPr>
+                </a:tc>
+              </a:tr>
+              <a:tr h="1193627">
+                <a:tc>
+                  <a:txBody>
+                    <a:bodyPr/>
+                    <a:lstStyle/>
+                    <a:p>
+                      <a:pPr marL="0" marR="0" lvl="0" indent="0" algn="ctr" defTabSz="914400" rtl="0" eaLnBrk="0" fontAlgn="base" latinLnBrk="0" hangingPunct="0">
+                        <a:lnSpc>
+                          <a:spcPct val="95000"/>
+                        </a:lnSpc>
+                        <a:spcBef>
+                          <a:spcPct val="40000"/>
+                        </a:spcBef>
+                        <a:spcAft>
+                          <a:spcPct val="0"/>
+                        </a:spcAft>
+                        <a:buClr>
+                          <a:schemeClr val="tx1"/>
+                        </a:buClr>
+                        <a:buSzTx/>
+                        <a:buFontTx/>
+                        <a:buNone/>
+                        <a:tabLst/>
+                      </a:pPr>
+                      <a:r>
+                        <a:rPr kumimoji="1" lang="en-US" sz="2400" b="1" i="0" u="none" strike="noStrike" cap="none" normalizeH="0" baseline="0" dirty="0" smtClean="0">
+                          <a:ln>
+                            <a:noFill/>
+                          </a:ln>
+                          <a:solidFill>
+                            <a:schemeClr val="tx1"/>
+                          </a:solidFill>
+                          <a:effectLst/>
+                          <a:latin typeface="+mn-lt"/>
+                        </a:rPr>
+                        <a:t>Labels</a:t>
+                      </a:r>
+                      <a:endParaRPr kumimoji="1" lang="bg-BG" sz="2400" b="1" i="0" u="none" strike="noStrike" cap="none" normalizeH="0" baseline="0" dirty="0" smtClean="0">
+                        <a:ln>
+                          <a:noFill/>
+                        </a:ln>
+                        <a:solidFill>
+                          <a:schemeClr val="tx1"/>
+                        </a:solidFill>
+                        <a:effectLst/>
+                        <a:latin typeface="+mn-lt"/>
+                      </a:endParaRPr>
+                    </a:p>
+                  </a:txBody>
+                  <a:tcPr marL="91464" marR="91464" anchor="ctr" horzOverflow="overflow">
+                    <a:lnL w="28575" cap="flat" cmpd="sng" algn="ctr">
+                      <a:solidFill>
+                        <a:schemeClr val="accent5">
+                          <a:lumMod val="20000"/>
+                          <a:lumOff val="80000"/>
+                        </a:schemeClr>
+                      </a:solidFill>
+                      <a:prstDash val="solid"/>
+                      <a:round/>
+                      <a:headEnd type="none" w="med" len="med"/>
+                      <a:tailEnd type="none" w="med" len="med"/>
+                    </a:lnL>
+                    <a:lnR w="28575" cap="flat" cmpd="sng" algn="ctr">
+                      <a:solidFill>
+                        <a:schemeClr val="accent5">
+                          <a:lumMod val="20000"/>
+                          <a:lumOff val="80000"/>
+                        </a:schemeClr>
+                      </a:solidFill>
+                      <a:prstDash val="solid"/>
+                      <a:round/>
+                      <a:headEnd type="none" w="med" len="med"/>
+                      <a:tailEnd type="none" w="med" len="med"/>
+                    </a:lnR>
+                    <a:lnT w="28575" cap="flat" cmpd="sng" algn="ctr">
+                      <a:solidFill>
+                        <a:schemeClr val="accent5">
+                          <a:lumMod val="20000"/>
+                          <a:lumOff val="80000"/>
+                        </a:schemeClr>
+                      </a:solidFill>
+                      <a:prstDash val="solid"/>
+                      <a:round/>
+                      <a:headEnd type="none" w="med" len="med"/>
+                      <a:tailEnd type="none" w="med" len="med"/>
+                    </a:lnT>
+                    <a:lnB w="28575" cap="flat" cmpd="sng" algn="ctr">
+                      <a:solidFill>
+                        <a:schemeClr val="accent5">
+                          <a:lumMod val="20000"/>
+                          <a:lumOff val="80000"/>
+                        </a:schemeClr>
+                      </a:solidFill>
+                      <a:prstDash val="solid"/>
+                      <a:round/>
+                      <a:headEnd type="none" w="med" len="med"/>
+                      <a:tailEnd type="none" w="med" len="med"/>
+                    </a:lnB>
+                    <a:lnTlToBr>
+                      <a:noFill/>
+                    </a:lnTlToBr>
+                    <a:lnBlToTr>
+                      <a:noFill/>
+                    </a:lnBlToTr>
+                    <a:noFill/>
+                  </a:tcPr>
+                </a:tc>
+                <a:tc>
+                  <a:txBody>
+                    <a:bodyPr/>
+                    <a:lstStyle/>
+                    <a:p>
+                      <a:pPr marL="0" marR="0" lvl="0" indent="0" algn="l" defTabSz="914400" rtl="0" eaLnBrk="0" fontAlgn="base" latinLnBrk="0" hangingPunct="0">
+                        <a:lnSpc>
+                          <a:spcPct val="95000"/>
+                        </a:lnSpc>
+                        <a:spcBef>
+                          <a:spcPct val="40000"/>
+                        </a:spcBef>
+                        <a:spcAft>
+                          <a:spcPct val="0"/>
+                        </a:spcAft>
+                        <a:buClr>
+                          <a:schemeClr val="tx1"/>
+                        </a:buClr>
+                        <a:buSzTx/>
+                        <a:buFontTx/>
+                        <a:buNone/>
+                        <a:tabLst/>
+                      </a:pPr>
+                      <a:r>
+                        <a:rPr kumimoji="1" lang="ru-RU" sz="2400" b="0" i="0" u="none" strike="noStrike" cap="none" normalizeH="0" baseline="0" dirty="0" smtClean="0">
+                          <a:ln>
+                            <a:noFill/>
+                          </a:ln>
+                          <a:solidFill>
+                            <a:schemeClr val="tx1"/>
+                          </a:solidFill>
+                          <a:effectLst/>
+                          <a:latin typeface="+mn-lt"/>
+                        </a:rPr>
+                        <a:t>Помага ви да избирате </a:t>
+                      </a:r>
+                      <a:r>
+                        <a:rPr kumimoji="1" lang="ru-RU" sz="2400" b="1" i="0" u="none" strike="noStrike" cap="none" normalizeH="0" baseline="0" dirty="0" smtClean="0">
+                          <a:ln>
+                            <a:noFill/>
+                          </a:ln>
+                          <a:solidFill>
+                            <a:schemeClr val="bg1"/>
+                          </a:solidFill>
+                          <a:effectLst/>
+                          <a:latin typeface="+mn-lt"/>
+                        </a:rPr>
+                        <a:t>стандартни</a:t>
+                      </a:r>
+                      <a:r>
+                        <a:rPr kumimoji="1" lang="ru-RU" sz="2400" b="0" i="0" u="none" strike="noStrike" cap="none" normalizeH="0" baseline="0" dirty="0" smtClean="0">
+                          <a:ln>
+                            <a:noFill/>
+                          </a:ln>
+                          <a:solidFill>
+                            <a:schemeClr val="tx1"/>
+                          </a:solidFill>
+                          <a:effectLst/>
+                          <a:latin typeface="+mn-lt"/>
+                        </a:rPr>
+                        <a:t> или </a:t>
+                      </a:r>
+                      <a:r>
+                        <a:rPr kumimoji="1" lang="ru-RU" sz="2400" b="1" i="0" u="none" strike="noStrike" cap="none" normalizeH="0" baseline="0" dirty="0" smtClean="0">
+                          <a:ln>
+                            <a:noFill/>
+                          </a:ln>
+                          <a:solidFill>
+                            <a:schemeClr val="bg1"/>
+                          </a:solidFill>
+                          <a:effectLst/>
+                          <a:latin typeface="+mn-lt"/>
+                        </a:rPr>
+                        <a:t>персонализирани</a:t>
+                      </a:r>
+                      <a:r>
+                        <a:rPr kumimoji="1" lang="ru-RU" sz="2400" b="0" i="0" u="none" strike="noStrike" cap="none" normalizeH="0" baseline="0" dirty="0" smtClean="0">
+                          <a:ln>
+                            <a:noFill/>
+                          </a:ln>
+                          <a:solidFill>
+                            <a:schemeClr val="tx1"/>
+                          </a:solidFill>
+                          <a:effectLst/>
+                          <a:latin typeface="+mn-lt"/>
+                        </a:rPr>
+                        <a:t> </a:t>
+                      </a:r>
+                      <a:r>
+                        <a:rPr kumimoji="1" lang="ru-RU" sz="2400" b="1" i="0" u="none" strike="noStrike" cap="none" normalizeH="0" baseline="0" dirty="0" smtClean="0">
+                          <a:ln>
+                            <a:noFill/>
+                          </a:ln>
+                          <a:solidFill>
+                            <a:schemeClr val="bg1"/>
+                          </a:solidFill>
+                          <a:effectLst/>
+                          <a:latin typeface="+mn-lt"/>
+                        </a:rPr>
+                        <a:t>размери</a:t>
+                      </a:r>
+                      <a:r>
+                        <a:rPr kumimoji="1" lang="ru-RU" sz="2400" b="0" i="0" u="none" strike="noStrike" cap="none" normalizeH="0" baseline="0" dirty="0" smtClean="0">
+                          <a:ln>
+                            <a:noFill/>
+                          </a:ln>
+                          <a:solidFill>
+                            <a:schemeClr val="tx1"/>
+                          </a:solidFill>
+                          <a:effectLst/>
+                          <a:latin typeface="+mn-lt"/>
+                        </a:rPr>
+                        <a:t> на </a:t>
+                      </a:r>
+                      <a:r>
+                        <a:rPr kumimoji="1" lang="ru-RU" sz="2400" b="1" i="0" u="none" strike="noStrike" cap="none" normalizeH="0" baseline="0" dirty="0" smtClean="0">
+                          <a:ln>
+                            <a:noFill/>
+                          </a:ln>
+                          <a:solidFill>
+                            <a:schemeClr val="bg1"/>
+                          </a:solidFill>
+                          <a:effectLst/>
+                          <a:latin typeface="+mn-lt"/>
+                        </a:rPr>
+                        <a:t>етикети</a:t>
+                      </a:r>
+                      <a:r>
+                        <a:rPr kumimoji="1" lang="ru-RU" sz="2400" b="0" i="0" u="none" strike="noStrike" cap="none" normalizeH="0" baseline="0" dirty="0" smtClean="0">
+                          <a:ln>
+                            <a:noFill/>
+                          </a:ln>
+                          <a:solidFill>
+                            <a:schemeClr val="tx1"/>
+                          </a:solidFill>
+                          <a:effectLst/>
+                          <a:latin typeface="+mn-lt"/>
+                        </a:rPr>
+                        <a:t>, както и кои </a:t>
+                      </a:r>
+                      <a:r>
+                        <a:rPr kumimoji="1" lang="ru-RU" sz="2400" b="1" i="0" u="none" strike="noStrike" cap="none" normalizeH="0" baseline="0" dirty="0" smtClean="0">
+                          <a:ln>
+                            <a:noFill/>
+                          </a:ln>
+                          <a:solidFill>
+                            <a:schemeClr val="bg1"/>
+                          </a:solidFill>
+                          <a:effectLst/>
+                          <a:latin typeface="+mn-lt"/>
+                        </a:rPr>
+                        <a:t>полета</a:t>
+                      </a:r>
+                      <a:r>
+                        <a:rPr kumimoji="1" lang="ru-RU" sz="2400" b="0" i="0" u="none" strike="noStrike" cap="none" normalizeH="0" baseline="0" dirty="0" smtClean="0">
+                          <a:ln>
+                            <a:noFill/>
+                          </a:ln>
+                          <a:solidFill>
+                            <a:schemeClr val="tx1"/>
+                          </a:solidFill>
+                          <a:effectLst/>
+                          <a:latin typeface="+mn-lt"/>
+                        </a:rPr>
+                        <a:t> искате да </a:t>
+                      </a:r>
+                      <a:r>
+                        <a:rPr kumimoji="1" lang="ru-RU" sz="2400" b="1" i="0" u="none" strike="noStrike" cap="none" normalizeH="0" baseline="0" dirty="0" smtClean="0">
+                          <a:ln>
+                            <a:noFill/>
+                          </a:ln>
+                          <a:solidFill>
+                            <a:schemeClr val="bg1"/>
+                          </a:solidFill>
+                          <a:effectLst/>
+                          <a:latin typeface="+mn-lt"/>
+                        </a:rPr>
+                        <a:t>показвате</a:t>
+                      </a:r>
+                      <a:r>
+                        <a:rPr kumimoji="1" lang="ru-RU" sz="2400" b="0" i="0" u="none" strike="noStrike" cap="none" normalizeH="0" baseline="0" dirty="0" smtClean="0">
+                          <a:ln>
+                            <a:noFill/>
+                          </a:ln>
+                          <a:solidFill>
+                            <a:schemeClr val="tx1"/>
+                          </a:solidFill>
+                          <a:effectLst/>
+                          <a:latin typeface="+mn-lt"/>
+                        </a:rPr>
+                        <a:t> и как искате да бъдат </a:t>
+                      </a:r>
+                      <a:r>
+                        <a:rPr kumimoji="1" lang="ru-RU" sz="2400" b="1" i="0" u="none" strike="noStrike" cap="none" normalizeH="0" baseline="0" dirty="0" smtClean="0">
+                          <a:ln>
+                            <a:noFill/>
+                          </a:ln>
+                          <a:solidFill>
+                            <a:schemeClr val="bg1"/>
+                          </a:solidFill>
+                          <a:effectLst/>
+                          <a:latin typeface="+mn-lt"/>
+                        </a:rPr>
+                        <a:t>сортирани</a:t>
+                      </a:r>
+                      <a:endParaRPr kumimoji="1" lang="bg-BG" sz="2400" b="1" i="0" u="none" strike="noStrike" cap="none" normalizeH="0" baseline="0" dirty="0" smtClean="0">
+                        <a:ln>
+                          <a:noFill/>
+                        </a:ln>
+                        <a:solidFill>
+                          <a:schemeClr val="bg1"/>
+                        </a:solidFill>
+                        <a:effectLst/>
+                        <a:latin typeface="+mn-lt"/>
+                      </a:endParaRPr>
+                    </a:p>
+                  </a:txBody>
+                  <a:tcPr marL="91464" marR="91464" anchor="ctr" horzOverflow="overflow">
+                    <a:lnL w="28575" cap="flat" cmpd="sng" algn="ctr">
+                      <a:solidFill>
+                        <a:schemeClr val="accent5">
+                          <a:lumMod val="20000"/>
+                          <a:lumOff val="80000"/>
+                        </a:schemeClr>
+                      </a:solidFill>
+                      <a:prstDash val="solid"/>
+                      <a:round/>
+                      <a:headEnd type="none" w="med" len="med"/>
+                      <a:tailEnd type="none" w="med" len="med"/>
+                    </a:lnL>
+                    <a:lnR w="28575" cap="flat" cmpd="sng" algn="ctr">
+                      <a:solidFill>
+                        <a:schemeClr val="accent5">
+                          <a:lumMod val="20000"/>
+                          <a:lumOff val="80000"/>
+                        </a:schemeClr>
+                      </a:solidFill>
+                      <a:prstDash val="solid"/>
+                      <a:round/>
+                      <a:headEnd type="none" w="med" len="med"/>
+                      <a:tailEnd type="none" w="med" len="med"/>
+                    </a:lnR>
+                    <a:lnT w="28575" cap="flat" cmpd="sng" algn="ctr">
+                      <a:solidFill>
+                        <a:schemeClr val="accent5">
+                          <a:lumMod val="20000"/>
+                          <a:lumOff val="80000"/>
+                        </a:schemeClr>
+                      </a:solidFill>
+                      <a:prstDash val="solid"/>
+                      <a:round/>
+                      <a:headEnd type="none" w="med" len="med"/>
+                      <a:tailEnd type="none" w="med" len="med"/>
+                    </a:lnT>
+                    <a:lnB w="28575" cap="flat" cmpd="sng" algn="ctr">
+                      <a:solidFill>
+                        <a:schemeClr val="accent5">
+                          <a:lumMod val="20000"/>
+                          <a:lumOff val="80000"/>
+                        </a:schemeClr>
+                      </a:solidFill>
+                      <a:prstDash val="solid"/>
+                      <a:round/>
+                      <a:headEnd type="none" w="med" len="med"/>
+                      <a:tailEnd type="none" w="med" len="med"/>
+                    </a:lnB>
+                    <a:lnTlToBr>
+                      <a:noFill/>
+                    </a:lnTlToBr>
+                    <a:lnBlToTr>
+                      <a:noFill/>
+                    </a:lnBlToTr>
+                    <a:noFill/>
+                  </a:tcPr>
+                </a:tc>
+              </a:tr>
+            </a:tbl>
+          </a:graphicData>
+        </a:graphic>
+      </p:graphicFrame>
+    </p:spTree>
+  </p:cSld>
+  <p:clrMapOvr>
+    <a:masterClrMapping/>
+  </p:clrMapOvr>
+  <mc:AlternateContent xmlns:mc="http://schemas.openxmlformats.org/markup-compatibility/2006">
+    <mc:Choice xmlns="" xmlns:p14="http://schemas.microsoft.com/office/powerpoint/2010/main" Requires="p14">
+      <p:transition spd="slow" p14:dur="2000" advClick="0" advTm="5000"/>
+    </mc:Choice>
+    <mc:Fallback>
+      <p:transition spd="slow" advClick="0" advTm="5000"/>
+    </mc:Fallback>
+  </mc:AlternateContent>
+  <p:timing>
+    <p:tnLst>
+      <p:par>
+        <p:cTn id="1" dur="indefinite" restart="never" nodeType="tmRoot"/>
+      </p:par>
+    </p:tnLst>
+  </p:timing>
+</p:sld>
+</file>
+
+<file path=ppt/slides/slide31.xml><?xml version="1.0" encoding="utf-8"?>
+<p:sld xmlns:a="http://schemas.openxmlformats.org/drawingml/2006/main" xmlns:r="http://schemas.openxmlformats.org/officeDocument/2006/relationships" xmlns:p="http://schemas.openxmlformats.org/presentationml/2006/main">
+  <p:cSld>
+    <p:spTree>
+      <p:nvGrpSpPr>
+        <p:cNvPr id="1" name=""/>
+        <p:cNvGrpSpPr/>
+        <p:nvPr/>
+      </p:nvGrpSpPr>
+      <p:grpSpPr>
+        <a:xfrm>
+          <a:off x="0" y="0"/>
+          <a:ext cx="0" cy="0"/>
+          <a:chOff x="0" y="0"/>
+          <a:chExt cx="0" cy="0"/>
+        </a:xfrm>
+      </p:grpSpPr>
+      <p:sp>
+        <p:nvSpPr>
+          <p:cNvPr id="2" name="Slide Number Placeholder 1"/>
+          <p:cNvSpPr>
+            <a:spLocks noGrp="1"/>
+          </p:cNvSpPr>
+          <p:nvPr>
+            <p:ph type="sldNum" sz="quarter" idx="5"/>
+          </p:nvPr>
+        </p:nvSpPr>
+        <p:spPr/>
+        <p:txBody>
+          <a:bodyPr/>
+          <a:lstStyle/>
+          <a:p>
+            <a:fld id="{2BF067CD-8E6B-4360-9AA8-C5DF2A48A6D1}" type="slidenum">
+              <a:rPr lang="en-US" noProof="0" smtClean="0"/>
+              <a:pPr/>
+              <a:t>31</a:t>
+            </a:fld>
+            <a:endParaRPr lang="en-US" noProof="0" dirty="0"/>
+          </a:p>
+        </p:txBody>
+      </p:sp>
+      <p:sp>
+        <p:nvSpPr>
+          <p:cNvPr id="3" name="Text Placeholder 2"/>
+          <p:cNvSpPr>
+            <a:spLocks noGrp="1"/>
+          </p:cNvSpPr>
+          <p:nvPr>
+            <p:ph type="body" sz="quarter" idx="10"/>
+          </p:nvPr>
+        </p:nvSpPr>
+        <p:spPr/>
+        <p:txBody>
+          <a:bodyPr/>
+          <a:lstStyle/>
+          <a:p>
+            <a:r>
+              <a:rPr lang="ru-RU" dirty="0" smtClean="0"/>
+              <a:t>Натиснете върху </a:t>
+            </a:r>
+            <a:r>
+              <a:rPr lang="ru-RU" b="1" dirty="0" smtClean="0">
+                <a:solidFill>
+                  <a:schemeClr val="bg1"/>
+                </a:solidFill>
+              </a:rPr>
+              <a:t>бутона</a:t>
+            </a:r>
+            <a:r>
+              <a:rPr lang="ru-RU" dirty="0" smtClean="0"/>
+              <a:t> за </a:t>
+            </a:r>
+            <a:r>
+              <a:rPr lang="ru-RU" b="1" dirty="0" smtClean="0">
+                <a:solidFill>
+                  <a:schemeClr val="bg1"/>
+                </a:solidFill>
+              </a:rPr>
+              <a:t>инструмента</a:t>
+            </a:r>
+            <a:r>
+              <a:rPr lang="ru-RU" dirty="0" smtClean="0"/>
+              <a:t>, който искате да </a:t>
+            </a:r>
+            <a:r>
+              <a:rPr lang="ru-RU" dirty="0" smtClean="0"/>
+              <a:t>използвате</a:t>
+            </a:r>
+          </a:p>
+          <a:p>
+            <a:pPr lvl="1"/>
+            <a:r>
+              <a:rPr lang="ru-RU" dirty="0" smtClean="0"/>
+              <a:t>Ако </a:t>
+            </a:r>
+            <a:r>
+              <a:rPr lang="ru-RU" dirty="0" smtClean="0"/>
+              <a:t>се появи </a:t>
+            </a:r>
+            <a:r>
+              <a:rPr lang="ru-RU" b="1" dirty="0" smtClean="0">
+                <a:solidFill>
+                  <a:schemeClr val="bg1"/>
+                </a:solidFill>
+              </a:rPr>
+              <a:t>съветник</a:t>
+            </a:r>
+            <a:r>
+              <a:rPr lang="ru-RU" dirty="0" smtClean="0"/>
+              <a:t>, следвайте </a:t>
+            </a:r>
+            <a:r>
+              <a:rPr lang="ru-RU" b="1" dirty="0" smtClean="0">
+                <a:solidFill>
+                  <a:schemeClr val="bg1"/>
+                </a:solidFill>
+              </a:rPr>
+              <a:t>стъпките</a:t>
+            </a:r>
+          </a:p>
+          <a:p>
+            <a:pPr lvl="1"/>
+            <a:r>
+              <a:rPr lang="ru-RU" dirty="0" smtClean="0"/>
+              <a:t>Натиснете </a:t>
+            </a:r>
+            <a:r>
+              <a:rPr lang="ru-RU" dirty="0" smtClean="0"/>
+              <a:t>върху </a:t>
+            </a:r>
+            <a:r>
+              <a:rPr lang="en-US" dirty="0" smtClean="0">
+                <a:latin typeface="Consolas" pitchFamily="49" charset="0"/>
+              </a:rPr>
+              <a:t>[</a:t>
+            </a:r>
+            <a:r>
+              <a:rPr lang="en-US" b="1" dirty="0" smtClean="0">
+                <a:solidFill>
+                  <a:schemeClr val="bg1"/>
+                </a:solidFill>
+                <a:latin typeface="Consolas" pitchFamily="49" charset="0"/>
+              </a:rPr>
+              <a:t>Finish</a:t>
+            </a:r>
+            <a:r>
+              <a:rPr lang="en-US" dirty="0" smtClean="0">
+                <a:latin typeface="Consolas" pitchFamily="49" charset="0"/>
+              </a:rPr>
+              <a:t>]</a:t>
+            </a:r>
+            <a:r>
+              <a:rPr lang="en-US" dirty="0" smtClean="0"/>
+              <a:t> </a:t>
+            </a:r>
+            <a:r>
+              <a:rPr lang="ru-RU" dirty="0" smtClean="0"/>
+              <a:t>на </a:t>
+            </a:r>
+            <a:r>
+              <a:rPr lang="ru-RU" dirty="0" smtClean="0"/>
+              <a:t>последната </a:t>
+            </a:r>
+            <a:r>
+              <a:rPr lang="ru-RU" dirty="0" smtClean="0"/>
+              <a:t>страница</a:t>
+            </a:r>
+            <a:endParaRPr lang="en-US" dirty="0" smtClean="0"/>
+          </a:p>
+          <a:p>
+            <a:pPr>
+              <a:buClr>
+                <a:schemeClr val="tx1"/>
+              </a:buClr>
+            </a:pPr>
+            <a:r>
+              <a:rPr lang="ru-RU" sz="3400" b="1" dirty="0" smtClean="0">
+                <a:solidFill>
+                  <a:schemeClr val="bg1"/>
+                </a:solidFill>
+              </a:rPr>
+              <a:t>Access</a:t>
+            </a:r>
+            <a:r>
+              <a:rPr lang="ru-RU" sz="3400" dirty="0" smtClean="0"/>
+              <a:t> показва отчета в </a:t>
+            </a:r>
+            <a:r>
+              <a:rPr lang="en-US" sz="3400" b="1" dirty="0" smtClean="0">
+                <a:solidFill>
+                  <a:schemeClr val="bg1"/>
+                </a:solidFill>
+                <a:latin typeface="Consolas" pitchFamily="49" charset="0"/>
+              </a:rPr>
+              <a:t>Layout</a:t>
+            </a:r>
+            <a:r>
+              <a:rPr lang="en-US" sz="3400" dirty="0" smtClean="0"/>
+              <a:t> </a:t>
+            </a:r>
+            <a:r>
+              <a:rPr lang="ru-RU" sz="3400" dirty="0" smtClean="0"/>
+              <a:t>изглед</a:t>
+            </a:r>
+            <a:endParaRPr lang="en-US" sz="3400" dirty="0" smtClean="0"/>
+          </a:p>
+          <a:p>
+            <a:pPr algn="ctr">
+              <a:buClr>
+                <a:schemeClr val="tx1"/>
+              </a:buClr>
+              <a:buNone/>
+            </a:pPr>
+            <a:r>
+              <a:rPr lang="en-US" sz="4000" b="1" dirty="0" smtClean="0">
+                <a:solidFill>
+                  <a:srgbClr val="FF0000"/>
+                </a:solidFill>
+              </a:rPr>
+              <a:t>TODO: Add created report (</a:t>
+            </a:r>
+            <a:r>
+              <a:rPr lang="en-US" sz="4000" b="1" dirty="0" smtClean="0">
+                <a:solidFill>
+                  <a:schemeClr val="bg1"/>
+                </a:solidFill>
+              </a:rPr>
+              <a:t>not modified</a:t>
+            </a:r>
+            <a:r>
+              <a:rPr lang="en-US" sz="4000" b="1" dirty="0" smtClean="0">
+                <a:solidFill>
+                  <a:srgbClr val="FF0000"/>
+                </a:solidFill>
+              </a:rPr>
+              <a:t>) screenshot</a:t>
+            </a:r>
+            <a:endParaRPr lang="en-US" sz="4000" b="1" dirty="0">
+              <a:solidFill>
+                <a:srgbClr val="FF0000"/>
+              </a:solidFill>
+            </a:endParaRPr>
+          </a:p>
+        </p:txBody>
+      </p:sp>
+      <p:sp>
+        <p:nvSpPr>
+          <p:cNvPr id="4" name="Title 3"/>
+          <p:cNvSpPr>
+            <a:spLocks noGrp="1"/>
+          </p:cNvSpPr>
+          <p:nvPr>
+            <p:ph type="title"/>
+          </p:nvPr>
+        </p:nvSpPr>
+        <p:spPr/>
+        <p:txBody>
+          <a:bodyPr/>
+          <a:lstStyle/>
+          <a:p>
+            <a:r>
+              <a:rPr lang="bg-BG" dirty="0" smtClean="0"/>
+              <a:t>Създаване на отчет от таблица </a:t>
+            </a:r>
+            <a:r>
+              <a:rPr lang="bg-BG" dirty="0" smtClean="0"/>
+              <a:t>(2)</a:t>
+            </a:r>
+            <a:endParaRPr lang="en-US" dirty="0"/>
+          </a:p>
+        </p:txBody>
+      </p:sp>
+    </p:spTree>
+  </p:cSld>
+  <p:clrMapOvr>
+    <a:masterClrMapping/>
+  </p:clrMapOvr>
+  <mc:AlternateContent xmlns:mc="http://schemas.openxmlformats.org/markup-compatibility/2006">
+    <mc:Choice xmlns="" xmlns:p14="http://schemas.microsoft.com/office/powerpoint/2010/main" Requires="p14">
+      <p:transition spd="slow" p14:dur="2000" advClick="0" advTm="5000"/>
+    </mc:Choice>
+    <mc:Fallback>
+      <p:transition spd="slow" advClick="0" advTm="5000"/>
+    </mc:Fallback>
+  </mc:AlternateContent>
+  <p:timing>
+    <p:tnLst>
+      <p:par>
+        <p:cTn id="1" dur="indefinite" restart="never" nodeType="tmRoot"/>
+      </p:par>
+    </p:tnLst>
+  </p:timing>
+</p:sld>
+</file>
+
+<file path=ppt/slides/slide32.xml><?xml version="1.0" encoding="utf-8"?>
+<p:sld xmlns:a="http://schemas.openxmlformats.org/drawingml/2006/main" xmlns:r="http://schemas.openxmlformats.org/officeDocument/2006/relationships" xmlns:p="http://schemas.openxmlformats.org/presentationml/2006/main">
+  <p:cSld>
+    <p:spTree>
+      <p:nvGrpSpPr>
+        <p:cNvPr id="1" name=""/>
+        <p:cNvGrpSpPr/>
+        <p:nvPr/>
+      </p:nvGrpSpPr>
+      <p:grpSpPr>
+        <a:xfrm>
+          <a:off x="0" y="0"/>
+          <a:ext cx="0" cy="0"/>
+          <a:chOff x="0" y="0"/>
+          <a:chExt cx="0" cy="0"/>
+        </a:xfrm>
+      </p:grpSpPr>
+      <p:sp>
+        <p:nvSpPr>
+          <p:cNvPr id="2" name="Slide Number Placeholder 1"/>
+          <p:cNvSpPr>
+            <a:spLocks noGrp="1"/>
+          </p:cNvSpPr>
+          <p:nvPr>
+            <p:ph type="sldNum" sz="quarter" idx="5"/>
+          </p:nvPr>
+        </p:nvSpPr>
+        <p:spPr/>
+        <p:txBody>
+          <a:bodyPr/>
+          <a:lstStyle/>
+          <a:p>
+            <a:fld id="{2BF067CD-8E6B-4360-9AA8-C5DF2A48A6D1}" type="slidenum">
+              <a:rPr lang="en-US" noProof="0" smtClean="0"/>
+              <a:pPr/>
+              <a:t>32</a:t>
+            </a:fld>
+            <a:endParaRPr lang="en-US" noProof="0" dirty="0"/>
+          </a:p>
+        </p:txBody>
+      </p:sp>
+      <p:sp>
+        <p:nvSpPr>
+          <p:cNvPr id="3" name="Text Placeholder 2"/>
+          <p:cNvSpPr>
+            <a:spLocks noGrp="1"/>
+          </p:cNvSpPr>
+          <p:nvPr>
+            <p:ph type="body" sz="quarter" idx="10"/>
+          </p:nvPr>
+        </p:nvSpPr>
+        <p:spPr/>
+        <p:txBody>
+          <a:bodyPr/>
+          <a:lstStyle/>
+          <a:p>
+            <a:r>
+              <a:rPr lang="ru-RU" dirty="0" smtClean="0"/>
+              <a:t>Форматирайте отчета</a:t>
+            </a:r>
+            <a:r>
+              <a:rPr lang="ru-RU" dirty="0" smtClean="0"/>
+              <a:t>, за да постигнете желания вид</a:t>
+            </a:r>
+            <a:r>
+              <a:rPr lang="ru-RU" dirty="0" smtClean="0"/>
+              <a:t>:</a:t>
+            </a:r>
+          </a:p>
+          <a:p>
+            <a:pPr lvl="1">
+              <a:buClr>
+                <a:schemeClr val="tx1"/>
+              </a:buClr>
+            </a:pPr>
+            <a:r>
+              <a:rPr lang="ru-RU" sz="3200" b="1" dirty="0" smtClean="0">
+                <a:solidFill>
+                  <a:schemeClr val="bg1"/>
+                </a:solidFill>
+              </a:rPr>
+              <a:t>Преоразмерете</a:t>
+            </a:r>
+            <a:r>
+              <a:rPr lang="ru-RU" sz="3200" dirty="0" smtClean="0"/>
+              <a:t> полетата и </a:t>
+            </a:r>
+            <a:r>
+              <a:rPr lang="ru-RU" sz="3200" dirty="0" smtClean="0"/>
+              <a:t>етикетите</a:t>
+            </a:r>
+          </a:p>
+          <a:p>
+            <a:pPr lvl="1"/>
+            <a:r>
+              <a:rPr lang="ru-RU" sz="3200" dirty="0" smtClean="0"/>
+              <a:t>Можете да </a:t>
+            </a:r>
+            <a:r>
+              <a:rPr lang="ru-RU" sz="3200" b="1" dirty="0" smtClean="0">
+                <a:solidFill>
+                  <a:schemeClr val="bg1"/>
+                </a:solidFill>
+              </a:rPr>
+              <a:t>смените мястото </a:t>
+            </a:r>
+            <a:r>
+              <a:rPr lang="ru-RU" sz="3200" dirty="0" smtClean="0"/>
+              <a:t>на дадено </a:t>
+            </a:r>
+            <a:r>
+              <a:rPr lang="ru-RU" sz="3200" b="1" dirty="0" smtClean="0">
+                <a:solidFill>
+                  <a:schemeClr val="bg1"/>
+                </a:solidFill>
+              </a:rPr>
+              <a:t>поле</a:t>
+            </a:r>
+            <a:r>
+              <a:rPr lang="ru-RU" sz="3200" dirty="0" smtClean="0"/>
+              <a:t> с друго</a:t>
+            </a:r>
+          </a:p>
+          <a:p>
+            <a:pPr lvl="1"/>
+            <a:r>
+              <a:rPr lang="ru-RU" sz="3200" dirty="0" smtClean="0"/>
+              <a:t>Натиснете с </a:t>
+            </a:r>
+            <a:r>
+              <a:rPr lang="ru-RU" sz="3200" dirty="0" smtClean="0"/>
+              <a:t>десния бутон върху поле и използвайте командите от контекстното </a:t>
+            </a:r>
+            <a:r>
+              <a:rPr lang="ru-RU" sz="3200" dirty="0" smtClean="0"/>
+              <a:t>меню:</a:t>
+            </a:r>
+          </a:p>
+          <a:p>
+            <a:pPr lvl="2">
+              <a:buClr>
+                <a:schemeClr val="tx1"/>
+              </a:buClr>
+            </a:pPr>
+            <a:r>
+              <a:rPr lang="bg-BG" sz="3000" b="1" dirty="0" smtClean="0">
+                <a:solidFill>
+                  <a:schemeClr val="bg1"/>
+                </a:solidFill>
+              </a:rPr>
+              <a:t>Обединение</a:t>
+            </a:r>
+            <a:r>
+              <a:rPr lang="bg-BG" sz="3000" dirty="0" smtClean="0"/>
+              <a:t> </a:t>
+            </a:r>
+            <a:r>
+              <a:rPr lang="ru-RU" sz="3000" dirty="0" smtClean="0"/>
+              <a:t>или </a:t>
+            </a:r>
+            <a:r>
+              <a:rPr lang="ru-RU" sz="3000" b="1" dirty="0" smtClean="0">
+                <a:solidFill>
+                  <a:schemeClr val="bg1"/>
+                </a:solidFill>
+              </a:rPr>
+              <a:t>разделяне</a:t>
+            </a:r>
+            <a:r>
+              <a:rPr lang="ru-RU" sz="3000" dirty="0" smtClean="0"/>
+              <a:t> на клетки</a:t>
+            </a:r>
+          </a:p>
+          <a:p>
+            <a:pPr lvl="2">
+              <a:buClr>
+                <a:schemeClr val="tx1"/>
+              </a:buClr>
+            </a:pPr>
+            <a:r>
+              <a:rPr lang="ru-RU" sz="3000" b="1" dirty="0" smtClean="0">
+                <a:solidFill>
+                  <a:schemeClr val="bg1"/>
+                </a:solidFill>
+              </a:rPr>
+              <a:t>Изтриване</a:t>
+            </a:r>
+            <a:r>
+              <a:rPr lang="ru-RU" sz="3000" dirty="0" smtClean="0"/>
+              <a:t> на полета</a:t>
+            </a:r>
+          </a:p>
+          <a:p>
+            <a:pPr lvl="2"/>
+            <a:r>
+              <a:rPr lang="ru-RU" sz="3000" dirty="0" smtClean="0"/>
+              <a:t>Други опции за форматиране...</a:t>
+            </a:r>
+            <a:endParaRPr lang="en-US" sz="3000" dirty="0" smtClean="0"/>
+          </a:p>
+        </p:txBody>
+      </p:sp>
+      <p:sp>
+        <p:nvSpPr>
+          <p:cNvPr id="4" name="Title 3"/>
+          <p:cNvSpPr>
+            <a:spLocks noGrp="1"/>
+          </p:cNvSpPr>
+          <p:nvPr>
+            <p:ph type="title"/>
+          </p:nvPr>
+        </p:nvSpPr>
+        <p:spPr/>
+        <p:txBody>
+          <a:bodyPr/>
+          <a:lstStyle/>
+          <a:p>
+            <a:r>
+              <a:rPr lang="bg-BG" dirty="0" smtClean="0"/>
+              <a:t>Създаване на отчет от таблица </a:t>
+            </a:r>
+            <a:r>
+              <a:rPr lang="bg-BG" dirty="0" smtClean="0"/>
+              <a:t>(</a:t>
+            </a:r>
+            <a:r>
+              <a:rPr lang="en-US" dirty="0" smtClean="0"/>
+              <a:t>3</a:t>
+            </a:r>
+            <a:r>
+              <a:rPr lang="bg-BG" dirty="0" smtClean="0"/>
+              <a:t>)</a:t>
+            </a:r>
+            <a:endParaRPr lang="en-US" dirty="0"/>
+          </a:p>
+        </p:txBody>
+      </p:sp>
+    </p:spTree>
+  </p:cSld>
+  <p:clrMapOvr>
+    <a:masterClrMapping/>
+  </p:clrMapOvr>
+  <mc:AlternateContent xmlns:mc="http://schemas.openxmlformats.org/markup-compatibility/2006">
+    <mc:Choice xmlns="" xmlns:p14="http://schemas.microsoft.com/office/powerpoint/2010/main" Requires="p14">
+      <p:transition spd="slow" p14:dur="2000" advClick="0" advTm="5000"/>
+    </mc:Choice>
+    <mc:Fallback>
+      <p:transition spd="slow" advClick="0" advTm="5000"/>
+    </mc:Fallback>
+  </mc:AlternateContent>
+  <p:timing>
+    <p:tnLst>
+      <p:par>
+        <p:cTn id="1" dur="indefinite" restart="never" nodeType="tmRoot"/>
+      </p:par>
+    </p:tnLst>
+  </p:timing>
+</p:sld>
+</file>
+
+<file path=ppt/slides/slide33.xml><?xml version="1.0" encoding="utf-8"?>
+<p:sld xmlns:a="http://schemas.openxmlformats.org/drawingml/2006/main" xmlns:r="http://schemas.openxmlformats.org/officeDocument/2006/relationships" xmlns:p="http://schemas.openxmlformats.org/presentationml/2006/main">
+  <p:cSld>
+    <p:spTree>
+      <p:nvGrpSpPr>
+        <p:cNvPr id="1" name=""/>
+        <p:cNvGrpSpPr/>
+        <p:nvPr/>
+      </p:nvGrpSpPr>
+      <p:grpSpPr>
+        <a:xfrm>
+          <a:off x="0" y="0"/>
+          <a:ext cx="0" cy="0"/>
+          <a:chOff x="0" y="0"/>
+          <a:chExt cx="0" cy="0"/>
+        </a:xfrm>
+      </p:grpSpPr>
       <p:grpSp>
         <p:nvGrpSpPr>
           <p:cNvPr id="9" name="Summary Box Group">
             <a:extLst>
               <a:ext uri="{FF2B5EF4-FFF2-40B4-BE49-F238E27FC236}">
-                <a16:creationId xmlns:a16="http://schemas.microsoft.com/office/drawing/2014/main" xmlns="" id="{EBAFE522-EB7D-4931-A015-9A7E8A98517D}"/>
+                <a16:creationId xmlns="" xmlns:a16="http://schemas.microsoft.com/office/drawing/2014/main" id="{EBAFE522-EB7D-4931-A015-9A7E8A98517D}"/>
               </a:ext>
             </a:extLst>
           </p:cNvPr>
@@ -23725,7 +26271,7 @@
             <p:cNvPr id="10" name="Rounded Rectangle Blue">
               <a:extLst>
                 <a:ext uri="{FF2B5EF4-FFF2-40B4-BE49-F238E27FC236}">
-                  <a16:creationId xmlns:a16="http://schemas.microsoft.com/office/drawing/2014/main" xmlns="" id="{18F78F23-3D09-4B63-8DF9-D49CFBB145EE}"/>
+                  <a16:creationId xmlns="" xmlns:a16="http://schemas.microsoft.com/office/drawing/2014/main" id="{18F78F23-3D09-4B63-8DF9-D49CFBB145EE}"/>
                 </a:ext>
               </a:extLst>
             </p:cNvPr>
@@ -23779,7 +26325,7 @@
             <p:cNvPr id="11" name="Rounded Rectangle Left">
               <a:extLst>
                 <a:ext uri="{FF2B5EF4-FFF2-40B4-BE49-F238E27FC236}">
-                  <a16:creationId xmlns:a16="http://schemas.microsoft.com/office/drawing/2014/main" xmlns="" id="{F12C06CE-2BBE-46C2-B718-813794C58DF9}"/>
+                  <a16:creationId xmlns="" xmlns:a16="http://schemas.microsoft.com/office/drawing/2014/main" id="{F12C06CE-2BBE-46C2-B718-813794C58DF9}"/>
                 </a:ext>
               </a:extLst>
             </p:cNvPr>
@@ -23839,7 +26385,7 @@
             <p:cNvPr id="12" name="Half Frame Top Right">
               <a:extLst>
                 <a:ext uri="{FF2B5EF4-FFF2-40B4-BE49-F238E27FC236}">
-                  <a16:creationId xmlns:a16="http://schemas.microsoft.com/office/drawing/2014/main" xmlns="" id="{66CDBB1E-AF3C-43FC-9F34-2DD691F81726}"/>
+                  <a16:creationId xmlns="" xmlns:a16="http://schemas.microsoft.com/office/drawing/2014/main" id="{66CDBB1E-AF3C-43FC-9F34-2DD691F81726}"/>
                 </a:ext>
               </a:extLst>
             </p:cNvPr>
@@ -23901,7 +26447,7 @@
           <p:cNvPr id="14" name="Text Placeholder Body">
             <a:extLst>
               <a:ext uri="{FF2B5EF4-FFF2-40B4-BE49-F238E27FC236}">
-                <a16:creationId xmlns:a16="http://schemas.microsoft.com/office/drawing/2014/main" xmlns="" id="{0E49D336-45B6-44D3-97C4-E28F8DEA2022}"/>
+                <a16:creationId xmlns="" xmlns:a16="http://schemas.microsoft.com/office/drawing/2014/main" id="{0E49D336-45B6-44D3-97C4-E28F8DEA2022}"/>
               </a:ext>
             </a:extLst>
           </p:cNvPr>
@@ -23997,7 +26543,7 @@
           <p:cNvPr id="17" name="Slide Number">
             <a:extLst>
               <a:ext uri="{FF2B5EF4-FFF2-40B4-BE49-F238E27FC236}">
-                <a16:creationId xmlns:a16="http://schemas.microsoft.com/office/drawing/2014/main" xmlns="" id="{9DE5559F-55C2-47F1-A321-B593B1EC63C1}"/>
+                <a16:creationId xmlns="" xmlns:a16="http://schemas.microsoft.com/office/drawing/2014/main" id="{9DE5559F-55C2-47F1-A321-B593B1EC63C1}"/>
               </a:ext>
             </a:extLst>
           </p:cNvPr>
@@ -24028,7 +26574,7 @@
             <a:fld id="{2BF067CD-8E6B-4360-9AA8-C5DF2A48A6D1}" type="slidenum">
               <a:rPr lang="en-US" smtClean="0"/>
               <a:pPr/>
-              <a:t>30</a:t>
+              <a:t>33</a:t>
             </a:fld>
             <a:endParaRPr lang="en-US" dirty="0"/>
           </a:p>
@@ -24039,7 +26585,7 @@
           <p:cNvPr id="13" name="Picture SoftUni Mascot">
             <a:extLst>
               <a:ext uri="{FF2B5EF4-FFF2-40B4-BE49-F238E27FC236}">
-                <a16:creationId xmlns:a16="http://schemas.microsoft.com/office/drawing/2014/main" xmlns="" id="{CCC3A316-993C-4741-8826-E104F27650A3}"/>
+                <a16:creationId xmlns="" xmlns:a16="http://schemas.microsoft.com/office/drawing/2014/main" id="{CCC3A316-993C-4741-8826-E104F27650A3}"/>
               </a:ext>
             </a:extLst>
           </p:cNvPr>
@@ -24052,7 +26598,7 @@
           <a:blip r:embed="rId3" cstate="print">
             <a:extLst>
               <a:ext uri="{28A0092B-C50C-407E-A947-70E740481C1C}">
-                <a14:useLocalDpi xmlns:a14="http://schemas.microsoft.com/office/drawing/2010/main" xmlns="" val="0"/>
+                <a14:useLocalDpi xmlns="" xmlns:a14="http://schemas.microsoft.com/office/drawing/2010/main" val="0"/>
               </a:ext>
             </a:extLst>
           </a:blip>
@@ -24097,7 +26643,7 @@
     </p:spTree>
     <p:extLst>
       <p:ext uri="{BB962C8B-B14F-4D97-AF65-F5344CB8AC3E}">
-        <p14:creationId xmlns:p14="http://schemas.microsoft.com/office/powerpoint/2010/main" xmlns="" val="2087190546"/>
+        <p14:creationId xmlns="" xmlns:p14="http://schemas.microsoft.com/office/powerpoint/2010/main" val="2087190546"/>
       </p:ext>
     </p:extLst>
   </p:cSld>
@@ -24105,17 +26651,24 @@
     <a:masterClrMapping/>
   </p:clrMapOvr>
   <mc:AlternateContent xmlns:mc="http://schemas.openxmlformats.org/markup-compatibility/2006">
-    <mc:Choice xmlns:p14="http://schemas.microsoft.com/office/powerpoint/2010/main" xmlns="" Requires="p14">
+    <mc:Choice xmlns="" xmlns:p14="http://schemas.microsoft.com/office/powerpoint/2010/main" Requires="p14">
       <p:transition spd="slow" p14:dur="2000" advClick="0" advTm="5000"/>
     </mc:Choice>
     <mc:Fallback>
       <p:transition spd="slow" advClick="0" advTm="5000"/>
     </mc:Fallback>
   </mc:AlternateContent>
+  <p:timing>
+    <p:tnLst>
+      <p:par>
+        <p:cTn id="1" dur="indefinite" restart="never" nodeType="tmRoot"/>
+      </p:par>
+    </p:tnLst>
+  </p:timing>
 </p:sld>
 </file>
 
-<file path=ppt/slides/slide31.xml><?xml version="1.0" encoding="utf-8"?>
+<file path=ppt/slides/slide34.xml><?xml version="1.0" encoding="utf-8"?>
 <p:sld xmlns:a="http://schemas.openxmlformats.org/drawingml/2006/main" xmlns:r="http://schemas.openxmlformats.org/officeDocument/2006/relationships" xmlns:p="http://schemas.openxmlformats.org/presentationml/2006/main">
   <p:cSld>
     <p:spTree>
@@ -24137,7 +26690,7 @@
           <p:cNvPr id="5" name="Group 4">
             <a:extLst>
               <a:ext uri="{FF2B5EF4-FFF2-40B4-BE49-F238E27FC236}">
-                <a16:creationId xmlns:a16="http://schemas.microsoft.com/office/drawing/2014/main" xmlns="" id="{1A67F800-7980-E3CA-7188-3C478C8E98B8}"/>
+                <a16:creationId xmlns="" xmlns:a16="http://schemas.microsoft.com/office/drawing/2014/main" id="{1A67F800-7980-E3CA-7188-3C478C8E98B8}"/>
               </a:ext>
             </a:extLst>
           </p:cNvPr>
@@ -24157,7 +26710,7 @@
             <p:cNvPr id="7" name="Picture 6" descr="A picture containing text, sign, vector graphics&#10;&#10;Description automatically generated">
               <a:extLst>
                 <a:ext uri="{FF2B5EF4-FFF2-40B4-BE49-F238E27FC236}">
-                  <a16:creationId xmlns:a16="http://schemas.microsoft.com/office/drawing/2014/main" xmlns="" id="{15CE28B1-02BA-4014-E149-BF1EE09447ED}"/>
+                  <a16:creationId xmlns="" xmlns:a16="http://schemas.microsoft.com/office/drawing/2014/main" id="{15CE28B1-02BA-4014-E149-BF1EE09447ED}"/>
                 </a:ext>
               </a:extLst>
             </p:cNvPr>
@@ -24187,7 +26740,7 @@
             <p:cNvPr id="9" name="Picture 8" descr="Logo&#10;&#10;Description automatically generated">
               <a:extLst>
                 <a:ext uri="{FF2B5EF4-FFF2-40B4-BE49-F238E27FC236}">
-                  <a16:creationId xmlns:a16="http://schemas.microsoft.com/office/drawing/2014/main" xmlns="" id="{5F82FF4F-4AD2-4B3B-1445-F3C6BA268522}"/>
+                  <a16:creationId xmlns="" xmlns:a16="http://schemas.microsoft.com/office/drawing/2014/main" id="{5F82FF4F-4AD2-4B3B-1445-F3C6BA268522}"/>
                 </a:ext>
               </a:extLst>
             </p:cNvPr>
@@ -24217,7 +26770,7 @@
             <p:cNvPr id="11" name="Picture 10" descr="Logo&#10;&#10;Description automatically generated">
               <a:extLst>
                 <a:ext uri="{FF2B5EF4-FFF2-40B4-BE49-F238E27FC236}">
-                  <a16:creationId xmlns:a16="http://schemas.microsoft.com/office/drawing/2014/main" xmlns="" id="{68CCA8DB-9EFC-F9BC-57AE-81E4F843E863}"/>
+                  <a16:creationId xmlns="" xmlns:a16="http://schemas.microsoft.com/office/drawing/2014/main" id="{68CCA8DB-9EFC-F9BC-57AE-81E4F843E863}"/>
                 </a:ext>
               </a:extLst>
             </p:cNvPr>
@@ -24247,7 +26800,7 @@
             <p:cNvPr id="13" name="Picture 12" descr="Logo&#10;&#10;Description automatically generated">
               <a:extLst>
                 <a:ext uri="{FF2B5EF4-FFF2-40B4-BE49-F238E27FC236}">
-                  <a16:creationId xmlns:a16="http://schemas.microsoft.com/office/drawing/2014/main" xmlns="" id="{3FDF9297-50FA-E866-B6CE-9D64B1E892BF}"/>
+                  <a16:creationId xmlns="" xmlns:a16="http://schemas.microsoft.com/office/drawing/2014/main" id="{3FDF9297-50FA-E866-B6CE-9D64B1E892BF}"/>
                 </a:ext>
               </a:extLst>
             </p:cNvPr>
@@ -24277,7 +26830,7 @@
             <p:cNvPr id="18" name="Graphic 17">
               <a:extLst>
                 <a:ext uri="{FF2B5EF4-FFF2-40B4-BE49-F238E27FC236}">
-                  <a16:creationId xmlns:a16="http://schemas.microsoft.com/office/drawing/2014/main" xmlns="" id="{2A1BC0C9-7A7B-9C5B-B457-3E86E59EF29E}"/>
+                  <a16:creationId xmlns="" xmlns:a16="http://schemas.microsoft.com/office/drawing/2014/main" id="{2A1BC0C9-7A7B-9C5B-B457-3E86E59EF29E}"/>
                 </a:ext>
               </a:extLst>
             </p:cNvPr>
@@ -24290,7 +26843,7 @@
             <a:blip r:embed="rId7" cstate="print">
               <a:extLst>
                 <a:ext uri="{96DAC541-7B7A-43D3-8B79-37D633B846F1}">
-                  <asvg:svgBlip xmlns:asvg="http://schemas.microsoft.com/office/drawing/2016/SVG/main" xmlns="" r:embed="rId8"/>
+                  <asvg:svgBlip xmlns="" xmlns:asvg="http://schemas.microsoft.com/office/drawing/2016/SVG/main" r:embed="rId8"/>
                 </a:ext>
               </a:extLst>
             </a:blip>
@@ -24313,7 +26866,7 @@
             <p:cNvPr id="20" name="Graphic 19">
               <a:extLst>
                 <a:ext uri="{FF2B5EF4-FFF2-40B4-BE49-F238E27FC236}">
-                  <a16:creationId xmlns:a16="http://schemas.microsoft.com/office/drawing/2014/main" xmlns="" id="{DBE174DA-A182-7E57-06D4-86AFA26D484D}"/>
+                  <a16:creationId xmlns="" xmlns:a16="http://schemas.microsoft.com/office/drawing/2014/main" id="{DBE174DA-A182-7E57-06D4-86AFA26D484D}"/>
                 </a:ext>
               </a:extLst>
             </p:cNvPr>
@@ -24326,7 +26879,7 @@
             <a:blip r:embed="rId9" cstate="print">
               <a:extLst>
                 <a:ext uri="{96DAC541-7B7A-43D3-8B79-37D633B846F1}">
-                  <asvg:svgBlip xmlns:asvg="http://schemas.microsoft.com/office/drawing/2016/SVG/main" xmlns="" r:embed="rId10"/>
+                  <asvg:svgBlip xmlns="" xmlns:asvg="http://schemas.microsoft.com/office/drawing/2016/SVG/main" r:embed="rId10"/>
                 </a:ext>
               </a:extLst>
             </a:blip>
@@ -24349,7 +26902,7 @@
             <p:cNvPr id="22" name="Picture 21" descr="Logo&#10;&#10;Description automatically generated">
               <a:extLst>
                 <a:ext uri="{FF2B5EF4-FFF2-40B4-BE49-F238E27FC236}">
-                  <a16:creationId xmlns:a16="http://schemas.microsoft.com/office/drawing/2014/main" xmlns="" id="{9B7FFC36-A4BC-7A53-AB82-82C398A47538}"/>
+                  <a16:creationId xmlns="" xmlns:a16="http://schemas.microsoft.com/office/drawing/2014/main" id="{9B7FFC36-A4BC-7A53-AB82-82C398A47538}"/>
                 </a:ext>
               </a:extLst>
             </p:cNvPr>
@@ -24379,7 +26932,7 @@
             <p:cNvPr id="36" name="Group 35">
               <a:extLst>
                 <a:ext uri="{FF2B5EF4-FFF2-40B4-BE49-F238E27FC236}">
-                  <a16:creationId xmlns:a16="http://schemas.microsoft.com/office/drawing/2014/main" xmlns="" id="{3FB2AEAC-BDEE-9D5F-67A3-17CEDA699052}"/>
+                  <a16:creationId xmlns="" xmlns:a16="http://schemas.microsoft.com/office/drawing/2014/main" id="{3FB2AEAC-BDEE-9D5F-67A3-17CEDA699052}"/>
                 </a:ext>
               </a:extLst>
             </p:cNvPr>
@@ -24399,7 +26952,7 @@
               <p:cNvPr id="31" name="Straight Connector 30">
                 <a:extLst>
                   <a:ext uri="{FF2B5EF4-FFF2-40B4-BE49-F238E27FC236}">
-                    <a16:creationId xmlns:a16="http://schemas.microsoft.com/office/drawing/2014/main" xmlns="" id="{AA38ABD5-1637-DC80-A922-DF10E4F75CDE}"/>
+                    <a16:creationId xmlns="" xmlns:a16="http://schemas.microsoft.com/office/drawing/2014/main" id="{AA38ABD5-1637-DC80-A922-DF10E4F75CDE}"/>
                   </a:ext>
                 </a:extLst>
               </p:cNvPr>
@@ -24442,7 +26995,7 @@
               <p:cNvPr id="33" name="Picture 32">
                 <a:extLst>
                   <a:ext uri="{FF2B5EF4-FFF2-40B4-BE49-F238E27FC236}">
-                    <a16:creationId xmlns:a16="http://schemas.microsoft.com/office/drawing/2014/main" xmlns="" id="{617B586A-0BC5-5E32-7E67-FD277547ED69}"/>
+                    <a16:creationId xmlns="" xmlns:a16="http://schemas.microsoft.com/office/drawing/2014/main" id="{617B586A-0BC5-5E32-7E67-FD277547ED69}"/>
                   </a:ext>
                 </a:extLst>
               </p:cNvPr>
@@ -24474,7 +27027,7 @@
           <p:cNvPr id="40" name="Picture 39" descr="Logo&#10;&#10;Description automatically generated">
             <a:extLst>
               <a:ext uri="{FF2B5EF4-FFF2-40B4-BE49-F238E27FC236}">
-                <a16:creationId xmlns:a16="http://schemas.microsoft.com/office/drawing/2014/main" xmlns="" id="{9C30DD70-D438-6D27-35D3-8BB874966D84}"/>
+                <a16:creationId xmlns="" xmlns:a16="http://schemas.microsoft.com/office/drawing/2014/main" id="{9C30DD70-D438-6D27-35D3-8BB874966D84}"/>
               </a:ext>
             </a:extLst>
           </p:cNvPr>
@@ -24504,7 +27057,7 @@
           <p:cNvPr id="2" name="Google Shape;441;p37">
             <a:extLst>
               <a:ext uri="{FF2B5EF4-FFF2-40B4-BE49-F238E27FC236}">
-                <a16:creationId xmlns:a16="http://schemas.microsoft.com/office/drawing/2014/main" xmlns="" id="{2AFB472C-93C2-241B-75FA-457782840F92}"/>
+                <a16:creationId xmlns="" xmlns:a16="http://schemas.microsoft.com/office/drawing/2014/main" id="{2AFB472C-93C2-241B-75FA-457782840F92}"/>
               </a:ext>
             </a:extLst>
           </p:cNvPr>
@@ -24809,7 +27362,7 @@
           <p:cNvPr id="14" name="Картина 13">
             <a:extLst>
               <a:ext uri="{FF2B5EF4-FFF2-40B4-BE49-F238E27FC236}">
-                <a16:creationId xmlns:a16="http://schemas.microsoft.com/office/drawing/2014/main" xmlns="" id="{54B365E9-8FD0-6D5B-2DFC-723EE5DDD555}"/>
+                <a16:creationId xmlns="" xmlns:a16="http://schemas.microsoft.com/office/drawing/2014/main" id="{54B365E9-8FD0-6D5B-2DFC-723EE5DDD555}"/>
               </a:ext>
             </a:extLst>
           </p:cNvPr>
@@ -24839,7 +27392,7 @@
           <p:cNvPr id="16" name="Картина 15">
             <a:extLst>
               <a:ext uri="{FF2B5EF4-FFF2-40B4-BE49-F238E27FC236}">
-                <a16:creationId xmlns:a16="http://schemas.microsoft.com/office/drawing/2014/main" xmlns="" id="{3BD6ABFC-02BF-2D42-B42B-6929222F37B6}"/>
+                <a16:creationId xmlns="" xmlns:a16="http://schemas.microsoft.com/office/drawing/2014/main" id="{3BD6ABFC-02BF-2D42-B42B-6929222F37B6}"/>
               </a:ext>
             </a:extLst>
           </p:cNvPr>
@@ -24867,17 +27420,24 @@
     </p:spTree>
     <p:extLst>
       <p:ext uri="{BB962C8B-B14F-4D97-AF65-F5344CB8AC3E}">
-        <p14:creationId xmlns:p14="http://schemas.microsoft.com/office/powerpoint/2010/main" xmlns="" val="2144060659"/>
+        <p14:creationId xmlns="" xmlns:p14="http://schemas.microsoft.com/office/powerpoint/2010/main" val="2144060659"/>
       </p:ext>
     </p:extLst>
   </p:cSld>
   <p:clrMapOvr>
     <a:masterClrMapping/>
   </p:clrMapOvr>
+  <p:timing>
+    <p:tnLst>
+      <p:par>
+        <p:cTn id="1" dur="indefinite" restart="never" nodeType="tmRoot"/>
+      </p:par>
+    </p:tnLst>
+  </p:timing>
 </p:sld>
 </file>
 
-<file path=ppt/slides/slide32.xml><?xml version="1.0" encoding="utf-8"?>
+<file path=ppt/slides/slide35.xml><?xml version="1.0" encoding="utf-8"?>
 <p:sld xmlns:a="http://schemas.openxmlformats.org/drawingml/2006/main" xmlns:r="http://schemas.openxmlformats.org/officeDocument/2006/relationships" xmlns:p="http://schemas.openxmlformats.org/presentationml/2006/main">
   <p:cSld>
     <p:spTree>
@@ -24899,7 +27459,7 @@
           <p:cNvPr id="5" name="Slide Number">
             <a:extLst>
               <a:ext uri="{FF2B5EF4-FFF2-40B4-BE49-F238E27FC236}">
-                <a16:creationId xmlns:a16="http://schemas.microsoft.com/office/drawing/2014/main" xmlns="" id="{F48C3C93-90A1-4D31-BEA6-B54D1106CE31}"/>
+                <a16:creationId xmlns="" xmlns:a16="http://schemas.microsoft.com/office/drawing/2014/main" id="{F48C3C93-90A1-4D31-BEA6-B54D1106CE31}"/>
               </a:ext>
             </a:extLst>
           </p:cNvPr>
@@ -24930,7 +27490,7 @@
             <a:fld id="{2BF067CD-8E6B-4360-9AA8-C5DF2A48A6D1}" type="slidenum">
               <a:rPr lang="en-US" smtClean="0"/>
               <a:pPr/>
-              <a:t>32</a:t>
+              <a:t>35</a:t>
             </a:fld>
             <a:endParaRPr lang="en-US" dirty="0"/>
           </a:p>
@@ -24941,7 +27501,7 @@
           <p:cNvPr id="2" name="Slide Body">
             <a:extLst>
               <a:ext uri="{FF2B5EF4-FFF2-40B4-BE49-F238E27FC236}">
-                <a16:creationId xmlns:a16="http://schemas.microsoft.com/office/drawing/2014/main" xmlns="" id="{980F49B1-E4BE-4389-A747-7AB9B71AD920}"/>
+                <a16:creationId xmlns="" xmlns:a16="http://schemas.microsoft.com/office/drawing/2014/main" id="{980F49B1-E4BE-4389-A747-7AB9B71AD920}"/>
               </a:ext>
             </a:extLst>
           </p:cNvPr>
@@ -25075,7 +27635,7 @@
           <p:cNvPr id="6" name="Picture License" descr="License">
             <a:extLst>
               <a:ext uri="{FF2B5EF4-FFF2-40B4-BE49-F238E27FC236}">
-                <a16:creationId xmlns:a16="http://schemas.microsoft.com/office/drawing/2014/main" xmlns="" id="{A10A2585-858C-4B1E-8846-27CF1C15729E}"/>
+                <a16:creationId xmlns="" xmlns:a16="http://schemas.microsoft.com/office/drawing/2014/main" id="{A10A2585-858C-4B1E-8846-27CF1C15729E}"/>
               </a:ext>
             </a:extLst>
           </p:cNvPr>
@@ -25116,7 +27676,7 @@
           <p:cNvPr id="3" name="Slide Title">
             <a:extLst>
               <a:ext uri="{FF2B5EF4-FFF2-40B4-BE49-F238E27FC236}">
-                <a16:creationId xmlns:a16="http://schemas.microsoft.com/office/drawing/2014/main" xmlns="" id="{E5F1FB41-80C3-4816-BC47-CCC50632E6E8}"/>
+                <a16:creationId xmlns="" xmlns:a16="http://schemas.microsoft.com/office/drawing/2014/main" id="{E5F1FB41-80C3-4816-BC47-CCC50632E6E8}"/>
               </a:ext>
             </a:extLst>
           </p:cNvPr>
@@ -25142,7 +27702,7 @@
     </p:spTree>
     <p:extLst>
       <p:ext uri="{BB962C8B-B14F-4D97-AF65-F5344CB8AC3E}">
-        <p14:creationId xmlns:p14="http://schemas.microsoft.com/office/powerpoint/2010/main" xmlns="" val="3506533871"/>
+        <p14:creationId xmlns="" xmlns:p14="http://schemas.microsoft.com/office/powerpoint/2010/main" val="3506533871"/>
       </p:ext>
     </p:extLst>
   </p:cSld>
@@ -25150,7 +27710,7 @@
     <a:masterClrMapping/>
   </p:clrMapOvr>
   <mc:AlternateContent xmlns:mc="http://schemas.openxmlformats.org/markup-compatibility/2006">
-    <mc:Choice xmlns:p14="http://schemas.microsoft.com/office/powerpoint/2010/main" xmlns="" Requires="p14">
+    <mc:Choice xmlns="" xmlns:p14="http://schemas.microsoft.com/office/powerpoint/2010/main" Requires="p14">
       <p:transition spd="slow" p14:dur="2000" advClick="0" advTm="5000"/>
     </mc:Choice>
     <mc:Fallback>
@@ -25522,7 +28082,7 @@
     <a:masterClrMapping/>
   </p:clrMapOvr>
   <mc:AlternateContent xmlns:mc="http://schemas.openxmlformats.org/markup-compatibility/2006">
-    <mc:Choice xmlns:p14="http://schemas.microsoft.com/office/powerpoint/2010/main" xmlns="" Requires="p14">
+    <mc:Choice xmlns="" xmlns:p14="http://schemas.microsoft.com/office/powerpoint/2010/main" Requires="p14">
       <p:transition spd="slow" p14:dur="2000" advClick="0" advTm="5000"/>
     </mc:Choice>
     <mc:Fallback>
@@ -25873,7 +28433,7 @@
     <a:masterClrMapping/>
   </p:clrMapOvr>
   <mc:AlternateContent xmlns:mc="http://schemas.openxmlformats.org/markup-compatibility/2006">
-    <mc:Choice xmlns:p14="http://schemas.microsoft.com/office/powerpoint/2010/main" xmlns="" Requires="p14">
+    <mc:Choice xmlns="" xmlns:p14="http://schemas.microsoft.com/office/powerpoint/2010/main" Requires="p14">
       <p:transition spd="slow" p14:dur="2000" advClick="0" advTm="5000"/>
     </mc:Choice>
     <mc:Fallback>
@@ -26232,7 +28792,7 @@
     <a:masterClrMapping/>
   </p:clrMapOvr>
   <mc:AlternateContent xmlns:mc="http://schemas.openxmlformats.org/markup-compatibility/2006">
-    <mc:Choice xmlns:p14="http://schemas.microsoft.com/office/powerpoint/2010/main" xmlns="" Requires="p14">
+    <mc:Choice xmlns="" xmlns:p14="http://schemas.microsoft.com/office/powerpoint/2010/main" Requires="p14">
       <p:transition spd="slow" p14:dur="2000" advClick="0" advTm="5000"/>
     </mc:Choice>
     <mc:Fallback>
@@ -26615,7 +29175,7 @@
     <a:masterClrMapping/>
   </p:clrMapOvr>
   <mc:AlternateContent xmlns:mc="http://schemas.openxmlformats.org/markup-compatibility/2006">
-    <mc:Choice xmlns:p14="http://schemas.microsoft.com/office/powerpoint/2010/main" xmlns="" Requires="p14">
+    <mc:Choice xmlns="" xmlns:p14="http://schemas.microsoft.com/office/powerpoint/2010/main" Requires="p14">
       <p:transition spd="slow" p14:dur="2000" advClick="0" advTm="5000"/>
     </mc:Choice>
     <mc:Fallback>
@@ -26871,7 +29431,7 @@
     <a:masterClrMapping/>
   </p:clrMapOvr>
   <mc:AlternateContent xmlns:mc="http://schemas.openxmlformats.org/markup-compatibility/2006">
-    <mc:Choice xmlns:p14="http://schemas.microsoft.com/office/powerpoint/2010/main" xmlns="" Requires="p14">
+    <mc:Choice xmlns="" xmlns:p14="http://schemas.microsoft.com/office/powerpoint/2010/main" Requires="p14">
       <p:transition spd="slow" p14:dur="2000" advClick="0" advTm="5000"/>
     </mc:Choice>
     <mc:Fallback>
@@ -27363,7 +29923,7 @@
     <a:masterClrMapping/>
   </p:clrMapOvr>
   <mc:AlternateContent xmlns:mc="http://schemas.openxmlformats.org/markup-compatibility/2006">
-    <mc:Choice xmlns:p14="http://schemas.microsoft.com/office/powerpoint/2010/main" xmlns="" Requires="p14">
+    <mc:Choice xmlns="" xmlns:p14="http://schemas.microsoft.com/office/powerpoint/2010/main" Requires="p14">
       <p:transition spd="slow" p14:dur="2000" advClick="0" advTm="5000"/>
     </mc:Choice>
     <mc:Fallback>
@@ -27872,7 +30432,7 @@
   <a:extraClrSchemeLst/>
   <a:extLst>
     <a:ext uri="{05A4C25C-085E-4340-85A3-A5531E510DB2}">
-      <thm15:themeFamily xmlns:thm15="http://schemas.microsoft.com/office/thememl/2012/main" xmlns="" name="SoftUni" id="{D61FAD9B-6E74-4E03-BFE4-B363D484F1DA}" vid="{7089C1A3-635B-4B03-A017-DAF10A3A396B}"/>
+      <thm15:themeFamily xmlns="" xmlns:thm15="http://schemas.microsoft.com/office/thememl/2012/main" name="SoftUni" id="{D61FAD9B-6E74-4E03-BFE4-B363D484F1DA}" vid="{7089C1A3-635B-4B03-A017-DAF10A3A396B}"/>
     </a:ext>
   </a:extLst>
 </a:theme>
@@ -28167,7 +30727,7 @@
   <a:extraClrSchemeLst/>
   <a:extLst>
     <a:ext uri="{05A4C25C-085E-4340-85A3-A5531E510DB2}">
-      <thm15:themeFamily xmlns:thm15="http://schemas.microsoft.com/office/thememl/2012/main" xmlns="" name="Office Theme" id="{62F939B6-93AF-4DB8-9C6B-D6C7DFDC589F}" vid="{4A3C46E8-61CC-4603-A589-7422A47A8E4A}"/>
+      <thm15:themeFamily xmlns="" xmlns:thm15="http://schemas.microsoft.com/office/thememl/2012/main" name="Office Theme" id="{62F939B6-93AF-4DB8-9C6B-D6C7DFDC589F}" vid="{4A3C46E8-61CC-4603-A589-7422A47A8E4A}"/>
     </a:ext>
   </a:extLst>
 </a:theme>
@@ -28462,28 +31022,13 @@
   <a:extraClrSchemeLst/>
   <a:extLst>
     <a:ext uri="{05A4C25C-085E-4340-85A3-A5531E510DB2}">
-      <thm15:themeFamily xmlns:thm15="http://schemas.microsoft.com/office/thememl/2012/main" xmlns="" name="Office Theme" id="{62F939B6-93AF-4DB8-9C6B-D6C7DFDC589F}" vid="{4A3C46E8-61CC-4603-A589-7422A47A8E4A}"/>
+      <thm15:themeFamily xmlns="" xmlns:thm15="http://schemas.microsoft.com/office/thememl/2012/main" name="Office Theme" id="{62F939B6-93AF-4DB8-9C6B-D6C7DFDC589F}" vid="{4A3C46E8-61CC-4603-A589-7422A47A8E4A}"/>
     </a:ext>
   </a:extLst>
 </a:theme>
 </file>
 
 <file path=customXml/item1.xml><?xml version="1.0" encoding="utf-8"?>
-<p:properties xmlns:p="http://schemas.microsoft.com/office/2006/metadata/properties" xmlns:xsi="http://www.w3.org/2001/XMLSchema-instance" xmlns:pc="http://schemas.microsoft.com/office/infopath/2007/PartnerControls">
-  <documentManagement/>
-</p:properties>
-</file>
-
-<file path=customXml/item2.xml><?xml version="1.0" encoding="utf-8"?>
-<?mso-contentType ?>
-<FormTemplates xmlns="http://schemas.microsoft.com/sharepoint/v3/contenttype/forms">
-  <Display>DocumentLibraryForm</Display>
-  <Edit>DocumentLibraryForm</Edit>
-  <New>DocumentLibraryForm</New>
-</FormTemplates>
-</file>
-
-<file path=customXml/item3.xml><?xml version="1.0" encoding="utf-8"?>
 <ct:contentTypeSchema xmlns:ct="http://schemas.microsoft.com/office/2006/metadata/contentType" xmlns:ma="http://schemas.microsoft.com/office/2006/metadata/properties/metaAttributes" ct:_="" ma:_="" ma:contentTypeName="Документ" ma:contentTypeID="0x010100B6C18B0EB80FEC43B96FC4929E3ACDFF" ma:contentTypeVersion="8" ma:contentTypeDescription="Създаване на нов документ" ma:contentTypeScope="" ma:versionID="5e73c28b7fde86b7f49c9d6b9be21d41">
   <xsd:schema xmlns:xsd="http://www.w3.org/2001/XMLSchema" xmlns:xs="http://www.w3.org/2001/XMLSchema" xmlns:p="http://schemas.microsoft.com/office/2006/metadata/properties" xmlns:ns2="4f985cec-e092-4bcf-a1e1-b816bd0221d8" targetNamespace="http://schemas.microsoft.com/office/2006/metadata/properties" ma:root="true" ma:fieldsID="f7a640d6aa79659634b3275499e0d9c9" ns2:_="">
     <xsd:import namespace="4f985cec-e092-4bcf-a1e1-b816bd0221d8"/>
@@ -28655,31 +31200,22 @@
 </ct:contentTypeSchema>
 </file>
 
-<file path=customXml/itemProps1.xml><?xml version="1.0" encoding="utf-8"?>
-<ds:datastoreItem xmlns:ds="http://schemas.openxmlformats.org/officeDocument/2006/customXml" ds:itemID="{5E2F4A33-1866-4BB8-8A35-8D6BDFE8D9F5}">
-  <ds:schemaRefs>
-    <ds:schemaRef ds:uri="http://schemas.microsoft.com/office/infopath/2007/PartnerControls"/>
-    <ds:schemaRef ds:uri="http://purl.org/dc/dcmitype/"/>
-    <ds:schemaRef ds:uri="http://schemas.microsoft.com/office/2006/documentManagement/types"/>
-    <ds:schemaRef ds:uri="http://schemas.microsoft.com/office/2006/metadata/properties"/>
-    <ds:schemaRef ds:uri="http://www.w3.org/XML/1998/namespace"/>
-    <ds:schemaRef ds:uri="4f985cec-e092-4bcf-a1e1-b816bd0221d8"/>
-    <ds:schemaRef ds:uri="http://schemas.openxmlformats.org/package/2006/metadata/core-properties"/>
-    <ds:schemaRef ds:uri="http://purl.org/dc/terms/"/>
-    <ds:schemaRef ds:uri="http://purl.org/dc/elements/1.1/"/>
-  </ds:schemaRefs>
-</ds:datastoreItem>
+<file path=customXml/item2.xml><?xml version="1.0" encoding="utf-8"?>
+<?mso-contentType ?>
+<FormTemplates xmlns="http://schemas.microsoft.com/sharepoint/v3/contenttype/forms">
+  <Display>DocumentLibraryForm</Display>
+  <Edit>DocumentLibraryForm</Edit>
+  <New>DocumentLibraryForm</New>
+</FormTemplates>
 </file>
 
-<file path=customXml/itemProps2.xml><?xml version="1.0" encoding="utf-8"?>
-<ds:datastoreItem xmlns:ds="http://schemas.openxmlformats.org/officeDocument/2006/customXml" ds:itemID="{68A20BEC-F81B-49CD-951D-E62C4BAE7796}">
-  <ds:schemaRefs>
-    <ds:schemaRef ds:uri="http://schemas.microsoft.com/sharepoint/v3/contenttype/forms"/>
-  </ds:schemaRefs>
-</ds:datastoreItem>
+<file path=customXml/item3.xml><?xml version="1.0" encoding="utf-8"?>
+<p:properties xmlns:p="http://schemas.microsoft.com/office/2006/metadata/properties" xmlns:xsi="http://www.w3.org/2001/XMLSchema-instance" xmlns:pc="http://schemas.microsoft.com/office/infopath/2007/PartnerControls">
+  <documentManagement/>
+</p:properties>
 </file>
 
-<file path=customXml/itemProps3.xml><?xml version="1.0" encoding="utf-8"?>
+<file path=customXml/itemProps1.xml><?xml version="1.0" encoding="utf-8"?>
 <ds:datastoreItem xmlns:ds="http://schemas.openxmlformats.org/officeDocument/2006/customXml" ds:itemID="{4443A303-689A-4436-B140-8B2DF827EBE9}">
   <ds:schemaRefs>
     <ds:schemaRef ds:uri="http://schemas.microsoft.com/office/2006/metadata/contentType"/>
@@ -28695,4 +31231,28 @@
     <ds:schemaRef ds:uri="http://schemas.microsoft.com/internal/obd"/>
   </ds:schemaRefs>
 </ds:datastoreItem>
+</file>
+
+<file path=customXml/itemProps2.xml><?xml version="1.0" encoding="utf-8"?>
+<ds:datastoreItem xmlns:ds="http://schemas.openxmlformats.org/officeDocument/2006/customXml" ds:itemID="{68A20BEC-F81B-49CD-951D-E62C4BAE7796}">
+  <ds:schemaRefs>
+    <ds:schemaRef ds:uri="http://schemas.microsoft.com/sharepoint/v3/contenttype/forms"/>
+  </ds:schemaRefs>
+</ds:datastoreItem>
+</file>
+
+<file path=customXml/itemProps3.xml><?xml version="1.0" encoding="utf-8"?>
+<ds:datastoreItem xmlns:ds="http://schemas.openxmlformats.org/officeDocument/2006/customXml" ds:itemID="{5E2F4A33-1866-4BB8-8A35-8D6BDFE8D9F5}">
+  <ds:schemaRefs>
+    <ds:schemaRef ds:uri="http://schemas.microsoft.com/office/infopath/2007/PartnerControls"/>
+    <ds:schemaRef ds:uri="http://purl.org/dc/dcmitype/"/>
+    <ds:schemaRef ds:uri="http://schemas.microsoft.com/office/2006/documentManagement/types"/>
+    <ds:schemaRef ds:uri="http://schemas.microsoft.com/office/2006/metadata/properties"/>
+    <ds:schemaRef ds:uri="http://www.w3.org/XML/1998/namespace"/>
+    <ds:schemaRef ds:uri="4f985cec-e092-4bcf-a1e1-b816bd0221d8"/>
+    <ds:schemaRef ds:uri="http://schemas.openxmlformats.org/package/2006/metadata/core-properties"/>
+    <ds:schemaRef ds:uri="http://purl.org/dc/terms/"/>
+    <ds:schemaRef ds:uri="http://purl.org/dc/elements/1.1/"/>
+  </ds:schemaRefs>
+</ds:datastoreItem>
 </file>
--- a/Courses/Software-Sciences/Module-3-Databases-New/11-MS-Access/11-MS-Access.pptx
+++ b/Courses/Software-Sciences/Module-3-Databases-New/11-MS-Access/11-MS-Access.pptx
@@ -5,10 +5,10 @@
     <p:sldMasterId id="2147483675" r:id="rId4"/>
   </p:sldMasterIdLst>
   <p:notesMasterIdLst>
-    <p:notesMasterId r:id="rId50"/>
+    <p:notesMasterId r:id="rId52"/>
   </p:notesMasterIdLst>
   <p:handoutMasterIdLst>
-    <p:handoutMasterId r:id="rId51"/>
+    <p:handoutMasterId r:id="rId53"/>
   </p:handoutMasterIdLst>
   <p:sldIdLst>
     <p:sldId id="503" r:id="rId5"/>
@@ -32,30 +32,32 @@
     <p:sldId id="539" r:id="rId23"/>
     <p:sldId id="540" r:id="rId24"/>
     <p:sldId id="564" r:id="rId25"/>
-    <p:sldId id="555" r:id="rId26"/>
-    <p:sldId id="557" r:id="rId27"/>
-    <p:sldId id="556" r:id="rId28"/>
-    <p:sldId id="558" r:id="rId29"/>
-    <p:sldId id="559" r:id="rId30"/>
-    <p:sldId id="560" r:id="rId31"/>
-    <p:sldId id="561" r:id="rId32"/>
-    <p:sldId id="563" r:id="rId33"/>
-    <p:sldId id="562" r:id="rId34"/>
-    <p:sldId id="542" r:id="rId35"/>
-    <p:sldId id="543" r:id="rId36"/>
-    <p:sldId id="544" r:id="rId37"/>
-    <p:sldId id="545" r:id="rId38"/>
-    <p:sldId id="546" r:id="rId39"/>
-    <p:sldId id="548" r:id="rId40"/>
-    <p:sldId id="549" r:id="rId41"/>
-    <p:sldId id="550" r:id="rId42"/>
-    <p:sldId id="551" r:id="rId43"/>
-    <p:sldId id="552" r:id="rId44"/>
-    <p:sldId id="553" r:id="rId45"/>
-    <p:sldId id="554" r:id="rId46"/>
-    <p:sldId id="349" r:id="rId47"/>
-    <p:sldId id="256" r:id="rId48"/>
-    <p:sldId id="493" r:id="rId49"/>
+    <p:sldId id="565" r:id="rId26"/>
+    <p:sldId id="566" r:id="rId27"/>
+    <p:sldId id="555" r:id="rId28"/>
+    <p:sldId id="557" r:id="rId29"/>
+    <p:sldId id="556" r:id="rId30"/>
+    <p:sldId id="558" r:id="rId31"/>
+    <p:sldId id="559" r:id="rId32"/>
+    <p:sldId id="560" r:id="rId33"/>
+    <p:sldId id="561" r:id="rId34"/>
+    <p:sldId id="563" r:id="rId35"/>
+    <p:sldId id="562" r:id="rId36"/>
+    <p:sldId id="542" r:id="rId37"/>
+    <p:sldId id="543" r:id="rId38"/>
+    <p:sldId id="544" r:id="rId39"/>
+    <p:sldId id="545" r:id="rId40"/>
+    <p:sldId id="546" r:id="rId41"/>
+    <p:sldId id="548" r:id="rId42"/>
+    <p:sldId id="549" r:id="rId43"/>
+    <p:sldId id="550" r:id="rId44"/>
+    <p:sldId id="551" r:id="rId45"/>
+    <p:sldId id="552" r:id="rId46"/>
+    <p:sldId id="553" r:id="rId47"/>
+    <p:sldId id="554" r:id="rId48"/>
+    <p:sldId id="349" r:id="rId49"/>
+    <p:sldId id="256" r:id="rId50"/>
+    <p:sldId id="493" r:id="rId51"/>
   </p:sldIdLst>
   <p:sldSz cx="12192000" cy="6858000"/>
   <p:notesSz cx="6858000" cy="9144000"/>
@@ -156,7 +158,7 @@
   </p:defaultTextStyle>
   <p:extLst>
     <p:ext uri="{521415D9-36F7-43E2-AB2F-B90AF26B5E84}">
-      <p14:sectionLst xmlns:p14="http://schemas.microsoft.com/office/powerpoint/2010/main">
+      <p14:sectionLst xmlns:p14="http://schemas.microsoft.com/office/powerpoint/2010/main" xmlns="">
         <p14:section name="Въведение" id="{A0C7653D-1924-4F56-9E27-AA2B21F1DA92}">
           <p14:sldIdLst>
             <p14:sldId id="503"/>
@@ -241,7 +243,7 @@
       </p14:sectionLst>
     </p:ext>
     <p:ext uri="{EFAFB233-063F-42B5-8137-9DF3F51BA10A}">
-      <p15:sldGuideLst xmlns:p15="http://schemas.microsoft.com/office/powerpoint/2012/main">
+      <p15:sldGuideLst xmlns:p15="http://schemas.microsoft.com/office/powerpoint/2012/main" xmlns="">
         <p15:guide id="1" orient="horz" pos="2184" userDrawn="1">
           <p15:clr>
             <a:srgbClr val="A4A3A4"/>
@@ -255,7 +257,7 @@
       </p15:sldGuideLst>
     </p:ext>
     <p:ext uri="{2D200454-40CA-4A62-9FC3-DE9A4176ACB9}">
-      <p15:notesGuideLst xmlns:p15="http://schemas.microsoft.com/office/powerpoint/2012/main"/>
+      <p15:notesGuideLst xmlns:p15="http://schemas.microsoft.com/office/powerpoint/2012/main" xmlns=""/>
     </p:ext>
   </p:extLst>
 </p:presentation>
@@ -335,7 +337,7 @@
           <p:cNvPr id="2" name="Header Placeholder 1">
             <a:extLst>
               <a:ext uri="{FF2B5EF4-FFF2-40B4-BE49-F238E27FC236}">
-                <a16:creationId xmlns:a16="http://schemas.microsoft.com/office/drawing/2014/main" id="{56F20103-83CC-4A54-8FDE-9D37FC2629C0}"/>
+                <a16:creationId xmlns:a16="http://schemas.microsoft.com/office/drawing/2014/main" xmlns="" id="{56F20103-83CC-4A54-8FDE-9D37FC2629C0}"/>
               </a:ext>
             </a:extLst>
           </p:cNvPr>
@@ -372,7 +374,7 @@
           <p:cNvPr id="3" name="Date Placeholder 2">
             <a:extLst>
               <a:ext uri="{FF2B5EF4-FFF2-40B4-BE49-F238E27FC236}">
-                <a16:creationId xmlns:a16="http://schemas.microsoft.com/office/drawing/2014/main" id="{27A53962-26EF-44E4-9E69-61B1727AB1C2}"/>
+                <a16:creationId xmlns:a16="http://schemas.microsoft.com/office/drawing/2014/main" xmlns="" id="{27A53962-26EF-44E4-9E69-61B1727AB1C2}"/>
               </a:ext>
             </a:extLst>
           </p:cNvPr>
@@ -414,7 +416,7 @@
           <p:cNvPr id="4" name="Footer Placeholder 3">
             <a:extLst>
               <a:ext uri="{FF2B5EF4-FFF2-40B4-BE49-F238E27FC236}">
-                <a16:creationId xmlns:a16="http://schemas.microsoft.com/office/drawing/2014/main" id="{28A6967E-448F-4887-8FCB-34482EFBCC74}"/>
+                <a16:creationId xmlns:a16="http://schemas.microsoft.com/office/drawing/2014/main" xmlns="" id="{28A6967E-448F-4887-8FCB-34482EFBCC74}"/>
               </a:ext>
             </a:extLst>
           </p:cNvPr>
@@ -464,7 +466,7 @@
           <p:cNvPr id="5" name="Slide Number Placeholder 4">
             <a:extLst>
               <a:ext uri="{FF2B5EF4-FFF2-40B4-BE49-F238E27FC236}">
-                <a16:creationId xmlns:a16="http://schemas.microsoft.com/office/drawing/2014/main" id="{8B6554C2-DDBA-40E2-9536-53A07EC50274}"/>
+                <a16:creationId xmlns:a16="http://schemas.microsoft.com/office/drawing/2014/main" xmlns="" id="{8B6554C2-DDBA-40E2-9536-53A07EC50274}"/>
               </a:ext>
             </a:extLst>
           </p:cNvPr>
@@ -504,7 +506,7 @@
     </p:spTree>
     <p:extLst>
       <p:ext uri="{BB962C8B-B14F-4D97-AF65-F5344CB8AC3E}">
-        <p14:creationId xmlns:p14="http://schemas.microsoft.com/office/powerpoint/2010/main" val="4150602968"/>
+        <p14:creationId xmlns:p14="http://schemas.microsoft.com/office/powerpoint/2010/main" xmlns="" val="4150602968"/>
       </p:ext>
     </p:extLst>
   </p:cSld>
@@ -735,7 +737,7 @@
           <p:cNvPr id="8" name="Footer Placeholder 7">
             <a:extLst>
               <a:ext uri="{FF2B5EF4-FFF2-40B4-BE49-F238E27FC236}">
-                <a16:creationId xmlns:a16="http://schemas.microsoft.com/office/drawing/2014/main" id="{CAC3A49B-3196-44DF-AC28-085C72EFBFF0}"/>
+                <a16:creationId xmlns:a16="http://schemas.microsoft.com/office/drawing/2014/main" xmlns="" id="{CAC3A49B-3196-44DF-AC28-085C72EFBFF0}"/>
               </a:ext>
             </a:extLst>
           </p:cNvPr>
@@ -783,7 +785,7 @@
     </p:spTree>
     <p:extLst>
       <p:ext uri="{BB962C8B-B14F-4D97-AF65-F5344CB8AC3E}">
-        <p14:creationId xmlns:p14="http://schemas.microsoft.com/office/powerpoint/2010/main" val="1530847692"/>
+        <p14:creationId xmlns:p14="http://schemas.microsoft.com/office/powerpoint/2010/main" xmlns="" val="1530847692"/>
       </p:ext>
     </p:extLst>
   </p:cSld>
@@ -930,7 +932,7 @@
           <p:cNvPr id="8" name="Slide Image Placeholder 7">
             <a:extLst>
               <a:ext uri="{FF2B5EF4-FFF2-40B4-BE49-F238E27FC236}">
-                <a16:creationId xmlns:a16="http://schemas.microsoft.com/office/drawing/2014/main" id="{78811095-27E9-49AB-972B-D4E20B3963A6}"/>
+                <a16:creationId xmlns:a16="http://schemas.microsoft.com/office/drawing/2014/main" xmlns="" id="{78811095-27E9-49AB-972B-D4E20B3963A6}"/>
               </a:ext>
             </a:extLst>
           </p:cNvPr>
@@ -948,7 +950,7 @@
           <p:cNvPr id="9" name="Notes Placeholder 8">
             <a:extLst>
               <a:ext uri="{FF2B5EF4-FFF2-40B4-BE49-F238E27FC236}">
-                <a16:creationId xmlns:a16="http://schemas.microsoft.com/office/drawing/2014/main" id="{E923224B-0CC3-475A-8628-8A90751AE61A}"/>
+                <a16:creationId xmlns:a16="http://schemas.microsoft.com/office/drawing/2014/main" xmlns="" id="{E923224B-0CC3-475A-8628-8A90751AE61A}"/>
               </a:ext>
             </a:extLst>
           </p:cNvPr>
@@ -973,7 +975,7 @@
           <p:cNvPr id="2" name="Footer Placeholder 1">
             <a:extLst>
               <a:ext uri="{FF2B5EF4-FFF2-40B4-BE49-F238E27FC236}">
-                <a16:creationId xmlns:a16="http://schemas.microsoft.com/office/drawing/2014/main" id="{3288A3F3-90B1-4930-8D00-5603BDABEF10}"/>
+                <a16:creationId xmlns:a16="http://schemas.microsoft.com/office/drawing/2014/main" xmlns="" id="{3288A3F3-90B1-4930-8D00-5603BDABEF10}"/>
               </a:ext>
             </a:extLst>
           </p:cNvPr>
@@ -1009,7 +1011,7 @@
     </p:spTree>
     <p:extLst>
       <p:ext uri="{BB962C8B-B14F-4D97-AF65-F5344CB8AC3E}">
-        <p14:creationId xmlns:p14="http://schemas.microsoft.com/office/powerpoint/2010/main" val="2594489433"/>
+        <p14:creationId xmlns:p14="http://schemas.microsoft.com/office/powerpoint/2010/main" xmlns="" val="2594489433"/>
       </p:ext>
     </p:extLst>
   </p:cSld>
@@ -1087,7 +1089,7 @@
             <a:fld id="{2BF067CD-8E6B-4360-9AA8-C5DF2A48A6D1}" type="slidenum">
               <a:rPr lang="en-US" smtClean="0"/>
               <a:pPr/>
-              <a:t>25</a:t>
+              <a:t>28</a:t>
             </a:fld>
             <a:endParaRPr lang="en-US" dirty="0"/>
           </a:p>
@@ -1202,7 +1204,7 @@
             <a:fld id="{2BF067CD-8E6B-4360-9AA8-C5DF2A48A6D1}" type="slidenum">
               <a:rPr lang="en-US" smtClean="0"/>
               <a:pPr/>
-              <a:t>27</a:t>
+              <a:t>30</a:t>
             </a:fld>
             <a:endParaRPr lang="en-US" dirty="0"/>
           </a:p>
@@ -1317,7 +1319,7 @@
             <a:fld id="{2BF067CD-8E6B-4360-9AA8-C5DF2A48A6D1}" type="slidenum">
               <a:rPr lang="en-US" smtClean="0"/>
               <a:pPr/>
-              <a:t>36</a:t>
+              <a:t>39</a:t>
             </a:fld>
             <a:endParaRPr lang="en-US" dirty="0"/>
           </a:p>
@@ -1417,7 +1419,7 @@
           <p:cNvPr id="7" name="Slide Number Placeholder 5">
             <a:extLst>
               <a:ext uri="{FF2B5EF4-FFF2-40B4-BE49-F238E27FC236}">
-                <a16:creationId xmlns:a16="http://schemas.microsoft.com/office/drawing/2014/main" id="{E65F1CA9-65DC-416B-8882-B3A5E415CE67}"/>
+                <a16:creationId xmlns:a16="http://schemas.microsoft.com/office/drawing/2014/main" xmlns="" id="{E65F1CA9-65DC-416B-8882-B3A5E415CE67}"/>
               </a:ext>
             </a:extLst>
           </p:cNvPr>
@@ -1536,7 +1538,7 @@
             <a:fld id="{3EBA5BD7-F043-4D1B-AA17-CD412FC534DE}" type="slidenum">
               <a:rPr lang="en-US" smtClean="0"/>
               <a:pPr/>
-              <a:t>42</a:t>
+              <a:t>45</a:t>
             </a:fld>
             <a:endParaRPr lang="en-US" dirty="0"/>
           </a:p>
@@ -1547,7 +1549,7 @@
           <p:cNvPr id="4" name="Footer Placeholder 3">
             <a:extLst>
               <a:ext uri="{FF2B5EF4-FFF2-40B4-BE49-F238E27FC236}">
-                <a16:creationId xmlns:a16="http://schemas.microsoft.com/office/drawing/2014/main" id="{C5BD11C3-9FCD-4EAE-876D-E766924FAFF2}"/>
+                <a16:creationId xmlns:a16="http://schemas.microsoft.com/office/drawing/2014/main" xmlns="" id="{C5BD11C3-9FCD-4EAE-876D-E766924FAFF2}"/>
               </a:ext>
             </a:extLst>
           </p:cNvPr>
@@ -1583,7 +1585,7 @@
     </p:spTree>
     <p:extLst>
       <p:ext uri="{BB962C8B-B14F-4D97-AF65-F5344CB8AC3E}">
-        <p14:creationId xmlns:p14="http://schemas.microsoft.com/office/powerpoint/2010/main" val="1860974293"/>
+        <p14:creationId xmlns:p14="http://schemas.microsoft.com/office/powerpoint/2010/main" xmlns="" val="1860974293"/>
       </p:ext>
     </p:extLst>
   </p:cSld>
@@ -1659,7 +1661,7 @@
             <a:fld id="{85C0F205-FB23-4B4A-AA1E-CC80DEDB9B7E}" type="slidenum">
               <a:rPr lang="x-none" smtClean="0"/>
               <a:pPr/>
-              <a:t>43</a:t>
+              <a:t>46</a:t>
             </a:fld>
             <a:endParaRPr lang="x-none"/>
           </a:p>
@@ -1668,7 +1670,7 @@
     </p:spTree>
     <p:extLst>
       <p:ext uri="{BB962C8B-B14F-4D97-AF65-F5344CB8AC3E}">
-        <p14:creationId xmlns:p14="http://schemas.microsoft.com/office/powerpoint/2010/main" val="1201445929"/>
+        <p14:creationId xmlns:p14="http://schemas.microsoft.com/office/powerpoint/2010/main" xmlns="" val="1201445929"/>
       </p:ext>
     </p:extLst>
   </p:cSld>
@@ -1731,7 +1733,7 @@
           <p:cNvPr id="6" name="Slide Number Placeholder 5">
             <a:extLst>
               <a:ext uri="{FF2B5EF4-FFF2-40B4-BE49-F238E27FC236}">
-                <a16:creationId xmlns:a16="http://schemas.microsoft.com/office/drawing/2014/main" id="{6627548A-4D3C-449B-81A5-FA4BE4628490}"/>
+                <a16:creationId xmlns:a16="http://schemas.microsoft.com/office/drawing/2014/main" xmlns="" id="{6627548A-4D3C-449B-81A5-FA4BE4628490}"/>
               </a:ext>
             </a:extLst>
           </p:cNvPr>
@@ -1850,7 +1852,7 @@
             <a:fld id="{3EBA5BD7-F043-4D1B-AA17-CD412FC534DE}" type="slidenum">
               <a:rPr lang="en-US" smtClean="0"/>
               <a:pPr/>
-              <a:t>44</a:t>
+              <a:t>47</a:t>
             </a:fld>
             <a:endParaRPr lang="en-US" dirty="0"/>
           </a:p>
@@ -1861,7 +1863,7 @@
           <p:cNvPr id="4" name="Footer Placeholder 3">
             <a:extLst>
               <a:ext uri="{FF2B5EF4-FFF2-40B4-BE49-F238E27FC236}">
-                <a16:creationId xmlns:a16="http://schemas.microsoft.com/office/drawing/2014/main" id="{D2472CE7-61C1-4B7B-B0C8-5A45F0178717}"/>
+                <a16:creationId xmlns:a16="http://schemas.microsoft.com/office/drawing/2014/main" xmlns="" id="{D2472CE7-61C1-4B7B-B0C8-5A45F0178717}"/>
               </a:ext>
             </a:extLst>
           </p:cNvPr>
@@ -1897,7 +1899,7 @@
     </p:spTree>
     <p:extLst>
       <p:ext uri="{BB962C8B-B14F-4D97-AF65-F5344CB8AC3E}">
-        <p14:creationId xmlns:p14="http://schemas.microsoft.com/office/powerpoint/2010/main" val="729041308"/>
+        <p14:creationId xmlns:p14="http://schemas.microsoft.com/office/powerpoint/2010/main" xmlns="" val="729041308"/>
       </p:ext>
     </p:extLst>
   </p:cSld>
@@ -1929,7 +1931,7 @@
           <p:cNvPr id="14" name="Slide Image Placeholder 13">
             <a:extLst>
               <a:ext uri="{FF2B5EF4-FFF2-40B4-BE49-F238E27FC236}">
-                <a16:creationId xmlns:a16="http://schemas.microsoft.com/office/drawing/2014/main" id="{A1F0B3C6-2E53-4CA3-86D1-53D46EC35267}"/>
+                <a16:creationId xmlns:a16="http://schemas.microsoft.com/office/drawing/2014/main" xmlns="" id="{A1F0B3C6-2E53-4CA3-86D1-53D46EC35267}"/>
               </a:ext>
             </a:extLst>
           </p:cNvPr>
@@ -1947,7 +1949,7 @@
           <p:cNvPr id="15" name="Notes Placeholder 14">
             <a:extLst>
               <a:ext uri="{FF2B5EF4-FFF2-40B4-BE49-F238E27FC236}">
-                <a16:creationId xmlns:a16="http://schemas.microsoft.com/office/drawing/2014/main" id="{149CC699-A079-49A5-A4D6-73B7F849A7DC}"/>
+                <a16:creationId xmlns:a16="http://schemas.microsoft.com/office/drawing/2014/main" xmlns="" id="{149CC699-A079-49A5-A4D6-73B7F849A7DC}"/>
               </a:ext>
             </a:extLst>
           </p:cNvPr>
@@ -1972,7 +1974,7 @@
           <p:cNvPr id="19" name="Slide Number Placeholder 5">
             <a:extLst>
               <a:ext uri="{FF2B5EF4-FFF2-40B4-BE49-F238E27FC236}">
-                <a16:creationId xmlns:a16="http://schemas.microsoft.com/office/drawing/2014/main" id="{121F4233-7E9A-40D2-9066-2DB14E2FA5AD}"/>
+                <a16:creationId xmlns:a16="http://schemas.microsoft.com/office/drawing/2014/main" xmlns="" id="{121F4233-7E9A-40D2-9066-2DB14E2FA5AD}"/>
               </a:ext>
             </a:extLst>
           </p:cNvPr>
@@ -2102,7 +2104,7 @@
           <p:cNvPr id="2" name="Footer Placeholder 1">
             <a:extLst>
               <a:ext uri="{FF2B5EF4-FFF2-40B4-BE49-F238E27FC236}">
-                <a16:creationId xmlns:a16="http://schemas.microsoft.com/office/drawing/2014/main" id="{D18F1DFF-B3E7-4ABF-97EE-0BBF3A961EC5}"/>
+                <a16:creationId xmlns:a16="http://schemas.microsoft.com/office/drawing/2014/main" xmlns="" id="{D18F1DFF-B3E7-4ABF-97EE-0BBF3A961EC5}"/>
               </a:ext>
             </a:extLst>
           </p:cNvPr>
@@ -2138,7 +2140,7 @@
     </p:spTree>
     <p:extLst>
       <p:ext uri="{BB962C8B-B14F-4D97-AF65-F5344CB8AC3E}">
-        <p14:creationId xmlns:p14="http://schemas.microsoft.com/office/powerpoint/2010/main" val="4028530743"/>
+        <p14:creationId xmlns:p14="http://schemas.microsoft.com/office/powerpoint/2010/main" xmlns="" val="4028530743"/>
       </p:ext>
     </p:extLst>
   </p:cSld>
@@ -2906,7 +2908,7 @@
             <a:fld id="{2BF067CD-8E6B-4360-9AA8-C5DF2A48A6D1}" type="slidenum">
               <a:rPr lang="en-US" smtClean="0"/>
               <a:pPr/>
-              <a:t>22</a:t>
+              <a:t>25</a:t>
             </a:fld>
             <a:endParaRPr lang="en-US" dirty="0"/>
           </a:p>
@@ -2975,7 +2977,7 @@
           <p:cNvPr id="16" name="Rectangle Bottom">
             <a:extLst>
               <a:ext uri="{FF2B5EF4-FFF2-40B4-BE49-F238E27FC236}">
-                <a16:creationId xmlns:a16="http://schemas.microsoft.com/office/drawing/2014/main" id="{6854D183-0374-4B3E-B2CE-32F308A81591}"/>
+                <a16:creationId xmlns:a16="http://schemas.microsoft.com/office/drawing/2014/main" xmlns="" id="{6854D183-0374-4B3E-B2CE-32F308A81591}"/>
               </a:ext>
             </a:extLst>
           </p:cNvPr>
@@ -3056,7 +3058,7 @@
           <p:cNvPr id="14" name="Picture Logo SoftUni" descr="SoftUni logo">
             <a:extLst>
               <a:ext uri="{FF2B5EF4-FFF2-40B4-BE49-F238E27FC236}">
-                <a16:creationId xmlns:a16="http://schemas.microsoft.com/office/drawing/2014/main" id="{C4D6B2A2-DFF0-4712-BFEC-6676BEC99FEC}"/>
+                <a16:creationId xmlns:a16="http://schemas.microsoft.com/office/drawing/2014/main" xmlns="" id="{C4D6B2A2-DFF0-4712-BFEC-6676BEC99FEC}"/>
               </a:ext>
             </a:extLst>
           </p:cNvPr>
@@ -3079,7 +3081,7 @@
             </a:clrChange>
             <a:extLst>
               <a:ext uri="{28A0092B-C50C-407E-A947-70E740481C1C}">
-                <a14:useLocalDpi xmlns:a14="http://schemas.microsoft.com/office/drawing/2010/main" val="0"/>
+                <a14:useLocalDpi xmlns:a14="http://schemas.microsoft.com/office/drawing/2010/main" xmlns="" val="0"/>
               </a:ext>
             </a:extLst>
           </a:blip>
@@ -3102,7 +3104,7 @@
           <p:cNvPr id="31" name="Text Placeholder Company Site">
             <a:extLst>
               <a:ext uri="{FF2B5EF4-FFF2-40B4-BE49-F238E27FC236}">
-                <a16:creationId xmlns:a16="http://schemas.microsoft.com/office/drawing/2014/main" id="{3E6B87B7-9D33-4EBB-BD4F-C0436BA3FD72}"/>
+                <a16:creationId xmlns:a16="http://schemas.microsoft.com/office/drawing/2014/main" xmlns="" id="{3E6B87B7-9D33-4EBB-BD4F-C0436BA3FD72}"/>
               </a:ext>
             </a:extLst>
           </p:cNvPr>
@@ -3164,7 +3166,7 @@
           <p:cNvPr id="30" name="Text Placeholder Company Name">
             <a:extLst>
               <a:ext uri="{FF2B5EF4-FFF2-40B4-BE49-F238E27FC236}">
-                <a16:creationId xmlns:a16="http://schemas.microsoft.com/office/drawing/2014/main" id="{2EA92DCA-4DB5-4D03-ACD3-A6A296592D0C}"/>
+                <a16:creationId xmlns:a16="http://schemas.microsoft.com/office/drawing/2014/main" xmlns="" id="{2EA92DCA-4DB5-4D03-ACD3-A6A296592D0C}"/>
               </a:ext>
             </a:extLst>
           </p:cNvPr>
@@ -3226,7 +3228,7 @@
           <p:cNvPr id="35" name="Picture SoftUni Mascot" descr="SoftUni mascot">
             <a:extLst>
               <a:ext uri="{FF2B5EF4-FFF2-40B4-BE49-F238E27FC236}">
-                <a16:creationId xmlns:a16="http://schemas.microsoft.com/office/drawing/2014/main" id="{951E7DA9-C5F0-43D9-B013-3BDF9EEF029D}"/>
+                <a16:creationId xmlns:a16="http://schemas.microsoft.com/office/drawing/2014/main" xmlns="" id="{951E7DA9-C5F0-43D9-B013-3BDF9EEF029D}"/>
               </a:ext>
             </a:extLst>
           </p:cNvPr>
@@ -3239,7 +3241,7 @@
           <a:blip r:embed="rId3" cstate="print">
             <a:extLst>
               <a:ext uri="{28A0092B-C50C-407E-A947-70E740481C1C}">
-                <a14:useLocalDpi xmlns:a14="http://schemas.microsoft.com/office/drawing/2010/main" val="0"/>
+                <a14:useLocalDpi xmlns:a14="http://schemas.microsoft.com/office/drawing/2010/main" xmlns="" val="0"/>
               </a:ext>
             </a:extLst>
           </a:blip>
@@ -3262,7 +3264,7 @@
             <a:hlinkClick r:id="rId4"/>
             <a:extLst>
               <a:ext uri="{FF2B5EF4-FFF2-40B4-BE49-F238E27FC236}">
-                <a16:creationId xmlns:a16="http://schemas.microsoft.com/office/drawing/2014/main" id="{F2315EB3-3FE4-4D3B-921E-5F209CEC13CB}"/>
+                <a16:creationId xmlns:a16="http://schemas.microsoft.com/office/drawing/2014/main" xmlns="" id="{F2315EB3-3FE4-4D3B-921E-5F209CEC13CB}"/>
               </a:ext>
             </a:extLst>
           </p:cNvPr>
@@ -3285,7 +3287,7 @@
             </a:clrChange>
             <a:extLst>
               <a:ext uri="{28A0092B-C50C-407E-A947-70E740481C1C}">
-                <a14:useLocalDpi xmlns:a14="http://schemas.microsoft.com/office/drawing/2010/main" val="0"/>
+                <a14:useLocalDpi xmlns:a14="http://schemas.microsoft.com/office/drawing/2010/main" xmlns="" val="0"/>
               </a:ext>
             </a:extLst>
           </a:blip>
@@ -3308,7 +3310,7 @@
           <p:cNvPr id="40" name="Text Placeholder Author Position">
             <a:extLst>
               <a:ext uri="{FF2B5EF4-FFF2-40B4-BE49-F238E27FC236}">
-                <a16:creationId xmlns:a16="http://schemas.microsoft.com/office/drawing/2014/main" id="{CD940256-851E-46C8-8BFB-A5ECA6C7DA07}"/>
+                <a16:creationId xmlns:a16="http://schemas.microsoft.com/office/drawing/2014/main" xmlns="" id="{CD940256-851E-46C8-8BFB-A5ECA6C7DA07}"/>
               </a:ext>
             </a:extLst>
           </p:cNvPr>
@@ -3368,7 +3370,7 @@
           <p:cNvPr id="36" name="Text Placeholder Author Name">
             <a:extLst>
               <a:ext uri="{FF2B5EF4-FFF2-40B4-BE49-F238E27FC236}">
-                <a16:creationId xmlns:a16="http://schemas.microsoft.com/office/drawing/2014/main" id="{3B21F47B-DE1F-442D-A2B7-6866F8786704}"/>
+                <a16:creationId xmlns:a16="http://schemas.microsoft.com/office/drawing/2014/main" xmlns="" id="{3B21F47B-DE1F-442D-A2B7-6866F8786704}"/>
               </a:ext>
             </a:extLst>
           </p:cNvPr>
@@ -3428,7 +3430,7 @@
           <p:cNvPr id="33" name="Picture Placeholder Title Image">
             <a:extLst>
               <a:ext uri="{FF2B5EF4-FFF2-40B4-BE49-F238E27FC236}">
-                <a16:creationId xmlns:a16="http://schemas.microsoft.com/office/drawing/2014/main" id="{A04D819A-89E2-4714-8C56-1838BF467EF7}"/>
+                <a16:creationId xmlns:a16="http://schemas.microsoft.com/office/drawing/2014/main" xmlns="" id="{A04D819A-89E2-4714-8C56-1838BF467EF7}"/>
               </a:ext>
             </a:extLst>
           </p:cNvPr>
@@ -3470,7 +3472,7 @@
           <p:cNvPr id="43" name="Presentation Subtitle">
             <a:extLst>
               <a:ext uri="{FF2B5EF4-FFF2-40B4-BE49-F238E27FC236}">
-                <a16:creationId xmlns:a16="http://schemas.microsoft.com/office/drawing/2014/main" id="{37BDB812-1395-4B02-ABCF-6A331EEE23E5}"/>
+                <a16:creationId xmlns:a16="http://schemas.microsoft.com/office/drawing/2014/main" xmlns="" id="{37BDB812-1395-4B02-ABCF-6A331EEE23E5}"/>
               </a:ext>
             </a:extLst>
           </p:cNvPr>
@@ -3514,7 +3516,7 @@
           <p:cNvPr id="2" name="Presentation Title">
             <a:extLst>
               <a:ext uri="{FF2B5EF4-FFF2-40B4-BE49-F238E27FC236}">
-                <a16:creationId xmlns:a16="http://schemas.microsoft.com/office/drawing/2014/main" id="{A4DF3AB8-E6E3-4FCE-8A4A-ECD147720A5D}"/>
+                <a16:creationId xmlns:a16="http://schemas.microsoft.com/office/drawing/2014/main" xmlns="" id="{A4DF3AB8-E6E3-4FCE-8A4A-ECD147720A5D}"/>
               </a:ext>
             </a:extLst>
           </p:cNvPr>
@@ -3549,24 +3551,24 @@
     </p:spTree>
     <p:extLst>
       <p:ext uri="{BB962C8B-B14F-4D97-AF65-F5344CB8AC3E}">
-        <p14:creationId xmlns:p14="http://schemas.microsoft.com/office/powerpoint/2010/main" val="970179299"/>
+        <p14:creationId xmlns:p14="http://schemas.microsoft.com/office/powerpoint/2010/main" xmlns="" val="970179299"/>
       </p:ext>
     </p:extLst>
   </p:cSld>
   <p:clrMapOvr>
     <a:masterClrMapping/>
   </p:clrMapOvr>
-  <mc:AlternateContent xmlns:mc="http://schemas.openxmlformats.org/markup-compatibility/2006" xmlns:p14="http://schemas.microsoft.com/office/powerpoint/2010/main">
-    <mc:Choice Requires="p14">
+  <mc:AlternateContent xmlns:mc="http://schemas.openxmlformats.org/markup-compatibility/2006">
+    <mc:Choice xmlns:p14="http://schemas.microsoft.com/office/powerpoint/2010/main" xmlns="" Requires="p14">
       <p:transition spd="slow" p14:dur="2000" advClick="0" advTm="5000"/>
     </mc:Choice>
-    <mc:Fallback xmlns="">
+    <mc:Fallback>
       <p:transition spd="slow" advClick="0" advTm="5000"/>
     </mc:Fallback>
   </mc:AlternateContent>
   <p:extLst>
     <p:ext uri="{DCECCB84-F9BA-43D5-87BE-67443E8EF086}">
-      <p15:sldGuideLst xmlns:p15="http://schemas.microsoft.com/office/powerpoint/2012/main">
+      <p15:sldGuideLst xmlns:p15="http://schemas.microsoft.com/office/powerpoint/2012/main" xmlns="">
         <p15:guide id="1" orient="horz" pos="2160">
           <p15:clr>
             <a:srgbClr val="FBAE40"/>
@@ -3605,7 +3607,7 @@
           <p:cNvPr id="15" name="Slide Number">
             <a:extLst>
               <a:ext uri="{FF2B5EF4-FFF2-40B4-BE49-F238E27FC236}">
-                <a16:creationId xmlns:a16="http://schemas.microsoft.com/office/drawing/2014/main" id="{F888EE71-82B3-40F1-A63F-7417422FB4A4}"/>
+                <a16:creationId xmlns:a16="http://schemas.microsoft.com/office/drawing/2014/main" xmlns="" id="{F888EE71-82B3-40F1-A63F-7417422FB4A4}"/>
               </a:ext>
             </a:extLst>
           </p:cNvPr>
@@ -3647,7 +3649,7 @@
           <p:cNvPr id="14" name="Text Placeholder Body">
             <a:extLst>
               <a:ext uri="{FF2B5EF4-FFF2-40B4-BE49-F238E27FC236}">
-                <a16:creationId xmlns:a16="http://schemas.microsoft.com/office/drawing/2014/main" id="{A2ABE920-240F-4CF6-AD45-23ED489FAD6E}"/>
+                <a16:creationId xmlns:a16="http://schemas.microsoft.com/office/drawing/2014/main" xmlns="" id="{A2ABE920-240F-4CF6-AD45-23ED489FAD6E}"/>
               </a:ext>
             </a:extLst>
           </p:cNvPr>
@@ -3953,7 +3955,7 @@
           <p:cNvPr id="10" name="Rectangle Down">
             <a:extLst>
               <a:ext uri="{FF2B5EF4-FFF2-40B4-BE49-F238E27FC236}">
-                <a16:creationId xmlns:a16="http://schemas.microsoft.com/office/drawing/2014/main" id="{E9B994EC-35A8-4A11-98CB-25DC28852F94}"/>
+                <a16:creationId xmlns:a16="http://schemas.microsoft.com/office/drawing/2014/main" xmlns="" id="{E9B994EC-35A8-4A11-98CB-25DC28852F94}"/>
               </a:ext>
             </a:extLst>
           </p:cNvPr>
@@ -4034,7 +4036,7 @@
           <p:cNvPr id="11" name="Rectangle Top">
             <a:extLst>
               <a:ext uri="{FF2B5EF4-FFF2-40B4-BE49-F238E27FC236}">
-                <a16:creationId xmlns:a16="http://schemas.microsoft.com/office/drawing/2014/main" id="{274B8F05-DFCE-47BD-BAFD-DF93E1A63BDD}"/>
+                <a16:creationId xmlns:a16="http://schemas.microsoft.com/office/drawing/2014/main" xmlns="" id="{274B8F05-DFCE-47BD-BAFD-DF93E1A63BDD}"/>
               </a:ext>
             </a:extLst>
           </p:cNvPr>
@@ -4115,7 +4117,7 @@
           <p:cNvPr id="12" name="Logo Software University" descr="Software University logo">
             <a:extLst>
               <a:ext uri="{FF2B5EF4-FFF2-40B4-BE49-F238E27FC236}">
-                <a16:creationId xmlns:a16="http://schemas.microsoft.com/office/drawing/2014/main" id="{233CBB95-791E-4630-B3D9-FADFCE7BCF52}"/>
+                <a16:creationId xmlns:a16="http://schemas.microsoft.com/office/drawing/2014/main" xmlns="" id="{233CBB95-791E-4630-B3D9-FADFCE7BCF52}"/>
               </a:ext>
             </a:extLst>
           </p:cNvPr>
@@ -4128,7 +4130,7 @@
           <a:blip r:embed="rId2" cstate="print">
             <a:extLst>
               <a:ext uri="{28A0092B-C50C-407E-A947-70E740481C1C}">
-                <a14:useLocalDpi xmlns:a14="http://schemas.microsoft.com/office/drawing/2010/main" val="0"/>
+                <a14:useLocalDpi xmlns:a14="http://schemas.microsoft.com/office/drawing/2010/main" xmlns="" val="0"/>
               </a:ext>
             </a:extLst>
           </a:blip>
@@ -4151,7 +4153,7 @@
           <p:cNvPr id="13" name="Slide Title">
             <a:extLst>
               <a:ext uri="{FF2B5EF4-FFF2-40B4-BE49-F238E27FC236}">
-                <a16:creationId xmlns:a16="http://schemas.microsoft.com/office/drawing/2014/main" id="{3F218E34-55D7-4290-BFE4-80F31F941551}"/>
+                <a16:creationId xmlns:a16="http://schemas.microsoft.com/office/drawing/2014/main" xmlns="" id="{3F218E34-55D7-4290-BFE4-80F31F941551}"/>
               </a:ext>
             </a:extLst>
           </p:cNvPr>
@@ -4190,18 +4192,18 @@
     </p:spTree>
     <p:extLst>
       <p:ext uri="{BB962C8B-B14F-4D97-AF65-F5344CB8AC3E}">
-        <p14:creationId xmlns:p14="http://schemas.microsoft.com/office/powerpoint/2010/main" val="3774019400"/>
+        <p14:creationId xmlns:p14="http://schemas.microsoft.com/office/powerpoint/2010/main" xmlns="" val="3774019400"/>
       </p:ext>
     </p:extLst>
   </p:cSld>
   <p:clrMapOvr>
     <a:masterClrMapping/>
   </p:clrMapOvr>
-  <mc:AlternateContent xmlns:mc="http://schemas.openxmlformats.org/markup-compatibility/2006" xmlns:p14="http://schemas.microsoft.com/office/powerpoint/2010/main">
-    <mc:Choice Requires="p14">
+  <mc:AlternateContent xmlns:mc="http://schemas.openxmlformats.org/markup-compatibility/2006">
+    <mc:Choice xmlns:p14="http://schemas.microsoft.com/office/powerpoint/2010/main" xmlns="" Requires="p14">
       <p:transition spd="slow" p14:dur="2000" advClick="0" advTm="5000"/>
     </mc:Choice>
-    <mc:Fallback xmlns="">
+    <mc:Fallback>
       <p:transition spd="slow" advClick="0" advTm="5000"/>
     </mc:Fallback>
   </mc:AlternateContent>
@@ -4238,7 +4240,7 @@
           <p:cNvPr id="35" name="Rectangle Bottom">
             <a:extLst>
               <a:ext uri="{FF2B5EF4-FFF2-40B4-BE49-F238E27FC236}">
-                <a16:creationId xmlns:a16="http://schemas.microsoft.com/office/drawing/2014/main" id="{550A59F9-9A9D-4956-95B4-F78CC0DB1D59}"/>
+                <a16:creationId xmlns:a16="http://schemas.microsoft.com/office/drawing/2014/main" xmlns="" id="{550A59F9-9A9D-4956-95B4-F78CC0DB1D59}"/>
               </a:ext>
             </a:extLst>
           </p:cNvPr>
@@ -4319,7 +4321,7 @@
           <p:cNvPr id="53" name="Rectangle Bottom Copyright">
             <a:extLst>
               <a:ext uri="{FF2B5EF4-FFF2-40B4-BE49-F238E27FC236}">
-                <a16:creationId xmlns:a16="http://schemas.microsoft.com/office/drawing/2014/main" id="{B07FB7FB-DA6C-4F5D-B068-357F0FCE27D8}"/>
+                <a16:creationId xmlns:a16="http://schemas.microsoft.com/office/drawing/2014/main" xmlns="" id="{B07FB7FB-DA6C-4F5D-B068-357F0FCE27D8}"/>
               </a:ext>
             </a:extLst>
           </p:cNvPr>
@@ -4376,7 +4378,7 @@
                 <a:hlinkClick r:id="rId2">
                   <a:extLst>
                     <a:ext uri="{A12FA001-AC4F-418D-AE19-62706E023703}">
-                      <ahyp:hlinkClr xmlns:ahyp="http://schemas.microsoft.com/office/drawing/2018/hyperlinkcolor" val="tx"/>
+                      <ahyp:hlinkClr xmlns:ahyp="http://schemas.microsoft.com/office/drawing/2018/hyperlinkcolor" xmlns="" val="tx"/>
                     </a:ext>
                   </a:extLst>
                 </a:hlinkClick>
@@ -4412,7 +4414,7 @@
           <p:cNvPr id="26" name="Picture SoftUni Mascot" descr="SoftUni mascot with open hand">
             <a:extLst>
               <a:ext uri="{FF2B5EF4-FFF2-40B4-BE49-F238E27FC236}">
-                <a16:creationId xmlns:a16="http://schemas.microsoft.com/office/drawing/2014/main" id="{247CFF3C-C4FA-493D-8505-DF469F4D36A4}"/>
+                <a16:creationId xmlns:a16="http://schemas.microsoft.com/office/drawing/2014/main" xmlns="" id="{247CFF3C-C4FA-493D-8505-DF469F4D36A4}"/>
               </a:ext>
             </a:extLst>
           </p:cNvPr>
@@ -4425,7 +4427,7 @@
           <a:blip r:embed="rId3" cstate="print">
             <a:extLst>
               <a:ext uri="{28A0092B-C50C-407E-A947-70E740481C1C}">
-                <a14:useLocalDpi xmlns:a14="http://schemas.microsoft.com/office/drawing/2010/main" val="0"/>
+                <a14:useLocalDpi xmlns:a14="http://schemas.microsoft.com/office/drawing/2010/main" xmlns="" val="0"/>
               </a:ext>
             </a:extLst>
           </a:blip>
@@ -4448,7 +4450,7 @@
           <p:cNvPr id="2" name="Group SoftUni Brands">
             <a:extLst>
               <a:ext uri="{FF2B5EF4-FFF2-40B4-BE49-F238E27FC236}">
-                <a16:creationId xmlns:a16="http://schemas.microsoft.com/office/drawing/2014/main" id="{418FAE34-C1F8-46C7-A4AE-F270D1E70F25}"/>
+                <a16:creationId xmlns:a16="http://schemas.microsoft.com/office/drawing/2014/main" xmlns="" id="{418FAE34-C1F8-46C7-A4AE-F270D1E70F25}"/>
               </a:ext>
             </a:extLst>
           </p:cNvPr>
@@ -4468,7 +4470,7 @@
             <p:cNvPr id="24" name="Picture SoftUni Kids Logo" descr="SoftUni Kids logo">
               <a:extLst>
                 <a:ext uri="{FF2B5EF4-FFF2-40B4-BE49-F238E27FC236}">
-                  <a16:creationId xmlns:a16="http://schemas.microsoft.com/office/drawing/2014/main" id="{B0812936-74B6-4265-8C08-AEDC8C798702}"/>
+                  <a16:creationId xmlns:a16="http://schemas.microsoft.com/office/drawing/2014/main" xmlns="" id="{B0812936-74B6-4265-8C08-AEDC8C798702}"/>
                 </a:ext>
               </a:extLst>
             </p:cNvPr>
@@ -4481,7 +4483,7 @@
             <a:blip r:embed="rId4" cstate="print">
               <a:extLst>
                 <a:ext uri="{28A0092B-C50C-407E-A947-70E740481C1C}">
-                  <a14:useLocalDpi xmlns:a14="http://schemas.microsoft.com/office/drawing/2010/main" val="0"/>
+                  <a14:useLocalDpi xmlns:a14="http://schemas.microsoft.com/office/drawing/2010/main" xmlns="" val="0"/>
                 </a:ext>
               </a:extLst>
             </a:blip>
@@ -4504,7 +4506,7 @@
             <p:cNvPr id="23" name="Picture SoftUni Foundation Logo" descr="SoftUni Foundation logo">
               <a:extLst>
                 <a:ext uri="{FF2B5EF4-FFF2-40B4-BE49-F238E27FC236}">
-                  <a16:creationId xmlns:a16="http://schemas.microsoft.com/office/drawing/2014/main" id="{6643F71A-2013-433A-8322-FBAAED3162D8}"/>
+                  <a16:creationId xmlns:a16="http://schemas.microsoft.com/office/drawing/2014/main" xmlns="" id="{6643F71A-2013-433A-8322-FBAAED3162D8}"/>
                 </a:ext>
               </a:extLst>
             </p:cNvPr>
@@ -4517,7 +4519,7 @@
             <a:blip r:embed="rId5" cstate="print">
               <a:extLst>
                 <a:ext uri="{28A0092B-C50C-407E-A947-70E740481C1C}">
-                  <a14:useLocalDpi xmlns:a14="http://schemas.microsoft.com/office/drawing/2010/main" val="0"/>
+                  <a14:useLocalDpi xmlns:a14="http://schemas.microsoft.com/office/drawing/2010/main" xmlns="" val="0"/>
                 </a:ext>
               </a:extLst>
             </a:blip>
@@ -4540,7 +4542,7 @@
             <p:cNvPr id="22" name="Picture SoftUni Digital Logo" descr="SoftUni Digital logo">
               <a:extLst>
                 <a:ext uri="{FF2B5EF4-FFF2-40B4-BE49-F238E27FC236}">
-                  <a16:creationId xmlns:a16="http://schemas.microsoft.com/office/drawing/2014/main" id="{0A83D66F-855B-463B-920B-BF239B01A206}"/>
+                  <a16:creationId xmlns:a16="http://schemas.microsoft.com/office/drawing/2014/main" xmlns="" id="{0A83D66F-855B-463B-920B-BF239B01A206}"/>
                 </a:ext>
               </a:extLst>
             </p:cNvPr>
@@ -4553,7 +4555,7 @@
             <a:blip r:embed="rId6" cstate="print">
               <a:extLst>
                 <a:ext uri="{28A0092B-C50C-407E-A947-70E740481C1C}">
-                  <a14:useLocalDpi xmlns:a14="http://schemas.microsoft.com/office/drawing/2010/main" val="0"/>
+                  <a14:useLocalDpi xmlns:a14="http://schemas.microsoft.com/office/drawing/2010/main" xmlns="" val="0"/>
                 </a:ext>
               </a:extLst>
             </a:blip>
@@ -4576,7 +4578,7 @@
             <p:cNvPr id="21" name="Picture SoftUni Creative Logo" descr="SoftUni Creative logo">
               <a:extLst>
                 <a:ext uri="{FF2B5EF4-FFF2-40B4-BE49-F238E27FC236}">
-                  <a16:creationId xmlns:a16="http://schemas.microsoft.com/office/drawing/2014/main" id="{EA755AAE-BA08-481C-9224-0061170EE4B8}"/>
+                  <a16:creationId xmlns:a16="http://schemas.microsoft.com/office/drawing/2014/main" xmlns="" id="{EA755AAE-BA08-481C-9224-0061170EE4B8}"/>
                 </a:ext>
               </a:extLst>
             </p:cNvPr>
@@ -4589,7 +4591,7 @@
             <a:blip r:embed="rId7" cstate="print">
               <a:extLst>
                 <a:ext uri="{28A0092B-C50C-407E-A947-70E740481C1C}">
-                  <a14:useLocalDpi xmlns:a14="http://schemas.microsoft.com/office/drawing/2010/main" val="0"/>
+                  <a14:useLocalDpi xmlns:a14="http://schemas.microsoft.com/office/drawing/2010/main" xmlns="" val="0"/>
                 </a:ext>
               </a:extLst>
             </a:blip>
@@ -4612,7 +4614,7 @@
             <p:cNvPr id="20" name="Picture SoftUni Svetlina Logo" descr="SoftUni Svetlina logo">
               <a:extLst>
                 <a:ext uri="{FF2B5EF4-FFF2-40B4-BE49-F238E27FC236}">
-                  <a16:creationId xmlns:a16="http://schemas.microsoft.com/office/drawing/2014/main" id="{827D15FD-4C66-4B85-98E6-7826AA8F61C6}"/>
+                  <a16:creationId xmlns:a16="http://schemas.microsoft.com/office/drawing/2014/main" xmlns="" id="{827D15FD-4C66-4B85-98E6-7826AA8F61C6}"/>
                 </a:ext>
               </a:extLst>
             </p:cNvPr>
@@ -4625,7 +4627,7 @@
             <a:blip r:embed="rId8" cstate="print">
               <a:extLst>
                 <a:ext uri="{28A0092B-C50C-407E-A947-70E740481C1C}">
-                  <a14:useLocalDpi xmlns:a14="http://schemas.microsoft.com/office/drawing/2010/main" val="0"/>
+                  <a14:useLocalDpi xmlns:a14="http://schemas.microsoft.com/office/drawing/2010/main" xmlns="" val="0"/>
                 </a:ext>
               </a:extLst>
             </a:blip>
@@ -4648,7 +4650,7 @@
             <p:cNvPr id="25" name="Picture Software University Logo" descr="Software University logo">
               <a:extLst>
                 <a:ext uri="{FF2B5EF4-FFF2-40B4-BE49-F238E27FC236}">
-                  <a16:creationId xmlns:a16="http://schemas.microsoft.com/office/drawing/2014/main" id="{C74C190C-5856-41B9-8819-AE8DE0E10980}"/>
+                  <a16:creationId xmlns:a16="http://schemas.microsoft.com/office/drawing/2014/main" xmlns="" id="{C74C190C-5856-41B9-8819-AE8DE0E10980}"/>
                 </a:ext>
               </a:extLst>
             </p:cNvPr>
@@ -4661,7 +4663,7 @@
             <a:blip r:embed="rId9" cstate="print">
               <a:extLst>
                 <a:ext uri="{28A0092B-C50C-407E-A947-70E740481C1C}">
-                  <a14:useLocalDpi xmlns:a14="http://schemas.microsoft.com/office/drawing/2010/main" val="0"/>
+                  <a14:useLocalDpi xmlns:a14="http://schemas.microsoft.com/office/drawing/2010/main" xmlns="" val="0"/>
                 </a:ext>
               </a:extLst>
             </a:blip>
@@ -4684,7 +4686,7 @@
             <p:cNvPr id="33" name="Straight Connector 6">
               <a:extLst>
                 <a:ext uri="{FF2B5EF4-FFF2-40B4-BE49-F238E27FC236}">
-                  <a16:creationId xmlns:a16="http://schemas.microsoft.com/office/drawing/2014/main" id="{5C63D1E8-4A92-4691-8A24-A2FC7E8008E5}"/>
+                  <a16:creationId xmlns:a16="http://schemas.microsoft.com/office/drawing/2014/main" xmlns="" id="{5C63D1E8-4A92-4691-8A24-A2FC7E8008E5}"/>
                 </a:ext>
               </a:extLst>
             </p:cNvPr>
@@ -4723,7 +4725,7 @@
             <p:cNvPr id="32" name="Straight Connector 5">
               <a:extLst>
                 <a:ext uri="{FF2B5EF4-FFF2-40B4-BE49-F238E27FC236}">
-                  <a16:creationId xmlns:a16="http://schemas.microsoft.com/office/drawing/2014/main" id="{6E91D320-3732-40B8-864D-142D0A277ED1}"/>
+                  <a16:creationId xmlns:a16="http://schemas.microsoft.com/office/drawing/2014/main" xmlns="" id="{6E91D320-3732-40B8-864D-142D0A277ED1}"/>
                 </a:ext>
               </a:extLst>
             </p:cNvPr>
@@ -4762,7 +4764,7 @@
             <p:cNvPr id="31" name="Straight Connector 4">
               <a:extLst>
                 <a:ext uri="{FF2B5EF4-FFF2-40B4-BE49-F238E27FC236}">
-                  <a16:creationId xmlns:a16="http://schemas.microsoft.com/office/drawing/2014/main" id="{299ABE09-E33C-46B7-A80D-7BF4A6956211}"/>
+                  <a16:creationId xmlns:a16="http://schemas.microsoft.com/office/drawing/2014/main" xmlns="" id="{299ABE09-E33C-46B7-A80D-7BF4A6956211}"/>
                 </a:ext>
               </a:extLst>
             </p:cNvPr>
@@ -4799,7 +4801,7 @@
             <p:cNvPr id="30" name="Straight Connector 3">
               <a:extLst>
                 <a:ext uri="{FF2B5EF4-FFF2-40B4-BE49-F238E27FC236}">
-                  <a16:creationId xmlns:a16="http://schemas.microsoft.com/office/drawing/2014/main" id="{93DDBF37-0764-47AA-94E3-9A44F3ED8FB5}"/>
+                  <a16:creationId xmlns:a16="http://schemas.microsoft.com/office/drawing/2014/main" xmlns="" id="{93DDBF37-0764-47AA-94E3-9A44F3ED8FB5}"/>
                 </a:ext>
               </a:extLst>
             </p:cNvPr>
@@ -4836,7 +4838,7 @@
             <p:cNvPr id="29" name="Straight Connector 2">
               <a:extLst>
                 <a:ext uri="{FF2B5EF4-FFF2-40B4-BE49-F238E27FC236}">
-                  <a16:creationId xmlns:a16="http://schemas.microsoft.com/office/drawing/2014/main" id="{72BFE2F3-0845-4E5B-9375-E9D4027DD675}"/>
+                  <a16:creationId xmlns:a16="http://schemas.microsoft.com/office/drawing/2014/main" xmlns="" id="{72BFE2F3-0845-4E5B-9375-E9D4027DD675}"/>
                 </a:ext>
               </a:extLst>
             </p:cNvPr>
@@ -4873,7 +4875,7 @@
             <p:cNvPr id="28" name="Straight Connector 1">
               <a:extLst>
                 <a:ext uri="{FF2B5EF4-FFF2-40B4-BE49-F238E27FC236}">
-                  <a16:creationId xmlns:a16="http://schemas.microsoft.com/office/drawing/2014/main" id="{D4E5982E-3110-47E1-A5BB-91B7BECC3093}"/>
+                  <a16:creationId xmlns:a16="http://schemas.microsoft.com/office/drawing/2014/main" xmlns="" id="{D4E5982E-3110-47E1-A5BB-91B7BECC3093}"/>
                 </a:ext>
               </a:extLst>
             </p:cNvPr>
@@ -4910,7 +4912,7 @@
             <p:cNvPr id="27" name="Straight Connector Horizontal">
               <a:extLst>
                 <a:ext uri="{FF2B5EF4-FFF2-40B4-BE49-F238E27FC236}">
-                  <a16:creationId xmlns:a16="http://schemas.microsoft.com/office/drawing/2014/main" id="{5F62FB7C-BD6E-4383-98C1-2CF30F34CAFD}"/>
+                  <a16:creationId xmlns:a16="http://schemas.microsoft.com/office/drawing/2014/main" xmlns="" id="{5F62FB7C-BD6E-4383-98C1-2CF30F34CAFD}"/>
                 </a:ext>
               </a:extLst>
             </p:cNvPr>
@@ -4949,7 +4951,7 @@
             <p:cNvPr id="34" name="Straight Connector 0">
               <a:extLst>
                 <a:ext uri="{FF2B5EF4-FFF2-40B4-BE49-F238E27FC236}">
-                  <a16:creationId xmlns:a16="http://schemas.microsoft.com/office/drawing/2014/main" id="{C84A0FE1-723D-4682-8682-77BAD950EE15}"/>
+                  <a16:creationId xmlns:a16="http://schemas.microsoft.com/office/drawing/2014/main" xmlns="" id="{C84A0FE1-723D-4682-8682-77BAD950EE15}"/>
                 </a:ext>
               </a:extLst>
             </p:cNvPr>
@@ -4986,7 +4988,7 @@
             <p:cNvPr id="18" name="Picture SoftUni Logo" descr="SoftUni logo">
               <a:extLst>
                 <a:ext uri="{FF2B5EF4-FFF2-40B4-BE49-F238E27FC236}">
-                  <a16:creationId xmlns:a16="http://schemas.microsoft.com/office/drawing/2014/main" id="{A0675455-B7FA-4569-A5FD-A3B0F20B2A26}"/>
+                  <a16:creationId xmlns:a16="http://schemas.microsoft.com/office/drawing/2014/main" xmlns="" id="{A0675455-B7FA-4569-A5FD-A3B0F20B2A26}"/>
                 </a:ext>
               </a:extLst>
             </p:cNvPr>
@@ -4999,7 +5001,7 @@
             <a:blip r:embed="rId10" cstate="print">
               <a:extLst>
                 <a:ext uri="{28A0092B-C50C-407E-A947-70E740481C1C}">
-                  <a14:useLocalDpi xmlns:a14="http://schemas.microsoft.com/office/drawing/2010/main" val="0"/>
+                  <a14:useLocalDpi xmlns:a14="http://schemas.microsoft.com/office/drawing/2010/main" xmlns="" val="0"/>
                 </a:ext>
               </a:extLst>
             </a:blip>
@@ -5023,7 +5025,7 @@
           <p:cNvPr id="19" name="Slide Title">
             <a:extLst>
               <a:ext uri="{FF2B5EF4-FFF2-40B4-BE49-F238E27FC236}">
-                <a16:creationId xmlns:a16="http://schemas.microsoft.com/office/drawing/2014/main" id="{7CFDBB16-985C-4CC7-B6DB-B81B36037922}"/>
+                <a16:creationId xmlns:a16="http://schemas.microsoft.com/office/drawing/2014/main" xmlns="" id="{7CFDBB16-985C-4CC7-B6DB-B81B36037922}"/>
               </a:ext>
             </a:extLst>
           </p:cNvPr>
@@ -5126,7 +5128,7 @@
           <p:cNvPr id="36" name="Logo Software University" descr="Software University logo">
             <a:extLst>
               <a:ext uri="{FF2B5EF4-FFF2-40B4-BE49-F238E27FC236}">
-                <a16:creationId xmlns:a16="http://schemas.microsoft.com/office/drawing/2014/main" id="{67FC4D2E-913D-432A-B658-F0D82839FA5E}"/>
+                <a16:creationId xmlns:a16="http://schemas.microsoft.com/office/drawing/2014/main" xmlns="" id="{67FC4D2E-913D-432A-B658-F0D82839FA5E}"/>
               </a:ext>
             </a:extLst>
           </p:cNvPr>
@@ -5149,7 +5151,7 @@
             </a:clrChange>
             <a:extLst>
               <a:ext uri="{28A0092B-C50C-407E-A947-70E740481C1C}">
-                <a14:useLocalDpi xmlns:a14="http://schemas.microsoft.com/office/drawing/2010/main" val="0"/>
+                <a14:useLocalDpi xmlns:a14="http://schemas.microsoft.com/office/drawing/2010/main" xmlns="" val="0"/>
               </a:ext>
             </a:extLst>
           </a:blip>
@@ -5170,24 +5172,24 @@
     </p:spTree>
     <p:extLst>
       <p:ext uri="{BB962C8B-B14F-4D97-AF65-F5344CB8AC3E}">
-        <p14:creationId xmlns:p14="http://schemas.microsoft.com/office/powerpoint/2010/main" val="4192061223"/>
+        <p14:creationId xmlns:p14="http://schemas.microsoft.com/office/powerpoint/2010/main" xmlns="" val="4192061223"/>
       </p:ext>
     </p:extLst>
   </p:cSld>
   <p:clrMapOvr>
     <a:masterClrMapping/>
   </p:clrMapOvr>
-  <mc:AlternateContent xmlns:mc="http://schemas.openxmlformats.org/markup-compatibility/2006" xmlns:p14="http://schemas.microsoft.com/office/powerpoint/2010/main">
-    <mc:Choice Requires="p14">
+  <mc:AlternateContent xmlns:mc="http://schemas.openxmlformats.org/markup-compatibility/2006">
+    <mc:Choice xmlns:p14="http://schemas.microsoft.com/office/powerpoint/2010/main" xmlns="" Requires="p14">
       <p:transition spd="slow" p14:dur="2000" advClick="0" advTm="5000"/>
     </mc:Choice>
-    <mc:Fallback xmlns="">
+    <mc:Fallback>
       <p:transition spd="slow" advClick="0" advTm="5000"/>
     </mc:Fallback>
   </mc:AlternateContent>
   <p:extLst>
     <p:ext uri="{DCECCB84-F9BA-43D5-87BE-67443E8EF086}">
-      <p15:sldGuideLst xmlns:p15="http://schemas.microsoft.com/office/powerpoint/2012/main">
+      <p15:sldGuideLst xmlns:p15="http://schemas.microsoft.com/office/powerpoint/2012/main" xmlns="">
         <p15:guide id="1" orient="horz" pos="2160">
           <p15:clr>
             <a:srgbClr val="FBAE40"/>
@@ -5226,7 +5228,7 @@
           <p:cNvPr id="13" name="Slide Number">
             <a:extLst>
               <a:ext uri="{FF2B5EF4-FFF2-40B4-BE49-F238E27FC236}">
-                <a16:creationId xmlns:a16="http://schemas.microsoft.com/office/drawing/2014/main" id="{5B8761D8-B42F-4A70-A0CE-682CEB2AE31B}"/>
+                <a16:creationId xmlns:a16="http://schemas.microsoft.com/office/drawing/2014/main" xmlns="" id="{5B8761D8-B42F-4A70-A0CE-682CEB2AE31B}"/>
               </a:ext>
             </a:extLst>
           </p:cNvPr>
@@ -5269,7 +5271,7 @@
             <a:hlinkClick r:id="rId2" tooltip="Software University Discussion Forum"/>
             <a:extLst>
               <a:ext uri="{FF2B5EF4-FFF2-40B4-BE49-F238E27FC236}">
-                <a16:creationId xmlns:a16="http://schemas.microsoft.com/office/drawing/2014/main" id="{98C579AD-FAF5-4B28-9B52-5457F1E90061}"/>
+                <a16:creationId xmlns:a16="http://schemas.microsoft.com/office/drawing/2014/main" xmlns="" id="{98C579AD-FAF5-4B28-9B52-5457F1E90061}"/>
               </a:ext>
             </a:extLst>
           </p:cNvPr>
@@ -5282,7 +5284,7 @@
           <a:blip r:embed="rId3" cstate="print">
             <a:extLst>
               <a:ext uri="{28A0092B-C50C-407E-A947-70E740481C1C}">
-                <a14:useLocalDpi xmlns:a14="http://schemas.microsoft.com/office/drawing/2010/main"/>
+                <a14:useLocalDpi xmlns:a14="http://schemas.microsoft.com/office/drawing/2010/main" xmlns=""/>
               </a:ext>
             </a:extLst>
           </a:blip>
@@ -5306,7 +5308,7 @@
             <a:hlinkClick r:id="rId4" tooltip="Software University @ Facebook"/>
             <a:extLst>
               <a:ext uri="{FF2B5EF4-FFF2-40B4-BE49-F238E27FC236}">
-                <a16:creationId xmlns:a16="http://schemas.microsoft.com/office/drawing/2014/main" id="{6B2C510E-5EF2-49F6-B926-2BD74CD3C7F8}"/>
+                <a16:creationId xmlns:a16="http://schemas.microsoft.com/office/drawing/2014/main" xmlns="" id="{6B2C510E-5EF2-49F6-B926-2BD74CD3C7F8}"/>
               </a:ext>
             </a:extLst>
           </p:cNvPr>
@@ -5319,7 +5321,7 @@
           <a:blip r:embed="rId5" cstate="print">
             <a:extLst>
               <a:ext uri="{28A0092B-C50C-407E-A947-70E740481C1C}">
-                <a14:useLocalDpi xmlns:a14="http://schemas.microsoft.com/office/drawing/2010/main"/>
+                <a14:useLocalDpi xmlns:a14="http://schemas.microsoft.com/office/drawing/2010/main" xmlns=""/>
               </a:ext>
             </a:extLst>
           </a:blip>
@@ -5337,7 +5339,7 @@
           <a:noFill/>
           <a:extLst>
             <a:ext uri="{909E8E84-426E-40DD-AFC4-6F175D3DCCD1}">
-              <a14:hiddenFill xmlns:a14="http://schemas.microsoft.com/office/drawing/2010/main">
+              <a14:hiddenFill xmlns:a14="http://schemas.microsoft.com/office/drawing/2010/main" xmlns="">
                 <a:solidFill>
                   <a:srgbClr val="FFFFFF"/>
                 </a:solidFill>
@@ -5352,7 +5354,7 @@
             <a:hlinkClick r:id="rId6"/>
             <a:extLst>
               <a:ext uri="{FF2B5EF4-FFF2-40B4-BE49-F238E27FC236}">
-                <a16:creationId xmlns:a16="http://schemas.microsoft.com/office/drawing/2014/main" id="{F4604840-E810-44B7-9FF1-3B28CD68B758}"/>
+                <a16:creationId xmlns:a16="http://schemas.microsoft.com/office/drawing/2014/main" xmlns="" id="{F4604840-E810-44B7-9FF1-3B28CD68B758}"/>
               </a:ext>
             </a:extLst>
           </p:cNvPr>
@@ -5365,7 +5367,7 @@
           <a:blip r:embed="rId7" cstate="print">
             <a:extLst>
               <a:ext uri="{28A0092B-C50C-407E-A947-70E740481C1C}">
-                <a14:useLocalDpi xmlns:a14="http://schemas.microsoft.com/office/drawing/2010/main" val="0"/>
+                <a14:useLocalDpi xmlns:a14="http://schemas.microsoft.com/office/drawing/2010/main" xmlns="" val="0"/>
               </a:ext>
             </a:extLst>
           </a:blip>
@@ -5389,7 +5391,7 @@
             <a:hlinkClick r:id="rId8"/>
             <a:extLst>
               <a:ext uri="{FF2B5EF4-FFF2-40B4-BE49-F238E27FC236}">
-                <a16:creationId xmlns:a16="http://schemas.microsoft.com/office/drawing/2014/main" id="{07C965FA-A87E-4824-AFA8-C67AF548A76A}"/>
+                <a16:creationId xmlns:a16="http://schemas.microsoft.com/office/drawing/2014/main" xmlns="" id="{07C965FA-A87E-4824-AFA8-C67AF548A76A}"/>
               </a:ext>
             </a:extLst>
           </p:cNvPr>
@@ -5402,7 +5404,7 @@
           <a:blip r:embed="rId9" cstate="print">
             <a:extLst>
               <a:ext uri="{28A0092B-C50C-407E-A947-70E740481C1C}">
-                <a14:useLocalDpi xmlns:a14="http://schemas.microsoft.com/office/drawing/2010/main" val="0"/>
+                <a14:useLocalDpi xmlns:a14="http://schemas.microsoft.com/office/drawing/2010/main" xmlns="" val="0"/>
               </a:ext>
             </a:extLst>
           </a:blip>
@@ -5424,7 +5426,7 @@
           <p:cNvPr id="12" name="Slide Body Text">
             <a:extLst>
               <a:ext uri="{FF2B5EF4-FFF2-40B4-BE49-F238E27FC236}">
-                <a16:creationId xmlns:a16="http://schemas.microsoft.com/office/drawing/2014/main" id="{0C1F9416-8B6E-46DE-973C-777785E27A26}"/>
+                <a16:creationId xmlns:a16="http://schemas.microsoft.com/office/drawing/2014/main" xmlns="" id="{0C1F9416-8B6E-46DE-973C-777785E27A26}"/>
               </a:ext>
             </a:extLst>
           </p:cNvPr>
@@ -5549,7 +5551,7 @@
           <p:cNvPr id="10" name="Rectangle Top">
             <a:extLst>
               <a:ext uri="{FF2B5EF4-FFF2-40B4-BE49-F238E27FC236}">
-                <a16:creationId xmlns:a16="http://schemas.microsoft.com/office/drawing/2014/main" id="{86646B95-5E3B-4DE8-9118-031C2C296D8C}"/>
+                <a16:creationId xmlns:a16="http://schemas.microsoft.com/office/drawing/2014/main" xmlns="" id="{86646B95-5E3B-4DE8-9118-031C2C296D8C}"/>
               </a:ext>
             </a:extLst>
           </p:cNvPr>
@@ -5630,7 +5632,7 @@
           <p:cNvPr id="11" name="Logo Software University" descr="Software University logo">
             <a:extLst>
               <a:ext uri="{FF2B5EF4-FFF2-40B4-BE49-F238E27FC236}">
-                <a16:creationId xmlns:a16="http://schemas.microsoft.com/office/drawing/2014/main" id="{58AB1944-B146-4E89-B2D9-426EB610F319}"/>
+                <a16:creationId xmlns:a16="http://schemas.microsoft.com/office/drawing/2014/main" xmlns="" id="{58AB1944-B146-4E89-B2D9-426EB610F319}"/>
               </a:ext>
             </a:extLst>
           </p:cNvPr>
@@ -5643,7 +5645,7 @@
           <a:blip r:embed="rId11" cstate="print">
             <a:extLst>
               <a:ext uri="{28A0092B-C50C-407E-A947-70E740481C1C}">
-                <a14:useLocalDpi xmlns:a14="http://schemas.microsoft.com/office/drawing/2010/main" val="0"/>
+                <a14:useLocalDpi xmlns:a14="http://schemas.microsoft.com/office/drawing/2010/main" xmlns="" val="0"/>
               </a:ext>
             </a:extLst>
           </a:blip>
@@ -5666,7 +5668,7 @@
           <p:cNvPr id="18" name="Slide Title">
             <a:extLst>
               <a:ext uri="{FF2B5EF4-FFF2-40B4-BE49-F238E27FC236}">
-                <a16:creationId xmlns:a16="http://schemas.microsoft.com/office/drawing/2014/main" id="{AE87ED9C-76E1-4D85-9B06-3AF44AABB668}"/>
+                <a16:creationId xmlns:a16="http://schemas.microsoft.com/office/drawing/2014/main" xmlns="" id="{AE87ED9C-76E1-4D85-9B06-3AF44AABB668}"/>
               </a:ext>
             </a:extLst>
           </p:cNvPr>
@@ -5705,18 +5707,18 @@
     </p:spTree>
     <p:extLst>
       <p:ext uri="{BB962C8B-B14F-4D97-AF65-F5344CB8AC3E}">
-        <p14:creationId xmlns:p14="http://schemas.microsoft.com/office/powerpoint/2010/main" val="2196466322"/>
+        <p14:creationId xmlns:p14="http://schemas.microsoft.com/office/powerpoint/2010/main" xmlns="" val="2196466322"/>
       </p:ext>
     </p:extLst>
   </p:cSld>
   <p:clrMapOvr>
     <a:masterClrMapping/>
   </p:clrMapOvr>
-  <mc:AlternateContent xmlns:mc="http://schemas.openxmlformats.org/markup-compatibility/2006" xmlns:p14="http://schemas.microsoft.com/office/powerpoint/2010/main">
-    <mc:Choice Requires="p14">
+  <mc:AlternateContent xmlns:mc="http://schemas.openxmlformats.org/markup-compatibility/2006">
+    <mc:Choice xmlns:p14="http://schemas.microsoft.com/office/powerpoint/2010/main" xmlns="" Requires="p14">
       <p:transition spd="slow" p14:dur="2000" advClick="0" advTm="5000"/>
     </mc:Choice>
-    <mc:Fallback xmlns="">
+    <mc:Fallback>
       <p:transition spd="slow" advClick="0" advTm="5000"/>
     </mc:Fallback>
   </mc:AlternateContent>
@@ -5745,7 +5747,7 @@
           <p:cNvPr id="9" name="Oval Center Icon">
             <a:extLst>
               <a:ext uri="{FF2B5EF4-FFF2-40B4-BE49-F238E27FC236}">
-                <a16:creationId xmlns:a16="http://schemas.microsoft.com/office/drawing/2014/main" id="{13B9A8FE-2718-4F2C-98D4-CBF86AD69D58}"/>
+                <a16:creationId xmlns:a16="http://schemas.microsoft.com/office/drawing/2014/main" xmlns="" id="{13B9A8FE-2718-4F2C-98D4-CBF86AD69D58}"/>
               </a:ext>
             </a:extLst>
           </p:cNvPr>
@@ -5826,7 +5828,7 @@
           <p:cNvPr id="8" name="Slide Subtitle">
             <a:extLst>
               <a:ext uri="{FF2B5EF4-FFF2-40B4-BE49-F238E27FC236}">
-                <a16:creationId xmlns:a16="http://schemas.microsoft.com/office/drawing/2014/main" id="{588387B4-E99E-4145-9D1D-F17CA5190DFD}"/>
+                <a16:creationId xmlns:a16="http://schemas.microsoft.com/office/drawing/2014/main" xmlns="" id="{588387B4-E99E-4145-9D1D-F17CA5190DFD}"/>
               </a:ext>
             </a:extLst>
           </p:cNvPr>
@@ -5876,7 +5878,7 @@
           <p:cNvPr id="13" name="Slide Title">
             <a:extLst>
               <a:ext uri="{FF2B5EF4-FFF2-40B4-BE49-F238E27FC236}">
-                <a16:creationId xmlns:a16="http://schemas.microsoft.com/office/drawing/2014/main" id="{8A28C56F-AE84-49D0-9AD1-1F0CEEABF710}"/>
+                <a16:creationId xmlns:a16="http://schemas.microsoft.com/office/drawing/2014/main" xmlns="" id="{8A28C56F-AE84-49D0-9AD1-1F0CEEABF710}"/>
               </a:ext>
             </a:extLst>
           </p:cNvPr>
@@ -5921,18 +5923,18 @@
     </p:spTree>
     <p:extLst>
       <p:ext uri="{BB962C8B-B14F-4D97-AF65-F5344CB8AC3E}">
-        <p14:creationId xmlns:p14="http://schemas.microsoft.com/office/powerpoint/2010/main" val="475389923"/>
+        <p14:creationId xmlns:p14="http://schemas.microsoft.com/office/powerpoint/2010/main" xmlns="" val="475389923"/>
       </p:ext>
     </p:extLst>
   </p:cSld>
   <p:clrMapOvr>
     <a:masterClrMapping/>
   </p:clrMapOvr>
-  <mc:AlternateContent xmlns:mc="http://schemas.openxmlformats.org/markup-compatibility/2006" xmlns:p14="http://schemas.microsoft.com/office/powerpoint/2010/main">
-    <mc:Choice Requires="p14">
+  <mc:AlternateContent xmlns:mc="http://schemas.openxmlformats.org/markup-compatibility/2006">
+    <mc:Choice xmlns:p14="http://schemas.microsoft.com/office/powerpoint/2010/main" xmlns="" Requires="p14">
       <p:transition spd="slow" p14:dur="2000" advClick="0" advTm="5000"/>
     </mc:Choice>
-    <mc:Fallback xmlns="">
+    <mc:Fallback>
       <p:transition spd="slow" advClick="0" advTm="5000"/>
     </mc:Fallback>
   </mc:AlternateContent>
@@ -5962,7 +5964,7 @@
           <p:cNvPr id="2" name="Title 1">
             <a:extLst>
               <a:ext uri="{FF2B5EF4-FFF2-40B4-BE49-F238E27FC236}">
-                <a16:creationId xmlns:a16="http://schemas.microsoft.com/office/drawing/2014/main" id="{5213C145-EA12-94EF-AA17-5F628EA0AD2D}"/>
+                <a16:creationId xmlns:a16="http://schemas.microsoft.com/office/drawing/2014/main" xmlns="" id="{5213C145-EA12-94EF-AA17-5F628EA0AD2D}"/>
               </a:ext>
             </a:extLst>
           </p:cNvPr>
@@ -6000,7 +6002,7 @@
           <p:cNvPr id="3" name="Subtitle 2">
             <a:extLst>
               <a:ext uri="{FF2B5EF4-FFF2-40B4-BE49-F238E27FC236}">
-                <a16:creationId xmlns:a16="http://schemas.microsoft.com/office/drawing/2014/main" id="{5F55E72E-5B45-B6EE-75AE-03B188AD9A08}"/>
+                <a16:creationId xmlns:a16="http://schemas.microsoft.com/office/drawing/2014/main" xmlns="" id="{5F55E72E-5B45-B6EE-75AE-03B188AD9A08}"/>
               </a:ext>
             </a:extLst>
           </p:cNvPr>
@@ -6071,7 +6073,7 @@
           <p:cNvPr id="4" name="Date Placeholder 3">
             <a:extLst>
               <a:ext uri="{FF2B5EF4-FFF2-40B4-BE49-F238E27FC236}">
-                <a16:creationId xmlns:a16="http://schemas.microsoft.com/office/drawing/2014/main" id="{30C6A8EA-0240-01AB-A7C2-BD1CD885E1C1}"/>
+                <a16:creationId xmlns:a16="http://schemas.microsoft.com/office/drawing/2014/main" xmlns="" id="{30C6A8EA-0240-01AB-A7C2-BD1CD885E1C1}"/>
               </a:ext>
             </a:extLst>
           </p:cNvPr>
@@ -6090,7 +6092,7 @@
             <a:fld id="{1CF2F75B-1C4E-1E47-AE31-5B79E79ADF4F}" type="datetimeFigureOut">
               <a:rPr lang="x-none" smtClean="0"/>
               <a:pPr/>
-              <a:t>9/11/2023</a:t>
+              <a:t>11.9.2023 г.</a:t>
             </a:fld>
             <a:endParaRPr lang="x-none"/>
           </a:p>
@@ -6101,7 +6103,7 @@
           <p:cNvPr id="5" name="Footer Placeholder 4">
             <a:extLst>
               <a:ext uri="{FF2B5EF4-FFF2-40B4-BE49-F238E27FC236}">
-                <a16:creationId xmlns:a16="http://schemas.microsoft.com/office/drawing/2014/main" id="{F95CBF96-4249-1541-E44E-FBCECA233B3C}"/>
+                <a16:creationId xmlns:a16="http://schemas.microsoft.com/office/drawing/2014/main" xmlns="" id="{F95CBF96-4249-1541-E44E-FBCECA233B3C}"/>
               </a:ext>
             </a:extLst>
           </p:cNvPr>
@@ -6126,7 +6128,7 @@
           <p:cNvPr id="6" name="Slide Number Placeholder 5">
             <a:extLst>
               <a:ext uri="{FF2B5EF4-FFF2-40B4-BE49-F238E27FC236}">
-                <a16:creationId xmlns:a16="http://schemas.microsoft.com/office/drawing/2014/main" id="{7ACB54F2-814F-F79B-8CD7-FA3133365CBC}"/>
+                <a16:creationId xmlns:a16="http://schemas.microsoft.com/office/drawing/2014/main" xmlns="" id="{7ACB54F2-814F-F79B-8CD7-FA3133365CBC}"/>
               </a:ext>
             </a:extLst>
           </p:cNvPr>
@@ -6154,7 +6156,7 @@
     </p:spTree>
     <p:extLst>
       <p:ext uri="{BB962C8B-B14F-4D97-AF65-F5344CB8AC3E}">
-        <p14:creationId xmlns:p14="http://schemas.microsoft.com/office/powerpoint/2010/main" val="2773863354"/>
+        <p14:creationId xmlns:p14="http://schemas.microsoft.com/office/powerpoint/2010/main" xmlns="" val="2773863354"/>
       </p:ext>
     </p:extLst>
   </p:cSld>
@@ -6186,7 +6188,7 @@
           <p:cNvPr id="8" name="Rectangle Top">
             <a:extLst>
               <a:ext uri="{FF2B5EF4-FFF2-40B4-BE49-F238E27FC236}">
-                <a16:creationId xmlns:a16="http://schemas.microsoft.com/office/drawing/2014/main" id="{454BD9C2-93A6-4860-A758-846ED0E1C8FA}"/>
+                <a16:creationId xmlns:a16="http://schemas.microsoft.com/office/drawing/2014/main" xmlns="" id="{454BD9C2-93A6-4860-A758-846ED0E1C8FA}"/>
               </a:ext>
             </a:extLst>
           </p:cNvPr>
@@ -6267,7 +6269,7 @@
           <p:cNvPr id="7" name="Slide Number">
             <a:extLst>
               <a:ext uri="{FF2B5EF4-FFF2-40B4-BE49-F238E27FC236}">
-                <a16:creationId xmlns:a16="http://schemas.microsoft.com/office/drawing/2014/main" id="{C1780DB1-0AF0-4108-AFE1-9DA99F0DBCB8}"/>
+                <a16:creationId xmlns:a16="http://schemas.microsoft.com/office/drawing/2014/main" xmlns="" id="{C1780DB1-0AF0-4108-AFE1-9DA99F0DBCB8}"/>
               </a:ext>
             </a:extLst>
           </p:cNvPr>
@@ -6309,7 +6311,7 @@
           <p:cNvPr id="3" name="Slide Body Text">
             <a:extLst>
               <a:ext uri="{FF2B5EF4-FFF2-40B4-BE49-F238E27FC236}">
-                <a16:creationId xmlns:a16="http://schemas.microsoft.com/office/drawing/2014/main" id="{5A9D2960-6D42-439F-82E8-812822013A10}"/>
+                <a16:creationId xmlns:a16="http://schemas.microsoft.com/office/drawing/2014/main" xmlns="" id="{5A9D2960-6D42-439F-82E8-812822013A10}"/>
               </a:ext>
             </a:extLst>
           </p:cNvPr>
@@ -6387,7 +6389,7 @@
           <p:cNvPr id="13" name="Rectangle Top">
             <a:extLst>
               <a:ext uri="{FF2B5EF4-FFF2-40B4-BE49-F238E27FC236}">
-                <a16:creationId xmlns:a16="http://schemas.microsoft.com/office/drawing/2014/main" id="{391AFA4E-7870-4561-A1B8-AC956B0C8931}"/>
+                <a16:creationId xmlns:a16="http://schemas.microsoft.com/office/drawing/2014/main" xmlns="" id="{391AFA4E-7870-4561-A1B8-AC956B0C8931}"/>
               </a:ext>
             </a:extLst>
           </p:cNvPr>
@@ -6468,7 +6470,7 @@
           <p:cNvPr id="12" name="Logo Software University" descr="Software University logo">
             <a:extLst>
               <a:ext uri="{FF2B5EF4-FFF2-40B4-BE49-F238E27FC236}">
-                <a16:creationId xmlns:a16="http://schemas.microsoft.com/office/drawing/2014/main" id="{B1D3B425-B9BF-43ED-9DEC-C05002FBA22F}"/>
+                <a16:creationId xmlns:a16="http://schemas.microsoft.com/office/drawing/2014/main" xmlns="" id="{B1D3B425-B9BF-43ED-9DEC-C05002FBA22F}"/>
               </a:ext>
             </a:extLst>
           </p:cNvPr>
@@ -6481,7 +6483,7 @@
           <a:blip r:embed="rId2" cstate="print">
             <a:extLst>
               <a:ext uri="{28A0092B-C50C-407E-A947-70E740481C1C}">
-                <a14:useLocalDpi xmlns:a14="http://schemas.microsoft.com/office/drawing/2010/main" val="0"/>
+                <a14:useLocalDpi xmlns:a14="http://schemas.microsoft.com/office/drawing/2010/main" xmlns="" val="0"/>
               </a:ext>
             </a:extLst>
           </a:blip>
@@ -6504,7 +6506,7 @@
           <p:cNvPr id="6" name="Slide Title">
             <a:extLst>
               <a:ext uri="{FF2B5EF4-FFF2-40B4-BE49-F238E27FC236}">
-                <a16:creationId xmlns:a16="http://schemas.microsoft.com/office/drawing/2014/main" id="{19B5B676-7892-440F-8191-7109B2C59885}"/>
+                <a16:creationId xmlns:a16="http://schemas.microsoft.com/office/drawing/2014/main" xmlns="" id="{19B5B676-7892-440F-8191-7109B2C59885}"/>
               </a:ext>
             </a:extLst>
           </p:cNvPr>
@@ -6543,18 +6545,18 @@
     </p:spTree>
     <p:extLst>
       <p:ext uri="{BB962C8B-B14F-4D97-AF65-F5344CB8AC3E}">
-        <p14:creationId xmlns:p14="http://schemas.microsoft.com/office/powerpoint/2010/main" val="2685365194"/>
+        <p14:creationId xmlns:p14="http://schemas.microsoft.com/office/powerpoint/2010/main" xmlns="" val="2685365194"/>
       </p:ext>
     </p:extLst>
   </p:cSld>
   <p:clrMapOvr>
     <a:masterClrMapping/>
   </p:clrMapOvr>
-  <mc:AlternateContent xmlns:mc="http://schemas.openxmlformats.org/markup-compatibility/2006" xmlns:p14="http://schemas.microsoft.com/office/powerpoint/2010/main">
-    <mc:Choice Requires="p14">
+  <mc:AlternateContent xmlns:mc="http://schemas.openxmlformats.org/markup-compatibility/2006">
+    <mc:Choice xmlns:p14="http://schemas.microsoft.com/office/powerpoint/2010/main" xmlns="" Requires="p14">
       <p:transition spd="slow" p14:dur="2000" advClick="0" advTm="5000"/>
     </mc:Choice>
-    <mc:Fallback xmlns="">
+    <mc:Fallback>
       <p:transition spd="slow" advClick="0" advTm="5000"/>
     </mc:Fallback>
   </mc:AlternateContent>
@@ -7661,7 +7663,7 @@
     </p:spTree>
     <p:extLst>
       <p:ext uri="{BB962C8B-B14F-4D97-AF65-F5344CB8AC3E}">
-        <p14:creationId xmlns:p14="http://schemas.microsoft.com/office/powerpoint/2010/main" val="2531485629"/>
+        <p14:creationId xmlns:p14="http://schemas.microsoft.com/office/powerpoint/2010/main" xmlns="" val="2531485629"/>
       </p:ext>
     </p:extLst>
   </p:cSld>
@@ -7857,18 +7859,18 @@
     </p:spTree>
     <p:extLst>
       <p:ext uri="{BB962C8B-B14F-4D97-AF65-F5344CB8AC3E}">
-        <p14:creationId xmlns:p14="http://schemas.microsoft.com/office/powerpoint/2010/main" val="3529216409"/>
+        <p14:creationId xmlns:p14="http://schemas.microsoft.com/office/powerpoint/2010/main" xmlns="" val="3529216409"/>
       </p:ext>
     </p:extLst>
   </p:cSld>
   <p:clrMapOvr>
     <a:masterClrMapping/>
   </p:clrMapOvr>
-  <mc:AlternateContent xmlns:mc="http://schemas.openxmlformats.org/markup-compatibility/2006" xmlns:p14="http://schemas.microsoft.com/office/powerpoint/2010/main">
-    <mc:Choice Requires="p14">
+  <mc:AlternateContent xmlns:mc="http://schemas.openxmlformats.org/markup-compatibility/2006">
+    <mc:Choice xmlns:p14="http://schemas.microsoft.com/office/powerpoint/2010/main" xmlns="" Requires="p14">
       <p:transition spd="slow" p14:dur="2000" advClick="0" advTm="5000"/>
     </mc:Choice>
-    <mc:Fallback xmlns="">
+    <mc:Fallback>
       <p:transition spd="slow" advClick="0" advTm="5000"/>
     </mc:Fallback>
   </mc:AlternateContent>
@@ -7897,7 +7899,7 @@
           <p:cNvPr id="7" name="Slide Number">
             <a:extLst>
               <a:ext uri="{FF2B5EF4-FFF2-40B4-BE49-F238E27FC236}">
-                <a16:creationId xmlns:a16="http://schemas.microsoft.com/office/drawing/2014/main" id="{C1780DB1-0AF0-4108-AFE1-9DA99F0DBCB8}"/>
+                <a16:creationId xmlns:a16="http://schemas.microsoft.com/office/drawing/2014/main" xmlns="" id="{C1780DB1-0AF0-4108-AFE1-9DA99F0DBCB8}"/>
               </a:ext>
             </a:extLst>
           </p:cNvPr>
@@ -7939,7 +7941,7 @@
           <p:cNvPr id="3" name="Slide Body Text">
             <a:extLst>
               <a:ext uri="{FF2B5EF4-FFF2-40B4-BE49-F238E27FC236}">
-                <a16:creationId xmlns:a16="http://schemas.microsoft.com/office/drawing/2014/main" id="{5A9D2960-6D42-439F-82E8-812822013A10}"/>
+                <a16:creationId xmlns:a16="http://schemas.microsoft.com/office/drawing/2014/main" xmlns="" id="{5A9D2960-6D42-439F-82E8-812822013A10}"/>
               </a:ext>
             </a:extLst>
           </p:cNvPr>
@@ -8017,7 +8019,7 @@
           <p:cNvPr id="13" name="Rectangle Top">
             <a:extLst>
               <a:ext uri="{FF2B5EF4-FFF2-40B4-BE49-F238E27FC236}">
-                <a16:creationId xmlns:a16="http://schemas.microsoft.com/office/drawing/2014/main" id="{391AFA4E-7870-4561-A1B8-AC956B0C8931}"/>
+                <a16:creationId xmlns:a16="http://schemas.microsoft.com/office/drawing/2014/main" xmlns="" id="{391AFA4E-7870-4561-A1B8-AC956B0C8931}"/>
               </a:ext>
             </a:extLst>
           </p:cNvPr>
@@ -8098,7 +8100,7 @@
           <p:cNvPr id="12" name="Logo Software University" descr="Software University logo">
             <a:extLst>
               <a:ext uri="{FF2B5EF4-FFF2-40B4-BE49-F238E27FC236}">
-                <a16:creationId xmlns:a16="http://schemas.microsoft.com/office/drawing/2014/main" id="{B1D3B425-B9BF-43ED-9DEC-C05002FBA22F}"/>
+                <a16:creationId xmlns:a16="http://schemas.microsoft.com/office/drawing/2014/main" xmlns="" id="{B1D3B425-B9BF-43ED-9DEC-C05002FBA22F}"/>
               </a:ext>
             </a:extLst>
           </p:cNvPr>
@@ -8111,7 +8113,7 @@
           <a:blip r:embed="rId2" cstate="print">
             <a:extLst>
               <a:ext uri="{28A0092B-C50C-407E-A947-70E740481C1C}">
-                <a14:useLocalDpi xmlns:a14="http://schemas.microsoft.com/office/drawing/2010/main" val="0"/>
+                <a14:useLocalDpi xmlns:a14="http://schemas.microsoft.com/office/drawing/2010/main" xmlns="" val="0"/>
               </a:ext>
             </a:extLst>
           </a:blip>
@@ -8134,7 +8136,7 @@
           <p:cNvPr id="6" name="Slide Title">
             <a:extLst>
               <a:ext uri="{FF2B5EF4-FFF2-40B4-BE49-F238E27FC236}">
-                <a16:creationId xmlns:a16="http://schemas.microsoft.com/office/drawing/2014/main" id="{19B5B676-7892-440F-8191-7109B2C59885}"/>
+                <a16:creationId xmlns:a16="http://schemas.microsoft.com/office/drawing/2014/main" xmlns="" id="{19B5B676-7892-440F-8191-7109B2C59885}"/>
               </a:ext>
             </a:extLst>
           </p:cNvPr>
@@ -8173,18 +8175,18 @@
     </p:spTree>
     <p:extLst>
       <p:ext uri="{BB962C8B-B14F-4D97-AF65-F5344CB8AC3E}">
-        <p14:creationId xmlns:p14="http://schemas.microsoft.com/office/powerpoint/2010/main" val="1102970716"/>
+        <p14:creationId xmlns:p14="http://schemas.microsoft.com/office/powerpoint/2010/main" xmlns="" val="1102970716"/>
       </p:ext>
     </p:extLst>
   </p:cSld>
   <p:clrMapOvr>
     <a:masterClrMapping/>
   </p:clrMapOvr>
-  <mc:AlternateContent xmlns:mc="http://schemas.openxmlformats.org/markup-compatibility/2006" xmlns:p14="http://schemas.microsoft.com/office/powerpoint/2010/main">
-    <mc:Choice Requires="p14">
+  <mc:AlternateContent xmlns:mc="http://schemas.openxmlformats.org/markup-compatibility/2006">
+    <mc:Choice xmlns:p14="http://schemas.microsoft.com/office/powerpoint/2010/main" xmlns="" Requires="p14">
       <p:transition spd="slow" p14:dur="2000" advClick="0" advTm="5000"/>
     </mc:Choice>
-    <mc:Fallback xmlns="">
+    <mc:Fallback>
       <p:transition spd="slow" advClick="0" advTm="5000"/>
     </mc:Fallback>
   </mc:AlternateContent>
@@ -8213,7 +8215,7 @@
           <p:cNvPr id="9" name="Slide Number">
             <a:extLst>
               <a:ext uri="{FF2B5EF4-FFF2-40B4-BE49-F238E27FC236}">
-                <a16:creationId xmlns:a16="http://schemas.microsoft.com/office/drawing/2014/main" id="{0020EB61-2079-41A3-B356-B1D8D48D786E}"/>
+                <a16:creationId xmlns:a16="http://schemas.microsoft.com/office/drawing/2014/main" xmlns="" id="{0020EB61-2079-41A3-B356-B1D8D48D786E}"/>
               </a:ext>
             </a:extLst>
           </p:cNvPr>
@@ -8330,7 +8332,7 @@
           <p:cNvPr id="7" name="Slide Body Text">
             <a:extLst>
               <a:ext uri="{FF2B5EF4-FFF2-40B4-BE49-F238E27FC236}">
-                <a16:creationId xmlns:a16="http://schemas.microsoft.com/office/drawing/2014/main" id="{CB4CB13C-66A1-466B-A6C1-B0BABF5CFEC1}"/>
+                <a16:creationId xmlns:a16="http://schemas.microsoft.com/office/drawing/2014/main" xmlns="" id="{CB4CB13C-66A1-466B-A6C1-B0BABF5CFEC1}"/>
               </a:ext>
             </a:extLst>
           </p:cNvPr>
@@ -8428,7 +8430,7 @@
           <p:cNvPr id="3" name="Logo Software University" descr="Software University logo">
             <a:extLst>
               <a:ext uri="{FF2B5EF4-FFF2-40B4-BE49-F238E27FC236}">
-                <a16:creationId xmlns:a16="http://schemas.microsoft.com/office/drawing/2014/main" id="{5573C101-930B-47AC-967A-A64513DFFDEE}"/>
+                <a16:creationId xmlns:a16="http://schemas.microsoft.com/office/drawing/2014/main" xmlns="" id="{5573C101-930B-47AC-967A-A64513DFFDEE}"/>
               </a:ext>
             </a:extLst>
           </p:cNvPr>
@@ -8451,7 +8453,7 @@
             </a:clrChange>
             <a:extLst>
               <a:ext uri="{28A0092B-C50C-407E-A947-70E740481C1C}">
-                <a14:useLocalDpi xmlns:a14="http://schemas.microsoft.com/office/drawing/2010/main" val="0"/>
+                <a14:useLocalDpi xmlns:a14="http://schemas.microsoft.com/office/drawing/2010/main" xmlns="" val="0"/>
               </a:ext>
             </a:extLst>
           </a:blip>
@@ -8474,7 +8476,7 @@
           <p:cNvPr id="8" name="Slide Title">
             <a:extLst>
               <a:ext uri="{FF2B5EF4-FFF2-40B4-BE49-F238E27FC236}">
-                <a16:creationId xmlns:a16="http://schemas.microsoft.com/office/drawing/2014/main" id="{E2DA9691-CDF5-499C-94BB-AAA61DAC1BFB}"/>
+                <a16:creationId xmlns:a16="http://schemas.microsoft.com/office/drawing/2014/main" xmlns="" id="{E2DA9691-CDF5-499C-94BB-AAA61DAC1BFB}"/>
               </a:ext>
             </a:extLst>
           </p:cNvPr>
@@ -8511,7 +8513,7 @@
           <p:cNvPr id="10" name="Group 9">
             <a:extLst>
               <a:ext uri="{FF2B5EF4-FFF2-40B4-BE49-F238E27FC236}">
-                <a16:creationId xmlns:a16="http://schemas.microsoft.com/office/drawing/2014/main" id="{43CDBCC2-1C96-44BC-B992-7B0C49C34904}"/>
+                <a16:creationId xmlns:a16="http://schemas.microsoft.com/office/drawing/2014/main" xmlns="" id="{43CDBCC2-1C96-44BC-B992-7B0C49C34904}"/>
               </a:ext>
             </a:extLst>
           </p:cNvPr>
@@ -8531,7 +8533,7 @@
             <p:cNvPr id="11" name="Group 10">
               <a:extLst>
                 <a:ext uri="{FF2B5EF4-FFF2-40B4-BE49-F238E27FC236}">
-                  <a16:creationId xmlns:a16="http://schemas.microsoft.com/office/drawing/2014/main" id="{7D71B3A8-4D39-42CF-9255-81EA3A622DD6}"/>
+                  <a16:creationId xmlns:a16="http://schemas.microsoft.com/office/drawing/2014/main" xmlns="" id="{7D71B3A8-4D39-42CF-9255-81EA3A622DD6}"/>
                 </a:ext>
               </a:extLst>
             </p:cNvPr>
@@ -8551,7 +8553,7 @@
               <p:cNvPr id="25" name="Oval 24">
                 <a:extLst>
                   <a:ext uri="{FF2B5EF4-FFF2-40B4-BE49-F238E27FC236}">
-                    <a16:creationId xmlns:a16="http://schemas.microsoft.com/office/drawing/2014/main" id="{B98059F9-1874-426D-8AF7-A12C21F37DD9}"/>
+                    <a16:creationId xmlns:a16="http://schemas.microsoft.com/office/drawing/2014/main" xmlns="" id="{B98059F9-1874-426D-8AF7-A12C21F37DD9}"/>
                   </a:ext>
                 </a:extLst>
               </p:cNvPr>
@@ -8603,7 +8605,7 @@
               <p:cNvPr id="26" name="Rectangle 5">
                 <a:extLst>
                   <a:ext uri="{FF2B5EF4-FFF2-40B4-BE49-F238E27FC236}">
-                    <a16:creationId xmlns:a16="http://schemas.microsoft.com/office/drawing/2014/main" id="{A3A1E077-DBDF-48F0-A924-604984B940A2}"/>
+                    <a16:creationId xmlns:a16="http://schemas.microsoft.com/office/drawing/2014/main" xmlns="" id="{A3A1E077-DBDF-48F0-A924-604984B940A2}"/>
                   </a:ext>
                 </a:extLst>
               </p:cNvPr>
@@ -8748,7 +8750,7 @@
               <p:cNvPr id="27" name="Rectangle 5">
                 <a:extLst>
                   <a:ext uri="{FF2B5EF4-FFF2-40B4-BE49-F238E27FC236}">
-                    <a16:creationId xmlns:a16="http://schemas.microsoft.com/office/drawing/2014/main" id="{798B1F51-1FA4-4199-81C7-62356C936CC9}"/>
+                    <a16:creationId xmlns:a16="http://schemas.microsoft.com/office/drawing/2014/main" xmlns="" id="{798B1F51-1FA4-4199-81C7-62356C936CC9}"/>
                   </a:ext>
                 </a:extLst>
               </p:cNvPr>
@@ -8893,7 +8895,7 @@
               <p:cNvPr id="28" name="Arc 27">
                 <a:extLst>
                   <a:ext uri="{FF2B5EF4-FFF2-40B4-BE49-F238E27FC236}">
-                    <a16:creationId xmlns:a16="http://schemas.microsoft.com/office/drawing/2014/main" id="{40A224C8-1233-40F7-96AB-BFF79AF6CDCB}"/>
+                    <a16:creationId xmlns:a16="http://schemas.microsoft.com/office/drawing/2014/main" xmlns="" id="{40A224C8-1233-40F7-96AB-BFF79AF6CDCB}"/>
                   </a:ext>
                 </a:extLst>
               </p:cNvPr>
@@ -8952,7 +8954,7 @@
               <p:cNvPr id="29" name="Arc 28">
                 <a:extLst>
                   <a:ext uri="{FF2B5EF4-FFF2-40B4-BE49-F238E27FC236}">
-                    <a16:creationId xmlns:a16="http://schemas.microsoft.com/office/drawing/2014/main" id="{B57C7CCC-E218-4321-8C7B-3F0C5753C7A1}"/>
+                    <a16:creationId xmlns:a16="http://schemas.microsoft.com/office/drawing/2014/main" xmlns="" id="{B57C7CCC-E218-4321-8C7B-3F0C5753C7A1}"/>
                   </a:ext>
                 </a:extLst>
               </p:cNvPr>
@@ -9012,7 +9014,7 @@
             <p:cNvPr id="13" name="Rectangle: Rounded Corners 12">
               <a:extLst>
                 <a:ext uri="{FF2B5EF4-FFF2-40B4-BE49-F238E27FC236}">
-                  <a16:creationId xmlns:a16="http://schemas.microsoft.com/office/drawing/2014/main" id="{6AF309CA-A56C-4ABC-B293-420F4EB1A9B4}"/>
+                  <a16:creationId xmlns:a16="http://schemas.microsoft.com/office/drawing/2014/main" xmlns="" id="{6AF309CA-A56C-4ABC-B293-420F4EB1A9B4}"/>
                 </a:ext>
               </a:extLst>
             </p:cNvPr>
@@ -9066,7 +9068,7 @@
             <p:cNvPr id="14" name="Rectangle: Rounded Corners 13">
               <a:extLst>
                 <a:ext uri="{FF2B5EF4-FFF2-40B4-BE49-F238E27FC236}">
-                  <a16:creationId xmlns:a16="http://schemas.microsoft.com/office/drawing/2014/main" id="{07955808-2AC7-44EB-8B6D-82B974E53A3C}"/>
+                  <a16:creationId xmlns:a16="http://schemas.microsoft.com/office/drawing/2014/main" xmlns="" id="{07955808-2AC7-44EB-8B6D-82B974E53A3C}"/>
                 </a:ext>
               </a:extLst>
             </p:cNvPr>
@@ -9127,7 +9129,7 @@
             <p:cNvPr id="15" name="Straight Connector 14">
               <a:extLst>
                 <a:ext uri="{FF2B5EF4-FFF2-40B4-BE49-F238E27FC236}">
-                  <a16:creationId xmlns:a16="http://schemas.microsoft.com/office/drawing/2014/main" id="{AC6420D7-AEAB-45EF-8D46-11EB06E4AFEA}"/>
+                  <a16:creationId xmlns:a16="http://schemas.microsoft.com/office/drawing/2014/main" xmlns="" id="{AC6420D7-AEAB-45EF-8D46-11EB06E4AFEA}"/>
                 </a:ext>
               </a:extLst>
             </p:cNvPr>
@@ -9173,7 +9175,7 @@
             <p:cNvPr id="16" name="Straight Connector 15">
               <a:extLst>
                 <a:ext uri="{FF2B5EF4-FFF2-40B4-BE49-F238E27FC236}">
-                  <a16:creationId xmlns:a16="http://schemas.microsoft.com/office/drawing/2014/main" id="{76C7FABC-6773-44F6-990B-3EB082BE9B35}"/>
+                  <a16:creationId xmlns:a16="http://schemas.microsoft.com/office/drawing/2014/main" xmlns="" id="{76C7FABC-6773-44F6-990B-3EB082BE9B35}"/>
                 </a:ext>
               </a:extLst>
             </p:cNvPr>
@@ -9219,7 +9221,7 @@
             <p:cNvPr id="17" name="Group 16">
               <a:extLst>
                 <a:ext uri="{FF2B5EF4-FFF2-40B4-BE49-F238E27FC236}">
-                  <a16:creationId xmlns:a16="http://schemas.microsoft.com/office/drawing/2014/main" id="{1FAD48E1-DC45-4B3D-9CE5-613250708496}"/>
+                  <a16:creationId xmlns:a16="http://schemas.microsoft.com/office/drawing/2014/main" xmlns="" id="{1FAD48E1-DC45-4B3D-9CE5-613250708496}"/>
                 </a:ext>
               </a:extLst>
             </p:cNvPr>
@@ -9242,7 +9244,7 @@
               <p:cNvPr id="23" name="Straight Connector 22">
                 <a:extLst>
                   <a:ext uri="{FF2B5EF4-FFF2-40B4-BE49-F238E27FC236}">
-                    <a16:creationId xmlns:a16="http://schemas.microsoft.com/office/drawing/2014/main" id="{B01FD1D1-046F-457B-AB63-2702CE3E906E}"/>
+                    <a16:creationId xmlns:a16="http://schemas.microsoft.com/office/drawing/2014/main" xmlns="" id="{B01FD1D1-046F-457B-AB63-2702CE3E906E}"/>
                   </a:ext>
                 </a:extLst>
               </p:cNvPr>
@@ -9286,7 +9288,7 @@
               <p:cNvPr id="24" name="Straight Connector 23">
                 <a:extLst>
                   <a:ext uri="{FF2B5EF4-FFF2-40B4-BE49-F238E27FC236}">
-                    <a16:creationId xmlns:a16="http://schemas.microsoft.com/office/drawing/2014/main" id="{895660C3-C72C-43EE-9C4A-170F85E5BE08}"/>
+                    <a16:creationId xmlns:a16="http://schemas.microsoft.com/office/drawing/2014/main" xmlns="" id="{895660C3-C72C-43EE-9C4A-170F85E5BE08}"/>
                   </a:ext>
                 </a:extLst>
               </p:cNvPr>
@@ -9331,7 +9333,7 @@
             <p:cNvPr id="19" name="Straight Connector 18">
               <a:extLst>
                 <a:ext uri="{FF2B5EF4-FFF2-40B4-BE49-F238E27FC236}">
-                  <a16:creationId xmlns:a16="http://schemas.microsoft.com/office/drawing/2014/main" id="{A74EE503-8FC0-42A6-8860-CA4EE42272E4}"/>
+                  <a16:creationId xmlns:a16="http://schemas.microsoft.com/office/drawing/2014/main" xmlns="" id="{A74EE503-8FC0-42A6-8860-CA4EE42272E4}"/>
                 </a:ext>
               </a:extLst>
             </p:cNvPr>
@@ -9377,7 +9379,7 @@
             <p:cNvPr id="12" name="Rectangle: Rounded Corners 11">
               <a:extLst>
                 <a:ext uri="{FF2B5EF4-FFF2-40B4-BE49-F238E27FC236}">
-                  <a16:creationId xmlns:a16="http://schemas.microsoft.com/office/drawing/2014/main" id="{F4189FDA-9FE8-490B-8A70-2E941811021F}"/>
+                  <a16:creationId xmlns:a16="http://schemas.microsoft.com/office/drawing/2014/main" xmlns="" id="{F4189FDA-9FE8-490B-8A70-2E941811021F}"/>
                 </a:ext>
               </a:extLst>
             </p:cNvPr>
@@ -9431,7 +9433,7 @@
             <p:cNvPr id="18" name="Group 17">
               <a:extLst>
                 <a:ext uri="{FF2B5EF4-FFF2-40B4-BE49-F238E27FC236}">
-                  <a16:creationId xmlns:a16="http://schemas.microsoft.com/office/drawing/2014/main" id="{FDA3EFCD-0DF8-419D-8533-D781521E597E}"/>
+                  <a16:creationId xmlns:a16="http://schemas.microsoft.com/office/drawing/2014/main" xmlns="" id="{FDA3EFCD-0DF8-419D-8533-D781521E597E}"/>
                 </a:ext>
               </a:extLst>
             </p:cNvPr>
@@ -9454,7 +9456,7 @@
               <p:cNvPr id="21" name="Straight Connector 20">
                 <a:extLst>
                   <a:ext uri="{FF2B5EF4-FFF2-40B4-BE49-F238E27FC236}">
-                    <a16:creationId xmlns:a16="http://schemas.microsoft.com/office/drawing/2014/main" id="{C3CC6A5A-182E-4A09-9C04-EB191881D789}"/>
+                    <a16:creationId xmlns:a16="http://schemas.microsoft.com/office/drawing/2014/main" xmlns="" id="{C3CC6A5A-182E-4A09-9C04-EB191881D789}"/>
                   </a:ext>
                 </a:extLst>
               </p:cNvPr>
@@ -9498,7 +9500,7 @@
               <p:cNvPr id="22" name="Straight Connector 21">
                 <a:extLst>
                   <a:ext uri="{FF2B5EF4-FFF2-40B4-BE49-F238E27FC236}">
-                    <a16:creationId xmlns:a16="http://schemas.microsoft.com/office/drawing/2014/main" id="{440C8953-0555-48CC-8255-78F17E053EE7}"/>
+                    <a16:creationId xmlns:a16="http://schemas.microsoft.com/office/drawing/2014/main" xmlns="" id="{440C8953-0555-48CC-8255-78F17E053EE7}"/>
                   </a:ext>
                 </a:extLst>
               </p:cNvPr>
@@ -9544,7 +9546,7 @@
           <p:cNvPr id="34" name="Straight Connector 33">
             <a:extLst>
               <a:ext uri="{FF2B5EF4-FFF2-40B4-BE49-F238E27FC236}">
-                <a16:creationId xmlns:a16="http://schemas.microsoft.com/office/drawing/2014/main" id="{29B538CA-8CCB-43FB-B5E5-5FC04EBC1F54}"/>
+                <a16:creationId xmlns:a16="http://schemas.microsoft.com/office/drawing/2014/main" xmlns="" id="{29B538CA-8CCB-43FB-B5E5-5FC04EBC1F54}"/>
               </a:ext>
             </a:extLst>
           </p:cNvPr>
@@ -9589,18 +9591,18 @@
     </p:spTree>
     <p:extLst>
       <p:ext uri="{BB962C8B-B14F-4D97-AF65-F5344CB8AC3E}">
-        <p14:creationId xmlns:p14="http://schemas.microsoft.com/office/powerpoint/2010/main" val="743545348"/>
+        <p14:creationId xmlns:p14="http://schemas.microsoft.com/office/powerpoint/2010/main" xmlns="" val="743545348"/>
       </p:ext>
     </p:extLst>
   </p:cSld>
   <p:clrMapOvr>
     <a:masterClrMapping/>
   </p:clrMapOvr>
-  <mc:AlternateContent xmlns:mc="http://schemas.openxmlformats.org/markup-compatibility/2006" xmlns:p14="http://schemas.microsoft.com/office/powerpoint/2010/main">
-    <mc:Choice Requires="p14">
+  <mc:AlternateContent xmlns:mc="http://schemas.openxmlformats.org/markup-compatibility/2006">
+    <mc:Choice xmlns:p14="http://schemas.microsoft.com/office/powerpoint/2010/main" xmlns="" Requires="p14">
       <p:transition spd="slow" p14:dur="2000" advClick="0" advTm="5000"/>
     </mc:Choice>
-    <mc:Fallback xmlns="">
+    <mc:Fallback>
       <p:transition spd="slow" advClick="0" advTm="5000"/>
     </mc:Fallback>
   </mc:AlternateContent>
@@ -9629,7 +9631,7 @@
           <p:cNvPr id="9" name="Slide Number">
             <a:extLst>
               <a:ext uri="{FF2B5EF4-FFF2-40B4-BE49-F238E27FC236}">
-                <a16:creationId xmlns:a16="http://schemas.microsoft.com/office/drawing/2014/main" id="{1865BF6B-7F07-4E9C-879F-80E36EEB3405}"/>
+                <a16:creationId xmlns:a16="http://schemas.microsoft.com/office/drawing/2014/main" xmlns="" id="{1865BF6B-7F07-4E9C-879F-80E36EEB3405}"/>
               </a:ext>
             </a:extLst>
           </p:cNvPr>
@@ -9671,7 +9673,7 @@
           <p:cNvPr id="12" name="Rectangle Left">
             <a:extLst>
               <a:ext uri="{FF2B5EF4-FFF2-40B4-BE49-F238E27FC236}">
-                <a16:creationId xmlns:a16="http://schemas.microsoft.com/office/drawing/2014/main" id="{345FB1C8-7F66-4D5C-ACCE-AE919936BCFD}"/>
+                <a16:creationId xmlns:a16="http://schemas.microsoft.com/office/drawing/2014/main" xmlns="" id="{345FB1C8-7F66-4D5C-ACCE-AE919936BCFD}"/>
               </a:ext>
             </a:extLst>
           </p:cNvPr>
@@ -9752,7 +9754,7 @@
           <p:cNvPr id="15" name="Slide Body Text">
             <a:extLst>
               <a:ext uri="{FF2B5EF4-FFF2-40B4-BE49-F238E27FC236}">
-                <a16:creationId xmlns:a16="http://schemas.microsoft.com/office/drawing/2014/main" id="{6157C8DE-E0AF-422B-BBB1-F0AF1264B5E9}"/>
+                <a16:creationId xmlns:a16="http://schemas.microsoft.com/office/drawing/2014/main" xmlns="" id="{6157C8DE-E0AF-422B-BBB1-F0AF1264B5E9}"/>
               </a:ext>
             </a:extLst>
           </p:cNvPr>
@@ -9850,7 +9852,7 @@
           <p:cNvPr id="16" name="Logo Software University" descr="Software University logo">
             <a:extLst>
               <a:ext uri="{FF2B5EF4-FFF2-40B4-BE49-F238E27FC236}">
-                <a16:creationId xmlns:a16="http://schemas.microsoft.com/office/drawing/2014/main" id="{EFEBB553-EACE-4B4F-8B4F-7629FDD910A4}"/>
+                <a16:creationId xmlns:a16="http://schemas.microsoft.com/office/drawing/2014/main" xmlns="" id="{EFEBB553-EACE-4B4F-8B4F-7629FDD910A4}"/>
               </a:ext>
             </a:extLst>
           </p:cNvPr>
@@ -9873,7 +9875,7 @@
             </a:clrChange>
             <a:extLst>
               <a:ext uri="{28A0092B-C50C-407E-A947-70E740481C1C}">
-                <a14:useLocalDpi xmlns:a14="http://schemas.microsoft.com/office/drawing/2010/main" val="0"/>
+                <a14:useLocalDpi xmlns:a14="http://schemas.microsoft.com/office/drawing/2010/main" xmlns="" val="0"/>
               </a:ext>
             </a:extLst>
           </a:blip>
@@ -9896,7 +9898,7 @@
           <p:cNvPr id="13" name="Slide Title">
             <a:extLst>
               <a:ext uri="{FF2B5EF4-FFF2-40B4-BE49-F238E27FC236}">
-                <a16:creationId xmlns:a16="http://schemas.microsoft.com/office/drawing/2014/main" id="{0D5CC956-5C4A-44BE-8F8B-327FAFA51E97}"/>
+                <a16:creationId xmlns:a16="http://schemas.microsoft.com/office/drawing/2014/main" xmlns="" id="{0D5CC956-5C4A-44BE-8F8B-327FAFA51E97}"/>
               </a:ext>
             </a:extLst>
           </p:cNvPr>
@@ -9933,7 +9935,7 @@
           <p:cNvPr id="33" name="Group 32">
             <a:extLst>
               <a:ext uri="{FF2B5EF4-FFF2-40B4-BE49-F238E27FC236}">
-                <a16:creationId xmlns:a16="http://schemas.microsoft.com/office/drawing/2014/main" id="{7CF60135-47AA-48F0-96BA-0E795668ABDB}"/>
+                <a16:creationId xmlns:a16="http://schemas.microsoft.com/office/drawing/2014/main" xmlns="" id="{7CF60135-47AA-48F0-96BA-0E795668ABDB}"/>
               </a:ext>
             </a:extLst>
           </p:cNvPr>
@@ -9953,7 +9955,7 @@
             <p:cNvPr id="34" name="Group 33">
               <a:extLst>
                 <a:ext uri="{FF2B5EF4-FFF2-40B4-BE49-F238E27FC236}">
-                  <a16:creationId xmlns:a16="http://schemas.microsoft.com/office/drawing/2014/main" id="{2823380E-3936-41AF-BDF7-DA54D75BBF6B}"/>
+                  <a16:creationId xmlns:a16="http://schemas.microsoft.com/office/drawing/2014/main" xmlns="" id="{2823380E-3936-41AF-BDF7-DA54D75BBF6B}"/>
                 </a:ext>
               </a:extLst>
             </p:cNvPr>
@@ -9973,7 +9975,7 @@
               <p:cNvPr id="47" name="Oval 46">
                 <a:extLst>
                   <a:ext uri="{FF2B5EF4-FFF2-40B4-BE49-F238E27FC236}">
-                    <a16:creationId xmlns:a16="http://schemas.microsoft.com/office/drawing/2014/main" id="{52B047D9-D8DD-45C7-9BC8-6D4F682F5182}"/>
+                    <a16:creationId xmlns:a16="http://schemas.microsoft.com/office/drawing/2014/main" xmlns="" id="{52B047D9-D8DD-45C7-9BC8-6D4F682F5182}"/>
                   </a:ext>
                 </a:extLst>
               </p:cNvPr>
@@ -10025,7 +10027,7 @@
               <p:cNvPr id="48" name="Rectangle 5">
                 <a:extLst>
                   <a:ext uri="{FF2B5EF4-FFF2-40B4-BE49-F238E27FC236}">
-                    <a16:creationId xmlns:a16="http://schemas.microsoft.com/office/drawing/2014/main" id="{4D84FE51-BD8E-47EA-9463-CE02FEA31766}"/>
+                    <a16:creationId xmlns:a16="http://schemas.microsoft.com/office/drawing/2014/main" xmlns="" id="{4D84FE51-BD8E-47EA-9463-CE02FEA31766}"/>
                   </a:ext>
                 </a:extLst>
               </p:cNvPr>
@@ -10170,7 +10172,7 @@
               <p:cNvPr id="49" name="Rectangle 5">
                 <a:extLst>
                   <a:ext uri="{FF2B5EF4-FFF2-40B4-BE49-F238E27FC236}">
-                    <a16:creationId xmlns:a16="http://schemas.microsoft.com/office/drawing/2014/main" id="{F5C8F037-C197-4219-AC87-3A81763512BC}"/>
+                    <a16:creationId xmlns:a16="http://schemas.microsoft.com/office/drawing/2014/main" xmlns="" id="{F5C8F037-C197-4219-AC87-3A81763512BC}"/>
                   </a:ext>
                 </a:extLst>
               </p:cNvPr>
@@ -10315,7 +10317,7 @@
               <p:cNvPr id="50" name="Arc 49">
                 <a:extLst>
                   <a:ext uri="{FF2B5EF4-FFF2-40B4-BE49-F238E27FC236}">
-                    <a16:creationId xmlns:a16="http://schemas.microsoft.com/office/drawing/2014/main" id="{786EE401-CF8E-439B-94A0-EE6F3A7D5798}"/>
+                    <a16:creationId xmlns:a16="http://schemas.microsoft.com/office/drawing/2014/main" xmlns="" id="{786EE401-CF8E-439B-94A0-EE6F3A7D5798}"/>
                   </a:ext>
                 </a:extLst>
               </p:cNvPr>
@@ -10374,7 +10376,7 @@
               <p:cNvPr id="51" name="Arc 50">
                 <a:extLst>
                   <a:ext uri="{FF2B5EF4-FFF2-40B4-BE49-F238E27FC236}">
-                    <a16:creationId xmlns:a16="http://schemas.microsoft.com/office/drawing/2014/main" id="{8D9ACD38-B3EB-4A63-9730-CBF0501BF235}"/>
+                    <a16:creationId xmlns:a16="http://schemas.microsoft.com/office/drawing/2014/main" xmlns="" id="{8D9ACD38-B3EB-4A63-9730-CBF0501BF235}"/>
                   </a:ext>
                 </a:extLst>
               </p:cNvPr>
@@ -10434,7 +10436,7 @@
             <p:cNvPr id="35" name="Rectangle: Rounded Corners 34">
               <a:extLst>
                 <a:ext uri="{FF2B5EF4-FFF2-40B4-BE49-F238E27FC236}">
-                  <a16:creationId xmlns:a16="http://schemas.microsoft.com/office/drawing/2014/main" id="{64EE493E-A353-4C75-A3B9-D48ABA2C57CC}"/>
+                  <a16:creationId xmlns:a16="http://schemas.microsoft.com/office/drawing/2014/main" xmlns="" id="{64EE493E-A353-4C75-A3B9-D48ABA2C57CC}"/>
                 </a:ext>
               </a:extLst>
             </p:cNvPr>
@@ -10488,7 +10490,7 @@
             <p:cNvPr id="36" name="Rectangle: Rounded Corners 35">
               <a:extLst>
                 <a:ext uri="{FF2B5EF4-FFF2-40B4-BE49-F238E27FC236}">
-                  <a16:creationId xmlns:a16="http://schemas.microsoft.com/office/drawing/2014/main" id="{718408B9-204E-42E3-9E79-33E047E869BC}"/>
+                  <a16:creationId xmlns:a16="http://schemas.microsoft.com/office/drawing/2014/main" xmlns="" id="{718408B9-204E-42E3-9E79-33E047E869BC}"/>
                 </a:ext>
               </a:extLst>
             </p:cNvPr>
@@ -10549,7 +10551,7 @@
             <p:cNvPr id="37" name="Straight Connector 36">
               <a:extLst>
                 <a:ext uri="{FF2B5EF4-FFF2-40B4-BE49-F238E27FC236}">
-                  <a16:creationId xmlns:a16="http://schemas.microsoft.com/office/drawing/2014/main" id="{0AB66D97-DF6F-4CD2-AF13-42B5C852F673}"/>
+                  <a16:creationId xmlns:a16="http://schemas.microsoft.com/office/drawing/2014/main" xmlns="" id="{0AB66D97-DF6F-4CD2-AF13-42B5C852F673}"/>
                 </a:ext>
               </a:extLst>
             </p:cNvPr>
@@ -10595,7 +10597,7 @@
             <p:cNvPr id="38" name="Straight Connector 37">
               <a:extLst>
                 <a:ext uri="{FF2B5EF4-FFF2-40B4-BE49-F238E27FC236}">
-                  <a16:creationId xmlns:a16="http://schemas.microsoft.com/office/drawing/2014/main" id="{F2AFBA69-C196-4703-8AAB-5F72A8EDCEB5}"/>
+                  <a16:creationId xmlns:a16="http://schemas.microsoft.com/office/drawing/2014/main" xmlns="" id="{F2AFBA69-C196-4703-8AAB-5F72A8EDCEB5}"/>
                 </a:ext>
               </a:extLst>
             </p:cNvPr>
@@ -10641,7 +10643,7 @@
             <p:cNvPr id="39" name="Group 38">
               <a:extLst>
                 <a:ext uri="{FF2B5EF4-FFF2-40B4-BE49-F238E27FC236}">
-                  <a16:creationId xmlns:a16="http://schemas.microsoft.com/office/drawing/2014/main" id="{9AFC66C1-0C1C-4332-9C4E-782574C896B8}"/>
+                  <a16:creationId xmlns:a16="http://schemas.microsoft.com/office/drawing/2014/main" xmlns="" id="{9AFC66C1-0C1C-4332-9C4E-782574C896B8}"/>
                 </a:ext>
               </a:extLst>
             </p:cNvPr>
@@ -10664,7 +10666,7 @@
               <p:cNvPr id="45" name="Straight Connector 44">
                 <a:extLst>
                   <a:ext uri="{FF2B5EF4-FFF2-40B4-BE49-F238E27FC236}">
-                    <a16:creationId xmlns:a16="http://schemas.microsoft.com/office/drawing/2014/main" id="{872CA8AD-EAF6-40BE-9DDE-ECDB4A980CA5}"/>
+                    <a16:creationId xmlns:a16="http://schemas.microsoft.com/office/drawing/2014/main" xmlns="" id="{872CA8AD-EAF6-40BE-9DDE-ECDB4A980CA5}"/>
                   </a:ext>
                 </a:extLst>
               </p:cNvPr>
@@ -10708,7 +10710,7 @@
               <p:cNvPr id="46" name="Straight Connector 45">
                 <a:extLst>
                   <a:ext uri="{FF2B5EF4-FFF2-40B4-BE49-F238E27FC236}">
-                    <a16:creationId xmlns:a16="http://schemas.microsoft.com/office/drawing/2014/main" id="{57DD3EC7-1A13-4AFE-BD6F-DA12C281FAFB}"/>
+                    <a16:creationId xmlns:a16="http://schemas.microsoft.com/office/drawing/2014/main" xmlns="" id="{57DD3EC7-1A13-4AFE-BD6F-DA12C281FAFB}"/>
                   </a:ext>
                 </a:extLst>
               </p:cNvPr>
@@ -10753,7 +10755,7 @@
             <p:cNvPr id="40" name="Straight Connector 39">
               <a:extLst>
                 <a:ext uri="{FF2B5EF4-FFF2-40B4-BE49-F238E27FC236}">
-                  <a16:creationId xmlns:a16="http://schemas.microsoft.com/office/drawing/2014/main" id="{E46151FA-19E9-4E84-A082-EDAC6F76EA9D}"/>
+                  <a16:creationId xmlns:a16="http://schemas.microsoft.com/office/drawing/2014/main" xmlns="" id="{E46151FA-19E9-4E84-A082-EDAC6F76EA9D}"/>
                 </a:ext>
               </a:extLst>
             </p:cNvPr>
@@ -10799,7 +10801,7 @@
             <p:cNvPr id="41" name="Rectangle: Rounded Corners 40">
               <a:extLst>
                 <a:ext uri="{FF2B5EF4-FFF2-40B4-BE49-F238E27FC236}">
-                  <a16:creationId xmlns:a16="http://schemas.microsoft.com/office/drawing/2014/main" id="{3423EEF0-5B70-4091-B2DA-0740D2609643}"/>
+                  <a16:creationId xmlns:a16="http://schemas.microsoft.com/office/drawing/2014/main" xmlns="" id="{3423EEF0-5B70-4091-B2DA-0740D2609643}"/>
                 </a:ext>
               </a:extLst>
             </p:cNvPr>
@@ -10853,7 +10855,7 @@
             <p:cNvPr id="42" name="Group 41">
               <a:extLst>
                 <a:ext uri="{FF2B5EF4-FFF2-40B4-BE49-F238E27FC236}">
-                  <a16:creationId xmlns:a16="http://schemas.microsoft.com/office/drawing/2014/main" id="{49A8AAA7-98E7-4224-B027-830FFCC285A3}"/>
+                  <a16:creationId xmlns:a16="http://schemas.microsoft.com/office/drawing/2014/main" xmlns="" id="{49A8AAA7-98E7-4224-B027-830FFCC285A3}"/>
                 </a:ext>
               </a:extLst>
             </p:cNvPr>
@@ -10876,7 +10878,7 @@
               <p:cNvPr id="43" name="Straight Connector 42">
                 <a:extLst>
                   <a:ext uri="{FF2B5EF4-FFF2-40B4-BE49-F238E27FC236}">
-                    <a16:creationId xmlns:a16="http://schemas.microsoft.com/office/drawing/2014/main" id="{2129EC38-471E-4685-973E-BA7A7F567C42}"/>
+                    <a16:creationId xmlns:a16="http://schemas.microsoft.com/office/drawing/2014/main" xmlns="" id="{2129EC38-471E-4685-973E-BA7A7F567C42}"/>
                   </a:ext>
                 </a:extLst>
               </p:cNvPr>
@@ -10920,7 +10922,7 @@
               <p:cNvPr id="44" name="Straight Connector 43">
                 <a:extLst>
                   <a:ext uri="{FF2B5EF4-FFF2-40B4-BE49-F238E27FC236}">
-                    <a16:creationId xmlns:a16="http://schemas.microsoft.com/office/drawing/2014/main" id="{678142BE-84C9-4834-B6CC-6623E401661C}"/>
+                    <a16:creationId xmlns:a16="http://schemas.microsoft.com/office/drawing/2014/main" xmlns="" id="{678142BE-84C9-4834-B6CC-6623E401661C}"/>
                   </a:ext>
                 </a:extLst>
               </p:cNvPr>
@@ -10964,18 +10966,18 @@
     </p:spTree>
     <p:extLst>
       <p:ext uri="{BB962C8B-B14F-4D97-AF65-F5344CB8AC3E}">
-        <p14:creationId xmlns:p14="http://schemas.microsoft.com/office/powerpoint/2010/main" val="1679651758"/>
+        <p14:creationId xmlns:p14="http://schemas.microsoft.com/office/powerpoint/2010/main" xmlns="" val="1679651758"/>
       </p:ext>
     </p:extLst>
   </p:cSld>
   <p:clrMapOvr>
     <a:masterClrMapping/>
   </p:clrMapOvr>
-  <mc:AlternateContent xmlns:mc="http://schemas.openxmlformats.org/markup-compatibility/2006" xmlns:p14="http://schemas.microsoft.com/office/powerpoint/2010/main">
-    <mc:Choice Requires="p14">
+  <mc:AlternateContent xmlns:mc="http://schemas.openxmlformats.org/markup-compatibility/2006">
+    <mc:Choice xmlns:p14="http://schemas.microsoft.com/office/powerpoint/2010/main" xmlns="" Requires="p14">
       <p:transition spd="slow" p14:dur="2000" advClick="0" advTm="5000"/>
     </mc:Choice>
-    <mc:Fallback xmlns="">
+    <mc:Fallback>
       <p:transition spd="slow" advClick="0" advTm="5000"/>
     </mc:Fallback>
   </mc:AlternateContent>
@@ -11004,7 +11006,7 @@
           <p:cNvPr id="5" name="Slide Number">
             <a:extLst>
               <a:ext uri="{FF2B5EF4-FFF2-40B4-BE49-F238E27FC236}">
-                <a16:creationId xmlns:a16="http://schemas.microsoft.com/office/drawing/2014/main" id="{F0B8C963-1813-4B69-AD27-6D02EBBBB569}"/>
+                <a16:creationId xmlns:a16="http://schemas.microsoft.com/office/drawing/2014/main" xmlns="" id="{F0B8C963-1813-4B69-AD27-6D02EBBBB569}"/>
               </a:ext>
             </a:extLst>
           </p:cNvPr>
@@ -11046,7 +11048,7 @@
           <p:cNvPr id="3" name="Rectangle Left">
             <a:extLst>
               <a:ext uri="{FF2B5EF4-FFF2-40B4-BE49-F238E27FC236}">
-                <a16:creationId xmlns:a16="http://schemas.microsoft.com/office/drawing/2014/main" id="{345FB1C8-7F66-4D5C-ACCE-AE919936BCFD}"/>
+                <a16:creationId xmlns:a16="http://schemas.microsoft.com/office/drawing/2014/main" xmlns="" id="{345FB1C8-7F66-4D5C-ACCE-AE919936BCFD}"/>
               </a:ext>
             </a:extLst>
           </p:cNvPr>
@@ -11127,7 +11129,7 @@
           <p:cNvPr id="7" name="Slide Body Text">
             <a:extLst>
               <a:ext uri="{FF2B5EF4-FFF2-40B4-BE49-F238E27FC236}">
-                <a16:creationId xmlns:a16="http://schemas.microsoft.com/office/drawing/2014/main" id="{7296EDA7-D37D-4B31-A888-371F0804124F}"/>
+                <a16:creationId xmlns:a16="http://schemas.microsoft.com/office/drawing/2014/main" xmlns="" id="{7296EDA7-D37D-4B31-A888-371F0804124F}"/>
               </a:ext>
             </a:extLst>
           </p:cNvPr>
@@ -11225,7 +11227,7 @@
           <p:cNvPr id="6" name="Slide Title">
             <a:extLst>
               <a:ext uri="{FF2B5EF4-FFF2-40B4-BE49-F238E27FC236}">
-                <a16:creationId xmlns:a16="http://schemas.microsoft.com/office/drawing/2014/main" id="{55A88B09-3557-48A3-BF27-42699C269215}"/>
+                <a16:creationId xmlns:a16="http://schemas.microsoft.com/office/drawing/2014/main" xmlns="" id="{55A88B09-3557-48A3-BF27-42699C269215}"/>
               </a:ext>
             </a:extLst>
           </p:cNvPr>
@@ -11262,7 +11264,7 @@
           <p:cNvPr id="28" name="Group 27">
             <a:extLst>
               <a:ext uri="{FF2B5EF4-FFF2-40B4-BE49-F238E27FC236}">
-                <a16:creationId xmlns:a16="http://schemas.microsoft.com/office/drawing/2014/main" id="{C4248838-4E67-439E-AE0A-0043D2CB04D6}"/>
+                <a16:creationId xmlns:a16="http://schemas.microsoft.com/office/drawing/2014/main" xmlns="" id="{C4248838-4E67-439E-AE0A-0043D2CB04D6}"/>
               </a:ext>
             </a:extLst>
           </p:cNvPr>
@@ -11282,7 +11284,7 @@
             <p:cNvPr id="29" name="Group 28">
               <a:extLst>
                 <a:ext uri="{FF2B5EF4-FFF2-40B4-BE49-F238E27FC236}">
-                  <a16:creationId xmlns:a16="http://schemas.microsoft.com/office/drawing/2014/main" id="{810CFD6A-2427-49D5-846A-5F93601D4184}"/>
+                  <a16:creationId xmlns:a16="http://schemas.microsoft.com/office/drawing/2014/main" xmlns="" id="{810CFD6A-2427-49D5-846A-5F93601D4184}"/>
                 </a:ext>
               </a:extLst>
             </p:cNvPr>
@@ -11302,7 +11304,7 @@
               <p:cNvPr id="42" name="Oval 41">
                 <a:extLst>
                   <a:ext uri="{FF2B5EF4-FFF2-40B4-BE49-F238E27FC236}">
-                    <a16:creationId xmlns:a16="http://schemas.microsoft.com/office/drawing/2014/main" id="{017B1AE5-5C36-4839-BA1F-B404EA44E701}"/>
+                    <a16:creationId xmlns:a16="http://schemas.microsoft.com/office/drawing/2014/main" xmlns="" id="{017B1AE5-5C36-4839-BA1F-B404EA44E701}"/>
                   </a:ext>
                 </a:extLst>
               </p:cNvPr>
@@ -11354,7 +11356,7 @@
               <p:cNvPr id="43" name="Rectangle 5">
                 <a:extLst>
                   <a:ext uri="{FF2B5EF4-FFF2-40B4-BE49-F238E27FC236}">
-                    <a16:creationId xmlns:a16="http://schemas.microsoft.com/office/drawing/2014/main" id="{FB963D79-BB49-4A1D-BA66-EA0670C79BAE}"/>
+                    <a16:creationId xmlns:a16="http://schemas.microsoft.com/office/drawing/2014/main" xmlns="" id="{FB963D79-BB49-4A1D-BA66-EA0670C79BAE}"/>
                   </a:ext>
                 </a:extLst>
               </p:cNvPr>
@@ -11499,7 +11501,7 @@
               <p:cNvPr id="44" name="Rectangle 5">
                 <a:extLst>
                   <a:ext uri="{FF2B5EF4-FFF2-40B4-BE49-F238E27FC236}">
-                    <a16:creationId xmlns:a16="http://schemas.microsoft.com/office/drawing/2014/main" id="{6D7746D8-B913-493B-AAE9-25BC6893D40E}"/>
+                    <a16:creationId xmlns:a16="http://schemas.microsoft.com/office/drawing/2014/main" xmlns="" id="{6D7746D8-B913-493B-AAE9-25BC6893D40E}"/>
                   </a:ext>
                 </a:extLst>
               </p:cNvPr>
@@ -11644,7 +11646,7 @@
               <p:cNvPr id="45" name="Arc 44">
                 <a:extLst>
                   <a:ext uri="{FF2B5EF4-FFF2-40B4-BE49-F238E27FC236}">
-                    <a16:creationId xmlns:a16="http://schemas.microsoft.com/office/drawing/2014/main" id="{29031C02-E965-417B-8799-96061B14F30D}"/>
+                    <a16:creationId xmlns:a16="http://schemas.microsoft.com/office/drawing/2014/main" xmlns="" id="{29031C02-E965-417B-8799-96061B14F30D}"/>
                   </a:ext>
                 </a:extLst>
               </p:cNvPr>
@@ -11703,7 +11705,7 @@
               <p:cNvPr id="46" name="Arc 45">
                 <a:extLst>
                   <a:ext uri="{FF2B5EF4-FFF2-40B4-BE49-F238E27FC236}">
-                    <a16:creationId xmlns:a16="http://schemas.microsoft.com/office/drawing/2014/main" id="{26BFD8A6-BC99-4B16-BA10-08A9E5C681C0}"/>
+                    <a16:creationId xmlns:a16="http://schemas.microsoft.com/office/drawing/2014/main" xmlns="" id="{26BFD8A6-BC99-4B16-BA10-08A9E5C681C0}"/>
                   </a:ext>
                 </a:extLst>
               </p:cNvPr>
@@ -11763,7 +11765,7 @@
             <p:cNvPr id="30" name="Rectangle: Rounded Corners 29">
               <a:extLst>
                 <a:ext uri="{FF2B5EF4-FFF2-40B4-BE49-F238E27FC236}">
-                  <a16:creationId xmlns:a16="http://schemas.microsoft.com/office/drawing/2014/main" id="{B310277F-A78E-4FB9-9EA9-88BE4F1D585B}"/>
+                  <a16:creationId xmlns:a16="http://schemas.microsoft.com/office/drawing/2014/main" xmlns="" id="{B310277F-A78E-4FB9-9EA9-88BE4F1D585B}"/>
                 </a:ext>
               </a:extLst>
             </p:cNvPr>
@@ -11817,7 +11819,7 @@
             <p:cNvPr id="31" name="Rectangle: Rounded Corners 30">
               <a:extLst>
                 <a:ext uri="{FF2B5EF4-FFF2-40B4-BE49-F238E27FC236}">
-                  <a16:creationId xmlns:a16="http://schemas.microsoft.com/office/drawing/2014/main" id="{A92CF92B-C212-4542-83AE-A0058B5BB5EA}"/>
+                  <a16:creationId xmlns:a16="http://schemas.microsoft.com/office/drawing/2014/main" xmlns="" id="{A92CF92B-C212-4542-83AE-A0058B5BB5EA}"/>
                 </a:ext>
               </a:extLst>
             </p:cNvPr>
@@ -11878,7 +11880,7 @@
             <p:cNvPr id="32" name="Straight Connector 31">
               <a:extLst>
                 <a:ext uri="{FF2B5EF4-FFF2-40B4-BE49-F238E27FC236}">
-                  <a16:creationId xmlns:a16="http://schemas.microsoft.com/office/drawing/2014/main" id="{563B4374-5C0D-461F-B3BD-78D99614D365}"/>
+                  <a16:creationId xmlns:a16="http://schemas.microsoft.com/office/drawing/2014/main" xmlns="" id="{563B4374-5C0D-461F-B3BD-78D99614D365}"/>
                 </a:ext>
               </a:extLst>
             </p:cNvPr>
@@ -11924,7 +11926,7 @@
             <p:cNvPr id="33" name="Straight Connector 32">
               <a:extLst>
                 <a:ext uri="{FF2B5EF4-FFF2-40B4-BE49-F238E27FC236}">
-                  <a16:creationId xmlns:a16="http://schemas.microsoft.com/office/drawing/2014/main" id="{FBC6FDE7-AEA1-4230-8433-4C088A0FF5F9}"/>
+                  <a16:creationId xmlns:a16="http://schemas.microsoft.com/office/drawing/2014/main" xmlns="" id="{FBC6FDE7-AEA1-4230-8433-4C088A0FF5F9}"/>
                 </a:ext>
               </a:extLst>
             </p:cNvPr>
@@ -11970,7 +11972,7 @@
             <p:cNvPr id="34" name="Group 33">
               <a:extLst>
                 <a:ext uri="{FF2B5EF4-FFF2-40B4-BE49-F238E27FC236}">
-                  <a16:creationId xmlns:a16="http://schemas.microsoft.com/office/drawing/2014/main" id="{C4D1021D-07C7-4331-8FF6-36980A30978B}"/>
+                  <a16:creationId xmlns:a16="http://schemas.microsoft.com/office/drawing/2014/main" xmlns="" id="{C4D1021D-07C7-4331-8FF6-36980A30978B}"/>
                 </a:ext>
               </a:extLst>
             </p:cNvPr>
@@ -11993,7 +11995,7 @@
               <p:cNvPr id="40" name="Straight Connector 39">
                 <a:extLst>
                   <a:ext uri="{FF2B5EF4-FFF2-40B4-BE49-F238E27FC236}">
-                    <a16:creationId xmlns:a16="http://schemas.microsoft.com/office/drawing/2014/main" id="{13B7FE99-95CF-45D5-966B-87A979B93431}"/>
+                    <a16:creationId xmlns:a16="http://schemas.microsoft.com/office/drawing/2014/main" xmlns="" id="{13B7FE99-95CF-45D5-966B-87A979B93431}"/>
                   </a:ext>
                 </a:extLst>
               </p:cNvPr>
@@ -12037,7 +12039,7 @@
               <p:cNvPr id="41" name="Straight Connector 40">
                 <a:extLst>
                   <a:ext uri="{FF2B5EF4-FFF2-40B4-BE49-F238E27FC236}">
-                    <a16:creationId xmlns:a16="http://schemas.microsoft.com/office/drawing/2014/main" id="{71BBA69B-19FF-4ADB-A739-AD8136A5F0A6}"/>
+                    <a16:creationId xmlns:a16="http://schemas.microsoft.com/office/drawing/2014/main" xmlns="" id="{71BBA69B-19FF-4ADB-A739-AD8136A5F0A6}"/>
                   </a:ext>
                 </a:extLst>
               </p:cNvPr>
@@ -12082,7 +12084,7 @@
             <p:cNvPr id="35" name="Straight Connector 34">
               <a:extLst>
                 <a:ext uri="{FF2B5EF4-FFF2-40B4-BE49-F238E27FC236}">
-                  <a16:creationId xmlns:a16="http://schemas.microsoft.com/office/drawing/2014/main" id="{BFD1D86B-562B-40B2-8E46-34233EFEE7FC}"/>
+                  <a16:creationId xmlns:a16="http://schemas.microsoft.com/office/drawing/2014/main" xmlns="" id="{BFD1D86B-562B-40B2-8E46-34233EFEE7FC}"/>
                 </a:ext>
               </a:extLst>
             </p:cNvPr>
@@ -12128,7 +12130,7 @@
             <p:cNvPr id="36" name="Rectangle: Rounded Corners 35">
               <a:extLst>
                 <a:ext uri="{FF2B5EF4-FFF2-40B4-BE49-F238E27FC236}">
-                  <a16:creationId xmlns:a16="http://schemas.microsoft.com/office/drawing/2014/main" id="{388C17BD-16A1-43C5-BFFA-2FF9174719E1}"/>
+                  <a16:creationId xmlns:a16="http://schemas.microsoft.com/office/drawing/2014/main" xmlns="" id="{388C17BD-16A1-43C5-BFFA-2FF9174719E1}"/>
                 </a:ext>
               </a:extLst>
             </p:cNvPr>
@@ -12182,7 +12184,7 @@
             <p:cNvPr id="37" name="Group 36">
               <a:extLst>
                 <a:ext uri="{FF2B5EF4-FFF2-40B4-BE49-F238E27FC236}">
-                  <a16:creationId xmlns:a16="http://schemas.microsoft.com/office/drawing/2014/main" id="{1B3B910E-ACFC-4F28-8E28-F02E1588B87E}"/>
+                  <a16:creationId xmlns:a16="http://schemas.microsoft.com/office/drawing/2014/main" xmlns="" id="{1B3B910E-ACFC-4F28-8E28-F02E1588B87E}"/>
                 </a:ext>
               </a:extLst>
             </p:cNvPr>
@@ -12205,7 +12207,7 @@
               <p:cNvPr id="38" name="Straight Connector 37">
                 <a:extLst>
                   <a:ext uri="{FF2B5EF4-FFF2-40B4-BE49-F238E27FC236}">
-                    <a16:creationId xmlns:a16="http://schemas.microsoft.com/office/drawing/2014/main" id="{F57772B6-06C0-4F54-AA94-D3F92DA4716A}"/>
+                    <a16:creationId xmlns:a16="http://schemas.microsoft.com/office/drawing/2014/main" xmlns="" id="{F57772B6-06C0-4F54-AA94-D3F92DA4716A}"/>
                   </a:ext>
                 </a:extLst>
               </p:cNvPr>
@@ -12249,7 +12251,7 @@
               <p:cNvPr id="39" name="Straight Connector 38">
                 <a:extLst>
                   <a:ext uri="{FF2B5EF4-FFF2-40B4-BE49-F238E27FC236}">
-                    <a16:creationId xmlns:a16="http://schemas.microsoft.com/office/drawing/2014/main" id="{23370C1F-7876-4278-AB20-78F6CAA385E2}"/>
+                    <a16:creationId xmlns:a16="http://schemas.microsoft.com/office/drawing/2014/main" xmlns="" id="{23370C1F-7876-4278-AB20-78F6CAA385E2}"/>
                   </a:ext>
                 </a:extLst>
               </p:cNvPr>
@@ -12293,18 +12295,18 @@
     </p:spTree>
     <p:extLst>
       <p:ext uri="{BB962C8B-B14F-4D97-AF65-F5344CB8AC3E}">
-        <p14:creationId xmlns:p14="http://schemas.microsoft.com/office/powerpoint/2010/main" val="3284562556"/>
+        <p14:creationId xmlns:p14="http://schemas.microsoft.com/office/powerpoint/2010/main" xmlns="" val="3284562556"/>
       </p:ext>
     </p:extLst>
   </p:cSld>
   <p:clrMapOvr>
     <a:masterClrMapping/>
   </p:clrMapOvr>
-  <mc:AlternateContent xmlns:mc="http://schemas.openxmlformats.org/markup-compatibility/2006" xmlns:p14="http://schemas.microsoft.com/office/powerpoint/2010/main">
-    <mc:Choice Requires="p14">
+  <mc:AlternateContent xmlns:mc="http://schemas.openxmlformats.org/markup-compatibility/2006">
+    <mc:Choice xmlns:p14="http://schemas.microsoft.com/office/powerpoint/2010/main" xmlns="" Requires="p14">
       <p:transition spd="slow" p14:dur="2000" advClick="0" advTm="5000"/>
     </mc:Choice>
-    <mc:Fallback xmlns="">
+    <mc:Fallback>
       <p:transition spd="slow" advClick="0" advTm="5000"/>
     </mc:Fallback>
   </mc:AlternateContent>
@@ -12333,7 +12335,7 @@
           <p:cNvPr id="8" name="Slide Number">
             <a:extLst>
               <a:ext uri="{FF2B5EF4-FFF2-40B4-BE49-F238E27FC236}">
-                <a16:creationId xmlns:a16="http://schemas.microsoft.com/office/drawing/2014/main" id="{509D954E-A844-4072-A556-DE584BEB9321}"/>
+                <a16:creationId xmlns:a16="http://schemas.microsoft.com/office/drawing/2014/main" xmlns="" id="{509D954E-A844-4072-A556-DE584BEB9321}"/>
               </a:ext>
             </a:extLst>
           </p:cNvPr>
@@ -12375,7 +12377,7 @@
           <p:cNvPr id="6" name="Code Box">
             <a:extLst>
               <a:ext uri="{FF2B5EF4-FFF2-40B4-BE49-F238E27FC236}">
-                <a16:creationId xmlns:a16="http://schemas.microsoft.com/office/drawing/2014/main" id="{3278A82F-5546-4977-9F75-2A933B415945}"/>
+                <a16:creationId xmlns:a16="http://schemas.microsoft.com/office/drawing/2014/main" xmlns="" id="{3278A82F-5546-4977-9F75-2A933B415945}"/>
               </a:ext>
             </a:extLst>
           </p:cNvPr>
@@ -12462,7 +12464,7 @@
           <p:cNvPr id="21" name="Slide Body Text">
             <a:extLst>
               <a:ext uri="{FF2B5EF4-FFF2-40B4-BE49-F238E27FC236}">
-                <a16:creationId xmlns:a16="http://schemas.microsoft.com/office/drawing/2014/main" id="{04F318BE-2BAD-4677-871C-D78A4BF0CBA6}"/>
+                <a16:creationId xmlns:a16="http://schemas.microsoft.com/office/drawing/2014/main" xmlns="" id="{04F318BE-2BAD-4677-871C-D78A4BF0CBA6}"/>
               </a:ext>
             </a:extLst>
           </p:cNvPr>
@@ -12509,7 +12511,7 @@
           <p:cNvPr id="9" name="Rectangle Top">
             <a:extLst>
               <a:ext uri="{FF2B5EF4-FFF2-40B4-BE49-F238E27FC236}">
-                <a16:creationId xmlns:a16="http://schemas.microsoft.com/office/drawing/2014/main" id="{A15CE03A-0933-4E5D-9EA1-718D4F802FFC}"/>
+                <a16:creationId xmlns:a16="http://schemas.microsoft.com/office/drawing/2014/main" xmlns="" id="{A15CE03A-0933-4E5D-9EA1-718D4F802FFC}"/>
               </a:ext>
             </a:extLst>
           </p:cNvPr>
@@ -12590,7 +12592,7 @@
           <p:cNvPr id="10" name="Logo Software University" descr="Software University logo">
             <a:extLst>
               <a:ext uri="{FF2B5EF4-FFF2-40B4-BE49-F238E27FC236}">
-                <a16:creationId xmlns:a16="http://schemas.microsoft.com/office/drawing/2014/main" id="{8C01D7AF-7CBD-46E1-99F3-8EB60E838D91}"/>
+                <a16:creationId xmlns:a16="http://schemas.microsoft.com/office/drawing/2014/main" xmlns="" id="{8C01D7AF-7CBD-46E1-99F3-8EB60E838D91}"/>
               </a:ext>
             </a:extLst>
           </p:cNvPr>
@@ -12603,7 +12605,7 @@
           <a:blip r:embed="rId2" cstate="print">
             <a:extLst>
               <a:ext uri="{28A0092B-C50C-407E-A947-70E740481C1C}">
-                <a14:useLocalDpi xmlns:a14="http://schemas.microsoft.com/office/drawing/2010/main" val="0"/>
+                <a14:useLocalDpi xmlns:a14="http://schemas.microsoft.com/office/drawing/2010/main" xmlns="" val="0"/>
               </a:ext>
             </a:extLst>
           </a:blip>
@@ -12626,7 +12628,7 @@
           <p:cNvPr id="11" name="Slide Title">
             <a:extLst>
               <a:ext uri="{FF2B5EF4-FFF2-40B4-BE49-F238E27FC236}">
-                <a16:creationId xmlns:a16="http://schemas.microsoft.com/office/drawing/2014/main" id="{47D60833-F0A9-4F29-8C06-A963A7C8BE93}"/>
+                <a16:creationId xmlns:a16="http://schemas.microsoft.com/office/drawing/2014/main" xmlns="" id="{47D60833-F0A9-4F29-8C06-A963A7C8BE93}"/>
               </a:ext>
             </a:extLst>
           </p:cNvPr>
@@ -12665,18 +12667,18 @@
     </p:spTree>
     <p:extLst>
       <p:ext uri="{BB962C8B-B14F-4D97-AF65-F5344CB8AC3E}">
-        <p14:creationId xmlns:p14="http://schemas.microsoft.com/office/powerpoint/2010/main" val="1000829826"/>
+        <p14:creationId xmlns:p14="http://schemas.microsoft.com/office/powerpoint/2010/main" xmlns="" val="1000829826"/>
       </p:ext>
     </p:extLst>
   </p:cSld>
   <p:clrMapOvr>
     <a:masterClrMapping/>
   </p:clrMapOvr>
-  <mc:AlternateContent xmlns:mc="http://schemas.openxmlformats.org/markup-compatibility/2006" xmlns:p14="http://schemas.microsoft.com/office/powerpoint/2010/main">
-    <mc:Choice Requires="p14">
+  <mc:AlternateContent xmlns:mc="http://schemas.openxmlformats.org/markup-compatibility/2006">
+    <mc:Choice xmlns:p14="http://schemas.microsoft.com/office/powerpoint/2010/main" xmlns="" Requires="p14">
       <p:transition spd="slow" p14:dur="2000" advClick="0" advTm="5000"/>
     </mc:Choice>
-    <mc:Fallback xmlns="">
+    <mc:Fallback>
       <p:transition spd="slow" advClick="0" advTm="5000"/>
     </mc:Fallback>
   </mc:AlternateContent>
@@ -12705,7 +12707,7 @@
           <p:cNvPr id="10" name="Slide Number">
             <a:extLst>
               <a:ext uri="{FF2B5EF4-FFF2-40B4-BE49-F238E27FC236}">
-                <a16:creationId xmlns:a16="http://schemas.microsoft.com/office/drawing/2014/main" id="{39DDE17E-5472-41F3-AF5F-54DFF10DC63C}"/>
+                <a16:creationId xmlns:a16="http://schemas.microsoft.com/office/drawing/2014/main" xmlns="" id="{39DDE17E-5472-41F3-AF5F-54DFF10DC63C}"/>
               </a:ext>
             </a:extLst>
           </p:cNvPr>
@@ -12747,7 +12749,7 @@
           <p:cNvPr id="9" name="Picture SoftUni Mascot" descr="SoftUni mascot with laptop">
             <a:extLst>
               <a:ext uri="{FF2B5EF4-FFF2-40B4-BE49-F238E27FC236}">
-                <a16:creationId xmlns:a16="http://schemas.microsoft.com/office/drawing/2014/main" id="{DC4365F6-D2C1-47B4-8477-38FD2C7711AA}"/>
+                <a16:creationId xmlns:a16="http://schemas.microsoft.com/office/drawing/2014/main" xmlns="" id="{DC4365F6-D2C1-47B4-8477-38FD2C7711AA}"/>
               </a:ext>
             </a:extLst>
           </p:cNvPr>
@@ -12760,7 +12762,7 @@
           <a:blip r:embed="rId2" cstate="print">
             <a:extLst>
               <a:ext uri="{28A0092B-C50C-407E-A947-70E740481C1C}">
-                <a14:useLocalDpi xmlns:a14="http://schemas.microsoft.com/office/drawing/2010/main" val="0"/>
+                <a14:useLocalDpi xmlns:a14="http://schemas.microsoft.com/office/drawing/2010/main" xmlns="